--- a/template_project_exam__1_.pptx
+++ b/template_project_exam__1_.pptx
@@ -5,14 +5,19 @@
     <p:sldMasterId id="2147483660" r:id="rId1"/>
   </p:sldMasterIdLst>
   <p:notesMasterIdLst>
-    <p:notesMasterId r:id="rId7"/>
+    <p:notesMasterId r:id="rId12"/>
   </p:notesMasterIdLst>
   <p:sldIdLst>
     <p:sldId id="256" r:id="rId2"/>
     <p:sldId id="257" r:id="rId3"/>
     <p:sldId id="258" r:id="rId4"/>
-    <p:sldId id="260" r:id="rId5"/>
-    <p:sldId id="259" r:id="rId6"/>
+    <p:sldId id="263" r:id="rId5"/>
+    <p:sldId id="264" r:id="rId6"/>
+    <p:sldId id="265" r:id="rId7"/>
+    <p:sldId id="260" r:id="rId8"/>
+    <p:sldId id="261" r:id="rId9"/>
+    <p:sldId id="262" r:id="rId10"/>
+    <p:sldId id="259" r:id="rId11"/>
   </p:sldIdLst>
   <p:sldSz cx="9144000" cy="6858000" type="screen4x3"/>
   <p:notesSz cx="6858000" cy="9144000"/>
@@ -201,7 +206,7 @@
           <a:p>
             <a:fld id="{7821C63B-7147-40DC-9DD1-A22900D398CA}" type="datetimeFigureOut">
               <a:rPr lang="it-IT" smtClean="0"/>
-              <a:t>08/04/2019</a:t>
+              <a:t>09/04/2019</a:t>
             </a:fld>
             <a:endParaRPr lang="it-IT"/>
           </a:p>
@@ -1495,6 +1500,114 @@
 </p:sld>
 </file>
 
+<file path=ppt/slides/slide10.xml><?xml version="1.0" encoding="utf-8"?>
+<p:sld xmlns:a="http://schemas.openxmlformats.org/drawingml/2006/main" xmlns:r="http://schemas.openxmlformats.org/officeDocument/2006/relationships" xmlns:p="http://schemas.openxmlformats.org/presentationml/2006/main">
+  <p:cSld>
+    <p:spTree>
+      <p:nvGrpSpPr>
+        <p:cNvPr id="1" name=""/>
+        <p:cNvGrpSpPr/>
+        <p:nvPr/>
+      </p:nvGrpSpPr>
+      <p:grpSpPr>
+        <a:xfrm>
+          <a:off x="0" y="0"/>
+          <a:ext cx="0" cy="0"/>
+          <a:chOff x="0" y="0"/>
+          <a:chExt cx="0" cy="0"/>
+        </a:xfrm>
+      </p:grpSpPr>
+      <p:sp>
+        <p:nvSpPr>
+          <p:cNvPr id="2" name="Titolo 1"/>
+          <p:cNvSpPr>
+            <a:spLocks noGrp="1"/>
+          </p:cNvSpPr>
+          <p:nvPr>
+            <p:ph type="title"/>
+          </p:nvPr>
+        </p:nvSpPr>
+        <p:spPr/>
+        <p:txBody>
+          <a:bodyPr/>
+          <a:lstStyle/>
+          <a:p>
+            <a:endParaRPr lang="en-GB"/>
+          </a:p>
+        </p:txBody>
+      </p:sp>
+      <p:sp>
+        <p:nvSpPr>
+          <p:cNvPr id="4" name="Segnaposto contenuto 3"/>
+          <p:cNvSpPr>
+            <a:spLocks noGrp="1"/>
+          </p:cNvSpPr>
+          <p:nvPr>
+            <p:ph idx="1"/>
+          </p:nvPr>
+        </p:nvSpPr>
+        <p:spPr/>
+        <p:txBody>
+          <a:bodyPr>
+            <a:normAutofit/>
+          </a:bodyPr>
+          <a:lstStyle/>
+          <a:p>
+            <a:pPr marL="0" indent="0" algn="ctr">
+              <a:buNone/>
+            </a:pPr>
+            <a:r>
+              <a:rPr lang="en-GB" sz="9600" dirty="0"/>
+              <a:t>END</a:t>
+            </a:r>
+          </a:p>
+          <a:p>
+            <a:pPr marL="0" indent="0" algn="ctr">
+              <a:buNone/>
+            </a:pPr>
+            <a:r>
+              <a:rPr lang="en-GB" sz="7200" dirty="0"/>
+              <a:t>Questions?</a:t>
+            </a:r>
+          </a:p>
+        </p:txBody>
+      </p:sp>
+      <p:sp>
+        <p:nvSpPr>
+          <p:cNvPr id="3" name="Segnaposto numero diapositiva 2"/>
+          <p:cNvSpPr>
+            <a:spLocks noGrp="1"/>
+          </p:cNvSpPr>
+          <p:nvPr>
+            <p:ph type="sldNum" sz="quarter" idx="12"/>
+          </p:nvPr>
+        </p:nvSpPr>
+        <p:spPr/>
+        <p:txBody>
+          <a:bodyPr/>
+          <a:lstStyle/>
+          <a:p>
+            <a:fld id="{07C31548-3396-48E6-A4F0-B6B6C960F6EE}" type="slidenum">
+              <a:rPr lang="it-IT" smtClean="0"/>
+              <a:t>10</a:t>
+            </a:fld>
+            <a:endParaRPr lang="it-IT" dirty="0"/>
+          </a:p>
+        </p:txBody>
+      </p:sp>
+    </p:spTree>
+    <p:extLst>
+      <p:ext uri="{BB962C8B-B14F-4D97-AF65-F5344CB8AC3E}">
+        <p14:creationId xmlns:p14="http://schemas.microsoft.com/office/powerpoint/2010/main" val="2364199176"/>
+      </p:ext>
+    </p:extLst>
+  </p:cSld>
+  <p:clrMapOvr>
+    <a:masterClrMapping/>
+  </p:clrMapOvr>
+</p:sld>
+</file>
+
 <file path=ppt/slides/slide2.xml><?xml version="1.0" encoding="utf-8"?>
 <p:sld xmlns:a="http://schemas.openxmlformats.org/drawingml/2006/main" xmlns:r="http://schemas.openxmlformats.org/officeDocument/2006/relationships" xmlns:p="http://schemas.openxmlformats.org/presentationml/2006/main">
   <p:cSld>
@@ -1703,7 +1816,12 @@
             <p:ph idx="1"/>
           </p:nvPr>
         </p:nvSpPr>
-        <p:spPr/>
+        <p:spPr>
+          <a:xfrm>
+            <a:off x="628649" y="1290139"/>
+            <a:ext cx="7886700" cy="4351338"/>
+          </a:xfrm>
+        </p:spPr>
         <p:txBody>
           <a:bodyPr/>
           <a:lstStyle/>
@@ -1758,12 +1876,50 @@
           <a:chExt cx="0" cy="0"/>
         </a:xfrm>
       </p:grpSpPr>
+      <p:cxnSp>
+        <p:nvCxnSpPr>
+          <p:cNvPr id="15" name="Connettore diritto 14">
+            <a:extLst>
+              <a:ext uri="{FF2B5EF4-FFF2-40B4-BE49-F238E27FC236}">
+                <a16:creationId xmlns:a16="http://schemas.microsoft.com/office/drawing/2014/main" id="{B390A58C-1D9E-4A97-BE9A-BF55D8465D91}"/>
+              </a:ext>
+            </a:extLst>
+          </p:cNvPr>
+          <p:cNvCxnSpPr>
+            <a:cxnSpLocks/>
+          </p:cNvCxnSpPr>
+          <p:nvPr/>
+        </p:nvCxnSpPr>
+        <p:spPr>
+          <a:xfrm flipV="1">
+            <a:off x="1005290" y="2705563"/>
+            <a:ext cx="1132999" cy="29101"/>
+          </a:xfrm>
+          <a:prstGeom prst="line">
+            <a:avLst/>
+          </a:prstGeom>
+        </p:spPr>
+        <p:style>
+          <a:lnRef idx="1">
+            <a:schemeClr val="dk1"/>
+          </a:lnRef>
+          <a:fillRef idx="0">
+            <a:schemeClr val="dk1"/>
+          </a:fillRef>
+          <a:effectRef idx="0">
+            <a:schemeClr val="dk1"/>
+          </a:effectRef>
+          <a:fontRef idx="minor">
+            <a:schemeClr val="tx1"/>
+          </a:fontRef>
+        </p:style>
+      </p:cxnSp>
       <p:sp>
         <p:nvSpPr>
           <p:cNvPr id="2" name="Titolo 1">
             <a:extLst>
               <a:ext uri="{FF2B5EF4-FFF2-40B4-BE49-F238E27FC236}">
-                <a16:creationId xmlns:a16="http://schemas.microsoft.com/office/drawing/2014/main" id="{6E10AACD-DE1F-4B9F-A895-01BEBC915C9F}"/>
+                <a16:creationId xmlns:a16="http://schemas.microsoft.com/office/drawing/2014/main" id="{0C1972E1-4985-40B9-BFD8-855BB09CEEAA}"/>
               </a:ext>
             </a:extLst>
           </p:cNvPr>
@@ -1780,28 +1936,8 @@
           <a:lstStyle/>
           <a:p>
             <a:r>
-              <a:rPr lang="it-IT" dirty="0" err="1"/>
-              <a:t>Path</a:t>
-            </a:r>
-            <a:r>
               <a:rPr lang="it-IT" dirty="0"/>
-              <a:t> </a:t>
-            </a:r>
-            <a:r>
-              <a:rPr lang="it-IT" dirty="0" err="1"/>
-              <a:t>configuration</a:t>
-            </a:r>
-            <a:r>
-              <a:rPr lang="it-IT" dirty="0"/>
-              <a:t> </a:t>
-            </a:r>
-            <a:r>
-              <a:rPr lang="it-IT" dirty="0" err="1"/>
-              <a:t>example</a:t>
-            </a:r>
-            <a:r>
-              <a:rPr lang="it-IT" dirty="0"/>
-              <a:t> (1)</a:t>
+              <a:t>MPLS connection setup</a:t>
             </a:r>
           </a:p>
         </p:txBody>
@@ -1811,7 +1947,7 @@
           <p:cNvPr id="3" name="Segnaposto numero diapositiva 2">
             <a:extLst>
               <a:ext uri="{FF2B5EF4-FFF2-40B4-BE49-F238E27FC236}">
-                <a16:creationId xmlns:a16="http://schemas.microsoft.com/office/drawing/2014/main" id="{7DD16D9D-B660-4053-B641-8A230B5688AB}"/>
+                <a16:creationId xmlns:a16="http://schemas.microsoft.com/office/drawing/2014/main" id="{3E59ED79-E844-40B5-9C7B-425E84CF27F6}"/>
               </a:ext>
             </a:extLst>
           </p:cNvPr>
@@ -1837,10 +1973,10 @@
       </p:sp>
       <p:pic>
         <p:nvPicPr>
-          <p:cNvPr id="6" name="Segnaposto contenuto 5">
-            <a:extLst>
-              <a:ext uri="{FF2B5EF4-FFF2-40B4-BE49-F238E27FC236}">
-                <a16:creationId xmlns:a16="http://schemas.microsoft.com/office/drawing/2014/main" id="{FD11C4B4-0A5A-4657-9A9D-D0DBEF6926C0}"/>
+          <p:cNvPr id="9" name="Segnaposto contenuto 8">
+            <a:extLst>
+              <a:ext uri="{FF2B5EF4-FFF2-40B4-BE49-F238E27FC236}">
+                <a16:creationId xmlns:a16="http://schemas.microsoft.com/office/drawing/2014/main" id="{743157E7-5546-4B8E-901D-739E091FAF04}"/>
               </a:ext>
             </a:extLst>
           </p:cNvPr>
@@ -1853,6 +1989,7 @@
         </p:nvPicPr>
         <p:blipFill>
           <a:blip r:embed="rId2">
+            <a:alphaModFix/>
             <a:extLst>
               <a:ext uri="{28A0092B-C50C-407E-A947-70E740481C1C}">
                 <a14:useLocalDpi xmlns:a14="http://schemas.microsoft.com/office/drawing/2010/main" val="0"/>
@@ -1865,17 +2002,54 @@
         </p:blipFill>
         <p:spPr>
           <a:xfrm>
-            <a:off x="2254689" y="1355759"/>
-            <a:ext cx="4634621" cy="3438590"/>
+            <a:off x="1991714" y="2471686"/>
+            <a:ext cx="674118" cy="467755"/>
           </a:xfrm>
         </p:spPr>
       </p:pic>
-      <p:sp>
-        <p:nvSpPr>
-          <p:cNvPr id="7" name="Freccia in giù 6">
-            <a:extLst>
-              <a:ext uri="{FF2B5EF4-FFF2-40B4-BE49-F238E27FC236}">
-                <a16:creationId xmlns:a16="http://schemas.microsoft.com/office/drawing/2014/main" id="{97AA6685-EB0D-46AA-AE78-03B31C0D6BD7}"/>
+      <p:pic>
+        <p:nvPicPr>
+          <p:cNvPr id="10" name="Segnaposto contenuto 8">
+            <a:extLst>
+              <a:ext uri="{FF2B5EF4-FFF2-40B4-BE49-F238E27FC236}">
+                <a16:creationId xmlns:a16="http://schemas.microsoft.com/office/drawing/2014/main" id="{E054EBD3-1794-4ED1-8B12-801A199F1200}"/>
+              </a:ext>
+            </a:extLst>
+          </p:cNvPr>
+          <p:cNvPicPr>
+            <a:picLocks noChangeAspect="1"/>
+          </p:cNvPicPr>
+          <p:nvPr/>
+        </p:nvPicPr>
+        <p:blipFill>
+          <a:blip r:embed="rId2">
+            <a:alphaModFix/>
+            <a:extLst>
+              <a:ext uri="{28A0092B-C50C-407E-A947-70E740481C1C}">
+                <a14:useLocalDpi xmlns:a14="http://schemas.microsoft.com/office/drawing/2010/main" val="0"/>
+              </a:ext>
+            </a:extLst>
+          </a:blip>
+          <a:stretch>
+            <a:fillRect/>
+          </a:stretch>
+        </p:blipFill>
+        <p:spPr>
+          <a:xfrm>
+            <a:off x="6513345" y="2471685"/>
+            <a:ext cx="674118" cy="467755"/>
+          </a:xfrm>
+          <a:prstGeom prst="rect">
+            <a:avLst/>
+          </a:prstGeom>
+        </p:spPr>
+      </p:pic>
+      <p:sp>
+        <p:nvSpPr>
+          <p:cNvPr id="5" name="Nuvola 4">
+            <a:extLst>
+              <a:ext uri="{FF2B5EF4-FFF2-40B4-BE49-F238E27FC236}">
+                <a16:creationId xmlns:a16="http://schemas.microsoft.com/office/drawing/2014/main" id="{97F06671-A186-406A-9BC9-7C8E3A1650B9}"/>
               </a:ext>
             </a:extLst>
           </p:cNvPr>
@@ -1883,13 +2057,18 @@
           <p:nvPr/>
         </p:nvSpPr>
         <p:spPr>
-          <a:xfrm rot="14120756">
-            <a:off x="3377882" y="1429106"/>
-            <a:ext cx="301491" cy="1473281"/>
-          </a:xfrm>
-          <a:prstGeom prst="downArrow">
+          <a:xfrm>
+            <a:off x="2606039" y="1559047"/>
+            <a:ext cx="3931921" cy="2293034"/>
+          </a:xfrm>
+          <a:prstGeom prst="cloud">
             <a:avLst/>
           </a:prstGeom>
+          <a:solidFill>
+            <a:schemeClr val="bg2">
+              <a:lumMod val="90000"/>
+            </a:schemeClr>
+          </a:solidFill>
         </p:spPr>
         <p:style>
           <a:lnRef idx="2">
@@ -1916,180 +2095,388 @@
           </a:p>
         </p:txBody>
       </p:sp>
-      <p:sp>
-        <p:nvSpPr>
-          <p:cNvPr id="8" name="Freccia in giù 7">
-            <a:extLst>
-              <a:ext uri="{FF2B5EF4-FFF2-40B4-BE49-F238E27FC236}">
-                <a16:creationId xmlns:a16="http://schemas.microsoft.com/office/drawing/2014/main" id="{452409CF-372E-4958-AA75-2E032F9A54B3}"/>
-              </a:ext>
-            </a:extLst>
-          </p:cNvPr>
-          <p:cNvSpPr/>
+      <p:pic>
+        <p:nvPicPr>
+          <p:cNvPr id="12" name="Immagine 11">
+            <a:extLst>
+              <a:ext uri="{FF2B5EF4-FFF2-40B4-BE49-F238E27FC236}">
+                <a16:creationId xmlns:a16="http://schemas.microsoft.com/office/drawing/2014/main" id="{EF4D5EBE-B849-4A0B-A950-C17884FB7B5A}"/>
+              </a:ext>
+            </a:extLst>
+          </p:cNvPr>
+          <p:cNvPicPr>
+            <a:picLocks noChangeAspect="1"/>
+          </p:cNvPicPr>
           <p:nvPr/>
-        </p:nvSpPr>
-        <p:spPr>
-          <a:xfrm rot="18437536">
-            <a:off x="5613530" y="1452478"/>
-            <a:ext cx="301491" cy="1473281"/>
-          </a:xfrm>
-          <a:prstGeom prst="downArrow">
+        </p:nvPicPr>
+        <p:blipFill>
+          <a:blip r:embed="rId3">
+            <a:extLst>
+              <a:ext uri="{28A0092B-C50C-407E-A947-70E740481C1C}">
+                <a14:useLocalDpi xmlns:a14="http://schemas.microsoft.com/office/drawing/2010/main" val="0"/>
+              </a:ext>
+            </a:extLst>
+          </a:blip>
+          <a:stretch>
+            <a:fillRect/>
+          </a:stretch>
+        </p:blipFill>
+        <p:spPr>
+          <a:xfrm>
+            <a:off x="334481" y="2264442"/>
+            <a:ext cx="756502" cy="756502"/>
+          </a:xfrm>
+          <a:prstGeom prst="rect">
             <a:avLst/>
           </a:prstGeom>
         </p:spPr>
+      </p:pic>
+      <p:pic>
+        <p:nvPicPr>
+          <p:cNvPr id="13" name="Immagine 12">
+            <a:extLst>
+              <a:ext uri="{FF2B5EF4-FFF2-40B4-BE49-F238E27FC236}">
+                <a16:creationId xmlns:a16="http://schemas.microsoft.com/office/drawing/2014/main" id="{48A35DE4-B805-4ACD-8326-3E3AF9A2E9EF}"/>
+              </a:ext>
+            </a:extLst>
+          </p:cNvPr>
+          <p:cNvPicPr>
+            <a:picLocks noChangeAspect="1"/>
+          </p:cNvPicPr>
+          <p:nvPr/>
+        </p:nvPicPr>
+        <p:blipFill>
+          <a:blip r:embed="rId3">
+            <a:extLst>
+              <a:ext uri="{28A0092B-C50C-407E-A947-70E740481C1C}">
+                <a14:useLocalDpi xmlns:a14="http://schemas.microsoft.com/office/drawing/2010/main" val="0"/>
+              </a:ext>
+            </a:extLst>
+          </a:blip>
+          <a:stretch>
+            <a:fillRect/>
+          </a:stretch>
+        </p:blipFill>
+        <p:spPr>
+          <a:xfrm>
+            <a:off x="7839803" y="2327311"/>
+            <a:ext cx="756502" cy="756502"/>
+          </a:xfrm>
+          <a:prstGeom prst="rect">
+            <a:avLst/>
+          </a:prstGeom>
+        </p:spPr>
+      </p:pic>
+      <p:cxnSp>
+        <p:nvCxnSpPr>
+          <p:cNvPr id="16" name="Connettore diritto 15">
+            <a:extLst>
+              <a:ext uri="{FF2B5EF4-FFF2-40B4-BE49-F238E27FC236}">
+                <a16:creationId xmlns:a16="http://schemas.microsoft.com/office/drawing/2014/main" id="{52CC24AB-8CCE-43F6-8BFE-B709183006D8}"/>
+              </a:ext>
+            </a:extLst>
+          </p:cNvPr>
+          <p:cNvCxnSpPr/>
+          <p:nvPr/>
+        </p:nvCxnSpPr>
+        <p:spPr>
+          <a:xfrm>
+            <a:off x="7152285" y="2734664"/>
+            <a:ext cx="1047306" cy="26773"/>
+          </a:xfrm>
+          <a:prstGeom prst="line">
+            <a:avLst/>
+          </a:prstGeom>
+        </p:spPr>
         <p:style>
-          <a:lnRef idx="2">
-            <a:schemeClr val="accent1">
-              <a:shade val="50000"/>
-            </a:schemeClr>
+          <a:lnRef idx="1">
+            <a:schemeClr val="dk1"/>
           </a:lnRef>
-          <a:fillRef idx="1">
-            <a:schemeClr val="accent1"/>
+          <a:fillRef idx="0">
+            <a:schemeClr val="dk1"/>
           </a:fillRef>
           <a:effectRef idx="0">
-            <a:schemeClr val="accent1"/>
+            <a:schemeClr val="dk1"/>
           </a:effectRef>
           <a:fontRef idx="minor">
-            <a:schemeClr val="lt1"/>
+            <a:schemeClr val="tx1"/>
           </a:fontRef>
         </p:style>
-        <p:txBody>
-          <a:bodyPr rtlCol="0" anchor="ctr"/>
+      </p:cxnSp>
+      <p:sp>
+        <p:nvSpPr>
+          <p:cNvPr id="21" name="CasellaDiTesto 20">
+            <a:extLst>
+              <a:ext uri="{FF2B5EF4-FFF2-40B4-BE49-F238E27FC236}">
+                <a16:creationId xmlns:a16="http://schemas.microsoft.com/office/drawing/2014/main" id="{F45153C0-9F4E-4A1D-A9CD-A2052CB8E541}"/>
+              </a:ext>
+            </a:extLst>
+          </p:cNvPr>
+          <p:cNvSpPr txBox="1"/>
+          <p:nvPr/>
+        </p:nvSpPr>
+        <p:spPr>
+          <a:xfrm>
+            <a:off x="524027" y="2968541"/>
+            <a:ext cx="481263" cy="246221"/>
+          </a:xfrm>
+          <a:prstGeom prst="rect">
+            <a:avLst/>
+          </a:prstGeom>
+          <a:noFill/>
+        </p:spPr>
+        <p:txBody>
+          <a:bodyPr wrap="square" rtlCol="0">
+            <a:spAutoFit/>
+          </a:bodyPr>
           <a:lstStyle/>
           <a:p>
-            <a:pPr algn="ctr"/>
-            <a:endParaRPr lang="it-IT"/>
-          </a:p>
-        </p:txBody>
-      </p:sp>
-      <p:sp>
-        <p:nvSpPr>
-          <p:cNvPr id="10" name="Freccia in giù 9">
-            <a:extLst>
-              <a:ext uri="{FF2B5EF4-FFF2-40B4-BE49-F238E27FC236}">
-                <a16:creationId xmlns:a16="http://schemas.microsoft.com/office/drawing/2014/main" id="{EFC71212-A570-4375-9C6A-40B5F05BFBBC}"/>
-              </a:ext>
-            </a:extLst>
-          </p:cNvPr>
-          <p:cNvSpPr/>
+            <a:r>
+              <a:rPr lang="it-IT" sz="1000" dirty="0"/>
+              <a:t>host1</a:t>
+            </a:r>
+          </a:p>
+        </p:txBody>
+      </p:sp>
+      <p:sp>
+        <p:nvSpPr>
+          <p:cNvPr id="22" name="CasellaDiTesto 21">
+            <a:extLst>
+              <a:ext uri="{FF2B5EF4-FFF2-40B4-BE49-F238E27FC236}">
+                <a16:creationId xmlns:a16="http://schemas.microsoft.com/office/drawing/2014/main" id="{06DE3E89-9408-4BE7-A065-1B0DC66DC37D}"/>
+              </a:ext>
+            </a:extLst>
+          </p:cNvPr>
+          <p:cNvSpPr txBox="1"/>
           <p:nvPr/>
         </p:nvSpPr>
         <p:spPr>
-          <a:xfrm rot="18292896">
-            <a:off x="3357653" y="3107657"/>
-            <a:ext cx="301491" cy="1473281"/>
-          </a:xfrm>
-          <a:prstGeom prst="downArrow">
+          <a:xfrm>
+            <a:off x="8085616" y="3020944"/>
+            <a:ext cx="481263" cy="246221"/>
+          </a:xfrm>
+          <a:prstGeom prst="rect">
+            <a:avLst/>
+          </a:prstGeom>
+          <a:noFill/>
+        </p:spPr>
+        <p:txBody>
+          <a:bodyPr wrap="square" rtlCol="0">
+            <a:spAutoFit/>
+          </a:bodyPr>
+          <a:lstStyle/>
+          <a:p>
+            <a:r>
+              <a:rPr lang="it-IT" sz="1000" dirty="0"/>
+              <a:t>host2</a:t>
+            </a:r>
+          </a:p>
+        </p:txBody>
+      </p:sp>
+      <p:sp>
+        <p:nvSpPr>
+          <p:cNvPr id="23" name="CasellaDiTesto 22">
+            <a:extLst>
+              <a:ext uri="{FF2B5EF4-FFF2-40B4-BE49-F238E27FC236}">
+                <a16:creationId xmlns:a16="http://schemas.microsoft.com/office/drawing/2014/main" id="{434FE8A4-83E9-483E-A40C-A3688FC1BC7F}"/>
+              </a:ext>
+            </a:extLst>
+          </p:cNvPr>
+          <p:cNvSpPr txBox="1"/>
+          <p:nvPr/>
+        </p:nvSpPr>
+        <p:spPr>
+          <a:xfrm>
+            <a:off x="210207" y="4446497"/>
+            <a:ext cx="8679976" cy="1938992"/>
+          </a:xfrm>
+          <a:prstGeom prst="rect">
+            <a:avLst/>
+          </a:prstGeom>
+          <a:noFill/>
+        </p:spPr>
+        <p:txBody>
+          <a:bodyPr wrap="square" rtlCol="0">
+            <a:spAutoFit/>
+          </a:bodyPr>
+          <a:lstStyle/>
+          <a:p>
+            <a:pPr marL="285750" indent="-285750">
+              <a:buFont typeface="Arial" panose="020B0604020202020204" pitchFamily="34" charset="0"/>
+              <a:buChar char="•"/>
+            </a:pPr>
+            <a:r>
+              <a:rPr lang="it-IT" sz="2000" dirty="0"/>
+              <a:t>h1 </a:t>
+            </a:r>
+            <a:r>
+              <a:rPr lang="it-IT" sz="2000" dirty="0" err="1"/>
+              <a:t>wants</a:t>
+            </a:r>
+            <a:r>
+              <a:rPr lang="it-IT" sz="2000" dirty="0"/>
+              <a:t> to </a:t>
+            </a:r>
+            <a:r>
+              <a:rPr lang="it-IT" sz="2000" dirty="0" err="1"/>
+              <a:t>establish</a:t>
+            </a:r>
+            <a:r>
+              <a:rPr lang="it-IT" sz="2000" dirty="0"/>
+              <a:t> an IP connection with h2</a:t>
+            </a:r>
+          </a:p>
+          <a:p>
+            <a:pPr marL="285750" indent="-285750">
+              <a:buFont typeface="Arial" panose="020B0604020202020204" pitchFamily="34" charset="0"/>
+              <a:buChar char="•"/>
+            </a:pPr>
+            <a:r>
+              <a:rPr lang="it-IT" sz="2000" dirty="0" err="1"/>
+              <a:t>All</a:t>
+            </a:r>
+            <a:r>
+              <a:rPr lang="it-IT" sz="2000" dirty="0"/>
+              <a:t> the flow </a:t>
+            </a:r>
+            <a:r>
+              <a:rPr lang="it-IT" sz="2000" dirty="0" err="1"/>
+              <a:t>tables</a:t>
+            </a:r>
+            <a:r>
+              <a:rPr lang="it-IT" sz="2000" dirty="0"/>
+              <a:t> of the switches inside the network are </a:t>
+            </a:r>
+            <a:r>
+              <a:rPr lang="it-IT" sz="2000" dirty="0" err="1"/>
+              <a:t>empty</a:t>
+            </a:r>
+            <a:r>
+              <a:rPr lang="it-IT" sz="2000" dirty="0"/>
+              <a:t> (</a:t>
+            </a:r>
+            <a:r>
+              <a:rPr lang="it-IT" sz="2000" dirty="0" err="1"/>
+              <a:t>only</a:t>
+            </a:r>
+            <a:r>
+              <a:rPr lang="it-IT" sz="2000" dirty="0"/>
+              <a:t> default rule </a:t>
+            </a:r>
+            <a:r>
+              <a:rPr lang="it-IT" sz="2000" dirty="0" err="1"/>
+              <a:t>is</a:t>
+            </a:r>
+            <a:r>
+              <a:rPr lang="it-IT" sz="2000" dirty="0"/>
+              <a:t> </a:t>
+            </a:r>
+            <a:r>
+              <a:rPr lang="it-IT" sz="2000" dirty="0" err="1"/>
+              <a:t>installed</a:t>
+            </a:r>
+            <a:r>
+              <a:rPr lang="it-IT" sz="2000" dirty="0"/>
+              <a:t>)</a:t>
+            </a:r>
+          </a:p>
+          <a:p>
+            <a:pPr marL="285750" indent="-285750">
+              <a:buFont typeface="Arial" panose="020B0604020202020204" pitchFamily="34" charset="0"/>
+              <a:buChar char="•"/>
+            </a:pPr>
+            <a:r>
+              <a:rPr lang="it-IT" sz="2000" dirty="0" err="1"/>
+              <a:t>When</a:t>
+            </a:r>
+            <a:r>
+              <a:rPr lang="it-IT" sz="2000" dirty="0"/>
+              <a:t> the </a:t>
+            </a:r>
+            <a:r>
+              <a:rPr lang="it-IT" sz="2000" dirty="0" err="1"/>
+              <a:t>firtst</a:t>
+            </a:r>
+            <a:r>
+              <a:rPr lang="it-IT" sz="2000" dirty="0"/>
+              <a:t> IP </a:t>
+            </a:r>
+            <a:r>
+              <a:rPr lang="it-IT" sz="2000" dirty="0" err="1"/>
+              <a:t>packet</a:t>
+            </a:r>
+            <a:r>
+              <a:rPr lang="it-IT" sz="2000" dirty="0"/>
+              <a:t> </a:t>
+            </a:r>
+            <a:r>
+              <a:rPr lang="it-IT" sz="2000" dirty="0" err="1"/>
+              <a:t>comes</a:t>
+            </a:r>
+            <a:r>
+              <a:rPr lang="it-IT" sz="2000" dirty="0"/>
+              <a:t> to the switch </a:t>
+            </a:r>
+            <a:r>
+              <a:rPr lang="it-IT" sz="2000" dirty="0" err="1"/>
+              <a:t>connected</a:t>
+            </a:r>
+            <a:r>
+              <a:rPr lang="it-IT" sz="2000" dirty="0"/>
+              <a:t> to h1, the controller </a:t>
+            </a:r>
+            <a:r>
+              <a:rPr lang="it-IT" sz="2000" dirty="0" err="1"/>
+              <a:t>installs</a:t>
+            </a:r>
+            <a:r>
+              <a:rPr lang="it-IT" sz="2000" dirty="0"/>
+              <a:t> MPLS rules in the switches of default and backup </a:t>
+            </a:r>
+            <a:r>
+              <a:rPr lang="it-IT" sz="2000" dirty="0" err="1"/>
+              <a:t>paths</a:t>
+            </a:r>
+            <a:endParaRPr lang="it-IT" sz="2000" dirty="0"/>
+          </a:p>
+          <a:p>
+            <a:pPr marL="285750" indent="-285750">
+              <a:buFont typeface="Arial" panose="020B0604020202020204" pitchFamily="34" charset="0"/>
+              <a:buChar char="•"/>
+            </a:pPr>
+            <a:endParaRPr lang="it-IT" sz="2000" dirty="0"/>
+          </a:p>
+        </p:txBody>
+      </p:sp>
+      <p:sp>
+        <p:nvSpPr>
+          <p:cNvPr id="24" name="CasellaDiTesto 23">
+            <a:extLst>
+              <a:ext uri="{FF2B5EF4-FFF2-40B4-BE49-F238E27FC236}">
+                <a16:creationId xmlns:a16="http://schemas.microsoft.com/office/drawing/2014/main" id="{3CA76B56-AC95-488D-8466-26B4664097B4}"/>
+              </a:ext>
+            </a:extLst>
+          </p:cNvPr>
+          <p:cNvSpPr txBox="1"/>
+          <p:nvPr/>
+        </p:nvSpPr>
+        <p:spPr>
+          <a:xfrm>
+            <a:off x="2641217" y="951497"/>
+            <a:ext cx="3847513" cy="461665"/>
+          </a:xfrm>
+          <a:prstGeom prst="rect">
             <a:avLst/>
           </a:prstGeom>
           <a:solidFill>
-            <a:schemeClr val="tx2">
+            <a:schemeClr val="accent1">
               <a:lumMod val="20000"/>
               <a:lumOff val="80000"/>
             </a:schemeClr>
           </a:solidFill>
-        </p:spPr>
-        <p:style>
-          <a:lnRef idx="2">
-            <a:schemeClr val="accent1">
-              <a:shade val="50000"/>
-            </a:schemeClr>
-          </a:lnRef>
-          <a:fillRef idx="1">
-            <a:schemeClr val="accent1"/>
-          </a:fillRef>
-          <a:effectRef idx="0">
-            <a:schemeClr val="accent1"/>
-          </a:effectRef>
-          <a:fontRef idx="minor">
-            <a:schemeClr val="lt1"/>
-          </a:fontRef>
-        </p:style>
-        <p:txBody>
-          <a:bodyPr rtlCol="0" anchor="ctr"/>
-          <a:lstStyle/>
-          <a:p>
-            <a:pPr algn="ctr"/>
-            <a:endParaRPr lang="it-IT"/>
-          </a:p>
-        </p:txBody>
-      </p:sp>
-      <p:sp>
-        <p:nvSpPr>
-          <p:cNvPr id="11" name="Freccia in giù 10">
-            <a:extLst>
-              <a:ext uri="{FF2B5EF4-FFF2-40B4-BE49-F238E27FC236}">
-                <a16:creationId xmlns:a16="http://schemas.microsoft.com/office/drawing/2014/main" id="{F8C04DEE-ABB1-440B-BA71-FBA54E4062FA}"/>
-              </a:ext>
-            </a:extLst>
-          </p:cNvPr>
-          <p:cNvSpPr/>
-          <p:nvPr/>
-        </p:nvSpPr>
-        <p:spPr>
-          <a:xfrm rot="14120756">
-            <a:off x="5599225" y="3109720"/>
-            <a:ext cx="301491" cy="1473281"/>
-          </a:xfrm>
-          <a:prstGeom prst="downArrow">
-            <a:avLst/>
-          </a:prstGeom>
-          <a:solidFill>
-            <a:schemeClr val="tx2">
-              <a:lumMod val="20000"/>
-              <a:lumOff val="80000"/>
-            </a:schemeClr>
-          </a:solidFill>
-        </p:spPr>
-        <p:style>
-          <a:lnRef idx="2">
-            <a:schemeClr val="accent1">
-              <a:shade val="50000"/>
-            </a:schemeClr>
-          </a:lnRef>
-          <a:fillRef idx="1">
-            <a:schemeClr val="accent1"/>
-          </a:fillRef>
-          <a:effectRef idx="0">
-            <a:schemeClr val="accent1"/>
-          </a:effectRef>
-          <a:fontRef idx="minor">
-            <a:schemeClr val="lt1"/>
-          </a:fontRef>
-        </p:style>
-        <p:txBody>
-          <a:bodyPr rtlCol="0" anchor="ctr"/>
-          <a:lstStyle/>
-          <a:p>
-            <a:pPr algn="ctr"/>
-            <a:endParaRPr lang="it-IT"/>
-          </a:p>
-        </p:txBody>
-      </p:sp>
-      <p:sp>
-        <p:nvSpPr>
-          <p:cNvPr id="12" name="CasellaDiTesto 11">
-            <a:extLst>
-              <a:ext uri="{FF2B5EF4-FFF2-40B4-BE49-F238E27FC236}">
-                <a16:creationId xmlns:a16="http://schemas.microsoft.com/office/drawing/2014/main" id="{B107919C-D078-4FBF-AB29-6015008678C7}"/>
-              </a:ext>
-            </a:extLst>
-          </p:cNvPr>
-          <p:cNvSpPr txBox="1"/>
-          <p:nvPr/>
-        </p:nvSpPr>
-        <p:spPr>
-          <a:xfrm>
-            <a:off x="420414" y="968525"/>
-            <a:ext cx="1496492" cy="646331"/>
-          </a:xfrm>
-          <a:prstGeom prst="rect">
-            <a:avLst/>
-          </a:prstGeom>
-          <a:noFill/>
           <a:ln>
             <a:solidFill>
-              <a:schemeClr val="accent1"/>
+              <a:schemeClr val="dk1"/>
             </a:solidFill>
           </a:ln>
         </p:spPr>
@@ -2099,444 +2486,19 @@
           </a:bodyPr>
           <a:lstStyle/>
           <a:p>
-            <a:r>
-              <a:rPr lang="it-IT" dirty="0"/>
-              <a:t>   Default </a:t>
-            </a:r>
-            <a:r>
-              <a:rPr lang="it-IT" dirty="0" err="1"/>
-              <a:t>path</a:t>
-            </a:r>
-            <a:br>
-              <a:rPr lang="it-IT" dirty="0"/>
-            </a:br>
-            <a:r>
-              <a:rPr lang="it-IT" dirty="0"/>
-              <a:t>   Backup </a:t>
-            </a:r>
-            <a:r>
-              <a:rPr lang="it-IT" dirty="0" err="1"/>
-              <a:t>path</a:t>
+            <a:pPr algn="ctr"/>
+            <a:r>
+              <a:rPr lang="it-IT" sz="2400" dirty="0"/>
+              <a:t>CONTROLLER</a:t>
             </a:r>
             <a:endParaRPr lang="it-IT" dirty="0"/>
-          </a:p>
-        </p:txBody>
-      </p:sp>
-      <p:sp>
-        <p:nvSpPr>
-          <p:cNvPr id="13" name="Rettangolo 12">
-            <a:extLst>
-              <a:ext uri="{FF2B5EF4-FFF2-40B4-BE49-F238E27FC236}">
-                <a16:creationId xmlns:a16="http://schemas.microsoft.com/office/drawing/2014/main" id="{0950ECC8-3449-4116-A8D7-F1506F15A0A7}"/>
-              </a:ext>
-            </a:extLst>
-          </p:cNvPr>
-          <p:cNvSpPr/>
-          <p:nvPr/>
-        </p:nvSpPr>
-        <p:spPr>
-          <a:xfrm>
-            <a:off x="486032" y="1096663"/>
-            <a:ext cx="121890" cy="131255"/>
-          </a:xfrm>
-          <a:prstGeom prst="rect">
-            <a:avLst/>
-          </a:prstGeom>
-        </p:spPr>
-        <p:style>
-          <a:lnRef idx="2">
-            <a:schemeClr val="accent1">
-              <a:shade val="50000"/>
-            </a:schemeClr>
-          </a:lnRef>
-          <a:fillRef idx="1">
-            <a:schemeClr val="accent1"/>
-          </a:fillRef>
-          <a:effectRef idx="0">
-            <a:schemeClr val="accent1"/>
-          </a:effectRef>
-          <a:fontRef idx="minor">
-            <a:schemeClr val="lt1"/>
-          </a:fontRef>
-        </p:style>
-        <p:txBody>
-          <a:bodyPr rtlCol="0" anchor="ctr"/>
-          <a:lstStyle/>
-          <a:p>
-            <a:pPr algn="ctr"/>
-            <a:endParaRPr lang="it-IT"/>
-          </a:p>
-        </p:txBody>
-      </p:sp>
-      <p:sp>
-        <p:nvSpPr>
-          <p:cNvPr id="14" name="Rettangolo 13">
-            <a:extLst>
-              <a:ext uri="{FF2B5EF4-FFF2-40B4-BE49-F238E27FC236}">
-                <a16:creationId xmlns:a16="http://schemas.microsoft.com/office/drawing/2014/main" id="{C35273B9-A165-4EA7-A6F5-825D5DCD8529}"/>
-              </a:ext>
-            </a:extLst>
-          </p:cNvPr>
-          <p:cNvSpPr/>
-          <p:nvPr/>
-        </p:nvSpPr>
-        <p:spPr>
-          <a:xfrm>
-            <a:off x="486032" y="1355759"/>
-            <a:ext cx="121890" cy="131255"/>
-          </a:xfrm>
-          <a:prstGeom prst="rect">
-            <a:avLst/>
-          </a:prstGeom>
-          <a:solidFill>
-            <a:schemeClr val="tx2">
-              <a:lumMod val="20000"/>
-              <a:lumOff val="80000"/>
-            </a:schemeClr>
-          </a:solidFill>
-        </p:spPr>
-        <p:style>
-          <a:lnRef idx="2">
-            <a:schemeClr val="accent1">
-              <a:shade val="50000"/>
-            </a:schemeClr>
-          </a:lnRef>
-          <a:fillRef idx="1">
-            <a:schemeClr val="accent1"/>
-          </a:fillRef>
-          <a:effectRef idx="0">
-            <a:schemeClr val="accent1"/>
-          </a:effectRef>
-          <a:fontRef idx="minor">
-            <a:schemeClr val="lt1"/>
-          </a:fontRef>
-        </p:style>
-        <p:txBody>
-          <a:bodyPr rtlCol="0" anchor="ctr"/>
-          <a:lstStyle/>
-          <a:p>
-            <a:pPr algn="ctr"/>
-            <a:endParaRPr lang="it-IT"/>
-          </a:p>
-        </p:txBody>
-      </p:sp>
-      <p:sp>
-        <p:nvSpPr>
-          <p:cNvPr id="15" name="CasellaDiTesto 14">
-            <a:extLst>
-              <a:ext uri="{FF2B5EF4-FFF2-40B4-BE49-F238E27FC236}">
-                <a16:creationId xmlns:a16="http://schemas.microsoft.com/office/drawing/2014/main" id="{80D24999-D6D0-4E55-A16C-7E3DFC6F41B1}"/>
-              </a:ext>
-            </a:extLst>
-          </p:cNvPr>
-          <p:cNvSpPr txBox="1"/>
-          <p:nvPr/>
-        </p:nvSpPr>
-        <p:spPr>
-          <a:xfrm>
-            <a:off x="453931" y="3471767"/>
-            <a:ext cx="1958041" cy="2031325"/>
-          </a:xfrm>
-          <a:prstGeom prst="rect">
-            <a:avLst/>
-          </a:prstGeom>
-          <a:noFill/>
-          <a:ln>
-            <a:solidFill>
-              <a:schemeClr val="accent1">
-                <a:shade val="50000"/>
-              </a:schemeClr>
-            </a:solidFill>
-          </a:ln>
-        </p:spPr>
-        <p:txBody>
-          <a:bodyPr wrap="square" rtlCol="0">
-            <a:spAutoFit/>
-          </a:bodyPr>
-          <a:lstStyle/>
-          <a:p>
-            <a:r>
-              <a:rPr lang="it-IT" sz="1400" dirty="0"/>
-              <a:t>Action set for switch 1:</a:t>
-            </a:r>
-            <a:br>
-              <a:rPr lang="it-IT" sz="1400" dirty="0"/>
-            </a:br>
-            <a:r>
-              <a:rPr lang="it-IT" sz="1400" dirty="0"/>
-              <a:t>PUSH MPLS, output 2,</a:t>
-            </a:r>
-            <a:br>
-              <a:rPr lang="it-IT" sz="1400" dirty="0"/>
-            </a:br>
-            <a:r>
-              <a:rPr lang="it-IT" sz="1400" dirty="0" err="1"/>
-              <a:t>priority</a:t>
-            </a:r>
-            <a:r>
-              <a:rPr lang="it-IT" sz="1400" dirty="0"/>
-              <a:t> 2 (default)</a:t>
-            </a:r>
-          </a:p>
-          <a:p>
-            <a:r>
-              <a:rPr lang="it-IT" sz="1400" dirty="0"/>
-              <a:t>PUSH MPLS, output 3,</a:t>
-            </a:r>
-            <a:br>
-              <a:rPr lang="it-IT" sz="1400" dirty="0"/>
-            </a:br>
-            <a:r>
-              <a:rPr lang="it-IT" sz="1400" dirty="0" err="1"/>
-              <a:t>priority</a:t>
-            </a:r>
-            <a:r>
-              <a:rPr lang="it-IT" sz="1400" dirty="0"/>
-              <a:t> 1 (backup)</a:t>
-            </a:r>
-          </a:p>
-          <a:p>
-            <a:r>
-              <a:rPr lang="it-IT" sz="1400" dirty="0"/>
-              <a:t>POP MPLS, output 1, </a:t>
-            </a:r>
-            <a:r>
-              <a:rPr lang="it-IT" sz="1400" dirty="0" err="1"/>
-              <a:t>priority</a:t>
-            </a:r>
-            <a:r>
-              <a:rPr lang="it-IT" sz="1400" dirty="0"/>
-              <a:t> 2 (default)</a:t>
-            </a:r>
-            <a:br>
-              <a:rPr lang="it-IT" sz="1400" dirty="0"/>
-            </a:br>
-            <a:r>
-              <a:rPr lang="it-IT" sz="1400" dirty="0"/>
-              <a:t>POP MPLS, output 1, </a:t>
-            </a:r>
-            <a:r>
-              <a:rPr lang="it-IT" sz="1400" dirty="0" err="1"/>
-              <a:t>priority</a:t>
-            </a:r>
-            <a:r>
-              <a:rPr lang="it-IT" sz="1400" dirty="0"/>
-              <a:t> 1 (backup)</a:t>
-            </a:r>
-          </a:p>
-        </p:txBody>
-      </p:sp>
-      <p:sp>
-        <p:nvSpPr>
-          <p:cNvPr id="18" name="CasellaDiTesto 17">
-            <a:extLst>
-              <a:ext uri="{FF2B5EF4-FFF2-40B4-BE49-F238E27FC236}">
-                <a16:creationId xmlns:a16="http://schemas.microsoft.com/office/drawing/2014/main" id="{44B2CECA-8394-4271-89A6-E277241FA38C}"/>
-              </a:ext>
-            </a:extLst>
-          </p:cNvPr>
-          <p:cNvSpPr txBox="1"/>
-          <p:nvPr/>
-        </p:nvSpPr>
-        <p:spPr>
-          <a:xfrm>
-            <a:off x="6732027" y="3471767"/>
-            <a:ext cx="1958041" cy="2031325"/>
-          </a:xfrm>
-          <a:prstGeom prst="rect">
-            <a:avLst/>
-          </a:prstGeom>
-          <a:noFill/>
-          <a:ln>
-            <a:solidFill>
-              <a:schemeClr val="accent1">
-                <a:shade val="50000"/>
-              </a:schemeClr>
-            </a:solidFill>
-          </a:ln>
-        </p:spPr>
-        <p:txBody>
-          <a:bodyPr wrap="square" rtlCol="0">
-            <a:spAutoFit/>
-          </a:bodyPr>
-          <a:lstStyle/>
-          <a:p>
-            <a:r>
-              <a:rPr lang="it-IT" sz="1400" dirty="0"/>
-              <a:t>Action set for switch 2:</a:t>
-            </a:r>
-            <a:br>
-              <a:rPr lang="it-IT" sz="1400" dirty="0"/>
-            </a:br>
-            <a:r>
-              <a:rPr lang="it-IT" sz="1400" dirty="0"/>
-              <a:t>PUSH MPLS, output 2,</a:t>
-            </a:r>
-            <a:br>
-              <a:rPr lang="it-IT" sz="1400" dirty="0"/>
-            </a:br>
-            <a:r>
-              <a:rPr lang="it-IT" sz="1400" dirty="0" err="1"/>
-              <a:t>priority</a:t>
-            </a:r>
-            <a:r>
-              <a:rPr lang="it-IT" sz="1400" dirty="0"/>
-              <a:t> 2 (default)</a:t>
-            </a:r>
-          </a:p>
-          <a:p>
-            <a:r>
-              <a:rPr lang="it-IT" sz="1400" dirty="0"/>
-              <a:t>PUSH MPLS, output 3,</a:t>
-            </a:r>
-            <a:br>
-              <a:rPr lang="it-IT" sz="1400" dirty="0"/>
-            </a:br>
-            <a:r>
-              <a:rPr lang="it-IT" sz="1400" dirty="0" err="1"/>
-              <a:t>priority</a:t>
-            </a:r>
-            <a:r>
-              <a:rPr lang="it-IT" sz="1400" dirty="0"/>
-              <a:t> 1 (backup)</a:t>
-            </a:r>
-          </a:p>
-          <a:p>
-            <a:r>
-              <a:rPr lang="it-IT" sz="1400" dirty="0"/>
-              <a:t>POP MPLS, output 1, </a:t>
-            </a:r>
-            <a:r>
-              <a:rPr lang="it-IT" sz="1400" dirty="0" err="1"/>
-              <a:t>priority</a:t>
-            </a:r>
-            <a:r>
-              <a:rPr lang="it-IT" sz="1400" dirty="0"/>
-              <a:t> 2 (default)</a:t>
-            </a:r>
-            <a:br>
-              <a:rPr lang="it-IT" sz="1400" dirty="0"/>
-            </a:br>
-            <a:r>
-              <a:rPr lang="it-IT" sz="1400" dirty="0"/>
-              <a:t>POP MPLS, output 1, </a:t>
-            </a:r>
-            <a:r>
-              <a:rPr lang="it-IT" sz="1400" dirty="0" err="1"/>
-              <a:t>priority</a:t>
-            </a:r>
-            <a:r>
-              <a:rPr lang="it-IT" sz="1400" dirty="0"/>
-              <a:t> 1 (backup)</a:t>
-            </a:r>
-          </a:p>
-        </p:txBody>
-      </p:sp>
-      <p:sp>
-        <p:nvSpPr>
-          <p:cNvPr id="19" name="CasellaDiTesto 18">
-            <a:extLst>
-              <a:ext uri="{FF2B5EF4-FFF2-40B4-BE49-F238E27FC236}">
-                <a16:creationId xmlns:a16="http://schemas.microsoft.com/office/drawing/2014/main" id="{689F7EB2-3965-4F3B-B663-96F253A9AC8C}"/>
-              </a:ext>
-            </a:extLst>
-          </p:cNvPr>
-          <p:cNvSpPr txBox="1"/>
-          <p:nvPr/>
-        </p:nvSpPr>
-        <p:spPr>
-          <a:xfrm>
-            <a:off x="120440" y="5735497"/>
-            <a:ext cx="9023560" cy="707886"/>
-          </a:xfrm>
-          <a:prstGeom prst="rect">
-            <a:avLst/>
-          </a:prstGeom>
-          <a:noFill/>
-        </p:spPr>
-        <p:txBody>
-          <a:bodyPr wrap="none" rtlCol="0">
-            <a:spAutoFit/>
-          </a:bodyPr>
-          <a:lstStyle/>
-          <a:p>
-            <a:r>
-              <a:rPr lang="it-IT" sz="2000" dirty="0"/>
-              <a:t>The </a:t>
-            </a:r>
-            <a:r>
-              <a:rPr lang="it-IT" sz="2000" dirty="0" err="1"/>
-              <a:t>paths</a:t>
-            </a:r>
-            <a:r>
-              <a:rPr lang="it-IT" sz="2000" dirty="0"/>
-              <a:t> are </a:t>
-            </a:r>
-            <a:r>
-              <a:rPr lang="it-IT" sz="2000" dirty="0" err="1"/>
-              <a:t>identified</a:t>
-            </a:r>
-            <a:r>
-              <a:rPr lang="it-IT" sz="2000" dirty="0"/>
-              <a:t> by a MPLS label: the end switches </a:t>
-            </a:r>
-            <a:r>
-              <a:rPr lang="it-IT" sz="2000" dirty="0" err="1"/>
-              <a:t>add</a:t>
-            </a:r>
-            <a:r>
-              <a:rPr lang="it-IT" sz="2000" dirty="0"/>
-              <a:t> and </a:t>
-            </a:r>
-            <a:r>
-              <a:rPr lang="it-IT" sz="2000" dirty="0" err="1"/>
-              <a:t>remove</a:t>
-            </a:r>
-            <a:r>
-              <a:rPr lang="it-IT" sz="2000" dirty="0"/>
-              <a:t> the label,</a:t>
-            </a:r>
-          </a:p>
-          <a:p>
-            <a:r>
-              <a:rPr lang="it-IT" sz="2000" dirty="0" err="1"/>
-              <a:t>while</a:t>
-            </a:r>
-            <a:r>
-              <a:rPr lang="it-IT" sz="2000" dirty="0"/>
-              <a:t> the intermediate switches </a:t>
-            </a:r>
-            <a:r>
-              <a:rPr lang="it-IT" sz="2000" dirty="0" err="1"/>
-              <a:t>route</a:t>
-            </a:r>
-            <a:r>
-              <a:rPr lang="it-IT" sz="2000" dirty="0"/>
-              <a:t> the </a:t>
-            </a:r>
-            <a:r>
-              <a:rPr lang="it-IT" sz="2000" dirty="0" err="1"/>
-              <a:t>packets</a:t>
-            </a:r>
-            <a:r>
-              <a:rPr lang="it-IT" sz="2000" dirty="0"/>
-              <a:t> </a:t>
-            </a:r>
-            <a:r>
-              <a:rPr lang="it-IT" sz="2000" dirty="0" err="1"/>
-              <a:t>according</a:t>
-            </a:r>
-            <a:r>
-              <a:rPr lang="it-IT" sz="2000" dirty="0"/>
-              <a:t> to the label</a:t>
-            </a:r>
           </a:p>
         </p:txBody>
       </p:sp>
     </p:spTree>
     <p:extLst>
       <p:ext uri="{BB962C8B-B14F-4D97-AF65-F5344CB8AC3E}">
-        <p14:creationId xmlns:p14="http://schemas.microsoft.com/office/powerpoint/2010/main" val="2569163673"/>
+        <p14:creationId xmlns:p14="http://schemas.microsoft.com/office/powerpoint/2010/main" val="4125232825"/>
       </p:ext>
     </p:extLst>
   </p:cSld>
@@ -2565,7 +2527,13 @@
       </p:grpSpPr>
       <p:sp>
         <p:nvSpPr>
-          <p:cNvPr id="2" name="Titolo 1"/>
+          <p:cNvPr id="2" name="Titolo 1">
+            <a:extLst>
+              <a:ext uri="{FF2B5EF4-FFF2-40B4-BE49-F238E27FC236}">
+                <a16:creationId xmlns:a16="http://schemas.microsoft.com/office/drawing/2014/main" id="{7F1BBEDA-AFA1-4A7D-A0A9-DCAA6499B913}"/>
+              </a:ext>
+            </a:extLst>
+          </p:cNvPr>
           <p:cNvSpPr>
             <a:spLocks noGrp="1"/>
           </p:cNvSpPr>
@@ -2578,13 +2546,63 @@
           <a:bodyPr/>
           <a:lstStyle/>
           <a:p>
-            <a:endParaRPr lang="en-GB"/>
-          </a:p>
-        </p:txBody>
-      </p:sp>
-      <p:sp>
-        <p:nvSpPr>
-          <p:cNvPr id="4" name="Segnaposto contenuto 3"/>
+            <a:r>
+              <a:rPr lang="it-IT" dirty="0" err="1"/>
+              <a:t>Packet</a:t>
+            </a:r>
+            <a:r>
+              <a:rPr lang="it-IT" dirty="0"/>
+              <a:t> in </a:t>
+            </a:r>
+            <a:r>
+              <a:rPr lang="it-IT" dirty="0" err="1"/>
+              <a:t>handler</a:t>
+            </a:r>
+            <a:r>
+              <a:rPr lang="it-IT" dirty="0"/>
+              <a:t> </a:t>
+            </a:r>
+          </a:p>
+        </p:txBody>
+      </p:sp>
+      <p:sp>
+        <p:nvSpPr>
+          <p:cNvPr id="3" name="Segnaposto numero diapositiva 2">
+            <a:extLst>
+              <a:ext uri="{FF2B5EF4-FFF2-40B4-BE49-F238E27FC236}">
+                <a16:creationId xmlns:a16="http://schemas.microsoft.com/office/drawing/2014/main" id="{09D5978F-2977-4F17-994D-5E3EB72CF3A8}"/>
+              </a:ext>
+            </a:extLst>
+          </p:cNvPr>
+          <p:cNvSpPr>
+            <a:spLocks noGrp="1"/>
+          </p:cNvSpPr>
+          <p:nvPr>
+            <p:ph type="sldNum" sz="quarter" idx="12"/>
+          </p:nvPr>
+        </p:nvSpPr>
+        <p:spPr/>
+        <p:txBody>
+          <a:bodyPr/>
+          <a:lstStyle/>
+          <a:p>
+            <a:fld id="{07C31548-3396-48E6-A4F0-B6B6C960F6EE}" type="slidenum">
+              <a:rPr lang="it-IT" smtClean="0"/>
+              <a:t>5</a:t>
+            </a:fld>
+            <a:endParaRPr lang="it-IT" dirty="0"/>
+          </a:p>
+        </p:txBody>
+      </p:sp>
+      <p:sp>
+        <p:nvSpPr>
+          <p:cNvPr id="4" name="Segnaposto contenuto 3">
+            <a:extLst>
+              <a:ext uri="{FF2B5EF4-FFF2-40B4-BE49-F238E27FC236}">
+                <a16:creationId xmlns:a16="http://schemas.microsoft.com/office/drawing/2014/main" id="{626D5533-04F8-4C32-B1D0-B449C3F798D7}"/>
+              </a:ext>
+            </a:extLst>
+          </p:cNvPr>
           <p:cNvSpPr>
             <a:spLocks noGrp="1"/>
           </p:cNvSpPr>
@@ -2592,35 +2610,350 @@
             <p:ph idx="1"/>
           </p:nvPr>
         </p:nvSpPr>
-        <p:spPr/>
+        <p:spPr>
+          <a:xfrm>
+            <a:off x="628649" y="1295807"/>
+            <a:ext cx="7886700" cy="4351338"/>
+          </a:xfrm>
+        </p:spPr>
         <p:txBody>
           <a:bodyPr>
             <a:normAutofit/>
           </a:bodyPr>
           <a:lstStyle/>
           <a:p>
-            <a:pPr marL="0" indent="0" algn="ctr">
-              <a:buNone/>
-            </a:pPr>
-            <a:r>
-              <a:rPr lang="en-GB" sz="9600" dirty="0"/>
-              <a:t>END</a:t>
-            </a:r>
-          </a:p>
-          <a:p>
-            <a:pPr marL="0" indent="0" algn="ctr">
-              <a:buNone/>
-            </a:pPr>
-            <a:r>
-              <a:rPr lang="en-GB" sz="7200" dirty="0"/>
-              <a:t>Questions?</a:t>
-            </a:r>
-          </a:p>
-        </p:txBody>
-      </p:sp>
-      <p:sp>
-        <p:nvSpPr>
-          <p:cNvPr id="3" name="Segnaposto numero diapositiva 2"/>
+            <a:r>
+              <a:rPr lang="it-IT" sz="2800" dirty="0"/>
+              <a:t>Once </a:t>
+            </a:r>
+            <a:r>
+              <a:rPr lang="it-IT" sz="2800" dirty="0" err="1"/>
+              <a:t>topology</a:t>
+            </a:r>
+            <a:r>
+              <a:rPr lang="it-IT" sz="2800" dirty="0"/>
+              <a:t> and </a:t>
+            </a:r>
+            <a:r>
+              <a:rPr lang="it-IT" sz="2800" dirty="0" err="1"/>
+              <a:t>border</a:t>
+            </a:r>
+            <a:r>
+              <a:rPr lang="it-IT" sz="2800" dirty="0"/>
+              <a:t> switches are </a:t>
+            </a:r>
+            <a:r>
+              <a:rPr lang="it-IT" sz="2800" dirty="0" err="1"/>
+              <a:t>known</a:t>
+            </a:r>
+            <a:r>
+              <a:rPr lang="it-IT" sz="2800" dirty="0"/>
+              <a:t>, the controller </a:t>
+            </a:r>
+            <a:r>
+              <a:rPr lang="it-IT" sz="2800" dirty="0" err="1"/>
+              <a:t>computes</a:t>
+            </a:r>
+            <a:r>
+              <a:rPr lang="it-IT" sz="2800" dirty="0"/>
+              <a:t> a list of </a:t>
+            </a:r>
+            <a:r>
+              <a:rPr lang="it-IT" sz="2800" dirty="0" err="1"/>
+              <a:t>paths</a:t>
+            </a:r>
+            <a:r>
+              <a:rPr lang="it-IT" sz="2800" dirty="0"/>
+              <a:t> </a:t>
+            </a:r>
+            <a:r>
+              <a:rPr lang="it-IT" sz="2800" dirty="0" err="1"/>
+              <a:t>without</a:t>
+            </a:r>
+            <a:r>
+              <a:rPr lang="it-IT" sz="2800" dirty="0"/>
+              <a:t> links in common </a:t>
+            </a:r>
+            <a:r>
+              <a:rPr lang="it-IT" sz="2800" dirty="0" err="1"/>
+              <a:t>sorted</a:t>
+            </a:r>
+            <a:r>
+              <a:rPr lang="it-IT" sz="2800" dirty="0"/>
+              <a:t> by </a:t>
+            </a:r>
+            <a:r>
+              <a:rPr lang="it-IT" sz="2800" dirty="0" err="1"/>
+              <a:t>increasing</a:t>
+            </a:r>
+            <a:r>
+              <a:rPr lang="it-IT" sz="2800" dirty="0"/>
+              <a:t> </a:t>
+            </a:r>
+            <a:r>
+              <a:rPr lang="it-IT" sz="2800" dirty="0" err="1"/>
+              <a:t>number</a:t>
+            </a:r>
+            <a:r>
+              <a:rPr lang="it-IT" sz="2800" dirty="0"/>
+              <a:t> of </a:t>
+            </a:r>
+            <a:r>
+              <a:rPr lang="it-IT" sz="2800" dirty="0" err="1"/>
+              <a:t>edges</a:t>
+            </a:r>
+            <a:r>
+              <a:rPr lang="it-IT" sz="2800" dirty="0"/>
+              <a:t> </a:t>
+            </a:r>
+          </a:p>
+          <a:p>
+            <a:r>
+              <a:rPr lang="it-IT" sz="2800" dirty="0"/>
+              <a:t>The first one </a:t>
+            </a:r>
+            <a:r>
+              <a:rPr lang="it-IT" sz="2800" dirty="0" err="1"/>
+              <a:t>is</a:t>
+            </a:r>
+            <a:r>
+              <a:rPr lang="it-IT" sz="2800" dirty="0"/>
+              <a:t> </a:t>
+            </a:r>
+            <a:r>
+              <a:rPr lang="it-IT" sz="2800" dirty="0" err="1"/>
+              <a:t>selected</a:t>
+            </a:r>
+            <a:r>
+              <a:rPr lang="it-IT" sz="2800" dirty="0"/>
+              <a:t> </a:t>
+            </a:r>
+            <a:r>
+              <a:rPr lang="it-IT" sz="2800" dirty="0" err="1"/>
+              <a:t>as</a:t>
+            </a:r>
+            <a:r>
+              <a:rPr lang="it-IT" sz="2800" dirty="0"/>
+              <a:t> default </a:t>
+            </a:r>
+            <a:r>
+              <a:rPr lang="it-IT" sz="2800" dirty="0" err="1"/>
+              <a:t>path</a:t>
+            </a:r>
+            <a:r>
+              <a:rPr lang="it-IT" sz="2800" dirty="0"/>
+              <a:t> </a:t>
+            </a:r>
+            <a:r>
+              <a:rPr lang="it-IT" sz="2800" dirty="0" err="1"/>
+              <a:t>assigning</a:t>
+            </a:r>
+            <a:r>
+              <a:rPr lang="it-IT" sz="2800" dirty="0"/>
+              <a:t> a label </a:t>
+            </a:r>
+            <a:r>
+              <a:rPr lang="it-IT" sz="2800" dirty="0" err="1"/>
+              <a:t>value</a:t>
+            </a:r>
+            <a:r>
+              <a:rPr lang="it-IT" sz="2800" dirty="0"/>
+              <a:t> </a:t>
+            </a:r>
+            <a:r>
+              <a:rPr lang="it-IT" sz="2800" dirty="0" err="1"/>
+              <a:t>chosen</a:t>
+            </a:r>
+            <a:r>
+              <a:rPr lang="it-IT" sz="2800" dirty="0"/>
+              <a:t> </a:t>
+            </a:r>
+            <a:r>
+              <a:rPr lang="it-IT" sz="2800" dirty="0" err="1"/>
+              <a:t>randomly</a:t>
+            </a:r>
+            <a:endParaRPr lang="it-IT" sz="2800" dirty="0"/>
+          </a:p>
+          <a:p>
+            <a:r>
+              <a:rPr lang="it-IT" sz="2800" dirty="0"/>
+              <a:t>The second </a:t>
+            </a:r>
+            <a:r>
+              <a:rPr lang="it-IT" sz="2800" dirty="0" err="1"/>
+              <a:t>element</a:t>
+            </a:r>
+            <a:r>
+              <a:rPr lang="it-IT" sz="2800" dirty="0"/>
+              <a:t> </a:t>
+            </a:r>
+            <a:r>
+              <a:rPr lang="it-IT" sz="2800" dirty="0" err="1"/>
+              <a:t>is</a:t>
+            </a:r>
+            <a:r>
+              <a:rPr lang="it-IT" sz="2800" dirty="0"/>
+              <a:t> the backup </a:t>
+            </a:r>
+            <a:r>
+              <a:rPr lang="it-IT" sz="2800" dirty="0" err="1"/>
+              <a:t>path</a:t>
+            </a:r>
+            <a:r>
+              <a:rPr lang="it-IT" sz="2800" dirty="0"/>
+              <a:t> with label </a:t>
+            </a:r>
+            <a:r>
+              <a:rPr lang="it-IT" sz="2800" dirty="0" err="1"/>
+              <a:t>equal</a:t>
+            </a:r>
+            <a:r>
+              <a:rPr lang="it-IT" sz="2800" dirty="0"/>
+              <a:t> to default one </a:t>
+            </a:r>
+            <a:r>
+              <a:rPr lang="it-IT" sz="2800" dirty="0" err="1"/>
+              <a:t>increased</a:t>
+            </a:r>
+            <a:r>
+              <a:rPr lang="it-IT" sz="2800" dirty="0"/>
+              <a:t> by a </a:t>
+            </a:r>
+            <a:r>
+              <a:rPr lang="it-IT" sz="2800" dirty="0" err="1"/>
+              <a:t>unit</a:t>
+            </a:r>
+            <a:endParaRPr lang="it-IT" sz="2800" dirty="0"/>
+          </a:p>
+          <a:p>
+            <a:r>
+              <a:rPr lang="it-IT" sz="2800" dirty="0" err="1"/>
+              <a:t>If</a:t>
+            </a:r>
+            <a:r>
+              <a:rPr lang="it-IT" sz="2800" dirty="0"/>
+              <a:t> the list </a:t>
+            </a:r>
+            <a:r>
+              <a:rPr lang="it-IT" sz="2800" dirty="0" err="1"/>
+              <a:t>contains</a:t>
+            </a:r>
+            <a:r>
+              <a:rPr lang="it-IT" sz="2800" dirty="0"/>
+              <a:t> just one </a:t>
+            </a:r>
+            <a:r>
+              <a:rPr lang="it-IT" sz="2800" dirty="0" err="1"/>
+              <a:t>element</a:t>
+            </a:r>
+            <a:r>
+              <a:rPr lang="it-IT" sz="2800" dirty="0"/>
+              <a:t>, </a:t>
+            </a:r>
+            <a:r>
+              <a:rPr lang="it-IT" sz="2800" dirty="0" err="1"/>
+              <a:t>only</a:t>
+            </a:r>
+            <a:r>
+              <a:rPr lang="it-IT" sz="2800" dirty="0"/>
+              <a:t> the default </a:t>
+            </a:r>
+            <a:r>
+              <a:rPr lang="it-IT" sz="2800" dirty="0" err="1"/>
+              <a:t>path</a:t>
+            </a:r>
+            <a:r>
+              <a:rPr lang="it-IT" sz="2800" dirty="0"/>
+              <a:t> </a:t>
+            </a:r>
+            <a:r>
+              <a:rPr lang="it-IT" sz="2800" dirty="0" err="1"/>
+              <a:t>is</a:t>
+            </a:r>
+            <a:r>
+              <a:rPr lang="it-IT" sz="2800" dirty="0"/>
+              <a:t> </a:t>
+            </a:r>
+            <a:r>
+              <a:rPr lang="it-IT" sz="2800" dirty="0" err="1"/>
+              <a:t>avaliable</a:t>
+            </a:r>
+            <a:endParaRPr lang="it-IT" sz="2800" dirty="0"/>
+          </a:p>
+        </p:txBody>
+      </p:sp>
+    </p:spTree>
+    <p:extLst>
+      <p:ext uri="{BB962C8B-B14F-4D97-AF65-F5344CB8AC3E}">
+        <p14:creationId xmlns:p14="http://schemas.microsoft.com/office/powerpoint/2010/main" val="2873185411"/>
+      </p:ext>
+    </p:extLst>
+  </p:cSld>
+  <p:clrMapOvr>
+    <a:masterClrMapping/>
+  </p:clrMapOvr>
+</p:sld>
+</file>
+
+<file path=ppt/slides/slide6.xml><?xml version="1.0" encoding="utf-8"?>
+<p:sld xmlns:a="http://schemas.openxmlformats.org/drawingml/2006/main" xmlns:r="http://schemas.openxmlformats.org/officeDocument/2006/relationships" xmlns:p="http://schemas.openxmlformats.org/presentationml/2006/main">
+  <p:cSld>
+    <p:spTree>
+      <p:nvGrpSpPr>
+        <p:cNvPr id="1" name=""/>
+        <p:cNvGrpSpPr/>
+        <p:nvPr/>
+      </p:nvGrpSpPr>
+      <p:grpSpPr>
+        <a:xfrm>
+          <a:off x="0" y="0"/>
+          <a:ext cx="0" cy="0"/>
+          <a:chOff x="0" y="0"/>
+          <a:chExt cx="0" cy="0"/>
+        </a:xfrm>
+      </p:grpSpPr>
+      <p:sp>
+        <p:nvSpPr>
+          <p:cNvPr id="2" name="Titolo 1">
+            <a:extLst>
+              <a:ext uri="{FF2B5EF4-FFF2-40B4-BE49-F238E27FC236}">
+                <a16:creationId xmlns:a16="http://schemas.microsoft.com/office/drawing/2014/main" id="{7B936DAC-8E45-4C60-A23A-694979725F1D}"/>
+              </a:ext>
+            </a:extLst>
+          </p:cNvPr>
+          <p:cNvSpPr>
+            <a:spLocks noGrp="1"/>
+          </p:cNvSpPr>
+          <p:nvPr>
+            <p:ph type="title"/>
+          </p:nvPr>
+        </p:nvSpPr>
+        <p:spPr/>
+        <p:txBody>
+          <a:bodyPr/>
+          <a:lstStyle/>
+          <a:p>
+            <a:r>
+              <a:rPr lang="it-IT" dirty="0"/>
+              <a:t>Rule </a:t>
+            </a:r>
+            <a:r>
+              <a:rPr lang="it-IT" dirty="0" err="1"/>
+              <a:t>installation</a:t>
+            </a:r>
+            <a:endParaRPr lang="it-IT" dirty="0"/>
+          </a:p>
+        </p:txBody>
+      </p:sp>
+      <p:sp>
+        <p:nvSpPr>
+          <p:cNvPr id="3" name="Segnaposto numero diapositiva 2">
+            <a:extLst>
+              <a:ext uri="{FF2B5EF4-FFF2-40B4-BE49-F238E27FC236}">
+                <a16:creationId xmlns:a16="http://schemas.microsoft.com/office/drawing/2014/main" id="{8320DF0D-CF68-4513-9AC4-B217E73942DE}"/>
+              </a:ext>
+            </a:extLst>
+          </p:cNvPr>
           <p:cNvSpPr>
             <a:spLocks noGrp="1"/>
           </p:cNvSpPr>
@@ -2635,8 +2968,33 @@
           <a:p>
             <a:fld id="{07C31548-3396-48E6-A4F0-B6B6C960F6EE}" type="slidenum">
               <a:rPr lang="it-IT" smtClean="0"/>
-              <a:t>5</a:t>
+              <a:t>6</a:t>
             </a:fld>
+            <a:endParaRPr lang="it-IT" dirty="0"/>
+          </a:p>
+        </p:txBody>
+      </p:sp>
+      <p:sp>
+        <p:nvSpPr>
+          <p:cNvPr id="4" name="Segnaposto contenuto 3">
+            <a:extLst>
+              <a:ext uri="{FF2B5EF4-FFF2-40B4-BE49-F238E27FC236}">
+                <a16:creationId xmlns:a16="http://schemas.microsoft.com/office/drawing/2014/main" id="{BE243BD2-D5B8-413F-88A0-333C1362CD35}"/>
+              </a:ext>
+            </a:extLst>
+          </p:cNvPr>
+          <p:cNvSpPr>
+            <a:spLocks noGrp="1"/>
+          </p:cNvSpPr>
+          <p:nvPr>
+            <p:ph idx="1"/>
+          </p:nvPr>
+        </p:nvSpPr>
+        <p:spPr/>
+        <p:txBody>
+          <a:bodyPr/>
+          <a:lstStyle/>
+          <a:p>
             <a:endParaRPr lang="it-IT" dirty="0"/>
           </a:p>
         </p:txBody>
@@ -2644,7 +3002,1694 @@
     </p:spTree>
     <p:extLst>
       <p:ext uri="{BB962C8B-B14F-4D97-AF65-F5344CB8AC3E}">
-        <p14:creationId xmlns:p14="http://schemas.microsoft.com/office/powerpoint/2010/main" val="2364199176"/>
+        <p14:creationId xmlns:p14="http://schemas.microsoft.com/office/powerpoint/2010/main" val="997586145"/>
+      </p:ext>
+    </p:extLst>
+  </p:cSld>
+  <p:clrMapOvr>
+    <a:masterClrMapping/>
+  </p:clrMapOvr>
+</p:sld>
+</file>
+
+<file path=ppt/slides/slide7.xml><?xml version="1.0" encoding="utf-8"?>
+<p:sld xmlns:a="http://schemas.openxmlformats.org/drawingml/2006/main" xmlns:r="http://schemas.openxmlformats.org/officeDocument/2006/relationships" xmlns:p="http://schemas.openxmlformats.org/presentationml/2006/main">
+  <p:cSld>
+    <p:spTree>
+      <p:nvGrpSpPr>
+        <p:cNvPr id="1" name=""/>
+        <p:cNvGrpSpPr/>
+        <p:nvPr/>
+      </p:nvGrpSpPr>
+      <p:grpSpPr>
+        <a:xfrm>
+          <a:off x="0" y="0"/>
+          <a:ext cx="0" cy="0"/>
+          <a:chOff x="0" y="0"/>
+          <a:chExt cx="0" cy="0"/>
+        </a:xfrm>
+      </p:grpSpPr>
+      <p:sp>
+        <p:nvSpPr>
+          <p:cNvPr id="2" name="Titolo 1">
+            <a:extLst>
+              <a:ext uri="{FF2B5EF4-FFF2-40B4-BE49-F238E27FC236}">
+                <a16:creationId xmlns:a16="http://schemas.microsoft.com/office/drawing/2014/main" id="{6E10AACD-DE1F-4B9F-A895-01BEBC915C9F}"/>
+              </a:ext>
+            </a:extLst>
+          </p:cNvPr>
+          <p:cNvSpPr>
+            <a:spLocks noGrp="1"/>
+          </p:cNvSpPr>
+          <p:nvPr>
+            <p:ph type="title"/>
+          </p:nvPr>
+        </p:nvSpPr>
+        <p:spPr/>
+        <p:txBody>
+          <a:bodyPr/>
+          <a:lstStyle/>
+          <a:p>
+            <a:r>
+              <a:rPr lang="it-IT" dirty="0" err="1"/>
+              <a:t>Path</a:t>
+            </a:r>
+            <a:r>
+              <a:rPr lang="it-IT" dirty="0"/>
+              <a:t> </a:t>
+            </a:r>
+            <a:r>
+              <a:rPr lang="it-IT" dirty="0" err="1"/>
+              <a:t>configuration</a:t>
+            </a:r>
+            <a:r>
+              <a:rPr lang="it-IT" dirty="0"/>
+              <a:t> </a:t>
+            </a:r>
+            <a:r>
+              <a:rPr lang="it-IT" dirty="0" err="1"/>
+              <a:t>example</a:t>
+            </a:r>
+            <a:r>
+              <a:rPr lang="it-IT" dirty="0"/>
+              <a:t> </a:t>
+            </a:r>
+          </a:p>
+        </p:txBody>
+      </p:sp>
+      <p:sp>
+        <p:nvSpPr>
+          <p:cNvPr id="3" name="Segnaposto numero diapositiva 2">
+            <a:extLst>
+              <a:ext uri="{FF2B5EF4-FFF2-40B4-BE49-F238E27FC236}">
+                <a16:creationId xmlns:a16="http://schemas.microsoft.com/office/drawing/2014/main" id="{7DD16D9D-B660-4053-B641-8A230B5688AB}"/>
+              </a:ext>
+            </a:extLst>
+          </p:cNvPr>
+          <p:cNvSpPr>
+            <a:spLocks noGrp="1"/>
+          </p:cNvSpPr>
+          <p:nvPr>
+            <p:ph type="sldNum" sz="quarter" idx="12"/>
+          </p:nvPr>
+        </p:nvSpPr>
+        <p:spPr/>
+        <p:txBody>
+          <a:bodyPr/>
+          <a:lstStyle/>
+          <a:p>
+            <a:fld id="{07C31548-3396-48E6-A4F0-B6B6C960F6EE}" type="slidenum">
+              <a:rPr lang="it-IT" smtClean="0"/>
+              <a:t>7</a:t>
+            </a:fld>
+            <a:endParaRPr lang="it-IT" dirty="0"/>
+          </a:p>
+        </p:txBody>
+      </p:sp>
+      <p:pic>
+        <p:nvPicPr>
+          <p:cNvPr id="6" name="Segnaposto contenuto 5">
+            <a:extLst>
+              <a:ext uri="{FF2B5EF4-FFF2-40B4-BE49-F238E27FC236}">
+                <a16:creationId xmlns:a16="http://schemas.microsoft.com/office/drawing/2014/main" id="{FD11C4B4-0A5A-4657-9A9D-D0DBEF6926C0}"/>
+              </a:ext>
+            </a:extLst>
+          </p:cNvPr>
+          <p:cNvPicPr>
+            <a:picLocks noGrp="1" noChangeAspect="1"/>
+          </p:cNvPicPr>
+          <p:nvPr>
+            <p:ph idx="1"/>
+          </p:nvPr>
+        </p:nvPicPr>
+        <p:blipFill>
+          <a:blip r:embed="rId2">
+            <a:extLst>
+              <a:ext uri="{28A0092B-C50C-407E-A947-70E740481C1C}">
+                <a14:useLocalDpi xmlns:a14="http://schemas.microsoft.com/office/drawing/2010/main" val="0"/>
+              </a:ext>
+            </a:extLst>
+          </a:blip>
+          <a:stretch>
+            <a:fillRect/>
+          </a:stretch>
+        </p:blipFill>
+        <p:spPr>
+          <a:xfrm>
+            <a:off x="2254689" y="906936"/>
+            <a:ext cx="4634621" cy="3438590"/>
+          </a:xfrm>
+        </p:spPr>
+      </p:pic>
+      <p:sp>
+        <p:nvSpPr>
+          <p:cNvPr id="7" name="Freccia in giù 6">
+            <a:extLst>
+              <a:ext uri="{FF2B5EF4-FFF2-40B4-BE49-F238E27FC236}">
+                <a16:creationId xmlns:a16="http://schemas.microsoft.com/office/drawing/2014/main" id="{97AA6685-EB0D-46AA-AE78-03B31C0D6BD7}"/>
+              </a:ext>
+            </a:extLst>
+          </p:cNvPr>
+          <p:cNvSpPr/>
+          <p:nvPr/>
+        </p:nvSpPr>
+        <p:spPr>
+          <a:xfrm rot="14120756">
+            <a:off x="3377882" y="981134"/>
+            <a:ext cx="301491" cy="1473281"/>
+          </a:xfrm>
+          <a:prstGeom prst="downArrow">
+            <a:avLst/>
+          </a:prstGeom>
+        </p:spPr>
+        <p:style>
+          <a:lnRef idx="2">
+            <a:schemeClr val="accent1">
+              <a:shade val="50000"/>
+            </a:schemeClr>
+          </a:lnRef>
+          <a:fillRef idx="1">
+            <a:schemeClr val="accent1"/>
+          </a:fillRef>
+          <a:effectRef idx="0">
+            <a:schemeClr val="accent1"/>
+          </a:effectRef>
+          <a:fontRef idx="minor">
+            <a:schemeClr val="lt1"/>
+          </a:fontRef>
+        </p:style>
+        <p:txBody>
+          <a:bodyPr rtlCol="0" anchor="ctr"/>
+          <a:lstStyle/>
+          <a:p>
+            <a:pPr algn="ctr"/>
+            <a:endParaRPr lang="it-IT"/>
+          </a:p>
+        </p:txBody>
+      </p:sp>
+      <p:sp>
+        <p:nvSpPr>
+          <p:cNvPr id="8" name="Freccia in giù 7">
+            <a:extLst>
+              <a:ext uri="{FF2B5EF4-FFF2-40B4-BE49-F238E27FC236}">
+                <a16:creationId xmlns:a16="http://schemas.microsoft.com/office/drawing/2014/main" id="{452409CF-372E-4958-AA75-2E032F9A54B3}"/>
+              </a:ext>
+            </a:extLst>
+          </p:cNvPr>
+          <p:cNvSpPr/>
+          <p:nvPr/>
+        </p:nvSpPr>
+        <p:spPr>
+          <a:xfrm rot="18437536">
+            <a:off x="5613530" y="1004506"/>
+            <a:ext cx="301491" cy="1473281"/>
+          </a:xfrm>
+          <a:prstGeom prst="downArrow">
+            <a:avLst/>
+          </a:prstGeom>
+        </p:spPr>
+        <p:style>
+          <a:lnRef idx="2">
+            <a:schemeClr val="accent1">
+              <a:shade val="50000"/>
+            </a:schemeClr>
+          </a:lnRef>
+          <a:fillRef idx="1">
+            <a:schemeClr val="accent1"/>
+          </a:fillRef>
+          <a:effectRef idx="0">
+            <a:schemeClr val="accent1"/>
+          </a:effectRef>
+          <a:fontRef idx="minor">
+            <a:schemeClr val="lt1"/>
+          </a:fontRef>
+        </p:style>
+        <p:txBody>
+          <a:bodyPr rtlCol="0" anchor="ctr"/>
+          <a:lstStyle/>
+          <a:p>
+            <a:pPr algn="ctr"/>
+            <a:endParaRPr lang="it-IT"/>
+          </a:p>
+        </p:txBody>
+      </p:sp>
+      <p:sp>
+        <p:nvSpPr>
+          <p:cNvPr id="11" name="Freccia in giù 10">
+            <a:extLst>
+              <a:ext uri="{FF2B5EF4-FFF2-40B4-BE49-F238E27FC236}">
+                <a16:creationId xmlns:a16="http://schemas.microsoft.com/office/drawing/2014/main" id="{F8C04DEE-ABB1-440B-BA71-FBA54E4062FA}"/>
+              </a:ext>
+            </a:extLst>
+          </p:cNvPr>
+          <p:cNvSpPr/>
+          <p:nvPr/>
+        </p:nvSpPr>
+        <p:spPr>
+          <a:xfrm rot="14120756">
+            <a:off x="5599225" y="2661748"/>
+            <a:ext cx="301491" cy="1473281"/>
+          </a:xfrm>
+          <a:prstGeom prst="downArrow">
+            <a:avLst/>
+          </a:prstGeom>
+          <a:solidFill>
+            <a:schemeClr val="tx2">
+              <a:lumMod val="20000"/>
+              <a:lumOff val="80000"/>
+            </a:schemeClr>
+          </a:solidFill>
+        </p:spPr>
+        <p:style>
+          <a:lnRef idx="2">
+            <a:schemeClr val="accent1">
+              <a:shade val="50000"/>
+            </a:schemeClr>
+          </a:lnRef>
+          <a:fillRef idx="1">
+            <a:schemeClr val="accent1"/>
+          </a:fillRef>
+          <a:effectRef idx="0">
+            <a:schemeClr val="accent1"/>
+          </a:effectRef>
+          <a:fontRef idx="minor">
+            <a:schemeClr val="lt1"/>
+          </a:fontRef>
+        </p:style>
+        <p:txBody>
+          <a:bodyPr rtlCol="0" anchor="ctr"/>
+          <a:lstStyle/>
+          <a:p>
+            <a:pPr algn="ctr"/>
+            <a:endParaRPr lang="it-IT"/>
+          </a:p>
+        </p:txBody>
+      </p:sp>
+      <p:sp>
+        <p:nvSpPr>
+          <p:cNvPr id="12" name="CasellaDiTesto 11">
+            <a:extLst>
+              <a:ext uri="{FF2B5EF4-FFF2-40B4-BE49-F238E27FC236}">
+                <a16:creationId xmlns:a16="http://schemas.microsoft.com/office/drawing/2014/main" id="{B107919C-D078-4FBF-AB29-6015008678C7}"/>
+              </a:ext>
+            </a:extLst>
+          </p:cNvPr>
+          <p:cNvSpPr txBox="1"/>
+          <p:nvPr/>
+        </p:nvSpPr>
+        <p:spPr>
+          <a:xfrm>
+            <a:off x="420414" y="968525"/>
+            <a:ext cx="1496492" cy="646331"/>
+          </a:xfrm>
+          <a:prstGeom prst="rect">
+            <a:avLst/>
+          </a:prstGeom>
+          <a:noFill/>
+          <a:ln>
+            <a:solidFill>
+              <a:schemeClr val="accent1"/>
+            </a:solidFill>
+          </a:ln>
+        </p:spPr>
+        <p:txBody>
+          <a:bodyPr wrap="square" rtlCol="0">
+            <a:spAutoFit/>
+          </a:bodyPr>
+          <a:lstStyle/>
+          <a:p>
+            <a:r>
+              <a:rPr lang="it-IT" dirty="0"/>
+              <a:t>   Default </a:t>
+            </a:r>
+            <a:r>
+              <a:rPr lang="it-IT" dirty="0" err="1"/>
+              <a:t>path</a:t>
+            </a:r>
+            <a:br>
+              <a:rPr lang="it-IT" dirty="0"/>
+            </a:br>
+            <a:r>
+              <a:rPr lang="it-IT" dirty="0"/>
+              <a:t>   Backup </a:t>
+            </a:r>
+            <a:r>
+              <a:rPr lang="it-IT" dirty="0" err="1"/>
+              <a:t>path</a:t>
+            </a:r>
+            <a:endParaRPr lang="it-IT" dirty="0"/>
+          </a:p>
+        </p:txBody>
+      </p:sp>
+      <p:sp>
+        <p:nvSpPr>
+          <p:cNvPr id="13" name="Rettangolo 12">
+            <a:extLst>
+              <a:ext uri="{FF2B5EF4-FFF2-40B4-BE49-F238E27FC236}">
+                <a16:creationId xmlns:a16="http://schemas.microsoft.com/office/drawing/2014/main" id="{0950ECC8-3449-4116-A8D7-F1506F15A0A7}"/>
+              </a:ext>
+            </a:extLst>
+          </p:cNvPr>
+          <p:cNvSpPr/>
+          <p:nvPr/>
+        </p:nvSpPr>
+        <p:spPr>
+          <a:xfrm>
+            <a:off x="486032" y="1096663"/>
+            <a:ext cx="121890" cy="131255"/>
+          </a:xfrm>
+          <a:prstGeom prst="rect">
+            <a:avLst/>
+          </a:prstGeom>
+        </p:spPr>
+        <p:style>
+          <a:lnRef idx="2">
+            <a:schemeClr val="accent1">
+              <a:shade val="50000"/>
+            </a:schemeClr>
+          </a:lnRef>
+          <a:fillRef idx="1">
+            <a:schemeClr val="accent1"/>
+          </a:fillRef>
+          <a:effectRef idx="0">
+            <a:schemeClr val="accent1"/>
+          </a:effectRef>
+          <a:fontRef idx="minor">
+            <a:schemeClr val="lt1"/>
+          </a:fontRef>
+        </p:style>
+        <p:txBody>
+          <a:bodyPr rtlCol="0" anchor="ctr"/>
+          <a:lstStyle/>
+          <a:p>
+            <a:pPr algn="ctr"/>
+            <a:endParaRPr lang="it-IT"/>
+          </a:p>
+        </p:txBody>
+      </p:sp>
+      <p:sp>
+        <p:nvSpPr>
+          <p:cNvPr id="14" name="Rettangolo 13">
+            <a:extLst>
+              <a:ext uri="{FF2B5EF4-FFF2-40B4-BE49-F238E27FC236}">
+                <a16:creationId xmlns:a16="http://schemas.microsoft.com/office/drawing/2014/main" id="{C35273B9-A165-4EA7-A6F5-825D5DCD8529}"/>
+              </a:ext>
+            </a:extLst>
+          </p:cNvPr>
+          <p:cNvSpPr/>
+          <p:nvPr/>
+        </p:nvSpPr>
+        <p:spPr>
+          <a:xfrm>
+            <a:off x="486032" y="1355759"/>
+            <a:ext cx="121890" cy="131255"/>
+          </a:xfrm>
+          <a:prstGeom prst="rect">
+            <a:avLst/>
+          </a:prstGeom>
+          <a:solidFill>
+            <a:schemeClr val="tx2">
+              <a:lumMod val="20000"/>
+              <a:lumOff val="80000"/>
+            </a:schemeClr>
+          </a:solidFill>
+        </p:spPr>
+        <p:style>
+          <a:lnRef idx="2">
+            <a:schemeClr val="accent1">
+              <a:shade val="50000"/>
+            </a:schemeClr>
+          </a:lnRef>
+          <a:fillRef idx="1">
+            <a:schemeClr val="accent1"/>
+          </a:fillRef>
+          <a:effectRef idx="0">
+            <a:schemeClr val="accent1"/>
+          </a:effectRef>
+          <a:fontRef idx="minor">
+            <a:schemeClr val="lt1"/>
+          </a:fontRef>
+        </p:style>
+        <p:txBody>
+          <a:bodyPr rtlCol="0" anchor="ctr"/>
+          <a:lstStyle/>
+          <a:p>
+            <a:pPr algn="ctr"/>
+            <a:endParaRPr lang="it-IT"/>
+          </a:p>
+        </p:txBody>
+      </p:sp>
+      <p:sp>
+        <p:nvSpPr>
+          <p:cNvPr id="15" name="CasellaDiTesto 14">
+            <a:extLst>
+              <a:ext uri="{FF2B5EF4-FFF2-40B4-BE49-F238E27FC236}">
+                <a16:creationId xmlns:a16="http://schemas.microsoft.com/office/drawing/2014/main" id="{80D24999-D6D0-4E55-A16C-7E3DFC6F41B1}"/>
+              </a:ext>
+            </a:extLst>
+          </p:cNvPr>
+          <p:cNvSpPr txBox="1"/>
+          <p:nvPr/>
+        </p:nvSpPr>
+        <p:spPr>
+          <a:xfrm>
+            <a:off x="447687" y="3004827"/>
+            <a:ext cx="1958041" cy="2031325"/>
+          </a:xfrm>
+          <a:prstGeom prst="rect">
+            <a:avLst/>
+          </a:prstGeom>
+          <a:noFill/>
+          <a:ln>
+            <a:solidFill>
+              <a:schemeClr val="accent1">
+                <a:shade val="50000"/>
+              </a:schemeClr>
+            </a:solidFill>
+          </a:ln>
+        </p:spPr>
+        <p:txBody>
+          <a:bodyPr wrap="square" rtlCol="0">
+            <a:spAutoFit/>
+          </a:bodyPr>
+          <a:lstStyle/>
+          <a:p>
+            <a:r>
+              <a:rPr lang="it-IT" sz="1400" dirty="0"/>
+              <a:t>Action set for switch 1:</a:t>
+            </a:r>
+            <a:br>
+              <a:rPr lang="it-IT" sz="1400" dirty="0"/>
+            </a:br>
+            <a:r>
+              <a:rPr lang="it-IT" sz="1400" b="1" dirty="0"/>
+              <a:t>PUSH MPLS</a:t>
+            </a:r>
+            <a:r>
+              <a:rPr lang="it-IT" sz="1400" dirty="0"/>
+              <a:t>, output 2,</a:t>
+            </a:r>
+            <a:br>
+              <a:rPr lang="it-IT" sz="1400" dirty="0"/>
+            </a:br>
+            <a:r>
+              <a:rPr lang="it-IT" sz="1400" dirty="0" err="1"/>
+              <a:t>priority</a:t>
+            </a:r>
+            <a:r>
+              <a:rPr lang="it-IT" sz="1400" dirty="0"/>
+              <a:t> 2 (default)</a:t>
+            </a:r>
+          </a:p>
+          <a:p>
+            <a:r>
+              <a:rPr lang="it-IT" sz="1400" b="1" dirty="0"/>
+              <a:t>PUSH MPLS</a:t>
+            </a:r>
+            <a:r>
+              <a:rPr lang="it-IT" sz="1400" dirty="0"/>
+              <a:t>, output 3,</a:t>
+            </a:r>
+            <a:br>
+              <a:rPr lang="it-IT" sz="1400" dirty="0"/>
+            </a:br>
+            <a:r>
+              <a:rPr lang="it-IT" sz="1400" dirty="0" err="1"/>
+              <a:t>priority</a:t>
+            </a:r>
+            <a:r>
+              <a:rPr lang="it-IT" sz="1400" dirty="0"/>
+              <a:t> 1 (backup)</a:t>
+            </a:r>
+          </a:p>
+          <a:p>
+            <a:r>
+              <a:rPr lang="it-IT" sz="1400" b="1" dirty="0"/>
+              <a:t>POP MPLS</a:t>
+            </a:r>
+            <a:r>
+              <a:rPr lang="it-IT" sz="1400" dirty="0"/>
+              <a:t>, output 1, </a:t>
+            </a:r>
+            <a:r>
+              <a:rPr lang="it-IT" sz="1400" dirty="0" err="1"/>
+              <a:t>priority</a:t>
+            </a:r>
+            <a:r>
+              <a:rPr lang="it-IT" sz="1400" dirty="0"/>
+              <a:t> 2 (default)</a:t>
+            </a:r>
+            <a:br>
+              <a:rPr lang="it-IT" sz="1400" dirty="0"/>
+            </a:br>
+            <a:r>
+              <a:rPr lang="it-IT" sz="1400" b="1" dirty="0"/>
+              <a:t>POP MPLS</a:t>
+            </a:r>
+            <a:r>
+              <a:rPr lang="it-IT" sz="1400" dirty="0"/>
+              <a:t>, output 1, </a:t>
+            </a:r>
+            <a:r>
+              <a:rPr lang="it-IT" sz="1400" dirty="0" err="1"/>
+              <a:t>priority</a:t>
+            </a:r>
+            <a:r>
+              <a:rPr lang="it-IT" sz="1400" dirty="0"/>
+              <a:t> 1 (backup)</a:t>
+            </a:r>
+          </a:p>
+        </p:txBody>
+      </p:sp>
+      <p:sp>
+        <p:nvSpPr>
+          <p:cNvPr id="18" name="CasellaDiTesto 17">
+            <a:extLst>
+              <a:ext uri="{FF2B5EF4-FFF2-40B4-BE49-F238E27FC236}">
+                <a16:creationId xmlns:a16="http://schemas.microsoft.com/office/drawing/2014/main" id="{44B2CECA-8394-4271-89A6-E277241FA38C}"/>
+              </a:ext>
+            </a:extLst>
+          </p:cNvPr>
+          <p:cNvSpPr txBox="1"/>
+          <p:nvPr/>
+        </p:nvSpPr>
+        <p:spPr>
+          <a:xfrm>
+            <a:off x="6738271" y="3009186"/>
+            <a:ext cx="1958041" cy="2031325"/>
+          </a:xfrm>
+          <a:prstGeom prst="rect">
+            <a:avLst/>
+          </a:prstGeom>
+          <a:noFill/>
+          <a:ln>
+            <a:solidFill>
+              <a:schemeClr val="accent1">
+                <a:shade val="50000"/>
+              </a:schemeClr>
+            </a:solidFill>
+          </a:ln>
+        </p:spPr>
+        <p:txBody>
+          <a:bodyPr wrap="square" rtlCol="0">
+            <a:spAutoFit/>
+          </a:bodyPr>
+          <a:lstStyle/>
+          <a:p>
+            <a:r>
+              <a:rPr lang="it-IT" sz="1400" dirty="0"/>
+              <a:t>Action set for switch 2:</a:t>
+            </a:r>
+            <a:br>
+              <a:rPr lang="it-IT" sz="1400" dirty="0"/>
+            </a:br>
+            <a:r>
+              <a:rPr lang="it-IT" sz="1400" b="1" dirty="0"/>
+              <a:t>PUSH MPLS</a:t>
+            </a:r>
+            <a:r>
+              <a:rPr lang="it-IT" sz="1400" dirty="0"/>
+              <a:t>, output 2,</a:t>
+            </a:r>
+            <a:br>
+              <a:rPr lang="it-IT" sz="1400" dirty="0"/>
+            </a:br>
+            <a:r>
+              <a:rPr lang="it-IT" sz="1400" dirty="0" err="1"/>
+              <a:t>priority</a:t>
+            </a:r>
+            <a:r>
+              <a:rPr lang="it-IT" sz="1400" dirty="0"/>
+              <a:t> 2 (default)</a:t>
+            </a:r>
+          </a:p>
+          <a:p>
+            <a:r>
+              <a:rPr lang="it-IT" sz="1400" b="1" dirty="0"/>
+              <a:t>PUSH MPLS</a:t>
+            </a:r>
+            <a:r>
+              <a:rPr lang="it-IT" sz="1400" dirty="0"/>
+              <a:t>, output 3,</a:t>
+            </a:r>
+            <a:br>
+              <a:rPr lang="it-IT" sz="1400" dirty="0"/>
+            </a:br>
+            <a:r>
+              <a:rPr lang="it-IT" sz="1400" dirty="0" err="1"/>
+              <a:t>priority</a:t>
+            </a:r>
+            <a:r>
+              <a:rPr lang="it-IT" sz="1400" dirty="0"/>
+              <a:t> 1 (backup)</a:t>
+            </a:r>
+          </a:p>
+          <a:p>
+            <a:r>
+              <a:rPr lang="it-IT" sz="1400" b="1" dirty="0"/>
+              <a:t>POP MPLS</a:t>
+            </a:r>
+            <a:r>
+              <a:rPr lang="it-IT" sz="1400" dirty="0"/>
+              <a:t>, output 1, </a:t>
+            </a:r>
+            <a:r>
+              <a:rPr lang="it-IT" sz="1400" dirty="0" err="1"/>
+              <a:t>priority</a:t>
+            </a:r>
+            <a:r>
+              <a:rPr lang="it-IT" sz="1400" dirty="0"/>
+              <a:t> 2 (default)</a:t>
+            </a:r>
+            <a:br>
+              <a:rPr lang="it-IT" sz="1400" dirty="0"/>
+            </a:br>
+            <a:r>
+              <a:rPr lang="it-IT" sz="1400" b="1" dirty="0"/>
+              <a:t>POP MPLS</a:t>
+            </a:r>
+            <a:r>
+              <a:rPr lang="it-IT" sz="1400" dirty="0"/>
+              <a:t>, output 1, </a:t>
+            </a:r>
+            <a:r>
+              <a:rPr lang="it-IT" sz="1400" dirty="0" err="1"/>
+              <a:t>priority</a:t>
+            </a:r>
+            <a:r>
+              <a:rPr lang="it-IT" sz="1400" dirty="0"/>
+              <a:t> 1 (backup)</a:t>
+            </a:r>
+          </a:p>
+        </p:txBody>
+      </p:sp>
+      <p:sp>
+        <p:nvSpPr>
+          <p:cNvPr id="19" name="CasellaDiTesto 18">
+            <a:extLst>
+              <a:ext uri="{FF2B5EF4-FFF2-40B4-BE49-F238E27FC236}">
+                <a16:creationId xmlns:a16="http://schemas.microsoft.com/office/drawing/2014/main" id="{689F7EB2-3965-4F3B-B663-96F253A9AC8C}"/>
+              </a:ext>
+            </a:extLst>
+          </p:cNvPr>
+          <p:cNvSpPr txBox="1"/>
+          <p:nvPr/>
+        </p:nvSpPr>
+        <p:spPr>
+          <a:xfrm>
+            <a:off x="120440" y="5531774"/>
+            <a:ext cx="9023560" cy="707886"/>
+          </a:xfrm>
+          <a:prstGeom prst="rect">
+            <a:avLst/>
+          </a:prstGeom>
+          <a:noFill/>
+        </p:spPr>
+        <p:txBody>
+          <a:bodyPr wrap="none" rtlCol="0">
+            <a:spAutoFit/>
+          </a:bodyPr>
+          <a:lstStyle/>
+          <a:p>
+            <a:r>
+              <a:rPr lang="it-IT" sz="2000" dirty="0"/>
+              <a:t>The </a:t>
+            </a:r>
+            <a:r>
+              <a:rPr lang="it-IT" sz="2000" dirty="0" err="1"/>
+              <a:t>paths</a:t>
+            </a:r>
+            <a:r>
+              <a:rPr lang="it-IT" sz="2000" dirty="0"/>
+              <a:t> are </a:t>
+            </a:r>
+            <a:r>
+              <a:rPr lang="it-IT" sz="2000" dirty="0" err="1"/>
+              <a:t>identified</a:t>
+            </a:r>
+            <a:r>
+              <a:rPr lang="it-IT" sz="2000" dirty="0"/>
+              <a:t> by a MPLS label: the end switches </a:t>
+            </a:r>
+            <a:r>
+              <a:rPr lang="it-IT" sz="2000" dirty="0" err="1"/>
+              <a:t>add</a:t>
+            </a:r>
+            <a:r>
+              <a:rPr lang="it-IT" sz="2000" dirty="0"/>
+              <a:t> and </a:t>
+            </a:r>
+            <a:r>
+              <a:rPr lang="it-IT" sz="2000" dirty="0" err="1"/>
+              <a:t>remove</a:t>
+            </a:r>
+            <a:r>
+              <a:rPr lang="it-IT" sz="2000" dirty="0"/>
+              <a:t> the label,</a:t>
+            </a:r>
+          </a:p>
+          <a:p>
+            <a:r>
+              <a:rPr lang="it-IT" sz="2000" dirty="0" err="1"/>
+              <a:t>while</a:t>
+            </a:r>
+            <a:r>
+              <a:rPr lang="it-IT" sz="2000" dirty="0"/>
+              <a:t> the intermediate switches </a:t>
+            </a:r>
+            <a:r>
+              <a:rPr lang="it-IT" sz="2000" dirty="0" err="1"/>
+              <a:t>route</a:t>
+            </a:r>
+            <a:r>
+              <a:rPr lang="it-IT" sz="2000" dirty="0"/>
+              <a:t> the </a:t>
+            </a:r>
+            <a:r>
+              <a:rPr lang="it-IT" sz="2000" dirty="0" err="1"/>
+              <a:t>packets</a:t>
+            </a:r>
+            <a:r>
+              <a:rPr lang="it-IT" sz="2000" dirty="0"/>
+              <a:t> </a:t>
+            </a:r>
+            <a:r>
+              <a:rPr lang="it-IT" sz="2000" dirty="0" err="1"/>
+              <a:t>according</a:t>
+            </a:r>
+            <a:r>
+              <a:rPr lang="it-IT" sz="2000" dirty="0"/>
+              <a:t> to the label</a:t>
+            </a:r>
+          </a:p>
+        </p:txBody>
+      </p:sp>
+      <p:sp>
+        <p:nvSpPr>
+          <p:cNvPr id="16" name="Freccia in giù 15">
+            <a:extLst>
+              <a:ext uri="{FF2B5EF4-FFF2-40B4-BE49-F238E27FC236}">
+                <a16:creationId xmlns:a16="http://schemas.microsoft.com/office/drawing/2014/main" id="{37BB9818-E60C-456E-B58F-51FFB3EF939A}"/>
+              </a:ext>
+            </a:extLst>
+          </p:cNvPr>
+          <p:cNvSpPr/>
+          <p:nvPr/>
+        </p:nvSpPr>
+        <p:spPr>
+          <a:xfrm rot="18292896">
+            <a:off x="3357652" y="2659686"/>
+            <a:ext cx="301491" cy="1473281"/>
+          </a:xfrm>
+          <a:prstGeom prst="downArrow">
+            <a:avLst/>
+          </a:prstGeom>
+          <a:solidFill>
+            <a:schemeClr val="tx2">
+              <a:lumMod val="20000"/>
+              <a:lumOff val="80000"/>
+            </a:schemeClr>
+          </a:solidFill>
+        </p:spPr>
+        <p:style>
+          <a:lnRef idx="2">
+            <a:schemeClr val="accent1">
+              <a:shade val="50000"/>
+            </a:schemeClr>
+          </a:lnRef>
+          <a:fillRef idx="1">
+            <a:schemeClr val="accent1"/>
+          </a:fillRef>
+          <a:effectRef idx="0">
+            <a:schemeClr val="accent1"/>
+          </a:effectRef>
+          <a:fontRef idx="minor">
+            <a:schemeClr val="lt1"/>
+          </a:fontRef>
+        </p:style>
+        <p:txBody>
+          <a:bodyPr rtlCol="0" anchor="ctr"/>
+          <a:lstStyle/>
+          <a:p>
+            <a:pPr algn="ctr"/>
+            <a:endParaRPr lang="it-IT"/>
+          </a:p>
+        </p:txBody>
+      </p:sp>
+      <p:cxnSp>
+        <p:nvCxnSpPr>
+          <p:cNvPr id="17" name="Connettore diritto 16">
+            <a:extLst>
+              <a:ext uri="{FF2B5EF4-FFF2-40B4-BE49-F238E27FC236}">
+                <a16:creationId xmlns:a16="http://schemas.microsoft.com/office/drawing/2014/main" id="{428DB669-9FDB-4C60-8496-66D40D257A6F}"/>
+              </a:ext>
+            </a:extLst>
+          </p:cNvPr>
+          <p:cNvCxnSpPr>
+            <a:cxnSpLocks/>
+          </p:cNvCxnSpPr>
+          <p:nvPr/>
+        </p:nvCxnSpPr>
+        <p:spPr>
+          <a:xfrm flipV="1">
+            <a:off x="1064949" y="2514820"/>
+            <a:ext cx="1340779" cy="1"/>
+          </a:xfrm>
+          <a:prstGeom prst="line">
+            <a:avLst/>
+          </a:prstGeom>
+        </p:spPr>
+        <p:style>
+          <a:lnRef idx="1">
+            <a:schemeClr val="dk1"/>
+          </a:lnRef>
+          <a:fillRef idx="0">
+            <a:schemeClr val="dk1"/>
+          </a:fillRef>
+          <a:effectRef idx="0">
+            <a:schemeClr val="dk1"/>
+          </a:effectRef>
+          <a:fontRef idx="minor">
+            <a:schemeClr val="tx1"/>
+          </a:fontRef>
+        </p:style>
+      </p:cxnSp>
+      <p:pic>
+        <p:nvPicPr>
+          <p:cNvPr id="20" name="Immagine 19">
+            <a:extLst>
+              <a:ext uri="{FF2B5EF4-FFF2-40B4-BE49-F238E27FC236}">
+                <a16:creationId xmlns:a16="http://schemas.microsoft.com/office/drawing/2014/main" id="{60A27176-D575-455B-85EC-0306CE212385}"/>
+              </a:ext>
+            </a:extLst>
+          </p:cNvPr>
+          <p:cNvPicPr>
+            <a:picLocks noChangeAspect="1"/>
+          </p:cNvPicPr>
+          <p:nvPr/>
+        </p:nvPicPr>
+        <p:blipFill>
+          <a:blip r:embed="rId3">
+            <a:extLst>
+              <a:ext uri="{28A0092B-C50C-407E-A947-70E740481C1C}">
+                <a14:useLocalDpi xmlns:a14="http://schemas.microsoft.com/office/drawing/2010/main" val="0"/>
+              </a:ext>
+            </a:extLst>
+          </a:blip>
+          <a:stretch>
+            <a:fillRect/>
+          </a:stretch>
+        </p:blipFill>
+        <p:spPr>
+          <a:xfrm>
+            <a:off x="613564" y="1977020"/>
+            <a:ext cx="910436" cy="910436"/>
+          </a:xfrm>
+          <a:prstGeom prst="rect">
+            <a:avLst/>
+          </a:prstGeom>
+        </p:spPr>
+      </p:pic>
+      <p:pic>
+        <p:nvPicPr>
+          <p:cNvPr id="24" name="Immagine 23">
+            <a:extLst>
+              <a:ext uri="{FF2B5EF4-FFF2-40B4-BE49-F238E27FC236}">
+                <a16:creationId xmlns:a16="http://schemas.microsoft.com/office/drawing/2014/main" id="{1FFC48D9-084C-436F-A3E2-4A4E7B2F7C99}"/>
+              </a:ext>
+            </a:extLst>
+          </p:cNvPr>
+          <p:cNvPicPr>
+            <a:picLocks noChangeAspect="1"/>
+          </p:cNvPicPr>
+          <p:nvPr/>
+        </p:nvPicPr>
+        <p:blipFill>
+          <a:blip r:embed="rId3">
+            <a:extLst>
+              <a:ext uri="{28A0092B-C50C-407E-A947-70E740481C1C}">
+                <a14:useLocalDpi xmlns:a14="http://schemas.microsoft.com/office/drawing/2010/main" val="0"/>
+              </a:ext>
+            </a:extLst>
+          </a:blip>
+          <a:stretch>
+            <a:fillRect/>
+          </a:stretch>
+        </p:blipFill>
+        <p:spPr>
+          <a:xfrm>
+            <a:off x="7293485" y="2059602"/>
+            <a:ext cx="910436" cy="910436"/>
+          </a:xfrm>
+          <a:prstGeom prst="rect">
+            <a:avLst/>
+          </a:prstGeom>
+        </p:spPr>
+      </p:pic>
+      <p:cxnSp>
+        <p:nvCxnSpPr>
+          <p:cNvPr id="21" name="Connettore diritto 20">
+            <a:extLst>
+              <a:ext uri="{FF2B5EF4-FFF2-40B4-BE49-F238E27FC236}">
+                <a16:creationId xmlns:a16="http://schemas.microsoft.com/office/drawing/2014/main" id="{06FE479B-F597-4497-9C76-BEDE1112BD1E}"/>
+              </a:ext>
+            </a:extLst>
+          </p:cNvPr>
+          <p:cNvCxnSpPr>
+            <a:cxnSpLocks/>
+          </p:cNvCxnSpPr>
+          <p:nvPr/>
+        </p:nvCxnSpPr>
+        <p:spPr>
+          <a:xfrm flipV="1">
+            <a:off x="6817704" y="2626232"/>
+            <a:ext cx="899587" cy="1"/>
+          </a:xfrm>
+          <a:prstGeom prst="line">
+            <a:avLst/>
+          </a:prstGeom>
+        </p:spPr>
+        <p:style>
+          <a:lnRef idx="1">
+            <a:schemeClr val="dk1"/>
+          </a:lnRef>
+          <a:fillRef idx="0">
+            <a:schemeClr val="dk1"/>
+          </a:fillRef>
+          <a:effectRef idx="0">
+            <a:schemeClr val="dk1"/>
+          </a:effectRef>
+          <a:fontRef idx="minor">
+            <a:schemeClr val="tx1"/>
+          </a:fontRef>
+        </p:style>
+      </p:cxnSp>
+    </p:spTree>
+    <p:extLst>
+      <p:ext uri="{BB962C8B-B14F-4D97-AF65-F5344CB8AC3E}">
+        <p14:creationId xmlns:p14="http://schemas.microsoft.com/office/powerpoint/2010/main" val="2569163673"/>
+      </p:ext>
+    </p:extLst>
+  </p:cSld>
+  <p:clrMapOvr>
+    <a:masterClrMapping/>
+  </p:clrMapOvr>
+</p:sld>
+</file>
+
+<file path=ppt/slides/slide8.xml><?xml version="1.0" encoding="utf-8"?>
+<p:sld xmlns:a="http://schemas.openxmlformats.org/drawingml/2006/main" xmlns:r="http://schemas.openxmlformats.org/officeDocument/2006/relationships" xmlns:p="http://schemas.openxmlformats.org/presentationml/2006/main">
+  <p:cSld>
+    <p:spTree>
+      <p:nvGrpSpPr>
+        <p:cNvPr id="1" name=""/>
+        <p:cNvGrpSpPr/>
+        <p:nvPr/>
+      </p:nvGrpSpPr>
+      <p:grpSpPr>
+        <a:xfrm>
+          <a:off x="0" y="0"/>
+          <a:ext cx="0" cy="0"/>
+          <a:chOff x="0" y="0"/>
+          <a:chExt cx="0" cy="0"/>
+        </a:xfrm>
+      </p:grpSpPr>
+      <p:sp>
+        <p:nvSpPr>
+          <p:cNvPr id="2" name="Titolo 1">
+            <a:extLst>
+              <a:ext uri="{FF2B5EF4-FFF2-40B4-BE49-F238E27FC236}">
+                <a16:creationId xmlns:a16="http://schemas.microsoft.com/office/drawing/2014/main" id="{5916F0FC-24F1-4F1E-8DC2-0669E62A4BE0}"/>
+              </a:ext>
+            </a:extLst>
+          </p:cNvPr>
+          <p:cNvSpPr>
+            <a:spLocks noGrp="1"/>
+          </p:cNvSpPr>
+          <p:nvPr>
+            <p:ph type="title"/>
+          </p:nvPr>
+        </p:nvSpPr>
+        <p:spPr/>
+        <p:txBody>
+          <a:bodyPr/>
+          <a:lstStyle/>
+          <a:p>
+            <a:r>
+              <a:rPr lang="it-IT" dirty="0"/>
+              <a:t>Link down</a:t>
+            </a:r>
+          </a:p>
+        </p:txBody>
+      </p:sp>
+      <p:sp>
+        <p:nvSpPr>
+          <p:cNvPr id="3" name="Segnaposto numero diapositiva 2">
+            <a:extLst>
+              <a:ext uri="{FF2B5EF4-FFF2-40B4-BE49-F238E27FC236}">
+                <a16:creationId xmlns:a16="http://schemas.microsoft.com/office/drawing/2014/main" id="{47F111E1-3AD3-436C-9758-6ABED8100573}"/>
+              </a:ext>
+            </a:extLst>
+          </p:cNvPr>
+          <p:cNvSpPr>
+            <a:spLocks noGrp="1"/>
+          </p:cNvSpPr>
+          <p:nvPr>
+            <p:ph type="sldNum" sz="quarter" idx="12"/>
+          </p:nvPr>
+        </p:nvSpPr>
+        <p:spPr/>
+        <p:txBody>
+          <a:bodyPr/>
+          <a:lstStyle/>
+          <a:p>
+            <a:fld id="{07C31548-3396-48E6-A4F0-B6B6C960F6EE}" type="slidenum">
+              <a:rPr lang="it-IT" smtClean="0"/>
+              <a:t>8</a:t>
+            </a:fld>
+            <a:endParaRPr lang="it-IT" dirty="0"/>
+          </a:p>
+        </p:txBody>
+      </p:sp>
+      <p:pic>
+        <p:nvPicPr>
+          <p:cNvPr id="6" name="Segnaposto contenuto 5">
+            <a:extLst>
+              <a:ext uri="{FF2B5EF4-FFF2-40B4-BE49-F238E27FC236}">
+                <a16:creationId xmlns:a16="http://schemas.microsoft.com/office/drawing/2014/main" id="{DF38F0B8-7241-4AD6-94B5-9A70D85A9A35}"/>
+              </a:ext>
+            </a:extLst>
+          </p:cNvPr>
+          <p:cNvPicPr>
+            <a:picLocks noGrp="1" noChangeAspect="1"/>
+          </p:cNvPicPr>
+          <p:nvPr>
+            <p:ph idx="1"/>
+          </p:nvPr>
+        </p:nvPicPr>
+        <p:blipFill>
+          <a:blip r:embed="rId2">
+            <a:extLst>
+              <a:ext uri="{28A0092B-C50C-407E-A947-70E740481C1C}">
+                <a14:useLocalDpi xmlns:a14="http://schemas.microsoft.com/office/drawing/2010/main" val="0"/>
+              </a:ext>
+            </a:extLst>
+          </a:blip>
+          <a:stretch>
+            <a:fillRect/>
+          </a:stretch>
+        </p:blipFill>
+        <p:spPr>
+          <a:xfrm>
+            <a:off x="2125366" y="1023351"/>
+            <a:ext cx="4893267" cy="3542584"/>
+          </a:xfrm>
+        </p:spPr>
+      </p:pic>
+      <p:sp>
+        <p:nvSpPr>
+          <p:cNvPr id="7" name="Freccia in giù 6">
+            <a:extLst>
+              <a:ext uri="{FF2B5EF4-FFF2-40B4-BE49-F238E27FC236}">
+                <a16:creationId xmlns:a16="http://schemas.microsoft.com/office/drawing/2014/main" id="{F966DECB-5802-4EFF-B44E-8ABEF990574C}"/>
+              </a:ext>
+            </a:extLst>
+          </p:cNvPr>
+          <p:cNvSpPr/>
+          <p:nvPr/>
+        </p:nvSpPr>
+        <p:spPr>
+          <a:xfrm rot="18292896">
+            <a:off x="3329518" y="2924777"/>
+            <a:ext cx="301491" cy="1473281"/>
+          </a:xfrm>
+          <a:prstGeom prst="downArrow">
+            <a:avLst/>
+          </a:prstGeom>
+          <a:solidFill>
+            <a:schemeClr val="tx2">
+              <a:lumMod val="20000"/>
+              <a:lumOff val="80000"/>
+            </a:schemeClr>
+          </a:solidFill>
+        </p:spPr>
+        <p:style>
+          <a:lnRef idx="2">
+            <a:schemeClr val="accent1">
+              <a:shade val="50000"/>
+            </a:schemeClr>
+          </a:lnRef>
+          <a:fillRef idx="1">
+            <a:schemeClr val="accent1"/>
+          </a:fillRef>
+          <a:effectRef idx="0">
+            <a:schemeClr val="accent1"/>
+          </a:effectRef>
+          <a:fontRef idx="minor">
+            <a:schemeClr val="lt1"/>
+          </a:fontRef>
+        </p:style>
+        <p:txBody>
+          <a:bodyPr rtlCol="0" anchor="ctr"/>
+          <a:lstStyle/>
+          <a:p>
+            <a:pPr algn="ctr"/>
+            <a:endParaRPr lang="it-IT"/>
+          </a:p>
+        </p:txBody>
+      </p:sp>
+      <p:sp>
+        <p:nvSpPr>
+          <p:cNvPr id="8" name="Freccia in giù 7">
+            <a:extLst>
+              <a:ext uri="{FF2B5EF4-FFF2-40B4-BE49-F238E27FC236}">
+                <a16:creationId xmlns:a16="http://schemas.microsoft.com/office/drawing/2014/main" id="{89DB1C7F-FFF0-44F1-B1E7-CB65C29678B8}"/>
+              </a:ext>
+            </a:extLst>
+          </p:cNvPr>
+          <p:cNvSpPr/>
+          <p:nvPr/>
+        </p:nvSpPr>
+        <p:spPr>
+          <a:xfrm rot="14061823">
+            <a:off x="5608486" y="2918001"/>
+            <a:ext cx="301491" cy="1473281"/>
+          </a:xfrm>
+          <a:prstGeom prst="downArrow">
+            <a:avLst/>
+          </a:prstGeom>
+          <a:solidFill>
+            <a:schemeClr val="tx2">
+              <a:lumMod val="20000"/>
+              <a:lumOff val="80000"/>
+            </a:schemeClr>
+          </a:solidFill>
+        </p:spPr>
+        <p:style>
+          <a:lnRef idx="2">
+            <a:schemeClr val="accent1">
+              <a:shade val="50000"/>
+            </a:schemeClr>
+          </a:lnRef>
+          <a:fillRef idx="1">
+            <a:schemeClr val="accent1"/>
+          </a:fillRef>
+          <a:effectRef idx="0">
+            <a:schemeClr val="accent1"/>
+          </a:effectRef>
+          <a:fontRef idx="minor">
+            <a:schemeClr val="lt1"/>
+          </a:fontRef>
+        </p:style>
+        <p:txBody>
+          <a:bodyPr rtlCol="0" anchor="ctr"/>
+          <a:lstStyle/>
+          <a:p>
+            <a:pPr algn="ctr"/>
+            <a:endParaRPr lang="it-IT"/>
+          </a:p>
+        </p:txBody>
+      </p:sp>
+      <p:sp>
+        <p:nvSpPr>
+          <p:cNvPr id="10" name="CasellaDiTesto 9">
+            <a:extLst>
+              <a:ext uri="{FF2B5EF4-FFF2-40B4-BE49-F238E27FC236}">
+                <a16:creationId xmlns:a16="http://schemas.microsoft.com/office/drawing/2014/main" id="{A90C6B91-1756-472F-94C1-5BE2B67E87AE}"/>
+              </a:ext>
+            </a:extLst>
+          </p:cNvPr>
+          <p:cNvSpPr txBox="1"/>
+          <p:nvPr/>
+        </p:nvSpPr>
+        <p:spPr>
+          <a:xfrm>
+            <a:off x="651037" y="3235875"/>
+            <a:ext cx="1958041" cy="1169551"/>
+          </a:xfrm>
+          <a:prstGeom prst="rect">
+            <a:avLst/>
+          </a:prstGeom>
+          <a:noFill/>
+          <a:ln>
+            <a:solidFill>
+              <a:schemeClr val="accent1">
+                <a:shade val="50000"/>
+              </a:schemeClr>
+            </a:solidFill>
+          </a:ln>
+        </p:spPr>
+        <p:txBody>
+          <a:bodyPr wrap="square" rtlCol="0">
+            <a:spAutoFit/>
+          </a:bodyPr>
+          <a:lstStyle/>
+          <a:p>
+            <a:r>
+              <a:rPr lang="it-IT" sz="1400" dirty="0"/>
+              <a:t>Action set for switch 1:</a:t>
+            </a:r>
+          </a:p>
+          <a:p>
+            <a:r>
+              <a:rPr lang="it-IT" sz="1400" b="1" dirty="0"/>
+              <a:t>PUSH MPLS</a:t>
+            </a:r>
+            <a:r>
+              <a:rPr lang="it-IT" sz="1400" dirty="0"/>
+              <a:t>, output 3,</a:t>
+            </a:r>
+            <a:br>
+              <a:rPr lang="it-IT" sz="1400" dirty="0"/>
+            </a:br>
+            <a:r>
+              <a:rPr lang="it-IT" sz="1400" dirty="0" err="1"/>
+              <a:t>priority</a:t>
+            </a:r>
+            <a:r>
+              <a:rPr lang="it-IT" sz="1400" dirty="0"/>
+              <a:t> 1 (backup)</a:t>
+            </a:r>
+            <a:br>
+              <a:rPr lang="it-IT" sz="1400" dirty="0"/>
+            </a:br>
+            <a:r>
+              <a:rPr lang="it-IT" sz="1400" b="1" dirty="0"/>
+              <a:t>POP MPLS</a:t>
+            </a:r>
+            <a:r>
+              <a:rPr lang="it-IT" sz="1400" dirty="0"/>
+              <a:t>, output 1, </a:t>
+            </a:r>
+            <a:r>
+              <a:rPr lang="it-IT" sz="1400" dirty="0" err="1"/>
+              <a:t>priority</a:t>
+            </a:r>
+            <a:r>
+              <a:rPr lang="it-IT" sz="1400" dirty="0"/>
+              <a:t> 1 (backup)</a:t>
+            </a:r>
+          </a:p>
+        </p:txBody>
+      </p:sp>
+      <p:sp>
+        <p:nvSpPr>
+          <p:cNvPr id="11" name="CasellaDiTesto 10">
+            <a:extLst>
+              <a:ext uri="{FF2B5EF4-FFF2-40B4-BE49-F238E27FC236}">
+                <a16:creationId xmlns:a16="http://schemas.microsoft.com/office/drawing/2014/main" id="{904D0C32-4E4D-4618-B3A6-4224CBEF3AB6}"/>
+              </a:ext>
+            </a:extLst>
+          </p:cNvPr>
+          <p:cNvSpPr txBox="1"/>
+          <p:nvPr/>
+        </p:nvSpPr>
+        <p:spPr>
+          <a:xfrm>
+            <a:off x="6704008" y="3435574"/>
+            <a:ext cx="1958041" cy="1169551"/>
+          </a:xfrm>
+          <a:prstGeom prst="rect">
+            <a:avLst/>
+          </a:prstGeom>
+          <a:noFill/>
+          <a:ln>
+            <a:solidFill>
+              <a:schemeClr val="accent1">
+                <a:shade val="50000"/>
+              </a:schemeClr>
+            </a:solidFill>
+          </a:ln>
+        </p:spPr>
+        <p:txBody>
+          <a:bodyPr wrap="square" rtlCol="0">
+            <a:spAutoFit/>
+          </a:bodyPr>
+          <a:lstStyle/>
+          <a:p>
+            <a:r>
+              <a:rPr lang="it-IT" sz="1400" dirty="0"/>
+              <a:t>Action set for switch 2:</a:t>
+            </a:r>
+          </a:p>
+          <a:p>
+            <a:r>
+              <a:rPr lang="it-IT" sz="1400" b="1" dirty="0"/>
+              <a:t>PUSH MPLS</a:t>
+            </a:r>
+            <a:r>
+              <a:rPr lang="it-IT" sz="1400" dirty="0"/>
+              <a:t>, output 3,</a:t>
+            </a:r>
+            <a:br>
+              <a:rPr lang="it-IT" sz="1400" dirty="0"/>
+            </a:br>
+            <a:r>
+              <a:rPr lang="it-IT" sz="1400" dirty="0" err="1"/>
+              <a:t>priority</a:t>
+            </a:r>
+            <a:r>
+              <a:rPr lang="it-IT" sz="1400" dirty="0"/>
+              <a:t> 1 (backup)</a:t>
+            </a:r>
+            <a:br>
+              <a:rPr lang="it-IT" sz="1400" dirty="0"/>
+            </a:br>
+            <a:r>
+              <a:rPr lang="it-IT" sz="1400" b="1" dirty="0"/>
+              <a:t>POP MPLS</a:t>
+            </a:r>
+            <a:r>
+              <a:rPr lang="it-IT" sz="1400" dirty="0"/>
+              <a:t>, output 1, </a:t>
+            </a:r>
+            <a:r>
+              <a:rPr lang="it-IT" sz="1400" dirty="0" err="1"/>
+              <a:t>priority</a:t>
+            </a:r>
+            <a:r>
+              <a:rPr lang="it-IT" sz="1400" dirty="0"/>
+              <a:t> 1 (backup)</a:t>
+            </a:r>
+          </a:p>
+        </p:txBody>
+      </p:sp>
+      <p:sp>
+        <p:nvSpPr>
+          <p:cNvPr id="12" name="CasellaDiTesto 11">
+            <a:extLst>
+              <a:ext uri="{FF2B5EF4-FFF2-40B4-BE49-F238E27FC236}">
+                <a16:creationId xmlns:a16="http://schemas.microsoft.com/office/drawing/2014/main" id="{38DA3320-0617-4A7F-86D5-CBD5F8339594}"/>
+              </a:ext>
+            </a:extLst>
+          </p:cNvPr>
+          <p:cNvSpPr txBox="1"/>
+          <p:nvPr/>
+        </p:nvSpPr>
+        <p:spPr>
+          <a:xfrm>
+            <a:off x="337070" y="5414467"/>
+            <a:ext cx="8145748" cy="400110"/>
+          </a:xfrm>
+          <a:prstGeom prst="rect">
+            <a:avLst/>
+          </a:prstGeom>
+          <a:noFill/>
+        </p:spPr>
+        <p:txBody>
+          <a:bodyPr wrap="square" rtlCol="0">
+            <a:spAutoFit/>
+          </a:bodyPr>
+          <a:lstStyle/>
+          <a:p>
+            <a:r>
+              <a:rPr lang="it-IT" sz="2000" dirty="0" err="1"/>
+              <a:t>When</a:t>
+            </a:r>
+            <a:r>
+              <a:rPr lang="it-IT" sz="2000" dirty="0"/>
+              <a:t> link </a:t>
+            </a:r>
+            <a:r>
+              <a:rPr lang="it-IT" sz="2000" dirty="0" err="1"/>
+              <a:t>goes</a:t>
+            </a:r>
+            <a:r>
+              <a:rPr lang="it-IT" sz="2000" dirty="0"/>
+              <a:t> down, default MPLS rules are </a:t>
+            </a:r>
+            <a:r>
+              <a:rPr lang="it-IT" sz="2000" dirty="0" err="1"/>
+              <a:t>deleted</a:t>
+            </a:r>
+            <a:r>
+              <a:rPr lang="it-IT" sz="2000" dirty="0"/>
+              <a:t> </a:t>
+            </a:r>
+          </a:p>
+        </p:txBody>
+      </p:sp>
+      <p:cxnSp>
+        <p:nvCxnSpPr>
+          <p:cNvPr id="13" name="Connettore diritto 12">
+            <a:extLst>
+              <a:ext uri="{FF2B5EF4-FFF2-40B4-BE49-F238E27FC236}">
+                <a16:creationId xmlns:a16="http://schemas.microsoft.com/office/drawing/2014/main" id="{C63C24C7-9911-481F-B2E6-4C7EDECE8155}"/>
+              </a:ext>
+            </a:extLst>
+          </p:cNvPr>
+          <p:cNvCxnSpPr>
+            <a:cxnSpLocks/>
+          </p:cNvCxnSpPr>
+          <p:nvPr/>
+        </p:nvCxnSpPr>
+        <p:spPr>
+          <a:xfrm flipV="1">
+            <a:off x="959669" y="2754426"/>
+            <a:ext cx="1340779" cy="1"/>
+          </a:xfrm>
+          <a:prstGeom prst="line">
+            <a:avLst/>
+          </a:prstGeom>
+        </p:spPr>
+        <p:style>
+          <a:lnRef idx="1">
+            <a:schemeClr val="dk1"/>
+          </a:lnRef>
+          <a:fillRef idx="0">
+            <a:schemeClr val="dk1"/>
+          </a:fillRef>
+          <a:effectRef idx="0">
+            <a:schemeClr val="dk1"/>
+          </a:effectRef>
+          <a:fontRef idx="minor">
+            <a:schemeClr val="tx1"/>
+          </a:fontRef>
+        </p:style>
+      </p:cxnSp>
+      <p:pic>
+        <p:nvPicPr>
+          <p:cNvPr id="14" name="Immagine 13">
+            <a:extLst>
+              <a:ext uri="{FF2B5EF4-FFF2-40B4-BE49-F238E27FC236}">
+                <a16:creationId xmlns:a16="http://schemas.microsoft.com/office/drawing/2014/main" id="{993B325A-2047-4849-A157-EBF051BDF853}"/>
+              </a:ext>
+            </a:extLst>
+          </p:cNvPr>
+          <p:cNvPicPr>
+            <a:picLocks noChangeAspect="1"/>
+          </p:cNvPicPr>
+          <p:nvPr/>
+        </p:nvPicPr>
+        <p:blipFill>
+          <a:blip r:embed="rId3">
+            <a:extLst>
+              <a:ext uri="{28A0092B-C50C-407E-A947-70E740481C1C}">
+                <a14:useLocalDpi xmlns:a14="http://schemas.microsoft.com/office/drawing/2010/main" val="0"/>
+              </a:ext>
+            </a:extLst>
+          </a:blip>
+          <a:stretch>
+            <a:fillRect/>
+          </a:stretch>
+        </p:blipFill>
+        <p:spPr>
+          <a:xfrm>
+            <a:off x="508284" y="2216626"/>
+            <a:ext cx="910436" cy="910436"/>
+          </a:xfrm>
+          <a:prstGeom prst="rect">
+            <a:avLst/>
+          </a:prstGeom>
+        </p:spPr>
+      </p:pic>
+      <p:pic>
+        <p:nvPicPr>
+          <p:cNvPr id="15" name="Immagine 14">
+            <a:extLst>
+              <a:ext uri="{FF2B5EF4-FFF2-40B4-BE49-F238E27FC236}">
+                <a16:creationId xmlns:a16="http://schemas.microsoft.com/office/drawing/2014/main" id="{533AE011-1E32-439A-81AD-5BC7FF538860}"/>
+              </a:ext>
+            </a:extLst>
+          </p:cNvPr>
+          <p:cNvPicPr>
+            <a:picLocks noChangeAspect="1"/>
+          </p:cNvPicPr>
+          <p:nvPr/>
+        </p:nvPicPr>
+        <p:blipFill>
+          <a:blip r:embed="rId3">
+            <a:extLst>
+              <a:ext uri="{28A0092B-C50C-407E-A947-70E740481C1C}">
+                <a14:useLocalDpi xmlns:a14="http://schemas.microsoft.com/office/drawing/2010/main" val="0"/>
+              </a:ext>
+            </a:extLst>
+          </a:blip>
+          <a:stretch>
+            <a:fillRect/>
+          </a:stretch>
+        </p:blipFill>
+        <p:spPr>
+          <a:xfrm>
+            <a:off x="7347698" y="2261821"/>
+            <a:ext cx="910436" cy="910436"/>
+          </a:xfrm>
+          <a:prstGeom prst="rect">
+            <a:avLst/>
+          </a:prstGeom>
+        </p:spPr>
+      </p:pic>
+      <p:cxnSp>
+        <p:nvCxnSpPr>
+          <p:cNvPr id="16" name="Connettore diritto 15">
+            <a:extLst>
+              <a:ext uri="{FF2B5EF4-FFF2-40B4-BE49-F238E27FC236}">
+                <a16:creationId xmlns:a16="http://schemas.microsoft.com/office/drawing/2014/main" id="{8B0AAC26-48BC-461A-B178-5931DB3DA37A}"/>
+              </a:ext>
+            </a:extLst>
+          </p:cNvPr>
+          <p:cNvCxnSpPr>
+            <a:cxnSpLocks/>
+          </p:cNvCxnSpPr>
+          <p:nvPr/>
+        </p:nvCxnSpPr>
+        <p:spPr>
+          <a:xfrm flipV="1">
+            <a:off x="6871917" y="2828451"/>
+            <a:ext cx="899587" cy="1"/>
+          </a:xfrm>
+          <a:prstGeom prst="line">
+            <a:avLst/>
+          </a:prstGeom>
+        </p:spPr>
+        <p:style>
+          <a:lnRef idx="1">
+            <a:schemeClr val="dk1"/>
+          </a:lnRef>
+          <a:fillRef idx="0">
+            <a:schemeClr val="dk1"/>
+          </a:fillRef>
+          <a:effectRef idx="0">
+            <a:schemeClr val="dk1"/>
+          </a:effectRef>
+          <a:fontRef idx="minor">
+            <a:schemeClr val="tx1"/>
+          </a:fontRef>
+        </p:style>
+      </p:cxnSp>
+    </p:spTree>
+    <p:extLst>
+      <p:ext uri="{BB962C8B-B14F-4D97-AF65-F5344CB8AC3E}">
+        <p14:creationId xmlns:p14="http://schemas.microsoft.com/office/powerpoint/2010/main" val="3935459807"/>
+      </p:ext>
+    </p:extLst>
+  </p:cSld>
+  <p:clrMapOvr>
+    <a:masterClrMapping/>
+  </p:clrMapOvr>
+</p:sld>
+</file>
+
+<file path=ppt/slides/slide9.xml><?xml version="1.0" encoding="utf-8"?>
+<p:sld xmlns:a="http://schemas.openxmlformats.org/drawingml/2006/main" xmlns:r="http://schemas.openxmlformats.org/officeDocument/2006/relationships" xmlns:p="http://schemas.openxmlformats.org/presentationml/2006/main">
+  <p:cSld>
+    <p:spTree>
+      <p:nvGrpSpPr>
+        <p:cNvPr id="1" name=""/>
+        <p:cNvGrpSpPr/>
+        <p:nvPr/>
+      </p:nvGrpSpPr>
+      <p:grpSpPr>
+        <a:xfrm>
+          <a:off x="0" y="0"/>
+          <a:ext cx="0" cy="0"/>
+          <a:chOff x="0" y="0"/>
+          <a:chExt cx="0" cy="0"/>
+        </a:xfrm>
+      </p:grpSpPr>
+      <p:sp>
+        <p:nvSpPr>
+          <p:cNvPr id="2" name="Titolo 1">
+            <a:extLst>
+              <a:ext uri="{FF2B5EF4-FFF2-40B4-BE49-F238E27FC236}">
+                <a16:creationId xmlns:a16="http://schemas.microsoft.com/office/drawing/2014/main" id="{492484ED-3336-4EBB-A0F5-3C086AD8C77C}"/>
+              </a:ext>
+            </a:extLst>
+          </p:cNvPr>
+          <p:cNvSpPr>
+            <a:spLocks noGrp="1"/>
+          </p:cNvSpPr>
+          <p:nvPr>
+            <p:ph type="title"/>
+          </p:nvPr>
+        </p:nvSpPr>
+        <p:spPr/>
+        <p:txBody>
+          <a:bodyPr/>
+          <a:lstStyle/>
+          <a:p>
+            <a:endParaRPr lang="it-IT" dirty="0"/>
+          </a:p>
+        </p:txBody>
+      </p:sp>
+      <p:sp>
+        <p:nvSpPr>
+          <p:cNvPr id="3" name="Segnaposto numero diapositiva 2">
+            <a:extLst>
+              <a:ext uri="{FF2B5EF4-FFF2-40B4-BE49-F238E27FC236}">
+                <a16:creationId xmlns:a16="http://schemas.microsoft.com/office/drawing/2014/main" id="{EE374963-CCF1-4856-8F97-098708DAA95C}"/>
+              </a:ext>
+            </a:extLst>
+          </p:cNvPr>
+          <p:cNvSpPr>
+            <a:spLocks noGrp="1"/>
+          </p:cNvSpPr>
+          <p:nvPr>
+            <p:ph type="sldNum" sz="quarter" idx="12"/>
+          </p:nvPr>
+        </p:nvSpPr>
+        <p:spPr/>
+        <p:txBody>
+          <a:bodyPr/>
+          <a:lstStyle/>
+          <a:p>
+            <a:fld id="{07C31548-3396-48E6-A4F0-B6B6C960F6EE}" type="slidenum">
+              <a:rPr lang="it-IT" smtClean="0"/>
+              <a:t>9</a:t>
+            </a:fld>
+            <a:endParaRPr lang="it-IT" dirty="0"/>
+          </a:p>
+        </p:txBody>
+      </p:sp>
+      <p:sp>
+        <p:nvSpPr>
+          <p:cNvPr id="4" name="Segnaposto contenuto 3">
+            <a:extLst>
+              <a:ext uri="{FF2B5EF4-FFF2-40B4-BE49-F238E27FC236}">
+                <a16:creationId xmlns:a16="http://schemas.microsoft.com/office/drawing/2014/main" id="{F226DF65-C5BA-4EF1-8A93-893C767B150B}"/>
+              </a:ext>
+            </a:extLst>
+          </p:cNvPr>
+          <p:cNvSpPr>
+            <a:spLocks noGrp="1"/>
+          </p:cNvSpPr>
+          <p:nvPr>
+            <p:ph idx="1"/>
+          </p:nvPr>
+        </p:nvSpPr>
+        <p:spPr/>
+        <p:txBody>
+          <a:bodyPr/>
+          <a:lstStyle/>
+          <a:p>
+            <a:endParaRPr lang="it-IT"/>
+          </a:p>
+        </p:txBody>
+      </p:sp>
+    </p:spTree>
+    <p:extLst>
+      <p:ext uri="{BB962C8B-B14F-4D97-AF65-F5344CB8AC3E}">
+        <p14:creationId xmlns:p14="http://schemas.microsoft.com/office/powerpoint/2010/main" val="4292024606"/>
       </p:ext>
     </p:extLst>
   </p:cSld>

--- a/template_project_exam__1_.pptx
+++ b/template_project_exam__1_.pptx
@@ -5,7 +5,7 @@
     <p:sldMasterId id="2147483660" r:id="rId1"/>
   </p:sldMasterIdLst>
   <p:notesMasterIdLst>
-    <p:notesMasterId r:id="rId12"/>
+    <p:notesMasterId r:id="rId14"/>
   </p:notesMasterIdLst>
   <p:sldIdLst>
     <p:sldId id="256" r:id="rId2"/>
@@ -16,8 +16,10 @@
     <p:sldId id="265" r:id="rId7"/>
     <p:sldId id="260" r:id="rId8"/>
     <p:sldId id="261" r:id="rId9"/>
-    <p:sldId id="262" r:id="rId10"/>
-    <p:sldId id="259" r:id="rId11"/>
+    <p:sldId id="267" r:id="rId10"/>
+    <p:sldId id="266" r:id="rId11"/>
+    <p:sldId id="262" r:id="rId12"/>
+    <p:sldId id="259" r:id="rId13"/>
   </p:sldIdLst>
   <p:sldSz cx="9144000" cy="6858000" type="screen4x3"/>
   <p:notesSz cx="6858000" cy="9144000"/>
@@ -206,7 +208,7 @@
           <a:p>
             <a:fld id="{7821C63B-7147-40DC-9DD1-A22900D398CA}" type="datetimeFigureOut">
               <a:rPr lang="it-IT" smtClean="0"/>
-              <a:t>09/04/2019</a:t>
+              <a:t>12/04/2019</a:t>
             </a:fld>
             <a:endParaRPr lang="it-IT"/>
           </a:p>
@@ -471,6 +473,209 @@
     </a:lvl9pPr>
   </p:notesStyle>
 </p:notesMaster>
+</file>
+
+<file path=ppt/notesSlides/notesSlide1.xml><?xml version="1.0" encoding="utf-8"?>
+<p:notes xmlns:a="http://schemas.openxmlformats.org/drawingml/2006/main" xmlns:r="http://schemas.openxmlformats.org/officeDocument/2006/relationships" xmlns:p="http://schemas.openxmlformats.org/presentationml/2006/main">
+  <p:cSld>
+    <p:spTree>
+      <p:nvGrpSpPr>
+        <p:cNvPr id="1" name=""/>
+        <p:cNvGrpSpPr/>
+        <p:nvPr/>
+      </p:nvGrpSpPr>
+      <p:grpSpPr>
+        <a:xfrm>
+          <a:off x="0" y="0"/>
+          <a:ext cx="0" cy="0"/>
+          <a:chOff x="0" y="0"/>
+          <a:chExt cx="0" cy="0"/>
+        </a:xfrm>
+      </p:grpSpPr>
+      <p:sp>
+        <p:nvSpPr>
+          <p:cNvPr id="2" name="Segnaposto immagine diapositiva 1"/>
+          <p:cNvSpPr>
+            <a:spLocks noGrp="1" noRot="1" noChangeAspect="1"/>
+          </p:cNvSpPr>
+          <p:nvPr>
+            <p:ph type="sldImg"/>
+          </p:nvPr>
+        </p:nvSpPr>
+        <p:spPr/>
+      </p:sp>
+      <p:sp>
+        <p:nvSpPr>
+          <p:cNvPr id="3" name="Segnaposto note 2"/>
+          <p:cNvSpPr>
+            <a:spLocks noGrp="1"/>
+          </p:cNvSpPr>
+          <p:nvPr>
+            <p:ph type="body" idx="1"/>
+          </p:nvPr>
+        </p:nvSpPr>
+        <p:spPr/>
+        <p:txBody>
+          <a:bodyPr/>
+          <a:lstStyle/>
+          <a:p>
+            <a:r>
+              <a:rPr lang="it-IT" dirty="0"/>
+              <a:t>Host 1 </a:t>
+            </a:r>
+            <a:r>
+              <a:rPr lang="it-IT" dirty="0" err="1"/>
+              <a:t>host</a:t>
+            </a:r>
+            <a:r>
+              <a:rPr lang="it-IT" dirty="0"/>
+              <a:t> 2</a:t>
+            </a:r>
+          </a:p>
+        </p:txBody>
+      </p:sp>
+      <p:sp>
+        <p:nvSpPr>
+          <p:cNvPr id="4" name="Segnaposto numero diapositiva 3"/>
+          <p:cNvSpPr>
+            <a:spLocks noGrp="1"/>
+          </p:cNvSpPr>
+          <p:nvPr>
+            <p:ph type="sldNum" sz="quarter" idx="5"/>
+          </p:nvPr>
+        </p:nvSpPr>
+        <p:spPr/>
+        <p:txBody>
+          <a:bodyPr/>
+          <a:lstStyle/>
+          <a:p>
+            <a:fld id="{E2A6B88F-49BB-49DF-9CD9-134570298B2C}" type="slidenum">
+              <a:rPr lang="it-IT" smtClean="0"/>
+              <a:t>7</a:t>
+            </a:fld>
+            <a:endParaRPr lang="it-IT"/>
+          </a:p>
+        </p:txBody>
+      </p:sp>
+    </p:spTree>
+    <p:extLst>
+      <p:ext uri="{BB962C8B-B14F-4D97-AF65-F5344CB8AC3E}">
+        <p14:creationId xmlns:p14="http://schemas.microsoft.com/office/powerpoint/2010/main" val="206307832"/>
+      </p:ext>
+    </p:extLst>
+  </p:cSld>
+  <p:clrMapOvr>
+    <a:masterClrMapping/>
+  </p:clrMapOvr>
+</p:notes>
+</file>
+
+<file path=ppt/notesSlides/notesSlide2.xml><?xml version="1.0" encoding="utf-8"?>
+<p:notes xmlns:a="http://schemas.openxmlformats.org/drawingml/2006/main" xmlns:r="http://schemas.openxmlformats.org/officeDocument/2006/relationships" xmlns:p="http://schemas.openxmlformats.org/presentationml/2006/main">
+  <p:cSld>
+    <p:spTree>
+      <p:nvGrpSpPr>
+        <p:cNvPr id="1" name=""/>
+        <p:cNvGrpSpPr/>
+        <p:nvPr/>
+      </p:nvGrpSpPr>
+      <p:grpSpPr>
+        <a:xfrm>
+          <a:off x="0" y="0"/>
+          <a:ext cx="0" cy="0"/>
+          <a:chOff x="0" y="0"/>
+          <a:chExt cx="0" cy="0"/>
+        </a:xfrm>
+      </p:grpSpPr>
+      <p:sp>
+        <p:nvSpPr>
+          <p:cNvPr id="2" name="Segnaposto immagine diapositiva 1"/>
+          <p:cNvSpPr>
+            <a:spLocks noGrp="1" noRot="1" noChangeAspect="1"/>
+          </p:cNvSpPr>
+          <p:nvPr>
+            <p:ph type="sldImg"/>
+          </p:nvPr>
+        </p:nvSpPr>
+        <p:spPr/>
+      </p:sp>
+      <p:sp>
+        <p:nvSpPr>
+          <p:cNvPr id="3" name="Segnaposto note 2"/>
+          <p:cNvSpPr>
+            <a:spLocks noGrp="1"/>
+          </p:cNvSpPr>
+          <p:nvPr>
+            <p:ph type="body" idx="1"/>
+          </p:nvPr>
+        </p:nvSpPr>
+        <p:spPr/>
+        <p:txBody>
+          <a:bodyPr/>
+          <a:lstStyle/>
+          <a:p>
+            <a:r>
+              <a:rPr lang="it-IT" dirty="0"/>
+              <a:t>Se va </a:t>
+            </a:r>
+            <a:r>
+              <a:rPr lang="it-IT" dirty="0" err="1"/>
+              <a:t>giu</a:t>
+            </a:r>
+            <a:r>
+              <a:rPr lang="it-IT" dirty="0"/>
+              <a:t> quello di </a:t>
+            </a:r>
+            <a:r>
+              <a:rPr lang="it-IT" dirty="0" err="1"/>
+              <a:t>bu</a:t>
+            </a:r>
+            <a:r>
+              <a:rPr lang="it-IT" dirty="0"/>
+              <a:t>, port </a:t>
+            </a:r>
+            <a:r>
+              <a:rPr lang="it-IT" dirty="0" err="1"/>
+              <a:t>detect</a:t>
+            </a:r>
+            <a:endParaRPr lang="it-IT" dirty="0"/>
+          </a:p>
+        </p:txBody>
+      </p:sp>
+      <p:sp>
+        <p:nvSpPr>
+          <p:cNvPr id="4" name="Segnaposto numero diapositiva 3"/>
+          <p:cNvSpPr>
+            <a:spLocks noGrp="1"/>
+          </p:cNvSpPr>
+          <p:nvPr>
+            <p:ph type="sldNum" sz="quarter" idx="5"/>
+          </p:nvPr>
+        </p:nvSpPr>
+        <p:spPr/>
+        <p:txBody>
+          <a:bodyPr/>
+          <a:lstStyle/>
+          <a:p>
+            <a:fld id="{E2A6B88F-49BB-49DF-9CD9-134570298B2C}" type="slidenum">
+              <a:rPr lang="it-IT" smtClean="0"/>
+              <a:t>11</a:t>
+            </a:fld>
+            <a:endParaRPr lang="it-IT"/>
+          </a:p>
+        </p:txBody>
+      </p:sp>
+    </p:spTree>
+    <p:extLst>
+      <p:ext uri="{BB962C8B-B14F-4D97-AF65-F5344CB8AC3E}">
+        <p14:creationId xmlns:p14="http://schemas.microsoft.com/office/powerpoint/2010/main" val="2040745562"/>
+      </p:ext>
+    </p:extLst>
+  </p:cSld>
+  <p:clrMapOvr>
+    <a:masterClrMapping/>
+  </p:clrMapOvr>
+</p:notes>
 </file>
 
 <file path=ppt/slideLayouts/slideLayout1.xml><?xml version="1.0" encoding="utf-8"?>
@@ -1519,6 +1724,239 @@
       </p:grpSpPr>
       <p:sp>
         <p:nvSpPr>
+          <p:cNvPr id="2" name="Titolo 1">
+            <a:extLst>
+              <a:ext uri="{FF2B5EF4-FFF2-40B4-BE49-F238E27FC236}">
+                <a16:creationId xmlns:a16="http://schemas.microsoft.com/office/drawing/2014/main" id="{3CE46F5F-D40C-445B-8C5E-5A3126ECA715}"/>
+              </a:ext>
+            </a:extLst>
+          </p:cNvPr>
+          <p:cNvSpPr>
+            <a:spLocks noGrp="1"/>
+          </p:cNvSpPr>
+          <p:nvPr>
+            <p:ph type="title"/>
+          </p:nvPr>
+        </p:nvSpPr>
+        <p:spPr/>
+        <p:txBody>
+          <a:bodyPr/>
+          <a:lstStyle/>
+          <a:p>
+            <a:r>
+              <a:rPr lang="it-IT" dirty="0"/>
+              <a:t>Port </a:t>
+            </a:r>
+            <a:r>
+              <a:rPr lang="it-IT" dirty="0" err="1"/>
+              <a:t>detection</a:t>
+            </a:r>
+            <a:endParaRPr lang="it-IT" dirty="0"/>
+          </a:p>
+        </p:txBody>
+      </p:sp>
+      <p:sp>
+        <p:nvSpPr>
+          <p:cNvPr id="3" name="Segnaposto numero diapositiva 2">
+            <a:extLst>
+              <a:ext uri="{FF2B5EF4-FFF2-40B4-BE49-F238E27FC236}">
+                <a16:creationId xmlns:a16="http://schemas.microsoft.com/office/drawing/2014/main" id="{A43E2231-866C-48C9-91FB-9AFD3830266B}"/>
+              </a:ext>
+            </a:extLst>
+          </p:cNvPr>
+          <p:cNvSpPr>
+            <a:spLocks noGrp="1"/>
+          </p:cNvSpPr>
+          <p:nvPr>
+            <p:ph type="sldNum" sz="quarter" idx="12"/>
+          </p:nvPr>
+        </p:nvSpPr>
+        <p:spPr/>
+        <p:txBody>
+          <a:bodyPr/>
+          <a:lstStyle/>
+          <a:p>
+            <a:fld id="{07C31548-3396-48E6-A4F0-B6B6C960F6EE}" type="slidenum">
+              <a:rPr lang="it-IT" smtClean="0"/>
+              <a:t>10</a:t>
+            </a:fld>
+            <a:endParaRPr lang="it-IT" dirty="0"/>
+          </a:p>
+        </p:txBody>
+      </p:sp>
+      <p:sp>
+        <p:nvSpPr>
+          <p:cNvPr id="4" name="Segnaposto contenuto 3">
+            <a:extLst>
+              <a:ext uri="{FF2B5EF4-FFF2-40B4-BE49-F238E27FC236}">
+                <a16:creationId xmlns:a16="http://schemas.microsoft.com/office/drawing/2014/main" id="{A91095B3-7DF5-494A-96D7-DCD89241F977}"/>
+              </a:ext>
+            </a:extLst>
+          </p:cNvPr>
+          <p:cNvSpPr>
+            <a:spLocks noGrp="1"/>
+          </p:cNvSpPr>
+          <p:nvPr>
+            <p:ph idx="1"/>
+          </p:nvPr>
+        </p:nvSpPr>
+        <p:spPr/>
+        <p:txBody>
+          <a:bodyPr/>
+          <a:lstStyle/>
+          <a:p>
+            <a:endParaRPr lang="it-IT"/>
+          </a:p>
+        </p:txBody>
+      </p:sp>
+    </p:spTree>
+    <p:extLst>
+      <p:ext uri="{BB962C8B-B14F-4D97-AF65-F5344CB8AC3E}">
+        <p14:creationId xmlns:p14="http://schemas.microsoft.com/office/powerpoint/2010/main" val="118936408"/>
+      </p:ext>
+    </p:extLst>
+  </p:cSld>
+  <p:clrMapOvr>
+    <a:masterClrMapping/>
+  </p:clrMapOvr>
+</p:sld>
+</file>
+
+<file path=ppt/slides/slide11.xml><?xml version="1.0" encoding="utf-8"?>
+<p:sld xmlns:a="http://schemas.openxmlformats.org/drawingml/2006/main" xmlns:r="http://schemas.openxmlformats.org/officeDocument/2006/relationships" xmlns:p="http://schemas.openxmlformats.org/presentationml/2006/main">
+  <p:cSld>
+    <p:spTree>
+      <p:nvGrpSpPr>
+        <p:cNvPr id="1" name=""/>
+        <p:cNvGrpSpPr/>
+        <p:nvPr/>
+      </p:nvGrpSpPr>
+      <p:grpSpPr>
+        <a:xfrm>
+          <a:off x="0" y="0"/>
+          <a:ext cx="0" cy="0"/>
+          <a:chOff x="0" y="0"/>
+          <a:chExt cx="0" cy="0"/>
+        </a:xfrm>
+      </p:grpSpPr>
+      <p:sp>
+        <p:nvSpPr>
+          <p:cNvPr id="2" name="Titolo 1">
+            <a:extLst>
+              <a:ext uri="{FF2B5EF4-FFF2-40B4-BE49-F238E27FC236}">
+                <a16:creationId xmlns:a16="http://schemas.microsoft.com/office/drawing/2014/main" id="{492484ED-3336-4EBB-A0F5-3C086AD8C77C}"/>
+              </a:ext>
+            </a:extLst>
+          </p:cNvPr>
+          <p:cNvSpPr>
+            <a:spLocks noGrp="1"/>
+          </p:cNvSpPr>
+          <p:nvPr>
+            <p:ph type="title"/>
+          </p:nvPr>
+        </p:nvSpPr>
+        <p:spPr/>
+        <p:txBody>
+          <a:bodyPr/>
+          <a:lstStyle/>
+          <a:p>
+            <a:r>
+              <a:rPr lang="it-IT" dirty="0" err="1"/>
+              <a:t>Exception</a:t>
+            </a:r>
+            <a:r>
+              <a:rPr lang="it-IT" dirty="0"/>
+              <a:t> management</a:t>
+            </a:r>
+          </a:p>
+        </p:txBody>
+      </p:sp>
+      <p:sp>
+        <p:nvSpPr>
+          <p:cNvPr id="3" name="Segnaposto numero diapositiva 2">
+            <a:extLst>
+              <a:ext uri="{FF2B5EF4-FFF2-40B4-BE49-F238E27FC236}">
+                <a16:creationId xmlns:a16="http://schemas.microsoft.com/office/drawing/2014/main" id="{EE374963-CCF1-4856-8F97-098708DAA95C}"/>
+              </a:ext>
+            </a:extLst>
+          </p:cNvPr>
+          <p:cNvSpPr>
+            <a:spLocks noGrp="1"/>
+          </p:cNvSpPr>
+          <p:nvPr>
+            <p:ph type="sldNum" sz="quarter" idx="12"/>
+          </p:nvPr>
+        </p:nvSpPr>
+        <p:spPr/>
+        <p:txBody>
+          <a:bodyPr/>
+          <a:lstStyle/>
+          <a:p>
+            <a:fld id="{07C31548-3396-48E6-A4F0-B6B6C960F6EE}" type="slidenum">
+              <a:rPr lang="it-IT" smtClean="0"/>
+              <a:t>11</a:t>
+            </a:fld>
+            <a:endParaRPr lang="it-IT" dirty="0"/>
+          </a:p>
+        </p:txBody>
+      </p:sp>
+      <p:sp>
+        <p:nvSpPr>
+          <p:cNvPr id="4" name="Segnaposto contenuto 3">
+            <a:extLst>
+              <a:ext uri="{FF2B5EF4-FFF2-40B4-BE49-F238E27FC236}">
+                <a16:creationId xmlns:a16="http://schemas.microsoft.com/office/drawing/2014/main" id="{F226DF65-C5BA-4EF1-8A93-893C767B150B}"/>
+              </a:ext>
+            </a:extLst>
+          </p:cNvPr>
+          <p:cNvSpPr>
+            <a:spLocks noGrp="1"/>
+          </p:cNvSpPr>
+          <p:nvPr>
+            <p:ph idx="1"/>
+          </p:nvPr>
+        </p:nvSpPr>
+        <p:spPr/>
+        <p:txBody>
+          <a:bodyPr/>
+          <a:lstStyle/>
+          <a:p>
+            <a:endParaRPr lang="it-IT"/>
+          </a:p>
+        </p:txBody>
+      </p:sp>
+    </p:spTree>
+    <p:extLst>
+      <p:ext uri="{BB962C8B-B14F-4D97-AF65-F5344CB8AC3E}">
+        <p14:creationId xmlns:p14="http://schemas.microsoft.com/office/powerpoint/2010/main" val="4292024606"/>
+      </p:ext>
+    </p:extLst>
+  </p:cSld>
+  <p:clrMapOvr>
+    <a:masterClrMapping/>
+  </p:clrMapOvr>
+</p:sld>
+</file>
+
+<file path=ppt/slides/slide12.xml><?xml version="1.0" encoding="utf-8"?>
+<p:sld xmlns:a="http://schemas.openxmlformats.org/drawingml/2006/main" xmlns:r="http://schemas.openxmlformats.org/officeDocument/2006/relationships" xmlns:p="http://schemas.openxmlformats.org/presentationml/2006/main">
+  <p:cSld>
+    <p:spTree>
+      <p:nvGrpSpPr>
+        <p:cNvPr id="1" name=""/>
+        <p:cNvGrpSpPr/>
+        <p:nvPr/>
+      </p:nvGrpSpPr>
+      <p:grpSpPr>
+        <a:xfrm>
+          <a:off x="0" y="0"/>
+          <a:ext cx="0" cy="0"/>
+          <a:chOff x="0" y="0"/>
+          <a:chExt cx="0" cy="0"/>
+        </a:xfrm>
+      </p:grpSpPr>
+      <p:sp>
+        <p:nvSpPr>
           <p:cNvPr id="2" name="Titolo 1"/>
           <p:cNvSpPr>
             <a:spLocks noGrp="1"/>
@@ -1589,7 +2027,7 @@
           <a:p>
             <a:fld id="{07C31548-3396-48E6-A4F0-B6B6C960F6EE}" type="slidenum">
               <a:rPr lang="it-IT" smtClean="0"/>
-              <a:t>10</a:t>
+              <a:t>12</a:t>
             </a:fld>
             <a:endParaRPr lang="it-IT" dirty="0"/>
           </a:p>
@@ -1835,6 +2273,12 @@
             <a:r>
               <a:rPr lang="en-US" dirty="0"/>
               <a:t>One tunnel is the default path, the other is the back‐up path.</a:t>
+            </a:r>
+          </a:p>
+          <a:p>
+            <a:r>
+              <a:rPr lang="en-US" dirty="0"/>
+              <a:t>MPLS connection is based on source and destination MACs</a:t>
             </a:r>
           </a:p>
           <a:p>
@@ -2287,8 +2731,8 @@
         </p:nvSpPr>
         <p:spPr>
           <a:xfrm>
-            <a:off x="210207" y="4446497"/>
-            <a:ext cx="8679976" cy="1938992"/>
+            <a:off x="210207" y="4137001"/>
+            <a:ext cx="8679976" cy="2308324"/>
           </a:xfrm>
           <a:prstGeom prst="rect">
             <a:avLst/>
@@ -2306,23 +2750,23 @@
               <a:buChar char="•"/>
             </a:pPr>
             <a:r>
-              <a:rPr lang="it-IT" sz="2000" dirty="0"/>
+              <a:rPr lang="it-IT" sz="2400" dirty="0"/>
               <a:t>h1 </a:t>
             </a:r>
             <a:r>
-              <a:rPr lang="it-IT" sz="2000" dirty="0" err="1"/>
+              <a:rPr lang="it-IT" sz="2400" dirty="0" err="1"/>
               <a:t>wants</a:t>
             </a:r>
             <a:r>
-              <a:rPr lang="it-IT" sz="2000" dirty="0"/>
+              <a:rPr lang="it-IT" sz="2400" dirty="0"/>
               <a:t> to </a:t>
             </a:r>
             <a:r>
-              <a:rPr lang="it-IT" sz="2000" dirty="0" err="1"/>
+              <a:rPr lang="it-IT" sz="2400" dirty="0" err="1"/>
               <a:t>establish</a:t>
             </a:r>
             <a:r>
-              <a:rPr lang="it-IT" sz="2000" dirty="0"/>
+              <a:rPr lang="it-IT" sz="2400" dirty="0"/>
               <a:t> an IP connection with h2</a:t>
             </a:r>
           </a:p>
@@ -2332,51 +2776,51 @@
               <a:buChar char="•"/>
             </a:pPr>
             <a:r>
-              <a:rPr lang="it-IT" sz="2000" dirty="0" err="1"/>
+              <a:rPr lang="it-IT" sz="2400" dirty="0" err="1"/>
               <a:t>All</a:t>
             </a:r>
             <a:r>
-              <a:rPr lang="it-IT" sz="2000" dirty="0"/>
+              <a:rPr lang="it-IT" sz="2400" dirty="0"/>
               <a:t> the flow </a:t>
             </a:r>
             <a:r>
-              <a:rPr lang="it-IT" sz="2000" dirty="0" err="1"/>
+              <a:rPr lang="it-IT" sz="2400" dirty="0" err="1"/>
               <a:t>tables</a:t>
             </a:r>
             <a:r>
-              <a:rPr lang="it-IT" sz="2000" dirty="0"/>
+              <a:rPr lang="it-IT" sz="2400" dirty="0"/>
               <a:t> of the switches inside the network are </a:t>
             </a:r>
             <a:r>
-              <a:rPr lang="it-IT" sz="2000" dirty="0" err="1"/>
+              <a:rPr lang="it-IT" sz="2400" dirty="0" err="1"/>
               <a:t>empty</a:t>
             </a:r>
             <a:r>
-              <a:rPr lang="it-IT" sz="2000" dirty="0"/>
+              <a:rPr lang="it-IT" sz="2400" dirty="0"/>
               <a:t> (</a:t>
             </a:r>
             <a:r>
-              <a:rPr lang="it-IT" sz="2000" dirty="0" err="1"/>
+              <a:rPr lang="it-IT" sz="2400" dirty="0" err="1"/>
               <a:t>only</a:t>
             </a:r>
             <a:r>
-              <a:rPr lang="it-IT" sz="2000" dirty="0"/>
+              <a:rPr lang="it-IT" sz="2400" dirty="0"/>
               <a:t> default rule </a:t>
             </a:r>
             <a:r>
-              <a:rPr lang="it-IT" sz="2000" dirty="0" err="1"/>
+              <a:rPr lang="it-IT" sz="2400" dirty="0" err="1"/>
               <a:t>is</a:t>
             </a:r>
             <a:r>
-              <a:rPr lang="it-IT" sz="2000" dirty="0"/>
+              <a:rPr lang="it-IT" sz="2400" dirty="0"/>
               <a:t> </a:t>
             </a:r>
             <a:r>
-              <a:rPr lang="it-IT" sz="2000" dirty="0" err="1"/>
+              <a:rPr lang="it-IT" sz="2400" dirty="0" err="1"/>
               <a:t>installed</a:t>
             </a:r>
             <a:r>
-              <a:rPr lang="it-IT" sz="2000" dirty="0"/>
+              <a:rPr lang="it-IT" sz="2400" dirty="0"/>
               <a:t>)</a:t>
             </a:r>
           </a:p>
@@ -2386,65 +2830,58 @@
               <a:buChar char="•"/>
             </a:pPr>
             <a:r>
-              <a:rPr lang="it-IT" sz="2000" dirty="0" err="1"/>
+              <a:rPr lang="it-IT" sz="2400" dirty="0" err="1"/>
               <a:t>When</a:t>
             </a:r>
             <a:r>
-              <a:rPr lang="it-IT" sz="2000" dirty="0"/>
+              <a:rPr lang="it-IT" sz="2400" dirty="0"/>
               <a:t> the </a:t>
             </a:r>
             <a:r>
-              <a:rPr lang="it-IT" sz="2000" dirty="0" err="1"/>
+              <a:rPr lang="it-IT" sz="2400" dirty="0" err="1"/>
               <a:t>firtst</a:t>
             </a:r>
             <a:r>
-              <a:rPr lang="it-IT" sz="2000" dirty="0"/>
+              <a:rPr lang="it-IT" sz="2400" dirty="0"/>
               <a:t> IP </a:t>
             </a:r>
             <a:r>
-              <a:rPr lang="it-IT" sz="2000" dirty="0" err="1"/>
+              <a:rPr lang="it-IT" sz="2400" dirty="0" err="1"/>
               <a:t>packet</a:t>
             </a:r>
             <a:r>
-              <a:rPr lang="it-IT" sz="2000" dirty="0"/>
+              <a:rPr lang="it-IT" sz="2400" dirty="0"/>
               <a:t> </a:t>
             </a:r>
             <a:r>
-              <a:rPr lang="it-IT" sz="2000" dirty="0" err="1"/>
+              <a:rPr lang="it-IT" sz="2400" dirty="0" err="1"/>
               <a:t>comes</a:t>
             </a:r>
             <a:r>
-              <a:rPr lang="it-IT" sz="2000" dirty="0"/>
+              <a:rPr lang="it-IT" sz="2400" dirty="0"/>
               <a:t> to the switch </a:t>
             </a:r>
             <a:r>
-              <a:rPr lang="it-IT" sz="2000" dirty="0" err="1"/>
+              <a:rPr lang="it-IT" sz="2400" dirty="0" err="1"/>
               <a:t>connected</a:t>
             </a:r>
             <a:r>
-              <a:rPr lang="it-IT" sz="2000" dirty="0"/>
+              <a:rPr lang="it-IT" sz="2400" dirty="0"/>
               <a:t> to h1, the controller </a:t>
             </a:r>
             <a:r>
-              <a:rPr lang="it-IT" sz="2000" dirty="0" err="1"/>
+              <a:rPr lang="it-IT" sz="2400" dirty="0" err="1"/>
               <a:t>installs</a:t>
             </a:r>
             <a:r>
-              <a:rPr lang="it-IT" sz="2000" dirty="0"/>
+              <a:rPr lang="it-IT" sz="2400" dirty="0"/>
               <a:t> MPLS rules in the switches of default and backup </a:t>
             </a:r>
             <a:r>
-              <a:rPr lang="it-IT" sz="2000" dirty="0" err="1"/>
+              <a:rPr lang="it-IT" sz="2400" dirty="0" err="1"/>
               <a:t>paths</a:t>
             </a:r>
-            <a:endParaRPr lang="it-IT" sz="2000" dirty="0"/>
-          </a:p>
-          <a:p>
-            <a:pPr marL="285750" indent="-285750">
-              <a:buFont typeface="Arial" panose="020B0604020202020204" pitchFamily="34" charset="0"/>
-              <a:buChar char="•"/>
-            </a:pPr>
-            <a:endParaRPr lang="it-IT" sz="2000" dirty="0"/>
+            <a:endParaRPr lang="it-IT" sz="2400" dirty="0"/>
           </a:p>
         </p:txBody>
       </p:sp>
@@ -2990,11 +3427,357 @@
             <p:ph idx="1"/>
           </p:nvPr>
         </p:nvSpPr>
-        <p:spPr/>
+        <p:spPr>
+          <a:xfrm>
+            <a:off x="628649" y="1022846"/>
+            <a:ext cx="7886700" cy="4857449"/>
+          </a:xfrm>
+        </p:spPr>
         <p:txBody>
           <a:bodyPr/>
           <a:lstStyle/>
           <a:p>
+            <a:r>
+              <a:rPr lang="it-IT" dirty="0"/>
+              <a:t>The controller </a:t>
+            </a:r>
+            <a:r>
+              <a:rPr lang="it-IT" dirty="0" err="1"/>
+              <a:t>installs</a:t>
+            </a:r>
+            <a:r>
+              <a:rPr lang="it-IT" dirty="0"/>
+              <a:t> MPLS PUSH rule in the in </a:t>
+            </a:r>
+            <a:r>
+              <a:rPr lang="it-IT" dirty="0" err="1"/>
+              <a:t>order</a:t>
+            </a:r>
+            <a:r>
+              <a:rPr lang="it-IT" dirty="0"/>
+              <a:t> to </a:t>
+            </a:r>
+            <a:r>
+              <a:rPr lang="it-IT" dirty="0" err="1"/>
+              <a:t>add</a:t>
+            </a:r>
+            <a:r>
+              <a:rPr lang="it-IT" dirty="0"/>
+              <a:t> labels on </a:t>
+            </a:r>
+            <a:r>
+              <a:rPr lang="it-IT" dirty="0" err="1"/>
+              <a:t>packets</a:t>
+            </a:r>
+            <a:r>
+              <a:rPr lang="it-IT" dirty="0"/>
+              <a:t> in the </a:t>
+            </a:r>
+            <a:r>
+              <a:rPr lang="it-IT" dirty="0" err="1"/>
+              <a:t>node</a:t>
+            </a:r>
+            <a:r>
+              <a:rPr lang="it-IT" dirty="0"/>
+              <a:t> </a:t>
+            </a:r>
+            <a:r>
+              <a:rPr lang="it-IT" dirty="0" err="1"/>
+              <a:t>directly</a:t>
+            </a:r>
+            <a:r>
+              <a:rPr lang="it-IT" dirty="0"/>
+              <a:t> </a:t>
+            </a:r>
+            <a:r>
+              <a:rPr lang="it-IT" dirty="0" err="1"/>
+              <a:t>connected</a:t>
+            </a:r>
+            <a:r>
+              <a:rPr lang="it-IT" dirty="0"/>
+              <a:t> to the </a:t>
+            </a:r>
+            <a:r>
+              <a:rPr lang="it-IT" dirty="0" err="1"/>
+              <a:t>host</a:t>
+            </a:r>
+            <a:endParaRPr lang="it-IT" dirty="0"/>
+          </a:p>
+          <a:p>
+            <a:r>
+              <a:rPr lang="it-IT" dirty="0"/>
+              <a:t>Intermediate </a:t>
+            </a:r>
+            <a:r>
+              <a:rPr lang="it-IT" dirty="0" err="1"/>
+              <a:t>nodes</a:t>
+            </a:r>
+            <a:r>
+              <a:rPr lang="it-IT" dirty="0"/>
+              <a:t> </a:t>
+            </a:r>
+            <a:r>
+              <a:rPr lang="it-IT" dirty="0" err="1"/>
+              <a:t>contain</a:t>
+            </a:r>
+            <a:r>
+              <a:rPr lang="it-IT" dirty="0"/>
+              <a:t> just forwarding rules </a:t>
+            </a:r>
+            <a:r>
+              <a:rPr lang="it-IT" dirty="0" err="1"/>
+              <a:t>based</a:t>
+            </a:r>
+            <a:r>
+              <a:rPr lang="it-IT" dirty="0"/>
+              <a:t> on label matching </a:t>
+            </a:r>
+          </a:p>
+          <a:p>
+            <a:r>
+              <a:rPr lang="it-IT" dirty="0"/>
+              <a:t>In the last </a:t>
+            </a:r>
+            <a:r>
+              <a:rPr lang="it-IT" dirty="0" err="1"/>
+              <a:t>node</a:t>
+            </a:r>
+            <a:r>
+              <a:rPr lang="it-IT" dirty="0"/>
+              <a:t> POP MPLS rule </a:t>
+            </a:r>
+            <a:r>
+              <a:rPr lang="it-IT" dirty="0" err="1"/>
+              <a:t>is</a:t>
+            </a:r>
+            <a:r>
+              <a:rPr lang="it-IT" dirty="0"/>
+              <a:t> </a:t>
+            </a:r>
+            <a:r>
+              <a:rPr lang="it-IT" dirty="0" err="1"/>
+              <a:t>installed</a:t>
+            </a:r>
+            <a:r>
+              <a:rPr lang="it-IT" dirty="0"/>
+              <a:t> in </a:t>
+            </a:r>
+            <a:r>
+              <a:rPr lang="it-IT" dirty="0" err="1"/>
+              <a:t>order</a:t>
+            </a:r>
+            <a:r>
+              <a:rPr lang="it-IT" dirty="0"/>
+              <a:t> to </a:t>
+            </a:r>
+            <a:r>
+              <a:rPr lang="it-IT" dirty="0" err="1"/>
+              <a:t>remove</a:t>
+            </a:r>
+            <a:r>
+              <a:rPr lang="it-IT" dirty="0"/>
+              <a:t> label from the </a:t>
+            </a:r>
+            <a:r>
+              <a:rPr lang="it-IT" dirty="0" err="1"/>
+              <a:t>packet</a:t>
+            </a:r>
+            <a:r>
+              <a:rPr lang="it-IT" dirty="0"/>
+              <a:t> and </a:t>
+            </a:r>
+            <a:r>
+              <a:rPr lang="it-IT" dirty="0" err="1"/>
+              <a:t>deliver</a:t>
+            </a:r>
+            <a:r>
+              <a:rPr lang="it-IT" dirty="0"/>
+              <a:t> </a:t>
+            </a:r>
+            <a:r>
+              <a:rPr lang="it-IT" dirty="0" err="1"/>
+              <a:t>it</a:t>
+            </a:r>
+            <a:r>
+              <a:rPr lang="it-IT" dirty="0"/>
+              <a:t> to the </a:t>
+            </a:r>
+            <a:r>
+              <a:rPr lang="it-IT" dirty="0" err="1"/>
+              <a:t>host</a:t>
+            </a:r>
+            <a:endParaRPr lang="it-IT" dirty="0"/>
+          </a:p>
+          <a:p>
+            <a:r>
+              <a:rPr lang="it-IT" dirty="0"/>
+              <a:t>At the </a:t>
+            </a:r>
+            <a:r>
+              <a:rPr lang="it-IT" dirty="0" err="1"/>
+              <a:t>same</a:t>
+            </a:r>
+            <a:r>
+              <a:rPr lang="it-IT" dirty="0"/>
+              <a:t> time </a:t>
+            </a:r>
+            <a:r>
+              <a:rPr lang="it-IT" dirty="0" err="1"/>
+              <a:t>symmetrical</a:t>
+            </a:r>
+            <a:r>
+              <a:rPr lang="it-IT" dirty="0"/>
+              <a:t> rules are </a:t>
+            </a:r>
+            <a:r>
+              <a:rPr lang="it-IT" dirty="0" err="1"/>
+              <a:t>placed</a:t>
+            </a:r>
+            <a:r>
+              <a:rPr lang="it-IT" dirty="0"/>
+              <a:t> to </a:t>
+            </a:r>
+            <a:r>
+              <a:rPr lang="it-IT" dirty="0" err="1"/>
+              <a:t>allow</a:t>
+            </a:r>
+            <a:r>
+              <a:rPr lang="it-IT" dirty="0"/>
+              <a:t> </a:t>
+            </a:r>
+            <a:r>
+              <a:rPr lang="it-IT" dirty="0" err="1"/>
+              <a:t>packets</a:t>
+            </a:r>
+            <a:r>
+              <a:rPr lang="it-IT" dirty="0"/>
+              <a:t> to come back on the </a:t>
+            </a:r>
+            <a:r>
+              <a:rPr lang="it-IT" dirty="0" err="1"/>
+              <a:t>same</a:t>
+            </a:r>
+            <a:r>
+              <a:rPr lang="it-IT" dirty="0"/>
+              <a:t> </a:t>
+            </a:r>
+            <a:r>
+              <a:rPr lang="it-IT" dirty="0" err="1"/>
+              <a:t>path</a:t>
+            </a:r>
+            <a:endParaRPr lang="it-IT" dirty="0"/>
+          </a:p>
+          <a:p>
+            <a:r>
+              <a:rPr lang="it-IT" dirty="0"/>
+              <a:t>Intermediate switches are </a:t>
+            </a:r>
+            <a:r>
+              <a:rPr lang="it-IT" dirty="0" err="1"/>
+              <a:t>able</a:t>
+            </a:r>
+            <a:r>
+              <a:rPr lang="it-IT" dirty="0"/>
+              <a:t> to </a:t>
+            </a:r>
+            <a:r>
+              <a:rPr lang="it-IT" dirty="0" err="1"/>
+              <a:t>recognize</a:t>
+            </a:r>
+            <a:r>
+              <a:rPr lang="it-IT" dirty="0"/>
+              <a:t> the </a:t>
+            </a:r>
+            <a:r>
+              <a:rPr lang="it-IT" dirty="0" err="1"/>
+              <a:t>direction</a:t>
+            </a:r>
+            <a:r>
+              <a:rPr lang="it-IT" dirty="0"/>
+              <a:t> of the </a:t>
+            </a:r>
+            <a:r>
+              <a:rPr lang="it-IT" dirty="0" err="1"/>
+              <a:t>packets</a:t>
+            </a:r>
+            <a:r>
+              <a:rPr lang="it-IT" dirty="0"/>
+              <a:t> checking the input port</a:t>
+            </a:r>
+          </a:p>
+          <a:p>
+            <a:r>
+              <a:rPr lang="it-IT" dirty="0"/>
+              <a:t>The </a:t>
+            </a:r>
+            <a:r>
+              <a:rPr lang="it-IT" dirty="0" err="1"/>
+              <a:t>same</a:t>
+            </a:r>
+            <a:r>
+              <a:rPr lang="it-IT" dirty="0"/>
+              <a:t> procedure </a:t>
+            </a:r>
+            <a:r>
+              <a:rPr lang="it-IT" dirty="0" err="1"/>
+              <a:t>is</a:t>
+            </a:r>
+            <a:r>
+              <a:rPr lang="it-IT" dirty="0"/>
+              <a:t> </a:t>
+            </a:r>
+            <a:r>
+              <a:rPr lang="it-IT" dirty="0" err="1"/>
+              <a:t>applied</a:t>
+            </a:r>
+            <a:r>
+              <a:rPr lang="it-IT" dirty="0"/>
+              <a:t> to backup </a:t>
+            </a:r>
+            <a:r>
+              <a:rPr lang="it-IT" dirty="0" err="1"/>
+              <a:t>path</a:t>
+            </a:r>
+            <a:r>
+              <a:rPr lang="it-IT" dirty="0"/>
+              <a:t>, </a:t>
+            </a:r>
+            <a:r>
+              <a:rPr lang="it-IT" dirty="0" err="1"/>
+              <a:t>but</a:t>
+            </a:r>
+            <a:r>
+              <a:rPr lang="it-IT" dirty="0"/>
+              <a:t> rules </a:t>
+            </a:r>
+            <a:r>
+              <a:rPr lang="it-IT" dirty="0" err="1"/>
+              <a:t>have</a:t>
+            </a:r>
+            <a:r>
+              <a:rPr lang="it-IT" dirty="0"/>
+              <a:t> a </a:t>
+            </a:r>
+            <a:r>
+              <a:rPr lang="it-IT" dirty="0" err="1"/>
+              <a:t>lower</a:t>
+            </a:r>
+            <a:r>
+              <a:rPr lang="it-IT" dirty="0"/>
+              <a:t> </a:t>
+            </a:r>
+            <a:r>
+              <a:rPr lang="it-IT" dirty="0" err="1"/>
+              <a:t>priority</a:t>
+            </a:r>
+            <a:r>
+              <a:rPr lang="it-IT" dirty="0"/>
+              <a:t> the default </a:t>
+            </a:r>
+            <a:r>
+              <a:rPr lang="it-IT" dirty="0" err="1"/>
+              <a:t>ones</a:t>
+            </a:r>
             <a:endParaRPr lang="it-IT" dirty="0"/>
           </a:p>
         </p:txBody>
@@ -3123,7 +3906,7 @@
           </p:nvPr>
         </p:nvPicPr>
         <p:blipFill>
-          <a:blip r:embed="rId2">
+          <a:blip r:embed="rId3">
             <a:extLst>
               <a:ext uri="{28A0092B-C50C-407E-A947-70E740481C1C}">
                 <a14:useLocalDpi xmlns:a14="http://schemas.microsoft.com/office/drawing/2010/main" val="0"/>
@@ -3136,7 +3919,7 @@
         </p:blipFill>
         <p:spPr>
           <a:xfrm>
-            <a:off x="2254689" y="906936"/>
+            <a:off x="2353163" y="1709705"/>
             <a:ext cx="4634621" cy="3438590"/>
           </a:xfrm>
         </p:spPr>
@@ -3155,7 +3938,7 @@
         </p:nvSpPr>
         <p:spPr>
           <a:xfrm rot="14120756">
-            <a:off x="3377882" y="981134"/>
+            <a:off x="3476356" y="1783903"/>
             <a:ext cx="301491" cy="1473281"/>
           </a:xfrm>
           <a:prstGeom prst="downArrow">
@@ -3201,7 +3984,7 @@
         </p:nvSpPr>
         <p:spPr>
           <a:xfrm rot="18437536">
-            <a:off x="5613530" y="1004506"/>
+            <a:off x="5712004" y="1807275"/>
             <a:ext cx="301491" cy="1473281"/>
           </a:xfrm>
           <a:prstGeom prst="downArrow">
@@ -3247,7 +4030,7 @@
         </p:nvSpPr>
         <p:spPr>
           <a:xfrm rot="14120756">
-            <a:off x="5599225" y="2661748"/>
+            <a:off x="5697699" y="3464517"/>
             <a:ext cx="301491" cy="1473281"/>
           </a:xfrm>
           <a:prstGeom prst="downArrow">
@@ -3299,7 +4082,7 @@
         </p:nvSpPr>
         <p:spPr>
           <a:xfrm>
-            <a:off x="420414" y="968525"/>
+            <a:off x="340869" y="1093093"/>
             <a:ext cx="1496492" cy="646331"/>
           </a:xfrm>
           <a:prstGeom prst="rect">
@@ -3355,7 +4138,7 @@
         </p:nvSpPr>
         <p:spPr>
           <a:xfrm>
-            <a:off x="486032" y="1096663"/>
+            <a:off x="406487" y="1221231"/>
             <a:ext cx="121890" cy="131255"/>
           </a:xfrm>
           <a:prstGeom prst="rect">
@@ -3401,7 +4184,7 @@
         </p:nvSpPr>
         <p:spPr>
           <a:xfrm>
-            <a:off x="486032" y="1355759"/>
+            <a:off x="406487" y="1480327"/>
             <a:ext cx="121890" cy="131255"/>
           </a:xfrm>
           <a:prstGeom prst="rect">
@@ -3453,8 +4236,8 @@
         </p:nvSpPr>
         <p:spPr>
           <a:xfrm>
-            <a:off x="447687" y="3004827"/>
-            <a:ext cx="1958041" cy="2031325"/>
+            <a:off x="305909" y="3797779"/>
+            <a:ext cx="2541693" cy="2031325"/>
           </a:xfrm>
           <a:prstGeom prst="rect">
             <a:avLst/>
@@ -3483,11 +4266,19 @@
             </a:br>
             <a:r>
               <a:rPr lang="it-IT" sz="1400" b="1" dirty="0"/>
-              <a:t>PUSH MPLS</a:t>
+              <a:t>PUSH MPLS </a:t>
             </a:r>
             <a:r>
               <a:rPr lang="it-IT" sz="1400" dirty="0"/>
-              <a:t>, output 2,</a:t>
+              <a:t>(label=1) </a:t>
+            </a:r>
+            <a:r>
+              <a:rPr lang="it-IT" sz="1400" dirty="0" err="1"/>
+              <a:t>outport</a:t>
+            </a:r>
+            <a:r>
+              <a:rPr lang="it-IT" sz="1400" dirty="0"/>
+              <a:t> 2,</a:t>
             </a:r>
             <a:br>
               <a:rPr lang="it-IT" sz="1400" dirty="0"/>
@@ -3508,7 +4299,15 @@
             </a:r>
             <a:r>
               <a:rPr lang="it-IT" sz="1400" dirty="0"/>
-              <a:t>, output 3,</a:t>
+              <a:t> (label=2) </a:t>
+            </a:r>
+            <a:r>
+              <a:rPr lang="it-IT" sz="1400" dirty="0" err="1"/>
+              <a:t>outport</a:t>
+            </a:r>
+            <a:r>
+              <a:rPr lang="it-IT" sz="1400" dirty="0"/>
+              <a:t> 3,</a:t>
             </a:r>
             <a:br>
               <a:rPr lang="it-IT" sz="1400" dirty="0"/>
@@ -3525,11 +4324,19 @@
           <a:p>
             <a:r>
               <a:rPr lang="it-IT" sz="1400" b="1" dirty="0"/>
-              <a:t>POP MPLS</a:t>
+              <a:t>POP MPLS </a:t>
             </a:r>
             <a:r>
               <a:rPr lang="it-IT" sz="1400" dirty="0"/>
-              <a:t>, output 1, </a:t>
+              <a:t>(label=1) </a:t>
+            </a:r>
+            <a:r>
+              <a:rPr lang="it-IT" sz="1400" dirty="0" err="1"/>
+              <a:t>outport</a:t>
+            </a:r>
+            <a:r>
+              <a:rPr lang="it-IT" sz="1400" dirty="0"/>
+              <a:t> 1, </a:t>
             </a:r>
             <a:r>
               <a:rPr lang="it-IT" sz="1400" dirty="0" err="1"/>
@@ -3548,7 +4355,15 @@
             </a:r>
             <a:r>
               <a:rPr lang="it-IT" sz="1400" dirty="0"/>
-              <a:t>, output 1, </a:t>
+              <a:t> (label=2) </a:t>
+            </a:r>
+            <a:r>
+              <a:rPr lang="it-IT" sz="1400" dirty="0" err="1"/>
+              <a:t>outport</a:t>
+            </a:r>
+            <a:r>
+              <a:rPr lang="it-IT" sz="1400" dirty="0"/>
+              <a:t> 1, </a:t>
             </a:r>
             <a:r>
               <a:rPr lang="it-IT" sz="1400" dirty="0" err="1"/>
@@ -3575,8 +4390,8 @@
         </p:nvSpPr>
         <p:spPr>
           <a:xfrm>
-            <a:off x="6738271" y="3009186"/>
-            <a:ext cx="1958041" cy="2031325"/>
+            <a:off x="6540122" y="3815839"/>
+            <a:ext cx="2494916" cy="2031325"/>
           </a:xfrm>
           <a:prstGeom prst="rect">
             <a:avLst/>
@@ -3605,11 +4420,19 @@
             </a:br>
             <a:r>
               <a:rPr lang="it-IT" sz="1400" b="1" dirty="0"/>
-              <a:t>PUSH MPLS</a:t>
+              <a:t>PUSH MPLS </a:t>
             </a:r>
             <a:r>
               <a:rPr lang="it-IT" sz="1400" dirty="0"/>
-              <a:t>, output 2,</a:t>
+              <a:t>(label=1) </a:t>
+            </a:r>
+            <a:r>
+              <a:rPr lang="it-IT" sz="1400" dirty="0" err="1"/>
+              <a:t>outport</a:t>
+            </a:r>
+            <a:r>
+              <a:rPr lang="it-IT" sz="1400" dirty="0"/>
+              <a:t> 2,</a:t>
             </a:r>
             <a:br>
               <a:rPr lang="it-IT" sz="1400" dirty="0"/>
@@ -3630,7 +4453,15 @@
             </a:r>
             <a:r>
               <a:rPr lang="it-IT" sz="1400" dirty="0"/>
-              <a:t>, output 3,</a:t>
+              <a:t> (label=2) </a:t>
+            </a:r>
+            <a:r>
+              <a:rPr lang="it-IT" sz="1400" dirty="0" err="1"/>
+              <a:t>outport</a:t>
+            </a:r>
+            <a:r>
+              <a:rPr lang="it-IT" sz="1400" dirty="0"/>
+              <a:t> 3,</a:t>
             </a:r>
             <a:br>
               <a:rPr lang="it-IT" sz="1400" dirty="0"/>
@@ -3647,11 +4478,19 @@
           <a:p>
             <a:r>
               <a:rPr lang="it-IT" sz="1400" b="1" dirty="0"/>
-              <a:t>POP MPLS</a:t>
+              <a:t>POP MPLS </a:t>
             </a:r>
             <a:r>
               <a:rPr lang="it-IT" sz="1400" dirty="0"/>
-              <a:t>, output 1, </a:t>
+              <a:t>(label=1) </a:t>
+            </a:r>
+            <a:r>
+              <a:rPr lang="it-IT" sz="1400" dirty="0" err="1"/>
+              <a:t>outport</a:t>
+            </a:r>
+            <a:r>
+              <a:rPr lang="it-IT" sz="1400" dirty="0"/>
+              <a:t> 1, </a:t>
             </a:r>
             <a:r>
               <a:rPr lang="it-IT" sz="1400" dirty="0" err="1"/>
@@ -3666,11 +4505,19 @@
             </a:br>
             <a:r>
               <a:rPr lang="it-IT" sz="1400" b="1" dirty="0"/>
-              <a:t>POP MPLS</a:t>
+              <a:t>POP MPLS </a:t>
             </a:r>
             <a:r>
               <a:rPr lang="it-IT" sz="1400" dirty="0"/>
-              <a:t>, output 1, </a:t>
+              <a:t>(label=2) </a:t>
+            </a:r>
+            <a:r>
+              <a:rPr lang="it-IT" sz="1400" dirty="0" err="1"/>
+              <a:t>outport</a:t>
+            </a:r>
+            <a:r>
+              <a:rPr lang="it-IT" sz="1400" dirty="0"/>
+              <a:t> 1, </a:t>
             </a:r>
             <a:r>
               <a:rPr lang="it-IT" sz="1400" dirty="0" err="1"/>
@@ -3685,107 +4532,6 @@
       </p:sp>
       <p:sp>
         <p:nvSpPr>
-          <p:cNvPr id="19" name="CasellaDiTesto 18">
-            <a:extLst>
-              <a:ext uri="{FF2B5EF4-FFF2-40B4-BE49-F238E27FC236}">
-                <a16:creationId xmlns:a16="http://schemas.microsoft.com/office/drawing/2014/main" id="{689F7EB2-3965-4F3B-B663-96F253A9AC8C}"/>
-              </a:ext>
-            </a:extLst>
-          </p:cNvPr>
-          <p:cNvSpPr txBox="1"/>
-          <p:nvPr/>
-        </p:nvSpPr>
-        <p:spPr>
-          <a:xfrm>
-            <a:off x="120440" y="5531774"/>
-            <a:ext cx="9023560" cy="707886"/>
-          </a:xfrm>
-          <a:prstGeom prst="rect">
-            <a:avLst/>
-          </a:prstGeom>
-          <a:noFill/>
-        </p:spPr>
-        <p:txBody>
-          <a:bodyPr wrap="none" rtlCol="0">
-            <a:spAutoFit/>
-          </a:bodyPr>
-          <a:lstStyle/>
-          <a:p>
-            <a:r>
-              <a:rPr lang="it-IT" sz="2000" dirty="0"/>
-              <a:t>The </a:t>
-            </a:r>
-            <a:r>
-              <a:rPr lang="it-IT" sz="2000" dirty="0" err="1"/>
-              <a:t>paths</a:t>
-            </a:r>
-            <a:r>
-              <a:rPr lang="it-IT" sz="2000" dirty="0"/>
-              <a:t> are </a:t>
-            </a:r>
-            <a:r>
-              <a:rPr lang="it-IT" sz="2000" dirty="0" err="1"/>
-              <a:t>identified</a:t>
-            </a:r>
-            <a:r>
-              <a:rPr lang="it-IT" sz="2000" dirty="0"/>
-              <a:t> by a MPLS label: the end switches </a:t>
-            </a:r>
-            <a:r>
-              <a:rPr lang="it-IT" sz="2000" dirty="0" err="1"/>
-              <a:t>add</a:t>
-            </a:r>
-            <a:r>
-              <a:rPr lang="it-IT" sz="2000" dirty="0"/>
-              <a:t> and </a:t>
-            </a:r>
-            <a:r>
-              <a:rPr lang="it-IT" sz="2000" dirty="0" err="1"/>
-              <a:t>remove</a:t>
-            </a:r>
-            <a:r>
-              <a:rPr lang="it-IT" sz="2000" dirty="0"/>
-              <a:t> the label,</a:t>
-            </a:r>
-          </a:p>
-          <a:p>
-            <a:r>
-              <a:rPr lang="it-IT" sz="2000" dirty="0" err="1"/>
-              <a:t>while</a:t>
-            </a:r>
-            <a:r>
-              <a:rPr lang="it-IT" sz="2000" dirty="0"/>
-              <a:t> the intermediate switches </a:t>
-            </a:r>
-            <a:r>
-              <a:rPr lang="it-IT" sz="2000" dirty="0" err="1"/>
-              <a:t>route</a:t>
-            </a:r>
-            <a:r>
-              <a:rPr lang="it-IT" sz="2000" dirty="0"/>
-              <a:t> the </a:t>
-            </a:r>
-            <a:r>
-              <a:rPr lang="it-IT" sz="2000" dirty="0" err="1"/>
-              <a:t>packets</a:t>
-            </a:r>
-            <a:r>
-              <a:rPr lang="it-IT" sz="2000" dirty="0"/>
-              <a:t> </a:t>
-            </a:r>
-            <a:r>
-              <a:rPr lang="it-IT" sz="2000" dirty="0" err="1"/>
-              <a:t>according</a:t>
-            </a:r>
-            <a:r>
-              <a:rPr lang="it-IT" sz="2000" dirty="0"/>
-              <a:t> to the label</a:t>
-            </a:r>
-          </a:p>
-        </p:txBody>
-      </p:sp>
-      <p:sp>
-        <p:nvSpPr>
           <p:cNvPr id="16" name="Freccia in giù 15">
             <a:extLst>
               <a:ext uri="{FF2B5EF4-FFF2-40B4-BE49-F238E27FC236}">
@@ -3798,7 +4544,7 @@
         </p:nvSpPr>
         <p:spPr>
           <a:xfrm rot="18292896">
-            <a:off x="3357652" y="2659686"/>
+            <a:off x="3456126" y="3462455"/>
             <a:ext cx="301491" cy="1473281"/>
           </a:xfrm>
           <a:prstGeom prst="downArrow">
@@ -3852,7 +4598,7 @@
         </p:nvCxnSpPr>
         <p:spPr>
           <a:xfrm flipV="1">
-            <a:off x="1064949" y="2514820"/>
+            <a:off x="1163423" y="3317589"/>
             <a:ext cx="1340779" cy="1"/>
           </a:xfrm>
           <a:prstGeom prst="line">
@@ -3889,7 +4635,7 @@
           <p:nvPr/>
         </p:nvPicPr>
         <p:blipFill>
-          <a:blip r:embed="rId3">
+          <a:blip r:embed="rId4">
             <a:extLst>
               <a:ext uri="{28A0092B-C50C-407E-A947-70E740481C1C}">
                 <a14:useLocalDpi xmlns:a14="http://schemas.microsoft.com/office/drawing/2010/main" val="0"/>
@@ -3902,7 +4648,7 @@
         </p:blipFill>
         <p:spPr>
           <a:xfrm>
-            <a:off x="613564" y="1977020"/>
+            <a:off x="712038" y="2779789"/>
             <a:ext cx="910436" cy="910436"/>
           </a:xfrm>
           <a:prstGeom prst="rect">
@@ -3925,7 +4671,7 @@
           <p:nvPr/>
         </p:nvPicPr>
         <p:blipFill>
-          <a:blip r:embed="rId3">
+          <a:blip r:embed="rId4">
             <a:extLst>
               <a:ext uri="{28A0092B-C50C-407E-A947-70E740481C1C}">
                 <a14:useLocalDpi xmlns:a14="http://schemas.microsoft.com/office/drawing/2010/main" val="0"/>
@@ -3938,7 +4684,7 @@
         </p:blipFill>
         <p:spPr>
           <a:xfrm>
-            <a:off x="7293485" y="2059602"/>
+            <a:off x="7391959" y="2862371"/>
             <a:ext cx="910436" cy="910436"/>
           </a:xfrm>
           <a:prstGeom prst="rect">
@@ -3962,7 +4708,7 @@
         </p:nvCxnSpPr>
         <p:spPr>
           <a:xfrm flipV="1">
-            <a:off x="6817704" y="2626232"/>
+            <a:off x="6916178" y="3429001"/>
             <a:ext cx="899587" cy="1"/>
           </a:xfrm>
           <a:prstGeom prst="line">
@@ -3984,6 +4730,158 @@
           </a:fontRef>
         </p:style>
       </p:cxnSp>
+      <p:sp>
+        <p:nvSpPr>
+          <p:cNvPr id="4" name="CasellaDiTesto 3">
+            <a:extLst>
+              <a:ext uri="{FF2B5EF4-FFF2-40B4-BE49-F238E27FC236}">
+                <a16:creationId xmlns:a16="http://schemas.microsoft.com/office/drawing/2014/main" id="{7D04E038-ABA3-4061-B3A9-D206452CCAFA}"/>
+              </a:ext>
+            </a:extLst>
+          </p:cNvPr>
+          <p:cNvSpPr txBox="1"/>
+          <p:nvPr/>
+        </p:nvSpPr>
+        <p:spPr>
+          <a:xfrm>
+            <a:off x="3384768" y="1000760"/>
+            <a:ext cx="2536736" cy="738664"/>
+          </a:xfrm>
+          <a:prstGeom prst="rect">
+            <a:avLst/>
+          </a:prstGeom>
+          <a:noFill/>
+          <a:ln>
+            <a:solidFill>
+              <a:schemeClr val="accent1"/>
+            </a:solidFill>
+          </a:ln>
+        </p:spPr>
+        <p:txBody>
+          <a:bodyPr wrap="square" rtlCol="0">
+            <a:spAutoFit/>
+          </a:bodyPr>
+          <a:lstStyle/>
+          <a:p>
+            <a:r>
+              <a:rPr lang="it-IT" sz="1400" dirty="0"/>
+              <a:t>Action set on switch 3:</a:t>
+            </a:r>
+          </a:p>
+          <a:p>
+            <a:r>
+              <a:rPr lang="it-IT" sz="1400" dirty="0" err="1"/>
+              <a:t>Inport</a:t>
+            </a:r>
+            <a:r>
+              <a:rPr lang="it-IT" sz="1400" dirty="0"/>
+              <a:t> 1 (label=1) =&gt; </a:t>
+            </a:r>
+            <a:r>
+              <a:rPr lang="it-IT" sz="1400" dirty="0" err="1"/>
+              <a:t>outport</a:t>
+            </a:r>
+            <a:r>
+              <a:rPr lang="it-IT" sz="1400" dirty="0"/>
+              <a:t> 2</a:t>
+            </a:r>
+          </a:p>
+          <a:p>
+            <a:r>
+              <a:rPr lang="it-IT" sz="1400" dirty="0" err="1"/>
+              <a:t>Inport</a:t>
+            </a:r>
+            <a:r>
+              <a:rPr lang="it-IT" sz="1400" dirty="0"/>
+              <a:t> 2 (label=1) =&gt; </a:t>
+            </a:r>
+            <a:r>
+              <a:rPr lang="it-IT" sz="1400" dirty="0" err="1"/>
+              <a:t>outport</a:t>
+            </a:r>
+            <a:r>
+              <a:rPr lang="it-IT" sz="1400" dirty="0"/>
+              <a:t> 1</a:t>
+            </a:r>
+          </a:p>
+        </p:txBody>
+      </p:sp>
+      <p:sp>
+        <p:nvSpPr>
+          <p:cNvPr id="22" name="CasellaDiTesto 21">
+            <a:extLst>
+              <a:ext uri="{FF2B5EF4-FFF2-40B4-BE49-F238E27FC236}">
+                <a16:creationId xmlns:a16="http://schemas.microsoft.com/office/drawing/2014/main" id="{A0F5F56F-4B31-499A-B1FD-4E4F98B24D0B}"/>
+              </a:ext>
+            </a:extLst>
+          </p:cNvPr>
+          <p:cNvSpPr txBox="1"/>
+          <p:nvPr/>
+        </p:nvSpPr>
+        <p:spPr>
+          <a:xfrm>
+            <a:off x="3476313" y="5148295"/>
+            <a:ext cx="2536736" cy="738664"/>
+          </a:xfrm>
+          <a:prstGeom prst="rect">
+            <a:avLst/>
+          </a:prstGeom>
+          <a:noFill/>
+          <a:ln>
+            <a:solidFill>
+              <a:schemeClr val="accent1"/>
+            </a:solidFill>
+          </a:ln>
+        </p:spPr>
+        <p:txBody>
+          <a:bodyPr wrap="square" rtlCol="0">
+            <a:spAutoFit/>
+          </a:bodyPr>
+          <a:lstStyle/>
+          <a:p>
+            <a:r>
+              <a:rPr lang="it-IT" sz="1400" dirty="0"/>
+              <a:t>Action set on switch 4:</a:t>
+            </a:r>
+          </a:p>
+          <a:p>
+            <a:r>
+              <a:rPr lang="it-IT" sz="1400" dirty="0" err="1"/>
+              <a:t>Inport</a:t>
+            </a:r>
+            <a:r>
+              <a:rPr lang="it-IT" sz="1400" dirty="0"/>
+              <a:t> 1 (label=2) =&gt; </a:t>
+            </a:r>
+            <a:r>
+              <a:rPr lang="it-IT" sz="1400" dirty="0" err="1"/>
+              <a:t>outport</a:t>
+            </a:r>
+            <a:r>
+              <a:rPr lang="it-IT" sz="1400" dirty="0"/>
+              <a:t> 2</a:t>
+            </a:r>
+          </a:p>
+          <a:p>
+            <a:r>
+              <a:rPr lang="it-IT" sz="1400" dirty="0" err="1"/>
+              <a:t>Inport</a:t>
+            </a:r>
+            <a:r>
+              <a:rPr lang="it-IT" sz="1400" dirty="0"/>
+              <a:t> 2 (label=2) =&gt; </a:t>
+            </a:r>
+            <a:r>
+              <a:rPr lang="it-IT" sz="1400" dirty="0" err="1"/>
+              <a:t>outport</a:t>
+            </a:r>
+            <a:r>
+              <a:rPr lang="it-IT" sz="1400" dirty="0"/>
+              <a:t> 1</a:t>
+            </a:r>
+          </a:p>
+        </p:txBody>
+      </p:sp>
     </p:spTree>
     <p:extLst>
       <p:ext uri="{BB962C8B-B14F-4D97-AF65-F5344CB8AC3E}">
@@ -4071,12 +4969,201 @@
           </a:p>
         </p:txBody>
       </p:sp>
+      <p:sp>
+        <p:nvSpPr>
+          <p:cNvPr id="12" name="CasellaDiTesto 11">
+            <a:extLst>
+              <a:ext uri="{FF2B5EF4-FFF2-40B4-BE49-F238E27FC236}">
+                <a16:creationId xmlns:a16="http://schemas.microsoft.com/office/drawing/2014/main" id="{38DA3320-0617-4A7F-86D5-CBD5F8339594}"/>
+              </a:ext>
+            </a:extLst>
+          </p:cNvPr>
+          <p:cNvSpPr txBox="1"/>
+          <p:nvPr/>
+        </p:nvSpPr>
+        <p:spPr>
+          <a:xfrm>
+            <a:off x="337070" y="5414467"/>
+            <a:ext cx="8145748" cy="1015663"/>
+          </a:xfrm>
+          <a:prstGeom prst="rect">
+            <a:avLst/>
+          </a:prstGeom>
+          <a:noFill/>
+        </p:spPr>
+        <p:txBody>
+          <a:bodyPr wrap="square" rtlCol="0">
+            <a:spAutoFit/>
+          </a:bodyPr>
+          <a:lstStyle/>
+          <a:p>
+            <a:pPr marL="342900" indent="-342900">
+              <a:buFont typeface="Arial" panose="020B0604020202020204" pitchFamily="34" charset="0"/>
+              <a:buChar char="•"/>
+            </a:pPr>
+            <a:r>
+              <a:rPr lang="it-IT" sz="2000" dirty="0" err="1"/>
+              <a:t>When</a:t>
+            </a:r>
+            <a:r>
+              <a:rPr lang="it-IT" sz="2000" dirty="0"/>
+              <a:t> link </a:t>
+            </a:r>
+            <a:r>
+              <a:rPr lang="it-IT" sz="2000" dirty="0" err="1"/>
+              <a:t>goes</a:t>
+            </a:r>
+            <a:r>
+              <a:rPr lang="it-IT" sz="2000" dirty="0"/>
+              <a:t> down, the controller </a:t>
+            </a:r>
+            <a:r>
+              <a:rPr lang="it-IT" sz="2000" dirty="0" err="1"/>
+              <a:t>detects</a:t>
+            </a:r>
+            <a:r>
+              <a:rPr lang="it-IT" sz="2000" dirty="0"/>
+              <a:t> </a:t>
+            </a:r>
+            <a:r>
+              <a:rPr lang="it-IT" sz="2000" dirty="0" err="1"/>
+              <a:t>which</a:t>
+            </a:r>
+            <a:r>
+              <a:rPr lang="it-IT" sz="2000" dirty="0"/>
+              <a:t> MPLS connection </a:t>
+            </a:r>
+            <a:r>
+              <a:rPr lang="it-IT" sz="2000" dirty="0" err="1"/>
+              <a:t>were</a:t>
+            </a:r>
+            <a:r>
+              <a:rPr lang="it-IT" sz="2000" dirty="0"/>
+              <a:t> </a:t>
+            </a:r>
+            <a:r>
+              <a:rPr lang="it-IT" sz="2000" dirty="0" err="1"/>
+              <a:t>using</a:t>
+            </a:r>
+            <a:r>
+              <a:rPr lang="it-IT" sz="2000" dirty="0"/>
+              <a:t> </a:t>
+            </a:r>
+            <a:r>
+              <a:rPr lang="it-IT" sz="2000" dirty="0" err="1"/>
+              <a:t>that</a:t>
+            </a:r>
+            <a:r>
+              <a:rPr lang="it-IT" sz="2000" dirty="0"/>
+              <a:t> link and </a:t>
+            </a:r>
+            <a:r>
+              <a:rPr lang="it-IT" sz="2000" dirty="0" err="1"/>
+              <a:t>deletes</a:t>
+            </a:r>
+            <a:r>
+              <a:rPr lang="it-IT" sz="2000" dirty="0"/>
+              <a:t> </a:t>
+            </a:r>
+            <a:r>
+              <a:rPr lang="it-IT" sz="2000" dirty="0" err="1"/>
+              <a:t>corresponding</a:t>
+            </a:r>
+            <a:r>
+              <a:rPr lang="it-IT" sz="2000" dirty="0"/>
+              <a:t> rules</a:t>
+            </a:r>
+          </a:p>
+          <a:p>
+            <a:pPr marL="342900" indent="-342900">
+              <a:buFont typeface="Arial" panose="020B0604020202020204" pitchFamily="34" charset="0"/>
+              <a:buChar char="•"/>
+            </a:pPr>
+            <a:r>
+              <a:rPr lang="it-IT" sz="2000" dirty="0" err="1"/>
+              <a:t>Packets</a:t>
+            </a:r>
+            <a:r>
+              <a:rPr lang="it-IT" sz="2000" dirty="0"/>
+              <a:t> </a:t>
+            </a:r>
+            <a:r>
+              <a:rPr lang="it-IT" sz="2000" dirty="0" err="1"/>
+              <a:t>will</a:t>
+            </a:r>
+            <a:r>
+              <a:rPr lang="it-IT" sz="2000" dirty="0"/>
+              <a:t> be </a:t>
+            </a:r>
+            <a:r>
+              <a:rPr lang="it-IT" sz="2000" dirty="0" err="1"/>
+              <a:t>automatically</a:t>
+            </a:r>
+            <a:r>
+              <a:rPr lang="it-IT" sz="2000" dirty="0"/>
+              <a:t> </a:t>
+            </a:r>
+            <a:r>
+              <a:rPr lang="it-IT" sz="2000" dirty="0" err="1"/>
+              <a:t>routed</a:t>
+            </a:r>
+            <a:r>
+              <a:rPr lang="it-IT" sz="2000" dirty="0"/>
+              <a:t> on backup </a:t>
+            </a:r>
+            <a:r>
+              <a:rPr lang="it-IT" sz="2000" dirty="0" err="1"/>
+              <a:t>path</a:t>
+            </a:r>
+            <a:r>
+              <a:rPr lang="it-IT" sz="2000" dirty="0"/>
+              <a:t> </a:t>
+            </a:r>
+          </a:p>
+        </p:txBody>
+      </p:sp>
       <p:pic>
         <p:nvPicPr>
-          <p:cNvPr id="6" name="Segnaposto contenuto 5">
-            <a:extLst>
-              <a:ext uri="{FF2B5EF4-FFF2-40B4-BE49-F238E27FC236}">
-                <a16:creationId xmlns:a16="http://schemas.microsoft.com/office/drawing/2014/main" id="{DF38F0B8-7241-4AD6-94B5-9A70D85A9A35}"/>
+          <p:cNvPr id="15" name="Immagine 14">
+            <a:extLst>
+              <a:ext uri="{FF2B5EF4-FFF2-40B4-BE49-F238E27FC236}">
+                <a16:creationId xmlns:a16="http://schemas.microsoft.com/office/drawing/2014/main" id="{533AE011-1E32-439A-81AD-5BC7FF538860}"/>
+              </a:ext>
+            </a:extLst>
+          </p:cNvPr>
+          <p:cNvPicPr>
+            <a:picLocks noChangeAspect="1"/>
+          </p:cNvPicPr>
+          <p:nvPr/>
+        </p:nvPicPr>
+        <p:blipFill>
+          <a:blip r:embed="rId2">
+            <a:extLst>
+              <a:ext uri="{28A0092B-C50C-407E-A947-70E740481C1C}">
+                <a14:useLocalDpi xmlns:a14="http://schemas.microsoft.com/office/drawing/2010/main" val="0"/>
+              </a:ext>
+            </a:extLst>
+          </a:blip>
+          <a:stretch>
+            <a:fillRect/>
+          </a:stretch>
+        </p:blipFill>
+        <p:spPr>
+          <a:xfrm>
+            <a:off x="7347698" y="2261821"/>
+            <a:ext cx="910436" cy="910436"/>
+          </a:xfrm>
+          <a:prstGeom prst="rect">
+            <a:avLst/>
+          </a:prstGeom>
+        </p:spPr>
+      </p:pic>
+      <p:pic>
+        <p:nvPicPr>
+          <p:cNvPr id="20" name="Segnaposto contenuto 5">
+            <a:extLst>
+              <a:ext uri="{FF2B5EF4-FFF2-40B4-BE49-F238E27FC236}">
+                <a16:creationId xmlns:a16="http://schemas.microsoft.com/office/drawing/2014/main" id="{3832CACB-779A-4B80-819F-FC1D7CD9CF0F}"/>
               </a:ext>
             </a:extLst>
           </p:cNvPr>
@@ -4088,7 +5175,7 @@
           </p:nvPr>
         </p:nvPicPr>
         <p:blipFill>
-          <a:blip r:embed="rId2">
+          <a:blip r:embed="rId3">
             <a:extLst>
               <a:ext uri="{28A0092B-C50C-407E-A947-70E740481C1C}">
                 <a14:useLocalDpi xmlns:a14="http://schemas.microsoft.com/office/drawing/2010/main" val="0"/>
@@ -4101,8 +5188,8 @@
         </p:blipFill>
         <p:spPr>
           <a:xfrm>
-            <a:off x="2125366" y="1023351"/>
-            <a:ext cx="4893267" cy="3542584"/>
+            <a:off x="2277503" y="1234262"/>
+            <a:ext cx="4297378" cy="3188378"/>
           </a:xfrm>
         </p:spPr>
       </p:pic>
@@ -4120,7 +5207,7 @@
         </p:nvSpPr>
         <p:spPr>
           <a:xfrm rot="18292896">
-            <a:off x="3329518" y="2924777"/>
+            <a:off x="3321884" y="2826334"/>
             <a:ext cx="301491" cy="1473281"/>
           </a:xfrm>
           <a:prstGeom prst="downArrow">
@@ -4172,7 +5259,7 @@
         </p:nvSpPr>
         <p:spPr>
           <a:xfrm rot="14061823">
-            <a:off x="5608486" y="2918001"/>
+            <a:off x="5329788" y="2833110"/>
             <a:ext cx="301491" cy="1473281"/>
           </a:xfrm>
           <a:prstGeom prst="downArrow">
@@ -4210,6 +5297,44 @@
           </a:p>
         </p:txBody>
       </p:sp>
+      <p:cxnSp>
+        <p:nvCxnSpPr>
+          <p:cNvPr id="13" name="Connettore diritto 12">
+            <a:extLst>
+              <a:ext uri="{FF2B5EF4-FFF2-40B4-BE49-F238E27FC236}">
+                <a16:creationId xmlns:a16="http://schemas.microsoft.com/office/drawing/2014/main" id="{C63C24C7-9911-481F-B2E6-4C7EDECE8155}"/>
+              </a:ext>
+            </a:extLst>
+          </p:cNvPr>
+          <p:cNvCxnSpPr>
+            <a:cxnSpLocks/>
+          </p:cNvCxnSpPr>
+          <p:nvPr/>
+        </p:nvCxnSpPr>
+        <p:spPr>
+          <a:xfrm flipV="1">
+            <a:off x="1310077" y="2784122"/>
+            <a:ext cx="1095498" cy="1"/>
+          </a:xfrm>
+          <a:prstGeom prst="line">
+            <a:avLst/>
+          </a:prstGeom>
+        </p:spPr>
+        <p:style>
+          <a:lnRef idx="1">
+            <a:schemeClr val="dk1"/>
+          </a:lnRef>
+          <a:fillRef idx="0">
+            <a:schemeClr val="dk1"/>
+          </a:fillRef>
+          <a:effectRef idx="0">
+            <a:schemeClr val="dk1"/>
+          </a:effectRef>
+          <a:fontRef idx="minor">
+            <a:schemeClr val="tx1"/>
+          </a:fontRef>
+        </p:style>
+      </p:cxnSp>
       <p:sp>
         <p:nvSpPr>
           <p:cNvPr id="10" name="CasellaDiTesto 9">
@@ -4224,8 +5349,8 @@
         </p:nvSpPr>
         <p:spPr>
           <a:xfrm>
-            <a:off x="651037" y="3235875"/>
-            <a:ext cx="1958041" cy="1169551"/>
+            <a:off x="72343" y="3235875"/>
+            <a:ext cx="2536735" cy="1169551"/>
           </a:xfrm>
           <a:prstGeom prst="rect">
             <a:avLst/>
@@ -4253,11 +5378,19 @@
           <a:p>
             <a:r>
               <a:rPr lang="it-IT" sz="1400" b="1" dirty="0"/>
-              <a:t>PUSH MPLS</a:t>
+              <a:t>PUSH MPLS </a:t>
             </a:r>
             <a:r>
               <a:rPr lang="it-IT" sz="1400" dirty="0"/>
-              <a:t>, output 3,</a:t>
+              <a:t>(label=2) </a:t>
+            </a:r>
+            <a:r>
+              <a:rPr lang="it-IT" sz="1400" dirty="0" err="1"/>
+              <a:t>outport</a:t>
+            </a:r>
+            <a:r>
+              <a:rPr lang="it-IT" sz="1400" dirty="0"/>
+              <a:t> 3,</a:t>
             </a:r>
             <a:br>
               <a:rPr lang="it-IT" sz="1400" dirty="0"/>
@@ -4279,7 +5412,15 @@
             </a:r>
             <a:r>
               <a:rPr lang="it-IT" sz="1400" dirty="0"/>
-              <a:t>, output 1, </a:t>
+              <a:t> (label=2) </a:t>
+            </a:r>
+            <a:r>
+              <a:rPr lang="it-IT" sz="1400" dirty="0" err="1"/>
+              <a:t>outport</a:t>
+            </a:r>
+            <a:r>
+              <a:rPr lang="it-IT" sz="1400" dirty="0"/>
+              <a:t> 1, </a:t>
             </a:r>
             <a:r>
               <a:rPr lang="it-IT" sz="1400" dirty="0" err="1"/>
@@ -4306,8 +5447,8 @@
         </p:nvSpPr>
         <p:spPr>
           <a:xfrm>
-            <a:off x="6704008" y="3435574"/>
-            <a:ext cx="1958041" cy="1169551"/>
+            <a:off x="6574882" y="3435574"/>
+            <a:ext cx="2496776" cy="1169551"/>
           </a:xfrm>
           <a:prstGeom prst="rect">
             <a:avLst/>
@@ -4335,11 +5476,19 @@
           <a:p>
             <a:r>
               <a:rPr lang="it-IT" sz="1400" b="1" dirty="0"/>
-              <a:t>PUSH MPLS</a:t>
+              <a:t>PUSH MPLS </a:t>
             </a:r>
             <a:r>
               <a:rPr lang="it-IT" sz="1400" dirty="0"/>
-              <a:t>, output 3,</a:t>
+              <a:t>(label=2) </a:t>
+            </a:r>
+            <a:r>
+              <a:rPr lang="it-IT" sz="1400" dirty="0" err="1"/>
+              <a:t>outport</a:t>
+            </a:r>
+            <a:r>
+              <a:rPr lang="it-IT" sz="1400" dirty="0"/>
+              <a:t> 3,</a:t>
             </a:r>
             <a:br>
               <a:rPr lang="it-IT" sz="1400" dirty="0"/>
@@ -4357,11 +5506,19 @@
             </a:br>
             <a:r>
               <a:rPr lang="it-IT" sz="1400" b="1" dirty="0"/>
-              <a:t>POP MPLS</a:t>
+              <a:t>POP MPLS </a:t>
             </a:r>
             <a:r>
               <a:rPr lang="it-IT" sz="1400" dirty="0"/>
-              <a:t>, output 1, </a:t>
+              <a:t>(label=2) </a:t>
+            </a:r>
+            <a:r>
+              <a:rPr lang="it-IT" sz="1400" dirty="0" err="1"/>
+              <a:t>outport</a:t>
+            </a:r>
+            <a:r>
+              <a:rPr lang="it-IT" sz="1400" dirty="0"/>
+              <a:t> 1, </a:t>
             </a:r>
             <a:r>
               <a:rPr lang="it-IT" sz="1400" dirty="0" err="1"/>
@@ -4374,67 +5531,12 @@
           </a:p>
         </p:txBody>
       </p:sp>
-      <p:sp>
-        <p:nvSpPr>
-          <p:cNvPr id="12" name="CasellaDiTesto 11">
-            <a:extLst>
-              <a:ext uri="{FF2B5EF4-FFF2-40B4-BE49-F238E27FC236}">
-                <a16:creationId xmlns:a16="http://schemas.microsoft.com/office/drawing/2014/main" id="{38DA3320-0617-4A7F-86D5-CBD5F8339594}"/>
-              </a:ext>
-            </a:extLst>
-          </p:cNvPr>
-          <p:cNvSpPr txBox="1"/>
-          <p:nvPr/>
-        </p:nvSpPr>
-        <p:spPr>
-          <a:xfrm>
-            <a:off x="337070" y="5414467"/>
-            <a:ext cx="8145748" cy="400110"/>
-          </a:xfrm>
-          <a:prstGeom prst="rect">
-            <a:avLst/>
-          </a:prstGeom>
-          <a:noFill/>
-        </p:spPr>
-        <p:txBody>
-          <a:bodyPr wrap="square" rtlCol="0">
-            <a:spAutoFit/>
-          </a:bodyPr>
-          <a:lstStyle/>
-          <a:p>
-            <a:r>
-              <a:rPr lang="it-IT" sz="2000" dirty="0" err="1"/>
-              <a:t>When</a:t>
-            </a:r>
-            <a:r>
-              <a:rPr lang="it-IT" sz="2000" dirty="0"/>
-              <a:t> link </a:t>
-            </a:r>
-            <a:r>
-              <a:rPr lang="it-IT" sz="2000" dirty="0" err="1"/>
-              <a:t>goes</a:t>
-            </a:r>
-            <a:r>
-              <a:rPr lang="it-IT" sz="2000" dirty="0"/>
-              <a:t> down, default MPLS rules are </a:t>
-            </a:r>
-            <a:r>
-              <a:rPr lang="it-IT" sz="2000" dirty="0" err="1"/>
-              <a:t>deleted</a:t>
-            </a:r>
-            <a:r>
-              <a:rPr lang="it-IT" sz="2000" dirty="0"/>
-              <a:t> </a:t>
-            </a:r>
-          </a:p>
-        </p:txBody>
-      </p:sp>
       <p:cxnSp>
         <p:nvCxnSpPr>
-          <p:cNvPr id="13" name="Connettore diritto 12">
-            <a:extLst>
-              <a:ext uri="{FF2B5EF4-FFF2-40B4-BE49-F238E27FC236}">
-                <a16:creationId xmlns:a16="http://schemas.microsoft.com/office/drawing/2014/main" id="{C63C24C7-9911-481F-B2E6-4C7EDECE8155}"/>
+          <p:cNvPr id="16" name="Connettore diritto 15">
+            <a:extLst>
+              <a:ext uri="{FF2B5EF4-FFF2-40B4-BE49-F238E27FC236}">
+                <a16:creationId xmlns:a16="http://schemas.microsoft.com/office/drawing/2014/main" id="{8B0AAC26-48BC-461A-B178-5931DB3DA37A}"/>
               </a:ext>
             </a:extLst>
           </p:cNvPr>
@@ -4444,9 +5546,9 @@
           <p:nvPr/>
         </p:nvCxnSpPr>
         <p:spPr>
-          <a:xfrm flipV="1">
-            <a:off x="959669" y="2754426"/>
-            <a:ext cx="1340779" cy="1"/>
+          <a:xfrm>
+            <a:off x="6445753" y="2828452"/>
+            <a:ext cx="1325751" cy="0"/>
           </a:xfrm>
           <a:prstGeom prst="line">
             <a:avLst/>
@@ -4482,7 +5584,7 @@
           <p:nvPr/>
         </p:nvPicPr>
         <p:blipFill>
-          <a:blip r:embed="rId3">
+          <a:blip r:embed="rId2">
             <a:extLst>
               <a:ext uri="{28A0092B-C50C-407E-A947-70E740481C1C}">
                 <a14:useLocalDpi xmlns:a14="http://schemas.microsoft.com/office/drawing/2010/main" val="0"/>
@@ -4503,80 +5605,131 @@
           </a:prstGeom>
         </p:spPr>
       </p:pic>
-      <p:pic>
-        <p:nvPicPr>
-          <p:cNvPr id="15" name="Immagine 14">
-            <a:extLst>
-              <a:ext uri="{FF2B5EF4-FFF2-40B4-BE49-F238E27FC236}">
-                <a16:creationId xmlns:a16="http://schemas.microsoft.com/office/drawing/2014/main" id="{533AE011-1E32-439A-81AD-5BC7FF538860}"/>
-              </a:ext>
-            </a:extLst>
-          </p:cNvPr>
-          <p:cNvPicPr>
-            <a:picLocks noChangeAspect="1"/>
-          </p:cNvPicPr>
+      <p:sp>
+        <p:nvSpPr>
+          <p:cNvPr id="24" name="CasellaDiTesto 23">
+            <a:extLst>
+              <a:ext uri="{FF2B5EF4-FFF2-40B4-BE49-F238E27FC236}">
+                <a16:creationId xmlns:a16="http://schemas.microsoft.com/office/drawing/2014/main" id="{5DAB7902-6620-4D06-AA77-E5739823E1DB}"/>
+              </a:ext>
+            </a:extLst>
+          </p:cNvPr>
+          <p:cNvSpPr txBox="1"/>
           <p:nvPr/>
-        </p:nvPicPr>
-        <p:blipFill>
-          <a:blip r:embed="rId3">
-            <a:extLst>
-              <a:ext uri="{28A0092B-C50C-407E-A947-70E740481C1C}">
-                <a14:useLocalDpi xmlns:a14="http://schemas.microsoft.com/office/drawing/2010/main" val="0"/>
-              </a:ext>
-            </a:extLst>
-          </a:blip>
-          <a:stretch>
-            <a:fillRect/>
-          </a:stretch>
-        </p:blipFill>
+        </p:nvSpPr>
         <p:spPr>
           <a:xfrm>
-            <a:off x="7347698" y="2261821"/>
-            <a:ext cx="910436" cy="910436"/>
+            <a:off x="3222495" y="4431632"/>
+            <a:ext cx="2536736" cy="738664"/>
           </a:xfrm>
           <a:prstGeom prst="rect">
             <a:avLst/>
           </a:prstGeom>
-        </p:spPr>
-      </p:pic>
-      <p:cxnSp>
-        <p:nvCxnSpPr>
-          <p:cNvPr id="16" name="Connettore diritto 15">
-            <a:extLst>
-              <a:ext uri="{FF2B5EF4-FFF2-40B4-BE49-F238E27FC236}">
-                <a16:creationId xmlns:a16="http://schemas.microsoft.com/office/drawing/2014/main" id="{8B0AAC26-48BC-461A-B178-5931DB3DA37A}"/>
-              </a:ext>
-            </a:extLst>
-          </p:cNvPr>
-          <p:cNvCxnSpPr>
-            <a:cxnSpLocks/>
-          </p:cNvCxnSpPr>
+          <a:noFill/>
+          <a:ln>
+            <a:solidFill>
+              <a:schemeClr val="accent1"/>
+            </a:solidFill>
+          </a:ln>
+        </p:spPr>
+        <p:txBody>
+          <a:bodyPr wrap="square" rtlCol="0">
+            <a:spAutoFit/>
+          </a:bodyPr>
+          <a:lstStyle/>
+          <a:p>
+            <a:r>
+              <a:rPr lang="it-IT" sz="1400" dirty="0"/>
+              <a:t>Action set on switch 4:</a:t>
+            </a:r>
+          </a:p>
+          <a:p>
+            <a:r>
+              <a:rPr lang="it-IT" sz="1400" dirty="0" err="1"/>
+              <a:t>Inport</a:t>
+            </a:r>
+            <a:r>
+              <a:rPr lang="it-IT" sz="1400" dirty="0"/>
+              <a:t> 1 (label=2) =&gt; </a:t>
+            </a:r>
+            <a:r>
+              <a:rPr lang="it-IT" sz="1400" dirty="0" err="1"/>
+              <a:t>outport</a:t>
+            </a:r>
+            <a:r>
+              <a:rPr lang="it-IT" sz="1400" dirty="0"/>
+              <a:t> 2</a:t>
+            </a:r>
+          </a:p>
+          <a:p>
+            <a:r>
+              <a:rPr lang="it-IT" sz="1400" dirty="0" err="1"/>
+              <a:t>Inport</a:t>
+            </a:r>
+            <a:r>
+              <a:rPr lang="it-IT" sz="1400" dirty="0"/>
+              <a:t> 2 (label=2) =&gt; </a:t>
+            </a:r>
+            <a:r>
+              <a:rPr lang="it-IT" sz="1400" dirty="0" err="1"/>
+              <a:t>outport</a:t>
+            </a:r>
+            <a:r>
+              <a:rPr lang="it-IT" sz="1400" dirty="0"/>
+              <a:t> 1</a:t>
+            </a:r>
+          </a:p>
+        </p:txBody>
+      </p:sp>
+      <p:sp>
+        <p:nvSpPr>
+          <p:cNvPr id="25" name="Segno di moltiplicazione 24">
+            <a:extLst>
+              <a:ext uri="{FF2B5EF4-FFF2-40B4-BE49-F238E27FC236}">
+                <a16:creationId xmlns:a16="http://schemas.microsoft.com/office/drawing/2014/main" id="{1E4E5870-F5B2-43EE-A7EF-EA9B6AEEBB4B}"/>
+              </a:ext>
+            </a:extLst>
+          </p:cNvPr>
+          <p:cNvSpPr/>
           <p:nvPr/>
-        </p:nvCxnSpPr>
-        <p:spPr>
-          <a:xfrm flipV="1">
-            <a:off x="6871917" y="2828451"/>
-            <a:ext cx="899587" cy="1"/>
-          </a:xfrm>
-          <a:prstGeom prst="line">
+        </p:nvSpPr>
+        <p:spPr>
+          <a:xfrm>
+            <a:off x="3201890" y="1800002"/>
+            <a:ext cx="772730" cy="668295"/>
+          </a:xfrm>
+          <a:prstGeom prst="mathMultiply">
             <a:avLst/>
           </a:prstGeom>
+          <a:solidFill>
+            <a:srgbClr val="FF0000"/>
+          </a:solidFill>
         </p:spPr>
         <p:style>
-          <a:lnRef idx="1">
-            <a:schemeClr val="dk1"/>
+          <a:lnRef idx="2">
+            <a:schemeClr val="accent1">
+              <a:shade val="50000"/>
+            </a:schemeClr>
           </a:lnRef>
-          <a:fillRef idx="0">
-            <a:schemeClr val="dk1"/>
+          <a:fillRef idx="1">
+            <a:schemeClr val="accent1"/>
           </a:fillRef>
           <a:effectRef idx="0">
-            <a:schemeClr val="dk1"/>
+            <a:schemeClr val="accent1"/>
           </a:effectRef>
           <a:fontRef idx="minor">
-            <a:schemeClr val="tx1"/>
+            <a:schemeClr val="lt1"/>
           </a:fontRef>
         </p:style>
-      </p:cxnSp>
+        <p:txBody>
+          <a:bodyPr rtlCol="0" anchor="ctr"/>
+          <a:lstStyle/>
+          <a:p>
+            <a:pPr algn="ctr"/>
+            <a:endParaRPr lang="it-IT"/>
+          </a:p>
+        </p:txBody>
+      </p:sp>
     </p:spTree>
     <p:extLst>
       <p:ext uri="{BB962C8B-B14F-4D97-AF65-F5344CB8AC3E}">
@@ -4612,7 +5765,7 @@
           <p:cNvPr id="2" name="Titolo 1">
             <a:extLst>
               <a:ext uri="{FF2B5EF4-FFF2-40B4-BE49-F238E27FC236}">
-                <a16:creationId xmlns:a16="http://schemas.microsoft.com/office/drawing/2014/main" id="{492484ED-3336-4EBB-A0F5-3C086AD8C77C}"/>
+                <a16:creationId xmlns:a16="http://schemas.microsoft.com/office/drawing/2014/main" id="{785E255F-EC52-4D66-BDB1-7A89CD8FC662}"/>
               </a:ext>
             </a:extLst>
           </p:cNvPr>
@@ -4628,7 +5781,10 @@
           <a:bodyPr/>
           <a:lstStyle/>
           <a:p>
-            <a:endParaRPr lang="it-IT" dirty="0"/>
+            <a:r>
+              <a:rPr lang="it-IT" dirty="0"/>
+              <a:t>Link up</a:t>
+            </a:r>
           </a:p>
         </p:txBody>
       </p:sp>
@@ -4637,7 +5793,7 @@
           <p:cNvPr id="3" name="Segnaposto numero diapositiva 2">
             <a:extLst>
               <a:ext uri="{FF2B5EF4-FFF2-40B4-BE49-F238E27FC236}">
-                <a16:creationId xmlns:a16="http://schemas.microsoft.com/office/drawing/2014/main" id="{EE374963-CCF1-4856-8F97-098708DAA95C}"/>
+                <a16:creationId xmlns:a16="http://schemas.microsoft.com/office/drawing/2014/main" id="{4662D82F-8969-4452-BF57-12E3E7D8919F}"/>
               </a:ext>
             </a:extLst>
           </p:cNvPr>
@@ -4661,35 +5817,518 @@
           </a:p>
         </p:txBody>
       </p:sp>
-      <p:sp>
-        <p:nvSpPr>
-          <p:cNvPr id="4" name="Segnaposto contenuto 3">
-            <a:extLst>
-              <a:ext uri="{FF2B5EF4-FFF2-40B4-BE49-F238E27FC236}">
-                <a16:creationId xmlns:a16="http://schemas.microsoft.com/office/drawing/2014/main" id="{F226DF65-C5BA-4EF1-8A93-893C767B150B}"/>
-              </a:ext>
-            </a:extLst>
-          </p:cNvPr>
-          <p:cNvSpPr>
-            <a:spLocks noGrp="1"/>
-          </p:cNvSpPr>
-          <p:nvPr>
-            <p:ph idx="1"/>
-          </p:nvPr>
-        </p:nvSpPr>
-        <p:spPr/>
-        <p:txBody>
-          <a:bodyPr/>
+      <p:pic>
+        <p:nvPicPr>
+          <p:cNvPr id="5" name="Segnaposto contenuto 5">
+            <a:extLst>
+              <a:ext uri="{FF2B5EF4-FFF2-40B4-BE49-F238E27FC236}">
+                <a16:creationId xmlns:a16="http://schemas.microsoft.com/office/drawing/2014/main" id="{882BB7A5-5F1D-4BAF-A7A0-BB9F88C6284B}"/>
+              </a:ext>
+            </a:extLst>
+          </p:cNvPr>
+          <p:cNvPicPr>
+            <a:picLocks noChangeAspect="1"/>
+          </p:cNvPicPr>
+          <p:nvPr/>
+        </p:nvPicPr>
+        <p:blipFill>
+          <a:blip r:embed="rId2">
+            <a:extLst>
+              <a:ext uri="{28A0092B-C50C-407E-A947-70E740481C1C}">
+                <a14:useLocalDpi xmlns:a14="http://schemas.microsoft.com/office/drawing/2010/main" val="0"/>
+              </a:ext>
+            </a:extLst>
+          </a:blip>
+          <a:stretch>
+            <a:fillRect/>
+          </a:stretch>
+        </p:blipFill>
+        <p:spPr>
+          <a:xfrm>
+            <a:off x="2353857" y="1022847"/>
+            <a:ext cx="4634621" cy="3438590"/>
+          </a:xfrm>
+          <a:prstGeom prst="rect">
+            <a:avLst/>
+          </a:prstGeom>
+        </p:spPr>
+      </p:pic>
+      <p:sp>
+        <p:nvSpPr>
+          <p:cNvPr id="6" name="Freccia in giù 5">
+            <a:extLst>
+              <a:ext uri="{FF2B5EF4-FFF2-40B4-BE49-F238E27FC236}">
+                <a16:creationId xmlns:a16="http://schemas.microsoft.com/office/drawing/2014/main" id="{8B392CFA-49F8-4820-BD47-F6B3A30D5C92}"/>
+              </a:ext>
+            </a:extLst>
+          </p:cNvPr>
+          <p:cNvSpPr/>
+          <p:nvPr/>
+        </p:nvSpPr>
+        <p:spPr>
+          <a:xfrm rot="14120756">
+            <a:off x="3477050" y="1097045"/>
+            <a:ext cx="301491" cy="1473281"/>
+          </a:xfrm>
+          <a:prstGeom prst="downArrow">
+            <a:avLst/>
+          </a:prstGeom>
+        </p:spPr>
+        <p:style>
+          <a:lnRef idx="2">
+            <a:schemeClr val="accent1">
+              <a:shade val="50000"/>
+            </a:schemeClr>
+          </a:lnRef>
+          <a:fillRef idx="1">
+            <a:schemeClr val="accent1"/>
+          </a:fillRef>
+          <a:effectRef idx="0">
+            <a:schemeClr val="accent1"/>
+          </a:effectRef>
+          <a:fontRef idx="minor">
+            <a:schemeClr val="lt1"/>
+          </a:fontRef>
+        </p:style>
+        <p:txBody>
+          <a:bodyPr rtlCol="0" anchor="ctr"/>
           <a:lstStyle/>
           <a:p>
+            <a:pPr algn="ctr"/>
             <a:endParaRPr lang="it-IT"/>
+          </a:p>
+        </p:txBody>
+      </p:sp>
+      <p:sp>
+        <p:nvSpPr>
+          <p:cNvPr id="7" name="Freccia in giù 6">
+            <a:extLst>
+              <a:ext uri="{FF2B5EF4-FFF2-40B4-BE49-F238E27FC236}">
+                <a16:creationId xmlns:a16="http://schemas.microsoft.com/office/drawing/2014/main" id="{85A8D110-976E-42DF-87EC-33A63DD56FAE}"/>
+              </a:ext>
+            </a:extLst>
+          </p:cNvPr>
+          <p:cNvSpPr/>
+          <p:nvPr/>
+        </p:nvSpPr>
+        <p:spPr>
+          <a:xfrm rot="18437536">
+            <a:off x="5712698" y="1120417"/>
+            <a:ext cx="301491" cy="1473281"/>
+          </a:xfrm>
+          <a:prstGeom prst="downArrow">
+            <a:avLst/>
+          </a:prstGeom>
+        </p:spPr>
+        <p:style>
+          <a:lnRef idx="2">
+            <a:schemeClr val="accent1">
+              <a:shade val="50000"/>
+            </a:schemeClr>
+          </a:lnRef>
+          <a:fillRef idx="1">
+            <a:schemeClr val="accent1"/>
+          </a:fillRef>
+          <a:effectRef idx="0">
+            <a:schemeClr val="accent1"/>
+          </a:effectRef>
+          <a:fontRef idx="minor">
+            <a:schemeClr val="lt1"/>
+          </a:fontRef>
+        </p:style>
+        <p:txBody>
+          <a:bodyPr rtlCol="0" anchor="ctr"/>
+          <a:lstStyle/>
+          <a:p>
+            <a:pPr algn="ctr"/>
+            <a:endParaRPr lang="it-IT"/>
+          </a:p>
+        </p:txBody>
+      </p:sp>
+      <p:sp>
+        <p:nvSpPr>
+          <p:cNvPr id="8" name="Freccia in giù 7">
+            <a:extLst>
+              <a:ext uri="{FF2B5EF4-FFF2-40B4-BE49-F238E27FC236}">
+                <a16:creationId xmlns:a16="http://schemas.microsoft.com/office/drawing/2014/main" id="{A57A4D8F-532F-48EA-895D-6B1AFE69ACAA}"/>
+              </a:ext>
+            </a:extLst>
+          </p:cNvPr>
+          <p:cNvSpPr/>
+          <p:nvPr/>
+        </p:nvSpPr>
+        <p:spPr>
+          <a:xfrm rot="14120756">
+            <a:off x="5698393" y="2777659"/>
+            <a:ext cx="301491" cy="1473281"/>
+          </a:xfrm>
+          <a:prstGeom prst="downArrow">
+            <a:avLst/>
+          </a:prstGeom>
+          <a:solidFill>
+            <a:schemeClr val="tx2">
+              <a:lumMod val="20000"/>
+              <a:lumOff val="80000"/>
+            </a:schemeClr>
+          </a:solidFill>
+        </p:spPr>
+        <p:style>
+          <a:lnRef idx="2">
+            <a:schemeClr val="accent1">
+              <a:shade val="50000"/>
+            </a:schemeClr>
+          </a:lnRef>
+          <a:fillRef idx="1">
+            <a:schemeClr val="accent1"/>
+          </a:fillRef>
+          <a:effectRef idx="0">
+            <a:schemeClr val="accent1"/>
+          </a:effectRef>
+          <a:fontRef idx="minor">
+            <a:schemeClr val="lt1"/>
+          </a:fontRef>
+        </p:style>
+        <p:txBody>
+          <a:bodyPr rtlCol="0" anchor="ctr"/>
+          <a:lstStyle/>
+          <a:p>
+            <a:pPr algn="ctr"/>
+            <a:endParaRPr lang="it-IT"/>
+          </a:p>
+        </p:txBody>
+      </p:sp>
+      <p:sp>
+        <p:nvSpPr>
+          <p:cNvPr id="9" name="Freccia in giù 8">
+            <a:extLst>
+              <a:ext uri="{FF2B5EF4-FFF2-40B4-BE49-F238E27FC236}">
+                <a16:creationId xmlns:a16="http://schemas.microsoft.com/office/drawing/2014/main" id="{D10A0841-AEEA-453B-84D0-4354C80ABAD6}"/>
+              </a:ext>
+            </a:extLst>
+          </p:cNvPr>
+          <p:cNvSpPr/>
+          <p:nvPr/>
+        </p:nvSpPr>
+        <p:spPr>
+          <a:xfrm rot="18292896">
+            <a:off x="3456820" y="2775597"/>
+            <a:ext cx="301491" cy="1473281"/>
+          </a:xfrm>
+          <a:prstGeom prst="downArrow">
+            <a:avLst/>
+          </a:prstGeom>
+          <a:solidFill>
+            <a:schemeClr val="tx2">
+              <a:lumMod val="20000"/>
+              <a:lumOff val="80000"/>
+            </a:schemeClr>
+          </a:solidFill>
+        </p:spPr>
+        <p:style>
+          <a:lnRef idx="2">
+            <a:schemeClr val="accent1">
+              <a:shade val="50000"/>
+            </a:schemeClr>
+          </a:lnRef>
+          <a:fillRef idx="1">
+            <a:schemeClr val="accent1"/>
+          </a:fillRef>
+          <a:effectRef idx="0">
+            <a:schemeClr val="accent1"/>
+          </a:effectRef>
+          <a:fontRef idx="minor">
+            <a:schemeClr val="lt1"/>
+          </a:fontRef>
+        </p:style>
+        <p:txBody>
+          <a:bodyPr rtlCol="0" anchor="ctr"/>
+          <a:lstStyle/>
+          <a:p>
+            <a:pPr algn="ctr"/>
+            <a:endParaRPr lang="it-IT"/>
+          </a:p>
+        </p:txBody>
+      </p:sp>
+      <p:cxnSp>
+        <p:nvCxnSpPr>
+          <p:cNvPr id="10" name="Connettore diritto 9">
+            <a:extLst>
+              <a:ext uri="{FF2B5EF4-FFF2-40B4-BE49-F238E27FC236}">
+                <a16:creationId xmlns:a16="http://schemas.microsoft.com/office/drawing/2014/main" id="{2617AE4D-BAE6-4DED-8996-1917BACF9C02}"/>
+              </a:ext>
+            </a:extLst>
+          </p:cNvPr>
+          <p:cNvCxnSpPr>
+            <a:cxnSpLocks/>
+          </p:cNvCxnSpPr>
+          <p:nvPr/>
+        </p:nvCxnSpPr>
+        <p:spPr>
+          <a:xfrm flipV="1">
+            <a:off x="1164117" y="2630731"/>
+            <a:ext cx="1340779" cy="1"/>
+          </a:xfrm>
+          <a:prstGeom prst="line">
+            <a:avLst/>
+          </a:prstGeom>
+        </p:spPr>
+        <p:style>
+          <a:lnRef idx="1">
+            <a:schemeClr val="dk1"/>
+          </a:lnRef>
+          <a:fillRef idx="0">
+            <a:schemeClr val="dk1"/>
+          </a:fillRef>
+          <a:effectRef idx="0">
+            <a:schemeClr val="dk1"/>
+          </a:effectRef>
+          <a:fontRef idx="minor">
+            <a:schemeClr val="tx1"/>
+          </a:fontRef>
+        </p:style>
+      </p:cxnSp>
+      <p:pic>
+        <p:nvPicPr>
+          <p:cNvPr id="11" name="Immagine 10">
+            <a:extLst>
+              <a:ext uri="{FF2B5EF4-FFF2-40B4-BE49-F238E27FC236}">
+                <a16:creationId xmlns:a16="http://schemas.microsoft.com/office/drawing/2014/main" id="{6CCEF388-6882-4BAF-85A2-50E1B136E502}"/>
+              </a:ext>
+            </a:extLst>
+          </p:cNvPr>
+          <p:cNvPicPr>
+            <a:picLocks noChangeAspect="1"/>
+          </p:cNvPicPr>
+          <p:nvPr/>
+        </p:nvPicPr>
+        <p:blipFill>
+          <a:blip r:embed="rId3">
+            <a:extLst>
+              <a:ext uri="{28A0092B-C50C-407E-A947-70E740481C1C}">
+                <a14:useLocalDpi xmlns:a14="http://schemas.microsoft.com/office/drawing/2010/main" val="0"/>
+              </a:ext>
+            </a:extLst>
+          </a:blip>
+          <a:stretch>
+            <a:fillRect/>
+          </a:stretch>
+        </p:blipFill>
+        <p:spPr>
+          <a:xfrm>
+            <a:off x="712732" y="2092931"/>
+            <a:ext cx="910436" cy="910436"/>
+          </a:xfrm>
+          <a:prstGeom prst="rect">
+            <a:avLst/>
+          </a:prstGeom>
+        </p:spPr>
+      </p:pic>
+      <p:pic>
+        <p:nvPicPr>
+          <p:cNvPr id="12" name="Immagine 11">
+            <a:extLst>
+              <a:ext uri="{FF2B5EF4-FFF2-40B4-BE49-F238E27FC236}">
+                <a16:creationId xmlns:a16="http://schemas.microsoft.com/office/drawing/2014/main" id="{A73D3BC5-1CBC-468A-B829-0716C4DA8DEF}"/>
+              </a:ext>
+            </a:extLst>
+          </p:cNvPr>
+          <p:cNvPicPr>
+            <a:picLocks noChangeAspect="1"/>
+          </p:cNvPicPr>
+          <p:nvPr/>
+        </p:nvPicPr>
+        <p:blipFill>
+          <a:blip r:embed="rId3">
+            <a:extLst>
+              <a:ext uri="{28A0092B-C50C-407E-A947-70E740481C1C}">
+                <a14:useLocalDpi xmlns:a14="http://schemas.microsoft.com/office/drawing/2010/main" val="0"/>
+              </a:ext>
+            </a:extLst>
+          </a:blip>
+          <a:stretch>
+            <a:fillRect/>
+          </a:stretch>
+        </p:blipFill>
+        <p:spPr>
+          <a:xfrm>
+            <a:off x="7392653" y="2175513"/>
+            <a:ext cx="910436" cy="910436"/>
+          </a:xfrm>
+          <a:prstGeom prst="rect">
+            <a:avLst/>
+          </a:prstGeom>
+        </p:spPr>
+      </p:pic>
+      <p:cxnSp>
+        <p:nvCxnSpPr>
+          <p:cNvPr id="13" name="Connettore diritto 12">
+            <a:extLst>
+              <a:ext uri="{FF2B5EF4-FFF2-40B4-BE49-F238E27FC236}">
+                <a16:creationId xmlns:a16="http://schemas.microsoft.com/office/drawing/2014/main" id="{2B71F9EF-2C06-466B-83F1-C25AF5327BE5}"/>
+              </a:ext>
+            </a:extLst>
+          </p:cNvPr>
+          <p:cNvCxnSpPr>
+            <a:cxnSpLocks/>
+          </p:cNvCxnSpPr>
+          <p:nvPr/>
+        </p:nvCxnSpPr>
+        <p:spPr>
+          <a:xfrm flipV="1">
+            <a:off x="6916872" y="2742143"/>
+            <a:ext cx="899587" cy="1"/>
+          </a:xfrm>
+          <a:prstGeom prst="line">
+            <a:avLst/>
+          </a:prstGeom>
+        </p:spPr>
+        <p:style>
+          <a:lnRef idx="1">
+            <a:schemeClr val="dk1"/>
+          </a:lnRef>
+          <a:fillRef idx="0">
+            <a:schemeClr val="dk1"/>
+          </a:fillRef>
+          <a:effectRef idx="0">
+            <a:schemeClr val="dk1"/>
+          </a:effectRef>
+          <a:fontRef idx="minor">
+            <a:schemeClr val="tx1"/>
+          </a:fontRef>
+        </p:style>
+      </p:cxnSp>
+      <p:sp>
+        <p:nvSpPr>
+          <p:cNvPr id="14" name="CasellaDiTesto 13">
+            <a:extLst>
+              <a:ext uri="{FF2B5EF4-FFF2-40B4-BE49-F238E27FC236}">
+                <a16:creationId xmlns:a16="http://schemas.microsoft.com/office/drawing/2014/main" id="{944BB557-FDDB-41E2-8D87-C212A3D9DC8F}"/>
+              </a:ext>
+            </a:extLst>
+          </p:cNvPr>
+          <p:cNvSpPr txBox="1"/>
+          <p:nvPr/>
+        </p:nvSpPr>
+        <p:spPr>
+          <a:xfrm>
+            <a:off x="281354" y="5261317"/>
+            <a:ext cx="8637563" cy="707886"/>
+          </a:xfrm>
+          <a:prstGeom prst="rect">
+            <a:avLst/>
+          </a:prstGeom>
+          <a:noFill/>
+        </p:spPr>
+        <p:txBody>
+          <a:bodyPr wrap="square" rtlCol="0">
+            <a:spAutoFit/>
+          </a:bodyPr>
+          <a:lstStyle/>
+          <a:p>
+            <a:pPr marL="285750" indent="-285750">
+              <a:buFont typeface="Arial" panose="020B0604020202020204" pitchFamily="34" charset="0"/>
+              <a:buChar char="•"/>
+            </a:pPr>
+            <a:r>
+              <a:rPr lang="it-IT" sz="2000" dirty="0" err="1"/>
+              <a:t>When</a:t>
+            </a:r>
+            <a:r>
+              <a:rPr lang="it-IT" sz="2000" dirty="0"/>
+              <a:t> the link </a:t>
+            </a:r>
+            <a:r>
+              <a:rPr lang="it-IT" sz="2000" dirty="0" err="1"/>
+              <a:t>returns</a:t>
+            </a:r>
+            <a:r>
+              <a:rPr lang="it-IT" sz="2000" dirty="0"/>
+              <a:t> </a:t>
+            </a:r>
+            <a:r>
+              <a:rPr lang="it-IT" sz="2000" dirty="0" err="1"/>
+              <a:t>active</a:t>
+            </a:r>
+            <a:r>
+              <a:rPr lang="it-IT" sz="2000" dirty="0"/>
+              <a:t>, </a:t>
+            </a:r>
+            <a:r>
+              <a:rPr lang="it-IT" sz="2000" dirty="0" err="1"/>
+              <a:t>all</a:t>
+            </a:r>
+            <a:r>
+              <a:rPr lang="it-IT" sz="2000" dirty="0"/>
+              <a:t> of the </a:t>
+            </a:r>
+            <a:r>
+              <a:rPr lang="it-IT" sz="2000" dirty="0" err="1"/>
+              <a:t>dafault</a:t>
+            </a:r>
+            <a:r>
+              <a:rPr lang="it-IT" sz="2000" dirty="0"/>
+              <a:t> rules are re-</a:t>
+            </a:r>
+            <a:r>
+              <a:rPr lang="it-IT" sz="2000" dirty="0" err="1"/>
+              <a:t>installed</a:t>
+            </a:r>
+            <a:r>
+              <a:rPr lang="it-IT" sz="2000" dirty="0"/>
+              <a:t> and </a:t>
+            </a:r>
+            <a:r>
+              <a:rPr lang="it-IT" sz="2000" dirty="0" err="1"/>
+              <a:t>packets</a:t>
+            </a:r>
+            <a:r>
+              <a:rPr lang="it-IT" sz="2000" dirty="0"/>
+              <a:t> </a:t>
+            </a:r>
+            <a:r>
+              <a:rPr lang="it-IT" sz="2000" dirty="0" err="1"/>
+              <a:t>will</a:t>
+            </a:r>
+            <a:r>
+              <a:rPr lang="it-IT" sz="2000" dirty="0"/>
+              <a:t> be </a:t>
+            </a:r>
+            <a:r>
+              <a:rPr lang="it-IT" sz="2000" dirty="0" err="1"/>
+              <a:t>routed</a:t>
+            </a:r>
+            <a:r>
+              <a:rPr lang="it-IT" sz="2000" dirty="0"/>
+              <a:t> </a:t>
+            </a:r>
+            <a:r>
+              <a:rPr lang="it-IT" sz="2000" dirty="0" err="1"/>
+              <a:t>again</a:t>
+            </a:r>
+            <a:r>
+              <a:rPr lang="it-IT" sz="2000" dirty="0"/>
+              <a:t> on the </a:t>
+            </a:r>
+            <a:r>
+              <a:rPr lang="it-IT" sz="2000" dirty="0" err="1"/>
+              <a:t>previous</a:t>
+            </a:r>
+            <a:r>
+              <a:rPr lang="it-IT" sz="2000" dirty="0"/>
+              <a:t> </a:t>
+            </a:r>
+            <a:r>
+              <a:rPr lang="it-IT" sz="2000" dirty="0" err="1"/>
+              <a:t>path</a:t>
+            </a:r>
+            <a:endParaRPr lang="it-IT" sz="2000" dirty="0"/>
           </a:p>
         </p:txBody>
       </p:sp>
     </p:spTree>
     <p:extLst>
       <p:ext uri="{BB962C8B-B14F-4D97-AF65-F5344CB8AC3E}">
-        <p14:creationId xmlns:p14="http://schemas.microsoft.com/office/powerpoint/2010/main" val="4292024606"/>
+        <p14:creationId xmlns:p14="http://schemas.microsoft.com/office/powerpoint/2010/main" val="3010816986"/>
       </p:ext>
     </p:extLst>
   </p:cSld>

--- a/template_project_exam__1_.pptx
+++ b/template_project_exam__1_.pptx
@@ -208,7 +208,7 @@
           <a:p>
             <a:fld id="{7821C63B-7147-40DC-9DD1-A22900D398CA}" type="datetimeFigureOut">
               <a:rPr lang="it-IT" smtClean="0"/>
-              <a:t>12/04/2019</a:t>
+              <a:t>29/04/2019</a:t>
             </a:fld>
             <a:endParaRPr lang="it-IT"/>
           </a:p>
@@ -1805,7 +1805,157 @@
           <a:bodyPr/>
           <a:lstStyle/>
           <a:p>
-            <a:endParaRPr lang="it-IT"/>
+            <a:r>
+              <a:rPr lang="it-IT" dirty="0"/>
+              <a:t>User </a:t>
+            </a:r>
+            <a:r>
+              <a:rPr lang="it-IT" dirty="0" err="1"/>
+              <a:t>is</a:t>
+            </a:r>
+            <a:r>
+              <a:rPr lang="it-IT" dirty="0"/>
+              <a:t> </a:t>
+            </a:r>
+            <a:r>
+              <a:rPr lang="it-IT" dirty="0" err="1"/>
+              <a:t>warned</a:t>
+            </a:r>
+            <a:r>
+              <a:rPr lang="it-IT" dirty="0"/>
+              <a:t> </a:t>
+            </a:r>
+            <a:r>
+              <a:rPr lang="it-IT" dirty="0" err="1"/>
+              <a:t>about</a:t>
+            </a:r>
+            <a:r>
+              <a:rPr lang="it-IT" dirty="0"/>
+              <a:t> link status </a:t>
+            </a:r>
+            <a:r>
+              <a:rPr lang="it-IT" dirty="0" err="1"/>
+              <a:t>through</a:t>
+            </a:r>
+            <a:r>
+              <a:rPr lang="it-IT" dirty="0"/>
+              <a:t> a set of </a:t>
+            </a:r>
+            <a:r>
+              <a:rPr lang="it-IT" dirty="0" err="1"/>
+              <a:t>messages</a:t>
+            </a:r>
+            <a:r>
+              <a:rPr lang="it-IT" dirty="0"/>
+              <a:t> </a:t>
+            </a:r>
+            <a:r>
+              <a:rPr lang="it-IT" dirty="0" err="1"/>
+              <a:t>that</a:t>
+            </a:r>
+            <a:r>
+              <a:rPr lang="it-IT" dirty="0"/>
+              <a:t> come up </a:t>
+            </a:r>
+            <a:r>
+              <a:rPr lang="it-IT" dirty="0" err="1"/>
+              <a:t>every</a:t>
+            </a:r>
+            <a:r>
+              <a:rPr lang="it-IT" dirty="0"/>
+              <a:t> time the </a:t>
+            </a:r>
+            <a:r>
+              <a:rPr lang="it-IT" dirty="0" err="1"/>
+              <a:t>topology</a:t>
+            </a:r>
+            <a:r>
+              <a:rPr lang="it-IT" dirty="0"/>
+              <a:t> </a:t>
+            </a:r>
+            <a:r>
+              <a:rPr lang="it-IT" dirty="0" err="1"/>
+              <a:t>is</a:t>
+            </a:r>
+            <a:r>
+              <a:rPr lang="it-IT" dirty="0"/>
+              <a:t> </a:t>
+            </a:r>
+            <a:r>
+              <a:rPr lang="it-IT" dirty="0" err="1"/>
+              <a:t>modified</a:t>
+            </a:r>
+            <a:endParaRPr lang="it-IT" dirty="0"/>
+          </a:p>
+          <a:p>
+            <a:r>
+              <a:rPr lang="it-IT" dirty="0" err="1"/>
+              <a:t>When</a:t>
+            </a:r>
+            <a:r>
+              <a:rPr lang="it-IT" dirty="0"/>
+              <a:t> a link </a:t>
+            </a:r>
+            <a:r>
+              <a:rPr lang="it-IT" dirty="0" err="1"/>
+              <a:t>goes</a:t>
+            </a:r>
+            <a:r>
+              <a:rPr lang="it-IT" dirty="0"/>
+              <a:t> up/down, </a:t>
+            </a:r>
+            <a:r>
+              <a:rPr lang="it-IT" dirty="0" err="1"/>
+              <a:t>consequently</a:t>
+            </a:r>
+            <a:r>
+              <a:rPr lang="it-IT" dirty="0"/>
+              <a:t> the port status of switches </a:t>
+            </a:r>
+            <a:r>
+              <a:rPr lang="it-IT" dirty="0" err="1"/>
+              <a:t>involved</a:t>
+            </a:r>
+            <a:r>
+              <a:rPr lang="it-IT" dirty="0"/>
+              <a:t> in the connection </a:t>
+            </a:r>
+            <a:r>
+              <a:rPr lang="it-IT" dirty="0" err="1"/>
+              <a:t>changes</a:t>
+            </a:r>
+            <a:endParaRPr lang="it-IT" dirty="0"/>
+          </a:p>
+          <a:p>
+            <a:r>
+              <a:rPr lang="it-IT" dirty="0"/>
+              <a:t>The switches </a:t>
+            </a:r>
+            <a:r>
+              <a:rPr lang="it-IT" dirty="0" err="1"/>
+              <a:t>notify</a:t>
+            </a:r>
+            <a:r>
+              <a:rPr lang="it-IT" dirty="0"/>
+              <a:t> to the controller the event with port status </a:t>
+            </a:r>
+            <a:r>
+              <a:rPr lang="it-IT" dirty="0" err="1"/>
+              <a:t>messages</a:t>
+            </a:r>
+            <a:endParaRPr lang="it-IT" dirty="0"/>
+          </a:p>
+          <a:p>
+            <a:endParaRPr lang="it-IT" dirty="0"/>
+          </a:p>
+          <a:p>
+            <a:endParaRPr lang="it-IT" dirty="0"/>
+          </a:p>
+          <a:p>
+            <a:r>
+              <a:rPr lang="it-IT" dirty="0"/>
+              <a:t>***INSERIRE SCREEN PORT STATUS***   </a:t>
+            </a:r>
           </a:p>
         </p:txBody>
       </p:sp>
@@ -1921,7 +2071,242 @@
           <a:bodyPr/>
           <a:lstStyle/>
           <a:p>
-            <a:endParaRPr lang="it-IT"/>
+            <a:r>
+              <a:rPr lang="it-IT" dirty="0"/>
+              <a:t>The code </a:t>
+            </a:r>
+            <a:r>
+              <a:rPr lang="it-IT" dirty="0" err="1"/>
+              <a:t>provides</a:t>
+            </a:r>
+            <a:r>
+              <a:rPr lang="it-IT" dirty="0"/>
+              <a:t> </a:t>
+            </a:r>
+            <a:r>
+              <a:rPr lang="it-IT" dirty="0" err="1"/>
+              <a:t>also</a:t>
+            </a:r>
+            <a:r>
+              <a:rPr lang="it-IT" dirty="0"/>
+              <a:t> an </a:t>
+            </a:r>
+            <a:r>
+              <a:rPr lang="it-IT" dirty="0" err="1"/>
+              <a:t>exception</a:t>
+            </a:r>
+            <a:r>
+              <a:rPr lang="it-IT" dirty="0"/>
+              <a:t> management</a:t>
+            </a:r>
+          </a:p>
+          <a:p>
+            <a:r>
+              <a:rPr lang="it-IT" dirty="0"/>
+              <a:t>In case of:</a:t>
+            </a:r>
+          </a:p>
+          <a:p>
+            <a:pPr lvl="1">
+              <a:buFont typeface="Wingdings" panose="05000000000000000000" pitchFamily="2" charset="2"/>
+              <a:buChar char="Ø"/>
+            </a:pPr>
+            <a:r>
+              <a:rPr lang="it-IT" sz="2400" b="1" dirty="0" err="1"/>
+              <a:t>Only</a:t>
+            </a:r>
+            <a:r>
+              <a:rPr lang="it-IT" sz="2400" b="1" dirty="0"/>
+              <a:t> one </a:t>
+            </a:r>
+            <a:r>
+              <a:rPr lang="it-IT" sz="2400" b="1" dirty="0" err="1"/>
+              <a:t>path</a:t>
+            </a:r>
+            <a:r>
+              <a:rPr lang="it-IT" sz="2400" b="1" dirty="0"/>
+              <a:t> </a:t>
+            </a:r>
+            <a:r>
+              <a:rPr lang="it-IT" sz="2400" b="1" dirty="0" err="1"/>
+              <a:t>exists</a:t>
+            </a:r>
+            <a:r>
+              <a:rPr lang="it-IT" sz="2400" b="1" dirty="0"/>
+              <a:t>,</a:t>
+            </a:r>
+            <a:r>
+              <a:rPr lang="it-IT" sz="2400" dirty="0"/>
+              <a:t> controller </a:t>
+            </a:r>
+            <a:r>
+              <a:rPr lang="it-IT" sz="2400" dirty="0" err="1"/>
+              <a:t>installs</a:t>
+            </a:r>
+            <a:r>
+              <a:rPr lang="it-IT" sz="2400" dirty="0"/>
+              <a:t> </a:t>
+            </a:r>
+            <a:r>
+              <a:rPr lang="it-IT" sz="2400" dirty="0" err="1"/>
+              <a:t>only</a:t>
+            </a:r>
+            <a:r>
+              <a:rPr lang="it-IT" sz="2400" dirty="0"/>
+              <a:t> the default one</a:t>
+            </a:r>
+          </a:p>
+          <a:p>
+            <a:pPr lvl="1">
+              <a:buFont typeface="Wingdings" panose="05000000000000000000" pitchFamily="2" charset="2"/>
+              <a:buChar char="Ø"/>
+            </a:pPr>
+            <a:r>
+              <a:rPr lang="it-IT" sz="2400" b="1" dirty="0" err="1"/>
+              <a:t>Either</a:t>
+            </a:r>
+            <a:r>
+              <a:rPr lang="it-IT" sz="2400" b="1" dirty="0"/>
+              <a:t> one or </a:t>
+            </a:r>
+            <a:r>
+              <a:rPr lang="it-IT" sz="2400" b="1" dirty="0" err="1"/>
+              <a:t>both</a:t>
+            </a:r>
+            <a:r>
+              <a:rPr lang="it-IT" sz="2400" b="1" dirty="0"/>
+              <a:t> default and back-up </a:t>
+            </a:r>
+            <a:r>
+              <a:rPr lang="it-IT" sz="2400" b="1" dirty="0" err="1"/>
+              <a:t>paths</a:t>
+            </a:r>
+            <a:r>
+              <a:rPr lang="it-IT" sz="2400" b="1" dirty="0"/>
+              <a:t> </a:t>
+            </a:r>
+            <a:r>
+              <a:rPr lang="it-IT" sz="2400" b="1" dirty="0" err="1"/>
+              <a:t>aren’t</a:t>
+            </a:r>
+            <a:r>
+              <a:rPr lang="it-IT" sz="2400" b="1" dirty="0"/>
+              <a:t> </a:t>
+            </a:r>
+            <a:r>
+              <a:rPr lang="it-IT" sz="2400" b="1" dirty="0" err="1"/>
+              <a:t>available</a:t>
+            </a:r>
+            <a:r>
+              <a:rPr lang="it-IT" sz="2400" b="1" dirty="0"/>
+              <a:t> </a:t>
+            </a:r>
+            <a:r>
+              <a:rPr lang="it-IT" sz="2400" b="1" dirty="0" err="1"/>
+              <a:t>anymore</a:t>
+            </a:r>
+            <a:r>
+              <a:rPr lang="it-IT" sz="2400" b="1" dirty="0"/>
+              <a:t>,</a:t>
+            </a:r>
+            <a:r>
+              <a:rPr lang="it-IT" sz="2400" dirty="0"/>
+              <a:t> relative rules on switches are </a:t>
+            </a:r>
+            <a:r>
+              <a:rPr lang="it-IT" sz="2400" dirty="0" err="1"/>
+              <a:t>temporarily</a:t>
+            </a:r>
+            <a:r>
+              <a:rPr lang="it-IT" sz="2400" dirty="0"/>
+              <a:t> </a:t>
+            </a:r>
+            <a:r>
+              <a:rPr lang="it-IT" sz="2400" dirty="0" err="1"/>
+              <a:t>deleted</a:t>
+            </a:r>
+            <a:r>
+              <a:rPr lang="it-IT" sz="2400" dirty="0"/>
+              <a:t> </a:t>
+            </a:r>
+            <a:r>
+              <a:rPr lang="it-IT" sz="2400" dirty="0" err="1"/>
+              <a:t>until</a:t>
+            </a:r>
+            <a:r>
+              <a:rPr lang="it-IT" sz="2400" dirty="0"/>
+              <a:t> connections </a:t>
+            </a:r>
+            <a:r>
+              <a:rPr lang="it-IT" sz="2400" dirty="0" err="1"/>
+              <a:t>returns</a:t>
+            </a:r>
+            <a:r>
+              <a:rPr lang="it-IT" sz="2400" dirty="0"/>
+              <a:t> </a:t>
+            </a:r>
+            <a:r>
+              <a:rPr lang="it-IT" sz="2400" dirty="0" err="1"/>
+              <a:t>active</a:t>
+            </a:r>
+            <a:endParaRPr lang="it-IT" sz="2400" dirty="0"/>
+          </a:p>
+          <a:p>
+            <a:r>
+              <a:rPr lang="it-IT" dirty="0"/>
+              <a:t>User </a:t>
+            </a:r>
+            <a:r>
+              <a:rPr lang="it-IT" dirty="0" err="1"/>
+              <a:t>is</a:t>
+            </a:r>
+            <a:r>
+              <a:rPr lang="it-IT" dirty="0"/>
+              <a:t> </a:t>
+            </a:r>
+            <a:r>
+              <a:rPr lang="it-IT" dirty="0" err="1"/>
+              <a:t>always</a:t>
+            </a:r>
+            <a:r>
+              <a:rPr lang="it-IT" dirty="0"/>
+              <a:t> </a:t>
+            </a:r>
+            <a:r>
+              <a:rPr lang="it-IT" dirty="0" err="1"/>
+              <a:t>notified</a:t>
+            </a:r>
+            <a:r>
+              <a:rPr lang="it-IT" dirty="0"/>
+              <a:t> </a:t>
+            </a:r>
+            <a:r>
+              <a:rPr lang="it-IT" dirty="0" err="1"/>
+              <a:t>about</a:t>
+            </a:r>
+            <a:r>
+              <a:rPr lang="it-IT" dirty="0"/>
+              <a:t> </a:t>
+            </a:r>
+            <a:r>
+              <a:rPr lang="it-IT" dirty="0" err="1"/>
+              <a:t>all</a:t>
+            </a:r>
+            <a:r>
+              <a:rPr lang="it-IT" dirty="0"/>
+              <a:t> </a:t>
+            </a:r>
+            <a:r>
+              <a:rPr lang="it-IT" dirty="0" err="1"/>
+              <a:t>issues</a:t>
+            </a:r>
+            <a:endParaRPr lang="it-IT" dirty="0"/>
+          </a:p>
+          <a:p>
+            <a:pPr marL="457200" lvl="1" indent="0">
+              <a:buNone/>
+            </a:pPr>
+            <a:endParaRPr lang="it-IT" dirty="0"/>
           </a:p>
         </p:txBody>
       </p:sp>
@@ -2148,24 +2533,68 @@
           </a:p>
           <a:p>
             <a:r>
+              <a:rPr lang="it-IT" dirty="0"/>
+              <a:t>MPLS connection setup</a:t>
+            </a:r>
+            <a:endParaRPr lang="en-GB" dirty="0"/>
+          </a:p>
+          <a:p>
+            <a:r>
+              <a:rPr lang="it-IT" dirty="0" err="1"/>
+              <a:t>Packet</a:t>
+            </a:r>
+            <a:r>
+              <a:rPr lang="it-IT" dirty="0"/>
+              <a:t> in </a:t>
+            </a:r>
+            <a:r>
+              <a:rPr lang="it-IT" dirty="0" err="1"/>
+              <a:t>handler</a:t>
+            </a:r>
+            <a:r>
+              <a:rPr lang="it-IT" dirty="0"/>
+              <a:t> </a:t>
+            </a:r>
+            <a:endParaRPr lang="en-GB" dirty="0"/>
+          </a:p>
+          <a:p>
+            <a:r>
+              <a:rPr lang="it-IT" dirty="0"/>
+              <a:t>Rule </a:t>
+            </a:r>
+            <a:r>
+              <a:rPr lang="it-IT" dirty="0" err="1"/>
+              <a:t>installation</a:t>
+            </a:r>
+            <a:endParaRPr lang="en-GB" dirty="0"/>
+          </a:p>
+          <a:p>
+            <a:r>
               <a:rPr lang="en-GB" dirty="0"/>
-              <a:t>…</a:t>
+              <a:t>Link up/down</a:t>
             </a:r>
           </a:p>
           <a:p>
             <a:r>
               <a:rPr lang="en-GB" dirty="0"/>
-              <a:t>…</a:t>
+              <a:t>Port detection</a:t>
             </a:r>
           </a:p>
           <a:p>
             <a:r>
               <a:rPr lang="en-GB" dirty="0"/>
-              <a:t>…</a:t>
-            </a:r>
-          </a:p>
-          <a:p>
-            <a:endParaRPr lang="en-GB" dirty="0"/>
+              <a:t>Exception management</a:t>
+            </a:r>
+          </a:p>
+          <a:p>
+            <a:r>
+              <a:rPr lang="en-GB" dirty="0" err="1"/>
+              <a:t>TestBed</a:t>
+            </a:r>
+            <a:r>
+              <a:rPr lang="en-GB" dirty="0"/>
+              <a:t> results</a:t>
+            </a:r>
           </a:p>
         </p:txBody>
       </p:sp>
@@ -6212,7 +6641,7 @@
         <p:spPr>
           <a:xfrm>
             <a:off x="281354" y="5261317"/>
-            <a:ext cx="8637563" cy="707886"/>
+            <a:ext cx="8637563" cy="830997"/>
           </a:xfrm>
           <a:prstGeom prst="rect">
             <a:avLst/>
@@ -6230,98 +6659,98 @@
               <a:buChar char="•"/>
             </a:pPr>
             <a:r>
-              <a:rPr lang="it-IT" sz="2000" dirty="0" err="1"/>
+              <a:rPr lang="it-IT" sz="2400" dirty="0" err="1"/>
               <a:t>When</a:t>
             </a:r>
             <a:r>
-              <a:rPr lang="it-IT" sz="2000" dirty="0"/>
+              <a:rPr lang="it-IT" sz="2400" dirty="0"/>
               <a:t> the link </a:t>
             </a:r>
             <a:r>
-              <a:rPr lang="it-IT" sz="2000" dirty="0" err="1"/>
+              <a:rPr lang="it-IT" sz="2400" dirty="0" err="1"/>
               <a:t>returns</a:t>
             </a:r>
             <a:r>
-              <a:rPr lang="it-IT" sz="2000" dirty="0"/>
+              <a:rPr lang="it-IT" sz="2400" dirty="0"/>
               <a:t> </a:t>
             </a:r>
             <a:r>
-              <a:rPr lang="it-IT" sz="2000" dirty="0" err="1"/>
+              <a:rPr lang="it-IT" sz="2400" dirty="0" err="1"/>
               <a:t>active</a:t>
             </a:r>
             <a:r>
-              <a:rPr lang="it-IT" sz="2000" dirty="0"/>
+              <a:rPr lang="it-IT" sz="2400" dirty="0"/>
               <a:t>, </a:t>
             </a:r>
             <a:r>
-              <a:rPr lang="it-IT" sz="2000" dirty="0" err="1"/>
+              <a:rPr lang="it-IT" sz="2400" dirty="0" err="1"/>
               <a:t>all</a:t>
             </a:r>
             <a:r>
-              <a:rPr lang="it-IT" sz="2000" dirty="0"/>
+              <a:rPr lang="it-IT" sz="2400" dirty="0"/>
               <a:t> of the </a:t>
             </a:r>
             <a:r>
-              <a:rPr lang="it-IT" sz="2000" dirty="0" err="1"/>
+              <a:rPr lang="it-IT" sz="2400" dirty="0" err="1"/>
               <a:t>dafault</a:t>
             </a:r>
             <a:r>
-              <a:rPr lang="it-IT" sz="2000" dirty="0"/>
+              <a:rPr lang="it-IT" sz="2400" dirty="0"/>
               <a:t> rules are re-</a:t>
             </a:r>
             <a:r>
-              <a:rPr lang="it-IT" sz="2000" dirty="0" err="1"/>
+              <a:rPr lang="it-IT" sz="2400" dirty="0" err="1"/>
               <a:t>installed</a:t>
             </a:r>
             <a:r>
-              <a:rPr lang="it-IT" sz="2000" dirty="0"/>
+              <a:rPr lang="it-IT" sz="2400" dirty="0"/>
               <a:t> and </a:t>
             </a:r>
             <a:r>
-              <a:rPr lang="it-IT" sz="2000" dirty="0" err="1"/>
+              <a:rPr lang="it-IT" sz="2400" dirty="0" err="1"/>
               <a:t>packets</a:t>
             </a:r>
             <a:r>
-              <a:rPr lang="it-IT" sz="2000" dirty="0"/>
+              <a:rPr lang="it-IT" sz="2400" dirty="0"/>
               <a:t> </a:t>
             </a:r>
             <a:r>
-              <a:rPr lang="it-IT" sz="2000" dirty="0" err="1"/>
+              <a:rPr lang="it-IT" sz="2400" dirty="0" err="1"/>
               <a:t>will</a:t>
             </a:r>
             <a:r>
-              <a:rPr lang="it-IT" sz="2000" dirty="0"/>
+              <a:rPr lang="it-IT" sz="2400" dirty="0"/>
               <a:t> be </a:t>
             </a:r>
             <a:r>
-              <a:rPr lang="it-IT" sz="2000" dirty="0" err="1"/>
+              <a:rPr lang="it-IT" sz="2400" dirty="0" err="1"/>
               <a:t>routed</a:t>
             </a:r>
             <a:r>
-              <a:rPr lang="it-IT" sz="2000" dirty="0"/>
+              <a:rPr lang="it-IT" sz="2400" dirty="0"/>
               <a:t> </a:t>
             </a:r>
             <a:r>
-              <a:rPr lang="it-IT" sz="2000" dirty="0" err="1"/>
+              <a:rPr lang="it-IT" sz="2400" dirty="0" err="1"/>
               <a:t>again</a:t>
             </a:r>
             <a:r>
-              <a:rPr lang="it-IT" sz="2000" dirty="0"/>
+              <a:rPr lang="it-IT" sz="2400" dirty="0"/>
               <a:t> on the </a:t>
             </a:r>
             <a:r>
-              <a:rPr lang="it-IT" sz="2000" dirty="0" err="1"/>
+              <a:rPr lang="it-IT" sz="2400" dirty="0" err="1"/>
               <a:t>previous</a:t>
             </a:r>
             <a:r>
-              <a:rPr lang="it-IT" sz="2000" dirty="0"/>
+              <a:rPr lang="it-IT" sz="2400" dirty="0"/>
               <a:t> </a:t>
             </a:r>
             <a:r>
-              <a:rPr lang="it-IT" sz="2000" dirty="0" err="1"/>
+              <a:rPr lang="it-IT" sz="2400" dirty="0" err="1"/>
               <a:t>path</a:t>
             </a:r>
-            <a:endParaRPr lang="it-IT" sz="2000" dirty="0"/>
+            <a:endParaRPr lang="it-IT" sz="2400" dirty="0"/>
           </a:p>
         </p:txBody>
       </p:sp>

--- a/template_project_exam__1_.pptx
+++ b/template_project_exam__1_.pptx
@@ -208,7 +208,7 @@
           <a:p>
             <a:fld id="{7821C63B-7147-40DC-9DD1-A22900D398CA}" type="datetimeFigureOut">
               <a:rPr lang="it-IT" smtClean="0"/>
-              <a:t>29/04/2019</a:t>
+              <a:t>08/05/2019</a:t>
             </a:fld>
             <a:endParaRPr lang="it-IT"/>
           </a:p>
@@ -1800,14 +1800,19 @@
             <p:ph idx="1"/>
           </p:nvPr>
         </p:nvSpPr>
-        <p:spPr/>
+        <p:spPr>
+          <a:xfrm>
+            <a:off x="628649" y="1022847"/>
+            <a:ext cx="7886700" cy="4351338"/>
+          </a:xfrm>
+        </p:spPr>
         <p:txBody>
           <a:bodyPr/>
           <a:lstStyle/>
           <a:p>
             <a:r>
               <a:rPr lang="it-IT" dirty="0"/>
-              <a:t>User </a:t>
+              <a:t>The user </a:t>
             </a:r>
             <a:r>
               <a:rPr lang="it-IT" dirty="0" err="1"/>
@@ -1831,7 +1836,7 @@
             </a:r>
             <a:r>
               <a:rPr lang="it-IT" dirty="0"/>
-              <a:t> link status </a:t>
+              <a:t> the link status </a:t>
             </a:r>
             <a:r>
               <a:rPr lang="it-IT" dirty="0" err="1"/>
@@ -1902,28 +1907,36 @@
             </a:r>
             <a:r>
               <a:rPr lang="it-IT" dirty="0"/>
-              <a:t> up/down, </a:t>
+              <a:t> up/down, the port status of the switches </a:t>
+            </a:r>
+            <a:r>
+              <a:rPr lang="it-IT" dirty="0" err="1"/>
+              <a:t>involved</a:t>
+            </a:r>
+            <a:r>
+              <a:rPr lang="it-IT" dirty="0"/>
+              <a:t> in the connection </a:t>
+            </a:r>
+            <a:r>
+              <a:rPr lang="it-IT" dirty="0" err="1"/>
+              <a:t>will</a:t>
+            </a:r>
+            <a:r>
+              <a:rPr lang="it-IT" dirty="0"/>
+              <a:t> </a:t>
+            </a:r>
+            <a:r>
+              <a:rPr lang="it-IT" dirty="0" err="1"/>
+              <a:t>change</a:t>
+            </a:r>
+            <a:r>
+              <a:rPr lang="it-IT" dirty="0"/>
+              <a:t> </a:t>
             </a:r>
             <a:r>
               <a:rPr lang="it-IT" dirty="0" err="1"/>
               <a:t>consequently</a:t>
             </a:r>
-            <a:r>
-              <a:rPr lang="it-IT" dirty="0"/>
-              <a:t> the port status of switches </a:t>
-            </a:r>
-            <a:r>
-              <a:rPr lang="it-IT" dirty="0" err="1"/>
-              <a:t>involved</a:t>
-            </a:r>
-            <a:r>
-              <a:rPr lang="it-IT" dirty="0"/>
-              <a:t> in the connection </a:t>
-            </a:r>
-            <a:r>
-              <a:rPr lang="it-IT" dirty="0" err="1"/>
-              <a:t>changes</a:t>
-            </a:r>
             <a:endParaRPr lang="it-IT" dirty="0"/>
           </a:p>
           <a:p>
@@ -1937,7 +1950,7 @@
             </a:r>
             <a:r>
               <a:rPr lang="it-IT" dirty="0"/>
-              <a:t> to the controller the event with port status </a:t>
+              <a:t> the event to the controller with port status </a:t>
             </a:r>
             <a:r>
               <a:rPr lang="it-IT" dirty="0" err="1"/>
@@ -1952,13 +1965,46 @@
             <a:endParaRPr lang="it-IT" dirty="0"/>
           </a:p>
           <a:p>
-            <a:r>
-              <a:rPr lang="it-IT" dirty="0"/>
-              <a:t>***INSERIRE SCREEN PORT STATUS***   </a:t>
-            </a:r>
-          </a:p>
-        </p:txBody>
-      </p:sp>
+            <a:pPr marL="0" indent="0">
+              <a:buNone/>
+            </a:pPr>
+            <a:r>
+              <a:rPr lang="it-IT" dirty="0"/>
+              <a:t>   </a:t>
+            </a:r>
+          </a:p>
+        </p:txBody>
+      </p:sp>
+      <p:pic>
+        <p:nvPicPr>
+          <p:cNvPr id="5" name="Immagine 4">
+            <a:extLst>
+              <a:ext uri="{FF2B5EF4-FFF2-40B4-BE49-F238E27FC236}">
+                <a16:creationId xmlns:a16="http://schemas.microsoft.com/office/drawing/2014/main" id="{1013B509-B692-4C77-9078-A771E2FBD20D}"/>
+              </a:ext>
+            </a:extLst>
+          </p:cNvPr>
+          <p:cNvPicPr>
+            <a:picLocks noChangeAspect="1"/>
+          </p:cNvPicPr>
+          <p:nvPr/>
+        </p:nvPicPr>
+        <p:blipFill>
+          <a:blip r:embed="rId2"/>
+          <a:stretch>
+            <a:fillRect/>
+          </a:stretch>
+        </p:blipFill>
+        <p:spPr>
+          <a:xfrm>
+            <a:off x="285396" y="3823223"/>
+            <a:ext cx="8573206" cy="1761978"/>
+          </a:xfrm>
+          <a:prstGeom prst="rect">
+            <a:avLst/>
+          </a:prstGeom>
+        </p:spPr>
+      </p:pic>
     </p:spTree>
     <p:extLst>
       <p:ext uri="{BB962C8B-B14F-4D97-AF65-F5344CB8AC3E}">
@@ -2012,11 +2058,11 @@
           <a:p>
             <a:r>
               <a:rPr lang="it-IT" dirty="0" err="1"/>
-              <a:t>Exception</a:t>
-            </a:r>
-            <a:r>
-              <a:rPr lang="it-IT" dirty="0"/>
-              <a:t> management</a:t>
+              <a:t>Additional</a:t>
+            </a:r>
+            <a:r>
+              <a:rPr lang="it-IT" dirty="0"/>
+              <a:t> checks</a:t>
             </a:r>
           </a:p>
         </p:txBody>
@@ -2089,21 +2135,25 @@
             </a:r>
             <a:r>
               <a:rPr lang="it-IT" dirty="0"/>
-              <a:t> an </a:t>
-            </a:r>
-            <a:r>
-              <a:rPr lang="it-IT" dirty="0" err="1"/>
-              <a:t>exception</a:t>
-            </a:r>
-            <a:r>
-              <a:rPr lang="it-IT" dirty="0"/>
-              <a:t> management</a:t>
-            </a:r>
-          </a:p>
-          <a:p>
-            <a:r>
-              <a:rPr lang="it-IT" dirty="0"/>
-              <a:t>In case of:</a:t>
+              <a:t> some </a:t>
+            </a:r>
+            <a:r>
+              <a:rPr lang="it-IT" dirty="0" err="1"/>
+              <a:t>additional</a:t>
+            </a:r>
+            <a:r>
+              <a:rPr lang="it-IT" dirty="0"/>
+              <a:t> checks</a:t>
+            </a:r>
+          </a:p>
+          <a:p>
+            <a:r>
+              <a:rPr lang="it-IT" dirty="0" err="1"/>
+              <a:t>If</a:t>
+            </a:r>
+            <a:r>
+              <a:rPr lang="it-IT" dirty="0"/>
+              <a:t>:</a:t>
             </a:r>
           </a:p>
           <a:p>
@@ -2137,11 +2187,19 @@
             </a:r>
             <a:r>
               <a:rPr lang="it-IT" sz="2400" dirty="0"/>
-              <a:t> controller </a:t>
+              <a:t> the controller </a:t>
             </a:r>
             <a:r>
               <a:rPr lang="it-IT" sz="2400" dirty="0" err="1"/>
-              <a:t>installs</a:t>
+              <a:t>will</a:t>
+            </a:r>
+            <a:r>
+              <a:rPr lang="it-IT" sz="2400" dirty="0"/>
+              <a:t> </a:t>
+            </a:r>
+            <a:r>
+              <a:rPr lang="it-IT" sz="2400" dirty="0" err="1"/>
+              <a:t>install</a:t>
             </a:r>
             <a:r>
               <a:rPr lang="it-IT" sz="2400" dirty="0"/>
@@ -2211,7 +2269,7 @@
             </a:r>
             <a:r>
               <a:rPr lang="it-IT" sz="2400" dirty="0"/>
-              <a:t> relative rules on switches are </a:t>
+              <a:t> the relative rules on the switches are </a:t>
             </a:r>
             <a:r>
               <a:rPr lang="it-IT" sz="2400" dirty="0" err="1"/>
@@ -2235,11 +2293,11 @@
             </a:r>
             <a:r>
               <a:rPr lang="it-IT" sz="2400" dirty="0"/>
-              <a:t> connections </a:t>
+              <a:t> the connections </a:t>
             </a:r>
             <a:r>
               <a:rPr lang="it-IT" sz="2400" dirty="0" err="1"/>
-              <a:t>returns</a:t>
+              <a:t>return</a:t>
             </a:r>
             <a:r>
               <a:rPr lang="it-IT" sz="2400" dirty="0"/>
@@ -2254,7 +2312,7 @@
           <a:p>
             <a:r>
               <a:rPr lang="it-IT" dirty="0"/>
-              <a:t>User </a:t>
+              <a:t>The user </a:t>
             </a:r>
             <a:r>
               <a:rPr lang="it-IT" dirty="0" err="1"/>
@@ -2583,7 +2641,7 @@
           <a:p>
             <a:r>
               <a:rPr lang="en-GB" dirty="0"/>
-              <a:t>Exception management</a:t>
+              <a:t>Additional checks</a:t>
             </a:r>
           </a:p>
           <a:p>
@@ -3234,7 +3292,7 @@
             </a:r>
             <a:r>
               <a:rPr lang="it-IT" sz="2400" dirty="0"/>
-              <a:t> default rule </a:t>
+              <a:t> the default rule </a:t>
             </a:r>
             <a:r>
               <a:rPr lang="it-IT" sz="2400" dirty="0" err="1"/>
@@ -3264,15 +3322,7 @@
             </a:r>
             <a:r>
               <a:rPr lang="it-IT" sz="2400" dirty="0"/>
-              <a:t> the </a:t>
-            </a:r>
-            <a:r>
-              <a:rPr lang="it-IT" sz="2400" dirty="0" err="1"/>
-              <a:t>firtst</a:t>
-            </a:r>
-            <a:r>
-              <a:rPr lang="it-IT" sz="2400" dirty="0"/>
-              <a:t> IP </a:t>
+              <a:t> the first IP </a:t>
             </a:r>
             <a:r>
               <a:rPr lang="it-IT" sz="2400" dirty="0" err="1"/>
@@ -3304,7 +3354,7 @@
             </a:r>
             <a:r>
               <a:rPr lang="it-IT" sz="2400" dirty="0"/>
-              <a:t> MPLS rules in the switches of default and backup </a:t>
+              <a:t> the MPLS flows in the switches of the default and backup </a:t>
             </a:r>
             <a:r>
               <a:rPr lang="it-IT" sz="2400" dirty="0" err="1"/>
@@ -3490,7 +3540,7 @@
           <a:p>
             <a:r>
               <a:rPr lang="it-IT" sz="2800" dirty="0"/>
-              <a:t>Once </a:t>
+              <a:t>Once the </a:t>
             </a:r>
             <a:r>
               <a:rPr lang="it-IT" sz="2800" dirty="0" err="1"/>
@@ -3522,11 +3572,11 @@
             </a:r>
             <a:r>
               <a:rPr lang="it-IT" sz="2800" dirty="0"/>
-              <a:t> a list of </a:t>
+              <a:t> a list of link-</a:t>
             </a:r>
             <a:r>
               <a:rPr lang="it-IT" sz="2800" dirty="0" err="1"/>
-              <a:t>paths</a:t>
+              <a:t>disjoint</a:t>
             </a:r>
             <a:r>
               <a:rPr lang="it-IT" sz="2800" dirty="0"/>
@@ -3534,11 +3584,27 @@
             </a:r>
             <a:r>
               <a:rPr lang="it-IT" sz="2800" dirty="0" err="1"/>
-              <a:t>without</a:t>
+              <a:t>path</a:t>
             </a:r>
             <a:r>
               <a:rPr lang="it-IT" sz="2800" dirty="0"/>
-              <a:t> links in common </a:t>
+              <a:t>, </a:t>
+            </a:r>
+            <a:r>
+              <a:rPr lang="it-IT" sz="2800" dirty="0" err="1"/>
+              <a:t>which</a:t>
+            </a:r>
+            <a:r>
+              <a:rPr lang="it-IT" sz="2800" dirty="0"/>
+              <a:t> </a:t>
+            </a:r>
+            <a:r>
+              <a:rPr lang="it-IT" sz="2800" dirty="0" err="1"/>
+              <a:t>is</a:t>
+            </a:r>
+            <a:r>
+              <a:rPr lang="it-IT" sz="2800" dirty="0"/>
+              <a:t> </a:t>
             </a:r>
             <a:r>
               <a:rPr lang="it-IT" sz="2800" dirty="0" err="1"/>
@@ -3568,15 +3634,79 @@
               <a:rPr lang="it-IT" sz="2800" dirty="0" err="1"/>
               <a:t>edges</a:t>
             </a:r>
+            <a:endParaRPr lang="it-IT" sz="2800" dirty="0"/>
+          </a:p>
+          <a:p>
+            <a:r>
+              <a:rPr lang="it-IT" sz="2800" dirty="0"/>
+              <a:t>The first entry in the list </a:t>
+            </a:r>
+            <a:r>
+              <a:rPr lang="it-IT" sz="2800" dirty="0" err="1"/>
+              <a:t>is</a:t>
+            </a:r>
             <a:r>
               <a:rPr lang="it-IT" sz="2800" dirty="0"/>
               <a:t> </a:t>
             </a:r>
-          </a:p>
-          <a:p>
+            <a:r>
+              <a:rPr lang="it-IT" sz="2800" dirty="0" err="1"/>
+              <a:t>selected</a:t>
+            </a:r>
             <a:r>
               <a:rPr lang="it-IT" sz="2800" dirty="0"/>
-              <a:t>The first one </a:t>
+              <a:t> </a:t>
+            </a:r>
+            <a:r>
+              <a:rPr lang="it-IT" sz="2800" dirty="0" err="1"/>
+              <a:t>as</a:t>
+            </a:r>
+            <a:r>
+              <a:rPr lang="it-IT" sz="2800" dirty="0"/>
+              <a:t> the default </a:t>
+            </a:r>
+            <a:r>
+              <a:rPr lang="it-IT" sz="2800" dirty="0" err="1"/>
+              <a:t>path</a:t>
+            </a:r>
+            <a:r>
+              <a:rPr lang="it-IT" sz="2800" dirty="0"/>
+              <a:t>, </a:t>
+            </a:r>
+            <a:r>
+              <a:rPr lang="it-IT" sz="2800" dirty="0" err="1"/>
+              <a:t>assigning</a:t>
+            </a:r>
+            <a:r>
+              <a:rPr lang="it-IT" sz="2800" dirty="0"/>
+              <a:t> a label </a:t>
+            </a:r>
+            <a:r>
+              <a:rPr lang="it-IT" sz="2800" dirty="0" err="1"/>
+              <a:t>value</a:t>
+            </a:r>
+            <a:r>
+              <a:rPr lang="it-IT" sz="2800" dirty="0"/>
+              <a:t> </a:t>
+            </a:r>
+            <a:r>
+              <a:rPr lang="it-IT" sz="2800" dirty="0" err="1"/>
+              <a:t>chosen</a:t>
+            </a:r>
+            <a:r>
+              <a:rPr lang="it-IT" sz="2800" dirty="0"/>
+              <a:t> </a:t>
+            </a:r>
+            <a:r>
+              <a:rPr lang="it-IT" sz="2800" dirty="0" err="1"/>
+              <a:t>randomly</a:t>
+            </a:r>
+            <a:endParaRPr lang="it-IT" sz="2800" dirty="0"/>
+          </a:p>
+          <a:p>
+            <a:r>
+              <a:rPr lang="it-IT" sz="2800" dirty="0"/>
+              <a:t>The second entry </a:t>
             </a:r>
             <a:r>
               <a:rPr lang="it-IT" sz="2800" dirty="0" err="1"/>
@@ -3584,11 +3714,77 @@
             </a:r>
             <a:r>
               <a:rPr lang="it-IT" sz="2800" dirty="0"/>
-              <a:t> </a:t>
+              <a:t> the backup </a:t>
             </a:r>
             <a:r>
               <a:rPr lang="it-IT" sz="2800" dirty="0" err="1"/>
-              <a:t>selected</a:t>
+              <a:t>path</a:t>
+            </a:r>
+            <a:r>
+              <a:rPr lang="it-IT" sz="2800" dirty="0"/>
+              <a:t>. </a:t>
+            </a:r>
+            <a:r>
+              <a:rPr lang="it-IT" sz="2800" dirty="0" err="1"/>
+              <a:t>Its</a:t>
+            </a:r>
+            <a:r>
+              <a:rPr lang="it-IT" sz="2800" dirty="0"/>
+              <a:t> label </a:t>
+            </a:r>
+            <a:r>
+              <a:rPr lang="it-IT" sz="2800" dirty="0" err="1"/>
+              <a:t>is</a:t>
+            </a:r>
+            <a:r>
+              <a:rPr lang="it-IT" sz="2800" dirty="0"/>
+              <a:t> the default one </a:t>
+            </a:r>
+            <a:r>
+              <a:rPr lang="it-IT" sz="2800" dirty="0" err="1"/>
+              <a:t>incremented</a:t>
+            </a:r>
+            <a:r>
+              <a:rPr lang="it-IT" sz="2800" dirty="0"/>
+              <a:t> by 1</a:t>
+            </a:r>
+          </a:p>
+          <a:p>
+            <a:r>
+              <a:rPr lang="it-IT" sz="2800" dirty="0" err="1"/>
+              <a:t>If</a:t>
+            </a:r>
+            <a:r>
+              <a:rPr lang="it-IT" sz="2800" dirty="0"/>
+              <a:t> the list </a:t>
+            </a:r>
+            <a:r>
+              <a:rPr lang="it-IT" sz="2800" dirty="0" err="1"/>
+              <a:t>contains</a:t>
+            </a:r>
+            <a:r>
+              <a:rPr lang="it-IT" sz="2800" dirty="0"/>
+              <a:t> just one </a:t>
+            </a:r>
+            <a:r>
+              <a:rPr lang="it-IT" sz="2800" dirty="0" err="1"/>
+              <a:t>element</a:t>
+            </a:r>
+            <a:r>
+              <a:rPr lang="it-IT" sz="2800" dirty="0"/>
+              <a:t>, </a:t>
+            </a:r>
+            <a:r>
+              <a:rPr lang="it-IT" sz="2800" dirty="0" err="1"/>
+              <a:t>only</a:t>
+            </a:r>
+            <a:r>
+              <a:rPr lang="it-IT" sz="2800" dirty="0"/>
+              <a:t> the default </a:t>
+            </a:r>
+            <a:r>
+              <a:rPr lang="it-IT" sz="2800" dirty="0" err="1"/>
+              <a:t>path</a:t>
             </a:r>
             <a:r>
               <a:rPr lang="it-IT" sz="2800" dirty="0"/>
@@ -3596,153 +3792,15 @@
             </a:r>
             <a:r>
               <a:rPr lang="it-IT" sz="2800" dirty="0" err="1"/>
-              <a:t>as</a:t>
+              <a:t>will</a:t>
             </a:r>
             <a:r>
               <a:rPr lang="it-IT" sz="2800" dirty="0"/>
-              <a:t> default </a:t>
+              <a:t> be </a:t>
             </a:r>
             <a:r>
               <a:rPr lang="it-IT" sz="2800" dirty="0" err="1"/>
-              <a:t>path</a:t>
-            </a:r>
-            <a:r>
-              <a:rPr lang="it-IT" sz="2800" dirty="0"/>
-              <a:t> </a:t>
-            </a:r>
-            <a:r>
-              <a:rPr lang="it-IT" sz="2800" dirty="0" err="1"/>
-              <a:t>assigning</a:t>
-            </a:r>
-            <a:r>
-              <a:rPr lang="it-IT" sz="2800" dirty="0"/>
-              <a:t> a label </a:t>
-            </a:r>
-            <a:r>
-              <a:rPr lang="it-IT" sz="2800" dirty="0" err="1"/>
-              <a:t>value</a:t>
-            </a:r>
-            <a:r>
-              <a:rPr lang="it-IT" sz="2800" dirty="0"/>
-              <a:t> </a:t>
-            </a:r>
-            <a:r>
-              <a:rPr lang="it-IT" sz="2800" dirty="0" err="1"/>
-              <a:t>chosen</a:t>
-            </a:r>
-            <a:r>
-              <a:rPr lang="it-IT" sz="2800" dirty="0"/>
-              <a:t> </a:t>
-            </a:r>
-            <a:r>
-              <a:rPr lang="it-IT" sz="2800" dirty="0" err="1"/>
-              <a:t>randomly</a:t>
-            </a:r>
-            <a:endParaRPr lang="it-IT" sz="2800" dirty="0"/>
-          </a:p>
-          <a:p>
-            <a:r>
-              <a:rPr lang="it-IT" sz="2800" dirty="0"/>
-              <a:t>The second </a:t>
-            </a:r>
-            <a:r>
-              <a:rPr lang="it-IT" sz="2800" dirty="0" err="1"/>
-              <a:t>element</a:t>
-            </a:r>
-            <a:r>
-              <a:rPr lang="it-IT" sz="2800" dirty="0"/>
-              <a:t> </a:t>
-            </a:r>
-            <a:r>
-              <a:rPr lang="it-IT" sz="2800" dirty="0" err="1"/>
-              <a:t>is</a:t>
-            </a:r>
-            <a:r>
-              <a:rPr lang="it-IT" sz="2800" dirty="0"/>
-              <a:t> the backup </a:t>
-            </a:r>
-            <a:r>
-              <a:rPr lang="it-IT" sz="2800" dirty="0" err="1"/>
-              <a:t>path</a:t>
-            </a:r>
-            <a:r>
-              <a:rPr lang="it-IT" sz="2800" dirty="0"/>
-              <a:t> with label </a:t>
-            </a:r>
-            <a:r>
-              <a:rPr lang="it-IT" sz="2800" dirty="0" err="1"/>
-              <a:t>equal</a:t>
-            </a:r>
-            <a:r>
-              <a:rPr lang="it-IT" sz="2800" dirty="0"/>
-              <a:t> to default one </a:t>
-            </a:r>
-            <a:r>
-              <a:rPr lang="it-IT" sz="2800" dirty="0" err="1"/>
-              <a:t>increased</a:t>
-            </a:r>
-            <a:r>
-              <a:rPr lang="it-IT" sz="2800" dirty="0"/>
-              <a:t> by a </a:t>
-            </a:r>
-            <a:r>
-              <a:rPr lang="it-IT" sz="2800" dirty="0" err="1"/>
-              <a:t>unit</a:t>
-            </a:r>
-            <a:endParaRPr lang="it-IT" sz="2800" dirty="0"/>
-          </a:p>
-          <a:p>
-            <a:r>
-              <a:rPr lang="it-IT" sz="2800" dirty="0" err="1"/>
-              <a:t>If</a:t>
-            </a:r>
-            <a:r>
-              <a:rPr lang="it-IT" sz="2800" dirty="0"/>
-              <a:t> the list </a:t>
-            </a:r>
-            <a:r>
-              <a:rPr lang="it-IT" sz="2800" dirty="0" err="1"/>
-              <a:t>contains</a:t>
-            </a:r>
-            <a:r>
-              <a:rPr lang="it-IT" sz="2800" dirty="0"/>
-              <a:t> just one </a:t>
-            </a:r>
-            <a:r>
-              <a:rPr lang="it-IT" sz="2800" dirty="0" err="1"/>
-              <a:t>element</a:t>
-            </a:r>
-            <a:r>
-              <a:rPr lang="it-IT" sz="2800" dirty="0"/>
-              <a:t>, </a:t>
-            </a:r>
-            <a:r>
-              <a:rPr lang="it-IT" sz="2800" dirty="0" err="1"/>
-              <a:t>only</a:t>
-            </a:r>
-            <a:r>
-              <a:rPr lang="it-IT" sz="2800" dirty="0"/>
-              <a:t> the default </a:t>
-            </a:r>
-            <a:r>
-              <a:rPr lang="it-IT" sz="2800" dirty="0" err="1"/>
-              <a:t>path</a:t>
-            </a:r>
-            <a:r>
-              <a:rPr lang="it-IT" sz="2800" dirty="0"/>
-              <a:t> </a:t>
-            </a:r>
-            <a:r>
-              <a:rPr lang="it-IT" sz="2800" dirty="0" err="1"/>
-              <a:t>is</a:t>
-            </a:r>
-            <a:r>
-              <a:rPr lang="it-IT" sz="2800" dirty="0"/>
-              <a:t> </a:t>
-            </a:r>
-            <a:r>
-              <a:rPr lang="it-IT" sz="2800" dirty="0" err="1"/>
-              <a:t>avaliable</a:t>
+              <a:t>available</a:t>
             </a:r>
             <a:endParaRPr lang="it-IT" sz="2800" dirty="0"/>
           </a:p>
@@ -3863,7 +3921,9 @@
           </a:xfrm>
         </p:spPr>
         <p:txBody>
-          <a:bodyPr/>
+          <a:bodyPr>
+            <a:normAutofit lnSpcReduction="10000"/>
+          </a:bodyPr>
           <a:lstStyle/>
           <a:p>
             <a:r>
@@ -3876,7 +3936,7 @@
             </a:r>
             <a:r>
               <a:rPr lang="it-IT" dirty="0"/>
-              <a:t> MPLS PUSH rule in the in </a:t>
+              <a:t> a MPLS PUSH rule in </a:t>
             </a:r>
             <a:r>
               <a:rPr lang="it-IT" dirty="0" err="1"/>
@@ -3900,7 +3960,23 @@
             </a:r>
             <a:r>
               <a:rPr lang="it-IT" dirty="0"/>
-              <a:t> in the </a:t>
+              <a:t> </a:t>
+            </a:r>
+            <a:r>
+              <a:rPr lang="it-IT" dirty="0" err="1"/>
+              <a:t>passing</a:t>
+            </a:r>
+            <a:r>
+              <a:rPr lang="it-IT" dirty="0"/>
+              <a:t> </a:t>
+            </a:r>
+            <a:r>
+              <a:rPr lang="it-IT" dirty="0" err="1"/>
+              <a:t>through</a:t>
+            </a:r>
+            <a:r>
+              <a:rPr lang="it-IT" dirty="0"/>
+              <a:t> the </a:t>
             </a:r>
             <a:r>
               <a:rPr lang="it-IT" dirty="0" err="1"/>
@@ -3951,7 +4027,15 @@
             </a:r>
             <a:r>
               <a:rPr lang="it-IT" dirty="0"/>
-              <a:t> just forwarding rules </a:t>
+              <a:t> </a:t>
+            </a:r>
+            <a:r>
+              <a:rPr lang="it-IT" dirty="0" err="1"/>
+              <a:t>only</a:t>
+            </a:r>
+            <a:r>
+              <a:rPr lang="it-IT" dirty="0"/>
+              <a:t> forwarding rules </a:t>
             </a:r>
             <a:r>
               <a:rPr lang="it-IT" dirty="0" err="1"/>
@@ -3973,7 +4057,7 @@
             </a:r>
             <a:r>
               <a:rPr lang="it-IT" dirty="0"/>
-              <a:t> POP MPLS rule </a:t>
+              <a:t> a POP MPLS rule </a:t>
             </a:r>
             <a:r>
               <a:rPr lang="it-IT" dirty="0" err="1"/>
@@ -4005,7 +4089,7 @@
             </a:r>
             <a:r>
               <a:rPr lang="it-IT" dirty="0"/>
-              <a:t> label from the </a:t>
+              <a:t> the label from the </a:t>
             </a:r>
             <a:r>
               <a:rPr lang="it-IT" dirty="0" err="1"/>
@@ -4131,7 +4215,7 @@
             </a:r>
             <a:r>
               <a:rPr lang="it-IT" dirty="0"/>
-              <a:t> checking the input port</a:t>
+              <a:t> by checking the input port</a:t>
             </a:r>
           </a:p>
           <a:p>
@@ -4161,7 +4245,7 @@
             </a:r>
             <a:r>
               <a:rPr lang="it-IT" dirty="0"/>
-              <a:t> to backup </a:t>
+              <a:t> to the backup </a:t>
             </a:r>
             <a:r>
               <a:rPr lang="it-IT" dirty="0" err="1"/>
@@ -4177,6 +4261,14 @@
             </a:r>
             <a:r>
               <a:rPr lang="it-IT" dirty="0"/>
+              <a:t> </a:t>
+            </a:r>
+            <a:r>
+              <a:rPr lang="it-IT" dirty="0" err="1"/>
+              <a:t>its</a:t>
+            </a:r>
+            <a:r>
+              <a:rPr lang="it-IT" dirty="0"/>
               <a:t> rules </a:t>
             </a:r>
             <a:r>
@@ -4198,6 +4290,14 @@
             <a:r>
               <a:rPr lang="it-IT" dirty="0" err="1"/>
               <a:t>priority</a:t>
+            </a:r>
+            <a:r>
+              <a:rPr lang="it-IT" dirty="0"/>
+              <a:t> </a:t>
+            </a:r>
+            <a:r>
+              <a:rPr lang="it-IT" dirty="0" err="1"/>
+              <a:t>than</a:t>
             </a:r>
             <a:r>
               <a:rPr lang="it-IT" dirty="0"/>
@@ -5436,7 +5536,7 @@
             </a:r>
             <a:r>
               <a:rPr lang="it-IT" sz="2000" dirty="0"/>
-              <a:t> link </a:t>
+              <a:t> a link </a:t>
             </a:r>
             <a:r>
               <a:rPr lang="it-IT" sz="2000" dirty="0" err="1"/>
@@ -5464,7 +5564,7 @@
             </a:r>
             <a:r>
               <a:rPr lang="it-IT" sz="2000" dirty="0" err="1"/>
-              <a:t>were</a:t>
+              <a:t>was</a:t>
             </a:r>
             <a:r>
               <a:rPr lang="it-IT" sz="2000" dirty="0"/>
@@ -5492,7 +5592,7 @@
             </a:r>
             <a:r>
               <a:rPr lang="it-IT" sz="2000" dirty="0"/>
-              <a:t> </a:t>
+              <a:t> the </a:t>
             </a:r>
             <a:r>
               <a:rPr lang="it-IT" sz="2000" dirty="0" err="1"/>
@@ -5538,7 +5638,7 @@
             </a:r>
             <a:r>
               <a:rPr lang="it-IT" sz="2000" dirty="0"/>
-              <a:t> on backup </a:t>
+              <a:t> on the backup </a:t>
             </a:r>
             <a:r>
               <a:rPr lang="it-IT" sz="2000" dirty="0" err="1"/>
@@ -6688,15 +6788,7 @@
             </a:r>
             <a:r>
               <a:rPr lang="it-IT" sz="2400" dirty="0"/>
-              <a:t> of the </a:t>
-            </a:r>
-            <a:r>
-              <a:rPr lang="it-IT" sz="2400" dirty="0" err="1"/>
-              <a:t>dafault</a:t>
-            </a:r>
-            <a:r>
-              <a:rPr lang="it-IT" sz="2400" dirty="0"/>
-              <a:t> rules are re-</a:t>
+              <a:t> of the default rules are re-</a:t>
             </a:r>
             <a:r>
               <a:rPr lang="it-IT" sz="2400" dirty="0" err="1"/>

--- a/template_project_exam__1_.pptx
+++ b/template_project_exam__1_.pptx
@@ -208,7 +208,7 @@
           <a:p>
             <a:fld id="{7821C63B-7147-40DC-9DD1-A22900D398CA}" type="datetimeFigureOut">
               <a:rPr lang="it-IT" smtClean="0"/>
-              <a:t>08/05/2019</a:t>
+              <a:t>20/05/2019</a:t>
             </a:fld>
             <a:endParaRPr lang="it-IT"/>
           </a:p>
@@ -614,30 +614,6 @@
           <a:bodyPr/>
           <a:lstStyle/>
           <a:p>
-            <a:r>
-              <a:rPr lang="it-IT" dirty="0"/>
-              <a:t>Se va </a:t>
-            </a:r>
-            <a:r>
-              <a:rPr lang="it-IT" dirty="0" err="1"/>
-              <a:t>giu</a:t>
-            </a:r>
-            <a:r>
-              <a:rPr lang="it-IT" dirty="0"/>
-              <a:t> quello di </a:t>
-            </a:r>
-            <a:r>
-              <a:rPr lang="it-IT" dirty="0" err="1"/>
-              <a:t>bu</a:t>
-            </a:r>
-            <a:r>
-              <a:rPr lang="it-IT" dirty="0"/>
-              <a:t>, port </a:t>
-            </a:r>
-            <a:r>
-              <a:rPr lang="it-IT" dirty="0" err="1"/>
-              <a:t>detect</a:t>
-            </a:r>
             <a:endParaRPr lang="it-IT" dirty="0"/>
           </a:p>
         </p:txBody>
@@ -2645,14 +2621,10 @@
             </a:r>
           </a:p>
           <a:p>
-            <a:r>
-              <a:rPr lang="en-GB" dirty="0" err="1"/>
-              <a:t>TestBed</a:t>
-            </a:r>
-            <a:r>
-              <a:rPr lang="en-GB" dirty="0"/>
-              <a:t> results</a:t>
-            </a:r>
+            <a:pPr marL="0" indent="0">
+              <a:buNone/>
+            </a:pPr>
+            <a:endParaRPr lang="en-GB" dirty="0"/>
           </a:p>
         </p:txBody>
       </p:sp>

--- a/template_project_exam__1_.pptx
+++ b/template_project_exam__1_.pptx
@@ -12,13 +12,13 @@
     <p:sldId id="257" r:id="rId3"/>
     <p:sldId id="258" r:id="rId4"/>
     <p:sldId id="263" r:id="rId5"/>
-    <p:sldId id="264" r:id="rId6"/>
+    <p:sldId id="268" r:id="rId6"/>
     <p:sldId id="265" r:id="rId7"/>
     <p:sldId id="260" r:id="rId8"/>
-    <p:sldId id="261" r:id="rId9"/>
-    <p:sldId id="267" r:id="rId10"/>
-    <p:sldId id="266" r:id="rId11"/>
-    <p:sldId id="262" r:id="rId12"/>
+    <p:sldId id="269" r:id="rId9"/>
+    <p:sldId id="261" r:id="rId10"/>
+    <p:sldId id="267" r:id="rId11"/>
+    <p:sldId id="270" r:id="rId12"/>
     <p:sldId id="259" r:id="rId13"/>
   </p:sldIdLst>
   <p:sldSz cx="9144000" cy="6858000" type="screen4x3"/>
@@ -208,7 +208,7 @@
           <a:p>
             <a:fld id="{7821C63B-7147-40DC-9DD1-A22900D398CA}" type="datetimeFigureOut">
               <a:rPr lang="it-IT" smtClean="0"/>
-              <a:t>20/05/2019</a:t>
+              <a:t>02/09/2019</a:t>
             </a:fld>
             <a:endParaRPr lang="it-IT"/>
           </a:p>
@@ -521,16 +521,13 @@
           <a:p>
             <a:r>
               <a:rPr lang="it-IT" dirty="0"/>
-              <a:t>Host 1 </a:t>
+              <a:t>Parlare qui delle diverse priorità dei </a:t>
             </a:r>
             <a:r>
               <a:rPr lang="it-IT" dirty="0" err="1"/>
-              <a:t>host</a:t>
-            </a:r>
-            <a:r>
-              <a:rPr lang="it-IT" dirty="0"/>
-              <a:t> 2</a:t>
-            </a:r>
+              <a:t>path</a:t>
+            </a:r>
+            <a:endParaRPr lang="it-IT" dirty="0"/>
           </a:p>
         </p:txBody>
       </p:sp>
@@ -561,90 +558,6 @@
     <p:extLst>
       <p:ext uri="{BB962C8B-B14F-4D97-AF65-F5344CB8AC3E}">
         <p14:creationId xmlns:p14="http://schemas.microsoft.com/office/powerpoint/2010/main" val="206307832"/>
-      </p:ext>
-    </p:extLst>
-  </p:cSld>
-  <p:clrMapOvr>
-    <a:masterClrMapping/>
-  </p:clrMapOvr>
-</p:notes>
-</file>
-
-<file path=ppt/notesSlides/notesSlide2.xml><?xml version="1.0" encoding="utf-8"?>
-<p:notes xmlns:a="http://schemas.openxmlformats.org/drawingml/2006/main" xmlns:r="http://schemas.openxmlformats.org/officeDocument/2006/relationships" xmlns:p="http://schemas.openxmlformats.org/presentationml/2006/main">
-  <p:cSld>
-    <p:spTree>
-      <p:nvGrpSpPr>
-        <p:cNvPr id="1" name=""/>
-        <p:cNvGrpSpPr/>
-        <p:nvPr/>
-      </p:nvGrpSpPr>
-      <p:grpSpPr>
-        <a:xfrm>
-          <a:off x="0" y="0"/>
-          <a:ext cx="0" cy="0"/>
-          <a:chOff x="0" y="0"/>
-          <a:chExt cx="0" cy="0"/>
-        </a:xfrm>
-      </p:grpSpPr>
-      <p:sp>
-        <p:nvSpPr>
-          <p:cNvPr id="2" name="Segnaposto immagine diapositiva 1"/>
-          <p:cNvSpPr>
-            <a:spLocks noGrp="1" noRot="1" noChangeAspect="1"/>
-          </p:cNvSpPr>
-          <p:nvPr>
-            <p:ph type="sldImg"/>
-          </p:nvPr>
-        </p:nvSpPr>
-        <p:spPr/>
-      </p:sp>
-      <p:sp>
-        <p:nvSpPr>
-          <p:cNvPr id="3" name="Segnaposto note 2"/>
-          <p:cNvSpPr>
-            <a:spLocks noGrp="1"/>
-          </p:cNvSpPr>
-          <p:nvPr>
-            <p:ph type="body" idx="1"/>
-          </p:nvPr>
-        </p:nvSpPr>
-        <p:spPr/>
-        <p:txBody>
-          <a:bodyPr/>
-          <a:lstStyle/>
-          <a:p>
-            <a:endParaRPr lang="it-IT" dirty="0"/>
-          </a:p>
-        </p:txBody>
-      </p:sp>
-      <p:sp>
-        <p:nvSpPr>
-          <p:cNvPr id="4" name="Segnaposto numero diapositiva 3"/>
-          <p:cNvSpPr>
-            <a:spLocks noGrp="1"/>
-          </p:cNvSpPr>
-          <p:nvPr>
-            <p:ph type="sldNum" sz="quarter" idx="5"/>
-          </p:nvPr>
-        </p:nvSpPr>
-        <p:spPr/>
-        <p:txBody>
-          <a:bodyPr/>
-          <a:lstStyle/>
-          <a:p>
-            <a:fld id="{E2A6B88F-49BB-49DF-9CD9-134570298B2C}" type="slidenum">
-              <a:rPr lang="it-IT" smtClean="0"/>
-              <a:t>11</a:t>
-            </a:fld>
-            <a:endParaRPr lang="it-IT"/>
-          </a:p>
-        </p:txBody>
-      </p:sp>
-    </p:spTree>
-    <p:extLst>
-      <p:ext uri="{BB962C8B-B14F-4D97-AF65-F5344CB8AC3E}">
-        <p14:creationId xmlns:p14="http://schemas.microsoft.com/office/powerpoint/2010/main" val="2040745562"/>
       </p:ext>
     </p:extLst>
   </p:cSld>
@@ -1703,7 +1616,7 @@
           <p:cNvPr id="2" name="Titolo 1">
             <a:extLst>
               <a:ext uri="{FF2B5EF4-FFF2-40B4-BE49-F238E27FC236}">
-                <a16:creationId xmlns:a16="http://schemas.microsoft.com/office/drawing/2014/main" id="{3CE46F5F-D40C-445B-8C5E-5A3126ECA715}"/>
+                <a16:creationId xmlns:a16="http://schemas.microsoft.com/office/drawing/2014/main" id="{785E255F-EC52-4D66-BDB1-7A89CD8FC662}"/>
               </a:ext>
             </a:extLst>
           </p:cNvPr>
@@ -1721,13 +1634,8 @@
           <a:p>
             <a:r>
               <a:rPr lang="it-IT" dirty="0"/>
-              <a:t>Port </a:t>
-            </a:r>
-            <a:r>
-              <a:rPr lang="it-IT" dirty="0" err="1"/>
-              <a:t>detection</a:t>
-            </a:r>
-            <a:endParaRPr lang="it-IT" dirty="0"/>
+              <a:t>Link up</a:t>
+            </a:r>
           </a:p>
         </p:txBody>
       </p:sp>
@@ -1736,7 +1644,7 @@
           <p:cNvPr id="3" name="Segnaposto numero diapositiva 2">
             <a:extLst>
               <a:ext uri="{FF2B5EF4-FFF2-40B4-BE49-F238E27FC236}">
-                <a16:creationId xmlns:a16="http://schemas.microsoft.com/office/drawing/2014/main" id="{A43E2231-866C-48C9-91FB-9AFD3830266B}"/>
+                <a16:creationId xmlns:a16="http://schemas.microsoft.com/office/drawing/2014/main" id="{4662D82F-8969-4452-BF57-12E3E7D8919F}"/>
               </a:ext>
             </a:extLst>
           </p:cNvPr>
@@ -1760,203 +1668,12 @@
           </a:p>
         </p:txBody>
       </p:sp>
-      <p:sp>
-        <p:nvSpPr>
-          <p:cNvPr id="4" name="Segnaposto contenuto 3">
-            <a:extLst>
-              <a:ext uri="{FF2B5EF4-FFF2-40B4-BE49-F238E27FC236}">
-                <a16:creationId xmlns:a16="http://schemas.microsoft.com/office/drawing/2014/main" id="{A91095B3-7DF5-494A-96D7-DCD89241F977}"/>
-              </a:ext>
-            </a:extLst>
-          </p:cNvPr>
-          <p:cNvSpPr>
-            <a:spLocks noGrp="1"/>
-          </p:cNvSpPr>
-          <p:nvPr>
-            <p:ph idx="1"/>
-          </p:nvPr>
-        </p:nvSpPr>
-        <p:spPr>
-          <a:xfrm>
-            <a:off x="628649" y="1022847"/>
-            <a:ext cx="7886700" cy="4351338"/>
-          </a:xfrm>
-        </p:spPr>
-        <p:txBody>
-          <a:bodyPr/>
-          <a:lstStyle/>
-          <a:p>
-            <a:r>
-              <a:rPr lang="it-IT" dirty="0"/>
-              <a:t>The user </a:t>
-            </a:r>
-            <a:r>
-              <a:rPr lang="it-IT" dirty="0" err="1"/>
-              <a:t>is</a:t>
-            </a:r>
-            <a:r>
-              <a:rPr lang="it-IT" dirty="0"/>
-              <a:t> </a:t>
-            </a:r>
-            <a:r>
-              <a:rPr lang="it-IT" dirty="0" err="1"/>
-              <a:t>warned</a:t>
-            </a:r>
-            <a:r>
-              <a:rPr lang="it-IT" dirty="0"/>
-              <a:t> </a:t>
-            </a:r>
-            <a:r>
-              <a:rPr lang="it-IT" dirty="0" err="1"/>
-              <a:t>about</a:t>
-            </a:r>
-            <a:r>
-              <a:rPr lang="it-IT" dirty="0"/>
-              <a:t> the link status </a:t>
-            </a:r>
-            <a:r>
-              <a:rPr lang="it-IT" dirty="0" err="1"/>
-              <a:t>through</a:t>
-            </a:r>
-            <a:r>
-              <a:rPr lang="it-IT" dirty="0"/>
-              <a:t> a set of </a:t>
-            </a:r>
-            <a:r>
-              <a:rPr lang="it-IT" dirty="0" err="1"/>
-              <a:t>messages</a:t>
-            </a:r>
-            <a:r>
-              <a:rPr lang="it-IT" dirty="0"/>
-              <a:t> </a:t>
-            </a:r>
-            <a:r>
-              <a:rPr lang="it-IT" dirty="0" err="1"/>
-              <a:t>that</a:t>
-            </a:r>
-            <a:r>
-              <a:rPr lang="it-IT" dirty="0"/>
-              <a:t> come up </a:t>
-            </a:r>
-            <a:r>
-              <a:rPr lang="it-IT" dirty="0" err="1"/>
-              <a:t>every</a:t>
-            </a:r>
-            <a:r>
-              <a:rPr lang="it-IT" dirty="0"/>
-              <a:t> time the </a:t>
-            </a:r>
-            <a:r>
-              <a:rPr lang="it-IT" dirty="0" err="1"/>
-              <a:t>topology</a:t>
-            </a:r>
-            <a:r>
-              <a:rPr lang="it-IT" dirty="0"/>
-              <a:t> </a:t>
-            </a:r>
-            <a:r>
-              <a:rPr lang="it-IT" dirty="0" err="1"/>
-              <a:t>is</a:t>
-            </a:r>
-            <a:r>
-              <a:rPr lang="it-IT" dirty="0"/>
-              <a:t> </a:t>
-            </a:r>
-            <a:r>
-              <a:rPr lang="it-IT" dirty="0" err="1"/>
-              <a:t>modified</a:t>
-            </a:r>
-            <a:endParaRPr lang="it-IT" dirty="0"/>
-          </a:p>
-          <a:p>
-            <a:r>
-              <a:rPr lang="it-IT" dirty="0" err="1"/>
-              <a:t>When</a:t>
-            </a:r>
-            <a:r>
-              <a:rPr lang="it-IT" dirty="0"/>
-              <a:t> a link </a:t>
-            </a:r>
-            <a:r>
-              <a:rPr lang="it-IT" dirty="0" err="1"/>
-              <a:t>goes</a:t>
-            </a:r>
-            <a:r>
-              <a:rPr lang="it-IT" dirty="0"/>
-              <a:t> up/down, the port status of the switches </a:t>
-            </a:r>
-            <a:r>
-              <a:rPr lang="it-IT" dirty="0" err="1"/>
-              <a:t>involved</a:t>
-            </a:r>
-            <a:r>
-              <a:rPr lang="it-IT" dirty="0"/>
-              <a:t> in the connection </a:t>
-            </a:r>
-            <a:r>
-              <a:rPr lang="it-IT" dirty="0" err="1"/>
-              <a:t>will</a:t>
-            </a:r>
-            <a:r>
-              <a:rPr lang="it-IT" dirty="0"/>
-              <a:t> </a:t>
-            </a:r>
-            <a:r>
-              <a:rPr lang="it-IT" dirty="0" err="1"/>
-              <a:t>change</a:t>
-            </a:r>
-            <a:r>
-              <a:rPr lang="it-IT" dirty="0"/>
-              <a:t> </a:t>
-            </a:r>
-            <a:r>
-              <a:rPr lang="it-IT" dirty="0" err="1"/>
-              <a:t>consequently</a:t>
-            </a:r>
-            <a:endParaRPr lang="it-IT" dirty="0"/>
-          </a:p>
-          <a:p>
-            <a:r>
-              <a:rPr lang="it-IT" dirty="0"/>
-              <a:t>The switches </a:t>
-            </a:r>
-            <a:r>
-              <a:rPr lang="it-IT" dirty="0" err="1"/>
-              <a:t>notify</a:t>
-            </a:r>
-            <a:r>
-              <a:rPr lang="it-IT" dirty="0"/>
-              <a:t> the event to the controller with port status </a:t>
-            </a:r>
-            <a:r>
-              <a:rPr lang="it-IT" dirty="0" err="1"/>
-              <a:t>messages</a:t>
-            </a:r>
-            <a:endParaRPr lang="it-IT" dirty="0"/>
-          </a:p>
-          <a:p>
-            <a:endParaRPr lang="it-IT" dirty="0"/>
-          </a:p>
-          <a:p>
-            <a:endParaRPr lang="it-IT" dirty="0"/>
-          </a:p>
-          <a:p>
-            <a:pPr marL="0" indent="0">
-              <a:buNone/>
-            </a:pPr>
-            <a:r>
-              <a:rPr lang="it-IT" dirty="0"/>
-              <a:t>   </a:t>
-            </a:r>
-          </a:p>
-        </p:txBody>
-      </p:sp>
       <p:pic>
         <p:nvPicPr>
-          <p:cNvPr id="5" name="Immagine 4">
-            <a:extLst>
-              <a:ext uri="{FF2B5EF4-FFF2-40B4-BE49-F238E27FC236}">
-                <a16:creationId xmlns:a16="http://schemas.microsoft.com/office/drawing/2014/main" id="{1013B509-B692-4C77-9078-A771E2FBD20D}"/>
+          <p:cNvPr id="5" name="Segnaposto contenuto 5">
+            <a:extLst>
+              <a:ext uri="{FF2B5EF4-FFF2-40B4-BE49-F238E27FC236}">
+                <a16:creationId xmlns:a16="http://schemas.microsoft.com/office/drawing/2014/main" id="{882BB7A5-5F1D-4BAF-A7A0-BB9F88C6284B}"/>
               </a:ext>
             </a:extLst>
           </p:cNvPr>
@@ -1966,25 +1683,514 @@
           <p:nvPr/>
         </p:nvPicPr>
         <p:blipFill>
-          <a:blip r:embed="rId2"/>
+          <a:blip r:embed="rId2">
+            <a:extLst>
+              <a:ext uri="{28A0092B-C50C-407E-A947-70E740481C1C}">
+                <a14:useLocalDpi xmlns:a14="http://schemas.microsoft.com/office/drawing/2010/main" val="0"/>
+              </a:ext>
+            </a:extLst>
+          </a:blip>
           <a:stretch>
             <a:fillRect/>
           </a:stretch>
         </p:blipFill>
         <p:spPr>
           <a:xfrm>
-            <a:off x="285396" y="3823223"/>
-            <a:ext cx="8573206" cy="1761978"/>
+            <a:off x="2353857" y="1022847"/>
+            <a:ext cx="4634621" cy="3438590"/>
           </a:xfrm>
           <a:prstGeom prst="rect">
             <a:avLst/>
           </a:prstGeom>
         </p:spPr>
       </p:pic>
+      <p:sp>
+        <p:nvSpPr>
+          <p:cNvPr id="6" name="Freccia in giù 5">
+            <a:extLst>
+              <a:ext uri="{FF2B5EF4-FFF2-40B4-BE49-F238E27FC236}">
+                <a16:creationId xmlns:a16="http://schemas.microsoft.com/office/drawing/2014/main" id="{8B392CFA-49F8-4820-BD47-F6B3A30D5C92}"/>
+              </a:ext>
+            </a:extLst>
+          </p:cNvPr>
+          <p:cNvSpPr/>
+          <p:nvPr/>
+        </p:nvSpPr>
+        <p:spPr>
+          <a:xfrm rot="14120756">
+            <a:off x="3477050" y="1097045"/>
+            <a:ext cx="301491" cy="1473281"/>
+          </a:xfrm>
+          <a:prstGeom prst="downArrow">
+            <a:avLst/>
+          </a:prstGeom>
+        </p:spPr>
+        <p:style>
+          <a:lnRef idx="2">
+            <a:schemeClr val="accent1">
+              <a:shade val="50000"/>
+            </a:schemeClr>
+          </a:lnRef>
+          <a:fillRef idx="1">
+            <a:schemeClr val="accent1"/>
+          </a:fillRef>
+          <a:effectRef idx="0">
+            <a:schemeClr val="accent1"/>
+          </a:effectRef>
+          <a:fontRef idx="minor">
+            <a:schemeClr val="lt1"/>
+          </a:fontRef>
+        </p:style>
+        <p:txBody>
+          <a:bodyPr rtlCol="0" anchor="ctr"/>
+          <a:lstStyle/>
+          <a:p>
+            <a:pPr algn="ctr"/>
+            <a:endParaRPr lang="it-IT"/>
+          </a:p>
+        </p:txBody>
+      </p:sp>
+      <p:sp>
+        <p:nvSpPr>
+          <p:cNvPr id="7" name="Freccia in giù 6">
+            <a:extLst>
+              <a:ext uri="{FF2B5EF4-FFF2-40B4-BE49-F238E27FC236}">
+                <a16:creationId xmlns:a16="http://schemas.microsoft.com/office/drawing/2014/main" id="{85A8D110-976E-42DF-87EC-33A63DD56FAE}"/>
+              </a:ext>
+            </a:extLst>
+          </p:cNvPr>
+          <p:cNvSpPr/>
+          <p:nvPr/>
+        </p:nvSpPr>
+        <p:spPr>
+          <a:xfrm rot="18437536">
+            <a:off x="5712698" y="1120417"/>
+            <a:ext cx="301491" cy="1473281"/>
+          </a:xfrm>
+          <a:prstGeom prst="downArrow">
+            <a:avLst/>
+          </a:prstGeom>
+        </p:spPr>
+        <p:style>
+          <a:lnRef idx="2">
+            <a:schemeClr val="accent1">
+              <a:shade val="50000"/>
+            </a:schemeClr>
+          </a:lnRef>
+          <a:fillRef idx="1">
+            <a:schemeClr val="accent1"/>
+          </a:fillRef>
+          <a:effectRef idx="0">
+            <a:schemeClr val="accent1"/>
+          </a:effectRef>
+          <a:fontRef idx="minor">
+            <a:schemeClr val="lt1"/>
+          </a:fontRef>
+        </p:style>
+        <p:txBody>
+          <a:bodyPr rtlCol="0" anchor="ctr"/>
+          <a:lstStyle/>
+          <a:p>
+            <a:pPr algn="ctr"/>
+            <a:endParaRPr lang="it-IT"/>
+          </a:p>
+        </p:txBody>
+      </p:sp>
+      <p:sp>
+        <p:nvSpPr>
+          <p:cNvPr id="8" name="Freccia in giù 7">
+            <a:extLst>
+              <a:ext uri="{FF2B5EF4-FFF2-40B4-BE49-F238E27FC236}">
+                <a16:creationId xmlns:a16="http://schemas.microsoft.com/office/drawing/2014/main" id="{A57A4D8F-532F-48EA-895D-6B1AFE69ACAA}"/>
+              </a:ext>
+            </a:extLst>
+          </p:cNvPr>
+          <p:cNvSpPr/>
+          <p:nvPr/>
+        </p:nvSpPr>
+        <p:spPr>
+          <a:xfrm rot="14120756">
+            <a:off x="5698393" y="2777659"/>
+            <a:ext cx="301491" cy="1473281"/>
+          </a:xfrm>
+          <a:prstGeom prst="downArrow">
+            <a:avLst/>
+          </a:prstGeom>
+          <a:solidFill>
+            <a:schemeClr val="tx2">
+              <a:lumMod val="20000"/>
+              <a:lumOff val="80000"/>
+            </a:schemeClr>
+          </a:solidFill>
+        </p:spPr>
+        <p:style>
+          <a:lnRef idx="2">
+            <a:schemeClr val="accent1">
+              <a:shade val="50000"/>
+            </a:schemeClr>
+          </a:lnRef>
+          <a:fillRef idx="1">
+            <a:schemeClr val="accent1"/>
+          </a:fillRef>
+          <a:effectRef idx="0">
+            <a:schemeClr val="accent1"/>
+          </a:effectRef>
+          <a:fontRef idx="minor">
+            <a:schemeClr val="lt1"/>
+          </a:fontRef>
+        </p:style>
+        <p:txBody>
+          <a:bodyPr rtlCol="0" anchor="ctr"/>
+          <a:lstStyle/>
+          <a:p>
+            <a:pPr algn="ctr"/>
+            <a:endParaRPr lang="it-IT"/>
+          </a:p>
+        </p:txBody>
+      </p:sp>
+      <p:sp>
+        <p:nvSpPr>
+          <p:cNvPr id="9" name="Freccia in giù 8">
+            <a:extLst>
+              <a:ext uri="{FF2B5EF4-FFF2-40B4-BE49-F238E27FC236}">
+                <a16:creationId xmlns:a16="http://schemas.microsoft.com/office/drawing/2014/main" id="{D10A0841-AEEA-453B-84D0-4354C80ABAD6}"/>
+              </a:ext>
+            </a:extLst>
+          </p:cNvPr>
+          <p:cNvSpPr/>
+          <p:nvPr/>
+        </p:nvSpPr>
+        <p:spPr>
+          <a:xfrm rot="18292896">
+            <a:off x="3456820" y="2775597"/>
+            <a:ext cx="301491" cy="1473281"/>
+          </a:xfrm>
+          <a:prstGeom prst="downArrow">
+            <a:avLst/>
+          </a:prstGeom>
+          <a:solidFill>
+            <a:schemeClr val="tx2">
+              <a:lumMod val="20000"/>
+              <a:lumOff val="80000"/>
+            </a:schemeClr>
+          </a:solidFill>
+        </p:spPr>
+        <p:style>
+          <a:lnRef idx="2">
+            <a:schemeClr val="accent1">
+              <a:shade val="50000"/>
+            </a:schemeClr>
+          </a:lnRef>
+          <a:fillRef idx="1">
+            <a:schemeClr val="accent1"/>
+          </a:fillRef>
+          <a:effectRef idx="0">
+            <a:schemeClr val="accent1"/>
+          </a:effectRef>
+          <a:fontRef idx="minor">
+            <a:schemeClr val="lt1"/>
+          </a:fontRef>
+        </p:style>
+        <p:txBody>
+          <a:bodyPr rtlCol="0" anchor="ctr"/>
+          <a:lstStyle/>
+          <a:p>
+            <a:pPr algn="ctr"/>
+            <a:endParaRPr lang="it-IT"/>
+          </a:p>
+        </p:txBody>
+      </p:sp>
+      <p:cxnSp>
+        <p:nvCxnSpPr>
+          <p:cNvPr id="10" name="Connettore diritto 9">
+            <a:extLst>
+              <a:ext uri="{FF2B5EF4-FFF2-40B4-BE49-F238E27FC236}">
+                <a16:creationId xmlns:a16="http://schemas.microsoft.com/office/drawing/2014/main" id="{2617AE4D-BAE6-4DED-8996-1917BACF9C02}"/>
+              </a:ext>
+            </a:extLst>
+          </p:cNvPr>
+          <p:cNvCxnSpPr>
+            <a:cxnSpLocks/>
+          </p:cNvCxnSpPr>
+          <p:nvPr/>
+        </p:nvCxnSpPr>
+        <p:spPr>
+          <a:xfrm flipV="1">
+            <a:off x="1164117" y="2630731"/>
+            <a:ext cx="1340779" cy="1"/>
+          </a:xfrm>
+          <a:prstGeom prst="line">
+            <a:avLst/>
+          </a:prstGeom>
+        </p:spPr>
+        <p:style>
+          <a:lnRef idx="1">
+            <a:schemeClr val="dk1"/>
+          </a:lnRef>
+          <a:fillRef idx="0">
+            <a:schemeClr val="dk1"/>
+          </a:fillRef>
+          <a:effectRef idx="0">
+            <a:schemeClr val="dk1"/>
+          </a:effectRef>
+          <a:fontRef idx="minor">
+            <a:schemeClr val="tx1"/>
+          </a:fontRef>
+        </p:style>
+      </p:cxnSp>
+      <p:pic>
+        <p:nvPicPr>
+          <p:cNvPr id="11" name="Immagine 10">
+            <a:extLst>
+              <a:ext uri="{FF2B5EF4-FFF2-40B4-BE49-F238E27FC236}">
+                <a16:creationId xmlns:a16="http://schemas.microsoft.com/office/drawing/2014/main" id="{6CCEF388-6882-4BAF-85A2-50E1B136E502}"/>
+              </a:ext>
+            </a:extLst>
+          </p:cNvPr>
+          <p:cNvPicPr>
+            <a:picLocks noChangeAspect="1"/>
+          </p:cNvPicPr>
+          <p:nvPr/>
+        </p:nvPicPr>
+        <p:blipFill>
+          <a:blip r:embed="rId3">
+            <a:extLst>
+              <a:ext uri="{28A0092B-C50C-407E-A947-70E740481C1C}">
+                <a14:useLocalDpi xmlns:a14="http://schemas.microsoft.com/office/drawing/2010/main" val="0"/>
+              </a:ext>
+            </a:extLst>
+          </a:blip>
+          <a:stretch>
+            <a:fillRect/>
+          </a:stretch>
+        </p:blipFill>
+        <p:spPr>
+          <a:xfrm>
+            <a:off x="712732" y="2092931"/>
+            <a:ext cx="910436" cy="910436"/>
+          </a:xfrm>
+          <a:prstGeom prst="rect">
+            <a:avLst/>
+          </a:prstGeom>
+        </p:spPr>
+      </p:pic>
+      <p:pic>
+        <p:nvPicPr>
+          <p:cNvPr id="12" name="Immagine 11">
+            <a:extLst>
+              <a:ext uri="{FF2B5EF4-FFF2-40B4-BE49-F238E27FC236}">
+                <a16:creationId xmlns:a16="http://schemas.microsoft.com/office/drawing/2014/main" id="{A73D3BC5-1CBC-468A-B829-0716C4DA8DEF}"/>
+              </a:ext>
+            </a:extLst>
+          </p:cNvPr>
+          <p:cNvPicPr>
+            <a:picLocks noChangeAspect="1"/>
+          </p:cNvPicPr>
+          <p:nvPr/>
+        </p:nvPicPr>
+        <p:blipFill>
+          <a:blip r:embed="rId3">
+            <a:extLst>
+              <a:ext uri="{28A0092B-C50C-407E-A947-70E740481C1C}">
+                <a14:useLocalDpi xmlns:a14="http://schemas.microsoft.com/office/drawing/2010/main" val="0"/>
+              </a:ext>
+            </a:extLst>
+          </a:blip>
+          <a:stretch>
+            <a:fillRect/>
+          </a:stretch>
+        </p:blipFill>
+        <p:spPr>
+          <a:xfrm>
+            <a:off x="7392653" y="2175513"/>
+            <a:ext cx="910436" cy="910436"/>
+          </a:xfrm>
+          <a:prstGeom prst="rect">
+            <a:avLst/>
+          </a:prstGeom>
+        </p:spPr>
+      </p:pic>
+      <p:cxnSp>
+        <p:nvCxnSpPr>
+          <p:cNvPr id="13" name="Connettore diritto 12">
+            <a:extLst>
+              <a:ext uri="{FF2B5EF4-FFF2-40B4-BE49-F238E27FC236}">
+                <a16:creationId xmlns:a16="http://schemas.microsoft.com/office/drawing/2014/main" id="{2B71F9EF-2C06-466B-83F1-C25AF5327BE5}"/>
+              </a:ext>
+            </a:extLst>
+          </p:cNvPr>
+          <p:cNvCxnSpPr>
+            <a:cxnSpLocks/>
+          </p:cNvCxnSpPr>
+          <p:nvPr/>
+        </p:nvCxnSpPr>
+        <p:spPr>
+          <a:xfrm flipV="1">
+            <a:off x="6916872" y="2742143"/>
+            <a:ext cx="899587" cy="1"/>
+          </a:xfrm>
+          <a:prstGeom prst="line">
+            <a:avLst/>
+          </a:prstGeom>
+        </p:spPr>
+        <p:style>
+          <a:lnRef idx="1">
+            <a:schemeClr val="dk1"/>
+          </a:lnRef>
+          <a:fillRef idx="0">
+            <a:schemeClr val="dk1"/>
+          </a:fillRef>
+          <a:effectRef idx="0">
+            <a:schemeClr val="dk1"/>
+          </a:effectRef>
+          <a:fontRef idx="minor">
+            <a:schemeClr val="tx1"/>
+          </a:fontRef>
+        </p:style>
+      </p:cxnSp>
+      <p:sp>
+        <p:nvSpPr>
+          <p:cNvPr id="14" name="CasellaDiTesto 13">
+            <a:extLst>
+              <a:ext uri="{FF2B5EF4-FFF2-40B4-BE49-F238E27FC236}">
+                <a16:creationId xmlns:a16="http://schemas.microsoft.com/office/drawing/2014/main" id="{944BB557-FDDB-41E2-8D87-C212A3D9DC8F}"/>
+              </a:ext>
+            </a:extLst>
+          </p:cNvPr>
+          <p:cNvSpPr txBox="1"/>
+          <p:nvPr/>
+        </p:nvSpPr>
+        <p:spPr>
+          <a:xfrm>
+            <a:off x="281354" y="5261317"/>
+            <a:ext cx="8637563" cy="1200329"/>
+          </a:xfrm>
+          <a:prstGeom prst="rect">
+            <a:avLst/>
+          </a:prstGeom>
+          <a:noFill/>
+        </p:spPr>
+        <p:txBody>
+          <a:bodyPr wrap="square" rtlCol="0">
+            <a:spAutoFit/>
+          </a:bodyPr>
+          <a:lstStyle/>
+          <a:p>
+            <a:pPr marL="285750" indent="-285750">
+              <a:buFont typeface="Arial" panose="020B0604020202020204" pitchFamily="34" charset="0"/>
+              <a:buChar char="•"/>
+            </a:pPr>
+            <a:r>
+              <a:rPr lang="it-IT" sz="2400" dirty="0" err="1"/>
+              <a:t>When</a:t>
+            </a:r>
+            <a:r>
+              <a:rPr lang="it-IT" sz="2400" dirty="0"/>
+              <a:t> the link </a:t>
+            </a:r>
+            <a:r>
+              <a:rPr lang="it-IT" sz="2400" dirty="0" err="1"/>
+              <a:t>returns</a:t>
+            </a:r>
+            <a:r>
+              <a:rPr lang="it-IT" sz="2400" dirty="0"/>
+              <a:t> </a:t>
+            </a:r>
+            <a:r>
+              <a:rPr lang="it-IT" sz="2400" dirty="0" err="1"/>
+              <a:t>active</a:t>
+            </a:r>
+            <a:r>
+              <a:rPr lang="it-IT" sz="2400" dirty="0"/>
+              <a:t>, </a:t>
+            </a:r>
+            <a:r>
+              <a:rPr lang="it-IT" sz="2400" dirty="0" err="1"/>
+              <a:t>all</a:t>
+            </a:r>
+            <a:r>
+              <a:rPr lang="it-IT" sz="2400" dirty="0"/>
+              <a:t> of the default rules are re-</a:t>
+            </a:r>
+            <a:r>
+              <a:rPr lang="it-IT" sz="2400" dirty="0" err="1"/>
+              <a:t>installed</a:t>
+            </a:r>
+            <a:r>
+              <a:rPr lang="it-IT" sz="2400" dirty="0"/>
+              <a:t> and </a:t>
+            </a:r>
+            <a:r>
+              <a:rPr lang="it-IT" sz="2400" dirty="0" err="1"/>
+              <a:t>packets</a:t>
+            </a:r>
+            <a:r>
+              <a:rPr lang="it-IT" sz="2400" dirty="0"/>
+              <a:t> </a:t>
+            </a:r>
+            <a:r>
+              <a:rPr lang="it-IT" sz="2400" dirty="0" err="1"/>
+              <a:t>will</a:t>
+            </a:r>
+            <a:r>
+              <a:rPr lang="it-IT" sz="2400" dirty="0"/>
+              <a:t> be </a:t>
+            </a:r>
+            <a:r>
+              <a:rPr lang="it-IT" sz="2400" dirty="0" err="1"/>
+              <a:t>routed</a:t>
+            </a:r>
+            <a:r>
+              <a:rPr lang="it-IT" sz="2400" dirty="0"/>
+              <a:t> </a:t>
+            </a:r>
+            <a:r>
+              <a:rPr lang="it-IT" sz="2400" dirty="0" err="1"/>
+              <a:t>again</a:t>
+            </a:r>
+            <a:r>
+              <a:rPr lang="it-IT" sz="2400" dirty="0"/>
+              <a:t> on the </a:t>
+            </a:r>
+            <a:r>
+              <a:rPr lang="it-IT" sz="2400" dirty="0" err="1"/>
+              <a:t>previous</a:t>
+            </a:r>
+            <a:r>
+              <a:rPr lang="it-IT" sz="2400" dirty="0"/>
+              <a:t> </a:t>
+            </a:r>
+            <a:r>
+              <a:rPr lang="it-IT" sz="2400" dirty="0" err="1"/>
+              <a:t>path</a:t>
+            </a:r>
+            <a:r>
+              <a:rPr lang="it-IT" sz="2400" dirty="0"/>
+              <a:t> (</a:t>
+            </a:r>
+            <a:r>
+              <a:rPr lang="it-IT" sz="2400" dirty="0" err="1"/>
+              <a:t>higher</a:t>
+            </a:r>
+            <a:r>
+              <a:rPr lang="it-IT" sz="2400" dirty="0"/>
+              <a:t> </a:t>
+            </a:r>
+            <a:r>
+              <a:rPr lang="it-IT" sz="2400" dirty="0" err="1"/>
+              <a:t>priority</a:t>
+            </a:r>
+            <a:r>
+              <a:rPr lang="it-IT" sz="2400" dirty="0"/>
+              <a:t>)</a:t>
+            </a:r>
+          </a:p>
+        </p:txBody>
+      </p:sp>
     </p:spTree>
     <p:extLst>
       <p:ext uri="{BB962C8B-B14F-4D97-AF65-F5344CB8AC3E}">
-        <p14:creationId xmlns:p14="http://schemas.microsoft.com/office/powerpoint/2010/main" val="118936408"/>
+        <p14:creationId xmlns:p14="http://schemas.microsoft.com/office/powerpoint/2010/main" val="3010816986"/>
       </p:ext>
     </p:extLst>
   </p:cSld>
@@ -2016,7 +2222,7 @@
           <p:cNvPr id="2" name="Titolo 1">
             <a:extLst>
               <a:ext uri="{FF2B5EF4-FFF2-40B4-BE49-F238E27FC236}">
-                <a16:creationId xmlns:a16="http://schemas.microsoft.com/office/drawing/2014/main" id="{492484ED-3336-4EBB-A0F5-3C086AD8C77C}"/>
+                <a16:creationId xmlns:a16="http://schemas.microsoft.com/office/drawing/2014/main" id="{870429E2-9070-44E7-BFB9-9779B35D3083}"/>
               </a:ext>
             </a:extLst>
           </p:cNvPr>
@@ -2034,11 +2240,19 @@
           <a:p>
             <a:r>
               <a:rPr lang="it-IT" dirty="0" err="1"/>
-              <a:t>Additional</a:t>
+              <a:t>Differences</a:t>
             </a:r>
             <a:r>
               <a:rPr lang="it-IT" dirty="0"/>
-              <a:t> checks</a:t>
+              <a:t> TESTBED-</a:t>
+            </a:r>
+            <a:r>
+              <a:rPr lang="it-IT" dirty="0" err="1"/>
+              <a:t>mininet</a:t>
+            </a:r>
+            <a:r>
+              <a:rPr lang="it-IT" dirty="0"/>
+              <a:t> simulator</a:t>
             </a:r>
           </a:p>
         </p:txBody>
@@ -2048,7 +2262,7 @@
           <p:cNvPr id="3" name="Segnaposto numero diapositiva 2">
             <a:extLst>
               <a:ext uri="{FF2B5EF4-FFF2-40B4-BE49-F238E27FC236}">
-                <a16:creationId xmlns:a16="http://schemas.microsoft.com/office/drawing/2014/main" id="{EE374963-CCF1-4856-8F97-098708DAA95C}"/>
+                <a16:creationId xmlns:a16="http://schemas.microsoft.com/office/drawing/2014/main" id="{87E1173F-B06B-4302-BFD1-98594F6D88B8}"/>
               </a:ext>
             </a:extLst>
           </p:cNvPr>
@@ -2077,7 +2291,7 @@
           <p:cNvPr id="4" name="Segnaposto contenuto 3">
             <a:extLst>
               <a:ext uri="{FF2B5EF4-FFF2-40B4-BE49-F238E27FC236}">
-                <a16:creationId xmlns:a16="http://schemas.microsoft.com/office/drawing/2014/main" id="{F226DF65-C5BA-4EF1-8A93-893C767B150B}"/>
+                <a16:creationId xmlns:a16="http://schemas.microsoft.com/office/drawing/2014/main" id="{29F61544-57CF-4EED-86CF-2239CD5ADC1F}"/>
               </a:ext>
             </a:extLst>
           </p:cNvPr>
@@ -2088,266 +2302,80 @@
             <p:ph idx="1"/>
           </p:nvPr>
         </p:nvSpPr>
-        <p:spPr/>
-        <p:txBody>
-          <a:bodyPr/>
-          <a:lstStyle/>
-          <a:p>
-            <a:r>
-              <a:rPr lang="it-IT" dirty="0"/>
-              <a:t>The code </a:t>
-            </a:r>
-            <a:r>
-              <a:rPr lang="it-IT" dirty="0" err="1"/>
-              <a:t>provides</a:t>
-            </a:r>
-            <a:r>
-              <a:rPr lang="it-IT" dirty="0"/>
-              <a:t> </a:t>
-            </a:r>
-            <a:r>
-              <a:rPr lang="it-IT" dirty="0" err="1"/>
-              <a:t>also</a:t>
-            </a:r>
-            <a:r>
-              <a:rPr lang="it-IT" dirty="0"/>
-              <a:t> some </a:t>
-            </a:r>
-            <a:r>
-              <a:rPr lang="it-IT" dirty="0" err="1"/>
-              <a:t>additional</a:t>
-            </a:r>
-            <a:r>
-              <a:rPr lang="it-IT" dirty="0"/>
-              <a:t> checks</a:t>
-            </a:r>
-          </a:p>
-          <a:p>
-            <a:r>
-              <a:rPr lang="it-IT" dirty="0" err="1"/>
-              <a:t>If</a:t>
-            </a:r>
-            <a:r>
-              <a:rPr lang="it-IT" dirty="0"/>
-              <a:t>:</a:t>
-            </a:r>
-          </a:p>
-          <a:p>
-            <a:pPr lvl="1">
-              <a:buFont typeface="Wingdings" panose="05000000000000000000" pitchFamily="2" charset="2"/>
-              <a:buChar char="Ø"/>
-            </a:pPr>
-            <a:r>
-              <a:rPr lang="it-IT" sz="2400" b="1" dirty="0" err="1"/>
-              <a:t>Only</a:t>
-            </a:r>
-            <a:r>
-              <a:rPr lang="it-IT" sz="2400" b="1" dirty="0"/>
-              <a:t> one </a:t>
-            </a:r>
-            <a:r>
-              <a:rPr lang="it-IT" sz="2400" b="1" dirty="0" err="1"/>
-              <a:t>path</a:t>
-            </a:r>
-            <a:r>
-              <a:rPr lang="it-IT" sz="2400" b="1" dirty="0"/>
-              <a:t> </a:t>
-            </a:r>
-            <a:r>
-              <a:rPr lang="it-IT" sz="2400" b="1" dirty="0" err="1"/>
-              <a:t>exists</a:t>
-            </a:r>
-            <a:r>
-              <a:rPr lang="it-IT" sz="2400" b="1" dirty="0"/>
-              <a:t>,</a:t>
-            </a:r>
-            <a:r>
-              <a:rPr lang="it-IT" sz="2400" dirty="0"/>
-              <a:t> the controller </a:t>
-            </a:r>
-            <a:r>
-              <a:rPr lang="it-IT" sz="2400" dirty="0" err="1"/>
-              <a:t>will</a:t>
-            </a:r>
-            <a:r>
-              <a:rPr lang="it-IT" sz="2400" dirty="0"/>
-              <a:t> </a:t>
-            </a:r>
-            <a:r>
-              <a:rPr lang="it-IT" sz="2400" dirty="0" err="1"/>
-              <a:t>install</a:t>
-            </a:r>
-            <a:r>
-              <a:rPr lang="it-IT" sz="2400" dirty="0"/>
-              <a:t> </a:t>
-            </a:r>
-            <a:r>
-              <a:rPr lang="it-IT" sz="2400" dirty="0" err="1"/>
-              <a:t>only</a:t>
-            </a:r>
-            <a:r>
-              <a:rPr lang="it-IT" sz="2400" dirty="0"/>
-              <a:t> the default one</a:t>
-            </a:r>
-          </a:p>
-          <a:p>
-            <a:pPr lvl="1">
-              <a:buFont typeface="Wingdings" panose="05000000000000000000" pitchFamily="2" charset="2"/>
-              <a:buChar char="Ø"/>
-            </a:pPr>
-            <a:r>
-              <a:rPr lang="it-IT" sz="2400" b="1" dirty="0" err="1"/>
-              <a:t>Either</a:t>
-            </a:r>
-            <a:r>
-              <a:rPr lang="it-IT" sz="2400" b="1" dirty="0"/>
-              <a:t> one or </a:t>
-            </a:r>
-            <a:r>
-              <a:rPr lang="it-IT" sz="2400" b="1" dirty="0" err="1"/>
-              <a:t>both</a:t>
-            </a:r>
-            <a:r>
-              <a:rPr lang="it-IT" sz="2400" b="1" dirty="0"/>
-              <a:t> default and back-up </a:t>
-            </a:r>
-            <a:r>
-              <a:rPr lang="it-IT" sz="2400" b="1" dirty="0" err="1"/>
-              <a:t>paths</a:t>
-            </a:r>
-            <a:r>
-              <a:rPr lang="it-IT" sz="2400" b="1" dirty="0"/>
-              <a:t> </a:t>
-            </a:r>
-            <a:r>
-              <a:rPr lang="it-IT" sz="2400" b="1" dirty="0" err="1"/>
-              <a:t>aren’t</a:t>
-            </a:r>
-            <a:r>
-              <a:rPr lang="it-IT" sz="2400" b="1" dirty="0"/>
-              <a:t> </a:t>
-            </a:r>
-            <a:r>
-              <a:rPr lang="it-IT" sz="2400" b="1" dirty="0" err="1"/>
-              <a:t>available</a:t>
-            </a:r>
-            <a:r>
-              <a:rPr lang="it-IT" sz="2400" b="1" dirty="0"/>
-              <a:t> </a:t>
-            </a:r>
-            <a:r>
-              <a:rPr lang="it-IT" sz="2400" b="1" dirty="0" err="1"/>
-              <a:t>anymore</a:t>
-            </a:r>
-            <a:r>
-              <a:rPr lang="it-IT" sz="2400" b="1" dirty="0"/>
-              <a:t>,</a:t>
-            </a:r>
-            <a:r>
-              <a:rPr lang="it-IT" sz="2400" dirty="0"/>
-              <a:t> the relative rules on the switches are </a:t>
-            </a:r>
-            <a:r>
-              <a:rPr lang="it-IT" sz="2400" dirty="0" err="1"/>
-              <a:t>temporarily</a:t>
-            </a:r>
-            <a:r>
-              <a:rPr lang="it-IT" sz="2400" dirty="0"/>
-              <a:t> </a:t>
-            </a:r>
-            <a:r>
-              <a:rPr lang="it-IT" sz="2400" dirty="0" err="1"/>
-              <a:t>deleted</a:t>
-            </a:r>
-            <a:r>
-              <a:rPr lang="it-IT" sz="2400" dirty="0"/>
-              <a:t> </a:t>
-            </a:r>
-            <a:r>
-              <a:rPr lang="it-IT" sz="2400" dirty="0" err="1"/>
-              <a:t>until</a:t>
-            </a:r>
-            <a:r>
-              <a:rPr lang="it-IT" sz="2400" dirty="0"/>
-              <a:t> the connections </a:t>
-            </a:r>
-            <a:r>
-              <a:rPr lang="it-IT" sz="2400" dirty="0" err="1"/>
-              <a:t>return</a:t>
-            </a:r>
-            <a:r>
-              <a:rPr lang="it-IT" sz="2400" dirty="0"/>
-              <a:t> </a:t>
-            </a:r>
-            <a:r>
-              <a:rPr lang="it-IT" sz="2400" dirty="0" err="1"/>
-              <a:t>active</a:t>
-            </a:r>
-            <a:endParaRPr lang="it-IT" sz="2400" dirty="0"/>
-          </a:p>
-          <a:p>
-            <a:r>
-              <a:rPr lang="it-IT" dirty="0"/>
-              <a:t>The user </a:t>
-            </a:r>
-            <a:r>
-              <a:rPr lang="it-IT" dirty="0" err="1"/>
-              <a:t>is</a:t>
-            </a:r>
-            <a:r>
-              <a:rPr lang="it-IT" dirty="0"/>
-              <a:t> </a:t>
-            </a:r>
-            <a:r>
-              <a:rPr lang="it-IT" dirty="0" err="1"/>
-              <a:t>always</a:t>
-            </a:r>
-            <a:r>
-              <a:rPr lang="it-IT" dirty="0"/>
-              <a:t> </a:t>
-            </a:r>
-            <a:r>
-              <a:rPr lang="it-IT" dirty="0" err="1"/>
-              <a:t>notified</a:t>
-            </a:r>
-            <a:r>
-              <a:rPr lang="it-IT" dirty="0"/>
-              <a:t> </a:t>
-            </a:r>
-            <a:r>
-              <a:rPr lang="it-IT" dirty="0" err="1"/>
-              <a:t>about</a:t>
-            </a:r>
-            <a:r>
-              <a:rPr lang="it-IT" dirty="0"/>
-              <a:t> </a:t>
-            </a:r>
-            <a:r>
-              <a:rPr lang="it-IT" dirty="0" err="1"/>
-              <a:t>all</a:t>
-            </a:r>
-            <a:r>
-              <a:rPr lang="it-IT" dirty="0"/>
-              <a:t> </a:t>
-            </a:r>
-            <a:r>
-              <a:rPr lang="it-IT" dirty="0" err="1"/>
-              <a:t>issues</a:t>
-            </a:r>
-            <a:endParaRPr lang="it-IT" dirty="0"/>
-          </a:p>
-          <a:p>
-            <a:pPr marL="457200" lvl="1" indent="0">
+        <p:spPr>
+          <a:xfrm>
+            <a:off x="239152" y="1022847"/>
+            <a:ext cx="8721968" cy="4322876"/>
+          </a:xfrm>
+        </p:spPr>
+        <p:txBody>
+          <a:bodyPr>
+            <a:noAutofit/>
+          </a:bodyPr>
+          <a:lstStyle/>
+          <a:p>
+            <a:pPr algn="ctr"/>
+            <a:endParaRPr lang="it-IT" sz="4000" dirty="0"/>
+          </a:p>
+          <a:p>
+            <a:pPr marL="0" indent="0" algn="ctr">
               <a:buNone/>
             </a:pPr>
-            <a:endParaRPr lang="it-IT" dirty="0"/>
+            <a:endParaRPr lang="it-IT" sz="4000"/>
+          </a:p>
+          <a:p>
+            <a:pPr marL="0" indent="0" algn="ctr">
+              <a:buNone/>
+            </a:pPr>
+            <a:endParaRPr lang="it-IT" sz="4000" dirty="0"/>
+          </a:p>
+          <a:p>
+            <a:pPr marL="0" indent="0" algn="ctr">
+              <a:buNone/>
+            </a:pPr>
+            <a:r>
+              <a:rPr lang="it-IT" sz="4000" dirty="0"/>
+              <a:t>In the </a:t>
+            </a:r>
+            <a:r>
+              <a:rPr lang="it-IT" sz="4000" dirty="0" err="1"/>
+              <a:t>testbed</a:t>
+            </a:r>
+            <a:r>
+              <a:rPr lang="it-IT" sz="4000" dirty="0"/>
+              <a:t> </a:t>
+            </a:r>
+            <a:r>
+              <a:rPr lang="it-IT" sz="4000" dirty="0" err="1"/>
+              <a:t>version</a:t>
+            </a:r>
+            <a:r>
+              <a:rPr lang="it-IT" sz="4000" dirty="0"/>
+              <a:t> of the code, MPLS rules </a:t>
+            </a:r>
+            <a:r>
+              <a:rPr lang="it-IT" sz="4000" dirty="0" err="1"/>
+              <a:t>don’t</a:t>
+            </a:r>
+            <a:r>
+              <a:rPr lang="it-IT" sz="4000" dirty="0"/>
+              <a:t> match on </a:t>
+            </a:r>
+            <a:r>
+              <a:rPr lang="it-IT" sz="4000" u="sng" dirty="0">
+                <a:solidFill>
+                  <a:srgbClr val="FF0000"/>
+                </a:solidFill>
+              </a:rPr>
+              <a:t>label field</a:t>
+            </a:r>
           </a:p>
         </p:txBody>
       </p:sp>
     </p:spTree>
     <p:extLst>
       <p:ext uri="{BB962C8B-B14F-4D97-AF65-F5344CB8AC3E}">
-        <p14:creationId xmlns:p14="http://schemas.microsoft.com/office/powerpoint/2010/main" val="4292024606"/>
+        <p14:creationId xmlns:p14="http://schemas.microsoft.com/office/powerpoint/2010/main" val="1809674643"/>
       </p:ext>
     </p:extLst>
   </p:cSld>
@@ -3191,7 +3219,7 @@
         <p:spPr>
           <a:xfrm>
             <a:off x="210207" y="4137001"/>
-            <a:ext cx="8679976" cy="2308324"/>
+            <a:ext cx="8679976" cy="1200329"/>
           </a:xfrm>
           <a:prstGeom prst="rect">
             <a:avLst/>
@@ -3282,57 +3310,6 @@
               <a:rPr lang="it-IT" sz="2400" dirty="0"/>
               <a:t>)</a:t>
             </a:r>
-          </a:p>
-          <a:p>
-            <a:pPr marL="285750" indent="-285750">
-              <a:buFont typeface="Arial" panose="020B0604020202020204" pitchFamily="34" charset="0"/>
-              <a:buChar char="•"/>
-            </a:pPr>
-            <a:r>
-              <a:rPr lang="it-IT" sz="2400" dirty="0" err="1"/>
-              <a:t>When</a:t>
-            </a:r>
-            <a:r>
-              <a:rPr lang="it-IT" sz="2400" dirty="0"/>
-              <a:t> the first IP </a:t>
-            </a:r>
-            <a:r>
-              <a:rPr lang="it-IT" sz="2400" dirty="0" err="1"/>
-              <a:t>packet</a:t>
-            </a:r>
-            <a:r>
-              <a:rPr lang="it-IT" sz="2400" dirty="0"/>
-              <a:t> </a:t>
-            </a:r>
-            <a:r>
-              <a:rPr lang="it-IT" sz="2400" dirty="0" err="1"/>
-              <a:t>comes</a:t>
-            </a:r>
-            <a:r>
-              <a:rPr lang="it-IT" sz="2400" dirty="0"/>
-              <a:t> to the switch </a:t>
-            </a:r>
-            <a:r>
-              <a:rPr lang="it-IT" sz="2400" dirty="0" err="1"/>
-              <a:t>connected</a:t>
-            </a:r>
-            <a:r>
-              <a:rPr lang="it-IT" sz="2400" dirty="0"/>
-              <a:t> to h1, the controller </a:t>
-            </a:r>
-            <a:r>
-              <a:rPr lang="it-IT" sz="2400" dirty="0" err="1"/>
-              <a:t>installs</a:t>
-            </a:r>
-            <a:r>
-              <a:rPr lang="it-IT" sz="2400" dirty="0"/>
-              <a:t> the MPLS flows in the switches of the default and backup </a:t>
-            </a:r>
-            <a:r>
-              <a:rPr lang="it-IT" sz="2400" dirty="0" err="1"/>
-              <a:t>paths</a:t>
-            </a:r>
-            <a:endParaRPr lang="it-IT" sz="2400" dirty="0"/>
           </a:p>
         </p:txBody>
       </p:sp>
@@ -3418,7 +3395,7 @@
           <p:cNvPr id="2" name="Titolo 1">
             <a:extLst>
               <a:ext uri="{FF2B5EF4-FFF2-40B4-BE49-F238E27FC236}">
-                <a16:creationId xmlns:a16="http://schemas.microsoft.com/office/drawing/2014/main" id="{7F1BBEDA-AFA1-4A7D-A0A9-DCAA6499B913}"/>
+                <a16:creationId xmlns:a16="http://schemas.microsoft.com/office/drawing/2014/main" id="{3B69C199-147F-498D-ACF8-B91CD20E1224}"/>
               </a:ext>
             </a:extLst>
           </p:cNvPr>
@@ -3446,10 +3423,7 @@
               <a:rPr lang="it-IT" dirty="0" err="1"/>
               <a:t>handler</a:t>
             </a:r>
-            <a:r>
-              <a:rPr lang="it-IT" dirty="0"/>
-              <a:t> </a:t>
-            </a:r>
+            <a:endParaRPr lang="it-IT" dirty="0"/>
           </a:p>
         </p:txBody>
       </p:sp>
@@ -3458,7 +3432,7 @@
           <p:cNvPr id="3" name="Segnaposto numero diapositiva 2">
             <a:extLst>
               <a:ext uri="{FF2B5EF4-FFF2-40B4-BE49-F238E27FC236}">
-                <a16:creationId xmlns:a16="http://schemas.microsoft.com/office/drawing/2014/main" id="{09D5978F-2977-4F17-994D-5E3EB72CF3A8}"/>
+                <a16:creationId xmlns:a16="http://schemas.microsoft.com/office/drawing/2014/main" id="{D58A3810-7063-4F67-9F30-00C5D033F4DC}"/>
               </a:ext>
             </a:extLst>
           </p:cNvPr>
@@ -3482,306 +3456,45 @@
           </a:p>
         </p:txBody>
       </p:sp>
-      <p:sp>
-        <p:nvSpPr>
-          <p:cNvPr id="4" name="Segnaposto contenuto 3">
-            <a:extLst>
-              <a:ext uri="{FF2B5EF4-FFF2-40B4-BE49-F238E27FC236}">
-                <a16:creationId xmlns:a16="http://schemas.microsoft.com/office/drawing/2014/main" id="{626D5533-04F8-4C32-B1D0-B449C3F798D7}"/>
-              </a:ext>
-            </a:extLst>
-          </p:cNvPr>
-          <p:cNvSpPr>
-            <a:spLocks noGrp="1"/>
-          </p:cNvSpPr>
+      <p:pic>
+        <p:nvPicPr>
+          <p:cNvPr id="18" name="Segnaposto contenuto 17" descr="Immagine che contiene testo, mappa&#10;&#10;Descrizione generata automaticamente">
+            <a:extLst>
+              <a:ext uri="{FF2B5EF4-FFF2-40B4-BE49-F238E27FC236}">
+                <a16:creationId xmlns:a16="http://schemas.microsoft.com/office/drawing/2014/main" id="{8C087EF0-CA34-44B4-B276-A036F97FCCDA}"/>
+              </a:ext>
+            </a:extLst>
+          </p:cNvPr>
+          <p:cNvPicPr>
+            <a:picLocks noGrp="1" noChangeAspect="1"/>
+          </p:cNvPicPr>
           <p:nvPr>
             <p:ph idx="1"/>
           </p:nvPr>
-        </p:nvSpPr>
+        </p:nvPicPr>
+        <p:blipFill>
+          <a:blip r:embed="rId2">
+            <a:extLst>
+              <a:ext uri="{28A0092B-C50C-407E-A947-70E740481C1C}">
+                <a14:useLocalDpi xmlns:a14="http://schemas.microsoft.com/office/drawing/2010/main" val="0"/>
+              </a:ext>
+            </a:extLst>
+          </a:blip>
+          <a:stretch>
+            <a:fillRect/>
+          </a:stretch>
+        </p:blipFill>
         <p:spPr>
           <a:xfrm>
-            <a:off x="628649" y="1295807"/>
-            <a:ext cx="7886700" cy="4351338"/>
-          </a:xfrm>
-        </p:spPr>
-        <p:txBody>
-          <a:bodyPr>
-            <a:normAutofit/>
-          </a:bodyPr>
-          <a:lstStyle/>
-          <a:p>
-            <a:r>
-              <a:rPr lang="it-IT" sz="2800" dirty="0"/>
-              <a:t>Once the </a:t>
-            </a:r>
-            <a:r>
-              <a:rPr lang="it-IT" sz="2800" dirty="0" err="1"/>
-              <a:t>topology</a:t>
-            </a:r>
-            <a:r>
-              <a:rPr lang="it-IT" sz="2800" dirty="0"/>
-              <a:t> and </a:t>
-            </a:r>
-            <a:r>
-              <a:rPr lang="it-IT" sz="2800" dirty="0" err="1"/>
-              <a:t>border</a:t>
-            </a:r>
-            <a:r>
-              <a:rPr lang="it-IT" sz="2800" dirty="0"/>
-              <a:t> switches are </a:t>
-            </a:r>
-            <a:r>
-              <a:rPr lang="it-IT" sz="2800" dirty="0" err="1"/>
-              <a:t>known</a:t>
-            </a:r>
-            <a:r>
-              <a:rPr lang="it-IT" sz="2800" dirty="0"/>
-              <a:t>, the controller </a:t>
-            </a:r>
-            <a:r>
-              <a:rPr lang="it-IT" sz="2800" dirty="0" err="1"/>
-              <a:t>computes</a:t>
-            </a:r>
-            <a:r>
-              <a:rPr lang="it-IT" sz="2800" dirty="0"/>
-              <a:t> a list of link-</a:t>
-            </a:r>
-            <a:r>
-              <a:rPr lang="it-IT" sz="2800" dirty="0" err="1"/>
-              <a:t>disjoint</a:t>
-            </a:r>
-            <a:r>
-              <a:rPr lang="it-IT" sz="2800" dirty="0"/>
-              <a:t> </a:t>
-            </a:r>
-            <a:r>
-              <a:rPr lang="it-IT" sz="2800" dirty="0" err="1"/>
-              <a:t>path</a:t>
-            </a:r>
-            <a:r>
-              <a:rPr lang="it-IT" sz="2800" dirty="0"/>
-              <a:t>, </a:t>
-            </a:r>
-            <a:r>
-              <a:rPr lang="it-IT" sz="2800" dirty="0" err="1"/>
-              <a:t>which</a:t>
-            </a:r>
-            <a:r>
-              <a:rPr lang="it-IT" sz="2800" dirty="0"/>
-              <a:t> </a:t>
-            </a:r>
-            <a:r>
-              <a:rPr lang="it-IT" sz="2800" dirty="0" err="1"/>
-              <a:t>is</a:t>
-            </a:r>
-            <a:r>
-              <a:rPr lang="it-IT" sz="2800" dirty="0"/>
-              <a:t> </a:t>
-            </a:r>
-            <a:r>
-              <a:rPr lang="it-IT" sz="2800" dirty="0" err="1"/>
-              <a:t>sorted</a:t>
-            </a:r>
-            <a:r>
-              <a:rPr lang="it-IT" sz="2800" dirty="0"/>
-              <a:t> by </a:t>
-            </a:r>
-            <a:r>
-              <a:rPr lang="it-IT" sz="2800" dirty="0" err="1"/>
-              <a:t>increasing</a:t>
-            </a:r>
-            <a:r>
-              <a:rPr lang="it-IT" sz="2800" dirty="0"/>
-              <a:t> </a:t>
-            </a:r>
-            <a:r>
-              <a:rPr lang="it-IT" sz="2800" dirty="0" err="1"/>
-              <a:t>number</a:t>
-            </a:r>
-            <a:r>
-              <a:rPr lang="it-IT" sz="2800" dirty="0"/>
-              <a:t> of </a:t>
-            </a:r>
-            <a:r>
-              <a:rPr lang="it-IT" sz="2800" dirty="0" err="1"/>
-              <a:t>edges</a:t>
-            </a:r>
-            <a:endParaRPr lang="it-IT" sz="2800" dirty="0"/>
-          </a:p>
-          <a:p>
-            <a:r>
-              <a:rPr lang="it-IT" sz="2800" dirty="0"/>
-              <a:t>The first entry in the list </a:t>
-            </a:r>
-            <a:r>
-              <a:rPr lang="it-IT" sz="2800" dirty="0" err="1"/>
-              <a:t>is</a:t>
-            </a:r>
-            <a:r>
-              <a:rPr lang="it-IT" sz="2800" dirty="0"/>
-              <a:t> </a:t>
-            </a:r>
-            <a:r>
-              <a:rPr lang="it-IT" sz="2800" dirty="0" err="1"/>
-              <a:t>selected</a:t>
-            </a:r>
-            <a:r>
-              <a:rPr lang="it-IT" sz="2800" dirty="0"/>
-              <a:t> </a:t>
-            </a:r>
-            <a:r>
-              <a:rPr lang="it-IT" sz="2800" dirty="0" err="1"/>
-              <a:t>as</a:t>
-            </a:r>
-            <a:r>
-              <a:rPr lang="it-IT" sz="2800" dirty="0"/>
-              <a:t> the default </a:t>
-            </a:r>
-            <a:r>
-              <a:rPr lang="it-IT" sz="2800" dirty="0" err="1"/>
-              <a:t>path</a:t>
-            </a:r>
-            <a:r>
-              <a:rPr lang="it-IT" sz="2800" dirty="0"/>
-              <a:t>, </a:t>
-            </a:r>
-            <a:r>
-              <a:rPr lang="it-IT" sz="2800" dirty="0" err="1"/>
-              <a:t>assigning</a:t>
-            </a:r>
-            <a:r>
-              <a:rPr lang="it-IT" sz="2800" dirty="0"/>
-              <a:t> a label </a:t>
-            </a:r>
-            <a:r>
-              <a:rPr lang="it-IT" sz="2800" dirty="0" err="1"/>
-              <a:t>value</a:t>
-            </a:r>
-            <a:r>
-              <a:rPr lang="it-IT" sz="2800" dirty="0"/>
-              <a:t> </a:t>
-            </a:r>
-            <a:r>
-              <a:rPr lang="it-IT" sz="2800" dirty="0" err="1"/>
-              <a:t>chosen</a:t>
-            </a:r>
-            <a:r>
-              <a:rPr lang="it-IT" sz="2800" dirty="0"/>
-              <a:t> </a:t>
-            </a:r>
-            <a:r>
-              <a:rPr lang="it-IT" sz="2800" dirty="0" err="1"/>
-              <a:t>randomly</a:t>
-            </a:r>
-            <a:endParaRPr lang="it-IT" sz="2800" dirty="0"/>
-          </a:p>
-          <a:p>
-            <a:r>
-              <a:rPr lang="it-IT" sz="2800" dirty="0"/>
-              <a:t>The second entry </a:t>
-            </a:r>
-            <a:r>
-              <a:rPr lang="it-IT" sz="2800" dirty="0" err="1"/>
-              <a:t>is</a:t>
-            </a:r>
-            <a:r>
-              <a:rPr lang="it-IT" sz="2800" dirty="0"/>
-              <a:t> the backup </a:t>
-            </a:r>
-            <a:r>
-              <a:rPr lang="it-IT" sz="2800" dirty="0" err="1"/>
-              <a:t>path</a:t>
-            </a:r>
-            <a:r>
-              <a:rPr lang="it-IT" sz="2800" dirty="0"/>
-              <a:t>. </a:t>
-            </a:r>
-            <a:r>
-              <a:rPr lang="it-IT" sz="2800" dirty="0" err="1"/>
-              <a:t>Its</a:t>
-            </a:r>
-            <a:r>
-              <a:rPr lang="it-IT" sz="2800" dirty="0"/>
-              <a:t> label </a:t>
-            </a:r>
-            <a:r>
-              <a:rPr lang="it-IT" sz="2800" dirty="0" err="1"/>
-              <a:t>is</a:t>
-            </a:r>
-            <a:r>
-              <a:rPr lang="it-IT" sz="2800" dirty="0"/>
-              <a:t> the default one </a:t>
-            </a:r>
-            <a:r>
-              <a:rPr lang="it-IT" sz="2800" dirty="0" err="1"/>
-              <a:t>incremented</a:t>
-            </a:r>
-            <a:r>
-              <a:rPr lang="it-IT" sz="2800" dirty="0"/>
-              <a:t> by 1</a:t>
-            </a:r>
-          </a:p>
-          <a:p>
-            <a:r>
-              <a:rPr lang="it-IT" sz="2800" dirty="0" err="1"/>
-              <a:t>If</a:t>
-            </a:r>
-            <a:r>
-              <a:rPr lang="it-IT" sz="2800" dirty="0"/>
-              <a:t> the list </a:t>
-            </a:r>
-            <a:r>
-              <a:rPr lang="it-IT" sz="2800" dirty="0" err="1"/>
-              <a:t>contains</a:t>
-            </a:r>
-            <a:r>
-              <a:rPr lang="it-IT" sz="2800" dirty="0"/>
-              <a:t> just one </a:t>
-            </a:r>
-            <a:r>
-              <a:rPr lang="it-IT" sz="2800" dirty="0" err="1"/>
-              <a:t>element</a:t>
-            </a:r>
-            <a:r>
-              <a:rPr lang="it-IT" sz="2800" dirty="0"/>
-              <a:t>, </a:t>
-            </a:r>
-            <a:r>
-              <a:rPr lang="it-IT" sz="2800" dirty="0" err="1"/>
-              <a:t>only</a:t>
-            </a:r>
-            <a:r>
-              <a:rPr lang="it-IT" sz="2800" dirty="0"/>
-              <a:t> the default </a:t>
-            </a:r>
-            <a:r>
-              <a:rPr lang="it-IT" sz="2800" dirty="0" err="1"/>
-              <a:t>path</a:t>
-            </a:r>
-            <a:r>
-              <a:rPr lang="it-IT" sz="2800" dirty="0"/>
-              <a:t> </a:t>
-            </a:r>
-            <a:r>
-              <a:rPr lang="it-IT" sz="2800" dirty="0" err="1"/>
-              <a:t>will</a:t>
-            </a:r>
-            <a:r>
-              <a:rPr lang="it-IT" sz="2800" dirty="0"/>
-              <a:t> be </a:t>
-            </a:r>
-            <a:r>
-              <a:rPr lang="it-IT" sz="2800" dirty="0" err="1"/>
-              <a:t>available</a:t>
-            </a:r>
-            <a:endParaRPr lang="it-IT" sz="2800" dirty="0"/>
-          </a:p>
-        </p:txBody>
-      </p:sp>
+            <a:off x="2377436" y="763077"/>
+            <a:ext cx="3615397" cy="5794259"/>
+          </a:xfrm>
+        </p:spPr>
+      </p:pic>
     </p:spTree>
     <p:extLst>
       <p:ext uri="{BB962C8B-B14F-4D97-AF65-F5344CB8AC3E}">
-        <p14:creationId xmlns:p14="http://schemas.microsoft.com/office/powerpoint/2010/main" val="2873185411"/>
+        <p14:creationId xmlns:p14="http://schemas.microsoft.com/office/powerpoint/2010/main" val="1596783651"/>
       </p:ext>
     </p:extLst>
   </p:cSld>
@@ -3870,419 +3583,41 @@
           </a:p>
         </p:txBody>
       </p:sp>
-      <p:sp>
-        <p:nvSpPr>
-          <p:cNvPr id="4" name="Segnaposto contenuto 3">
-            <a:extLst>
-              <a:ext uri="{FF2B5EF4-FFF2-40B4-BE49-F238E27FC236}">
-                <a16:creationId xmlns:a16="http://schemas.microsoft.com/office/drawing/2014/main" id="{BE243BD2-D5B8-413F-88A0-333C1362CD35}"/>
-              </a:ext>
-            </a:extLst>
-          </p:cNvPr>
-          <p:cNvSpPr>
-            <a:spLocks noGrp="1"/>
-          </p:cNvSpPr>
+      <p:pic>
+        <p:nvPicPr>
+          <p:cNvPr id="16" name="Segnaposto contenuto 15">
+            <a:extLst>
+              <a:ext uri="{FF2B5EF4-FFF2-40B4-BE49-F238E27FC236}">
+                <a16:creationId xmlns:a16="http://schemas.microsoft.com/office/drawing/2014/main" id="{192544C6-77BA-4B8C-B6C4-8DAD18346354}"/>
+              </a:ext>
+            </a:extLst>
+          </p:cNvPr>
+          <p:cNvPicPr>
+            <a:picLocks noGrp="1" noChangeAspect="1"/>
+          </p:cNvPicPr>
           <p:nvPr>
             <p:ph idx="1"/>
           </p:nvPr>
-        </p:nvSpPr>
+        </p:nvPicPr>
+        <p:blipFill>
+          <a:blip r:embed="rId2">
+            <a:extLst>
+              <a:ext uri="{28A0092B-C50C-407E-A947-70E740481C1C}">
+                <a14:useLocalDpi xmlns:a14="http://schemas.microsoft.com/office/drawing/2010/main" val="0"/>
+              </a:ext>
+            </a:extLst>
+          </a:blip>
+          <a:stretch>
+            <a:fillRect/>
+          </a:stretch>
+        </p:blipFill>
         <p:spPr>
           <a:xfrm>
-            <a:off x="628649" y="1022846"/>
-            <a:ext cx="7886700" cy="4857449"/>
-          </a:xfrm>
-        </p:spPr>
-        <p:txBody>
-          <a:bodyPr>
-            <a:normAutofit lnSpcReduction="10000"/>
-          </a:bodyPr>
-          <a:lstStyle/>
-          <a:p>
-            <a:r>
-              <a:rPr lang="it-IT" dirty="0"/>
-              <a:t>The controller </a:t>
-            </a:r>
-            <a:r>
-              <a:rPr lang="it-IT" dirty="0" err="1"/>
-              <a:t>installs</a:t>
-            </a:r>
-            <a:r>
-              <a:rPr lang="it-IT" dirty="0"/>
-              <a:t> a MPLS PUSH rule in </a:t>
-            </a:r>
-            <a:r>
-              <a:rPr lang="it-IT" dirty="0" err="1"/>
-              <a:t>order</a:t>
-            </a:r>
-            <a:r>
-              <a:rPr lang="it-IT" dirty="0"/>
-              <a:t> to </a:t>
-            </a:r>
-            <a:r>
-              <a:rPr lang="it-IT" dirty="0" err="1"/>
-              <a:t>add</a:t>
-            </a:r>
-            <a:r>
-              <a:rPr lang="it-IT" dirty="0"/>
-              <a:t> labels on </a:t>
-            </a:r>
-            <a:r>
-              <a:rPr lang="it-IT" dirty="0" err="1"/>
-              <a:t>packets</a:t>
-            </a:r>
-            <a:r>
-              <a:rPr lang="it-IT" dirty="0"/>
-              <a:t> </a:t>
-            </a:r>
-            <a:r>
-              <a:rPr lang="it-IT" dirty="0" err="1"/>
-              <a:t>passing</a:t>
-            </a:r>
-            <a:r>
-              <a:rPr lang="it-IT" dirty="0"/>
-              <a:t> </a:t>
-            </a:r>
-            <a:r>
-              <a:rPr lang="it-IT" dirty="0" err="1"/>
-              <a:t>through</a:t>
-            </a:r>
-            <a:r>
-              <a:rPr lang="it-IT" dirty="0"/>
-              <a:t> the </a:t>
-            </a:r>
-            <a:r>
-              <a:rPr lang="it-IT" dirty="0" err="1"/>
-              <a:t>node</a:t>
-            </a:r>
-            <a:r>
-              <a:rPr lang="it-IT" dirty="0"/>
-              <a:t> </a:t>
-            </a:r>
-            <a:r>
-              <a:rPr lang="it-IT" dirty="0" err="1"/>
-              <a:t>directly</a:t>
-            </a:r>
-            <a:r>
-              <a:rPr lang="it-IT" dirty="0"/>
-              <a:t> </a:t>
-            </a:r>
-            <a:r>
-              <a:rPr lang="it-IT" dirty="0" err="1"/>
-              <a:t>connected</a:t>
-            </a:r>
-            <a:r>
-              <a:rPr lang="it-IT" dirty="0"/>
-              <a:t> to the </a:t>
-            </a:r>
-            <a:r>
-              <a:rPr lang="it-IT" dirty="0" err="1"/>
-              <a:t>host</a:t>
-            </a:r>
-            <a:endParaRPr lang="it-IT" dirty="0"/>
-          </a:p>
-          <a:p>
-            <a:r>
-              <a:rPr lang="it-IT" dirty="0"/>
-              <a:t>Intermediate </a:t>
-            </a:r>
-            <a:r>
-              <a:rPr lang="it-IT" dirty="0" err="1"/>
-              <a:t>nodes</a:t>
-            </a:r>
-            <a:r>
-              <a:rPr lang="it-IT" dirty="0"/>
-              <a:t> </a:t>
-            </a:r>
-            <a:r>
-              <a:rPr lang="it-IT" dirty="0" err="1"/>
-              <a:t>contain</a:t>
-            </a:r>
-            <a:r>
-              <a:rPr lang="it-IT" dirty="0"/>
-              <a:t> </a:t>
-            </a:r>
-            <a:r>
-              <a:rPr lang="it-IT" dirty="0" err="1"/>
-              <a:t>only</a:t>
-            </a:r>
-            <a:r>
-              <a:rPr lang="it-IT" dirty="0"/>
-              <a:t> forwarding rules </a:t>
-            </a:r>
-            <a:r>
-              <a:rPr lang="it-IT" dirty="0" err="1"/>
-              <a:t>based</a:t>
-            </a:r>
-            <a:r>
-              <a:rPr lang="it-IT" dirty="0"/>
-              <a:t> on label matching </a:t>
-            </a:r>
-          </a:p>
-          <a:p>
-            <a:r>
-              <a:rPr lang="it-IT" dirty="0"/>
-              <a:t>In the last </a:t>
-            </a:r>
-            <a:r>
-              <a:rPr lang="it-IT" dirty="0" err="1"/>
-              <a:t>node</a:t>
-            </a:r>
-            <a:r>
-              <a:rPr lang="it-IT" dirty="0"/>
-              <a:t> a POP MPLS rule </a:t>
-            </a:r>
-            <a:r>
-              <a:rPr lang="it-IT" dirty="0" err="1"/>
-              <a:t>is</a:t>
-            </a:r>
-            <a:r>
-              <a:rPr lang="it-IT" dirty="0"/>
-              <a:t> </a:t>
-            </a:r>
-            <a:r>
-              <a:rPr lang="it-IT" dirty="0" err="1"/>
-              <a:t>installed</a:t>
-            </a:r>
-            <a:r>
-              <a:rPr lang="it-IT" dirty="0"/>
-              <a:t> in </a:t>
-            </a:r>
-            <a:r>
-              <a:rPr lang="it-IT" dirty="0" err="1"/>
-              <a:t>order</a:t>
-            </a:r>
-            <a:r>
-              <a:rPr lang="it-IT" dirty="0"/>
-              <a:t> to </a:t>
-            </a:r>
-            <a:r>
-              <a:rPr lang="it-IT" dirty="0" err="1"/>
-              <a:t>remove</a:t>
-            </a:r>
-            <a:r>
-              <a:rPr lang="it-IT" dirty="0"/>
-              <a:t> the label from the </a:t>
-            </a:r>
-            <a:r>
-              <a:rPr lang="it-IT" dirty="0" err="1"/>
-              <a:t>packet</a:t>
-            </a:r>
-            <a:r>
-              <a:rPr lang="it-IT" dirty="0"/>
-              <a:t> and </a:t>
-            </a:r>
-            <a:r>
-              <a:rPr lang="it-IT" dirty="0" err="1"/>
-              <a:t>deliver</a:t>
-            </a:r>
-            <a:r>
-              <a:rPr lang="it-IT" dirty="0"/>
-              <a:t> </a:t>
-            </a:r>
-            <a:r>
-              <a:rPr lang="it-IT" dirty="0" err="1"/>
-              <a:t>it</a:t>
-            </a:r>
-            <a:r>
-              <a:rPr lang="it-IT" dirty="0"/>
-              <a:t> to the </a:t>
-            </a:r>
-            <a:r>
-              <a:rPr lang="it-IT" dirty="0" err="1"/>
-              <a:t>host</a:t>
-            </a:r>
-            <a:endParaRPr lang="it-IT" dirty="0"/>
-          </a:p>
-          <a:p>
-            <a:r>
-              <a:rPr lang="it-IT" dirty="0"/>
-              <a:t>At the </a:t>
-            </a:r>
-            <a:r>
-              <a:rPr lang="it-IT" dirty="0" err="1"/>
-              <a:t>same</a:t>
-            </a:r>
-            <a:r>
-              <a:rPr lang="it-IT" dirty="0"/>
-              <a:t> time </a:t>
-            </a:r>
-            <a:r>
-              <a:rPr lang="it-IT" dirty="0" err="1"/>
-              <a:t>symmetrical</a:t>
-            </a:r>
-            <a:r>
-              <a:rPr lang="it-IT" dirty="0"/>
-              <a:t> rules are </a:t>
-            </a:r>
-            <a:r>
-              <a:rPr lang="it-IT" dirty="0" err="1"/>
-              <a:t>placed</a:t>
-            </a:r>
-            <a:r>
-              <a:rPr lang="it-IT" dirty="0"/>
-              <a:t> to </a:t>
-            </a:r>
-            <a:r>
-              <a:rPr lang="it-IT" dirty="0" err="1"/>
-              <a:t>allow</a:t>
-            </a:r>
-            <a:r>
-              <a:rPr lang="it-IT" dirty="0"/>
-              <a:t> </a:t>
-            </a:r>
-            <a:r>
-              <a:rPr lang="it-IT" dirty="0" err="1"/>
-              <a:t>packets</a:t>
-            </a:r>
-            <a:r>
-              <a:rPr lang="it-IT" dirty="0"/>
-              <a:t> to come back on the </a:t>
-            </a:r>
-            <a:r>
-              <a:rPr lang="it-IT" dirty="0" err="1"/>
-              <a:t>same</a:t>
-            </a:r>
-            <a:r>
-              <a:rPr lang="it-IT" dirty="0"/>
-              <a:t> </a:t>
-            </a:r>
-            <a:r>
-              <a:rPr lang="it-IT" dirty="0" err="1"/>
-              <a:t>path</a:t>
-            </a:r>
-            <a:endParaRPr lang="it-IT" dirty="0"/>
-          </a:p>
-          <a:p>
-            <a:r>
-              <a:rPr lang="it-IT" dirty="0"/>
-              <a:t>Intermediate switches are </a:t>
-            </a:r>
-            <a:r>
-              <a:rPr lang="it-IT" dirty="0" err="1"/>
-              <a:t>able</a:t>
-            </a:r>
-            <a:r>
-              <a:rPr lang="it-IT" dirty="0"/>
-              <a:t> to </a:t>
-            </a:r>
-            <a:r>
-              <a:rPr lang="it-IT" dirty="0" err="1"/>
-              <a:t>recognize</a:t>
-            </a:r>
-            <a:r>
-              <a:rPr lang="it-IT" dirty="0"/>
-              <a:t> the </a:t>
-            </a:r>
-            <a:r>
-              <a:rPr lang="it-IT" dirty="0" err="1"/>
-              <a:t>direction</a:t>
-            </a:r>
-            <a:r>
-              <a:rPr lang="it-IT" dirty="0"/>
-              <a:t> of the </a:t>
-            </a:r>
-            <a:r>
-              <a:rPr lang="it-IT" dirty="0" err="1"/>
-              <a:t>packets</a:t>
-            </a:r>
-            <a:r>
-              <a:rPr lang="it-IT" dirty="0"/>
-              <a:t> by checking the input port</a:t>
-            </a:r>
-          </a:p>
-          <a:p>
-            <a:r>
-              <a:rPr lang="it-IT" dirty="0"/>
-              <a:t>The </a:t>
-            </a:r>
-            <a:r>
-              <a:rPr lang="it-IT" dirty="0" err="1"/>
-              <a:t>same</a:t>
-            </a:r>
-            <a:r>
-              <a:rPr lang="it-IT" dirty="0"/>
-              <a:t> procedure </a:t>
-            </a:r>
-            <a:r>
-              <a:rPr lang="it-IT" dirty="0" err="1"/>
-              <a:t>is</a:t>
-            </a:r>
-            <a:r>
-              <a:rPr lang="it-IT" dirty="0"/>
-              <a:t> </a:t>
-            </a:r>
-            <a:r>
-              <a:rPr lang="it-IT" dirty="0" err="1"/>
-              <a:t>applied</a:t>
-            </a:r>
-            <a:r>
-              <a:rPr lang="it-IT" dirty="0"/>
-              <a:t> to the backup </a:t>
-            </a:r>
-            <a:r>
-              <a:rPr lang="it-IT" dirty="0" err="1"/>
-              <a:t>path</a:t>
-            </a:r>
-            <a:r>
-              <a:rPr lang="it-IT" dirty="0"/>
-              <a:t>, </a:t>
-            </a:r>
-            <a:r>
-              <a:rPr lang="it-IT" dirty="0" err="1"/>
-              <a:t>but</a:t>
-            </a:r>
-            <a:r>
-              <a:rPr lang="it-IT" dirty="0"/>
-              <a:t> </a:t>
-            </a:r>
-            <a:r>
-              <a:rPr lang="it-IT" dirty="0" err="1"/>
-              <a:t>its</a:t>
-            </a:r>
-            <a:r>
-              <a:rPr lang="it-IT" dirty="0"/>
-              <a:t> rules </a:t>
-            </a:r>
-            <a:r>
-              <a:rPr lang="it-IT" dirty="0" err="1"/>
-              <a:t>have</a:t>
-            </a:r>
-            <a:r>
-              <a:rPr lang="it-IT" dirty="0"/>
-              <a:t> a </a:t>
-            </a:r>
-            <a:r>
-              <a:rPr lang="it-IT" dirty="0" err="1"/>
-              <a:t>lower</a:t>
-            </a:r>
-            <a:r>
-              <a:rPr lang="it-IT" dirty="0"/>
-              <a:t> </a:t>
-            </a:r>
-            <a:r>
-              <a:rPr lang="it-IT" dirty="0" err="1"/>
-              <a:t>priority</a:t>
-            </a:r>
-            <a:r>
-              <a:rPr lang="it-IT" dirty="0"/>
-              <a:t> </a:t>
-            </a:r>
-            <a:r>
-              <a:rPr lang="it-IT" dirty="0" err="1"/>
-              <a:t>than</a:t>
-            </a:r>
-            <a:r>
-              <a:rPr lang="it-IT" dirty="0"/>
-              <a:t> the default </a:t>
-            </a:r>
-            <a:r>
-              <a:rPr lang="it-IT" dirty="0" err="1"/>
-              <a:t>ones</a:t>
-            </a:r>
-            <a:endParaRPr lang="it-IT" dirty="0"/>
-          </a:p>
-        </p:txBody>
-      </p:sp>
+            <a:off x="2335237" y="766573"/>
+            <a:ext cx="5339882" cy="5804651"/>
+          </a:xfrm>
+        </p:spPr>
+      </p:pic>
     </p:spTree>
     <p:extLst>
       <p:ext uri="{BB962C8B-B14F-4D97-AF65-F5344CB8AC3E}">
@@ -5418,7 +4753,7 @@
           <p:cNvPr id="2" name="Titolo 1">
             <a:extLst>
               <a:ext uri="{FF2B5EF4-FFF2-40B4-BE49-F238E27FC236}">
-                <a16:creationId xmlns:a16="http://schemas.microsoft.com/office/drawing/2014/main" id="{5916F0FC-24F1-4F1E-8DC2-0669E62A4BE0}"/>
+                <a16:creationId xmlns:a16="http://schemas.microsoft.com/office/drawing/2014/main" id="{2D3C2BFE-5CD5-41EF-A3C1-6D1399B7439E}"/>
               </a:ext>
             </a:extLst>
           </p:cNvPr>
@@ -5436,8 +4771,13 @@
           <a:p>
             <a:r>
               <a:rPr lang="it-IT" dirty="0"/>
-              <a:t>Link down</a:t>
-            </a:r>
+              <a:t>Port </a:t>
+            </a:r>
+            <a:r>
+              <a:rPr lang="it-IT" dirty="0" err="1"/>
+              <a:t>detection</a:t>
+            </a:r>
+            <a:endParaRPr lang="it-IT" dirty="0"/>
           </a:p>
         </p:txBody>
       </p:sp>
@@ -5446,7 +4786,7 @@
           <p:cNvPr id="3" name="Segnaposto numero diapositiva 2">
             <a:extLst>
               <a:ext uri="{FF2B5EF4-FFF2-40B4-BE49-F238E27FC236}">
-                <a16:creationId xmlns:a16="http://schemas.microsoft.com/office/drawing/2014/main" id="{47F111E1-3AD3-436C-9758-6ABED8100573}"/>
+                <a16:creationId xmlns:a16="http://schemas.microsoft.com/office/drawing/2014/main" id="{0D2C4BB7-8D75-4D95-A174-4F853B7FBB32}"/>
               </a:ext>
             </a:extLst>
           </p:cNvPr>
@@ -5472,163 +4812,122 @@
       </p:sp>
       <p:sp>
         <p:nvSpPr>
-          <p:cNvPr id="12" name="CasellaDiTesto 11">
-            <a:extLst>
-              <a:ext uri="{FF2B5EF4-FFF2-40B4-BE49-F238E27FC236}">
-                <a16:creationId xmlns:a16="http://schemas.microsoft.com/office/drawing/2014/main" id="{38DA3320-0617-4A7F-86D5-CBD5F8339594}"/>
-              </a:ext>
-            </a:extLst>
-          </p:cNvPr>
-          <p:cNvSpPr txBox="1"/>
-          <p:nvPr/>
-        </p:nvSpPr>
-        <p:spPr>
-          <a:xfrm>
-            <a:off x="337070" y="5414467"/>
-            <a:ext cx="8145748" cy="1015663"/>
-          </a:xfrm>
-          <a:prstGeom prst="rect">
-            <a:avLst/>
-          </a:prstGeom>
-          <a:noFill/>
-        </p:spPr>
-        <p:txBody>
-          <a:bodyPr wrap="square" rtlCol="0">
-            <a:spAutoFit/>
-          </a:bodyPr>
-          <a:lstStyle/>
-          <a:p>
-            <a:pPr marL="342900" indent="-342900">
-              <a:buFont typeface="Arial" panose="020B0604020202020204" pitchFamily="34" charset="0"/>
-              <a:buChar char="•"/>
+          <p:cNvPr id="4" name="Segnaposto contenuto 3">
+            <a:extLst>
+              <a:ext uri="{FF2B5EF4-FFF2-40B4-BE49-F238E27FC236}">
+                <a16:creationId xmlns:a16="http://schemas.microsoft.com/office/drawing/2014/main" id="{3A9A4052-780E-4479-BE1F-EEFB6B7CF581}"/>
+              </a:ext>
+            </a:extLst>
+          </p:cNvPr>
+          <p:cNvSpPr>
+            <a:spLocks noGrp="1"/>
+          </p:cNvSpPr>
+          <p:nvPr>
+            <p:ph idx="1"/>
+          </p:nvPr>
+        </p:nvSpPr>
+        <p:spPr/>
+        <p:txBody>
+          <a:bodyPr/>
+          <a:lstStyle/>
+          <a:p>
+            <a:r>
+              <a:rPr lang="it-IT" dirty="0" err="1"/>
+              <a:t>When</a:t>
+            </a:r>
+            <a:r>
+              <a:rPr lang="it-IT" dirty="0"/>
+              <a:t> a link </a:t>
+            </a:r>
+            <a:r>
+              <a:rPr lang="it-IT" dirty="0" err="1"/>
+              <a:t>goes</a:t>
+            </a:r>
+            <a:r>
+              <a:rPr lang="it-IT" dirty="0"/>
+              <a:t> up/down, the port status of the switches </a:t>
+            </a:r>
+            <a:r>
+              <a:rPr lang="it-IT" dirty="0" err="1"/>
+              <a:t>involved</a:t>
+            </a:r>
+            <a:r>
+              <a:rPr lang="it-IT" dirty="0"/>
+              <a:t> in the connection </a:t>
+            </a:r>
+            <a:r>
+              <a:rPr lang="it-IT" dirty="0" err="1"/>
+              <a:t>will</a:t>
+            </a:r>
+            <a:r>
+              <a:rPr lang="it-IT" dirty="0"/>
+              <a:t> </a:t>
+            </a:r>
+            <a:r>
+              <a:rPr lang="it-IT" dirty="0" err="1"/>
+              <a:t>change</a:t>
+            </a:r>
+            <a:r>
+              <a:rPr lang="it-IT" dirty="0"/>
+              <a:t> </a:t>
+            </a:r>
+            <a:r>
+              <a:rPr lang="it-IT" dirty="0" err="1"/>
+              <a:t>consequently</a:t>
+            </a:r>
+            <a:endParaRPr lang="it-IT" dirty="0"/>
+          </a:p>
+          <a:p>
+            <a:pPr marL="0" indent="0">
+              <a:buNone/>
             </a:pPr>
-            <a:r>
-              <a:rPr lang="it-IT" sz="2000" dirty="0" err="1"/>
-              <a:t>When</a:t>
-            </a:r>
-            <a:r>
-              <a:rPr lang="it-IT" sz="2000" dirty="0"/>
-              <a:t> a link </a:t>
-            </a:r>
-            <a:r>
-              <a:rPr lang="it-IT" sz="2000" dirty="0" err="1"/>
-              <a:t>goes</a:t>
-            </a:r>
-            <a:r>
-              <a:rPr lang="it-IT" sz="2000" dirty="0"/>
-              <a:t> down, the controller </a:t>
-            </a:r>
-            <a:r>
-              <a:rPr lang="it-IT" sz="2000" dirty="0" err="1"/>
-              <a:t>detects</a:t>
-            </a:r>
-            <a:r>
-              <a:rPr lang="it-IT" sz="2000" dirty="0"/>
-              <a:t> </a:t>
-            </a:r>
-            <a:r>
-              <a:rPr lang="it-IT" sz="2000" dirty="0" err="1"/>
-              <a:t>which</a:t>
-            </a:r>
-            <a:r>
-              <a:rPr lang="it-IT" sz="2000" dirty="0"/>
-              <a:t> MPLS connection </a:t>
-            </a:r>
-            <a:r>
-              <a:rPr lang="it-IT" sz="2000" dirty="0" err="1"/>
-              <a:t>was</a:t>
-            </a:r>
-            <a:r>
-              <a:rPr lang="it-IT" sz="2000" dirty="0"/>
-              <a:t> </a:t>
-            </a:r>
-            <a:r>
-              <a:rPr lang="it-IT" sz="2000" dirty="0" err="1"/>
-              <a:t>using</a:t>
-            </a:r>
-            <a:r>
-              <a:rPr lang="it-IT" sz="2000" dirty="0"/>
-              <a:t> </a:t>
-            </a:r>
-            <a:r>
-              <a:rPr lang="it-IT" sz="2000" dirty="0" err="1"/>
-              <a:t>that</a:t>
-            </a:r>
-            <a:r>
-              <a:rPr lang="it-IT" sz="2000" dirty="0"/>
-              <a:t> link and </a:t>
-            </a:r>
-            <a:r>
-              <a:rPr lang="it-IT" sz="2000" dirty="0" err="1"/>
-              <a:t>deletes</a:t>
-            </a:r>
-            <a:r>
-              <a:rPr lang="it-IT" sz="2000" dirty="0"/>
-              <a:t> the </a:t>
-            </a:r>
-            <a:r>
-              <a:rPr lang="it-IT" sz="2000" dirty="0" err="1"/>
-              <a:t>corresponding</a:t>
-            </a:r>
-            <a:r>
-              <a:rPr lang="it-IT" sz="2000" dirty="0"/>
-              <a:t> rules</a:t>
-            </a:r>
-          </a:p>
-          <a:p>
-            <a:pPr marL="342900" indent="-342900">
-              <a:buFont typeface="Arial" panose="020B0604020202020204" pitchFamily="34" charset="0"/>
-              <a:buChar char="•"/>
+            <a:endParaRPr lang="it-IT" dirty="0"/>
+          </a:p>
+          <a:p>
+            <a:r>
+              <a:rPr lang="it-IT" dirty="0"/>
+              <a:t>The switches </a:t>
+            </a:r>
+            <a:r>
+              <a:rPr lang="it-IT" dirty="0" err="1"/>
+              <a:t>notify</a:t>
+            </a:r>
+            <a:r>
+              <a:rPr lang="it-IT" dirty="0"/>
+              <a:t> the event to the controller with port status </a:t>
+            </a:r>
+            <a:r>
+              <a:rPr lang="it-IT" dirty="0" err="1"/>
+              <a:t>messages</a:t>
+            </a:r>
+            <a:endParaRPr lang="it-IT" dirty="0"/>
+          </a:p>
+          <a:p>
+            <a:endParaRPr lang="it-IT" dirty="0"/>
+          </a:p>
+          <a:p>
+            <a:endParaRPr lang="it-IT" dirty="0"/>
+          </a:p>
+          <a:p>
+            <a:pPr marL="0" indent="0">
+              <a:buNone/>
             </a:pPr>
             <a:r>
-              <a:rPr lang="it-IT" sz="2000" dirty="0" err="1"/>
-              <a:t>Packets</a:t>
-            </a:r>
-            <a:r>
-              <a:rPr lang="it-IT" sz="2000" dirty="0"/>
-              <a:t> </a:t>
-            </a:r>
-            <a:r>
-              <a:rPr lang="it-IT" sz="2000" dirty="0" err="1"/>
-              <a:t>will</a:t>
-            </a:r>
-            <a:r>
-              <a:rPr lang="it-IT" sz="2000" dirty="0"/>
-              <a:t> be </a:t>
-            </a:r>
-            <a:r>
-              <a:rPr lang="it-IT" sz="2000" dirty="0" err="1"/>
-              <a:t>automatically</a:t>
-            </a:r>
-            <a:r>
-              <a:rPr lang="it-IT" sz="2000" dirty="0"/>
-              <a:t> </a:t>
-            </a:r>
-            <a:r>
-              <a:rPr lang="it-IT" sz="2000" dirty="0" err="1"/>
-              <a:t>routed</a:t>
-            </a:r>
-            <a:r>
-              <a:rPr lang="it-IT" sz="2000" dirty="0"/>
-              <a:t> on the backup </a:t>
-            </a:r>
-            <a:r>
-              <a:rPr lang="it-IT" sz="2000" dirty="0" err="1"/>
-              <a:t>path</a:t>
-            </a:r>
-            <a:r>
-              <a:rPr lang="it-IT" sz="2000" dirty="0"/>
-              <a:t> </a:t>
-            </a:r>
+              <a:rPr lang="it-IT" dirty="0"/>
+              <a:t>   </a:t>
+            </a:r>
+          </a:p>
+          <a:p>
+            <a:endParaRPr lang="it-IT" dirty="0"/>
           </a:p>
         </p:txBody>
       </p:sp>
       <p:pic>
         <p:nvPicPr>
-          <p:cNvPr id="15" name="Immagine 14">
-            <a:extLst>
-              <a:ext uri="{FF2B5EF4-FFF2-40B4-BE49-F238E27FC236}">
-                <a16:creationId xmlns:a16="http://schemas.microsoft.com/office/drawing/2014/main" id="{533AE011-1E32-439A-81AD-5BC7FF538860}"/>
+          <p:cNvPr id="5" name="Immagine 4">
+            <a:extLst>
+              <a:ext uri="{FF2B5EF4-FFF2-40B4-BE49-F238E27FC236}">
+                <a16:creationId xmlns:a16="http://schemas.microsoft.com/office/drawing/2014/main" id="{1013B509-B692-4C77-9078-A771E2FBD20D}"/>
               </a:ext>
             </a:extLst>
           </p:cNvPr>
@@ -5638,603 +4937,25 @@
           <p:nvPr/>
         </p:nvPicPr>
         <p:blipFill>
-          <a:blip r:embed="rId2">
-            <a:extLst>
-              <a:ext uri="{28A0092B-C50C-407E-A947-70E740481C1C}">
-                <a14:useLocalDpi xmlns:a14="http://schemas.microsoft.com/office/drawing/2010/main" val="0"/>
-              </a:ext>
-            </a:extLst>
-          </a:blip>
+          <a:blip r:embed="rId2"/>
           <a:stretch>
             <a:fillRect/>
           </a:stretch>
         </p:blipFill>
         <p:spPr>
           <a:xfrm>
-            <a:off x="7347698" y="2261821"/>
-            <a:ext cx="910436" cy="910436"/>
+            <a:off x="285396" y="3842237"/>
+            <a:ext cx="8573206" cy="1761978"/>
           </a:xfrm>
           <a:prstGeom prst="rect">
             <a:avLst/>
           </a:prstGeom>
         </p:spPr>
       </p:pic>
-      <p:pic>
-        <p:nvPicPr>
-          <p:cNvPr id="20" name="Segnaposto contenuto 5">
-            <a:extLst>
-              <a:ext uri="{FF2B5EF4-FFF2-40B4-BE49-F238E27FC236}">
-                <a16:creationId xmlns:a16="http://schemas.microsoft.com/office/drawing/2014/main" id="{3832CACB-779A-4B80-819F-FC1D7CD9CF0F}"/>
-              </a:ext>
-            </a:extLst>
-          </p:cNvPr>
-          <p:cNvPicPr>
-            <a:picLocks noGrp="1" noChangeAspect="1"/>
-          </p:cNvPicPr>
-          <p:nvPr>
-            <p:ph idx="1"/>
-          </p:nvPr>
-        </p:nvPicPr>
-        <p:blipFill>
-          <a:blip r:embed="rId3">
-            <a:extLst>
-              <a:ext uri="{28A0092B-C50C-407E-A947-70E740481C1C}">
-                <a14:useLocalDpi xmlns:a14="http://schemas.microsoft.com/office/drawing/2010/main" val="0"/>
-              </a:ext>
-            </a:extLst>
-          </a:blip>
-          <a:stretch>
-            <a:fillRect/>
-          </a:stretch>
-        </p:blipFill>
-        <p:spPr>
-          <a:xfrm>
-            <a:off x="2277503" y="1234262"/>
-            <a:ext cx="4297378" cy="3188378"/>
-          </a:xfrm>
-        </p:spPr>
-      </p:pic>
-      <p:sp>
-        <p:nvSpPr>
-          <p:cNvPr id="7" name="Freccia in giù 6">
-            <a:extLst>
-              <a:ext uri="{FF2B5EF4-FFF2-40B4-BE49-F238E27FC236}">
-                <a16:creationId xmlns:a16="http://schemas.microsoft.com/office/drawing/2014/main" id="{F966DECB-5802-4EFF-B44E-8ABEF990574C}"/>
-              </a:ext>
-            </a:extLst>
-          </p:cNvPr>
-          <p:cNvSpPr/>
-          <p:nvPr/>
-        </p:nvSpPr>
-        <p:spPr>
-          <a:xfrm rot="18292896">
-            <a:off x="3321884" y="2826334"/>
-            <a:ext cx="301491" cy="1473281"/>
-          </a:xfrm>
-          <a:prstGeom prst="downArrow">
-            <a:avLst/>
-          </a:prstGeom>
-          <a:solidFill>
-            <a:schemeClr val="tx2">
-              <a:lumMod val="20000"/>
-              <a:lumOff val="80000"/>
-            </a:schemeClr>
-          </a:solidFill>
-        </p:spPr>
-        <p:style>
-          <a:lnRef idx="2">
-            <a:schemeClr val="accent1">
-              <a:shade val="50000"/>
-            </a:schemeClr>
-          </a:lnRef>
-          <a:fillRef idx="1">
-            <a:schemeClr val="accent1"/>
-          </a:fillRef>
-          <a:effectRef idx="0">
-            <a:schemeClr val="accent1"/>
-          </a:effectRef>
-          <a:fontRef idx="minor">
-            <a:schemeClr val="lt1"/>
-          </a:fontRef>
-        </p:style>
-        <p:txBody>
-          <a:bodyPr rtlCol="0" anchor="ctr"/>
-          <a:lstStyle/>
-          <a:p>
-            <a:pPr algn="ctr"/>
-            <a:endParaRPr lang="it-IT"/>
-          </a:p>
-        </p:txBody>
-      </p:sp>
-      <p:sp>
-        <p:nvSpPr>
-          <p:cNvPr id="8" name="Freccia in giù 7">
-            <a:extLst>
-              <a:ext uri="{FF2B5EF4-FFF2-40B4-BE49-F238E27FC236}">
-                <a16:creationId xmlns:a16="http://schemas.microsoft.com/office/drawing/2014/main" id="{89DB1C7F-FFF0-44F1-B1E7-CB65C29678B8}"/>
-              </a:ext>
-            </a:extLst>
-          </p:cNvPr>
-          <p:cNvSpPr/>
-          <p:nvPr/>
-        </p:nvSpPr>
-        <p:spPr>
-          <a:xfrm rot="14061823">
-            <a:off x="5329788" y="2833110"/>
-            <a:ext cx="301491" cy="1473281"/>
-          </a:xfrm>
-          <a:prstGeom prst="downArrow">
-            <a:avLst/>
-          </a:prstGeom>
-          <a:solidFill>
-            <a:schemeClr val="tx2">
-              <a:lumMod val="20000"/>
-              <a:lumOff val="80000"/>
-            </a:schemeClr>
-          </a:solidFill>
-        </p:spPr>
-        <p:style>
-          <a:lnRef idx="2">
-            <a:schemeClr val="accent1">
-              <a:shade val="50000"/>
-            </a:schemeClr>
-          </a:lnRef>
-          <a:fillRef idx="1">
-            <a:schemeClr val="accent1"/>
-          </a:fillRef>
-          <a:effectRef idx="0">
-            <a:schemeClr val="accent1"/>
-          </a:effectRef>
-          <a:fontRef idx="minor">
-            <a:schemeClr val="lt1"/>
-          </a:fontRef>
-        </p:style>
-        <p:txBody>
-          <a:bodyPr rtlCol="0" anchor="ctr"/>
-          <a:lstStyle/>
-          <a:p>
-            <a:pPr algn="ctr"/>
-            <a:endParaRPr lang="it-IT"/>
-          </a:p>
-        </p:txBody>
-      </p:sp>
-      <p:cxnSp>
-        <p:nvCxnSpPr>
-          <p:cNvPr id="13" name="Connettore diritto 12">
-            <a:extLst>
-              <a:ext uri="{FF2B5EF4-FFF2-40B4-BE49-F238E27FC236}">
-                <a16:creationId xmlns:a16="http://schemas.microsoft.com/office/drawing/2014/main" id="{C63C24C7-9911-481F-B2E6-4C7EDECE8155}"/>
-              </a:ext>
-            </a:extLst>
-          </p:cNvPr>
-          <p:cNvCxnSpPr>
-            <a:cxnSpLocks/>
-          </p:cNvCxnSpPr>
-          <p:nvPr/>
-        </p:nvCxnSpPr>
-        <p:spPr>
-          <a:xfrm flipV="1">
-            <a:off x="1310077" y="2784122"/>
-            <a:ext cx="1095498" cy="1"/>
-          </a:xfrm>
-          <a:prstGeom prst="line">
-            <a:avLst/>
-          </a:prstGeom>
-        </p:spPr>
-        <p:style>
-          <a:lnRef idx="1">
-            <a:schemeClr val="dk1"/>
-          </a:lnRef>
-          <a:fillRef idx="0">
-            <a:schemeClr val="dk1"/>
-          </a:fillRef>
-          <a:effectRef idx="0">
-            <a:schemeClr val="dk1"/>
-          </a:effectRef>
-          <a:fontRef idx="minor">
-            <a:schemeClr val="tx1"/>
-          </a:fontRef>
-        </p:style>
-      </p:cxnSp>
-      <p:sp>
-        <p:nvSpPr>
-          <p:cNvPr id="10" name="CasellaDiTesto 9">
-            <a:extLst>
-              <a:ext uri="{FF2B5EF4-FFF2-40B4-BE49-F238E27FC236}">
-                <a16:creationId xmlns:a16="http://schemas.microsoft.com/office/drawing/2014/main" id="{A90C6B91-1756-472F-94C1-5BE2B67E87AE}"/>
-              </a:ext>
-            </a:extLst>
-          </p:cNvPr>
-          <p:cNvSpPr txBox="1"/>
-          <p:nvPr/>
-        </p:nvSpPr>
-        <p:spPr>
-          <a:xfrm>
-            <a:off x="72343" y="3235875"/>
-            <a:ext cx="2536735" cy="1169551"/>
-          </a:xfrm>
-          <a:prstGeom prst="rect">
-            <a:avLst/>
-          </a:prstGeom>
-          <a:noFill/>
-          <a:ln>
-            <a:solidFill>
-              <a:schemeClr val="accent1">
-                <a:shade val="50000"/>
-              </a:schemeClr>
-            </a:solidFill>
-          </a:ln>
-        </p:spPr>
-        <p:txBody>
-          <a:bodyPr wrap="square" rtlCol="0">
-            <a:spAutoFit/>
-          </a:bodyPr>
-          <a:lstStyle/>
-          <a:p>
-            <a:r>
-              <a:rPr lang="it-IT" sz="1400" dirty="0"/>
-              <a:t>Action set for switch 1:</a:t>
-            </a:r>
-          </a:p>
-          <a:p>
-            <a:r>
-              <a:rPr lang="it-IT" sz="1400" b="1" dirty="0"/>
-              <a:t>PUSH MPLS </a:t>
-            </a:r>
-            <a:r>
-              <a:rPr lang="it-IT" sz="1400" dirty="0"/>
-              <a:t>(label=2) </a:t>
-            </a:r>
-            <a:r>
-              <a:rPr lang="it-IT" sz="1400" dirty="0" err="1"/>
-              <a:t>outport</a:t>
-            </a:r>
-            <a:r>
-              <a:rPr lang="it-IT" sz="1400" dirty="0"/>
-              <a:t> 3,</a:t>
-            </a:r>
-            <a:br>
-              <a:rPr lang="it-IT" sz="1400" dirty="0"/>
-            </a:br>
-            <a:r>
-              <a:rPr lang="it-IT" sz="1400" dirty="0" err="1"/>
-              <a:t>priority</a:t>
-            </a:r>
-            <a:r>
-              <a:rPr lang="it-IT" sz="1400" dirty="0"/>
-              <a:t> 1 (backup)</a:t>
-            </a:r>
-            <a:br>
-              <a:rPr lang="it-IT" sz="1400" dirty="0"/>
-            </a:br>
-            <a:r>
-              <a:rPr lang="it-IT" sz="1400" b="1" dirty="0"/>
-              <a:t>POP MPLS</a:t>
-            </a:r>
-            <a:r>
-              <a:rPr lang="it-IT" sz="1400" dirty="0"/>
-              <a:t> (label=2) </a:t>
-            </a:r>
-            <a:r>
-              <a:rPr lang="it-IT" sz="1400" dirty="0" err="1"/>
-              <a:t>outport</a:t>
-            </a:r>
-            <a:r>
-              <a:rPr lang="it-IT" sz="1400" dirty="0"/>
-              <a:t> 1, </a:t>
-            </a:r>
-            <a:r>
-              <a:rPr lang="it-IT" sz="1400" dirty="0" err="1"/>
-              <a:t>priority</a:t>
-            </a:r>
-            <a:r>
-              <a:rPr lang="it-IT" sz="1400" dirty="0"/>
-              <a:t> 1 (backup)</a:t>
-            </a:r>
-          </a:p>
-        </p:txBody>
-      </p:sp>
-      <p:sp>
-        <p:nvSpPr>
-          <p:cNvPr id="11" name="CasellaDiTesto 10">
-            <a:extLst>
-              <a:ext uri="{FF2B5EF4-FFF2-40B4-BE49-F238E27FC236}">
-                <a16:creationId xmlns:a16="http://schemas.microsoft.com/office/drawing/2014/main" id="{904D0C32-4E4D-4618-B3A6-4224CBEF3AB6}"/>
-              </a:ext>
-            </a:extLst>
-          </p:cNvPr>
-          <p:cNvSpPr txBox="1"/>
-          <p:nvPr/>
-        </p:nvSpPr>
-        <p:spPr>
-          <a:xfrm>
-            <a:off x="6574882" y="3435574"/>
-            <a:ext cx="2496776" cy="1169551"/>
-          </a:xfrm>
-          <a:prstGeom prst="rect">
-            <a:avLst/>
-          </a:prstGeom>
-          <a:noFill/>
-          <a:ln>
-            <a:solidFill>
-              <a:schemeClr val="accent1">
-                <a:shade val="50000"/>
-              </a:schemeClr>
-            </a:solidFill>
-          </a:ln>
-        </p:spPr>
-        <p:txBody>
-          <a:bodyPr wrap="square" rtlCol="0">
-            <a:spAutoFit/>
-          </a:bodyPr>
-          <a:lstStyle/>
-          <a:p>
-            <a:r>
-              <a:rPr lang="it-IT" sz="1400" dirty="0"/>
-              <a:t>Action set for switch 2:</a:t>
-            </a:r>
-          </a:p>
-          <a:p>
-            <a:r>
-              <a:rPr lang="it-IT" sz="1400" b="1" dirty="0"/>
-              <a:t>PUSH MPLS </a:t>
-            </a:r>
-            <a:r>
-              <a:rPr lang="it-IT" sz="1400" dirty="0"/>
-              <a:t>(label=2) </a:t>
-            </a:r>
-            <a:r>
-              <a:rPr lang="it-IT" sz="1400" dirty="0" err="1"/>
-              <a:t>outport</a:t>
-            </a:r>
-            <a:r>
-              <a:rPr lang="it-IT" sz="1400" dirty="0"/>
-              <a:t> 3,</a:t>
-            </a:r>
-            <a:br>
-              <a:rPr lang="it-IT" sz="1400" dirty="0"/>
-            </a:br>
-            <a:r>
-              <a:rPr lang="it-IT" sz="1400" dirty="0" err="1"/>
-              <a:t>priority</a:t>
-            </a:r>
-            <a:r>
-              <a:rPr lang="it-IT" sz="1400" dirty="0"/>
-              <a:t> 1 (backup)</a:t>
-            </a:r>
-            <a:br>
-              <a:rPr lang="it-IT" sz="1400" dirty="0"/>
-            </a:br>
-            <a:r>
-              <a:rPr lang="it-IT" sz="1400" b="1" dirty="0"/>
-              <a:t>POP MPLS </a:t>
-            </a:r>
-            <a:r>
-              <a:rPr lang="it-IT" sz="1400" dirty="0"/>
-              <a:t>(label=2) </a:t>
-            </a:r>
-            <a:r>
-              <a:rPr lang="it-IT" sz="1400" dirty="0" err="1"/>
-              <a:t>outport</a:t>
-            </a:r>
-            <a:r>
-              <a:rPr lang="it-IT" sz="1400" dirty="0"/>
-              <a:t> 1, </a:t>
-            </a:r>
-            <a:r>
-              <a:rPr lang="it-IT" sz="1400" dirty="0" err="1"/>
-              <a:t>priority</a:t>
-            </a:r>
-            <a:r>
-              <a:rPr lang="it-IT" sz="1400" dirty="0"/>
-              <a:t> 1 (backup)</a:t>
-            </a:r>
-          </a:p>
-        </p:txBody>
-      </p:sp>
-      <p:cxnSp>
-        <p:nvCxnSpPr>
-          <p:cNvPr id="16" name="Connettore diritto 15">
-            <a:extLst>
-              <a:ext uri="{FF2B5EF4-FFF2-40B4-BE49-F238E27FC236}">
-                <a16:creationId xmlns:a16="http://schemas.microsoft.com/office/drawing/2014/main" id="{8B0AAC26-48BC-461A-B178-5931DB3DA37A}"/>
-              </a:ext>
-            </a:extLst>
-          </p:cNvPr>
-          <p:cNvCxnSpPr>
-            <a:cxnSpLocks/>
-          </p:cNvCxnSpPr>
-          <p:nvPr/>
-        </p:nvCxnSpPr>
-        <p:spPr>
-          <a:xfrm>
-            <a:off x="6445753" y="2828452"/>
-            <a:ext cx="1325751" cy="0"/>
-          </a:xfrm>
-          <a:prstGeom prst="line">
-            <a:avLst/>
-          </a:prstGeom>
-        </p:spPr>
-        <p:style>
-          <a:lnRef idx="1">
-            <a:schemeClr val="dk1"/>
-          </a:lnRef>
-          <a:fillRef idx="0">
-            <a:schemeClr val="dk1"/>
-          </a:fillRef>
-          <a:effectRef idx="0">
-            <a:schemeClr val="dk1"/>
-          </a:effectRef>
-          <a:fontRef idx="minor">
-            <a:schemeClr val="tx1"/>
-          </a:fontRef>
-        </p:style>
-      </p:cxnSp>
-      <p:pic>
-        <p:nvPicPr>
-          <p:cNvPr id="14" name="Immagine 13">
-            <a:extLst>
-              <a:ext uri="{FF2B5EF4-FFF2-40B4-BE49-F238E27FC236}">
-                <a16:creationId xmlns:a16="http://schemas.microsoft.com/office/drawing/2014/main" id="{993B325A-2047-4849-A157-EBF051BDF853}"/>
-              </a:ext>
-            </a:extLst>
-          </p:cNvPr>
-          <p:cNvPicPr>
-            <a:picLocks noChangeAspect="1"/>
-          </p:cNvPicPr>
-          <p:nvPr/>
-        </p:nvPicPr>
-        <p:blipFill>
-          <a:blip r:embed="rId2">
-            <a:extLst>
-              <a:ext uri="{28A0092B-C50C-407E-A947-70E740481C1C}">
-                <a14:useLocalDpi xmlns:a14="http://schemas.microsoft.com/office/drawing/2010/main" val="0"/>
-              </a:ext>
-            </a:extLst>
-          </a:blip>
-          <a:stretch>
-            <a:fillRect/>
-          </a:stretch>
-        </p:blipFill>
-        <p:spPr>
-          <a:xfrm>
-            <a:off x="508284" y="2216626"/>
-            <a:ext cx="910436" cy="910436"/>
-          </a:xfrm>
-          <a:prstGeom prst="rect">
-            <a:avLst/>
-          </a:prstGeom>
-        </p:spPr>
-      </p:pic>
-      <p:sp>
-        <p:nvSpPr>
-          <p:cNvPr id="24" name="CasellaDiTesto 23">
-            <a:extLst>
-              <a:ext uri="{FF2B5EF4-FFF2-40B4-BE49-F238E27FC236}">
-                <a16:creationId xmlns:a16="http://schemas.microsoft.com/office/drawing/2014/main" id="{5DAB7902-6620-4D06-AA77-E5739823E1DB}"/>
-              </a:ext>
-            </a:extLst>
-          </p:cNvPr>
-          <p:cNvSpPr txBox="1"/>
-          <p:nvPr/>
-        </p:nvSpPr>
-        <p:spPr>
-          <a:xfrm>
-            <a:off x="3222495" y="4431632"/>
-            <a:ext cx="2536736" cy="738664"/>
-          </a:xfrm>
-          <a:prstGeom prst="rect">
-            <a:avLst/>
-          </a:prstGeom>
-          <a:noFill/>
-          <a:ln>
-            <a:solidFill>
-              <a:schemeClr val="accent1"/>
-            </a:solidFill>
-          </a:ln>
-        </p:spPr>
-        <p:txBody>
-          <a:bodyPr wrap="square" rtlCol="0">
-            <a:spAutoFit/>
-          </a:bodyPr>
-          <a:lstStyle/>
-          <a:p>
-            <a:r>
-              <a:rPr lang="it-IT" sz="1400" dirty="0"/>
-              <a:t>Action set on switch 4:</a:t>
-            </a:r>
-          </a:p>
-          <a:p>
-            <a:r>
-              <a:rPr lang="it-IT" sz="1400" dirty="0" err="1"/>
-              <a:t>Inport</a:t>
-            </a:r>
-            <a:r>
-              <a:rPr lang="it-IT" sz="1400" dirty="0"/>
-              <a:t> 1 (label=2) =&gt; </a:t>
-            </a:r>
-            <a:r>
-              <a:rPr lang="it-IT" sz="1400" dirty="0" err="1"/>
-              <a:t>outport</a:t>
-            </a:r>
-            <a:r>
-              <a:rPr lang="it-IT" sz="1400" dirty="0"/>
-              <a:t> 2</a:t>
-            </a:r>
-          </a:p>
-          <a:p>
-            <a:r>
-              <a:rPr lang="it-IT" sz="1400" dirty="0" err="1"/>
-              <a:t>Inport</a:t>
-            </a:r>
-            <a:r>
-              <a:rPr lang="it-IT" sz="1400" dirty="0"/>
-              <a:t> 2 (label=2) =&gt; </a:t>
-            </a:r>
-            <a:r>
-              <a:rPr lang="it-IT" sz="1400" dirty="0" err="1"/>
-              <a:t>outport</a:t>
-            </a:r>
-            <a:r>
-              <a:rPr lang="it-IT" sz="1400" dirty="0"/>
-              <a:t> 1</a:t>
-            </a:r>
-          </a:p>
-        </p:txBody>
-      </p:sp>
-      <p:sp>
-        <p:nvSpPr>
-          <p:cNvPr id="25" name="Segno di moltiplicazione 24">
-            <a:extLst>
-              <a:ext uri="{FF2B5EF4-FFF2-40B4-BE49-F238E27FC236}">
-                <a16:creationId xmlns:a16="http://schemas.microsoft.com/office/drawing/2014/main" id="{1E4E5870-F5B2-43EE-A7EF-EA9B6AEEBB4B}"/>
-              </a:ext>
-            </a:extLst>
-          </p:cNvPr>
-          <p:cNvSpPr/>
-          <p:nvPr/>
-        </p:nvSpPr>
-        <p:spPr>
-          <a:xfrm>
-            <a:off x="3201890" y="1800002"/>
-            <a:ext cx="772730" cy="668295"/>
-          </a:xfrm>
-          <a:prstGeom prst="mathMultiply">
-            <a:avLst/>
-          </a:prstGeom>
-          <a:solidFill>
-            <a:srgbClr val="FF0000"/>
-          </a:solidFill>
-        </p:spPr>
-        <p:style>
-          <a:lnRef idx="2">
-            <a:schemeClr val="accent1">
-              <a:shade val="50000"/>
-            </a:schemeClr>
-          </a:lnRef>
-          <a:fillRef idx="1">
-            <a:schemeClr val="accent1"/>
-          </a:fillRef>
-          <a:effectRef idx="0">
-            <a:schemeClr val="accent1"/>
-          </a:effectRef>
-          <a:fontRef idx="minor">
-            <a:schemeClr val="lt1"/>
-          </a:fontRef>
-        </p:style>
-        <p:txBody>
-          <a:bodyPr rtlCol="0" anchor="ctr"/>
-          <a:lstStyle/>
-          <a:p>
-            <a:pPr algn="ctr"/>
-            <a:endParaRPr lang="it-IT"/>
-          </a:p>
-        </p:txBody>
-      </p:sp>
     </p:spTree>
     <p:extLst>
       <p:ext uri="{BB962C8B-B14F-4D97-AF65-F5344CB8AC3E}">
-        <p14:creationId xmlns:p14="http://schemas.microsoft.com/office/powerpoint/2010/main" val="3935459807"/>
+        <p14:creationId xmlns:p14="http://schemas.microsoft.com/office/powerpoint/2010/main" val="3011284099"/>
       </p:ext>
     </p:extLst>
   </p:cSld>
@@ -6266,7 +4987,7 @@
           <p:cNvPr id="2" name="Titolo 1">
             <a:extLst>
               <a:ext uri="{FF2B5EF4-FFF2-40B4-BE49-F238E27FC236}">
-                <a16:creationId xmlns:a16="http://schemas.microsoft.com/office/drawing/2014/main" id="{785E255F-EC52-4D66-BDB1-7A89CD8FC662}"/>
+                <a16:creationId xmlns:a16="http://schemas.microsoft.com/office/drawing/2014/main" id="{5916F0FC-24F1-4F1E-8DC2-0669E62A4BE0}"/>
               </a:ext>
             </a:extLst>
           </p:cNvPr>
@@ -6284,7 +5005,7 @@
           <a:p>
             <a:r>
               <a:rPr lang="it-IT" dirty="0"/>
-              <a:t>Link up</a:t>
+              <a:t>Link down</a:t>
             </a:r>
           </a:p>
         </p:txBody>
@@ -6294,7 +5015,7 @@
           <p:cNvPr id="3" name="Segnaposto numero diapositiva 2">
             <a:extLst>
               <a:ext uri="{FF2B5EF4-FFF2-40B4-BE49-F238E27FC236}">
-                <a16:creationId xmlns:a16="http://schemas.microsoft.com/office/drawing/2014/main" id="{4662D82F-8969-4452-BF57-12E3E7D8919F}"/>
+                <a16:creationId xmlns:a16="http://schemas.microsoft.com/office/drawing/2014/main" id="{47F111E1-3AD3-436C-9758-6ABED8100573}"/>
               </a:ext>
             </a:extLst>
           </p:cNvPr>
@@ -6318,12 +5039,141 @@
           </a:p>
         </p:txBody>
       </p:sp>
+      <p:sp>
+        <p:nvSpPr>
+          <p:cNvPr id="12" name="CasellaDiTesto 11">
+            <a:extLst>
+              <a:ext uri="{FF2B5EF4-FFF2-40B4-BE49-F238E27FC236}">
+                <a16:creationId xmlns:a16="http://schemas.microsoft.com/office/drawing/2014/main" id="{38DA3320-0617-4A7F-86D5-CBD5F8339594}"/>
+              </a:ext>
+            </a:extLst>
+          </p:cNvPr>
+          <p:cNvSpPr txBox="1"/>
+          <p:nvPr/>
+        </p:nvSpPr>
+        <p:spPr>
+          <a:xfrm>
+            <a:off x="337069" y="5414467"/>
+            <a:ext cx="8483373" cy="1015663"/>
+          </a:xfrm>
+          <a:prstGeom prst="rect">
+            <a:avLst/>
+          </a:prstGeom>
+          <a:noFill/>
+        </p:spPr>
+        <p:txBody>
+          <a:bodyPr wrap="square" rtlCol="0">
+            <a:spAutoFit/>
+          </a:bodyPr>
+          <a:lstStyle/>
+          <a:p>
+            <a:pPr marL="342900" indent="-342900">
+              <a:buFont typeface="Arial" panose="020B0604020202020204" pitchFamily="34" charset="0"/>
+              <a:buChar char="•"/>
+            </a:pPr>
+            <a:r>
+              <a:rPr lang="it-IT" sz="2000" dirty="0" err="1"/>
+              <a:t>When</a:t>
+            </a:r>
+            <a:r>
+              <a:rPr lang="it-IT" sz="2000" dirty="0"/>
+              <a:t> a link </a:t>
+            </a:r>
+            <a:r>
+              <a:rPr lang="it-IT" sz="2000" dirty="0" err="1"/>
+              <a:t>goes</a:t>
+            </a:r>
+            <a:r>
+              <a:rPr lang="it-IT" sz="2000" dirty="0"/>
+              <a:t> down, the controller </a:t>
+            </a:r>
+            <a:r>
+              <a:rPr lang="it-IT" sz="2000" dirty="0" err="1"/>
+              <a:t>detects</a:t>
+            </a:r>
+            <a:r>
+              <a:rPr lang="it-IT" sz="2000" dirty="0"/>
+              <a:t> </a:t>
+            </a:r>
+            <a:r>
+              <a:rPr lang="it-IT" sz="2000" dirty="0" err="1"/>
+              <a:t>it</a:t>
+            </a:r>
+            <a:r>
+              <a:rPr lang="it-IT" sz="2000" dirty="0"/>
+              <a:t> and </a:t>
+            </a:r>
+            <a:r>
+              <a:rPr lang="it-IT" sz="2000" dirty="0" err="1"/>
+              <a:t>deletes</a:t>
+            </a:r>
+            <a:r>
+              <a:rPr lang="it-IT" sz="2000" dirty="0"/>
+              <a:t> the </a:t>
+            </a:r>
+            <a:r>
+              <a:rPr lang="it-IT" sz="2000" dirty="0" err="1"/>
+              <a:t>corresponding</a:t>
+            </a:r>
+            <a:r>
+              <a:rPr lang="it-IT" sz="2000" dirty="0"/>
+              <a:t> rules</a:t>
+            </a:r>
+          </a:p>
+          <a:p>
+            <a:pPr marL="342900" indent="-342900">
+              <a:buFont typeface="Arial" panose="020B0604020202020204" pitchFamily="34" charset="0"/>
+              <a:buChar char="•"/>
+            </a:pPr>
+            <a:r>
+              <a:rPr lang="it-IT" sz="2000" dirty="0" err="1"/>
+              <a:t>Packets</a:t>
+            </a:r>
+            <a:r>
+              <a:rPr lang="it-IT" sz="2000" dirty="0"/>
+              <a:t> </a:t>
+            </a:r>
+            <a:r>
+              <a:rPr lang="it-IT" sz="2000" dirty="0" err="1"/>
+              <a:t>will</a:t>
+            </a:r>
+            <a:r>
+              <a:rPr lang="it-IT" sz="2000" dirty="0"/>
+              <a:t> be </a:t>
+            </a:r>
+            <a:r>
+              <a:rPr lang="it-IT" sz="2000" dirty="0" err="1"/>
+              <a:t>automatically</a:t>
+            </a:r>
+            <a:r>
+              <a:rPr lang="it-IT" sz="2000" dirty="0"/>
+              <a:t> </a:t>
+            </a:r>
+            <a:r>
+              <a:rPr lang="it-IT" sz="2000" dirty="0" err="1"/>
+              <a:t>routed</a:t>
+            </a:r>
+            <a:r>
+              <a:rPr lang="it-IT" sz="2000" dirty="0"/>
+              <a:t> on the backup </a:t>
+            </a:r>
+            <a:r>
+              <a:rPr lang="it-IT" sz="2000" dirty="0" err="1"/>
+              <a:t>path</a:t>
+            </a:r>
+            <a:r>
+              <a:rPr lang="it-IT" sz="2000" dirty="0"/>
+              <a:t> </a:t>
+            </a:r>
+          </a:p>
+        </p:txBody>
+      </p:sp>
       <p:pic>
         <p:nvPicPr>
-          <p:cNvPr id="5" name="Segnaposto contenuto 5">
-            <a:extLst>
-              <a:ext uri="{FF2B5EF4-FFF2-40B4-BE49-F238E27FC236}">
-                <a16:creationId xmlns:a16="http://schemas.microsoft.com/office/drawing/2014/main" id="{882BB7A5-5F1D-4BAF-A7A0-BB9F88C6284B}"/>
+          <p:cNvPr id="15" name="Immagine 14">
+            <a:extLst>
+              <a:ext uri="{FF2B5EF4-FFF2-40B4-BE49-F238E27FC236}">
+                <a16:creationId xmlns:a16="http://schemas.microsoft.com/office/drawing/2014/main" id="{533AE011-1E32-439A-81AD-5BC7FF538860}"/>
               </a:ext>
             </a:extLst>
           </p:cNvPr>
@@ -6346,20 +5196,55 @@
         </p:blipFill>
         <p:spPr>
           <a:xfrm>
-            <a:off x="2353857" y="1022847"/>
-            <a:ext cx="4634621" cy="3438590"/>
+            <a:off x="7347698" y="2261821"/>
+            <a:ext cx="910436" cy="910436"/>
           </a:xfrm>
           <a:prstGeom prst="rect">
             <a:avLst/>
           </a:prstGeom>
         </p:spPr>
       </p:pic>
-      <p:sp>
-        <p:nvSpPr>
-          <p:cNvPr id="6" name="Freccia in giù 5">
-            <a:extLst>
-              <a:ext uri="{FF2B5EF4-FFF2-40B4-BE49-F238E27FC236}">
-                <a16:creationId xmlns:a16="http://schemas.microsoft.com/office/drawing/2014/main" id="{8B392CFA-49F8-4820-BD47-F6B3A30D5C92}"/>
+      <p:pic>
+        <p:nvPicPr>
+          <p:cNvPr id="20" name="Segnaposto contenuto 5">
+            <a:extLst>
+              <a:ext uri="{FF2B5EF4-FFF2-40B4-BE49-F238E27FC236}">
+                <a16:creationId xmlns:a16="http://schemas.microsoft.com/office/drawing/2014/main" id="{3832CACB-779A-4B80-819F-FC1D7CD9CF0F}"/>
+              </a:ext>
+            </a:extLst>
+          </p:cNvPr>
+          <p:cNvPicPr>
+            <a:picLocks noGrp="1" noChangeAspect="1"/>
+          </p:cNvPicPr>
+          <p:nvPr>
+            <p:ph idx="1"/>
+          </p:nvPr>
+        </p:nvPicPr>
+        <p:blipFill>
+          <a:blip r:embed="rId3">
+            <a:extLst>
+              <a:ext uri="{28A0092B-C50C-407E-A947-70E740481C1C}">
+                <a14:useLocalDpi xmlns:a14="http://schemas.microsoft.com/office/drawing/2010/main" val="0"/>
+              </a:ext>
+            </a:extLst>
+          </a:blip>
+          <a:stretch>
+            <a:fillRect/>
+          </a:stretch>
+        </p:blipFill>
+        <p:spPr>
+          <a:xfrm>
+            <a:off x="2277503" y="1234262"/>
+            <a:ext cx="4297378" cy="3188378"/>
+          </a:xfrm>
+        </p:spPr>
+      </p:pic>
+      <p:sp>
+        <p:nvSpPr>
+          <p:cNvPr id="7" name="Freccia in giù 6">
+            <a:extLst>
+              <a:ext uri="{FF2B5EF4-FFF2-40B4-BE49-F238E27FC236}">
+                <a16:creationId xmlns:a16="http://schemas.microsoft.com/office/drawing/2014/main" id="{F966DECB-5802-4EFF-B44E-8ABEF990574C}"/>
               </a:ext>
             </a:extLst>
           </p:cNvPr>
@@ -6367,13 +5252,19 @@
           <p:nvPr/>
         </p:nvSpPr>
         <p:spPr>
-          <a:xfrm rot="14120756">
-            <a:off x="3477050" y="1097045"/>
+          <a:xfrm rot="18292896">
+            <a:off x="3321884" y="2826334"/>
             <a:ext cx="301491" cy="1473281"/>
           </a:xfrm>
           <a:prstGeom prst="downArrow">
             <a:avLst/>
           </a:prstGeom>
+          <a:solidFill>
+            <a:schemeClr val="tx2">
+              <a:lumMod val="20000"/>
+              <a:lumOff val="80000"/>
+            </a:schemeClr>
+          </a:solidFill>
         </p:spPr>
         <p:style>
           <a:lnRef idx="2">
@@ -6402,10 +5293,10 @@
       </p:sp>
       <p:sp>
         <p:nvSpPr>
-          <p:cNvPr id="7" name="Freccia in giù 6">
-            <a:extLst>
-              <a:ext uri="{FF2B5EF4-FFF2-40B4-BE49-F238E27FC236}">
-                <a16:creationId xmlns:a16="http://schemas.microsoft.com/office/drawing/2014/main" id="{85A8D110-976E-42DF-87EC-33A63DD56FAE}"/>
+          <p:cNvPr id="8" name="Freccia in giù 7">
+            <a:extLst>
+              <a:ext uri="{FF2B5EF4-FFF2-40B4-BE49-F238E27FC236}">
+                <a16:creationId xmlns:a16="http://schemas.microsoft.com/office/drawing/2014/main" id="{89DB1C7F-FFF0-44F1-B1E7-CB65C29678B8}"/>
               </a:ext>
             </a:extLst>
           </p:cNvPr>
@@ -6413,13 +5304,19 @@
           <p:nvPr/>
         </p:nvSpPr>
         <p:spPr>
-          <a:xfrm rot="18437536">
-            <a:off x="5712698" y="1120417"/>
+          <a:xfrm rot="14061823">
+            <a:off x="5329788" y="2833110"/>
             <a:ext cx="301491" cy="1473281"/>
           </a:xfrm>
           <a:prstGeom prst="downArrow">
             <a:avLst/>
           </a:prstGeom>
+          <a:solidFill>
+            <a:schemeClr val="tx2">
+              <a:lumMod val="20000"/>
+              <a:lumOff val="80000"/>
+            </a:schemeClr>
+          </a:solidFill>
         </p:spPr>
         <p:style>
           <a:lnRef idx="2">
@@ -6446,116 +5343,12 @@
           </a:p>
         </p:txBody>
       </p:sp>
-      <p:sp>
-        <p:nvSpPr>
-          <p:cNvPr id="8" name="Freccia in giù 7">
-            <a:extLst>
-              <a:ext uri="{FF2B5EF4-FFF2-40B4-BE49-F238E27FC236}">
-                <a16:creationId xmlns:a16="http://schemas.microsoft.com/office/drawing/2014/main" id="{A57A4D8F-532F-48EA-895D-6B1AFE69ACAA}"/>
-              </a:ext>
-            </a:extLst>
-          </p:cNvPr>
-          <p:cNvSpPr/>
-          <p:nvPr/>
-        </p:nvSpPr>
-        <p:spPr>
-          <a:xfrm rot="14120756">
-            <a:off x="5698393" y="2777659"/>
-            <a:ext cx="301491" cy="1473281"/>
-          </a:xfrm>
-          <a:prstGeom prst="downArrow">
-            <a:avLst/>
-          </a:prstGeom>
-          <a:solidFill>
-            <a:schemeClr val="tx2">
-              <a:lumMod val="20000"/>
-              <a:lumOff val="80000"/>
-            </a:schemeClr>
-          </a:solidFill>
-        </p:spPr>
-        <p:style>
-          <a:lnRef idx="2">
-            <a:schemeClr val="accent1">
-              <a:shade val="50000"/>
-            </a:schemeClr>
-          </a:lnRef>
-          <a:fillRef idx="1">
-            <a:schemeClr val="accent1"/>
-          </a:fillRef>
-          <a:effectRef idx="0">
-            <a:schemeClr val="accent1"/>
-          </a:effectRef>
-          <a:fontRef idx="minor">
-            <a:schemeClr val="lt1"/>
-          </a:fontRef>
-        </p:style>
-        <p:txBody>
-          <a:bodyPr rtlCol="0" anchor="ctr"/>
-          <a:lstStyle/>
-          <a:p>
-            <a:pPr algn="ctr"/>
-            <a:endParaRPr lang="it-IT"/>
-          </a:p>
-        </p:txBody>
-      </p:sp>
-      <p:sp>
-        <p:nvSpPr>
-          <p:cNvPr id="9" name="Freccia in giù 8">
-            <a:extLst>
-              <a:ext uri="{FF2B5EF4-FFF2-40B4-BE49-F238E27FC236}">
-                <a16:creationId xmlns:a16="http://schemas.microsoft.com/office/drawing/2014/main" id="{D10A0841-AEEA-453B-84D0-4354C80ABAD6}"/>
-              </a:ext>
-            </a:extLst>
-          </p:cNvPr>
-          <p:cNvSpPr/>
-          <p:nvPr/>
-        </p:nvSpPr>
-        <p:spPr>
-          <a:xfrm rot="18292896">
-            <a:off x="3456820" y="2775597"/>
-            <a:ext cx="301491" cy="1473281"/>
-          </a:xfrm>
-          <a:prstGeom prst="downArrow">
-            <a:avLst/>
-          </a:prstGeom>
-          <a:solidFill>
-            <a:schemeClr val="tx2">
-              <a:lumMod val="20000"/>
-              <a:lumOff val="80000"/>
-            </a:schemeClr>
-          </a:solidFill>
-        </p:spPr>
-        <p:style>
-          <a:lnRef idx="2">
-            <a:schemeClr val="accent1">
-              <a:shade val="50000"/>
-            </a:schemeClr>
-          </a:lnRef>
-          <a:fillRef idx="1">
-            <a:schemeClr val="accent1"/>
-          </a:fillRef>
-          <a:effectRef idx="0">
-            <a:schemeClr val="accent1"/>
-          </a:effectRef>
-          <a:fontRef idx="minor">
-            <a:schemeClr val="lt1"/>
-          </a:fontRef>
-        </p:style>
-        <p:txBody>
-          <a:bodyPr rtlCol="0" anchor="ctr"/>
-          <a:lstStyle/>
-          <a:p>
-            <a:pPr algn="ctr"/>
-            <a:endParaRPr lang="it-IT"/>
-          </a:p>
-        </p:txBody>
-      </p:sp>
       <p:cxnSp>
         <p:nvCxnSpPr>
-          <p:cNvPr id="10" name="Connettore diritto 9">
-            <a:extLst>
-              <a:ext uri="{FF2B5EF4-FFF2-40B4-BE49-F238E27FC236}">
-                <a16:creationId xmlns:a16="http://schemas.microsoft.com/office/drawing/2014/main" id="{2617AE4D-BAE6-4DED-8996-1917BACF9C02}"/>
+          <p:cNvPr id="13" name="Connettore diritto 12">
+            <a:extLst>
+              <a:ext uri="{FF2B5EF4-FFF2-40B4-BE49-F238E27FC236}">
+                <a16:creationId xmlns:a16="http://schemas.microsoft.com/office/drawing/2014/main" id="{C63C24C7-9911-481F-B2E6-4C7EDECE8155}"/>
               </a:ext>
             </a:extLst>
           </p:cNvPr>
@@ -6566,8 +5359,242 @@
         </p:nvCxnSpPr>
         <p:spPr>
           <a:xfrm flipV="1">
-            <a:off x="1164117" y="2630731"/>
-            <a:ext cx="1340779" cy="1"/>
+            <a:off x="1310077" y="2784122"/>
+            <a:ext cx="1095498" cy="1"/>
+          </a:xfrm>
+          <a:prstGeom prst="line">
+            <a:avLst/>
+          </a:prstGeom>
+        </p:spPr>
+        <p:style>
+          <a:lnRef idx="1">
+            <a:schemeClr val="dk1"/>
+          </a:lnRef>
+          <a:fillRef idx="0">
+            <a:schemeClr val="dk1"/>
+          </a:fillRef>
+          <a:effectRef idx="0">
+            <a:schemeClr val="dk1"/>
+          </a:effectRef>
+          <a:fontRef idx="minor">
+            <a:schemeClr val="tx1"/>
+          </a:fontRef>
+        </p:style>
+      </p:cxnSp>
+      <p:sp>
+        <p:nvSpPr>
+          <p:cNvPr id="10" name="CasellaDiTesto 9">
+            <a:extLst>
+              <a:ext uri="{FF2B5EF4-FFF2-40B4-BE49-F238E27FC236}">
+                <a16:creationId xmlns:a16="http://schemas.microsoft.com/office/drawing/2014/main" id="{A90C6B91-1756-472F-94C1-5BE2B67E87AE}"/>
+              </a:ext>
+            </a:extLst>
+          </p:cNvPr>
+          <p:cNvSpPr txBox="1"/>
+          <p:nvPr/>
+        </p:nvSpPr>
+        <p:spPr>
+          <a:xfrm>
+            <a:off x="72343" y="3235875"/>
+            <a:ext cx="2536735" cy="1169551"/>
+          </a:xfrm>
+          <a:prstGeom prst="rect">
+            <a:avLst/>
+          </a:prstGeom>
+          <a:noFill/>
+          <a:ln>
+            <a:solidFill>
+              <a:schemeClr val="accent1">
+                <a:shade val="50000"/>
+              </a:schemeClr>
+            </a:solidFill>
+          </a:ln>
+        </p:spPr>
+        <p:txBody>
+          <a:bodyPr wrap="square" rtlCol="0">
+            <a:spAutoFit/>
+          </a:bodyPr>
+          <a:lstStyle/>
+          <a:p>
+            <a:r>
+              <a:rPr lang="it-IT" sz="1400" dirty="0"/>
+              <a:t>Action set for switch 1:</a:t>
+            </a:r>
+          </a:p>
+          <a:p>
+            <a:r>
+              <a:rPr lang="it-IT" sz="1400" b="1" dirty="0"/>
+              <a:t>PUSH MPLS </a:t>
+            </a:r>
+            <a:r>
+              <a:rPr lang="it-IT" sz="1400" dirty="0"/>
+              <a:t>(label=2) </a:t>
+            </a:r>
+            <a:r>
+              <a:rPr lang="it-IT" sz="1400" dirty="0" err="1"/>
+              <a:t>outport</a:t>
+            </a:r>
+            <a:r>
+              <a:rPr lang="it-IT" sz="1400" dirty="0"/>
+              <a:t> 3,</a:t>
+            </a:r>
+            <a:br>
+              <a:rPr lang="it-IT" sz="1400" dirty="0"/>
+            </a:br>
+            <a:r>
+              <a:rPr lang="it-IT" sz="1400" dirty="0" err="1"/>
+              <a:t>priority</a:t>
+            </a:r>
+            <a:r>
+              <a:rPr lang="it-IT" sz="1400" dirty="0"/>
+              <a:t> 1 (backup)</a:t>
+            </a:r>
+            <a:br>
+              <a:rPr lang="it-IT" sz="1400" dirty="0"/>
+            </a:br>
+            <a:r>
+              <a:rPr lang="it-IT" sz="1400" b="1" dirty="0"/>
+              <a:t>POP MPLS</a:t>
+            </a:r>
+            <a:r>
+              <a:rPr lang="it-IT" sz="1400" dirty="0"/>
+              <a:t> (label=2) </a:t>
+            </a:r>
+            <a:r>
+              <a:rPr lang="it-IT" sz="1400" dirty="0" err="1"/>
+              <a:t>outport</a:t>
+            </a:r>
+            <a:r>
+              <a:rPr lang="it-IT" sz="1400" dirty="0"/>
+              <a:t> 1, </a:t>
+            </a:r>
+            <a:r>
+              <a:rPr lang="it-IT" sz="1400" dirty="0" err="1"/>
+              <a:t>priority</a:t>
+            </a:r>
+            <a:r>
+              <a:rPr lang="it-IT" sz="1400" dirty="0"/>
+              <a:t> 1 (backup)</a:t>
+            </a:r>
+          </a:p>
+        </p:txBody>
+      </p:sp>
+      <p:sp>
+        <p:nvSpPr>
+          <p:cNvPr id="11" name="CasellaDiTesto 10">
+            <a:extLst>
+              <a:ext uri="{FF2B5EF4-FFF2-40B4-BE49-F238E27FC236}">
+                <a16:creationId xmlns:a16="http://schemas.microsoft.com/office/drawing/2014/main" id="{904D0C32-4E4D-4618-B3A6-4224CBEF3AB6}"/>
+              </a:ext>
+            </a:extLst>
+          </p:cNvPr>
+          <p:cNvSpPr txBox="1"/>
+          <p:nvPr/>
+        </p:nvSpPr>
+        <p:spPr>
+          <a:xfrm>
+            <a:off x="6574882" y="3435574"/>
+            <a:ext cx="2496776" cy="1169551"/>
+          </a:xfrm>
+          <a:prstGeom prst="rect">
+            <a:avLst/>
+          </a:prstGeom>
+          <a:noFill/>
+          <a:ln>
+            <a:solidFill>
+              <a:schemeClr val="accent1">
+                <a:shade val="50000"/>
+              </a:schemeClr>
+            </a:solidFill>
+          </a:ln>
+        </p:spPr>
+        <p:txBody>
+          <a:bodyPr wrap="square" rtlCol="0">
+            <a:spAutoFit/>
+          </a:bodyPr>
+          <a:lstStyle/>
+          <a:p>
+            <a:r>
+              <a:rPr lang="it-IT" sz="1400" dirty="0"/>
+              <a:t>Action set for switch 2:</a:t>
+            </a:r>
+          </a:p>
+          <a:p>
+            <a:r>
+              <a:rPr lang="it-IT" sz="1400" b="1" dirty="0"/>
+              <a:t>PUSH MPLS </a:t>
+            </a:r>
+            <a:r>
+              <a:rPr lang="it-IT" sz="1400" dirty="0"/>
+              <a:t>(label=2) </a:t>
+            </a:r>
+            <a:r>
+              <a:rPr lang="it-IT" sz="1400" dirty="0" err="1"/>
+              <a:t>outport</a:t>
+            </a:r>
+            <a:r>
+              <a:rPr lang="it-IT" sz="1400" dirty="0"/>
+              <a:t> 3,</a:t>
+            </a:r>
+            <a:br>
+              <a:rPr lang="it-IT" sz="1400" dirty="0"/>
+            </a:br>
+            <a:r>
+              <a:rPr lang="it-IT" sz="1400" dirty="0" err="1"/>
+              <a:t>priority</a:t>
+            </a:r>
+            <a:r>
+              <a:rPr lang="it-IT" sz="1400" dirty="0"/>
+              <a:t> 1 (backup)</a:t>
+            </a:r>
+            <a:br>
+              <a:rPr lang="it-IT" sz="1400" dirty="0"/>
+            </a:br>
+            <a:r>
+              <a:rPr lang="it-IT" sz="1400" b="1" dirty="0"/>
+              <a:t>POP MPLS </a:t>
+            </a:r>
+            <a:r>
+              <a:rPr lang="it-IT" sz="1400" dirty="0"/>
+              <a:t>(label=2) </a:t>
+            </a:r>
+            <a:r>
+              <a:rPr lang="it-IT" sz="1400" dirty="0" err="1"/>
+              <a:t>outport</a:t>
+            </a:r>
+            <a:r>
+              <a:rPr lang="it-IT" sz="1400" dirty="0"/>
+              <a:t> 1, </a:t>
+            </a:r>
+            <a:r>
+              <a:rPr lang="it-IT" sz="1400" dirty="0" err="1"/>
+              <a:t>priority</a:t>
+            </a:r>
+            <a:r>
+              <a:rPr lang="it-IT" sz="1400" dirty="0"/>
+              <a:t> 1 (backup)</a:t>
+            </a:r>
+          </a:p>
+        </p:txBody>
+      </p:sp>
+      <p:cxnSp>
+        <p:nvCxnSpPr>
+          <p:cNvPr id="16" name="Connettore diritto 15">
+            <a:extLst>
+              <a:ext uri="{FF2B5EF4-FFF2-40B4-BE49-F238E27FC236}">
+                <a16:creationId xmlns:a16="http://schemas.microsoft.com/office/drawing/2014/main" id="{8B0AAC26-48BC-461A-B178-5931DB3DA37A}"/>
+              </a:ext>
+            </a:extLst>
+          </p:cNvPr>
+          <p:cNvCxnSpPr>
+            <a:cxnSpLocks/>
+          </p:cNvCxnSpPr>
+          <p:nvPr/>
+        </p:nvCxnSpPr>
+        <p:spPr>
+          <a:xfrm>
+            <a:off x="6445753" y="2828452"/>
+            <a:ext cx="1325751" cy="0"/>
           </a:xfrm>
           <a:prstGeom prst="line">
             <a:avLst/>
@@ -6590,10 +5617,10 @@
       </p:cxnSp>
       <p:pic>
         <p:nvPicPr>
-          <p:cNvPr id="11" name="Immagine 10">
-            <a:extLst>
-              <a:ext uri="{FF2B5EF4-FFF2-40B4-BE49-F238E27FC236}">
-                <a16:creationId xmlns:a16="http://schemas.microsoft.com/office/drawing/2014/main" id="{6CCEF388-6882-4BAF-85A2-50E1B136E502}"/>
+          <p:cNvPr id="14" name="Immagine 13">
+            <a:extLst>
+              <a:ext uri="{FF2B5EF4-FFF2-40B4-BE49-F238E27FC236}">
+                <a16:creationId xmlns:a16="http://schemas.microsoft.com/office/drawing/2014/main" id="{993B325A-2047-4849-A157-EBF051BDF853}"/>
               </a:ext>
             </a:extLst>
           </p:cNvPr>
@@ -6603,7 +5630,7 @@
           <p:nvPr/>
         </p:nvPicPr>
         <p:blipFill>
-          <a:blip r:embed="rId3">
+          <a:blip r:embed="rId2">
             <a:extLst>
               <a:ext uri="{28A0092B-C50C-407E-A947-70E740481C1C}">
                 <a14:useLocalDpi xmlns:a14="http://schemas.microsoft.com/office/drawing/2010/main" val="0"/>
@@ -6616,7 +5643,7 @@
         </p:blipFill>
         <p:spPr>
           <a:xfrm>
-            <a:off x="712732" y="2092931"/>
+            <a:off x="508284" y="2216626"/>
             <a:ext cx="910436" cy="910436"/>
           </a:xfrm>
           <a:prstGeom prst="rect">
@@ -6624,86 +5651,12 @@
           </a:prstGeom>
         </p:spPr>
       </p:pic>
-      <p:pic>
-        <p:nvPicPr>
-          <p:cNvPr id="12" name="Immagine 11">
-            <a:extLst>
-              <a:ext uri="{FF2B5EF4-FFF2-40B4-BE49-F238E27FC236}">
-                <a16:creationId xmlns:a16="http://schemas.microsoft.com/office/drawing/2014/main" id="{A73D3BC5-1CBC-468A-B829-0716C4DA8DEF}"/>
-              </a:ext>
-            </a:extLst>
-          </p:cNvPr>
-          <p:cNvPicPr>
-            <a:picLocks noChangeAspect="1"/>
-          </p:cNvPicPr>
-          <p:nvPr/>
-        </p:nvPicPr>
-        <p:blipFill>
-          <a:blip r:embed="rId3">
-            <a:extLst>
-              <a:ext uri="{28A0092B-C50C-407E-A947-70E740481C1C}">
-                <a14:useLocalDpi xmlns:a14="http://schemas.microsoft.com/office/drawing/2010/main" val="0"/>
-              </a:ext>
-            </a:extLst>
-          </a:blip>
-          <a:stretch>
-            <a:fillRect/>
-          </a:stretch>
-        </p:blipFill>
-        <p:spPr>
-          <a:xfrm>
-            <a:off x="7392653" y="2175513"/>
-            <a:ext cx="910436" cy="910436"/>
-          </a:xfrm>
-          <a:prstGeom prst="rect">
-            <a:avLst/>
-          </a:prstGeom>
-        </p:spPr>
-      </p:pic>
-      <p:cxnSp>
-        <p:nvCxnSpPr>
-          <p:cNvPr id="13" name="Connettore diritto 12">
-            <a:extLst>
-              <a:ext uri="{FF2B5EF4-FFF2-40B4-BE49-F238E27FC236}">
-                <a16:creationId xmlns:a16="http://schemas.microsoft.com/office/drawing/2014/main" id="{2B71F9EF-2C06-466B-83F1-C25AF5327BE5}"/>
-              </a:ext>
-            </a:extLst>
-          </p:cNvPr>
-          <p:cNvCxnSpPr>
-            <a:cxnSpLocks/>
-          </p:cNvCxnSpPr>
-          <p:nvPr/>
-        </p:nvCxnSpPr>
-        <p:spPr>
-          <a:xfrm flipV="1">
-            <a:off x="6916872" y="2742143"/>
-            <a:ext cx="899587" cy="1"/>
-          </a:xfrm>
-          <a:prstGeom prst="line">
-            <a:avLst/>
-          </a:prstGeom>
-        </p:spPr>
-        <p:style>
-          <a:lnRef idx="1">
-            <a:schemeClr val="dk1"/>
-          </a:lnRef>
-          <a:fillRef idx="0">
-            <a:schemeClr val="dk1"/>
-          </a:fillRef>
-          <a:effectRef idx="0">
-            <a:schemeClr val="dk1"/>
-          </a:effectRef>
-          <a:fontRef idx="minor">
-            <a:schemeClr val="tx1"/>
-          </a:fontRef>
-        </p:style>
-      </p:cxnSp>
-      <p:sp>
-        <p:nvSpPr>
-          <p:cNvPr id="14" name="CasellaDiTesto 13">
-            <a:extLst>
-              <a:ext uri="{FF2B5EF4-FFF2-40B4-BE49-F238E27FC236}">
-                <a16:creationId xmlns:a16="http://schemas.microsoft.com/office/drawing/2014/main" id="{944BB557-FDDB-41E2-8D87-C212A3D9DC8F}"/>
+      <p:sp>
+        <p:nvSpPr>
+          <p:cNvPr id="24" name="CasellaDiTesto 23">
+            <a:extLst>
+              <a:ext uri="{FF2B5EF4-FFF2-40B4-BE49-F238E27FC236}">
+                <a16:creationId xmlns:a16="http://schemas.microsoft.com/office/drawing/2014/main" id="{5DAB7902-6620-4D06-AA77-E5739823E1DB}"/>
               </a:ext>
             </a:extLst>
           </p:cNvPr>
@@ -6712,13 +5665,18 @@
         </p:nvSpPr>
         <p:spPr>
           <a:xfrm>
-            <a:off x="281354" y="5261317"/>
-            <a:ext cx="8637563" cy="830997"/>
+            <a:off x="3222495" y="4431632"/>
+            <a:ext cx="2536736" cy="738664"/>
           </a:xfrm>
           <a:prstGeom prst="rect">
             <a:avLst/>
           </a:prstGeom>
           <a:noFill/>
+          <a:ln>
+            <a:solidFill>
+              <a:schemeClr val="accent1"/>
+            </a:solidFill>
+          </a:ln>
         </p:spPr>
         <p:txBody>
           <a:bodyPr wrap="square" rtlCol="0">
@@ -6726,102 +5684,102 @@
           </a:bodyPr>
           <a:lstStyle/>
           <a:p>
-            <a:pPr marL="285750" indent="-285750">
-              <a:buFont typeface="Arial" panose="020B0604020202020204" pitchFamily="34" charset="0"/>
-              <a:buChar char="•"/>
-            </a:pPr>
-            <a:r>
-              <a:rPr lang="it-IT" sz="2400" dirty="0" err="1"/>
-              <a:t>When</a:t>
-            </a:r>
-            <a:r>
-              <a:rPr lang="it-IT" sz="2400" dirty="0"/>
-              <a:t> the link </a:t>
-            </a:r>
-            <a:r>
-              <a:rPr lang="it-IT" sz="2400" dirty="0" err="1"/>
-              <a:t>returns</a:t>
-            </a:r>
-            <a:r>
-              <a:rPr lang="it-IT" sz="2400" dirty="0"/>
-              <a:t> </a:t>
-            </a:r>
-            <a:r>
-              <a:rPr lang="it-IT" sz="2400" dirty="0" err="1"/>
-              <a:t>active</a:t>
-            </a:r>
-            <a:r>
-              <a:rPr lang="it-IT" sz="2400" dirty="0"/>
-              <a:t>, </a:t>
-            </a:r>
-            <a:r>
-              <a:rPr lang="it-IT" sz="2400" dirty="0" err="1"/>
-              <a:t>all</a:t>
-            </a:r>
-            <a:r>
-              <a:rPr lang="it-IT" sz="2400" dirty="0"/>
-              <a:t> of the default rules are re-</a:t>
-            </a:r>
-            <a:r>
-              <a:rPr lang="it-IT" sz="2400" dirty="0" err="1"/>
-              <a:t>installed</a:t>
-            </a:r>
-            <a:r>
-              <a:rPr lang="it-IT" sz="2400" dirty="0"/>
-              <a:t> and </a:t>
-            </a:r>
-            <a:r>
-              <a:rPr lang="it-IT" sz="2400" dirty="0" err="1"/>
-              <a:t>packets</a:t>
-            </a:r>
-            <a:r>
-              <a:rPr lang="it-IT" sz="2400" dirty="0"/>
-              <a:t> </a:t>
-            </a:r>
-            <a:r>
-              <a:rPr lang="it-IT" sz="2400" dirty="0" err="1"/>
-              <a:t>will</a:t>
-            </a:r>
-            <a:r>
-              <a:rPr lang="it-IT" sz="2400" dirty="0"/>
-              <a:t> be </a:t>
-            </a:r>
-            <a:r>
-              <a:rPr lang="it-IT" sz="2400" dirty="0" err="1"/>
-              <a:t>routed</a:t>
-            </a:r>
-            <a:r>
-              <a:rPr lang="it-IT" sz="2400" dirty="0"/>
-              <a:t> </a:t>
-            </a:r>
-            <a:r>
-              <a:rPr lang="it-IT" sz="2400" dirty="0" err="1"/>
-              <a:t>again</a:t>
-            </a:r>
-            <a:r>
-              <a:rPr lang="it-IT" sz="2400" dirty="0"/>
-              <a:t> on the </a:t>
-            </a:r>
-            <a:r>
-              <a:rPr lang="it-IT" sz="2400" dirty="0" err="1"/>
-              <a:t>previous</a:t>
-            </a:r>
-            <a:r>
-              <a:rPr lang="it-IT" sz="2400" dirty="0"/>
-              <a:t> </a:t>
-            </a:r>
-            <a:r>
-              <a:rPr lang="it-IT" sz="2400" dirty="0" err="1"/>
-              <a:t>path</a:t>
-            </a:r>
-            <a:endParaRPr lang="it-IT" sz="2400" dirty="0"/>
+            <a:r>
+              <a:rPr lang="it-IT" sz="1400" dirty="0"/>
+              <a:t>Action set on switch 4:</a:t>
+            </a:r>
+          </a:p>
+          <a:p>
+            <a:r>
+              <a:rPr lang="it-IT" sz="1400" dirty="0" err="1"/>
+              <a:t>Inport</a:t>
+            </a:r>
+            <a:r>
+              <a:rPr lang="it-IT" sz="1400" dirty="0"/>
+              <a:t> 1 (label=2) =&gt; </a:t>
+            </a:r>
+            <a:r>
+              <a:rPr lang="it-IT" sz="1400" dirty="0" err="1"/>
+              <a:t>outport</a:t>
+            </a:r>
+            <a:r>
+              <a:rPr lang="it-IT" sz="1400" dirty="0"/>
+              <a:t> 2</a:t>
+            </a:r>
+          </a:p>
+          <a:p>
+            <a:r>
+              <a:rPr lang="it-IT" sz="1400" dirty="0" err="1"/>
+              <a:t>Inport</a:t>
+            </a:r>
+            <a:r>
+              <a:rPr lang="it-IT" sz="1400" dirty="0"/>
+              <a:t> 2 (label=2) =&gt; </a:t>
+            </a:r>
+            <a:r>
+              <a:rPr lang="it-IT" sz="1400" dirty="0" err="1"/>
+              <a:t>outport</a:t>
+            </a:r>
+            <a:r>
+              <a:rPr lang="it-IT" sz="1400" dirty="0"/>
+              <a:t> 1</a:t>
+            </a:r>
+          </a:p>
+        </p:txBody>
+      </p:sp>
+      <p:sp>
+        <p:nvSpPr>
+          <p:cNvPr id="25" name="Segno di moltiplicazione 24">
+            <a:extLst>
+              <a:ext uri="{FF2B5EF4-FFF2-40B4-BE49-F238E27FC236}">
+                <a16:creationId xmlns:a16="http://schemas.microsoft.com/office/drawing/2014/main" id="{1E4E5870-F5B2-43EE-A7EF-EA9B6AEEBB4B}"/>
+              </a:ext>
+            </a:extLst>
+          </p:cNvPr>
+          <p:cNvSpPr/>
+          <p:nvPr/>
+        </p:nvSpPr>
+        <p:spPr>
+          <a:xfrm>
+            <a:off x="3201890" y="1800002"/>
+            <a:ext cx="772730" cy="668295"/>
+          </a:xfrm>
+          <a:prstGeom prst="mathMultiply">
+            <a:avLst/>
+          </a:prstGeom>
+          <a:solidFill>
+            <a:srgbClr val="FF0000"/>
+          </a:solidFill>
+        </p:spPr>
+        <p:style>
+          <a:lnRef idx="2">
+            <a:schemeClr val="accent1">
+              <a:shade val="50000"/>
+            </a:schemeClr>
+          </a:lnRef>
+          <a:fillRef idx="1">
+            <a:schemeClr val="accent1"/>
+          </a:fillRef>
+          <a:effectRef idx="0">
+            <a:schemeClr val="accent1"/>
+          </a:effectRef>
+          <a:fontRef idx="minor">
+            <a:schemeClr val="lt1"/>
+          </a:fontRef>
+        </p:style>
+        <p:txBody>
+          <a:bodyPr rtlCol="0" anchor="ctr"/>
+          <a:lstStyle/>
+          <a:p>
+            <a:pPr algn="ctr"/>
+            <a:endParaRPr lang="it-IT"/>
           </a:p>
         </p:txBody>
       </p:sp>
     </p:spTree>
     <p:extLst>
       <p:ext uri="{BB962C8B-B14F-4D97-AF65-F5344CB8AC3E}">
-        <p14:creationId xmlns:p14="http://schemas.microsoft.com/office/powerpoint/2010/main" val="3010816986"/>
+        <p14:creationId xmlns:p14="http://schemas.microsoft.com/office/powerpoint/2010/main" val="3935459807"/>
       </p:ext>
     </p:extLst>
   </p:cSld>

--- a/template_project_exam__1_.pptx
+++ b/template_project_exam__1_.pptx
@@ -5,7 +5,7 @@
     <p:sldMasterId id="2147483660" r:id="rId1"/>
   </p:sldMasterIdLst>
   <p:notesMasterIdLst>
-    <p:notesMasterId r:id="rId14"/>
+    <p:notesMasterId r:id="rId19"/>
   </p:notesMasterIdLst>
   <p:sldIdLst>
     <p:sldId id="256" r:id="rId2"/>
@@ -19,7 +19,12 @@
     <p:sldId id="261" r:id="rId10"/>
     <p:sldId id="267" r:id="rId11"/>
     <p:sldId id="270" r:id="rId12"/>
-    <p:sldId id="259" r:id="rId13"/>
+    <p:sldId id="272" r:id="rId13"/>
+    <p:sldId id="273" r:id="rId14"/>
+    <p:sldId id="274" r:id="rId15"/>
+    <p:sldId id="275" r:id="rId16"/>
+    <p:sldId id="276" r:id="rId17"/>
+    <p:sldId id="259" r:id="rId18"/>
   </p:sldIdLst>
   <p:sldSz cx="9144000" cy="6858000" type="screen4x3"/>
   <p:notesSz cx="6858000" cy="9144000"/>
@@ -124,6 +129,2147 @@
     </p:ext>
   </p:extLst>
 </p:presentation>
+</file>
+
+<file path=ppt/charts/chart1.xml><?xml version="1.0" encoding="utf-8"?>
+<c:chartSpace xmlns:c="http://schemas.openxmlformats.org/drawingml/2006/chart" xmlns:a="http://schemas.openxmlformats.org/drawingml/2006/main" xmlns:r="http://schemas.openxmlformats.org/officeDocument/2006/relationships" xmlns:c16r2="http://schemas.microsoft.com/office/drawing/2015/06/chart">
+  <c:date1904 val="0"/>
+  <c:lang val="it-IT"/>
+  <c:roundedCorners val="0"/>
+  <mc:AlternateContent xmlns:mc="http://schemas.openxmlformats.org/markup-compatibility/2006">
+    <mc:Choice xmlns:c14="http://schemas.microsoft.com/office/drawing/2007/8/2/chart" Requires="c14">
+      <c14:style val="102"/>
+    </mc:Choice>
+    <mc:Fallback>
+      <c:style val="2"/>
+    </mc:Fallback>
+  </mc:AlternateContent>
+  <c:chart>
+    <c:title>
+      <c:tx>
+        <c:rich>
+          <a:bodyPr rot="0" spcFirstLastPara="1" vertOverflow="ellipsis" vert="horz" wrap="square" anchor="ctr" anchorCtr="1"/>
+          <a:lstStyle/>
+          <a:p>
+            <a:pPr>
+              <a:defRPr sz="1600" b="1" i="0" u="none" strike="noStrike" kern="1200" baseline="0">
+                <a:solidFill>
+                  <a:schemeClr val="tx1">
+                    <a:lumMod val="65000"/>
+                    <a:lumOff val="35000"/>
+                  </a:schemeClr>
+                </a:solidFill>
+                <a:latin typeface="+mn-lt"/>
+                <a:ea typeface="+mn-ea"/>
+                <a:cs typeface="+mn-cs"/>
+              </a:defRPr>
+            </a:pPr>
+            <a:r>
+              <a:rPr lang="it-IT"/>
+              <a:t>Rules installation time</a:t>
+            </a:r>
+          </a:p>
+        </c:rich>
+      </c:tx>
+      <c:overlay val="0"/>
+      <c:spPr>
+        <a:noFill/>
+        <a:ln>
+          <a:noFill/>
+        </a:ln>
+        <a:effectLst/>
+      </c:spPr>
+      <c:txPr>
+        <a:bodyPr rot="0" spcFirstLastPara="1" vertOverflow="ellipsis" vert="horz" wrap="square" anchor="ctr" anchorCtr="1"/>
+        <a:lstStyle/>
+        <a:p>
+          <a:pPr>
+            <a:defRPr sz="1600" b="1" i="0" u="none" strike="noStrike" kern="1200" baseline="0">
+              <a:solidFill>
+                <a:schemeClr val="tx1">
+                  <a:lumMod val="65000"/>
+                  <a:lumOff val="35000"/>
+                </a:schemeClr>
+              </a:solidFill>
+              <a:latin typeface="+mn-lt"/>
+              <a:ea typeface="+mn-ea"/>
+              <a:cs typeface="+mn-cs"/>
+            </a:defRPr>
+          </a:pPr>
+          <a:endParaRPr lang="it-IT"/>
+        </a:p>
+      </c:txPr>
+    </c:title>
+    <c:autoTitleDeleted val="0"/>
+    <c:plotArea>
+      <c:layout/>
+      <c:barChart>
+        <c:barDir val="col"/>
+        <c:grouping val="clustered"/>
+        <c:varyColors val="0"/>
+        <c:ser>
+          <c:idx val="0"/>
+          <c:order val="0"/>
+          <c:spPr>
+            <a:gradFill rotWithShape="1">
+              <a:gsLst>
+                <a:gs pos="0">
+                  <a:schemeClr val="accent1">
+                    <a:satMod val="103000"/>
+                    <a:lumMod val="102000"/>
+                    <a:tint val="94000"/>
+                  </a:schemeClr>
+                </a:gs>
+                <a:gs pos="50000">
+                  <a:schemeClr val="accent1">
+                    <a:satMod val="110000"/>
+                    <a:lumMod val="100000"/>
+                    <a:shade val="100000"/>
+                  </a:schemeClr>
+                </a:gs>
+                <a:gs pos="100000">
+                  <a:schemeClr val="accent1">
+                    <a:lumMod val="99000"/>
+                    <a:satMod val="120000"/>
+                    <a:shade val="78000"/>
+                  </a:schemeClr>
+                </a:gs>
+              </a:gsLst>
+              <a:lin ang="5400000" scaled="0"/>
+            </a:gradFill>
+            <a:ln>
+              <a:noFill/>
+            </a:ln>
+            <a:effectLst>
+              <a:outerShdw blurRad="57150" dist="19050" dir="5400000" algn="ctr" rotWithShape="0">
+                <a:srgbClr val="000000">
+                  <a:alpha val="63000"/>
+                </a:srgbClr>
+              </a:outerShdw>
+            </a:effectLst>
+          </c:spPr>
+          <c:invertIfNegative val="0"/>
+          <c:dLbls>
+            <c:dLbl>
+              <c:idx val="0"/>
+              <c:tx>
+                <c:rich>
+                  <a:bodyPr/>
+                  <a:lstStyle/>
+                  <a:p>
+                    <a:r>
+                      <a:rPr lang="en-US"/>
+                      <a:t>3,963423</a:t>
+                    </a:r>
+                    <a:fld id="{4C726A5F-0043-405F-B56F-24B1C919FD58}" type="VALUE">
+                      <a:rPr lang="en-US"/>
+                      <a:pPr/>
+                      <a:t>[VALORE]</a:t>
+                    </a:fld>
+                    <a:endParaRPr lang="en-US"/>
+                  </a:p>
+                </c:rich>
+              </c:tx>
+              <c:dLblPos val="outEnd"/>
+              <c:showLegendKey val="0"/>
+              <c:showVal val="1"/>
+              <c:showCatName val="0"/>
+              <c:showSerName val="0"/>
+              <c:showPercent val="0"/>
+              <c:showBubbleSize val="0"/>
+              <c:extLst>
+                <c:ext xmlns:c15="http://schemas.microsoft.com/office/drawing/2012/chart" uri="{CE6537A1-D6FC-4f65-9D91-7224C49458BB}">
+                  <c15:dlblFieldTable/>
+                  <c15:showDataLabelsRange val="0"/>
+                </c:ext>
+                <c:ext xmlns:c16="http://schemas.microsoft.com/office/drawing/2014/chart" uri="{C3380CC4-5D6E-409C-BE32-E72D297353CC}">
+                  <c16:uniqueId val="{00000000-B5B4-4139-98D9-09ADB586E8C8}"/>
+                </c:ext>
+              </c:extLst>
+            </c:dLbl>
+            <c:dLbl>
+              <c:idx val="2"/>
+              <c:tx>
+                <c:rich>
+                  <a:bodyPr/>
+                  <a:lstStyle/>
+                  <a:p>
+                    <a:r>
+                      <a:rPr lang="en-US" sz="900" b="0" i="0" u="none" strike="noStrike" baseline="0"/>
+                      <a:t>5,598686</a:t>
+                    </a:r>
+                    <a:fld id="{6777B2DB-CD38-4B34-8B57-1CA5CE4F41A0}" type="VALUE">
+                      <a:rPr lang="en-US"/>
+                      <a:pPr/>
+                      <a:t>[VALORE]</a:t>
+                    </a:fld>
+                    <a:endParaRPr lang="en-US" sz="900" b="0" i="0" u="none" strike="noStrike" baseline="0"/>
+                  </a:p>
+                </c:rich>
+              </c:tx>
+              <c:dLblPos val="outEnd"/>
+              <c:showLegendKey val="0"/>
+              <c:showVal val="1"/>
+              <c:showCatName val="0"/>
+              <c:showSerName val="0"/>
+              <c:showPercent val="0"/>
+              <c:showBubbleSize val="0"/>
+              <c:extLst>
+                <c:ext xmlns:c15="http://schemas.microsoft.com/office/drawing/2012/chart" uri="{CE6537A1-D6FC-4f65-9D91-7224C49458BB}">
+                  <c15:dlblFieldTable/>
+                  <c15:showDataLabelsRange val="0"/>
+                </c:ext>
+                <c:ext xmlns:c16="http://schemas.microsoft.com/office/drawing/2014/chart" uri="{C3380CC4-5D6E-409C-BE32-E72D297353CC}">
+                  <c16:uniqueId val="{00000001-B5B4-4139-98D9-09ADB586E8C8}"/>
+                </c:ext>
+              </c:extLst>
+            </c:dLbl>
+            <c:dLbl>
+              <c:idx val="8"/>
+              <c:tx>
+                <c:rich>
+                  <a:bodyPr/>
+                  <a:lstStyle/>
+                  <a:p>
+                    <a:r>
+                      <a:rPr lang="en-US"/>
+                      <a:t>1,088577</a:t>
+                    </a:r>
+                    <a:fld id="{281BCE33-B673-4AAC-B16B-95437EFFEDB2}" type="VALUE">
+                      <a:rPr lang="en-US"/>
+                      <a:pPr/>
+                      <a:t>[VALORE]</a:t>
+                    </a:fld>
+                    <a:endParaRPr lang="en-US"/>
+                  </a:p>
+                </c:rich>
+              </c:tx>
+              <c:dLblPos val="outEnd"/>
+              <c:showLegendKey val="0"/>
+              <c:showVal val="1"/>
+              <c:showCatName val="0"/>
+              <c:showSerName val="0"/>
+              <c:showPercent val="0"/>
+              <c:showBubbleSize val="0"/>
+              <c:extLst>
+                <c:ext xmlns:c15="http://schemas.microsoft.com/office/drawing/2012/chart" uri="{CE6537A1-D6FC-4f65-9D91-7224C49458BB}">
+                  <c15:dlblFieldTable/>
+                  <c15:showDataLabelsRange val="0"/>
+                </c:ext>
+                <c:ext xmlns:c16="http://schemas.microsoft.com/office/drawing/2014/chart" uri="{C3380CC4-5D6E-409C-BE32-E72D297353CC}">
+                  <c16:uniqueId val="{00000002-B5B4-4139-98D9-09ADB586E8C8}"/>
+                </c:ext>
+              </c:extLst>
+            </c:dLbl>
+            <c:spPr>
+              <a:noFill/>
+              <a:ln>
+                <a:noFill/>
+              </a:ln>
+              <a:effectLst/>
+            </c:spPr>
+            <c:txPr>
+              <a:bodyPr rot="0" spcFirstLastPara="1" vertOverflow="ellipsis" vert="horz" wrap="square" lIns="38100" tIns="19050" rIns="38100" bIns="19050" anchor="ctr" anchorCtr="1">
+                <a:spAutoFit/>
+              </a:bodyPr>
+              <a:lstStyle/>
+              <a:p>
+                <a:pPr>
+                  <a:defRPr sz="900" b="0" i="0" u="none" strike="noStrike" kern="1200" baseline="0">
+                    <a:solidFill>
+                      <a:schemeClr val="tx1">
+                        <a:lumMod val="75000"/>
+                        <a:lumOff val="25000"/>
+                      </a:schemeClr>
+                    </a:solidFill>
+                    <a:latin typeface="+mn-lt"/>
+                    <a:ea typeface="+mn-ea"/>
+                    <a:cs typeface="+mn-cs"/>
+                  </a:defRPr>
+                </a:pPr>
+                <a:endParaRPr lang="it-IT"/>
+              </a:p>
+            </c:txPr>
+            <c:dLblPos val="outEnd"/>
+            <c:showLegendKey val="0"/>
+            <c:showVal val="1"/>
+            <c:showCatName val="0"/>
+            <c:showSerName val="0"/>
+            <c:showPercent val="0"/>
+            <c:showBubbleSize val="0"/>
+            <c:showLeaderLines val="0"/>
+            <c:extLst>
+              <c:ext xmlns:c15="http://schemas.microsoft.com/office/drawing/2012/chart" uri="{CE6537A1-D6FC-4f65-9D91-7224C49458BB}">
+                <c15:showLeaderLines val="1"/>
+                <c15:leaderLines>
+                  <c:spPr>
+                    <a:ln w="9525" cap="flat" cmpd="sng" algn="ctr">
+                      <a:solidFill>
+                        <a:schemeClr val="tx1">
+                          <a:lumMod val="35000"/>
+                          <a:lumOff val="65000"/>
+                        </a:schemeClr>
+                      </a:solidFill>
+                      <a:round/>
+                    </a:ln>
+                    <a:effectLst/>
+                  </c:spPr>
+                </c15:leaderLines>
+              </c:ext>
+            </c:extLst>
+          </c:dLbls>
+          <c:val>
+            <c:numRef>
+              <c:f>Foglio1!$A$1:$A$10</c:f>
+              <c:numCache>
+                <c:formatCode>General</c:formatCode>
+                <c:ptCount val="10"/>
+                <c:pt idx="0" formatCode="#,##0">
+                  <c:v>3.9634230000000001</c:v>
+                </c:pt>
+                <c:pt idx="1">
+                  <c:v>0.27818399999999999</c:v>
+                </c:pt>
+                <c:pt idx="2" formatCode="#,##0">
+                  <c:v>5.5986859999999998</c:v>
+                </c:pt>
+                <c:pt idx="3">
+                  <c:v>4.4990000000000004E-3</c:v>
+                </c:pt>
+                <c:pt idx="4">
+                  <c:v>8.8248999999999994E-2</c:v>
+                </c:pt>
+                <c:pt idx="5">
+                  <c:v>0.444517</c:v>
+                </c:pt>
+                <c:pt idx="6">
+                  <c:v>0.33728000000000002</c:v>
+                </c:pt>
+                <c:pt idx="7">
+                  <c:v>1.817E-3</c:v>
+                </c:pt>
+                <c:pt idx="8" formatCode="#,##0">
+                  <c:v>1.0885769999999999</c:v>
+                </c:pt>
+                <c:pt idx="9">
+                  <c:v>0.30131999999999998</c:v>
+                </c:pt>
+              </c:numCache>
+            </c:numRef>
+          </c:val>
+          <c:extLst>
+            <c:ext xmlns:c16="http://schemas.microsoft.com/office/drawing/2014/chart" uri="{C3380CC4-5D6E-409C-BE32-E72D297353CC}">
+              <c16:uniqueId val="{00000003-B5B4-4139-98D9-09ADB586E8C8}"/>
+            </c:ext>
+          </c:extLst>
+        </c:ser>
+        <c:dLbls>
+          <c:dLblPos val="outEnd"/>
+          <c:showLegendKey val="0"/>
+          <c:showVal val="1"/>
+          <c:showCatName val="0"/>
+          <c:showSerName val="0"/>
+          <c:showPercent val="0"/>
+          <c:showBubbleSize val="0"/>
+        </c:dLbls>
+        <c:gapWidth val="100"/>
+        <c:overlap val="-24"/>
+        <c:axId val="564886520"/>
+        <c:axId val="564888440"/>
+      </c:barChart>
+      <c:catAx>
+        <c:axId val="564886520"/>
+        <c:scaling>
+          <c:orientation val="minMax"/>
+        </c:scaling>
+        <c:delete val="0"/>
+        <c:axPos val="b"/>
+        <c:title>
+          <c:tx>
+            <c:rich>
+              <a:bodyPr rot="0" spcFirstLastPara="1" vertOverflow="ellipsis" vert="horz" wrap="square" anchor="ctr" anchorCtr="1"/>
+              <a:lstStyle/>
+              <a:p>
+                <a:pPr>
+                  <a:defRPr sz="900" b="0" i="0" u="none" strike="noStrike" kern="1200" baseline="0">
+                    <a:solidFill>
+                      <a:schemeClr val="tx1">
+                        <a:lumMod val="65000"/>
+                        <a:lumOff val="35000"/>
+                      </a:schemeClr>
+                    </a:solidFill>
+                    <a:latin typeface="+mn-lt"/>
+                    <a:ea typeface="+mn-ea"/>
+                    <a:cs typeface="+mn-cs"/>
+                  </a:defRPr>
+                </a:pPr>
+                <a:r>
+                  <a:rPr lang="it-IT"/>
+                  <a:t>samples</a:t>
+                </a:r>
+              </a:p>
+            </c:rich>
+          </c:tx>
+          <c:overlay val="0"/>
+          <c:spPr>
+            <a:noFill/>
+            <a:ln>
+              <a:noFill/>
+            </a:ln>
+            <a:effectLst/>
+          </c:spPr>
+          <c:txPr>
+            <a:bodyPr rot="0" spcFirstLastPara="1" vertOverflow="ellipsis" vert="horz" wrap="square" anchor="ctr" anchorCtr="1"/>
+            <a:lstStyle/>
+            <a:p>
+              <a:pPr>
+                <a:defRPr sz="900" b="0" i="0" u="none" strike="noStrike" kern="1200" baseline="0">
+                  <a:solidFill>
+                    <a:schemeClr val="tx1">
+                      <a:lumMod val="65000"/>
+                      <a:lumOff val="35000"/>
+                    </a:schemeClr>
+                  </a:solidFill>
+                  <a:latin typeface="+mn-lt"/>
+                  <a:ea typeface="+mn-ea"/>
+                  <a:cs typeface="+mn-cs"/>
+                </a:defRPr>
+              </a:pPr>
+              <a:endParaRPr lang="it-IT"/>
+            </a:p>
+          </c:txPr>
+        </c:title>
+        <c:numFmt formatCode="General" sourceLinked="1"/>
+        <c:majorTickMark val="none"/>
+        <c:minorTickMark val="none"/>
+        <c:tickLblPos val="nextTo"/>
+        <c:spPr>
+          <a:noFill/>
+          <a:ln w="12700" cap="flat" cmpd="sng" algn="ctr">
+            <a:solidFill>
+              <a:schemeClr val="tx1">
+                <a:lumMod val="15000"/>
+                <a:lumOff val="85000"/>
+              </a:schemeClr>
+            </a:solidFill>
+            <a:round/>
+          </a:ln>
+          <a:effectLst/>
+        </c:spPr>
+        <c:txPr>
+          <a:bodyPr rot="-60000000" spcFirstLastPara="1" vertOverflow="ellipsis" vert="horz" wrap="square" anchor="ctr" anchorCtr="1"/>
+          <a:lstStyle/>
+          <a:p>
+            <a:pPr>
+              <a:defRPr sz="900" b="0" i="0" u="none" strike="noStrike" kern="1200" baseline="0">
+                <a:solidFill>
+                  <a:schemeClr val="tx1">
+                    <a:lumMod val="65000"/>
+                    <a:lumOff val="35000"/>
+                  </a:schemeClr>
+                </a:solidFill>
+                <a:latin typeface="+mn-lt"/>
+                <a:ea typeface="+mn-ea"/>
+                <a:cs typeface="+mn-cs"/>
+              </a:defRPr>
+            </a:pPr>
+            <a:endParaRPr lang="it-IT"/>
+          </a:p>
+        </c:txPr>
+        <c:crossAx val="564888440"/>
+        <c:crosses val="autoZero"/>
+        <c:auto val="1"/>
+        <c:lblAlgn val="ctr"/>
+        <c:lblOffset val="100"/>
+        <c:tickMarkSkip val="21"/>
+        <c:noMultiLvlLbl val="0"/>
+      </c:catAx>
+      <c:valAx>
+        <c:axId val="564888440"/>
+        <c:scaling>
+          <c:orientation val="minMax"/>
+        </c:scaling>
+        <c:delete val="0"/>
+        <c:axPos val="l"/>
+        <c:majorGridlines>
+          <c:spPr>
+            <a:ln w="9525" cap="flat" cmpd="sng" algn="ctr">
+              <a:solidFill>
+                <a:schemeClr val="tx1">
+                  <a:lumMod val="15000"/>
+                  <a:lumOff val="85000"/>
+                </a:schemeClr>
+              </a:solidFill>
+              <a:round/>
+            </a:ln>
+            <a:effectLst/>
+          </c:spPr>
+        </c:majorGridlines>
+        <c:title>
+          <c:tx>
+            <c:rich>
+              <a:bodyPr rot="-5400000" spcFirstLastPara="1" vertOverflow="ellipsis" vert="horz" wrap="square" anchor="ctr" anchorCtr="1"/>
+              <a:lstStyle/>
+              <a:p>
+                <a:pPr>
+                  <a:defRPr sz="900" b="0" i="0" u="none" strike="noStrike" kern="1200" baseline="0">
+                    <a:solidFill>
+                      <a:schemeClr val="tx1">
+                        <a:lumMod val="65000"/>
+                        <a:lumOff val="35000"/>
+                      </a:schemeClr>
+                    </a:solidFill>
+                    <a:latin typeface="+mn-lt"/>
+                    <a:ea typeface="+mn-ea"/>
+                    <a:cs typeface="+mn-cs"/>
+                  </a:defRPr>
+                </a:pPr>
+                <a:r>
+                  <a:rPr lang="it-IT"/>
+                  <a:t>time (s)</a:t>
+                </a:r>
+              </a:p>
+            </c:rich>
+          </c:tx>
+          <c:overlay val="0"/>
+          <c:spPr>
+            <a:noFill/>
+            <a:ln>
+              <a:noFill/>
+            </a:ln>
+            <a:effectLst/>
+          </c:spPr>
+          <c:txPr>
+            <a:bodyPr rot="-5400000" spcFirstLastPara="1" vertOverflow="ellipsis" vert="horz" wrap="square" anchor="ctr" anchorCtr="1"/>
+            <a:lstStyle/>
+            <a:p>
+              <a:pPr>
+                <a:defRPr sz="900" b="0" i="0" u="none" strike="noStrike" kern="1200" baseline="0">
+                  <a:solidFill>
+                    <a:schemeClr val="tx1">
+                      <a:lumMod val="65000"/>
+                      <a:lumOff val="35000"/>
+                    </a:schemeClr>
+                  </a:solidFill>
+                  <a:latin typeface="+mn-lt"/>
+                  <a:ea typeface="+mn-ea"/>
+                  <a:cs typeface="+mn-cs"/>
+                </a:defRPr>
+              </a:pPr>
+              <a:endParaRPr lang="it-IT"/>
+            </a:p>
+          </c:txPr>
+        </c:title>
+        <c:numFmt formatCode="#,##0.00" sourceLinked="0"/>
+        <c:majorTickMark val="none"/>
+        <c:minorTickMark val="none"/>
+        <c:tickLblPos val="low"/>
+        <c:spPr>
+          <a:noFill/>
+          <a:ln>
+            <a:noFill/>
+          </a:ln>
+          <a:effectLst/>
+        </c:spPr>
+        <c:txPr>
+          <a:bodyPr rot="-60000000" spcFirstLastPara="1" vertOverflow="ellipsis" vert="horz" wrap="square" anchor="ctr" anchorCtr="1"/>
+          <a:lstStyle/>
+          <a:p>
+            <a:pPr>
+              <a:defRPr sz="900" b="0" i="0" u="none" strike="noStrike" kern="1200" baseline="0">
+                <a:solidFill>
+                  <a:schemeClr val="tx1">
+                    <a:lumMod val="65000"/>
+                    <a:lumOff val="35000"/>
+                  </a:schemeClr>
+                </a:solidFill>
+                <a:latin typeface="+mn-lt"/>
+                <a:ea typeface="+mn-ea"/>
+                <a:cs typeface="+mn-cs"/>
+              </a:defRPr>
+            </a:pPr>
+            <a:endParaRPr lang="it-IT"/>
+          </a:p>
+        </c:txPr>
+        <c:crossAx val="564886520"/>
+        <c:crosses val="autoZero"/>
+        <c:crossBetween val="between"/>
+        <c:majorUnit val="0.5"/>
+        <c:minorUnit val="1.0000000000000002E-2"/>
+      </c:valAx>
+      <c:spPr>
+        <a:noFill/>
+        <a:ln>
+          <a:noFill/>
+        </a:ln>
+        <a:effectLst/>
+      </c:spPr>
+    </c:plotArea>
+    <c:plotVisOnly val="1"/>
+    <c:dispBlanksAs val="gap"/>
+    <c:showDLblsOverMax val="0"/>
+  </c:chart>
+  <c:spPr>
+    <a:noFill/>
+    <a:ln>
+      <a:noFill/>
+    </a:ln>
+    <a:effectLst/>
+  </c:spPr>
+  <c:txPr>
+    <a:bodyPr/>
+    <a:lstStyle/>
+    <a:p>
+      <a:pPr>
+        <a:defRPr/>
+      </a:pPr>
+      <a:endParaRPr lang="it-IT"/>
+    </a:p>
+  </c:txPr>
+  <c:externalData r:id="rId3">
+    <c:autoUpdate val="0"/>
+  </c:externalData>
+</c:chartSpace>
+</file>
+
+<file path=ppt/charts/chart2.xml><?xml version="1.0" encoding="utf-8"?>
+<c:chartSpace xmlns:c="http://schemas.openxmlformats.org/drawingml/2006/chart" xmlns:a="http://schemas.openxmlformats.org/drawingml/2006/main" xmlns:r="http://schemas.openxmlformats.org/officeDocument/2006/relationships" xmlns:c16r2="http://schemas.microsoft.com/office/drawing/2015/06/chart">
+  <c:date1904 val="0"/>
+  <c:lang val="it-IT"/>
+  <c:roundedCorners val="0"/>
+  <mc:AlternateContent xmlns:mc="http://schemas.openxmlformats.org/markup-compatibility/2006">
+    <mc:Choice xmlns:c14="http://schemas.microsoft.com/office/drawing/2007/8/2/chart" Requires="c14">
+      <c14:style val="102"/>
+    </mc:Choice>
+    <mc:Fallback>
+      <c:style val="2"/>
+    </mc:Fallback>
+  </mc:AlternateContent>
+  <c:chart>
+    <c:title>
+      <c:tx>
+        <c:rich>
+          <a:bodyPr rot="0" spcFirstLastPara="1" vertOverflow="ellipsis" vert="horz" wrap="square" anchor="ctr" anchorCtr="1"/>
+          <a:lstStyle/>
+          <a:p>
+            <a:pPr>
+              <a:defRPr sz="1600" b="1" i="0" u="none" strike="noStrike" kern="1200" baseline="0">
+                <a:solidFill>
+                  <a:schemeClr val="tx1">
+                    <a:lumMod val="65000"/>
+                    <a:lumOff val="35000"/>
+                  </a:schemeClr>
+                </a:solidFill>
+                <a:latin typeface="+mn-lt"/>
+                <a:ea typeface="+mn-ea"/>
+                <a:cs typeface="+mn-cs"/>
+              </a:defRPr>
+            </a:pPr>
+            <a:r>
+              <a:rPr lang="it-IT"/>
+              <a:t>path modification time testbed</a:t>
+            </a:r>
+          </a:p>
+        </c:rich>
+      </c:tx>
+      <c:overlay val="0"/>
+      <c:spPr>
+        <a:noFill/>
+        <a:ln>
+          <a:noFill/>
+        </a:ln>
+        <a:effectLst/>
+      </c:spPr>
+      <c:txPr>
+        <a:bodyPr rot="0" spcFirstLastPara="1" vertOverflow="ellipsis" vert="horz" wrap="square" anchor="ctr" anchorCtr="1"/>
+        <a:lstStyle/>
+        <a:p>
+          <a:pPr>
+            <a:defRPr sz="1600" b="1" i="0" u="none" strike="noStrike" kern="1200" baseline="0">
+              <a:solidFill>
+                <a:schemeClr val="tx1">
+                  <a:lumMod val="65000"/>
+                  <a:lumOff val="35000"/>
+                </a:schemeClr>
+              </a:solidFill>
+              <a:latin typeface="+mn-lt"/>
+              <a:ea typeface="+mn-ea"/>
+              <a:cs typeface="+mn-cs"/>
+            </a:defRPr>
+          </a:pPr>
+          <a:endParaRPr lang="it-IT"/>
+        </a:p>
+      </c:txPr>
+    </c:title>
+    <c:autoTitleDeleted val="0"/>
+    <c:plotArea>
+      <c:layout/>
+      <c:barChart>
+        <c:barDir val="col"/>
+        <c:grouping val="clustered"/>
+        <c:varyColors val="0"/>
+        <c:ser>
+          <c:idx val="0"/>
+          <c:order val="0"/>
+          <c:spPr>
+            <a:gradFill rotWithShape="1">
+              <a:gsLst>
+                <a:gs pos="0">
+                  <a:schemeClr val="accent1">
+                    <a:satMod val="103000"/>
+                    <a:lumMod val="102000"/>
+                    <a:tint val="94000"/>
+                  </a:schemeClr>
+                </a:gs>
+                <a:gs pos="50000">
+                  <a:schemeClr val="accent1">
+                    <a:satMod val="110000"/>
+                    <a:lumMod val="100000"/>
+                    <a:shade val="100000"/>
+                  </a:schemeClr>
+                </a:gs>
+                <a:gs pos="100000">
+                  <a:schemeClr val="accent1">
+                    <a:lumMod val="99000"/>
+                    <a:satMod val="120000"/>
+                    <a:shade val="78000"/>
+                  </a:schemeClr>
+                </a:gs>
+              </a:gsLst>
+              <a:lin ang="5400000" scaled="0"/>
+            </a:gradFill>
+            <a:ln>
+              <a:noFill/>
+            </a:ln>
+            <a:effectLst>
+              <a:outerShdw blurRad="57150" dist="19050" dir="5400000" algn="ctr" rotWithShape="0">
+                <a:srgbClr val="000000">
+                  <a:alpha val="63000"/>
+                </a:srgbClr>
+              </a:outerShdw>
+            </a:effectLst>
+          </c:spPr>
+          <c:invertIfNegative val="0"/>
+          <c:val>
+            <c:numRef>
+              <c:f>Foglio2!$A$1:$A$19</c:f>
+              <c:numCache>
+                <c:formatCode>General</c:formatCode>
+                <c:ptCount val="19"/>
+                <c:pt idx="0">
+                  <c:v>0.32311400000000001</c:v>
+                </c:pt>
+                <c:pt idx="1">
+                  <c:v>1.377E-3</c:v>
+                </c:pt>
+                <c:pt idx="2">
+                  <c:v>0.16966500000000001</c:v>
+                </c:pt>
+                <c:pt idx="3">
+                  <c:v>3.1700000000000001E-3</c:v>
+                </c:pt>
+                <c:pt idx="4">
+                  <c:v>1.6900000000000001E-3</c:v>
+                </c:pt>
+                <c:pt idx="5">
+                  <c:v>8.0492999999999995E-2</c:v>
+                </c:pt>
+                <c:pt idx="6">
+                  <c:v>2.7060000000000001E-3</c:v>
+                </c:pt>
+                <c:pt idx="7">
+                  <c:v>0.23216600000000001</c:v>
+                </c:pt>
+                <c:pt idx="8">
+                  <c:v>4.8269999999999997E-3</c:v>
+                </c:pt>
+                <c:pt idx="9">
+                  <c:v>3.8310000000000002E-3</c:v>
+                </c:pt>
+                <c:pt idx="10">
+                  <c:v>4.9189999999999998E-3</c:v>
+                </c:pt>
+                <c:pt idx="11">
+                  <c:v>3.6770000000000001E-3</c:v>
+                </c:pt>
+                <c:pt idx="12">
+                  <c:v>0.19381999999999999</c:v>
+                </c:pt>
+                <c:pt idx="13">
+                  <c:v>7.8684000000000004E-2</c:v>
+                </c:pt>
+                <c:pt idx="14">
+                  <c:v>4.7390000000000002E-3</c:v>
+                </c:pt>
+                <c:pt idx="15">
+                  <c:v>7.3681999999999997E-2</c:v>
+                </c:pt>
+                <c:pt idx="16">
+                  <c:v>0.13226099999999999</c:v>
+                </c:pt>
+                <c:pt idx="17">
+                  <c:v>1.755E-3</c:v>
+                </c:pt>
+                <c:pt idx="18">
+                  <c:v>1.885E-3</c:v>
+                </c:pt>
+              </c:numCache>
+            </c:numRef>
+          </c:val>
+          <c:extLst>
+            <c:ext xmlns:c16="http://schemas.microsoft.com/office/drawing/2014/chart" uri="{C3380CC4-5D6E-409C-BE32-E72D297353CC}">
+              <c16:uniqueId val="{00000000-004A-42C1-A206-FC0FA51B4F1A}"/>
+            </c:ext>
+          </c:extLst>
+        </c:ser>
+        <c:dLbls>
+          <c:showLegendKey val="0"/>
+          <c:showVal val="0"/>
+          <c:showCatName val="0"/>
+          <c:showSerName val="0"/>
+          <c:showPercent val="0"/>
+          <c:showBubbleSize val="0"/>
+        </c:dLbls>
+        <c:gapWidth val="100"/>
+        <c:overlap val="-24"/>
+        <c:axId val="585500280"/>
+        <c:axId val="585499320"/>
+      </c:barChart>
+      <c:catAx>
+        <c:axId val="585500280"/>
+        <c:scaling>
+          <c:orientation val="minMax"/>
+        </c:scaling>
+        <c:delete val="0"/>
+        <c:axPos val="b"/>
+        <c:title>
+          <c:tx>
+            <c:rich>
+              <a:bodyPr rot="0" spcFirstLastPara="1" vertOverflow="ellipsis" vert="horz" wrap="square" anchor="ctr" anchorCtr="1"/>
+              <a:lstStyle/>
+              <a:p>
+                <a:pPr>
+                  <a:defRPr sz="900" b="0" i="0" u="none" strike="noStrike" kern="1200" baseline="0">
+                    <a:solidFill>
+                      <a:schemeClr val="tx1">
+                        <a:lumMod val="65000"/>
+                        <a:lumOff val="35000"/>
+                      </a:schemeClr>
+                    </a:solidFill>
+                    <a:latin typeface="+mn-lt"/>
+                    <a:ea typeface="+mn-ea"/>
+                    <a:cs typeface="+mn-cs"/>
+                  </a:defRPr>
+                </a:pPr>
+                <a:r>
+                  <a:rPr lang="it-IT"/>
+                  <a:t>samples</a:t>
+                </a:r>
+              </a:p>
+            </c:rich>
+          </c:tx>
+          <c:overlay val="0"/>
+          <c:spPr>
+            <a:noFill/>
+            <a:ln>
+              <a:noFill/>
+            </a:ln>
+            <a:effectLst/>
+          </c:spPr>
+          <c:txPr>
+            <a:bodyPr rot="0" spcFirstLastPara="1" vertOverflow="ellipsis" vert="horz" wrap="square" anchor="ctr" anchorCtr="1"/>
+            <a:lstStyle/>
+            <a:p>
+              <a:pPr>
+                <a:defRPr sz="900" b="0" i="0" u="none" strike="noStrike" kern="1200" baseline="0">
+                  <a:solidFill>
+                    <a:schemeClr val="tx1">
+                      <a:lumMod val="65000"/>
+                      <a:lumOff val="35000"/>
+                    </a:schemeClr>
+                  </a:solidFill>
+                  <a:latin typeface="+mn-lt"/>
+                  <a:ea typeface="+mn-ea"/>
+                  <a:cs typeface="+mn-cs"/>
+                </a:defRPr>
+              </a:pPr>
+              <a:endParaRPr lang="it-IT"/>
+            </a:p>
+          </c:txPr>
+        </c:title>
+        <c:numFmt formatCode="General" sourceLinked="1"/>
+        <c:majorTickMark val="none"/>
+        <c:minorTickMark val="none"/>
+        <c:tickLblPos val="nextTo"/>
+        <c:spPr>
+          <a:noFill/>
+          <a:ln w="12700" cap="flat" cmpd="sng" algn="ctr">
+            <a:solidFill>
+              <a:schemeClr val="tx1">
+                <a:lumMod val="15000"/>
+                <a:lumOff val="85000"/>
+              </a:schemeClr>
+            </a:solidFill>
+            <a:round/>
+          </a:ln>
+          <a:effectLst/>
+        </c:spPr>
+        <c:txPr>
+          <a:bodyPr rot="-60000000" spcFirstLastPara="1" vertOverflow="ellipsis" vert="horz" wrap="square" anchor="ctr" anchorCtr="1"/>
+          <a:lstStyle/>
+          <a:p>
+            <a:pPr>
+              <a:defRPr sz="900" b="0" i="0" u="none" strike="noStrike" kern="1200" baseline="0">
+                <a:solidFill>
+                  <a:schemeClr val="tx1">
+                    <a:lumMod val="65000"/>
+                    <a:lumOff val="35000"/>
+                  </a:schemeClr>
+                </a:solidFill>
+                <a:latin typeface="+mn-lt"/>
+                <a:ea typeface="+mn-ea"/>
+                <a:cs typeface="+mn-cs"/>
+              </a:defRPr>
+            </a:pPr>
+            <a:endParaRPr lang="it-IT"/>
+          </a:p>
+        </c:txPr>
+        <c:crossAx val="585499320"/>
+        <c:crosses val="autoZero"/>
+        <c:auto val="1"/>
+        <c:lblAlgn val="ctr"/>
+        <c:lblOffset val="100"/>
+        <c:noMultiLvlLbl val="0"/>
+      </c:catAx>
+      <c:valAx>
+        <c:axId val="585499320"/>
+        <c:scaling>
+          <c:orientation val="minMax"/>
+        </c:scaling>
+        <c:delete val="0"/>
+        <c:axPos val="l"/>
+        <c:majorGridlines>
+          <c:spPr>
+            <a:ln w="9525" cap="flat" cmpd="sng" algn="ctr">
+              <a:solidFill>
+                <a:schemeClr val="tx1">
+                  <a:lumMod val="15000"/>
+                  <a:lumOff val="85000"/>
+                </a:schemeClr>
+              </a:solidFill>
+              <a:round/>
+            </a:ln>
+            <a:effectLst/>
+          </c:spPr>
+        </c:majorGridlines>
+        <c:title>
+          <c:tx>
+            <c:rich>
+              <a:bodyPr rot="-5400000" spcFirstLastPara="1" vertOverflow="ellipsis" vert="horz" wrap="square" anchor="ctr" anchorCtr="1"/>
+              <a:lstStyle/>
+              <a:p>
+                <a:pPr>
+                  <a:defRPr sz="900" b="0" i="0" u="none" strike="noStrike" kern="1200" baseline="0">
+                    <a:solidFill>
+                      <a:schemeClr val="tx1">
+                        <a:lumMod val="65000"/>
+                        <a:lumOff val="35000"/>
+                      </a:schemeClr>
+                    </a:solidFill>
+                    <a:latin typeface="+mn-lt"/>
+                    <a:ea typeface="+mn-ea"/>
+                    <a:cs typeface="+mn-cs"/>
+                  </a:defRPr>
+                </a:pPr>
+                <a:r>
+                  <a:rPr lang="it-IT"/>
+                  <a:t>time (s)</a:t>
+                </a:r>
+              </a:p>
+            </c:rich>
+          </c:tx>
+          <c:overlay val="0"/>
+          <c:spPr>
+            <a:noFill/>
+            <a:ln>
+              <a:noFill/>
+            </a:ln>
+            <a:effectLst/>
+          </c:spPr>
+          <c:txPr>
+            <a:bodyPr rot="-5400000" spcFirstLastPara="1" vertOverflow="ellipsis" vert="horz" wrap="square" anchor="ctr" anchorCtr="1"/>
+            <a:lstStyle/>
+            <a:p>
+              <a:pPr>
+                <a:defRPr sz="900" b="0" i="0" u="none" strike="noStrike" kern="1200" baseline="0">
+                  <a:solidFill>
+                    <a:schemeClr val="tx1">
+                      <a:lumMod val="65000"/>
+                      <a:lumOff val="35000"/>
+                    </a:schemeClr>
+                  </a:solidFill>
+                  <a:latin typeface="+mn-lt"/>
+                  <a:ea typeface="+mn-ea"/>
+                  <a:cs typeface="+mn-cs"/>
+                </a:defRPr>
+              </a:pPr>
+              <a:endParaRPr lang="it-IT"/>
+            </a:p>
+          </c:txPr>
+        </c:title>
+        <c:numFmt formatCode="General" sourceLinked="1"/>
+        <c:majorTickMark val="none"/>
+        <c:minorTickMark val="none"/>
+        <c:tickLblPos val="nextTo"/>
+        <c:spPr>
+          <a:noFill/>
+          <a:ln>
+            <a:noFill/>
+          </a:ln>
+          <a:effectLst/>
+        </c:spPr>
+        <c:txPr>
+          <a:bodyPr rot="-60000000" spcFirstLastPara="1" vertOverflow="ellipsis" vert="horz" wrap="square" anchor="ctr" anchorCtr="1"/>
+          <a:lstStyle/>
+          <a:p>
+            <a:pPr>
+              <a:defRPr sz="900" b="0" i="0" u="none" strike="noStrike" kern="1200" baseline="0">
+                <a:solidFill>
+                  <a:schemeClr val="tx1">
+                    <a:lumMod val="65000"/>
+                    <a:lumOff val="35000"/>
+                  </a:schemeClr>
+                </a:solidFill>
+                <a:latin typeface="+mn-lt"/>
+                <a:ea typeface="+mn-ea"/>
+                <a:cs typeface="+mn-cs"/>
+              </a:defRPr>
+            </a:pPr>
+            <a:endParaRPr lang="it-IT"/>
+          </a:p>
+        </c:txPr>
+        <c:crossAx val="585500280"/>
+        <c:crosses val="autoZero"/>
+        <c:crossBetween val="between"/>
+        <c:majorUnit val="2.0000000000000004E-2"/>
+      </c:valAx>
+      <c:spPr>
+        <a:noFill/>
+        <a:ln>
+          <a:noFill/>
+        </a:ln>
+        <a:effectLst/>
+      </c:spPr>
+    </c:plotArea>
+    <c:plotVisOnly val="1"/>
+    <c:dispBlanksAs val="gap"/>
+    <c:showDLblsOverMax val="0"/>
+  </c:chart>
+  <c:spPr>
+    <a:noFill/>
+    <a:ln>
+      <a:noFill/>
+    </a:ln>
+    <a:effectLst/>
+  </c:spPr>
+  <c:txPr>
+    <a:bodyPr/>
+    <a:lstStyle/>
+    <a:p>
+      <a:pPr>
+        <a:defRPr/>
+      </a:pPr>
+      <a:endParaRPr lang="it-IT"/>
+    </a:p>
+  </c:txPr>
+  <c:externalData r:id="rId3">
+    <c:autoUpdate val="0"/>
+  </c:externalData>
+</c:chartSpace>
+</file>
+
+<file path=ppt/charts/colors1.xml><?xml version="1.0" encoding="utf-8"?>
+<cs:colorStyle xmlns:cs="http://schemas.microsoft.com/office/drawing/2012/chartStyle" xmlns:a="http://schemas.openxmlformats.org/drawingml/2006/main" meth="cycle" id="10">
+  <a:schemeClr val="accent1"/>
+  <a:schemeClr val="accent2"/>
+  <a:schemeClr val="accent3"/>
+  <a:schemeClr val="accent4"/>
+  <a:schemeClr val="accent5"/>
+  <a:schemeClr val="accent6"/>
+  <cs:variation/>
+  <cs:variation>
+    <a:lumMod val="60000"/>
+  </cs:variation>
+  <cs:variation>
+    <a:lumMod val="80000"/>
+    <a:lumOff val="20000"/>
+  </cs:variation>
+  <cs:variation>
+    <a:lumMod val="80000"/>
+  </cs:variation>
+  <cs:variation>
+    <a:lumMod val="60000"/>
+    <a:lumOff val="40000"/>
+  </cs:variation>
+  <cs:variation>
+    <a:lumMod val="50000"/>
+  </cs:variation>
+  <cs:variation>
+    <a:lumMod val="70000"/>
+    <a:lumOff val="30000"/>
+  </cs:variation>
+  <cs:variation>
+    <a:lumMod val="70000"/>
+  </cs:variation>
+  <cs:variation>
+    <a:lumMod val="50000"/>
+    <a:lumOff val="50000"/>
+  </cs:variation>
+</cs:colorStyle>
+</file>
+
+<file path=ppt/charts/colors2.xml><?xml version="1.0" encoding="utf-8"?>
+<cs:colorStyle xmlns:cs="http://schemas.microsoft.com/office/drawing/2012/chartStyle" xmlns:a="http://schemas.openxmlformats.org/drawingml/2006/main" meth="cycle" id="10">
+  <a:schemeClr val="accent1"/>
+  <a:schemeClr val="accent2"/>
+  <a:schemeClr val="accent3"/>
+  <a:schemeClr val="accent4"/>
+  <a:schemeClr val="accent5"/>
+  <a:schemeClr val="accent6"/>
+  <cs:variation/>
+  <cs:variation>
+    <a:lumMod val="60000"/>
+  </cs:variation>
+  <cs:variation>
+    <a:lumMod val="80000"/>
+    <a:lumOff val="20000"/>
+  </cs:variation>
+  <cs:variation>
+    <a:lumMod val="80000"/>
+  </cs:variation>
+  <cs:variation>
+    <a:lumMod val="60000"/>
+    <a:lumOff val="40000"/>
+  </cs:variation>
+  <cs:variation>
+    <a:lumMod val="50000"/>
+  </cs:variation>
+  <cs:variation>
+    <a:lumMod val="70000"/>
+    <a:lumOff val="30000"/>
+  </cs:variation>
+  <cs:variation>
+    <a:lumMod val="70000"/>
+  </cs:variation>
+  <cs:variation>
+    <a:lumMod val="50000"/>
+    <a:lumOff val="50000"/>
+  </cs:variation>
+</cs:colorStyle>
+</file>
+
+<file path=ppt/charts/style1.xml><?xml version="1.0" encoding="utf-8"?>
+<cs:chartStyle xmlns:cs="http://schemas.microsoft.com/office/drawing/2012/chartStyle" xmlns:a="http://schemas.openxmlformats.org/drawingml/2006/main" id="340">
+  <cs:axisTitle>
+    <cs:lnRef idx="0"/>
+    <cs:fillRef idx="0"/>
+    <cs:effectRef idx="0"/>
+    <cs:fontRef idx="minor">
+      <a:schemeClr val="tx1">
+        <a:lumMod val="65000"/>
+        <a:lumOff val="35000"/>
+      </a:schemeClr>
+    </cs:fontRef>
+    <cs:defRPr sz="900" kern="1200"/>
+  </cs:axisTitle>
+  <cs:categoryAxis>
+    <cs:lnRef idx="0"/>
+    <cs:fillRef idx="0"/>
+    <cs:effectRef idx="0"/>
+    <cs:fontRef idx="minor">
+      <a:schemeClr val="tx1">
+        <a:lumMod val="65000"/>
+        <a:lumOff val="35000"/>
+      </a:schemeClr>
+    </cs:fontRef>
+    <cs:spPr>
+      <a:ln w="12700" cap="flat" cmpd="sng" algn="ctr">
+        <a:solidFill>
+          <a:schemeClr val="tx1">
+            <a:lumMod val="15000"/>
+            <a:lumOff val="85000"/>
+          </a:schemeClr>
+        </a:solidFill>
+        <a:round/>
+      </a:ln>
+    </cs:spPr>
+    <cs:defRPr sz="900" kern="1200"/>
+  </cs:categoryAxis>
+  <cs:chartArea mods="allowNoFillOverride allowNoLineOverride">
+    <cs:lnRef idx="0"/>
+    <cs:fillRef idx="0"/>
+    <cs:effectRef idx="0"/>
+    <cs:fontRef idx="minor">
+      <a:schemeClr val="tx2"/>
+    </cs:fontRef>
+    <cs:spPr>
+      <a:solidFill>
+        <a:schemeClr val="bg1"/>
+      </a:solidFill>
+      <a:ln w="9525" cap="flat" cmpd="sng" algn="ctr">
+        <a:solidFill>
+          <a:schemeClr val="tx1">
+            <a:lumMod val="15000"/>
+            <a:lumOff val="85000"/>
+          </a:schemeClr>
+        </a:solidFill>
+        <a:round/>
+      </a:ln>
+    </cs:spPr>
+    <cs:defRPr sz="900" kern="1200"/>
+  </cs:chartArea>
+  <cs:dataLabel>
+    <cs:lnRef idx="0"/>
+    <cs:fillRef idx="0"/>
+    <cs:effectRef idx="0"/>
+    <cs:fontRef idx="minor">
+      <a:schemeClr val="tx1">
+        <a:lumMod val="75000"/>
+        <a:lumOff val="25000"/>
+      </a:schemeClr>
+    </cs:fontRef>
+    <cs:defRPr sz="900" kern="1200"/>
+  </cs:dataLabel>
+  <cs:dataLabelCallout>
+    <cs:lnRef idx="0"/>
+    <cs:fillRef idx="0"/>
+    <cs:effectRef idx="0"/>
+    <cs:fontRef idx="minor">
+      <a:schemeClr val="dk1">
+        <a:lumMod val="65000"/>
+        <a:lumOff val="35000"/>
+      </a:schemeClr>
+    </cs:fontRef>
+    <cs:spPr>
+      <a:solidFill>
+        <a:schemeClr val="lt1"/>
+      </a:solidFill>
+      <a:ln>
+        <a:solidFill>
+          <a:schemeClr val="dk1">
+            <a:lumMod val="25000"/>
+            <a:lumOff val="75000"/>
+          </a:schemeClr>
+        </a:solidFill>
+      </a:ln>
+    </cs:spPr>
+    <cs:defRPr sz="900" kern="1200"/>
+    <cs:bodyPr rot="0" spcFirstLastPara="1" vertOverflow="clip" horzOverflow="clip" vert="horz" wrap="square" lIns="36576" tIns="18288" rIns="36576" bIns="18288" anchor="ctr" anchorCtr="1">
+      <a:spAutoFit/>
+    </cs:bodyPr>
+  </cs:dataLabelCallout>
+  <cs:dataPoint>
+    <cs:lnRef idx="0"/>
+    <cs:fillRef idx="3">
+      <cs:styleClr val="auto"/>
+    </cs:fillRef>
+    <cs:effectRef idx="3"/>
+    <cs:fontRef idx="minor">
+      <a:schemeClr val="lt1"/>
+    </cs:fontRef>
+  </cs:dataPoint>
+  <cs:dataPoint3D>
+    <cs:lnRef idx="0"/>
+    <cs:fillRef idx="3">
+      <cs:styleClr val="auto"/>
+    </cs:fillRef>
+    <cs:effectRef idx="3"/>
+    <cs:fontRef idx="minor">
+      <a:schemeClr val="lt1"/>
+    </cs:fontRef>
+  </cs:dataPoint3D>
+  <cs:dataPointLine>
+    <cs:lnRef idx="0">
+      <cs:styleClr val="auto"/>
+    </cs:lnRef>
+    <cs:fillRef idx="3"/>
+    <cs:effectRef idx="3"/>
+    <cs:fontRef idx="minor">
+      <a:schemeClr val="lt1"/>
+    </cs:fontRef>
+    <cs:spPr>
+      <a:ln w="34925" cap="rnd">
+        <a:solidFill>
+          <a:schemeClr val="phClr"/>
+        </a:solidFill>
+        <a:round/>
+      </a:ln>
+    </cs:spPr>
+  </cs:dataPointLine>
+  <cs:dataPointMarker>
+    <cs:lnRef idx="0">
+      <cs:styleClr val="auto"/>
+    </cs:lnRef>
+    <cs:fillRef idx="3">
+      <cs:styleClr val="auto"/>
+    </cs:fillRef>
+    <cs:effectRef idx="3"/>
+    <cs:fontRef idx="minor">
+      <a:schemeClr val="lt1"/>
+    </cs:fontRef>
+    <cs:spPr>
+      <a:ln w="9525">
+        <a:solidFill>
+          <a:schemeClr val="phClr"/>
+        </a:solidFill>
+        <a:round/>
+      </a:ln>
+    </cs:spPr>
+  </cs:dataPointMarker>
+  <cs:dataPointMarkerLayout symbol="circle" size="6"/>
+  <cs:dataPointWireframe>
+    <cs:lnRef idx="0">
+      <cs:styleClr val="auto"/>
+    </cs:lnRef>
+    <cs:fillRef idx="3"/>
+    <cs:effectRef idx="3"/>
+    <cs:fontRef idx="minor">
+      <a:schemeClr val="lt1"/>
+    </cs:fontRef>
+    <cs:spPr>
+      <a:ln w="9525" cap="rnd">
+        <a:solidFill>
+          <a:schemeClr val="phClr"/>
+        </a:solidFill>
+        <a:round/>
+      </a:ln>
+    </cs:spPr>
+  </cs:dataPointWireframe>
+  <cs:dataTable>
+    <cs:lnRef idx="0"/>
+    <cs:fillRef idx="0"/>
+    <cs:effectRef idx="0"/>
+    <cs:fontRef idx="minor">
+      <a:schemeClr val="tx1">
+        <a:lumMod val="65000"/>
+        <a:lumOff val="35000"/>
+      </a:schemeClr>
+    </cs:fontRef>
+    <cs:spPr>
+      <a:noFill/>
+      <a:ln w="9525" cap="flat" cmpd="sng" algn="ctr">
+        <a:solidFill>
+          <a:schemeClr val="tx1">
+            <a:lumMod val="15000"/>
+            <a:lumOff val="85000"/>
+          </a:schemeClr>
+        </a:solidFill>
+        <a:round/>
+      </a:ln>
+    </cs:spPr>
+    <cs:defRPr sz="900" kern="1200"/>
+  </cs:dataTable>
+  <cs:downBar>
+    <cs:lnRef idx="0"/>
+    <cs:fillRef idx="0"/>
+    <cs:effectRef idx="0"/>
+    <cs:fontRef idx="minor">
+      <a:schemeClr val="dk1"/>
+    </cs:fontRef>
+    <cs:spPr>
+      <a:solidFill>
+        <a:schemeClr val="dk1">
+          <a:lumMod val="65000"/>
+          <a:lumOff val="35000"/>
+        </a:schemeClr>
+      </a:solidFill>
+      <a:ln w="9525">
+        <a:solidFill>
+          <a:schemeClr val="tx1">
+            <a:lumMod val="65000"/>
+            <a:lumOff val="35000"/>
+          </a:schemeClr>
+        </a:solidFill>
+      </a:ln>
+    </cs:spPr>
+  </cs:downBar>
+  <cs:dropLine>
+    <cs:lnRef idx="0"/>
+    <cs:fillRef idx="0"/>
+    <cs:effectRef idx="0"/>
+    <cs:fontRef idx="minor">
+      <a:schemeClr val="tx1"/>
+    </cs:fontRef>
+    <cs:spPr>
+      <a:ln w="9525" cap="flat" cmpd="sng" algn="ctr">
+        <a:solidFill>
+          <a:schemeClr val="tx1">
+            <a:lumMod val="35000"/>
+            <a:lumOff val="65000"/>
+          </a:schemeClr>
+        </a:solidFill>
+        <a:round/>
+      </a:ln>
+    </cs:spPr>
+  </cs:dropLine>
+  <cs:errorBar>
+    <cs:lnRef idx="0"/>
+    <cs:fillRef idx="0"/>
+    <cs:effectRef idx="0"/>
+    <cs:fontRef idx="minor">
+      <a:schemeClr val="tx1"/>
+    </cs:fontRef>
+    <cs:spPr>
+      <a:ln w="9525" cap="flat" cmpd="sng" algn="ctr">
+        <a:solidFill>
+          <a:schemeClr val="tx1">
+            <a:lumMod val="65000"/>
+            <a:lumOff val="35000"/>
+          </a:schemeClr>
+        </a:solidFill>
+        <a:round/>
+      </a:ln>
+    </cs:spPr>
+  </cs:errorBar>
+  <cs:floor>
+    <cs:lnRef idx="0"/>
+    <cs:fillRef idx="0"/>
+    <cs:effectRef idx="0"/>
+    <cs:fontRef idx="minor">
+      <a:schemeClr val="lt1"/>
+    </cs:fontRef>
+  </cs:floor>
+  <cs:gridlineMajor>
+    <cs:lnRef idx="0"/>
+    <cs:fillRef idx="0"/>
+    <cs:effectRef idx="0"/>
+    <cs:fontRef idx="minor">
+      <a:schemeClr val="tx1"/>
+    </cs:fontRef>
+    <cs:spPr>
+      <a:ln w="9525" cap="flat" cmpd="sng" algn="ctr">
+        <a:solidFill>
+          <a:schemeClr val="tx1">
+            <a:lumMod val="15000"/>
+            <a:lumOff val="85000"/>
+          </a:schemeClr>
+        </a:solidFill>
+        <a:round/>
+      </a:ln>
+    </cs:spPr>
+  </cs:gridlineMajor>
+  <cs:gridlineMinor>
+    <cs:lnRef idx="0"/>
+    <cs:fillRef idx="0"/>
+    <cs:effectRef idx="0"/>
+    <cs:fontRef idx="minor">
+      <a:schemeClr val="tx1"/>
+    </cs:fontRef>
+    <cs:spPr>
+      <a:ln w="9525" cap="flat" cmpd="sng" algn="ctr">
+        <a:solidFill>
+          <a:schemeClr val="tx1">
+            <a:lumMod val="5000"/>
+            <a:lumOff val="95000"/>
+          </a:schemeClr>
+        </a:solidFill>
+        <a:round/>
+      </a:ln>
+    </cs:spPr>
+  </cs:gridlineMinor>
+  <cs:hiLoLine>
+    <cs:lnRef idx="0"/>
+    <cs:fillRef idx="0"/>
+    <cs:effectRef idx="0"/>
+    <cs:fontRef idx="minor">
+      <a:schemeClr val="tx1"/>
+    </cs:fontRef>
+    <cs:spPr>
+      <a:ln w="9525" cap="flat" cmpd="sng" algn="ctr">
+        <a:solidFill>
+          <a:schemeClr val="tx1">
+            <a:lumMod val="75000"/>
+            <a:lumOff val="25000"/>
+          </a:schemeClr>
+        </a:solidFill>
+        <a:round/>
+      </a:ln>
+    </cs:spPr>
+  </cs:hiLoLine>
+  <cs:leaderLine>
+    <cs:lnRef idx="0"/>
+    <cs:fillRef idx="0"/>
+    <cs:effectRef idx="0"/>
+    <cs:fontRef idx="minor">
+      <a:schemeClr val="tx1"/>
+    </cs:fontRef>
+    <cs:spPr>
+      <a:ln w="9525" cap="flat" cmpd="sng" algn="ctr">
+        <a:solidFill>
+          <a:schemeClr val="tx1">
+            <a:lumMod val="35000"/>
+            <a:lumOff val="65000"/>
+          </a:schemeClr>
+        </a:solidFill>
+        <a:round/>
+      </a:ln>
+    </cs:spPr>
+  </cs:leaderLine>
+  <cs:legend>
+    <cs:lnRef idx="0"/>
+    <cs:fillRef idx="0"/>
+    <cs:effectRef idx="0"/>
+    <cs:fontRef idx="minor">
+      <a:schemeClr val="tx1">
+        <a:lumMod val="65000"/>
+        <a:lumOff val="35000"/>
+      </a:schemeClr>
+    </cs:fontRef>
+    <cs:defRPr sz="900" kern="1200"/>
+  </cs:legend>
+  <cs:plotArea>
+    <cs:lnRef idx="0"/>
+    <cs:fillRef idx="0"/>
+    <cs:effectRef idx="0"/>
+    <cs:fontRef idx="minor">
+      <a:schemeClr val="lt1"/>
+    </cs:fontRef>
+  </cs:plotArea>
+  <cs:plotArea3D>
+    <cs:lnRef idx="0"/>
+    <cs:fillRef idx="0"/>
+    <cs:effectRef idx="0"/>
+    <cs:fontRef idx="minor">
+      <a:schemeClr val="lt1"/>
+    </cs:fontRef>
+  </cs:plotArea3D>
+  <cs:seriesAxis>
+    <cs:lnRef idx="0"/>
+    <cs:fillRef idx="0"/>
+    <cs:effectRef idx="0"/>
+    <cs:fontRef idx="minor">
+      <a:schemeClr val="tx1">
+        <a:lumMod val="65000"/>
+        <a:lumOff val="35000"/>
+      </a:schemeClr>
+    </cs:fontRef>
+    <cs:spPr>
+      <a:ln w="12700" cap="flat" cmpd="sng" algn="ctr">
+        <a:solidFill>
+          <a:schemeClr val="tx1">
+            <a:lumMod val="15000"/>
+            <a:lumOff val="85000"/>
+          </a:schemeClr>
+        </a:solidFill>
+        <a:round/>
+      </a:ln>
+    </cs:spPr>
+    <cs:defRPr sz="900" kern="1200"/>
+  </cs:seriesAxis>
+  <cs:seriesLine>
+    <cs:lnRef idx="0"/>
+    <cs:fillRef idx="0"/>
+    <cs:effectRef idx="0"/>
+    <cs:fontRef idx="minor">
+      <a:schemeClr val="tx1"/>
+    </cs:fontRef>
+    <cs:spPr>
+      <a:ln w="9525" cap="flat" cmpd="sng" algn="ctr">
+        <a:solidFill>
+          <a:schemeClr val="tx1">
+            <a:lumMod val="35000"/>
+            <a:lumOff val="65000"/>
+          </a:schemeClr>
+        </a:solidFill>
+        <a:round/>
+      </a:ln>
+    </cs:spPr>
+  </cs:seriesLine>
+  <cs:title>
+    <cs:lnRef idx="0"/>
+    <cs:fillRef idx="0"/>
+    <cs:effectRef idx="0"/>
+    <cs:fontRef idx="minor">
+      <a:schemeClr val="tx1">
+        <a:lumMod val="65000"/>
+        <a:lumOff val="35000"/>
+      </a:schemeClr>
+    </cs:fontRef>
+    <cs:defRPr sz="1600" b="1" kern="1200" baseline="0"/>
+  </cs:title>
+  <cs:trendline>
+    <cs:lnRef idx="0">
+      <cs:styleClr val="auto"/>
+    </cs:lnRef>
+    <cs:fillRef idx="0"/>
+    <cs:effectRef idx="0"/>
+    <cs:fontRef idx="minor">
+      <a:schemeClr val="lt1"/>
+    </cs:fontRef>
+    <cs:spPr>
+      <a:ln w="19050" cap="rnd">
+        <a:solidFill>
+          <a:schemeClr val="phClr"/>
+        </a:solidFill>
+      </a:ln>
+    </cs:spPr>
+  </cs:trendline>
+  <cs:trendlineLabel>
+    <cs:lnRef idx="0"/>
+    <cs:fillRef idx="0"/>
+    <cs:effectRef idx="0"/>
+    <cs:fontRef idx="minor">
+      <a:schemeClr val="tx1">
+        <a:lumMod val="65000"/>
+        <a:lumOff val="35000"/>
+      </a:schemeClr>
+    </cs:fontRef>
+    <cs:defRPr sz="900" kern="1200"/>
+  </cs:trendlineLabel>
+  <cs:upBar>
+    <cs:lnRef idx="0"/>
+    <cs:fillRef idx="0"/>
+    <cs:effectRef idx="0"/>
+    <cs:fontRef idx="minor">
+      <a:schemeClr val="dk1"/>
+    </cs:fontRef>
+    <cs:spPr>
+      <a:solidFill>
+        <a:schemeClr val="lt1"/>
+      </a:solidFill>
+      <a:ln w="9525">
+        <a:solidFill>
+          <a:schemeClr val="tx1">
+            <a:lumMod val="15000"/>
+            <a:lumOff val="85000"/>
+          </a:schemeClr>
+        </a:solidFill>
+      </a:ln>
+    </cs:spPr>
+  </cs:upBar>
+  <cs:valueAxis>
+    <cs:lnRef idx="0"/>
+    <cs:fillRef idx="0"/>
+    <cs:effectRef idx="0"/>
+    <cs:fontRef idx="minor">
+      <a:schemeClr val="tx1">
+        <a:lumMod val="65000"/>
+        <a:lumOff val="35000"/>
+      </a:schemeClr>
+    </cs:fontRef>
+    <cs:defRPr sz="900" kern="1200"/>
+  </cs:valueAxis>
+  <cs:wall>
+    <cs:lnRef idx="0"/>
+    <cs:fillRef idx="0"/>
+    <cs:effectRef idx="0"/>
+    <cs:fontRef idx="minor">
+      <a:schemeClr val="lt1"/>
+    </cs:fontRef>
+  </cs:wall>
+</cs:chartStyle>
+</file>
+
+<file path=ppt/charts/style2.xml><?xml version="1.0" encoding="utf-8"?>
+<cs:chartStyle xmlns:cs="http://schemas.microsoft.com/office/drawing/2012/chartStyle" xmlns:a="http://schemas.openxmlformats.org/drawingml/2006/main" id="340">
+  <cs:axisTitle>
+    <cs:lnRef idx="0"/>
+    <cs:fillRef idx="0"/>
+    <cs:effectRef idx="0"/>
+    <cs:fontRef idx="minor">
+      <a:schemeClr val="tx1">
+        <a:lumMod val="65000"/>
+        <a:lumOff val="35000"/>
+      </a:schemeClr>
+    </cs:fontRef>
+    <cs:defRPr sz="900" kern="1200"/>
+  </cs:axisTitle>
+  <cs:categoryAxis>
+    <cs:lnRef idx="0"/>
+    <cs:fillRef idx="0"/>
+    <cs:effectRef idx="0"/>
+    <cs:fontRef idx="minor">
+      <a:schemeClr val="tx1">
+        <a:lumMod val="65000"/>
+        <a:lumOff val="35000"/>
+      </a:schemeClr>
+    </cs:fontRef>
+    <cs:spPr>
+      <a:ln w="12700" cap="flat" cmpd="sng" algn="ctr">
+        <a:solidFill>
+          <a:schemeClr val="tx1">
+            <a:lumMod val="15000"/>
+            <a:lumOff val="85000"/>
+          </a:schemeClr>
+        </a:solidFill>
+        <a:round/>
+      </a:ln>
+    </cs:spPr>
+    <cs:defRPr sz="900" kern="1200"/>
+  </cs:categoryAxis>
+  <cs:chartArea mods="allowNoFillOverride allowNoLineOverride">
+    <cs:lnRef idx="0"/>
+    <cs:fillRef idx="0"/>
+    <cs:effectRef idx="0"/>
+    <cs:fontRef idx="minor">
+      <a:schemeClr val="tx2"/>
+    </cs:fontRef>
+    <cs:spPr>
+      <a:solidFill>
+        <a:schemeClr val="bg1"/>
+      </a:solidFill>
+      <a:ln w="9525" cap="flat" cmpd="sng" algn="ctr">
+        <a:solidFill>
+          <a:schemeClr val="tx1">
+            <a:lumMod val="15000"/>
+            <a:lumOff val="85000"/>
+          </a:schemeClr>
+        </a:solidFill>
+        <a:round/>
+      </a:ln>
+    </cs:spPr>
+    <cs:defRPr sz="900" kern="1200"/>
+  </cs:chartArea>
+  <cs:dataLabel>
+    <cs:lnRef idx="0"/>
+    <cs:fillRef idx="0"/>
+    <cs:effectRef idx="0"/>
+    <cs:fontRef idx="minor">
+      <a:schemeClr val="tx1">
+        <a:lumMod val="75000"/>
+        <a:lumOff val="25000"/>
+      </a:schemeClr>
+    </cs:fontRef>
+    <cs:defRPr sz="900" kern="1200"/>
+  </cs:dataLabel>
+  <cs:dataLabelCallout>
+    <cs:lnRef idx="0"/>
+    <cs:fillRef idx="0"/>
+    <cs:effectRef idx="0"/>
+    <cs:fontRef idx="minor">
+      <a:schemeClr val="dk1">
+        <a:lumMod val="65000"/>
+        <a:lumOff val="35000"/>
+      </a:schemeClr>
+    </cs:fontRef>
+    <cs:spPr>
+      <a:solidFill>
+        <a:schemeClr val="lt1"/>
+      </a:solidFill>
+      <a:ln>
+        <a:solidFill>
+          <a:schemeClr val="dk1">
+            <a:lumMod val="25000"/>
+            <a:lumOff val="75000"/>
+          </a:schemeClr>
+        </a:solidFill>
+      </a:ln>
+    </cs:spPr>
+    <cs:defRPr sz="900" kern="1200"/>
+    <cs:bodyPr rot="0" spcFirstLastPara="1" vertOverflow="clip" horzOverflow="clip" vert="horz" wrap="square" lIns="36576" tIns="18288" rIns="36576" bIns="18288" anchor="ctr" anchorCtr="1">
+      <a:spAutoFit/>
+    </cs:bodyPr>
+  </cs:dataLabelCallout>
+  <cs:dataPoint>
+    <cs:lnRef idx="0"/>
+    <cs:fillRef idx="3">
+      <cs:styleClr val="auto"/>
+    </cs:fillRef>
+    <cs:effectRef idx="3"/>
+    <cs:fontRef idx="minor">
+      <a:schemeClr val="lt1"/>
+    </cs:fontRef>
+  </cs:dataPoint>
+  <cs:dataPoint3D>
+    <cs:lnRef idx="0"/>
+    <cs:fillRef idx="3">
+      <cs:styleClr val="auto"/>
+    </cs:fillRef>
+    <cs:effectRef idx="3"/>
+    <cs:fontRef idx="minor">
+      <a:schemeClr val="lt1"/>
+    </cs:fontRef>
+  </cs:dataPoint3D>
+  <cs:dataPointLine>
+    <cs:lnRef idx="0">
+      <cs:styleClr val="auto"/>
+    </cs:lnRef>
+    <cs:fillRef idx="3"/>
+    <cs:effectRef idx="3"/>
+    <cs:fontRef idx="minor">
+      <a:schemeClr val="lt1"/>
+    </cs:fontRef>
+    <cs:spPr>
+      <a:ln w="34925" cap="rnd">
+        <a:solidFill>
+          <a:schemeClr val="phClr"/>
+        </a:solidFill>
+        <a:round/>
+      </a:ln>
+    </cs:spPr>
+  </cs:dataPointLine>
+  <cs:dataPointMarker>
+    <cs:lnRef idx="0">
+      <cs:styleClr val="auto"/>
+    </cs:lnRef>
+    <cs:fillRef idx="3">
+      <cs:styleClr val="auto"/>
+    </cs:fillRef>
+    <cs:effectRef idx="3"/>
+    <cs:fontRef idx="minor">
+      <a:schemeClr val="lt1"/>
+    </cs:fontRef>
+    <cs:spPr>
+      <a:ln w="9525">
+        <a:solidFill>
+          <a:schemeClr val="phClr"/>
+        </a:solidFill>
+        <a:round/>
+      </a:ln>
+    </cs:spPr>
+  </cs:dataPointMarker>
+  <cs:dataPointMarkerLayout symbol="circle" size="6"/>
+  <cs:dataPointWireframe>
+    <cs:lnRef idx="0">
+      <cs:styleClr val="auto"/>
+    </cs:lnRef>
+    <cs:fillRef idx="3"/>
+    <cs:effectRef idx="3"/>
+    <cs:fontRef idx="minor">
+      <a:schemeClr val="lt1"/>
+    </cs:fontRef>
+    <cs:spPr>
+      <a:ln w="9525" cap="rnd">
+        <a:solidFill>
+          <a:schemeClr val="phClr"/>
+        </a:solidFill>
+        <a:round/>
+      </a:ln>
+    </cs:spPr>
+  </cs:dataPointWireframe>
+  <cs:dataTable>
+    <cs:lnRef idx="0"/>
+    <cs:fillRef idx="0"/>
+    <cs:effectRef idx="0"/>
+    <cs:fontRef idx="minor">
+      <a:schemeClr val="tx1">
+        <a:lumMod val="65000"/>
+        <a:lumOff val="35000"/>
+      </a:schemeClr>
+    </cs:fontRef>
+    <cs:spPr>
+      <a:noFill/>
+      <a:ln w="9525" cap="flat" cmpd="sng" algn="ctr">
+        <a:solidFill>
+          <a:schemeClr val="tx1">
+            <a:lumMod val="15000"/>
+            <a:lumOff val="85000"/>
+          </a:schemeClr>
+        </a:solidFill>
+        <a:round/>
+      </a:ln>
+    </cs:spPr>
+    <cs:defRPr sz="900" kern="1200"/>
+  </cs:dataTable>
+  <cs:downBar>
+    <cs:lnRef idx="0"/>
+    <cs:fillRef idx="0"/>
+    <cs:effectRef idx="0"/>
+    <cs:fontRef idx="minor">
+      <a:schemeClr val="dk1"/>
+    </cs:fontRef>
+    <cs:spPr>
+      <a:solidFill>
+        <a:schemeClr val="dk1">
+          <a:lumMod val="65000"/>
+          <a:lumOff val="35000"/>
+        </a:schemeClr>
+      </a:solidFill>
+      <a:ln w="9525">
+        <a:solidFill>
+          <a:schemeClr val="tx1">
+            <a:lumMod val="65000"/>
+            <a:lumOff val="35000"/>
+          </a:schemeClr>
+        </a:solidFill>
+      </a:ln>
+    </cs:spPr>
+  </cs:downBar>
+  <cs:dropLine>
+    <cs:lnRef idx="0"/>
+    <cs:fillRef idx="0"/>
+    <cs:effectRef idx="0"/>
+    <cs:fontRef idx="minor">
+      <a:schemeClr val="tx1"/>
+    </cs:fontRef>
+    <cs:spPr>
+      <a:ln w="9525" cap="flat" cmpd="sng" algn="ctr">
+        <a:solidFill>
+          <a:schemeClr val="tx1">
+            <a:lumMod val="35000"/>
+            <a:lumOff val="65000"/>
+          </a:schemeClr>
+        </a:solidFill>
+        <a:round/>
+      </a:ln>
+    </cs:spPr>
+  </cs:dropLine>
+  <cs:errorBar>
+    <cs:lnRef idx="0"/>
+    <cs:fillRef idx="0"/>
+    <cs:effectRef idx="0"/>
+    <cs:fontRef idx="minor">
+      <a:schemeClr val="tx1"/>
+    </cs:fontRef>
+    <cs:spPr>
+      <a:ln w="9525" cap="flat" cmpd="sng" algn="ctr">
+        <a:solidFill>
+          <a:schemeClr val="tx1">
+            <a:lumMod val="65000"/>
+            <a:lumOff val="35000"/>
+          </a:schemeClr>
+        </a:solidFill>
+        <a:round/>
+      </a:ln>
+    </cs:spPr>
+  </cs:errorBar>
+  <cs:floor>
+    <cs:lnRef idx="0"/>
+    <cs:fillRef idx="0"/>
+    <cs:effectRef idx="0"/>
+    <cs:fontRef idx="minor">
+      <a:schemeClr val="lt1"/>
+    </cs:fontRef>
+  </cs:floor>
+  <cs:gridlineMajor>
+    <cs:lnRef idx="0"/>
+    <cs:fillRef idx="0"/>
+    <cs:effectRef idx="0"/>
+    <cs:fontRef idx="minor">
+      <a:schemeClr val="tx1"/>
+    </cs:fontRef>
+    <cs:spPr>
+      <a:ln w="9525" cap="flat" cmpd="sng" algn="ctr">
+        <a:solidFill>
+          <a:schemeClr val="tx1">
+            <a:lumMod val="15000"/>
+            <a:lumOff val="85000"/>
+          </a:schemeClr>
+        </a:solidFill>
+        <a:round/>
+      </a:ln>
+    </cs:spPr>
+  </cs:gridlineMajor>
+  <cs:gridlineMinor>
+    <cs:lnRef idx="0"/>
+    <cs:fillRef idx="0"/>
+    <cs:effectRef idx="0"/>
+    <cs:fontRef idx="minor">
+      <a:schemeClr val="tx1"/>
+    </cs:fontRef>
+    <cs:spPr>
+      <a:ln w="9525" cap="flat" cmpd="sng" algn="ctr">
+        <a:solidFill>
+          <a:schemeClr val="tx1">
+            <a:lumMod val="5000"/>
+            <a:lumOff val="95000"/>
+          </a:schemeClr>
+        </a:solidFill>
+        <a:round/>
+      </a:ln>
+    </cs:spPr>
+  </cs:gridlineMinor>
+  <cs:hiLoLine>
+    <cs:lnRef idx="0"/>
+    <cs:fillRef idx="0"/>
+    <cs:effectRef idx="0"/>
+    <cs:fontRef idx="minor">
+      <a:schemeClr val="tx1"/>
+    </cs:fontRef>
+    <cs:spPr>
+      <a:ln w="9525" cap="flat" cmpd="sng" algn="ctr">
+        <a:solidFill>
+          <a:schemeClr val="tx1">
+            <a:lumMod val="75000"/>
+            <a:lumOff val="25000"/>
+          </a:schemeClr>
+        </a:solidFill>
+        <a:round/>
+      </a:ln>
+    </cs:spPr>
+  </cs:hiLoLine>
+  <cs:leaderLine>
+    <cs:lnRef idx="0"/>
+    <cs:fillRef idx="0"/>
+    <cs:effectRef idx="0"/>
+    <cs:fontRef idx="minor">
+      <a:schemeClr val="tx1"/>
+    </cs:fontRef>
+    <cs:spPr>
+      <a:ln w="9525" cap="flat" cmpd="sng" algn="ctr">
+        <a:solidFill>
+          <a:schemeClr val="tx1">
+            <a:lumMod val="35000"/>
+            <a:lumOff val="65000"/>
+          </a:schemeClr>
+        </a:solidFill>
+        <a:round/>
+      </a:ln>
+    </cs:spPr>
+  </cs:leaderLine>
+  <cs:legend>
+    <cs:lnRef idx="0"/>
+    <cs:fillRef idx="0"/>
+    <cs:effectRef idx="0"/>
+    <cs:fontRef idx="minor">
+      <a:schemeClr val="tx1">
+        <a:lumMod val="65000"/>
+        <a:lumOff val="35000"/>
+      </a:schemeClr>
+    </cs:fontRef>
+    <cs:defRPr sz="900" kern="1200"/>
+  </cs:legend>
+  <cs:plotArea>
+    <cs:lnRef idx="0"/>
+    <cs:fillRef idx="0"/>
+    <cs:effectRef idx="0"/>
+    <cs:fontRef idx="minor">
+      <a:schemeClr val="lt1"/>
+    </cs:fontRef>
+  </cs:plotArea>
+  <cs:plotArea3D>
+    <cs:lnRef idx="0"/>
+    <cs:fillRef idx="0"/>
+    <cs:effectRef idx="0"/>
+    <cs:fontRef idx="minor">
+      <a:schemeClr val="lt1"/>
+    </cs:fontRef>
+  </cs:plotArea3D>
+  <cs:seriesAxis>
+    <cs:lnRef idx="0"/>
+    <cs:fillRef idx="0"/>
+    <cs:effectRef idx="0"/>
+    <cs:fontRef idx="minor">
+      <a:schemeClr val="tx1">
+        <a:lumMod val="65000"/>
+        <a:lumOff val="35000"/>
+      </a:schemeClr>
+    </cs:fontRef>
+    <cs:spPr>
+      <a:ln w="12700" cap="flat" cmpd="sng" algn="ctr">
+        <a:solidFill>
+          <a:schemeClr val="tx1">
+            <a:lumMod val="15000"/>
+            <a:lumOff val="85000"/>
+          </a:schemeClr>
+        </a:solidFill>
+        <a:round/>
+      </a:ln>
+    </cs:spPr>
+    <cs:defRPr sz="900" kern="1200"/>
+  </cs:seriesAxis>
+  <cs:seriesLine>
+    <cs:lnRef idx="0"/>
+    <cs:fillRef idx="0"/>
+    <cs:effectRef idx="0"/>
+    <cs:fontRef idx="minor">
+      <a:schemeClr val="tx1"/>
+    </cs:fontRef>
+    <cs:spPr>
+      <a:ln w="9525" cap="flat" cmpd="sng" algn="ctr">
+        <a:solidFill>
+          <a:schemeClr val="tx1">
+            <a:lumMod val="35000"/>
+            <a:lumOff val="65000"/>
+          </a:schemeClr>
+        </a:solidFill>
+        <a:round/>
+      </a:ln>
+    </cs:spPr>
+  </cs:seriesLine>
+  <cs:title>
+    <cs:lnRef idx="0"/>
+    <cs:fillRef idx="0"/>
+    <cs:effectRef idx="0"/>
+    <cs:fontRef idx="minor">
+      <a:schemeClr val="tx1">
+        <a:lumMod val="65000"/>
+        <a:lumOff val="35000"/>
+      </a:schemeClr>
+    </cs:fontRef>
+    <cs:defRPr sz="1600" b="1" kern="1200" baseline="0"/>
+  </cs:title>
+  <cs:trendline>
+    <cs:lnRef idx="0">
+      <cs:styleClr val="auto"/>
+    </cs:lnRef>
+    <cs:fillRef idx="0"/>
+    <cs:effectRef idx="0"/>
+    <cs:fontRef idx="minor">
+      <a:schemeClr val="lt1"/>
+    </cs:fontRef>
+    <cs:spPr>
+      <a:ln w="19050" cap="rnd">
+        <a:solidFill>
+          <a:schemeClr val="phClr"/>
+        </a:solidFill>
+      </a:ln>
+    </cs:spPr>
+  </cs:trendline>
+  <cs:trendlineLabel>
+    <cs:lnRef idx="0"/>
+    <cs:fillRef idx="0"/>
+    <cs:effectRef idx="0"/>
+    <cs:fontRef idx="minor">
+      <a:schemeClr val="tx1">
+        <a:lumMod val="65000"/>
+        <a:lumOff val="35000"/>
+      </a:schemeClr>
+    </cs:fontRef>
+    <cs:defRPr sz="900" kern="1200"/>
+  </cs:trendlineLabel>
+  <cs:upBar>
+    <cs:lnRef idx="0"/>
+    <cs:fillRef idx="0"/>
+    <cs:effectRef idx="0"/>
+    <cs:fontRef idx="minor">
+      <a:schemeClr val="dk1"/>
+    </cs:fontRef>
+    <cs:spPr>
+      <a:solidFill>
+        <a:schemeClr val="lt1"/>
+      </a:solidFill>
+      <a:ln w="9525">
+        <a:solidFill>
+          <a:schemeClr val="tx1">
+            <a:lumMod val="15000"/>
+            <a:lumOff val="85000"/>
+          </a:schemeClr>
+        </a:solidFill>
+      </a:ln>
+    </cs:spPr>
+  </cs:upBar>
+  <cs:valueAxis>
+    <cs:lnRef idx="0"/>
+    <cs:fillRef idx="0"/>
+    <cs:effectRef idx="0"/>
+    <cs:fontRef idx="minor">
+      <a:schemeClr val="tx1">
+        <a:lumMod val="65000"/>
+        <a:lumOff val="35000"/>
+      </a:schemeClr>
+    </cs:fontRef>
+    <cs:defRPr sz="900" kern="1200"/>
+  </cs:valueAxis>
+  <cs:wall>
+    <cs:lnRef idx="0"/>
+    <cs:fillRef idx="0"/>
+    <cs:effectRef idx="0"/>
+    <cs:fontRef idx="minor">
+      <a:schemeClr val="lt1"/>
+    </cs:fontRef>
+  </cs:wall>
+</cs:chartStyle>
 </file>
 
 <file path=ppt/notesMasters/notesMaster1.xml><?xml version="1.0" encoding="utf-8"?>
@@ -558,6 +2704,130 @@
     <p:extLst>
       <p:ext uri="{BB962C8B-B14F-4D97-AF65-F5344CB8AC3E}">
         <p14:creationId xmlns:p14="http://schemas.microsoft.com/office/powerpoint/2010/main" val="206307832"/>
+      </p:ext>
+    </p:extLst>
+  </p:cSld>
+  <p:clrMapOvr>
+    <a:masterClrMapping/>
+  </p:clrMapOvr>
+</p:notes>
+</file>
+
+<file path=ppt/notesSlides/notesSlide2.xml><?xml version="1.0" encoding="utf-8"?>
+<p:notes xmlns:a="http://schemas.openxmlformats.org/drawingml/2006/main" xmlns:r="http://schemas.openxmlformats.org/officeDocument/2006/relationships" xmlns:p="http://schemas.openxmlformats.org/presentationml/2006/main">
+  <p:cSld>
+    <p:spTree>
+      <p:nvGrpSpPr>
+        <p:cNvPr id="1" name=""/>
+        <p:cNvGrpSpPr/>
+        <p:nvPr/>
+      </p:nvGrpSpPr>
+      <p:grpSpPr>
+        <a:xfrm>
+          <a:off x="0" y="0"/>
+          <a:ext cx="0" cy="0"/>
+          <a:chOff x="0" y="0"/>
+          <a:chExt cx="0" cy="0"/>
+        </a:xfrm>
+      </p:grpSpPr>
+      <p:sp>
+        <p:nvSpPr>
+          <p:cNvPr id="2" name="Segnaposto immagine diapositiva 1"/>
+          <p:cNvSpPr>
+            <a:spLocks noGrp="1" noRot="1" noChangeAspect="1"/>
+          </p:cNvSpPr>
+          <p:nvPr>
+            <p:ph type="sldImg"/>
+          </p:nvPr>
+        </p:nvSpPr>
+        <p:spPr/>
+      </p:sp>
+      <p:sp>
+        <p:nvSpPr>
+          <p:cNvPr id="3" name="Segnaposto note 2"/>
+          <p:cNvSpPr>
+            <a:spLocks noGrp="1"/>
+          </p:cNvSpPr>
+          <p:nvPr>
+            <p:ph type="body" idx="1"/>
+          </p:nvPr>
+        </p:nvSpPr>
+        <p:spPr/>
+        <p:txBody>
+          <a:bodyPr/>
+          <a:lstStyle/>
+          <a:p>
+            <a:r>
+              <a:rPr lang="it-IT" dirty="0"/>
+              <a:t>Solo un grafico con </a:t>
+            </a:r>
+            <a:r>
+              <a:rPr lang="it-IT" dirty="0" err="1"/>
+              <a:t>bw</a:t>
+            </a:r>
+            <a:r>
+              <a:rPr lang="it-IT" dirty="0"/>
+              <a:t>/</a:t>
+            </a:r>
+            <a:r>
+              <a:rPr lang="it-IT" dirty="0" err="1"/>
+              <a:t>pkt</a:t>
+            </a:r>
+            <a:r>
+              <a:rPr lang="it-IT" dirty="0"/>
+              <a:t> </a:t>
+            </a:r>
+            <a:r>
+              <a:rPr lang="it-IT" dirty="0" err="1"/>
+              <a:t>loss</a:t>
+            </a:r>
+            <a:r>
+              <a:rPr lang="it-IT" dirty="0"/>
+              <a:t> per </a:t>
+            </a:r>
+            <a:r>
+              <a:rPr lang="it-IT" dirty="0" err="1"/>
+              <a:t>testbed</a:t>
+            </a:r>
+            <a:r>
+              <a:rPr lang="it-IT" dirty="0"/>
+              <a:t> e </a:t>
+            </a:r>
+            <a:r>
+              <a:rPr lang="it-IT" dirty="0" err="1"/>
+              <a:t>mininet</a:t>
+            </a:r>
+            <a:endParaRPr lang="it-IT" dirty="0"/>
+          </a:p>
+        </p:txBody>
+      </p:sp>
+      <p:sp>
+        <p:nvSpPr>
+          <p:cNvPr id="4" name="Segnaposto numero diapositiva 3"/>
+          <p:cNvSpPr>
+            <a:spLocks noGrp="1"/>
+          </p:cNvSpPr>
+          <p:nvPr>
+            <p:ph type="sldNum" sz="quarter" idx="5"/>
+          </p:nvPr>
+        </p:nvSpPr>
+        <p:spPr/>
+        <p:txBody>
+          <a:bodyPr/>
+          <a:lstStyle/>
+          <a:p>
+            <a:fld id="{E2A6B88F-49BB-49DF-9CD9-134570298B2C}" type="slidenum">
+              <a:rPr lang="it-IT" smtClean="0"/>
+              <a:t>16</a:t>
+            </a:fld>
+            <a:endParaRPr lang="it-IT"/>
+          </a:p>
+        </p:txBody>
+      </p:sp>
+    </p:spTree>
+    <p:extLst>
+      <p:ext uri="{BB962C8B-B14F-4D97-AF65-F5344CB8AC3E}">
+        <p14:creationId xmlns:p14="http://schemas.microsoft.com/office/powerpoint/2010/main" val="570464284"/>
       </p:ext>
     </p:extLst>
   </p:cSld>
@@ -2321,7 +4591,7 @@
             <a:pPr marL="0" indent="0" algn="ctr">
               <a:buNone/>
             </a:pPr>
-            <a:endParaRPr lang="it-IT" sz="4000"/>
+            <a:endParaRPr lang="it-IT" sz="4000" dirty="0"/>
           </a:p>
           <a:p>
             <a:pPr marL="0" indent="0" algn="ctr">
@@ -2404,6 +4674,643 @@
       </p:grpSpPr>
       <p:sp>
         <p:nvSpPr>
+          <p:cNvPr id="2" name="Titolo 1">
+            <a:extLst>
+              <a:ext uri="{FF2B5EF4-FFF2-40B4-BE49-F238E27FC236}">
+                <a16:creationId xmlns:a16="http://schemas.microsoft.com/office/drawing/2014/main" id="{6E36141B-DFC5-44E9-921A-3B002597B930}"/>
+              </a:ext>
+            </a:extLst>
+          </p:cNvPr>
+          <p:cNvSpPr>
+            <a:spLocks noGrp="1"/>
+          </p:cNvSpPr>
+          <p:nvPr>
+            <p:ph type="title"/>
+          </p:nvPr>
+        </p:nvSpPr>
+        <p:spPr/>
+        <p:txBody>
+          <a:bodyPr/>
+          <a:lstStyle/>
+          <a:p>
+            <a:r>
+              <a:rPr lang="it-IT" dirty="0"/>
+              <a:t>Rules </a:t>
+            </a:r>
+            <a:r>
+              <a:rPr lang="it-IT" dirty="0" err="1"/>
+              <a:t>installation</a:t>
+            </a:r>
+            <a:r>
+              <a:rPr lang="it-IT" dirty="0"/>
+              <a:t> time </a:t>
+            </a:r>
+            <a:r>
+              <a:rPr lang="it-IT" dirty="0" err="1"/>
+              <a:t>testbed</a:t>
+            </a:r>
+            <a:endParaRPr lang="it-IT" dirty="0"/>
+          </a:p>
+        </p:txBody>
+      </p:sp>
+      <p:sp>
+        <p:nvSpPr>
+          <p:cNvPr id="3" name="Segnaposto numero diapositiva 2">
+            <a:extLst>
+              <a:ext uri="{FF2B5EF4-FFF2-40B4-BE49-F238E27FC236}">
+                <a16:creationId xmlns:a16="http://schemas.microsoft.com/office/drawing/2014/main" id="{73533175-8FED-4D44-9656-1628896E1224}"/>
+              </a:ext>
+            </a:extLst>
+          </p:cNvPr>
+          <p:cNvSpPr>
+            <a:spLocks noGrp="1"/>
+          </p:cNvSpPr>
+          <p:nvPr>
+            <p:ph type="sldNum" sz="quarter" idx="12"/>
+          </p:nvPr>
+        </p:nvSpPr>
+        <p:spPr/>
+        <p:txBody>
+          <a:bodyPr/>
+          <a:lstStyle/>
+          <a:p>
+            <a:fld id="{07C31548-3396-48E6-A4F0-B6B6C960F6EE}" type="slidenum">
+              <a:rPr lang="it-IT" smtClean="0"/>
+              <a:t>12</a:t>
+            </a:fld>
+            <a:endParaRPr lang="it-IT" dirty="0"/>
+          </a:p>
+        </p:txBody>
+      </p:sp>
+      <p:graphicFrame>
+        <p:nvGraphicFramePr>
+          <p:cNvPr id="11" name="Segnaposto contenuto 10">
+            <a:extLst>
+              <a:ext uri="{FF2B5EF4-FFF2-40B4-BE49-F238E27FC236}">
+                <a16:creationId xmlns:a16="http://schemas.microsoft.com/office/drawing/2014/main" id="{6E0D3F69-ADD9-4B9A-A1DC-C37262C557F4}"/>
+              </a:ext>
+            </a:extLst>
+          </p:cNvPr>
+          <p:cNvGraphicFramePr>
+            <a:graphicFrameLocks noGrp="1"/>
+          </p:cNvGraphicFramePr>
+          <p:nvPr>
+            <p:ph idx="1"/>
+          </p:nvPr>
+        </p:nvGraphicFramePr>
+        <p:xfrm>
+          <a:off x="628650" y="1022350"/>
+          <a:ext cx="7886700" cy="4351338"/>
+        </p:xfrm>
+        <a:graphic>
+          <a:graphicData uri="http://schemas.openxmlformats.org/drawingml/2006/chart">
+            <c:chart xmlns:c="http://schemas.openxmlformats.org/drawingml/2006/chart" xmlns:r="http://schemas.openxmlformats.org/officeDocument/2006/relationships" r:id="rId2"/>
+          </a:graphicData>
+        </a:graphic>
+      </p:graphicFrame>
+    </p:spTree>
+    <p:extLst>
+      <p:ext uri="{BB962C8B-B14F-4D97-AF65-F5344CB8AC3E}">
+        <p14:creationId xmlns:p14="http://schemas.microsoft.com/office/powerpoint/2010/main" val="649887201"/>
+      </p:ext>
+    </p:extLst>
+  </p:cSld>
+  <p:clrMapOvr>
+    <a:masterClrMapping/>
+  </p:clrMapOvr>
+</p:sld>
+</file>
+
+<file path=ppt/slides/slide13.xml><?xml version="1.0" encoding="utf-8"?>
+<p:sld xmlns:a="http://schemas.openxmlformats.org/drawingml/2006/main" xmlns:r="http://schemas.openxmlformats.org/officeDocument/2006/relationships" xmlns:p="http://schemas.openxmlformats.org/presentationml/2006/main">
+  <p:cSld>
+    <p:spTree>
+      <p:nvGrpSpPr>
+        <p:cNvPr id="1" name=""/>
+        <p:cNvGrpSpPr/>
+        <p:nvPr/>
+      </p:nvGrpSpPr>
+      <p:grpSpPr>
+        <a:xfrm>
+          <a:off x="0" y="0"/>
+          <a:ext cx="0" cy="0"/>
+          <a:chOff x="0" y="0"/>
+          <a:chExt cx="0" cy="0"/>
+        </a:xfrm>
+      </p:grpSpPr>
+      <p:sp>
+        <p:nvSpPr>
+          <p:cNvPr id="2" name="Titolo 1">
+            <a:extLst>
+              <a:ext uri="{FF2B5EF4-FFF2-40B4-BE49-F238E27FC236}">
+                <a16:creationId xmlns:a16="http://schemas.microsoft.com/office/drawing/2014/main" id="{938E1C4E-3E4D-4854-A7C8-8C30E707C3B1}"/>
+              </a:ext>
+            </a:extLst>
+          </p:cNvPr>
+          <p:cNvSpPr>
+            <a:spLocks noGrp="1"/>
+          </p:cNvSpPr>
+          <p:nvPr>
+            <p:ph type="title"/>
+          </p:nvPr>
+        </p:nvSpPr>
+        <p:spPr/>
+        <p:txBody>
+          <a:bodyPr/>
+          <a:lstStyle/>
+          <a:p>
+            <a:r>
+              <a:rPr lang="it-IT" dirty="0"/>
+              <a:t>Rules </a:t>
+            </a:r>
+            <a:r>
+              <a:rPr lang="it-IT" dirty="0" err="1"/>
+              <a:t>installation</a:t>
+            </a:r>
+            <a:r>
+              <a:rPr lang="it-IT" dirty="0"/>
+              <a:t> time </a:t>
+            </a:r>
+            <a:r>
+              <a:rPr lang="it-IT" dirty="0" err="1"/>
+              <a:t>mininet</a:t>
+            </a:r>
+            <a:r>
+              <a:rPr lang="it-IT" dirty="0"/>
+              <a:t> simulator</a:t>
+            </a:r>
+          </a:p>
+        </p:txBody>
+      </p:sp>
+      <p:sp>
+        <p:nvSpPr>
+          <p:cNvPr id="3" name="Segnaposto numero diapositiva 2">
+            <a:extLst>
+              <a:ext uri="{FF2B5EF4-FFF2-40B4-BE49-F238E27FC236}">
+                <a16:creationId xmlns:a16="http://schemas.microsoft.com/office/drawing/2014/main" id="{CD36E443-869B-47AA-A6D0-E1F915165E4D}"/>
+              </a:ext>
+            </a:extLst>
+          </p:cNvPr>
+          <p:cNvSpPr>
+            <a:spLocks noGrp="1"/>
+          </p:cNvSpPr>
+          <p:nvPr>
+            <p:ph type="sldNum" sz="quarter" idx="12"/>
+          </p:nvPr>
+        </p:nvSpPr>
+        <p:spPr/>
+        <p:txBody>
+          <a:bodyPr/>
+          <a:lstStyle/>
+          <a:p>
+            <a:fld id="{07C31548-3396-48E6-A4F0-B6B6C960F6EE}" type="slidenum">
+              <a:rPr lang="it-IT" smtClean="0"/>
+              <a:t>13</a:t>
+            </a:fld>
+            <a:endParaRPr lang="it-IT" dirty="0"/>
+          </a:p>
+        </p:txBody>
+      </p:sp>
+      <p:sp>
+        <p:nvSpPr>
+          <p:cNvPr id="4" name="Segnaposto contenuto 3">
+            <a:extLst>
+              <a:ext uri="{FF2B5EF4-FFF2-40B4-BE49-F238E27FC236}">
+                <a16:creationId xmlns:a16="http://schemas.microsoft.com/office/drawing/2014/main" id="{57970391-BFCC-452B-A927-1C61F255888D}"/>
+              </a:ext>
+            </a:extLst>
+          </p:cNvPr>
+          <p:cNvSpPr>
+            <a:spLocks noGrp="1"/>
+          </p:cNvSpPr>
+          <p:nvPr>
+            <p:ph idx="1"/>
+          </p:nvPr>
+        </p:nvSpPr>
+        <p:spPr/>
+        <p:txBody>
+          <a:bodyPr/>
+          <a:lstStyle/>
+          <a:p>
+            <a:endParaRPr lang="it-IT"/>
+          </a:p>
+        </p:txBody>
+      </p:sp>
+    </p:spTree>
+    <p:extLst>
+      <p:ext uri="{BB962C8B-B14F-4D97-AF65-F5344CB8AC3E}">
+        <p14:creationId xmlns:p14="http://schemas.microsoft.com/office/powerpoint/2010/main" val="3809126357"/>
+      </p:ext>
+    </p:extLst>
+  </p:cSld>
+  <p:clrMapOvr>
+    <a:masterClrMapping/>
+  </p:clrMapOvr>
+</p:sld>
+</file>
+
+<file path=ppt/slides/slide14.xml><?xml version="1.0" encoding="utf-8"?>
+<p:sld xmlns:a="http://schemas.openxmlformats.org/drawingml/2006/main" xmlns:r="http://schemas.openxmlformats.org/officeDocument/2006/relationships" xmlns:p="http://schemas.openxmlformats.org/presentationml/2006/main">
+  <p:cSld>
+    <p:spTree>
+      <p:nvGrpSpPr>
+        <p:cNvPr id="1" name=""/>
+        <p:cNvGrpSpPr/>
+        <p:nvPr/>
+      </p:nvGrpSpPr>
+      <p:grpSpPr>
+        <a:xfrm>
+          <a:off x="0" y="0"/>
+          <a:ext cx="0" cy="0"/>
+          <a:chOff x="0" y="0"/>
+          <a:chExt cx="0" cy="0"/>
+        </a:xfrm>
+      </p:grpSpPr>
+      <p:sp>
+        <p:nvSpPr>
+          <p:cNvPr id="2" name="Titolo 1">
+            <a:extLst>
+              <a:ext uri="{FF2B5EF4-FFF2-40B4-BE49-F238E27FC236}">
+                <a16:creationId xmlns:a16="http://schemas.microsoft.com/office/drawing/2014/main" id="{29F7A583-2C5C-4D6B-B628-10BDFD4F8817}"/>
+              </a:ext>
+            </a:extLst>
+          </p:cNvPr>
+          <p:cNvSpPr>
+            <a:spLocks noGrp="1"/>
+          </p:cNvSpPr>
+          <p:nvPr>
+            <p:ph type="title"/>
+          </p:nvPr>
+        </p:nvSpPr>
+        <p:spPr/>
+        <p:txBody>
+          <a:bodyPr/>
+          <a:lstStyle/>
+          <a:p>
+            <a:r>
+              <a:rPr lang="it-IT" dirty="0" err="1"/>
+              <a:t>Path</a:t>
+            </a:r>
+            <a:r>
+              <a:rPr lang="it-IT" dirty="0"/>
+              <a:t> </a:t>
+            </a:r>
+            <a:r>
+              <a:rPr lang="it-IT" dirty="0" err="1"/>
+              <a:t>modification</a:t>
+            </a:r>
+            <a:r>
+              <a:rPr lang="it-IT" dirty="0"/>
+              <a:t> time </a:t>
+            </a:r>
+            <a:r>
+              <a:rPr lang="it-IT" dirty="0" err="1"/>
+              <a:t>testbed</a:t>
+            </a:r>
+            <a:endParaRPr lang="it-IT" dirty="0"/>
+          </a:p>
+        </p:txBody>
+      </p:sp>
+      <p:sp>
+        <p:nvSpPr>
+          <p:cNvPr id="3" name="Segnaposto numero diapositiva 2">
+            <a:extLst>
+              <a:ext uri="{FF2B5EF4-FFF2-40B4-BE49-F238E27FC236}">
+                <a16:creationId xmlns:a16="http://schemas.microsoft.com/office/drawing/2014/main" id="{9554A43E-1C4E-4E28-BECF-8270CB882023}"/>
+              </a:ext>
+            </a:extLst>
+          </p:cNvPr>
+          <p:cNvSpPr>
+            <a:spLocks noGrp="1"/>
+          </p:cNvSpPr>
+          <p:nvPr>
+            <p:ph type="sldNum" sz="quarter" idx="12"/>
+          </p:nvPr>
+        </p:nvSpPr>
+        <p:spPr/>
+        <p:txBody>
+          <a:bodyPr/>
+          <a:lstStyle/>
+          <a:p>
+            <a:fld id="{07C31548-3396-48E6-A4F0-B6B6C960F6EE}" type="slidenum">
+              <a:rPr lang="it-IT" smtClean="0"/>
+              <a:t>14</a:t>
+            </a:fld>
+            <a:endParaRPr lang="it-IT" dirty="0"/>
+          </a:p>
+        </p:txBody>
+      </p:sp>
+      <p:graphicFrame>
+        <p:nvGraphicFramePr>
+          <p:cNvPr id="5" name="Segnaposto contenuto 4">
+            <a:extLst>
+              <a:ext uri="{FF2B5EF4-FFF2-40B4-BE49-F238E27FC236}">
+                <a16:creationId xmlns:a16="http://schemas.microsoft.com/office/drawing/2014/main" id="{3E945D25-D8C9-42C8-9851-5F31691CABD1}"/>
+              </a:ext>
+            </a:extLst>
+          </p:cNvPr>
+          <p:cNvGraphicFramePr>
+            <a:graphicFrameLocks noGrp="1"/>
+          </p:cNvGraphicFramePr>
+          <p:nvPr>
+            <p:ph idx="1"/>
+          </p:nvPr>
+        </p:nvGraphicFramePr>
+        <p:xfrm>
+          <a:off x="628650" y="1022350"/>
+          <a:ext cx="7886700" cy="4351338"/>
+        </p:xfrm>
+        <a:graphic>
+          <a:graphicData uri="http://schemas.openxmlformats.org/drawingml/2006/chart">
+            <c:chart xmlns:c="http://schemas.openxmlformats.org/drawingml/2006/chart" xmlns:r="http://schemas.openxmlformats.org/officeDocument/2006/relationships" r:id="rId2"/>
+          </a:graphicData>
+        </a:graphic>
+      </p:graphicFrame>
+    </p:spTree>
+    <p:extLst>
+      <p:ext uri="{BB962C8B-B14F-4D97-AF65-F5344CB8AC3E}">
+        <p14:creationId xmlns:p14="http://schemas.microsoft.com/office/powerpoint/2010/main" val="4164575898"/>
+      </p:ext>
+    </p:extLst>
+  </p:cSld>
+  <p:clrMapOvr>
+    <a:masterClrMapping/>
+  </p:clrMapOvr>
+</p:sld>
+</file>
+
+<file path=ppt/slides/slide15.xml><?xml version="1.0" encoding="utf-8"?>
+<p:sld xmlns:a="http://schemas.openxmlformats.org/drawingml/2006/main" xmlns:r="http://schemas.openxmlformats.org/officeDocument/2006/relationships" xmlns:p="http://schemas.openxmlformats.org/presentationml/2006/main">
+  <p:cSld>
+    <p:spTree>
+      <p:nvGrpSpPr>
+        <p:cNvPr id="1" name=""/>
+        <p:cNvGrpSpPr/>
+        <p:nvPr/>
+      </p:nvGrpSpPr>
+      <p:grpSpPr>
+        <a:xfrm>
+          <a:off x="0" y="0"/>
+          <a:ext cx="0" cy="0"/>
+          <a:chOff x="0" y="0"/>
+          <a:chExt cx="0" cy="0"/>
+        </a:xfrm>
+      </p:grpSpPr>
+      <p:sp>
+        <p:nvSpPr>
+          <p:cNvPr id="2" name="Titolo 1">
+            <a:extLst>
+              <a:ext uri="{FF2B5EF4-FFF2-40B4-BE49-F238E27FC236}">
+                <a16:creationId xmlns:a16="http://schemas.microsoft.com/office/drawing/2014/main" id="{7D2FFD4D-455E-4FC0-847D-085A45739089}"/>
+              </a:ext>
+            </a:extLst>
+          </p:cNvPr>
+          <p:cNvSpPr>
+            <a:spLocks noGrp="1"/>
+          </p:cNvSpPr>
+          <p:nvPr>
+            <p:ph type="title"/>
+          </p:nvPr>
+        </p:nvSpPr>
+        <p:spPr>
+          <a:xfrm>
+            <a:off x="712732" y="133833"/>
+            <a:ext cx="7886700" cy="362884"/>
+          </a:xfrm>
+        </p:spPr>
+        <p:txBody>
+          <a:bodyPr/>
+          <a:lstStyle/>
+          <a:p>
+            <a:r>
+              <a:rPr lang="it-IT" dirty="0" err="1"/>
+              <a:t>Path</a:t>
+            </a:r>
+            <a:r>
+              <a:rPr lang="it-IT" dirty="0"/>
+              <a:t> </a:t>
+            </a:r>
+            <a:r>
+              <a:rPr lang="it-IT" dirty="0" err="1"/>
+              <a:t>modification</a:t>
+            </a:r>
+            <a:r>
+              <a:rPr lang="it-IT" dirty="0"/>
+              <a:t> time </a:t>
+            </a:r>
+            <a:r>
+              <a:rPr lang="it-IT" dirty="0" err="1"/>
+              <a:t>mininet</a:t>
+            </a:r>
+            <a:r>
+              <a:rPr lang="it-IT" dirty="0"/>
+              <a:t> simulator</a:t>
+            </a:r>
+          </a:p>
+        </p:txBody>
+      </p:sp>
+      <p:sp>
+        <p:nvSpPr>
+          <p:cNvPr id="3" name="Segnaposto numero diapositiva 2">
+            <a:extLst>
+              <a:ext uri="{FF2B5EF4-FFF2-40B4-BE49-F238E27FC236}">
+                <a16:creationId xmlns:a16="http://schemas.microsoft.com/office/drawing/2014/main" id="{D5B4F83B-7DEB-478B-BEE7-9449A8E30F48}"/>
+              </a:ext>
+            </a:extLst>
+          </p:cNvPr>
+          <p:cNvSpPr>
+            <a:spLocks noGrp="1"/>
+          </p:cNvSpPr>
+          <p:nvPr>
+            <p:ph type="sldNum" sz="quarter" idx="12"/>
+          </p:nvPr>
+        </p:nvSpPr>
+        <p:spPr/>
+        <p:txBody>
+          <a:bodyPr/>
+          <a:lstStyle/>
+          <a:p>
+            <a:fld id="{07C31548-3396-48E6-A4F0-B6B6C960F6EE}" type="slidenum">
+              <a:rPr lang="it-IT" smtClean="0"/>
+              <a:t>15</a:t>
+            </a:fld>
+            <a:endParaRPr lang="it-IT" dirty="0"/>
+          </a:p>
+        </p:txBody>
+      </p:sp>
+      <p:sp>
+        <p:nvSpPr>
+          <p:cNvPr id="4" name="Segnaposto contenuto 3">
+            <a:extLst>
+              <a:ext uri="{FF2B5EF4-FFF2-40B4-BE49-F238E27FC236}">
+                <a16:creationId xmlns:a16="http://schemas.microsoft.com/office/drawing/2014/main" id="{F629FCBB-5B9D-4D9B-82AD-E7DD0102EB79}"/>
+              </a:ext>
+            </a:extLst>
+          </p:cNvPr>
+          <p:cNvSpPr>
+            <a:spLocks noGrp="1"/>
+          </p:cNvSpPr>
+          <p:nvPr>
+            <p:ph idx="1"/>
+          </p:nvPr>
+        </p:nvSpPr>
+        <p:spPr/>
+        <p:txBody>
+          <a:bodyPr/>
+          <a:lstStyle/>
+          <a:p>
+            <a:endParaRPr lang="it-IT"/>
+          </a:p>
+        </p:txBody>
+      </p:sp>
+    </p:spTree>
+    <p:extLst>
+      <p:ext uri="{BB962C8B-B14F-4D97-AF65-F5344CB8AC3E}">
+        <p14:creationId xmlns:p14="http://schemas.microsoft.com/office/powerpoint/2010/main" val="135974974"/>
+      </p:ext>
+    </p:extLst>
+  </p:cSld>
+  <p:clrMapOvr>
+    <a:masterClrMapping/>
+  </p:clrMapOvr>
+</p:sld>
+</file>
+
+<file path=ppt/slides/slide16.xml><?xml version="1.0" encoding="utf-8"?>
+<p:sld xmlns:a="http://schemas.openxmlformats.org/drawingml/2006/main" xmlns:r="http://schemas.openxmlformats.org/officeDocument/2006/relationships" xmlns:p="http://schemas.openxmlformats.org/presentationml/2006/main">
+  <p:cSld>
+    <p:spTree>
+      <p:nvGrpSpPr>
+        <p:cNvPr id="1" name=""/>
+        <p:cNvGrpSpPr/>
+        <p:nvPr/>
+      </p:nvGrpSpPr>
+      <p:grpSpPr>
+        <a:xfrm>
+          <a:off x="0" y="0"/>
+          <a:ext cx="0" cy="0"/>
+          <a:chOff x="0" y="0"/>
+          <a:chExt cx="0" cy="0"/>
+        </a:xfrm>
+      </p:grpSpPr>
+      <p:sp>
+        <p:nvSpPr>
+          <p:cNvPr id="2" name="Titolo 1">
+            <a:extLst>
+              <a:ext uri="{FF2B5EF4-FFF2-40B4-BE49-F238E27FC236}">
+                <a16:creationId xmlns:a16="http://schemas.microsoft.com/office/drawing/2014/main" id="{20367EE2-498F-41BC-9C22-4256737E52BC}"/>
+              </a:ext>
+            </a:extLst>
+          </p:cNvPr>
+          <p:cNvSpPr>
+            <a:spLocks noGrp="1"/>
+          </p:cNvSpPr>
+          <p:nvPr>
+            <p:ph type="title"/>
+          </p:nvPr>
+        </p:nvSpPr>
+        <p:spPr/>
+        <p:txBody>
+          <a:bodyPr/>
+          <a:lstStyle/>
+          <a:p>
+            <a:r>
+              <a:rPr lang="it-IT" dirty="0" err="1"/>
+              <a:t>Packet</a:t>
+            </a:r>
+            <a:r>
+              <a:rPr lang="it-IT" dirty="0"/>
+              <a:t> status</a:t>
+            </a:r>
+          </a:p>
+        </p:txBody>
+      </p:sp>
+      <p:sp>
+        <p:nvSpPr>
+          <p:cNvPr id="3" name="Segnaposto numero diapositiva 2">
+            <a:extLst>
+              <a:ext uri="{FF2B5EF4-FFF2-40B4-BE49-F238E27FC236}">
+                <a16:creationId xmlns:a16="http://schemas.microsoft.com/office/drawing/2014/main" id="{8EC1188D-CF74-4791-B482-4F902C21EBFC}"/>
+              </a:ext>
+            </a:extLst>
+          </p:cNvPr>
+          <p:cNvSpPr>
+            <a:spLocks noGrp="1"/>
+          </p:cNvSpPr>
+          <p:nvPr>
+            <p:ph type="sldNum" sz="quarter" idx="12"/>
+          </p:nvPr>
+        </p:nvSpPr>
+        <p:spPr/>
+        <p:txBody>
+          <a:bodyPr/>
+          <a:lstStyle/>
+          <a:p>
+            <a:fld id="{07C31548-3396-48E6-A4F0-B6B6C960F6EE}" type="slidenum">
+              <a:rPr lang="it-IT" smtClean="0"/>
+              <a:t>16</a:t>
+            </a:fld>
+            <a:endParaRPr lang="it-IT" dirty="0"/>
+          </a:p>
+        </p:txBody>
+      </p:sp>
+      <p:sp>
+        <p:nvSpPr>
+          <p:cNvPr id="4" name="Segnaposto contenuto 3">
+            <a:extLst>
+              <a:ext uri="{FF2B5EF4-FFF2-40B4-BE49-F238E27FC236}">
+                <a16:creationId xmlns:a16="http://schemas.microsoft.com/office/drawing/2014/main" id="{A3981FC5-74F6-413C-B0D4-AD1F0B5EBBD8}"/>
+              </a:ext>
+            </a:extLst>
+          </p:cNvPr>
+          <p:cNvSpPr>
+            <a:spLocks noGrp="1"/>
+          </p:cNvSpPr>
+          <p:nvPr>
+            <p:ph idx="1"/>
+          </p:nvPr>
+        </p:nvSpPr>
+        <p:spPr/>
+        <p:txBody>
+          <a:bodyPr/>
+          <a:lstStyle/>
+          <a:p>
+            <a:endParaRPr lang="it-IT"/>
+          </a:p>
+        </p:txBody>
+      </p:sp>
+    </p:spTree>
+    <p:extLst>
+      <p:ext uri="{BB962C8B-B14F-4D97-AF65-F5344CB8AC3E}">
+        <p14:creationId xmlns:p14="http://schemas.microsoft.com/office/powerpoint/2010/main" val="885299283"/>
+      </p:ext>
+    </p:extLst>
+  </p:cSld>
+  <p:clrMapOvr>
+    <a:masterClrMapping/>
+  </p:clrMapOvr>
+</p:sld>
+</file>
+
+<file path=ppt/slides/slide17.xml><?xml version="1.0" encoding="utf-8"?>
+<p:sld xmlns:a="http://schemas.openxmlformats.org/drawingml/2006/main" xmlns:r="http://schemas.openxmlformats.org/officeDocument/2006/relationships" xmlns:p="http://schemas.openxmlformats.org/presentationml/2006/main">
+  <p:cSld>
+    <p:spTree>
+      <p:nvGrpSpPr>
+        <p:cNvPr id="1" name=""/>
+        <p:cNvGrpSpPr/>
+        <p:nvPr/>
+      </p:nvGrpSpPr>
+      <p:grpSpPr>
+        <a:xfrm>
+          <a:off x="0" y="0"/>
+          <a:ext cx="0" cy="0"/>
+          <a:chOff x="0" y="0"/>
+          <a:chExt cx="0" cy="0"/>
+        </a:xfrm>
+      </p:grpSpPr>
+      <p:sp>
+        <p:nvSpPr>
           <p:cNvPr id="2" name="Titolo 1"/>
           <p:cNvSpPr>
             <a:spLocks noGrp="1"/>
@@ -2417,7 +5324,7 @@
           <a:bodyPr/>
           <a:lstStyle/>
           <a:p>
-            <a:endParaRPr lang="en-GB"/>
+            <a:endParaRPr lang="en-GB" dirty="0"/>
           </a:p>
         </p:txBody>
       </p:sp>
@@ -2474,7 +5381,7 @@
           <a:p>
             <a:fld id="{07C31548-3396-48E6-A4F0-B6B6C960F6EE}" type="slidenum">
               <a:rPr lang="it-IT" smtClean="0"/>
-              <a:t>12</a:t>
+              <a:t>17</a:t>
             </a:fld>
             <a:endParaRPr lang="it-IT" dirty="0"/>
           </a:p>
@@ -3458,10 +6365,10 @@
       </p:sp>
       <p:pic>
         <p:nvPicPr>
-          <p:cNvPr id="18" name="Segnaposto contenuto 17" descr="Immagine che contiene testo, mappa&#10;&#10;Descrizione generata automaticamente">
+          <p:cNvPr id="22" name="Segnaposto contenuto 21" descr="Immagine che contiene testo, mappa&#10;&#10;Descrizione generata automaticamente">
             <a:extLst>
               <a:ext uri="{FF2B5EF4-FFF2-40B4-BE49-F238E27FC236}">
-                <a16:creationId xmlns:a16="http://schemas.microsoft.com/office/drawing/2014/main" id="{8C087EF0-CA34-44B4-B276-A036F97FCCDA}"/>
+                <a16:creationId xmlns:a16="http://schemas.microsoft.com/office/drawing/2014/main" id="{6598F5BE-C31C-476F-845E-9A460849DD29}"/>
               </a:ext>
             </a:extLst>
           </p:cNvPr>
@@ -3486,8 +6393,8 @@
         </p:blipFill>
         <p:spPr>
           <a:xfrm>
-            <a:off x="2377436" y="763077"/>
-            <a:ext cx="3615397" cy="5794259"/>
+            <a:off x="2535522" y="723900"/>
+            <a:ext cx="3560478" cy="5860672"/>
           </a:xfrm>
         </p:spPr>
       </p:pic>

--- a/template_project_exam__1_.pptx
+++ b/template_project_exam__1_.pptx
@@ -5,7 +5,7 @@
     <p:sldMasterId id="2147483660" r:id="rId1"/>
   </p:sldMasterIdLst>
   <p:notesMasterIdLst>
-    <p:notesMasterId r:id="rId19"/>
+    <p:notesMasterId r:id="rId17"/>
   </p:notesMasterIdLst>
   <p:sldIdLst>
     <p:sldId id="256" r:id="rId2"/>
@@ -20,11 +20,9 @@
     <p:sldId id="267" r:id="rId11"/>
     <p:sldId id="270" r:id="rId12"/>
     <p:sldId id="272" r:id="rId13"/>
-    <p:sldId id="273" r:id="rId14"/>
-    <p:sldId id="274" r:id="rId15"/>
-    <p:sldId id="275" r:id="rId16"/>
-    <p:sldId id="276" r:id="rId17"/>
-    <p:sldId id="259" r:id="rId18"/>
+    <p:sldId id="274" r:id="rId14"/>
+    <p:sldId id="276" r:id="rId15"/>
+    <p:sldId id="259" r:id="rId16"/>
   </p:sldIdLst>
   <p:sldSz cx="9144000" cy="6858000" type="screen4x3"/>
   <p:notesSz cx="6858000" cy="9144000"/>
@@ -152,7 +150,7 @@
           <a:lstStyle/>
           <a:p>
             <a:pPr>
-              <a:defRPr sz="1600" b="1" i="0" u="none" strike="noStrike" kern="1200" baseline="0">
+              <a:defRPr sz="1862" b="0" i="0" u="none" strike="noStrike" kern="1200" spc="0" baseline="0">
                 <a:solidFill>
                   <a:schemeClr val="tx1">
                     <a:lumMod val="65000"/>
@@ -165,12 +163,49 @@
               </a:defRPr>
             </a:pPr>
             <a:r>
-              <a:rPr lang="it-IT"/>
-              <a:t>Rules installation time</a:t>
+              <a:rPr lang="it-IT" sz="1600" b="1" dirty="0">
+                <a:solidFill>
+                  <a:schemeClr val="tx1">
+                    <a:lumMod val="65000"/>
+                    <a:lumOff val="35000"/>
+                  </a:schemeClr>
+                </a:solidFill>
+              </a:rPr>
+              <a:t>Rules </a:t>
+            </a:r>
+            <a:r>
+              <a:rPr lang="it-IT" sz="1600" b="1" dirty="0" err="1">
+                <a:solidFill>
+                  <a:schemeClr val="tx1">
+                    <a:lumMod val="65000"/>
+                    <a:lumOff val="35000"/>
+                  </a:schemeClr>
+                </a:solidFill>
+              </a:rPr>
+              <a:t>installation</a:t>
+            </a:r>
+            <a:r>
+              <a:rPr lang="it-IT" sz="1600" b="1" dirty="0">
+                <a:solidFill>
+                  <a:schemeClr val="tx1">
+                    <a:lumMod val="65000"/>
+                    <a:lumOff val="35000"/>
+                  </a:schemeClr>
+                </a:solidFill>
+              </a:rPr>
+              <a:t> time - TESTBED</a:t>
             </a:r>
           </a:p>
         </c:rich>
       </c:tx>
+      <c:layout>
+        <c:manualLayout>
+          <c:xMode val="edge"/>
+          <c:yMode val="edge"/>
+          <c:x val="0.27640005388569461"/>
+          <c:y val="0"/>
+        </c:manualLayout>
+      </c:layout>
       <c:overlay val="0"/>
       <c:spPr>
         <a:noFill/>
@@ -184,7 +219,7 @@
         <a:lstStyle/>
         <a:p>
           <a:pPr>
-            <a:defRPr sz="1600" b="1" i="0" u="none" strike="noStrike" kern="1200" baseline="0">
+            <a:defRPr sz="1862" b="0" i="0" u="none" strike="noStrike" kern="1200" spc="0" baseline="0">
               <a:solidFill>
                 <a:schemeClr val="tx1">
                   <a:lumMod val="65000"/>
@@ -202,7 +237,17 @@
     </c:title>
     <c:autoTitleDeleted val="0"/>
     <c:plotArea>
-      <c:layout/>
+      <c:layout>
+        <c:manualLayout>
+          <c:layoutTarget val="inner"/>
+          <c:xMode val="edge"/>
+          <c:yMode val="edge"/>
+          <c:x val="8.6379518918159925E-2"/>
+          <c:y val="0.11422415478305251"/>
+          <c:w val="0.86065989690968925"/>
+          <c:h val="0.65240409014748302"/>
+        </c:manualLayout>
+      </c:layout>
       <c:barChart>
         <c:barDir val="col"/>
         <c:grouping val="clustered"/>
@@ -211,212 +256,17 @@
           <c:idx val="0"/>
           <c:order val="0"/>
           <c:spPr>
-            <a:gradFill rotWithShape="1">
-              <a:gsLst>
-                <a:gs pos="0">
-                  <a:schemeClr val="accent1">
-                    <a:satMod val="103000"/>
-                    <a:lumMod val="102000"/>
-                    <a:tint val="94000"/>
-                  </a:schemeClr>
-                </a:gs>
-                <a:gs pos="50000">
-                  <a:schemeClr val="accent1">
-                    <a:satMod val="110000"/>
-                    <a:lumMod val="100000"/>
-                    <a:shade val="100000"/>
-                  </a:schemeClr>
-                </a:gs>
-                <a:gs pos="100000">
-                  <a:schemeClr val="accent1">
-                    <a:lumMod val="99000"/>
-                    <a:satMod val="120000"/>
-                    <a:shade val="78000"/>
-                  </a:schemeClr>
-                </a:gs>
-              </a:gsLst>
-              <a:lin ang="5400000" scaled="0"/>
-            </a:gradFill>
+            <a:solidFill>
+              <a:schemeClr val="accent1"/>
+            </a:solidFill>
             <a:ln>
               <a:noFill/>
             </a:ln>
-            <a:effectLst>
-              <a:outerShdw blurRad="57150" dist="19050" dir="5400000" algn="ctr" rotWithShape="0">
-                <a:srgbClr val="000000">
-                  <a:alpha val="63000"/>
-                </a:srgbClr>
-              </a:outerShdw>
-            </a:effectLst>
+            <a:effectLst/>
           </c:spPr>
           <c:invertIfNegative val="0"/>
           <c:dLbls>
-            <c:dLbl>
-              <c:idx val="0"/>
-              <c:tx>
-                <c:rich>
-                  <a:bodyPr/>
-                  <a:lstStyle/>
-                  <a:p>
-                    <a:r>
-                      <a:rPr lang="en-US"/>
-                      <a:t>3,963423</a:t>
-                    </a:r>
-                    <a:fld id="{4C726A5F-0043-405F-B56F-24B1C919FD58}" type="VALUE">
-                      <a:rPr lang="en-US"/>
-                      <a:pPr/>
-                      <a:t>[VALORE]</a:t>
-                    </a:fld>
-                    <a:endParaRPr lang="en-US"/>
-                  </a:p>
-                </c:rich>
-              </c:tx>
-              <c:dLblPos val="outEnd"/>
-              <c:showLegendKey val="0"/>
-              <c:showVal val="1"/>
-              <c:showCatName val="0"/>
-              <c:showSerName val="0"/>
-              <c:showPercent val="0"/>
-              <c:showBubbleSize val="0"/>
-              <c:extLst>
-                <c:ext xmlns:c15="http://schemas.microsoft.com/office/drawing/2012/chart" uri="{CE6537A1-D6FC-4f65-9D91-7224C49458BB}">
-                  <c15:dlblFieldTable/>
-                  <c15:showDataLabelsRange val="0"/>
-                </c:ext>
-                <c:ext xmlns:c16="http://schemas.microsoft.com/office/drawing/2014/chart" uri="{C3380CC4-5D6E-409C-BE32-E72D297353CC}">
-                  <c16:uniqueId val="{00000000-B5B4-4139-98D9-09ADB586E8C8}"/>
-                </c:ext>
-              </c:extLst>
-            </c:dLbl>
-            <c:dLbl>
-              <c:idx val="2"/>
-              <c:tx>
-                <c:rich>
-                  <a:bodyPr/>
-                  <a:lstStyle/>
-                  <a:p>
-                    <a:r>
-                      <a:rPr lang="en-US" sz="900" b="0" i="0" u="none" strike="noStrike" baseline="0"/>
-                      <a:t>5,598686</a:t>
-                    </a:r>
-                    <a:fld id="{6777B2DB-CD38-4B34-8B57-1CA5CE4F41A0}" type="VALUE">
-                      <a:rPr lang="en-US"/>
-                      <a:pPr/>
-                      <a:t>[VALORE]</a:t>
-                    </a:fld>
-                    <a:endParaRPr lang="en-US" sz="900" b="0" i="0" u="none" strike="noStrike" baseline="0"/>
-                  </a:p>
-                </c:rich>
-              </c:tx>
-              <c:dLblPos val="outEnd"/>
-              <c:showLegendKey val="0"/>
-              <c:showVal val="1"/>
-              <c:showCatName val="0"/>
-              <c:showSerName val="0"/>
-              <c:showPercent val="0"/>
-              <c:showBubbleSize val="0"/>
-              <c:extLst>
-                <c:ext xmlns:c15="http://schemas.microsoft.com/office/drawing/2012/chart" uri="{CE6537A1-D6FC-4f65-9D91-7224C49458BB}">
-                  <c15:dlblFieldTable/>
-                  <c15:showDataLabelsRange val="0"/>
-                </c:ext>
-                <c:ext xmlns:c16="http://schemas.microsoft.com/office/drawing/2014/chart" uri="{C3380CC4-5D6E-409C-BE32-E72D297353CC}">
-                  <c16:uniqueId val="{00000001-B5B4-4139-98D9-09ADB586E8C8}"/>
-                </c:ext>
-              </c:extLst>
-            </c:dLbl>
-            <c:dLbl>
-              <c:idx val="8"/>
-              <c:tx>
-                <c:rich>
-                  <a:bodyPr/>
-                  <a:lstStyle/>
-                  <a:p>
-                    <a:r>
-                      <a:rPr lang="en-US"/>
-                      <a:t>1,088577</a:t>
-                    </a:r>
-                    <a:fld id="{281BCE33-B673-4AAC-B16B-95437EFFEDB2}" type="VALUE">
-                      <a:rPr lang="en-US"/>
-                      <a:pPr/>
-                      <a:t>[VALORE]</a:t>
-                    </a:fld>
-                    <a:endParaRPr lang="en-US"/>
-                  </a:p>
-                </c:rich>
-              </c:tx>
-              <c:dLblPos val="outEnd"/>
-              <c:showLegendKey val="0"/>
-              <c:showVal val="1"/>
-              <c:showCatName val="0"/>
-              <c:showSerName val="0"/>
-              <c:showPercent val="0"/>
-              <c:showBubbleSize val="0"/>
-              <c:extLst>
-                <c:ext xmlns:c15="http://schemas.microsoft.com/office/drawing/2012/chart" uri="{CE6537A1-D6FC-4f65-9D91-7224C49458BB}">
-                  <c15:dlblFieldTable/>
-                  <c15:showDataLabelsRange val="0"/>
-                </c:ext>
-                <c:ext xmlns:c16="http://schemas.microsoft.com/office/drawing/2014/chart" uri="{C3380CC4-5D6E-409C-BE32-E72D297353CC}">
-                  <c16:uniqueId val="{00000002-B5B4-4139-98D9-09ADB586E8C8}"/>
-                </c:ext>
-              </c:extLst>
-            </c:dLbl>
-            <c:spPr>
-              <a:noFill/>
-              <a:ln>
-                <a:noFill/>
-              </a:ln>
-              <a:effectLst/>
-            </c:spPr>
-            <c:txPr>
-              <a:bodyPr rot="0" spcFirstLastPara="1" vertOverflow="ellipsis" vert="horz" wrap="square" lIns="38100" tIns="19050" rIns="38100" bIns="19050" anchor="ctr" anchorCtr="1">
-                <a:spAutoFit/>
-              </a:bodyPr>
-              <a:lstStyle/>
-              <a:p>
-                <a:pPr>
-                  <a:defRPr sz="900" b="0" i="0" u="none" strike="noStrike" kern="1200" baseline="0">
-                    <a:solidFill>
-                      <a:schemeClr val="tx1">
-                        <a:lumMod val="75000"/>
-                        <a:lumOff val="25000"/>
-                      </a:schemeClr>
-                    </a:solidFill>
-                    <a:latin typeface="+mn-lt"/>
-                    <a:ea typeface="+mn-ea"/>
-                    <a:cs typeface="+mn-cs"/>
-                  </a:defRPr>
-                </a:pPr>
-                <a:endParaRPr lang="it-IT"/>
-              </a:p>
-            </c:txPr>
-            <c:dLblPos val="outEnd"/>
-            <c:showLegendKey val="0"/>
-            <c:showVal val="1"/>
-            <c:showCatName val="0"/>
-            <c:showSerName val="0"/>
-            <c:showPercent val="0"/>
-            <c:showBubbleSize val="0"/>
-            <c:showLeaderLines val="0"/>
-            <c:extLst>
-              <c:ext xmlns:c15="http://schemas.microsoft.com/office/drawing/2012/chart" uri="{CE6537A1-D6FC-4f65-9D91-7224C49458BB}">
-                <c15:showLeaderLines val="1"/>
-                <c15:leaderLines>
-                  <c:spPr>
-                    <a:ln w="9525" cap="flat" cmpd="sng" algn="ctr">
-                      <a:solidFill>
-                        <a:schemeClr val="tx1">
-                          <a:lumMod val="35000"/>
-                          <a:lumOff val="65000"/>
-                        </a:schemeClr>
-                      </a:solidFill>
-                      <a:round/>
-                    </a:ln>
-                    <a:effectLst/>
-                  </c:spPr>
-                </c15:leaderLines>
-              </c:ext>
-            </c:extLst>
+            <c:delete val="1"/>
           </c:dLbls>
           <c:val>
             <c:numRef>
@@ -459,7 +309,7 @@
           </c:val>
           <c:extLst>
             <c:ext xmlns:c16="http://schemas.microsoft.com/office/drawing/2014/chart" uri="{C3380CC4-5D6E-409C-BE32-E72D297353CC}">
-              <c16:uniqueId val="{00000003-B5B4-4139-98D9-09ADB586E8C8}"/>
+              <c16:uniqueId val="{00000000-4B76-421D-8E61-E5A8CCC96263}"/>
             </c:ext>
           </c:extLst>
         </c:ser>
@@ -472,8 +322,8 @@
           <c:showPercent val="0"/>
           <c:showBubbleSize val="0"/>
         </c:dLbls>
-        <c:gapWidth val="100"/>
-        <c:overlap val="-24"/>
+        <c:gapWidth val="219"/>
+        <c:overlap val="-27"/>
         <c:axId val="564886520"/>
         <c:axId val="564888440"/>
       </c:barChart>
@@ -491,7 +341,7 @@
               <a:lstStyle/>
               <a:p>
                 <a:pPr>
-                  <a:defRPr sz="900" b="0" i="0" u="none" strike="noStrike" kern="1200" baseline="0">
+                  <a:defRPr sz="1000" b="0" i="0" u="none" strike="noStrike" kern="1200" baseline="0">
                     <a:solidFill>
                       <a:schemeClr val="tx1">
                         <a:lumMod val="65000"/>
@@ -504,12 +354,20 @@
                   </a:defRPr>
                 </a:pPr>
                 <a:r>
-                  <a:rPr lang="it-IT"/>
+                  <a:rPr lang="it-IT" sz="1000"/>
                   <a:t>samples</a:t>
                 </a:r>
               </a:p>
             </c:rich>
           </c:tx>
+          <c:layout>
+            <c:manualLayout>
+              <c:xMode val="edge"/>
+              <c:yMode val="edge"/>
+              <c:x val="0.50027191817072247"/>
+              <c:y val="0.85746965798124519"/>
+            </c:manualLayout>
+          </c:layout>
           <c:overlay val="0"/>
           <c:spPr>
             <a:noFill/>
@@ -523,7 +381,7 @@
             <a:lstStyle/>
             <a:p>
               <a:pPr>
-                <a:defRPr sz="900" b="0" i="0" u="none" strike="noStrike" kern="1200" baseline="0">
+                <a:defRPr sz="1000" b="0" i="0" u="none" strike="noStrike" kern="1200" baseline="0">
                   <a:solidFill>
                     <a:schemeClr val="tx1">
                       <a:lumMod val="65000"/>
@@ -545,7 +403,7 @@
         <c:tickLblPos val="nextTo"/>
         <c:spPr>
           <a:noFill/>
-          <a:ln w="12700" cap="flat" cmpd="sng" algn="ctr">
+          <a:ln w="9525" cap="flat" cmpd="sng" algn="ctr">
             <a:solidFill>
               <a:schemeClr val="tx1">
                 <a:lumMod val="15000"/>
@@ -561,7 +419,7 @@
           <a:lstStyle/>
           <a:p>
             <a:pPr>
-              <a:defRPr sz="900" b="0" i="0" u="none" strike="noStrike" kern="1200" baseline="0">
+              <a:defRPr sz="1197" b="0" i="0" u="none" strike="noStrike" kern="1200" baseline="0">
                 <a:solidFill>
                   <a:schemeClr val="tx1">
                     <a:lumMod val="65000"/>
@@ -612,7 +470,7 @@
               <a:lstStyle/>
               <a:p>
                 <a:pPr>
-                  <a:defRPr sz="900" b="0" i="0" u="none" strike="noStrike" kern="1200" baseline="0">
+                  <a:defRPr sz="1000" b="0" i="0" u="none" strike="noStrike" kern="1200" baseline="0">
                     <a:solidFill>
                       <a:schemeClr val="tx1">
                         <a:lumMod val="65000"/>
@@ -625,12 +483,20 @@
                   </a:defRPr>
                 </a:pPr>
                 <a:r>
-                  <a:rPr lang="it-IT"/>
+                  <a:rPr lang="it-IT" sz="1000"/>
                   <a:t>time (s)</a:t>
                 </a:r>
               </a:p>
             </c:rich>
           </c:tx>
+          <c:layout>
+            <c:manualLayout>
+              <c:xMode val="edge"/>
+              <c:yMode val="edge"/>
+              <c:x val="0"/>
+              <c:y val="0.3698997482868458"/>
+            </c:manualLayout>
+          </c:layout>
           <c:overlay val="0"/>
           <c:spPr>
             <a:noFill/>
@@ -644,7 +510,7 @@
             <a:lstStyle/>
             <a:p>
               <a:pPr>
-                <a:defRPr sz="900" b="0" i="0" u="none" strike="noStrike" kern="1200" baseline="0">
+                <a:defRPr sz="1000" b="0" i="0" u="none" strike="noStrike" kern="1200" baseline="0">
                   <a:solidFill>
                     <a:schemeClr val="tx1">
                       <a:lumMod val="65000"/>
@@ -753,7 +619,7 @@
           <a:lstStyle/>
           <a:p>
             <a:pPr>
-              <a:defRPr sz="1600" b="1" i="0" u="none" strike="noStrike" kern="1200" baseline="0">
+              <a:defRPr sz="1600" b="0" i="0" u="none" strike="noStrike" kern="1200" spc="0" baseline="0">
                 <a:solidFill>
                   <a:schemeClr val="tx1">
                     <a:lumMod val="65000"/>
@@ -766,12 +632,49 @@
               </a:defRPr>
             </a:pPr>
             <a:r>
-              <a:rPr lang="it-IT"/>
-              <a:t>path modification time testbed</a:t>
+              <a:rPr lang="it-IT" sz="1600" b="1" dirty="0">
+                <a:solidFill>
+                  <a:schemeClr val="tx1">
+                    <a:lumMod val="65000"/>
+                    <a:lumOff val="35000"/>
+                  </a:schemeClr>
+                </a:solidFill>
+              </a:rPr>
+              <a:t>Rules </a:t>
+            </a:r>
+            <a:r>
+              <a:rPr lang="it-IT" sz="1600" b="1" dirty="0" err="1">
+                <a:solidFill>
+                  <a:schemeClr val="tx1">
+                    <a:lumMod val="65000"/>
+                    <a:lumOff val="35000"/>
+                  </a:schemeClr>
+                </a:solidFill>
+              </a:rPr>
+              <a:t>installation</a:t>
+            </a:r>
+            <a:r>
+              <a:rPr lang="it-IT" sz="1600" b="1" dirty="0">
+                <a:solidFill>
+                  <a:schemeClr val="tx1">
+                    <a:lumMod val="65000"/>
+                    <a:lumOff val="35000"/>
+                  </a:schemeClr>
+                </a:solidFill>
+              </a:rPr>
+              <a:t> time - MININET SIMULATOR </a:t>
             </a:r>
           </a:p>
         </c:rich>
       </c:tx>
+      <c:layout>
+        <c:manualLayout>
+          <c:xMode val="edge"/>
+          <c:yMode val="edge"/>
+          <c:x val="0.23306172988465701"/>
+          <c:y val="2.639700429335843E-2"/>
+        </c:manualLayout>
+      </c:layout>
       <c:overlay val="0"/>
       <c:spPr>
         <a:noFill/>
@@ -785,7 +688,7 @@
         <a:lstStyle/>
         <a:p>
           <a:pPr>
-            <a:defRPr sz="1600" b="1" i="0" u="none" strike="noStrike" kern="1200" baseline="0">
+            <a:defRPr sz="1600" b="0" i="0" u="none" strike="noStrike" kern="1200" spc="0" baseline="0">
               <a:solidFill>
                 <a:schemeClr val="tx1">
                   <a:lumMod val="65000"/>
@@ -812,113 +715,57 @@
           <c:idx val="0"/>
           <c:order val="0"/>
           <c:spPr>
-            <a:gradFill rotWithShape="1">
-              <a:gsLst>
-                <a:gs pos="0">
-                  <a:schemeClr val="accent1">
-                    <a:satMod val="103000"/>
-                    <a:lumMod val="102000"/>
-                    <a:tint val="94000"/>
-                  </a:schemeClr>
-                </a:gs>
-                <a:gs pos="50000">
-                  <a:schemeClr val="accent1">
-                    <a:satMod val="110000"/>
-                    <a:lumMod val="100000"/>
-                    <a:shade val="100000"/>
-                  </a:schemeClr>
-                </a:gs>
-                <a:gs pos="100000">
-                  <a:schemeClr val="accent1">
-                    <a:lumMod val="99000"/>
-                    <a:satMod val="120000"/>
-                    <a:shade val="78000"/>
-                  </a:schemeClr>
-                </a:gs>
-              </a:gsLst>
-              <a:lin ang="5400000" scaled="0"/>
-            </a:gradFill>
+            <a:solidFill>
+              <a:schemeClr val="accent1"/>
+            </a:solidFill>
             <a:ln>
               <a:noFill/>
             </a:ln>
-            <a:effectLst>
-              <a:outerShdw blurRad="57150" dist="19050" dir="5400000" algn="ctr" rotWithShape="0">
-                <a:srgbClr val="000000">
-                  <a:alpha val="63000"/>
-                </a:srgbClr>
-              </a:outerShdw>
-            </a:effectLst>
+            <a:effectLst/>
           </c:spPr>
           <c:invertIfNegative val="0"/>
           <c:val>
             <c:numRef>
-              <c:f>Foglio2!$A$1:$A$19</c:f>
+              <c:f>Foglio3!$A$1:$A$10</c:f>
               <c:numCache>
                 <c:formatCode>General</c:formatCode>
-                <c:ptCount val="19"/>
+                <c:ptCount val="10"/>
                 <c:pt idx="0">
-                  <c:v>0.32311400000000001</c:v>
+                  <c:v>6.803E-3</c:v>
                 </c:pt>
                 <c:pt idx="1">
-                  <c:v>1.377E-3</c:v>
+                  <c:v>7.3720000000000001E-3</c:v>
                 </c:pt>
                 <c:pt idx="2">
-                  <c:v>0.16966500000000001</c:v>
+                  <c:v>7.3730000000000002E-3</c:v>
                 </c:pt>
                 <c:pt idx="3">
-                  <c:v>3.1700000000000001E-3</c:v>
+                  <c:v>7.3740000000000003E-3</c:v>
                 </c:pt>
                 <c:pt idx="4">
-                  <c:v>1.6900000000000001E-3</c:v>
+                  <c:v>7.3749999999999996E-3</c:v>
                 </c:pt>
                 <c:pt idx="5">
-                  <c:v>8.0492999999999995E-2</c:v>
+                  <c:v>7.3759999999999997E-3</c:v>
                 </c:pt>
                 <c:pt idx="6">
-                  <c:v>2.7060000000000001E-3</c:v>
+                  <c:v>7.3769999999999999E-3</c:v>
                 </c:pt>
                 <c:pt idx="7">
-                  <c:v>0.23216600000000001</c:v>
+                  <c:v>7.378E-3</c:v>
                 </c:pt>
                 <c:pt idx="8">
-                  <c:v>4.8269999999999997E-3</c:v>
+                  <c:v>7.3790000000000001E-3</c:v>
                 </c:pt>
                 <c:pt idx="9">
-                  <c:v>3.8310000000000002E-3</c:v>
-                </c:pt>
-                <c:pt idx="10">
-                  <c:v>4.9189999999999998E-3</c:v>
-                </c:pt>
-                <c:pt idx="11">
-                  <c:v>3.6770000000000001E-3</c:v>
-                </c:pt>
-                <c:pt idx="12">
-                  <c:v>0.19381999999999999</c:v>
-                </c:pt>
-                <c:pt idx="13">
-                  <c:v>7.8684000000000004E-2</c:v>
-                </c:pt>
-                <c:pt idx="14">
-                  <c:v>4.7390000000000002E-3</c:v>
-                </c:pt>
-                <c:pt idx="15">
-                  <c:v>7.3681999999999997E-2</c:v>
-                </c:pt>
-                <c:pt idx="16">
-                  <c:v>0.13226099999999999</c:v>
-                </c:pt>
-                <c:pt idx="17">
-                  <c:v>1.755E-3</c:v>
-                </c:pt>
-                <c:pt idx="18">
-                  <c:v>1.885E-3</c:v>
+                  <c:v>7.3800000000000003E-3</c:v>
                 </c:pt>
               </c:numCache>
             </c:numRef>
           </c:val>
           <c:extLst>
             <c:ext xmlns:c16="http://schemas.microsoft.com/office/drawing/2014/chart" uri="{C3380CC4-5D6E-409C-BE32-E72D297353CC}">
-              <c16:uniqueId val="{00000000-004A-42C1-A206-FC0FA51B4F1A}"/>
+              <c16:uniqueId val="{00000000-AF36-4E76-8948-1D02540F7C16}"/>
             </c:ext>
           </c:extLst>
         </c:ser>
@@ -930,13 +777,429 @@
           <c:showPercent val="0"/>
           <c:showBubbleSize val="0"/>
         </c:dLbls>
-        <c:gapWidth val="100"/>
-        <c:overlap val="-24"/>
-        <c:axId val="585500280"/>
-        <c:axId val="585499320"/>
+        <c:gapWidth val="219"/>
+        <c:overlap val="-27"/>
+        <c:axId val="481557016"/>
+        <c:axId val="481556360"/>
       </c:barChart>
       <c:catAx>
-        <c:axId val="585500280"/>
+        <c:axId val="481557016"/>
+        <c:scaling>
+          <c:orientation val="minMax"/>
+        </c:scaling>
+        <c:delete val="0"/>
+        <c:axPos val="b"/>
+        <c:title>
+          <c:tx>
+            <c:rich>
+              <a:bodyPr rot="0" spcFirstLastPara="1" vertOverflow="ellipsis" vert="horz" wrap="square" anchor="ctr" anchorCtr="1"/>
+              <a:lstStyle/>
+              <a:p>
+                <a:pPr>
+                  <a:defRPr sz="1000" b="0" i="0" u="none" strike="noStrike" kern="1200" baseline="0">
+                    <a:solidFill>
+                      <a:schemeClr val="tx1">
+                        <a:lumMod val="65000"/>
+                        <a:lumOff val="35000"/>
+                      </a:schemeClr>
+                    </a:solidFill>
+                    <a:latin typeface="+mn-lt"/>
+                    <a:ea typeface="+mn-ea"/>
+                    <a:cs typeface="+mn-cs"/>
+                  </a:defRPr>
+                </a:pPr>
+                <a:r>
+                  <a:rPr lang="it-IT"/>
+                  <a:t>samples</a:t>
+                </a:r>
+              </a:p>
+            </c:rich>
+          </c:tx>
+          <c:overlay val="0"/>
+          <c:spPr>
+            <a:noFill/>
+            <a:ln>
+              <a:noFill/>
+            </a:ln>
+            <a:effectLst/>
+          </c:spPr>
+          <c:txPr>
+            <a:bodyPr rot="0" spcFirstLastPara="1" vertOverflow="ellipsis" vert="horz" wrap="square" anchor="ctr" anchorCtr="1"/>
+            <a:lstStyle/>
+            <a:p>
+              <a:pPr>
+                <a:defRPr sz="1000" b="0" i="0" u="none" strike="noStrike" kern="1200" baseline="0">
+                  <a:solidFill>
+                    <a:schemeClr val="tx1">
+                      <a:lumMod val="65000"/>
+                      <a:lumOff val="35000"/>
+                    </a:schemeClr>
+                  </a:solidFill>
+                  <a:latin typeface="+mn-lt"/>
+                  <a:ea typeface="+mn-ea"/>
+                  <a:cs typeface="+mn-cs"/>
+                </a:defRPr>
+              </a:pPr>
+              <a:endParaRPr lang="it-IT"/>
+            </a:p>
+          </c:txPr>
+        </c:title>
+        <c:numFmt formatCode="General" sourceLinked="1"/>
+        <c:majorTickMark val="none"/>
+        <c:minorTickMark val="none"/>
+        <c:tickLblPos val="nextTo"/>
+        <c:spPr>
+          <a:noFill/>
+          <a:ln w="9525" cap="flat" cmpd="sng" algn="ctr">
+            <a:solidFill>
+              <a:schemeClr val="tx1">
+                <a:lumMod val="15000"/>
+                <a:lumOff val="85000"/>
+              </a:schemeClr>
+            </a:solidFill>
+            <a:round/>
+          </a:ln>
+          <a:effectLst/>
+        </c:spPr>
+        <c:txPr>
+          <a:bodyPr rot="-60000000" spcFirstLastPara="1" vertOverflow="ellipsis" vert="horz" wrap="square" anchor="ctr" anchorCtr="1"/>
+          <a:lstStyle/>
+          <a:p>
+            <a:pPr>
+              <a:defRPr sz="1200" b="0" i="0" u="none" strike="noStrike" kern="1200" baseline="0">
+                <a:solidFill>
+                  <a:schemeClr val="tx1">
+                    <a:lumMod val="65000"/>
+                    <a:lumOff val="35000"/>
+                  </a:schemeClr>
+                </a:solidFill>
+                <a:latin typeface="+mn-lt"/>
+                <a:ea typeface="+mn-ea"/>
+                <a:cs typeface="+mn-cs"/>
+              </a:defRPr>
+            </a:pPr>
+            <a:endParaRPr lang="it-IT"/>
+          </a:p>
+        </c:txPr>
+        <c:crossAx val="481556360"/>
+        <c:crosses val="autoZero"/>
+        <c:auto val="1"/>
+        <c:lblAlgn val="ctr"/>
+        <c:lblOffset val="100"/>
+        <c:noMultiLvlLbl val="0"/>
+      </c:catAx>
+      <c:valAx>
+        <c:axId val="481556360"/>
+        <c:scaling>
+          <c:orientation val="minMax"/>
+          <c:max val="9.0000000000000028E-3"/>
+        </c:scaling>
+        <c:delete val="0"/>
+        <c:axPos val="l"/>
+        <c:majorGridlines>
+          <c:spPr>
+            <a:ln w="9525" cap="flat" cmpd="sng" algn="ctr">
+              <a:solidFill>
+                <a:schemeClr val="tx1">
+                  <a:lumMod val="15000"/>
+                  <a:lumOff val="85000"/>
+                </a:schemeClr>
+              </a:solidFill>
+              <a:round/>
+            </a:ln>
+            <a:effectLst/>
+          </c:spPr>
+        </c:majorGridlines>
+        <c:title>
+          <c:tx>
+            <c:rich>
+              <a:bodyPr rot="-5400000" spcFirstLastPara="1" vertOverflow="ellipsis" vert="horz" wrap="square" anchor="ctr" anchorCtr="1"/>
+              <a:lstStyle/>
+              <a:p>
+                <a:pPr>
+                  <a:defRPr sz="900" b="0" i="0" u="none" strike="noStrike" kern="1200" baseline="0">
+                    <a:solidFill>
+                      <a:schemeClr val="tx1">
+                        <a:lumMod val="65000"/>
+                        <a:lumOff val="35000"/>
+                      </a:schemeClr>
+                    </a:solidFill>
+                    <a:latin typeface="+mn-lt"/>
+                    <a:ea typeface="+mn-ea"/>
+                    <a:cs typeface="+mn-cs"/>
+                  </a:defRPr>
+                </a:pPr>
+                <a:r>
+                  <a:rPr lang="it-IT" sz="900"/>
+                  <a:t>time(s)</a:t>
+                </a:r>
+              </a:p>
+            </c:rich>
+          </c:tx>
+          <c:layout>
+            <c:manualLayout>
+              <c:xMode val="edge"/>
+              <c:yMode val="edge"/>
+              <c:x val="9.2497721060085056E-3"/>
+              <c:y val="0.35239994959081916"/>
+            </c:manualLayout>
+          </c:layout>
+          <c:overlay val="0"/>
+          <c:spPr>
+            <a:noFill/>
+            <a:ln>
+              <a:noFill/>
+            </a:ln>
+            <a:effectLst/>
+          </c:spPr>
+          <c:txPr>
+            <a:bodyPr rot="-5400000" spcFirstLastPara="1" vertOverflow="ellipsis" vert="horz" wrap="square" anchor="ctr" anchorCtr="1"/>
+            <a:lstStyle/>
+            <a:p>
+              <a:pPr>
+                <a:defRPr sz="900" b="0" i="0" u="none" strike="noStrike" kern="1200" baseline="0">
+                  <a:solidFill>
+                    <a:schemeClr val="tx1">
+                      <a:lumMod val="65000"/>
+                      <a:lumOff val="35000"/>
+                    </a:schemeClr>
+                  </a:solidFill>
+                  <a:latin typeface="+mn-lt"/>
+                  <a:ea typeface="+mn-ea"/>
+                  <a:cs typeface="+mn-cs"/>
+                </a:defRPr>
+              </a:pPr>
+              <a:endParaRPr lang="it-IT"/>
+            </a:p>
+          </c:txPr>
+        </c:title>
+        <c:numFmt formatCode="General" sourceLinked="1"/>
+        <c:majorTickMark val="none"/>
+        <c:minorTickMark val="none"/>
+        <c:tickLblPos val="nextTo"/>
+        <c:spPr>
+          <a:noFill/>
+          <a:ln>
+            <a:noFill/>
+          </a:ln>
+          <a:effectLst/>
+        </c:spPr>
+        <c:txPr>
+          <a:bodyPr rot="-60000000" spcFirstLastPara="1" vertOverflow="ellipsis" vert="horz" wrap="square" anchor="ctr" anchorCtr="1"/>
+          <a:lstStyle/>
+          <a:p>
+            <a:pPr>
+              <a:defRPr sz="900" b="0" i="0" u="none" strike="noStrike" kern="1200" baseline="0">
+                <a:solidFill>
+                  <a:schemeClr val="tx1">
+                    <a:lumMod val="65000"/>
+                    <a:lumOff val="35000"/>
+                  </a:schemeClr>
+                </a:solidFill>
+                <a:latin typeface="+mn-lt"/>
+                <a:ea typeface="+mn-ea"/>
+                <a:cs typeface="+mn-cs"/>
+              </a:defRPr>
+            </a:pPr>
+            <a:endParaRPr lang="it-IT"/>
+          </a:p>
+        </c:txPr>
+        <c:crossAx val="481557016"/>
+        <c:crosses val="autoZero"/>
+        <c:crossBetween val="between"/>
+        <c:majorUnit val="1.0000000000000002E-3"/>
+      </c:valAx>
+      <c:spPr>
+        <a:noFill/>
+        <a:ln>
+          <a:noFill/>
+        </a:ln>
+        <a:effectLst/>
+      </c:spPr>
+    </c:plotArea>
+    <c:plotVisOnly val="1"/>
+    <c:dispBlanksAs val="gap"/>
+    <c:showDLblsOverMax val="0"/>
+  </c:chart>
+  <c:spPr>
+    <a:noFill/>
+    <a:ln>
+      <a:noFill/>
+    </a:ln>
+    <a:effectLst/>
+  </c:spPr>
+  <c:txPr>
+    <a:bodyPr/>
+    <a:lstStyle/>
+    <a:p>
+      <a:pPr>
+        <a:defRPr/>
+      </a:pPr>
+      <a:endParaRPr lang="it-IT"/>
+    </a:p>
+  </c:txPr>
+  <c:externalData r:id="rId3">
+    <c:autoUpdate val="0"/>
+  </c:externalData>
+</c:chartSpace>
+</file>
+
+<file path=ppt/charts/chart3.xml><?xml version="1.0" encoding="utf-8"?>
+<c:chartSpace xmlns:c="http://schemas.openxmlformats.org/drawingml/2006/chart" xmlns:a="http://schemas.openxmlformats.org/drawingml/2006/main" xmlns:r="http://schemas.openxmlformats.org/officeDocument/2006/relationships" xmlns:c16r2="http://schemas.microsoft.com/office/drawing/2015/06/chart">
+  <c:date1904 val="0"/>
+  <c:lang val="it-IT"/>
+  <c:roundedCorners val="0"/>
+  <mc:AlternateContent xmlns:mc="http://schemas.openxmlformats.org/markup-compatibility/2006">
+    <mc:Choice xmlns:c14="http://schemas.microsoft.com/office/drawing/2007/8/2/chart" Requires="c14">
+      <c14:style val="102"/>
+    </mc:Choice>
+    <mc:Fallback>
+      <c:style val="2"/>
+    </mc:Fallback>
+  </mc:AlternateContent>
+  <c:chart>
+    <c:title>
+      <c:tx>
+        <c:rich>
+          <a:bodyPr rot="0" spcFirstLastPara="1" vertOverflow="ellipsis" vert="horz" wrap="square" anchor="ctr" anchorCtr="1"/>
+          <a:lstStyle/>
+          <a:p>
+            <a:pPr>
+              <a:defRPr sz="1600" b="0" i="0" u="none" strike="noStrike" kern="1200" spc="0" baseline="0">
+                <a:solidFill>
+                  <a:schemeClr val="tx1">
+                    <a:lumMod val="65000"/>
+                    <a:lumOff val="35000"/>
+                  </a:schemeClr>
+                </a:solidFill>
+                <a:latin typeface="+mn-lt"/>
+                <a:ea typeface="+mn-ea"/>
+                <a:cs typeface="+mn-cs"/>
+              </a:defRPr>
+            </a:pPr>
+            <a:r>
+              <a:rPr lang="it-IT" sz="1600" b="1">
+                <a:solidFill>
+                  <a:schemeClr val="tx1">
+                    <a:lumMod val="65000"/>
+                    <a:lumOff val="35000"/>
+                  </a:schemeClr>
+                </a:solidFill>
+              </a:rPr>
+              <a:t>Path modification time - MININET SIMULATOR</a:t>
+            </a:r>
+          </a:p>
+        </c:rich>
+      </c:tx>
+      <c:overlay val="0"/>
+      <c:spPr>
+        <a:noFill/>
+        <a:ln>
+          <a:noFill/>
+        </a:ln>
+        <a:effectLst/>
+      </c:spPr>
+      <c:txPr>
+        <a:bodyPr rot="0" spcFirstLastPara="1" vertOverflow="ellipsis" vert="horz" wrap="square" anchor="ctr" anchorCtr="1"/>
+        <a:lstStyle/>
+        <a:p>
+          <a:pPr>
+            <a:defRPr sz="1600" b="0" i="0" u="none" strike="noStrike" kern="1200" spc="0" baseline="0">
+              <a:solidFill>
+                <a:schemeClr val="tx1">
+                  <a:lumMod val="65000"/>
+                  <a:lumOff val="35000"/>
+                </a:schemeClr>
+              </a:solidFill>
+              <a:latin typeface="+mn-lt"/>
+              <a:ea typeface="+mn-ea"/>
+              <a:cs typeface="+mn-cs"/>
+            </a:defRPr>
+          </a:pPr>
+          <a:endParaRPr lang="it-IT"/>
+        </a:p>
+      </c:txPr>
+    </c:title>
+    <c:autoTitleDeleted val="0"/>
+    <c:plotArea>
+      <c:layout/>
+      <c:barChart>
+        <c:barDir val="col"/>
+        <c:grouping val="clustered"/>
+        <c:varyColors val="0"/>
+        <c:ser>
+          <c:idx val="0"/>
+          <c:order val="0"/>
+          <c:spPr>
+            <a:solidFill>
+              <a:schemeClr val="accent1"/>
+            </a:solidFill>
+            <a:ln>
+              <a:noFill/>
+            </a:ln>
+            <a:effectLst/>
+          </c:spPr>
+          <c:invertIfNegative val="0"/>
+          <c:val>
+            <c:numRef>
+              <c:f>Foglio4!$A$1:$A$10</c:f>
+              <c:numCache>
+                <c:formatCode>General</c:formatCode>
+                <c:ptCount val="10"/>
+                <c:pt idx="0">
+                  <c:v>3.7420000000000001E-3</c:v>
+                </c:pt>
+                <c:pt idx="1">
+                  <c:v>7.8799999999999999E-3</c:v>
+                </c:pt>
+                <c:pt idx="2">
+                  <c:v>3.2560000000000002E-3</c:v>
+                </c:pt>
+                <c:pt idx="3">
+                  <c:v>3.7599999999999999E-3</c:v>
+                </c:pt>
+                <c:pt idx="4">
+                  <c:v>3.4529999999999999E-3</c:v>
+                </c:pt>
+                <c:pt idx="5">
+                  <c:v>3.9069999999999999E-3</c:v>
+                </c:pt>
+                <c:pt idx="6">
+                  <c:v>3.042E-3</c:v>
+                </c:pt>
+                <c:pt idx="7">
+                  <c:v>3.4740000000000001E-3</c:v>
+                </c:pt>
+                <c:pt idx="8">
+                  <c:v>3.6380000000000002E-3</c:v>
+                </c:pt>
+                <c:pt idx="9">
+                  <c:v>4.7679999999999997E-3</c:v>
+                </c:pt>
+              </c:numCache>
+            </c:numRef>
+          </c:val>
+          <c:extLst>
+            <c:ext xmlns:c16="http://schemas.microsoft.com/office/drawing/2014/chart" uri="{C3380CC4-5D6E-409C-BE32-E72D297353CC}">
+              <c16:uniqueId val="{00000000-3102-4BED-98C6-8D74895447D2}"/>
+            </c:ext>
+          </c:extLst>
+        </c:ser>
+        <c:dLbls>
+          <c:showLegendKey val="0"/>
+          <c:showVal val="0"/>
+          <c:showCatName val="0"/>
+          <c:showSerName val="0"/>
+          <c:showPercent val="0"/>
+          <c:showBubbleSize val="0"/>
+        </c:dLbls>
+        <c:gapWidth val="219"/>
+        <c:overlap val="-27"/>
+        <c:axId val="522039528"/>
+        <c:axId val="522041168"/>
+      </c:barChart>
+      <c:catAx>
+        <c:axId val="522039528"/>
         <c:scaling>
           <c:orientation val="minMax"/>
         </c:scaling>
@@ -962,7 +1225,7 @@
                   </a:defRPr>
                 </a:pPr>
                 <a:r>
-                  <a:rPr lang="it-IT"/>
+                  <a:rPr lang="it-IT" sz="900"/>
                   <a:t>samples</a:t>
                 </a:r>
               </a:p>
@@ -1003,7 +1266,7 @@
         <c:tickLblPos val="nextTo"/>
         <c:spPr>
           <a:noFill/>
-          <a:ln w="12700" cap="flat" cmpd="sng" algn="ctr">
+          <a:ln w="9525" cap="flat" cmpd="sng" algn="ctr">
             <a:solidFill>
               <a:schemeClr val="tx1">
                 <a:lumMod val="15000"/>
@@ -1019,7 +1282,470 @@
           <a:lstStyle/>
           <a:p>
             <a:pPr>
+              <a:defRPr sz="1000" b="0" i="0" u="none" strike="noStrike" kern="1200" baseline="0">
+                <a:solidFill>
+                  <a:schemeClr val="tx1">
+                    <a:lumMod val="65000"/>
+                    <a:lumOff val="35000"/>
+                  </a:schemeClr>
+                </a:solidFill>
+                <a:latin typeface="+mn-lt"/>
+                <a:ea typeface="+mn-ea"/>
+                <a:cs typeface="+mn-cs"/>
+              </a:defRPr>
+            </a:pPr>
+            <a:endParaRPr lang="it-IT"/>
+          </a:p>
+        </c:txPr>
+        <c:crossAx val="522041168"/>
+        <c:crosses val="autoZero"/>
+        <c:auto val="1"/>
+        <c:lblAlgn val="ctr"/>
+        <c:lblOffset val="100"/>
+        <c:noMultiLvlLbl val="0"/>
+      </c:catAx>
+      <c:valAx>
+        <c:axId val="522041168"/>
+        <c:scaling>
+          <c:orientation val="minMax"/>
+        </c:scaling>
+        <c:delete val="0"/>
+        <c:axPos val="l"/>
+        <c:majorGridlines>
+          <c:spPr>
+            <a:ln w="9525" cap="flat" cmpd="sng" algn="ctr">
+              <a:solidFill>
+                <a:schemeClr val="tx1">
+                  <a:lumMod val="15000"/>
+                  <a:lumOff val="85000"/>
+                </a:schemeClr>
+              </a:solidFill>
+              <a:round/>
+            </a:ln>
+            <a:effectLst/>
+          </c:spPr>
+        </c:majorGridlines>
+        <c:title>
+          <c:tx>
+            <c:rich>
+              <a:bodyPr rot="-5400000" spcFirstLastPara="1" vertOverflow="ellipsis" vert="horz" wrap="square" anchor="ctr" anchorCtr="1"/>
+              <a:lstStyle/>
+              <a:p>
+                <a:pPr>
+                  <a:defRPr sz="900" b="0" i="0" u="none" strike="noStrike" kern="1200" baseline="0">
+                    <a:solidFill>
+                      <a:schemeClr val="tx1">
+                        <a:lumMod val="65000"/>
+                        <a:lumOff val="35000"/>
+                      </a:schemeClr>
+                    </a:solidFill>
+                    <a:latin typeface="+mn-lt"/>
+                    <a:ea typeface="+mn-ea"/>
+                    <a:cs typeface="+mn-cs"/>
+                  </a:defRPr>
+                </a:pPr>
+                <a:r>
+                  <a:rPr lang="it-IT" sz="900"/>
+                  <a:t>time(s)</a:t>
+                </a:r>
+              </a:p>
+            </c:rich>
+          </c:tx>
+          <c:overlay val="0"/>
+          <c:spPr>
+            <a:noFill/>
+            <a:ln>
+              <a:noFill/>
+            </a:ln>
+            <a:effectLst/>
+          </c:spPr>
+          <c:txPr>
+            <a:bodyPr rot="-5400000" spcFirstLastPara="1" vertOverflow="ellipsis" vert="horz" wrap="square" anchor="ctr" anchorCtr="1"/>
+            <a:lstStyle/>
+            <a:p>
+              <a:pPr>
+                <a:defRPr sz="900" b="0" i="0" u="none" strike="noStrike" kern="1200" baseline="0">
+                  <a:solidFill>
+                    <a:schemeClr val="tx1">
+                      <a:lumMod val="65000"/>
+                      <a:lumOff val="35000"/>
+                    </a:schemeClr>
+                  </a:solidFill>
+                  <a:latin typeface="+mn-lt"/>
+                  <a:ea typeface="+mn-ea"/>
+                  <a:cs typeface="+mn-cs"/>
+                </a:defRPr>
+              </a:pPr>
+              <a:endParaRPr lang="it-IT"/>
+            </a:p>
+          </c:txPr>
+        </c:title>
+        <c:numFmt formatCode="General" sourceLinked="1"/>
+        <c:majorTickMark val="none"/>
+        <c:minorTickMark val="none"/>
+        <c:tickLblPos val="nextTo"/>
+        <c:spPr>
+          <a:noFill/>
+          <a:ln>
+            <a:noFill/>
+          </a:ln>
+          <a:effectLst/>
+        </c:spPr>
+        <c:txPr>
+          <a:bodyPr rot="-60000000" spcFirstLastPara="1" vertOverflow="ellipsis" vert="horz" wrap="square" anchor="ctr" anchorCtr="1"/>
+          <a:lstStyle/>
+          <a:p>
+            <a:pPr>
               <a:defRPr sz="900" b="0" i="0" u="none" strike="noStrike" kern="1200" baseline="0">
+                <a:solidFill>
+                  <a:schemeClr val="tx1">
+                    <a:lumMod val="65000"/>
+                    <a:lumOff val="35000"/>
+                  </a:schemeClr>
+                </a:solidFill>
+                <a:latin typeface="+mn-lt"/>
+                <a:ea typeface="+mn-ea"/>
+                <a:cs typeface="+mn-cs"/>
+              </a:defRPr>
+            </a:pPr>
+            <a:endParaRPr lang="it-IT"/>
+          </a:p>
+        </c:txPr>
+        <c:crossAx val="522039528"/>
+        <c:crosses val="autoZero"/>
+        <c:crossBetween val="between"/>
+      </c:valAx>
+      <c:spPr>
+        <a:noFill/>
+        <a:ln>
+          <a:noFill/>
+        </a:ln>
+        <a:effectLst/>
+      </c:spPr>
+    </c:plotArea>
+    <c:plotVisOnly val="1"/>
+    <c:dispBlanksAs val="gap"/>
+    <c:showDLblsOverMax val="0"/>
+  </c:chart>
+  <c:spPr>
+    <a:noFill/>
+    <a:ln>
+      <a:noFill/>
+    </a:ln>
+    <a:effectLst/>
+  </c:spPr>
+  <c:txPr>
+    <a:bodyPr/>
+    <a:lstStyle/>
+    <a:p>
+      <a:pPr>
+        <a:defRPr/>
+      </a:pPr>
+      <a:endParaRPr lang="it-IT"/>
+    </a:p>
+  </c:txPr>
+  <c:externalData r:id="rId3">
+    <c:autoUpdate val="0"/>
+  </c:externalData>
+</c:chartSpace>
+</file>
+
+<file path=ppt/charts/chart4.xml><?xml version="1.0" encoding="utf-8"?>
+<c:chartSpace xmlns:c="http://schemas.openxmlformats.org/drawingml/2006/chart" xmlns:a="http://schemas.openxmlformats.org/drawingml/2006/main" xmlns:r="http://schemas.openxmlformats.org/officeDocument/2006/relationships" xmlns:c16r2="http://schemas.microsoft.com/office/drawing/2015/06/chart">
+  <c:date1904 val="0"/>
+  <c:lang val="it-IT"/>
+  <c:roundedCorners val="0"/>
+  <mc:AlternateContent xmlns:mc="http://schemas.openxmlformats.org/markup-compatibility/2006">
+    <mc:Choice xmlns:c14="http://schemas.microsoft.com/office/drawing/2007/8/2/chart" Requires="c14">
+      <c14:style val="102"/>
+    </mc:Choice>
+    <mc:Fallback>
+      <c:style val="2"/>
+    </mc:Fallback>
+  </mc:AlternateContent>
+  <c:chart>
+    <c:title>
+      <c:tx>
+        <c:rich>
+          <a:bodyPr rot="0" spcFirstLastPara="1" vertOverflow="ellipsis" vert="horz" wrap="square" anchor="ctr" anchorCtr="1"/>
+          <a:lstStyle/>
+          <a:p>
+            <a:pPr>
+              <a:defRPr sz="1600" b="0" i="0" u="none" strike="noStrike" kern="1200" spc="0" baseline="0">
+                <a:solidFill>
+                  <a:schemeClr val="tx1">
+                    <a:lumMod val="65000"/>
+                    <a:lumOff val="35000"/>
+                  </a:schemeClr>
+                </a:solidFill>
+                <a:latin typeface="+mn-lt"/>
+                <a:ea typeface="+mn-ea"/>
+                <a:cs typeface="+mn-cs"/>
+              </a:defRPr>
+            </a:pPr>
+            <a:r>
+              <a:rPr lang="it-IT" sz="1600" b="1">
+                <a:solidFill>
+                  <a:schemeClr val="tx1">
+                    <a:lumMod val="65000"/>
+                    <a:lumOff val="35000"/>
+                  </a:schemeClr>
+                </a:solidFill>
+              </a:rPr>
+              <a:t>Path modification time - TESTBED</a:t>
+            </a:r>
+          </a:p>
+        </c:rich>
+      </c:tx>
+      <c:overlay val="0"/>
+      <c:spPr>
+        <a:noFill/>
+        <a:ln>
+          <a:noFill/>
+        </a:ln>
+        <a:effectLst/>
+      </c:spPr>
+      <c:txPr>
+        <a:bodyPr rot="0" spcFirstLastPara="1" vertOverflow="ellipsis" vert="horz" wrap="square" anchor="ctr" anchorCtr="1"/>
+        <a:lstStyle/>
+        <a:p>
+          <a:pPr>
+            <a:defRPr sz="1600" b="0" i="0" u="none" strike="noStrike" kern="1200" spc="0" baseline="0">
+              <a:solidFill>
+                <a:schemeClr val="tx1">
+                  <a:lumMod val="65000"/>
+                  <a:lumOff val="35000"/>
+                </a:schemeClr>
+              </a:solidFill>
+              <a:latin typeface="+mn-lt"/>
+              <a:ea typeface="+mn-ea"/>
+              <a:cs typeface="+mn-cs"/>
+            </a:defRPr>
+          </a:pPr>
+          <a:endParaRPr lang="it-IT"/>
+        </a:p>
+      </c:txPr>
+    </c:title>
+    <c:autoTitleDeleted val="0"/>
+    <c:plotArea>
+      <c:layout>
+        <c:manualLayout>
+          <c:layoutTarget val="inner"/>
+          <c:xMode val="edge"/>
+          <c:yMode val="edge"/>
+          <c:x val="8.5960888691730436E-2"/>
+          <c:y val="0.18273191263193081"/>
+          <c:w val="0.88402025803112638"/>
+          <c:h val="0.68937853842649832"/>
+        </c:manualLayout>
+      </c:layout>
+      <c:barChart>
+        <c:barDir val="col"/>
+        <c:grouping val="clustered"/>
+        <c:varyColors val="0"/>
+        <c:ser>
+          <c:idx val="0"/>
+          <c:order val="0"/>
+          <c:spPr>
+            <a:solidFill>
+              <a:schemeClr val="accent1"/>
+            </a:solidFill>
+            <a:ln>
+              <a:noFill/>
+            </a:ln>
+            <a:effectLst/>
+          </c:spPr>
+          <c:invertIfNegative val="0"/>
+          <c:cat>
+            <c:strLit>
+              <c:ptCount val="10"/>
+              <c:pt idx="0">
+                <c:v>1</c:v>
+              </c:pt>
+              <c:pt idx="1">
+                <c:v>2</c:v>
+              </c:pt>
+              <c:pt idx="2">
+                <c:v>3</c:v>
+              </c:pt>
+              <c:pt idx="3">
+                <c:v>4</c:v>
+              </c:pt>
+              <c:pt idx="4">
+                <c:v>5</c:v>
+              </c:pt>
+              <c:pt idx="5">
+                <c:v>6</c:v>
+              </c:pt>
+              <c:pt idx="6">
+                <c:v>7</c:v>
+              </c:pt>
+              <c:pt idx="7">
+                <c:v>8</c:v>
+              </c:pt>
+              <c:pt idx="8">
+                <c:v>9</c:v>
+              </c:pt>
+              <c:pt idx="9">
+                <c:v>10</c:v>
+              </c:pt>
+              <c:extLst>
+                <c:ext xmlns:c15="http://schemas.microsoft.com/office/drawing/2012/chart" uri="{02D57815-91ED-43cb-92C2-25804820EDAC}">
+                  <c15:autoCat val="1"/>
+                </c:ext>
+              </c:extLst>
+            </c:strLit>
+          </c:cat>
+          <c:val>
+            <c:numRef>
+              <c:extLst>
+                <c:ext xmlns:c15="http://schemas.microsoft.com/office/drawing/2012/chart" uri="{02D57815-91ED-43cb-92C2-25804820EDAC}">
+                  <c15:fullRef>
+                    <c15:sqref>Foglio2!$A$1:$A$19</c15:sqref>
+                  </c15:fullRef>
+                </c:ext>
+              </c:extLst>
+              <c:f>Foglio2!$A$1:$A$10</c:f>
+              <c:numCache>
+                <c:formatCode>General</c:formatCode>
+                <c:ptCount val="10"/>
+                <c:pt idx="0">
+                  <c:v>0.32311400000000001</c:v>
+                </c:pt>
+                <c:pt idx="1">
+                  <c:v>5.3769999999999998E-3</c:v>
+                </c:pt>
+                <c:pt idx="2">
+                  <c:v>0.16966500000000001</c:v>
+                </c:pt>
+                <c:pt idx="3">
+                  <c:v>3.1700000000000001E-3</c:v>
+                </c:pt>
+                <c:pt idx="4">
+                  <c:v>4.6899999999999997E-3</c:v>
+                </c:pt>
+                <c:pt idx="5">
+                  <c:v>8.0492999999999995E-2</c:v>
+                </c:pt>
+                <c:pt idx="6">
+                  <c:v>2.7060000000000001E-3</c:v>
+                </c:pt>
+                <c:pt idx="7">
+                  <c:v>0.23216600000000001</c:v>
+                </c:pt>
+                <c:pt idx="8">
+                  <c:v>4.8269999999999997E-3</c:v>
+                </c:pt>
+                <c:pt idx="9">
+                  <c:v>3.8310000000000002E-3</c:v>
+                </c:pt>
+              </c:numCache>
+            </c:numRef>
+          </c:val>
+          <c:extLst>
+            <c:ext xmlns:c16="http://schemas.microsoft.com/office/drawing/2014/chart" uri="{C3380CC4-5D6E-409C-BE32-E72D297353CC}">
+              <c16:uniqueId val="{00000000-F792-4DE9-991F-2393D5016E32}"/>
+            </c:ext>
+          </c:extLst>
+        </c:ser>
+        <c:dLbls>
+          <c:showLegendKey val="0"/>
+          <c:showVal val="0"/>
+          <c:showCatName val="0"/>
+          <c:showSerName val="0"/>
+          <c:showPercent val="0"/>
+          <c:showBubbleSize val="0"/>
+        </c:dLbls>
+        <c:gapWidth val="219"/>
+        <c:overlap val="-27"/>
+        <c:axId val="585500280"/>
+        <c:axId val="585499320"/>
+      </c:barChart>
+      <c:catAx>
+        <c:axId val="585500280"/>
+        <c:scaling>
+          <c:orientation val="minMax"/>
+        </c:scaling>
+        <c:delete val="0"/>
+        <c:axPos val="b"/>
+        <c:title>
+          <c:tx>
+            <c:rich>
+              <a:bodyPr rot="0" spcFirstLastPara="1" vertOverflow="ellipsis" vert="horz" wrap="square" anchor="ctr" anchorCtr="1"/>
+              <a:lstStyle/>
+              <a:p>
+                <a:pPr>
+                  <a:defRPr sz="900" b="0" i="0" u="none" strike="noStrike" kern="1200" baseline="0">
+                    <a:solidFill>
+                      <a:schemeClr val="tx1">
+                        <a:lumMod val="65000"/>
+                        <a:lumOff val="35000"/>
+                      </a:schemeClr>
+                    </a:solidFill>
+                    <a:latin typeface="+mn-lt"/>
+                    <a:ea typeface="+mn-ea"/>
+                    <a:cs typeface="+mn-cs"/>
+                  </a:defRPr>
+                </a:pPr>
+                <a:r>
+                  <a:rPr lang="it-IT" sz="900"/>
+                  <a:t>samples</a:t>
+                </a:r>
+              </a:p>
+            </c:rich>
+          </c:tx>
+          <c:overlay val="0"/>
+          <c:spPr>
+            <a:noFill/>
+            <a:ln>
+              <a:noFill/>
+            </a:ln>
+            <a:effectLst/>
+          </c:spPr>
+          <c:txPr>
+            <a:bodyPr rot="0" spcFirstLastPara="1" vertOverflow="ellipsis" vert="horz" wrap="square" anchor="ctr" anchorCtr="1"/>
+            <a:lstStyle/>
+            <a:p>
+              <a:pPr>
+                <a:defRPr sz="900" b="0" i="0" u="none" strike="noStrike" kern="1200" baseline="0">
+                  <a:solidFill>
+                    <a:schemeClr val="tx1">
+                      <a:lumMod val="65000"/>
+                      <a:lumOff val="35000"/>
+                    </a:schemeClr>
+                  </a:solidFill>
+                  <a:latin typeface="+mn-lt"/>
+                  <a:ea typeface="+mn-ea"/>
+                  <a:cs typeface="+mn-cs"/>
+                </a:defRPr>
+              </a:pPr>
+              <a:endParaRPr lang="it-IT"/>
+            </a:p>
+          </c:txPr>
+        </c:title>
+        <c:numFmt formatCode="General" sourceLinked="1"/>
+        <c:majorTickMark val="none"/>
+        <c:minorTickMark val="none"/>
+        <c:tickLblPos val="nextTo"/>
+        <c:spPr>
+          <a:noFill/>
+          <a:ln w="9525" cap="flat" cmpd="sng" algn="ctr">
+            <a:solidFill>
+              <a:schemeClr val="tx1">
+                <a:lumMod val="15000"/>
+                <a:lumOff val="85000"/>
+              </a:schemeClr>
+            </a:solidFill>
+            <a:round/>
+          </a:ln>
+          <a:effectLst/>
+        </c:spPr>
+        <c:txPr>
+          <a:bodyPr rot="-60000000" spcFirstLastPara="1" vertOverflow="ellipsis" vert="horz" wrap="square" anchor="ctr" anchorCtr="1"/>
+          <a:lstStyle/>
+          <a:p>
+            <a:pPr>
+              <a:defRPr sz="1000" b="0" i="0" u="none" strike="noStrike" kern="1200" baseline="0">
                 <a:solidFill>
                   <a:schemeClr val="tx1">
                     <a:lumMod val="65000"/>
@@ -1082,7 +1808,7 @@
                   </a:defRPr>
                 </a:pPr>
                 <a:r>
-                  <a:rPr lang="it-IT"/>
+                  <a:rPr lang="it-IT" sz="900"/>
                   <a:t>time (s)</a:t>
                 </a:r>
               </a:p>
@@ -1151,7 +1877,8 @@
         <c:crossAx val="585500280"/>
         <c:crosses val="autoZero"/>
         <c:crossBetween val="between"/>
-        <c:majorUnit val="2.0000000000000004E-2"/>
+        <c:majorUnit val="5.000000000000001E-2"/>
+        <c:minorUnit val="4.000000000000001E-3"/>
       </c:valAx>
       <c:spPr>
         <a:noFill/>
@@ -1268,8 +1995,88 @@
 </cs:colorStyle>
 </file>
 
+<file path=ppt/charts/colors3.xml><?xml version="1.0" encoding="utf-8"?>
+<cs:colorStyle xmlns:cs="http://schemas.microsoft.com/office/drawing/2012/chartStyle" xmlns:a="http://schemas.openxmlformats.org/drawingml/2006/main" meth="cycle" id="10">
+  <a:schemeClr val="accent1"/>
+  <a:schemeClr val="accent2"/>
+  <a:schemeClr val="accent3"/>
+  <a:schemeClr val="accent4"/>
+  <a:schemeClr val="accent5"/>
+  <a:schemeClr val="accent6"/>
+  <cs:variation/>
+  <cs:variation>
+    <a:lumMod val="60000"/>
+  </cs:variation>
+  <cs:variation>
+    <a:lumMod val="80000"/>
+    <a:lumOff val="20000"/>
+  </cs:variation>
+  <cs:variation>
+    <a:lumMod val="80000"/>
+  </cs:variation>
+  <cs:variation>
+    <a:lumMod val="60000"/>
+    <a:lumOff val="40000"/>
+  </cs:variation>
+  <cs:variation>
+    <a:lumMod val="50000"/>
+  </cs:variation>
+  <cs:variation>
+    <a:lumMod val="70000"/>
+    <a:lumOff val="30000"/>
+  </cs:variation>
+  <cs:variation>
+    <a:lumMod val="70000"/>
+  </cs:variation>
+  <cs:variation>
+    <a:lumMod val="50000"/>
+    <a:lumOff val="50000"/>
+  </cs:variation>
+</cs:colorStyle>
+</file>
+
+<file path=ppt/charts/colors4.xml><?xml version="1.0" encoding="utf-8"?>
+<cs:colorStyle xmlns:cs="http://schemas.microsoft.com/office/drawing/2012/chartStyle" xmlns:a="http://schemas.openxmlformats.org/drawingml/2006/main" meth="cycle" id="10">
+  <a:schemeClr val="accent1"/>
+  <a:schemeClr val="accent2"/>
+  <a:schemeClr val="accent3"/>
+  <a:schemeClr val="accent4"/>
+  <a:schemeClr val="accent5"/>
+  <a:schemeClr val="accent6"/>
+  <cs:variation/>
+  <cs:variation>
+    <a:lumMod val="60000"/>
+  </cs:variation>
+  <cs:variation>
+    <a:lumMod val="80000"/>
+    <a:lumOff val="20000"/>
+  </cs:variation>
+  <cs:variation>
+    <a:lumMod val="80000"/>
+  </cs:variation>
+  <cs:variation>
+    <a:lumMod val="60000"/>
+    <a:lumOff val="40000"/>
+  </cs:variation>
+  <cs:variation>
+    <a:lumMod val="50000"/>
+  </cs:variation>
+  <cs:variation>
+    <a:lumMod val="70000"/>
+    <a:lumOff val="30000"/>
+  </cs:variation>
+  <cs:variation>
+    <a:lumMod val="70000"/>
+  </cs:variation>
+  <cs:variation>
+    <a:lumMod val="50000"/>
+    <a:lumOff val="50000"/>
+  </cs:variation>
+</cs:colorStyle>
+</file>
+
 <file path=ppt/charts/style1.xml><?xml version="1.0" encoding="utf-8"?>
-<cs:chartStyle xmlns:cs="http://schemas.microsoft.com/office/drawing/2012/chartStyle" xmlns:a="http://schemas.openxmlformats.org/drawingml/2006/main" id="340">
+<cs:chartStyle xmlns:cs="http://schemas.microsoft.com/office/drawing/2012/chartStyle" xmlns:a="http://schemas.openxmlformats.org/drawingml/2006/main" id="201">
   <cs:axisTitle>
     <cs:lnRef idx="0"/>
     <cs:fillRef idx="0"/>
@@ -1280,7 +2087,7 @@
         <a:lumOff val="35000"/>
       </a:schemeClr>
     </cs:fontRef>
-    <cs:defRPr sz="900" kern="1200"/>
+    <cs:defRPr sz="1330" kern="1200"/>
   </cs:axisTitle>
   <cs:categoryAxis>
     <cs:lnRef idx="0"/>
@@ -1293,7 +2100,510 @@
       </a:schemeClr>
     </cs:fontRef>
     <cs:spPr>
-      <a:ln w="12700" cap="flat" cmpd="sng" algn="ctr">
+      <a:ln w="9525" cap="flat" cmpd="sng" algn="ctr">
+        <a:solidFill>
+          <a:schemeClr val="tx1">
+            <a:lumMod val="15000"/>
+            <a:lumOff val="85000"/>
+          </a:schemeClr>
+        </a:solidFill>
+        <a:round/>
+      </a:ln>
+    </cs:spPr>
+    <cs:defRPr sz="1197" kern="1200"/>
+  </cs:categoryAxis>
+  <cs:chartArea mods="allowNoFillOverride allowNoLineOverride">
+    <cs:lnRef idx="0"/>
+    <cs:fillRef idx="0"/>
+    <cs:effectRef idx="0"/>
+    <cs:fontRef idx="minor">
+      <a:schemeClr val="tx1"/>
+    </cs:fontRef>
+    <cs:spPr>
+      <a:solidFill>
+        <a:schemeClr val="bg1"/>
+      </a:solidFill>
+      <a:ln w="9525" cap="flat" cmpd="sng" algn="ctr">
+        <a:solidFill>
+          <a:schemeClr val="tx1">
+            <a:lumMod val="15000"/>
+            <a:lumOff val="85000"/>
+          </a:schemeClr>
+        </a:solidFill>
+        <a:round/>
+      </a:ln>
+    </cs:spPr>
+    <cs:defRPr sz="1330" kern="1200"/>
+  </cs:chartArea>
+  <cs:dataLabel>
+    <cs:lnRef idx="0"/>
+    <cs:fillRef idx="0"/>
+    <cs:effectRef idx="0"/>
+    <cs:fontRef idx="minor">
+      <a:schemeClr val="tx1">
+        <a:lumMod val="75000"/>
+        <a:lumOff val="25000"/>
+      </a:schemeClr>
+    </cs:fontRef>
+    <cs:defRPr sz="1197" kern="1200"/>
+  </cs:dataLabel>
+  <cs:dataLabelCallout>
+    <cs:lnRef idx="0"/>
+    <cs:fillRef idx="0"/>
+    <cs:effectRef idx="0"/>
+    <cs:fontRef idx="minor">
+      <a:schemeClr val="dk1">
+        <a:lumMod val="65000"/>
+        <a:lumOff val="35000"/>
+      </a:schemeClr>
+    </cs:fontRef>
+    <cs:spPr>
+      <a:solidFill>
+        <a:schemeClr val="lt1"/>
+      </a:solidFill>
+      <a:ln>
+        <a:solidFill>
+          <a:schemeClr val="dk1">
+            <a:lumMod val="25000"/>
+            <a:lumOff val="75000"/>
+          </a:schemeClr>
+        </a:solidFill>
+      </a:ln>
+    </cs:spPr>
+    <cs:defRPr sz="1197" kern="1200"/>
+    <cs:bodyPr rot="0" spcFirstLastPara="1" vertOverflow="clip" horzOverflow="clip" vert="horz" wrap="square" lIns="36576" tIns="18288" rIns="36576" bIns="18288" anchor="ctr" anchorCtr="1">
+      <a:spAutoFit/>
+    </cs:bodyPr>
+  </cs:dataLabelCallout>
+  <cs:dataPoint>
+    <cs:lnRef idx="0"/>
+    <cs:fillRef idx="1">
+      <cs:styleClr val="auto"/>
+    </cs:fillRef>
+    <cs:effectRef idx="0"/>
+    <cs:fontRef idx="minor">
+      <a:schemeClr val="tx1"/>
+    </cs:fontRef>
+  </cs:dataPoint>
+  <cs:dataPoint3D>
+    <cs:lnRef idx="0"/>
+    <cs:fillRef idx="1">
+      <cs:styleClr val="auto"/>
+    </cs:fillRef>
+    <cs:effectRef idx="0"/>
+    <cs:fontRef idx="minor">
+      <a:schemeClr val="tx1"/>
+    </cs:fontRef>
+  </cs:dataPoint3D>
+  <cs:dataPointLine>
+    <cs:lnRef idx="0">
+      <cs:styleClr val="auto"/>
+    </cs:lnRef>
+    <cs:fillRef idx="1"/>
+    <cs:effectRef idx="0"/>
+    <cs:fontRef idx="minor">
+      <a:schemeClr val="tx1"/>
+    </cs:fontRef>
+    <cs:spPr>
+      <a:ln w="28575" cap="rnd">
+        <a:solidFill>
+          <a:schemeClr val="phClr"/>
+        </a:solidFill>
+        <a:round/>
+      </a:ln>
+    </cs:spPr>
+  </cs:dataPointLine>
+  <cs:dataPointMarker>
+    <cs:lnRef idx="0">
+      <cs:styleClr val="auto"/>
+    </cs:lnRef>
+    <cs:fillRef idx="1">
+      <cs:styleClr val="auto"/>
+    </cs:fillRef>
+    <cs:effectRef idx="0"/>
+    <cs:fontRef idx="minor">
+      <a:schemeClr val="tx1"/>
+    </cs:fontRef>
+    <cs:spPr>
+      <a:ln w="9525">
+        <a:solidFill>
+          <a:schemeClr val="phClr"/>
+        </a:solidFill>
+      </a:ln>
+    </cs:spPr>
+  </cs:dataPointMarker>
+  <cs:dataPointMarkerLayout symbol="circle" size="5"/>
+  <cs:dataPointWireframe>
+    <cs:lnRef idx="0">
+      <cs:styleClr val="auto"/>
+    </cs:lnRef>
+    <cs:fillRef idx="1"/>
+    <cs:effectRef idx="0"/>
+    <cs:fontRef idx="minor">
+      <a:schemeClr val="tx1"/>
+    </cs:fontRef>
+    <cs:spPr>
+      <a:ln w="9525" cap="rnd">
+        <a:solidFill>
+          <a:schemeClr val="phClr"/>
+        </a:solidFill>
+        <a:round/>
+      </a:ln>
+    </cs:spPr>
+  </cs:dataPointWireframe>
+  <cs:dataTable>
+    <cs:lnRef idx="0"/>
+    <cs:fillRef idx="0"/>
+    <cs:effectRef idx="0"/>
+    <cs:fontRef idx="minor">
+      <a:schemeClr val="tx1">
+        <a:lumMod val="65000"/>
+        <a:lumOff val="35000"/>
+      </a:schemeClr>
+    </cs:fontRef>
+    <cs:spPr>
+      <a:noFill/>
+      <a:ln w="9525" cap="flat" cmpd="sng" algn="ctr">
+        <a:solidFill>
+          <a:schemeClr val="tx1">
+            <a:lumMod val="15000"/>
+            <a:lumOff val="85000"/>
+          </a:schemeClr>
+        </a:solidFill>
+        <a:round/>
+      </a:ln>
+    </cs:spPr>
+    <cs:defRPr sz="1197" kern="1200"/>
+  </cs:dataTable>
+  <cs:downBar>
+    <cs:lnRef idx="0"/>
+    <cs:fillRef idx="0"/>
+    <cs:effectRef idx="0"/>
+    <cs:fontRef idx="minor">
+      <a:schemeClr val="dk1"/>
+    </cs:fontRef>
+    <cs:spPr>
+      <a:solidFill>
+        <a:schemeClr val="dk1">
+          <a:lumMod val="65000"/>
+          <a:lumOff val="35000"/>
+        </a:schemeClr>
+      </a:solidFill>
+      <a:ln w="9525">
+        <a:solidFill>
+          <a:schemeClr val="tx1">
+            <a:lumMod val="65000"/>
+            <a:lumOff val="35000"/>
+          </a:schemeClr>
+        </a:solidFill>
+      </a:ln>
+    </cs:spPr>
+  </cs:downBar>
+  <cs:dropLine>
+    <cs:lnRef idx="0"/>
+    <cs:fillRef idx="0"/>
+    <cs:effectRef idx="0"/>
+    <cs:fontRef idx="minor">
+      <a:schemeClr val="tx1"/>
+    </cs:fontRef>
+    <cs:spPr>
+      <a:ln w="9525" cap="flat" cmpd="sng" algn="ctr">
+        <a:solidFill>
+          <a:schemeClr val="tx1">
+            <a:lumMod val="35000"/>
+            <a:lumOff val="65000"/>
+          </a:schemeClr>
+        </a:solidFill>
+        <a:round/>
+      </a:ln>
+    </cs:spPr>
+  </cs:dropLine>
+  <cs:errorBar>
+    <cs:lnRef idx="0"/>
+    <cs:fillRef idx="0"/>
+    <cs:effectRef idx="0"/>
+    <cs:fontRef idx="minor">
+      <a:schemeClr val="tx1"/>
+    </cs:fontRef>
+    <cs:spPr>
+      <a:ln w="9525" cap="flat" cmpd="sng" algn="ctr">
+        <a:solidFill>
+          <a:schemeClr val="tx1">
+            <a:lumMod val="65000"/>
+            <a:lumOff val="35000"/>
+          </a:schemeClr>
+        </a:solidFill>
+        <a:round/>
+      </a:ln>
+    </cs:spPr>
+  </cs:errorBar>
+  <cs:floor>
+    <cs:lnRef idx="0"/>
+    <cs:fillRef idx="0"/>
+    <cs:effectRef idx="0"/>
+    <cs:fontRef idx="minor">
+      <a:schemeClr val="tx1"/>
+    </cs:fontRef>
+    <cs:spPr>
+      <a:noFill/>
+      <a:ln>
+        <a:noFill/>
+      </a:ln>
+    </cs:spPr>
+  </cs:floor>
+  <cs:gridlineMajor>
+    <cs:lnRef idx="0"/>
+    <cs:fillRef idx="0"/>
+    <cs:effectRef idx="0"/>
+    <cs:fontRef idx="minor">
+      <a:schemeClr val="tx1"/>
+    </cs:fontRef>
+    <cs:spPr>
+      <a:ln w="9525" cap="flat" cmpd="sng" algn="ctr">
+        <a:solidFill>
+          <a:schemeClr val="tx1">
+            <a:lumMod val="15000"/>
+            <a:lumOff val="85000"/>
+          </a:schemeClr>
+        </a:solidFill>
+        <a:round/>
+      </a:ln>
+    </cs:spPr>
+  </cs:gridlineMajor>
+  <cs:gridlineMinor>
+    <cs:lnRef idx="0"/>
+    <cs:fillRef idx="0"/>
+    <cs:effectRef idx="0"/>
+    <cs:fontRef idx="minor">
+      <a:schemeClr val="tx1"/>
+    </cs:fontRef>
+    <cs:spPr>
+      <a:ln w="9525" cap="flat" cmpd="sng" algn="ctr">
+        <a:solidFill>
+          <a:schemeClr val="tx1">
+            <a:lumMod val="5000"/>
+            <a:lumOff val="95000"/>
+          </a:schemeClr>
+        </a:solidFill>
+        <a:round/>
+      </a:ln>
+    </cs:spPr>
+  </cs:gridlineMinor>
+  <cs:hiLoLine>
+    <cs:lnRef idx="0"/>
+    <cs:fillRef idx="0"/>
+    <cs:effectRef idx="0"/>
+    <cs:fontRef idx="minor">
+      <a:schemeClr val="tx1"/>
+    </cs:fontRef>
+    <cs:spPr>
+      <a:ln w="9525" cap="flat" cmpd="sng" algn="ctr">
+        <a:solidFill>
+          <a:schemeClr val="tx1">
+            <a:lumMod val="75000"/>
+            <a:lumOff val="25000"/>
+          </a:schemeClr>
+        </a:solidFill>
+        <a:round/>
+      </a:ln>
+    </cs:spPr>
+  </cs:hiLoLine>
+  <cs:leaderLine>
+    <cs:lnRef idx="0"/>
+    <cs:fillRef idx="0"/>
+    <cs:effectRef idx="0"/>
+    <cs:fontRef idx="minor">
+      <a:schemeClr val="tx1"/>
+    </cs:fontRef>
+    <cs:spPr>
+      <a:ln w="9525" cap="flat" cmpd="sng" algn="ctr">
+        <a:solidFill>
+          <a:schemeClr val="tx1">
+            <a:lumMod val="35000"/>
+            <a:lumOff val="65000"/>
+          </a:schemeClr>
+        </a:solidFill>
+        <a:round/>
+      </a:ln>
+    </cs:spPr>
+  </cs:leaderLine>
+  <cs:legend>
+    <cs:lnRef idx="0"/>
+    <cs:fillRef idx="0"/>
+    <cs:effectRef idx="0"/>
+    <cs:fontRef idx="minor">
+      <a:schemeClr val="tx1">
+        <a:lumMod val="65000"/>
+        <a:lumOff val="35000"/>
+      </a:schemeClr>
+    </cs:fontRef>
+    <cs:defRPr sz="1197" kern="1200"/>
+  </cs:legend>
+  <cs:plotArea mods="allowNoFillOverride allowNoLineOverride">
+    <cs:lnRef idx="0"/>
+    <cs:fillRef idx="0"/>
+    <cs:effectRef idx="0"/>
+    <cs:fontRef idx="minor">
+      <a:schemeClr val="tx1"/>
+    </cs:fontRef>
+  </cs:plotArea>
+  <cs:plotArea3D mods="allowNoFillOverride allowNoLineOverride">
+    <cs:lnRef idx="0"/>
+    <cs:fillRef idx="0"/>
+    <cs:effectRef idx="0"/>
+    <cs:fontRef idx="minor">
+      <a:schemeClr val="tx1"/>
+    </cs:fontRef>
+  </cs:plotArea3D>
+  <cs:seriesAxis>
+    <cs:lnRef idx="0"/>
+    <cs:fillRef idx="0"/>
+    <cs:effectRef idx="0"/>
+    <cs:fontRef idx="minor">
+      <a:schemeClr val="tx1">
+        <a:lumMod val="65000"/>
+        <a:lumOff val="35000"/>
+      </a:schemeClr>
+    </cs:fontRef>
+    <cs:defRPr sz="1197" kern="1200"/>
+  </cs:seriesAxis>
+  <cs:seriesLine>
+    <cs:lnRef idx="0"/>
+    <cs:fillRef idx="0"/>
+    <cs:effectRef idx="0"/>
+    <cs:fontRef idx="minor">
+      <a:schemeClr val="tx1"/>
+    </cs:fontRef>
+    <cs:spPr>
+      <a:ln w="9525" cap="flat" cmpd="sng" algn="ctr">
+        <a:solidFill>
+          <a:schemeClr val="tx1">
+            <a:lumMod val="35000"/>
+            <a:lumOff val="65000"/>
+          </a:schemeClr>
+        </a:solidFill>
+        <a:round/>
+      </a:ln>
+    </cs:spPr>
+  </cs:seriesLine>
+  <cs:title>
+    <cs:lnRef idx="0"/>
+    <cs:fillRef idx="0"/>
+    <cs:effectRef idx="0"/>
+    <cs:fontRef idx="minor">
+      <a:schemeClr val="tx1">
+        <a:lumMod val="65000"/>
+        <a:lumOff val="35000"/>
+      </a:schemeClr>
+    </cs:fontRef>
+    <cs:defRPr sz="1862" b="0" kern="1200" spc="0" baseline="0"/>
+  </cs:title>
+  <cs:trendline>
+    <cs:lnRef idx="0">
+      <cs:styleClr val="auto"/>
+    </cs:lnRef>
+    <cs:fillRef idx="0"/>
+    <cs:effectRef idx="0"/>
+    <cs:fontRef idx="minor">
+      <a:schemeClr val="tx1"/>
+    </cs:fontRef>
+    <cs:spPr>
+      <a:ln w="19050" cap="rnd">
+        <a:solidFill>
+          <a:schemeClr val="phClr"/>
+        </a:solidFill>
+        <a:prstDash val="sysDot"/>
+      </a:ln>
+    </cs:spPr>
+  </cs:trendline>
+  <cs:trendlineLabel>
+    <cs:lnRef idx="0"/>
+    <cs:fillRef idx="0"/>
+    <cs:effectRef idx="0"/>
+    <cs:fontRef idx="minor">
+      <a:schemeClr val="tx1">
+        <a:lumMod val="65000"/>
+        <a:lumOff val="35000"/>
+      </a:schemeClr>
+    </cs:fontRef>
+    <cs:defRPr sz="1197" kern="1200"/>
+  </cs:trendlineLabel>
+  <cs:upBar>
+    <cs:lnRef idx="0"/>
+    <cs:fillRef idx="0"/>
+    <cs:effectRef idx="0"/>
+    <cs:fontRef idx="minor">
+      <a:schemeClr val="dk1"/>
+    </cs:fontRef>
+    <cs:spPr>
+      <a:solidFill>
+        <a:schemeClr val="lt1"/>
+      </a:solidFill>
+      <a:ln w="9525">
+        <a:solidFill>
+          <a:schemeClr val="tx1">
+            <a:lumMod val="15000"/>
+            <a:lumOff val="85000"/>
+          </a:schemeClr>
+        </a:solidFill>
+      </a:ln>
+    </cs:spPr>
+  </cs:upBar>
+  <cs:valueAxis>
+    <cs:lnRef idx="0"/>
+    <cs:fillRef idx="0"/>
+    <cs:effectRef idx="0"/>
+    <cs:fontRef idx="minor">
+      <a:schemeClr val="tx1">
+        <a:lumMod val="65000"/>
+        <a:lumOff val="35000"/>
+      </a:schemeClr>
+    </cs:fontRef>
+    <cs:defRPr sz="1197" kern="1200"/>
+  </cs:valueAxis>
+  <cs:wall>
+    <cs:lnRef idx="0"/>
+    <cs:fillRef idx="0"/>
+    <cs:effectRef idx="0"/>
+    <cs:fontRef idx="minor">
+      <a:schemeClr val="tx1"/>
+    </cs:fontRef>
+    <cs:spPr>
+      <a:noFill/>
+      <a:ln>
+        <a:noFill/>
+      </a:ln>
+    </cs:spPr>
+  </cs:wall>
+</cs:chartStyle>
+</file>
+
+<file path=ppt/charts/style2.xml><?xml version="1.0" encoding="utf-8"?>
+<cs:chartStyle xmlns:cs="http://schemas.microsoft.com/office/drawing/2012/chartStyle" xmlns:a="http://schemas.openxmlformats.org/drawingml/2006/main" id="201">
+  <cs:axisTitle>
+    <cs:lnRef idx="0"/>
+    <cs:fillRef idx="0"/>
+    <cs:effectRef idx="0"/>
+    <cs:fontRef idx="minor">
+      <a:schemeClr val="tx1">
+        <a:lumMod val="65000"/>
+        <a:lumOff val="35000"/>
+      </a:schemeClr>
+    </cs:fontRef>
+    <cs:defRPr sz="1000" kern="1200"/>
+  </cs:axisTitle>
+  <cs:categoryAxis>
+    <cs:lnRef idx="0"/>
+    <cs:fillRef idx="0"/>
+    <cs:effectRef idx="0"/>
+    <cs:fontRef idx="minor">
+      <a:schemeClr val="tx1">
+        <a:lumMod val="65000"/>
+        <a:lumOff val="35000"/>
+      </a:schemeClr>
+    </cs:fontRef>
+    <cs:spPr>
+      <a:ln w="9525" cap="flat" cmpd="sng" algn="ctr">
         <a:solidFill>
           <a:schemeClr val="tx1">
             <a:lumMod val="15000"/>
@@ -1310,7 +2620,7 @@
     <cs:fillRef idx="0"/>
     <cs:effectRef idx="0"/>
     <cs:fontRef idx="minor">
-      <a:schemeClr val="tx2"/>
+      <a:schemeClr val="tx1"/>
     </cs:fontRef>
     <cs:spPr>
       <a:solidFill>
@@ -1326,7 +2636,7 @@
         <a:round/>
       </a:ln>
     </cs:spPr>
-    <cs:defRPr sz="900" kern="1200"/>
+    <cs:defRPr sz="1000" kern="1200"/>
   </cs:chartArea>
   <cs:dataLabel>
     <cs:lnRef idx="0"/>
@@ -1370,35 +2680,35 @@
   </cs:dataLabelCallout>
   <cs:dataPoint>
     <cs:lnRef idx="0"/>
-    <cs:fillRef idx="3">
+    <cs:fillRef idx="1">
       <cs:styleClr val="auto"/>
     </cs:fillRef>
-    <cs:effectRef idx="3"/>
-    <cs:fontRef idx="minor">
-      <a:schemeClr val="lt1"/>
+    <cs:effectRef idx="0"/>
+    <cs:fontRef idx="minor">
+      <a:schemeClr val="tx1"/>
     </cs:fontRef>
   </cs:dataPoint>
   <cs:dataPoint3D>
     <cs:lnRef idx="0"/>
-    <cs:fillRef idx="3">
+    <cs:fillRef idx="1">
       <cs:styleClr val="auto"/>
     </cs:fillRef>
-    <cs:effectRef idx="3"/>
-    <cs:fontRef idx="minor">
-      <a:schemeClr val="lt1"/>
+    <cs:effectRef idx="0"/>
+    <cs:fontRef idx="minor">
+      <a:schemeClr val="tx1"/>
     </cs:fontRef>
   </cs:dataPoint3D>
   <cs:dataPointLine>
     <cs:lnRef idx="0">
       <cs:styleClr val="auto"/>
     </cs:lnRef>
-    <cs:fillRef idx="3"/>
-    <cs:effectRef idx="3"/>
-    <cs:fontRef idx="minor">
-      <a:schemeClr val="lt1"/>
+    <cs:fillRef idx="1"/>
+    <cs:effectRef idx="0"/>
+    <cs:fontRef idx="minor">
+      <a:schemeClr val="tx1"/>
     </cs:fontRef>
     <cs:spPr>
-      <a:ln w="34925" cap="rnd">
+      <a:ln w="28575" cap="rnd">
         <a:solidFill>
           <a:schemeClr val="phClr"/>
         </a:solidFill>
@@ -1410,31 +2720,30 @@
     <cs:lnRef idx="0">
       <cs:styleClr val="auto"/>
     </cs:lnRef>
-    <cs:fillRef idx="3">
+    <cs:fillRef idx="1">
       <cs:styleClr val="auto"/>
     </cs:fillRef>
-    <cs:effectRef idx="3"/>
-    <cs:fontRef idx="minor">
-      <a:schemeClr val="lt1"/>
+    <cs:effectRef idx="0"/>
+    <cs:fontRef idx="minor">
+      <a:schemeClr val="tx1"/>
     </cs:fontRef>
     <cs:spPr>
       <a:ln w="9525">
         <a:solidFill>
           <a:schemeClr val="phClr"/>
         </a:solidFill>
-        <a:round/>
       </a:ln>
     </cs:spPr>
   </cs:dataPointMarker>
-  <cs:dataPointMarkerLayout symbol="circle" size="6"/>
+  <cs:dataPointMarkerLayout symbol="circle" size="5"/>
   <cs:dataPointWireframe>
     <cs:lnRef idx="0">
       <cs:styleClr val="auto"/>
     </cs:lnRef>
-    <cs:fillRef idx="3"/>
-    <cs:effectRef idx="3"/>
-    <cs:fontRef idx="minor">
-      <a:schemeClr val="lt1"/>
+    <cs:fillRef idx="1"/>
+    <cs:effectRef idx="0"/>
+    <cs:fontRef idx="minor">
+      <a:schemeClr val="tx1"/>
     </cs:fontRef>
     <cs:spPr>
       <a:ln w="9525" cap="rnd">
@@ -1536,8 +2845,14 @@
     <cs:fillRef idx="0"/>
     <cs:effectRef idx="0"/>
     <cs:fontRef idx="minor">
-      <a:schemeClr val="lt1"/>
-    </cs:fontRef>
+      <a:schemeClr val="tx1"/>
+    </cs:fontRef>
+    <cs:spPr>
+      <a:noFill/>
+      <a:ln>
+        <a:noFill/>
+      </a:ln>
+    </cs:spPr>
   </cs:floor>
   <cs:gridlineMajor>
     <cs:lnRef idx="0"/>
@@ -1627,20 +2942,20 @@
     </cs:fontRef>
     <cs:defRPr sz="900" kern="1200"/>
   </cs:legend>
-  <cs:plotArea>
+  <cs:plotArea mods="allowNoFillOverride allowNoLineOverride">
     <cs:lnRef idx="0"/>
     <cs:fillRef idx="0"/>
     <cs:effectRef idx="0"/>
     <cs:fontRef idx="minor">
-      <a:schemeClr val="lt1"/>
+      <a:schemeClr val="tx1"/>
     </cs:fontRef>
   </cs:plotArea>
-  <cs:plotArea3D>
+  <cs:plotArea3D mods="allowNoFillOverride allowNoLineOverride">
     <cs:lnRef idx="0"/>
     <cs:fillRef idx="0"/>
     <cs:effectRef idx="0"/>
     <cs:fontRef idx="minor">
-      <a:schemeClr val="lt1"/>
+      <a:schemeClr val="tx1"/>
     </cs:fontRef>
   </cs:plotArea3D>
   <cs:seriesAxis>
@@ -1653,17 +2968,6 @@
         <a:lumOff val="35000"/>
       </a:schemeClr>
     </cs:fontRef>
-    <cs:spPr>
-      <a:ln w="12700" cap="flat" cmpd="sng" algn="ctr">
-        <a:solidFill>
-          <a:schemeClr val="tx1">
-            <a:lumMod val="15000"/>
-            <a:lumOff val="85000"/>
-          </a:schemeClr>
-        </a:solidFill>
-        <a:round/>
-      </a:ln>
-    </cs:spPr>
     <cs:defRPr sz="900" kern="1200"/>
   </cs:seriesAxis>
   <cs:seriesLine>
@@ -1695,7 +2999,7 @@
         <a:lumOff val="35000"/>
       </a:schemeClr>
     </cs:fontRef>
-    <cs:defRPr sz="1600" b="1" kern="1200" baseline="0"/>
+    <cs:defRPr sz="1400" b="0" kern="1200" spc="0" baseline="0"/>
   </cs:title>
   <cs:trendline>
     <cs:lnRef idx="0">
@@ -1704,13 +3008,14 @@
     <cs:fillRef idx="0"/>
     <cs:effectRef idx="0"/>
     <cs:fontRef idx="minor">
-      <a:schemeClr val="lt1"/>
+      <a:schemeClr val="tx1"/>
     </cs:fontRef>
     <cs:spPr>
       <a:ln w="19050" cap="rnd">
         <a:solidFill>
           <a:schemeClr val="phClr"/>
         </a:solidFill>
+        <a:prstDash val="sysDot"/>
       </a:ln>
     </cs:spPr>
   </cs:trendline>
@@ -1764,14 +3069,20 @@
     <cs:fillRef idx="0"/>
     <cs:effectRef idx="0"/>
     <cs:fontRef idx="minor">
-      <a:schemeClr val="lt1"/>
-    </cs:fontRef>
+      <a:schemeClr val="tx1"/>
+    </cs:fontRef>
+    <cs:spPr>
+      <a:noFill/>
+      <a:ln>
+        <a:noFill/>
+      </a:ln>
+    </cs:spPr>
   </cs:wall>
 </cs:chartStyle>
 </file>
 
-<file path=ppt/charts/style2.xml><?xml version="1.0" encoding="utf-8"?>
-<cs:chartStyle xmlns:cs="http://schemas.microsoft.com/office/drawing/2012/chartStyle" xmlns:a="http://schemas.openxmlformats.org/drawingml/2006/main" id="340">
+<file path=ppt/charts/style3.xml><?xml version="1.0" encoding="utf-8"?>
+<cs:chartStyle xmlns:cs="http://schemas.microsoft.com/office/drawing/2012/chartStyle" xmlns:a="http://schemas.openxmlformats.org/drawingml/2006/main" id="201">
   <cs:axisTitle>
     <cs:lnRef idx="0"/>
     <cs:fillRef idx="0"/>
@@ -1782,7 +3093,7 @@
         <a:lumOff val="35000"/>
       </a:schemeClr>
     </cs:fontRef>
-    <cs:defRPr sz="900" kern="1200"/>
+    <cs:defRPr sz="1000" kern="1200"/>
   </cs:axisTitle>
   <cs:categoryAxis>
     <cs:lnRef idx="0"/>
@@ -1795,7 +3106,7 @@
       </a:schemeClr>
     </cs:fontRef>
     <cs:spPr>
-      <a:ln w="12700" cap="flat" cmpd="sng" algn="ctr">
+      <a:ln w="9525" cap="flat" cmpd="sng" algn="ctr">
         <a:solidFill>
           <a:schemeClr val="tx1">
             <a:lumMod val="15000"/>
@@ -1812,7 +3123,7 @@
     <cs:fillRef idx="0"/>
     <cs:effectRef idx="0"/>
     <cs:fontRef idx="minor">
-      <a:schemeClr val="tx2"/>
+      <a:schemeClr val="tx1"/>
     </cs:fontRef>
     <cs:spPr>
       <a:solidFill>
@@ -1828,7 +3139,7 @@
         <a:round/>
       </a:ln>
     </cs:spPr>
-    <cs:defRPr sz="900" kern="1200"/>
+    <cs:defRPr sz="1000" kern="1200"/>
   </cs:chartArea>
   <cs:dataLabel>
     <cs:lnRef idx="0"/>
@@ -1872,35 +3183,35 @@
   </cs:dataLabelCallout>
   <cs:dataPoint>
     <cs:lnRef idx="0"/>
-    <cs:fillRef idx="3">
+    <cs:fillRef idx="1">
       <cs:styleClr val="auto"/>
     </cs:fillRef>
-    <cs:effectRef idx="3"/>
-    <cs:fontRef idx="minor">
-      <a:schemeClr val="lt1"/>
+    <cs:effectRef idx="0"/>
+    <cs:fontRef idx="minor">
+      <a:schemeClr val="tx1"/>
     </cs:fontRef>
   </cs:dataPoint>
   <cs:dataPoint3D>
     <cs:lnRef idx="0"/>
-    <cs:fillRef idx="3">
+    <cs:fillRef idx="1">
       <cs:styleClr val="auto"/>
     </cs:fillRef>
-    <cs:effectRef idx="3"/>
-    <cs:fontRef idx="minor">
-      <a:schemeClr val="lt1"/>
+    <cs:effectRef idx="0"/>
+    <cs:fontRef idx="minor">
+      <a:schemeClr val="tx1"/>
     </cs:fontRef>
   </cs:dataPoint3D>
   <cs:dataPointLine>
     <cs:lnRef idx="0">
       <cs:styleClr val="auto"/>
     </cs:lnRef>
-    <cs:fillRef idx="3"/>
-    <cs:effectRef idx="3"/>
-    <cs:fontRef idx="minor">
-      <a:schemeClr val="lt1"/>
+    <cs:fillRef idx="1"/>
+    <cs:effectRef idx="0"/>
+    <cs:fontRef idx="minor">
+      <a:schemeClr val="tx1"/>
     </cs:fontRef>
     <cs:spPr>
-      <a:ln w="34925" cap="rnd">
+      <a:ln w="28575" cap="rnd">
         <a:solidFill>
           <a:schemeClr val="phClr"/>
         </a:solidFill>
@@ -1912,31 +3223,30 @@
     <cs:lnRef idx="0">
       <cs:styleClr val="auto"/>
     </cs:lnRef>
-    <cs:fillRef idx="3">
+    <cs:fillRef idx="1">
       <cs:styleClr val="auto"/>
     </cs:fillRef>
-    <cs:effectRef idx="3"/>
-    <cs:fontRef idx="minor">
-      <a:schemeClr val="lt1"/>
+    <cs:effectRef idx="0"/>
+    <cs:fontRef idx="minor">
+      <a:schemeClr val="tx1"/>
     </cs:fontRef>
     <cs:spPr>
       <a:ln w="9525">
         <a:solidFill>
           <a:schemeClr val="phClr"/>
         </a:solidFill>
-        <a:round/>
       </a:ln>
     </cs:spPr>
   </cs:dataPointMarker>
-  <cs:dataPointMarkerLayout symbol="circle" size="6"/>
+  <cs:dataPointMarkerLayout symbol="circle" size="5"/>
   <cs:dataPointWireframe>
     <cs:lnRef idx="0">
       <cs:styleClr val="auto"/>
     </cs:lnRef>
-    <cs:fillRef idx="3"/>
-    <cs:effectRef idx="3"/>
-    <cs:fontRef idx="minor">
-      <a:schemeClr val="lt1"/>
+    <cs:fillRef idx="1"/>
+    <cs:effectRef idx="0"/>
+    <cs:fontRef idx="minor">
+      <a:schemeClr val="tx1"/>
     </cs:fontRef>
     <cs:spPr>
       <a:ln w="9525" cap="rnd">
@@ -2038,8 +3348,14 @@
     <cs:fillRef idx="0"/>
     <cs:effectRef idx="0"/>
     <cs:fontRef idx="minor">
-      <a:schemeClr val="lt1"/>
-    </cs:fontRef>
+      <a:schemeClr val="tx1"/>
+    </cs:fontRef>
+    <cs:spPr>
+      <a:noFill/>
+      <a:ln>
+        <a:noFill/>
+      </a:ln>
+    </cs:spPr>
   </cs:floor>
   <cs:gridlineMajor>
     <cs:lnRef idx="0"/>
@@ -2129,20 +3445,20 @@
     </cs:fontRef>
     <cs:defRPr sz="900" kern="1200"/>
   </cs:legend>
-  <cs:plotArea>
+  <cs:plotArea mods="allowNoFillOverride allowNoLineOverride">
     <cs:lnRef idx="0"/>
     <cs:fillRef idx="0"/>
     <cs:effectRef idx="0"/>
     <cs:fontRef idx="minor">
-      <a:schemeClr val="lt1"/>
+      <a:schemeClr val="tx1"/>
     </cs:fontRef>
   </cs:plotArea>
-  <cs:plotArea3D>
+  <cs:plotArea3D mods="allowNoFillOverride allowNoLineOverride">
     <cs:lnRef idx="0"/>
     <cs:fillRef idx="0"/>
     <cs:effectRef idx="0"/>
     <cs:fontRef idx="minor">
-      <a:schemeClr val="lt1"/>
+      <a:schemeClr val="tx1"/>
     </cs:fontRef>
   </cs:plotArea3D>
   <cs:seriesAxis>
@@ -2155,17 +3471,6 @@
         <a:lumOff val="35000"/>
       </a:schemeClr>
     </cs:fontRef>
-    <cs:spPr>
-      <a:ln w="12700" cap="flat" cmpd="sng" algn="ctr">
-        <a:solidFill>
-          <a:schemeClr val="tx1">
-            <a:lumMod val="15000"/>
-            <a:lumOff val="85000"/>
-          </a:schemeClr>
-        </a:solidFill>
-        <a:round/>
-      </a:ln>
-    </cs:spPr>
     <cs:defRPr sz="900" kern="1200"/>
   </cs:seriesAxis>
   <cs:seriesLine>
@@ -2197,7 +3502,7 @@
         <a:lumOff val="35000"/>
       </a:schemeClr>
     </cs:fontRef>
-    <cs:defRPr sz="1600" b="1" kern="1200" baseline="0"/>
+    <cs:defRPr sz="1400" b="0" kern="1200" spc="0" baseline="0"/>
   </cs:title>
   <cs:trendline>
     <cs:lnRef idx="0">
@@ -2206,13 +3511,14 @@
     <cs:fillRef idx="0"/>
     <cs:effectRef idx="0"/>
     <cs:fontRef idx="minor">
-      <a:schemeClr val="lt1"/>
+      <a:schemeClr val="tx1"/>
     </cs:fontRef>
     <cs:spPr>
       <a:ln w="19050" cap="rnd">
         <a:solidFill>
           <a:schemeClr val="phClr"/>
         </a:solidFill>
+        <a:prstDash val="sysDot"/>
       </a:ln>
     </cs:spPr>
   </cs:trendline>
@@ -2266,8 +3572,517 @@
     <cs:fillRef idx="0"/>
     <cs:effectRef idx="0"/>
     <cs:fontRef idx="minor">
-      <a:schemeClr val="lt1"/>
-    </cs:fontRef>
+      <a:schemeClr val="tx1"/>
+    </cs:fontRef>
+    <cs:spPr>
+      <a:noFill/>
+      <a:ln>
+        <a:noFill/>
+      </a:ln>
+    </cs:spPr>
+  </cs:wall>
+</cs:chartStyle>
+</file>
+
+<file path=ppt/charts/style4.xml><?xml version="1.0" encoding="utf-8"?>
+<cs:chartStyle xmlns:cs="http://schemas.microsoft.com/office/drawing/2012/chartStyle" xmlns:a="http://schemas.openxmlformats.org/drawingml/2006/main" id="201">
+  <cs:axisTitle>
+    <cs:lnRef idx="0"/>
+    <cs:fillRef idx="0"/>
+    <cs:effectRef idx="0"/>
+    <cs:fontRef idx="minor">
+      <a:schemeClr val="tx1">
+        <a:lumMod val="65000"/>
+        <a:lumOff val="35000"/>
+      </a:schemeClr>
+    </cs:fontRef>
+    <cs:defRPr sz="1000" kern="1200"/>
+  </cs:axisTitle>
+  <cs:categoryAxis>
+    <cs:lnRef idx="0"/>
+    <cs:fillRef idx="0"/>
+    <cs:effectRef idx="0"/>
+    <cs:fontRef idx="minor">
+      <a:schemeClr val="tx1">
+        <a:lumMod val="65000"/>
+        <a:lumOff val="35000"/>
+      </a:schemeClr>
+    </cs:fontRef>
+    <cs:spPr>
+      <a:ln w="9525" cap="flat" cmpd="sng" algn="ctr">
+        <a:solidFill>
+          <a:schemeClr val="tx1">
+            <a:lumMod val="15000"/>
+            <a:lumOff val="85000"/>
+          </a:schemeClr>
+        </a:solidFill>
+        <a:round/>
+      </a:ln>
+    </cs:spPr>
+    <cs:defRPr sz="900" kern="1200"/>
+  </cs:categoryAxis>
+  <cs:chartArea mods="allowNoFillOverride allowNoLineOverride">
+    <cs:lnRef idx="0"/>
+    <cs:fillRef idx="0"/>
+    <cs:effectRef idx="0"/>
+    <cs:fontRef idx="minor">
+      <a:schemeClr val="tx1"/>
+    </cs:fontRef>
+    <cs:spPr>
+      <a:solidFill>
+        <a:schemeClr val="bg1"/>
+      </a:solidFill>
+      <a:ln w="9525" cap="flat" cmpd="sng" algn="ctr">
+        <a:solidFill>
+          <a:schemeClr val="tx1">
+            <a:lumMod val="15000"/>
+            <a:lumOff val="85000"/>
+          </a:schemeClr>
+        </a:solidFill>
+        <a:round/>
+      </a:ln>
+    </cs:spPr>
+    <cs:defRPr sz="1000" kern="1200"/>
+  </cs:chartArea>
+  <cs:dataLabel>
+    <cs:lnRef idx="0"/>
+    <cs:fillRef idx="0"/>
+    <cs:effectRef idx="0"/>
+    <cs:fontRef idx="minor">
+      <a:schemeClr val="tx1">
+        <a:lumMod val="75000"/>
+        <a:lumOff val="25000"/>
+      </a:schemeClr>
+    </cs:fontRef>
+    <cs:defRPr sz="900" kern="1200"/>
+  </cs:dataLabel>
+  <cs:dataLabelCallout>
+    <cs:lnRef idx="0"/>
+    <cs:fillRef idx="0"/>
+    <cs:effectRef idx="0"/>
+    <cs:fontRef idx="minor">
+      <a:schemeClr val="dk1">
+        <a:lumMod val="65000"/>
+        <a:lumOff val="35000"/>
+      </a:schemeClr>
+    </cs:fontRef>
+    <cs:spPr>
+      <a:solidFill>
+        <a:schemeClr val="lt1"/>
+      </a:solidFill>
+      <a:ln>
+        <a:solidFill>
+          <a:schemeClr val="dk1">
+            <a:lumMod val="25000"/>
+            <a:lumOff val="75000"/>
+          </a:schemeClr>
+        </a:solidFill>
+      </a:ln>
+    </cs:spPr>
+    <cs:defRPr sz="900" kern="1200"/>
+    <cs:bodyPr rot="0" spcFirstLastPara="1" vertOverflow="clip" horzOverflow="clip" vert="horz" wrap="square" lIns="36576" tIns="18288" rIns="36576" bIns="18288" anchor="ctr" anchorCtr="1">
+      <a:spAutoFit/>
+    </cs:bodyPr>
+  </cs:dataLabelCallout>
+  <cs:dataPoint>
+    <cs:lnRef idx="0"/>
+    <cs:fillRef idx="1">
+      <cs:styleClr val="auto"/>
+    </cs:fillRef>
+    <cs:effectRef idx="0"/>
+    <cs:fontRef idx="minor">
+      <a:schemeClr val="tx1"/>
+    </cs:fontRef>
+  </cs:dataPoint>
+  <cs:dataPoint3D>
+    <cs:lnRef idx="0"/>
+    <cs:fillRef idx="1">
+      <cs:styleClr val="auto"/>
+    </cs:fillRef>
+    <cs:effectRef idx="0"/>
+    <cs:fontRef idx="minor">
+      <a:schemeClr val="tx1"/>
+    </cs:fontRef>
+  </cs:dataPoint3D>
+  <cs:dataPointLine>
+    <cs:lnRef idx="0">
+      <cs:styleClr val="auto"/>
+    </cs:lnRef>
+    <cs:fillRef idx="1"/>
+    <cs:effectRef idx="0"/>
+    <cs:fontRef idx="minor">
+      <a:schemeClr val="tx1"/>
+    </cs:fontRef>
+    <cs:spPr>
+      <a:ln w="28575" cap="rnd">
+        <a:solidFill>
+          <a:schemeClr val="phClr"/>
+        </a:solidFill>
+        <a:round/>
+      </a:ln>
+    </cs:spPr>
+  </cs:dataPointLine>
+  <cs:dataPointMarker>
+    <cs:lnRef idx="0">
+      <cs:styleClr val="auto"/>
+    </cs:lnRef>
+    <cs:fillRef idx="1">
+      <cs:styleClr val="auto"/>
+    </cs:fillRef>
+    <cs:effectRef idx="0"/>
+    <cs:fontRef idx="minor">
+      <a:schemeClr val="tx1"/>
+    </cs:fontRef>
+    <cs:spPr>
+      <a:ln w="9525">
+        <a:solidFill>
+          <a:schemeClr val="phClr"/>
+        </a:solidFill>
+      </a:ln>
+    </cs:spPr>
+  </cs:dataPointMarker>
+  <cs:dataPointMarkerLayout symbol="circle" size="5"/>
+  <cs:dataPointWireframe>
+    <cs:lnRef idx="0">
+      <cs:styleClr val="auto"/>
+    </cs:lnRef>
+    <cs:fillRef idx="1"/>
+    <cs:effectRef idx="0"/>
+    <cs:fontRef idx="minor">
+      <a:schemeClr val="tx1"/>
+    </cs:fontRef>
+    <cs:spPr>
+      <a:ln w="9525" cap="rnd">
+        <a:solidFill>
+          <a:schemeClr val="phClr"/>
+        </a:solidFill>
+        <a:round/>
+      </a:ln>
+    </cs:spPr>
+  </cs:dataPointWireframe>
+  <cs:dataTable>
+    <cs:lnRef idx="0"/>
+    <cs:fillRef idx="0"/>
+    <cs:effectRef idx="0"/>
+    <cs:fontRef idx="minor">
+      <a:schemeClr val="tx1">
+        <a:lumMod val="65000"/>
+        <a:lumOff val="35000"/>
+      </a:schemeClr>
+    </cs:fontRef>
+    <cs:spPr>
+      <a:noFill/>
+      <a:ln w="9525" cap="flat" cmpd="sng" algn="ctr">
+        <a:solidFill>
+          <a:schemeClr val="tx1">
+            <a:lumMod val="15000"/>
+            <a:lumOff val="85000"/>
+          </a:schemeClr>
+        </a:solidFill>
+        <a:round/>
+      </a:ln>
+    </cs:spPr>
+    <cs:defRPr sz="900" kern="1200"/>
+  </cs:dataTable>
+  <cs:downBar>
+    <cs:lnRef idx="0"/>
+    <cs:fillRef idx="0"/>
+    <cs:effectRef idx="0"/>
+    <cs:fontRef idx="minor">
+      <a:schemeClr val="dk1"/>
+    </cs:fontRef>
+    <cs:spPr>
+      <a:solidFill>
+        <a:schemeClr val="dk1">
+          <a:lumMod val="65000"/>
+          <a:lumOff val="35000"/>
+        </a:schemeClr>
+      </a:solidFill>
+      <a:ln w="9525">
+        <a:solidFill>
+          <a:schemeClr val="tx1">
+            <a:lumMod val="65000"/>
+            <a:lumOff val="35000"/>
+          </a:schemeClr>
+        </a:solidFill>
+      </a:ln>
+    </cs:spPr>
+  </cs:downBar>
+  <cs:dropLine>
+    <cs:lnRef idx="0"/>
+    <cs:fillRef idx="0"/>
+    <cs:effectRef idx="0"/>
+    <cs:fontRef idx="minor">
+      <a:schemeClr val="tx1"/>
+    </cs:fontRef>
+    <cs:spPr>
+      <a:ln w="9525" cap="flat" cmpd="sng" algn="ctr">
+        <a:solidFill>
+          <a:schemeClr val="tx1">
+            <a:lumMod val="35000"/>
+            <a:lumOff val="65000"/>
+          </a:schemeClr>
+        </a:solidFill>
+        <a:round/>
+      </a:ln>
+    </cs:spPr>
+  </cs:dropLine>
+  <cs:errorBar>
+    <cs:lnRef idx="0"/>
+    <cs:fillRef idx="0"/>
+    <cs:effectRef idx="0"/>
+    <cs:fontRef idx="minor">
+      <a:schemeClr val="tx1"/>
+    </cs:fontRef>
+    <cs:spPr>
+      <a:ln w="9525" cap="flat" cmpd="sng" algn="ctr">
+        <a:solidFill>
+          <a:schemeClr val="tx1">
+            <a:lumMod val="65000"/>
+            <a:lumOff val="35000"/>
+          </a:schemeClr>
+        </a:solidFill>
+        <a:round/>
+      </a:ln>
+    </cs:spPr>
+  </cs:errorBar>
+  <cs:floor>
+    <cs:lnRef idx="0"/>
+    <cs:fillRef idx="0"/>
+    <cs:effectRef idx="0"/>
+    <cs:fontRef idx="minor">
+      <a:schemeClr val="tx1"/>
+    </cs:fontRef>
+    <cs:spPr>
+      <a:noFill/>
+      <a:ln>
+        <a:noFill/>
+      </a:ln>
+    </cs:spPr>
+  </cs:floor>
+  <cs:gridlineMajor>
+    <cs:lnRef idx="0"/>
+    <cs:fillRef idx="0"/>
+    <cs:effectRef idx="0"/>
+    <cs:fontRef idx="minor">
+      <a:schemeClr val="tx1"/>
+    </cs:fontRef>
+    <cs:spPr>
+      <a:ln w="9525" cap="flat" cmpd="sng" algn="ctr">
+        <a:solidFill>
+          <a:schemeClr val="tx1">
+            <a:lumMod val="15000"/>
+            <a:lumOff val="85000"/>
+          </a:schemeClr>
+        </a:solidFill>
+        <a:round/>
+      </a:ln>
+    </cs:spPr>
+  </cs:gridlineMajor>
+  <cs:gridlineMinor>
+    <cs:lnRef idx="0"/>
+    <cs:fillRef idx="0"/>
+    <cs:effectRef idx="0"/>
+    <cs:fontRef idx="minor">
+      <a:schemeClr val="tx1"/>
+    </cs:fontRef>
+    <cs:spPr>
+      <a:ln w="9525" cap="flat" cmpd="sng" algn="ctr">
+        <a:solidFill>
+          <a:schemeClr val="tx1">
+            <a:lumMod val="5000"/>
+            <a:lumOff val="95000"/>
+          </a:schemeClr>
+        </a:solidFill>
+        <a:round/>
+      </a:ln>
+    </cs:spPr>
+  </cs:gridlineMinor>
+  <cs:hiLoLine>
+    <cs:lnRef idx="0"/>
+    <cs:fillRef idx="0"/>
+    <cs:effectRef idx="0"/>
+    <cs:fontRef idx="minor">
+      <a:schemeClr val="tx1"/>
+    </cs:fontRef>
+    <cs:spPr>
+      <a:ln w="9525" cap="flat" cmpd="sng" algn="ctr">
+        <a:solidFill>
+          <a:schemeClr val="tx1">
+            <a:lumMod val="75000"/>
+            <a:lumOff val="25000"/>
+          </a:schemeClr>
+        </a:solidFill>
+        <a:round/>
+      </a:ln>
+    </cs:spPr>
+  </cs:hiLoLine>
+  <cs:leaderLine>
+    <cs:lnRef idx="0"/>
+    <cs:fillRef idx="0"/>
+    <cs:effectRef idx="0"/>
+    <cs:fontRef idx="minor">
+      <a:schemeClr val="tx1"/>
+    </cs:fontRef>
+    <cs:spPr>
+      <a:ln w="9525" cap="flat" cmpd="sng" algn="ctr">
+        <a:solidFill>
+          <a:schemeClr val="tx1">
+            <a:lumMod val="35000"/>
+            <a:lumOff val="65000"/>
+          </a:schemeClr>
+        </a:solidFill>
+        <a:round/>
+      </a:ln>
+    </cs:spPr>
+  </cs:leaderLine>
+  <cs:legend>
+    <cs:lnRef idx="0"/>
+    <cs:fillRef idx="0"/>
+    <cs:effectRef idx="0"/>
+    <cs:fontRef idx="minor">
+      <a:schemeClr val="tx1">
+        <a:lumMod val="65000"/>
+        <a:lumOff val="35000"/>
+      </a:schemeClr>
+    </cs:fontRef>
+    <cs:defRPr sz="900" kern="1200"/>
+  </cs:legend>
+  <cs:plotArea mods="allowNoFillOverride allowNoLineOverride">
+    <cs:lnRef idx="0"/>
+    <cs:fillRef idx="0"/>
+    <cs:effectRef idx="0"/>
+    <cs:fontRef idx="minor">
+      <a:schemeClr val="tx1"/>
+    </cs:fontRef>
+  </cs:plotArea>
+  <cs:plotArea3D mods="allowNoFillOverride allowNoLineOverride">
+    <cs:lnRef idx="0"/>
+    <cs:fillRef idx="0"/>
+    <cs:effectRef idx="0"/>
+    <cs:fontRef idx="minor">
+      <a:schemeClr val="tx1"/>
+    </cs:fontRef>
+  </cs:plotArea3D>
+  <cs:seriesAxis>
+    <cs:lnRef idx="0"/>
+    <cs:fillRef idx="0"/>
+    <cs:effectRef idx="0"/>
+    <cs:fontRef idx="minor">
+      <a:schemeClr val="tx1">
+        <a:lumMod val="65000"/>
+        <a:lumOff val="35000"/>
+      </a:schemeClr>
+    </cs:fontRef>
+    <cs:defRPr sz="900" kern="1200"/>
+  </cs:seriesAxis>
+  <cs:seriesLine>
+    <cs:lnRef idx="0"/>
+    <cs:fillRef idx="0"/>
+    <cs:effectRef idx="0"/>
+    <cs:fontRef idx="minor">
+      <a:schemeClr val="tx1"/>
+    </cs:fontRef>
+    <cs:spPr>
+      <a:ln w="9525" cap="flat" cmpd="sng" algn="ctr">
+        <a:solidFill>
+          <a:schemeClr val="tx1">
+            <a:lumMod val="35000"/>
+            <a:lumOff val="65000"/>
+          </a:schemeClr>
+        </a:solidFill>
+        <a:round/>
+      </a:ln>
+    </cs:spPr>
+  </cs:seriesLine>
+  <cs:title>
+    <cs:lnRef idx="0"/>
+    <cs:fillRef idx="0"/>
+    <cs:effectRef idx="0"/>
+    <cs:fontRef idx="minor">
+      <a:schemeClr val="tx1">
+        <a:lumMod val="65000"/>
+        <a:lumOff val="35000"/>
+      </a:schemeClr>
+    </cs:fontRef>
+    <cs:defRPr sz="1400" b="0" kern="1200" spc="0" baseline="0"/>
+  </cs:title>
+  <cs:trendline>
+    <cs:lnRef idx="0">
+      <cs:styleClr val="auto"/>
+    </cs:lnRef>
+    <cs:fillRef idx="0"/>
+    <cs:effectRef idx="0"/>
+    <cs:fontRef idx="minor">
+      <a:schemeClr val="tx1"/>
+    </cs:fontRef>
+    <cs:spPr>
+      <a:ln w="19050" cap="rnd">
+        <a:solidFill>
+          <a:schemeClr val="phClr"/>
+        </a:solidFill>
+        <a:prstDash val="sysDot"/>
+      </a:ln>
+    </cs:spPr>
+  </cs:trendline>
+  <cs:trendlineLabel>
+    <cs:lnRef idx="0"/>
+    <cs:fillRef idx="0"/>
+    <cs:effectRef idx="0"/>
+    <cs:fontRef idx="minor">
+      <a:schemeClr val="tx1">
+        <a:lumMod val="65000"/>
+        <a:lumOff val="35000"/>
+      </a:schemeClr>
+    </cs:fontRef>
+    <cs:defRPr sz="900" kern="1200"/>
+  </cs:trendlineLabel>
+  <cs:upBar>
+    <cs:lnRef idx="0"/>
+    <cs:fillRef idx="0"/>
+    <cs:effectRef idx="0"/>
+    <cs:fontRef idx="minor">
+      <a:schemeClr val="dk1"/>
+    </cs:fontRef>
+    <cs:spPr>
+      <a:solidFill>
+        <a:schemeClr val="lt1"/>
+      </a:solidFill>
+      <a:ln w="9525">
+        <a:solidFill>
+          <a:schemeClr val="tx1">
+            <a:lumMod val="15000"/>
+            <a:lumOff val="85000"/>
+          </a:schemeClr>
+        </a:solidFill>
+      </a:ln>
+    </cs:spPr>
+  </cs:upBar>
+  <cs:valueAxis>
+    <cs:lnRef idx="0"/>
+    <cs:fillRef idx="0"/>
+    <cs:effectRef idx="0"/>
+    <cs:fontRef idx="minor">
+      <a:schemeClr val="tx1">
+        <a:lumMod val="65000"/>
+        <a:lumOff val="35000"/>
+      </a:schemeClr>
+    </cs:fontRef>
+    <cs:defRPr sz="900" kern="1200"/>
+  </cs:valueAxis>
+  <cs:wall>
+    <cs:lnRef idx="0"/>
+    <cs:fillRef idx="0"/>
+    <cs:effectRef idx="0"/>
+    <cs:fontRef idx="minor">
+      <a:schemeClr val="tx1"/>
+    </cs:fontRef>
+    <cs:spPr>
+      <a:noFill/>
+      <a:ln>
+        <a:noFill/>
+      </a:ln>
+    </cs:spPr>
   </cs:wall>
 </cs:chartStyle>
 </file>
@@ -2354,7 +4169,7 @@
           <a:p>
             <a:fld id="{7821C63B-7147-40DC-9DD1-A22900D398CA}" type="datetimeFigureOut">
               <a:rPr lang="it-IT" smtClean="0"/>
-              <a:t>02/09/2019</a:t>
+              <a:t>03/09/2019</a:t>
             </a:fld>
             <a:endParaRPr lang="it-IT"/>
           </a:p>
@@ -2818,7 +4633,7 @@
           <a:p>
             <a:fld id="{E2A6B88F-49BB-49DF-9CD9-134570298B2C}" type="slidenum">
               <a:rPr lang="it-IT" smtClean="0"/>
-              <a:t>16</a:t>
+              <a:t>14</a:t>
             </a:fld>
             <a:endParaRPr lang="it-IT"/>
           </a:p>
@@ -4514,11 +6329,11 @@
             </a:r>
             <a:r>
               <a:rPr lang="it-IT" dirty="0"/>
-              <a:t> TESTBED-</a:t>
+              <a:t> </a:t>
             </a:r>
             <a:r>
               <a:rPr lang="it-IT" dirty="0" err="1"/>
-              <a:t>mininet</a:t>
+              <a:t>testbed-mininet</a:t>
             </a:r>
             <a:r>
               <a:rPr lang="it-IT" dirty="0"/>
@@ -4694,8 +6509,12 @@
           <a:lstStyle/>
           <a:p>
             <a:r>
+              <a:rPr lang="it-IT" dirty="0" err="1"/>
+              <a:t>Statistics</a:t>
+            </a:r>
+            <a:r>
               <a:rPr lang="it-IT" dirty="0"/>
-              <a:t>Rules </a:t>
+              <a:t>: Rules </a:t>
             </a:r>
             <a:r>
               <a:rPr lang="it-IT" dirty="0" err="1"/>
@@ -4703,13 +6522,8 @@
             </a:r>
             <a:r>
               <a:rPr lang="it-IT" dirty="0"/>
-              <a:t> time </a:t>
-            </a:r>
-            <a:r>
-              <a:rPr lang="it-IT" dirty="0" err="1"/>
-              <a:t>testbed</a:t>
-            </a:r>
-            <a:endParaRPr lang="it-IT" dirty="0"/>
+              <a:t> time</a:t>
+            </a:r>
           </a:p>
         </p:txBody>
       </p:sp>
@@ -4744,7 +6558,7 @@
       </p:sp>
       <p:graphicFrame>
         <p:nvGraphicFramePr>
-          <p:cNvPr id="11" name="Segnaposto contenuto 10">
+          <p:cNvPr id="5" name="Grafico 4">
             <a:extLst>
               <a:ext uri="{FF2B5EF4-FFF2-40B4-BE49-F238E27FC236}">
                 <a16:creationId xmlns:a16="http://schemas.microsoft.com/office/drawing/2014/main" id="{6E0D3F69-ADD9-4B9A-A1DC-C37262C557F4}"/>
@@ -4752,19 +6566,53 @@
             </a:extLst>
           </p:cNvPr>
           <p:cNvGraphicFramePr>
-            <a:graphicFrameLocks noGrp="1"/>
+            <a:graphicFrameLocks/>
           </p:cNvGraphicFramePr>
           <p:nvPr>
-            <p:ph idx="1"/>
+            <p:extLst>
+              <p:ext uri="{D42A27DB-BD31-4B8C-83A1-F6EECF244321}">
+                <p14:modId xmlns:p14="http://schemas.microsoft.com/office/powerpoint/2010/main" val="902506372"/>
+              </p:ext>
+            </p:extLst>
           </p:nvPr>
         </p:nvGraphicFramePr>
         <p:xfrm>
-          <a:off x="628650" y="1022350"/>
-          <a:ext cx="7886700" cy="4351338"/>
+          <a:off x="963637" y="3587263"/>
+          <a:ext cx="7216726" cy="3136904"/>
         </p:xfrm>
         <a:graphic>
           <a:graphicData uri="http://schemas.openxmlformats.org/drawingml/2006/chart">
             <c:chart xmlns:c="http://schemas.openxmlformats.org/drawingml/2006/chart" xmlns:r="http://schemas.openxmlformats.org/officeDocument/2006/relationships" r:id="rId2"/>
+          </a:graphicData>
+        </a:graphic>
+      </p:graphicFrame>
+      <p:graphicFrame>
+        <p:nvGraphicFramePr>
+          <p:cNvPr id="7" name="Grafico 6">
+            <a:extLst>
+              <a:ext uri="{FF2B5EF4-FFF2-40B4-BE49-F238E27FC236}">
+                <a16:creationId xmlns:a16="http://schemas.microsoft.com/office/drawing/2014/main" id="{1CB035B6-E430-4001-84E3-AC86048426EC}"/>
+              </a:ext>
+            </a:extLst>
+          </p:cNvPr>
+          <p:cNvGraphicFramePr>
+            <a:graphicFrameLocks/>
+          </p:cNvGraphicFramePr>
+          <p:nvPr>
+            <p:extLst>
+              <p:ext uri="{D42A27DB-BD31-4B8C-83A1-F6EECF244321}">
+                <p14:modId xmlns:p14="http://schemas.microsoft.com/office/powerpoint/2010/main" val="2844582573"/>
+              </p:ext>
+            </p:extLst>
+          </p:nvPr>
+        </p:nvGraphicFramePr>
+        <p:xfrm>
+          <a:off x="963637" y="858130"/>
+          <a:ext cx="7012745" cy="2729133"/>
+        </p:xfrm>
+        <a:graphic>
+          <a:graphicData uri="http://schemas.openxmlformats.org/drawingml/2006/chart">
+            <c:chart xmlns:c="http://schemas.openxmlformats.org/drawingml/2006/chart" xmlns:r="http://schemas.openxmlformats.org/officeDocument/2006/relationships" r:id="rId3"/>
           </a:graphicData>
         </a:graphic>
       </p:graphicFrame>
@@ -4803,134 +6651,6 @@
           <p:cNvPr id="2" name="Titolo 1">
             <a:extLst>
               <a:ext uri="{FF2B5EF4-FFF2-40B4-BE49-F238E27FC236}">
-                <a16:creationId xmlns:a16="http://schemas.microsoft.com/office/drawing/2014/main" id="{938E1C4E-3E4D-4854-A7C8-8C30E707C3B1}"/>
-              </a:ext>
-            </a:extLst>
-          </p:cNvPr>
-          <p:cNvSpPr>
-            <a:spLocks noGrp="1"/>
-          </p:cNvSpPr>
-          <p:nvPr>
-            <p:ph type="title"/>
-          </p:nvPr>
-        </p:nvSpPr>
-        <p:spPr/>
-        <p:txBody>
-          <a:bodyPr/>
-          <a:lstStyle/>
-          <a:p>
-            <a:r>
-              <a:rPr lang="it-IT" dirty="0"/>
-              <a:t>Rules </a:t>
-            </a:r>
-            <a:r>
-              <a:rPr lang="it-IT" dirty="0" err="1"/>
-              <a:t>installation</a:t>
-            </a:r>
-            <a:r>
-              <a:rPr lang="it-IT" dirty="0"/>
-              <a:t> time </a:t>
-            </a:r>
-            <a:r>
-              <a:rPr lang="it-IT" dirty="0" err="1"/>
-              <a:t>mininet</a:t>
-            </a:r>
-            <a:r>
-              <a:rPr lang="it-IT" dirty="0"/>
-              <a:t> simulator</a:t>
-            </a:r>
-          </a:p>
-        </p:txBody>
-      </p:sp>
-      <p:sp>
-        <p:nvSpPr>
-          <p:cNvPr id="3" name="Segnaposto numero diapositiva 2">
-            <a:extLst>
-              <a:ext uri="{FF2B5EF4-FFF2-40B4-BE49-F238E27FC236}">
-                <a16:creationId xmlns:a16="http://schemas.microsoft.com/office/drawing/2014/main" id="{CD36E443-869B-47AA-A6D0-E1F915165E4D}"/>
-              </a:ext>
-            </a:extLst>
-          </p:cNvPr>
-          <p:cNvSpPr>
-            <a:spLocks noGrp="1"/>
-          </p:cNvSpPr>
-          <p:nvPr>
-            <p:ph type="sldNum" sz="quarter" idx="12"/>
-          </p:nvPr>
-        </p:nvSpPr>
-        <p:spPr/>
-        <p:txBody>
-          <a:bodyPr/>
-          <a:lstStyle/>
-          <a:p>
-            <a:fld id="{07C31548-3396-48E6-A4F0-B6B6C960F6EE}" type="slidenum">
-              <a:rPr lang="it-IT" smtClean="0"/>
-              <a:t>13</a:t>
-            </a:fld>
-            <a:endParaRPr lang="it-IT" dirty="0"/>
-          </a:p>
-        </p:txBody>
-      </p:sp>
-      <p:sp>
-        <p:nvSpPr>
-          <p:cNvPr id="4" name="Segnaposto contenuto 3">
-            <a:extLst>
-              <a:ext uri="{FF2B5EF4-FFF2-40B4-BE49-F238E27FC236}">
-                <a16:creationId xmlns:a16="http://schemas.microsoft.com/office/drawing/2014/main" id="{57970391-BFCC-452B-A927-1C61F255888D}"/>
-              </a:ext>
-            </a:extLst>
-          </p:cNvPr>
-          <p:cNvSpPr>
-            <a:spLocks noGrp="1"/>
-          </p:cNvSpPr>
-          <p:nvPr>
-            <p:ph idx="1"/>
-          </p:nvPr>
-        </p:nvSpPr>
-        <p:spPr/>
-        <p:txBody>
-          <a:bodyPr/>
-          <a:lstStyle/>
-          <a:p>
-            <a:endParaRPr lang="it-IT"/>
-          </a:p>
-        </p:txBody>
-      </p:sp>
-    </p:spTree>
-    <p:extLst>
-      <p:ext uri="{BB962C8B-B14F-4D97-AF65-F5344CB8AC3E}">
-        <p14:creationId xmlns:p14="http://schemas.microsoft.com/office/powerpoint/2010/main" val="3809126357"/>
-      </p:ext>
-    </p:extLst>
-  </p:cSld>
-  <p:clrMapOvr>
-    <a:masterClrMapping/>
-  </p:clrMapOvr>
-</p:sld>
-</file>
-
-<file path=ppt/slides/slide14.xml><?xml version="1.0" encoding="utf-8"?>
-<p:sld xmlns:a="http://schemas.openxmlformats.org/drawingml/2006/main" xmlns:r="http://schemas.openxmlformats.org/officeDocument/2006/relationships" xmlns:p="http://schemas.openxmlformats.org/presentationml/2006/main">
-  <p:cSld>
-    <p:spTree>
-      <p:nvGrpSpPr>
-        <p:cNvPr id="1" name=""/>
-        <p:cNvGrpSpPr/>
-        <p:nvPr/>
-      </p:nvGrpSpPr>
-      <p:grpSpPr>
-        <a:xfrm>
-          <a:off x="0" y="0"/>
-          <a:ext cx="0" cy="0"/>
-          <a:chOff x="0" y="0"/>
-          <a:chExt cx="0" cy="0"/>
-        </a:xfrm>
-      </p:grpSpPr>
-      <p:sp>
-        <p:nvSpPr>
-          <p:cNvPr id="2" name="Titolo 1">
-            <a:extLst>
-              <a:ext uri="{FF2B5EF4-FFF2-40B4-BE49-F238E27FC236}">
                 <a16:creationId xmlns:a16="http://schemas.microsoft.com/office/drawing/2014/main" id="{29F7A583-2C5C-4D6B-B628-10BDFD4F8817}"/>
               </a:ext>
             </a:extLst>
@@ -4949,7 +6669,15 @@
           <a:p>
             <a:r>
               <a:rPr lang="it-IT" dirty="0" err="1"/>
-              <a:t>Path</a:t>
+              <a:t>Statistics</a:t>
+            </a:r>
+            <a:r>
+              <a:rPr lang="it-IT" dirty="0"/>
+              <a:t>: </a:t>
+            </a:r>
+            <a:r>
+              <a:rPr lang="it-IT" dirty="0" err="1"/>
+              <a:t>path</a:t>
             </a:r>
             <a:r>
               <a:rPr lang="it-IT" dirty="0"/>
@@ -4961,13 +6689,8 @@
             </a:r>
             <a:r>
               <a:rPr lang="it-IT" dirty="0"/>
-              <a:t> time </a:t>
-            </a:r>
-            <a:r>
-              <a:rPr lang="it-IT" dirty="0" err="1"/>
-              <a:t>testbed</a:t>
-            </a:r>
-            <a:endParaRPr lang="it-IT" dirty="0"/>
+              <a:t> time</a:t>
+            </a:r>
           </a:p>
         </p:txBody>
       </p:sp>
@@ -4994,7 +6717,7 @@
           <a:p>
             <a:fld id="{07C31548-3396-48E6-A4F0-B6B6C960F6EE}" type="slidenum">
               <a:rPr lang="it-IT" smtClean="0"/>
-              <a:t>14</a:t>
+              <a:t>13</a:t>
             </a:fld>
             <a:endParaRPr lang="it-IT" dirty="0"/>
           </a:p>
@@ -5002,27 +6725,61 @@
       </p:sp>
       <p:graphicFrame>
         <p:nvGraphicFramePr>
-          <p:cNvPr id="5" name="Segnaposto contenuto 4">
+          <p:cNvPr id="10" name="Grafico 9">
             <a:extLst>
               <a:ext uri="{FF2B5EF4-FFF2-40B4-BE49-F238E27FC236}">
-                <a16:creationId xmlns:a16="http://schemas.microsoft.com/office/drawing/2014/main" id="{3E945D25-D8C9-42C8-9851-5F31691CABD1}"/>
+                <a16:creationId xmlns:a16="http://schemas.microsoft.com/office/drawing/2014/main" id="{9445B5C8-9517-46C4-94AA-317865C0F2B5}"/>
               </a:ext>
             </a:extLst>
           </p:cNvPr>
           <p:cNvGraphicFramePr>
-            <a:graphicFrameLocks noGrp="1"/>
+            <a:graphicFrameLocks/>
           </p:cNvGraphicFramePr>
           <p:nvPr>
-            <p:ph idx="1"/>
+            <p:extLst>
+              <p:ext uri="{D42A27DB-BD31-4B8C-83A1-F6EECF244321}">
+                <p14:modId xmlns:p14="http://schemas.microsoft.com/office/powerpoint/2010/main" val="251298395"/>
+              </p:ext>
+            </p:extLst>
           </p:nvPr>
         </p:nvGraphicFramePr>
         <p:xfrm>
-          <a:off x="628650" y="1022350"/>
-          <a:ext cx="7886700" cy="4351338"/>
+          <a:off x="1106543" y="721759"/>
+          <a:ext cx="7010515" cy="2844382"/>
         </p:xfrm>
         <a:graphic>
           <a:graphicData uri="http://schemas.openxmlformats.org/drawingml/2006/chart">
             <c:chart xmlns:c="http://schemas.openxmlformats.org/drawingml/2006/chart" xmlns:r="http://schemas.openxmlformats.org/officeDocument/2006/relationships" r:id="rId2"/>
+          </a:graphicData>
+        </a:graphic>
+      </p:graphicFrame>
+      <p:graphicFrame>
+        <p:nvGraphicFramePr>
+          <p:cNvPr id="11" name="Grafico 10">
+            <a:extLst>
+              <a:ext uri="{FF2B5EF4-FFF2-40B4-BE49-F238E27FC236}">
+                <a16:creationId xmlns:a16="http://schemas.microsoft.com/office/drawing/2014/main" id="{07821879-267B-4D26-A9D1-AEA8CD903E65}"/>
+              </a:ext>
+            </a:extLst>
+          </p:cNvPr>
+          <p:cNvGraphicFramePr>
+            <a:graphicFrameLocks/>
+          </p:cNvGraphicFramePr>
+          <p:nvPr>
+            <p:extLst>
+              <p:ext uri="{D42A27DB-BD31-4B8C-83A1-F6EECF244321}">
+                <p14:modId xmlns:p14="http://schemas.microsoft.com/office/powerpoint/2010/main" val="1162902177"/>
+              </p:ext>
+            </p:extLst>
+          </p:nvPr>
+        </p:nvGraphicFramePr>
+        <p:xfrm>
+          <a:off x="1150824" y="3663478"/>
+          <a:ext cx="7010515" cy="2844382"/>
+        </p:xfrm>
+        <a:graphic>
+          <a:graphicData uri="http://schemas.openxmlformats.org/drawingml/2006/chart">
+            <c:chart xmlns:c="http://schemas.openxmlformats.org/drawingml/2006/chart" xmlns:r="http://schemas.openxmlformats.org/officeDocument/2006/relationships" r:id="rId3"/>
           </a:graphicData>
         </a:graphic>
       </p:graphicFrame>
@@ -5039,144 +6796,7 @@
 </p:sld>
 </file>
 
-<file path=ppt/slides/slide15.xml><?xml version="1.0" encoding="utf-8"?>
-<p:sld xmlns:a="http://schemas.openxmlformats.org/drawingml/2006/main" xmlns:r="http://schemas.openxmlformats.org/officeDocument/2006/relationships" xmlns:p="http://schemas.openxmlformats.org/presentationml/2006/main">
-  <p:cSld>
-    <p:spTree>
-      <p:nvGrpSpPr>
-        <p:cNvPr id="1" name=""/>
-        <p:cNvGrpSpPr/>
-        <p:nvPr/>
-      </p:nvGrpSpPr>
-      <p:grpSpPr>
-        <a:xfrm>
-          <a:off x="0" y="0"/>
-          <a:ext cx="0" cy="0"/>
-          <a:chOff x="0" y="0"/>
-          <a:chExt cx="0" cy="0"/>
-        </a:xfrm>
-      </p:grpSpPr>
-      <p:sp>
-        <p:nvSpPr>
-          <p:cNvPr id="2" name="Titolo 1">
-            <a:extLst>
-              <a:ext uri="{FF2B5EF4-FFF2-40B4-BE49-F238E27FC236}">
-                <a16:creationId xmlns:a16="http://schemas.microsoft.com/office/drawing/2014/main" id="{7D2FFD4D-455E-4FC0-847D-085A45739089}"/>
-              </a:ext>
-            </a:extLst>
-          </p:cNvPr>
-          <p:cNvSpPr>
-            <a:spLocks noGrp="1"/>
-          </p:cNvSpPr>
-          <p:nvPr>
-            <p:ph type="title"/>
-          </p:nvPr>
-        </p:nvSpPr>
-        <p:spPr>
-          <a:xfrm>
-            <a:off x="712732" y="133833"/>
-            <a:ext cx="7886700" cy="362884"/>
-          </a:xfrm>
-        </p:spPr>
-        <p:txBody>
-          <a:bodyPr/>
-          <a:lstStyle/>
-          <a:p>
-            <a:r>
-              <a:rPr lang="it-IT" dirty="0" err="1"/>
-              <a:t>Path</a:t>
-            </a:r>
-            <a:r>
-              <a:rPr lang="it-IT" dirty="0"/>
-              <a:t> </a:t>
-            </a:r>
-            <a:r>
-              <a:rPr lang="it-IT" dirty="0" err="1"/>
-              <a:t>modification</a:t>
-            </a:r>
-            <a:r>
-              <a:rPr lang="it-IT" dirty="0"/>
-              <a:t> time </a:t>
-            </a:r>
-            <a:r>
-              <a:rPr lang="it-IT" dirty="0" err="1"/>
-              <a:t>mininet</a:t>
-            </a:r>
-            <a:r>
-              <a:rPr lang="it-IT" dirty="0"/>
-              <a:t> simulator</a:t>
-            </a:r>
-          </a:p>
-        </p:txBody>
-      </p:sp>
-      <p:sp>
-        <p:nvSpPr>
-          <p:cNvPr id="3" name="Segnaposto numero diapositiva 2">
-            <a:extLst>
-              <a:ext uri="{FF2B5EF4-FFF2-40B4-BE49-F238E27FC236}">
-                <a16:creationId xmlns:a16="http://schemas.microsoft.com/office/drawing/2014/main" id="{D5B4F83B-7DEB-478B-BEE7-9449A8E30F48}"/>
-              </a:ext>
-            </a:extLst>
-          </p:cNvPr>
-          <p:cNvSpPr>
-            <a:spLocks noGrp="1"/>
-          </p:cNvSpPr>
-          <p:nvPr>
-            <p:ph type="sldNum" sz="quarter" idx="12"/>
-          </p:nvPr>
-        </p:nvSpPr>
-        <p:spPr/>
-        <p:txBody>
-          <a:bodyPr/>
-          <a:lstStyle/>
-          <a:p>
-            <a:fld id="{07C31548-3396-48E6-A4F0-B6B6C960F6EE}" type="slidenum">
-              <a:rPr lang="it-IT" smtClean="0"/>
-              <a:t>15</a:t>
-            </a:fld>
-            <a:endParaRPr lang="it-IT" dirty="0"/>
-          </a:p>
-        </p:txBody>
-      </p:sp>
-      <p:sp>
-        <p:nvSpPr>
-          <p:cNvPr id="4" name="Segnaposto contenuto 3">
-            <a:extLst>
-              <a:ext uri="{FF2B5EF4-FFF2-40B4-BE49-F238E27FC236}">
-                <a16:creationId xmlns:a16="http://schemas.microsoft.com/office/drawing/2014/main" id="{F629FCBB-5B9D-4D9B-82AD-E7DD0102EB79}"/>
-              </a:ext>
-            </a:extLst>
-          </p:cNvPr>
-          <p:cNvSpPr>
-            <a:spLocks noGrp="1"/>
-          </p:cNvSpPr>
-          <p:nvPr>
-            <p:ph idx="1"/>
-          </p:nvPr>
-        </p:nvSpPr>
-        <p:spPr/>
-        <p:txBody>
-          <a:bodyPr/>
-          <a:lstStyle/>
-          <a:p>
-            <a:endParaRPr lang="it-IT"/>
-          </a:p>
-        </p:txBody>
-      </p:sp>
-    </p:spTree>
-    <p:extLst>
-      <p:ext uri="{BB962C8B-B14F-4D97-AF65-F5344CB8AC3E}">
-        <p14:creationId xmlns:p14="http://schemas.microsoft.com/office/powerpoint/2010/main" val="135974974"/>
-      </p:ext>
-    </p:extLst>
-  </p:cSld>
-  <p:clrMapOvr>
-    <a:masterClrMapping/>
-  </p:clrMapOvr>
-</p:sld>
-</file>
-
-<file path=ppt/slides/slide16.xml><?xml version="1.0" encoding="utf-8"?>
+<file path=ppt/slides/slide14.xml><?xml version="1.0" encoding="utf-8"?>
 <p:sld xmlns:a="http://schemas.openxmlformats.org/drawingml/2006/main" xmlns:r="http://schemas.openxmlformats.org/officeDocument/2006/relationships" xmlns:p="http://schemas.openxmlformats.org/presentationml/2006/main">
   <p:cSld>
     <p:spTree>
@@ -5248,7 +6868,7 @@
           <a:p>
             <a:fld id="{07C31548-3396-48E6-A4F0-B6B6C960F6EE}" type="slidenum">
               <a:rPr lang="it-IT" smtClean="0"/>
-              <a:t>16</a:t>
+              <a:t>14</a:t>
             </a:fld>
             <a:endParaRPr lang="it-IT" dirty="0"/>
           </a:p>
@@ -5292,7 +6912,7 @@
 </p:sld>
 </file>
 
-<file path=ppt/slides/slide17.xml><?xml version="1.0" encoding="utf-8"?>
+<file path=ppt/slides/slide15.xml><?xml version="1.0" encoding="utf-8"?>
 <p:sld xmlns:a="http://schemas.openxmlformats.org/drawingml/2006/main" xmlns:r="http://schemas.openxmlformats.org/officeDocument/2006/relationships" xmlns:p="http://schemas.openxmlformats.org/presentationml/2006/main">
   <p:cSld>
     <p:spTree>
@@ -5353,15 +6973,6 @@
               <a:t>END</a:t>
             </a:r>
           </a:p>
-          <a:p>
-            <a:pPr marL="0" indent="0" algn="ctr">
-              <a:buNone/>
-            </a:pPr>
-            <a:r>
-              <a:rPr lang="en-GB" sz="7200" dirty="0"/>
-              <a:t>Questions?</a:t>
-            </a:r>
-          </a:p>
         </p:txBody>
       </p:sp>
       <p:sp>
@@ -5381,7 +6992,7 @@
           <a:p>
             <a:fld id="{07C31548-3396-48E6-A4F0-B6B6C960F6EE}" type="slidenum">
               <a:rPr lang="it-IT" smtClean="0"/>
-              <a:t>17</a:t>
+              <a:t>15</a:t>
             </a:fld>
             <a:endParaRPr lang="it-IT" dirty="0"/>
           </a:p>
@@ -5540,20 +7151,48 @@
           <a:p>
             <a:r>
               <a:rPr lang="en-GB" dirty="0"/>
-              <a:t>Link up/down</a:t>
+              <a:t>Port Detection</a:t>
             </a:r>
           </a:p>
           <a:p>
             <a:r>
               <a:rPr lang="en-GB" dirty="0"/>
-              <a:t>Port detection</a:t>
-            </a:r>
-          </a:p>
-          <a:p>
-            <a:r>
-              <a:rPr lang="en-GB" dirty="0"/>
-              <a:t>Additional checks</a:t>
-            </a:r>
+              <a:t>Link down/up</a:t>
+            </a:r>
+          </a:p>
+          <a:p>
+            <a:r>
+              <a:rPr lang="it-IT" dirty="0" err="1"/>
+              <a:t>Differences</a:t>
+            </a:r>
+            <a:r>
+              <a:rPr lang="it-IT" dirty="0"/>
+              <a:t> </a:t>
+            </a:r>
+            <a:r>
+              <a:rPr lang="it-IT" dirty="0" err="1"/>
+              <a:t>testbed-mininet</a:t>
+            </a:r>
+            <a:r>
+              <a:rPr lang="it-IT" dirty="0"/>
+              <a:t> simulator</a:t>
+            </a:r>
+          </a:p>
+          <a:p>
+            <a:r>
+              <a:rPr lang="it-IT" dirty="0" err="1"/>
+              <a:t>Statistics</a:t>
+            </a:r>
+            <a:endParaRPr lang="it-IT" dirty="0"/>
+          </a:p>
+          <a:p>
+            <a:endParaRPr lang="en-GB" dirty="0"/>
+          </a:p>
+          <a:p>
+            <a:pPr marL="0" indent="0">
+              <a:buNone/>
+            </a:pPr>
+            <a:endParaRPr lang="en-GB" dirty="0"/>
           </a:p>
           <a:p>
             <a:pPr marL="0" indent="0">

--- a/template_project_exam__1_.pptx
+++ b/template_project_exam__1_.pptx
@@ -1598,14 +1598,7 @@
           </c:cat>
           <c:val>
             <c:numRef>
-              <c:extLst>
-                <c:ext xmlns:c15="http://schemas.microsoft.com/office/drawing/2012/chart" uri="{02D57815-91ED-43cb-92C2-25804820EDAC}">
-                  <c15:fullRef>
-                    <c15:sqref>Foglio2!$A$1:$A$19</c15:sqref>
-                  </c15:fullRef>
-                </c:ext>
-              </c:extLst>
-              <c:f>Foglio2!$A$1:$A$10</c:f>
+              <c:f>Foglio2!$A$1:$A$19</c:f>
               <c:numCache>
                 <c:formatCode>General</c:formatCode>
                 <c:ptCount val="10"/>
@@ -1890,6 +1883,655 @@
     </c:plotArea>
     <c:plotVisOnly val="1"/>
     <c:dispBlanksAs val="gap"/>
+    <c:showDLblsOverMax val="0"/>
+  </c:chart>
+  <c:spPr>
+    <a:noFill/>
+    <a:ln>
+      <a:noFill/>
+    </a:ln>
+    <a:effectLst/>
+  </c:spPr>
+  <c:txPr>
+    <a:bodyPr/>
+    <a:lstStyle/>
+    <a:p>
+      <a:pPr>
+        <a:defRPr/>
+      </a:pPr>
+      <a:endParaRPr lang="it-IT"/>
+    </a:p>
+  </c:txPr>
+  <c:externalData r:id="rId3">
+    <c:autoUpdate val="0"/>
+  </c:externalData>
+</c:chartSpace>
+</file>
+
+<file path=ppt/charts/chart5.xml><?xml version="1.0" encoding="utf-8"?>
+<c:chartSpace xmlns:c="http://schemas.openxmlformats.org/drawingml/2006/chart" xmlns:a="http://schemas.openxmlformats.org/drawingml/2006/main" xmlns:r="http://schemas.openxmlformats.org/officeDocument/2006/relationships" xmlns:c16r2="http://schemas.microsoft.com/office/drawing/2015/06/chart">
+  <c:date1904 val="0"/>
+  <c:lang val="it-IT"/>
+  <c:roundedCorners val="0"/>
+  <mc:AlternateContent xmlns:mc="http://schemas.openxmlformats.org/markup-compatibility/2006">
+    <mc:Choice xmlns:c14="http://schemas.microsoft.com/office/drawing/2007/8/2/chart" Requires="c14">
+      <c14:style val="102"/>
+    </mc:Choice>
+    <mc:Fallback>
+      <c:style val="2"/>
+    </mc:Fallback>
+  </mc:AlternateContent>
+  <c:chart>
+    <c:autoTitleDeleted val="0"/>
+    <c:plotArea>
+      <c:layout/>
+      <c:lineChart>
+        <c:grouping val="standard"/>
+        <c:varyColors val="0"/>
+        <c:ser>
+          <c:idx val="0"/>
+          <c:order val="0"/>
+          <c:tx>
+            <c:v>Mininet Simulator</c:v>
+          </c:tx>
+          <c:spPr>
+            <a:ln w="28575" cap="rnd">
+              <a:solidFill>
+                <a:schemeClr val="accent1"/>
+              </a:solidFill>
+              <a:round/>
+            </a:ln>
+            <a:effectLst/>
+          </c:spPr>
+          <c:marker>
+            <c:symbol val="circle"/>
+            <c:size val="5"/>
+            <c:spPr>
+              <a:solidFill>
+                <a:schemeClr val="accent1"/>
+              </a:solidFill>
+              <a:ln w="9525">
+                <a:solidFill>
+                  <a:schemeClr val="accent1"/>
+                </a:solidFill>
+              </a:ln>
+              <a:effectLst/>
+            </c:spPr>
+          </c:marker>
+          <c:dPt>
+            <c:idx val="1"/>
+            <c:marker>
+              <c:symbol val="circle"/>
+              <c:size val="5"/>
+              <c:spPr>
+                <a:solidFill>
+                  <a:schemeClr val="accent1"/>
+                </a:solidFill>
+                <a:ln w="9525">
+                  <a:solidFill>
+                    <a:schemeClr val="accent1"/>
+                  </a:solidFill>
+                </a:ln>
+                <a:effectLst/>
+              </c:spPr>
+            </c:marker>
+            <c:bubble3D val="0"/>
+            <c:extLst>
+              <c:ext xmlns:c16="http://schemas.microsoft.com/office/drawing/2014/chart" uri="{C3380CC4-5D6E-409C-BE32-E72D297353CC}">
+                <c16:uniqueId val="{00000000-5D68-45F4-97DA-DF9D66F69A30}"/>
+              </c:ext>
+            </c:extLst>
+          </c:dPt>
+          <c:dPt>
+            <c:idx val="2"/>
+            <c:marker>
+              <c:symbol val="circle"/>
+              <c:size val="5"/>
+              <c:spPr>
+                <a:solidFill>
+                  <a:schemeClr val="accent1"/>
+                </a:solidFill>
+                <a:ln w="9525">
+                  <a:solidFill>
+                    <a:schemeClr val="accent1"/>
+                  </a:solidFill>
+                </a:ln>
+                <a:effectLst/>
+              </c:spPr>
+            </c:marker>
+            <c:bubble3D val="0"/>
+            <c:extLst>
+              <c:ext xmlns:c16="http://schemas.microsoft.com/office/drawing/2014/chart" uri="{C3380CC4-5D6E-409C-BE32-E72D297353CC}">
+                <c16:uniqueId val="{00000001-5D68-45F4-97DA-DF9D66F69A30}"/>
+              </c:ext>
+            </c:extLst>
+          </c:dPt>
+          <c:dPt>
+            <c:idx val="3"/>
+            <c:marker>
+              <c:symbol val="circle"/>
+              <c:size val="5"/>
+              <c:spPr>
+                <a:solidFill>
+                  <a:schemeClr val="accent1"/>
+                </a:solidFill>
+                <a:ln w="9525">
+                  <a:solidFill>
+                    <a:schemeClr val="accent1"/>
+                  </a:solidFill>
+                </a:ln>
+                <a:effectLst/>
+              </c:spPr>
+            </c:marker>
+            <c:bubble3D val="0"/>
+            <c:extLst>
+              <c:ext xmlns:c16="http://schemas.microsoft.com/office/drawing/2014/chart" uri="{C3380CC4-5D6E-409C-BE32-E72D297353CC}">
+                <c16:uniqueId val="{00000002-5D68-45F4-97DA-DF9D66F69A30}"/>
+              </c:ext>
+            </c:extLst>
+          </c:dPt>
+          <c:cat>
+            <c:numRef>
+              <c:f>Foglio5!$A$8:$D$8</c:f>
+              <c:numCache>
+                <c:formatCode>General</c:formatCode>
+                <c:ptCount val="4"/>
+                <c:pt idx="0">
+                  <c:v>1</c:v>
+                </c:pt>
+                <c:pt idx="1">
+                  <c:v>100</c:v>
+                </c:pt>
+                <c:pt idx="2">
+                  <c:v>1000</c:v>
+                </c:pt>
+                <c:pt idx="3">
+                  <c:v>10000</c:v>
+                </c:pt>
+              </c:numCache>
+            </c:numRef>
+          </c:cat>
+          <c:val>
+            <c:numRef>
+              <c:f>Foglio5!$A$1:$A$4</c:f>
+              <c:numCache>
+                <c:formatCode>General</c:formatCode>
+                <c:ptCount val="4"/>
+                <c:pt idx="0">
+                  <c:v>0</c:v>
+                </c:pt>
+                <c:pt idx="1">
+                  <c:v>0</c:v>
+                </c:pt>
+                <c:pt idx="2">
+                  <c:v>0</c:v>
+                </c:pt>
+                <c:pt idx="3">
+                  <c:v>0</c:v>
+                </c:pt>
+              </c:numCache>
+            </c:numRef>
+          </c:val>
+          <c:smooth val="0"/>
+          <c:extLst>
+            <c:ext xmlns:c16="http://schemas.microsoft.com/office/drawing/2014/chart" uri="{C3380CC4-5D6E-409C-BE32-E72D297353CC}">
+              <c16:uniqueId val="{00000003-5D68-45F4-97DA-DF9D66F69A30}"/>
+            </c:ext>
+          </c:extLst>
+        </c:ser>
+        <c:ser>
+          <c:idx val="1"/>
+          <c:order val="1"/>
+          <c:tx>
+            <c:v>Testbed</c:v>
+          </c:tx>
+          <c:spPr>
+            <a:ln w="28575" cap="rnd">
+              <a:solidFill>
+                <a:schemeClr val="accent2"/>
+              </a:solidFill>
+              <a:round/>
+            </a:ln>
+            <a:effectLst/>
+          </c:spPr>
+          <c:marker>
+            <c:symbol val="circle"/>
+            <c:size val="5"/>
+            <c:spPr>
+              <a:solidFill>
+                <a:schemeClr val="accent2"/>
+              </a:solidFill>
+              <a:ln w="9525">
+                <a:solidFill>
+                  <a:schemeClr val="accent2"/>
+                </a:solidFill>
+              </a:ln>
+              <a:effectLst/>
+            </c:spPr>
+          </c:marker>
+          <c:dPt>
+            <c:idx val="0"/>
+            <c:marker>
+              <c:symbol val="circle"/>
+              <c:size val="5"/>
+              <c:spPr>
+                <a:solidFill>
+                  <a:schemeClr val="accent2"/>
+                </a:solidFill>
+                <a:ln w="9525">
+                  <a:solidFill>
+                    <a:schemeClr val="accent2"/>
+                  </a:solidFill>
+                </a:ln>
+                <a:effectLst/>
+              </c:spPr>
+            </c:marker>
+            <c:bubble3D val="0"/>
+            <c:extLst>
+              <c:ext xmlns:c16="http://schemas.microsoft.com/office/drawing/2014/chart" uri="{C3380CC4-5D6E-409C-BE32-E72D297353CC}">
+                <c16:uniqueId val="{00000004-5D68-45F4-97DA-DF9D66F69A30}"/>
+              </c:ext>
+            </c:extLst>
+          </c:dPt>
+          <c:dPt>
+            <c:idx val="1"/>
+            <c:marker>
+              <c:symbol val="circle"/>
+              <c:size val="5"/>
+              <c:spPr>
+                <a:solidFill>
+                  <a:schemeClr val="accent2"/>
+                </a:solidFill>
+                <a:ln w="9525">
+                  <a:solidFill>
+                    <a:schemeClr val="accent2"/>
+                  </a:solidFill>
+                </a:ln>
+                <a:effectLst/>
+              </c:spPr>
+            </c:marker>
+            <c:bubble3D val="0"/>
+            <c:extLst>
+              <c:ext xmlns:c16="http://schemas.microsoft.com/office/drawing/2014/chart" uri="{C3380CC4-5D6E-409C-BE32-E72D297353CC}">
+                <c16:uniqueId val="{00000005-5D68-45F4-97DA-DF9D66F69A30}"/>
+              </c:ext>
+            </c:extLst>
+          </c:dPt>
+          <c:dPt>
+            <c:idx val="2"/>
+            <c:marker>
+              <c:symbol val="circle"/>
+              <c:size val="5"/>
+              <c:spPr>
+                <a:solidFill>
+                  <a:schemeClr val="accent2"/>
+                </a:solidFill>
+                <a:ln w="9525">
+                  <a:solidFill>
+                    <a:schemeClr val="accent2"/>
+                  </a:solidFill>
+                </a:ln>
+                <a:effectLst/>
+              </c:spPr>
+            </c:marker>
+            <c:bubble3D val="0"/>
+            <c:extLst>
+              <c:ext xmlns:c16="http://schemas.microsoft.com/office/drawing/2014/chart" uri="{C3380CC4-5D6E-409C-BE32-E72D297353CC}">
+                <c16:uniqueId val="{00000006-5D68-45F4-97DA-DF9D66F69A30}"/>
+              </c:ext>
+            </c:extLst>
+          </c:dPt>
+          <c:dPt>
+            <c:idx val="3"/>
+            <c:marker>
+              <c:symbol val="circle"/>
+              <c:size val="5"/>
+              <c:spPr>
+                <a:solidFill>
+                  <a:schemeClr val="accent2"/>
+                </a:solidFill>
+                <a:ln w="9525">
+                  <a:solidFill>
+                    <a:schemeClr val="accent2"/>
+                  </a:solidFill>
+                </a:ln>
+                <a:effectLst/>
+              </c:spPr>
+            </c:marker>
+            <c:bubble3D val="0"/>
+            <c:extLst>
+              <c:ext xmlns:c16="http://schemas.microsoft.com/office/drawing/2014/chart" uri="{C3380CC4-5D6E-409C-BE32-E72D297353CC}">
+                <c16:uniqueId val="{00000007-5D68-45F4-97DA-DF9D66F69A30}"/>
+              </c:ext>
+            </c:extLst>
+          </c:dPt>
+          <c:cat>
+            <c:numRef>
+              <c:f>Foglio5!$A$8:$D$8</c:f>
+              <c:numCache>
+                <c:formatCode>General</c:formatCode>
+                <c:ptCount val="4"/>
+                <c:pt idx="0">
+                  <c:v>1</c:v>
+                </c:pt>
+                <c:pt idx="1">
+                  <c:v>100</c:v>
+                </c:pt>
+                <c:pt idx="2">
+                  <c:v>1000</c:v>
+                </c:pt>
+                <c:pt idx="3">
+                  <c:v>10000</c:v>
+                </c:pt>
+              </c:numCache>
+            </c:numRef>
+          </c:cat>
+          <c:val>
+            <c:numRef>
+              <c:f>Foglio5!$C$1:$C$4</c:f>
+              <c:numCache>
+                <c:formatCode>General</c:formatCode>
+                <c:ptCount val="4"/>
+                <c:pt idx="0">
+                  <c:v>0</c:v>
+                </c:pt>
+                <c:pt idx="1">
+                  <c:v>0</c:v>
+                </c:pt>
+                <c:pt idx="2">
+                  <c:v>1.3</c:v>
+                </c:pt>
+                <c:pt idx="3">
+                  <c:v>2.1</c:v>
+                </c:pt>
+              </c:numCache>
+            </c:numRef>
+          </c:val>
+          <c:smooth val="0"/>
+          <c:extLst>
+            <c:ext xmlns:c16="http://schemas.microsoft.com/office/drawing/2014/chart" uri="{C3380CC4-5D6E-409C-BE32-E72D297353CC}">
+              <c16:uniqueId val="{00000008-5D68-45F4-97DA-DF9D66F69A30}"/>
+            </c:ext>
+          </c:extLst>
+        </c:ser>
+        <c:dLbls>
+          <c:showLegendKey val="0"/>
+          <c:showVal val="0"/>
+          <c:showCatName val="0"/>
+          <c:showSerName val="0"/>
+          <c:showPercent val="0"/>
+          <c:showBubbleSize val="0"/>
+        </c:dLbls>
+        <c:marker val="1"/>
+        <c:smooth val="0"/>
+        <c:axId val="443020040"/>
+        <c:axId val="443020696"/>
+      </c:lineChart>
+      <c:catAx>
+        <c:axId val="443020040"/>
+        <c:scaling>
+          <c:orientation val="minMax"/>
+        </c:scaling>
+        <c:delete val="0"/>
+        <c:axPos val="b"/>
+        <c:title>
+          <c:tx>
+            <c:rich>
+              <a:bodyPr rot="0" spcFirstLastPara="1" vertOverflow="ellipsis" vert="horz" wrap="square" anchor="ctr" anchorCtr="1"/>
+              <a:lstStyle/>
+              <a:p>
+                <a:pPr>
+                  <a:defRPr sz="1000" b="0" i="0" u="none" strike="noStrike" kern="1200" baseline="0">
+                    <a:solidFill>
+                      <a:schemeClr val="tx1">
+                        <a:lumMod val="65000"/>
+                        <a:lumOff val="35000"/>
+                      </a:schemeClr>
+                    </a:solidFill>
+                    <a:latin typeface="+mn-lt"/>
+                    <a:ea typeface="+mn-ea"/>
+                    <a:cs typeface="+mn-cs"/>
+                  </a:defRPr>
+                </a:pPr>
+                <a:r>
+                  <a:rPr lang="it-IT"/>
+                  <a:t>SPEED (KBIT/S)</a:t>
+                </a:r>
+              </a:p>
+            </c:rich>
+          </c:tx>
+          <c:overlay val="0"/>
+          <c:spPr>
+            <a:noFill/>
+            <a:ln>
+              <a:noFill/>
+            </a:ln>
+            <a:effectLst/>
+          </c:spPr>
+          <c:txPr>
+            <a:bodyPr rot="0" spcFirstLastPara="1" vertOverflow="ellipsis" vert="horz" wrap="square" anchor="ctr" anchorCtr="1"/>
+            <a:lstStyle/>
+            <a:p>
+              <a:pPr>
+                <a:defRPr sz="1000" b="0" i="0" u="none" strike="noStrike" kern="1200" baseline="0">
+                  <a:solidFill>
+                    <a:schemeClr val="tx1">
+                      <a:lumMod val="65000"/>
+                      <a:lumOff val="35000"/>
+                    </a:schemeClr>
+                  </a:solidFill>
+                  <a:latin typeface="+mn-lt"/>
+                  <a:ea typeface="+mn-ea"/>
+                  <a:cs typeface="+mn-cs"/>
+                </a:defRPr>
+              </a:pPr>
+              <a:endParaRPr lang="it-IT"/>
+            </a:p>
+          </c:txPr>
+        </c:title>
+        <c:numFmt formatCode="General" sourceLinked="1"/>
+        <c:majorTickMark val="none"/>
+        <c:minorTickMark val="none"/>
+        <c:tickLblPos val="nextTo"/>
+        <c:spPr>
+          <a:noFill/>
+          <a:ln w="9525" cap="flat" cmpd="sng" algn="ctr">
+            <a:solidFill>
+              <a:schemeClr val="tx1">
+                <a:lumMod val="15000"/>
+                <a:lumOff val="85000"/>
+              </a:schemeClr>
+            </a:solidFill>
+            <a:round/>
+          </a:ln>
+          <a:effectLst/>
+        </c:spPr>
+        <c:txPr>
+          <a:bodyPr rot="-60000000" spcFirstLastPara="1" vertOverflow="ellipsis" vert="horz" wrap="square" anchor="ctr" anchorCtr="1"/>
+          <a:lstStyle/>
+          <a:p>
+            <a:pPr>
+              <a:defRPr sz="900" b="0" i="0" u="none" strike="noStrike" kern="1200" baseline="0">
+                <a:solidFill>
+                  <a:schemeClr val="tx1">
+                    <a:lumMod val="65000"/>
+                    <a:lumOff val="35000"/>
+                  </a:schemeClr>
+                </a:solidFill>
+                <a:latin typeface="+mn-lt"/>
+                <a:ea typeface="+mn-ea"/>
+                <a:cs typeface="+mn-cs"/>
+              </a:defRPr>
+            </a:pPr>
+            <a:endParaRPr lang="it-IT"/>
+          </a:p>
+        </c:txPr>
+        <c:crossAx val="443020696"/>
+        <c:crosses val="autoZero"/>
+        <c:auto val="1"/>
+        <c:lblAlgn val="ctr"/>
+        <c:lblOffset val="100"/>
+        <c:noMultiLvlLbl val="0"/>
+      </c:catAx>
+      <c:valAx>
+        <c:axId val="443020696"/>
+        <c:scaling>
+          <c:orientation val="minMax"/>
+        </c:scaling>
+        <c:delete val="0"/>
+        <c:axPos val="l"/>
+        <c:majorGridlines>
+          <c:spPr>
+            <a:ln w="9525" cap="flat" cmpd="sng" algn="ctr">
+              <a:solidFill>
+                <a:schemeClr val="tx1">
+                  <a:lumMod val="15000"/>
+                  <a:lumOff val="85000"/>
+                </a:schemeClr>
+              </a:solidFill>
+              <a:round/>
+            </a:ln>
+            <a:effectLst/>
+          </c:spPr>
+        </c:majorGridlines>
+        <c:title>
+          <c:tx>
+            <c:rich>
+              <a:bodyPr rot="-5400000" spcFirstLastPara="1" vertOverflow="ellipsis" vert="horz" wrap="square" anchor="ctr" anchorCtr="1"/>
+              <a:lstStyle/>
+              <a:p>
+                <a:pPr>
+                  <a:defRPr sz="1000" b="0" i="0" u="none" strike="noStrike" kern="1200" baseline="0">
+                    <a:solidFill>
+                      <a:schemeClr val="tx1">
+                        <a:lumMod val="65000"/>
+                        <a:lumOff val="35000"/>
+                      </a:schemeClr>
+                    </a:solidFill>
+                    <a:latin typeface="+mn-lt"/>
+                    <a:ea typeface="+mn-ea"/>
+                    <a:cs typeface="+mn-cs"/>
+                  </a:defRPr>
+                </a:pPr>
+                <a:r>
+                  <a:rPr lang="it-IT"/>
+                  <a:t>LOST DATAGRAMS (%)</a:t>
+                </a:r>
+              </a:p>
+            </c:rich>
+          </c:tx>
+          <c:overlay val="0"/>
+          <c:spPr>
+            <a:noFill/>
+            <a:ln>
+              <a:noFill/>
+            </a:ln>
+            <a:effectLst/>
+          </c:spPr>
+          <c:txPr>
+            <a:bodyPr rot="-5400000" spcFirstLastPara="1" vertOverflow="ellipsis" vert="horz" wrap="square" anchor="ctr" anchorCtr="1"/>
+            <a:lstStyle/>
+            <a:p>
+              <a:pPr>
+                <a:defRPr sz="1000" b="0" i="0" u="none" strike="noStrike" kern="1200" baseline="0">
+                  <a:solidFill>
+                    <a:schemeClr val="tx1">
+                      <a:lumMod val="65000"/>
+                      <a:lumOff val="35000"/>
+                    </a:schemeClr>
+                  </a:solidFill>
+                  <a:latin typeface="+mn-lt"/>
+                  <a:ea typeface="+mn-ea"/>
+                  <a:cs typeface="+mn-cs"/>
+                </a:defRPr>
+              </a:pPr>
+              <a:endParaRPr lang="it-IT"/>
+            </a:p>
+          </c:txPr>
+        </c:title>
+        <c:numFmt formatCode="General" sourceLinked="1"/>
+        <c:majorTickMark val="none"/>
+        <c:minorTickMark val="none"/>
+        <c:tickLblPos val="nextTo"/>
+        <c:spPr>
+          <a:noFill/>
+          <a:ln>
+            <a:noFill/>
+          </a:ln>
+          <a:effectLst/>
+        </c:spPr>
+        <c:txPr>
+          <a:bodyPr rot="-60000000" spcFirstLastPara="1" vertOverflow="ellipsis" vert="horz" wrap="square" anchor="ctr" anchorCtr="1"/>
+          <a:lstStyle/>
+          <a:p>
+            <a:pPr>
+              <a:defRPr sz="900" b="0" i="0" u="none" strike="noStrike" kern="1200" baseline="0">
+                <a:solidFill>
+                  <a:schemeClr val="tx1">
+                    <a:lumMod val="65000"/>
+                    <a:lumOff val="35000"/>
+                  </a:schemeClr>
+                </a:solidFill>
+                <a:latin typeface="+mn-lt"/>
+                <a:ea typeface="+mn-ea"/>
+                <a:cs typeface="+mn-cs"/>
+              </a:defRPr>
+            </a:pPr>
+            <a:endParaRPr lang="it-IT"/>
+          </a:p>
+        </c:txPr>
+        <c:crossAx val="443020040"/>
+        <c:crosses val="autoZero"/>
+        <c:crossBetween val="between"/>
+      </c:valAx>
+      <c:spPr>
+        <a:noFill/>
+        <a:ln>
+          <a:noFill/>
+        </a:ln>
+        <a:effectLst/>
+      </c:spPr>
+    </c:plotArea>
+    <c:legend>
+      <c:legendPos val="b"/>
+      <c:overlay val="0"/>
+      <c:spPr>
+        <a:noFill/>
+        <a:ln>
+          <a:noFill/>
+        </a:ln>
+        <a:effectLst/>
+      </c:spPr>
+      <c:txPr>
+        <a:bodyPr rot="0" spcFirstLastPara="1" vertOverflow="ellipsis" vert="horz" wrap="square" anchor="ctr" anchorCtr="1"/>
+        <a:lstStyle/>
+        <a:p>
+          <a:pPr>
+            <a:defRPr sz="900" b="0" i="0" u="none" strike="noStrike" kern="1200" baseline="0">
+              <a:solidFill>
+                <a:schemeClr val="tx1">
+                  <a:lumMod val="65000"/>
+                  <a:lumOff val="35000"/>
+                </a:schemeClr>
+              </a:solidFill>
+              <a:latin typeface="+mn-lt"/>
+              <a:ea typeface="+mn-ea"/>
+              <a:cs typeface="+mn-cs"/>
+            </a:defRPr>
+          </a:pPr>
+          <a:endParaRPr lang="it-IT"/>
+        </a:p>
+      </c:txPr>
+    </c:legend>
+    <c:plotVisOnly val="1"/>
+    <c:dispBlanksAs val="gap"/>
+    <c:extLst>
+      <c:ext xmlns:c16r3="http://schemas.microsoft.com/office/drawing/2017/03/chart" uri="{56B9EC1D-385E-4148-901F-78D8002777C0}">
+        <c16r3:dataDisplayOptions16>
+          <c16r3:dispNaAsBlank val="1"/>
+        </c16r3:dataDisplayOptions16>
+      </c:ext>
+    </c:extLst>
     <c:showDLblsOverMax val="0"/>
   </c:chart>
   <c:spPr>
@@ -2075,6 +2717,46 @@
 </cs:colorStyle>
 </file>
 
+<file path=ppt/charts/colors5.xml><?xml version="1.0" encoding="utf-8"?>
+<cs:colorStyle xmlns:cs="http://schemas.microsoft.com/office/drawing/2012/chartStyle" xmlns:a="http://schemas.openxmlformats.org/drawingml/2006/main" meth="cycle" id="10">
+  <a:schemeClr val="accent1"/>
+  <a:schemeClr val="accent2"/>
+  <a:schemeClr val="accent3"/>
+  <a:schemeClr val="accent4"/>
+  <a:schemeClr val="accent5"/>
+  <a:schemeClr val="accent6"/>
+  <cs:variation/>
+  <cs:variation>
+    <a:lumMod val="60000"/>
+  </cs:variation>
+  <cs:variation>
+    <a:lumMod val="80000"/>
+    <a:lumOff val="20000"/>
+  </cs:variation>
+  <cs:variation>
+    <a:lumMod val="80000"/>
+  </cs:variation>
+  <cs:variation>
+    <a:lumMod val="60000"/>
+    <a:lumOff val="40000"/>
+  </cs:variation>
+  <cs:variation>
+    <a:lumMod val="50000"/>
+  </cs:variation>
+  <cs:variation>
+    <a:lumMod val="70000"/>
+    <a:lumOff val="30000"/>
+  </cs:variation>
+  <cs:variation>
+    <a:lumMod val="70000"/>
+  </cs:variation>
+  <cs:variation>
+    <a:lumMod val="50000"/>
+    <a:lumOff val="50000"/>
+  </cs:variation>
+</cs:colorStyle>
+</file>
+
 <file path=ppt/charts/style1.xml><?xml version="1.0" encoding="utf-8"?>
 <cs:chartStyle xmlns:cs="http://schemas.microsoft.com/office/drawing/2012/chartStyle" xmlns:a="http://schemas.openxmlformats.org/drawingml/2006/main" id="201">
   <cs:axisTitle>
@@ -3586,6 +4268,509 @@
 
 <file path=ppt/charts/style4.xml><?xml version="1.0" encoding="utf-8"?>
 <cs:chartStyle xmlns:cs="http://schemas.microsoft.com/office/drawing/2012/chartStyle" xmlns:a="http://schemas.openxmlformats.org/drawingml/2006/main" id="201">
+  <cs:axisTitle>
+    <cs:lnRef idx="0"/>
+    <cs:fillRef idx="0"/>
+    <cs:effectRef idx="0"/>
+    <cs:fontRef idx="minor">
+      <a:schemeClr val="tx1">
+        <a:lumMod val="65000"/>
+        <a:lumOff val="35000"/>
+      </a:schemeClr>
+    </cs:fontRef>
+    <cs:defRPr sz="1000" kern="1200"/>
+  </cs:axisTitle>
+  <cs:categoryAxis>
+    <cs:lnRef idx="0"/>
+    <cs:fillRef idx="0"/>
+    <cs:effectRef idx="0"/>
+    <cs:fontRef idx="minor">
+      <a:schemeClr val="tx1">
+        <a:lumMod val="65000"/>
+        <a:lumOff val="35000"/>
+      </a:schemeClr>
+    </cs:fontRef>
+    <cs:spPr>
+      <a:ln w="9525" cap="flat" cmpd="sng" algn="ctr">
+        <a:solidFill>
+          <a:schemeClr val="tx1">
+            <a:lumMod val="15000"/>
+            <a:lumOff val="85000"/>
+          </a:schemeClr>
+        </a:solidFill>
+        <a:round/>
+      </a:ln>
+    </cs:spPr>
+    <cs:defRPr sz="900" kern="1200"/>
+  </cs:categoryAxis>
+  <cs:chartArea mods="allowNoFillOverride allowNoLineOverride">
+    <cs:lnRef idx="0"/>
+    <cs:fillRef idx="0"/>
+    <cs:effectRef idx="0"/>
+    <cs:fontRef idx="minor">
+      <a:schemeClr val="tx1"/>
+    </cs:fontRef>
+    <cs:spPr>
+      <a:solidFill>
+        <a:schemeClr val="bg1"/>
+      </a:solidFill>
+      <a:ln w="9525" cap="flat" cmpd="sng" algn="ctr">
+        <a:solidFill>
+          <a:schemeClr val="tx1">
+            <a:lumMod val="15000"/>
+            <a:lumOff val="85000"/>
+          </a:schemeClr>
+        </a:solidFill>
+        <a:round/>
+      </a:ln>
+    </cs:spPr>
+    <cs:defRPr sz="1000" kern="1200"/>
+  </cs:chartArea>
+  <cs:dataLabel>
+    <cs:lnRef idx="0"/>
+    <cs:fillRef idx="0"/>
+    <cs:effectRef idx="0"/>
+    <cs:fontRef idx="minor">
+      <a:schemeClr val="tx1">
+        <a:lumMod val="75000"/>
+        <a:lumOff val="25000"/>
+      </a:schemeClr>
+    </cs:fontRef>
+    <cs:defRPr sz="900" kern="1200"/>
+  </cs:dataLabel>
+  <cs:dataLabelCallout>
+    <cs:lnRef idx="0"/>
+    <cs:fillRef idx="0"/>
+    <cs:effectRef idx="0"/>
+    <cs:fontRef idx="minor">
+      <a:schemeClr val="dk1">
+        <a:lumMod val="65000"/>
+        <a:lumOff val="35000"/>
+      </a:schemeClr>
+    </cs:fontRef>
+    <cs:spPr>
+      <a:solidFill>
+        <a:schemeClr val="lt1"/>
+      </a:solidFill>
+      <a:ln>
+        <a:solidFill>
+          <a:schemeClr val="dk1">
+            <a:lumMod val="25000"/>
+            <a:lumOff val="75000"/>
+          </a:schemeClr>
+        </a:solidFill>
+      </a:ln>
+    </cs:spPr>
+    <cs:defRPr sz="900" kern="1200"/>
+    <cs:bodyPr rot="0" spcFirstLastPara="1" vertOverflow="clip" horzOverflow="clip" vert="horz" wrap="square" lIns="36576" tIns="18288" rIns="36576" bIns="18288" anchor="ctr" anchorCtr="1">
+      <a:spAutoFit/>
+    </cs:bodyPr>
+  </cs:dataLabelCallout>
+  <cs:dataPoint>
+    <cs:lnRef idx="0"/>
+    <cs:fillRef idx="1">
+      <cs:styleClr val="auto"/>
+    </cs:fillRef>
+    <cs:effectRef idx="0"/>
+    <cs:fontRef idx="minor">
+      <a:schemeClr val="tx1"/>
+    </cs:fontRef>
+  </cs:dataPoint>
+  <cs:dataPoint3D>
+    <cs:lnRef idx="0"/>
+    <cs:fillRef idx="1">
+      <cs:styleClr val="auto"/>
+    </cs:fillRef>
+    <cs:effectRef idx="0"/>
+    <cs:fontRef idx="minor">
+      <a:schemeClr val="tx1"/>
+    </cs:fontRef>
+  </cs:dataPoint3D>
+  <cs:dataPointLine>
+    <cs:lnRef idx="0">
+      <cs:styleClr val="auto"/>
+    </cs:lnRef>
+    <cs:fillRef idx="1"/>
+    <cs:effectRef idx="0"/>
+    <cs:fontRef idx="minor">
+      <a:schemeClr val="tx1"/>
+    </cs:fontRef>
+    <cs:spPr>
+      <a:ln w="28575" cap="rnd">
+        <a:solidFill>
+          <a:schemeClr val="phClr"/>
+        </a:solidFill>
+        <a:round/>
+      </a:ln>
+    </cs:spPr>
+  </cs:dataPointLine>
+  <cs:dataPointMarker>
+    <cs:lnRef idx="0">
+      <cs:styleClr val="auto"/>
+    </cs:lnRef>
+    <cs:fillRef idx="1">
+      <cs:styleClr val="auto"/>
+    </cs:fillRef>
+    <cs:effectRef idx="0"/>
+    <cs:fontRef idx="minor">
+      <a:schemeClr val="tx1"/>
+    </cs:fontRef>
+    <cs:spPr>
+      <a:ln w="9525">
+        <a:solidFill>
+          <a:schemeClr val="phClr"/>
+        </a:solidFill>
+      </a:ln>
+    </cs:spPr>
+  </cs:dataPointMarker>
+  <cs:dataPointMarkerLayout symbol="circle" size="5"/>
+  <cs:dataPointWireframe>
+    <cs:lnRef idx="0">
+      <cs:styleClr val="auto"/>
+    </cs:lnRef>
+    <cs:fillRef idx="1"/>
+    <cs:effectRef idx="0"/>
+    <cs:fontRef idx="minor">
+      <a:schemeClr val="tx1"/>
+    </cs:fontRef>
+    <cs:spPr>
+      <a:ln w="9525" cap="rnd">
+        <a:solidFill>
+          <a:schemeClr val="phClr"/>
+        </a:solidFill>
+        <a:round/>
+      </a:ln>
+    </cs:spPr>
+  </cs:dataPointWireframe>
+  <cs:dataTable>
+    <cs:lnRef idx="0"/>
+    <cs:fillRef idx="0"/>
+    <cs:effectRef idx="0"/>
+    <cs:fontRef idx="minor">
+      <a:schemeClr val="tx1">
+        <a:lumMod val="65000"/>
+        <a:lumOff val="35000"/>
+      </a:schemeClr>
+    </cs:fontRef>
+    <cs:spPr>
+      <a:noFill/>
+      <a:ln w="9525" cap="flat" cmpd="sng" algn="ctr">
+        <a:solidFill>
+          <a:schemeClr val="tx1">
+            <a:lumMod val="15000"/>
+            <a:lumOff val="85000"/>
+          </a:schemeClr>
+        </a:solidFill>
+        <a:round/>
+      </a:ln>
+    </cs:spPr>
+    <cs:defRPr sz="900" kern="1200"/>
+  </cs:dataTable>
+  <cs:downBar>
+    <cs:lnRef idx="0"/>
+    <cs:fillRef idx="0"/>
+    <cs:effectRef idx="0"/>
+    <cs:fontRef idx="minor">
+      <a:schemeClr val="dk1"/>
+    </cs:fontRef>
+    <cs:spPr>
+      <a:solidFill>
+        <a:schemeClr val="dk1">
+          <a:lumMod val="65000"/>
+          <a:lumOff val="35000"/>
+        </a:schemeClr>
+      </a:solidFill>
+      <a:ln w="9525">
+        <a:solidFill>
+          <a:schemeClr val="tx1">
+            <a:lumMod val="65000"/>
+            <a:lumOff val="35000"/>
+          </a:schemeClr>
+        </a:solidFill>
+      </a:ln>
+    </cs:spPr>
+  </cs:downBar>
+  <cs:dropLine>
+    <cs:lnRef idx="0"/>
+    <cs:fillRef idx="0"/>
+    <cs:effectRef idx="0"/>
+    <cs:fontRef idx="minor">
+      <a:schemeClr val="tx1"/>
+    </cs:fontRef>
+    <cs:spPr>
+      <a:ln w="9525" cap="flat" cmpd="sng" algn="ctr">
+        <a:solidFill>
+          <a:schemeClr val="tx1">
+            <a:lumMod val="35000"/>
+            <a:lumOff val="65000"/>
+          </a:schemeClr>
+        </a:solidFill>
+        <a:round/>
+      </a:ln>
+    </cs:spPr>
+  </cs:dropLine>
+  <cs:errorBar>
+    <cs:lnRef idx="0"/>
+    <cs:fillRef idx="0"/>
+    <cs:effectRef idx="0"/>
+    <cs:fontRef idx="minor">
+      <a:schemeClr val="tx1"/>
+    </cs:fontRef>
+    <cs:spPr>
+      <a:ln w="9525" cap="flat" cmpd="sng" algn="ctr">
+        <a:solidFill>
+          <a:schemeClr val="tx1">
+            <a:lumMod val="65000"/>
+            <a:lumOff val="35000"/>
+          </a:schemeClr>
+        </a:solidFill>
+        <a:round/>
+      </a:ln>
+    </cs:spPr>
+  </cs:errorBar>
+  <cs:floor>
+    <cs:lnRef idx="0"/>
+    <cs:fillRef idx="0"/>
+    <cs:effectRef idx="0"/>
+    <cs:fontRef idx="minor">
+      <a:schemeClr val="tx1"/>
+    </cs:fontRef>
+    <cs:spPr>
+      <a:noFill/>
+      <a:ln>
+        <a:noFill/>
+      </a:ln>
+    </cs:spPr>
+  </cs:floor>
+  <cs:gridlineMajor>
+    <cs:lnRef idx="0"/>
+    <cs:fillRef idx="0"/>
+    <cs:effectRef idx="0"/>
+    <cs:fontRef idx="minor">
+      <a:schemeClr val="tx1"/>
+    </cs:fontRef>
+    <cs:spPr>
+      <a:ln w="9525" cap="flat" cmpd="sng" algn="ctr">
+        <a:solidFill>
+          <a:schemeClr val="tx1">
+            <a:lumMod val="15000"/>
+            <a:lumOff val="85000"/>
+          </a:schemeClr>
+        </a:solidFill>
+        <a:round/>
+      </a:ln>
+    </cs:spPr>
+  </cs:gridlineMajor>
+  <cs:gridlineMinor>
+    <cs:lnRef idx="0"/>
+    <cs:fillRef idx="0"/>
+    <cs:effectRef idx="0"/>
+    <cs:fontRef idx="minor">
+      <a:schemeClr val="tx1"/>
+    </cs:fontRef>
+    <cs:spPr>
+      <a:ln w="9525" cap="flat" cmpd="sng" algn="ctr">
+        <a:solidFill>
+          <a:schemeClr val="tx1">
+            <a:lumMod val="5000"/>
+            <a:lumOff val="95000"/>
+          </a:schemeClr>
+        </a:solidFill>
+        <a:round/>
+      </a:ln>
+    </cs:spPr>
+  </cs:gridlineMinor>
+  <cs:hiLoLine>
+    <cs:lnRef idx="0"/>
+    <cs:fillRef idx="0"/>
+    <cs:effectRef idx="0"/>
+    <cs:fontRef idx="minor">
+      <a:schemeClr val="tx1"/>
+    </cs:fontRef>
+    <cs:spPr>
+      <a:ln w="9525" cap="flat" cmpd="sng" algn="ctr">
+        <a:solidFill>
+          <a:schemeClr val="tx1">
+            <a:lumMod val="75000"/>
+            <a:lumOff val="25000"/>
+          </a:schemeClr>
+        </a:solidFill>
+        <a:round/>
+      </a:ln>
+    </cs:spPr>
+  </cs:hiLoLine>
+  <cs:leaderLine>
+    <cs:lnRef idx="0"/>
+    <cs:fillRef idx="0"/>
+    <cs:effectRef idx="0"/>
+    <cs:fontRef idx="minor">
+      <a:schemeClr val="tx1"/>
+    </cs:fontRef>
+    <cs:spPr>
+      <a:ln w="9525" cap="flat" cmpd="sng" algn="ctr">
+        <a:solidFill>
+          <a:schemeClr val="tx1">
+            <a:lumMod val="35000"/>
+            <a:lumOff val="65000"/>
+          </a:schemeClr>
+        </a:solidFill>
+        <a:round/>
+      </a:ln>
+    </cs:spPr>
+  </cs:leaderLine>
+  <cs:legend>
+    <cs:lnRef idx="0"/>
+    <cs:fillRef idx="0"/>
+    <cs:effectRef idx="0"/>
+    <cs:fontRef idx="minor">
+      <a:schemeClr val="tx1">
+        <a:lumMod val="65000"/>
+        <a:lumOff val="35000"/>
+      </a:schemeClr>
+    </cs:fontRef>
+    <cs:defRPr sz="900" kern="1200"/>
+  </cs:legend>
+  <cs:plotArea mods="allowNoFillOverride allowNoLineOverride">
+    <cs:lnRef idx="0"/>
+    <cs:fillRef idx="0"/>
+    <cs:effectRef idx="0"/>
+    <cs:fontRef idx="minor">
+      <a:schemeClr val="tx1"/>
+    </cs:fontRef>
+  </cs:plotArea>
+  <cs:plotArea3D mods="allowNoFillOverride allowNoLineOverride">
+    <cs:lnRef idx="0"/>
+    <cs:fillRef idx="0"/>
+    <cs:effectRef idx="0"/>
+    <cs:fontRef idx="minor">
+      <a:schemeClr val="tx1"/>
+    </cs:fontRef>
+  </cs:plotArea3D>
+  <cs:seriesAxis>
+    <cs:lnRef idx="0"/>
+    <cs:fillRef idx="0"/>
+    <cs:effectRef idx="0"/>
+    <cs:fontRef idx="minor">
+      <a:schemeClr val="tx1">
+        <a:lumMod val="65000"/>
+        <a:lumOff val="35000"/>
+      </a:schemeClr>
+    </cs:fontRef>
+    <cs:defRPr sz="900" kern="1200"/>
+  </cs:seriesAxis>
+  <cs:seriesLine>
+    <cs:lnRef idx="0"/>
+    <cs:fillRef idx="0"/>
+    <cs:effectRef idx="0"/>
+    <cs:fontRef idx="minor">
+      <a:schemeClr val="tx1"/>
+    </cs:fontRef>
+    <cs:spPr>
+      <a:ln w="9525" cap="flat" cmpd="sng" algn="ctr">
+        <a:solidFill>
+          <a:schemeClr val="tx1">
+            <a:lumMod val="35000"/>
+            <a:lumOff val="65000"/>
+          </a:schemeClr>
+        </a:solidFill>
+        <a:round/>
+      </a:ln>
+    </cs:spPr>
+  </cs:seriesLine>
+  <cs:title>
+    <cs:lnRef idx="0"/>
+    <cs:fillRef idx="0"/>
+    <cs:effectRef idx="0"/>
+    <cs:fontRef idx="minor">
+      <a:schemeClr val="tx1">
+        <a:lumMod val="65000"/>
+        <a:lumOff val="35000"/>
+      </a:schemeClr>
+    </cs:fontRef>
+    <cs:defRPr sz="1400" b="0" kern="1200" spc="0" baseline="0"/>
+  </cs:title>
+  <cs:trendline>
+    <cs:lnRef idx="0">
+      <cs:styleClr val="auto"/>
+    </cs:lnRef>
+    <cs:fillRef idx="0"/>
+    <cs:effectRef idx="0"/>
+    <cs:fontRef idx="minor">
+      <a:schemeClr val="tx1"/>
+    </cs:fontRef>
+    <cs:spPr>
+      <a:ln w="19050" cap="rnd">
+        <a:solidFill>
+          <a:schemeClr val="phClr"/>
+        </a:solidFill>
+        <a:prstDash val="sysDot"/>
+      </a:ln>
+    </cs:spPr>
+  </cs:trendline>
+  <cs:trendlineLabel>
+    <cs:lnRef idx="0"/>
+    <cs:fillRef idx="0"/>
+    <cs:effectRef idx="0"/>
+    <cs:fontRef idx="minor">
+      <a:schemeClr val="tx1">
+        <a:lumMod val="65000"/>
+        <a:lumOff val="35000"/>
+      </a:schemeClr>
+    </cs:fontRef>
+    <cs:defRPr sz="900" kern="1200"/>
+  </cs:trendlineLabel>
+  <cs:upBar>
+    <cs:lnRef idx="0"/>
+    <cs:fillRef idx="0"/>
+    <cs:effectRef idx="0"/>
+    <cs:fontRef idx="minor">
+      <a:schemeClr val="dk1"/>
+    </cs:fontRef>
+    <cs:spPr>
+      <a:solidFill>
+        <a:schemeClr val="lt1"/>
+      </a:solidFill>
+      <a:ln w="9525">
+        <a:solidFill>
+          <a:schemeClr val="tx1">
+            <a:lumMod val="15000"/>
+            <a:lumOff val="85000"/>
+          </a:schemeClr>
+        </a:solidFill>
+      </a:ln>
+    </cs:spPr>
+  </cs:upBar>
+  <cs:valueAxis>
+    <cs:lnRef idx="0"/>
+    <cs:fillRef idx="0"/>
+    <cs:effectRef idx="0"/>
+    <cs:fontRef idx="minor">
+      <a:schemeClr val="tx1">
+        <a:lumMod val="65000"/>
+        <a:lumOff val="35000"/>
+      </a:schemeClr>
+    </cs:fontRef>
+    <cs:defRPr sz="900" kern="1200"/>
+  </cs:valueAxis>
+  <cs:wall>
+    <cs:lnRef idx="0"/>
+    <cs:fillRef idx="0"/>
+    <cs:effectRef idx="0"/>
+    <cs:fontRef idx="minor">
+      <a:schemeClr val="tx1"/>
+    </cs:fontRef>
+    <cs:spPr>
+      <a:noFill/>
+      <a:ln>
+        <a:noFill/>
+      </a:ln>
+    </cs:spPr>
+  </cs:wall>
+</cs:chartStyle>
+</file>
+
+<file path=ppt/charts/style5.xml><?xml version="1.0" encoding="utf-8"?>
+<cs:chartStyle xmlns:cs="http://schemas.microsoft.com/office/drawing/2012/chartStyle" xmlns:a="http://schemas.openxmlformats.org/drawingml/2006/main" id="332">
   <cs:axisTitle>
     <cs:lnRef idx="0"/>
     <cs:fillRef idx="0"/>
@@ -4169,7 +5354,7 @@
           <a:p>
             <a:fld id="{7821C63B-7147-40DC-9DD1-A22900D398CA}" type="datetimeFigureOut">
               <a:rPr lang="it-IT" smtClean="0"/>
-              <a:t>03/09/2019</a:t>
+              <a:t>04/09/2019</a:t>
             </a:fld>
             <a:endParaRPr lang="it-IT"/>
           </a:p>
@@ -6147,7 +7332,7 @@
         </p:nvSpPr>
         <p:spPr>
           <a:xfrm>
-            <a:off x="281354" y="5261317"/>
+            <a:off x="253218" y="4690724"/>
             <a:ext cx="8637563" cy="1200329"/>
           </a:xfrm>
           <a:prstGeom prst="rect">
@@ -6161,7 +7346,7 @@
           </a:bodyPr>
           <a:lstStyle/>
           <a:p>
-            <a:pPr marL="285750" indent="-285750">
+            <a:pPr marL="342900" indent="-342900" algn="just">
               <a:buFont typeface="Arial" panose="020B0604020202020204" pitchFamily="34" charset="0"/>
               <a:buChar char="•"/>
             </a:pPr>
@@ -6514,7 +7699,7 @@
             </a:r>
             <a:r>
               <a:rPr lang="it-IT" dirty="0"/>
-              <a:t>: Rules </a:t>
+              <a:t>: rules </a:t>
             </a:r>
             <a:r>
               <a:rPr lang="it-IT" dirty="0" err="1"/>
@@ -6836,7 +8021,15 @@
           <a:p>
             <a:r>
               <a:rPr lang="it-IT" dirty="0" err="1"/>
-              <a:t>Packet</a:t>
+              <a:t>Statitics</a:t>
+            </a:r>
+            <a:r>
+              <a:rPr lang="it-IT" dirty="0"/>
+              <a:t>: </a:t>
+            </a:r>
+            <a:r>
+              <a:rPr lang="it-IT" dirty="0" err="1"/>
+              <a:t>packet</a:t>
             </a:r>
             <a:r>
               <a:rPr lang="it-IT" dirty="0"/>
@@ -6874,31 +8067,36 @@
           </a:p>
         </p:txBody>
       </p:sp>
-      <p:sp>
-        <p:nvSpPr>
-          <p:cNvPr id="4" name="Segnaposto contenuto 3">
+      <p:graphicFrame>
+        <p:nvGraphicFramePr>
+          <p:cNvPr id="5" name="Grafico 4">
             <a:extLst>
               <a:ext uri="{FF2B5EF4-FFF2-40B4-BE49-F238E27FC236}">
-                <a16:creationId xmlns:a16="http://schemas.microsoft.com/office/drawing/2014/main" id="{A3981FC5-74F6-413C-B0D4-AD1F0B5EBBD8}"/>
+                <a16:creationId xmlns:a16="http://schemas.microsoft.com/office/drawing/2014/main" id="{C4DA6524-B32E-4E34-88E6-F46426983030}"/>
               </a:ext>
             </a:extLst>
           </p:cNvPr>
-          <p:cNvSpPr>
-            <a:spLocks noGrp="1"/>
-          </p:cNvSpPr>
+          <p:cNvGraphicFramePr>
+            <a:graphicFrameLocks/>
+          </p:cNvGraphicFramePr>
           <p:nvPr>
-            <p:ph idx="1"/>
+            <p:extLst>
+              <p:ext uri="{D42A27DB-BD31-4B8C-83A1-F6EECF244321}">
+                <p14:modId xmlns:p14="http://schemas.microsoft.com/office/powerpoint/2010/main" val="3450333742"/>
+              </p:ext>
+            </p:extLst>
           </p:nvPr>
-        </p:nvSpPr>
-        <p:spPr/>
-        <p:txBody>
-          <a:bodyPr/>
-          <a:lstStyle/>
-          <a:p>
-            <a:endParaRPr lang="it-IT"/>
-          </a:p>
-        </p:txBody>
-      </p:sp>
+        </p:nvGraphicFramePr>
+        <p:xfrm>
+          <a:off x="989412" y="1232680"/>
+          <a:ext cx="7165175" cy="4689817"/>
+        </p:xfrm>
+        <a:graphic>
+          <a:graphicData uri="http://schemas.openxmlformats.org/drawingml/2006/chart">
+            <c:chart xmlns:c="http://schemas.openxmlformats.org/drawingml/2006/chart" xmlns:r="http://schemas.openxmlformats.org/officeDocument/2006/relationships" r:id="rId3"/>
+          </a:graphicData>
+        </a:graphic>
+      </p:graphicFrame>
     </p:spTree>
     <p:extLst>
       <p:ext uri="{BB962C8B-B14F-4D97-AF65-F5344CB8AC3E}">
@@ -6958,7 +8156,12 @@
             <p:ph idx="1"/>
           </p:nvPr>
         </p:nvSpPr>
-        <p:spPr/>
+        <p:spPr>
+          <a:xfrm>
+            <a:off x="1868805" y="2225923"/>
+            <a:ext cx="5406389" cy="2406153"/>
+          </a:xfrm>
+        </p:spPr>
         <p:txBody>
           <a:bodyPr>
             <a:normAutofit/>
@@ -6969,8 +8172,17 @@
               <a:buNone/>
             </a:pPr>
             <a:r>
-              <a:rPr lang="en-GB" sz="9600" dirty="0"/>
+              <a:rPr lang="en-GB" sz="9600" i="1" u="sng" dirty="0"/>
               <a:t>END</a:t>
+            </a:r>
+          </a:p>
+          <a:p>
+            <a:pPr marL="0" indent="0" algn="ctr">
+              <a:buNone/>
+            </a:pPr>
+            <a:r>
+              <a:rPr lang="en-GB" sz="3000" dirty="0"/>
+              <a:t>Do you have any questions?</a:t>
             </a:r>
           </a:p>
         </p:txBody>
@@ -7106,12 +8318,14 @@
           <a:bodyPr/>
           <a:lstStyle/>
           <a:p>
+            <a:pPr algn="just"/>
             <a:r>
               <a:rPr lang="en-GB" dirty="0"/>
               <a:t>Introduction</a:t>
             </a:r>
           </a:p>
           <a:p>
+            <a:pPr algn="just"/>
             <a:r>
               <a:rPr lang="it-IT" dirty="0"/>
               <a:t>MPLS connection setup</a:t>
@@ -7119,6 +8333,7 @@
             <a:endParaRPr lang="en-GB" dirty="0"/>
           </a:p>
           <a:p>
+            <a:pPr algn="just"/>
             <a:r>
               <a:rPr lang="it-IT" dirty="0" err="1"/>
               <a:t>Packet</a:t>
@@ -7138,6 +8353,7 @@
             <a:endParaRPr lang="en-GB" dirty="0"/>
           </a:p>
           <a:p>
+            <a:pPr algn="just"/>
             <a:r>
               <a:rPr lang="it-IT" dirty="0"/>
               <a:t>Rule </a:t>
@@ -7149,18 +8365,21 @@
             <a:endParaRPr lang="en-GB" dirty="0"/>
           </a:p>
           <a:p>
+            <a:pPr algn="just"/>
             <a:r>
               <a:rPr lang="en-GB" dirty="0"/>
               <a:t>Port Detection</a:t>
             </a:r>
           </a:p>
           <a:p>
+            <a:pPr algn="just"/>
             <a:r>
               <a:rPr lang="en-GB" dirty="0"/>
               <a:t>Link down/up</a:t>
             </a:r>
           </a:p>
           <a:p>
+            <a:pPr algn="just"/>
             <a:r>
               <a:rPr lang="it-IT" dirty="0" err="1"/>
               <a:t>Differences</a:t>
@@ -7179,6 +8398,7 @@
             </a:r>
           </a:p>
           <a:p>
+            <a:pPr algn="just"/>
             <a:r>
               <a:rPr lang="it-IT" dirty="0" err="1"/>
               <a:t>Statistics</a:t>
@@ -7289,7 +8509,7 @@
         </p:nvSpPr>
         <p:spPr>
           <a:xfrm>
-            <a:off x="628649" y="1290139"/>
+            <a:off x="628650" y="1253331"/>
             <a:ext cx="7886700" cy="4351338"/>
           </a:xfrm>
         </p:spPr>
@@ -7297,24 +8517,28 @@
           <a:bodyPr/>
           <a:lstStyle/>
           <a:p>
+            <a:pPr algn="just"/>
             <a:r>
               <a:rPr lang="en-US" dirty="0"/>
               <a:t>Starting from a multipath network with multiple disjoint paths from a source and a destination, a Ryu application has been implemented to set up a pair of MPLS link‐disjoint tunnels to connect the source with the destination.</a:t>
             </a:r>
           </a:p>
           <a:p>
+            <a:pPr algn="just"/>
             <a:r>
               <a:rPr lang="en-US" dirty="0"/>
               <a:t>One tunnel is the default path, the other is the back‐up path.</a:t>
             </a:r>
           </a:p>
           <a:p>
+            <a:pPr algn="just"/>
             <a:r>
               <a:rPr lang="en-US" dirty="0"/>
               <a:t>MPLS connection is based on source and destination MACs</a:t>
             </a:r>
           </a:p>
           <a:p>
+            <a:pPr algn="just"/>
             <a:r>
               <a:rPr lang="en-US" dirty="0"/>
               <a:t>The application is able to re‐route traffic on the back‐up path in case of a failure of a link of the default path and to restore the original ruleset when the default path returns to  a working state.</a:t>
@@ -7764,7 +8988,7 @@
         </p:nvSpPr>
         <p:spPr>
           <a:xfrm>
-            <a:off x="210207" y="4137001"/>
+            <a:off x="210207" y="4533149"/>
             <a:ext cx="8679976" cy="1200329"/>
           </a:xfrm>
           <a:prstGeom prst="rect">
@@ -7778,7 +9002,7 @@
           </a:bodyPr>
           <a:lstStyle/>
           <a:p>
-            <a:pPr marL="285750" indent="-285750">
+            <a:pPr marL="285750" indent="-285750" algn="just">
               <a:buFont typeface="Arial" panose="020B0604020202020204" pitchFamily="34" charset="0"/>
               <a:buChar char="•"/>
             </a:pPr>
@@ -7804,7 +9028,7 @@
             </a:r>
           </a:p>
           <a:p>
-            <a:pPr marL="285750" indent="-285750">
+            <a:pPr marL="285750" indent="-285750" algn="just">
               <a:buFont typeface="Arial" panose="020B0604020202020204" pitchFamily="34" charset="0"/>
               <a:buChar char="•"/>
             </a:pPr>
@@ -8032,8 +9256,8 @@
         </p:blipFill>
         <p:spPr>
           <a:xfrm>
-            <a:off x="2535522" y="723900"/>
-            <a:ext cx="3560478" cy="5860672"/>
+            <a:off x="2507387" y="764584"/>
+            <a:ext cx="3527653" cy="5806641"/>
           </a:xfrm>
         </p:spPr>
       </p:pic>
@@ -9613,7 +10837,7 @@
           </a:bodyPr>
           <a:lstStyle/>
           <a:p>
-            <a:pPr marL="342900" indent="-342900">
+            <a:pPr marL="342900" indent="-342900" algn="just">
               <a:buFont typeface="Arial" panose="020B0604020202020204" pitchFamily="34" charset="0"/>
               <a:buChar char="•"/>
             </a:pPr>
@@ -9667,7 +10891,7 @@
             </a:r>
           </a:p>
           <a:p>
-            <a:pPr marL="342900" indent="-342900">
+            <a:pPr marL="342900" indent="-342900" algn="just">
               <a:buFont typeface="Arial" panose="020B0604020202020204" pitchFamily="34" charset="0"/>
               <a:buChar char="•"/>
             </a:pPr>

--- a/template_project_exam__1_.pptx
+++ b/template_project_exam__1_.pptx
@@ -8021,7 +8021,7 @@
           <a:p>
             <a:r>
               <a:rPr lang="it-IT" dirty="0" err="1"/>
-              <a:t>Statitics</a:t>
+              <a:t>Statistics</a:t>
             </a:r>
             <a:r>
               <a:rPr lang="it-IT" dirty="0"/>
@@ -8368,7 +8368,7 @@
             <a:pPr algn="just"/>
             <a:r>
               <a:rPr lang="en-GB" dirty="0"/>
-              <a:t>Port Detection</a:t>
+              <a:t>Port detection</a:t>
             </a:r>
           </a:p>
           <a:p>
@@ -8389,7 +8389,7 @@
               <a:t> </a:t>
             </a:r>
             <a:r>
-              <a:rPr lang="it-IT" dirty="0" err="1"/>
+              <a:rPr lang="it-IT"/>
               <a:t>testbed-mininet</a:t>
             </a:r>
             <a:r>
@@ -9876,15 +9876,7 @@
             </a:r>
             <a:r>
               <a:rPr lang="it-IT" sz="1400" dirty="0"/>
-              <a:t>(label=1) </a:t>
-            </a:r>
-            <a:r>
-              <a:rPr lang="it-IT" sz="1400" dirty="0" err="1"/>
-              <a:t>outport</a:t>
-            </a:r>
-            <a:r>
-              <a:rPr lang="it-IT" sz="1400" dirty="0"/>
-              <a:t> 2,</a:t>
+              <a:t>(label=1) out port 2,</a:t>
             </a:r>
             <a:br>
               <a:rPr lang="it-IT" sz="1400" dirty="0"/>
@@ -9905,15 +9897,7 @@
             </a:r>
             <a:r>
               <a:rPr lang="it-IT" sz="1400" dirty="0"/>
-              <a:t> (label=2) </a:t>
-            </a:r>
-            <a:r>
-              <a:rPr lang="it-IT" sz="1400" dirty="0" err="1"/>
-              <a:t>outport</a:t>
-            </a:r>
-            <a:r>
-              <a:rPr lang="it-IT" sz="1400" dirty="0"/>
-              <a:t> 3,</a:t>
+              <a:t> (label=2) out port 3,</a:t>
             </a:r>
             <a:br>
               <a:rPr lang="it-IT" sz="1400" dirty="0"/>
@@ -9934,15 +9918,7 @@
             </a:r>
             <a:r>
               <a:rPr lang="it-IT" sz="1400" dirty="0"/>
-              <a:t>(label=1) </a:t>
-            </a:r>
-            <a:r>
-              <a:rPr lang="it-IT" sz="1400" dirty="0" err="1"/>
-              <a:t>outport</a:t>
-            </a:r>
-            <a:r>
-              <a:rPr lang="it-IT" sz="1400" dirty="0"/>
-              <a:t> 1, </a:t>
+              <a:t>(label=1) out port 1, </a:t>
             </a:r>
             <a:r>
               <a:rPr lang="it-IT" sz="1400" dirty="0" err="1"/>
@@ -9961,15 +9937,7 @@
             </a:r>
             <a:r>
               <a:rPr lang="it-IT" sz="1400" dirty="0"/>
-              <a:t> (label=2) </a:t>
-            </a:r>
-            <a:r>
-              <a:rPr lang="it-IT" sz="1400" dirty="0" err="1"/>
-              <a:t>outport</a:t>
-            </a:r>
-            <a:r>
-              <a:rPr lang="it-IT" sz="1400" dirty="0"/>
-              <a:t> 1, </a:t>
+              <a:t> (label=2) out port 1, </a:t>
             </a:r>
             <a:r>
               <a:rPr lang="it-IT" sz="1400" dirty="0" err="1"/>
@@ -9997,7 +9965,7 @@
         <p:spPr>
           <a:xfrm>
             <a:off x="6540122" y="3815839"/>
-            <a:ext cx="2494916" cy="2031325"/>
+            <a:ext cx="2536736" cy="2031325"/>
           </a:xfrm>
           <a:prstGeom prst="rect">
             <a:avLst/>
@@ -10030,15 +9998,7 @@
             </a:r>
             <a:r>
               <a:rPr lang="it-IT" sz="1400" dirty="0"/>
-              <a:t>(label=1) </a:t>
-            </a:r>
-            <a:r>
-              <a:rPr lang="it-IT" sz="1400" dirty="0" err="1"/>
-              <a:t>outport</a:t>
-            </a:r>
-            <a:r>
-              <a:rPr lang="it-IT" sz="1400" dirty="0"/>
-              <a:t> 2,</a:t>
+              <a:t>(label=1) out port 2,</a:t>
             </a:r>
             <a:br>
               <a:rPr lang="it-IT" sz="1400" dirty="0"/>
@@ -10059,15 +10019,7 @@
             </a:r>
             <a:r>
               <a:rPr lang="it-IT" sz="1400" dirty="0"/>
-              <a:t> (label=2) </a:t>
-            </a:r>
-            <a:r>
-              <a:rPr lang="it-IT" sz="1400" dirty="0" err="1"/>
-              <a:t>outport</a:t>
-            </a:r>
-            <a:r>
-              <a:rPr lang="it-IT" sz="1400" dirty="0"/>
-              <a:t> 3,</a:t>
+              <a:t> (label=2) out port 3,</a:t>
             </a:r>
             <a:br>
               <a:rPr lang="it-IT" sz="1400" dirty="0"/>
@@ -10088,15 +10040,7 @@
             </a:r>
             <a:r>
               <a:rPr lang="it-IT" sz="1400" dirty="0"/>
-              <a:t>(label=1) </a:t>
-            </a:r>
-            <a:r>
-              <a:rPr lang="it-IT" sz="1400" dirty="0" err="1"/>
-              <a:t>outport</a:t>
-            </a:r>
-            <a:r>
-              <a:rPr lang="it-IT" sz="1400" dirty="0"/>
-              <a:t> 1, </a:t>
+              <a:t>(label=1) out port 1, </a:t>
             </a:r>
             <a:r>
               <a:rPr lang="it-IT" sz="1400" dirty="0" err="1"/>
@@ -10115,15 +10059,7 @@
             </a:r>
             <a:r>
               <a:rPr lang="it-IT" sz="1400" dirty="0"/>
-              <a:t>(label=2) </a:t>
-            </a:r>
-            <a:r>
-              <a:rPr lang="it-IT" sz="1400" dirty="0" err="1"/>
-              <a:t>outport</a:t>
-            </a:r>
-            <a:r>
-              <a:rPr lang="it-IT" sz="1400" dirty="0"/>
-              <a:t> 1, </a:t>
+              <a:t>(label=2) out port 1, </a:t>
             </a:r>
             <a:r>
               <a:rPr lang="it-IT" sz="1400" dirty="0" err="1"/>
@@ -10376,38 +10312,14 @@
           </a:p>
           <a:p>
             <a:r>
-              <a:rPr lang="it-IT" sz="1400" dirty="0" err="1"/>
-              <a:t>Inport</a:t>
-            </a:r>
-            <a:r>
               <a:rPr lang="it-IT" sz="1400" dirty="0"/>
-              <a:t> 1 (label=1) =&gt; </a:t>
-            </a:r>
-            <a:r>
-              <a:rPr lang="it-IT" sz="1400" dirty="0" err="1"/>
-              <a:t>outport</a:t>
-            </a:r>
+              <a:t>In port 1 (label=1) =&gt; out port 2</a:t>
+            </a:r>
+          </a:p>
+          <a:p>
             <a:r>
               <a:rPr lang="it-IT" sz="1400" dirty="0"/>
-              <a:t> 2</a:t>
-            </a:r>
-          </a:p>
-          <a:p>
-            <a:r>
-              <a:rPr lang="it-IT" sz="1400" dirty="0" err="1"/>
-              <a:t>Inport</a:t>
-            </a:r>
-            <a:r>
-              <a:rPr lang="it-IT" sz="1400" dirty="0"/>
-              <a:t> 2 (label=1) =&gt; </a:t>
-            </a:r>
-            <a:r>
-              <a:rPr lang="it-IT" sz="1400" dirty="0" err="1"/>
-              <a:t>outport</a:t>
-            </a:r>
-            <a:r>
-              <a:rPr lang="it-IT" sz="1400" dirty="0"/>
-              <a:t> 1</a:t>
+              <a:t>In port 2 (label=1) =&gt; out port 1</a:t>
             </a:r>
           </a:p>
         </p:txBody>
@@ -10452,38 +10364,14 @@
           </a:p>
           <a:p>
             <a:r>
-              <a:rPr lang="it-IT" sz="1400" dirty="0" err="1"/>
-              <a:t>Inport</a:t>
-            </a:r>
-            <a:r>
               <a:rPr lang="it-IT" sz="1400" dirty="0"/>
-              <a:t> 1 (label=2) =&gt; </a:t>
-            </a:r>
-            <a:r>
-              <a:rPr lang="it-IT" sz="1400" dirty="0" err="1"/>
-              <a:t>outport</a:t>
-            </a:r>
+              <a:t>In port 1 (label=2) =&gt; out port 2</a:t>
+            </a:r>
+          </a:p>
+          <a:p>
             <a:r>
               <a:rPr lang="it-IT" sz="1400" dirty="0"/>
-              <a:t> 2</a:t>
-            </a:r>
-          </a:p>
-          <a:p>
-            <a:r>
-              <a:rPr lang="it-IT" sz="1400" dirty="0" err="1"/>
-              <a:t>Inport</a:t>
-            </a:r>
-            <a:r>
-              <a:rPr lang="it-IT" sz="1400" dirty="0"/>
-              <a:t> 2 (label=2) =&gt; </a:t>
-            </a:r>
-            <a:r>
-              <a:rPr lang="it-IT" sz="1400" dirty="0" err="1"/>
-              <a:t>outport</a:t>
-            </a:r>
-            <a:r>
-              <a:rPr lang="it-IT" sz="1400" dirty="0"/>
-              <a:t> 1</a:t>
+              <a:t>In port 2 (label=2) =&gt; out port 1</a:t>
             </a:r>
           </a:p>
         </p:txBody>
@@ -11198,15 +11086,7 @@
             </a:r>
             <a:r>
               <a:rPr lang="it-IT" sz="1400" dirty="0"/>
-              <a:t>(label=2) </a:t>
-            </a:r>
-            <a:r>
-              <a:rPr lang="it-IT" sz="1400" dirty="0" err="1"/>
-              <a:t>outport</a:t>
-            </a:r>
-            <a:r>
-              <a:rPr lang="it-IT" sz="1400" dirty="0"/>
-              <a:t> 3,</a:t>
+              <a:t>(label=2) out port 3,</a:t>
             </a:r>
             <a:br>
               <a:rPr lang="it-IT" sz="1400" dirty="0"/>
@@ -11228,15 +11108,7 @@
             </a:r>
             <a:r>
               <a:rPr lang="it-IT" sz="1400" dirty="0"/>
-              <a:t> (label=2) </a:t>
-            </a:r>
-            <a:r>
-              <a:rPr lang="it-IT" sz="1400" dirty="0" err="1"/>
-              <a:t>outport</a:t>
-            </a:r>
-            <a:r>
-              <a:rPr lang="it-IT" sz="1400" dirty="0"/>
-              <a:t> 1, </a:t>
+              <a:t> (label=2) out port 1, </a:t>
             </a:r>
             <a:r>
               <a:rPr lang="it-IT" sz="1400" dirty="0" err="1"/>
@@ -11263,8 +11135,8 @@
         </p:nvSpPr>
         <p:spPr>
           <a:xfrm>
-            <a:off x="6574882" y="3435574"/>
-            <a:ext cx="2496776" cy="1169551"/>
+            <a:off x="6445753" y="3435574"/>
+            <a:ext cx="2625905" cy="1169551"/>
           </a:xfrm>
           <a:prstGeom prst="rect">
             <a:avLst/>
@@ -11296,15 +11168,7 @@
             </a:r>
             <a:r>
               <a:rPr lang="it-IT" sz="1400" dirty="0"/>
-              <a:t>(label=2) </a:t>
-            </a:r>
-            <a:r>
-              <a:rPr lang="it-IT" sz="1400" dirty="0" err="1"/>
-              <a:t>outport</a:t>
-            </a:r>
-            <a:r>
-              <a:rPr lang="it-IT" sz="1400" dirty="0"/>
-              <a:t> 3,</a:t>
+              <a:t>(label=2) out port 3,</a:t>
             </a:r>
             <a:br>
               <a:rPr lang="it-IT" sz="1400" dirty="0"/>
@@ -11326,15 +11190,7 @@
             </a:r>
             <a:r>
               <a:rPr lang="it-IT" sz="1400" dirty="0"/>
-              <a:t>(label=2) </a:t>
-            </a:r>
-            <a:r>
-              <a:rPr lang="it-IT" sz="1400" dirty="0" err="1"/>
-              <a:t>outport</a:t>
-            </a:r>
-            <a:r>
-              <a:rPr lang="it-IT" sz="1400" dirty="0"/>
-              <a:t> 1, </a:t>
+              <a:t>(label=2) out port 1, </a:t>
             </a:r>
             <a:r>
               <a:rPr lang="it-IT" sz="1400" dirty="0" err="1"/>
@@ -11461,38 +11317,14 @@
           </a:p>
           <a:p>
             <a:r>
-              <a:rPr lang="it-IT" sz="1400" dirty="0" err="1"/>
-              <a:t>Inport</a:t>
-            </a:r>
-            <a:r>
               <a:rPr lang="it-IT" sz="1400" dirty="0"/>
-              <a:t> 1 (label=2) =&gt; </a:t>
-            </a:r>
-            <a:r>
-              <a:rPr lang="it-IT" sz="1400" dirty="0" err="1"/>
-              <a:t>outport</a:t>
-            </a:r>
+              <a:t>In port 1 (label=2) =&gt; out port 2</a:t>
+            </a:r>
+          </a:p>
+          <a:p>
             <a:r>
               <a:rPr lang="it-IT" sz="1400" dirty="0"/>
-              <a:t> 2</a:t>
-            </a:r>
-          </a:p>
-          <a:p>
-            <a:r>
-              <a:rPr lang="it-IT" sz="1400" dirty="0" err="1"/>
-              <a:t>Inport</a:t>
-            </a:r>
-            <a:r>
-              <a:rPr lang="it-IT" sz="1400" dirty="0"/>
-              <a:t> 2 (label=2) =&gt; </a:t>
-            </a:r>
-            <a:r>
-              <a:rPr lang="it-IT" sz="1400" dirty="0" err="1"/>
-              <a:t>outport</a:t>
-            </a:r>
-            <a:r>
-              <a:rPr lang="it-IT" sz="1400" dirty="0"/>
-              <a:t> 1</a:t>
+              <a:t>In port 2 (label=2) =&gt; out port 1</a:t>
             </a:r>
           </a:p>
         </p:txBody>

--- a/template_project_exam__1_.pptx
+++ b/template_project_exam__1_.pptx
@@ -5354,7 +5354,7 @@
           <a:p>
             <a:fld id="{7821C63B-7147-40DC-9DD1-A22900D398CA}" type="datetimeFigureOut">
               <a:rPr lang="it-IT" smtClean="0"/>
-              <a:t>04/09/2019</a:t>
+              <a:t>05/09/2019</a:t>
             </a:fld>
             <a:endParaRPr lang="it-IT"/>
           </a:p>
@@ -8028,12 +8028,12 @@
               <a:t>: </a:t>
             </a:r>
             <a:r>
-              <a:rPr lang="it-IT" dirty="0" err="1"/>
-              <a:t>packet</a:t>
+              <a:rPr lang="it-IT"/>
+              <a:t>packets </a:t>
             </a:r>
             <a:r>
               <a:rPr lang="it-IT" dirty="0"/>
-              <a:t> status</a:t>
+              <a:t>status</a:t>
             </a:r>
           </a:p>
         </p:txBody>

--- a/template_project_exam__1_.pptx
+++ b/template_project_exam__1_.pptx
@@ -5354,7 +5354,7 @@
           <a:p>
             <a:fld id="{7821C63B-7147-40DC-9DD1-A22900D398CA}" type="datetimeFigureOut">
               <a:rPr lang="it-IT" smtClean="0"/>
-              <a:t>05/09/2019</a:t>
+              <a:t>10/09/2019</a:t>
             </a:fld>
             <a:endParaRPr lang="it-IT"/>
           </a:p>
@@ -9261,6 +9261,133 @@
           </a:xfrm>
         </p:spPr>
       </p:pic>
+      <p:sp>
+        <p:nvSpPr>
+          <p:cNvPr id="4" name="CasellaDiTesto 3">
+            <a:extLst>
+              <a:ext uri="{FF2B5EF4-FFF2-40B4-BE49-F238E27FC236}">
+                <a16:creationId xmlns:a16="http://schemas.microsoft.com/office/drawing/2014/main" id="{3078977F-FD99-4293-8D1F-69626CF502AA}"/>
+              </a:ext>
+            </a:extLst>
+          </p:cNvPr>
+          <p:cNvSpPr txBox="1"/>
+          <p:nvPr/>
+        </p:nvSpPr>
+        <p:spPr>
+          <a:xfrm>
+            <a:off x="4060769" y="2019300"/>
+            <a:ext cx="1190625" cy="307777"/>
+          </a:xfrm>
+          <a:prstGeom prst="rect">
+            <a:avLst/>
+          </a:prstGeom>
+          <a:solidFill>
+            <a:schemeClr val="bg1"/>
+          </a:solidFill>
+        </p:spPr>
+        <p:txBody>
+          <a:bodyPr wrap="square" rtlCol="0">
+            <a:spAutoFit/>
+          </a:bodyPr>
+          <a:lstStyle/>
+          <a:p>
+            <a:r>
+              <a:rPr lang="it-IT" sz="700" dirty="0" err="1"/>
+              <a:t>add</a:t>
+            </a:r>
+            <a:r>
+              <a:rPr lang="it-IT" sz="700" dirty="0"/>
+              <a:t> </a:t>
+            </a:r>
+            <a:r>
+              <a:rPr lang="it-IT" sz="700" dirty="0" err="1"/>
+              <a:t>hash</a:t>
+            </a:r>
+            <a:r>
+              <a:rPr lang="it-IT" sz="700" dirty="0"/>
+              <a:t> (</a:t>
+            </a:r>
+            <a:r>
+              <a:rPr lang="it-IT" sz="700" dirty="0" err="1"/>
+              <a:t>srcMAC,dstMAC</a:t>
+            </a:r>
+            <a:r>
+              <a:rPr lang="it-IT" sz="700" dirty="0"/>
+              <a:t>) in the list</a:t>
+            </a:r>
+          </a:p>
+        </p:txBody>
+      </p:sp>
+      <p:sp>
+        <p:nvSpPr>
+          <p:cNvPr id="5" name="CasellaDiTesto 4">
+            <a:extLst>
+              <a:ext uri="{FF2B5EF4-FFF2-40B4-BE49-F238E27FC236}">
+                <a16:creationId xmlns:a16="http://schemas.microsoft.com/office/drawing/2014/main" id="{BC47CFD0-FA55-4E90-9920-8E73E9A9F579}"/>
+              </a:ext>
+            </a:extLst>
+          </p:cNvPr>
+          <p:cNvSpPr txBox="1"/>
+          <p:nvPr/>
+        </p:nvSpPr>
+        <p:spPr>
+          <a:xfrm>
+            <a:off x="5267325" y="1284220"/>
+            <a:ext cx="361950" cy="215444"/>
+          </a:xfrm>
+          <a:prstGeom prst="rect">
+            <a:avLst/>
+          </a:prstGeom>
+          <a:noFill/>
+        </p:spPr>
+        <p:txBody>
+          <a:bodyPr wrap="square" rtlCol="0">
+            <a:spAutoFit/>
+          </a:bodyPr>
+          <a:lstStyle/>
+          <a:p>
+            <a:r>
+              <a:rPr lang="it-IT" sz="800" dirty="0"/>
+              <a:t>Yes</a:t>
+            </a:r>
+          </a:p>
+        </p:txBody>
+      </p:sp>
+      <p:sp>
+        <p:nvSpPr>
+          <p:cNvPr id="6" name="CasellaDiTesto 5">
+            <a:extLst>
+              <a:ext uri="{FF2B5EF4-FFF2-40B4-BE49-F238E27FC236}">
+                <a16:creationId xmlns:a16="http://schemas.microsoft.com/office/drawing/2014/main" id="{EA274A18-0959-4200-88E1-AF88947CE710}"/>
+              </a:ext>
+            </a:extLst>
+          </p:cNvPr>
+          <p:cNvSpPr txBox="1"/>
+          <p:nvPr/>
+        </p:nvSpPr>
+        <p:spPr>
+          <a:xfrm>
+            <a:off x="4329112" y="1803856"/>
+            <a:ext cx="485775" cy="215444"/>
+          </a:xfrm>
+          <a:prstGeom prst="rect">
+            <a:avLst/>
+          </a:prstGeom>
+          <a:noFill/>
+        </p:spPr>
+        <p:txBody>
+          <a:bodyPr wrap="square" rtlCol="0">
+            <a:spAutoFit/>
+          </a:bodyPr>
+          <a:lstStyle/>
+          <a:p>
+            <a:r>
+              <a:rPr lang="it-IT" sz="800" dirty="0"/>
+              <a:t>No</a:t>
+            </a:r>
+          </a:p>
+        </p:txBody>
+      </p:sp>
     </p:spTree>
     <p:extLst>
       <p:ext uri="{BB962C8B-B14F-4D97-AF65-F5344CB8AC3E}">

--- a/template_project_exam__1_.pptx
+++ b/template_project_exam__1_.pptx
@@ -5,7 +5,7 @@
     <p:sldMasterId id="2147483660" r:id="rId1"/>
   </p:sldMasterIdLst>
   <p:notesMasterIdLst>
-    <p:notesMasterId r:id="rId17"/>
+    <p:notesMasterId r:id="rId16"/>
   </p:notesMasterIdLst>
   <p:sldIdLst>
     <p:sldId id="256" r:id="rId2"/>
@@ -16,13 +16,12 @@
     <p:sldId id="265" r:id="rId7"/>
     <p:sldId id="260" r:id="rId8"/>
     <p:sldId id="269" r:id="rId9"/>
-    <p:sldId id="261" r:id="rId10"/>
-    <p:sldId id="267" r:id="rId11"/>
-    <p:sldId id="270" r:id="rId12"/>
-    <p:sldId id="272" r:id="rId13"/>
-    <p:sldId id="274" r:id="rId14"/>
-    <p:sldId id="276" r:id="rId15"/>
-    <p:sldId id="259" r:id="rId16"/>
+    <p:sldId id="277" r:id="rId10"/>
+    <p:sldId id="270" r:id="rId11"/>
+    <p:sldId id="272" r:id="rId12"/>
+    <p:sldId id="274" r:id="rId13"/>
+    <p:sldId id="276" r:id="rId14"/>
+    <p:sldId id="259" r:id="rId15"/>
   </p:sldIdLst>
   <p:sldSz cx="9144000" cy="6858000" type="screen4x3"/>
   <p:notesSz cx="6858000" cy="9144000"/>
@@ -5354,7 +5353,7 @@
           <a:p>
             <a:fld id="{7821C63B-7147-40DC-9DD1-A22900D398CA}" type="datetimeFigureOut">
               <a:rPr lang="it-IT" smtClean="0"/>
-              <a:t>10/09/2019</a:t>
+              <a:t>16/09/2019</a:t>
             </a:fld>
             <a:endParaRPr lang="it-IT"/>
           </a:p>
@@ -5759,43 +5758,11 @@
           <a:p>
             <a:r>
               <a:rPr lang="it-IT" dirty="0"/>
-              <a:t>Solo un grafico con </a:t>
+              <a:t>Parlare qui delle diverse priorità dei </a:t>
             </a:r>
             <a:r>
               <a:rPr lang="it-IT" dirty="0" err="1"/>
-              <a:t>bw</a:t>
-            </a:r>
-            <a:r>
-              <a:rPr lang="it-IT" dirty="0"/>
-              <a:t>/</a:t>
-            </a:r>
-            <a:r>
-              <a:rPr lang="it-IT" dirty="0" err="1"/>
-              <a:t>pkt</a:t>
-            </a:r>
-            <a:r>
-              <a:rPr lang="it-IT" dirty="0"/>
-              <a:t> </a:t>
-            </a:r>
-            <a:r>
-              <a:rPr lang="it-IT" dirty="0" err="1"/>
-              <a:t>loss</a:t>
-            </a:r>
-            <a:r>
-              <a:rPr lang="it-IT" dirty="0"/>
-              <a:t> per </a:t>
-            </a:r>
-            <a:r>
-              <a:rPr lang="it-IT" dirty="0" err="1"/>
-              <a:t>testbed</a:t>
-            </a:r>
-            <a:r>
-              <a:rPr lang="it-IT" dirty="0"/>
-              <a:t> e </a:t>
-            </a:r>
-            <a:r>
-              <a:rPr lang="it-IT" dirty="0" err="1"/>
-              <a:t>mininet</a:t>
+              <a:t>path</a:t>
             </a:r>
             <a:endParaRPr lang="it-IT" dirty="0"/>
           </a:p>
@@ -5818,7 +5785,131 @@
           <a:p>
             <a:fld id="{E2A6B88F-49BB-49DF-9CD9-134570298B2C}" type="slidenum">
               <a:rPr lang="it-IT" smtClean="0"/>
-              <a:t>14</a:t>
+              <a:t>9</a:t>
+            </a:fld>
+            <a:endParaRPr lang="it-IT"/>
+          </a:p>
+        </p:txBody>
+      </p:sp>
+    </p:spTree>
+    <p:extLst>
+      <p:ext uri="{BB962C8B-B14F-4D97-AF65-F5344CB8AC3E}">
+        <p14:creationId xmlns:p14="http://schemas.microsoft.com/office/powerpoint/2010/main" val="4214312112"/>
+      </p:ext>
+    </p:extLst>
+  </p:cSld>
+  <p:clrMapOvr>
+    <a:masterClrMapping/>
+  </p:clrMapOvr>
+</p:notes>
+</file>
+
+<file path=ppt/notesSlides/notesSlide3.xml><?xml version="1.0" encoding="utf-8"?>
+<p:notes xmlns:a="http://schemas.openxmlformats.org/drawingml/2006/main" xmlns:r="http://schemas.openxmlformats.org/officeDocument/2006/relationships" xmlns:p="http://schemas.openxmlformats.org/presentationml/2006/main">
+  <p:cSld>
+    <p:spTree>
+      <p:nvGrpSpPr>
+        <p:cNvPr id="1" name=""/>
+        <p:cNvGrpSpPr/>
+        <p:nvPr/>
+      </p:nvGrpSpPr>
+      <p:grpSpPr>
+        <a:xfrm>
+          <a:off x="0" y="0"/>
+          <a:ext cx="0" cy="0"/>
+          <a:chOff x="0" y="0"/>
+          <a:chExt cx="0" cy="0"/>
+        </a:xfrm>
+      </p:grpSpPr>
+      <p:sp>
+        <p:nvSpPr>
+          <p:cNvPr id="2" name="Segnaposto immagine diapositiva 1"/>
+          <p:cNvSpPr>
+            <a:spLocks noGrp="1" noRot="1" noChangeAspect="1"/>
+          </p:cNvSpPr>
+          <p:nvPr>
+            <p:ph type="sldImg"/>
+          </p:nvPr>
+        </p:nvSpPr>
+        <p:spPr/>
+      </p:sp>
+      <p:sp>
+        <p:nvSpPr>
+          <p:cNvPr id="3" name="Segnaposto note 2"/>
+          <p:cNvSpPr>
+            <a:spLocks noGrp="1"/>
+          </p:cNvSpPr>
+          <p:nvPr>
+            <p:ph type="body" idx="1"/>
+          </p:nvPr>
+        </p:nvSpPr>
+        <p:spPr/>
+        <p:txBody>
+          <a:bodyPr/>
+          <a:lstStyle/>
+          <a:p>
+            <a:r>
+              <a:rPr lang="it-IT" dirty="0"/>
+              <a:t>Solo un grafico con </a:t>
+            </a:r>
+            <a:r>
+              <a:rPr lang="it-IT" dirty="0" err="1"/>
+              <a:t>bw</a:t>
+            </a:r>
+            <a:r>
+              <a:rPr lang="it-IT" dirty="0"/>
+              <a:t>/</a:t>
+            </a:r>
+            <a:r>
+              <a:rPr lang="it-IT" dirty="0" err="1"/>
+              <a:t>pkt</a:t>
+            </a:r>
+            <a:r>
+              <a:rPr lang="it-IT" dirty="0"/>
+              <a:t> </a:t>
+            </a:r>
+            <a:r>
+              <a:rPr lang="it-IT" dirty="0" err="1"/>
+              <a:t>loss</a:t>
+            </a:r>
+            <a:r>
+              <a:rPr lang="it-IT" dirty="0"/>
+              <a:t> per </a:t>
+            </a:r>
+            <a:r>
+              <a:rPr lang="it-IT" dirty="0" err="1"/>
+              <a:t>testbed</a:t>
+            </a:r>
+            <a:r>
+              <a:rPr lang="it-IT" dirty="0"/>
+              <a:t> e </a:t>
+            </a:r>
+            <a:r>
+              <a:rPr lang="it-IT" dirty="0" err="1"/>
+              <a:t>mininet</a:t>
+            </a:r>
+            <a:endParaRPr lang="it-IT" dirty="0"/>
+          </a:p>
+        </p:txBody>
+      </p:sp>
+      <p:sp>
+        <p:nvSpPr>
+          <p:cNvPr id="4" name="Segnaposto numero diapositiva 3"/>
+          <p:cNvSpPr>
+            <a:spLocks noGrp="1"/>
+          </p:cNvSpPr>
+          <p:nvPr>
+            <p:ph type="sldNum" sz="quarter" idx="5"/>
+          </p:nvPr>
+        </p:nvSpPr>
+        <p:spPr/>
+        <p:txBody>
+          <a:bodyPr/>
+          <a:lstStyle/>
+          <a:p>
+            <a:fld id="{E2A6B88F-49BB-49DF-9CD9-134570298B2C}" type="slidenum">
+              <a:rPr lang="it-IT" smtClean="0"/>
+              <a:t>13</a:t>
             </a:fld>
             <a:endParaRPr lang="it-IT"/>
           </a:p>
@@ -6886,612 +6977,6 @@
           <p:cNvPr id="2" name="Titolo 1">
             <a:extLst>
               <a:ext uri="{FF2B5EF4-FFF2-40B4-BE49-F238E27FC236}">
-                <a16:creationId xmlns:a16="http://schemas.microsoft.com/office/drawing/2014/main" id="{785E255F-EC52-4D66-BDB1-7A89CD8FC662}"/>
-              </a:ext>
-            </a:extLst>
-          </p:cNvPr>
-          <p:cNvSpPr>
-            <a:spLocks noGrp="1"/>
-          </p:cNvSpPr>
-          <p:nvPr>
-            <p:ph type="title"/>
-          </p:nvPr>
-        </p:nvSpPr>
-        <p:spPr/>
-        <p:txBody>
-          <a:bodyPr/>
-          <a:lstStyle/>
-          <a:p>
-            <a:r>
-              <a:rPr lang="it-IT" dirty="0"/>
-              <a:t>Link up</a:t>
-            </a:r>
-          </a:p>
-        </p:txBody>
-      </p:sp>
-      <p:sp>
-        <p:nvSpPr>
-          <p:cNvPr id="3" name="Segnaposto numero diapositiva 2">
-            <a:extLst>
-              <a:ext uri="{FF2B5EF4-FFF2-40B4-BE49-F238E27FC236}">
-                <a16:creationId xmlns:a16="http://schemas.microsoft.com/office/drawing/2014/main" id="{4662D82F-8969-4452-BF57-12E3E7D8919F}"/>
-              </a:ext>
-            </a:extLst>
-          </p:cNvPr>
-          <p:cNvSpPr>
-            <a:spLocks noGrp="1"/>
-          </p:cNvSpPr>
-          <p:nvPr>
-            <p:ph type="sldNum" sz="quarter" idx="12"/>
-          </p:nvPr>
-        </p:nvSpPr>
-        <p:spPr/>
-        <p:txBody>
-          <a:bodyPr/>
-          <a:lstStyle/>
-          <a:p>
-            <a:fld id="{07C31548-3396-48E6-A4F0-B6B6C960F6EE}" type="slidenum">
-              <a:rPr lang="it-IT" smtClean="0"/>
-              <a:t>10</a:t>
-            </a:fld>
-            <a:endParaRPr lang="it-IT" dirty="0"/>
-          </a:p>
-        </p:txBody>
-      </p:sp>
-      <p:pic>
-        <p:nvPicPr>
-          <p:cNvPr id="5" name="Segnaposto contenuto 5">
-            <a:extLst>
-              <a:ext uri="{FF2B5EF4-FFF2-40B4-BE49-F238E27FC236}">
-                <a16:creationId xmlns:a16="http://schemas.microsoft.com/office/drawing/2014/main" id="{882BB7A5-5F1D-4BAF-A7A0-BB9F88C6284B}"/>
-              </a:ext>
-            </a:extLst>
-          </p:cNvPr>
-          <p:cNvPicPr>
-            <a:picLocks noChangeAspect="1"/>
-          </p:cNvPicPr>
-          <p:nvPr/>
-        </p:nvPicPr>
-        <p:blipFill>
-          <a:blip r:embed="rId2">
-            <a:extLst>
-              <a:ext uri="{28A0092B-C50C-407E-A947-70E740481C1C}">
-                <a14:useLocalDpi xmlns:a14="http://schemas.microsoft.com/office/drawing/2010/main" val="0"/>
-              </a:ext>
-            </a:extLst>
-          </a:blip>
-          <a:stretch>
-            <a:fillRect/>
-          </a:stretch>
-        </p:blipFill>
-        <p:spPr>
-          <a:xfrm>
-            <a:off x="2353857" y="1022847"/>
-            <a:ext cx="4634621" cy="3438590"/>
-          </a:xfrm>
-          <a:prstGeom prst="rect">
-            <a:avLst/>
-          </a:prstGeom>
-        </p:spPr>
-      </p:pic>
-      <p:sp>
-        <p:nvSpPr>
-          <p:cNvPr id="6" name="Freccia in giù 5">
-            <a:extLst>
-              <a:ext uri="{FF2B5EF4-FFF2-40B4-BE49-F238E27FC236}">
-                <a16:creationId xmlns:a16="http://schemas.microsoft.com/office/drawing/2014/main" id="{8B392CFA-49F8-4820-BD47-F6B3A30D5C92}"/>
-              </a:ext>
-            </a:extLst>
-          </p:cNvPr>
-          <p:cNvSpPr/>
-          <p:nvPr/>
-        </p:nvSpPr>
-        <p:spPr>
-          <a:xfrm rot="14120756">
-            <a:off x="3477050" y="1097045"/>
-            <a:ext cx="301491" cy="1473281"/>
-          </a:xfrm>
-          <a:prstGeom prst="downArrow">
-            <a:avLst/>
-          </a:prstGeom>
-        </p:spPr>
-        <p:style>
-          <a:lnRef idx="2">
-            <a:schemeClr val="accent1">
-              <a:shade val="50000"/>
-            </a:schemeClr>
-          </a:lnRef>
-          <a:fillRef idx="1">
-            <a:schemeClr val="accent1"/>
-          </a:fillRef>
-          <a:effectRef idx="0">
-            <a:schemeClr val="accent1"/>
-          </a:effectRef>
-          <a:fontRef idx="minor">
-            <a:schemeClr val="lt1"/>
-          </a:fontRef>
-        </p:style>
-        <p:txBody>
-          <a:bodyPr rtlCol="0" anchor="ctr"/>
-          <a:lstStyle/>
-          <a:p>
-            <a:pPr algn="ctr"/>
-            <a:endParaRPr lang="it-IT"/>
-          </a:p>
-        </p:txBody>
-      </p:sp>
-      <p:sp>
-        <p:nvSpPr>
-          <p:cNvPr id="7" name="Freccia in giù 6">
-            <a:extLst>
-              <a:ext uri="{FF2B5EF4-FFF2-40B4-BE49-F238E27FC236}">
-                <a16:creationId xmlns:a16="http://schemas.microsoft.com/office/drawing/2014/main" id="{85A8D110-976E-42DF-87EC-33A63DD56FAE}"/>
-              </a:ext>
-            </a:extLst>
-          </p:cNvPr>
-          <p:cNvSpPr/>
-          <p:nvPr/>
-        </p:nvSpPr>
-        <p:spPr>
-          <a:xfrm rot="18437536">
-            <a:off x="5712698" y="1120417"/>
-            <a:ext cx="301491" cy="1473281"/>
-          </a:xfrm>
-          <a:prstGeom prst="downArrow">
-            <a:avLst/>
-          </a:prstGeom>
-        </p:spPr>
-        <p:style>
-          <a:lnRef idx="2">
-            <a:schemeClr val="accent1">
-              <a:shade val="50000"/>
-            </a:schemeClr>
-          </a:lnRef>
-          <a:fillRef idx="1">
-            <a:schemeClr val="accent1"/>
-          </a:fillRef>
-          <a:effectRef idx="0">
-            <a:schemeClr val="accent1"/>
-          </a:effectRef>
-          <a:fontRef idx="minor">
-            <a:schemeClr val="lt1"/>
-          </a:fontRef>
-        </p:style>
-        <p:txBody>
-          <a:bodyPr rtlCol="0" anchor="ctr"/>
-          <a:lstStyle/>
-          <a:p>
-            <a:pPr algn="ctr"/>
-            <a:endParaRPr lang="it-IT"/>
-          </a:p>
-        </p:txBody>
-      </p:sp>
-      <p:sp>
-        <p:nvSpPr>
-          <p:cNvPr id="8" name="Freccia in giù 7">
-            <a:extLst>
-              <a:ext uri="{FF2B5EF4-FFF2-40B4-BE49-F238E27FC236}">
-                <a16:creationId xmlns:a16="http://schemas.microsoft.com/office/drawing/2014/main" id="{A57A4D8F-532F-48EA-895D-6B1AFE69ACAA}"/>
-              </a:ext>
-            </a:extLst>
-          </p:cNvPr>
-          <p:cNvSpPr/>
-          <p:nvPr/>
-        </p:nvSpPr>
-        <p:spPr>
-          <a:xfrm rot="14120756">
-            <a:off x="5698393" y="2777659"/>
-            <a:ext cx="301491" cy="1473281"/>
-          </a:xfrm>
-          <a:prstGeom prst="downArrow">
-            <a:avLst/>
-          </a:prstGeom>
-          <a:solidFill>
-            <a:schemeClr val="tx2">
-              <a:lumMod val="20000"/>
-              <a:lumOff val="80000"/>
-            </a:schemeClr>
-          </a:solidFill>
-        </p:spPr>
-        <p:style>
-          <a:lnRef idx="2">
-            <a:schemeClr val="accent1">
-              <a:shade val="50000"/>
-            </a:schemeClr>
-          </a:lnRef>
-          <a:fillRef idx="1">
-            <a:schemeClr val="accent1"/>
-          </a:fillRef>
-          <a:effectRef idx="0">
-            <a:schemeClr val="accent1"/>
-          </a:effectRef>
-          <a:fontRef idx="minor">
-            <a:schemeClr val="lt1"/>
-          </a:fontRef>
-        </p:style>
-        <p:txBody>
-          <a:bodyPr rtlCol="0" anchor="ctr"/>
-          <a:lstStyle/>
-          <a:p>
-            <a:pPr algn="ctr"/>
-            <a:endParaRPr lang="it-IT"/>
-          </a:p>
-        </p:txBody>
-      </p:sp>
-      <p:sp>
-        <p:nvSpPr>
-          <p:cNvPr id="9" name="Freccia in giù 8">
-            <a:extLst>
-              <a:ext uri="{FF2B5EF4-FFF2-40B4-BE49-F238E27FC236}">
-                <a16:creationId xmlns:a16="http://schemas.microsoft.com/office/drawing/2014/main" id="{D10A0841-AEEA-453B-84D0-4354C80ABAD6}"/>
-              </a:ext>
-            </a:extLst>
-          </p:cNvPr>
-          <p:cNvSpPr/>
-          <p:nvPr/>
-        </p:nvSpPr>
-        <p:spPr>
-          <a:xfrm rot="18292896">
-            <a:off x="3456820" y="2775597"/>
-            <a:ext cx="301491" cy="1473281"/>
-          </a:xfrm>
-          <a:prstGeom prst="downArrow">
-            <a:avLst/>
-          </a:prstGeom>
-          <a:solidFill>
-            <a:schemeClr val="tx2">
-              <a:lumMod val="20000"/>
-              <a:lumOff val="80000"/>
-            </a:schemeClr>
-          </a:solidFill>
-        </p:spPr>
-        <p:style>
-          <a:lnRef idx="2">
-            <a:schemeClr val="accent1">
-              <a:shade val="50000"/>
-            </a:schemeClr>
-          </a:lnRef>
-          <a:fillRef idx="1">
-            <a:schemeClr val="accent1"/>
-          </a:fillRef>
-          <a:effectRef idx="0">
-            <a:schemeClr val="accent1"/>
-          </a:effectRef>
-          <a:fontRef idx="minor">
-            <a:schemeClr val="lt1"/>
-          </a:fontRef>
-        </p:style>
-        <p:txBody>
-          <a:bodyPr rtlCol="0" anchor="ctr"/>
-          <a:lstStyle/>
-          <a:p>
-            <a:pPr algn="ctr"/>
-            <a:endParaRPr lang="it-IT"/>
-          </a:p>
-        </p:txBody>
-      </p:sp>
-      <p:cxnSp>
-        <p:nvCxnSpPr>
-          <p:cNvPr id="10" name="Connettore diritto 9">
-            <a:extLst>
-              <a:ext uri="{FF2B5EF4-FFF2-40B4-BE49-F238E27FC236}">
-                <a16:creationId xmlns:a16="http://schemas.microsoft.com/office/drawing/2014/main" id="{2617AE4D-BAE6-4DED-8996-1917BACF9C02}"/>
-              </a:ext>
-            </a:extLst>
-          </p:cNvPr>
-          <p:cNvCxnSpPr>
-            <a:cxnSpLocks/>
-          </p:cNvCxnSpPr>
-          <p:nvPr/>
-        </p:nvCxnSpPr>
-        <p:spPr>
-          <a:xfrm flipV="1">
-            <a:off x="1164117" y="2630731"/>
-            <a:ext cx="1340779" cy="1"/>
-          </a:xfrm>
-          <a:prstGeom prst="line">
-            <a:avLst/>
-          </a:prstGeom>
-        </p:spPr>
-        <p:style>
-          <a:lnRef idx="1">
-            <a:schemeClr val="dk1"/>
-          </a:lnRef>
-          <a:fillRef idx="0">
-            <a:schemeClr val="dk1"/>
-          </a:fillRef>
-          <a:effectRef idx="0">
-            <a:schemeClr val="dk1"/>
-          </a:effectRef>
-          <a:fontRef idx="minor">
-            <a:schemeClr val="tx1"/>
-          </a:fontRef>
-        </p:style>
-      </p:cxnSp>
-      <p:pic>
-        <p:nvPicPr>
-          <p:cNvPr id="11" name="Immagine 10">
-            <a:extLst>
-              <a:ext uri="{FF2B5EF4-FFF2-40B4-BE49-F238E27FC236}">
-                <a16:creationId xmlns:a16="http://schemas.microsoft.com/office/drawing/2014/main" id="{6CCEF388-6882-4BAF-85A2-50E1B136E502}"/>
-              </a:ext>
-            </a:extLst>
-          </p:cNvPr>
-          <p:cNvPicPr>
-            <a:picLocks noChangeAspect="1"/>
-          </p:cNvPicPr>
-          <p:nvPr/>
-        </p:nvPicPr>
-        <p:blipFill>
-          <a:blip r:embed="rId3">
-            <a:extLst>
-              <a:ext uri="{28A0092B-C50C-407E-A947-70E740481C1C}">
-                <a14:useLocalDpi xmlns:a14="http://schemas.microsoft.com/office/drawing/2010/main" val="0"/>
-              </a:ext>
-            </a:extLst>
-          </a:blip>
-          <a:stretch>
-            <a:fillRect/>
-          </a:stretch>
-        </p:blipFill>
-        <p:spPr>
-          <a:xfrm>
-            <a:off x="712732" y="2092931"/>
-            <a:ext cx="910436" cy="910436"/>
-          </a:xfrm>
-          <a:prstGeom prst="rect">
-            <a:avLst/>
-          </a:prstGeom>
-        </p:spPr>
-      </p:pic>
-      <p:pic>
-        <p:nvPicPr>
-          <p:cNvPr id="12" name="Immagine 11">
-            <a:extLst>
-              <a:ext uri="{FF2B5EF4-FFF2-40B4-BE49-F238E27FC236}">
-                <a16:creationId xmlns:a16="http://schemas.microsoft.com/office/drawing/2014/main" id="{A73D3BC5-1CBC-468A-B829-0716C4DA8DEF}"/>
-              </a:ext>
-            </a:extLst>
-          </p:cNvPr>
-          <p:cNvPicPr>
-            <a:picLocks noChangeAspect="1"/>
-          </p:cNvPicPr>
-          <p:nvPr/>
-        </p:nvPicPr>
-        <p:blipFill>
-          <a:blip r:embed="rId3">
-            <a:extLst>
-              <a:ext uri="{28A0092B-C50C-407E-A947-70E740481C1C}">
-                <a14:useLocalDpi xmlns:a14="http://schemas.microsoft.com/office/drawing/2010/main" val="0"/>
-              </a:ext>
-            </a:extLst>
-          </a:blip>
-          <a:stretch>
-            <a:fillRect/>
-          </a:stretch>
-        </p:blipFill>
-        <p:spPr>
-          <a:xfrm>
-            <a:off x="7392653" y="2175513"/>
-            <a:ext cx="910436" cy="910436"/>
-          </a:xfrm>
-          <a:prstGeom prst="rect">
-            <a:avLst/>
-          </a:prstGeom>
-        </p:spPr>
-      </p:pic>
-      <p:cxnSp>
-        <p:nvCxnSpPr>
-          <p:cNvPr id="13" name="Connettore diritto 12">
-            <a:extLst>
-              <a:ext uri="{FF2B5EF4-FFF2-40B4-BE49-F238E27FC236}">
-                <a16:creationId xmlns:a16="http://schemas.microsoft.com/office/drawing/2014/main" id="{2B71F9EF-2C06-466B-83F1-C25AF5327BE5}"/>
-              </a:ext>
-            </a:extLst>
-          </p:cNvPr>
-          <p:cNvCxnSpPr>
-            <a:cxnSpLocks/>
-          </p:cNvCxnSpPr>
-          <p:nvPr/>
-        </p:nvCxnSpPr>
-        <p:spPr>
-          <a:xfrm flipV="1">
-            <a:off x="6916872" y="2742143"/>
-            <a:ext cx="899587" cy="1"/>
-          </a:xfrm>
-          <a:prstGeom prst="line">
-            <a:avLst/>
-          </a:prstGeom>
-        </p:spPr>
-        <p:style>
-          <a:lnRef idx="1">
-            <a:schemeClr val="dk1"/>
-          </a:lnRef>
-          <a:fillRef idx="0">
-            <a:schemeClr val="dk1"/>
-          </a:fillRef>
-          <a:effectRef idx="0">
-            <a:schemeClr val="dk1"/>
-          </a:effectRef>
-          <a:fontRef idx="minor">
-            <a:schemeClr val="tx1"/>
-          </a:fontRef>
-        </p:style>
-      </p:cxnSp>
-      <p:sp>
-        <p:nvSpPr>
-          <p:cNvPr id="14" name="CasellaDiTesto 13">
-            <a:extLst>
-              <a:ext uri="{FF2B5EF4-FFF2-40B4-BE49-F238E27FC236}">
-                <a16:creationId xmlns:a16="http://schemas.microsoft.com/office/drawing/2014/main" id="{944BB557-FDDB-41E2-8D87-C212A3D9DC8F}"/>
-              </a:ext>
-            </a:extLst>
-          </p:cNvPr>
-          <p:cNvSpPr txBox="1"/>
-          <p:nvPr/>
-        </p:nvSpPr>
-        <p:spPr>
-          <a:xfrm>
-            <a:off x="253218" y="4690724"/>
-            <a:ext cx="8637563" cy="1200329"/>
-          </a:xfrm>
-          <a:prstGeom prst="rect">
-            <a:avLst/>
-          </a:prstGeom>
-          <a:noFill/>
-        </p:spPr>
-        <p:txBody>
-          <a:bodyPr wrap="square" rtlCol="0">
-            <a:spAutoFit/>
-          </a:bodyPr>
-          <a:lstStyle/>
-          <a:p>
-            <a:pPr marL="342900" indent="-342900" algn="just">
-              <a:buFont typeface="Arial" panose="020B0604020202020204" pitchFamily="34" charset="0"/>
-              <a:buChar char="•"/>
-            </a:pPr>
-            <a:r>
-              <a:rPr lang="it-IT" sz="2400" dirty="0" err="1"/>
-              <a:t>When</a:t>
-            </a:r>
-            <a:r>
-              <a:rPr lang="it-IT" sz="2400" dirty="0"/>
-              <a:t> the link </a:t>
-            </a:r>
-            <a:r>
-              <a:rPr lang="it-IT" sz="2400" dirty="0" err="1"/>
-              <a:t>returns</a:t>
-            </a:r>
-            <a:r>
-              <a:rPr lang="it-IT" sz="2400" dirty="0"/>
-              <a:t> </a:t>
-            </a:r>
-            <a:r>
-              <a:rPr lang="it-IT" sz="2400" dirty="0" err="1"/>
-              <a:t>active</a:t>
-            </a:r>
-            <a:r>
-              <a:rPr lang="it-IT" sz="2400" dirty="0"/>
-              <a:t>, </a:t>
-            </a:r>
-            <a:r>
-              <a:rPr lang="it-IT" sz="2400" dirty="0" err="1"/>
-              <a:t>all</a:t>
-            </a:r>
-            <a:r>
-              <a:rPr lang="it-IT" sz="2400" dirty="0"/>
-              <a:t> of the default rules are re-</a:t>
-            </a:r>
-            <a:r>
-              <a:rPr lang="it-IT" sz="2400" dirty="0" err="1"/>
-              <a:t>installed</a:t>
-            </a:r>
-            <a:r>
-              <a:rPr lang="it-IT" sz="2400" dirty="0"/>
-              <a:t> and </a:t>
-            </a:r>
-            <a:r>
-              <a:rPr lang="it-IT" sz="2400" dirty="0" err="1"/>
-              <a:t>packets</a:t>
-            </a:r>
-            <a:r>
-              <a:rPr lang="it-IT" sz="2400" dirty="0"/>
-              <a:t> </a:t>
-            </a:r>
-            <a:r>
-              <a:rPr lang="it-IT" sz="2400" dirty="0" err="1"/>
-              <a:t>will</a:t>
-            </a:r>
-            <a:r>
-              <a:rPr lang="it-IT" sz="2400" dirty="0"/>
-              <a:t> be </a:t>
-            </a:r>
-            <a:r>
-              <a:rPr lang="it-IT" sz="2400" dirty="0" err="1"/>
-              <a:t>routed</a:t>
-            </a:r>
-            <a:r>
-              <a:rPr lang="it-IT" sz="2400" dirty="0"/>
-              <a:t> </a:t>
-            </a:r>
-            <a:r>
-              <a:rPr lang="it-IT" sz="2400" dirty="0" err="1"/>
-              <a:t>again</a:t>
-            </a:r>
-            <a:r>
-              <a:rPr lang="it-IT" sz="2400" dirty="0"/>
-              <a:t> on the </a:t>
-            </a:r>
-            <a:r>
-              <a:rPr lang="it-IT" sz="2400" dirty="0" err="1"/>
-              <a:t>previous</a:t>
-            </a:r>
-            <a:r>
-              <a:rPr lang="it-IT" sz="2400" dirty="0"/>
-              <a:t> </a:t>
-            </a:r>
-            <a:r>
-              <a:rPr lang="it-IT" sz="2400" dirty="0" err="1"/>
-              <a:t>path</a:t>
-            </a:r>
-            <a:r>
-              <a:rPr lang="it-IT" sz="2400" dirty="0"/>
-              <a:t> (</a:t>
-            </a:r>
-            <a:r>
-              <a:rPr lang="it-IT" sz="2400" dirty="0" err="1"/>
-              <a:t>higher</a:t>
-            </a:r>
-            <a:r>
-              <a:rPr lang="it-IT" sz="2400" dirty="0"/>
-              <a:t> </a:t>
-            </a:r>
-            <a:r>
-              <a:rPr lang="it-IT" sz="2400" dirty="0" err="1"/>
-              <a:t>priority</a:t>
-            </a:r>
-            <a:r>
-              <a:rPr lang="it-IT" sz="2400" dirty="0"/>
-              <a:t>)</a:t>
-            </a:r>
-          </a:p>
-        </p:txBody>
-      </p:sp>
-    </p:spTree>
-    <p:extLst>
-      <p:ext uri="{BB962C8B-B14F-4D97-AF65-F5344CB8AC3E}">
-        <p14:creationId xmlns:p14="http://schemas.microsoft.com/office/powerpoint/2010/main" val="3010816986"/>
-      </p:ext>
-    </p:extLst>
-  </p:cSld>
-  <p:clrMapOvr>
-    <a:masterClrMapping/>
-  </p:clrMapOvr>
-</p:sld>
-</file>
-
-<file path=ppt/slides/slide11.xml><?xml version="1.0" encoding="utf-8"?>
-<p:sld xmlns:a="http://schemas.openxmlformats.org/drawingml/2006/main" xmlns:r="http://schemas.openxmlformats.org/officeDocument/2006/relationships" xmlns:p="http://schemas.openxmlformats.org/presentationml/2006/main">
-  <p:cSld>
-    <p:spTree>
-      <p:nvGrpSpPr>
-        <p:cNvPr id="1" name=""/>
-        <p:cNvGrpSpPr/>
-        <p:nvPr/>
-      </p:nvGrpSpPr>
-      <p:grpSpPr>
-        <a:xfrm>
-          <a:off x="0" y="0"/>
-          <a:ext cx="0" cy="0"/>
-          <a:chOff x="0" y="0"/>
-          <a:chExt cx="0" cy="0"/>
-        </a:xfrm>
-      </p:grpSpPr>
-      <p:sp>
-        <p:nvSpPr>
-          <p:cNvPr id="2" name="Titolo 1">
-            <a:extLst>
-              <a:ext uri="{FF2B5EF4-FFF2-40B4-BE49-F238E27FC236}">
                 <a16:creationId xmlns:a16="http://schemas.microsoft.com/office/drawing/2014/main" id="{870429E2-9070-44E7-BFB9-9779B35D3083}"/>
               </a:ext>
             </a:extLst>
@@ -7550,7 +7035,7 @@
           <a:p>
             <a:fld id="{07C31548-3396-48E6-A4F0-B6B6C960F6EE}" type="slidenum">
               <a:rPr lang="it-IT" smtClean="0"/>
-              <a:t>11</a:t>
+              <a:t>10</a:t>
             </a:fld>
             <a:endParaRPr lang="it-IT" dirty="0"/>
           </a:p>
@@ -7655,7 +7140,7 @@
 </p:sld>
 </file>
 
-<file path=ppt/slides/slide12.xml><?xml version="1.0" encoding="utf-8"?>
+<file path=ppt/slides/slide11.xml><?xml version="1.0" encoding="utf-8"?>
 <p:sld xmlns:a="http://schemas.openxmlformats.org/drawingml/2006/main" xmlns:r="http://schemas.openxmlformats.org/officeDocument/2006/relationships" xmlns:p="http://schemas.openxmlformats.org/presentationml/2006/main">
   <p:cSld>
     <p:spTree>
@@ -7735,7 +7220,7 @@
           <a:p>
             <a:fld id="{07C31548-3396-48E6-A4F0-B6B6C960F6EE}" type="slidenum">
               <a:rPr lang="it-IT" smtClean="0"/>
-              <a:t>12</a:t>
+              <a:t>11</a:t>
             </a:fld>
             <a:endParaRPr lang="it-IT" dirty="0"/>
           </a:p>
@@ -7814,7 +7299,7 @@
 </p:sld>
 </file>
 
-<file path=ppt/slides/slide13.xml><?xml version="1.0" encoding="utf-8"?>
+<file path=ppt/slides/slide12.xml><?xml version="1.0" encoding="utf-8"?>
 <p:sld xmlns:a="http://schemas.openxmlformats.org/drawingml/2006/main" xmlns:r="http://schemas.openxmlformats.org/officeDocument/2006/relationships" xmlns:p="http://schemas.openxmlformats.org/presentationml/2006/main">
   <p:cSld>
     <p:spTree>
@@ -7902,7 +7387,7 @@
           <a:p>
             <a:fld id="{07C31548-3396-48E6-A4F0-B6B6C960F6EE}" type="slidenum">
               <a:rPr lang="it-IT" smtClean="0"/>
-              <a:t>13</a:t>
+              <a:t>12</a:t>
             </a:fld>
             <a:endParaRPr lang="it-IT" dirty="0"/>
           </a:p>
@@ -7981,7 +7466,7 @@
 </p:sld>
 </file>
 
-<file path=ppt/slides/slide14.xml><?xml version="1.0" encoding="utf-8"?>
+<file path=ppt/slides/slide13.xml><?xml version="1.0" encoding="utf-8"?>
 <p:sld xmlns:a="http://schemas.openxmlformats.org/drawingml/2006/main" xmlns:r="http://schemas.openxmlformats.org/officeDocument/2006/relationships" xmlns:p="http://schemas.openxmlformats.org/presentationml/2006/main">
   <p:cSld>
     <p:spTree>
@@ -8061,7 +7546,7 @@
           <a:p>
             <a:fld id="{07C31548-3396-48E6-A4F0-B6B6C960F6EE}" type="slidenum">
               <a:rPr lang="it-IT" smtClean="0"/>
-              <a:t>14</a:t>
+              <a:t>13</a:t>
             </a:fld>
             <a:endParaRPr lang="it-IT" dirty="0"/>
           </a:p>
@@ -8110,7 +7595,7 @@
 </p:sld>
 </file>
 
-<file path=ppt/slides/slide15.xml><?xml version="1.0" encoding="utf-8"?>
+<file path=ppt/slides/slide14.xml><?xml version="1.0" encoding="utf-8"?>
 <p:sld xmlns:a="http://schemas.openxmlformats.org/drawingml/2006/main" xmlns:r="http://schemas.openxmlformats.org/officeDocument/2006/relationships" xmlns:p="http://schemas.openxmlformats.org/presentationml/2006/main">
   <p:cSld>
     <p:spTree>
@@ -8204,7 +7689,7 @@
           <a:p>
             <a:fld id="{07C31548-3396-48E6-A4F0-B6B6C960F6EE}" type="slidenum">
               <a:rPr lang="it-IT" smtClean="0"/>
-              <a:t>15</a:t>
+              <a:t>14</a:t>
             </a:fld>
             <a:endParaRPr lang="it-IT" dirty="0"/>
           </a:p>
@@ -9652,7 +9137,7 @@
         </p:blipFill>
         <p:spPr>
           <a:xfrm>
-            <a:off x="2353163" y="1709705"/>
+            <a:off x="2338771" y="2085249"/>
             <a:ext cx="4634621" cy="3438590"/>
           </a:xfrm>
         </p:spPr>
@@ -9671,7 +9156,7 @@
         </p:nvSpPr>
         <p:spPr>
           <a:xfrm rot="14120756">
-            <a:off x="3476356" y="1783903"/>
+            <a:off x="3483771" y="2149488"/>
             <a:ext cx="301491" cy="1473281"/>
           </a:xfrm>
           <a:prstGeom prst="downArrow">
@@ -9717,7 +9202,7 @@
         </p:nvSpPr>
         <p:spPr>
           <a:xfrm rot="18437536">
-            <a:off x="5712004" y="1807275"/>
+            <a:off x="5663742" y="2166171"/>
             <a:ext cx="301491" cy="1473281"/>
           </a:xfrm>
           <a:prstGeom prst="downArrow">
@@ -9745,7 +9230,7 @@
           <a:lstStyle/>
           <a:p>
             <a:pPr algn="ctr"/>
-            <a:endParaRPr lang="it-IT"/>
+            <a:endParaRPr lang="it-IT" dirty="0"/>
           </a:p>
         </p:txBody>
       </p:sp>
@@ -9763,7 +9248,7 @@
         </p:nvSpPr>
         <p:spPr>
           <a:xfrm rot="14120756">
-            <a:off x="5697699" y="3464517"/>
+            <a:off x="5462708" y="3496457"/>
             <a:ext cx="301491" cy="1473281"/>
           </a:xfrm>
           <a:prstGeom prst="downArrow">
@@ -9969,7 +9454,7 @@
         </p:nvSpPr>
         <p:spPr>
           <a:xfrm>
-            <a:off x="305909" y="3797779"/>
+            <a:off x="467432" y="4384610"/>
             <a:ext cx="2541693" cy="2031325"/>
           </a:xfrm>
           <a:prstGeom prst="rect">
@@ -10091,7 +9576,7 @@
         </p:nvSpPr>
         <p:spPr>
           <a:xfrm>
-            <a:off x="6540122" y="3815839"/>
+            <a:off x="6578809" y="4394323"/>
             <a:ext cx="2536736" cy="2031325"/>
           </a:xfrm>
           <a:prstGeom prst="rect">
@@ -10213,7 +9698,7 @@
         </p:nvSpPr>
         <p:spPr>
           <a:xfrm rot="18292896">
-            <a:off x="3456126" y="3462455"/>
+            <a:off x="3716539" y="3558499"/>
             <a:ext cx="301491" cy="1473281"/>
           </a:xfrm>
           <a:prstGeom prst="downArrow">
@@ -10266,9 +9751,9 @@
           <p:nvPr/>
         </p:nvCxnSpPr>
         <p:spPr>
-          <a:xfrm flipV="1">
-            <a:off x="1163423" y="3317589"/>
-            <a:ext cx="1340779" cy="1"/>
+          <a:xfrm>
+            <a:off x="841605" y="3804544"/>
+            <a:ext cx="1666145" cy="1"/>
           </a:xfrm>
           <a:prstGeom prst="line">
             <a:avLst/>
@@ -10317,7 +9802,7 @@
         </p:blipFill>
         <p:spPr>
           <a:xfrm>
-            <a:off x="712038" y="2779789"/>
+            <a:off x="42720" y="3130533"/>
             <a:ext cx="910436" cy="910436"/>
           </a:xfrm>
           <a:prstGeom prst="rect">
@@ -10353,7 +9838,7 @@
         </p:blipFill>
         <p:spPr>
           <a:xfrm>
-            <a:off x="7391959" y="2862371"/>
+            <a:off x="7962382" y="3130774"/>
             <a:ext cx="910436" cy="910436"/>
           </a:xfrm>
           <a:prstGeom prst="rect">
@@ -10377,8 +9862,8 @@
         </p:nvCxnSpPr>
         <p:spPr>
           <a:xfrm flipV="1">
-            <a:off x="6916178" y="3429001"/>
-            <a:ext cx="899587" cy="1"/>
+            <a:off x="6887587" y="3804544"/>
+            <a:ext cx="1471420" cy="1"/>
           </a:xfrm>
           <a:prstGeom prst="line">
             <a:avLst/>
@@ -10413,7 +9898,7 @@
         </p:nvSpPr>
         <p:spPr>
           <a:xfrm>
-            <a:off x="3384768" y="1000760"/>
+            <a:off x="5310441" y="975474"/>
             <a:ext cx="2536736" cy="738664"/>
           </a:xfrm>
           <a:prstGeom prst="rect">
@@ -10465,7 +9950,7 @@
         </p:nvSpPr>
         <p:spPr>
           <a:xfrm>
-            <a:off x="3476313" y="5148295"/>
+            <a:off x="3506255" y="5671675"/>
             <a:ext cx="2536736" cy="738664"/>
           </a:xfrm>
           <a:prstGeom prst="rect">
@@ -10503,6 +9988,809 @@
           </a:p>
         </p:txBody>
       </p:sp>
+      <p:pic>
+        <p:nvPicPr>
+          <p:cNvPr id="23" name="Immagine 22">
+            <a:extLst>
+              <a:ext uri="{FF2B5EF4-FFF2-40B4-BE49-F238E27FC236}">
+                <a16:creationId xmlns:a16="http://schemas.microsoft.com/office/drawing/2014/main" id="{3BA37EF2-3A1A-4790-8091-2AF076A54690}"/>
+              </a:ext>
+            </a:extLst>
+          </p:cNvPr>
+          <p:cNvPicPr>
+            <a:picLocks noChangeAspect="1"/>
+          </p:cNvPicPr>
+          <p:nvPr/>
+        </p:nvPicPr>
+        <p:blipFill>
+          <a:blip r:embed="rId4">
+            <a:extLst>
+              <a:ext uri="{28A0092B-C50C-407E-A947-70E740481C1C}">
+                <a14:useLocalDpi xmlns:a14="http://schemas.microsoft.com/office/drawing/2010/main" val="0"/>
+              </a:ext>
+            </a:extLst>
+          </a:blip>
+          <a:stretch>
+            <a:fillRect/>
+          </a:stretch>
+        </p:blipFill>
+        <p:spPr>
+          <a:xfrm>
+            <a:off x="1902979" y="766013"/>
+            <a:ext cx="910436" cy="910436"/>
+          </a:xfrm>
+          <a:prstGeom prst="rect">
+            <a:avLst/>
+          </a:prstGeom>
+        </p:spPr>
+      </p:pic>
+      <p:sp>
+        <p:nvSpPr>
+          <p:cNvPr id="5" name="CasellaDiTesto 4">
+            <a:extLst>
+              <a:ext uri="{FF2B5EF4-FFF2-40B4-BE49-F238E27FC236}">
+                <a16:creationId xmlns:a16="http://schemas.microsoft.com/office/drawing/2014/main" id="{23C64B88-5761-48BC-91C8-8E92FF8BCF70}"/>
+              </a:ext>
+            </a:extLst>
+          </p:cNvPr>
+          <p:cNvSpPr txBox="1"/>
+          <p:nvPr/>
+        </p:nvSpPr>
+        <p:spPr>
+          <a:xfrm>
+            <a:off x="1989392" y="766013"/>
+            <a:ext cx="1243346" cy="307777"/>
+          </a:xfrm>
+          <a:prstGeom prst="rect">
+            <a:avLst/>
+          </a:prstGeom>
+          <a:noFill/>
+        </p:spPr>
+        <p:txBody>
+          <a:bodyPr wrap="square" rtlCol="0">
+            <a:spAutoFit/>
+          </a:bodyPr>
+          <a:lstStyle/>
+          <a:p>
+            <a:r>
+              <a:rPr lang="it-IT" sz="1400" b="1" dirty="0"/>
+              <a:t>CONTROLLER</a:t>
+            </a:r>
+          </a:p>
+        </p:txBody>
+      </p:sp>
+      <p:sp>
+        <p:nvSpPr>
+          <p:cNvPr id="9" name="Rettangolo 8">
+            <a:extLst>
+              <a:ext uri="{FF2B5EF4-FFF2-40B4-BE49-F238E27FC236}">
+                <a16:creationId xmlns:a16="http://schemas.microsoft.com/office/drawing/2014/main" id="{F977139B-DA1C-4B52-A378-FE94C0815712}"/>
+              </a:ext>
+            </a:extLst>
+          </p:cNvPr>
+          <p:cNvSpPr/>
+          <p:nvPr/>
+        </p:nvSpPr>
+        <p:spPr>
+          <a:xfrm>
+            <a:off x="1387718" y="3458719"/>
+            <a:ext cx="910436" cy="245387"/>
+          </a:xfrm>
+          <a:prstGeom prst="rect">
+            <a:avLst/>
+          </a:prstGeom>
+          <a:solidFill>
+            <a:schemeClr val="accent1"/>
+          </a:solidFill>
+        </p:spPr>
+        <p:style>
+          <a:lnRef idx="2">
+            <a:schemeClr val="accent1">
+              <a:shade val="50000"/>
+            </a:schemeClr>
+          </a:lnRef>
+          <a:fillRef idx="1">
+            <a:schemeClr val="accent1"/>
+          </a:fillRef>
+          <a:effectRef idx="0">
+            <a:schemeClr val="accent1"/>
+          </a:effectRef>
+          <a:fontRef idx="minor">
+            <a:schemeClr val="lt1"/>
+          </a:fontRef>
+        </p:style>
+        <p:txBody>
+          <a:bodyPr rtlCol="0" anchor="ctr"/>
+          <a:lstStyle/>
+          <a:p>
+            <a:pPr algn="ctr"/>
+            <a:endParaRPr lang="it-IT"/>
+          </a:p>
+        </p:txBody>
+      </p:sp>
+      <p:sp>
+        <p:nvSpPr>
+          <p:cNvPr id="10" name="CasellaDiTesto 9">
+            <a:extLst>
+              <a:ext uri="{FF2B5EF4-FFF2-40B4-BE49-F238E27FC236}">
+                <a16:creationId xmlns:a16="http://schemas.microsoft.com/office/drawing/2014/main" id="{5D8E343C-250C-497D-9354-512F5F236F4D}"/>
+              </a:ext>
+            </a:extLst>
+          </p:cNvPr>
+          <p:cNvSpPr txBox="1"/>
+          <p:nvPr/>
+        </p:nvSpPr>
+        <p:spPr>
+          <a:xfrm>
+            <a:off x="1452962" y="3442912"/>
+            <a:ext cx="824841" cy="276999"/>
+          </a:xfrm>
+          <a:prstGeom prst="rect">
+            <a:avLst/>
+          </a:prstGeom>
+          <a:noFill/>
+        </p:spPr>
+        <p:txBody>
+          <a:bodyPr wrap="none" rtlCol="0">
+            <a:spAutoFit/>
+          </a:bodyPr>
+          <a:lstStyle/>
+          <a:p>
+            <a:r>
+              <a:rPr lang="it-IT" sz="1200" b="1" dirty="0">
+                <a:solidFill>
+                  <a:schemeClr val="bg1"/>
+                </a:solidFill>
+              </a:rPr>
+              <a:t>IP PACKET</a:t>
+            </a:r>
+          </a:p>
+        </p:txBody>
+      </p:sp>
+      <p:sp>
+        <p:nvSpPr>
+          <p:cNvPr id="28" name="Freccia a destra 27">
+            <a:extLst>
+              <a:ext uri="{FF2B5EF4-FFF2-40B4-BE49-F238E27FC236}">
+                <a16:creationId xmlns:a16="http://schemas.microsoft.com/office/drawing/2014/main" id="{29D46B27-1FCB-40D1-BFED-BCA870945A91}"/>
+              </a:ext>
+            </a:extLst>
+          </p:cNvPr>
+          <p:cNvSpPr/>
+          <p:nvPr/>
+        </p:nvSpPr>
+        <p:spPr>
+          <a:xfrm rot="15748733">
+            <a:off x="1656860" y="2539935"/>
+            <a:ext cx="1994714" cy="90925"/>
+          </a:xfrm>
+          <a:prstGeom prst="rightArrow">
+            <a:avLst/>
+          </a:prstGeom>
+        </p:spPr>
+        <p:style>
+          <a:lnRef idx="2">
+            <a:schemeClr val="accent1">
+              <a:shade val="50000"/>
+            </a:schemeClr>
+          </a:lnRef>
+          <a:fillRef idx="1">
+            <a:schemeClr val="accent1"/>
+          </a:fillRef>
+          <a:effectRef idx="0">
+            <a:schemeClr val="accent1"/>
+          </a:effectRef>
+          <a:fontRef idx="minor">
+            <a:schemeClr val="lt1"/>
+          </a:fontRef>
+        </p:style>
+        <p:txBody>
+          <a:bodyPr rtlCol="0" anchor="ctr"/>
+          <a:lstStyle/>
+          <a:p>
+            <a:pPr algn="ctr"/>
+            <a:endParaRPr lang="it-IT"/>
+          </a:p>
+        </p:txBody>
+      </p:sp>
+      <p:sp>
+        <p:nvSpPr>
+          <p:cNvPr id="29" name="Rettangolo 28">
+            <a:extLst>
+              <a:ext uri="{FF2B5EF4-FFF2-40B4-BE49-F238E27FC236}">
+                <a16:creationId xmlns:a16="http://schemas.microsoft.com/office/drawing/2014/main" id="{323C39D7-A477-448A-8E3E-1510C6899293}"/>
+              </a:ext>
+            </a:extLst>
+          </p:cNvPr>
+          <p:cNvSpPr/>
+          <p:nvPr/>
+        </p:nvSpPr>
+        <p:spPr>
+          <a:xfrm>
+            <a:off x="2882311" y="1031786"/>
+            <a:ext cx="910436" cy="245387"/>
+          </a:xfrm>
+          <a:prstGeom prst="rect">
+            <a:avLst/>
+          </a:prstGeom>
+          <a:solidFill>
+            <a:schemeClr val="accent1"/>
+          </a:solidFill>
+        </p:spPr>
+        <p:style>
+          <a:lnRef idx="2">
+            <a:schemeClr val="accent1">
+              <a:shade val="50000"/>
+            </a:schemeClr>
+          </a:lnRef>
+          <a:fillRef idx="1">
+            <a:schemeClr val="accent1"/>
+          </a:fillRef>
+          <a:effectRef idx="0">
+            <a:schemeClr val="accent1"/>
+          </a:effectRef>
+          <a:fontRef idx="minor">
+            <a:schemeClr val="lt1"/>
+          </a:fontRef>
+        </p:style>
+        <p:txBody>
+          <a:bodyPr rtlCol="0" anchor="ctr"/>
+          <a:lstStyle/>
+          <a:p>
+            <a:pPr algn="ctr"/>
+            <a:endParaRPr lang="it-IT"/>
+          </a:p>
+        </p:txBody>
+      </p:sp>
+      <p:sp>
+        <p:nvSpPr>
+          <p:cNvPr id="30" name="CasellaDiTesto 29">
+            <a:extLst>
+              <a:ext uri="{FF2B5EF4-FFF2-40B4-BE49-F238E27FC236}">
+                <a16:creationId xmlns:a16="http://schemas.microsoft.com/office/drawing/2014/main" id="{AB3B3354-02AC-4B91-9F24-12317D4944F7}"/>
+              </a:ext>
+            </a:extLst>
+          </p:cNvPr>
+          <p:cNvSpPr txBox="1"/>
+          <p:nvPr/>
+        </p:nvSpPr>
+        <p:spPr>
+          <a:xfrm>
+            <a:off x="2947555" y="1015979"/>
+            <a:ext cx="824841" cy="276999"/>
+          </a:xfrm>
+          <a:prstGeom prst="rect">
+            <a:avLst/>
+          </a:prstGeom>
+          <a:noFill/>
+        </p:spPr>
+        <p:txBody>
+          <a:bodyPr wrap="none" rtlCol="0">
+            <a:spAutoFit/>
+          </a:bodyPr>
+          <a:lstStyle/>
+          <a:p>
+            <a:r>
+              <a:rPr lang="it-IT" sz="1200" b="1" dirty="0">
+                <a:solidFill>
+                  <a:schemeClr val="bg1"/>
+                </a:solidFill>
+              </a:rPr>
+              <a:t>IP PACKET</a:t>
+            </a:r>
+          </a:p>
+        </p:txBody>
+      </p:sp>
+      <p:sp>
+        <p:nvSpPr>
+          <p:cNvPr id="33" name="Freccia a destra 32">
+            <a:extLst>
+              <a:ext uri="{FF2B5EF4-FFF2-40B4-BE49-F238E27FC236}">
+                <a16:creationId xmlns:a16="http://schemas.microsoft.com/office/drawing/2014/main" id="{11A1FD21-4BC7-4FC4-BF27-FA1DCBFBB9AF}"/>
+              </a:ext>
+            </a:extLst>
+          </p:cNvPr>
+          <p:cNvSpPr/>
+          <p:nvPr/>
+        </p:nvSpPr>
+        <p:spPr>
+          <a:xfrm rot="1952913" flipV="1">
+            <a:off x="2428843" y="2581869"/>
+            <a:ext cx="4023470" cy="103059"/>
+          </a:xfrm>
+          <a:prstGeom prst="rightArrow">
+            <a:avLst/>
+          </a:prstGeom>
+          <a:solidFill>
+            <a:schemeClr val="accent6"/>
+          </a:solidFill>
+        </p:spPr>
+        <p:style>
+          <a:lnRef idx="2">
+            <a:schemeClr val="accent1">
+              <a:shade val="50000"/>
+            </a:schemeClr>
+          </a:lnRef>
+          <a:fillRef idx="1">
+            <a:schemeClr val="accent1"/>
+          </a:fillRef>
+          <a:effectRef idx="0">
+            <a:schemeClr val="accent1"/>
+          </a:effectRef>
+          <a:fontRef idx="minor">
+            <a:schemeClr val="lt1"/>
+          </a:fontRef>
+        </p:style>
+        <p:txBody>
+          <a:bodyPr rtlCol="0" anchor="ctr"/>
+          <a:lstStyle/>
+          <a:p>
+            <a:pPr algn="ctr"/>
+            <a:endParaRPr lang="it-IT">
+              <a:solidFill>
+                <a:schemeClr val="accent6"/>
+              </a:solidFill>
+            </a:endParaRPr>
+          </a:p>
+        </p:txBody>
+      </p:sp>
+      <p:sp>
+        <p:nvSpPr>
+          <p:cNvPr id="36" name="Freccia a destra 35">
+            <a:extLst>
+              <a:ext uri="{FF2B5EF4-FFF2-40B4-BE49-F238E27FC236}">
+                <a16:creationId xmlns:a16="http://schemas.microsoft.com/office/drawing/2014/main" id="{E7B92784-2DED-4C96-B08A-524F4E000D49}"/>
+              </a:ext>
+            </a:extLst>
+          </p:cNvPr>
+          <p:cNvSpPr/>
+          <p:nvPr/>
+        </p:nvSpPr>
+        <p:spPr>
+          <a:xfrm rot="3495898">
+            <a:off x="1810965" y="3175442"/>
+            <a:ext cx="3688787" cy="125800"/>
+          </a:xfrm>
+          <a:prstGeom prst="rightArrow">
+            <a:avLst/>
+          </a:prstGeom>
+          <a:solidFill>
+            <a:schemeClr val="accent6"/>
+          </a:solidFill>
+        </p:spPr>
+        <p:style>
+          <a:lnRef idx="2">
+            <a:schemeClr val="accent1">
+              <a:shade val="50000"/>
+            </a:schemeClr>
+          </a:lnRef>
+          <a:fillRef idx="1">
+            <a:schemeClr val="accent1"/>
+          </a:fillRef>
+          <a:effectRef idx="0">
+            <a:schemeClr val="accent1"/>
+          </a:effectRef>
+          <a:fontRef idx="minor">
+            <a:schemeClr val="lt1"/>
+          </a:fontRef>
+        </p:style>
+        <p:txBody>
+          <a:bodyPr rtlCol="0" anchor="ctr"/>
+          <a:lstStyle/>
+          <a:p>
+            <a:pPr algn="ctr"/>
+            <a:endParaRPr lang="it-IT">
+              <a:solidFill>
+                <a:schemeClr val="accent6"/>
+              </a:solidFill>
+            </a:endParaRPr>
+          </a:p>
+        </p:txBody>
+      </p:sp>
+      <p:sp>
+        <p:nvSpPr>
+          <p:cNvPr id="37" name="Freccia a destra 36">
+            <a:extLst>
+              <a:ext uri="{FF2B5EF4-FFF2-40B4-BE49-F238E27FC236}">
+                <a16:creationId xmlns:a16="http://schemas.microsoft.com/office/drawing/2014/main" id="{E69B7810-CD25-4F16-93AE-96380F1F05D9}"/>
+              </a:ext>
+            </a:extLst>
+          </p:cNvPr>
+          <p:cNvSpPr/>
+          <p:nvPr/>
+        </p:nvSpPr>
+        <p:spPr>
+          <a:xfrm rot="4897618">
+            <a:off x="1580894" y="2536899"/>
+            <a:ext cx="1911855" cy="96994"/>
+          </a:xfrm>
+          <a:prstGeom prst="rightArrow">
+            <a:avLst/>
+          </a:prstGeom>
+          <a:solidFill>
+            <a:schemeClr val="accent6"/>
+          </a:solidFill>
+        </p:spPr>
+        <p:style>
+          <a:lnRef idx="2">
+            <a:schemeClr val="accent1">
+              <a:shade val="50000"/>
+            </a:schemeClr>
+          </a:lnRef>
+          <a:fillRef idx="1">
+            <a:schemeClr val="accent1"/>
+          </a:fillRef>
+          <a:effectRef idx="0">
+            <a:schemeClr val="accent1"/>
+          </a:effectRef>
+          <a:fontRef idx="minor">
+            <a:schemeClr val="lt1"/>
+          </a:fontRef>
+        </p:style>
+        <p:txBody>
+          <a:bodyPr rtlCol="0" anchor="ctr"/>
+          <a:lstStyle/>
+          <a:p>
+            <a:pPr algn="ctr"/>
+            <a:endParaRPr lang="it-IT">
+              <a:solidFill>
+                <a:schemeClr val="accent6"/>
+              </a:solidFill>
+            </a:endParaRPr>
+          </a:p>
+        </p:txBody>
+      </p:sp>
+      <p:sp>
+        <p:nvSpPr>
+          <p:cNvPr id="39" name="Freccia a destra 38">
+            <a:extLst>
+              <a:ext uri="{FF2B5EF4-FFF2-40B4-BE49-F238E27FC236}">
+                <a16:creationId xmlns:a16="http://schemas.microsoft.com/office/drawing/2014/main" id="{9690517A-9CB6-4AF8-8398-B2167BE26A67}"/>
+              </a:ext>
+            </a:extLst>
+          </p:cNvPr>
+          <p:cNvSpPr/>
+          <p:nvPr/>
+        </p:nvSpPr>
+        <p:spPr>
+          <a:xfrm rot="1376099">
+            <a:off x="2810553" y="1721848"/>
+            <a:ext cx="1875863" cy="86887"/>
+          </a:xfrm>
+          <a:prstGeom prst="rightArrow">
+            <a:avLst/>
+          </a:prstGeom>
+          <a:solidFill>
+            <a:schemeClr val="accent6"/>
+          </a:solidFill>
+        </p:spPr>
+        <p:style>
+          <a:lnRef idx="2">
+            <a:schemeClr val="accent1">
+              <a:shade val="50000"/>
+            </a:schemeClr>
+          </a:lnRef>
+          <a:fillRef idx="1">
+            <a:schemeClr val="accent1"/>
+          </a:fillRef>
+          <a:effectRef idx="0">
+            <a:schemeClr val="accent1"/>
+          </a:effectRef>
+          <a:fontRef idx="minor">
+            <a:schemeClr val="lt1"/>
+          </a:fontRef>
+        </p:style>
+        <p:txBody>
+          <a:bodyPr rtlCol="0" anchor="ctr"/>
+          <a:lstStyle/>
+          <a:p>
+            <a:pPr algn="ctr"/>
+            <a:endParaRPr lang="it-IT">
+              <a:solidFill>
+                <a:schemeClr val="accent6"/>
+              </a:solidFill>
+            </a:endParaRPr>
+          </a:p>
+        </p:txBody>
+      </p:sp>
+      <p:pic>
+        <p:nvPicPr>
+          <p:cNvPr id="48" name="Immagine 47">
+            <a:extLst>
+              <a:ext uri="{FF2B5EF4-FFF2-40B4-BE49-F238E27FC236}">
+                <a16:creationId xmlns:a16="http://schemas.microsoft.com/office/drawing/2014/main" id="{C7C23B3A-15EC-45D4-AA8A-E0685A646EC1}"/>
+              </a:ext>
+            </a:extLst>
+          </p:cNvPr>
+          <p:cNvPicPr>
+            <a:picLocks noChangeAspect="1"/>
+          </p:cNvPicPr>
+          <p:nvPr/>
+        </p:nvPicPr>
+        <p:blipFill>
+          <a:blip r:embed="rId5"/>
+          <a:stretch>
+            <a:fillRect/>
+          </a:stretch>
+        </p:blipFill>
+        <p:spPr>
+          <a:xfrm>
+            <a:off x="6103669" y="4147688"/>
+            <a:ext cx="1207113" cy="329213"/>
+          </a:xfrm>
+          <a:prstGeom prst="rect">
+            <a:avLst/>
+          </a:prstGeom>
+        </p:spPr>
+      </p:pic>
+      <p:sp>
+        <p:nvSpPr>
+          <p:cNvPr id="50" name="Rettangolo 49">
+            <a:extLst>
+              <a:ext uri="{FF2B5EF4-FFF2-40B4-BE49-F238E27FC236}">
+                <a16:creationId xmlns:a16="http://schemas.microsoft.com/office/drawing/2014/main" id="{CE2EC970-F82B-4DF7-9369-C948CDFAD8A7}"/>
+              </a:ext>
+            </a:extLst>
+          </p:cNvPr>
+          <p:cNvSpPr/>
+          <p:nvPr/>
+        </p:nvSpPr>
+        <p:spPr>
+          <a:xfrm>
+            <a:off x="7123803" y="3481275"/>
+            <a:ext cx="910436" cy="245387"/>
+          </a:xfrm>
+          <a:prstGeom prst="rect">
+            <a:avLst/>
+          </a:prstGeom>
+          <a:solidFill>
+            <a:schemeClr val="accent1"/>
+          </a:solidFill>
+        </p:spPr>
+        <p:style>
+          <a:lnRef idx="2">
+            <a:schemeClr val="accent1">
+              <a:shade val="50000"/>
+            </a:schemeClr>
+          </a:lnRef>
+          <a:fillRef idx="1">
+            <a:schemeClr val="accent1"/>
+          </a:fillRef>
+          <a:effectRef idx="0">
+            <a:schemeClr val="accent1"/>
+          </a:effectRef>
+          <a:fontRef idx="minor">
+            <a:schemeClr val="lt1"/>
+          </a:fontRef>
+        </p:style>
+        <p:txBody>
+          <a:bodyPr rtlCol="0" anchor="ctr"/>
+          <a:lstStyle/>
+          <a:p>
+            <a:pPr algn="ctr"/>
+            <a:endParaRPr lang="it-IT"/>
+          </a:p>
+        </p:txBody>
+      </p:sp>
+      <p:sp>
+        <p:nvSpPr>
+          <p:cNvPr id="51" name="CasellaDiTesto 50">
+            <a:extLst>
+              <a:ext uri="{FF2B5EF4-FFF2-40B4-BE49-F238E27FC236}">
+                <a16:creationId xmlns:a16="http://schemas.microsoft.com/office/drawing/2014/main" id="{EF07B620-CBB6-4B8D-9B0B-DE416154C7B3}"/>
+              </a:ext>
+            </a:extLst>
+          </p:cNvPr>
+          <p:cNvSpPr txBox="1"/>
+          <p:nvPr/>
+        </p:nvSpPr>
+        <p:spPr>
+          <a:xfrm>
+            <a:off x="7189047" y="3465468"/>
+            <a:ext cx="824841" cy="276999"/>
+          </a:xfrm>
+          <a:prstGeom prst="rect">
+            <a:avLst/>
+          </a:prstGeom>
+          <a:noFill/>
+        </p:spPr>
+        <p:txBody>
+          <a:bodyPr wrap="none" rtlCol="0">
+            <a:spAutoFit/>
+          </a:bodyPr>
+          <a:lstStyle/>
+          <a:p>
+            <a:r>
+              <a:rPr lang="it-IT" sz="1200" b="1" dirty="0">
+                <a:solidFill>
+                  <a:schemeClr val="bg1"/>
+                </a:solidFill>
+              </a:rPr>
+              <a:t>IP PACKET</a:t>
+            </a:r>
+          </a:p>
+        </p:txBody>
+      </p:sp>
+      <p:sp>
+        <p:nvSpPr>
+          <p:cNvPr id="54" name="Freccia a destra 53">
+            <a:extLst>
+              <a:ext uri="{FF2B5EF4-FFF2-40B4-BE49-F238E27FC236}">
+                <a16:creationId xmlns:a16="http://schemas.microsoft.com/office/drawing/2014/main" id="{1327922E-A207-429C-A8A9-E547AC805483}"/>
+              </a:ext>
+            </a:extLst>
+          </p:cNvPr>
+          <p:cNvSpPr/>
+          <p:nvPr/>
+        </p:nvSpPr>
+        <p:spPr>
+          <a:xfrm rot="1749631">
+            <a:off x="2722269" y="1799569"/>
+            <a:ext cx="1899458" cy="127747"/>
+          </a:xfrm>
+          <a:prstGeom prst="rightArrow">
+            <a:avLst/>
+          </a:prstGeom>
+          <a:solidFill>
+            <a:schemeClr val="accent2"/>
+          </a:solidFill>
+        </p:spPr>
+        <p:style>
+          <a:lnRef idx="2">
+            <a:schemeClr val="accent1">
+              <a:shade val="50000"/>
+            </a:schemeClr>
+          </a:lnRef>
+          <a:fillRef idx="1">
+            <a:schemeClr val="accent1"/>
+          </a:fillRef>
+          <a:effectRef idx="0">
+            <a:schemeClr val="accent1"/>
+          </a:effectRef>
+          <a:fontRef idx="minor">
+            <a:schemeClr val="lt1"/>
+          </a:fontRef>
+        </p:style>
+        <p:txBody>
+          <a:bodyPr rtlCol="0" anchor="ctr"/>
+          <a:lstStyle/>
+          <a:p>
+            <a:pPr algn="ctr"/>
+            <a:endParaRPr lang="it-IT" dirty="0">
+              <a:solidFill>
+                <a:schemeClr val="accent6"/>
+              </a:solidFill>
+            </a:endParaRPr>
+          </a:p>
+        </p:txBody>
+      </p:sp>
+      <p:pic>
+        <p:nvPicPr>
+          <p:cNvPr id="55" name="Immagine 54">
+            <a:extLst>
+              <a:ext uri="{FF2B5EF4-FFF2-40B4-BE49-F238E27FC236}">
+                <a16:creationId xmlns:a16="http://schemas.microsoft.com/office/drawing/2014/main" id="{C5F0A304-AD62-4EE7-953E-CEFE2FFAED57}"/>
+              </a:ext>
+            </a:extLst>
+          </p:cNvPr>
+          <p:cNvPicPr>
+            <a:picLocks noChangeAspect="1"/>
+          </p:cNvPicPr>
+          <p:nvPr/>
+        </p:nvPicPr>
+        <p:blipFill>
+          <a:blip r:embed="rId5"/>
+          <a:stretch>
+            <a:fillRect/>
+          </a:stretch>
+        </p:blipFill>
+        <p:spPr>
+          <a:xfrm>
+            <a:off x="4391160" y="1820642"/>
+            <a:ext cx="1207113" cy="329213"/>
+          </a:xfrm>
+          <a:prstGeom prst="rect">
+            <a:avLst/>
+          </a:prstGeom>
+        </p:spPr>
+      </p:pic>
+      <p:sp>
+        <p:nvSpPr>
+          <p:cNvPr id="56" name="CasellaDiTesto 55">
+            <a:extLst>
+              <a:ext uri="{FF2B5EF4-FFF2-40B4-BE49-F238E27FC236}">
+                <a16:creationId xmlns:a16="http://schemas.microsoft.com/office/drawing/2014/main" id="{C754D603-E569-4AD7-A366-67BCACBC19FE}"/>
+              </a:ext>
+            </a:extLst>
+          </p:cNvPr>
+          <p:cNvSpPr txBox="1"/>
+          <p:nvPr/>
+        </p:nvSpPr>
+        <p:spPr>
+          <a:xfrm>
+            <a:off x="145650" y="2123707"/>
+            <a:ext cx="2678845" cy="1200329"/>
+          </a:xfrm>
+          <a:prstGeom prst="rect">
+            <a:avLst/>
+          </a:prstGeom>
+          <a:noFill/>
+          <a:ln w="28575">
+            <a:solidFill>
+              <a:schemeClr val="accent1"/>
+            </a:solidFill>
+          </a:ln>
+        </p:spPr>
+        <p:txBody>
+          <a:bodyPr wrap="square" rtlCol="0">
+            <a:spAutoFit/>
+          </a:bodyPr>
+          <a:lstStyle/>
+          <a:p>
+            <a:pPr algn="ctr"/>
+            <a:r>
+              <a:rPr lang="it-IT" dirty="0"/>
+              <a:t>The </a:t>
+            </a:r>
+            <a:r>
+              <a:rPr lang="it-IT" dirty="0" err="1"/>
+              <a:t>next</a:t>
+            </a:r>
+            <a:r>
+              <a:rPr lang="it-IT" dirty="0"/>
+              <a:t> </a:t>
+            </a:r>
+            <a:r>
+              <a:rPr lang="it-IT" dirty="0" err="1"/>
+              <a:t>packets</a:t>
+            </a:r>
+            <a:r>
+              <a:rPr lang="it-IT" dirty="0"/>
+              <a:t> </a:t>
+            </a:r>
+            <a:r>
+              <a:rPr lang="it-IT" dirty="0" err="1"/>
+              <a:t>will</a:t>
+            </a:r>
+            <a:r>
+              <a:rPr lang="it-IT" dirty="0"/>
+              <a:t> be </a:t>
+            </a:r>
+          </a:p>
+          <a:p>
+            <a:pPr algn="ctr"/>
+            <a:r>
+              <a:rPr lang="it-IT" dirty="0" err="1"/>
+              <a:t>forwarded</a:t>
+            </a:r>
+            <a:r>
+              <a:rPr lang="it-IT" dirty="0"/>
+              <a:t> </a:t>
+            </a:r>
+            <a:r>
+              <a:rPr lang="it-IT" dirty="0" err="1"/>
+              <a:t>directly</a:t>
+            </a:r>
+            <a:r>
+              <a:rPr lang="it-IT" dirty="0"/>
+              <a:t> by the switches, </a:t>
+            </a:r>
+            <a:r>
+              <a:rPr lang="it-IT" dirty="0" err="1"/>
+              <a:t>since</a:t>
+            </a:r>
+            <a:r>
+              <a:rPr lang="it-IT" dirty="0"/>
+              <a:t> the new rules are </a:t>
+            </a:r>
+            <a:r>
+              <a:rPr lang="it-IT" dirty="0" err="1"/>
+              <a:t>installed</a:t>
+            </a:r>
+            <a:endParaRPr lang="it-IT" dirty="0"/>
+          </a:p>
+        </p:txBody>
+      </p:sp>
     </p:spTree>
     <p:extLst>
       <p:ext uri="{BB962C8B-B14F-4D97-AF65-F5344CB8AC3E}">
@@ -10513,6 +10801,1314 @@
   <p:clrMapOvr>
     <a:masterClrMapping/>
   </p:clrMapOvr>
+  <p:timing>
+    <p:tnLst>
+      <p:par>
+        <p:cTn id="1" dur="indefinite" restart="never" nodeType="tmRoot">
+          <p:childTnLst>
+            <p:seq concurrent="1" nextAc="seek">
+              <p:cTn id="2" dur="indefinite" nodeType="mainSeq">
+                <p:childTnLst>
+                  <p:par>
+                    <p:cTn id="3" fill="hold">
+                      <p:stCondLst>
+                        <p:cond delay="indefinite"/>
+                      </p:stCondLst>
+                      <p:childTnLst>
+                        <p:par>
+                          <p:cTn id="4" fill="hold">
+                            <p:stCondLst>
+                              <p:cond delay="0"/>
+                            </p:stCondLst>
+                            <p:childTnLst>
+                              <p:par>
+                                <p:cTn id="5" presetID="1" presetClass="entr" presetSubtype="0" fill="hold" grpId="2" nodeType="clickEffect">
+                                  <p:stCondLst>
+                                    <p:cond delay="0"/>
+                                  </p:stCondLst>
+                                  <p:childTnLst>
+                                    <p:set>
+                                      <p:cBhvr>
+                                        <p:cTn id="6" dur="1" fill="hold">
+                                          <p:stCondLst>
+                                            <p:cond delay="0"/>
+                                          </p:stCondLst>
+                                        </p:cTn>
+                                        <p:tgtEl>
+                                          <p:spTgt spid="9"/>
+                                        </p:tgtEl>
+                                        <p:attrNameLst>
+                                          <p:attrName>style.visibility</p:attrName>
+                                        </p:attrNameLst>
+                                      </p:cBhvr>
+                                      <p:to>
+                                        <p:strVal val="visible"/>
+                                      </p:to>
+                                    </p:set>
+                                  </p:childTnLst>
+                                </p:cTn>
+                              </p:par>
+                              <p:par>
+                                <p:cTn id="7" presetID="1" presetClass="entr" presetSubtype="0" fill="hold" grpId="1" nodeType="withEffect">
+                                  <p:stCondLst>
+                                    <p:cond delay="0"/>
+                                  </p:stCondLst>
+                                  <p:childTnLst>
+                                    <p:set>
+                                      <p:cBhvr>
+                                        <p:cTn id="8" dur="1" fill="hold">
+                                          <p:stCondLst>
+                                            <p:cond delay="0"/>
+                                          </p:stCondLst>
+                                        </p:cTn>
+                                        <p:tgtEl>
+                                          <p:spTgt spid="10"/>
+                                        </p:tgtEl>
+                                        <p:attrNameLst>
+                                          <p:attrName>style.visibility</p:attrName>
+                                        </p:attrNameLst>
+                                      </p:cBhvr>
+                                      <p:to>
+                                        <p:strVal val="visible"/>
+                                      </p:to>
+                                    </p:set>
+                                  </p:childTnLst>
+                                </p:cTn>
+                              </p:par>
+                            </p:childTnLst>
+                          </p:cTn>
+                        </p:par>
+                      </p:childTnLst>
+                    </p:cTn>
+                  </p:par>
+                  <p:par>
+                    <p:cTn id="9" fill="hold">
+                      <p:stCondLst>
+                        <p:cond delay="indefinite"/>
+                      </p:stCondLst>
+                      <p:childTnLst>
+                        <p:par>
+                          <p:cTn id="10" fill="hold">
+                            <p:stCondLst>
+                              <p:cond delay="0"/>
+                            </p:stCondLst>
+                            <p:childTnLst>
+                              <p:par>
+                                <p:cTn id="11" presetID="1" presetClass="exit" presetSubtype="0" fill="hold" grpId="1" nodeType="clickEffect">
+                                  <p:stCondLst>
+                                    <p:cond delay="0"/>
+                                  </p:stCondLst>
+                                  <p:childTnLst>
+                                    <p:set>
+                                      <p:cBhvr>
+                                        <p:cTn id="12" dur="1" fill="hold">
+                                          <p:stCondLst>
+                                            <p:cond delay="0"/>
+                                          </p:stCondLst>
+                                        </p:cTn>
+                                        <p:tgtEl>
+                                          <p:spTgt spid="9"/>
+                                        </p:tgtEl>
+                                        <p:attrNameLst>
+                                          <p:attrName>style.visibility</p:attrName>
+                                        </p:attrNameLst>
+                                      </p:cBhvr>
+                                      <p:to>
+                                        <p:strVal val="hidden"/>
+                                      </p:to>
+                                    </p:set>
+                                  </p:childTnLst>
+                                </p:cTn>
+                              </p:par>
+                              <p:par>
+                                <p:cTn id="13" presetID="1" presetClass="exit" presetSubtype="0" fill="hold" grpId="0" nodeType="withEffect">
+                                  <p:stCondLst>
+                                    <p:cond delay="0"/>
+                                  </p:stCondLst>
+                                  <p:childTnLst>
+                                    <p:set>
+                                      <p:cBhvr>
+                                        <p:cTn id="14" dur="1" fill="hold">
+                                          <p:stCondLst>
+                                            <p:cond delay="0"/>
+                                          </p:stCondLst>
+                                        </p:cTn>
+                                        <p:tgtEl>
+                                          <p:spTgt spid="10"/>
+                                        </p:tgtEl>
+                                        <p:attrNameLst>
+                                          <p:attrName>style.visibility</p:attrName>
+                                        </p:attrNameLst>
+                                      </p:cBhvr>
+                                      <p:to>
+                                        <p:strVal val="hidden"/>
+                                      </p:to>
+                                    </p:set>
+                                  </p:childTnLst>
+                                </p:cTn>
+                              </p:par>
+                              <p:par>
+                                <p:cTn id="15" presetID="1" presetClass="entr" presetSubtype="0" fill="hold" grpId="0" nodeType="withEffect">
+                                  <p:stCondLst>
+                                    <p:cond delay="0"/>
+                                  </p:stCondLst>
+                                  <p:childTnLst>
+                                    <p:set>
+                                      <p:cBhvr>
+                                        <p:cTn id="16" dur="1" fill="hold">
+                                          <p:stCondLst>
+                                            <p:cond delay="0"/>
+                                          </p:stCondLst>
+                                        </p:cTn>
+                                        <p:tgtEl>
+                                          <p:spTgt spid="30"/>
+                                        </p:tgtEl>
+                                        <p:attrNameLst>
+                                          <p:attrName>style.visibility</p:attrName>
+                                        </p:attrNameLst>
+                                      </p:cBhvr>
+                                      <p:to>
+                                        <p:strVal val="visible"/>
+                                      </p:to>
+                                    </p:set>
+                                  </p:childTnLst>
+                                </p:cTn>
+                              </p:par>
+                              <p:par>
+                                <p:cTn id="17" presetID="1" presetClass="entr" presetSubtype="0" fill="hold" grpId="0" nodeType="withEffect">
+                                  <p:stCondLst>
+                                    <p:cond delay="0"/>
+                                  </p:stCondLst>
+                                  <p:childTnLst>
+                                    <p:set>
+                                      <p:cBhvr>
+                                        <p:cTn id="18" dur="1" fill="hold">
+                                          <p:stCondLst>
+                                            <p:cond delay="0"/>
+                                          </p:stCondLst>
+                                        </p:cTn>
+                                        <p:tgtEl>
+                                          <p:spTgt spid="29"/>
+                                        </p:tgtEl>
+                                        <p:attrNameLst>
+                                          <p:attrName>style.visibility</p:attrName>
+                                        </p:attrNameLst>
+                                      </p:cBhvr>
+                                      <p:to>
+                                        <p:strVal val="visible"/>
+                                      </p:to>
+                                    </p:set>
+                                  </p:childTnLst>
+                                </p:cTn>
+                              </p:par>
+                              <p:par>
+                                <p:cTn id="19" presetID="1" presetClass="entr" presetSubtype="0" fill="hold" grpId="0" nodeType="withEffect">
+                                  <p:stCondLst>
+                                    <p:cond delay="0"/>
+                                  </p:stCondLst>
+                                  <p:childTnLst>
+                                    <p:set>
+                                      <p:cBhvr>
+                                        <p:cTn id="20" dur="1" fill="hold">
+                                          <p:stCondLst>
+                                            <p:cond delay="0"/>
+                                          </p:stCondLst>
+                                        </p:cTn>
+                                        <p:tgtEl>
+                                          <p:spTgt spid="28"/>
+                                        </p:tgtEl>
+                                        <p:attrNameLst>
+                                          <p:attrName>style.visibility</p:attrName>
+                                        </p:attrNameLst>
+                                      </p:cBhvr>
+                                      <p:to>
+                                        <p:strVal val="visible"/>
+                                      </p:to>
+                                    </p:set>
+                                  </p:childTnLst>
+                                </p:cTn>
+                              </p:par>
+                            </p:childTnLst>
+                          </p:cTn>
+                        </p:par>
+                      </p:childTnLst>
+                    </p:cTn>
+                  </p:par>
+                  <p:par>
+                    <p:cTn id="21" fill="hold">
+                      <p:stCondLst>
+                        <p:cond delay="indefinite"/>
+                      </p:stCondLst>
+                      <p:childTnLst>
+                        <p:par>
+                          <p:cTn id="22" fill="hold">
+                            <p:stCondLst>
+                              <p:cond delay="0"/>
+                            </p:stCondLst>
+                            <p:childTnLst>
+                              <p:par>
+                                <p:cTn id="23" presetID="1" presetClass="exit" presetSubtype="0" fill="hold" grpId="1" nodeType="clickEffect">
+                                  <p:stCondLst>
+                                    <p:cond delay="0"/>
+                                  </p:stCondLst>
+                                  <p:childTnLst>
+                                    <p:set>
+                                      <p:cBhvr>
+                                        <p:cTn id="24" dur="1" fill="hold">
+                                          <p:stCondLst>
+                                            <p:cond delay="0"/>
+                                          </p:stCondLst>
+                                        </p:cTn>
+                                        <p:tgtEl>
+                                          <p:spTgt spid="28"/>
+                                        </p:tgtEl>
+                                        <p:attrNameLst>
+                                          <p:attrName>style.visibility</p:attrName>
+                                        </p:attrNameLst>
+                                      </p:cBhvr>
+                                      <p:to>
+                                        <p:strVal val="hidden"/>
+                                      </p:to>
+                                    </p:set>
+                                  </p:childTnLst>
+                                </p:cTn>
+                              </p:par>
+                              <p:par>
+                                <p:cTn id="25" presetID="1" presetClass="entr" presetSubtype="0" fill="hold" grpId="0" nodeType="withEffect">
+                                  <p:stCondLst>
+                                    <p:cond delay="0"/>
+                                  </p:stCondLst>
+                                  <p:childTnLst>
+                                    <p:set>
+                                      <p:cBhvr>
+                                        <p:cTn id="26" dur="1" fill="hold">
+                                          <p:stCondLst>
+                                            <p:cond delay="0"/>
+                                          </p:stCondLst>
+                                        </p:cTn>
+                                        <p:tgtEl>
+                                          <p:spTgt spid="33"/>
+                                        </p:tgtEl>
+                                        <p:attrNameLst>
+                                          <p:attrName>style.visibility</p:attrName>
+                                        </p:attrNameLst>
+                                      </p:cBhvr>
+                                      <p:to>
+                                        <p:strVal val="visible"/>
+                                      </p:to>
+                                    </p:set>
+                                  </p:childTnLst>
+                                </p:cTn>
+                              </p:par>
+                              <p:par>
+                                <p:cTn id="27" presetID="1" presetClass="entr" presetSubtype="0" fill="hold" grpId="0" nodeType="withEffect">
+                                  <p:stCondLst>
+                                    <p:cond delay="0"/>
+                                  </p:stCondLst>
+                                  <p:childTnLst>
+                                    <p:set>
+                                      <p:cBhvr>
+                                        <p:cTn id="28" dur="1" fill="hold">
+                                          <p:stCondLst>
+                                            <p:cond delay="0"/>
+                                          </p:stCondLst>
+                                        </p:cTn>
+                                        <p:tgtEl>
+                                          <p:spTgt spid="36"/>
+                                        </p:tgtEl>
+                                        <p:attrNameLst>
+                                          <p:attrName>style.visibility</p:attrName>
+                                        </p:attrNameLst>
+                                      </p:cBhvr>
+                                      <p:to>
+                                        <p:strVal val="visible"/>
+                                      </p:to>
+                                    </p:set>
+                                  </p:childTnLst>
+                                </p:cTn>
+                              </p:par>
+                              <p:par>
+                                <p:cTn id="29" presetID="1" presetClass="entr" presetSubtype="0" fill="hold" grpId="0" nodeType="withEffect">
+                                  <p:stCondLst>
+                                    <p:cond delay="0"/>
+                                  </p:stCondLst>
+                                  <p:childTnLst>
+                                    <p:set>
+                                      <p:cBhvr>
+                                        <p:cTn id="30" dur="1" fill="hold">
+                                          <p:stCondLst>
+                                            <p:cond delay="0"/>
+                                          </p:stCondLst>
+                                        </p:cTn>
+                                        <p:tgtEl>
+                                          <p:spTgt spid="37"/>
+                                        </p:tgtEl>
+                                        <p:attrNameLst>
+                                          <p:attrName>style.visibility</p:attrName>
+                                        </p:attrNameLst>
+                                      </p:cBhvr>
+                                      <p:to>
+                                        <p:strVal val="visible"/>
+                                      </p:to>
+                                    </p:set>
+                                  </p:childTnLst>
+                                </p:cTn>
+                              </p:par>
+                              <p:par>
+                                <p:cTn id="31" presetID="1" presetClass="entr" presetSubtype="0" fill="hold" grpId="0" nodeType="withEffect">
+                                  <p:stCondLst>
+                                    <p:cond delay="0"/>
+                                  </p:stCondLst>
+                                  <p:childTnLst>
+                                    <p:set>
+                                      <p:cBhvr>
+                                        <p:cTn id="32" dur="1" fill="hold">
+                                          <p:stCondLst>
+                                            <p:cond delay="0"/>
+                                          </p:stCondLst>
+                                        </p:cTn>
+                                        <p:tgtEl>
+                                          <p:spTgt spid="39"/>
+                                        </p:tgtEl>
+                                        <p:attrNameLst>
+                                          <p:attrName>style.visibility</p:attrName>
+                                        </p:attrNameLst>
+                                      </p:cBhvr>
+                                      <p:to>
+                                        <p:strVal val="visible"/>
+                                      </p:to>
+                                    </p:set>
+                                  </p:childTnLst>
+                                </p:cTn>
+                              </p:par>
+                            </p:childTnLst>
+                          </p:cTn>
+                        </p:par>
+                      </p:childTnLst>
+                    </p:cTn>
+                  </p:par>
+                  <p:par>
+                    <p:cTn id="33" fill="hold">
+                      <p:stCondLst>
+                        <p:cond delay="indefinite"/>
+                      </p:stCondLst>
+                      <p:childTnLst>
+                        <p:par>
+                          <p:cTn id="34" fill="hold">
+                            <p:stCondLst>
+                              <p:cond delay="0"/>
+                            </p:stCondLst>
+                            <p:childTnLst>
+                              <p:par>
+                                <p:cTn id="35" presetID="1" presetClass="entr" presetSubtype="0" fill="hold" grpId="0" nodeType="clickEffect">
+                                  <p:stCondLst>
+                                    <p:cond delay="0"/>
+                                  </p:stCondLst>
+                                  <p:childTnLst>
+                                    <p:set>
+                                      <p:cBhvr>
+                                        <p:cTn id="36" dur="1" fill="hold">
+                                          <p:stCondLst>
+                                            <p:cond delay="0"/>
+                                          </p:stCondLst>
+                                        </p:cTn>
+                                        <p:tgtEl>
+                                          <p:spTgt spid="15"/>
+                                        </p:tgtEl>
+                                        <p:attrNameLst>
+                                          <p:attrName>style.visibility</p:attrName>
+                                        </p:attrNameLst>
+                                      </p:cBhvr>
+                                      <p:to>
+                                        <p:strVal val="visible"/>
+                                      </p:to>
+                                    </p:set>
+                                  </p:childTnLst>
+                                </p:cTn>
+                              </p:par>
+                            </p:childTnLst>
+                          </p:cTn>
+                        </p:par>
+                      </p:childTnLst>
+                    </p:cTn>
+                  </p:par>
+                  <p:par>
+                    <p:cTn id="37" fill="hold">
+                      <p:stCondLst>
+                        <p:cond delay="indefinite"/>
+                      </p:stCondLst>
+                      <p:childTnLst>
+                        <p:par>
+                          <p:cTn id="38" fill="hold">
+                            <p:stCondLst>
+                              <p:cond delay="0"/>
+                            </p:stCondLst>
+                            <p:childTnLst>
+                              <p:par>
+                                <p:cTn id="39" presetID="1" presetClass="entr" presetSubtype="0" fill="hold" grpId="0" nodeType="clickEffect">
+                                  <p:stCondLst>
+                                    <p:cond delay="0"/>
+                                  </p:stCondLst>
+                                  <p:childTnLst>
+                                    <p:set>
+                                      <p:cBhvr>
+                                        <p:cTn id="40" dur="1" fill="hold">
+                                          <p:stCondLst>
+                                            <p:cond delay="0"/>
+                                          </p:stCondLst>
+                                        </p:cTn>
+                                        <p:tgtEl>
+                                          <p:spTgt spid="18"/>
+                                        </p:tgtEl>
+                                        <p:attrNameLst>
+                                          <p:attrName>style.visibility</p:attrName>
+                                        </p:attrNameLst>
+                                      </p:cBhvr>
+                                      <p:to>
+                                        <p:strVal val="visible"/>
+                                      </p:to>
+                                    </p:set>
+                                  </p:childTnLst>
+                                </p:cTn>
+                              </p:par>
+                            </p:childTnLst>
+                          </p:cTn>
+                        </p:par>
+                      </p:childTnLst>
+                    </p:cTn>
+                  </p:par>
+                  <p:par>
+                    <p:cTn id="41" fill="hold">
+                      <p:stCondLst>
+                        <p:cond delay="indefinite"/>
+                      </p:stCondLst>
+                      <p:childTnLst>
+                        <p:par>
+                          <p:cTn id="42" fill="hold">
+                            <p:stCondLst>
+                              <p:cond delay="0"/>
+                            </p:stCondLst>
+                            <p:childTnLst>
+                              <p:par>
+                                <p:cTn id="43" presetID="1" presetClass="entr" presetSubtype="0" fill="hold" grpId="0" nodeType="clickEffect">
+                                  <p:stCondLst>
+                                    <p:cond delay="0"/>
+                                  </p:stCondLst>
+                                  <p:childTnLst>
+                                    <p:set>
+                                      <p:cBhvr>
+                                        <p:cTn id="44" dur="1" fill="hold">
+                                          <p:stCondLst>
+                                            <p:cond delay="0"/>
+                                          </p:stCondLst>
+                                        </p:cTn>
+                                        <p:tgtEl>
+                                          <p:spTgt spid="4"/>
+                                        </p:tgtEl>
+                                        <p:attrNameLst>
+                                          <p:attrName>style.visibility</p:attrName>
+                                        </p:attrNameLst>
+                                      </p:cBhvr>
+                                      <p:to>
+                                        <p:strVal val="visible"/>
+                                      </p:to>
+                                    </p:set>
+                                  </p:childTnLst>
+                                </p:cTn>
+                              </p:par>
+                              <p:par>
+                                <p:cTn id="45" presetID="1" presetClass="entr" presetSubtype="0" fill="hold" grpId="0" nodeType="withEffect">
+                                  <p:stCondLst>
+                                    <p:cond delay="0"/>
+                                  </p:stCondLst>
+                                  <p:childTnLst>
+                                    <p:set>
+                                      <p:cBhvr>
+                                        <p:cTn id="46" dur="1" fill="hold">
+                                          <p:stCondLst>
+                                            <p:cond delay="0"/>
+                                          </p:stCondLst>
+                                        </p:cTn>
+                                        <p:tgtEl>
+                                          <p:spTgt spid="22"/>
+                                        </p:tgtEl>
+                                        <p:attrNameLst>
+                                          <p:attrName>style.visibility</p:attrName>
+                                        </p:attrNameLst>
+                                      </p:cBhvr>
+                                      <p:to>
+                                        <p:strVal val="visible"/>
+                                      </p:to>
+                                    </p:set>
+                                  </p:childTnLst>
+                                </p:cTn>
+                              </p:par>
+                            </p:childTnLst>
+                          </p:cTn>
+                        </p:par>
+                      </p:childTnLst>
+                    </p:cTn>
+                  </p:par>
+                  <p:par>
+                    <p:cTn id="47" fill="hold">
+                      <p:stCondLst>
+                        <p:cond delay="indefinite"/>
+                      </p:stCondLst>
+                      <p:childTnLst>
+                        <p:par>
+                          <p:cTn id="48" fill="hold">
+                            <p:stCondLst>
+                              <p:cond delay="0"/>
+                            </p:stCondLst>
+                            <p:childTnLst>
+                              <p:par>
+                                <p:cTn id="49" presetID="1" presetClass="entr" presetSubtype="0" fill="hold" grpId="0" nodeType="clickEffect">
+                                  <p:stCondLst>
+                                    <p:cond delay="0"/>
+                                  </p:stCondLst>
+                                  <p:childTnLst>
+                                    <p:set>
+                                      <p:cBhvr>
+                                        <p:cTn id="50" dur="1" fill="hold">
+                                          <p:stCondLst>
+                                            <p:cond delay="0"/>
+                                          </p:stCondLst>
+                                        </p:cTn>
+                                        <p:tgtEl>
+                                          <p:spTgt spid="7"/>
+                                        </p:tgtEl>
+                                        <p:attrNameLst>
+                                          <p:attrName>style.visibility</p:attrName>
+                                        </p:attrNameLst>
+                                      </p:cBhvr>
+                                      <p:to>
+                                        <p:strVal val="visible"/>
+                                      </p:to>
+                                    </p:set>
+                                  </p:childTnLst>
+                                </p:cTn>
+                              </p:par>
+                              <p:par>
+                                <p:cTn id="51" presetID="1" presetClass="entr" presetSubtype="0" fill="hold" grpId="0" nodeType="withEffect">
+                                  <p:stCondLst>
+                                    <p:cond delay="0"/>
+                                  </p:stCondLst>
+                                  <p:childTnLst>
+                                    <p:set>
+                                      <p:cBhvr>
+                                        <p:cTn id="52" dur="1" fill="hold">
+                                          <p:stCondLst>
+                                            <p:cond delay="0"/>
+                                          </p:stCondLst>
+                                        </p:cTn>
+                                        <p:tgtEl>
+                                          <p:spTgt spid="8"/>
+                                        </p:tgtEl>
+                                        <p:attrNameLst>
+                                          <p:attrName>style.visibility</p:attrName>
+                                        </p:attrNameLst>
+                                      </p:cBhvr>
+                                      <p:to>
+                                        <p:strVal val="visible"/>
+                                      </p:to>
+                                    </p:set>
+                                  </p:childTnLst>
+                                </p:cTn>
+                              </p:par>
+                              <p:par>
+                                <p:cTn id="53" presetID="1" presetClass="entr" presetSubtype="0" fill="hold" grpId="0" nodeType="withEffect">
+                                  <p:stCondLst>
+                                    <p:cond delay="0"/>
+                                  </p:stCondLst>
+                                  <p:childTnLst>
+                                    <p:set>
+                                      <p:cBhvr>
+                                        <p:cTn id="54" dur="1" fill="hold">
+                                          <p:stCondLst>
+                                            <p:cond delay="0"/>
+                                          </p:stCondLst>
+                                        </p:cTn>
+                                        <p:tgtEl>
+                                          <p:spTgt spid="16"/>
+                                        </p:tgtEl>
+                                        <p:attrNameLst>
+                                          <p:attrName>style.visibility</p:attrName>
+                                        </p:attrNameLst>
+                                      </p:cBhvr>
+                                      <p:to>
+                                        <p:strVal val="visible"/>
+                                      </p:to>
+                                    </p:set>
+                                  </p:childTnLst>
+                                </p:cTn>
+                              </p:par>
+                              <p:par>
+                                <p:cTn id="55" presetID="1" presetClass="entr" presetSubtype="0" fill="hold" grpId="0" nodeType="withEffect">
+                                  <p:stCondLst>
+                                    <p:cond delay="0"/>
+                                  </p:stCondLst>
+                                  <p:childTnLst>
+                                    <p:set>
+                                      <p:cBhvr>
+                                        <p:cTn id="56" dur="1" fill="hold">
+                                          <p:stCondLst>
+                                            <p:cond delay="0"/>
+                                          </p:stCondLst>
+                                        </p:cTn>
+                                        <p:tgtEl>
+                                          <p:spTgt spid="11"/>
+                                        </p:tgtEl>
+                                        <p:attrNameLst>
+                                          <p:attrName>style.visibility</p:attrName>
+                                        </p:attrNameLst>
+                                      </p:cBhvr>
+                                      <p:to>
+                                        <p:strVal val="visible"/>
+                                      </p:to>
+                                    </p:set>
+                                  </p:childTnLst>
+                                </p:cTn>
+                              </p:par>
+                              <p:par>
+                                <p:cTn id="57" presetID="1" presetClass="exit" presetSubtype="0" fill="hold" grpId="1" nodeType="withEffect">
+                                  <p:stCondLst>
+                                    <p:cond delay="0"/>
+                                  </p:stCondLst>
+                                  <p:childTnLst>
+                                    <p:set>
+                                      <p:cBhvr>
+                                        <p:cTn id="58" dur="1" fill="hold">
+                                          <p:stCondLst>
+                                            <p:cond delay="0"/>
+                                          </p:stCondLst>
+                                        </p:cTn>
+                                        <p:tgtEl>
+                                          <p:spTgt spid="37"/>
+                                        </p:tgtEl>
+                                        <p:attrNameLst>
+                                          <p:attrName>style.visibility</p:attrName>
+                                        </p:attrNameLst>
+                                      </p:cBhvr>
+                                      <p:to>
+                                        <p:strVal val="hidden"/>
+                                      </p:to>
+                                    </p:set>
+                                  </p:childTnLst>
+                                </p:cTn>
+                              </p:par>
+                              <p:par>
+                                <p:cTn id="59" presetID="1" presetClass="exit" presetSubtype="0" fill="hold" grpId="1" nodeType="withEffect">
+                                  <p:stCondLst>
+                                    <p:cond delay="0"/>
+                                  </p:stCondLst>
+                                  <p:childTnLst>
+                                    <p:set>
+                                      <p:cBhvr>
+                                        <p:cTn id="60" dur="1" fill="hold">
+                                          <p:stCondLst>
+                                            <p:cond delay="0"/>
+                                          </p:stCondLst>
+                                        </p:cTn>
+                                        <p:tgtEl>
+                                          <p:spTgt spid="36"/>
+                                        </p:tgtEl>
+                                        <p:attrNameLst>
+                                          <p:attrName>style.visibility</p:attrName>
+                                        </p:attrNameLst>
+                                      </p:cBhvr>
+                                      <p:to>
+                                        <p:strVal val="hidden"/>
+                                      </p:to>
+                                    </p:set>
+                                  </p:childTnLst>
+                                </p:cTn>
+                              </p:par>
+                              <p:par>
+                                <p:cTn id="61" presetID="1" presetClass="exit" presetSubtype="0" fill="hold" grpId="1" nodeType="withEffect">
+                                  <p:stCondLst>
+                                    <p:cond delay="0"/>
+                                  </p:stCondLst>
+                                  <p:childTnLst>
+                                    <p:set>
+                                      <p:cBhvr>
+                                        <p:cTn id="62" dur="1" fill="hold">
+                                          <p:stCondLst>
+                                            <p:cond delay="0"/>
+                                          </p:stCondLst>
+                                        </p:cTn>
+                                        <p:tgtEl>
+                                          <p:spTgt spid="33"/>
+                                        </p:tgtEl>
+                                        <p:attrNameLst>
+                                          <p:attrName>style.visibility</p:attrName>
+                                        </p:attrNameLst>
+                                      </p:cBhvr>
+                                      <p:to>
+                                        <p:strVal val="hidden"/>
+                                      </p:to>
+                                    </p:set>
+                                  </p:childTnLst>
+                                </p:cTn>
+                              </p:par>
+                              <p:par>
+                                <p:cTn id="63" presetID="1" presetClass="exit" presetSubtype="0" fill="hold" grpId="1" nodeType="withEffect">
+                                  <p:stCondLst>
+                                    <p:cond delay="0"/>
+                                  </p:stCondLst>
+                                  <p:childTnLst>
+                                    <p:set>
+                                      <p:cBhvr>
+                                        <p:cTn id="64" dur="1" fill="hold">
+                                          <p:stCondLst>
+                                            <p:cond delay="0"/>
+                                          </p:stCondLst>
+                                        </p:cTn>
+                                        <p:tgtEl>
+                                          <p:spTgt spid="39"/>
+                                        </p:tgtEl>
+                                        <p:attrNameLst>
+                                          <p:attrName>style.visibility</p:attrName>
+                                        </p:attrNameLst>
+                                      </p:cBhvr>
+                                      <p:to>
+                                        <p:strVal val="hidden"/>
+                                      </p:to>
+                                    </p:set>
+                                  </p:childTnLst>
+                                </p:cTn>
+                              </p:par>
+                              <p:par>
+                                <p:cTn id="65" presetID="1" presetClass="entr" presetSubtype="0" fill="hold" grpId="0" nodeType="withEffect">
+                                  <p:stCondLst>
+                                    <p:cond delay="0"/>
+                                  </p:stCondLst>
+                                  <p:childTnLst>
+                                    <p:set>
+                                      <p:cBhvr>
+                                        <p:cTn id="66" dur="1" fill="hold">
+                                          <p:stCondLst>
+                                            <p:cond delay="0"/>
+                                          </p:stCondLst>
+                                        </p:cTn>
+                                        <p:tgtEl>
+                                          <p:spTgt spid="12"/>
+                                        </p:tgtEl>
+                                        <p:attrNameLst>
+                                          <p:attrName>style.visibility</p:attrName>
+                                        </p:attrNameLst>
+                                      </p:cBhvr>
+                                      <p:to>
+                                        <p:strVal val="visible"/>
+                                      </p:to>
+                                    </p:set>
+                                  </p:childTnLst>
+                                </p:cTn>
+                              </p:par>
+                              <p:par>
+                                <p:cTn id="67" presetID="1" presetClass="entr" presetSubtype="0" fill="hold" grpId="0" nodeType="withEffect">
+                                  <p:stCondLst>
+                                    <p:cond delay="0"/>
+                                  </p:stCondLst>
+                                  <p:childTnLst>
+                                    <p:set>
+                                      <p:cBhvr>
+                                        <p:cTn id="68" dur="1" fill="hold">
+                                          <p:stCondLst>
+                                            <p:cond delay="0"/>
+                                          </p:stCondLst>
+                                        </p:cTn>
+                                        <p:tgtEl>
+                                          <p:spTgt spid="13"/>
+                                        </p:tgtEl>
+                                        <p:attrNameLst>
+                                          <p:attrName>style.visibility</p:attrName>
+                                        </p:attrNameLst>
+                                      </p:cBhvr>
+                                      <p:to>
+                                        <p:strVal val="visible"/>
+                                      </p:to>
+                                    </p:set>
+                                  </p:childTnLst>
+                                </p:cTn>
+                              </p:par>
+                              <p:par>
+                                <p:cTn id="69" presetID="1" presetClass="entr" presetSubtype="0" fill="hold" grpId="0" nodeType="withEffect">
+                                  <p:stCondLst>
+                                    <p:cond delay="0"/>
+                                  </p:stCondLst>
+                                  <p:childTnLst>
+                                    <p:set>
+                                      <p:cBhvr>
+                                        <p:cTn id="70" dur="1" fill="hold">
+                                          <p:stCondLst>
+                                            <p:cond delay="0"/>
+                                          </p:stCondLst>
+                                        </p:cTn>
+                                        <p:tgtEl>
+                                          <p:spTgt spid="14"/>
+                                        </p:tgtEl>
+                                        <p:attrNameLst>
+                                          <p:attrName>style.visibility</p:attrName>
+                                        </p:attrNameLst>
+                                      </p:cBhvr>
+                                      <p:to>
+                                        <p:strVal val="visible"/>
+                                      </p:to>
+                                    </p:set>
+                                  </p:childTnLst>
+                                </p:cTn>
+                              </p:par>
+                            </p:childTnLst>
+                          </p:cTn>
+                        </p:par>
+                      </p:childTnLst>
+                    </p:cTn>
+                  </p:par>
+                  <p:par>
+                    <p:cTn id="71" fill="hold">
+                      <p:stCondLst>
+                        <p:cond delay="indefinite"/>
+                      </p:stCondLst>
+                      <p:childTnLst>
+                        <p:par>
+                          <p:cTn id="72" fill="hold">
+                            <p:stCondLst>
+                              <p:cond delay="0"/>
+                            </p:stCondLst>
+                            <p:childTnLst>
+                              <p:par>
+                                <p:cTn id="73" presetID="1" presetClass="entr" presetSubtype="0" fill="hold" grpId="0" nodeType="clickEffect">
+                                  <p:stCondLst>
+                                    <p:cond delay="0"/>
+                                  </p:stCondLst>
+                                  <p:childTnLst>
+                                    <p:set>
+                                      <p:cBhvr>
+                                        <p:cTn id="74" dur="1" fill="hold">
+                                          <p:stCondLst>
+                                            <p:cond delay="0"/>
+                                          </p:stCondLst>
+                                        </p:cTn>
+                                        <p:tgtEl>
+                                          <p:spTgt spid="54"/>
+                                        </p:tgtEl>
+                                        <p:attrNameLst>
+                                          <p:attrName>style.visibility</p:attrName>
+                                        </p:attrNameLst>
+                                      </p:cBhvr>
+                                      <p:to>
+                                        <p:strVal val="visible"/>
+                                      </p:to>
+                                    </p:set>
+                                  </p:childTnLst>
+                                </p:cTn>
+                              </p:par>
+                            </p:childTnLst>
+                          </p:cTn>
+                        </p:par>
+                      </p:childTnLst>
+                    </p:cTn>
+                  </p:par>
+                  <p:par>
+                    <p:cTn id="75" fill="hold">
+                      <p:stCondLst>
+                        <p:cond delay="indefinite"/>
+                      </p:stCondLst>
+                      <p:childTnLst>
+                        <p:par>
+                          <p:cTn id="76" fill="hold">
+                            <p:stCondLst>
+                              <p:cond delay="0"/>
+                            </p:stCondLst>
+                            <p:childTnLst>
+                              <p:par>
+                                <p:cTn id="77" presetID="1" presetClass="entr" presetSubtype="0" fill="hold" nodeType="clickEffect">
+                                  <p:stCondLst>
+                                    <p:cond delay="0"/>
+                                  </p:stCondLst>
+                                  <p:childTnLst>
+                                    <p:set>
+                                      <p:cBhvr>
+                                        <p:cTn id="78" dur="1" fill="hold">
+                                          <p:stCondLst>
+                                            <p:cond delay="0"/>
+                                          </p:stCondLst>
+                                        </p:cTn>
+                                        <p:tgtEl>
+                                          <p:spTgt spid="55"/>
+                                        </p:tgtEl>
+                                        <p:attrNameLst>
+                                          <p:attrName>style.visibility</p:attrName>
+                                        </p:attrNameLst>
+                                      </p:cBhvr>
+                                      <p:to>
+                                        <p:strVal val="visible"/>
+                                      </p:to>
+                                    </p:set>
+                                  </p:childTnLst>
+                                </p:cTn>
+                              </p:par>
+                              <p:par>
+                                <p:cTn id="79" presetID="1" presetClass="exit" presetSubtype="0" fill="hold" grpId="1" nodeType="withEffect">
+                                  <p:stCondLst>
+                                    <p:cond delay="0"/>
+                                  </p:stCondLst>
+                                  <p:childTnLst>
+                                    <p:set>
+                                      <p:cBhvr>
+                                        <p:cTn id="80" dur="1" fill="hold">
+                                          <p:stCondLst>
+                                            <p:cond delay="0"/>
+                                          </p:stCondLst>
+                                        </p:cTn>
+                                        <p:tgtEl>
+                                          <p:spTgt spid="54"/>
+                                        </p:tgtEl>
+                                        <p:attrNameLst>
+                                          <p:attrName>style.visibility</p:attrName>
+                                        </p:attrNameLst>
+                                      </p:cBhvr>
+                                      <p:to>
+                                        <p:strVal val="hidden"/>
+                                      </p:to>
+                                    </p:set>
+                                  </p:childTnLst>
+                                </p:cTn>
+                              </p:par>
+                              <p:par>
+                                <p:cTn id="81" presetID="1" presetClass="exit" presetSubtype="0" fill="hold" grpId="2" nodeType="withEffect">
+                                  <p:stCondLst>
+                                    <p:cond delay="0"/>
+                                  </p:stCondLst>
+                                  <p:childTnLst>
+                                    <p:set>
+                                      <p:cBhvr>
+                                        <p:cTn id="82" dur="1" fill="hold">
+                                          <p:stCondLst>
+                                            <p:cond delay="0"/>
+                                          </p:stCondLst>
+                                        </p:cTn>
+                                        <p:tgtEl>
+                                          <p:spTgt spid="30"/>
+                                        </p:tgtEl>
+                                        <p:attrNameLst>
+                                          <p:attrName>style.visibility</p:attrName>
+                                        </p:attrNameLst>
+                                      </p:cBhvr>
+                                      <p:to>
+                                        <p:strVal val="hidden"/>
+                                      </p:to>
+                                    </p:set>
+                                  </p:childTnLst>
+                                </p:cTn>
+                              </p:par>
+                              <p:par>
+                                <p:cTn id="83" presetID="1" presetClass="exit" presetSubtype="0" fill="hold" grpId="1" nodeType="withEffect">
+                                  <p:stCondLst>
+                                    <p:cond delay="0"/>
+                                  </p:stCondLst>
+                                  <p:childTnLst>
+                                    <p:set>
+                                      <p:cBhvr>
+                                        <p:cTn id="84" dur="1" fill="hold">
+                                          <p:stCondLst>
+                                            <p:cond delay="0"/>
+                                          </p:stCondLst>
+                                        </p:cTn>
+                                        <p:tgtEl>
+                                          <p:spTgt spid="29"/>
+                                        </p:tgtEl>
+                                        <p:attrNameLst>
+                                          <p:attrName>style.visibility</p:attrName>
+                                        </p:attrNameLst>
+                                      </p:cBhvr>
+                                      <p:to>
+                                        <p:strVal val="hidden"/>
+                                      </p:to>
+                                    </p:set>
+                                  </p:childTnLst>
+                                </p:cTn>
+                              </p:par>
+                            </p:childTnLst>
+                          </p:cTn>
+                        </p:par>
+                      </p:childTnLst>
+                    </p:cTn>
+                  </p:par>
+                  <p:par>
+                    <p:cTn id="85" fill="hold">
+                      <p:stCondLst>
+                        <p:cond delay="indefinite"/>
+                      </p:stCondLst>
+                      <p:childTnLst>
+                        <p:par>
+                          <p:cTn id="86" fill="hold">
+                            <p:stCondLst>
+                              <p:cond delay="0"/>
+                            </p:stCondLst>
+                            <p:childTnLst>
+                              <p:par>
+                                <p:cTn id="87" presetID="1" presetClass="entr" presetSubtype="0" fill="hold" nodeType="clickEffect">
+                                  <p:stCondLst>
+                                    <p:cond delay="0"/>
+                                  </p:stCondLst>
+                                  <p:childTnLst>
+                                    <p:set>
+                                      <p:cBhvr>
+                                        <p:cTn id="88" dur="1" fill="hold">
+                                          <p:stCondLst>
+                                            <p:cond delay="0"/>
+                                          </p:stCondLst>
+                                        </p:cTn>
+                                        <p:tgtEl>
+                                          <p:spTgt spid="48"/>
+                                        </p:tgtEl>
+                                        <p:attrNameLst>
+                                          <p:attrName>style.visibility</p:attrName>
+                                        </p:attrNameLst>
+                                      </p:cBhvr>
+                                      <p:to>
+                                        <p:strVal val="visible"/>
+                                      </p:to>
+                                    </p:set>
+                                  </p:childTnLst>
+                                </p:cTn>
+                              </p:par>
+                              <p:par>
+                                <p:cTn id="89" presetID="1" presetClass="exit" presetSubtype="0" fill="hold" nodeType="withEffect">
+                                  <p:stCondLst>
+                                    <p:cond delay="0"/>
+                                  </p:stCondLst>
+                                  <p:childTnLst>
+                                    <p:set>
+                                      <p:cBhvr>
+                                        <p:cTn id="90" dur="1" fill="hold">
+                                          <p:stCondLst>
+                                            <p:cond delay="0"/>
+                                          </p:stCondLst>
+                                        </p:cTn>
+                                        <p:tgtEl>
+                                          <p:spTgt spid="55"/>
+                                        </p:tgtEl>
+                                        <p:attrNameLst>
+                                          <p:attrName>style.visibility</p:attrName>
+                                        </p:attrNameLst>
+                                      </p:cBhvr>
+                                      <p:to>
+                                        <p:strVal val="hidden"/>
+                                      </p:to>
+                                    </p:set>
+                                  </p:childTnLst>
+                                </p:cTn>
+                              </p:par>
+                            </p:childTnLst>
+                          </p:cTn>
+                        </p:par>
+                      </p:childTnLst>
+                    </p:cTn>
+                  </p:par>
+                  <p:par>
+                    <p:cTn id="91" fill="hold">
+                      <p:stCondLst>
+                        <p:cond delay="indefinite"/>
+                      </p:stCondLst>
+                      <p:childTnLst>
+                        <p:par>
+                          <p:cTn id="92" fill="hold">
+                            <p:stCondLst>
+                              <p:cond delay="0"/>
+                            </p:stCondLst>
+                            <p:childTnLst>
+                              <p:par>
+                                <p:cTn id="93" presetID="1" presetClass="exit" presetSubtype="0" fill="hold" nodeType="clickEffect">
+                                  <p:stCondLst>
+                                    <p:cond delay="0"/>
+                                  </p:stCondLst>
+                                  <p:childTnLst>
+                                    <p:set>
+                                      <p:cBhvr>
+                                        <p:cTn id="94" dur="1" fill="hold">
+                                          <p:stCondLst>
+                                            <p:cond delay="0"/>
+                                          </p:stCondLst>
+                                        </p:cTn>
+                                        <p:tgtEl>
+                                          <p:spTgt spid="48"/>
+                                        </p:tgtEl>
+                                        <p:attrNameLst>
+                                          <p:attrName>style.visibility</p:attrName>
+                                        </p:attrNameLst>
+                                      </p:cBhvr>
+                                      <p:to>
+                                        <p:strVal val="hidden"/>
+                                      </p:to>
+                                    </p:set>
+                                  </p:childTnLst>
+                                </p:cTn>
+                              </p:par>
+                              <p:par>
+                                <p:cTn id="95" presetID="1" presetClass="entr" presetSubtype="0" fill="hold" grpId="0" nodeType="withEffect">
+                                  <p:stCondLst>
+                                    <p:cond delay="0"/>
+                                  </p:stCondLst>
+                                  <p:childTnLst>
+                                    <p:set>
+                                      <p:cBhvr>
+                                        <p:cTn id="96" dur="1" fill="hold">
+                                          <p:stCondLst>
+                                            <p:cond delay="0"/>
+                                          </p:stCondLst>
+                                        </p:cTn>
+                                        <p:tgtEl>
+                                          <p:spTgt spid="50"/>
+                                        </p:tgtEl>
+                                        <p:attrNameLst>
+                                          <p:attrName>style.visibility</p:attrName>
+                                        </p:attrNameLst>
+                                      </p:cBhvr>
+                                      <p:to>
+                                        <p:strVal val="visible"/>
+                                      </p:to>
+                                    </p:set>
+                                  </p:childTnLst>
+                                </p:cTn>
+                              </p:par>
+                              <p:par>
+                                <p:cTn id="97" presetID="1" presetClass="entr" presetSubtype="0" fill="hold" grpId="0" nodeType="withEffect">
+                                  <p:stCondLst>
+                                    <p:cond delay="0"/>
+                                  </p:stCondLst>
+                                  <p:childTnLst>
+                                    <p:set>
+                                      <p:cBhvr>
+                                        <p:cTn id="98" dur="1" fill="hold">
+                                          <p:stCondLst>
+                                            <p:cond delay="0"/>
+                                          </p:stCondLst>
+                                        </p:cTn>
+                                        <p:tgtEl>
+                                          <p:spTgt spid="51"/>
+                                        </p:tgtEl>
+                                        <p:attrNameLst>
+                                          <p:attrName>style.visibility</p:attrName>
+                                        </p:attrNameLst>
+                                      </p:cBhvr>
+                                      <p:to>
+                                        <p:strVal val="visible"/>
+                                      </p:to>
+                                    </p:set>
+                                  </p:childTnLst>
+                                </p:cTn>
+                              </p:par>
+                            </p:childTnLst>
+                          </p:cTn>
+                        </p:par>
+                      </p:childTnLst>
+                    </p:cTn>
+                  </p:par>
+                  <p:par>
+                    <p:cTn id="99" fill="hold">
+                      <p:stCondLst>
+                        <p:cond delay="indefinite"/>
+                      </p:stCondLst>
+                      <p:childTnLst>
+                        <p:par>
+                          <p:cTn id="100" fill="hold">
+                            <p:stCondLst>
+                              <p:cond delay="0"/>
+                            </p:stCondLst>
+                            <p:childTnLst>
+                              <p:par>
+                                <p:cTn id="101" presetID="1" presetClass="entr" presetSubtype="0" fill="hold" grpId="0" nodeType="clickEffect">
+                                  <p:stCondLst>
+                                    <p:cond delay="0"/>
+                                  </p:stCondLst>
+                                  <p:childTnLst>
+                                    <p:set>
+                                      <p:cBhvr>
+                                        <p:cTn id="102" dur="1" fill="hold">
+                                          <p:stCondLst>
+                                            <p:cond delay="0"/>
+                                          </p:stCondLst>
+                                        </p:cTn>
+                                        <p:tgtEl>
+                                          <p:spTgt spid="56"/>
+                                        </p:tgtEl>
+                                        <p:attrNameLst>
+                                          <p:attrName>style.visibility</p:attrName>
+                                        </p:attrNameLst>
+                                      </p:cBhvr>
+                                      <p:to>
+                                        <p:strVal val="visible"/>
+                                      </p:to>
+                                    </p:set>
+                                  </p:childTnLst>
+                                </p:cTn>
+                              </p:par>
+                            </p:childTnLst>
+                          </p:cTn>
+                        </p:par>
+                      </p:childTnLst>
+                    </p:cTn>
+                  </p:par>
+                </p:childTnLst>
+              </p:cTn>
+              <p:prevCondLst>
+                <p:cond evt="onPrev" delay="0">
+                  <p:tgtEl>
+                    <p:sldTgt/>
+                  </p:tgtEl>
+                </p:cond>
+              </p:prevCondLst>
+              <p:nextCondLst>
+                <p:cond evt="onNext" delay="0">
+                  <p:tgtEl>
+                    <p:sldTgt/>
+                  </p:tgtEl>
+                </p:cond>
+              </p:nextCondLst>
+            </p:seq>
+          </p:childTnLst>
+        </p:cTn>
+      </p:par>
+    </p:tnLst>
+    <p:bldLst>
+      <p:bldP spid="7" grpId="0" animBg="1"/>
+      <p:bldP spid="8" grpId="0" animBg="1"/>
+      <p:bldP spid="11" grpId="0" animBg="1"/>
+      <p:bldP spid="12" grpId="0" animBg="1"/>
+      <p:bldP spid="13" grpId="0" animBg="1"/>
+      <p:bldP spid="14" grpId="0" animBg="1"/>
+      <p:bldP spid="15" grpId="0" animBg="1"/>
+      <p:bldP spid="18" grpId="0" animBg="1"/>
+      <p:bldP spid="16" grpId="0" animBg="1"/>
+      <p:bldP spid="4" grpId="0" animBg="1"/>
+      <p:bldP spid="22" grpId="0" animBg="1"/>
+      <p:bldP spid="9" grpId="1" animBg="1"/>
+      <p:bldP spid="9" grpId="2" animBg="1"/>
+      <p:bldP spid="10" grpId="0"/>
+      <p:bldP spid="10" grpId="1"/>
+      <p:bldP spid="28" grpId="0" animBg="1"/>
+      <p:bldP spid="28" grpId="1" animBg="1"/>
+      <p:bldP spid="29" grpId="0" animBg="1"/>
+      <p:bldP spid="29" grpId="1" animBg="1"/>
+      <p:bldP spid="30" grpId="0"/>
+      <p:bldP spid="30" grpId="2"/>
+      <p:bldP spid="33" grpId="0" animBg="1"/>
+      <p:bldP spid="33" grpId="1" animBg="1"/>
+      <p:bldP spid="36" grpId="0" animBg="1"/>
+      <p:bldP spid="36" grpId="1" animBg="1"/>
+      <p:bldP spid="37" grpId="0" animBg="1"/>
+      <p:bldP spid="37" grpId="1" animBg="1"/>
+      <p:bldP spid="39" grpId="0" animBg="1"/>
+      <p:bldP spid="39" grpId="1" animBg="1"/>
+      <p:bldP spid="50" grpId="0" animBg="1"/>
+      <p:bldP spid="51" grpId="0"/>
+      <p:bldP spid="54" grpId="0" animBg="1"/>
+      <p:bldP spid="54" grpId="1" animBg="1"/>
+      <p:bldP spid="56" grpId="0" animBg="1"/>
+    </p:bldLst>
+  </p:timing>
 </p:sld>
 </file>
 
@@ -10737,6 +12333,110 @@
           </a:prstGeom>
         </p:spPr>
       </p:pic>
+      <p:sp>
+        <p:nvSpPr>
+          <p:cNvPr id="6" name="Rettangolo 5">
+            <a:extLst>
+              <a:ext uri="{FF2B5EF4-FFF2-40B4-BE49-F238E27FC236}">
+                <a16:creationId xmlns:a16="http://schemas.microsoft.com/office/drawing/2014/main" id="{4826F57F-FE6A-4728-937D-47DADA438652}"/>
+              </a:ext>
+            </a:extLst>
+          </p:cNvPr>
+          <p:cNvSpPr/>
+          <p:nvPr/>
+        </p:nvSpPr>
+        <p:spPr>
+          <a:xfrm>
+            <a:off x="3648364" y="3916217"/>
+            <a:ext cx="2253672" cy="387927"/>
+          </a:xfrm>
+          <a:prstGeom prst="rect">
+            <a:avLst/>
+          </a:prstGeom>
+          <a:noFill/>
+          <a:ln w="57150">
+            <a:solidFill>
+              <a:srgbClr val="FF0000"/>
+            </a:solidFill>
+          </a:ln>
+        </p:spPr>
+        <p:style>
+          <a:lnRef idx="2">
+            <a:schemeClr val="accent1">
+              <a:shade val="50000"/>
+            </a:schemeClr>
+          </a:lnRef>
+          <a:fillRef idx="1">
+            <a:schemeClr val="accent1"/>
+          </a:fillRef>
+          <a:effectRef idx="0">
+            <a:schemeClr val="accent1"/>
+          </a:effectRef>
+          <a:fontRef idx="minor">
+            <a:schemeClr val="lt1"/>
+          </a:fontRef>
+        </p:style>
+        <p:txBody>
+          <a:bodyPr rtlCol="0" anchor="ctr"/>
+          <a:lstStyle/>
+          <a:p>
+            <a:pPr algn="ctr"/>
+            <a:endParaRPr lang="it-IT"/>
+          </a:p>
+        </p:txBody>
+      </p:sp>
+      <p:sp>
+        <p:nvSpPr>
+          <p:cNvPr id="7" name="Rettangolo 6">
+            <a:extLst>
+              <a:ext uri="{FF2B5EF4-FFF2-40B4-BE49-F238E27FC236}">
+                <a16:creationId xmlns:a16="http://schemas.microsoft.com/office/drawing/2014/main" id="{43E5638A-9B17-45C6-B47A-FA443BFE98CD}"/>
+              </a:ext>
+            </a:extLst>
+          </p:cNvPr>
+          <p:cNvSpPr/>
+          <p:nvPr/>
+        </p:nvSpPr>
+        <p:spPr>
+          <a:xfrm>
+            <a:off x="3075709" y="4438071"/>
+            <a:ext cx="5703455" cy="387927"/>
+          </a:xfrm>
+          <a:prstGeom prst="rect">
+            <a:avLst/>
+          </a:prstGeom>
+          <a:noFill/>
+          <a:ln w="57150">
+            <a:solidFill>
+              <a:srgbClr val="FF0000"/>
+            </a:solidFill>
+          </a:ln>
+        </p:spPr>
+        <p:style>
+          <a:lnRef idx="2">
+            <a:schemeClr val="accent1">
+              <a:shade val="50000"/>
+            </a:schemeClr>
+          </a:lnRef>
+          <a:fillRef idx="1">
+            <a:schemeClr val="accent1"/>
+          </a:fillRef>
+          <a:effectRef idx="0">
+            <a:schemeClr val="accent1"/>
+          </a:effectRef>
+          <a:fontRef idx="minor">
+            <a:schemeClr val="lt1"/>
+          </a:fontRef>
+        </p:style>
+        <p:txBody>
+          <a:bodyPr rtlCol="0" anchor="ctr"/>
+          <a:lstStyle/>
+          <a:p>
+            <a:pPr algn="ctr"/>
+            <a:endParaRPr lang="it-IT"/>
+          </a:p>
+        </p:txBody>
+      </p:sp>
     </p:spTree>
     <p:extLst>
       <p:ext uri="{BB962C8B-B14F-4D97-AF65-F5344CB8AC3E}">
@@ -10747,6 +12447,130 @@
   <p:clrMapOvr>
     <a:masterClrMapping/>
   </p:clrMapOvr>
+  <p:timing>
+    <p:tnLst>
+      <p:par>
+        <p:cTn id="1" dur="indefinite" restart="never" nodeType="tmRoot">
+          <p:childTnLst>
+            <p:seq concurrent="1" nextAc="seek">
+              <p:cTn id="2" dur="indefinite" nodeType="mainSeq">
+                <p:childTnLst>
+                  <p:par>
+                    <p:cTn id="3" fill="hold">
+                      <p:stCondLst>
+                        <p:cond delay="indefinite"/>
+                      </p:stCondLst>
+                      <p:childTnLst>
+                        <p:par>
+                          <p:cTn id="4" fill="hold">
+                            <p:stCondLst>
+                              <p:cond delay="0"/>
+                            </p:stCondLst>
+                            <p:childTnLst>
+                              <p:par>
+                                <p:cTn id="5" presetID="1" presetClass="entr" presetSubtype="0" fill="hold" grpId="0" nodeType="clickEffect">
+                                  <p:stCondLst>
+                                    <p:cond delay="0"/>
+                                  </p:stCondLst>
+                                  <p:childTnLst>
+                                    <p:set>
+                                      <p:cBhvr>
+                                        <p:cTn id="6" dur="1" fill="hold">
+                                          <p:stCondLst>
+                                            <p:cond delay="0"/>
+                                          </p:stCondLst>
+                                        </p:cTn>
+                                        <p:tgtEl>
+                                          <p:spTgt spid="6"/>
+                                        </p:tgtEl>
+                                        <p:attrNameLst>
+                                          <p:attrName>style.visibility</p:attrName>
+                                        </p:attrNameLst>
+                                      </p:cBhvr>
+                                      <p:to>
+                                        <p:strVal val="visible"/>
+                                      </p:to>
+                                    </p:set>
+                                  </p:childTnLst>
+                                </p:cTn>
+                              </p:par>
+                            </p:childTnLst>
+                          </p:cTn>
+                        </p:par>
+                      </p:childTnLst>
+                    </p:cTn>
+                  </p:par>
+                  <p:par>
+                    <p:cTn id="7" fill="hold">
+                      <p:stCondLst>
+                        <p:cond delay="indefinite"/>
+                      </p:stCondLst>
+                      <p:childTnLst>
+                        <p:par>
+                          <p:cTn id="8" fill="hold">
+                            <p:stCondLst>
+                              <p:cond delay="0"/>
+                            </p:stCondLst>
+                            <p:childTnLst>
+                              <p:par>
+                                <p:cTn id="9" presetID="1" presetClass="entr" presetSubtype="0" fill="hold" grpId="0" nodeType="clickEffect">
+                                  <p:stCondLst>
+                                    <p:cond delay="0"/>
+                                  </p:stCondLst>
+                                  <p:childTnLst>
+                                    <p:set>
+                                      <p:cBhvr>
+                                        <p:cTn id="10" dur="1" fill="hold">
+                                          <p:stCondLst>
+                                            <p:cond delay="0"/>
+                                          </p:stCondLst>
+                                        </p:cTn>
+                                        <p:tgtEl>
+                                          <p:spTgt spid="7"/>
+                                        </p:tgtEl>
+                                        <p:attrNameLst>
+                                          <p:attrName>style.visibility</p:attrName>
+                                        </p:attrNameLst>
+                                      </p:cBhvr>
+                                      <p:to>
+                                        <p:strVal val="visible"/>
+                                      </p:to>
+                                    </p:set>
+                                  </p:childTnLst>
+                                </p:cTn>
+                              </p:par>
+                            </p:childTnLst>
+                          </p:cTn>
+                        </p:par>
+                      </p:childTnLst>
+                    </p:cTn>
+                  </p:par>
+                </p:childTnLst>
+              </p:cTn>
+              <p:prevCondLst>
+                <p:cond evt="onPrev" delay="0">
+                  <p:tgtEl>
+                    <p:sldTgt/>
+                  </p:tgtEl>
+                </p:cond>
+              </p:prevCondLst>
+              <p:nextCondLst>
+                <p:cond evt="onNext" delay="0">
+                  <p:tgtEl>
+                    <p:sldTgt/>
+                  </p:tgtEl>
+                </p:cond>
+              </p:nextCondLst>
+            </p:seq>
+          </p:childTnLst>
+        </p:cTn>
+      </p:par>
+    </p:tnLst>
+    <p:bldLst>
+      <p:bldP spid="6" grpId="0" animBg="1"/>
+      <p:bldP spid="7" grpId="0" animBg="1"/>
+    </p:bldLst>
+  </p:timing>
 </p:sld>
 </file>
 
@@ -10772,7 +12596,7 @@
           <p:cNvPr id="2" name="Titolo 1">
             <a:extLst>
               <a:ext uri="{FF2B5EF4-FFF2-40B4-BE49-F238E27FC236}">
-                <a16:creationId xmlns:a16="http://schemas.microsoft.com/office/drawing/2014/main" id="{5916F0FC-24F1-4F1E-8DC2-0669E62A4BE0}"/>
+                <a16:creationId xmlns:a16="http://schemas.microsoft.com/office/drawing/2014/main" id="{6E10AACD-DE1F-4B9F-A895-01BEBC915C9F}"/>
               </a:ext>
             </a:extLst>
           </p:cNvPr>
@@ -10790,7 +12614,7 @@
           <a:p>
             <a:r>
               <a:rPr lang="it-IT" dirty="0"/>
-              <a:t>Link down</a:t>
+              <a:t>Link down/up</a:t>
             </a:r>
           </a:p>
         </p:txBody>
@@ -10800,7 +12624,7 @@
           <p:cNvPr id="3" name="Segnaposto numero diapositiva 2">
             <a:extLst>
               <a:ext uri="{FF2B5EF4-FFF2-40B4-BE49-F238E27FC236}">
-                <a16:creationId xmlns:a16="http://schemas.microsoft.com/office/drawing/2014/main" id="{47F111E1-3AD3-436C-9758-6ABED8100573}"/>
+                <a16:creationId xmlns:a16="http://schemas.microsoft.com/office/drawing/2014/main" id="{7DD16D9D-B660-4053-B641-8A230B5688AB}"/>
               </a:ext>
             </a:extLst>
           </p:cNvPr>
@@ -10824,177 +12648,12 @@
           </a:p>
         </p:txBody>
       </p:sp>
-      <p:sp>
-        <p:nvSpPr>
-          <p:cNvPr id="12" name="CasellaDiTesto 11">
+      <p:pic>
+        <p:nvPicPr>
+          <p:cNvPr id="6" name="Segnaposto contenuto 5">
             <a:extLst>
               <a:ext uri="{FF2B5EF4-FFF2-40B4-BE49-F238E27FC236}">
-                <a16:creationId xmlns:a16="http://schemas.microsoft.com/office/drawing/2014/main" id="{38DA3320-0617-4A7F-86D5-CBD5F8339594}"/>
-              </a:ext>
-            </a:extLst>
-          </p:cNvPr>
-          <p:cNvSpPr txBox="1"/>
-          <p:nvPr/>
-        </p:nvSpPr>
-        <p:spPr>
-          <a:xfrm>
-            <a:off x="337069" y="5414467"/>
-            <a:ext cx="8483373" cy="1015663"/>
-          </a:xfrm>
-          <a:prstGeom prst="rect">
-            <a:avLst/>
-          </a:prstGeom>
-          <a:noFill/>
-        </p:spPr>
-        <p:txBody>
-          <a:bodyPr wrap="square" rtlCol="0">
-            <a:spAutoFit/>
-          </a:bodyPr>
-          <a:lstStyle/>
-          <a:p>
-            <a:pPr marL="342900" indent="-342900" algn="just">
-              <a:buFont typeface="Arial" panose="020B0604020202020204" pitchFamily="34" charset="0"/>
-              <a:buChar char="•"/>
-            </a:pPr>
-            <a:r>
-              <a:rPr lang="it-IT" sz="2000" dirty="0" err="1"/>
-              <a:t>When</a:t>
-            </a:r>
-            <a:r>
-              <a:rPr lang="it-IT" sz="2000" dirty="0"/>
-              <a:t> a link </a:t>
-            </a:r>
-            <a:r>
-              <a:rPr lang="it-IT" sz="2000" dirty="0" err="1"/>
-              <a:t>goes</a:t>
-            </a:r>
-            <a:r>
-              <a:rPr lang="it-IT" sz="2000" dirty="0"/>
-              <a:t> down, the controller </a:t>
-            </a:r>
-            <a:r>
-              <a:rPr lang="it-IT" sz="2000" dirty="0" err="1"/>
-              <a:t>detects</a:t>
-            </a:r>
-            <a:r>
-              <a:rPr lang="it-IT" sz="2000" dirty="0"/>
-              <a:t> </a:t>
-            </a:r>
-            <a:r>
-              <a:rPr lang="it-IT" sz="2000" dirty="0" err="1"/>
-              <a:t>it</a:t>
-            </a:r>
-            <a:r>
-              <a:rPr lang="it-IT" sz="2000" dirty="0"/>
-              <a:t> and </a:t>
-            </a:r>
-            <a:r>
-              <a:rPr lang="it-IT" sz="2000" dirty="0" err="1"/>
-              <a:t>deletes</a:t>
-            </a:r>
-            <a:r>
-              <a:rPr lang="it-IT" sz="2000" dirty="0"/>
-              <a:t> the </a:t>
-            </a:r>
-            <a:r>
-              <a:rPr lang="it-IT" sz="2000" dirty="0" err="1"/>
-              <a:t>corresponding</a:t>
-            </a:r>
-            <a:r>
-              <a:rPr lang="it-IT" sz="2000" dirty="0"/>
-              <a:t> rules</a:t>
-            </a:r>
-          </a:p>
-          <a:p>
-            <a:pPr marL="342900" indent="-342900" algn="just">
-              <a:buFont typeface="Arial" panose="020B0604020202020204" pitchFamily="34" charset="0"/>
-              <a:buChar char="•"/>
-            </a:pPr>
-            <a:r>
-              <a:rPr lang="it-IT" sz="2000" dirty="0" err="1"/>
-              <a:t>Packets</a:t>
-            </a:r>
-            <a:r>
-              <a:rPr lang="it-IT" sz="2000" dirty="0"/>
-              <a:t> </a:t>
-            </a:r>
-            <a:r>
-              <a:rPr lang="it-IT" sz="2000" dirty="0" err="1"/>
-              <a:t>will</a:t>
-            </a:r>
-            <a:r>
-              <a:rPr lang="it-IT" sz="2000" dirty="0"/>
-              <a:t> be </a:t>
-            </a:r>
-            <a:r>
-              <a:rPr lang="it-IT" sz="2000" dirty="0" err="1"/>
-              <a:t>automatically</a:t>
-            </a:r>
-            <a:r>
-              <a:rPr lang="it-IT" sz="2000" dirty="0"/>
-              <a:t> </a:t>
-            </a:r>
-            <a:r>
-              <a:rPr lang="it-IT" sz="2000" dirty="0" err="1"/>
-              <a:t>routed</a:t>
-            </a:r>
-            <a:r>
-              <a:rPr lang="it-IT" sz="2000" dirty="0"/>
-              <a:t> on the backup </a:t>
-            </a:r>
-            <a:r>
-              <a:rPr lang="it-IT" sz="2000" dirty="0" err="1"/>
-              <a:t>path</a:t>
-            </a:r>
-            <a:r>
-              <a:rPr lang="it-IT" sz="2000" dirty="0"/>
-              <a:t> </a:t>
-            </a:r>
-          </a:p>
-        </p:txBody>
-      </p:sp>
-      <p:pic>
-        <p:nvPicPr>
-          <p:cNvPr id="15" name="Immagine 14">
-            <a:extLst>
-              <a:ext uri="{FF2B5EF4-FFF2-40B4-BE49-F238E27FC236}">
-                <a16:creationId xmlns:a16="http://schemas.microsoft.com/office/drawing/2014/main" id="{533AE011-1E32-439A-81AD-5BC7FF538860}"/>
-              </a:ext>
-            </a:extLst>
-          </p:cNvPr>
-          <p:cNvPicPr>
-            <a:picLocks noChangeAspect="1"/>
-          </p:cNvPicPr>
-          <p:nvPr/>
-        </p:nvPicPr>
-        <p:blipFill>
-          <a:blip r:embed="rId2">
-            <a:extLst>
-              <a:ext uri="{28A0092B-C50C-407E-A947-70E740481C1C}">
-                <a14:useLocalDpi xmlns:a14="http://schemas.microsoft.com/office/drawing/2010/main" val="0"/>
-              </a:ext>
-            </a:extLst>
-          </a:blip>
-          <a:stretch>
-            <a:fillRect/>
-          </a:stretch>
-        </p:blipFill>
-        <p:spPr>
-          <a:xfrm>
-            <a:off x="7347698" y="2261821"/>
-            <a:ext cx="910436" cy="910436"/>
-          </a:xfrm>
-          <a:prstGeom prst="rect">
-            <a:avLst/>
-          </a:prstGeom>
-        </p:spPr>
-      </p:pic>
-      <p:pic>
-        <p:nvPicPr>
-          <p:cNvPr id="20" name="Segnaposto contenuto 5">
-            <a:extLst>
-              <a:ext uri="{FF2B5EF4-FFF2-40B4-BE49-F238E27FC236}">
-                <a16:creationId xmlns:a16="http://schemas.microsoft.com/office/drawing/2014/main" id="{3832CACB-779A-4B80-819F-FC1D7CD9CF0F}"/>
+                <a16:creationId xmlns:a16="http://schemas.microsoft.com/office/drawing/2014/main" id="{FD11C4B4-0A5A-4657-9A9D-D0DBEF6926C0}"/>
               </a:ext>
             </a:extLst>
           </p:cNvPr>
@@ -11019,8 +12678,8 @@
         </p:blipFill>
         <p:spPr>
           <a:xfrm>
-            <a:off x="2277503" y="1234262"/>
-            <a:ext cx="4297378" cy="3188378"/>
+            <a:off x="2338771" y="2085249"/>
+            <a:ext cx="4634621" cy="3438590"/>
           </a:xfrm>
         </p:spPr>
       </p:pic>
@@ -11029,7 +12688,7 @@
           <p:cNvPr id="7" name="Freccia in giù 6">
             <a:extLst>
               <a:ext uri="{FF2B5EF4-FFF2-40B4-BE49-F238E27FC236}">
-                <a16:creationId xmlns:a16="http://schemas.microsoft.com/office/drawing/2014/main" id="{F966DECB-5802-4EFF-B44E-8ABEF990574C}"/>
+                <a16:creationId xmlns:a16="http://schemas.microsoft.com/office/drawing/2014/main" id="{97AA6685-EB0D-46AA-AE78-03B31C0D6BD7}"/>
               </a:ext>
             </a:extLst>
           </p:cNvPr>
@@ -11037,8 +12696,100 @@
           <p:nvPr/>
         </p:nvSpPr>
         <p:spPr>
-          <a:xfrm rot="18292896">
-            <a:off x="3321884" y="2826334"/>
+          <a:xfrm rot="14120756">
+            <a:off x="3483771" y="2149488"/>
+            <a:ext cx="301491" cy="1473281"/>
+          </a:xfrm>
+          <a:prstGeom prst="downArrow">
+            <a:avLst/>
+          </a:prstGeom>
+        </p:spPr>
+        <p:style>
+          <a:lnRef idx="2">
+            <a:schemeClr val="accent1">
+              <a:shade val="50000"/>
+            </a:schemeClr>
+          </a:lnRef>
+          <a:fillRef idx="1">
+            <a:schemeClr val="accent1"/>
+          </a:fillRef>
+          <a:effectRef idx="0">
+            <a:schemeClr val="accent1"/>
+          </a:effectRef>
+          <a:fontRef idx="minor">
+            <a:schemeClr val="lt1"/>
+          </a:fontRef>
+        </p:style>
+        <p:txBody>
+          <a:bodyPr rtlCol="0" anchor="ctr"/>
+          <a:lstStyle/>
+          <a:p>
+            <a:pPr algn="ctr"/>
+            <a:endParaRPr lang="it-IT"/>
+          </a:p>
+        </p:txBody>
+      </p:sp>
+      <p:sp>
+        <p:nvSpPr>
+          <p:cNvPr id="8" name="Freccia in giù 7">
+            <a:extLst>
+              <a:ext uri="{FF2B5EF4-FFF2-40B4-BE49-F238E27FC236}">
+                <a16:creationId xmlns:a16="http://schemas.microsoft.com/office/drawing/2014/main" id="{452409CF-372E-4958-AA75-2E032F9A54B3}"/>
+              </a:ext>
+            </a:extLst>
+          </p:cNvPr>
+          <p:cNvSpPr/>
+          <p:nvPr/>
+        </p:nvSpPr>
+        <p:spPr>
+          <a:xfrm rot="18437536">
+            <a:off x="5663742" y="2166171"/>
+            <a:ext cx="301491" cy="1473281"/>
+          </a:xfrm>
+          <a:prstGeom prst="downArrow">
+            <a:avLst/>
+          </a:prstGeom>
+        </p:spPr>
+        <p:style>
+          <a:lnRef idx="2">
+            <a:schemeClr val="accent1">
+              <a:shade val="50000"/>
+            </a:schemeClr>
+          </a:lnRef>
+          <a:fillRef idx="1">
+            <a:schemeClr val="accent1"/>
+          </a:fillRef>
+          <a:effectRef idx="0">
+            <a:schemeClr val="accent1"/>
+          </a:effectRef>
+          <a:fontRef idx="minor">
+            <a:schemeClr val="lt1"/>
+          </a:fontRef>
+        </p:style>
+        <p:txBody>
+          <a:bodyPr rtlCol="0" anchor="ctr"/>
+          <a:lstStyle/>
+          <a:p>
+            <a:pPr algn="ctr"/>
+            <a:endParaRPr lang="it-IT" dirty="0"/>
+          </a:p>
+        </p:txBody>
+      </p:sp>
+      <p:sp>
+        <p:nvSpPr>
+          <p:cNvPr id="11" name="Freccia in giù 10">
+            <a:extLst>
+              <a:ext uri="{FF2B5EF4-FFF2-40B4-BE49-F238E27FC236}">
+                <a16:creationId xmlns:a16="http://schemas.microsoft.com/office/drawing/2014/main" id="{F8C04DEE-ABB1-440B-BA71-FBA54E4062FA}"/>
+              </a:ext>
+            </a:extLst>
+          </p:cNvPr>
+          <p:cNvSpPr/>
+          <p:nvPr/>
+        </p:nvSpPr>
+        <p:spPr>
+          <a:xfrm rot="14120756">
+            <a:off x="5462708" y="3496457"/>
             <a:ext cx="301491" cy="1473281"/>
           </a:xfrm>
           <a:prstGeom prst="downArrow">
@@ -11078,10 +12829,66 @@
       </p:sp>
       <p:sp>
         <p:nvSpPr>
-          <p:cNvPr id="8" name="Freccia in giù 7">
+          <p:cNvPr id="12" name="CasellaDiTesto 11">
             <a:extLst>
               <a:ext uri="{FF2B5EF4-FFF2-40B4-BE49-F238E27FC236}">
-                <a16:creationId xmlns:a16="http://schemas.microsoft.com/office/drawing/2014/main" id="{89DB1C7F-FFF0-44F1-B1E7-CB65C29678B8}"/>
+                <a16:creationId xmlns:a16="http://schemas.microsoft.com/office/drawing/2014/main" id="{B107919C-D078-4FBF-AB29-6015008678C7}"/>
+              </a:ext>
+            </a:extLst>
+          </p:cNvPr>
+          <p:cNvSpPr txBox="1"/>
+          <p:nvPr/>
+        </p:nvSpPr>
+        <p:spPr>
+          <a:xfrm>
+            <a:off x="340869" y="1093093"/>
+            <a:ext cx="1496492" cy="646331"/>
+          </a:xfrm>
+          <a:prstGeom prst="rect">
+            <a:avLst/>
+          </a:prstGeom>
+          <a:noFill/>
+          <a:ln>
+            <a:solidFill>
+              <a:schemeClr val="accent1"/>
+            </a:solidFill>
+          </a:ln>
+        </p:spPr>
+        <p:txBody>
+          <a:bodyPr wrap="square" rtlCol="0">
+            <a:spAutoFit/>
+          </a:bodyPr>
+          <a:lstStyle/>
+          <a:p>
+            <a:r>
+              <a:rPr lang="it-IT" dirty="0"/>
+              <a:t>   Default </a:t>
+            </a:r>
+            <a:r>
+              <a:rPr lang="it-IT" dirty="0" err="1"/>
+              <a:t>path</a:t>
+            </a:r>
+            <a:br>
+              <a:rPr lang="it-IT" dirty="0"/>
+            </a:br>
+            <a:r>
+              <a:rPr lang="it-IT" dirty="0"/>
+              <a:t>   Backup </a:t>
+            </a:r>
+            <a:r>
+              <a:rPr lang="it-IT" dirty="0" err="1"/>
+              <a:t>path</a:t>
+            </a:r>
+            <a:endParaRPr lang="it-IT" dirty="0"/>
+          </a:p>
+        </p:txBody>
+      </p:sp>
+      <p:sp>
+        <p:nvSpPr>
+          <p:cNvPr id="13" name="Rettangolo 12">
+            <a:extLst>
+              <a:ext uri="{FF2B5EF4-FFF2-40B4-BE49-F238E27FC236}">
+                <a16:creationId xmlns:a16="http://schemas.microsoft.com/office/drawing/2014/main" id="{0950ECC8-3449-4116-A8D7-F1506F15A0A7}"/>
               </a:ext>
             </a:extLst>
           </p:cNvPr>
@@ -11089,8 +12896,350 @@
           <p:nvPr/>
         </p:nvSpPr>
         <p:spPr>
-          <a:xfrm rot="14061823">
-            <a:off x="5329788" y="2833110"/>
+          <a:xfrm>
+            <a:off x="406487" y="1221231"/>
+            <a:ext cx="121890" cy="131255"/>
+          </a:xfrm>
+          <a:prstGeom prst="rect">
+            <a:avLst/>
+          </a:prstGeom>
+        </p:spPr>
+        <p:style>
+          <a:lnRef idx="2">
+            <a:schemeClr val="accent1">
+              <a:shade val="50000"/>
+            </a:schemeClr>
+          </a:lnRef>
+          <a:fillRef idx="1">
+            <a:schemeClr val="accent1"/>
+          </a:fillRef>
+          <a:effectRef idx="0">
+            <a:schemeClr val="accent1"/>
+          </a:effectRef>
+          <a:fontRef idx="minor">
+            <a:schemeClr val="lt1"/>
+          </a:fontRef>
+        </p:style>
+        <p:txBody>
+          <a:bodyPr rtlCol="0" anchor="ctr"/>
+          <a:lstStyle/>
+          <a:p>
+            <a:pPr algn="ctr"/>
+            <a:endParaRPr lang="it-IT"/>
+          </a:p>
+        </p:txBody>
+      </p:sp>
+      <p:sp>
+        <p:nvSpPr>
+          <p:cNvPr id="14" name="Rettangolo 13">
+            <a:extLst>
+              <a:ext uri="{FF2B5EF4-FFF2-40B4-BE49-F238E27FC236}">
+                <a16:creationId xmlns:a16="http://schemas.microsoft.com/office/drawing/2014/main" id="{C35273B9-A165-4EA7-A6F5-825D5DCD8529}"/>
+              </a:ext>
+            </a:extLst>
+          </p:cNvPr>
+          <p:cNvSpPr/>
+          <p:nvPr/>
+        </p:nvSpPr>
+        <p:spPr>
+          <a:xfrm>
+            <a:off x="406487" y="1480327"/>
+            <a:ext cx="121890" cy="131255"/>
+          </a:xfrm>
+          <a:prstGeom prst="rect">
+            <a:avLst/>
+          </a:prstGeom>
+          <a:solidFill>
+            <a:schemeClr val="tx2">
+              <a:lumMod val="20000"/>
+              <a:lumOff val="80000"/>
+            </a:schemeClr>
+          </a:solidFill>
+        </p:spPr>
+        <p:style>
+          <a:lnRef idx="2">
+            <a:schemeClr val="accent1">
+              <a:shade val="50000"/>
+            </a:schemeClr>
+          </a:lnRef>
+          <a:fillRef idx="1">
+            <a:schemeClr val="accent1"/>
+          </a:fillRef>
+          <a:effectRef idx="0">
+            <a:schemeClr val="accent1"/>
+          </a:effectRef>
+          <a:fontRef idx="minor">
+            <a:schemeClr val="lt1"/>
+          </a:fontRef>
+        </p:style>
+        <p:txBody>
+          <a:bodyPr rtlCol="0" anchor="ctr"/>
+          <a:lstStyle/>
+          <a:p>
+            <a:pPr algn="ctr"/>
+            <a:endParaRPr lang="it-IT"/>
+          </a:p>
+        </p:txBody>
+      </p:sp>
+      <p:sp>
+        <p:nvSpPr>
+          <p:cNvPr id="15" name="CasellaDiTesto 14">
+            <a:extLst>
+              <a:ext uri="{FF2B5EF4-FFF2-40B4-BE49-F238E27FC236}">
+                <a16:creationId xmlns:a16="http://schemas.microsoft.com/office/drawing/2014/main" id="{80D24999-D6D0-4E55-A16C-7E3DFC6F41B1}"/>
+              </a:ext>
+            </a:extLst>
+          </p:cNvPr>
+          <p:cNvSpPr txBox="1"/>
+          <p:nvPr/>
+        </p:nvSpPr>
+        <p:spPr>
+          <a:xfrm>
+            <a:off x="467432" y="4384610"/>
+            <a:ext cx="2541693" cy="2031325"/>
+          </a:xfrm>
+          <a:prstGeom prst="rect">
+            <a:avLst/>
+          </a:prstGeom>
+          <a:noFill/>
+          <a:ln>
+            <a:solidFill>
+              <a:schemeClr val="accent1">
+                <a:shade val="50000"/>
+              </a:schemeClr>
+            </a:solidFill>
+          </a:ln>
+        </p:spPr>
+        <p:txBody>
+          <a:bodyPr wrap="square" rtlCol="0">
+            <a:spAutoFit/>
+          </a:bodyPr>
+          <a:lstStyle/>
+          <a:p>
+            <a:r>
+              <a:rPr lang="it-IT" sz="1400" dirty="0"/>
+              <a:t>Action set for switch 1:</a:t>
+            </a:r>
+            <a:br>
+              <a:rPr lang="it-IT" sz="1400" dirty="0"/>
+            </a:br>
+            <a:r>
+              <a:rPr lang="it-IT" sz="1400" b="1" dirty="0"/>
+              <a:t>PUSH MPLS </a:t>
+            </a:r>
+            <a:r>
+              <a:rPr lang="it-IT" sz="1400" dirty="0"/>
+              <a:t>(label=1) out port 2,</a:t>
+            </a:r>
+            <a:br>
+              <a:rPr lang="it-IT" sz="1400" dirty="0"/>
+            </a:br>
+            <a:r>
+              <a:rPr lang="it-IT" sz="1400" dirty="0" err="1"/>
+              <a:t>priority</a:t>
+            </a:r>
+            <a:r>
+              <a:rPr lang="it-IT" sz="1400" dirty="0"/>
+              <a:t> 2 (default)</a:t>
+            </a:r>
+          </a:p>
+          <a:p>
+            <a:r>
+              <a:rPr lang="it-IT" sz="1400" b="1" dirty="0"/>
+              <a:t>PUSH MPLS</a:t>
+            </a:r>
+            <a:r>
+              <a:rPr lang="it-IT" sz="1400" dirty="0"/>
+              <a:t> (label=2) out port 3,</a:t>
+            </a:r>
+            <a:br>
+              <a:rPr lang="it-IT" sz="1400" dirty="0"/>
+            </a:br>
+            <a:r>
+              <a:rPr lang="it-IT" sz="1400" dirty="0" err="1"/>
+              <a:t>priority</a:t>
+            </a:r>
+            <a:r>
+              <a:rPr lang="it-IT" sz="1400" dirty="0"/>
+              <a:t> 1 (backup)</a:t>
+            </a:r>
+          </a:p>
+          <a:p>
+            <a:r>
+              <a:rPr lang="it-IT" sz="1400" b="1" dirty="0"/>
+              <a:t>POP MPLS </a:t>
+            </a:r>
+            <a:r>
+              <a:rPr lang="it-IT" sz="1400" dirty="0"/>
+              <a:t>(label=1) out port 1, </a:t>
+            </a:r>
+            <a:r>
+              <a:rPr lang="it-IT" sz="1400" dirty="0" err="1"/>
+              <a:t>priority</a:t>
+            </a:r>
+            <a:r>
+              <a:rPr lang="it-IT" sz="1400" dirty="0"/>
+              <a:t> 2 (default)</a:t>
+            </a:r>
+            <a:br>
+              <a:rPr lang="it-IT" sz="1400" dirty="0"/>
+            </a:br>
+            <a:r>
+              <a:rPr lang="it-IT" sz="1400" b="1" dirty="0"/>
+              <a:t>POP MPLS</a:t>
+            </a:r>
+            <a:r>
+              <a:rPr lang="it-IT" sz="1400" dirty="0"/>
+              <a:t> (label=2) out port 1, </a:t>
+            </a:r>
+            <a:r>
+              <a:rPr lang="it-IT" sz="1400" dirty="0" err="1"/>
+              <a:t>priority</a:t>
+            </a:r>
+            <a:r>
+              <a:rPr lang="it-IT" sz="1400" dirty="0"/>
+              <a:t> 1 (backup)</a:t>
+            </a:r>
+          </a:p>
+        </p:txBody>
+      </p:sp>
+      <p:sp>
+        <p:nvSpPr>
+          <p:cNvPr id="18" name="CasellaDiTesto 17">
+            <a:extLst>
+              <a:ext uri="{FF2B5EF4-FFF2-40B4-BE49-F238E27FC236}">
+                <a16:creationId xmlns:a16="http://schemas.microsoft.com/office/drawing/2014/main" id="{44B2CECA-8394-4271-89A6-E277241FA38C}"/>
+              </a:ext>
+            </a:extLst>
+          </p:cNvPr>
+          <p:cNvSpPr txBox="1"/>
+          <p:nvPr/>
+        </p:nvSpPr>
+        <p:spPr>
+          <a:xfrm>
+            <a:off x="6578809" y="4394323"/>
+            <a:ext cx="2536736" cy="2031325"/>
+          </a:xfrm>
+          <a:prstGeom prst="rect">
+            <a:avLst/>
+          </a:prstGeom>
+          <a:noFill/>
+          <a:ln>
+            <a:solidFill>
+              <a:schemeClr val="accent1">
+                <a:shade val="50000"/>
+              </a:schemeClr>
+            </a:solidFill>
+          </a:ln>
+        </p:spPr>
+        <p:txBody>
+          <a:bodyPr wrap="square" rtlCol="0">
+            <a:spAutoFit/>
+          </a:bodyPr>
+          <a:lstStyle/>
+          <a:p>
+            <a:r>
+              <a:rPr lang="it-IT" sz="1400" dirty="0"/>
+              <a:t>Action set for switch 2:</a:t>
+            </a:r>
+            <a:br>
+              <a:rPr lang="it-IT" sz="1400" dirty="0"/>
+            </a:br>
+            <a:r>
+              <a:rPr lang="it-IT" sz="1400" b="1" dirty="0"/>
+              <a:t>PUSH MPLS </a:t>
+            </a:r>
+            <a:r>
+              <a:rPr lang="it-IT" sz="1400" dirty="0"/>
+              <a:t>(label=1) out port 2,</a:t>
+            </a:r>
+            <a:br>
+              <a:rPr lang="it-IT" sz="1400" dirty="0"/>
+            </a:br>
+            <a:r>
+              <a:rPr lang="it-IT" sz="1400" dirty="0" err="1"/>
+              <a:t>priority</a:t>
+            </a:r>
+            <a:r>
+              <a:rPr lang="it-IT" sz="1400" dirty="0"/>
+              <a:t> 2 (default)</a:t>
+            </a:r>
+          </a:p>
+          <a:p>
+            <a:r>
+              <a:rPr lang="it-IT" sz="1400" b="1" dirty="0"/>
+              <a:t>PUSH MPLS</a:t>
+            </a:r>
+            <a:r>
+              <a:rPr lang="it-IT" sz="1400" dirty="0"/>
+              <a:t> (label=2) out port 3,</a:t>
+            </a:r>
+            <a:br>
+              <a:rPr lang="it-IT" sz="1400" dirty="0"/>
+            </a:br>
+            <a:r>
+              <a:rPr lang="it-IT" sz="1400" dirty="0" err="1"/>
+              <a:t>priority</a:t>
+            </a:r>
+            <a:r>
+              <a:rPr lang="it-IT" sz="1400" dirty="0"/>
+              <a:t> 1 (backup)</a:t>
+            </a:r>
+          </a:p>
+          <a:p>
+            <a:r>
+              <a:rPr lang="it-IT" sz="1400" b="1" dirty="0"/>
+              <a:t>POP MPLS </a:t>
+            </a:r>
+            <a:r>
+              <a:rPr lang="it-IT" sz="1400" dirty="0"/>
+              <a:t>(label=1) out port 1, </a:t>
+            </a:r>
+            <a:r>
+              <a:rPr lang="it-IT" sz="1400" dirty="0" err="1"/>
+              <a:t>priority</a:t>
+            </a:r>
+            <a:r>
+              <a:rPr lang="it-IT" sz="1400" dirty="0"/>
+              <a:t> 2 (default)</a:t>
+            </a:r>
+            <a:br>
+              <a:rPr lang="it-IT" sz="1400" dirty="0"/>
+            </a:br>
+            <a:r>
+              <a:rPr lang="it-IT" sz="1400" b="1" dirty="0"/>
+              <a:t>POP MPLS </a:t>
+            </a:r>
+            <a:r>
+              <a:rPr lang="it-IT" sz="1400" dirty="0"/>
+              <a:t>(label=2) out port 1, </a:t>
+            </a:r>
+            <a:r>
+              <a:rPr lang="it-IT" sz="1400" dirty="0" err="1"/>
+              <a:t>priority</a:t>
+            </a:r>
+            <a:r>
+              <a:rPr lang="it-IT" sz="1400" dirty="0"/>
+              <a:t> 1 (backup)</a:t>
+            </a:r>
+          </a:p>
+        </p:txBody>
+      </p:sp>
+      <p:sp>
+        <p:nvSpPr>
+          <p:cNvPr id="16" name="Freccia in giù 15">
+            <a:extLst>
+              <a:ext uri="{FF2B5EF4-FFF2-40B4-BE49-F238E27FC236}">
+                <a16:creationId xmlns:a16="http://schemas.microsoft.com/office/drawing/2014/main" id="{37BB9818-E60C-456E-B58F-51FFB3EF939A}"/>
+              </a:ext>
+            </a:extLst>
+          </p:cNvPr>
+          <p:cNvSpPr/>
+          <p:nvPr/>
+        </p:nvSpPr>
+        <p:spPr>
+          <a:xfrm rot="18292896">
+            <a:off x="3716539" y="3558499"/>
             <a:ext cx="301491" cy="1473281"/>
           </a:xfrm>
           <a:prstGeom prst="downArrow">
@@ -11130,10 +13279,120 @@
       </p:sp>
       <p:cxnSp>
         <p:nvCxnSpPr>
-          <p:cNvPr id="13" name="Connettore diritto 12">
+          <p:cNvPr id="17" name="Connettore diritto 16">
             <a:extLst>
               <a:ext uri="{FF2B5EF4-FFF2-40B4-BE49-F238E27FC236}">
-                <a16:creationId xmlns:a16="http://schemas.microsoft.com/office/drawing/2014/main" id="{C63C24C7-9911-481F-B2E6-4C7EDECE8155}"/>
+                <a16:creationId xmlns:a16="http://schemas.microsoft.com/office/drawing/2014/main" id="{428DB669-9FDB-4C60-8496-66D40D257A6F}"/>
+              </a:ext>
+            </a:extLst>
+          </p:cNvPr>
+          <p:cNvCxnSpPr>
+            <a:cxnSpLocks/>
+          </p:cNvCxnSpPr>
+          <p:nvPr/>
+        </p:nvCxnSpPr>
+        <p:spPr>
+          <a:xfrm>
+            <a:off x="841605" y="3804544"/>
+            <a:ext cx="1666145" cy="1"/>
+          </a:xfrm>
+          <a:prstGeom prst="line">
+            <a:avLst/>
+          </a:prstGeom>
+        </p:spPr>
+        <p:style>
+          <a:lnRef idx="1">
+            <a:schemeClr val="dk1"/>
+          </a:lnRef>
+          <a:fillRef idx="0">
+            <a:schemeClr val="dk1"/>
+          </a:fillRef>
+          <a:effectRef idx="0">
+            <a:schemeClr val="dk1"/>
+          </a:effectRef>
+          <a:fontRef idx="minor">
+            <a:schemeClr val="tx1"/>
+          </a:fontRef>
+        </p:style>
+      </p:cxnSp>
+      <p:pic>
+        <p:nvPicPr>
+          <p:cNvPr id="20" name="Immagine 19">
+            <a:extLst>
+              <a:ext uri="{FF2B5EF4-FFF2-40B4-BE49-F238E27FC236}">
+                <a16:creationId xmlns:a16="http://schemas.microsoft.com/office/drawing/2014/main" id="{60A27176-D575-455B-85EC-0306CE212385}"/>
+              </a:ext>
+            </a:extLst>
+          </p:cNvPr>
+          <p:cNvPicPr>
+            <a:picLocks noChangeAspect="1"/>
+          </p:cNvPicPr>
+          <p:nvPr/>
+        </p:nvPicPr>
+        <p:blipFill>
+          <a:blip r:embed="rId4">
+            <a:extLst>
+              <a:ext uri="{28A0092B-C50C-407E-A947-70E740481C1C}">
+                <a14:useLocalDpi xmlns:a14="http://schemas.microsoft.com/office/drawing/2010/main" val="0"/>
+              </a:ext>
+            </a:extLst>
+          </a:blip>
+          <a:stretch>
+            <a:fillRect/>
+          </a:stretch>
+        </p:blipFill>
+        <p:spPr>
+          <a:xfrm>
+            <a:off x="42720" y="3130533"/>
+            <a:ext cx="910436" cy="910436"/>
+          </a:xfrm>
+          <a:prstGeom prst="rect">
+            <a:avLst/>
+          </a:prstGeom>
+        </p:spPr>
+      </p:pic>
+      <p:pic>
+        <p:nvPicPr>
+          <p:cNvPr id="24" name="Immagine 23">
+            <a:extLst>
+              <a:ext uri="{FF2B5EF4-FFF2-40B4-BE49-F238E27FC236}">
+                <a16:creationId xmlns:a16="http://schemas.microsoft.com/office/drawing/2014/main" id="{1FFC48D9-084C-436F-A3E2-4A4E7B2F7C99}"/>
+              </a:ext>
+            </a:extLst>
+          </p:cNvPr>
+          <p:cNvPicPr>
+            <a:picLocks noChangeAspect="1"/>
+          </p:cNvPicPr>
+          <p:nvPr/>
+        </p:nvPicPr>
+        <p:blipFill>
+          <a:blip r:embed="rId4">
+            <a:extLst>
+              <a:ext uri="{28A0092B-C50C-407E-A947-70E740481C1C}">
+                <a14:useLocalDpi xmlns:a14="http://schemas.microsoft.com/office/drawing/2010/main" val="0"/>
+              </a:ext>
+            </a:extLst>
+          </a:blip>
+          <a:stretch>
+            <a:fillRect/>
+          </a:stretch>
+        </p:blipFill>
+        <p:spPr>
+          <a:xfrm>
+            <a:off x="7962382" y="3130774"/>
+            <a:ext cx="910436" cy="910436"/>
+          </a:xfrm>
+          <a:prstGeom prst="rect">
+            <a:avLst/>
+          </a:prstGeom>
+        </p:spPr>
+      </p:pic>
+      <p:cxnSp>
+        <p:nvCxnSpPr>
+          <p:cNvPr id="21" name="Connettore diritto 20">
+            <a:extLst>
+              <a:ext uri="{FF2B5EF4-FFF2-40B4-BE49-F238E27FC236}">
+                <a16:creationId xmlns:a16="http://schemas.microsoft.com/office/drawing/2014/main" id="{06FE479B-F597-4497-9C76-BEDE1112BD1E}"/>
               </a:ext>
             </a:extLst>
           </p:cNvPr>
@@ -11144,8 +13403,8 @@
         </p:nvCxnSpPr>
         <p:spPr>
           <a:xfrm flipV="1">
-            <a:off x="1310077" y="2784122"/>
-            <a:ext cx="1095498" cy="1"/>
+            <a:off x="6887587" y="3804544"/>
+            <a:ext cx="1471420" cy="1"/>
           </a:xfrm>
           <a:prstGeom prst="line">
             <a:avLst/>
@@ -11168,10 +13427,10 @@
       </p:cxnSp>
       <p:sp>
         <p:nvSpPr>
-          <p:cNvPr id="10" name="CasellaDiTesto 9">
+          <p:cNvPr id="4" name="CasellaDiTesto 3">
             <a:extLst>
               <a:ext uri="{FF2B5EF4-FFF2-40B4-BE49-F238E27FC236}">
-                <a16:creationId xmlns:a16="http://schemas.microsoft.com/office/drawing/2014/main" id="{A90C6B91-1756-472F-94C1-5BE2B67E87AE}"/>
+                <a16:creationId xmlns:a16="http://schemas.microsoft.com/office/drawing/2014/main" id="{7D04E038-ABA3-4061-B3A9-D206452CCAFA}"/>
               </a:ext>
             </a:extLst>
           </p:cNvPr>
@@ -11180,245 +13439,7 @@
         </p:nvSpPr>
         <p:spPr>
           <a:xfrm>
-            <a:off x="72343" y="3235875"/>
-            <a:ext cx="2536735" cy="1169551"/>
-          </a:xfrm>
-          <a:prstGeom prst="rect">
-            <a:avLst/>
-          </a:prstGeom>
-          <a:noFill/>
-          <a:ln>
-            <a:solidFill>
-              <a:schemeClr val="accent1">
-                <a:shade val="50000"/>
-              </a:schemeClr>
-            </a:solidFill>
-          </a:ln>
-        </p:spPr>
-        <p:txBody>
-          <a:bodyPr wrap="square" rtlCol="0">
-            <a:spAutoFit/>
-          </a:bodyPr>
-          <a:lstStyle/>
-          <a:p>
-            <a:r>
-              <a:rPr lang="it-IT" sz="1400" dirty="0"/>
-              <a:t>Action set for switch 1:</a:t>
-            </a:r>
-          </a:p>
-          <a:p>
-            <a:r>
-              <a:rPr lang="it-IT" sz="1400" b="1" dirty="0"/>
-              <a:t>PUSH MPLS </a:t>
-            </a:r>
-            <a:r>
-              <a:rPr lang="it-IT" sz="1400" dirty="0"/>
-              <a:t>(label=2) out port 3,</a:t>
-            </a:r>
-            <a:br>
-              <a:rPr lang="it-IT" sz="1400" dirty="0"/>
-            </a:br>
-            <a:r>
-              <a:rPr lang="it-IT" sz="1400" dirty="0" err="1"/>
-              <a:t>priority</a:t>
-            </a:r>
-            <a:r>
-              <a:rPr lang="it-IT" sz="1400" dirty="0"/>
-              <a:t> 1 (backup)</a:t>
-            </a:r>
-            <a:br>
-              <a:rPr lang="it-IT" sz="1400" dirty="0"/>
-            </a:br>
-            <a:r>
-              <a:rPr lang="it-IT" sz="1400" b="1" dirty="0"/>
-              <a:t>POP MPLS</a:t>
-            </a:r>
-            <a:r>
-              <a:rPr lang="it-IT" sz="1400" dirty="0"/>
-              <a:t> (label=2) out port 1, </a:t>
-            </a:r>
-            <a:r>
-              <a:rPr lang="it-IT" sz="1400" dirty="0" err="1"/>
-              <a:t>priority</a:t>
-            </a:r>
-            <a:r>
-              <a:rPr lang="it-IT" sz="1400" dirty="0"/>
-              <a:t> 1 (backup)</a:t>
-            </a:r>
-          </a:p>
-        </p:txBody>
-      </p:sp>
-      <p:sp>
-        <p:nvSpPr>
-          <p:cNvPr id="11" name="CasellaDiTesto 10">
-            <a:extLst>
-              <a:ext uri="{FF2B5EF4-FFF2-40B4-BE49-F238E27FC236}">
-                <a16:creationId xmlns:a16="http://schemas.microsoft.com/office/drawing/2014/main" id="{904D0C32-4E4D-4618-B3A6-4224CBEF3AB6}"/>
-              </a:ext>
-            </a:extLst>
-          </p:cNvPr>
-          <p:cNvSpPr txBox="1"/>
-          <p:nvPr/>
-        </p:nvSpPr>
-        <p:spPr>
-          <a:xfrm>
-            <a:off x="6445753" y="3435574"/>
-            <a:ext cx="2625905" cy="1169551"/>
-          </a:xfrm>
-          <a:prstGeom prst="rect">
-            <a:avLst/>
-          </a:prstGeom>
-          <a:noFill/>
-          <a:ln>
-            <a:solidFill>
-              <a:schemeClr val="accent1">
-                <a:shade val="50000"/>
-              </a:schemeClr>
-            </a:solidFill>
-          </a:ln>
-        </p:spPr>
-        <p:txBody>
-          <a:bodyPr wrap="square" rtlCol="0">
-            <a:spAutoFit/>
-          </a:bodyPr>
-          <a:lstStyle/>
-          <a:p>
-            <a:r>
-              <a:rPr lang="it-IT" sz="1400" dirty="0"/>
-              <a:t>Action set for switch 2:</a:t>
-            </a:r>
-          </a:p>
-          <a:p>
-            <a:r>
-              <a:rPr lang="it-IT" sz="1400" b="1" dirty="0"/>
-              <a:t>PUSH MPLS </a:t>
-            </a:r>
-            <a:r>
-              <a:rPr lang="it-IT" sz="1400" dirty="0"/>
-              <a:t>(label=2) out port 3,</a:t>
-            </a:r>
-            <a:br>
-              <a:rPr lang="it-IT" sz="1400" dirty="0"/>
-            </a:br>
-            <a:r>
-              <a:rPr lang="it-IT" sz="1400" dirty="0" err="1"/>
-              <a:t>priority</a:t>
-            </a:r>
-            <a:r>
-              <a:rPr lang="it-IT" sz="1400" dirty="0"/>
-              <a:t> 1 (backup)</a:t>
-            </a:r>
-            <a:br>
-              <a:rPr lang="it-IT" sz="1400" dirty="0"/>
-            </a:br>
-            <a:r>
-              <a:rPr lang="it-IT" sz="1400" b="1" dirty="0"/>
-              <a:t>POP MPLS </a:t>
-            </a:r>
-            <a:r>
-              <a:rPr lang="it-IT" sz="1400" dirty="0"/>
-              <a:t>(label=2) out port 1, </a:t>
-            </a:r>
-            <a:r>
-              <a:rPr lang="it-IT" sz="1400" dirty="0" err="1"/>
-              <a:t>priority</a:t>
-            </a:r>
-            <a:r>
-              <a:rPr lang="it-IT" sz="1400" dirty="0"/>
-              <a:t> 1 (backup)</a:t>
-            </a:r>
-          </a:p>
-        </p:txBody>
-      </p:sp>
-      <p:cxnSp>
-        <p:nvCxnSpPr>
-          <p:cNvPr id="16" name="Connettore diritto 15">
-            <a:extLst>
-              <a:ext uri="{FF2B5EF4-FFF2-40B4-BE49-F238E27FC236}">
-                <a16:creationId xmlns:a16="http://schemas.microsoft.com/office/drawing/2014/main" id="{8B0AAC26-48BC-461A-B178-5931DB3DA37A}"/>
-              </a:ext>
-            </a:extLst>
-          </p:cNvPr>
-          <p:cNvCxnSpPr>
-            <a:cxnSpLocks/>
-          </p:cNvCxnSpPr>
-          <p:nvPr/>
-        </p:nvCxnSpPr>
-        <p:spPr>
-          <a:xfrm>
-            <a:off x="6445753" y="2828452"/>
-            <a:ext cx="1325751" cy="0"/>
-          </a:xfrm>
-          <a:prstGeom prst="line">
-            <a:avLst/>
-          </a:prstGeom>
-        </p:spPr>
-        <p:style>
-          <a:lnRef idx="1">
-            <a:schemeClr val="dk1"/>
-          </a:lnRef>
-          <a:fillRef idx="0">
-            <a:schemeClr val="dk1"/>
-          </a:fillRef>
-          <a:effectRef idx="0">
-            <a:schemeClr val="dk1"/>
-          </a:effectRef>
-          <a:fontRef idx="minor">
-            <a:schemeClr val="tx1"/>
-          </a:fontRef>
-        </p:style>
-      </p:cxnSp>
-      <p:pic>
-        <p:nvPicPr>
-          <p:cNvPr id="14" name="Immagine 13">
-            <a:extLst>
-              <a:ext uri="{FF2B5EF4-FFF2-40B4-BE49-F238E27FC236}">
-                <a16:creationId xmlns:a16="http://schemas.microsoft.com/office/drawing/2014/main" id="{993B325A-2047-4849-A157-EBF051BDF853}"/>
-              </a:ext>
-            </a:extLst>
-          </p:cNvPr>
-          <p:cNvPicPr>
-            <a:picLocks noChangeAspect="1"/>
-          </p:cNvPicPr>
-          <p:nvPr/>
-        </p:nvPicPr>
-        <p:blipFill>
-          <a:blip r:embed="rId2">
-            <a:extLst>
-              <a:ext uri="{28A0092B-C50C-407E-A947-70E740481C1C}">
-                <a14:useLocalDpi xmlns:a14="http://schemas.microsoft.com/office/drawing/2010/main" val="0"/>
-              </a:ext>
-            </a:extLst>
-          </a:blip>
-          <a:stretch>
-            <a:fillRect/>
-          </a:stretch>
-        </p:blipFill>
-        <p:spPr>
-          <a:xfrm>
-            <a:off x="508284" y="2216626"/>
-            <a:ext cx="910436" cy="910436"/>
-          </a:xfrm>
-          <a:prstGeom prst="rect">
-            <a:avLst/>
-          </a:prstGeom>
-        </p:spPr>
-      </p:pic>
-      <p:sp>
-        <p:nvSpPr>
-          <p:cNvPr id="24" name="CasellaDiTesto 23">
-            <a:extLst>
-              <a:ext uri="{FF2B5EF4-FFF2-40B4-BE49-F238E27FC236}">
-                <a16:creationId xmlns:a16="http://schemas.microsoft.com/office/drawing/2014/main" id="{5DAB7902-6620-4D06-AA77-E5739823E1DB}"/>
-              </a:ext>
-            </a:extLst>
-          </p:cNvPr>
-          <p:cNvSpPr txBox="1"/>
-          <p:nvPr/>
-        </p:nvSpPr>
-        <p:spPr>
-          <a:xfrm>
-            <a:off x="3222495" y="4431632"/>
+            <a:off x="5310441" y="975474"/>
             <a:ext cx="2536736" cy="738664"/>
           </a:xfrm>
           <a:prstGeom prst="rect">
@@ -11439,29 +13460,495 @@
           <a:p>
             <a:r>
               <a:rPr lang="it-IT" sz="1400" dirty="0"/>
-              <a:t>Action set on switch 4:</a:t>
+              <a:t>Action set on switch 3:</a:t>
             </a:r>
           </a:p>
           <a:p>
             <a:r>
               <a:rPr lang="it-IT" sz="1400" dirty="0"/>
-              <a:t>In port 1 (label=2) =&gt; out port 2</a:t>
+              <a:t>In port 1 (label=1) =&gt; out port 2</a:t>
             </a:r>
           </a:p>
           <a:p>
             <a:r>
               <a:rPr lang="it-IT" sz="1400" dirty="0"/>
-              <a:t>In port 2 (label=2) =&gt; out port 1</a:t>
+              <a:t>In port 2 (label=1) =&gt; out port 1</a:t>
             </a:r>
           </a:p>
         </p:txBody>
       </p:sp>
       <p:sp>
         <p:nvSpPr>
-          <p:cNvPr id="25" name="Segno di moltiplicazione 24">
+          <p:cNvPr id="22" name="CasellaDiTesto 21">
             <a:extLst>
               <a:ext uri="{FF2B5EF4-FFF2-40B4-BE49-F238E27FC236}">
-                <a16:creationId xmlns:a16="http://schemas.microsoft.com/office/drawing/2014/main" id="{1E4E5870-F5B2-43EE-A7EF-EA9B6AEEBB4B}"/>
+                <a16:creationId xmlns:a16="http://schemas.microsoft.com/office/drawing/2014/main" id="{A0F5F56F-4B31-499A-B1FD-4E4F98B24D0B}"/>
+              </a:ext>
+            </a:extLst>
+          </p:cNvPr>
+          <p:cNvSpPr txBox="1"/>
+          <p:nvPr/>
+        </p:nvSpPr>
+        <p:spPr>
+          <a:xfrm>
+            <a:off x="3506255" y="5671675"/>
+            <a:ext cx="2536736" cy="738664"/>
+          </a:xfrm>
+          <a:prstGeom prst="rect">
+            <a:avLst/>
+          </a:prstGeom>
+          <a:noFill/>
+          <a:ln>
+            <a:solidFill>
+              <a:schemeClr val="accent1"/>
+            </a:solidFill>
+          </a:ln>
+        </p:spPr>
+        <p:txBody>
+          <a:bodyPr wrap="square" rtlCol="0">
+            <a:spAutoFit/>
+          </a:bodyPr>
+          <a:lstStyle/>
+          <a:p>
+            <a:r>
+              <a:rPr lang="it-IT" sz="1400" dirty="0"/>
+              <a:t>Action set on switch 4:</a:t>
+            </a:r>
+          </a:p>
+          <a:p>
+            <a:r>
+              <a:rPr lang="it-IT" sz="1400" dirty="0"/>
+              <a:t>In port 1 (label=2) =&gt; out port 2</a:t>
+            </a:r>
+          </a:p>
+          <a:p>
+            <a:r>
+              <a:rPr lang="it-IT" sz="1400" dirty="0"/>
+              <a:t>In port 2 (label=2) =&gt; out port 1</a:t>
+            </a:r>
+          </a:p>
+        </p:txBody>
+      </p:sp>
+      <p:pic>
+        <p:nvPicPr>
+          <p:cNvPr id="23" name="Immagine 22">
+            <a:extLst>
+              <a:ext uri="{FF2B5EF4-FFF2-40B4-BE49-F238E27FC236}">
+                <a16:creationId xmlns:a16="http://schemas.microsoft.com/office/drawing/2014/main" id="{3BA37EF2-3A1A-4790-8091-2AF076A54690}"/>
+              </a:ext>
+            </a:extLst>
+          </p:cNvPr>
+          <p:cNvPicPr>
+            <a:picLocks noChangeAspect="1"/>
+          </p:cNvPicPr>
+          <p:nvPr/>
+        </p:nvPicPr>
+        <p:blipFill>
+          <a:blip r:embed="rId4">
+            <a:extLst>
+              <a:ext uri="{28A0092B-C50C-407E-A947-70E740481C1C}">
+                <a14:useLocalDpi xmlns:a14="http://schemas.microsoft.com/office/drawing/2010/main" val="0"/>
+              </a:ext>
+            </a:extLst>
+          </a:blip>
+          <a:stretch>
+            <a:fillRect/>
+          </a:stretch>
+        </p:blipFill>
+        <p:spPr>
+          <a:xfrm>
+            <a:off x="1902979" y="766013"/>
+            <a:ext cx="910436" cy="910436"/>
+          </a:xfrm>
+          <a:prstGeom prst="rect">
+            <a:avLst/>
+          </a:prstGeom>
+        </p:spPr>
+      </p:pic>
+      <p:sp>
+        <p:nvSpPr>
+          <p:cNvPr id="5" name="CasellaDiTesto 4">
+            <a:extLst>
+              <a:ext uri="{FF2B5EF4-FFF2-40B4-BE49-F238E27FC236}">
+                <a16:creationId xmlns:a16="http://schemas.microsoft.com/office/drawing/2014/main" id="{23C64B88-5761-48BC-91C8-8E92FF8BCF70}"/>
+              </a:ext>
+            </a:extLst>
+          </p:cNvPr>
+          <p:cNvSpPr txBox="1"/>
+          <p:nvPr/>
+        </p:nvSpPr>
+        <p:spPr>
+          <a:xfrm>
+            <a:off x="1989392" y="766013"/>
+            <a:ext cx="1243346" cy="307777"/>
+          </a:xfrm>
+          <a:prstGeom prst="rect">
+            <a:avLst/>
+          </a:prstGeom>
+          <a:noFill/>
+        </p:spPr>
+        <p:txBody>
+          <a:bodyPr wrap="square" rtlCol="0">
+            <a:spAutoFit/>
+          </a:bodyPr>
+          <a:lstStyle/>
+          <a:p>
+            <a:r>
+              <a:rPr lang="it-IT" sz="1400" b="1" dirty="0"/>
+              <a:t>CONTROLLER</a:t>
+            </a:r>
+          </a:p>
+        </p:txBody>
+      </p:sp>
+      <p:sp>
+        <p:nvSpPr>
+          <p:cNvPr id="28" name="Freccia a destra 27">
+            <a:extLst>
+              <a:ext uri="{FF2B5EF4-FFF2-40B4-BE49-F238E27FC236}">
+                <a16:creationId xmlns:a16="http://schemas.microsoft.com/office/drawing/2014/main" id="{29D46B27-1FCB-40D1-BFED-BCA870945A91}"/>
+              </a:ext>
+            </a:extLst>
+          </p:cNvPr>
+          <p:cNvSpPr/>
+          <p:nvPr/>
+        </p:nvSpPr>
+        <p:spPr>
+          <a:xfrm rot="15748733">
+            <a:off x="1656860" y="2539935"/>
+            <a:ext cx="1994714" cy="90925"/>
+          </a:xfrm>
+          <a:prstGeom prst="rightArrow">
+            <a:avLst/>
+          </a:prstGeom>
+        </p:spPr>
+        <p:style>
+          <a:lnRef idx="2">
+            <a:schemeClr val="accent1">
+              <a:shade val="50000"/>
+            </a:schemeClr>
+          </a:lnRef>
+          <a:fillRef idx="1">
+            <a:schemeClr val="accent1"/>
+          </a:fillRef>
+          <a:effectRef idx="0">
+            <a:schemeClr val="accent1"/>
+          </a:effectRef>
+          <a:fontRef idx="minor">
+            <a:schemeClr val="lt1"/>
+          </a:fontRef>
+        </p:style>
+        <p:txBody>
+          <a:bodyPr rtlCol="0" anchor="ctr"/>
+          <a:lstStyle/>
+          <a:p>
+            <a:pPr algn="ctr"/>
+            <a:endParaRPr lang="it-IT"/>
+          </a:p>
+        </p:txBody>
+      </p:sp>
+      <p:sp>
+        <p:nvSpPr>
+          <p:cNvPr id="33" name="Freccia a destra 32">
+            <a:extLst>
+              <a:ext uri="{FF2B5EF4-FFF2-40B4-BE49-F238E27FC236}">
+                <a16:creationId xmlns:a16="http://schemas.microsoft.com/office/drawing/2014/main" id="{11A1FD21-4BC7-4FC4-BF27-FA1DCBFBB9AF}"/>
+              </a:ext>
+            </a:extLst>
+          </p:cNvPr>
+          <p:cNvSpPr/>
+          <p:nvPr/>
+        </p:nvSpPr>
+        <p:spPr>
+          <a:xfrm rot="1952913" flipV="1">
+            <a:off x="2428843" y="2581869"/>
+            <a:ext cx="4023470" cy="103059"/>
+          </a:xfrm>
+          <a:prstGeom prst="rightArrow">
+            <a:avLst/>
+          </a:prstGeom>
+          <a:solidFill>
+            <a:schemeClr val="accent6"/>
+          </a:solidFill>
+        </p:spPr>
+        <p:style>
+          <a:lnRef idx="2">
+            <a:schemeClr val="accent1">
+              <a:shade val="50000"/>
+            </a:schemeClr>
+          </a:lnRef>
+          <a:fillRef idx="1">
+            <a:schemeClr val="accent1"/>
+          </a:fillRef>
+          <a:effectRef idx="0">
+            <a:schemeClr val="accent1"/>
+          </a:effectRef>
+          <a:fontRef idx="minor">
+            <a:schemeClr val="lt1"/>
+          </a:fontRef>
+        </p:style>
+        <p:txBody>
+          <a:bodyPr rtlCol="0" anchor="ctr"/>
+          <a:lstStyle/>
+          <a:p>
+            <a:pPr algn="ctr"/>
+            <a:endParaRPr lang="it-IT">
+              <a:solidFill>
+                <a:schemeClr val="accent6"/>
+              </a:solidFill>
+            </a:endParaRPr>
+          </a:p>
+        </p:txBody>
+      </p:sp>
+      <p:sp>
+        <p:nvSpPr>
+          <p:cNvPr id="36" name="Freccia a destra 35">
+            <a:extLst>
+              <a:ext uri="{FF2B5EF4-FFF2-40B4-BE49-F238E27FC236}">
+                <a16:creationId xmlns:a16="http://schemas.microsoft.com/office/drawing/2014/main" id="{E7B92784-2DED-4C96-B08A-524F4E000D49}"/>
+              </a:ext>
+            </a:extLst>
+          </p:cNvPr>
+          <p:cNvSpPr/>
+          <p:nvPr/>
+        </p:nvSpPr>
+        <p:spPr>
+          <a:xfrm rot="3495898">
+            <a:off x="1810965" y="3175442"/>
+            <a:ext cx="3688787" cy="125800"/>
+          </a:xfrm>
+          <a:prstGeom prst="rightArrow">
+            <a:avLst/>
+          </a:prstGeom>
+          <a:solidFill>
+            <a:schemeClr val="accent6"/>
+          </a:solidFill>
+        </p:spPr>
+        <p:style>
+          <a:lnRef idx="2">
+            <a:schemeClr val="accent1">
+              <a:shade val="50000"/>
+            </a:schemeClr>
+          </a:lnRef>
+          <a:fillRef idx="1">
+            <a:schemeClr val="accent1"/>
+          </a:fillRef>
+          <a:effectRef idx="0">
+            <a:schemeClr val="accent1"/>
+          </a:effectRef>
+          <a:fontRef idx="minor">
+            <a:schemeClr val="lt1"/>
+          </a:fontRef>
+        </p:style>
+        <p:txBody>
+          <a:bodyPr rtlCol="0" anchor="ctr"/>
+          <a:lstStyle/>
+          <a:p>
+            <a:pPr algn="ctr"/>
+            <a:endParaRPr lang="it-IT">
+              <a:solidFill>
+                <a:schemeClr val="accent6"/>
+              </a:solidFill>
+            </a:endParaRPr>
+          </a:p>
+        </p:txBody>
+      </p:sp>
+      <p:sp>
+        <p:nvSpPr>
+          <p:cNvPr id="37" name="Freccia a destra 36">
+            <a:extLst>
+              <a:ext uri="{FF2B5EF4-FFF2-40B4-BE49-F238E27FC236}">
+                <a16:creationId xmlns:a16="http://schemas.microsoft.com/office/drawing/2014/main" id="{E69B7810-CD25-4F16-93AE-96380F1F05D9}"/>
+              </a:ext>
+            </a:extLst>
+          </p:cNvPr>
+          <p:cNvSpPr/>
+          <p:nvPr/>
+        </p:nvSpPr>
+        <p:spPr>
+          <a:xfrm rot="4897618">
+            <a:off x="1580894" y="2536899"/>
+            <a:ext cx="1911855" cy="96994"/>
+          </a:xfrm>
+          <a:prstGeom prst="rightArrow">
+            <a:avLst/>
+          </a:prstGeom>
+          <a:solidFill>
+            <a:schemeClr val="accent6"/>
+          </a:solidFill>
+        </p:spPr>
+        <p:style>
+          <a:lnRef idx="2">
+            <a:schemeClr val="accent1">
+              <a:shade val="50000"/>
+            </a:schemeClr>
+          </a:lnRef>
+          <a:fillRef idx="1">
+            <a:schemeClr val="accent1"/>
+          </a:fillRef>
+          <a:effectRef idx="0">
+            <a:schemeClr val="accent1"/>
+          </a:effectRef>
+          <a:fontRef idx="minor">
+            <a:schemeClr val="lt1"/>
+          </a:fontRef>
+        </p:style>
+        <p:txBody>
+          <a:bodyPr rtlCol="0" anchor="ctr"/>
+          <a:lstStyle/>
+          <a:p>
+            <a:pPr algn="ctr"/>
+            <a:endParaRPr lang="it-IT">
+              <a:solidFill>
+                <a:schemeClr val="accent6"/>
+              </a:solidFill>
+            </a:endParaRPr>
+          </a:p>
+        </p:txBody>
+      </p:sp>
+      <p:sp>
+        <p:nvSpPr>
+          <p:cNvPr id="39" name="Freccia a destra 38">
+            <a:extLst>
+              <a:ext uri="{FF2B5EF4-FFF2-40B4-BE49-F238E27FC236}">
+                <a16:creationId xmlns:a16="http://schemas.microsoft.com/office/drawing/2014/main" id="{9690517A-9CB6-4AF8-8398-B2167BE26A67}"/>
+              </a:ext>
+            </a:extLst>
+          </p:cNvPr>
+          <p:cNvSpPr/>
+          <p:nvPr/>
+        </p:nvSpPr>
+        <p:spPr>
+          <a:xfrm rot="1376099">
+            <a:off x="2810553" y="1721848"/>
+            <a:ext cx="1875863" cy="86887"/>
+          </a:xfrm>
+          <a:prstGeom prst="rightArrow">
+            <a:avLst/>
+          </a:prstGeom>
+          <a:solidFill>
+            <a:schemeClr val="accent6"/>
+          </a:solidFill>
+        </p:spPr>
+        <p:style>
+          <a:lnRef idx="2">
+            <a:schemeClr val="accent1">
+              <a:shade val="50000"/>
+            </a:schemeClr>
+          </a:lnRef>
+          <a:fillRef idx="1">
+            <a:schemeClr val="accent1"/>
+          </a:fillRef>
+          <a:effectRef idx="0">
+            <a:schemeClr val="accent1"/>
+          </a:effectRef>
+          <a:fontRef idx="minor">
+            <a:schemeClr val="lt1"/>
+          </a:fontRef>
+        </p:style>
+        <p:txBody>
+          <a:bodyPr rtlCol="0" anchor="ctr"/>
+          <a:lstStyle/>
+          <a:p>
+            <a:pPr algn="ctr"/>
+            <a:endParaRPr lang="it-IT">
+              <a:solidFill>
+                <a:schemeClr val="accent6"/>
+              </a:solidFill>
+            </a:endParaRPr>
+          </a:p>
+        </p:txBody>
+      </p:sp>
+      <p:sp>
+        <p:nvSpPr>
+          <p:cNvPr id="51" name="CasellaDiTesto 50">
+            <a:extLst>
+              <a:ext uri="{FF2B5EF4-FFF2-40B4-BE49-F238E27FC236}">
+                <a16:creationId xmlns:a16="http://schemas.microsoft.com/office/drawing/2014/main" id="{EF07B620-CBB6-4B8D-9B0B-DE416154C7B3}"/>
+              </a:ext>
+            </a:extLst>
+          </p:cNvPr>
+          <p:cNvSpPr txBox="1"/>
+          <p:nvPr/>
+        </p:nvSpPr>
+        <p:spPr>
+          <a:xfrm>
+            <a:off x="7189047" y="3465468"/>
+            <a:ext cx="665310" cy="276999"/>
+          </a:xfrm>
+          <a:prstGeom prst="rect">
+            <a:avLst/>
+          </a:prstGeom>
+          <a:noFill/>
+        </p:spPr>
+        <p:txBody>
+          <a:bodyPr wrap="none" rtlCol="0">
+            <a:spAutoFit/>
+          </a:bodyPr>
+          <a:lstStyle/>
+          <a:p>
+            <a:r>
+              <a:rPr lang="it-IT" sz="1200" b="1" dirty="0">
+                <a:solidFill>
+                  <a:schemeClr val="bg1"/>
+                </a:solidFill>
+              </a:rPr>
+              <a:t>IP PACT</a:t>
+            </a:r>
+          </a:p>
+        </p:txBody>
+      </p:sp>
+      <p:sp>
+        <p:nvSpPr>
+          <p:cNvPr id="38" name="Freccia a destra 37">
+            <a:extLst>
+              <a:ext uri="{FF2B5EF4-FFF2-40B4-BE49-F238E27FC236}">
+                <a16:creationId xmlns:a16="http://schemas.microsoft.com/office/drawing/2014/main" id="{D1AA67CA-C8DC-47C3-A412-3AAF9BD003C3}"/>
+              </a:ext>
+            </a:extLst>
+          </p:cNvPr>
+          <p:cNvSpPr/>
+          <p:nvPr/>
+        </p:nvSpPr>
+        <p:spPr>
+          <a:xfrm rot="12543992">
+            <a:off x="2734002" y="1833357"/>
+            <a:ext cx="1888243" cy="94984"/>
+          </a:xfrm>
+          <a:prstGeom prst="rightArrow">
+            <a:avLst/>
+          </a:prstGeom>
+        </p:spPr>
+        <p:style>
+          <a:lnRef idx="2">
+            <a:schemeClr val="accent1">
+              <a:shade val="50000"/>
+            </a:schemeClr>
+          </a:lnRef>
+          <a:fillRef idx="1">
+            <a:schemeClr val="accent1"/>
+          </a:fillRef>
+          <a:effectRef idx="0">
+            <a:schemeClr val="accent1"/>
+          </a:effectRef>
+          <a:fontRef idx="minor">
+            <a:schemeClr val="lt1"/>
+          </a:fontRef>
+        </p:style>
+        <p:txBody>
+          <a:bodyPr rtlCol="0" anchor="ctr"/>
+          <a:lstStyle/>
+          <a:p>
+            <a:pPr algn="ctr"/>
+            <a:endParaRPr lang="it-IT"/>
+          </a:p>
+        </p:txBody>
+      </p:sp>
+      <p:sp>
+        <p:nvSpPr>
+          <p:cNvPr id="40" name="Segno di moltiplicazione 39">
+            <a:extLst>
+              <a:ext uri="{FF2B5EF4-FFF2-40B4-BE49-F238E27FC236}">
+                <a16:creationId xmlns:a16="http://schemas.microsoft.com/office/drawing/2014/main" id="{A91BDE74-CCC9-4BE5-8ABB-AD66B50239C8}"/>
               </a:ext>
             </a:extLst>
           </p:cNvPr>
@@ -11470,7 +13957,7 @@
         </p:nvSpPr>
         <p:spPr>
           <a:xfrm>
-            <a:off x="3201890" y="1800002"/>
+            <a:off x="3330997" y="2775753"/>
             <a:ext cx="772730" cy="668295"/>
           </a:xfrm>
           <a:prstGeom prst="mathMultiply">
@@ -11505,16 +13992,1257 @@
           </a:p>
         </p:txBody>
       </p:sp>
+      <p:sp>
+        <p:nvSpPr>
+          <p:cNvPr id="19" name="Rettangolo 18">
+            <a:extLst>
+              <a:ext uri="{FF2B5EF4-FFF2-40B4-BE49-F238E27FC236}">
+                <a16:creationId xmlns:a16="http://schemas.microsoft.com/office/drawing/2014/main" id="{20D2E126-D8CD-427F-B64E-4330CACCF79A}"/>
+              </a:ext>
+            </a:extLst>
+          </p:cNvPr>
+          <p:cNvSpPr/>
+          <p:nvPr/>
+        </p:nvSpPr>
+        <p:spPr>
+          <a:xfrm>
+            <a:off x="497938" y="4622794"/>
+            <a:ext cx="2444900" cy="472411"/>
+          </a:xfrm>
+          <a:prstGeom prst="rect">
+            <a:avLst/>
+          </a:prstGeom>
+          <a:solidFill>
+            <a:schemeClr val="bg1"/>
+          </a:solidFill>
+          <a:ln>
+            <a:noFill/>
+          </a:ln>
+        </p:spPr>
+        <p:style>
+          <a:lnRef idx="2">
+            <a:schemeClr val="accent1">
+              <a:shade val="50000"/>
+            </a:schemeClr>
+          </a:lnRef>
+          <a:fillRef idx="1">
+            <a:schemeClr val="accent1"/>
+          </a:fillRef>
+          <a:effectRef idx="0">
+            <a:schemeClr val="accent1"/>
+          </a:effectRef>
+          <a:fontRef idx="minor">
+            <a:schemeClr val="lt1"/>
+          </a:fontRef>
+        </p:style>
+        <p:txBody>
+          <a:bodyPr rtlCol="0" anchor="ctr"/>
+          <a:lstStyle/>
+          <a:p>
+            <a:pPr algn="ctr"/>
+            <a:endParaRPr lang="it-IT" dirty="0"/>
+          </a:p>
+        </p:txBody>
+      </p:sp>
+      <p:sp>
+        <p:nvSpPr>
+          <p:cNvPr id="42" name="Rettangolo 41">
+            <a:extLst>
+              <a:ext uri="{FF2B5EF4-FFF2-40B4-BE49-F238E27FC236}">
+                <a16:creationId xmlns:a16="http://schemas.microsoft.com/office/drawing/2014/main" id="{60732059-7F0F-4FAB-91AA-4C60535447E7}"/>
+              </a:ext>
+            </a:extLst>
+          </p:cNvPr>
+          <p:cNvSpPr/>
+          <p:nvPr/>
+        </p:nvSpPr>
+        <p:spPr>
+          <a:xfrm>
+            <a:off x="492275" y="5472014"/>
+            <a:ext cx="2444900" cy="472411"/>
+          </a:xfrm>
+          <a:prstGeom prst="rect">
+            <a:avLst/>
+          </a:prstGeom>
+          <a:solidFill>
+            <a:schemeClr val="bg1"/>
+          </a:solidFill>
+          <a:ln>
+            <a:noFill/>
+          </a:ln>
+        </p:spPr>
+        <p:style>
+          <a:lnRef idx="2">
+            <a:schemeClr val="accent1">
+              <a:shade val="50000"/>
+            </a:schemeClr>
+          </a:lnRef>
+          <a:fillRef idx="1">
+            <a:schemeClr val="accent1"/>
+          </a:fillRef>
+          <a:effectRef idx="0">
+            <a:schemeClr val="accent1"/>
+          </a:effectRef>
+          <a:fontRef idx="minor">
+            <a:schemeClr val="lt1"/>
+          </a:fontRef>
+        </p:style>
+        <p:txBody>
+          <a:bodyPr rtlCol="0" anchor="ctr"/>
+          <a:lstStyle/>
+          <a:p>
+            <a:pPr algn="ctr"/>
+            <a:endParaRPr lang="it-IT" dirty="0"/>
+          </a:p>
+        </p:txBody>
+      </p:sp>
+      <p:sp>
+        <p:nvSpPr>
+          <p:cNvPr id="43" name="Rettangolo 42">
+            <a:extLst>
+              <a:ext uri="{FF2B5EF4-FFF2-40B4-BE49-F238E27FC236}">
+                <a16:creationId xmlns:a16="http://schemas.microsoft.com/office/drawing/2014/main" id="{27906F5E-20F6-41A8-BE70-932BE44E64CD}"/>
+              </a:ext>
+            </a:extLst>
+          </p:cNvPr>
+          <p:cNvSpPr/>
+          <p:nvPr/>
+        </p:nvSpPr>
+        <p:spPr>
+          <a:xfrm>
+            <a:off x="6665079" y="4642091"/>
+            <a:ext cx="2444900" cy="472411"/>
+          </a:xfrm>
+          <a:prstGeom prst="rect">
+            <a:avLst/>
+          </a:prstGeom>
+          <a:solidFill>
+            <a:schemeClr val="bg1"/>
+          </a:solidFill>
+          <a:ln>
+            <a:noFill/>
+          </a:ln>
+        </p:spPr>
+        <p:style>
+          <a:lnRef idx="2">
+            <a:schemeClr val="accent1">
+              <a:shade val="50000"/>
+            </a:schemeClr>
+          </a:lnRef>
+          <a:fillRef idx="1">
+            <a:schemeClr val="accent1"/>
+          </a:fillRef>
+          <a:effectRef idx="0">
+            <a:schemeClr val="accent1"/>
+          </a:effectRef>
+          <a:fontRef idx="minor">
+            <a:schemeClr val="lt1"/>
+          </a:fontRef>
+        </p:style>
+        <p:txBody>
+          <a:bodyPr rtlCol="0" anchor="ctr"/>
+          <a:lstStyle/>
+          <a:p>
+            <a:pPr algn="ctr"/>
+            <a:endParaRPr lang="it-IT"/>
+          </a:p>
+        </p:txBody>
+      </p:sp>
+      <p:sp>
+        <p:nvSpPr>
+          <p:cNvPr id="44" name="Rettangolo 43">
+            <a:extLst>
+              <a:ext uri="{FF2B5EF4-FFF2-40B4-BE49-F238E27FC236}">
+                <a16:creationId xmlns:a16="http://schemas.microsoft.com/office/drawing/2014/main" id="{BE435ADA-AB29-45F5-A7B4-1D6A88ED40D7}"/>
+              </a:ext>
+            </a:extLst>
+          </p:cNvPr>
+          <p:cNvSpPr/>
+          <p:nvPr/>
+        </p:nvSpPr>
+        <p:spPr>
+          <a:xfrm>
+            <a:off x="6631907" y="5502059"/>
+            <a:ext cx="2444900" cy="472411"/>
+          </a:xfrm>
+          <a:prstGeom prst="rect">
+            <a:avLst/>
+          </a:prstGeom>
+          <a:solidFill>
+            <a:schemeClr val="bg1"/>
+          </a:solidFill>
+          <a:ln>
+            <a:noFill/>
+          </a:ln>
+        </p:spPr>
+        <p:style>
+          <a:lnRef idx="2">
+            <a:schemeClr val="accent1">
+              <a:shade val="50000"/>
+            </a:schemeClr>
+          </a:lnRef>
+          <a:fillRef idx="1">
+            <a:schemeClr val="accent1"/>
+          </a:fillRef>
+          <a:effectRef idx="0">
+            <a:schemeClr val="accent1"/>
+          </a:effectRef>
+          <a:fontRef idx="minor">
+            <a:schemeClr val="lt1"/>
+          </a:fontRef>
+        </p:style>
+        <p:txBody>
+          <a:bodyPr rtlCol="0" anchor="ctr"/>
+          <a:lstStyle/>
+          <a:p>
+            <a:pPr algn="ctr"/>
+            <a:endParaRPr lang="it-IT"/>
+          </a:p>
+        </p:txBody>
+      </p:sp>
+      <p:sp>
+        <p:nvSpPr>
+          <p:cNvPr id="45" name="Rettangolo 44">
+            <a:extLst>
+              <a:ext uri="{FF2B5EF4-FFF2-40B4-BE49-F238E27FC236}">
+                <a16:creationId xmlns:a16="http://schemas.microsoft.com/office/drawing/2014/main" id="{F88C8984-2FDF-4D4F-A5B2-7D3E7B4057BD}"/>
+              </a:ext>
+            </a:extLst>
+          </p:cNvPr>
+          <p:cNvSpPr/>
+          <p:nvPr/>
+        </p:nvSpPr>
+        <p:spPr>
+          <a:xfrm>
+            <a:off x="5381665" y="1207935"/>
+            <a:ext cx="2444900" cy="472411"/>
+          </a:xfrm>
+          <a:prstGeom prst="rect">
+            <a:avLst/>
+          </a:prstGeom>
+          <a:solidFill>
+            <a:schemeClr val="bg1"/>
+          </a:solidFill>
+          <a:ln>
+            <a:noFill/>
+          </a:ln>
+        </p:spPr>
+        <p:style>
+          <a:lnRef idx="2">
+            <a:schemeClr val="accent1">
+              <a:shade val="50000"/>
+            </a:schemeClr>
+          </a:lnRef>
+          <a:fillRef idx="1">
+            <a:schemeClr val="accent1"/>
+          </a:fillRef>
+          <a:effectRef idx="0">
+            <a:schemeClr val="accent1"/>
+          </a:effectRef>
+          <a:fontRef idx="minor">
+            <a:schemeClr val="lt1"/>
+          </a:fontRef>
+        </p:style>
+        <p:txBody>
+          <a:bodyPr rtlCol="0" anchor="ctr"/>
+          <a:lstStyle/>
+          <a:p>
+            <a:pPr algn="ctr"/>
+            <a:endParaRPr lang="it-IT"/>
+          </a:p>
+        </p:txBody>
+      </p:sp>
     </p:spTree>
     <p:extLst>
       <p:ext uri="{BB962C8B-B14F-4D97-AF65-F5344CB8AC3E}">
-        <p14:creationId xmlns:p14="http://schemas.microsoft.com/office/powerpoint/2010/main" val="3935459807"/>
+        <p14:creationId xmlns:p14="http://schemas.microsoft.com/office/powerpoint/2010/main" val="629132971"/>
       </p:ext>
     </p:extLst>
   </p:cSld>
   <p:clrMapOvr>
     <a:masterClrMapping/>
   </p:clrMapOvr>
+  <p:timing>
+    <p:tnLst>
+      <p:par>
+        <p:cTn id="1" dur="indefinite" restart="never" nodeType="tmRoot">
+          <p:childTnLst>
+            <p:seq concurrent="1" nextAc="seek">
+              <p:cTn id="2" dur="indefinite" nodeType="mainSeq">
+                <p:childTnLst>
+                  <p:par>
+                    <p:cTn id="3" fill="hold">
+                      <p:stCondLst>
+                        <p:cond delay="indefinite"/>
+                      </p:stCondLst>
+                      <p:childTnLst>
+                        <p:par>
+                          <p:cTn id="4" fill="hold">
+                            <p:stCondLst>
+                              <p:cond delay="0"/>
+                            </p:stCondLst>
+                            <p:childTnLst>
+                              <p:par>
+                                <p:cTn id="5" presetID="14" presetClass="entr" presetSubtype="10" fill="hold" grpId="0" nodeType="clickEffect">
+                                  <p:stCondLst>
+                                    <p:cond delay="0"/>
+                                  </p:stCondLst>
+                                  <p:childTnLst>
+                                    <p:set>
+                                      <p:cBhvr>
+                                        <p:cTn id="6" dur="1" fill="hold">
+                                          <p:stCondLst>
+                                            <p:cond delay="0"/>
+                                          </p:stCondLst>
+                                        </p:cTn>
+                                        <p:tgtEl>
+                                          <p:spTgt spid="40"/>
+                                        </p:tgtEl>
+                                        <p:attrNameLst>
+                                          <p:attrName>style.visibility</p:attrName>
+                                        </p:attrNameLst>
+                                      </p:cBhvr>
+                                      <p:to>
+                                        <p:strVal val="visible"/>
+                                      </p:to>
+                                    </p:set>
+                                    <p:animEffect transition="in" filter="randombar(horizontal)">
+                                      <p:cBhvr>
+                                        <p:cTn id="7" dur="500"/>
+                                        <p:tgtEl>
+                                          <p:spTgt spid="40"/>
+                                        </p:tgtEl>
+                                      </p:cBhvr>
+                                    </p:animEffect>
+                                  </p:childTnLst>
+                                </p:cTn>
+                              </p:par>
+                              <p:par>
+                                <p:cTn id="8" presetID="10" presetClass="exit" presetSubtype="0" fill="hold" grpId="0" nodeType="withEffect">
+                                  <p:stCondLst>
+                                    <p:cond delay="0"/>
+                                  </p:stCondLst>
+                                  <p:childTnLst>
+                                    <p:animEffect transition="out" filter="fade">
+                                      <p:cBhvr>
+                                        <p:cTn id="9" dur="500"/>
+                                        <p:tgtEl>
+                                          <p:spTgt spid="7"/>
+                                        </p:tgtEl>
+                                      </p:cBhvr>
+                                    </p:animEffect>
+                                    <p:set>
+                                      <p:cBhvr>
+                                        <p:cTn id="10" dur="1" fill="hold">
+                                          <p:stCondLst>
+                                            <p:cond delay="499"/>
+                                          </p:stCondLst>
+                                        </p:cTn>
+                                        <p:tgtEl>
+                                          <p:spTgt spid="7"/>
+                                        </p:tgtEl>
+                                        <p:attrNameLst>
+                                          <p:attrName>style.visibility</p:attrName>
+                                        </p:attrNameLst>
+                                      </p:cBhvr>
+                                      <p:to>
+                                        <p:strVal val="hidden"/>
+                                      </p:to>
+                                    </p:set>
+                                  </p:childTnLst>
+                                </p:cTn>
+                              </p:par>
+                              <p:par>
+                                <p:cTn id="11" presetID="10" presetClass="exit" presetSubtype="0" fill="hold" grpId="0" nodeType="withEffect">
+                                  <p:stCondLst>
+                                    <p:cond delay="0"/>
+                                  </p:stCondLst>
+                                  <p:childTnLst>
+                                    <p:animEffect transition="out" filter="fade">
+                                      <p:cBhvr>
+                                        <p:cTn id="12" dur="500"/>
+                                        <p:tgtEl>
+                                          <p:spTgt spid="8"/>
+                                        </p:tgtEl>
+                                      </p:cBhvr>
+                                    </p:animEffect>
+                                    <p:set>
+                                      <p:cBhvr>
+                                        <p:cTn id="13" dur="1" fill="hold">
+                                          <p:stCondLst>
+                                            <p:cond delay="499"/>
+                                          </p:stCondLst>
+                                        </p:cTn>
+                                        <p:tgtEl>
+                                          <p:spTgt spid="8"/>
+                                        </p:tgtEl>
+                                        <p:attrNameLst>
+                                          <p:attrName>style.visibility</p:attrName>
+                                        </p:attrNameLst>
+                                      </p:cBhvr>
+                                      <p:to>
+                                        <p:strVal val="hidden"/>
+                                      </p:to>
+                                    </p:set>
+                                  </p:childTnLst>
+                                </p:cTn>
+                              </p:par>
+                            </p:childTnLst>
+                          </p:cTn>
+                        </p:par>
+                      </p:childTnLst>
+                    </p:cTn>
+                  </p:par>
+                  <p:par>
+                    <p:cTn id="14" fill="hold">
+                      <p:stCondLst>
+                        <p:cond delay="indefinite"/>
+                      </p:stCondLst>
+                      <p:childTnLst>
+                        <p:par>
+                          <p:cTn id="15" fill="hold">
+                            <p:stCondLst>
+                              <p:cond delay="0"/>
+                            </p:stCondLst>
+                            <p:childTnLst>
+                              <p:par>
+                                <p:cTn id="16" presetID="1" presetClass="entr" presetSubtype="0" fill="hold" grpId="0" nodeType="clickEffect">
+                                  <p:stCondLst>
+                                    <p:cond delay="0"/>
+                                  </p:stCondLst>
+                                  <p:childTnLst>
+                                    <p:set>
+                                      <p:cBhvr>
+                                        <p:cTn id="17" dur="1" fill="hold">
+                                          <p:stCondLst>
+                                            <p:cond delay="0"/>
+                                          </p:stCondLst>
+                                        </p:cTn>
+                                        <p:tgtEl>
+                                          <p:spTgt spid="28"/>
+                                        </p:tgtEl>
+                                        <p:attrNameLst>
+                                          <p:attrName>style.visibility</p:attrName>
+                                        </p:attrNameLst>
+                                      </p:cBhvr>
+                                      <p:to>
+                                        <p:strVal val="visible"/>
+                                      </p:to>
+                                    </p:set>
+                                  </p:childTnLst>
+                                </p:cTn>
+                              </p:par>
+                              <p:par>
+                                <p:cTn id="18" presetID="1" presetClass="entr" presetSubtype="0" fill="hold" grpId="0" nodeType="withEffect">
+                                  <p:stCondLst>
+                                    <p:cond delay="0"/>
+                                  </p:stCondLst>
+                                  <p:childTnLst>
+                                    <p:set>
+                                      <p:cBhvr>
+                                        <p:cTn id="19" dur="1" fill="hold">
+                                          <p:stCondLst>
+                                            <p:cond delay="0"/>
+                                          </p:stCondLst>
+                                        </p:cTn>
+                                        <p:tgtEl>
+                                          <p:spTgt spid="38"/>
+                                        </p:tgtEl>
+                                        <p:attrNameLst>
+                                          <p:attrName>style.visibility</p:attrName>
+                                        </p:attrNameLst>
+                                      </p:cBhvr>
+                                      <p:to>
+                                        <p:strVal val="visible"/>
+                                      </p:to>
+                                    </p:set>
+                                  </p:childTnLst>
+                                </p:cTn>
+                              </p:par>
+                            </p:childTnLst>
+                          </p:cTn>
+                        </p:par>
+                      </p:childTnLst>
+                    </p:cTn>
+                  </p:par>
+                  <p:par>
+                    <p:cTn id="20" fill="hold">
+                      <p:stCondLst>
+                        <p:cond delay="indefinite"/>
+                      </p:stCondLst>
+                      <p:childTnLst>
+                        <p:par>
+                          <p:cTn id="21" fill="hold">
+                            <p:stCondLst>
+                              <p:cond delay="0"/>
+                            </p:stCondLst>
+                            <p:childTnLst>
+                              <p:par>
+                                <p:cTn id="22" presetID="1" presetClass="entr" presetSubtype="0" fill="hold" grpId="0" nodeType="clickEffect">
+                                  <p:stCondLst>
+                                    <p:cond delay="0"/>
+                                  </p:stCondLst>
+                                  <p:childTnLst>
+                                    <p:set>
+                                      <p:cBhvr>
+                                        <p:cTn id="23" dur="1" fill="hold">
+                                          <p:stCondLst>
+                                            <p:cond delay="0"/>
+                                          </p:stCondLst>
+                                        </p:cTn>
+                                        <p:tgtEl>
+                                          <p:spTgt spid="37"/>
+                                        </p:tgtEl>
+                                        <p:attrNameLst>
+                                          <p:attrName>style.visibility</p:attrName>
+                                        </p:attrNameLst>
+                                      </p:cBhvr>
+                                      <p:to>
+                                        <p:strVal val="visible"/>
+                                      </p:to>
+                                    </p:set>
+                                  </p:childTnLst>
+                                </p:cTn>
+                              </p:par>
+                              <p:par>
+                                <p:cTn id="24" presetID="1" presetClass="entr" presetSubtype="0" fill="hold" grpId="0" nodeType="withEffect">
+                                  <p:stCondLst>
+                                    <p:cond delay="0"/>
+                                  </p:stCondLst>
+                                  <p:childTnLst>
+                                    <p:set>
+                                      <p:cBhvr>
+                                        <p:cTn id="25" dur="1" fill="hold">
+                                          <p:stCondLst>
+                                            <p:cond delay="0"/>
+                                          </p:stCondLst>
+                                        </p:cTn>
+                                        <p:tgtEl>
+                                          <p:spTgt spid="36"/>
+                                        </p:tgtEl>
+                                        <p:attrNameLst>
+                                          <p:attrName>style.visibility</p:attrName>
+                                        </p:attrNameLst>
+                                      </p:cBhvr>
+                                      <p:to>
+                                        <p:strVal val="visible"/>
+                                      </p:to>
+                                    </p:set>
+                                  </p:childTnLst>
+                                </p:cTn>
+                              </p:par>
+                              <p:par>
+                                <p:cTn id="26" presetID="1" presetClass="entr" presetSubtype="0" fill="hold" grpId="0" nodeType="withEffect">
+                                  <p:stCondLst>
+                                    <p:cond delay="0"/>
+                                  </p:stCondLst>
+                                  <p:childTnLst>
+                                    <p:set>
+                                      <p:cBhvr>
+                                        <p:cTn id="27" dur="1" fill="hold">
+                                          <p:stCondLst>
+                                            <p:cond delay="0"/>
+                                          </p:stCondLst>
+                                        </p:cTn>
+                                        <p:tgtEl>
+                                          <p:spTgt spid="33"/>
+                                        </p:tgtEl>
+                                        <p:attrNameLst>
+                                          <p:attrName>style.visibility</p:attrName>
+                                        </p:attrNameLst>
+                                      </p:cBhvr>
+                                      <p:to>
+                                        <p:strVal val="visible"/>
+                                      </p:to>
+                                    </p:set>
+                                  </p:childTnLst>
+                                </p:cTn>
+                              </p:par>
+                              <p:par>
+                                <p:cTn id="28" presetID="1" presetClass="entr" presetSubtype="0" fill="hold" grpId="0" nodeType="withEffect">
+                                  <p:stCondLst>
+                                    <p:cond delay="0"/>
+                                  </p:stCondLst>
+                                  <p:childTnLst>
+                                    <p:set>
+                                      <p:cBhvr>
+                                        <p:cTn id="29" dur="1" fill="hold">
+                                          <p:stCondLst>
+                                            <p:cond delay="0"/>
+                                          </p:stCondLst>
+                                        </p:cTn>
+                                        <p:tgtEl>
+                                          <p:spTgt spid="39"/>
+                                        </p:tgtEl>
+                                        <p:attrNameLst>
+                                          <p:attrName>style.visibility</p:attrName>
+                                        </p:attrNameLst>
+                                      </p:cBhvr>
+                                      <p:to>
+                                        <p:strVal val="visible"/>
+                                      </p:to>
+                                    </p:set>
+                                  </p:childTnLst>
+                                </p:cTn>
+                              </p:par>
+                              <p:par>
+                                <p:cTn id="30" presetID="1" presetClass="exit" presetSubtype="0" fill="hold" grpId="1" nodeType="withEffect">
+                                  <p:stCondLst>
+                                    <p:cond delay="0"/>
+                                  </p:stCondLst>
+                                  <p:childTnLst>
+                                    <p:set>
+                                      <p:cBhvr>
+                                        <p:cTn id="31" dur="1" fill="hold">
+                                          <p:stCondLst>
+                                            <p:cond delay="0"/>
+                                          </p:stCondLst>
+                                        </p:cTn>
+                                        <p:tgtEl>
+                                          <p:spTgt spid="28"/>
+                                        </p:tgtEl>
+                                        <p:attrNameLst>
+                                          <p:attrName>style.visibility</p:attrName>
+                                        </p:attrNameLst>
+                                      </p:cBhvr>
+                                      <p:to>
+                                        <p:strVal val="hidden"/>
+                                      </p:to>
+                                    </p:set>
+                                  </p:childTnLst>
+                                </p:cTn>
+                              </p:par>
+                              <p:par>
+                                <p:cTn id="32" presetID="1" presetClass="exit" presetSubtype="0" fill="hold" grpId="1" nodeType="withEffect">
+                                  <p:stCondLst>
+                                    <p:cond delay="0"/>
+                                  </p:stCondLst>
+                                  <p:childTnLst>
+                                    <p:set>
+                                      <p:cBhvr>
+                                        <p:cTn id="33" dur="1" fill="hold">
+                                          <p:stCondLst>
+                                            <p:cond delay="0"/>
+                                          </p:stCondLst>
+                                        </p:cTn>
+                                        <p:tgtEl>
+                                          <p:spTgt spid="38"/>
+                                        </p:tgtEl>
+                                        <p:attrNameLst>
+                                          <p:attrName>style.visibility</p:attrName>
+                                        </p:attrNameLst>
+                                      </p:cBhvr>
+                                      <p:to>
+                                        <p:strVal val="hidden"/>
+                                      </p:to>
+                                    </p:set>
+                                  </p:childTnLst>
+                                </p:cTn>
+                              </p:par>
+                            </p:childTnLst>
+                          </p:cTn>
+                        </p:par>
+                      </p:childTnLst>
+                    </p:cTn>
+                  </p:par>
+                  <p:par>
+                    <p:cTn id="34" fill="hold">
+                      <p:stCondLst>
+                        <p:cond delay="indefinite"/>
+                      </p:stCondLst>
+                      <p:childTnLst>
+                        <p:par>
+                          <p:cTn id="35" fill="hold">
+                            <p:stCondLst>
+                              <p:cond delay="0"/>
+                            </p:stCondLst>
+                            <p:childTnLst>
+                              <p:par>
+                                <p:cTn id="36" presetID="1" presetClass="entr" presetSubtype="0" fill="hold" grpId="0" nodeType="clickEffect">
+                                  <p:stCondLst>
+                                    <p:cond delay="0"/>
+                                  </p:stCondLst>
+                                  <p:childTnLst>
+                                    <p:set>
+                                      <p:cBhvr>
+                                        <p:cTn id="37" dur="1" fill="hold">
+                                          <p:stCondLst>
+                                            <p:cond delay="0"/>
+                                          </p:stCondLst>
+                                        </p:cTn>
+                                        <p:tgtEl>
+                                          <p:spTgt spid="19"/>
+                                        </p:tgtEl>
+                                        <p:attrNameLst>
+                                          <p:attrName>style.visibility</p:attrName>
+                                        </p:attrNameLst>
+                                      </p:cBhvr>
+                                      <p:to>
+                                        <p:strVal val="visible"/>
+                                      </p:to>
+                                    </p:set>
+                                  </p:childTnLst>
+                                </p:cTn>
+                              </p:par>
+                              <p:par>
+                                <p:cTn id="38" presetID="1" presetClass="entr" presetSubtype="0" fill="hold" grpId="0" nodeType="withEffect">
+                                  <p:stCondLst>
+                                    <p:cond delay="0"/>
+                                  </p:stCondLst>
+                                  <p:childTnLst>
+                                    <p:set>
+                                      <p:cBhvr>
+                                        <p:cTn id="39" dur="1" fill="hold">
+                                          <p:stCondLst>
+                                            <p:cond delay="0"/>
+                                          </p:stCondLst>
+                                        </p:cTn>
+                                        <p:tgtEl>
+                                          <p:spTgt spid="42"/>
+                                        </p:tgtEl>
+                                        <p:attrNameLst>
+                                          <p:attrName>style.visibility</p:attrName>
+                                        </p:attrNameLst>
+                                      </p:cBhvr>
+                                      <p:to>
+                                        <p:strVal val="visible"/>
+                                      </p:to>
+                                    </p:set>
+                                  </p:childTnLst>
+                                </p:cTn>
+                              </p:par>
+                              <p:par>
+                                <p:cTn id="40" presetID="1" presetClass="entr" presetSubtype="0" fill="hold" grpId="0" nodeType="withEffect">
+                                  <p:stCondLst>
+                                    <p:cond delay="0"/>
+                                  </p:stCondLst>
+                                  <p:childTnLst>
+                                    <p:set>
+                                      <p:cBhvr>
+                                        <p:cTn id="41" dur="1" fill="hold">
+                                          <p:stCondLst>
+                                            <p:cond delay="0"/>
+                                          </p:stCondLst>
+                                        </p:cTn>
+                                        <p:tgtEl>
+                                          <p:spTgt spid="45"/>
+                                        </p:tgtEl>
+                                        <p:attrNameLst>
+                                          <p:attrName>style.visibility</p:attrName>
+                                        </p:attrNameLst>
+                                      </p:cBhvr>
+                                      <p:to>
+                                        <p:strVal val="visible"/>
+                                      </p:to>
+                                    </p:set>
+                                  </p:childTnLst>
+                                </p:cTn>
+                              </p:par>
+                              <p:par>
+                                <p:cTn id="42" presetID="1" presetClass="entr" presetSubtype="0" fill="hold" grpId="0" nodeType="withEffect">
+                                  <p:stCondLst>
+                                    <p:cond delay="0"/>
+                                  </p:stCondLst>
+                                  <p:childTnLst>
+                                    <p:set>
+                                      <p:cBhvr>
+                                        <p:cTn id="43" dur="1" fill="hold">
+                                          <p:stCondLst>
+                                            <p:cond delay="0"/>
+                                          </p:stCondLst>
+                                        </p:cTn>
+                                        <p:tgtEl>
+                                          <p:spTgt spid="43"/>
+                                        </p:tgtEl>
+                                        <p:attrNameLst>
+                                          <p:attrName>style.visibility</p:attrName>
+                                        </p:attrNameLst>
+                                      </p:cBhvr>
+                                      <p:to>
+                                        <p:strVal val="visible"/>
+                                      </p:to>
+                                    </p:set>
+                                  </p:childTnLst>
+                                </p:cTn>
+                              </p:par>
+                              <p:par>
+                                <p:cTn id="44" presetID="1" presetClass="entr" presetSubtype="0" fill="hold" grpId="0" nodeType="withEffect">
+                                  <p:stCondLst>
+                                    <p:cond delay="0"/>
+                                  </p:stCondLst>
+                                  <p:childTnLst>
+                                    <p:set>
+                                      <p:cBhvr>
+                                        <p:cTn id="45" dur="1" fill="hold">
+                                          <p:stCondLst>
+                                            <p:cond delay="0"/>
+                                          </p:stCondLst>
+                                        </p:cTn>
+                                        <p:tgtEl>
+                                          <p:spTgt spid="44"/>
+                                        </p:tgtEl>
+                                        <p:attrNameLst>
+                                          <p:attrName>style.visibility</p:attrName>
+                                        </p:attrNameLst>
+                                      </p:cBhvr>
+                                      <p:to>
+                                        <p:strVal val="visible"/>
+                                      </p:to>
+                                    </p:set>
+                                  </p:childTnLst>
+                                </p:cTn>
+                              </p:par>
+                              <p:par>
+                                <p:cTn id="46" presetID="1" presetClass="exit" presetSubtype="0" fill="hold" grpId="1" nodeType="withEffect">
+                                  <p:stCondLst>
+                                    <p:cond delay="0"/>
+                                  </p:stCondLst>
+                                  <p:childTnLst>
+                                    <p:set>
+                                      <p:cBhvr>
+                                        <p:cTn id="47" dur="1" fill="hold">
+                                          <p:stCondLst>
+                                            <p:cond delay="0"/>
+                                          </p:stCondLst>
+                                        </p:cTn>
+                                        <p:tgtEl>
+                                          <p:spTgt spid="37"/>
+                                        </p:tgtEl>
+                                        <p:attrNameLst>
+                                          <p:attrName>style.visibility</p:attrName>
+                                        </p:attrNameLst>
+                                      </p:cBhvr>
+                                      <p:to>
+                                        <p:strVal val="hidden"/>
+                                      </p:to>
+                                    </p:set>
+                                  </p:childTnLst>
+                                </p:cTn>
+                              </p:par>
+                              <p:par>
+                                <p:cTn id="48" presetID="1" presetClass="exit" presetSubtype="0" fill="hold" grpId="1" nodeType="withEffect">
+                                  <p:stCondLst>
+                                    <p:cond delay="0"/>
+                                  </p:stCondLst>
+                                  <p:childTnLst>
+                                    <p:set>
+                                      <p:cBhvr>
+                                        <p:cTn id="49" dur="1" fill="hold">
+                                          <p:stCondLst>
+                                            <p:cond delay="0"/>
+                                          </p:stCondLst>
+                                        </p:cTn>
+                                        <p:tgtEl>
+                                          <p:spTgt spid="36"/>
+                                        </p:tgtEl>
+                                        <p:attrNameLst>
+                                          <p:attrName>style.visibility</p:attrName>
+                                        </p:attrNameLst>
+                                      </p:cBhvr>
+                                      <p:to>
+                                        <p:strVal val="hidden"/>
+                                      </p:to>
+                                    </p:set>
+                                  </p:childTnLst>
+                                </p:cTn>
+                              </p:par>
+                              <p:par>
+                                <p:cTn id="50" presetID="1" presetClass="exit" presetSubtype="0" fill="hold" grpId="1" nodeType="withEffect">
+                                  <p:stCondLst>
+                                    <p:cond delay="0"/>
+                                  </p:stCondLst>
+                                  <p:childTnLst>
+                                    <p:set>
+                                      <p:cBhvr>
+                                        <p:cTn id="51" dur="1" fill="hold">
+                                          <p:stCondLst>
+                                            <p:cond delay="0"/>
+                                          </p:stCondLst>
+                                        </p:cTn>
+                                        <p:tgtEl>
+                                          <p:spTgt spid="33"/>
+                                        </p:tgtEl>
+                                        <p:attrNameLst>
+                                          <p:attrName>style.visibility</p:attrName>
+                                        </p:attrNameLst>
+                                      </p:cBhvr>
+                                      <p:to>
+                                        <p:strVal val="hidden"/>
+                                      </p:to>
+                                    </p:set>
+                                  </p:childTnLst>
+                                </p:cTn>
+                              </p:par>
+                            </p:childTnLst>
+                          </p:cTn>
+                        </p:par>
+                        <p:par>
+                          <p:cTn id="52" fill="hold">
+                            <p:stCondLst>
+                              <p:cond delay="0"/>
+                            </p:stCondLst>
+                            <p:childTnLst>
+                              <p:par>
+                                <p:cTn id="53" presetID="1" presetClass="exit" presetSubtype="0" fill="hold" grpId="1" nodeType="afterEffect">
+                                  <p:stCondLst>
+                                    <p:cond delay="0"/>
+                                  </p:stCondLst>
+                                  <p:childTnLst>
+                                    <p:set>
+                                      <p:cBhvr>
+                                        <p:cTn id="54" dur="1" fill="hold">
+                                          <p:stCondLst>
+                                            <p:cond delay="0"/>
+                                          </p:stCondLst>
+                                        </p:cTn>
+                                        <p:tgtEl>
+                                          <p:spTgt spid="39"/>
+                                        </p:tgtEl>
+                                        <p:attrNameLst>
+                                          <p:attrName>style.visibility</p:attrName>
+                                        </p:attrNameLst>
+                                      </p:cBhvr>
+                                      <p:to>
+                                        <p:strVal val="hidden"/>
+                                      </p:to>
+                                    </p:set>
+                                  </p:childTnLst>
+                                </p:cTn>
+                              </p:par>
+                            </p:childTnLst>
+                          </p:cTn>
+                        </p:par>
+                      </p:childTnLst>
+                    </p:cTn>
+                  </p:par>
+                  <p:par>
+                    <p:cTn id="55" fill="hold">
+                      <p:stCondLst>
+                        <p:cond delay="indefinite"/>
+                      </p:stCondLst>
+                      <p:childTnLst>
+                        <p:par>
+                          <p:cTn id="56" fill="hold">
+                            <p:stCondLst>
+                              <p:cond delay="0"/>
+                            </p:stCondLst>
+                            <p:childTnLst>
+                              <p:par>
+                                <p:cTn id="57" presetID="10" presetClass="exit" presetSubtype="0" fill="hold" grpId="1" nodeType="clickEffect">
+                                  <p:stCondLst>
+                                    <p:cond delay="0"/>
+                                  </p:stCondLst>
+                                  <p:childTnLst>
+                                    <p:animEffect transition="out" filter="fade">
+                                      <p:cBhvr>
+                                        <p:cTn id="58" dur="500"/>
+                                        <p:tgtEl>
+                                          <p:spTgt spid="40"/>
+                                        </p:tgtEl>
+                                      </p:cBhvr>
+                                    </p:animEffect>
+                                    <p:set>
+                                      <p:cBhvr>
+                                        <p:cTn id="59" dur="1" fill="hold">
+                                          <p:stCondLst>
+                                            <p:cond delay="499"/>
+                                          </p:stCondLst>
+                                        </p:cTn>
+                                        <p:tgtEl>
+                                          <p:spTgt spid="40"/>
+                                        </p:tgtEl>
+                                        <p:attrNameLst>
+                                          <p:attrName>style.visibility</p:attrName>
+                                        </p:attrNameLst>
+                                      </p:cBhvr>
+                                      <p:to>
+                                        <p:strVal val="hidden"/>
+                                      </p:to>
+                                    </p:set>
+                                  </p:childTnLst>
+                                </p:cTn>
+                              </p:par>
+                              <p:par>
+                                <p:cTn id="60" presetID="10" presetClass="entr" presetSubtype="0" fill="hold" grpId="1" nodeType="withEffect">
+                                  <p:stCondLst>
+                                    <p:cond delay="0"/>
+                                  </p:stCondLst>
+                                  <p:childTnLst>
+                                    <p:set>
+                                      <p:cBhvr>
+                                        <p:cTn id="61" dur="1" fill="hold">
+                                          <p:stCondLst>
+                                            <p:cond delay="0"/>
+                                          </p:stCondLst>
+                                        </p:cTn>
+                                        <p:tgtEl>
+                                          <p:spTgt spid="7"/>
+                                        </p:tgtEl>
+                                        <p:attrNameLst>
+                                          <p:attrName>style.visibility</p:attrName>
+                                        </p:attrNameLst>
+                                      </p:cBhvr>
+                                      <p:to>
+                                        <p:strVal val="visible"/>
+                                      </p:to>
+                                    </p:set>
+                                    <p:animEffect transition="in" filter="fade">
+                                      <p:cBhvr>
+                                        <p:cTn id="62" dur="500"/>
+                                        <p:tgtEl>
+                                          <p:spTgt spid="7"/>
+                                        </p:tgtEl>
+                                      </p:cBhvr>
+                                    </p:animEffect>
+                                  </p:childTnLst>
+                                </p:cTn>
+                              </p:par>
+                              <p:par>
+                                <p:cTn id="63" presetID="10" presetClass="entr" presetSubtype="0" fill="hold" grpId="1" nodeType="withEffect">
+                                  <p:stCondLst>
+                                    <p:cond delay="0"/>
+                                  </p:stCondLst>
+                                  <p:childTnLst>
+                                    <p:set>
+                                      <p:cBhvr>
+                                        <p:cTn id="64" dur="1" fill="hold">
+                                          <p:stCondLst>
+                                            <p:cond delay="0"/>
+                                          </p:stCondLst>
+                                        </p:cTn>
+                                        <p:tgtEl>
+                                          <p:spTgt spid="8"/>
+                                        </p:tgtEl>
+                                        <p:attrNameLst>
+                                          <p:attrName>style.visibility</p:attrName>
+                                        </p:attrNameLst>
+                                      </p:cBhvr>
+                                      <p:to>
+                                        <p:strVal val="visible"/>
+                                      </p:to>
+                                    </p:set>
+                                    <p:animEffect transition="in" filter="fade">
+                                      <p:cBhvr>
+                                        <p:cTn id="65" dur="500"/>
+                                        <p:tgtEl>
+                                          <p:spTgt spid="8"/>
+                                        </p:tgtEl>
+                                      </p:cBhvr>
+                                    </p:animEffect>
+                                  </p:childTnLst>
+                                </p:cTn>
+                              </p:par>
+                            </p:childTnLst>
+                          </p:cTn>
+                        </p:par>
+                      </p:childTnLst>
+                    </p:cTn>
+                  </p:par>
+                  <p:par>
+                    <p:cTn id="66" fill="hold">
+                      <p:stCondLst>
+                        <p:cond delay="indefinite"/>
+                      </p:stCondLst>
+                      <p:childTnLst>
+                        <p:par>
+                          <p:cTn id="67" fill="hold">
+                            <p:stCondLst>
+                              <p:cond delay="0"/>
+                            </p:stCondLst>
+                            <p:childTnLst>
+                              <p:par>
+                                <p:cTn id="68" presetID="1" presetClass="exit" presetSubtype="0" fill="hold" grpId="1" nodeType="clickEffect">
+                                  <p:stCondLst>
+                                    <p:cond delay="0"/>
+                                  </p:stCondLst>
+                                  <p:childTnLst>
+                                    <p:set>
+                                      <p:cBhvr>
+                                        <p:cTn id="69" dur="1" fill="hold">
+                                          <p:stCondLst>
+                                            <p:cond delay="0"/>
+                                          </p:stCondLst>
+                                        </p:cTn>
+                                        <p:tgtEl>
+                                          <p:spTgt spid="19"/>
+                                        </p:tgtEl>
+                                        <p:attrNameLst>
+                                          <p:attrName>style.visibility</p:attrName>
+                                        </p:attrNameLst>
+                                      </p:cBhvr>
+                                      <p:to>
+                                        <p:strVal val="hidden"/>
+                                      </p:to>
+                                    </p:set>
+                                  </p:childTnLst>
+                                </p:cTn>
+                              </p:par>
+                              <p:par>
+                                <p:cTn id="70" presetID="1" presetClass="exit" presetSubtype="0" fill="hold" grpId="1" nodeType="withEffect">
+                                  <p:stCondLst>
+                                    <p:cond delay="0"/>
+                                  </p:stCondLst>
+                                  <p:childTnLst>
+                                    <p:set>
+                                      <p:cBhvr>
+                                        <p:cTn id="71" dur="1" fill="hold">
+                                          <p:stCondLst>
+                                            <p:cond delay="0"/>
+                                          </p:stCondLst>
+                                        </p:cTn>
+                                        <p:tgtEl>
+                                          <p:spTgt spid="42"/>
+                                        </p:tgtEl>
+                                        <p:attrNameLst>
+                                          <p:attrName>style.visibility</p:attrName>
+                                        </p:attrNameLst>
+                                      </p:cBhvr>
+                                      <p:to>
+                                        <p:strVal val="hidden"/>
+                                      </p:to>
+                                    </p:set>
+                                  </p:childTnLst>
+                                </p:cTn>
+                              </p:par>
+                              <p:par>
+                                <p:cTn id="72" presetID="1" presetClass="exit" presetSubtype="0" fill="hold" grpId="1" nodeType="withEffect">
+                                  <p:stCondLst>
+                                    <p:cond delay="0"/>
+                                  </p:stCondLst>
+                                  <p:childTnLst>
+                                    <p:set>
+                                      <p:cBhvr>
+                                        <p:cTn id="73" dur="1" fill="hold">
+                                          <p:stCondLst>
+                                            <p:cond delay="0"/>
+                                          </p:stCondLst>
+                                        </p:cTn>
+                                        <p:tgtEl>
+                                          <p:spTgt spid="45"/>
+                                        </p:tgtEl>
+                                        <p:attrNameLst>
+                                          <p:attrName>style.visibility</p:attrName>
+                                        </p:attrNameLst>
+                                      </p:cBhvr>
+                                      <p:to>
+                                        <p:strVal val="hidden"/>
+                                      </p:to>
+                                    </p:set>
+                                  </p:childTnLst>
+                                </p:cTn>
+                              </p:par>
+                              <p:par>
+                                <p:cTn id="74" presetID="1" presetClass="exit" presetSubtype="0" fill="hold" grpId="1" nodeType="withEffect">
+                                  <p:stCondLst>
+                                    <p:cond delay="0"/>
+                                  </p:stCondLst>
+                                  <p:childTnLst>
+                                    <p:set>
+                                      <p:cBhvr>
+                                        <p:cTn id="75" dur="1" fill="hold">
+                                          <p:stCondLst>
+                                            <p:cond delay="0"/>
+                                          </p:stCondLst>
+                                        </p:cTn>
+                                        <p:tgtEl>
+                                          <p:spTgt spid="43"/>
+                                        </p:tgtEl>
+                                        <p:attrNameLst>
+                                          <p:attrName>style.visibility</p:attrName>
+                                        </p:attrNameLst>
+                                      </p:cBhvr>
+                                      <p:to>
+                                        <p:strVal val="hidden"/>
+                                      </p:to>
+                                    </p:set>
+                                  </p:childTnLst>
+                                </p:cTn>
+                              </p:par>
+                              <p:par>
+                                <p:cTn id="76" presetID="1" presetClass="exit" presetSubtype="0" fill="hold" grpId="1" nodeType="withEffect">
+                                  <p:stCondLst>
+                                    <p:cond delay="0"/>
+                                  </p:stCondLst>
+                                  <p:childTnLst>
+                                    <p:set>
+                                      <p:cBhvr>
+                                        <p:cTn id="77" dur="1" fill="hold">
+                                          <p:stCondLst>
+                                            <p:cond delay="0"/>
+                                          </p:stCondLst>
+                                        </p:cTn>
+                                        <p:tgtEl>
+                                          <p:spTgt spid="44"/>
+                                        </p:tgtEl>
+                                        <p:attrNameLst>
+                                          <p:attrName>style.visibility</p:attrName>
+                                        </p:attrNameLst>
+                                      </p:cBhvr>
+                                      <p:to>
+                                        <p:strVal val="hidden"/>
+                                      </p:to>
+                                    </p:set>
+                                  </p:childTnLst>
+                                </p:cTn>
+                              </p:par>
+                            </p:childTnLst>
+                          </p:cTn>
+                        </p:par>
+                      </p:childTnLst>
+                    </p:cTn>
+                  </p:par>
+                </p:childTnLst>
+              </p:cTn>
+              <p:prevCondLst>
+                <p:cond evt="onPrev" delay="0">
+                  <p:tgtEl>
+                    <p:sldTgt/>
+                  </p:tgtEl>
+                </p:cond>
+              </p:prevCondLst>
+              <p:nextCondLst>
+                <p:cond evt="onNext" delay="0">
+                  <p:tgtEl>
+                    <p:sldTgt/>
+                  </p:tgtEl>
+                </p:cond>
+              </p:nextCondLst>
+            </p:seq>
+          </p:childTnLst>
+        </p:cTn>
+      </p:par>
+    </p:tnLst>
+    <p:bldLst>
+      <p:bldP spid="7" grpId="0" animBg="1"/>
+      <p:bldP spid="7" grpId="1" animBg="1"/>
+      <p:bldP spid="8" grpId="0" animBg="1"/>
+      <p:bldP spid="8" grpId="1" animBg="1"/>
+      <p:bldP spid="28" grpId="0" animBg="1"/>
+      <p:bldP spid="28" grpId="1" animBg="1"/>
+      <p:bldP spid="33" grpId="0" animBg="1"/>
+      <p:bldP spid="33" grpId="1" animBg="1"/>
+      <p:bldP spid="36" grpId="0" animBg="1"/>
+      <p:bldP spid="36" grpId="1" animBg="1"/>
+      <p:bldP spid="37" grpId="0" animBg="1"/>
+      <p:bldP spid="37" grpId="1" animBg="1"/>
+      <p:bldP spid="39" grpId="0" animBg="1"/>
+      <p:bldP spid="39" grpId="1" animBg="1"/>
+      <p:bldP spid="38" grpId="0" animBg="1"/>
+      <p:bldP spid="38" grpId="1" animBg="1"/>
+      <p:bldP spid="40" grpId="0" animBg="1"/>
+      <p:bldP spid="40" grpId="1" animBg="1"/>
+      <p:bldP spid="19" grpId="0" animBg="1"/>
+      <p:bldP spid="19" grpId="1" animBg="1"/>
+      <p:bldP spid="42" grpId="0" animBg="1"/>
+      <p:bldP spid="42" grpId="1" animBg="1"/>
+      <p:bldP spid="43" grpId="0" animBg="1"/>
+      <p:bldP spid="43" grpId="1" animBg="1"/>
+      <p:bldP spid="44" grpId="0" animBg="1"/>
+      <p:bldP spid="44" grpId="1" animBg="1"/>
+      <p:bldP spid="45" grpId="0" animBg="1"/>
+      <p:bldP spid="45" grpId="1" animBg="1"/>
+    </p:bldLst>
+  </p:timing>
 </p:sld>
 </file>
 

--- a/template_project_exam__1_.pptx
+++ b/template_project_exam__1_.pptx
@@ -7125,6 +7125,64 @@
               <a:t>label field</a:t>
             </a:r>
           </a:p>
+          <a:p>
+            <a:pPr marL="0" indent="0" algn="ctr">
+              <a:buNone/>
+            </a:pPr>
+            <a:r>
+              <a:rPr lang="it-IT" sz="4000" u="sng" dirty="0">
+                <a:solidFill>
+                  <a:srgbClr val="FF0000"/>
+                </a:solidFill>
+              </a:rPr>
+              <a:t>Scrivere differenze </a:t>
+            </a:r>
+            <a:r>
+              <a:rPr lang="it-IT" sz="4000" u="sng" dirty="0" err="1">
+                <a:solidFill>
+                  <a:srgbClr val="FF0000"/>
+                </a:solidFill>
+              </a:rPr>
+              <a:t>mininet</a:t>
+            </a:r>
+            <a:r>
+              <a:rPr lang="it-IT" sz="4000" u="sng" dirty="0">
+                <a:solidFill>
+                  <a:srgbClr val="FF0000"/>
+                </a:solidFill>
+              </a:rPr>
+              <a:t> </a:t>
+            </a:r>
+            <a:r>
+              <a:rPr lang="it-IT" sz="4000" u="sng" dirty="0" err="1">
+                <a:solidFill>
+                  <a:srgbClr val="FF0000"/>
+                </a:solidFill>
+              </a:rPr>
+              <a:t>testbed</a:t>
+            </a:r>
+            <a:r>
+              <a:rPr lang="it-IT" sz="4000" u="sng" dirty="0">
+                <a:solidFill>
+                  <a:srgbClr val="FF0000"/>
+                </a:solidFill>
+              </a:rPr>
+              <a:t>, le prossime slide incentrate più sul </a:t>
+            </a:r>
+            <a:r>
+              <a:rPr lang="it-IT" sz="4000" u="sng" dirty="0" err="1">
+                <a:solidFill>
+                  <a:srgbClr val="FF0000"/>
+                </a:solidFill>
+              </a:rPr>
+              <a:t>testbed</a:t>
+            </a:r>
+            <a:endParaRPr lang="it-IT" sz="4000" u="sng" dirty="0">
+              <a:solidFill>
+                <a:srgbClr val="FF0000"/>
+              </a:solidFill>
+            </a:endParaRPr>
+          </a:p>
         </p:txBody>
       </p:sp>
     </p:spTree>
@@ -7179,19 +7237,35 @@
           <a:lstStyle/>
           <a:p>
             <a:r>
-              <a:rPr lang="it-IT" dirty="0" err="1"/>
-              <a:t>Statistics</a:t>
-            </a:r>
-            <a:r>
-              <a:rPr lang="it-IT" dirty="0"/>
+              <a:rPr lang="it-IT" sz="2800" dirty="0" err="1"/>
+              <a:t>Testbed</a:t>
+            </a:r>
+            <a:r>
+              <a:rPr lang="it-IT" sz="2800" dirty="0"/>
+              <a:t> </a:t>
+            </a:r>
+            <a:r>
+              <a:rPr lang="it-IT" sz="2800" dirty="0" err="1"/>
+              <a:t>statistics</a:t>
+            </a:r>
+            <a:r>
+              <a:rPr lang="it-IT" sz="2800" dirty="0"/>
+              <a:t> vs </a:t>
+            </a:r>
+            <a:r>
+              <a:rPr lang="it-IT" sz="2800" dirty="0" err="1"/>
+              <a:t>mininet</a:t>
+            </a:r>
+            <a:r>
+              <a:rPr lang="it-IT" sz="2800" dirty="0"/>
               <a:t>: rules </a:t>
             </a:r>
             <a:r>
-              <a:rPr lang="it-IT" dirty="0" err="1"/>
+              <a:rPr lang="it-IT" sz="2800" dirty="0" err="1"/>
               <a:t>installation</a:t>
             </a:r>
             <a:r>
-              <a:rPr lang="it-IT" dirty="0"/>
+              <a:rPr lang="it-IT" sz="2800" dirty="0"/>
               <a:t> time</a:t>
             </a:r>
           </a:p>
@@ -7338,27 +7412,43 @@
           <a:lstStyle/>
           <a:p>
             <a:r>
-              <a:rPr lang="it-IT" dirty="0" err="1"/>
-              <a:t>Statistics</a:t>
-            </a:r>
-            <a:r>
-              <a:rPr lang="it-IT" dirty="0"/>
+              <a:rPr lang="it-IT" sz="2800" dirty="0" err="1"/>
+              <a:t>Testbed</a:t>
+            </a:r>
+            <a:r>
+              <a:rPr lang="it-IT" sz="2800" dirty="0"/>
+              <a:t> </a:t>
+            </a:r>
+            <a:r>
+              <a:rPr lang="it-IT" sz="2800" dirty="0" err="1"/>
+              <a:t>statistics</a:t>
+            </a:r>
+            <a:r>
+              <a:rPr lang="it-IT" sz="2800" dirty="0"/>
+              <a:t> vs </a:t>
+            </a:r>
+            <a:r>
+              <a:rPr lang="it-IT" sz="2800" dirty="0" err="1"/>
+              <a:t>mininet</a:t>
+            </a:r>
+            <a:r>
+              <a:rPr lang="it-IT" sz="2800" dirty="0"/>
               <a:t>: </a:t>
             </a:r>
             <a:r>
-              <a:rPr lang="it-IT" dirty="0" err="1"/>
+              <a:rPr lang="it-IT" sz="2800" dirty="0" err="1"/>
               <a:t>path</a:t>
             </a:r>
             <a:r>
-              <a:rPr lang="it-IT" dirty="0"/>
+              <a:rPr lang="it-IT" sz="2800" dirty="0"/>
               <a:t> </a:t>
             </a:r>
             <a:r>
-              <a:rPr lang="it-IT" dirty="0" err="1"/>
+              <a:rPr lang="it-IT" sz="2800" dirty="0" err="1"/>
               <a:t>modification</a:t>
             </a:r>
             <a:r>
-              <a:rPr lang="it-IT" dirty="0"/>
+              <a:rPr lang="it-IT" sz="2800" dirty="0"/>
               <a:t> time</a:t>
             </a:r>
           </a:p>
@@ -7505,20 +7595,44 @@
           <a:lstStyle/>
           <a:p>
             <a:r>
-              <a:rPr lang="it-IT" dirty="0" err="1"/>
-              <a:t>Statistics</a:t>
-            </a:r>
-            <a:r>
-              <a:rPr lang="it-IT" dirty="0"/>
+              <a:rPr lang="it-IT" sz="2800" dirty="0" err="1"/>
+              <a:t>Testbed</a:t>
+            </a:r>
+            <a:r>
+              <a:rPr lang="it-IT" sz="2800" dirty="0"/>
+              <a:t> </a:t>
+            </a:r>
+            <a:r>
+              <a:rPr lang="it-IT" sz="2800" dirty="0" err="1"/>
+              <a:t>statistics</a:t>
+            </a:r>
+            <a:r>
+              <a:rPr lang="it-IT" sz="2800" dirty="0"/>
               <a:t>: </a:t>
             </a:r>
             <a:r>
-              <a:rPr lang="it-IT"/>
-              <a:t>packets </a:t>
-            </a:r>
-            <a:r>
-              <a:rPr lang="it-IT" dirty="0"/>
-              <a:t>status</a:t>
+              <a:rPr lang="it-IT" sz="2800" dirty="0" err="1"/>
+              <a:t>packet</a:t>
+            </a:r>
+            <a:r>
+              <a:rPr lang="it-IT" sz="2800" dirty="0"/>
+              <a:t> </a:t>
+            </a:r>
+            <a:r>
+              <a:rPr lang="it-IT" sz="2800" dirty="0" err="1"/>
+              <a:t>loss</a:t>
+            </a:r>
+            <a:r>
+              <a:rPr lang="it-IT" sz="2800" dirty="0"/>
+              <a:t> </a:t>
+            </a:r>
+            <a:r>
+              <a:rPr lang="it-IT" sz="2800" dirty="0" err="1"/>
+              <a:t>during</a:t>
+            </a:r>
+            <a:r>
+              <a:rPr lang="it-IT" sz="2800" dirty="0"/>
+              <a:t> switching events</a:t>
             </a:r>
           </a:p>
         </p:txBody>
@@ -8122,8 +8236,12 @@
           <a:lstStyle/>
           <a:p>
             <a:r>
+              <a:rPr lang="it-IT" dirty="0" err="1"/>
+              <a:t>Objective</a:t>
+            </a:r>
+            <a:r>
               <a:rPr lang="it-IT" dirty="0"/>
-              <a:t>MPLS connection setup</a:t>
+              <a:t> of the project</a:t>
             </a:r>
           </a:p>
         </p:txBody>
@@ -8493,7 +8611,7 @@
             </a:pPr>
             <a:r>
               <a:rPr lang="it-IT" sz="2400" dirty="0"/>
-              <a:t>h1 </a:t>
+              <a:t>host1 </a:t>
             </a:r>
             <a:r>
               <a:rPr lang="it-IT" sz="2400" dirty="0" err="1"/>
@@ -8509,7 +8627,7 @@
             </a:r>
             <a:r>
               <a:rPr lang="it-IT" sz="2400" dirty="0"/>
-              <a:t> an IP connection with h2</a:t>
+              <a:t> an IP connection with host2</a:t>
             </a:r>
           </a:p>
           <a:p>
@@ -9073,7 +9191,15 @@
             </a:r>
             <a:r>
               <a:rPr lang="it-IT" dirty="0"/>
-              <a:t> </a:t>
+              <a:t> (</a:t>
+            </a:r>
+            <a:r>
+              <a:rPr lang="it-IT" dirty="0" err="1"/>
+              <a:t>mininet</a:t>
+            </a:r>
+            <a:r>
+              <a:rPr lang="it-IT" dirty="0"/>
+              <a:t>)</a:t>
             </a:r>
           </a:p>
         </p:txBody>
@@ -12607,14 +12733,27 @@
             <p:ph type="title"/>
           </p:nvPr>
         </p:nvSpPr>
-        <p:spPr/>
+        <p:spPr>
+          <a:xfrm>
+            <a:off x="721968" y="133833"/>
+            <a:ext cx="7886700" cy="362884"/>
+          </a:xfrm>
+        </p:spPr>
         <p:txBody>
           <a:bodyPr/>
           <a:lstStyle/>
           <a:p>
             <a:r>
               <a:rPr lang="it-IT" dirty="0"/>
-              <a:t>Link down/up</a:t>
+              <a:t>Link down/up (</a:t>
+            </a:r>
+            <a:r>
+              <a:rPr lang="it-IT" dirty="0" err="1"/>
+              <a:t>mininet</a:t>
+            </a:r>
+            <a:r>
+              <a:rPr lang="it-IT" dirty="0"/>
+              <a:t>)</a:t>
             </a:r>
           </a:p>
         </p:txBody>

--- a/template_project_exam__1_.pptx
+++ b/template_project_exam__1_.pptx
@@ -5,7 +5,7 @@
     <p:sldMasterId id="2147483660" r:id="rId1"/>
   </p:sldMasterIdLst>
   <p:notesMasterIdLst>
-    <p:notesMasterId r:id="rId16"/>
+    <p:notesMasterId r:id="rId17"/>
   </p:notesMasterIdLst>
   <p:sldIdLst>
     <p:sldId id="256" r:id="rId2"/>
@@ -17,11 +17,12 @@
     <p:sldId id="260" r:id="rId8"/>
     <p:sldId id="269" r:id="rId9"/>
     <p:sldId id="277" r:id="rId10"/>
-    <p:sldId id="270" r:id="rId11"/>
-    <p:sldId id="272" r:id="rId12"/>
-    <p:sldId id="274" r:id="rId13"/>
-    <p:sldId id="276" r:id="rId14"/>
-    <p:sldId id="259" r:id="rId15"/>
+    <p:sldId id="278" r:id="rId11"/>
+    <p:sldId id="279" r:id="rId12"/>
+    <p:sldId id="272" r:id="rId13"/>
+    <p:sldId id="274" r:id="rId14"/>
+    <p:sldId id="276" r:id="rId15"/>
+    <p:sldId id="259" r:id="rId16"/>
   </p:sldIdLst>
   <p:sldSz cx="9144000" cy="6858000" type="screen4x3"/>
   <p:notesSz cx="6858000" cy="9144000"/>
@@ -141,20 +142,35 @@
       <c:style val="2"/>
     </mc:Fallback>
   </mc:AlternateContent>
+  <c:clrMapOvr bg1="lt1" tx1="dk1" bg2="lt2" tx2="dk2" accent1="accent1" accent2="accent2" accent3="accent3" accent4="accent4" accent5="accent5" accent6="accent6" hlink="hlink" folHlink="folHlink"/>
   <c:chart>
     <c:title>
       <c:tx>
         <c:rich>
-          <a:bodyPr rot="0" spcFirstLastPara="1" vertOverflow="ellipsis" vert="horz" wrap="square" anchor="ctr" anchorCtr="1"/>
+          <a:bodyPr rot="0" spcFirstLastPara="1" vertOverflow="ellipsis" vert="horz" wrap="square" anchor="ctr" anchorCtr="0"/>
           <a:lstStyle/>
           <a:p>
-            <a:pPr>
-              <a:defRPr sz="1862" b="0" i="0" u="none" strike="noStrike" kern="1200" spc="0" baseline="0">
+            <a:pPr marL="0" marR="0" lvl="0" indent="0" algn="ctr" defTabSz="914400" rtl="0" eaLnBrk="1" fontAlgn="auto" latinLnBrk="0" hangingPunct="1">
+              <a:lnSpc>
+                <a:spcPct val="100000"/>
+              </a:lnSpc>
+              <a:spcBef>
+                <a:spcPts val="0"/>
+              </a:spcBef>
+              <a:spcAft>
+                <a:spcPts val="0"/>
+              </a:spcAft>
+              <a:buClrTx/>
+              <a:buSzTx/>
+              <a:buFontTx/>
+              <a:buNone/>
+              <a:tabLst/>
+              <a:defRPr lang="it-IT" sz="1600" b="1" i="0" u="none" strike="noStrike" kern="1200" baseline="0">
                 <a:solidFill>
-                  <a:schemeClr val="tx1">
+                  <a:sysClr val="windowText" lastClr="000000">
                     <a:lumMod val="65000"/>
                     <a:lumOff val="35000"/>
-                  </a:schemeClr>
+                  </a:sysClr>
                 </a:solidFill>
                 <a:latin typeface="+mn-lt"/>
                 <a:ea typeface="+mn-ea"/>
@@ -162,37 +178,18 @@
               </a:defRPr>
             </a:pPr>
             <a:r>
-              <a:rPr lang="it-IT" sz="1600" b="1" dirty="0">
+              <a:rPr lang="it-IT" sz="1600" b="1" i="0" u="none" strike="noStrike" kern="1200" baseline="0">
                 <a:solidFill>
-                  <a:schemeClr val="tx1">
+                  <a:sysClr val="windowText" lastClr="000000">
                     <a:lumMod val="65000"/>
                     <a:lumOff val="35000"/>
-                  </a:schemeClr>
+                  </a:sysClr>
                 </a:solidFill>
+                <a:latin typeface="+mn-lt"/>
+                <a:ea typeface="+mn-ea"/>
+                <a:cs typeface="+mn-cs"/>
               </a:rPr>
-              <a:t>Rules </a:t>
-            </a:r>
-            <a:r>
-              <a:rPr lang="it-IT" sz="1600" b="1" dirty="0" err="1">
-                <a:solidFill>
-                  <a:schemeClr val="tx1">
-                    <a:lumMod val="65000"/>
-                    <a:lumOff val="35000"/>
-                  </a:schemeClr>
-                </a:solidFill>
-              </a:rPr>
-              <a:t>installation</a:t>
-            </a:r>
-            <a:r>
-              <a:rPr lang="it-IT" sz="1600" b="1" dirty="0">
-                <a:solidFill>
-                  <a:schemeClr val="tx1">
-                    <a:lumMod val="65000"/>
-                    <a:lumOff val="35000"/>
-                  </a:schemeClr>
-                </a:solidFill>
-              </a:rPr>
-              <a:t> time - TESTBED</a:t>
+              <a:t>Rules installation time - MININET SIMULATOR</a:t>
             </a:r>
           </a:p>
         </c:rich>
@@ -201,8 +198,8 @@
         <c:manualLayout>
           <c:xMode val="edge"/>
           <c:yMode val="edge"/>
-          <c:x val="0.27640005388569461"/>
-          <c:y val="0"/>
+          <c:x val="0.18551571945604575"/>
+          <c:y val="3.3269055848644716E-2"/>
         </c:manualLayout>
       </c:layout>
       <c:overlay val="0"/>
@@ -214,16 +211,30 @@
         <a:effectLst/>
       </c:spPr>
       <c:txPr>
-        <a:bodyPr rot="0" spcFirstLastPara="1" vertOverflow="ellipsis" vert="horz" wrap="square" anchor="ctr" anchorCtr="1"/>
+        <a:bodyPr rot="0" spcFirstLastPara="1" vertOverflow="ellipsis" vert="horz" wrap="square" anchor="ctr" anchorCtr="0"/>
         <a:lstStyle/>
         <a:p>
-          <a:pPr>
-            <a:defRPr sz="1862" b="0" i="0" u="none" strike="noStrike" kern="1200" spc="0" baseline="0">
+          <a:pPr marL="0" marR="0" lvl="0" indent="0" algn="ctr" defTabSz="914400" rtl="0" eaLnBrk="1" fontAlgn="auto" latinLnBrk="0" hangingPunct="1">
+            <a:lnSpc>
+              <a:spcPct val="100000"/>
+            </a:lnSpc>
+            <a:spcBef>
+              <a:spcPts val="0"/>
+            </a:spcBef>
+            <a:spcAft>
+              <a:spcPts val="0"/>
+            </a:spcAft>
+            <a:buClrTx/>
+            <a:buSzTx/>
+            <a:buFontTx/>
+            <a:buNone/>
+            <a:tabLst/>
+            <a:defRPr lang="it-IT" sz="1600" b="1" i="0" u="none" strike="noStrike" kern="1200" baseline="0">
               <a:solidFill>
-                <a:schemeClr val="tx1">
+                <a:sysClr val="windowText" lastClr="000000">
                   <a:lumMod val="65000"/>
                   <a:lumOff val="35000"/>
-                </a:schemeClr>
+                </a:sysClr>
               </a:solidFill>
               <a:latin typeface="+mn-lt"/>
               <a:ea typeface="+mn-ea"/>
@@ -241,10 +252,10 @@
           <c:layoutTarget val="inner"/>
           <c:xMode val="edge"/>
           <c:yMode val="edge"/>
-          <c:x val="8.6379518918159925E-2"/>
-          <c:y val="0.11422415478305251"/>
-          <c:w val="0.86065989690968925"/>
-          <c:h val="0.65240409014748302"/>
+          <c:x val="0.13962169034458691"/>
+          <c:y val="0.17139343692687922"/>
+          <c:w val="0.84270764147651156"/>
+          <c:h val="0.71952606405960606"/>
         </c:manualLayout>
       </c:layout>
       <c:barChart>
@@ -255,474 +266,47 @@
           <c:idx val="0"/>
           <c:order val="0"/>
           <c:spPr>
-            <a:solidFill>
-              <a:schemeClr val="accent1"/>
-            </a:solidFill>
+            <a:gradFill rotWithShape="1">
+              <a:gsLst>
+                <a:gs pos="0">
+                  <a:schemeClr val="accent1">
+                    <a:satMod val="103000"/>
+                    <a:lumMod val="102000"/>
+                    <a:tint val="94000"/>
+                  </a:schemeClr>
+                </a:gs>
+                <a:gs pos="50000">
+                  <a:schemeClr val="accent1">
+                    <a:satMod val="110000"/>
+                    <a:lumMod val="100000"/>
+                    <a:shade val="100000"/>
+                  </a:schemeClr>
+                </a:gs>
+                <a:gs pos="100000">
+                  <a:schemeClr val="accent1">
+                    <a:lumMod val="99000"/>
+                    <a:satMod val="120000"/>
+                    <a:shade val="78000"/>
+                  </a:schemeClr>
+                </a:gs>
+              </a:gsLst>
+              <a:lin ang="5400000" scaled="0"/>
+            </a:gradFill>
             <a:ln>
               <a:noFill/>
             </a:ln>
-            <a:effectLst/>
+            <a:effectLst>
+              <a:outerShdw blurRad="57150" dist="19050" dir="5400000" algn="ctr" rotWithShape="0">
+                <a:srgbClr val="000000">
+                  <a:alpha val="63000"/>
+                </a:srgbClr>
+              </a:outerShdw>
+            </a:effectLst>
           </c:spPr>
           <c:invertIfNegative val="0"/>
           <c:dLbls>
             <c:delete val="1"/>
           </c:dLbls>
-          <c:val>
-            <c:numRef>
-              <c:f>Foglio1!$A$1:$A$10</c:f>
-              <c:numCache>
-                <c:formatCode>General</c:formatCode>
-                <c:ptCount val="10"/>
-                <c:pt idx="0" formatCode="#,##0">
-                  <c:v>3.9634230000000001</c:v>
-                </c:pt>
-                <c:pt idx="1">
-                  <c:v>0.27818399999999999</c:v>
-                </c:pt>
-                <c:pt idx="2" formatCode="#,##0">
-                  <c:v>5.5986859999999998</c:v>
-                </c:pt>
-                <c:pt idx="3">
-                  <c:v>4.4990000000000004E-3</c:v>
-                </c:pt>
-                <c:pt idx="4">
-                  <c:v>8.8248999999999994E-2</c:v>
-                </c:pt>
-                <c:pt idx="5">
-                  <c:v>0.444517</c:v>
-                </c:pt>
-                <c:pt idx="6">
-                  <c:v>0.33728000000000002</c:v>
-                </c:pt>
-                <c:pt idx="7">
-                  <c:v>1.817E-3</c:v>
-                </c:pt>
-                <c:pt idx="8" formatCode="#,##0">
-                  <c:v>1.0885769999999999</c:v>
-                </c:pt>
-                <c:pt idx="9">
-                  <c:v>0.30131999999999998</c:v>
-                </c:pt>
-              </c:numCache>
-            </c:numRef>
-          </c:val>
-          <c:extLst>
-            <c:ext xmlns:c16="http://schemas.microsoft.com/office/drawing/2014/chart" uri="{C3380CC4-5D6E-409C-BE32-E72D297353CC}">
-              <c16:uniqueId val="{00000000-4B76-421D-8E61-E5A8CCC96263}"/>
-            </c:ext>
-          </c:extLst>
-        </c:ser>
-        <c:dLbls>
-          <c:dLblPos val="outEnd"/>
-          <c:showLegendKey val="0"/>
-          <c:showVal val="1"/>
-          <c:showCatName val="0"/>
-          <c:showSerName val="0"/>
-          <c:showPercent val="0"/>
-          <c:showBubbleSize val="0"/>
-        </c:dLbls>
-        <c:gapWidth val="219"/>
-        <c:overlap val="-27"/>
-        <c:axId val="564886520"/>
-        <c:axId val="564888440"/>
-      </c:barChart>
-      <c:catAx>
-        <c:axId val="564886520"/>
-        <c:scaling>
-          <c:orientation val="minMax"/>
-        </c:scaling>
-        <c:delete val="0"/>
-        <c:axPos val="b"/>
-        <c:title>
-          <c:tx>
-            <c:rich>
-              <a:bodyPr rot="0" spcFirstLastPara="1" vertOverflow="ellipsis" vert="horz" wrap="square" anchor="ctr" anchorCtr="1"/>
-              <a:lstStyle/>
-              <a:p>
-                <a:pPr>
-                  <a:defRPr sz="1000" b="0" i="0" u="none" strike="noStrike" kern="1200" baseline="0">
-                    <a:solidFill>
-                      <a:schemeClr val="tx1">
-                        <a:lumMod val="65000"/>
-                        <a:lumOff val="35000"/>
-                      </a:schemeClr>
-                    </a:solidFill>
-                    <a:latin typeface="+mn-lt"/>
-                    <a:ea typeface="+mn-ea"/>
-                    <a:cs typeface="+mn-cs"/>
-                  </a:defRPr>
-                </a:pPr>
-                <a:r>
-                  <a:rPr lang="it-IT" sz="1000"/>
-                  <a:t>samples</a:t>
-                </a:r>
-              </a:p>
-            </c:rich>
-          </c:tx>
-          <c:layout>
-            <c:manualLayout>
-              <c:xMode val="edge"/>
-              <c:yMode val="edge"/>
-              <c:x val="0.50027191817072247"/>
-              <c:y val="0.85746965798124519"/>
-            </c:manualLayout>
-          </c:layout>
-          <c:overlay val="0"/>
-          <c:spPr>
-            <a:noFill/>
-            <a:ln>
-              <a:noFill/>
-            </a:ln>
-            <a:effectLst/>
-          </c:spPr>
-          <c:txPr>
-            <a:bodyPr rot="0" spcFirstLastPara="1" vertOverflow="ellipsis" vert="horz" wrap="square" anchor="ctr" anchorCtr="1"/>
-            <a:lstStyle/>
-            <a:p>
-              <a:pPr>
-                <a:defRPr sz="1000" b="0" i="0" u="none" strike="noStrike" kern="1200" baseline="0">
-                  <a:solidFill>
-                    <a:schemeClr val="tx1">
-                      <a:lumMod val="65000"/>
-                      <a:lumOff val="35000"/>
-                    </a:schemeClr>
-                  </a:solidFill>
-                  <a:latin typeface="+mn-lt"/>
-                  <a:ea typeface="+mn-ea"/>
-                  <a:cs typeface="+mn-cs"/>
-                </a:defRPr>
-              </a:pPr>
-              <a:endParaRPr lang="it-IT"/>
-            </a:p>
-          </c:txPr>
-        </c:title>
-        <c:numFmt formatCode="General" sourceLinked="1"/>
-        <c:majorTickMark val="none"/>
-        <c:minorTickMark val="none"/>
-        <c:tickLblPos val="nextTo"/>
-        <c:spPr>
-          <a:noFill/>
-          <a:ln w="9525" cap="flat" cmpd="sng" algn="ctr">
-            <a:solidFill>
-              <a:schemeClr val="tx1">
-                <a:lumMod val="15000"/>
-                <a:lumOff val="85000"/>
-              </a:schemeClr>
-            </a:solidFill>
-            <a:round/>
-          </a:ln>
-          <a:effectLst/>
-        </c:spPr>
-        <c:txPr>
-          <a:bodyPr rot="-60000000" spcFirstLastPara="1" vertOverflow="ellipsis" vert="horz" wrap="square" anchor="ctr" anchorCtr="1"/>
-          <a:lstStyle/>
-          <a:p>
-            <a:pPr>
-              <a:defRPr sz="1197" b="0" i="0" u="none" strike="noStrike" kern="1200" baseline="0">
-                <a:solidFill>
-                  <a:schemeClr val="tx1">
-                    <a:lumMod val="65000"/>
-                    <a:lumOff val="35000"/>
-                  </a:schemeClr>
-                </a:solidFill>
-                <a:latin typeface="+mn-lt"/>
-                <a:ea typeface="+mn-ea"/>
-                <a:cs typeface="+mn-cs"/>
-              </a:defRPr>
-            </a:pPr>
-            <a:endParaRPr lang="it-IT"/>
-          </a:p>
-        </c:txPr>
-        <c:crossAx val="564888440"/>
-        <c:crosses val="autoZero"/>
-        <c:auto val="1"/>
-        <c:lblAlgn val="ctr"/>
-        <c:lblOffset val="100"/>
-        <c:tickMarkSkip val="21"/>
-        <c:noMultiLvlLbl val="0"/>
-      </c:catAx>
-      <c:valAx>
-        <c:axId val="564888440"/>
-        <c:scaling>
-          <c:orientation val="minMax"/>
-        </c:scaling>
-        <c:delete val="0"/>
-        <c:axPos val="l"/>
-        <c:majorGridlines>
-          <c:spPr>
-            <a:ln w="9525" cap="flat" cmpd="sng" algn="ctr">
-              <a:solidFill>
-                <a:schemeClr val="tx1">
-                  <a:lumMod val="15000"/>
-                  <a:lumOff val="85000"/>
-                </a:schemeClr>
-              </a:solidFill>
-              <a:round/>
-            </a:ln>
-            <a:effectLst/>
-          </c:spPr>
-        </c:majorGridlines>
-        <c:title>
-          <c:tx>
-            <c:rich>
-              <a:bodyPr rot="-5400000" spcFirstLastPara="1" vertOverflow="ellipsis" vert="horz" wrap="square" anchor="ctr" anchorCtr="1"/>
-              <a:lstStyle/>
-              <a:p>
-                <a:pPr>
-                  <a:defRPr sz="1000" b="0" i="0" u="none" strike="noStrike" kern="1200" baseline="0">
-                    <a:solidFill>
-                      <a:schemeClr val="tx1">
-                        <a:lumMod val="65000"/>
-                        <a:lumOff val="35000"/>
-                      </a:schemeClr>
-                    </a:solidFill>
-                    <a:latin typeface="+mn-lt"/>
-                    <a:ea typeface="+mn-ea"/>
-                    <a:cs typeface="+mn-cs"/>
-                  </a:defRPr>
-                </a:pPr>
-                <a:r>
-                  <a:rPr lang="it-IT" sz="1000"/>
-                  <a:t>time (s)</a:t>
-                </a:r>
-              </a:p>
-            </c:rich>
-          </c:tx>
-          <c:layout>
-            <c:manualLayout>
-              <c:xMode val="edge"/>
-              <c:yMode val="edge"/>
-              <c:x val="0"/>
-              <c:y val="0.3698997482868458"/>
-            </c:manualLayout>
-          </c:layout>
-          <c:overlay val="0"/>
-          <c:spPr>
-            <a:noFill/>
-            <a:ln>
-              <a:noFill/>
-            </a:ln>
-            <a:effectLst/>
-          </c:spPr>
-          <c:txPr>
-            <a:bodyPr rot="-5400000" spcFirstLastPara="1" vertOverflow="ellipsis" vert="horz" wrap="square" anchor="ctr" anchorCtr="1"/>
-            <a:lstStyle/>
-            <a:p>
-              <a:pPr>
-                <a:defRPr sz="1000" b="0" i="0" u="none" strike="noStrike" kern="1200" baseline="0">
-                  <a:solidFill>
-                    <a:schemeClr val="tx1">
-                      <a:lumMod val="65000"/>
-                      <a:lumOff val="35000"/>
-                    </a:schemeClr>
-                  </a:solidFill>
-                  <a:latin typeface="+mn-lt"/>
-                  <a:ea typeface="+mn-ea"/>
-                  <a:cs typeface="+mn-cs"/>
-                </a:defRPr>
-              </a:pPr>
-              <a:endParaRPr lang="it-IT"/>
-            </a:p>
-          </c:txPr>
-        </c:title>
-        <c:numFmt formatCode="#,##0.00" sourceLinked="0"/>
-        <c:majorTickMark val="none"/>
-        <c:minorTickMark val="none"/>
-        <c:tickLblPos val="low"/>
-        <c:spPr>
-          <a:noFill/>
-          <a:ln>
-            <a:noFill/>
-          </a:ln>
-          <a:effectLst/>
-        </c:spPr>
-        <c:txPr>
-          <a:bodyPr rot="-60000000" spcFirstLastPara="1" vertOverflow="ellipsis" vert="horz" wrap="square" anchor="ctr" anchorCtr="1"/>
-          <a:lstStyle/>
-          <a:p>
-            <a:pPr>
-              <a:defRPr sz="900" b="0" i="0" u="none" strike="noStrike" kern="1200" baseline="0">
-                <a:solidFill>
-                  <a:schemeClr val="tx1">
-                    <a:lumMod val="65000"/>
-                    <a:lumOff val="35000"/>
-                  </a:schemeClr>
-                </a:solidFill>
-                <a:latin typeface="+mn-lt"/>
-                <a:ea typeface="+mn-ea"/>
-                <a:cs typeface="+mn-cs"/>
-              </a:defRPr>
-            </a:pPr>
-            <a:endParaRPr lang="it-IT"/>
-          </a:p>
-        </c:txPr>
-        <c:crossAx val="564886520"/>
-        <c:crosses val="autoZero"/>
-        <c:crossBetween val="between"/>
-        <c:majorUnit val="0.5"/>
-        <c:minorUnit val="1.0000000000000002E-2"/>
-      </c:valAx>
-      <c:spPr>
-        <a:noFill/>
-        <a:ln>
-          <a:noFill/>
-        </a:ln>
-        <a:effectLst/>
-      </c:spPr>
-    </c:plotArea>
-    <c:plotVisOnly val="1"/>
-    <c:dispBlanksAs val="gap"/>
-    <c:showDLblsOverMax val="0"/>
-  </c:chart>
-  <c:spPr>
-    <a:noFill/>
-    <a:ln>
-      <a:noFill/>
-    </a:ln>
-    <a:effectLst/>
-  </c:spPr>
-  <c:txPr>
-    <a:bodyPr/>
-    <a:lstStyle/>
-    <a:p>
-      <a:pPr>
-        <a:defRPr/>
-      </a:pPr>
-      <a:endParaRPr lang="it-IT"/>
-    </a:p>
-  </c:txPr>
-  <c:externalData r:id="rId3">
-    <c:autoUpdate val="0"/>
-  </c:externalData>
-</c:chartSpace>
-</file>
-
-<file path=ppt/charts/chart2.xml><?xml version="1.0" encoding="utf-8"?>
-<c:chartSpace xmlns:c="http://schemas.openxmlformats.org/drawingml/2006/chart" xmlns:a="http://schemas.openxmlformats.org/drawingml/2006/main" xmlns:r="http://schemas.openxmlformats.org/officeDocument/2006/relationships" xmlns:c16r2="http://schemas.microsoft.com/office/drawing/2015/06/chart">
-  <c:date1904 val="0"/>
-  <c:lang val="it-IT"/>
-  <c:roundedCorners val="0"/>
-  <mc:AlternateContent xmlns:mc="http://schemas.openxmlformats.org/markup-compatibility/2006">
-    <mc:Choice xmlns:c14="http://schemas.microsoft.com/office/drawing/2007/8/2/chart" Requires="c14">
-      <c14:style val="102"/>
-    </mc:Choice>
-    <mc:Fallback>
-      <c:style val="2"/>
-    </mc:Fallback>
-  </mc:AlternateContent>
-  <c:chart>
-    <c:title>
-      <c:tx>
-        <c:rich>
-          <a:bodyPr rot="0" spcFirstLastPara="1" vertOverflow="ellipsis" vert="horz" wrap="square" anchor="ctr" anchorCtr="1"/>
-          <a:lstStyle/>
-          <a:p>
-            <a:pPr>
-              <a:defRPr sz="1600" b="0" i="0" u="none" strike="noStrike" kern="1200" spc="0" baseline="0">
-                <a:solidFill>
-                  <a:schemeClr val="tx1">
-                    <a:lumMod val="65000"/>
-                    <a:lumOff val="35000"/>
-                  </a:schemeClr>
-                </a:solidFill>
-                <a:latin typeface="+mn-lt"/>
-                <a:ea typeface="+mn-ea"/>
-                <a:cs typeface="+mn-cs"/>
-              </a:defRPr>
-            </a:pPr>
-            <a:r>
-              <a:rPr lang="it-IT" sz="1600" b="1" dirty="0">
-                <a:solidFill>
-                  <a:schemeClr val="tx1">
-                    <a:lumMod val="65000"/>
-                    <a:lumOff val="35000"/>
-                  </a:schemeClr>
-                </a:solidFill>
-              </a:rPr>
-              <a:t>Rules </a:t>
-            </a:r>
-            <a:r>
-              <a:rPr lang="it-IT" sz="1600" b="1" dirty="0" err="1">
-                <a:solidFill>
-                  <a:schemeClr val="tx1">
-                    <a:lumMod val="65000"/>
-                    <a:lumOff val="35000"/>
-                  </a:schemeClr>
-                </a:solidFill>
-              </a:rPr>
-              <a:t>installation</a:t>
-            </a:r>
-            <a:r>
-              <a:rPr lang="it-IT" sz="1600" b="1" dirty="0">
-                <a:solidFill>
-                  <a:schemeClr val="tx1">
-                    <a:lumMod val="65000"/>
-                    <a:lumOff val="35000"/>
-                  </a:schemeClr>
-                </a:solidFill>
-              </a:rPr>
-              <a:t> time - MININET SIMULATOR </a:t>
-            </a:r>
-          </a:p>
-        </c:rich>
-      </c:tx>
-      <c:layout>
-        <c:manualLayout>
-          <c:xMode val="edge"/>
-          <c:yMode val="edge"/>
-          <c:x val="0.23306172988465701"/>
-          <c:y val="2.639700429335843E-2"/>
-        </c:manualLayout>
-      </c:layout>
-      <c:overlay val="0"/>
-      <c:spPr>
-        <a:noFill/>
-        <a:ln>
-          <a:noFill/>
-        </a:ln>
-        <a:effectLst/>
-      </c:spPr>
-      <c:txPr>
-        <a:bodyPr rot="0" spcFirstLastPara="1" vertOverflow="ellipsis" vert="horz" wrap="square" anchor="ctr" anchorCtr="1"/>
-        <a:lstStyle/>
-        <a:p>
-          <a:pPr>
-            <a:defRPr sz="1600" b="0" i="0" u="none" strike="noStrike" kern="1200" spc="0" baseline="0">
-              <a:solidFill>
-                <a:schemeClr val="tx1">
-                  <a:lumMod val="65000"/>
-                  <a:lumOff val="35000"/>
-                </a:schemeClr>
-              </a:solidFill>
-              <a:latin typeface="+mn-lt"/>
-              <a:ea typeface="+mn-ea"/>
-              <a:cs typeface="+mn-cs"/>
-            </a:defRPr>
-          </a:pPr>
-          <a:endParaRPr lang="it-IT"/>
-        </a:p>
-      </c:txPr>
-    </c:title>
-    <c:autoTitleDeleted val="0"/>
-    <c:plotArea>
-      <c:layout/>
-      <c:barChart>
-        <c:barDir val="col"/>
-        <c:grouping val="clustered"/>
-        <c:varyColors val="0"/>
-        <c:ser>
-          <c:idx val="0"/>
-          <c:order val="0"/>
-          <c:spPr>
-            <a:solidFill>
-              <a:schemeClr val="accent1"/>
-            </a:solidFill>
-            <a:ln>
-              <a:noFill/>
-            </a:ln>
-            <a:effectLst/>
-          </c:spPr>
-          <c:invertIfNegative val="0"/>
           <c:val>
             <c:numRef>
               <c:f>Foglio3!$A$1:$A$10</c:f>
@@ -764,7 +348,260 @@
           </c:val>
           <c:extLst>
             <c:ext xmlns:c16="http://schemas.microsoft.com/office/drawing/2014/chart" uri="{C3380CC4-5D6E-409C-BE32-E72D297353CC}">
-              <c16:uniqueId val="{00000000-AF36-4E76-8948-1D02540F7C16}"/>
+              <c16:uniqueId val="{00000000-649E-4342-A400-FEF49CA3C17A}"/>
+            </c:ext>
+          </c:extLst>
+        </c:ser>
+        <c:dLbls>
+          <c:dLblPos val="outEnd"/>
+          <c:showLegendKey val="0"/>
+          <c:showVal val="1"/>
+          <c:showCatName val="0"/>
+          <c:showSerName val="0"/>
+          <c:showPercent val="0"/>
+          <c:showBubbleSize val="0"/>
+        </c:dLbls>
+        <c:gapWidth val="100"/>
+        <c:axId val="564886520"/>
+        <c:axId val="564888440"/>
+      </c:barChart>
+      <c:lineChart>
+        <c:grouping val="standard"/>
+        <c:varyColors val="0"/>
+        <c:ser>
+          <c:idx val="1"/>
+          <c:order val="1"/>
+          <c:spPr>
+            <a:ln w="34925" cap="rnd">
+              <a:solidFill>
+                <a:schemeClr val="accent2"/>
+              </a:solidFill>
+              <a:round/>
+            </a:ln>
+            <a:effectLst>
+              <a:outerShdw blurRad="57150" dist="19050" dir="5400000" algn="ctr" rotWithShape="0">
+                <a:srgbClr val="000000">
+                  <a:alpha val="63000"/>
+                </a:srgbClr>
+              </a:outerShdw>
+            </a:effectLst>
+          </c:spPr>
+          <c:marker>
+            <c:symbol val="none"/>
+          </c:marker>
+          <c:dLbls>
+            <c:dLbl>
+              <c:idx val="0"/>
+              <c:delete val="1"/>
+              <c:extLst>
+                <c:ext xmlns:c15="http://schemas.microsoft.com/office/drawing/2012/chart" uri="{CE6537A1-D6FC-4f65-9D91-7224C49458BB}"/>
+                <c:ext xmlns:c16="http://schemas.microsoft.com/office/drawing/2014/chart" uri="{C3380CC4-5D6E-409C-BE32-E72D297353CC}">
+                  <c16:uniqueId val="{00000001-649E-4342-A400-FEF49CA3C17A}"/>
+                </c:ext>
+              </c:extLst>
+            </c:dLbl>
+            <c:dLbl>
+              <c:idx val="1"/>
+              <c:delete val="1"/>
+              <c:extLst>
+                <c:ext xmlns:c15="http://schemas.microsoft.com/office/drawing/2012/chart" uri="{CE6537A1-D6FC-4f65-9D91-7224C49458BB}"/>
+                <c:ext xmlns:c16="http://schemas.microsoft.com/office/drawing/2014/chart" uri="{C3380CC4-5D6E-409C-BE32-E72D297353CC}">
+                  <c16:uniqueId val="{00000002-649E-4342-A400-FEF49CA3C17A}"/>
+                </c:ext>
+              </c:extLst>
+            </c:dLbl>
+            <c:dLbl>
+              <c:idx val="2"/>
+              <c:delete val="1"/>
+              <c:extLst>
+                <c:ext xmlns:c15="http://schemas.microsoft.com/office/drawing/2012/chart" uri="{CE6537A1-D6FC-4f65-9D91-7224C49458BB}"/>
+                <c:ext xmlns:c16="http://schemas.microsoft.com/office/drawing/2014/chart" uri="{C3380CC4-5D6E-409C-BE32-E72D297353CC}">
+                  <c16:uniqueId val="{00000003-649E-4342-A400-FEF49CA3C17A}"/>
+                </c:ext>
+              </c:extLst>
+            </c:dLbl>
+            <c:dLbl>
+              <c:idx val="3"/>
+              <c:delete val="1"/>
+              <c:extLst>
+                <c:ext xmlns:c15="http://schemas.microsoft.com/office/drawing/2012/chart" uri="{CE6537A1-D6FC-4f65-9D91-7224C49458BB}"/>
+                <c:ext xmlns:c16="http://schemas.microsoft.com/office/drawing/2014/chart" uri="{C3380CC4-5D6E-409C-BE32-E72D297353CC}">
+                  <c16:uniqueId val="{00000004-649E-4342-A400-FEF49CA3C17A}"/>
+                </c:ext>
+              </c:extLst>
+            </c:dLbl>
+            <c:dLbl>
+              <c:idx val="4"/>
+              <c:delete val="1"/>
+              <c:extLst>
+                <c:ext xmlns:c15="http://schemas.microsoft.com/office/drawing/2012/chart" uri="{CE6537A1-D6FC-4f65-9D91-7224C49458BB}"/>
+                <c:ext xmlns:c16="http://schemas.microsoft.com/office/drawing/2014/chart" uri="{C3380CC4-5D6E-409C-BE32-E72D297353CC}">
+                  <c16:uniqueId val="{00000005-649E-4342-A400-FEF49CA3C17A}"/>
+                </c:ext>
+              </c:extLst>
+            </c:dLbl>
+            <c:dLbl>
+              <c:idx val="5"/>
+              <c:delete val="1"/>
+              <c:extLst>
+                <c:ext xmlns:c15="http://schemas.microsoft.com/office/drawing/2012/chart" uri="{CE6537A1-D6FC-4f65-9D91-7224C49458BB}"/>
+                <c:ext xmlns:c16="http://schemas.microsoft.com/office/drawing/2014/chart" uri="{C3380CC4-5D6E-409C-BE32-E72D297353CC}">
+                  <c16:uniqueId val="{00000006-649E-4342-A400-FEF49CA3C17A}"/>
+                </c:ext>
+              </c:extLst>
+            </c:dLbl>
+            <c:dLbl>
+              <c:idx val="6"/>
+              <c:delete val="1"/>
+              <c:extLst>
+                <c:ext xmlns:c15="http://schemas.microsoft.com/office/drawing/2012/chart" uri="{CE6537A1-D6FC-4f65-9D91-7224C49458BB}"/>
+                <c:ext xmlns:c16="http://schemas.microsoft.com/office/drawing/2014/chart" uri="{C3380CC4-5D6E-409C-BE32-E72D297353CC}">
+                  <c16:uniqueId val="{00000007-649E-4342-A400-FEF49CA3C17A}"/>
+                </c:ext>
+              </c:extLst>
+            </c:dLbl>
+            <c:dLbl>
+              <c:idx val="7"/>
+              <c:layout>
+                <c:manualLayout>
+                  <c:x val="-0.5865514642973737"/>
+                  <c:y val="-5.9941931962888884E-2"/>
+                </c:manualLayout>
+              </c:layout>
+              <c:showLegendKey val="0"/>
+              <c:showVal val="1"/>
+              <c:showCatName val="0"/>
+              <c:showSerName val="0"/>
+              <c:showPercent val="0"/>
+              <c:showBubbleSize val="0"/>
+              <c:extLst>
+                <c:ext xmlns:c15="http://schemas.microsoft.com/office/drawing/2012/chart" uri="{CE6537A1-D6FC-4f65-9D91-7224C49458BB}"/>
+                <c:ext xmlns:c16="http://schemas.microsoft.com/office/drawing/2014/chart" uri="{C3380CC4-5D6E-409C-BE32-E72D297353CC}">
+                  <c16:uniqueId val="{00000008-649E-4342-A400-FEF49CA3C17A}"/>
+                </c:ext>
+              </c:extLst>
+            </c:dLbl>
+            <c:dLbl>
+              <c:idx val="8"/>
+              <c:delete val="1"/>
+              <c:extLst>
+                <c:ext xmlns:c15="http://schemas.microsoft.com/office/drawing/2012/chart" uri="{CE6537A1-D6FC-4f65-9D91-7224C49458BB}"/>
+                <c:ext xmlns:c16="http://schemas.microsoft.com/office/drawing/2014/chart" uri="{C3380CC4-5D6E-409C-BE32-E72D297353CC}">
+                  <c16:uniqueId val="{00000009-649E-4342-A400-FEF49CA3C17A}"/>
+                </c:ext>
+              </c:extLst>
+            </c:dLbl>
+            <c:dLbl>
+              <c:idx val="9"/>
+              <c:delete val="1"/>
+              <c:extLst>
+                <c:ext xmlns:c15="http://schemas.microsoft.com/office/drawing/2012/chart" uri="{CE6537A1-D6FC-4f65-9D91-7224C49458BB}"/>
+                <c:ext xmlns:c16="http://schemas.microsoft.com/office/drawing/2014/chart" uri="{C3380CC4-5D6E-409C-BE32-E72D297353CC}">
+                  <c16:uniqueId val="{0000000A-649E-4342-A400-FEF49CA3C17A}"/>
+                </c:ext>
+              </c:extLst>
+            </c:dLbl>
+            <c:spPr>
+              <a:noFill/>
+              <a:ln w="3175">
+                <a:solidFill>
+                  <a:schemeClr val="bg2"/>
+                </a:solidFill>
+              </a:ln>
+              <a:effectLst/>
+            </c:spPr>
+            <c:txPr>
+              <a:bodyPr rot="0" spcFirstLastPara="1" vertOverflow="ellipsis" vert="horz" wrap="square" lIns="38100" tIns="19050" rIns="38100" bIns="19050" anchor="ctr" anchorCtr="1">
+                <a:spAutoFit/>
+              </a:bodyPr>
+              <a:lstStyle/>
+              <a:p>
+                <a:pPr>
+                  <a:defRPr sz="900" b="0" i="0" u="none" strike="noStrike" kern="1200" baseline="0">
+                    <a:solidFill>
+                      <a:schemeClr val="tx1">
+                        <a:lumMod val="75000"/>
+                        <a:lumOff val="25000"/>
+                      </a:schemeClr>
+                    </a:solidFill>
+                    <a:latin typeface="+mn-lt"/>
+                    <a:ea typeface="+mn-ea"/>
+                    <a:cs typeface="+mn-cs"/>
+                  </a:defRPr>
+                </a:pPr>
+                <a:endParaRPr lang="it-IT"/>
+              </a:p>
+            </c:txPr>
+            <c:showLegendKey val="0"/>
+            <c:showVal val="1"/>
+            <c:showCatName val="0"/>
+            <c:showSerName val="0"/>
+            <c:showPercent val="0"/>
+            <c:showBubbleSize val="0"/>
+            <c:showLeaderLines val="0"/>
+            <c:extLst>
+              <c:ext xmlns:c15="http://schemas.microsoft.com/office/drawing/2012/chart" uri="{CE6537A1-D6FC-4f65-9D91-7224C49458BB}">
+                <c15:showLeaderLines val="1"/>
+                <c15:leaderLines>
+                  <c:spPr>
+                    <a:ln w="9525" cap="flat" cmpd="sng" algn="ctr">
+                      <a:solidFill>
+                        <a:schemeClr val="tx1">
+                          <a:lumMod val="35000"/>
+                          <a:lumOff val="65000"/>
+                        </a:schemeClr>
+                      </a:solidFill>
+                      <a:round/>
+                    </a:ln>
+                    <a:effectLst/>
+                  </c:spPr>
+                </c15:leaderLines>
+              </c:ext>
+            </c:extLst>
+          </c:dLbls>
+          <c:val>
+            <c:numRef>
+              <c:f>Foglio3!$B$1:$B$10</c:f>
+              <c:numCache>
+                <c:formatCode>General</c:formatCode>
+                <c:ptCount val="10"/>
+                <c:pt idx="0">
+                  <c:v>7.3187E-3</c:v>
+                </c:pt>
+                <c:pt idx="1">
+                  <c:v>7.3187E-3</c:v>
+                </c:pt>
+                <c:pt idx="2">
+                  <c:v>7.3187E-3</c:v>
+                </c:pt>
+                <c:pt idx="3">
+                  <c:v>7.3187E-3</c:v>
+                </c:pt>
+                <c:pt idx="4">
+                  <c:v>7.3187E-3</c:v>
+                </c:pt>
+                <c:pt idx="5">
+                  <c:v>7.3187E-3</c:v>
+                </c:pt>
+                <c:pt idx="6">
+                  <c:v>7.3187E-3</c:v>
+                </c:pt>
+                <c:pt idx="7">
+                  <c:v>7.3187E-3</c:v>
+                </c:pt>
+                <c:pt idx="8">
+                  <c:v>7.3187E-3</c:v>
+                </c:pt>
+                <c:pt idx="9">
+                  <c:v>7.3187E-3</c:v>
+                </c:pt>
+              </c:numCache>
+            </c:numRef>
+          </c:val>
+          <c:smooth val="0"/>
+          <c:extLst>
+            <c:ext xmlns:c16="http://schemas.microsoft.com/office/drawing/2014/chart" uri="{C3380CC4-5D6E-409C-BE32-E72D297353CC}">
+              <c16:uniqueId val="{0000000B-649E-4342-A400-FEF49CA3C17A}"/>
             </c:ext>
           </c:extLst>
         </c:ser>
@@ -776,13 +613,13 @@
           <c:showPercent val="0"/>
           <c:showBubbleSize val="0"/>
         </c:dLbls>
-        <c:gapWidth val="219"/>
-        <c:overlap val="-27"/>
-        <c:axId val="481557016"/>
-        <c:axId val="481556360"/>
-      </c:barChart>
+        <c:marker val="1"/>
+        <c:smooth val="0"/>
+        <c:axId val="564886520"/>
+        <c:axId val="564888440"/>
+      </c:lineChart>
       <c:catAx>
-        <c:axId val="481557016"/>
+        <c:axId val="564886520"/>
         <c:scaling>
           <c:orientation val="minMax"/>
         </c:scaling>
@@ -795,7 +632,7 @@
               <a:lstStyle/>
               <a:p>
                 <a:pPr>
-                  <a:defRPr sz="1000" b="0" i="0" u="none" strike="noStrike" kern="1200" baseline="0">
+                  <a:defRPr sz="900" b="0" i="0" u="none" strike="noStrike" kern="1200" baseline="0">
                     <a:solidFill>
                       <a:schemeClr val="tx1">
                         <a:lumMod val="65000"/>
@@ -809,11 +646,19 @@
                 </a:pPr>
                 <a:r>
                   <a:rPr lang="it-IT"/>
-                  <a:t>samples</a:t>
+                  <a:t>Experiments</a:t>
                 </a:r>
               </a:p>
             </c:rich>
           </c:tx>
+          <c:layout>
+            <c:manualLayout>
+              <c:xMode val="edge"/>
+              <c:yMode val="edge"/>
+              <c:x val="0.4541458992356272"/>
+              <c:y val="0.93721375295615794"/>
+            </c:manualLayout>
+          </c:layout>
           <c:overlay val="0"/>
           <c:spPr>
             <a:noFill/>
@@ -827,7 +672,7 @@
             <a:lstStyle/>
             <a:p>
               <a:pPr>
-                <a:defRPr sz="1000" b="0" i="0" u="none" strike="noStrike" kern="1200" baseline="0">
+                <a:defRPr sz="900" b="0" i="0" u="none" strike="noStrike" kern="1200" baseline="0">
                   <a:solidFill>
                     <a:schemeClr val="tx1">
                       <a:lumMod val="65000"/>
@@ -849,7 +694,7 @@
         <c:tickLblPos val="nextTo"/>
         <c:spPr>
           <a:noFill/>
-          <a:ln w="9525" cap="flat" cmpd="sng" algn="ctr">
+          <a:ln w="12700" cap="flat" cmpd="sng" algn="ctr">
             <a:solidFill>
               <a:schemeClr val="tx1">
                 <a:lumMod val="15000"/>
@@ -865,7 +710,7 @@
           <a:lstStyle/>
           <a:p>
             <a:pPr>
-              <a:defRPr sz="1200" b="0" i="0" u="none" strike="noStrike" kern="1200" baseline="0">
+              <a:defRPr sz="900" b="0" i="0" u="none" strike="noStrike" kern="1200" baseline="0">
                 <a:solidFill>
                   <a:schemeClr val="tx1">
                     <a:lumMod val="65000"/>
@@ -880,7 +725,7 @@
             <a:endParaRPr lang="it-IT"/>
           </a:p>
         </c:txPr>
-        <c:crossAx val="481556360"/>
+        <c:crossAx val="564888440"/>
         <c:crosses val="autoZero"/>
         <c:auto val="1"/>
         <c:lblAlgn val="ctr"/>
@@ -888,10 +733,11 @@
         <c:noMultiLvlLbl val="0"/>
       </c:catAx>
       <c:valAx>
-        <c:axId val="481556360"/>
+        <c:axId val="564888440"/>
         <c:scaling>
           <c:orientation val="minMax"/>
-          <c:max val="9.0000000000000028E-3"/>
+          <c:max val="1.0000000000000002E-2"/>
+          <c:min val="0"/>
         </c:scaling>
         <c:delete val="0"/>
         <c:axPos val="l"/>
@@ -899,16 +745,718 @@
           <c:spPr>
             <a:ln w="9525" cap="flat" cmpd="sng" algn="ctr">
               <a:solidFill>
+                <a:schemeClr val="accent1"/>
+              </a:solidFill>
+              <a:round/>
+            </a:ln>
+            <a:effectLst/>
+          </c:spPr>
+        </c:majorGridlines>
+        <c:minorGridlines>
+          <c:spPr>
+            <a:ln w="9525" cap="flat" cmpd="sng" algn="ctr">
+              <a:solidFill>
                 <a:schemeClr val="tx1">
-                  <a:lumMod val="15000"/>
-                  <a:lumOff val="85000"/>
+                  <a:lumMod val="5000"/>
+                  <a:lumOff val="95000"/>
                 </a:schemeClr>
               </a:solidFill>
               <a:round/>
             </a:ln>
             <a:effectLst/>
           </c:spPr>
+        </c:minorGridlines>
+        <c:title>
+          <c:tx>
+            <c:rich>
+              <a:bodyPr rot="-5400000" spcFirstLastPara="1" vertOverflow="ellipsis" vert="horz" wrap="square" anchor="ctr" anchorCtr="0"/>
+              <a:lstStyle/>
+              <a:p>
+                <a:pPr>
+                  <a:defRPr sz="900" b="0" i="0" u="none" strike="noStrike" kern="1200" baseline="0">
+                    <a:solidFill>
+                      <a:schemeClr val="tx1">
+                        <a:lumMod val="65000"/>
+                        <a:lumOff val="35000"/>
+                      </a:schemeClr>
+                    </a:solidFill>
+                    <a:latin typeface="+mn-lt"/>
+                    <a:ea typeface="+mn-ea"/>
+                    <a:cs typeface="+mn-cs"/>
+                  </a:defRPr>
+                </a:pPr>
+                <a:r>
+                  <a:rPr lang="it-IT"/>
+                  <a:t>Time(s)</a:t>
+                </a:r>
+              </a:p>
+            </c:rich>
+          </c:tx>
+          <c:layout>
+            <c:manualLayout>
+              <c:xMode val="edge"/>
+              <c:yMode val="edge"/>
+              <c:x val="3.6074997748533733E-2"/>
+              <c:y val="0.47482453251473683"/>
+            </c:manualLayout>
+          </c:layout>
+          <c:overlay val="0"/>
+          <c:spPr>
+            <a:noFill/>
+            <a:ln>
+              <a:noFill/>
+            </a:ln>
+            <a:effectLst/>
+          </c:spPr>
+          <c:txPr>
+            <a:bodyPr rot="-5400000" spcFirstLastPara="1" vertOverflow="ellipsis" vert="horz" wrap="square" anchor="ctr" anchorCtr="0"/>
+            <a:lstStyle/>
+            <a:p>
+              <a:pPr>
+                <a:defRPr sz="900" b="0" i="0" u="none" strike="noStrike" kern="1200" baseline="0">
+                  <a:solidFill>
+                    <a:schemeClr val="tx1">
+                      <a:lumMod val="65000"/>
+                      <a:lumOff val="35000"/>
+                    </a:schemeClr>
+                  </a:solidFill>
+                  <a:latin typeface="+mn-lt"/>
+                  <a:ea typeface="+mn-ea"/>
+                  <a:cs typeface="+mn-cs"/>
+                </a:defRPr>
+              </a:pPr>
+              <a:endParaRPr lang="it-IT"/>
+            </a:p>
+          </c:txPr>
+        </c:title>
+        <c:numFmt formatCode="#,##0.00" sourceLinked="0"/>
+        <c:majorTickMark val="in"/>
+        <c:minorTickMark val="none"/>
+        <c:tickLblPos val="low"/>
+        <c:spPr>
+          <a:noFill/>
+          <a:ln>
+            <a:solidFill>
+              <a:schemeClr val="accent1"/>
+            </a:solidFill>
+          </a:ln>
+          <a:effectLst/>
+        </c:spPr>
+        <c:txPr>
+          <a:bodyPr rot="-60000000" spcFirstLastPara="1" vertOverflow="ellipsis" vert="horz" wrap="square" anchor="ctr" anchorCtr="1"/>
+          <a:lstStyle/>
+          <a:p>
+            <a:pPr>
+              <a:defRPr sz="900" b="0" i="0" u="none" strike="noStrike" kern="1200" baseline="0">
+                <a:solidFill>
+                  <a:schemeClr val="tx1">
+                    <a:lumMod val="65000"/>
+                    <a:lumOff val="35000"/>
+                  </a:schemeClr>
+                </a:solidFill>
+                <a:latin typeface="+mn-lt"/>
+                <a:ea typeface="+mn-ea"/>
+                <a:cs typeface="+mn-cs"/>
+              </a:defRPr>
+            </a:pPr>
+            <a:endParaRPr lang="it-IT"/>
+          </a:p>
+        </c:txPr>
+        <c:crossAx val="564886520"/>
+        <c:crosses val="autoZero"/>
+        <c:crossBetween val="between"/>
+        <c:majorUnit val="1.5000000000000005E-3"/>
+        <c:minorUnit val="1.0000000000000002E-3"/>
+      </c:valAx>
+      <c:spPr>
+        <a:noFill/>
+        <a:ln>
+          <a:noFill/>
+        </a:ln>
+        <a:effectLst/>
+      </c:spPr>
+    </c:plotArea>
+    <c:plotVisOnly val="1"/>
+    <c:dispBlanksAs val="gap"/>
+    <c:showDLblsOverMax val="0"/>
+  </c:chart>
+  <c:spPr>
+    <a:noFill/>
+    <a:ln>
+      <a:noFill/>
+    </a:ln>
+    <a:effectLst/>
+  </c:spPr>
+  <c:txPr>
+    <a:bodyPr/>
+    <a:lstStyle/>
+    <a:p>
+      <a:pPr>
+        <a:defRPr/>
+      </a:pPr>
+      <a:endParaRPr lang="it-IT"/>
+    </a:p>
+  </c:txPr>
+  <c:externalData r:id="rId4">
+    <c:autoUpdate val="0"/>
+  </c:externalData>
+  <c:userShapes r:id="rId5"/>
+</c:chartSpace>
+</file>
+
+<file path=ppt/charts/chart2.xml><?xml version="1.0" encoding="utf-8"?>
+<c:chartSpace xmlns:c="http://schemas.openxmlformats.org/drawingml/2006/chart" xmlns:a="http://schemas.openxmlformats.org/drawingml/2006/main" xmlns:r="http://schemas.openxmlformats.org/officeDocument/2006/relationships" xmlns:c16r2="http://schemas.microsoft.com/office/drawing/2015/06/chart">
+  <c:date1904 val="0"/>
+  <c:lang val="it-IT"/>
+  <c:roundedCorners val="0"/>
+  <mc:AlternateContent xmlns:mc="http://schemas.openxmlformats.org/markup-compatibility/2006">
+    <mc:Choice xmlns:c14="http://schemas.microsoft.com/office/drawing/2007/8/2/chart" Requires="c14">
+      <c14:style val="102"/>
+    </mc:Choice>
+    <mc:Fallback>
+      <c:style val="2"/>
+    </mc:Fallback>
+  </mc:AlternateContent>
+  <c:chart>
+    <c:title>
+      <c:tx>
+        <c:rich>
+          <a:bodyPr rot="0" spcFirstLastPara="1" vertOverflow="ellipsis" vert="horz" wrap="square" anchor="ctr" anchorCtr="1"/>
+          <a:lstStyle/>
+          <a:p>
+            <a:pPr>
+              <a:defRPr sz="1600" b="1" i="0" u="none" strike="noStrike" kern="1200" baseline="0">
+                <a:solidFill>
+                  <a:schemeClr val="tx1">
+                    <a:lumMod val="65000"/>
+                    <a:lumOff val="35000"/>
+                  </a:schemeClr>
+                </a:solidFill>
+                <a:latin typeface="+mn-lt"/>
+                <a:ea typeface="+mn-ea"/>
+                <a:cs typeface="+mn-cs"/>
+              </a:defRPr>
+            </a:pPr>
+            <a:r>
+              <a:rPr lang="it-IT"/>
+              <a:t>Rules installation time - TESTBED</a:t>
+            </a:r>
+          </a:p>
+        </c:rich>
+      </c:tx>
+      <c:overlay val="0"/>
+      <c:spPr>
+        <a:noFill/>
+        <a:ln>
+          <a:noFill/>
+        </a:ln>
+        <a:effectLst/>
+      </c:spPr>
+      <c:txPr>
+        <a:bodyPr rot="0" spcFirstLastPara="1" vertOverflow="ellipsis" vert="horz" wrap="square" anchor="ctr" anchorCtr="1"/>
+        <a:lstStyle/>
+        <a:p>
+          <a:pPr>
+            <a:defRPr sz="1600" b="1" i="0" u="none" strike="noStrike" kern="1200" baseline="0">
+              <a:solidFill>
+                <a:schemeClr val="tx1">
+                  <a:lumMod val="65000"/>
+                  <a:lumOff val="35000"/>
+                </a:schemeClr>
+              </a:solidFill>
+              <a:latin typeface="+mn-lt"/>
+              <a:ea typeface="+mn-ea"/>
+              <a:cs typeface="+mn-cs"/>
+            </a:defRPr>
+          </a:pPr>
+          <a:endParaRPr lang="it-IT"/>
+        </a:p>
+      </c:txPr>
+    </c:title>
+    <c:autoTitleDeleted val="0"/>
+    <c:plotArea>
+      <c:layout>
+        <c:manualLayout>
+          <c:layoutTarget val="inner"/>
+          <c:xMode val="edge"/>
+          <c:yMode val="edge"/>
+          <c:x val="8.1540903772570589E-2"/>
+          <c:y val="0.10999867567209641"/>
+          <c:w val="0.90078841349650574"/>
+          <c:h val="0.78092091885415393"/>
+        </c:manualLayout>
+      </c:layout>
+      <c:barChart>
+        <c:barDir val="col"/>
+        <c:grouping val="clustered"/>
+        <c:varyColors val="0"/>
+        <c:ser>
+          <c:idx val="0"/>
+          <c:order val="0"/>
+          <c:spPr>
+            <a:gradFill rotWithShape="1">
+              <a:gsLst>
+                <a:gs pos="0">
+                  <a:schemeClr val="accent1">
+                    <a:satMod val="103000"/>
+                    <a:lumMod val="102000"/>
+                    <a:tint val="94000"/>
+                  </a:schemeClr>
+                </a:gs>
+                <a:gs pos="50000">
+                  <a:schemeClr val="accent1">
+                    <a:satMod val="110000"/>
+                    <a:lumMod val="100000"/>
+                    <a:shade val="100000"/>
+                  </a:schemeClr>
+                </a:gs>
+                <a:gs pos="100000">
+                  <a:schemeClr val="accent1">
+                    <a:lumMod val="99000"/>
+                    <a:satMod val="120000"/>
+                    <a:shade val="78000"/>
+                  </a:schemeClr>
+                </a:gs>
+              </a:gsLst>
+              <a:lin ang="5400000" scaled="0"/>
+            </a:gradFill>
+            <a:ln>
+              <a:noFill/>
+            </a:ln>
+            <a:effectLst>
+              <a:outerShdw blurRad="57150" dist="19050" dir="5400000" algn="ctr" rotWithShape="0">
+                <a:srgbClr val="000000">
+                  <a:alpha val="63000"/>
+                </a:srgbClr>
+              </a:outerShdw>
+            </a:effectLst>
+          </c:spPr>
+          <c:invertIfNegative val="0"/>
+          <c:dLbls>
+            <c:delete val="1"/>
+          </c:dLbls>
+          <c:val>
+            <c:numRef>
+              <c:f>Foglio1!$A$1:$A$8</c:f>
+              <c:numCache>
+                <c:formatCode>General</c:formatCode>
+                <c:ptCount val="8"/>
+                <c:pt idx="0">
+                  <c:v>0.27818399999999999</c:v>
+                </c:pt>
+                <c:pt idx="1">
+                  <c:v>4.4990000000000004E-3</c:v>
+                </c:pt>
+                <c:pt idx="2">
+                  <c:v>8.8248999999999994E-2</c:v>
+                </c:pt>
+                <c:pt idx="3">
+                  <c:v>0.444517</c:v>
+                </c:pt>
+                <c:pt idx="4">
+                  <c:v>0.33728000000000002</c:v>
+                </c:pt>
+                <c:pt idx="5">
+                  <c:v>1.817E-3</c:v>
+                </c:pt>
+                <c:pt idx="6" formatCode="#,##0">
+                  <c:v>1.0885769999999999</c:v>
+                </c:pt>
+                <c:pt idx="7">
+                  <c:v>0.30131999999999998</c:v>
+                </c:pt>
+              </c:numCache>
+            </c:numRef>
+          </c:val>
+          <c:extLst>
+            <c:ext xmlns:c16="http://schemas.microsoft.com/office/drawing/2014/chart" uri="{C3380CC4-5D6E-409C-BE32-E72D297353CC}">
+              <c16:uniqueId val="{00000000-BC0D-4DFF-AD12-507EA1F0567E}"/>
+            </c:ext>
+          </c:extLst>
+        </c:ser>
+        <c:dLbls>
+          <c:dLblPos val="outEnd"/>
+          <c:showLegendKey val="0"/>
+          <c:showVal val="1"/>
+          <c:showCatName val="0"/>
+          <c:showSerName val="0"/>
+          <c:showPercent val="0"/>
+          <c:showBubbleSize val="0"/>
+        </c:dLbls>
+        <c:gapWidth val="100"/>
+        <c:axId val="564886520"/>
+        <c:axId val="564888440"/>
+      </c:barChart>
+      <c:lineChart>
+        <c:grouping val="standard"/>
+        <c:varyColors val="0"/>
+        <c:ser>
+          <c:idx val="1"/>
+          <c:order val="1"/>
+          <c:tx>
+            <c:v>Average+Foglio1!$B$1:$B$8</c:v>
+          </c:tx>
+          <c:spPr>
+            <a:ln w="34925" cap="rnd">
+              <a:solidFill>
+                <a:schemeClr val="accent2"/>
+              </a:solidFill>
+              <a:round/>
+            </a:ln>
+            <a:effectLst>
+              <a:outerShdw blurRad="57150" dist="19050" dir="5400000" algn="ctr" rotWithShape="0">
+                <a:srgbClr val="000000">
+                  <a:alpha val="63000"/>
+                </a:srgbClr>
+              </a:outerShdw>
+            </a:effectLst>
+          </c:spPr>
+          <c:marker>
+            <c:symbol val="none"/>
+          </c:marker>
+          <c:dLbls>
+            <c:dLbl>
+              <c:idx val="0"/>
+              <c:delete val="1"/>
+              <c:extLst>
+                <c:ext xmlns:c15="http://schemas.microsoft.com/office/drawing/2012/chart" uri="{CE6537A1-D6FC-4f65-9D91-7224C49458BB}"/>
+                <c:ext xmlns:c16="http://schemas.microsoft.com/office/drawing/2014/chart" uri="{C3380CC4-5D6E-409C-BE32-E72D297353CC}">
+                  <c16:uniqueId val="{00000001-BC0D-4DFF-AD12-507EA1F0567E}"/>
+                </c:ext>
+              </c:extLst>
+            </c:dLbl>
+            <c:dLbl>
+              <c:idx val="1"/>
+              <c:delete val="1"/>
+              <c:extLst>
+                <c:ext xmlns:c15="http://schemas.microsoft.com/office/drawing/2012/chart" uri="{CE6537A1-D6FC-4f65-9D91-7224C49458BB}"/>
+                <c:ext xmlns:c16="http://schemas.microsoft.com/office/drawing/2014/chart" uri="{C3380CC4-5D6E-409C-BE32-E72D297353CC}">
+                  <c16:uniqueId val="{00000002-BC0D-4DFF-AD12-507EA1F0567E}"/>
+                </c:ext>
+              </c:extLst>
+            </c:dLbl>
+            <c:dLbl>
+              <c:idx val="2"/>
+              <c:delete val="1"/>
+              <c:extLst>
+                <c:ext xmlns:c15="http://schemas.microsoft.com/office/drawing/2012/chart" uri="{CE6537A1-D6FC-4f65-9D91-7224C49458BB}"/>
+                <c:ext xmlns:c16="http://schemas.microsoft.com/office/drawing/2014/chart" uri="{C3380CC4-5D6E-409C-BE32-E72D297353CC}">
+                  <c16:uniqueId val="{00000003-BC0D-4DFF-AD12-507EA1F0567E}"/>
+                </c:ext>
+              </c:extLst>
+            </c:dLbl>
+            <c:dLbl>
+              <c:idx val="3"/>
+              <c:delete val="1"/>
+              <c:extLst>
+                <c:ext xmlns:c15="http://schemas.microsoft.com/office/drawing/2012/chart" uri="{CE6537A1-D6FC-4f65-9D91-7224C49458BB}"/>
+                <c:ext xmlns:c16="http://schemas.microsoft.com/office/drawing/2014/chart" uri="{C3380CC4-5D6E-409C-BE32-E72D297353CC}">
+                  <c16:uniqueId val="{00000004-BC0D-4DFF-AD12-507EA1F0567E}"/>
+                </c:ext>
+              </c:extLst>
+            </c:dLbl>
+            <c:dLbl>
+              <c:idx val="4"/>
+              <c:delete val="1"/>
+              <c:extLst>
+                <c:ext xmlns:c15="http://schemas.microsoft.com/office/drawing/2012/chart" uri="{CE6537A1-D6FC-4f65-9D91-7224C49458BB}"/>
+                <c:ext xmlns:c16="http://schemas.microsoft.com/office/drawing/2014/chart" uri="{C3380CC4-5D6E-409C-BE32-E72D297353CC}">
+                  <c16:uniqueId val="{00000005-BC0D-4DFF-AD12-507EA1F0567E}"/>
+                </c:ext>
+              </c:extLst>
+            </c:dLbl>
+            <c:dLbl>
+              <c:idx val="5"/>
+              <c:delete val="1"/>
+              <c:extLst>
+                <c:ext xmlns:c15="http://schemas.microsoft.com/office/drawing/2012/chart" uri="{CE6537A1-D6FC-4f65-9D91-7224C49458BB}"/>
+                <c:ext xmlns:c16="http://schemas.microsoft.com/office/drawing/2014/chart" uri="{C3380CC4-5D6E-409C-BE32-E72D297353CC}">
+                  <c16:uniqueId val="{00000006-BC0D-4DFF-AD12-507EA1F0567E}"/>
+                </c:ext>
+              </c:extLst>
+            </c:dLbl>
+            <c:dLbl>
+              <c:idx val="6"/>
+              <c:delete val="1"/>
+              <c:extLst>
+                <c:ext xmlns:c15="http://schemas.microsoft.com/office/drawing/2012/chart" uri="{CE6537A1-D6FC-4f65-9D91-7224C49458BB}"/>
+                <c:ext xmlns:c16="http://schemas.microsoft.com/office/drawing/2014/chart" uri="{C3380CC4-5D6E-409C-BE32-E72D297353CC}">
+                  <c16:uniqueId val="{00000007-BC0D-4DFF-AD12-507EA1F0567E}"/>
+                </c:ext>
+              </c:extLst>
+            </c:dLbl>
+            <c:dLbl>
+              <c:idx val="7"/>
+              <c:layout>
+                <c:manualLayout>
+                  <c:x val="-0.82248995983935747"/>
+                  <c:y val="-2.3837902264600714E-2"/>
+                </c:manualLayout>
+              </c:layout>
+              <c:showLegendKey val="0"/>
+              <c:showVal val="1"/>
+              <c:showCatName val="0"/>
+              <c:showSerName val="0"/>
+              <c:showPercent val="0"/>
+              <c:showBubbleSize val="0"/>
+              <c:extLst>
+                <c:ext xmlns:c15="http://schemas.microsoft.com/office/drawing/2012/chart" uri="{CE6537A1-D6FC-4f65-9D91-7224C49458BB}"/>
+                <c:ext xmlns:c16="http://schemas.microsoft.com/office/drawing/2014/chart" uri="{C3380CC4-5D6E-409C-BE32-E72D297353CC}">
+                  <c16:uniqueId val="{00000008-BC0D-4DFF-AD12-507EA1F0567E}"/>
+                </c:ext>
+              </c:extLst>
+            </c:dLbl>
+            <c:spPr>
+              <a:noFill/>
+              <a:ln w="3175">
+                <a:solidFill>
+                  <a:schemeClr val="bg2"/>
+                </a:solidFill>
+              </a:ln>
+              <a:effectLst/>
+            </c:spPr>
+            <c:txPr>
+              <a:bodyPr rot="0" spcFirstLastPara="1" vertOverflow="ellipsis" vert="horz" wrap="square" lIns="38100" tIns="19050" rIns="38100" bIns="19050" anchor="ctr" anchorCtr="1">
+                <a:spAutoFit/>
+              </a:bodyPr>
+              <a:lstStyle/>
+              <a:p>
+                <a:pPr>
+                  <a:defRPr sz="900" b="0" i="0" u="none" strike="noStrike" kern="1200" baseline="0">
+                    <a:solidFill>
+                      <a:schemeClr val="tx1">
+                        <a:lumMod val="75000"/>
+                        <a:lumOff val="25000"/>
+                      </a:schemeClr>
+                    </a:solidFill>
+                    <a:latin typeface="+mn-lt"/>
+                    <a:ea typeface="+mn-ea"/>
+                    <a:cs typeface="+mn-cs"/>
+                  </a:defRPr>
+                </a:pPr>
+                <a:endParaRPr lang="it-IT"/>
+              </a:p>
+            </c:txPr>
+            <c:showLegendKey val="0"/>
+            <c:showVal val="1"/>
+            <c:showCatName val="0"/>
+            <c:showSerName val="0"/>
+            <c:showPercent val="0"/>
+            <c:showBubbleSize val="0"/>
+            <c:showLeaderLines val="0"/>
+            <c:extLst>
+              <c:ext xmlns:c15="http://schemas.microsoft.com/office/drawing/2012/chart" uri="{CE6537A1-D6FC-4f65-9D91-7224C49458BB}">
+                <c15:showLeaderLines val="1"/>
+                <c15:leaderLines>
+                  <c:spPr>
+                    <a:ln w="9525" cap="flat" cmpd="sng" algn="ctr">
+                      <a:solidFill>
+                        <a:schemeClr val="tx1">
+                          <a:lumMod val="35000"/>
+                          <a:lumOff val="65000"/>
+                        </a:schemeClr>
+                      </a:solidFill>
+                      <a:round/>
+                    </a:ln>
+                    <a:effectLst/>
+                  </c:spPr>
+                </c15:leaderLines>
+              </c:ext>
+            </c:extLst>
+          </c:dLbls>
+          <c:val>
+            <c:numRef>
+              <c:f>Foglio1!$B$1:$B$8</c:f>
+              <c:numCache>
+                <c:formatCode>General</c:formatCode>
+                <c:ptCount val="8"/>
+                <c:pt idx="0">
+                  <c:v>0.31805537499999997</c:v>
+                </c:pt>
+                <c:pt idx="1">
+                  <c:v>0.31805537499999997</c:v>
+                </c:pt>
+                <c:pt idx="2">
+                  <c:v>0.31805537499999997</c:v>
+                </c:pt>
+                <c:pt idx="3">
+                  <c:v>0.31805537499999997</c:v>
+                </c:pt>
+                <c:pt idx="4">
+                  <c:v>0.31805537499999997</c:v>
+                </c:pt>
+                <c:pt idx="5">
+                  <c:v>0.31805537499999997</c:v>
+                </c:pt>
+                <c:pt idx="6">
+                  <c:v>0.31805537499999997</c:v>
+                </c:pt>
+                <c:pt idx="7">
+                  <c:v>0.31805537499999997</c:v>
+                </c:pt>
+              </c:numCache>
+            </c:numRef>
+          </c:val>
+          <c:smooth val="0"/>
+          <c:extLst>
+            <c:ext xmlns:c16="http://schemas.microsoft.com/office/drawing/2014/chart" uri="{C3380CC4-5D6E-409C-BE32-E72D297353CC}">
+              <c16:uniqueId val="{00000009-BC0D-4DFF-AD12-507EA1F0567E}"/>
+            </c:ext>
+          </c:extLst>
+        </c:ser>
+        <c:dLbls>
+          <c:showLegendKey val="0"/>
+          <c:showVal val="0"/>
+          <c:showCatName val="0"/>
+          <c:showSerName val="0"/>
+          <c:showPercent val="0"/>
+          <c:showBubbleSize val="0"/>
+        </c:dLbls>
+        <c:marker val="1"/>
+        <c:smooth val="0"/>
+        <c:axId val="564886520"/>
+        <c:axId val="564888440"/>
+      </c:lineChart>
+      <c:catAx>
+        <c:axId val="564886520"/>
+        <c:scaling>
+          <c:orientation val="minMax"/>
+        </c:scaling>
+        <c:delete val="0"/>
+        <c:axPos val="b"/>
+        <c:title>
+          <c:tx>
+            <c:rich>
+              <a:bodyPr rot="0" spcFirstLastPara="1" vertOverflow="ellipsis" vert="horz" wrap="square" anchor="ctr" anchorCtr="1"/>
+              <a:lstStyle/>
+              <a:p>
+                <a:pPr>
+                  <a:defRPr sz="900" b="0" i="0" u="none" strike="noStrike" kern="1200" baseline="0">
+                    <a:solidFill>
+                      <a:schemeClr val="tx1">
+                        <a:lumMod val="65000"/>
+                        <a:lumOff val="35000"/>
+                      </a:schemeClr>
+                    </a:solidFill>
+                    <a:latin typeface="+mn-lt"/>
+                    <a:ea typeface="+mn-ea"/>
+                    <a:cs typeface="+mn-cs"/>
+                  </a:defRPr>
+                </a:pPr>
+                <a:r>
+                  <a:rPr lang="it-IT"/>
+                  <a:t>Experiments</a:t>
+                </a:r>
+              </a:p>
+            </c:rich>
+          </c:tx>
+          <c:overlay val="0"/>
+          <c:spPr>
+            <a:noFill/>
+            <a:ln>
+              <a:noFill/>
+            </a:ln>
+            <a:effectLst/>
+          </c:spPr>
+          <c:txPr>
+            <a:bodyPr rot="0" spcFirstLastPara="1" vertOverflow="ellipsis" vert="horz" wrap="square" anchor="ctr" anchorCtr="1"/>
+            <a:lstStyle/>
+            <a:p>
+              <a:pPr>
+                <a:defRPr sz="900" b="0" i="0" u="none" strike="noStrike" kern="1200" baseline="0">
+                  <a:solidFill>
+                    <a:schemeClr val="tx1">
+                      <a:lumMod val="65000"/>
+                      <a:lumOff val="35000"/>
+                    </a:schemeClr>
+                  </a:solidFill>
+                  <a:latin typeface="+mn-lt"/>
+                  <a:ea typeface="+mn-ea"/>
+                  <a:cs typeface="+mn-cs"/>
+                </a:defRPr>
+              </a:pPr>
+              <a:endParaRPr lang="it-IT"/>
+            </a:p>
+          </c:txPr>
+        </c:title>
+        <c:numFmt formatCode="General" sourceLinked="1"/>
+        <c:majorTickMark val="none"/>
+        <c:minorTickMark val="none"/>
+        <c:tickLblPos val="nextTo"/>
+        <c:spPr>
+          <a:noFill/>
+          <a:ln w="12700" cap="flat" cmpd="sng" algn="ctr">
+            <a:solidFill>
+              <a:schemeClr val="tx1">
+                <a:lumMod val="15000"/>
+                <a:lumOff val="85000"/>
+              </a:schemeClr>
+            </a:solidFill>
+            <a:round/>
+          </a:ln>
+          <a:effectLst/>
+        </c:spPr>
+        <c:txPr>
+          <a:bodyPr rot="-60000000" spcFirstLastPara="1" vertOverflow="ellipsis" vert="horz" wrap="square" anchor="ctr" anchorCtr="1"/>
+          <a:lstStyle/>
+          <a:p>
+            <a:pPr>
+              <a:defRPr sz="900" b="0" i="0" u="none" strike="noStrike" kern="1200" baseline="0">
+                <a:solidFill>
+                  <a:schemeClr val="tx1">
+                    <a:lumMod val="65000"/>
+                    <a:lumOff val="35000"/>
+                  </a:schemeClr>
+                </a:solidFill>
+                <a:latin typeface="+mn-lt"/>
+                <a:ea typeface="+mn-ea"/>
+                <a:cs typeface="+mn-cs"/>
+              </a:defRPr>
+            </a:pPr>
+            <a:endParaRPr lang="it-IT"/>
+          </a:p>
+        </c:txPr>
+        <c:crossAx val="564888440"/>
+        <c:crosses val="autoZero"/>
+        <c:auto val="1"/>
+        <c:lblAlgn val="ctr"/>
+        <c:lblOffset val="100"/>
+        <c:noMultiLvlLbl val="0"/>
+      </c:catAx>
+      <c:valAx>
+        <c:axId val="564888440"/>
+        <c:scaling>
+          <c:orientation val="minMax"/>
+          <c:max val="1.1000000000000001"/>
+          <c:min val="0"/>
+        </c:scaling>
+        <c:delete val="0"/>
+        <c:axPos val="l"/>
+        <c:majorGridlines>
+          <c:spPr>
+            <a:ln w="9525" cap="flat" cmpd="sng" algn="ctr">
+              <a:solidFill>
+                <a:schemeClr val="accent1"/>
+              </a:solidFill>
+              <a:round/>
+            </a:ln>
+            <a:effectLst/>
+          </c:spPr>
         </c:majorGridlines>
+        <c:minorGridlines>
+          <c:spPr>
+            <a:ln w="9525" cap="flat" cmpd="sng" algn="ctr">
+              <a:solidFill>
+                <a:schemeClr val="tx1">
+                  <a:lumMod val="5000"/>
+                  <a:lumOff val="95000"/>
+                </a:schemeClr>
+              </a:solidFill>
+              <a:round/>
+            </a:ln>
+            <a:effectLst/>
+          </c:spPr>
+        </c:minorGridlines>
         <c:title>
           <c:tx>
             <c:rich>
@@ -929,20 +1477,12 @@
                   </a:defRPr>
                 </a:pPr>
                 <a:r>
-                  <a:rPr lang="it-IT" sz="900"/>
-                  <a:t>time(s)</a:t>
+                  <a:rPr lang="it-IT"/>
+                  <a:t>time (s)</a:t>
                 </a:r>
               </a:p>
             </c:rich>
           </c:tx>
-          <c:layout>
-            <c:manualLayout>
-              <c:xMode val="edge"/>
-              <c:yMode val="edge"/>
-              <c:x val="9.2497721060085056E-3"/>
-              <c:y val="0.35239994959081916"/>
-            </c:manualLayout>
-          </c:layout>
           <c:overlay val="0"/>
           <c:spPr>
             <a:noFill/>
@@ -972,14 +1512,16 @@
             </a:p>
           </c:txPr>
         </c:title>
-        <c:numFmt formatCode="General" sourceLinked="1"/>
-        <c:majorTickMark val="none"/>
+        <c:numFmt formatCode="#,##0.00" sourceLinked="0"/>
+        <c:majorTickMark val="in"/>
         <c:minorTickMark val="none"/>
-        <c:tickLblPos val="nextTo"/>
+        <c:tickLblPos val="low"/>
         <c:spPr>
           <a:noFill/>
           <a:ln>
-            <a:noFill/>
+            <a:solidFill>
+              <a:schemeClr val="accent1"/>
+            </a:solidFill>
           </a:ln>
           <a:effectLst/>
         </c:spPr>
@@ -1003,10 +1545,11 @@
             <a:endParaRPr lang="it-IT"/>
           </a:p>
         </c:txPr>
-        <c:crossAx val="481557016"/>
+        <c:crossAx val="564886520"/>
         <c:crosses val="autoZero"/>
         <c:crossBetween val="between"/>
-        <c:majorUnit val="1.0000000000000002E-3"/>
+        <c:majorUnit val="0.1"/>
+        <c:minorUnit val="1.0000000000000002E-2"/>
       </c:valAx>
       <c:spPr>
         <a:noFill/>
@@ -1040,6 +1583,7 @@
   <c:externalData r:id="rId3">
     <c:autoUpdate val="0"/>
   </c:externalData>
+  <c:userShapes r:id="rId4"/>
 </c:chartSpace>
 </file>
 
@@ -1056,6 +1600,7 @@
       <c:style val="2"/>
     </mc:Fallback>
   </mc:AlternateContent>
+  <c:clrMapOvr bg1="lt1" tx1="dk1" bg2="lt2" tx2="dk2" accent1="accent1" accent2="accent2" accent3="accent3" accent4="accent4" accent5="accent5" accent6="accent6" hlink="hlink" folHlink="folHlink"/>
   <c:chart>
     <c:title>
       <c:tx>
@@ -1064,7 +1609,7 @@
           <a:lstStyle/>
           <a:p>
             <a:pPr>
-              <a:defRPr sz="1600" b="0" i="0" u="none" strike="noStrike" kern="1200" spc="0" baseline="0">
+              <a:defRPr sz="1600" b="1" i="0" u="none" strike="noStrike" kern="1200" baseline="0">
                 <a:solidFill>
                   <a:schemeClr val="tx1">
                     <a:lumMod val="65000"/>
@@ -1077,15 +1622,8 @@
               </a:defRPr>
             </a:pPr>
             <a:r>
-              <a:rPr lang="it-IT" sz="1600" b="1">
-                <a:solidFill>
-                  <a:schemeClr val="tx1">
-                    <a:lumMod val="65000"/>
-                    <a:lumOff val="35000"/>
-                  </a:schemeClr>
-                </a:solidFill>
-              </a:rPr>
-              <a:t>Path modification time - MININET SIMULATOR</a:t>
+              <a:rPr lang="it-IT"/>
+              <a:t>Path modification time - TESTBED</a:t>
             </a:r>
           </a:p>
         </c:rich>
@@ -1103,7 +1641,7 @@
         <a:lstStyle/>
         <a:p>
           <a:pPr>
-            <a:defRPr sz="1600" b="0" i="0" u="none" strike="noStrike" kern="1200" spc="0" baseline="0">
+            <a:defRPr sz="1600" b="1" i="0" u="none" strike="noStrike" kern="1200" baseline="0">
               <a:solidFill>
                 <a:schemeClr val="tx1">
                   <a:lumMod val="65000"/>
@@ -1121,7 +1659,17 @@
     </c:title>
     <c:autoTitleDeleted val="0"/>
     <c:plotArea>
-      <c:layout/>
+      <c:layout>
+        <c:manualLayout>
+          <c:layoutTarget val="inner"/>
+          <c:xMode val="edge"/>
+          <c:yMode val="edge"/>
+          <c:x val="8.1540903772570589E-2"/>
+          <c:y val="0.10999867567209641"/>
+          <c:w val="0.90078841349650574"/>
+          <c:h val="0.78092091885415393"/>
+        </c:manualLayout>
+      </c:layout>
       <c:barChart>
         <c:barDir val="col"/>
         <c:grouping val="clustered"/>
@@ -1130,15 +1678,801 @@
           <c:idx val="0"/>
           <c:order val="0"/>
           <c:spPr>
-            <a:solidFill>
-              <a:schemeClr val="accent1"/>
-            </a:solidFill>
+            <a:gradFill rotWithShape="1">
+              <a:gsLst>
+                <a:gs pos="0">
+                  <a:schemeClr val="accent1">
+                    <a:satMod val="103000"/>
+                    <a:lumMod val="102000"/>
+                    <a:tint val="94000"/>
+                  </a:schemeClr>
+                </a:gs>
+                <a:gs pos="50000">
+                  <a:schemeClr val="accent1">
+                    <a:satMod val="110000"/>
+                    <a:lumMod val="100000"/>
+                    <a:shade val="100000"/>
+                  </a:schemeClr>
+                </a:gs>
+                <a:gs pos="100000">
+                  <a:schemeClr val="accent1">
+                    <a:lumMod val="99000"/>
+                    <a:satMod val="120000"/>
+                    <a:shade val="78000"/>
+                  </a:schemeClr>
+                </a:gs>
+              </a:gsLst>
+              <a:lin ang="5400000" scaled="0"/>
+            </a:gradFill>
+            <a:ln>
+              <a:noFill/>
+            </a:ln>
+            <a:effectLst>
+              <a:outerShdw blurRad="57150" dist="19050" dir="5400000" algn="ctr" rotWithShape="0">
+                <a:srgbClr val="000000">
+                  <a:alpha val="63000"/>
+                </a:srgbClr>
+              </a:outerShdw>
+            </a:effectLst>
+          </c:spPr>
+          <c:invertIfNegative val="0"/>
+          <c:dLbls>
+            <c:delete val="1"/>
+          </c:dLbls>
+          <c:val>
+            <c:numRef>
+              <c:f>Foglio2!$A$1:$A$10</c:f>
+              <c:numCache>
+                <c:formatCode>General</c:formatCode>
+                <c:ptCount val="10"/>
+                <c:pt idx="0">
+                  <c:v>0.32311400000000001</c:v>
+                </c:pt>
+                <c:pt idx="1">
+                  <c:v>5.3769999999999998E-3</c:v>
+                </c:pt>
+                <c:pt idx="2">
+                  <c:v>0.16966500000000001</c:v>
+                </c:pt>
+                <c:pt idx="3">
+                  <c:v>3.1700000000000001E-3</c:v>
+                </c:pt>
+                <c:pt idx="4">
+                  <c:v>4.6899999999999997E-3</c:v>
+                </c:pt>
+                <c:pt idx="5">
+                  <c:v>8.0492999999999995E-2</c:v>
+                </c:pt>
+                <c:pt idx="6">
+                  <c:v>2.7060000000000001E-3</c:v>
+                </c:pt>
+                <c:pt idx="7">
+                  <c:v>0.23216600000000001</c:v>
+                </c:pt>
+                <c:pt idx="8">
+                  <c:v>4.8269999999999997E-3</c:v>
+                </c:pt>
+                <c:pt idx="9">
+                  <c:v>3.8310000000000002E-3</c:v>
+                </c:pt>
+              </c:numCache>
+            </c:numRef>
+          </c:val>
+          <c:extLst>
+            <c:ext xmlns:c16="http://schemas.microsoft.com/office/drawing/2014/chart" uri="{C3380CC4-5D6E-409C-BE32-E72D297353CC}">
+              <c16:uniqueId val="{00000000-2780-4128-AC1C-1C46AE7F1D5D}"/>
+            </c:ext>
+          </c:extLst>
+        </c:ser>
+        <c:dLbls>
+          <c:dLblPos val="outEnd"/>
+          <c:showLegendKey val="0"/>
+          <c:showVal val="1"/>
+          <c:showCatName val="0"/>
+          <c:showSerName val="0"/>
+          <c:showPercent val="0"/>
+          <c:showBubbleSize val="0"/>
+        </c:dLbls>
+        <c:gapWidth val="100"/>
+        <c:axId val="564886520"/>
+        <c:axId val="564888440"/>
+      </c:barChart>
+      <c:lineChart>
+        <c:grouping val="standard"/>
+        <c:varyColors val="0"/>
+        <c:ser>
+          <c:idx val="1"/>
+          <c:order val="1"/>
+          <c:spPr>
+            <a:ln w="34925" cap="rnd">
+              <a:solidFill>
+                <a:schemeClr val="accent2"/>
+              </a:solidFill>
+              <a:round/>
+            </a:ln>
+            <a:effectLst>
+              <a:outerShdw blurRad="57150" dist="19050" dir="5400000" algn="ctr" rotWithShape="0">
+                <a:srgbClr val="000000">
+                  <a:alpha val="63000"/>
+                </a:srgbClr>
+              </a:outerShdw>
+            </a:effectLst>
+          </c:spPr>
+          <c:marker>
+            <c:symbol val="none"/>
+          </c:marker>
+          <c:dLbls>
+            <c:dLbl>
+              <c:idx val="0"/>
+              <c:delete val="1"/>
+              <c:extLst>
+                <c:ext xmlns:c15="http://schemas.microsoft.com/office/drawing/2012/chart" uri="{CE6537A1-D6FC-4f65-9D91-7224C49458BB}"/>
+                <c:ext xmlns:c16="http://schemas.microsoft.com/office/drawing/2014/chart" uri="{C3380CC4-5D6E-409C-BE32-E72D297353CC}">
+                  <c16:uniqueId val="{00000001-2780-4128-AC1C-1C46AE7F1D5D}"/>
+                </c:ext>
+              </c:extLst>
+            </c:dLbl>
+            <c:dLbl>
+              <c:idx val="1"/>
+              <c:delete val="1"/>
+              <c:extLst>
+                <c:ext xmlns:c15="http://schemas.microsoft.com/office/drawing/2012/chart" uri="{CE6537A1-D6FC-4f65-9D91-7224C49458BB}"/>
+                <c:ext xmlns:c16="http://schemas.microsoft.com/office/drawing/2014/chart" uri="{C3380CC4-5D6E-409C-BE32-E72D297353CC}">
+                  <c16:uniqueId val="{00000002-2780-4128-AC1C-1C46AE7F1D5D}"/>
+                </c:ext>
+              </c:extLst>
+            </c:dLbl>
+            <c:dLbl>
+              <c:idx val="2"/>
+              <c:delete val="1"/>
+              <c:extLst>
+                <c:ext xmlns:c15="http://schemas.microsoft.com/office/drawing/2012/chart" uri="{CE6537A1-D6FC-4f65-9D91-7224C49458BB}"/>
+                <c:ext xmlns:c16="http://schemas.microsoft.com/office/drawing/2014/chart" uri="{C3380CC4-5D6E-409C-BE32-E72D297353CC}">
+                  <c16:uniqueId val="{00000003-2780-4128-AC1C-1C46AE7F1D5D}"/>
+                </c:ext>
+              </c:extLst>
+            </c:dLbl>
+            <c:dLbl>
+              <c:idx val="3"/>
+              <c:delete val="1"/>
+              <c:extLst>
+                <c:ext xmlns:c15="http://schemas.microsoft.com/office/drawing/2012/chart" uri="{CE6537A1-D6FC-4f65-9D91-7224C49458BB}"/>
+                <c:ext xmlns:c16="http://schemas.microsoft.com/office/drawing/2014/chart" uri="{C3380CC4-5D6E-409C-BE32-E72D297353CC}">
+                  <c16:uniqueId val="{00000004-2780-4128-AC1C-1C46AE7F1D5D}"/>
+                </c:ext>
+              </c:extLst>
+            </c:dLbl>
+            <c:dLbl>
+              <c:idx val="4"/>
+              <c:delete val="1"/>
+              <c:extLst>
+                <c:ext xmlns:c15="http://schemas.microsoft.com/office/drawing/2012/chart" uri="{CE6537A1-D6FC-4f65-9D91-7224C49458BB}"/>
+                <c:ext xmlns:c16="http://schemas.microsoft.com/office/drawing/2014/chart" uri="{C3380CC4-5D6E-409C-BE32-E72D297353CC}">
+                  <c16:uniqueId val="{00000005-2780-4128-AC1C-1C46AE7F1D5D}"/>
+                </c:ext>
+              </c:extLst>
+            </c:dLbl>
+            <c:dLbl>
+              <c:idx val="5"/>
+              <c:delete val="1"/>
+              <c:extLst>
+                <c:ext xmlns:c15="http://schemas.microsoft.com/office/drawing/2012/chart" uri="{CE6537A1-D6FC-4f65-9D91-7224C49458BB}"/>
+                <c:ext xmlns:c16="http://schemas.microsoft.com/office/drawing/2014/chart" uri="{C3380CC4-5D6E-409C-BE32-E72D297353CC}">
+                  <c16:uniqueId val="{00000006-2780-4128-AC1C-1C46AE7F1D5D}"/>
+                </c:ext>
+              </c:extLst>
+            </c:dLbl>
+            <c:dLbl>
+              <c:idx val="6"/>
+              <c:delete val="1"/>
+              <c:extLst>
+                <c:ext xmlns:c15="http://schemas.microsoft.com/office/drawing/2012/chart" uri="{CE6537A1-D6FC-4f65-9D91-7224C49458BB}"/>
+                <c:ext xmlns:c16="http://schemas.microsoft.com/office/drawing/2014/chart" uri="{C3380CC4-5D6E-409C-BE32-E72D297353CC}">
+                  <c16:uniqueId val="{00000007-2780-4128-AC1C-1C46AE7F1D5D}"/>
+                </c:ext>
+              </c:extLst>
+            </c:dLbl>
+            <c:dLbl>
+              <c:idx val="7"/>
+              <c:layout>
+                <c:manualLayout>
+                  <c:x val="-0.24406594950584956"/>
+                  <c:y val="-0.10270368895842258"/>
+                </c:manualLayout>
+              </c:layout>
+              <c:showLegendKey val="0"/>
+              <c:showVal val="1"/>
+              <c:showCatName val="0"/>
+              <c:showSerName val="0"/>
+              <c:showPercent val="0"/>
+              <c:showBubbleSize val="0"/>
+              <c:extLst>
+                <c:ext xmlns:c15="http://schemas.microsoft.com/office/drawing/2012/chart" uri="{CE6537A1-D6FC-4f65-9D91-7224C49458BB}"/>
+                <c:ext xmlns:c16="http://schemas.microsoft.com/office/drawing/2014/chart" uri="{C3380CC4-5D6E-409C-BE32-E72D297353CC}">
+                  <c16:uniqueId val="{00000008-2780-4128-AC1C-1C46AE7F1D5D}"/>
+                </c:ext>
+              </c:extLst>
+            </c:dLbl>
+            <c:dLbl>
+              <c:idx val="8"/>
+              <c:delete val="1"/>
+              <c:extLst>
+                <c:ext xmlns:c15="http://schemas.microsoft.com/office/drawing/2012/chart" uri="{CE6537A1-D6FC-4f65-9D91-7224C49458BB}"/>
+                <c:ext xmlns:c16="http://schemas.microsoft.com/office/drawing/2014/chart" uri="{C3380CC4-5D6E-409C-BE32-E72D297353CC}">
+                  <c16:uniqueId val="{00000009-2780-4128-AC1C-1C46AE7F1D5D}"/>
+                </c:ext>
+              </c:extLst>
+            </c:dLbl>
+            <c:dLbl>
+              <c:idx val="9"/>
+              <c:delete val="1"/>
+              <c:extLst>
+                <c:ext xmlns:c15="http://schemas.microsoft.com/office/drawing/2012/chart" uri="{CE6537A1-D6FC-4f65-9D91-7224C49458BB}"/>
+                <c:ext xmlns:c16="http://schemas.microsoft.com/office/drawing/2014/chart" uri="{C3380CC4-5D6E-409C-BE32-E72D297353CC}">
+                  <c16:uniqueId val="{0000000A-2780-4128-AC1C-1C46AE7F1D5D}"/>
+                </c:ext>
+              </c:extLst>
+            </c:dLbl>
+            <c:spPr>
+              <a:noFill/>
+              <a:ln w="3175">
+                <a:solidFill>
+                  <a:schemeClr val="bg2"/>
+                </a:solidFill>
+              </a:ln>
+              <a:effectLst/>
+            </c:spPr>
+            <c:txPr>
+              <a:bodyPr rot="0" spcFirstLastPara="1" vertOverflow="ellipsis" vert="horz" wrap="square" lIns="38100" tIns="19050" rIns="38100" bIns="19050" anchor="ctr" anchorCtr="1">
+                <a:spAutoFit/>
+              </a:bodyPr>
+              <a:lstStyle/>
+              <a:p>
+                <a:pPr>
+                  <a:defRPr sz="900" b="0" i="0" u="none" strike="noStrike" kern="1200" baseline="0">
+                    <a:solidFill>
+                      <a:schemeClr val="tx1">
+                        <a:lumMod val="75000"/>
+                        <a:lumOff val="25000"/>
+                      </a:schemeClr>
+                    </a:solidFill>
+                    <a:latin typeface="+mn-lt"/>
+                    <a:ea typeface="+mn-ea"/>
+                    <a:cs typeface="+mn-cs"/>
+                  </a:defRPr>
+                </a:pPr>
+                <a:endParaRPr lang="it-IT"/>
+              </a:p>
+            </c:txPr>
+            <c:showLegendKey val="0"/>
+            <c:showVal val="1"/>
+            <c:showCatName val="0"/>
+            <c:showSerName val="0"/>
+            <c:showPercent val="0"/>
+            <c:showBubbleSize val="0"/>
+            <c:showLeaderLines val="0"/>
+            <c:extLst>
+              <c:ext xmlns:c15="http://schemas.microsoft.com/office/drawing/2012/chart" uri="{CE6537A1-D6FC-4f65-9D91-7224C49458BB}">
+                <c15:showLeaderLines val="1"/>
+                <c15:leaderLines>
+                  <c:spPr>
+                    <a:ln w="9525" cap="flat" cmpd="sng" algn="ctr">
+                      <a:solidFill>
+                        <a:schemeClr val="tx1">
+                          <a:lumMod val="35000"/>
+                          <a:lumOff val="65000"/>
+                        </a:schemeClr>
+                      </a:solidFill>
+                      <a:round/>
+                    </a:ln>
+                    <a:effectLst/>
+                  </c:spPr>
+                </c15:leaderLines>
+              </c:ext>
+            </c:extLst>
+          </c:dLbls>
+          <c:val>
+            <c:numRef>
+              <c:f>Foglio2!$B$1:$B$10</c:f>
+              <c:numCache>
+                <c:formatCode>General</c:formatCode>
+                <c:ptCount val="10"/>
+                <c:pt idx="0">
+                  <c:v>8.3003900000000005E-2</c:v>
+                </c:pt>
+                <c:pt idx="1">
+                  <c:v>8.3003900000000005E-2</c:v>
+                </c:pt>
+                <c:pt idx="2">
+                  <c:v>8.3003900000000005E-2</c:v>
+                </c:pt>
+                <c:pt idx="3">
+                  <c:v>8.3003900000000005E-2</c:v>
+                </c:pt>
+                <c:pt idx="4">
+                  <c:v>8.3003900000000005E-2</c:v>
+                </c:pt>
+                <c:pt idx="5">
+                  <c:v>8.3003900000000005E-2</c:v>
+                </c:pt>
+                <c:pt idx="6">
+                  <c:v>8.3003900000000005E-2</c:v>
+                </c:pt>
+                <c:pt idx="7">
+                  <c:v>8.3003900000000005E-2</c:v>
+                </c:pt>
+                <c:pt idx="8">
+                  <c:v>8.3003900000000005E-2</c:v>
+                </c:pt>
+                <c:pt idx="9">
+                  <c:v>8.3003900000000005E-2</c:v>
+                </c:pt>
+              </c:numCache>
+            </c:numRef>
+          </c:val>
+          <c:smooth val="0"/>
+          <c:extLst>
+            <c:ext xmlns:c16="http://schemas.microsoft.com/office/drawing/2014/chart" uri="{C3380CC4-5D6E-409C-BE32-E72D297353CC}">
+              <c16:uniqueId val="{0000000B-2780-4128-AC1C-1C46AE7F1D5D}"/>
+            </c:ext>
+          </c:extLst>
+        </c:ser>
+        <c:dLbls>
+          <c:showLegendKey val="0"/>
+          <c:showVal val="0"/>
+          <c:showCatName val="0"/>
+          <c:showSerName val="0"/>
+          <c:showPercent val="0"/>
+          <c:showBubbleSize val="0"/>
+        </c:dLbls>
+        <c:marker val="1"/>
+        <c:smooth val="0"/>
+        <c:axId val="564886520"/>
+        <c:axId val="564888440"/>
+      </c:lineChart>
+      <c:catAx>
+        <c:axId val="564886520"/>
+        <c:scaling>
+          <c:orientation val="minMax"/>
+        </c:scaling>
+        <c:delete val="0"/>
+        <c:axPos val="b"/>
+        <c:title>
+          <c:tx>
+            <c:rich>
+              <a:bodyPr rot="0" spcFirstLastPara="1" vertOverflow="ellipsis" vert="horz" wrap="square" anchor="ctr" anchorCtr="1"/>
+              <a:lstStyle/>
+              <a:p>
+                <a:pPr>
+                  <a:defRPr sz="900" b="0" i="0" u="none" strike="noStrike" kern="1200" baseline="0">
+                    <a:solidFill>
+                      <a:schemeClr val="tx1">
+                        <a:lumMod val="65000"/>
+                        <a:lumOff val="35000"/>
+                      </a:schemeClr>
+                    </a:solidFill>
+                    <a:latin typeface="+mn-lt"/>
+                    <a:ea typeface="+mn-ea"/>
+                    <a:cs typeface="+mn-cs"/>
+                  </a:defRPr>
+                </a:pPr>
+                <a:r>
+                  <a:rPr lang="it-IT"/>
+                  <a:t>Experiments</a:t>
+                </a:r>
+              </a:p>
+            </c:rich>
+          </c:tx>
+          <c:overlay val="0"/>
+          <c:spPr>
+            <a:noFill/>
             <a:ln>
               <a:noFill/>
             </a:ln>
             <a:effectLst/>
           </c:spPr>
+          <c:txPr>
+            <a:bodyPr rot="0" spcFirstLastPara="1" vertOverflow="ellipsis" vert="horz" wrap="square" anchor="ctr" anchorCtr="1"/>
+            <a:lstStyle/>
+            <a:p>
+              <a:pPr>
+                <a:defRPr sz="900" b="0" i="0" u="none" strike="noStrike" kern="1200" baseline="0">
+                  <a:solidFill>
+                    <a:schemeClr val="tx1">
+                      <a:lumMod val="65000"/>
+                      <a:lumOff val="35000"/>
+                    </a:schemeClr>
+                  </a:solidFill>
+                  <a:latin typeface="+mn-lt"/>
+                  <a:ea typeface="+mn-ea"/>
+                  <a:cs typeface="+mn-cs"/>
+                </a:defRPr>
+              </a:pPr>
+              <a:endParaRPr lang="it-IT"/>
+            </a:p>
+          </c:txPr>
+        </c:title>
+        <c:numFmt formatCode="General" sourceLinked="1"/>
+        <c:majorTickMark val="none"/>
+        <c:minorTickMark val="none"/>
+        <c:tickLblPos val="nextTo"/>
+        <c:spPr>
+          <a:noFill/>
+          <a:ln w="12700" cap="flat" cmpd="sng" algn="ctr">
+            <a:solidFill>
+              <a:schemeClr val="tx1">
+                <a:lumMod val="15000"/>
+                <a:lumOff val="85000"/>
+              </a:schemeClr>
+            </a:solidFill>
+            <a:round/>
+          </a:ln>
+          <a:effectLst/>
+        </c:spPr>
+        <c:txPr>
+          <a:bodyPr rot="-60000000" spcFirstLastPara="1" vertOverflow="ellipsis" vert="horz" wrap="square" anchor="ctr" anchorCtr="1"/>
+          <a:lstStyle/>
+          <a:p>
+            <a:pPr>
+              <a:defRPr sz="900" b="0" i="0" u="none" strike="noStrike" kern="1200" baseline="0">
+                <a:solidFill>
+                  <a:schemeClr val="tx1">
+                    <a:lumMod val="65000"/>
+                    <a:lumOff val="35000"/>
+                  </a:schemeClr>
+                </a:solidFill>
+                <a:latin typeface="+mn-lt"/>
+                <a:ea typeface="+mn-ea"/>
+                <a:cs typeface="+mn-cs"/>
+              </a:defRPr>
+            </a:pPr>
+            <a:endParaRPr lang="it-IT"/>
+          </a:p>
+        </c:txPr>
+        <c:crossAx val="564888440"/>
+        <c:crosses val="autoZero"/>
+        <c:auto val="1"/>
+        <c:lblAlgn val="ctr"/>
+        <c:lblOffset val="100"/>
+        <c:noMultiLvlLbl val="0"/>
+      </c:catAx>
+      <c:valAx>
+        <c:axId val="564888440"/>
+        <c:scaling>
+          <c:orientation val="minMax"/>
+          <c:max val="0.33000000000000007"/>
+          <c:min val="0"/>
+        </c:scaling>
+        <c:delete val="0"/>
+        <c:axPos val="l"/>
+        <c:majorGridlines>
+          <c:spPr>
+            <a:ln w="9525" cap="flat" cmpd="sng" algn="ctr">
+              <a:solidFill>
+                <a:schemeClr val="accent1"/>
+              </a:solidFill>
+              <a:round/>
+            </a:ln>
+            <a:effectLst/>
+          </c:spPr>
+        </c:majorGridlines>
+        <c:minorGridlines>
+          <c:spPr>
+            <a:ln w="9525" cap="flat" cmpd="sng" algn="ctr">
+              <a:solidFill>
+                <a:schemeClr val="tx1">
+                  <a:lumMod val="5000"/>
+                  <a:lumOff val="95000"/>
+                </a:schemeClr>
+              </a:solidFill>
+              <a:round/>
+            </a:ln>
+            <a:effectLst/>
+          </c:spPr>
+        </c:minorGridlines>
+        <c:title>
+          <c:tx>
+            <c:rich>
+              <a:bodyPr rot="-5400000" spcFirstLastPara="1" vertOverflow="ellipsis" vert="horz" wrap="square" anchor="ctr" anchorCtr="1"/>
+              <a:lstStyle/>
+              <a:p>
+                <a:pPr>
+                  <a:defRPr sz="900" b="0" i="0" u="none" strike="noStrike" kern="1200" baseline="0">
+                    <a:solidFill>
+                      <a:schemeClr val="tx1">
+                        <a:lumMod val="65000"/>
+                        <a:lumOff val="35000"/>
+                      </a:schemeClr>
+                    </a:solidFill>
+                    <a:latin typeface="+mn-lt"/>
+                    <a:ea typeface="+mn-ea"/>
+                    <a:cs typeface="+mn-cs"/>
+                  </a:defRPr>
+                </a:pPr>
+                <a:r>
+                  <a:rPr lang="it-IT"/>
+                  <a:t>Time (s)</a:t>
+                </a:r>
+              </a:p>
+            </c:rich>
+          </c:tx>
+          <c:overlay val="0"/>
+          <c:spPr>
+            <a:noFill/>
+            <a:ln>
+              <a:noFill/>
+            </a:ln>
+            <a:effectLst/>
+          </c:spPr>
+          <c:txPr>
+            <a:bodyPr rot="-5400000" spcFirstLastPara="1" vertOverflow="ellipsis" vert="horz" wrap="square" anchor="ctr" anchorCtr="1"/>
+            <a:lstStyle/>
+            <a:p>
+              <a:pPr>
+                <a:defRPr sz="900" b="0" i="0" u="none" strike="noStrike" kern="1200" baseline="0">
+                  <a:solidFill>
+                    <a:schemeClr val="tx1">
+                      <a:lumMod val="65000"/>
+                      <a:lumOff val="35000"/>
+                    </a:schemeClr>
+                  </a:solidFill>
+                  <a:latin typeface="+mn-lt"/>
+                  <a:ea typeface="+mn-ea"/>
+                  <a:cs typeface="+mn-cs"/>
+                </a:defRPr>
+              </a:pPr>
+              <a:endParaRPr lang="it-IT"/>
+            </a:p>
+          </c:txPr>
+        </c:title>
+        <c:numFmt formatCode="#,##0.00" sourceLinked="0"/>
+        <c:majorTickMark val="in"/>
+        <c:minorTickMark val="none"/>
+        <c:tickLblPos val="low"/>
+        <c:spPr>
+          <a:noFill/>
+          <a:ln>
+            <a:solidFill>
+              <a:schemeClr val="accent1"/>
+            </a:solidFill>
+          </a:ln>
+          <a:effectLst/>
+        </c:spPr>
+        <c:txPr>
+          <a:bodyPr rot="-60000000" spcFirstLastPara="1" vertOverflow="ellipsis" vert="horz" wrap="square" anchor="ctr" anchorCtr="1"/>
+          <a:lstStyle/>
+          <a:p>
+            <a:pPr>
+              <a:defRPr sz="900" b="0" i="0" u="none" strike="noStrike" kern="1200" baseline="0">
+                <a:solidFill>
+                  <a:schemeClr val="tx1">
+                    <a:lumMod val="65000"/>
+                    <a:lumOff val="35000"/>
+                  </a:schemeClr>
+                </a:solidFill>
+                <a:latin typeface="+mn-lt"/>
+                <a:ea typeface="+mn-ea"/>
+                <a:cs typeface="+mn-cs"/>
+              </a:defRPr>
+            </a:pPr>
+            <a:endParaRPr lang="it-IT"/>
+          </a:p>
+        </c:txPr>
+        <c:crossAx val="564886520"/>
+        <c:crosses val="autoZero"/>
+        <c:crossBetween val="between"/>
+        <c:majorUnit val="0.1"/>
+        <c:minorUnit val="1.0000000000000002E-2"/>
+      </c:valAx>
+      <c:spPr>
+        <a:noFill/>
+        <a:ln>
+          <a:noFill/>
+        </a:ln>
+        <a:effectLst/>
+      </c:spPr>
+    </c:plotArea>
+    <c:plotVisOnly val="1"/>
+    <c:dispBlanksAs val="gap"/>
+    <c:showDLblsOverMax val="0"/>
+  </c:chart>
+  <c:spPr>
+    <a:noFill/>
+    <a:ln>
+      <a:noFill/>
+    </a:ln>
+    <a:effectLst/>
+  </c:spPr>
+  <c:txPr>
+    <a:bodyPr/>
+    <a:lstStyle/>
+    <a:p>
+      <a:pPr>
+        <a:defRPr/>
+      </a:pPr>
+      <a:endParaRPr lang="it-IT"/>
+    </a:p>
+  </c:txPr>
+  <c:externalData r:id="rId4">
+    <c:autoUpdate val="0"/>
+  </c:externalData>
+  <c:userShapes r:id="rId5"/>
+</c:chartSpace>
+</file>
+
+<file path=ppt/charts/chart4.xml><?xml version="1.0" encoding="utf-8"?>
+<c:chartSpace xmlns:c="http://schemas.openxmlformats.org/drawingml/2006/chart" xmlns:a="http://schemas.openxmlformats.org/drawingml/2006/main" xmlns:r="http://schemas.openxmlformats.org/officeDocument/2006/relationships" xmlns:c16r2="http://schemas.microsoft.com/office/drawing/2015/06/chart">
+  <c:date1904 val="0"/>
+  <c:lang val="it-IT"/>
+  <c:roundedCorners val="0"/>
+  <mc:AlternateContent xmlns:mc="http://schemas.openxmlformats.org/markup-compatibility/2006">
+    <mc:Choice xmlns:c14="http://schemas.microsoft.com/office/drawing/2007/8/2/chart" Requires="c14">
+      <c14:style val="102"/>
+    </mc:Choice>
+    <mc:Fallback>
+      <c:style val="2"/>
+    </mc:Fallback>
+  </mc:AlternateContent>
+  <c:clrMapOvr bg1="lt1" tx1="dk1" bg2="lt2" tx2="dk2" accent1="accent1" accent2="accent2" accent3="accent3" accent4="accent4" accent5="accent5" accent6="accent6" hlink="hlink" folHlink="folHlink"/>
+  <c:chart>
+    <c:title>
+      <c:tx>
+        <c:rich>
+          <a:bodyPr rot="0" spcFirstLastPara="1" vertOverflow="ellipsis" vert="horz" wrap="square" anchor="ctr" anchorCtr="1"/>
+          <a:lstStyle/>
+          <a:p>
+            <a:pPr marL="0" marR="0" lvl="0" indent="0" algn="ctr" defTabSz="914400" rtl="0" eaLnBrk="1" fontAlgn="auto" latinLnBrk="0" hangingPunct="1">
+              <a:lnSpc>
+                <a:spcPct val="100000"/>
+              </a:lnSpc>
+              <a:spcBef>
+                <a:spcPts val="0"/>
+              </a:spcBef>
+              <a:spcAft>
+                <a:spcPts val="0"/>
+              </a:spcAft>
+              <a:buClrTx/>
+              <a:buSzTx/>
+              <a:buFontTx/>
+              <a:buNone/>
+              <a:tabLst/>
+              <a:defRPr sz="1600" b="1" i="0" u="none" strike="noStrike" kern="1200" baseline="0">
+                <a:solidFill>
+                  <a:sysClr val="windowText" lastClr="000000">
+                    <a:lumMod val="65000"/>
+                    <a:lumOff val="35000"/>
+                  </a:sysClr>
+                </a:solidFill>
+                <a:latin typeface="+mn-lt"/>
+                <a:ea typeface="+mn-ea"/>
+                <a:cs typeface="+mn-cs"/>
+              </a:defRPr>
+            </a:pPr>
+            <a:r>
+              <a:rPr lang="it-IT" sz="1800" b="1" i="0" baseline="0">
+                <a:effectLst/>
+              </a:rPr>
+              <a:t>Path modification time - MININET SIMULATION</a:t>
+            </a:r>
+            <a:endParaRPr lang="it-IT">
+              <a:effectLst/>
+            </a:endParaRPr>
+          </a:p>
+        </c:rich>
+      </c:tx>
+      <c:layout>
+        <c:manualLayout>
+          <c:xMode val="edge"/>
+          <c:yMode val="edge"/>
+          <c:x val="0.12940026075619296"/>
+          <c:y val="2.5445292620865138E-2"/>
+        </c:manualLayout>
+      </c:layout>
+      <c:overlay val="0"/>
+      <c:spPr>
+        <a:noFill/>
+        <a:ln>
+          <a:noFill/>
+        </a:ln>
+        <a:effectLst/>
+      </c:spPr>
+      <c:txPr>
+        <a:bodyPr rot="0" spcFirstLastPara="1" vertOverflow="ellipsis" vert="horz" wrap="square" anchor="ctr" anchorCtr="1"/>
+        <a:lstStyle/>
+        <a:p>
+          <a:pPr marL="0" marR="0" lvl="0" indent="0" algn="ctr" defTabSz="914400" rtl="0" eaLnBrk="1" fontAlgn="auto" latinLnBrk="0" hangingPunct="1">
+            <a:lnSpc>
+              <a:spcPct val="100000"/>
+            </a:lnSpc>
+            <a:spcBef>
+              <a:spcPts val="0"/>
+            </a:spcBef>
+            <a:spcAft>
+              <a:spcPts val="0"/>
+            </a:spcAft>
+            <a:buClrTx/>
+            <a:buSzTx/>
+            <a:buFontTx/>
+            <a:buNone/>
+            <a:tabLst/>
+            <a:defRPr sz="1600" b="1" i="0" u="none" strike="noStrike" kern="1200" baseline="0">
+              <a:solidFill>
+                <a:sysClr val="windowText" lastClr="000000">
+                  <a:lumMod val="65000"/>
+                  <a:lumOff val="35000"/>
+                </a:sysClr>
+              </a:solidFill>
+              <a:latin typeface="+mn-lt"/>
+              <a:ea typeface="+mn-ea"/>
+              <a:cs typeface="+mn-cs"/>
+            </a:defRPr>
+          </a:pPr>
+          <a:endParaRPr lang="it-IT"/>
+        </a:p>
+      </c:txPr>
+    </c:title>
+    <c:autoTitleDeleted val="0"/>
+    <c:plotArea>
+      <c:layout>
+        <c:manualLayout>
+          <c:layoutTarget val="inner"/>
+          <c:xMode val="edge"/>
+          <c:yMode val="edge"/>
+          <c:x val="0.11848135182580664"/>
+          <c:y val="0.13180890556619354"/>
+          <c:w val="0.86384796750471382"/>
+          <c:h val="0.75911064552045493"/>
+        </c:manualLayout>
+      </c:layout>
+      <c:barChart>
+        <c:barDir val="col"/>
+        <c:grouping val="clustered"/>
+        <c:varyColors val="0"/>
+        <c:ser>
+          <c:idx val="0"/>
+          <c:order val="0"/>
+          <c:spPr>
+            <a:gradFill rotWithShape="1">
+              <a:gsLst>
+                <a:gs pos="0">
+                  <a:schemeClr val="accent1">
+                    <a:satMod val="103000"/>
+                    <a:lumMod val="102000"/>
+                    <a:tint val="94000"/>
+                  </a:schemeClr>
+                </a:gs>
+                <a:gs pos="50000">
+                  <a:schemeClr val="accent1">
+                    <a:satMod val="110000"/>
+                    <a:lumMod val="100000"/>
+                    <a:shade val="100000"/>
+                  </a:schemeClr>
+                </a:gs>
+                <a:gs pos="100000">
+                  <a:schemeClr val="accent1">
+                    <a:lumMod val="99000"/>
+                    <a:satMod val="120000"/>
+                    <a:shade val="78000"/>
+                  </a:schemeClr>
+                </a:gs>
+              </a:gsLst>
+              <a:lin ang="5400000" scaled="0"/>
+            </a:gradFill>
+            <a:ln>
+              <a:noFill/>
+            </a:ln>
+            <a:effectLst>
+              <a:outerShdw blurRad="57150" dist="19050" dir="5400000" algn="ctr" rotWithShape="0">
+                <a:srgbClr val="000000">
+                  <a:alpha val="63000"/>
+                </a:srgbClr>
+              </a:outerShdw>
+            </a:effectLst>
+          </c:spPr>
           <c:invertIfNegative val="0"/>
+          <c:dLbls>
+            <c:delete val="1"/>
+          </c:dLbls>
           <c:val>
             <c:numRef>
               <c:f>Foglio4!$A$1:$A$10</c:f>
@@ -1180,25 +2514,278 @@
           </c:val>
           <c:extLst>
             <c:ext xmlns:c16="http://schemas.microsoft.com/office/drawing/2014/chart" uri="{C3380CC4-5D6E-409C-BE32-E72D297353CC}">
-              <c16:uniqueId val="{00000000-3102-4BED-98C6-8D74895447D2}"/>
+              <c16:uniqueId val="{00000000-7FA5-4035-A8EB-7AE1933BAE24}"/>
+            </c:ext>
+          </c:extLst>
+        </c:ser>
+        <c:dLbls>
+          <c:dLblPos val="outEnd"/>
+          <c:showLegendKey val="0"/>
+          <c:showVal val="1"/>
+          <c:showCatName val="0"/>
+          <c:showSerName val="0"/>
+          <c:showPercent val="0"/>
+          <c:showBubbleSize val="0"/>
+        </c:dLbls>
+        <c:gapWidth val="100"/>
+        <c:axId val="564886520"/>
+        <c:axId val="564888440"/>
+      </c:barChart>
+      <c:lineChart>
+        <c:grouping val="standard"/>
+        <c:varyColors val="0"/>
+        <c:ser>
+          <c:idx val="1"/>
+          <c:order val="1"/>
+          <c:spPr>
+            <a:ln w="34925" cap="rnd">
+              <a:solidFill>
+                <a:schemeClr val="accent2"/>
+              </a:solidFill>
+              <a:round/>
+            </a:ln>
+            <a:effectLst>
+              <a:outerShdw blurRad="57150" dist="19050" dir="5400000" algn="ctr" rotWithShape="0">
+                <a:srgbClr val="000000">
+                  <a:alpha val="63000"/>
+                </a:srgbClr>
+              </a:outerShdw>
+            </a:effectLst>
+          </c:spPr>
+          <c:marker>
+            <c:symbol val="none"/>
+          </c:marker>
+          <c:dLbls>
+            <c:dLbl>
+              <c:idx val="0"/>
+              <c:delete val="1"/>
+              <c:extLst>
+                <c:ext xmlns:c15="http://schemas.microsoft.com/office/drawing/2012/chart" uri="{CE6537A1-D6FC-4f65-9D91-7224C49458BB}"/>
+                <c:ext xmlns:c16="http://schemas.microsoft.com/office/drawing/2014/chart" uri="{C3380CC4-5D6E-409C-BE32-E72D297353CC}">
+                  <c16:uniqueId val="{00000001-7FA5-4035-A8EB-7AE1933BAE24}"/>
+                </c:ext>
+              </c:extLst>
+            </c:dLbl>
+            <c:dLbl>
+              <c:idx val="1"/>
+              <c:delete val="1"/>
+              <c:extLst>
+                <c:ext xmlns:c15="http://schemas.microsoft.com/office/drawing/2012/chart" uri="{CE6537A1-D6FC-4f65-9D91-7224C49458BB}"/>
+                <c:ext xmlns:c16="http://schemas.microsoft.com/office/drawing/2014/chart" uri="{C3380CC4-5D6E-409C-BE32-E72D297353CC}">
+                  <c16:uniqueId val="{00000002-7FA5-4035-A8EB-7AE1933BAE24}"/>
+                </c:ext>
+              </c:extLst>
+            </c:dLbl>
+            <c:dLbl>
+              <c:idx val="2"/>
+              <c:delete val="1"/>
+              <c:extLst>
+                <c:ext xmlns:c15="http://schemas.microsoft.com/office/drawing/2012/chart" uri="{CE6537A1-D6FC-4f65-9D91-7224C49458BB}"/>
+                <c:ext xmlns:c16="http://schemas.microsoft.com/office/drawing/2014/chart" uri="{C3380CC4-5D6E-409C-BE32-E72D297353CC}">
+                  <c16:uniqueId val="{00000003-7FA5-4035-A8EB-7AE1933BAE24}"/>
+                </c:ext>
+              </c:extLst>
+            </c:dLbl>
+            <c:dLbl>
+              <c:idx val="3"/>
+              <c:delete val="1"/>
+              <c:extLst>
+                <c:ext xmlns:c15="http://schemas.microsoft.com/office/drawing/2012/chart" uri="{CE6537A1-D6FC-4f65-9D91-7224C49458BB}"/>
+                <c:ext xmlns:c16="http://schemas.microsoft.com/office/drawing/2014/chart" uri="{C3380CC4-5D6E-409C-BE32-E72D297353CC}">
+                  <c16:uniqueId val="{00000004-7FA5-4035-A8EB-7AE1933BAE24}"/>
+                </c:ext>
+              </c:extLst>
+            </c:dLbl>
+            <c:dLbl>
+              <c:idx val="4"/>
+              <c:delete val="1"/>
+              <c:extLst>
+                <c:ext xmlns:c15="http://schemas.microsoft.com/office/drawing/2012/chart" uri="{CE6537A1-D6FC-4f65-9D91-7224C49458BB}"/>
+                <c:ext xmlns:c16="http://schemas.microsoft.com/office/drawing/2014/chart" uri="{C3380CC4-5D6E-409C-BE32-E72D297353CC}">
+                  <c16:uniqueId val="{00000005-7FA5-4035-A8EB-7AE1933BAE24}"/>
+                </c:ext>
+              </c:extLst>
+            </c:dLbl>
+            <c:dLbl>
+              <c:idx val="5"/>
+              <c:delete val="1"/>
+              <c:extLst>
+                <c:ext xmlns:c15="http://schemas.microsoft.com/office/drawing/2012/chart" uri="{CE6537A1-D6FC-4f65-9D91-7224C49458BB}"/>
+                <c:ext xmlns:c16="http://schemas.microsoft.com/office/drawing/2014/chart" uri="{C3380CC4-5D6E-409C-BE32-E72D297353CC}">
+                  <c16:uniqueId val="{00000006-7FA5-4035-A8EB-7AE1933BAE24}"/>
+                </c:ext>
+              </c:extLst>
+            </c:dLbl>
+            <c:dLbl>
+              <c:idx val="6"/>
+              <c:delete val="1"/>
+              <c:extLst>
+                <c:ext xmlns:c15="http://schemas.microsoft.com/office/drawing/2012/chart" uri="{CE6537A1-D6FC-4f65-9D91-7224C49458BB}"/>
+                <c:ext xmlns:c16="http://schemas.microsoft.com/office/drawing/2014/chart" uri="{C3380CC4-5D6E-409C-BE32-E72D297353CC}">
+                  <c16:uniqueId val="{00000007-7FA5-4035-A8EB-7AE1933BAE24}"/>
+                </c:ext>
+              </c:extLst>
+            </c:dLbl>
+            <c:dLbl>
+              <c:idx val="7"/>
+              <c:layout>
+                <c:manualLayout>
+                  <c:x val="-0.27473334086172735"/>
+                  <c:y val="-5.6553236188987825E-2"/>
+                </c:manualLayout>
+              </c:layout>
+              <c:showLegendKey val="0"/>
+              <c:showVal val="1"/>
+              <c:showCatName val="0"/>
+              <c:showSerName val="0"/>
+              <c:showPercent val="0"/>
+              <c:showBubbleSize val="0"/>
+              <c:extLst>
+                <c:ext xmlns:c15="http://schemas.microsoft.com/office/drawing/2012/chart" uri="{CE6537A1-D6FC-4f65-9D91-7224C49458BB}"/>
+                <c:ext xmlns:c16="http://schemas.microsoft.com/office/drawing/2014/chart" uri="{C3380CC4-5D6E-409C-BE32-E72D297353CC}">
+                  <c16:uniqueId val="{00000008-7FA5-4035-A8EB-7AE1933BAE24}"/>
+                </c:ext>
+              </c:extLst>
+            </c:dLbl>
+            <c:dLbl>
+              <c:idx val="8"/>
+              <c:delete val="1"/>
+              <c:extLst>
+                <c:ext xmlns:c15="http://schemas.microsoft.com/office/drawing/2012/chart" uri="{CE6537A1-D6FC-4f65-9D91-7224C49458BB}"/>
+                <c:ext xmlns:c16="http://schemas.microsoft.com/office/drawing/2014/chart" uri="{C3380CC4-5D6E-409C-BE32-E72D297353CC}">
+                  <c16:uniqueId val="{00000009-7FA5-4035-A8EB-7AE1933BAE24}"/>
+                </c:ext>
+              </c:extLst>
+            </c:dLbl>
+            <c:dLbl>
+              <c:idx val="9"/>
+              <c:delete val="1"/>
+              <c:extLst>
+                <c:ext xmlns:c15="http://schemas.microsoft.com/office/drawing/2012/chart" uri="{CE6537A1-D6FC-4f65-9D91-7224C49458BB}"/>
+                <c:ext xmlns:c16="http://schemas.microsoft.com/office/drawing/2014/chart" uri="{C3380CC4-5D6E-409C-BE32-E72D297353CC}">
+                  <c16:uniqueId val="{0000000A-7FA5-4035-A8EB-7AE1933BAE24}"/>
+                </c:ext>
+              </c:extLst>
+            </c:dLbl>
+            <c:spPr>
+              <a:noFill/>
+              <a:ln w="3175">
+                <a:solidFill>
+                  <a:schemeClr val="bg2"/>
+                </a:solidFill>
+              </a:ln>
+              <a:effectLst/>
+            </c:spPr>
+            <c:txPr>
+              <a:bodyPr rot="0" spcFirstLastPara="1" vertOverflow="ellipsis" vert="horz" wrap="square" lIns="38100" tIns="19050" rIns="38100" bIns="19050" anchor="ctr" anchorCtr="1">
+                <a:spAutoFit/>
+              </a:bodyPr>
+              <a:lstStyle/>
+              <a:p>
+                <a:pPr>
+                  <a:defRPr sz="900" b="0" i="0" u="none" strike="noStrike" kern="1200" baseline="0">
+                    <a:solidFill>
+                      <a:schemeClr val="tx1">
+                        <a:lumMod val="75000"/>
+                        <a:lumOff val="25000"/>
+                      </a:schemeClr>
+                    </a:solidFill>
+                    <a:latin typeface="+mn-lt"/>
+                    <a:ea typeface="+mn-ea"/>
+                    <a:cs typeface="+mn-cs"/>
+                  </a:defRPr>
+                </a:pPr>
+                <a:endParaRPr lang="it-IT"/>
+              </a:p>
+            </c:txPr>
+            <c:showLegendKey val="0"/>
+            <c:showVal val="1"/>
+            <c:showCatName val="0"/>
+            <c:showSerName val="0"/>
+            <c:showPercent val="0"/>
+            <c:showBubbleSize val="0"/>
+            <c:showLeaderLines val="0"/>
+            <c:extLst>
+              <c:ext xmlns:c15="http://schemas.microsoft.com/office/drawing/2012/chart" uri="{CE6537A1-D6FC-4f65-9D91-7224C49458BB}">
+                <c15:showLeaderLines val="1"/>
+                <c15:leaderLines>
+                  <c:spPr>
+                    <a:ln w="9525" cap="flat" cmpd="sng" algn="ctr">
+                      <a:solidFill>
+                        <a:schemeClr val="tx1">
+                          <a:lumMod val="35000"/>
+                          <a:lumOff val="65000"/>
+                        </a:schemeClr>
+                      </a:solidFill>
+                      <a:round/>
+                    </a:ln>
+                    <a:effectLst/>
+                  </c:spPr>
+                </c15:leaderLines>
+              </c:ext>
+            </c:extLst>
+          </c:dLbls>
+          <c:val>
+            <c:numRef>
+              <c:f>Foglio4!$B$1:$B$10</c:f>
+              <c:numCache>
+                <c:formatCode>General</c:formatCode>
+                <c:ptCount val="10"/>
+                <c:pt idx="0">
+                  <c:v>4.0920000000000002E-3</c:v>
+                </c:pt>
+                <c:pt idx="1">
+                  <c:v>4.0920000000000002E-3</c:v>
+                </c:pt>
+                <c:pt idx="2">
+                  <c:v>4.0920000000000002E-3</c:v>
+                </c:pt>
+                <c:pt idx="3">
+                  <c:v>4.0920000000000002E-3</c:v>
+                </c:pt>
+                <c:pt idx="4">
+                  <c:v>4.0920000000000002E-3</c:v>
+                </c:pt>
+                <c:pt idx="5">
+                  <c:v>4.0920000000000002E-3</c:v>
+                </c:pt>
+                <c:pt idx="6">
+                  <c:v>4.0920000000000002E-3</c:v>
+                </c:pt>
+                <c:pt idx="7">
+                  <c:v>4.0920000000000002E-3</c:v>
+                </c:pt>
+                <c:pt idx="8">
+                  <c:v>4.0920000000000002E-3</c:v>
+                </c:pt>
+                <c:pt idx="9">
+                  <c:v>4.0920000000000002E-3</c:v>
+                </c:pt>
+              </c:numCache>
+            </c:numRef>
+          </c:val>
+          <c:smooth val="0"/>
+          <c:extLst>
+            <c:ext xmlns:c16="http://schemas.microsoft.com/office/drawing/2014/chart" uri="{C3380CC4-5D6E-409C-BE32-E72D297353CC}">
+              <c16:uniqueId val="{0000000B-7FA5-4035-A8EB-7AE1933BAE24}"/>
             </c:ext>
           </c:extLst>
         </c:ser>
         <c:dLbls>
           <c:showLegendKey val="0"/>
-          <c:showVal val="0"/>
+          <c:showVal val="1"/>
           <c:showCatName val="0"/>
           <c:showSerName val="0"/>
           <c:showPercent val="0"/>
           <c:showBubbleSize val="0"/>
         </c:dLbls>
-        <c:gapWidth val="219"/>
-        <c:overlap val="-27"/>
-        <c:axId val="522039528"/>
-        <c:axId val="522041168"/>
-      </c:barChart>
+        <c:marker val="1"/>
+        <c:smooth val="0"/>
+        <c:axId val="564886520"/>
+        <c:axId val="564888440"/>
+      </c:lineChart>
       <c:catAx>
-        <c:axId val="522039528"/>
+        <c:axId val="564886520"/>
         <c:scaling>
           <c:orientation val="minMax"/>
         </c:scaling>
@@ -1224,12 +2811,20 @@
                   </a:defRPr>
                 </a:pPr>
                 <a:r>
-                  <a:rPr lang="it-IT" sz="900"/>
-                  <a:t>samples</a:t>
+                  <a:rPr lang="it-IT"/>
+                  <a:t>Experiments</a:t>
                 </a:r>
               </a:p>
             </c:rich>
           </c:tx>
+          <c:layout>
+            <c:manualLayout>
+              <c:xMode val="edge"/>
+              <c:yMode val="edge"/>
+              <c:x val="0.45952632713609615"/>
+              <c:y val="0.94916379727343247"/>
+            </c:manualLayout>
+          </c:layout>
           <c:overlay val="0"/>
           <c:spPr>
             <a:noFill/>
@@ -1265,7 +2860,7 @@
         <c:tickLblPos val="nextTo"/>
         <c:spPr>
           <a:noFill/>
-          <a:ln w="9525" cap="flat" cmpd="sng" algn="ctr">
+          <a:ln w="12700" cap="flat" cmpd="sng" algn="ctr">
             <a:solidFill>
               <a:schemeClr val="tx1">
                 <a:lumMod val="15000"/>
@@ -1281,7 +2876,7 @@
           <a:lstStyle/>
           <a:p>
             <a:pPr>
-              <a:defRPr sz="1000" b="0" i="0" u="none" strike="noStrike" kern="1200" baseline="0">
+              <a:defRPr sz="900" b="0" i="0" u="none" strike="noStrike" kern="1200" baseline="0">
                 <a:solidFill>
                   <a:schemeClr val="tx1">
                     <a:lumMod val="65000"/>
@@ -1296,7 +2891,7 @@
             <a:endParaRPr lang="it-IT"/>
           </a:p>
         </c:txPr>
-        <c:crossAx val="522041168"/>
+        <c:crossAx val="564888440"/>
         <c:crosses val="autoZero"/>
         <c:auto val="1"/>
         <c:lblAlgn val="ctr"/>
@@ -1304,9 +2899,11 @@
         <c:noMultiLvlLbl val="0"/>
       </c:catAx>
       <c:valAx>
-        <c:axId val="522041168"/>
+        <c:axId val="564888440"/>
         <c:scaling>
           <c:orientation val="minMax"/>
+          <c:max val="5.000000000000001E-3"/>
+          <c:min val="0"/>
         </c:scaling>
         <c:delete val="0"/>
         <c:axPos val="l"/>
@@ -1314,16 +2911,27 @@
           <c:spPr>
             <a:ln w="9525" cap="flat" cmpd="sng" algn="ctr">
               <a:solidFill>
+                <a:schemeClr val="accent1"/>
+              </a:solidFill>
+              <a:round/>
+            </a:ln>
+            <a:effectLst/>
+          </c:spPr>
+        </c:majorGridlines>
+        <c:minorGridlines>
+          <c:spPr>
+            <a:ln w="9525" cap="flat" cmpd="sng" algn="ctr">
+              <a:solidFill>
                 <a:schemeClr val="tx1">
-                  <a:lumMod val="15000"/>
-                  <a:lumOff val="85000"/>
+                  <a:lumMod val="5000"/>
+                  <a:lumOff val="95000"/>
                 </a:schemeClr>
               </a:solidFill>
               <a:round/>
             </a:ln>
             <a:effectLst/>
           </c:spPr>
-        </c:majorGridlines>
+        </c:minorGridlines>
         <c:title>
           <c:tx>
             <c:rich>
@@ -1344,12 +2952,20 @@
                   </a:defRPr>
                 </a:pPr>
                 <a:r>
-                  <a:rPr lang="it-IT" sz="900"/>
-                  <a:t>time(s)</a:t>
+                  <a:rPr lang="it-IT"/>
+                  <a:t>Time(s)</a:t>
                 </a:r>
               </a:p>
             </c:rich>
           </c:tx>
+          <c:layout>
+            <c:manualLayout>
+              <c:xMode val="edge"/>
+              <c:yMode val="edge"/>
+              <c:x val="1.9048034575860538E-2"/>
+              <c:y val="0.47483205820646457"/>
+            </c:manualLayout>
+          </c:layout>
           <c:overlay val="0"/>
           <c:spPr>
             <a:noFill/>
@@ -1379,14 +2995,16 @@
             </a:p>
           </c:txPr>
         </c:title>
-        <c:numFmt formatCode="General" sourceLinked="1"/>
-        <c:majorTickMark val="none"/>
+        <c:numFmt formatCode="#,##0.00" sourceLinked="0"/>
+        <c:majorTickMark val="in"/>
         <c:minorTickMark val="none"/>
-        <c:tickLblPos val="nextTo"/>
+        <c:tickLblPos val="low"/>
         <c:spPr>
           <a:noFill/>
           <a:ln>
-            <a:noFill/>
+            <a:solidFill>
+              <a:schemeClr val="accent1"/>
+            </a:solidFill>
           </a:ln>
           <a:effectLst/>
         </c:spPr>
@@ -1410,9 +3028,10 @@
             <a:endParaRPr lang="it-IT"/>
           </a:p>
         </c:txPr>
-        <c:crossAx val="522039528"/>
+        <c:crossAx val="564886520"/>
         <c:crosses val="autoZero"/>
         <c:crossBetween val="between"/>
+        <c:majorUnit val="1.0000000000000002E-3"/>
       </c:valAx>
       <c:spPr>
         <a:noFill/>
@@ -1427,9 +3046,12 @@
     <c:showDLblsOverMax val="0"/>
   </c:chart>
   <c:spPr>
-    <a:noFill/>
-    <a:ln>
+    <a:solidFill>
+      <a:schemeClr val="bg1"/>
+    </a:solidFill>
+    <a:ln w="9525" cap="flat" cmpd="sng" algn="ctr">
       <a:noFill/>
+      <a:round/>
     </a:ln>
     <a:effectLst/>
   </c:spPr>
@@ -1443,467 +3065,10 @@
       <a:endParaRPr lang="it-IT"/>
     </a:p>
   </c:txPr>
-  <c:externalData r:id="rId3">
+  <c:externalData r:id="rId4">
     <c:autoUpdate val="0"/>
   </c:externalData>
-</c:chartSpace>
-</file>
-
-<file path=ppt/charts/chart4.xml><?xml version="1.0" encoding="utf-8"?>
-<c:chartSpace xmlns:c="http://schemas.openxmlformats.org/drawingml/2006/chart" xmlns:a="http://schemas.openxmlformats.org/drawingml/2006/main" xmlns:r="http://schemas.openxmlformats.org/officeDocument/2006/relationships" xmlns:c16r2="http://schemas.microsoft.com/office/drawing/2015/06/chart">
-  <c:date1904 val="0"/>
-  <c:lang val="it-IT"/>
-  <c:roundedCorners val="0"/>
-  <mc:AlternateContent xmlns:mc="http://schemas.openxmlformats.org/markup-compatibility/2006">
-    <mc:Choice xmlns:c14="http://schemas.microsoft.com/office/drawing/2007/8/2/chart" Requires="c14">
-      <c14:style val="102"/>
-    </mc:Choice>
-    <mc:Fallback>
-      <c:style val="2"/>
-    </mc:Fallback>
-  </mc:AlternateContent>
-  <c:chart>
-    <c:title>
-      <c:tx>
-        <c:rich>
-          <a:bodyPr rot="0" spcFirstLastPara="1" vertOverflow="ellipsis" vert="horz" wrap="square" anchor="ctr" anchorCtr="1"/>
-          <a:lstStyle/>
-          <a:p>
-            <a:pPr>
-              <a:defRPr sz="1600" b="0" i="0" u="none" strike="noStrike" kern="1200" spc="0" baseline="0">
-                <a:solidFill>
-                  <a:schemeClr val="tx1">
-                    <a:lumMod val="65000"/>
-                    <a:lumOff val="35000"/>
-                  </a:schemeClr>
-                </a:solidFill>
-                <a:latin typeface="+mn-lt"/>
-                <a:ea typeface="+mn-ea"/>
-                <a:cs typeface="+mn-cs"/>
-              </a:defRPr>
-            </a:pPr>
-            <a:r>
-              <a:rPr lang="it-IT" sz="1600" b="1">
-                <a:solidFill>
-                  <a:schemeClr val="tx1">
-                    <a:lumMod val="65000"/>
-                    <a:lumOff val="35000"/>
-                  </a:schemeClr>
-                </a:solidFill>
-              </a:rPr>
-              <a:t>Path modification time - TESTBED</a:t>
-            </a:r>
-          </a:p>
-        </c:rich>
-      </c:tx>
-      <c:overlay val="0"/>
-      <c:spPr>
-        <a:noFill/>
-        <a:ln>
-          <a:noFill/>
-        </a:ln>
-        <a:effectLst/>
-      </c:spPr>
-      <c:txPr>
-        <a:bodyPr rot="0" spcFirstLastPara="1" vertOverflow="ellipsis" vert="horz" wrap="square" anchor="ctr" anchorCtr="1"/>
-        <a:lstStyle/>
-        <a:p>
-          <a:pPr>
-            <a:defRPr sz="1600" b="0" i="0" u="none" strike="noStrike" kern="1200" spc="0" baseline="0">
-              <a:solidFill>
-                <a:schemeClr val="tx1">
-                  <a:lumMod val="65000"/>
-                  <a:lumOff val="35000"/>
-                </a:schemeClr>
-              </a:solidFill>
-              <a:latin typeface="+mn-lt"/>
-              <a:ea typeface="+mn-ea"/>
-              <a:cs typeface="+mn-cs"/>
-            </a:defRPr>
-          </a:pPr>
-          <a:endParaRPr lang="it-IT"/>
-        </a:p>
-      </c:txPr>
-    </c:title>
-    <c:autoTitleDeleted val="0"/>
-    <c:plotArea>
-      <c:layout>
-        <c:manualLayout>
-          <c:layoutTarget val="inner"/>
-          <c:xMode val="edge"/>
-          <c:yMode val="edge"/>
-          <c:x val="8.5960888691730436E-2"/>
-          <c:y val="0.18273191263193081"/>
-          <c:w val="0.88402025803112638"/>
-          <c:h val="0.68937853842649832"/>
-        </c:manualLayout>
-      </c:layout>
-      <c:barChart>
-        <c:barDir val="col"/>
-        <c:grouping val="clustered"/>
-        <c:varyColors val="0"/>
-        <c:ser>
-          <c:idx val="0"/>
-          <c:order val="0"/>
-          <c:spPr>
-            <a:solidFill>
-              <a:schemeClr val="accent1"/>
-            </a:solidFill>
-            <a:ln>
-              <a:noFill/>
-            </a:ln>
-            <a:effectLst/>
-          </c:spPr>
-          <c:invertIfNegative val="0"/>
-          <c:cat>
-            <c:strLit>
-              <c:ptCount val="10"/>
-              <c:pt idx="0">
-                <c:v>1</c:v>
-              </c:pt>
-              <c:pt idx="1">
-                <c:v>2</c:v>
-              </c:pt>
-              <c:pt idx="2">
-                <c:v>3</c:v>
-              </c:pt>
-              <c:pt idx="3">
-                <c:v>4</c:v>
-              </c:pt>
-              <c:pt idx="4">
-                <c:v>5</c:v>
-              </c:pt>
-              <c:pt idx="5">
-                <c:v>6</c:v>
-              </c:pt>
-              <c:pt idx="6">
-                <c:v>7</c:v>
-              </c:pt>
-              <c:pt idx="7">
-                <c:v>8</c:v>
-              </c:pt>
-              <c:pt idx="8">
-                <c:v>9</c:v>
-              </c:pt>
-              <c:pt idx="9">
-                <c:v>10</c:v>
-              </c:pt>
-              <c:extLst>
-                <c:ext xmlns:c15="http://schemas.microsoft.com/office/drawing/2012/chart" uri="{02D57815-91ED-43cb-92C2-25804820EDAC}">
-                  <c15:autoCat val="1"/>
-                </c:ext>
-              </c:extLst>
-            </c:strLit>
-          </c:cat>
-          <c:val>
-            <c:numRef>
-              <c:f>Foglio2!$A$1:$A$19</c:f>
-              <c:numCache>
-                <c:formatCode>General</c:formatCode>
-                <c:ptCount val="10"/>
-                <c:pt idx="0">
-                  <c:v>0.32311400000000001</c:v>
-                </c:pt>
-                <c:pt idx="1">
-                  <c:v>5.3769999999999998E-3</c:v>
-                </c:pt>
-                <c:pt idx="2">
-                  <c:v>0.16966500000000001</c:v>
-                </c:pt>
-                <c:pt idx="3">
-                  <c:v>3.1700000000000001E-3</c:v>
-                </c:pt>
-                <c:pt idx="4">
-                  <c:v>4.6899999999999997E-3</c:v>
-                </c:pt>
-                <c:pt idx="5">
-                  <c:v>8.0492999999999995E-2</c:v>
-                </c:pt>
-                <c:pt idx="6">
-                  <c:v>2.7060000000000001E-3</c:v>
-                </c:pt>
-                <c:pt idx="7">
-                  <c:v>0.23216600000000001</c:v>
-                </c:pt>
-                <c:pt idx="8">
-                  <c:v>4.8269999999999997E-3</c:v>
-                </c:pt>
-                <c:pt idx="9">
-                  <c:v>3.8310000000000002E-3</c:v>
-                </c:pt>
-              </c:numCache>
-            </c:numRef>
-          </c:val>
-          <c:extLst>
-            <c:ext xmlns:c16="http://schemas.microsoft.com/office/drawing/2014/chart" uri="{C3380CC4-5D6E-409C-BE32-E72D297353CC}">
-              <c16:uniqueId val="{00000000-F792-4DE9-991F-2393D5016E32}"/>
-            </c:ext>
-          </c:extLst>
-        </c:ser>
-        <c:dLbls>
-          <c:showLegendKey val="0"/>
-          <c:showVal val="0"/>
-          <c:showCatName val="0"/>
-          <c:showSerName val="0"/>
-          <c:showPercent val="0"/>
-          <c:showBubbleSize val="0"/>
-        </c:dLbls>
-        <c:gapWidth val="219"/>
-        <c:overlap val="-27"/>
-        <c:axId val="585500280"/>
-        <c:axId val="585499320"/>
-      </c:barChart>
-      <c:catAx>
-        <c:axId val="585500280"/>
-        <c:scaling>
-          <c:orientation val="minMax"/>
-        </c:scaling>
-        <c:delete val="0"/>
-        <c:axPos val="b"/>
-        <c:title>
-          <c:tx>
-            <c:rich>
-              <a:bodyPr rot="0" spcFirstLastPara="1" vertOverflow="ellipsis" vert="horz" wrap="square" anchor="ctr" anchorCtr="1"/>
-              <a:lstStyle/>
-              <a:p>
-                <a:pPr>
-                  <a:defRPr sz="900" b="0" i="0" u="none" strike="noStrike" kern="1200" baseline="0">
-                    <a:solidFill>
-                      <a:schemeClr val="tx1">
-                        <a:lumMod val="65000"/>
-                        <a:lumOff val="35000"/>
-                      </a:schemeClr>
-                    </a:solidFill>
-                    <a:latin typeface="+mn-lt"/>
-                    <a:ea typeface="+mn-ea"/>
-                    <a:cs typeface="+mn-cs"/>
-                  </a:defRPr>
-                </a:pPr>
-                <a:r>
-                  <a:rPr lang="it-IT" sz="900"/>
-                  <a:t>samples</a:t>
-                </a:r>
-              </a:p>
-            </c:rich>
-          </c:tx>
-          <c:overlay val="0"/>
-          <c:spPr>
-            <a:noFill/>
-            <a:ln>
-              <a:noFill/>
-            </a:ln>
-            <a:effectLst/>
-          </c:spPr>
-          <c:txPr>
-            <a:bodyPr rot="0" spcFirstLastPara="1" vertOverflow="ellipsis" vert="horz" wrap="square" anchor="ctr" anchorCtr="1"/>
-            <a:lstStyle/>
-            <a:p>
-              <a:pPr>
-                <a:defRPr sz="900" b="0" i="0" u="none" strike="noStrike" kern="1200" baseline="0">
-                  <a:solidFill>
-                    <a:schemeClr val="tx1">
-                      <a:lumMod val="65000"/>
-                      <a:lumOff val="35000"/>
-                    </a:schemeClr>
-                  </a:solidFill>
-                  <a:latin typeface="+mn-lt"/>
-                  <a:ea typeface="+mn-ea"/>
-                  <a:cs typeface="+mn-cs"/>
-                </a:defRPr>
-              </a:pPr>
-              <a:endParaRPr lang="it-IT"/>
-            </a:p>
-          </c:txPr>
-        </c:title>
-        <c:numFmt formatCode="General" sourceLinked="1"/>
-        <c:majorTickMark val="none"/>
-        <c:minorTickMark val="none"/>
-        <c:tickLblPos val="nextTo"/>
-        <c:spPr>
-          <a:noFill/>
-          <a:ln w="9525" cap="flat" cmpd="sng" algn="ctr">
-            <a:solidFill>
-              <a:schemeClr val="tx1">
-                <a:lumMod val="15000"/>
-                <a:lumOff val="85000"/>
-              </a:schemeClr>
-            </a:solidFill>
-            <a:round/>
-          </a:ln>
-          <a:effectLst/>
-        </c:spPr>
-        <c:txPr>
-          <a:bodyPr rot="-60000000" spcFirstLastPara="1" vertOverflow="ellipsis" vert="horz" wrap="square" anchor="ctr" anchorCtr="1"/>
-          <a:lstStyle/>
-          <a:p>
-            <a:pPr>
-              <a:defRPr sz="1000" b="0" i="0" u="none" strike="noStrike" kern="1200" baseline="0">
-                <a:solidFill>
-                  <a:schemeClr val="tx1">
-                    <a:lumMod val="65000"/>
-                    <a:lumOff val="35000"/>
-                  </a:schemeClr>
-                </a:solidFill>
-                <a:latin typeface="+mn-lt"/>
-                <a:ea typeface="+mn-ea"/>
-                <a:cs typeface="+mn-cs"/>
-              </a:defRPr>
-            </a:pPr>
-            <a:endParaRPr lang="it-IT"/>
-          </a:p>
-        </c:txPr>
-        <c:crossAx val="585499320"/>
-        <c:crosses val="autoZero"/>
-        <c:auto val="1"/>
-        <c:lblAlgn val="ctr"/>
-        <c:lblOffset val="100"/>
-        <c:noMultiLvlLbl val="0"/>
-      </c:catAx>
-      <c:valAx>
-        <c:axId val="585499320"/>
-        <c:scaling>
-          <c:orientation val="minMax"/>
-        </c:scaling>
-        <c:delete val="0"/>
-        <c:axPos val="l"/>
-        <c:majorGridlines>
-          <c:spPr>
-            <a:ln w="9525" cap="flat" cmpd="sng" algn="ctr">
-              <a:solidFill>
-                <a:schemeClr val="tx1">
-                  <a:lumMod val="15000"/>
-                  <a:lumOff val="85000"/>
-                </a:schemeClr>
-              </a:solidFill>
-              <a:round/>
-            </a:ln>
-            <a:effectLst/>
-          </c:spPr>
-        </c:majorGridlines>
-        <c:title>
-          <c:tx>
-            <c:rich>
-              <a:bodyPr rot="-5400000" spcFirstLastPara="1" vertOverflow="ellipsis" vert="horz" wrap="square" anchor="ctr" anchorCtr="1"/>
-              <a:lstStyle/>
-              <a:p>
-                <a:pPr>
-                  <a:defRPr sz="900" b="0" i="0" u="none" strike="noStrike" kern="1200" baseline="0">
-                    <a:solidFill>
-                      <a:schemeClr val="tx1">
-                        <a:lumMod val="65000"/>
-                        <a:lumOff val="35000"/>
-                      </a:schemeClr>
-                    </a:solidFill>
-                    <a:latin typeface="+mn-lt"/>
-                    <a:ea typeface="+mn-ea"/>
-                    <a:cs typeface="+mn-cs"/>
-                  </a:defRPr>
-                </a:pPr>
-                <a:r>
-                  <a:rPr lang="it-IT" sz="900"/>
-                  <a:t>time (s)</a:t>
-                </a:r>
-              </a:p>
-            </c:rich>
-          </c:tx>
-          <c:overlay val="0"/>
-          <c:spPr>
-            <a:noFill/>
-            <a:ln>
-              <a:noFill/>
-            </a:ln>
-            <a:effectLst/>
-          </c:spPr>
-          <c:txPr>
-            <a:bodyPr rot="-5400000" spcFirstLastPara="1" vertOverflow="ellipsis" vert="horz" wrap="square" anchor="ctr" anchorCtr="1"/>
-            <a:lstStyle/>
-            <a:p>
-              <a:pPr>
-                <a:defRPr sz="900" b="0" i="0" u="none" strike="noStrike" kern="1200" baseline="0">
-                  <a:solidFill>
-                    <a:schemeClr val="tx1">
-                      <a:lumMod val="65000"/>
-                      <a:lumOff val="35000"/>
-                    </a:schemeClr>
-                  </a:solidFill>
-                  <a:latin typeface="+mn-lt"/>
-                  <a:ea typeface="+mn-ea"/>
-                  <a:cs typeface="+mn-cs"/>
-                </a:defRPr>
-              </a:pPr>
-              <a:endParaRPr lang="it-IT"/>
-            </a:p>
-          </c:txPr>
-        </c:title>
-        <c:numFmt formatCode="General" sourceLinked="1"/>
-        <c:majorTickMark val="none"/>
-        <c:minorTickMark val="none"/>
-        <c:tickLblPos val="nextTo"/>
-        <c:spPr>
-          <a:noFill/>
-          <a:ln>
-            <a:noFill/>
-          </a:ln>
-          <a:effectLst/>
-        </c:spPr>
-        <c:txPr>
-          <a:bodyPr rot="-60000000" spcFirstLastPara="1" vertOverflow="ellipsis" vert="horz" wrap="square" anchor="ctr" anchorCtr="1"/>
-          <a:lstStyle/>
-          <a:p>
-            <a:pPr>
-              <a:defRPr sz="900" b="0" i="0" u="none" strike="noStrike" kern="1200" baseline="0">
-                <a:solidFill>
-                  <a:schemeClr val="tx1">
-                    <a:lumMod val="65000"/>
-                    <a:lumOff val="35000"/>
-                  </a:schemeClr>
-                </a:solidFill>
-                <a:latin typeface="+mn-lt"/>
-                <a:ea typeface="+mn-ea"/>
-                <a:cs typeface="+mn-cs"/>
-              </a:defRPr>
-            </a:pPr>
-            <a:endParaRPr lang="it-IT"/>
-          </a:p>
-        </c:txPr>
-        <c:crossAx val="585500280"/>
-        <c:crosses val="autoZero"/>
-        <c:crossBetween val="between"/>
-        <c:majorUnit val="5.000000000000001E-2"/>
-        <c:minorUnit val="4.000000000000001E-3"/>
-      </c:valAx>
-      <c:spPr>
-        <a:noFill/>
-        <a:ln>
-          <a:noFill/>
-        </a:ln>
-        <a:effectLst/>
-      </c:spPr>
-    </c:plotArea>
-    <c:plotVisOnly val="1"/>
-    <c:dispBlanksAs val="gap"/>
-    <c:showDLblsOverMax val="0"/>
-  </c:chart>
-  <c:spPr>
-    <a:noFill/>
-    <a:ln>
-      <a:noFill/>
-    </a:ln>
-    <a:effectLst/>
-  </c:spPr>
-  <c:txPr>
-    <a:bodyPr/>
-    <a:lstStyle/>
-    <a:p>
-      <a:pPr>
-        <a:defRPr/>
-      </a:pPr>
-      <a:endParaRPr lang="it-IT"/>
-    </a:p>
-  </c:txPr>
-  <c:externalData r:id="rId3">
-    <c:autoUpdate val="0"/>
-  </c:externalData>
+  <c:userShapes r:id="rId5"/>
 </c:chartSpace>
 </file>
 
@@ -2757,7 +3922,7 @@
 </file>
 
 <file path=ppt/charts/style1.xml><?xml version="1.0" encoding="utf-8"?>
-<cs:chartStyle xmlns:cs="http://schemas.microsoft.com/office/drawing/2012/chartStyle" xmlns:a="http://schemas.openxmlformats.org/drawingml/2006/main" id="201">
+<cs:chartStyle xmlns:cs="http://schemas.microsoft.com/office/drawing/2012/chartStyle" xmlns:a="http://schemas.openxmlformats.org/drawingml/2006/main" id="340">
   <cs:axisTitle>
     <cs:lnRef idx="0"/>
     <cs:fillRef idx="0"/>
@@ -2768,7 +3933,7 @@
         <a:lumOff val="35000"/>
       </a:schemeClr>
     </cs:fontRef>
-    <cs:defRPr sz="1330" kern="1200"/>
+    <cs:defRPr sz="900" kern="1200"/>
   </cs:axisTitle>
   <cs:categoryAxis>
     <cs:lnRef idx="0"/>
@@ -2781,510 +3946,7 @@
       </a:schemeClr>
     </cs:fontRef>
     <cs:spPr>
-      <a:ln w="9525" cap="flat" cmpd="sng" algn="ctr">
-        <a:solidFill>
-          <a:schemeClr val="tx1">
-            <a:lumMod val="15000"/>
-            <a:lumOff val="85000"/>
-          </a:schemeClr>
-        </a:solidFill>
-        <a:round/>
-      </a:ln>
-    </cs:spPr>
-    <cs:defRPr sz="1197" kern="1200"/>
-  </cs:categoryAxis>
-  <cs:chartArea mods="allowNoFillOverride allowNoLineOverride">
-    <cs:lnRef idx="0"/>
-    <cs:fillRef idx="0"/>
-    <cs:effectRef idx="0"/>
-    <cs:fontRef idx="minor">
-      <a:schemeClr val="tx1"/>
-    </cs:fontRef>
-    <cs:spPr>
-      <a:solidFill>
-        <a:schemeClr val="bg1"/>
-      </a:solidFill>
-      <a:ln w="9525" cap="flat" cmpd="sng" algn="ctr">
-        <a:solidFill>
-          <a:schemeClr val="tx1">
-            <a:lumMod val="15000"/>
-            <a:lumOff val="85000"/>
-          </a:schemeClr>
-        </a:solidFill>
-        <a:round/>
-      </a:ln>
-    </cs:spPr>
-    <cs:defRPr sz="1330" kern="1200"/>
-  </cs:chartArea>
-  <cs:dataLabel>
-    <cs:lnRef idx="0"/>
-    <cs:fillRef idx="0"/>
-    <cs:effectRef idx="0"/>
-    <cs:fontRef idx="minor">
-      <a:schemeClr val="tx1">
-        <a:lumMod val="75000"/>
-        <a:lumOff val="25000"/>
-      </a:schemeClr>
-    </cs:fontRef>
-    <cs:defRPr sz="1197" kern="1200"/>
-  </cs:dataLabel>
-  <cs:dataLabelCallout>
-    <cs:lnRef idx="0"/>
-    <cs:fillRef idx="0"/>
-    <cs:effectRef idx="0"/>
-    <cs:fontRef idx="minor">
-      <a:schemeClr val="dk1">
-        <a:lumMod val="65000"/>
-        <a:lumOff val="35000"/>
-      </a:schemeClr>
-    </cs:fontRef>
-    <cs:spPr>
-      <a:solidFill>
-        <a:schemeClr val="lt1"/>
-      </a:solidFill>
-      <a:ln>
-        <a:solidFill>
-          <a:schemeClr val="dk1">
-            <a:lumMod val="25000"/>
-            <a:lumOff val="75000"/>
-          </a:schemeClr>
-        </a:solidFill>
-      </a:ln>
-    </cs:spPr>
-    <cs:defRPr sz="1197" kern="1200"/>
-    <cs:bodyPr rot="0" spcFirstLastPara="1" vertOverflow="clip" horzOverflow="clip" vert="horz" wrap="square" lIns="36576" tIns="18288" rIns="36576" bIns="18288" anchor="ctr" anchorCtr="1">
-      <a:spAutoFit/>
-    </cs:bodyPr>
-  </cs:dataLabelCallout>
-  <cs:dataPoint>
-    <cs:lnRef idx="0"/>
-    <cs:fillRef idx="1">
-      <cs:styleClr val="auto"/>
-    </cs:fillRef>
-    <cs:effectRef idx="0"/>
-    <cs:fontRef idx="minor">
-      <a:schemeClr val="tx1"/>
-    </cs:fontRef>
-  </cs:dataPoint>
-  <cs:dataPoint3D>
-    <cs:lnRef idx="0"/>
-    <cs:fillRef idx="1">
-      <cs:styleClr val="auto"/>
-    </cs:fillRef>
-    <cs:effectRef idx="0"/>
-    <cs:fontRef idx="minor">
-      <a:schemeClr val="tx1"/>
-    </cs:fontRef>
-  </cs:dataPoint3D>
-  <cs:dataPointLine>
-    <cs:lnRef idx="0">
-      <cs:styleClr val="auto"/>
-    </cs:lnRef>
-    <cs:fillRef idx="1"/>
-    <cs:effectRef idx="0"/>
-    <cs:fontRef idx="minor">
-      <a:schemeClr val="tx1"/>
-    </cs:fontRef>
-    <cs:spPr>
-      <a:ln w="28575" cap="rnd">
-        <a:solidFill>
-          <a:schemeClr val="phClr"/>
-        </a:solidFill>
-        <a:round/>
-      </a:ln>
-    </cs:spPr>
-  </cs:dataPointLine>
-  <cs:dataPointMarker>
-    <cs:lnRef idx="0">
-      <cs:styleClr val="auto"/>
-    </cs:lnRef>
-    <cs:fillRef idx="1">
-      <cs:styleClr val="auto"/>
-    </cs:fillRef>
-    <cs:effectRef idx="0"/>
-    <cs:fontRef idx="minor">
-      <a:schemeClr val="tx1"/>
-    </cs:fontRef>
-    <cs:spPr>
-      <a:ln w="9525">
-        <a:solidFill>
-          <a:schemeClr val="phClr"/>
-        </a:solidFill>
-      </a:ln>
-    </cs:spPr>
-  </cs:dataPointMarker>
-  <cs:dataPointMarkerLayout symbol="circle" size="5"/>
-  <cs:dataPointWireframe>
-    <cs:lnRef idx="0">
-      <cs:styleClr val="auto"/>
-    </cs:lnRef>
-    <cs:fillRef idx="1"/>
-    <cs:effectRef idx="0"/>
-    <cs:fontRef idx="minor">
-      <a:schemeClr val="tx1"/>
-    </cs:fontRef>
-    <cs:spPr>
-      <a:ln w="9525" cap="rnd">
-        <a:solidFill>
-          <a:schemeClr val="phClr"/>
-        </a:solidFill>
-        <a:round/>
-      </a:ln>
-    </cs:spPr>
-  </cs:dataPointWireframe>
-  <cs:dataTable>
-    <cs:lnRef idx="0"/>
-    <cs:fillRef idx="0"/>
-    <cs:effectRef idx="0"/>
-    <cs:fontRef idx="minor">
-      <a:schemeClr val="tx1">
-        <a:lumMod val="65000"/>
-        <a:lumOff val="35000"/>
-      </a:schemeClr>
-    </cs:fontRef>
-    <cs:spPr>
-      <a:noFill/>
-      <a:ln w="9525" cap="flat" cmpd="sng" algn="ctr">
-        <a:solidFill>
-          <a:schemeClr val="tx1">
-            <a:lumMod val="15000"/>
-            <a:lumOff val="85000"/>
-          </a:schemeClr>
-        </a:solidFill>
-        <a:round/>
-      </a:ln>
-    </cs:spPr>
-    <cs:defRPr sz="1197" kern="1200"/>
-  </cs:dataTable>
-  <cs:downBar>
-    <cs:lnRef idx="0"/>
-    <cs:fillRef idx="0"/>
-    <cs:effectRef idx="0"/>
-    <cs:fontRef idx="minor">
-      <a:schemeClr val="dk1"/>
-    </cs:fontRef>
-    <cs:spPr>
-      <a:solidFill>
-        <a:schemeClr val="dk1">
-          <a:lumMod val="65000"/>
-          <a:lumOff val="35000"/>
-        </a:schemeClr>
-      </a:solidFill>
-      <a:ln w="9525">
-        <a:solidFill>
-          <a:schemeClr val="tx1">
-            <a:lumMod val="65000"/>
-            <a:lumOff val="35000"/>
-          </a:schemeClr>
-        </a:solidFill>
-      </a:ln>
-    </cs:spPr>
-  </cs:downBar>
-  <cs:dropLine>
-    <cs:lnRef idx="0"/>
-    <cs:fillRef idx="0"/>
-    <cs:effectRef idx="0"/>
-    <cs:fontRef idx="minor">
-      <a:schemeClr val="tx1"/>
-    </cs:fontRef>
-    <cs:spPr>
-      <a:ln w="9525" cap="flat" cmpd="sng" algn="ctr">
-        <a:solidFill>
-          <a:schemeClr val="tx1">
-            <a:lumMod val="35000"/>
-            <a:lumOff val="65000"/>
-          </a:schemeClr>
-        </a:solidFill>
-        <a:round/>
-      </a:ln>
-    </cs:spPr>
-  </cs:dropLine>
-  <cs:errorBar>
-    <cs:lnRef idx="0"/>
-    <cs:fillRef idx="0"/>
-    <cs:effectRef idx="0"/>
-    <cs:fontRef idx="minor">
-      <a:schemeClr val="tx1"/>
-    </cs:fontRef>
-    <cs:spPr>
-      <a:ln w="9525" cap="flat" cmpd="sng" algn="ctr">
-        <a:solidFill>
-          <a:schemeClr val="tx1">
-            <a:lumMod val="65000"/>
-            <a:lumOff val="35000"/>
-          </a:schemeClr>
-        </a:solidFill>
-        <a:round/>
-      </a:ln>
-    </cs:spPr>
-  </cs:errorBar>
-  <cs:floor>
-    <cs:lnRef idx="0"/>
-    <cs:fillRef idx="0"/>
-    <cs:effectRef idx="0"/>
-    <cs:fontRef idx="minor">
-      <a:schemeClr val="tx1"/>
-    </cs:fontRef>
-    <cs:spPr>
-      <a:noFill/>
-      <a:ln>
-        <a:noFill/>
-      </a:ln>
-    </cs:spPr>
-  </cs:floor>
-  <cs:gridlineMajor>
-    <cs:lnRef idx="0"/>
-    <cs:fillRef idx="0"/>
-    <cs:effectRef idx="0"/>
-    <cs:fontRef idx="minor">
-      <a:schemeClr val="tx1"/>
-    </cs:fontRef>
-    <cs:spPr>
-      <a:ln w="9525" cap="flat" cmpd="sng" algn="ctr">
-        <a:solidFill>
-          <a:schemeClr val="tx1">
-            <a:lumMod val="15000"/>
-            <a:lumOff val="85000"/>
-          </a:schemeClr>
-        </a:solidFill>
-        <a:round/>
-      </a:ln>
-    </cs:spPr>
-  </cs:gridlineMajor>
-  <cs:gridlineMinor>
-    <cs:lnRef idx="0"/>
-    <cs:fillRef idx="0"/>
-    <cs:effectRef idx="0"/>
-    <cs:fontRef idx="minor">
-      <a:schemeClr val="tx1"/>
-    </cs:fontRef>
-    <cs:spPr>
-      <a:ln w="9525" cap="flat" cmpd="sng" algn="ctr">
-        <a:solidFill>
-          <a:schemeClr val="tx1">
-            <a:lumMod val="5000"/>
-            <a:lumOff val="95000"/>
-          </a:schemeClr>
-        </a:solidFill>
-        <a:round/>
-      </a:ln>
-    </cs:spPr>
-  </cs:gridlineMinor>
-  <cs:hiLoLine>
-    <cs:lnRef idx="0"/>
-    <cs:fillRef idx="0"/>
-    <cs:effectRef idx="0"/>
-    <cs:fontRef idx="minor">
-      <a:schemeClr val="tx1"/>
-    </cs:fontRef>
-    <cs:spPr>
-      <a:ln w="9525" cap="flat" cmpd="sng" algn="ctr">
-        <a:solidFill>
-          <a:schemeClr val="tx1">
-            <a:lumMod val="75000"/>
-            <a:lumOff val="25000"/>
-          </a:schemeClr>
-        </a:solidFill>
-        <a:round/>
-      </a:ln>
-    </cs:spPr>
-  </cs:hiLoLine>
-  <cs:leaderLine>
-    <cs:lnRef idx="0"/>
-    <cs:fillRef idx="0"/>
-    <cs:effectRef idx="0"/>
-    <cs:fontRef idx="minor">
-      <a:schemeClr val="tx1"/>
-    </cs:fontRef>
-    <cs:spPr>
-      <a:ln w="9525" cap="flat" cmpd="sng" algn="ctr">
-        <a:solidFill>
-          <a:schemeClr val="tx1">
-            <a:lumMod val="35000"/>
-            <a:lumOff val="65000"/>
-          </a:schemeClr>
-        </a:solidFill>
-        <a:round/>
-      </a:ln>
-    </cs:spPr>
-  </cs:leaderLine>
-  <cs:legend>
-    <cs:lnRef idx="0"/>
-    <cs:fillRef idx="0"/>
-    <cs:effectRef idx="0"/>
-    <cs:fontRef idx="minor">
-      <a:schemeClr val="tx1">
-        <a:lumMod val="65000"/>
-        <a:lumOff val="35000"/>
-      </a:schemeClr>
-    </cs:fontRef>
-    <cs:defRPr sz="1197" kern="1200"/>
-  </cs:legend>
-  <cs:plotArea mods="allowNoFillOverride allowNoLineOverride">
-    <cs:lnRef idx="0"/>
-    <cs:fillRef idx="0"/>
-    <cs:effectRef idx="0"/>
-    <cs:fontRef idx="minor">
-      <a:schemeClr val="tx1"/>
-    </cs:fontRef>
-  </cs:plotArea>
-  <cs:plotArea3D mods="allowNoFillOverride allowNoLineOverride">
-    <cs:lnRef idx="0"/>
-    <cs:fillRef idx="0"/>
-    <cs:effectRef idx="0"/>
-    <cs:fontRef idx="minor">
-      <a:schemeClr val="tx1"/>
-    </cs:fontRef>
-  </cs:plotArea3D>
-  <cs:seriesAxis>
-    <cs:lnRef idx="0"/>
-    <cs:fillRef idx="0"/>
-    <cs:effectRef idx="0"/>
-    <cs:fontRef idx="minor">
-      <a:schemeClr val="tx1">
-        <a:lumMod val="65000"/>
-        <a:lumOff val="35000"/>
-      </a:schemeClr>
-    </cs:fontRef>
-    <cs:defRPr sz="1197" kern="1200"/>
-  </cs:seriesAxis>
-  <cs:seriesLine>
-    <cs:lnRef idx="0"/>
-    <cs:fillRef idx="0"/>
-    <cs:effectRef idx="0"/>
-    <cs:fontRef idx="minor">
-      <a:schemeClr val="tx1"/>
-    </cs:fontRef>
-    <cs:spPr>
-      <a:ln w="9525" cap="flat" cmpd="sng" algn="ctr">
-        <a:solidFill>
-          <a:schemeClr val="tx1">
-            <a:lumMod val="35000"/>
-            <a:lumOff val="65000"/>
-          </a:schemeClr>
-        </a:solidFill>
-        <a:round/>
-      </a:ln>
-    </cs:spPr>
-  </cs:seriesLine>
-  <cs:title>
-    <cs:lnRef idx="0"/>
-    <cs:fillRef idx="0"/>
-    <cs:effectRef idx="0"/>
-    <cs:fontRef idx="minor">
-      <a:schemeClr val="tx1">
-        <a:lumMod val="65000"/>
-        <a:lumOff val="35000"/>
-      </a:schemeClr>
-    </cs:fontRef>
-    <cs:defRPr sz="1862" b="0" kern="1200" spc="0" baseline="0"/>
-  </cs:title>
-  <cs:trendline>
-    <cs:lnRef idx="0">
-      <cs:styleClr val="auto"/>
-    </cs:lnRef>
-    <cs:fillRef idx="0"/>
-    <cs:effectRef idx="0"/>
-    <cs:fontRef idx="minor">
-      <a:schemeClr val="tx1"/>
-    </cs:fontRef>
-    <cs:spPr>
-      <a:ln w="19050" cap="rnd">
-        <a:solidFill>
-          <a:schemeClr val="phClr"/>
-        </a:solidFill>
-        <a:prstDash val="sysDot"/>
-      </a:ln>
-    </cs:spPr>
-  </cs:trendline>
-  <cs:trendlineLabel>
-    <cs:lnRef idx="0"/>
-    <cs:fillRef idx="0"/>
-    <cs:effectRef idx="0"/>
-    <cs:fontRef idx="minor">
-      <a:schemeClr val="tx1">
-        <a:lumMod val="65000"/>
-        <a:lumOff val="35000"/>
-      </a:schemeClr>
-    </cs:fontRef>
-    <cs:defRPr sz="1197" kern="1200"/>
-  </cs:trendlineLabel>
-  <cs:upBar>
-    <cs:lnRef idx="0"/>
-    <cs:fillRef idx="0"/>
-    <cs:effectRef idx="0"/>
-    <cs:fontRef idx="minor">
-      <a:schemeClr val="dk1"/>
-    </cs:fontRef>
-    <cs:spPr>
-      <a:solidFill>
-        <a:schemeClr val="lt1"/>
-      </a:solidFill>
-      <a:ln w="9525">
-        <a:solidFill>
-          <a:schemeClr val="tx1">
-            <a:lumMod val="15000"/>
-            <a:lumOff val="85000"/>
-          </a:schemeClr>
-        </a:solidFill>
-      </a:ln>
-    </cs:spPr>
-  </cs:upBar>
-  <cs:valueAxis>
-    <cs:lnRef idx="0"/>
-    <cs:fillRef idx="0"/>
-    <cs:effectRef idx="0"/>
-    <cs:fontRef idx="minor">
-      <a:schemeClr val="tx1">
-        <a:lumMod val="65000"/>
-        <a:lumOff val="35000"/>
-      </a:schemeClr>
-    </cs:fontRef>
-    <cs:defRPr sz="1197" kern="1200"/>
-  </cs:valueAxis>
-  <cs:wall>
-    <cs:lnRef idx="0"/>
-    <cs:fillRef idx="0"/>
-    <cs:effectRef idx="0"/>
-    <cs:fontRef idx="minor">
-      <a:schemeClr val="tx1"/>
-    </cs:fontRef>
-    <cs:spPr>
-      <a:noFill/>
-      <a:ln>
-        <a:noFill/>
-      </a:ln>
-    </cs:spPr>
-  </cs:wall>
-</cs:chartStyle>
-</file>
-
-<file path=ppt/charts/style2.xml><?xml version="1.0" encoding="utf-8"?>
-<cs:chartStyle xmlns:cs="http://schemas.microsoft.com/office/drawing/2012/chartStyle" xmlns:a="http://schemas.openxmlformats.org/drawingml/2006/main" id="201">
-  <cs:axisTitle>
-    <cs:lnRef idx="0"/>
-    <cs:fillRef idx="0"/>
-    <cs:effectRef idx="0"/>
-    <cs:fontRef idx="minor">
-      <a:schemeClr val="tx1">
-        <a:lumMod val="65000"/>
-        <a:lumOff val="35000"/>
-      </a:schemeClr>
-    </cs:fontRef>
-    <cs:defRPr sz="1000" kern="1200"/>
-  </cs:axisTitle>
-  <cs:categoryAxis>
-    <cs:lnRef idx="0"/>
-    <cs:fillRef idx="0"/>
-    <cs:effectRef idx="0"/>
-    <cs:fontRef idx="minor">
-      <a:schemeClr val="tx1">
-        <a:lumMod val="65000"/>
-        <a:lumOff val="35000"/>
-      </a:schemeClr>
-    </cs:fontRef>
-    <cs:spPr>
-      <a:ln w="9525" cap="flat" cmpd="sng" algn="ctr">
+      <a:ln w="12700" cap="flat" cmpd="sng" algn="ctr">
         <a:solidFill>
           <a:schemeClr val="tx1">
             <a:lumMod val="15000"/>
@@ -3301,7 +3963,7 @@
     <cs:fillRef idx="0"/>
     <cs:effectRef idx="0"/>
     <cs:fontRef idx="minor">
-      <a:schemeClr val="tx1"/>
+      <a:schemeClr val="tx2"/>
     </cs:fontRef>
     <cs:spPr>
       <a:solidFill>
@@ -3317,7 +3979,7 @@
         <a:round/>
       </a:ln>
     </cs:spPr>
-    <cs:defRPr sz="1000" kern="1200"/>
+    <cs:defRPr sz="900" kern="1200"/>
   </cs:chartArea>
   <cs:dataLabel>
     <cs:lnRef idx="0"/>
@@ -3361,35 +4023,35 @@
   </cs:dataLabelCallout>
   <cs:dataPoint>
     <cs:lnRef idx="0"/>
-    <cs:fillRef idx="1">
+    <cs:fillRef idx="3">
       <cs:styleClr val="auto"/>
     </cs:fillRef>
-    <cs:effectRef idx="0"/>
+    <cs:effectRef idx="3"/>
     <cs:fontRef idx="minor">
-      <a:schemeClr val="tx1"/>
+      <a:schemeClr val="lt1"/>
     </cs:fontRef>
   </cs:dataPoint>
   <cs:dataPoint3D>
     <cs:lnRef idx="0"/>
-    <cs:fillRef idx="1">
+    <cs:fillRef idx="3">
       <cs:styleClr val="auto"/>
     </cs:fillRef>
-    <cs:effectRef idx="0"/>
+    <cs:effectRef idx="3"/>
     <cs:fontRef idx="minor">
-      <a:schemeClr val="tx1"/>
+      <a:schemeClr val="lt1"/>
     </cs:fontRef>
   </cs:dataPoint3D>
   <cs:dataPointLine>
     <cs:lnRef idx="0">
       <cs:styleClr val="auto"/>
     </cs:lnRef>
-    <cs:fillRef idx="1"/>
-    <cs:effectRef idx="0"/>
+    <cs:fillRef idx="3"/>
+    <cs:effectRef idx="3"/>
     <cs:fontRef idx="minor">
-      <a:schemeClr val="tx1"/>
+      <a:schemeClr val="lt1"/>
     </cs:fontRef>
     <cs:spPr>
-      <a:ln w="28575" cap="rnd">
+      <a:ln w="34925" cap="rnd">
         <a:solidFill>
           <a:schemeClr val="phClr"/>
         </a:solidFill>
@@ -3401,30 +4063,31 @@
     <cs:lnRef idx="0">
       <cs:styleClr val="auto"/>
     </cs:lnRef>
-    <cs:fillRef idx="1">
+    <cs:fillRef idx="3">
       <cs:styleClr val="auto"/>
     </cs:fillRef>
-    <cs:effectRef idx="0"/>
+    <cs:effectRef idx="3"/>
     <cs:fontRef idx="minor">
-      <a:schemeClr val="tx1"/>
+      <a:schemeClr val="lt1"/>
     </cs:fontRef>
     <cs:spPr>
       <a:ln w="9525">
         <a:solidFill>
           <a:schemeClr val="phClr"/>
         </a:solidFill>
+        <a:round/>
       </a:ln>
     </cs:spPr>
   </cs:dataPointMarker>
-  <cs:dataPointMarkerLayout symbol="circle" size="5"/>
+  <cs:dataPointMarkerLayout symbol="circle" size="6"/>
   <cs:dataPointWireframe>
     <cs:lnRef idx="0">
       <cs:styleClr val="auto"/>
     </cs:lnRef>
-    <cs:fillRef idx="1"/>
-    <cs:effectRef idx="0"/>
+    <cs:fillRef idx="3"/>
+    <cs:effectRef idx="3"/>
     <cs:fontRef idx="minor">
-      <a:schemeClr val="tx1"/>
+      <a:schemeClr val="lt1"/>
     </cs:fontRef>
     <cs:spPr>
       <a:ln w="9525" cap="rnd">
@@ -3526,14 +4189,8 @@
     <cs:fillRef idx="0"/>
     <cs:effectRef idx="0"/>
     <cs:fontRef idx="minor">
-      <a:schemeClr val="tx1"/>
+      <a:schemeClr val="lt1"/>
     </cs:fontRef>
-    <cs:spPr>
-      <a:noFill/>
-      <a:ln>
-        <a:noFill/>
-      </a:ln>
-    </cs:spPr>
   </cs:floor>
   <cs:gridlineMajor>
     <cs:lnRef idx="0"/>
@@ -3623,20 +4280,20 @@
     </cs:fontRef>
     <cs:defRPr sz="900" kern="1200"/>
   </cs:legend>
-  <cs:plotArea mods="allowNoFillOverride allowNoLineOverride">
+  <cs:plotArea>
     <cs:lnRef idx="0"/>
     <cs:fillRef idx="0"/>
     <cs:effectRef idx="0"/>
     <cs:fontRef idx="minor">
-      <a:schemeClr val="tx1"/>
+      <a:schemeClr val="lt1"/>
     </cs:fontRef>
   </cs:plotArea>
-  <cs:plotArea3D mods="allowNoFillOverride allowNoLineOverride">
+  <cs:plotArea3D>
     <cs:lnRef idx="0"/>
     <cs:fillRef idx="0"/>
     <cs:effectRef idx="0"/>
     <cs:fontRef idx="minor">
-      <a:schemeClr val="tx1"/>
+      <a:schemeClr val="lt1"/>
     </cs:fontRef>
   </cs:plotArea3D>
   <cs:seriesAxis>
@@ -3649,6 +4306,17 @@
         <a:lumOff val="35000"/>
       </a:schemeClr>
     </cs:fontRef>
+    <cs:spPr>
+      <a:ln w="12700" cap="flat" cmpd="sng" algn="ctr">
+        <a:solidFill>
+          <a:schemeClr val="tx1">
+            <a:lumMod val="15000"/>
+            <a:lumOff val="85000"/>
+          </a:schemeClr>
+        </a:solidFill>
+        <a:round/>
+      </a:ln>
+    </cs:spPr>
     <cs:defRPr sz="900" kern="1200"/>
   </cs:seriesAxis>
   <cs:seriesLine>
@@ -3680,7 +4348,7 @@
         <a:lumOff val="35000"/>
       </a:schemeClr>
     </cs:fontRef>
-    <cs:defRPr sz="1400" b="0" kern="1200" spc="0" baseline="0"/>
+    <cs:defRPr sz="1600" b="1" kern="1200" baseline="0"/>
   </cs:title>
   <cs:trendline>
     <cs:lnRef idx="0">
@@ -3689,14 +4357,13 @@
     <cs:fillRef idx="0"/>
     <cs:effectRef idx="0"/>
     <cs:fontRef idx="minor">
-      <a:schemeClr val="tx1"/>
+      <a:schemeClr val="lt1"/>
     </cs:fontRef>
     <cs:spPr>
       <a:ln w="19050" cap="rnd">
         <a:solidFill>
           <a:schemeClr val="phClr"/>
         </a:solidFill>
-        <a:prstDash val="sysDot"/>
       </a:ln>
     </cs:spPr>
   </cs:trendline>
@@ -3750,20 +4417,14 @@
     <cs:fillRef idx="0"/>
     <cs:effectRef idx="0"/>
     <cs:fontRef idx="minor">
-      <a:schemeClr val="tx1"/>
+      <a:schemeClr val="lt1"/>
     </cs:fontRef>
-    <cs:spPr>
-      <a:noFill/>
-      <a:ln>
-        <a:noFill/>
-      </a:ln>
-    </cs:spPr>
   </cs:wall>
 </cs:chartStyle>
 </file>
 
-<file path=ppt/charts/style3.xml><?xml version="1.0" encoding="utf-8"?>
-<cs:chartStyle xmlns:cs="http://schemas.microsoft.com/office/drawing/2012/chartStyle" xmlns:a="http://schemas.openxmlformats.org/drawingml/2006/main" id="201">
+<file path=ppt/charts/style2.xml><?xml version="1.0" encoding="utf-8"?>
+<cs:chartStyle xmlns:cs="http://schemas.microsoft.com/office/drawing/2012/chartStyle" xmlns:a="http://schemas.openxmlformats.org/drawingml/2006/main" id="340">
   <cs:axisTitle>
     <cs:lnRef idx="0"/>
     <cs:fillRef idx="0"/>
@@ -3774,7 +4435,7 @@
         <a:lumOff val="35000"/>
       </a:schemeClr>
     </cs:fontRef>
-    <cs:defRPr sz="1000" kern="1200"/>
+    <cs:defRPr sz="900" kern="1200"/>
   </cs:axisTitle>
   <cs:categoryAxis>
     <cs:lnRef idx="0"/>
@@ -3787,7 +4448,7 @@
       </a:schemeClr>
     </cs:fontRef>
     <cs:spPr>
-      <a:ln w="9525" cap="flat" cmpd="sng" algn="ctr">
+      <a:ln w="12700" cap="flat" cmpd="sng" algn="ctr">
         <a:solidFill>
           <a:schemeClr val="tx1">
             <a:lumMod val="15000"/>
@@ -3804,7 +4465,7 @@
     <cs:fillRef idx="0"/>
     <cs:effectRef idx="0"/>
     <cs:fontRef idx="minor">
-      <a:schemeClr val="tx1"/>
+      <a:schemeClr val="tx2"/>
     </cs:fontRef>
     <cs:spPr>
       <a:solidFill>
@@ -3820,7 +4481,7 @@
         <a:round/>
       </a:ln>
     </cs:spPr>
-    <cs:defRPr sz="1000" kern="1200"/>
+    <cs:defRPr sz="900" kern="1200"/>
   </cs:chartArea>
   <cs:dataLabel>
     <cs:lnRef idx="0"/>
@@ -3864,35 +4525,35 @@
   </cs:dataLabelCallout>
   <cs:dataPoint>
     <cs:lnRef idx="0"/>
-    <cs:fillRef idx="1">
+    <cs:fillRef idx="3">
       <cs:styleClr val="auto"/>
     </cs:fillRef>
-    <cs:effectRef idx="0"/>
+    <cs:effectRef idx="3"/>
     <cs:fontRef idx="minor">
-      <a:schemeClr val="tx1"/>
+      <a:schemeClr val="lt1"/>
     </cs:fontRef>
   </cs:dataPoint>
   <cs:dataPoint3D>
     <cs:lnRef idx="0"/>
-    <cs:fillRef idx="1">
+    <cs:fillRef idx="3">
       <cs:styleClr val="auto"/>
     </cs:fillRef>
-    <cs:effectRef idx="0"/>
+    <cs:effectRef idx="3"/>
     <cs:fontRef idx="minor">
-      <a:schemeClr val="tx1"/>
+      <a:schemeClr val="lt1"/>
     </cs:fontRef>
   </cs:dataPoint3D>
   <cs:dataPointLine>
     <cs:lnRef idx="0">
       <cs:styleClr val="auto"/>
     </cs:lnRef>
-    <cs:fillRef idx="1"/>
-    <cs:effectRef idx="0"/>
+    <cs:fillRef idx="3"/>
+    <cs:effectRef idx="3"/>
     <cs:fontRef idx="minor">
-      <a:schemeClr val="tx1"/>
+      <a:schemeClr val="lt1"/>
     </cs:fontRef>
     <cs:spPr>
-      <a:ln w="28575" cap="rnd">
+      <a:ln w="34925" cap="rnd">
         <a:solidFill>
           <a:schemeClr val="phClr"/>
         </a:solidFill>
@@ -3904,30 +4565,31 @@
     <cs:lnRef idx="0">
       <cs:styleClr val="auto"/>
     </cs:lnRef>
-    <cs:fillRef idx="1">
+    <cs:fillRef idx="3">
       <cs:styleClr val="auto"/>
     </cs:fillRef>
-    <cs:effectRef idx="0"/>
+    <cs:effectRef idx="3"/>
     <cs:fontRef idx="minor">
-      <a:schemeClr val="tx1"/>
+      <a:schemeClr val="lt1"/>
     </cs:fontRef>
     <cs:spPr>
       <a:ln w="9525">
         <a:solidFill>
           <a:schemeClr val="phClr"/>
         </a:solidFill>
+        <a:round/>
       </a:ln>
     </cs:spPr>
   </cs:dataPointMarker>
-  <cs:dataPointMarkerLayout symbol="circle" size="5"/>
+  <cs:dataPointMarkerLayout symbol="circle" size="6"/>
   <cs:dataPointWireframe>
     <cs:lnRef idx="0">
       <cs:styleClr val="auto"/>
     </cs:lnRef>
-    <cs:fillRef idx="1"/>
-    <cs:effectRef idx="0"/>
+    <cs:fillRef idx="3"/>
+    <cs:effectRef idx="3"/>
     <cs:fontRef idx="minor">
-      <a:schemeClr val="tx1"/>
+      <a:schemeClr val="lt1"/>
     </cs:fontRef>
     <cs:spPr>
       <a:ln w="9525" cap="rnd">
@@ -4029,14 +4691,8 @@
     <cs:fillRef idx="0"/>
     <cs:effectRef idx="0"/>
     <cs:fontRef idx="minor">
-      <a:schemeClr val="tx1"/>
+      <a:schemeClr val="lt1"/>
     </cs:fontRef>
-    <cs:spPr>
-      <a:noFill/>
-      <a:ln>
-        <a:noFill/>
-      </a:ln>
-    </cs:spPr>
   </cs:floor>
   <cs:gridlineMajor>
     <cs:lnRef idx="0"/>
@@ -4126,20 +4782,20 @@
     </cs:fontRef>
     <cs:defRPr sz="900" kern="1200"/>
   </cs:legend>
-  <cs:plotArea mods="allowNoFillOverride allowNoLineOverride">
+  <cs:plotArea>
     <cs:lnRef idx="0"/>
     <cs:fillRef idx="0"/>
     <cs:effectRef idx="0"/>
     <cs:fontRef idx="minor">
-      <a:schemeClr val="tx1"/>
+      <a:schemeClr val="lt1"/>
     </cs:fontRef>
   </cs:plotArea>
-  <cs:plotArea3D mods="allowNoFillOverride allowNoLineOverride">
+  <cs:plotArea3D>
     <cs:lnRef idx="0"/>
     <cs:fillRef idx="0"/>
     <cs:effectRef idx="0"/>
     <cs:fontRef idx="minor">
-      <a:schemeClr val="tx1"/>
+      <a:schemeClr val="lt1"/>
     </cs:fontRef>
   </cs:plotArea3D>
   <cs:seriesAxis>
@@ -4152,6 +4808,17 @@
         <a:lumOff val="35000"/>
       </a:schemeClr>
     </cs:fontRef>
+    <cs:spPr>
+      <a:ln w="12700" cap="flat" cmpd="sng" algn="ctr">
+        <a:solidFill>
+          <a:schemeClr val="tx1">
+            <a:lumMod val="15000"/>
+            <a:lumOff val="85000"/>
+          </a:schemeClr>
+        </a:solidFill>
+        <a:round/>
+      </a:ln>
+    </cs:spPr>
     <cs:defRPr sz="900" kern="1200"/>
   </cs:seriesAxis>
   <cs:seriesLine>
@@ -4183,7 +4850,7 @@
         <a:lumOff val="35000"/>
       </a:schemeClr>
     </cs:fontRef>
-    <cs:defRPr sz="1400" b="0" kern="1200" spc="0" baseline="0"/>
+    <cs:defRPr sz="1600" b="1" kern="1200" baseline="0"/>
   </cs:title>
   <cs:trendline>
     <cs:lnRef idx="0">
@@ -4192,14 +4859,13 @@
     <cs:fillRef idx="0"/>
     <cs:effectRef idx="0"/>
     <cs:fontRef idx="minor">
-      <a:schemeClr val="tx1"/>
+      <a:schemeClr val="lt1"/>
     </cs:fontRef>
     <cs:spPr>
       <a:ln w="19050" cap="rnd">
         <a:solidFill>
           <a:schemeClr val="phClr"/>
         </a:solidFill>
-        <a:prstDash val="sysDot"/>
       </a:ln>
     </cs:spPr>
   </cs:trendline>
@@ -4253,20 +4919,14 @@
     <cs:fillRef idx="0"/>
     <cs:effectRef idx="0"/>
     <cs:fontRef idx="minor">
-      <a:schemeClr val="tx1"/>
+      <a:schemeClr val="lt1"/>
     </cs:fontRef>
-    <cs:spPr>
-      <a:noFill/>
-      <a:ln>
-        <a:noFill/>
-      </a:ln>
-    </cs:spPr>
   </cs:wall>
 </cs:chartStyle>
 </file>
 
-<file path=ppt/charts/style4.xml><?xml version="1.0" encoding="utf-8"?>
-<cs:chartStyle xmlns:cs="http://schemas.microsoft.com/office/drawing/2012/chartStyle" xmlns:a="http://schemas.openxmlformats.org/drawingml/2006/main" id="201">
+<file path=ppt/charts/style3.xml><?xml version="1.0" encoding="utf-8"?>
+<cs:chartStyle xmlns:cs="http://schemas.microsoft.com/office/drawing/2012/chartStyle" xmlns:a="http://schemas.openxmlformats.org/drawingml/2006/main" id="340">
   <cs:axisTitle>
     <cs:lnRef idx="0"/>
     <cs:fillRef idx="0"/>
@@ -4277,7 +4937,7 @@
         <a:lumOff val="35000"/>
       </a:schemeClr>
     </cs:fontRef>
-    <cs:defRPr sz="1000" kern="1200"/>
+    <cs:defRPr sz="900" kern="1200"/>
   </cs:axisTitle>
   <cs:categoryAxis>
     <cs:lnRef idx="0"/>
@@ -4290,7 +4950,7 @@
       </a:schemeClr>
     </cs:fontRef>
     <cs:spPr>
-      <a:ln w="9525" cap="flat" cmpd="sng" algn="ctr">
+      <a:ln w="12700" cap="flat" cmpd="sng" algn="ctr">
         <a:solidFill>
           <a:schemeClr val="tx1">
             <a:lumMod val="15000"/>
@@ -4307,7 +4967,7 @@
     <cs:fillRef idx="0"/>
     <cs:effectRef idx="0"/>
     <cs:fontRef idx="minor">
-      <a:schemeClr val="tx1"/>
+      <a:schemeClr val="tx2"/>
     </cs:fontRef>
     <cs:spPr>
       <a:solidFill>
@@ -4323,7 +4983,7 @@
         <a:round/>
       </a:ln>
     </cs:spPr>
-    <cs:defRPr sz="1000" kern="1200"/>
+    <cs:defRPr sz="900" kern="1200"/>
   </cs:chartArea>
   <cs:dataLabel>
     <cs:lnRef idx="0"/>
@@ -4367,35 +5027,35 @@
   </cs:dataLabelCallout>
   <cs:dataPoint>
     <cs:lnRef idx="0"/>
-    <cs:fillRef idx="1">
+    <cs:fillRef idx="3">
       <cs:styleClr val="auto"/>
     </cs:fillRef>
-    <cs:effectRef idx="0"/>
+    <cs:effectRef idx="3"/>
     <cs:fontRef idx="minor">
-      <a:schemeClr val="tx1"/>
+      <a:schemeClr val="lt1"/>
     </cs:fontRef>
   </cs:dataPoint>
   <cs:dataPoint3D>
     <cs:lnRef idx="0"/>
-    <cs:fillRef idx="1">
+    <cs:fillRef idx="3">
       <cs:styleClr val="auto"/>
     </cs:fillRef>
-    <cs:effectRef idx="0"/>
+    <cs:effectRef idx="3"/>
     <cs:fontRef idx="minor">
-      <a:schemeClr val="tx1"/>
+      <a:schemeClr val="lt1"/>
     </cs:fontRef>
   </cs:dataPoint3D>
   <cs:dataPointLine>
     <cs:lnRef idx="0">
       <cs:styleClr val="auto"/>
     </cs:lnRef>
-    <cs:fillRef idx="1"/>
-    <cs:effectRef idx="0"/>
+    <cs:fillRef idx="3"/>
+    <cs:effectRef idx="3"/>
     <cs:fontRef idx="minor">
-      <a:schemeClr val="tx1"/>
+      <a:schemeClr val="lt1"/>
     </cs:fontRef>
     <cs:spPr>
-      <a:ln w="28575" cap="rnd">
+      <a:ln w="34925" cap="rnd">
         <a:solidFill>
           <a:schemeClr val="phClr"/>
         </a:solidFill>
@@ -4407,30 +5067,31 @@
     <cs:lnRef idx="0">
       <cs:styleClr val="auto"/>
     </cs:lnRef>
-    <cs:fillRef idx="1">
+    <cs:fillRef idx="3">
       <cs:styleClr val="auto"/>
     </cs:fillRef>
-    <cs:effectRef idx="0"/>
+    <cs:effectRef idx="3"/>
     <cs:fontRef idx="minor">
-      <a:schemeClr val="tx1"/>
+      <a:schemeClr val="lt1"/>
     </cs:fontRef>
     <cs:spPr>
       <a:ln w="9525">
         <a:solidFill>
           <a:schemeClr val="phClr"/>
         </a:solidFill>
+        <a:round/>
       </a:ln>
     </cs:spPr>
   </cs:dataPointMarker>
-  <cs:dataPointMarkerLayout symbol="circle" size="5"/>
+  <cs:dataPointMarkerLayout symbol="circle" size="6"/>
   <cs:dataPointWireframe>
     <cs:lnRef idx="0">
       <cs:styleClr val="auto"/>
     </cs:lnRef>
-    <cs:fillRef idx="1"/>
-    <cs:effectRef idx="0"/>
+    <cs:fillRef idx="3"/>
+    <cs:effectRef idx="3"/>
     <cs:fontRef idx="minor">
-      <a:schemeClr val="tx1"/>
+      <a:schemeClr val="lt1"/>
     </cs:fontRef>
     <cs:spPr>
       <a:ln w="9525" cap="rnd">
@@ -4532,14 +5193,8 @@
     <cs:fillRef idx="0"/>
     <cs:effectRef idx="0"/>
     <cs:fontRef idx="minor">
-      <a:schemeClr val="tx1"/>
+      <a:schemeClr val="lt1"/>
     </cs:fontRef>
-    <cs:spPr>
-      <a:noFill/>
-      <a:ln>
-        <a:noFill/>
-      </a:ln>
-    </cs:spPr>
   </cs:floor>
   <cs:gridlineMajor>
     <cs:lnRef idx="0"/>
@@ -4629,20 +5284,20 @@
     </cs:fontRef>
     <cs:defRPr sz="900" kern="1200"/>
   </cs:legend>
-  <cs:plotArea mods="allowNoFillOverride allowNoLineOverride">
+  <cs:plotArea>
     <cs:lnRef idx="0"/>
     <cs:fillRef idx="0"/>
     <cs:effectRef idx="0"/>
     <cs:fontRef idx="minor">
-      <a:schemeClr val="tx1"/>
+      <a:schemeClr val="lt1"/>
     </cs:fontRef>
   </cs:plotArea>
-  <cs:plotArea3D mods="allowNoFillOverride allowNoLineOverride">
+  <cs:plotArea3D>
     <cs:lnRef idx="0"/>
     <cs:fillRef idx="0"/>
     <cs:effectRef idx="0"/>
     <cs:fontRef idx="minor">
-      <a:schemeClr val="tx1"/>
+      <a:schemeClr val="lt1"/>
     </cs:fontRef>
   </cs:plotArea3D>
   <cs:seriesAxis>
@@ -4655,6 +5310,17 @@
         <a:lumOff val="35000"/>
       </a:schemeClr>
     </cs:fontRef>
+    <cs:spPr>
+      <a:ln w="12700" cap="flat" cmpd="sng" algn="ctr">
+        <a:solidFill>
+          <a:schemeClr val="tx1">
+            <a:lumMod val="15000"/>
+            <a:lumOff val="85000"/>
+          </a:schemeClr>
+        </a:solidFill>
+        <a:round/>
+      </a:ln>
+    </cs:spPr>
     <cs:defRPr sz="900" kern="1200"/>
   </cs:seriesAxis>
   <cs:seriesLine>
@@ -4686,7 +5352,7 @@
         <a:lumOff val="35000"/>
       </a:schemeClr>
     </cs:fontRef>
-    <cs:defRPr sz="1400" b="0" kern="1200" spc="0" baseline="0"/>
+    <cs:defRPr sz="1600" b="1" kern="1200" baseline="0"/>
   </cs:title>
   <cs:trendline>
     <cs:lnRef idx="0">
@@ -4695,14 +5361,13 @@
     <cs:fillRef idx="0"/>
     <cs:effectRef idx="0"/>
     <cs:fontRef idx="minor">
-      <a:schemeClr val="tx1"/>
+      <a:schemeClr val="lt1"/>
     </cs:fontRef>
     <cs:spPr>
       <a:ln w="19050" cap="rnd">
         <a:solidFill>
           <a:schemeClr val="phClr"/>
         </a:solidFill>
-        <a:prstDash val="sysDot"/>
       </a:ln>
     </cs:spPr>
   </cs:trendline>
@@ -4756,14 +5421,510 @@
     <cs:fillRef idx="0"/>
     <cs:effectRef idx="0"/>
     <cs:fontRef idx="minor">
+      <a:schemeClr val="lt1"/>
+    </cs:fontRef>
+  </cs:wall>
+</cs:chartStyle>
+</file>
+
+<file path=ppt/charts/style4.xml><?xml version="1.0" encoding="utf-8"?>
+<cs:chartStyle xmlns:cs="http://schemas.microsoft.com/office/drawing/2012/chartStyle" xmlns:a="http://schemas.openxmlformats.org/drawingml/2006/main" id="340">
+  <cs:axisTitle>
+    <cs:lnRef idx="0"/>
+    <cs:fillRef idx="0"/>
+    <cs:effectRef idx="0"/>
+    <cs:fontRef idx="minor">
+      <a:schemeClr val="tx1">
+        <a:lumMod val="65000"/>
+        <a:lumOff val="35000"/>
+      </a:schemeClr>
+    </cs:fontRef>
+    <cs:defRPr sz="900" kern="1200"/>
+  </cs:axisTitle>
+  <cs:categoryAxis>
+    <cs:lnRef idx="0"/>
+    <cs:fillRef idx="0"/>
+    <cs:effectRef idx="0"/>
+    <cs:fontRef idx="minor">
+      <a:schemeClr val="tx1">
+        <a:lumMod val="65000"/>
+        <a:lumOff val="35000"/>
+      </a:schemeClr>
+    </cs:fontRef>
+    <cs:spPr>
+      <a:ln w="12700" cap="flat" cmpd="sng" algn="ctr">
+        <a:solidFill>
+          <a:schemeClr val="tx1">
+            <a:lumMod val="15000"/>
+            <a:lumOff val="85000"/>
+          </a:schemeClr>
+        </a:solidFill>
+        <a:round/>
+      </a:ln>
+    </cs:spPr>
+    <cs:defRPr sz="900" kern="1200"/>
+  </cs:categoryAxis>
+  <cs:chartArea mods="allowNoFillOverride allowNoLineOverride">
+    <cs:lnRef idx="0"/>
+    <cs:fillRef idx="0"/>
+    <cs:effectRef idx="0"/>
+    <cs:fontRef idx="minor">
+      <a:schemeClr val="tx2"/>
+    </cs:fontRef>
+    <cs:spPr>
+      <a:solidFill>
+        <a:schemeClr val="bg1"/>
+      </a:solidFill>
+      <a:ln w="9525" cap="flat" cmpd="sng" algn="ctr">
+        <a:solidFill>
+          <a:schemeClr val="tx1">
+            <a:lumMod val="15000"/>
+            <a:lumOff val="85000"/>
+          </a:schemeClr>
+        </a:solidFill>
+        <a:round/>
+      </a:ln>
+    </cs:spPr>
+    <cs:defRPr sz="900" kern="1200"/>
+  </cs:chartArea>
+  <cs:dataLabel>
+    <cs:lnRef idx="0"/>
+    <cs:fillRef idx="0"/>
+    <cs:effectRef idx="0"/>
+    <cs:fontRef idx="minor">
+      <a:schemeClr val="tx1">
+        <a:lumMod val="75000"/>
+        <a:lumOff val="25000"/>
+      </a:schemeClr>
+    </cs:fontRef>
+    <cs:defRPr sz="900" kern="1200"/>
+  </cs:dataLabel>
+  <cs:dataLabelCallout>
+    <cs:lnRef idx="0"/>
+    <cs:fillRef idx="0"/>
+    <cs:effectRef idx="0"/>
+    <cs:fontRef idx="minor">
+      <a:schemeClr val="dk1">
+        <a:lumMod val="65000"/>
+        <a:lumOff val="35000"/>
+      </a:schemeClr>
+    </cs:fontRef>
+    <cs:spPr>
+      <a:solidFill>
+        <a:schemeClr val="lt1"/>
+      </a:solidFill>
+      <a:ln>
+        <a:solidFill>
+          <a:schemeClr val="dk1">
+            <a:lumMod val="25000"/>
+            <a:lumOff val="75000"/>
+          </a:schemeClr>
+        </a:solidFill>
+      </a:ln>
+    </cs:spPr>
+    <cs:defRPr sz="900" kern="1200"/>
+    <cs:bodyPr rot="0" spcFirstLastPara="1" vertOverflow="clip" horzOverflow="clip" vert="horz" wrap="square" lIns="36576" tIns="18288" rIns="36576" bIns="18288" anchor="ctr" anchorCtr="1">
+      <a:spAutoFit/>
+    </cs:bodyPr>
+  </cs:dataLabelCallout>
+  <cs:dataPoint>
+    <cs:lnRef idx="0"/>
+    <cs:fillRef idx="3">
+      <cs:styleClr val="auto"/>
+    </cs:fillRef>
+    <cs:effectRef idx="3"/>
+    <cs:fontRef idx="minor">
+      <a:schemeClr val="lt1"/>
+    </cs:fontRef>
+  </cs:dataPoint>
+  <cs:dataPoint3D>
+    <cs:lnRef idx="0"/>
+    <cs:fillRef idx="3">
+      <cs:styleClr val="auto"/>
+    </cs:fillRef>
+    <cs:effectRef idx="3"/>
+    <cs:fontRef idx="minor">
+      <a:schemeClr val="lt1"/>
+    </cs:fontRef>
+  </cs:dataPoint3D>
+  <cs:dataPointLine>
+    <cs:lnRef idx="0">
+      <cs:styleClr val="auto"/>
+    </cs:lnRef>
+    <cs:fillRef idx="3"/>
+    <cs:effectRef idx="3"/>
+    <cs:fontRef idx="minor">
+      <a:schemeClr val="lt1"/>
+    </cs:fontRef>
+    <cs:spPr>
+      <a:ln w="34925" cap="rnd">
+        <a:solidFill>
+          <a:schemeClr val="phClr"/>
+        </a:solidFill>
+        <a:round/>
+      </a:ln>
+    </cs:spPr>
+  </cs:dataPointLine>
+  <cs:dataPointMarker>
+    <cs:lnRef idx="0">
+      <cs:styleClr val="auto"/>
+    </cs:lnRef>
+    <cs:fillRef idx="3">
+      <cs:styleClr val="auto"/>
+    </cs:fillRef>
+    <cs:effectRef idx="3"/>
+    <cs:fontRef idx="minor">
+      <a:schemeClr val="lt1"/>
+    </cs:fontRef>
+    <cs:spPr>
+      <a:ln w="9525">
+        <a:solidFill>
+          <a:schemeClr val="phClr"/>
+        </a:solidFill>
+        <a:round/>
+      </a:ln>
+    </cs:spPr>
+  </cs:dataPointMarker>
+  <cs:dataPointMarkerLayout symbol="circle" size="6"/>
+  <cs:dataPointWireframe>
+    <cs:lnRef idx="0">
+      <cs:styleClr val="auto"/>
+    </cs:lnRef>
+    <cs:fillRef idx="3"/>
+    <cs:effectRef idx="3"/>
+    <cs:fontRef idx="minor">
+      <a:schemeClr val="lt1"/>
+    </cs:fontRef>
+    <cs:spPr>
+      <a:ln w="9525" cap="rnd">
+        <a:solidFill>
+          <a:schemeClr val="phClr"/>
+        </a:solidFill>
+        <a:round/>
+      </a:ln>
+    </cs:spPr>
+  </cs:dataPointWireframe>
+  <cs:dataTable>
+    <cs:lnRef idx="0"/>
+    <cs:fillRef idx="0"/>
+    <cs:effectRef idx="0"/>
+    <cs:fontRef idx="minor">
+      <a:schemeClr val="tx1">
+        <a:lumMod val="65000"/>
+        <a:lumOff val="35000"/>
+      </a:schemeClr>
+    </cs:fontRef>
+    <cs:spPr>
+      <a:noFill/>
+      <a:ln w="9525" cap="flat" cmpd="sng" algn="ctr">
+        <a:solidFill>
+          <a:schemeClr val="tx1">
+            <a:lumMod val="15000"/>
+            <a:lumOff val="85000"/>
+          </a:schemeClr>
+        </a:solidFill>
+        <a:round/>
+      </a:ln>
+    </cs:spPr>
+    <cs:defRPr sz="900" kern="1200"/>
+  </cs:dataTable>
+  <cs:downBar>
+    <cs:lnRef idx="0"/>
+    <cs:fillRef idx="0"/>
+    <cs:effectRef idx="0"/>
+    <cs:fontRef idx="minor">
+      <a:schemeClr val="dk1"/>
+    </cs:fontRef>
+    <cs:spPr>
+      <a:solidFill>
+        <a:schemeClr val="dk1">
+          <a:lumMod val="65000"/>
+          <a:lumOff val="35000"/>
+        </a:schemeClr>
+      </a:solidFill>
+      <a:ln w="9525">
+        <a:solidFill>
+          <a:schemeClr val="tx1">
+            <a:lumMod val="65000"/>
+            <a:lumOff val="35000"/>
+          </a:schemeClr>
+        </a:solidFill>
+      </a:ln>
+    </cs:spPr>
+  </cs:downBar>
+  <cs:dropLine>
+    <cs:lnRef idx="0"/>
+    <cs:fillRef idx="0"/>
+    <cs:effectRef idx="0"/>
+    <cs:fontRef idx="minor">
       <a:schemeClr val="tx1"/>
     </cs:fontRef>
     <cs:spPr>
-      <a:noFill/>
-      <a:ln>
-        <a:noFill/>
+      <a:ln w="9525" cap="flat" cmpd="sng" algn="ctr">
+        <a:solidFill>
+          <a:schemeClr val="tx1">
+            <a:lumMod val="35000"/>
+            <a:lumOff val="65000"/>
+          </a:schemeClr>
+        </a:solidFill>
+        <a:round/>
       </a:ln>
     </cs:spPr>
+  </cs:dropLine>
+  <cs:errorBar>
+    <cs:lnRef idx="0"/>
+    <cs:fillRef idx="0"/>
+    <cs:effectRef idx="0"/>
+    <cs:fontRef idx="minor">
+      <a:schemeClr val="tx1"/>
+    </cs:fontRef>
+    <cs:spPr>
+      <a:ln w="9525" cap="flat" cmpd="sng" algn="ctr">
+        <a:solidFill>
+          <a:schemeClr val="tx1">
+            <a:lumMod val="65000"/>
+            <a:lumOff val="35000"/>
+          </a:schemeClr>
+        </a:solidFill>
+        <a:round/>
+      </a:ln>
+    </cs:spPr>
+  </cs:errorBar>
+  <cs:floor>
+    <cs:lnRef idx="0"/>
+    <cs:fillRef idx="0"/>
+    <cs:effectRef idx="0"/>
+    <cs:fontRef idx="minor">
+      <a:schemeClr val="lt1"/>
+    </cs:fontRef>
+  </cs:floor>
+  <cs:gridlineMajor>
+    <cs:lnRef idx="0"/>
+    <cs:fillRef idx="0"/>
+    <cs:effectRef idx="0"/>
+    <cs:fontRef idx="minor">
+      <a:schemeClr val="tx1"/>
+    </cs:fontRef>
+    <cs:spPr>
+      <a:ln w="9525" cap="flat" cmpd="sng" algn="ctr">
+        <a:solidFill>
+          <a:schemeClr val="tx1">
+            <a:lumMod val="15000"/>
+            <a:lumOff val="85000"/>
+          </a:schemeClr>
+        </a:solidFill>
+        <a:round/>
+      </a:ln>
+    </cs:spPr>
+  </cs:gridlineMajor>
+  <cs:gridlineMinor>
+    <cs:lnRef idx="0"/>
+    <cs:fillRef idx="0"/>
+    <cs:effectRef idx="0"/>
+    <cs:fontRef idx="minor">
+      <a:schemeClr val="tx1"/>
+    </cs:fontRef>
+    <cs:spPr>
+      <a:ln w="9525" cap="flat" cmpd="sng" algn="ctr">
+        <a:solidFill>
+          <a:schemeClr val="tx1">
+            <a:lumMod val="5000"/>
+            <a:lumOff val="95000"/>
+          </a:schemeClr>
+        </a:solidFill>
+        <a:round/>
+      </a:ln>
+    </cs:spPr>
+  </cs:gridlineMinor>
+  <cs:hiLoLine>
+    <cs:lnRef idx="0"/>
+    <cs:fillRef idx="0"/>
+    <cs:effectRef idx="0"/>
+    <cs:fontRef idx="minor">
+      <a:schemeClr val="tx1"/>
+    </cs:fontRef>
+    <cs:spPr>
+      <a:ln w="9525" cap="flat" cmpd="sng" algn="ctr">
+        <a:solidFill>
+          <a:schemeClr val="tx1">
+            <a:lumMod val="75000"/>
+            <a:lumOff val="25000"/>
+          </a:schemeClr>
+        </a:solidFill>
+        <a:round/>
+      </a:ln>
+    </cs:spPr>
+  </cs:hiLoLine>
+  <cs:leaderLine>
+    <cs:lnRef idx="0"/>
+    <cs:fillRef idx="0"/>
+    <cs:effectRef idx="0"/>
+    <cs:fontRef idx="minor">
+      <a:schemeClr val="tx1"/>
+    </cs:fontRef>
+    <cs:spPr>
+      <a:ln w="9525" cap="flat" cmpd="sng" algn="ctr">
+        <a:solidFill>
+          <a:schemeClr val="tx1">
+            <a:lumMod val="35000"/>
+            <a:lumOff val="65000"/>
+          </a:schemeClr>
+        </a:solidFill>
+        <a:round/>
+      </a:ln>
+    </cs:spPr>
+  </cs:leaderLine>
+  <cs:legend>
+    <cs:lnRef idx="0"/>
+    <cs:fillRef idx="0"/>
+    <cs:effectRef idx="0"/>
+    <cs:fontRef idx="minor">
+      <a:schemeClr val="tx1">
+        <a:lumMod val="65000"/>
+        <a:lumOff val="35000"/>
+      </a:schemeClr>
+    </cs:fontRef>
+    <cs:defRPr sz="900" kern="1200"/>
+  </cs:legend>
+  <cs:plotArea>
+    <cs:lnRef idx="0"/>
+    <cs:fillRef idx="0"/>
+    <cs:effectRef idx="0"/>
+    <cs:fontRef idx="minor">
+      <a:schemeClr val="lt1"/>
+    </cs:fontRef>
+  </cs:plotArea>
+  <cs:plotArea3D>
+    <cs:lnRef idx="0"/>
+    <cs:fillRef idx="0"/>
+    <cs:effectRef idx="0"/>
+    <cs:fontRef idx="minor">
+      <a:schemeClr val="lt1"/>
+    </cs:fontRef>
+  </cs:plotArea3D>
+  <cs:seriesAxis>
+    <cs:lnRef idx="0"/>
+    <cs:fillRef idx="0"/>
+    <cs:effectRef idx="0"/>
+    <cs:fontRef idx="minor">
+      <a:schemeClr val="tx1">
+        <a:lumMod val="65000"/>
+        <a:lumOff val="35000"/>
+      </a:schemeClr>
+    </cs:fontRef>
+    <cs:spPr>
+      <a:ln w="12700" cap="flat" cmpd="sng" algn="ctr">
+        <a:solidFill>
+          <a:schemeClr val="tx1">
+            <a:lumMod val="15000"/>
+            <a:lumOff val="85000"/>
+          </a:schemeClr>
+        </a:solidFill>
+        <a:round/>
+      </a:ln>
+    </cs:spPr>
+    <cs:defRPr sz="900" kern="1200"/>
+  </cs:seriesAxis>
+  <cs:seriesLine>
+    <cs:lnRef idx="0"/>
+    <cs:fillRef idx="0"/>
+    <cs:effectRef idx="0"/>
+    <cs:fontRef idx="minor">
+      <a:schemeClr val="tx1"/>
+    </cs:fontRef>
+    <cs:spPr>
+      <a:ln w="9525" cap="flat" cmpd="sng" algn="ctr">
+        <a:solidFill>
+          <a:schemeClr val="tx1">
+            <a:lumMod val="35000"/>
+            <a:lumOff val="65000"/>
+          </a:schemeClr>
+        </a:solidFill>
+        <a:round/>
+      </a:ln>
+    </cs:spPr>
+  </cs:seriesLine>
+  <cs:title>
+    <cs:lnRef idx="0"/>
+    <cs:fillRef idx="0"/>
+    <cs:effectRef idx="0"/>
+    <cs:fontRef idx="minor">
+      <a:schemeClr val="tx1">
+        <a:lumMod val="65000"/>
+        <a:lumOff val="35000"/>
+      </a:schemeClr>
+    </cs:fontRef>
+    <cs:defRPr sz="1600" b="1" kern="1200" baseline="0"/>
+  </cs:title>
+  <cs:trendline>
+    <cs:lnRef idx="0">
+      <cs:styleClr val="auto"/>
+    </cs:lnRef>
+    <cs:fillRef idx="0"/>
+    <cs:effectRef idx="0"/>
+    <cs:fontRef idx="minor">
+      <a:schemeClr val="lt1"/>
+    </cs:fontRef>
+    <cs:spPr>
+      <a:ln w="19050" cap="rnd">
+        <a:solidFill>
+          <a:schemeClr val="phClr"/>
+        </a:solidFill>
+      </a:ln>
+    </cs:spPr>
+  </cs:trendline>
+  <cs:trendlineLabel>
+    <cs:lnRef idx="0"/>
+    <cs:fillRef idx="0"/>
+    <cs:effectRef idx="0"/>
+    <cs:fontRef idx="minor">
+      <a:schemeClr val="tx1">
+        <a:lumMod val="65000"/>
+        <a:lumOff val="35000"/>
+      </a:schemeClr>
+    </cs:fontRef>
+    <cs:defRPr sz="900" kern="1200"/>
+  </cs:trendlineLabel>
+  <cs:upBar>
+    <cs:lnRef idx="0"/>
+    <cs:fillRef idx="0"/>
+    <cs:effectRef idx="0"/>
+    <cs:fontRef idx="minor">
+      <a:schemeClr val="dk1"/>
+    </cs:fontRef>
+    <cs:spPr>
+      <a:solidFill>
+        <a:schemeClr val="lt1"/>
+      </a:solidFill>
+      <a:ln w="9525">
+        <a:solidFill>
+          <a:schemeClr val="tx1">
+            <a:lumMod val="15000"/>
+            <a:lumOff val="85000"/>
+          </a:schemeClr>
+        </a:solidFill>
+      </a:ln>
+    </cs:spPr>
+  </cs:upBar>
+  <cs:valueAxis>
+    <cs:lnRef idx="0"/>
+    <cs:fillRef idx="0"/>
+    <cs:effectRef idx="0"/>
+    <cs:fontRef idx="minor">
+      <a:schemeClr val="tx1">
+        <a:lumMod val="65000"/>
+        <a:lumOff val="35000"/>
+      </a:schemeClr>
+    </cs:fontRef>
+    <cs:defRPr sz="900" kern="1200"/>
+  </cs:valueAxis>
+  <cs:wall>
+    <cs:lnRef idx="0"/>
+    <cs:fillRef idx="0"/>
+    <cs:effectRef idx="0"/>
+    <cs:fontRef idx="minor">
+      <a:schemeClr val="lt1"/>
+    </cs:fontRef>
   </cs:wall>
 </cs:chartStyle>
 </file>
@@ -5271,6 +6432,330 @@
 </cs:chartStyle>
 </file>
 
+<file path=ppt/drawings/drawing1.xml><?xml version="1.0" encoding="utf-8"?>
+<c:userShapes xmlns:c="http://schemas.openxmlformats.org/drawingml/2006/chart">
+  <cdr:relSizeAnchor xmlns:cdr="http://schemas.openxmlformats.org/drawingml/2006/chartDrawing">
+    <cdr:from>
+      <cdr:x>0.19904</cdr:x>
+      <cdr:y>0.12753</cdr:y>
+    </cdr:from>
+    <cdr:to>
+      <cdr:x>0.3147</cdr:x>
+      <cdr:y>0.31824</cdr:y>
+    </cdr:to>
+    <cdr:sp macro="" textlink="">
+      <cdr:nvSpPr>
+        <cdr:cNvPr id="2" name="CasellaDiTesto 1">
+          <a:extLst xmlns:a="http://schemas.openxmlformats.org/drawingml/2006/main">
+            <a:ext uri="{FF2B5EF4-FFF2-40B4-BE49-F238E27FC236}">
+              <a16:creationId xmlns:a16="http://schemas.microsoft.com/office/drawing/2014/main" id="{3650CE8E-0D2B-4C7F-9F86-BA9EBF1C7A25}"/>
+            </a:ext>
+          </a:extLst>
+        </cdr:cNvPr>
+        <cdr:cNvSpPr txBox="1"/>
+      </cdr:nvSpPr>
+      <cdr:spPr>
+        <a:xfrm xmlns:a="http://schemas.openxmlformats.org/drawingml/2006/main">
+          <a:off x="1573530" y="611506"/>
+          <a:ext cx="914400" cy="914400"/>
+        </a:xfrm>
+        <a:prstGeom xmlns:a="http://schemas.openxmlformats.org/drawingml/2006/main" prst="rect">
+          <a:avLst/>
+        </a:prstGeom>
+      </cdr:spPr>
+      <cdr:txBody>
+        <a:bodyPr xmlns:a="http://schemas.openxmlformats.org/drawingml/2006/main" vertOverflow="clip" wrap="none" rtlCol="0"/>
+        <a:lstStyle xmlns:a="http://schemas.openxmlformats.org/drawingml/2006/main"/>
+        <a:p xmlns:a="http://schemas.openxmlformats.org/drawingml/2006/main">
+          <a:endParaRPr lang="it-IT" sz="1100"/>
+        </a:p>
+      </cdr:txBody>
+    </cdr:sp>
+  </cdr:relSizeAnchor>
+  <cdr:relSizeAnchor xmlns:cdr="http://schemas.openxmlformats.org/drawingml/2006/chartDrawing">
+    <cdr:from>
+      <cdr:x>0.14892</cdr:x>
+      <cdr:y>0.38498</cdr:y>
+    </cdr:from>
+    <cdr:to>
+      <cdr:x>0.26458</cdr:x>
+      <cdr:y>0.57569</cdr:y>
+    </cdr:to>
+    <cdr:sp macro="" textlink="">
+      <cdr:nvSpPr>
+        <cdr:cNvPr id="3" name="CasellaDiTesto 2">
+          <a:extLst xmlns:a="http://schemas.openxmlformats.org/drawingml/2006/main">
+            <a:ext uri="{FF2B5EF4-FFF2-40B4-BE49-F238E27FC236}">
+              <a16:creationId xmlns:a16="http://schemas.microsoft.com/office/drawing/2014/main" id="{4CC199D9-C0BD-45F4-BED3-C0EAD5D26BF7}"/>
+            </a:ext>
+          </a:extLst>
+        </cdr:cNvPr>
+        <cdr:cNvSpPr txBox="1"/>
+      </cdr:nvSpPr>
+      <cdr:spPr>
+        <a:xfrm xmlns:a="http://schemas.openxmlformats.org/drawingml/2006/main">
+          <a:off x="1177290" y="1845946"/>
+          <a:ext cx="914400" cy="914400"/>
+        </a:xfrm>
+        <a:prstGeom xmlns:a="http://schemas.openxmlformats.org/drawingml/2006/main" prst="rect">
+          <a:avLst/>
+        </a:prstGeom>
+      </cdr:spPr>
+      <cdr:txBody>
+        <a:bodyPr xmlns:a="http://schemas.openxmlformats.org/drawingml/2006/main" vertOverflow="clip" wrap="none" rtlCol="0"/>
+        <a:lstStyle xmlns:a="http://schemas.openxmlformats.org/drawingml/2006/main"/>
+        <a:p xmlns:a="http://schemas.openxmlformats.org/drawingml/2006/main">
+          <a:endParaRPr lang="it-IT" sz="1100"/>
+        </a:p>
+      </cdr:txBody>
+    </cdr:sp>
+  </cdr:relSizeAnchor>
+</c:userShapes>
+</file>
+
+<file path=ppt/drawings/drawing2.xml><?xml version="1.0" encoding="utf-8"?>
+<c:userShapes xmlns:c="http://schemas.openxmlformats.org/drawingml/2006/chart">
+  <cdr:relSizeAnchor xmlns:cdr="http://schemas.openxmlformats.org/drawingml/2006/chartDrawing">
+    <cdr:from>
+      <cdr:x>0.19904</cdr:x>
+      <cdr:y>0.12753</cdr:y>
+    </cdr:from>
+    <cdr:to>
+      <cdr:x>0.3147</cdr:x>
+      <cdr:y>0.31824</cdr:y>
+    </cdr:to>
+    <cdr:sp macro="" textlink="">
+      <cdr:nvSpPr>
+        <cdr:cNvPr id="2" name="CasellaDiTesto 1">
+          <a:extLst xmlns:a="http://schemas.openxmlformats.org/drawingml/2006/main">
+            <a:ext uri="{FF2B5EF4-FFF2-40B4-BE49-F238E27FC236}">
+              <a16:creationId xmlns:a16="http://schemas.microsoft.com/office/drawing/2014/main" id="{3650CE8E-0D2B-4C7F-9F86-BA9EBF1C7A25}"/>
+            </a:ext>
+          </a:extLst>
+        </cdr:cNvPr>
+        <cdr:cNvSpPr txBox="1"/>
+      </cdr:nvSpPr>
+      <cdr:spPr>
+        <a:xfrm xmlns:a="http://schemas.openxmlformats.org/drawingml/2006/main">
+          <a:off x="1573530" y="611506"/>
+          <a:ext cx="914400" cy="914400"/>
+        </a:xfrm>
+        <a:prstGeom xmlns:a="http://schemas.openxmlformats.org/drawingml/2006/main" prst="rect">
+          <a:avLst/>
+        </a:prstGeom>
+      </cdr:spPr>
+      <cdr:txBody>
+        <a:bodyPr xmlns:a="http://schemas.openxmlformats.org/drawingml/2006/main" vertOverflow="clip" wrap="none" rtlCol="0"/>
+        <a:lstStyle xmlns:a="http://schemas.openxmlformats.org/drawingml/2006/main"/>
+        <a:p xmlns:a="http://schemas.openxmlformats.org/drawingml/2006/main">
+          <a:endParaRPr lang="it-IT" sz="1100"/>
+        </a:p>
+      </cdr:txBody>
+    </cdr:sp>
+  </cdr:relSizeAnchor>
+  <cdr:relSizeAnchor xmlns:cdr="http://schemas.openxmlformats.org/drawingml/2006/chartDrawing">
+    <cdr:from>
+      <cdr:x>0.14892</cdr:x>
+      <cdr:y>0.38498</cdr:y>
+    </cdr:from>
+    <cdr:to>
+      <cdr:x>0.26458</cdr:x>
+      <cdr:y>0.57569</cdr:y>
+    </cdr:to>
+    <cdr:sp macro="" textlink="">
+      <cdr:nvSpPr>
+        <cdr:cNvPr id="3" name="CasellaDiTesto 2">
+          <a:extLst xmlns:a="http://schemas.openxmlformats.org/drawingml/2006/main">
+            <a:ext uri="{FF2B5EF4-FFF2-40B4-BE49-F238E27FC236}">
+              <a16:creationId xmlns:a16="http://schemas.microsoft.com/office/drawing/2014/main" id="{4CC199D9-C0BD-45F4-BED3-C0EAD5D26BF7}"/>
+            </a:ext>
+          </a:extLst>
+        </cdr:cNvPr>
+        <cdr:cNvSpPr txBox="1"/>
+      </cdr:nvSpPr>
+      <cdr:spPr>
+        <a:xfrm xmlns:a="http://schemas.openxmlformats.org/drawingml/2006/main">
+          <a:off x="1177290" y="1845946"/>
+          <a:ext cx="914400" cy="914400"/>
+        </a:xfrm>
+        <a:prstGeom xmlns:a="http://schemas.openxmlformats.org/drawingml/2006/main" prst="rect">
+          <a:avLst/>
+        </a:prstGeom>
+      </cdr:spPr>
+      <cdr:txBody>
+        <a:bodyPr xmlns:a="http://schemas.openxmlformats.org/drawingml/2006/main" vertOverflow="clip" wrap="none" rtlCol="0"/>
+        <a:lstStyle xmlns:a="http://schemas.openxmlformats.org/drawingml/2006/main"/>
+        <a:p xmlns:a="http://schemas.openxmlformats.org/drawingml/2006/main">
+          <a:endParaRPr lang="it-IT" sz="1100"/>
+        </a:p>
+      </cdr:txBody>
+    </cdr:sp>
+  </cdr:relSizeAnchor>
+</c:userShapes>
+</file>
+
+<file path=ppt/drawings/drawing3.xml><?xml version="1.0" encoding="utf-8"?>
+<c:userShapes xmlns:c="http://schemas.openxmlformats.org/drawingml/2006/chart">
+  <cdr:relSizeAnchor xmlns:cdr="http://schemas.openxmlformats.org/drawingml/2006/chartDrawing">
+    <cdr:from>
+      <cdr:x>0.19904</cdr:x>
+      <cdr:y>0.12753</cdr:y>
+    </cdr:from>
+    <cdr:to>
+      <cdr:x>0.3147</cdr:x>
+      <cdr:y>0.31824</cdr:y>
+    </cdr:to>
+    <cdr:sp macro="" textlink="">
+      <cdr:nvSpPr>
+        <cdr:cNvPr id="2" name="CasellaDiTesto 1">
+          <a:extLst xmlns:a="http://schemas.openxmlformats.org/drawingml/2006/main">
+            <a:ext uri="{FF2B5EF4-FFF2-40B4-BE49-F238E27FC236}">
+              <a16:creationId xmlns:a16="http://schemas.microsoft.com/office/drawing/2014/main" id="{3650CE8E-0D2B-4C7F-9F86-BA9EBF1C7A25}"/>
+            </a:ext>
+          </a:extLst>
+        </cdr:cNvPr>
+        <cdr:cNvSpPr txBox="1"/>
+      </cdr:nvSpPr>
+      <cdr:spPr>
+        <a:xfrm xmlns:a="http://schemas.openxmlformats.org/drawingml/2006/main">
+          <a:off x="1573530" y="611506"/>
+          <a:ext cx="914400" cy="914400"/>
+        </a:xfrm>
+        <a:prstGeom xmlns:a="http://schemas.openxmlformats.org/drawingml/2006/main" prst="rect">
+          <a:avLst/>
+        </a:prstGeom>
+      </cdr:spPr>
+      <cdr:txBody>
+        <a:bodyPr xmlns:a="http://schemas.openxmlformats.org/drawingml/2006/main" vertOverflow="clip" wrap="none" rtlCol="0"/>
+        <a:lstStyle xmlns:a="http://schemas.openxmlformats.org/drawingml/2006/main"/>
+        <a:p xmlns:a="http://schemas.openxmlformats.org/drawingml/2006/main">
+          <a:endParaRPr lang="it-IT" sz="1100"/>
+        </a:p>
+      </cdr:txBody>
+    </cdr:sp>
+  </cdr:relSizeAnchor>
+  <cdr:relSizeAnchor xmlns:cdr="http://schemas.openxmlformats.org/drawingml/2006/chartDrawing">
+    <cdr:from>
+      <cdr:x>0.14892</cdr:x>
+      <cdr:y>0.38498</cdr:y>
+    </cdr:from>
+    <cdr:to>
+      <cdr:x>0.26458</cdr:x>
+      <cdr:y>0.57569</cdr:y>
+    </cdr:to>
+    <cdr:sp macro="" textlink="">
+      <cdr:nvSpPr>
+        <cdr:cNvPr id="3" name="CasellaDiTesto 2">
+          <a:extLst xmlns:a="http://schemas.openxmlformats.org/drawingml/2006/main">
+            <a:ext uri="{FF2B5EF4-FFF2-40B4-BE49-F238E27FC236}">
+              <a16:creationId xmlns:a16="http://schemas.microsoft.com/office/drawing/2014/main" id="{4CC199D9-C0BD-45F4-BED3-C0EAD5D26BF7}"/>
+            </a:ext>
+          </a:extLst>
+        </cdr:cNvPr>
+        <cdr:cNvSpPr txBox="1"/>
+      </cdr:nvSpPr>
+      <cdr:spPr>
+        <a:xfrm xmlns:a="http://schemas.openxmlformats.org/drawingml/2006/main">
+          <a:off x="1177290" y="1845946"/>
+          <a:ext cx="914400" cy="914400"/>
+        </a:xfrm>
+        <a:prstGeom xmlns:a="http://schemas.openxmlformats.org/drawingml/2006/main" prst="rect">
+          <a:avLst/>
+        </a:prstGeom>
+      </cdr:spPr>
+      <cdr:txBody>
+        <a:bodyPr xmlns:a="http://schemas.openxmlformats.org/drawingml/2006/main" vertOverflow="clip" wrap="none" rtlCol="0"/>
+        <a:lstStyle xmlns:a="http://schemas.openxmlformats.org/drawingml/2006/main"/>
+        <a:p xmlns:a="http://schemas.openxmlformats.org/drawingml/2006/main">
+          <a:endParaRPr lang="it-IT" sz="1100"/>
+        </a:p>
+      </cdr:txBody>
+    </cdr:sp>
+  </cdr:relSizeAnchor>
+</c:userShapes>
+</file>
+
+<file path=ppt/drawings/drawing4.xml><?xml version="1.0" encoding="utf-8"?>
+<c:userShapes xmlns:c="http://schemas.openxmlformats.org/drawingml/2006/chart">
+  <cdr:relSizeAnchor xmlns:cdr="http://schemas.openxmlformats.org/drawingml/2006/chartDrawing">
+    <cdr:from>
+      <cdr:x>0.19904</cdr:x>
+      <cdr:y>0.12753</cdr:y>
+    </cdr:from>
+    <cdr:to>
+      <cdr:x>0.3147</cdr:x>
+      <cdr:y>0.31824</cdr:y>
+    </cdr:to>
+    <cdr:sp macro="" textlink="">
+      <cdr:nvSpPr>
+        <cdr:cNvPr id="2" name="CasellaDiTesto 1">
+          <a:extLst xmlns:a="http://schemas.openxmlformats.org/drawingml/2006/main">
+            <a:ext uri="{FF2B5EF4-FFF2-40B4-BE49-F238E27FC236}">
+              <a16:creationId xmlns:a16="http://schemas.microsoft.com/office/drawing/2014/main" id="{3650CE8E-0D2B-4C7F-9F86-BA9EBF1C7A25}"/>
+            </a:ext>
+          </a:extLst>
+        </cdr:cNvPr>
+        <cdr:cNvSpPr txBox="1"/>
+      </cdr:nvSpPr>
+      <cdr:spPr>
+        <a:xfrm xmlns:a="http://schemas.openxmlformats.org/drawingml/2006/main">
+          <a:off x="1573530" y="611506"/>
+          <a:ext cx="914400" cy="914400"/>
+        </a:xfrm>
+        <a:prstGeom xmlns:a="http://schemas.openxmlformats.org/drawingml/2006/main" prst="rect">
+          <a:avLst/>
+        </a:prstGeom>
+      </cdr:spPr>
+      <cdr:txBody>
+        <a:bodyPr xmlns:a="http://schemas.openxmlformats.org/drawingml/2006/main" vertOverflow="clip" wrap="none" rtlCol="0"/>
+        <a:lstStyle xmlns:a="http://schemas.openxmlformats.org/drawingml/2006/main"/>
+        <a:p xmlns:a="http://schemas.openxmlformats.org/drawingml/2006/main">
+          <a:endParaRPr lang="it-IT" sz="1100"/>
+        </a:p>
+      </cdr:txBody>
+    </cdr:sp>
+  </cdr:relSizeAnchor>
+  <cdr:relSizeAnchor xmlns:cdr="http://schemas.openxmlformats.org/drawingml/2006/chartDrawing">
+    <cdr:from>
+      <cdr:x>0.14892</cdr:x>
+      <cdr:y>0.38498</cdr:y>
+    </cdr:from>
+    <cdr:to>
+      <cdr:x>0.26458</cdr:x>
+      <cdr:y>0.57569</cdr:y>
+    </cdr:to>
+    <cdr:sp macro="" textlink="">
+      <cdr:nvSpPr>
+        <cdr:cNvPr id="3" name="CasellaDiTesto 2">
+          <a:extLst xmlns:a="http://schemas.openxmlformats.org/drawingml/2006/main">
+            <a:ext uri="{FF2B5EF4-FFF2-40B4-BE49-F238E27FC236}">
+              <a16:creationId xmlns:a16="http://schemas.microsoft.com/office/drawing/2014/main" id="{4CC199D9-C0BD-45F4-BED3-C0EAD5D26BF7}"/>
+            </a:ext>
+          </a:extLst>
+        </cdr:cNvPr>
+        <cdr:cNvSpPr txBox="1"/>
+      </cdr:nvSpPr>
+      <cdr:spPr>
+        <a:xfrm xmlns:a="http://schemas.openxmlformats.org/drawingml/2006/main">
+          <a:off x="1177290" y="1845946"/>
+          <a:ext cx="914400" cy="914400"/>
+        </a:xfrm>
+        <a:prstGeom xmlns:a="http://schemas.openxmlformats.org/drawingml/2006/main" prst="rect">
+          <a:avLst/>
+        </a:prstGeom>
+      </cdr:spPr>
+      <cdr:txBody>
+        <a:bodyPr xmlns:a="http://schemas.openxmlformats.org/drawingml/2006/main" vertOverflow="clip" wrap="none" rtlCol="0"/>
+        <a:lstStyle xmlns:a="http://schemas.openxmlformats.org/drawingml/2006/main"/>
+        <a:p xmlns:a="http://schemas.openxmlformats.org/drawingml/2006/main">
+          <a:endParaRPr lang="it-IT" sz="1100"/>
+        </a:p>
+      </cdr:txBody>
+    </cdr:sp>
+  </cdr:relSizeAnchor>
+</c:userShapes>
+</file>
+
 <file path=ppt/notesMasters/notesMaster1.xml><?xml version="1.0" encoding="utf-8"?>
 <p:notesMaster xmlns:a="http://schemas.openxmlformats.org/drawingml/2006/main" xmlns:r="http://schemas.openxmlformats.org/officeDocument/2006/relationships" xmlns:p="http://schemas.openxmlformats.org/presentationml/2006/main">
   <p:cSld>
@@ -5353,7 +6838,7 @@
           <a:p>
             <a:fld id="{7821C63B-7147-40DC-9DD1-A22900D398CA}" type="datetimeFigureOut">
               <a:rPr lang="it-IT" smtClean="0"/>
-              <a:t>16/09/2019</a:t>
+              <a:t>17/09/2019</a:t>
             </a:fld>
             <a:endParaRPr lang="it-IT"/>
           </a:p>
@@ -5849,20 +7334,8 @@
           <a:lstStyle/>
           <a:p>
             <a:r>
-              <a:rPr lang="it-IT" dirty="0"/>
-              <a:t>Solo un grafico con </a:t>
-            </a:r>
-            <a:r>
               <a:rPr lang="it-IT" dirty="0" err="1"/>
-              <a:t>bw</a:t>
-            </a:r>
-            <a:r>
-              <a:rPr lang="it-IT" dirty="0"/>
-              <a:t>/</a:t>
-            </a:r>
-            <a:r>
-              <a:rPr lang="it-IT" dirty="0" err="1"/>
-              <a:t>pkt</a:t>
+              <a:t>Topology</a:t>
             </a:r>
             <a:r>
               <a:rPr lang="it-IT" dirty="0"/>
@@ -5870,25 +7343,68 @@
             </a:r>
             <a:r>
               <a:rPr lang="it-IT" dirty="0" err="1"/>
-              <a:t>loss</a:t>
+              <a:t>instable</a:t>
             </a:r>
             <a:r>
               <a:rPr lang="it-IT" dirty="0"/>
-              <a:t> per </a:t>
+              <a:t>= store 2 network, one </a:t>
             </a:r>
             <a:r>
               <a:rPr lang="it-IT" dirty="0" err="1"/>
-              <a:t>testbed</a:t>
+              <a:t>updated</a:t>
             </a:r>
             <a:r>
               <a:rPr lang="it-IT" dirty="0"/>
-              <a:t> e </a:t>
+              <a:t> to compute </a:t>
             </a:r>
             <a:r>
               <a:rPr lang="it-IT" dirty="0" err="1"/>
-              <a:t>mininet</a:t>
-            </a:r>
-            <a:endParaRPr lang="it-IT" dirty="0"/>
+              <a:t>edge</a:t>
+            </a:r>
+            <a:r>
+              <a:rPr lang="it-IT" dirty="0"/>
+              <a:t> </a:t>
+            </a:r>
+            <a:r>
+              <a:rPr lang="it-IT" dirty="0" err="1"/>
+              <a:t>disjoint</a:t>
+            </a:r>
+            <a:r>
+              <a:rPr lang="it-IT" dirty="0"/>
+              <a:t> and </a:t>
+            </a:r>
+            <a:r>
+              <a:rPr lang="it-IT" dirty="0" err="1"/>
+              <a:t>another</a:t>
+            </a:r>
+            <a:r>
+              <a:rPr lang="it-IT" dirty="0"/>
+              <a:t> for </a:t>
+            </a:r>
+            <a:r>
+              <a:rPr lang="it-IT" dirty="0" err="1"/>
+              <a:t>getting</a:t>
+            </a:r>
+            <a:r>
+              <a:rPr lang="it-IT" dirty="0"/>
+              <a:t> info </a:t>
+            </a:r>
+            <a:r>
+              <a:rPr lang="it-IT" dirty="0" err="1"/>
+              <a:t>about</a:t>
+            </a:r>
+            <a:r>
+              <a:rPr lang="it-IT" dirty="0"/>
+              <a:t> ports, </a:t>
+            </a:r>
+            <a:r>
+              <a:rPr lang="it-IT" dirty="0" err="1"/>
+              <a:t>detapath</a:t>
+            </a:r>
+            <a:r>
+              <a:rPr lang="it-IT" dirty="0"/>
+              <a:t>…</a:t>
+            </a:r>
           </a:p>
         </p:txBody>
       </p:sp>
@@ -5909,7 +7425,131 @@
           <a:p>
             <a:fld id="{E2A6B88F-49BB-49DF-9CD9-134570298B2C}" type="slidenum">
               <a:rPr lang="it-IT" smtClean="0"/>
-              <a:t>13</a:t>
+              <a:t>10</a:t>
+            </a:fld>
+            <a:endParaRPr lang="it-IT"/>
+          </a:p>
+        </p:txBody>
+      </p:sp>
+    </p:spTree>
+    <p:extLst>
+      <p:ext uri="{BB962C8B-B14F-4D97-AF65-F5344CB8AC3E}">
+        <p14:creationId xmlns:p14="http://schemas.microsoft.com/office/powerpoint/2010/main" val="77256836"/>
+      </p:ext>
+    </p:extLst>
+  </p:cSld>
+  <p:clrMapOvr>
+    <a:masterClrMapping/>
+  </p:clrMapOvr>
+</p:notes>
+</file>
+
+<file path=ppt/notesSlides/notesSlide4.xml><?xml version="1.0" encoding="utf-8"?>
+<p:notes xmlns:a="http://schemas.openxmlformats.org/drawingml/2006/main" xmlns:r="http://schemas.openxmlformats.org/officeDocument/2006/relationships" xmlns:p="http://schemas.openxmlformats.org/presentationml/2006/main">
+  <p:cSld>
+    <p:spTree>
+      <p:nvGrpSpPr>
+        <p:cNvPr id="1" name=""/>
+        <p:cNvGrpSpPr/>
+        <p:nvPr/>
+      </p:nvGrpSpPr>
+      <p:grpSpPr>
+        <a:xfrm>
+          <a:off x="0" y="0"/>
+          <a:ext cx="0" cy="0"/>
+          <a:chOff x="0" y="0"/>
+          <a:chExt cx="0" cy="0"/>
+        </a:xfrm>
+      </p:grpSpPr>
+      <p:sp>
+        <p:nvSpPr>
+          <p:cNvPr id="2" name="Segnaposto immagine diapositiva 1"/>
+          <p:cNvSpPr>
+            <a:spLocks noGrp="1" noRot="1" noChangeAspect="1"/>
+          </p:cNvSpPr>
+          <p:nvPr>
+            <p:ph type="sldImg"/>
+          </p:nvPr>
+        </p:nvSpPr>
+        <p:spPr/>
+      </p:sp>
+      <p:sp>
+        <p:nvSpPr>
+          <p:cNvPr id="3" name="Segnaposto note 2"/>
+          <p:cNvSpPr>
+            <a:spLocks noGrp="1"/>
+          </p:cNvSpPr>
+          <p:nvPr>
+            <p:ph type="body" idx="1"/>
+          </p:nvPr>
+        </p:nvSpPr>
+        <p:spPr/>
+        <p:txBody>
+          <a:bodyPr/>
+          <a:lstStyle/>
+          <a:p>
+            <a:r>
+              <a:rPr lang="it-IT" dirty="0"/>
+              <a:t>Solo un grafico con </a:t>
+            </a:r>
+            <a:r>
+              <a:rPr lang="it-IT" dirty="0" err="1"/>
+              <a:t>bw</a:t>
+            </a:r>
+            <a:r>
+              <a:rPr lang="it-IT" dirty="0"/>
+              <a:t>/</a:t>
+            </a:r>
+            <a:r>
+              <a:rPr lang="it-IT" dirty="0" err="1"/>
+              <a:t>pkt</a:t>
+            </a:r>
+            <a:r>
+              <a:rPr lang="it-IT" dirty="0"/>
+              <a:t> </a:t>
+            </a:r>
+            <a:r>
+              <a:rPr lang="it-IT" dirty="0" err="1"/>
+              <a:t>loss</a:t>
+            </a:r>
+            <a:r>
+              <a:rPr lang="it-IT" dirty="0"/>
+              <a:t> per </a:t>
+            </a:r>
+            <a:r>
+              <a:rPr lang="it-IT" dirty="0" err="1"/>
+              <a:t>testbed</a:t>
+            </a:r>
+            <a:r>
+              <a:rPr lang="it-IT" dirty="0"/>
+              <a:t> e </a:t>
+            </a:r>
+            <a:r>
+              <a:rPr lang="it-IT" dirty="0" err="1"/>
+              <a:t>mininet</a:t>
+            </a:r>
+            <a:endParaRPr lang="it-IT" dirty="0"/>
+          </a:p>
+        </p:txBody>
+      </p:sp>
+      <p:sp>
+        <p:nvSpPr>
+          <p:cNvPr id="4" name="Segnaposto numero diapositiva 3"/>
+          <p:cNvSpPr>
+            <a:spLocks noGrp="1"/>
+          </p:cNvSpPr>
+          <p:nvPr>
+            <p:ph type="sldNum" sz="quarter" idx="5"/>
+          </p:nvPr>
+        </p:nvSpPr>
+        <p:spPr/>
+        <p:txBody>
+          <a:bodyPr/>
+          <a:lstStyle/>
+          <a:p>
+            <a:fld id="{E2A6B88F-49BB-49DF-9CD9-134570298B2C}" type="slidenum">
+              <a:rPr lang="it-IT" smtClean="0"/>
+              <a:t>14</a:t>
             </a:fld>
             <a:endParaRPr lang="it-IT"/>
           </a:p>
@@ -6919,20 +8559,8 @@
           </a:p>
           <a:p>
             <a:r>
-              <a:rPr lang="it-IT" sz="2400" dirty="0" err="1"/>
-              <a:t>Ph.D</a:t>
-            </a:r>
-            <a:r>
               <a:rPr lang="it-IT" sz="2400" dirty="0"/>
-              <a:t>. </a:t>
-            </a:r>
-            <a:r>
-              <a:rPr lang="it-IT" sz="2400" dirty="0" err="1"/>
-              <a:t>student</a:t>
-            </a:r>
-            <a:r>
-              <a:rPr lang="it-IT" sz="2400" dirty="0"/>
-              <a:t> Sebastian </a:t>
+              <a:t>Tutor. Sebastian </a:t>
             </a:r>
             <a:r>
               <a:rPr lang="it-IT" sz="2400" dirty="0" err="1"/>
@@ -6977,7 +8605,7 @@
           <p:cNvPr id="2" name="Titolo 1">
             <a:extLst>
               <a:ext uri="{FF2B5EF4-FFF2-40B4-BE49-F238E27FC236}">
-                <a16:creationId xmlns:a16="http://schemas.microsoft.com/office/drawing/2014/main" id="{870429E2-9070-44E7-BFB9-9779B35D3083}"/>
+                <a16:creationId xmlns:a16="http://schemas.microsoft.com/office/drawing/2014/main" id="{A4C9DE8E-B19D-4789-A692-3245A4A57AE9}"/>
               </a:ext>
             </a:extLst>
           </p:cNvPr>
@@ -7003,12 +8631,17 @@
             </a:r>
             <a:r>
               <a:rPr lang="it-IT" dirty="0" err="1"/>
-              <a:t>testbed-mininet</a:t>
+              <a:t>mininet</a:t>
             </a:r>
             <a:r>
               <a:rPr lang="it-IT" dirty="0"/>
-              <a:t> simulator</a:t>
-            </a:r>
+              <a:t> simulator-</a:t>
+            </a:r>
+            <a:r>
+              <a:rPr lang="it-IT" dirty="0" err="1"/>
+              <a:t>testbed</a:t>
+            </a:r>
+            <a:endParaRPr lang="it-IT" dirty="0"/>
           </a:p>
         </p:txBody>
       </p:sp>
@@ -7017,7 +8650,7 @@
           <p:cNvPr id="3" name="Segnaposto numero diapositiva 2">
             <a:extLst>
               <a:ext uri="{FF2B5EF4-FFF2-40B4-BE49-F238E27FC236}">
-                <a16:creationId xmlns:a16="http://schemas.microsoft.com/office/drawing/2014/main" id="{87E1173F-B06B-4302-BFD1-98594F6D88B8}"/>
+                <a16:creationId xmlns:a16="http://schemas.microsoft.com/office/drawing/2014/main" id="{BA469131-FE9A-4E7D-8A12-5674BFC99709}"/>
               </a:ext>
             </a:extLst>
           </p:cNvPr>
@@ -7041,12 +8674,682 @@
           </a:p>
         </p:txBody>
       </p:sp>
+      <p:graphicFrame>
+        <p:nvGraphicFramePr>
+          <p:cNvPr id="5" name="Tabella 5">
+            <a:extLst>
+              <a:ext uri="{FF2B5EF4-FFF2-40B4-BE49-F238E27FC236}">
+                <a16:creationId xmlns:a16="http://schemas.microsoft.com/office/drawing/2014/main" id="{ADAC2099-ED59-4B7D-B96C-E769F771F638}"/>
+              </a:ext>
+            </a:extLst>
+          </p:cNvPr>
+          <p:cNvGraphicFramePr>
+            <a:graphicFrameLocks noGrp="1"/>
+          </p:cNvGraphicFramePr>
+          <p:nvPr>
+            <p:ph idx="1"/>
+            <p:extLst>
+              <p:ext uri="{D42A27DB-BD31-4B8C-83A1-F6EECF244321}">
+                <p14:modId xmlns:p14="http://schemas.microsoft.com/office/powerpoint/2010/main" val="3839412832"/>
+              </p:ext>
+            </p:extLst>
+          </p:nvPr>
+        </p:nvGraphicFramePr>
+        <p:xfrm>
+          <a:off x="204716" y="1046745"/>
+          <a:ext cx="8734568" cy="5120640"/>
+        </p:xfrm>
+        <a:graphic>
+          <a:graphicData uri="http://schemas.openxmlformats.org/drawingml/2006/table">
+            <a:tbl>
+              <a:tblPr firstRow="1" bandRow="1">
+                <a:tableStyleId>{5C22544A-7EE6-4342-B048-85BDC9FD1C3A}</a:tableStyleId>
+              </a:tblPr>
+              <a:tblGrid>
+                <a:gridCol w="4367284">
+                  <a:extLst>
+                    <a:ext uri="{9D8B030D-6E8A-4147-A177-3AD203B41FA5}">
+                      <a16:colId xmlns:a16="http://schemas.microsoft.com/office/drawing/2014/main" val="3597765046"/>
+                    </a:ext>
+                  </a:extLst>
+                </a:gridCol>
+                <a:gridCol w="4367284">
+                  <a:extLst>
+                    <a:ext uri="{9D8B030D-6E8A-4147-A177-3AD203B41FA5}">
+                      <a16:colId xmlns:a16="http://schemas.microsoft.com/office/drawing/2014/main" val="1511101081"/>
+                    </a:ext>
+                  </a:extLst>
+                </a:gridCol>
+              </a:tblGrid>
+              <a:tr h="370840">
+                <a:tc>
+                  <a:txBody>
+                    <a:bodyPr/>
+                    <a:lstStyle/>
+                    <a:p>
+                      <a:pPr algn="ctr"/>
+                      <a:r>
+                        <a:rPr lang="it-IT" sz="2400" dirty="0"/>
+                        <a:t>MININET SIM.</a:t>
+                      </a:r>
+                    </a:p>
+                  </a:txBody>
+                  <a:tcPr/>
+                </a:tc>
+                <a:tc>
+                  <a:txBody>
+                    <a:bodyPr/>
+                    <a:lstStyle/>
+                    <a:p>
+                      <a:pPr algn="ctr"/>
+                      <a:r>
+                        <a:rPr lang="it-IT" sz="2400" dirty="0"/>
+                        <a:t>TESTBED</a:t>
+                      </a:r>
+                    </a:p>
+                  </a:txBody>
+                  <a:tcPr/>
+                </a:tc>
+                <a:extLst>
+                  <a:ext uri="{0D108BD9-81ED-4DB2-BD59-A6C34878D82A}">
+                    <a16:rowId xmlns:a16="http://schemas.microsoft.com/office/drawing/2014/main" val="817848166"/>
+                  </a:ext>
+                </a:extLst>
+              </a:tr>
+              <a:tr h="370840">
+                <a:tc>
+                  <a:txBody>
+                    <a:bodyPr/>
+                    <a:lstStyle/>
+                    <a:p>
+                      <a:pPr algn="ctr"/>
+                      <a:r>
+                        <a:rPr lang="it-IT" sz="2400" dirty="0"/>
+                        <a:t>Open </a:t>
+                      </a:r>
+                      <a:r>
+                        <a:rPr lang="it-IT" sz="2400" dirty="0" err="1"/>
+                        <a:t>vSwitch</a:t>
+                      </a:r>
+                      <a:endParaRPr lang="it-IT" sz="2400" dirty="0"/>
+                    </a:p>
+                  </a:txBody>
+                  <a:tcPr/>
+                </a:tc>
+                <a:tc>
+                  <a:txBody>
+                    <a:bodyPr/>
+                    <a:lstStyle/>
+                    <a:p>
+                      <a:pPr algn="ctr"/>
+                      <a:r>
+                        <a:rPr lang="it-IT" sz="2400" dirty="0" err="1"/>
+                        <a:t>Zodiac</a:t>
+                      </a:r>
+                      <a:r>
+                        <a:rPr lang="it-IT" sz="2400" dirty="0"/>
+                        <a:t> FX switches with </a:t>
+                      </a:r>
+                      <a:r>
+                        <a:rPr lang="it-IT" sz="2400" dirty="0" err="1"/>
+                        <a:t>OpenFlow</a:t>
+                      </a:r>
+                      <a:r>
+                        <a:rPr lang="it-IT" sz="2400" dirty="0"/>
+                        <a:t> prot.</a:t>
+                      </a:r>
+                    </a:p>
+                  </a:txBody>
+                  <a:tcPr/>
+                </a:tc>
+                <a:extLst>
+                  <a:ext uri="{0D108BD9-81ED-4DB2-BD59-A6C34878D82A}">
+                    <a16:rowId xmlns:a16="http://schemas.microsoft.com/office/drawing/2014/main" val="3384280123"/>
+                  </a:ext>
+                </a:extLst>
+              </a:tr>
+              <a:tr h="370840">
+                <a:tc>
+                  <a:txBody>
+                    <a:bodyPr/>
+                    <a:lstStyle/>
+                    <a:p>
+                      <a:pPr algn="ctr"/>
+                      <a:r>
+                        <a:rPr lang="it-IT" sz="2400" dirty="0"/>
+                        <a:t>Access </a:t>
+                      </a:r>
+                      <a:r>
+                        <a:rPr lang="it-IT" sz="2400" dirty="0" err="1"/>
+                        <a:t>directly</a:t>
+                      </a:r>
+                      <a:r>
+                        <a:rPr lang="it-IT" sz="2400" dirty="0"/>
+                        <a:t> to the </a:t>
+                      </a:r>
+                      <a:r>
+                        <a:rPr lang="it-IT" sz="2400" dirty="0" err="1"/>
+                        <a:t>host</a:t>
+                      </a:r>
+                      <a:endParaRPr lang="it-IT" sz="2400" dirty="0"/>
+                    </a:p>
+                  </a:txBody>
+                  <a:tcPr/>
+                </a:tc>
+                <a:tc>
+                  <a:txBody>
+                    <a:bodyPr/>
+                    <a:lstStyle/>
+                    <a:p>
+                      <a:pPr algn="ctr"/>
+                      <a:r>
+                        <a:rPr lang="it-IT" sz="2400" dirty="0"/>
+                        <a:t>Access to </a:t>
+                      </a:r>
+                      <a:r>
+                        <a:rPr lang="it-IT" sz="2400" dirty="0" err="1"/>
+                        <a:t>RaspPi</a:t>
+                      </a:r>
+                      <a:r>
+                        <a:rPr lang="it-IT" sz="2400" dirty="0"/>
+                        <a:t> via SSH </a:t>
+                      </a:r>
+                    </a:p>
+                  </a:txBody>
+                  <a:tcPr/>
+                </a:tc>
+                <a:extLst>
+                  <a:ext uri="{0D108BD9-81ED-4DB2-BD59-A6C34878D82A}">
+                    <a16:rowId xmlns:a16="http://schemas.microsoft.com/office/drawing/2014/main" val="2448768088"/>
+                  </a:ext>
+                </a:extLst>
+              </a:tr>
+              <a:tr h="370840">
+                <a:tc>
+                  <a:txBody>
+                    <a:bodyPr/>
+                    <a:lstStyle/>
+                    <a:p>
+                      <a:pPr algn="ctr"/>
+                      <a:r>
+                        <a:rPr lang="it-IT" sz="2400" dirty="0"/>
+                        <a:t>ARP </a:t>
+                      </a:r>
+                      <a:r>
+                        <a:rPr lang="it-IT" sz="2400" dirty="0" err="1"/>
+                        <a:t>tables</a:t>
+                      </a:r>
+                      <a:r>
+                        <a:rPr lang="it-IT" sz="2400" dirty="0"/>
+                        <a:t> </a:t>
+                      </a:r>
+                      <a:r>
+                        <a:rPr lang="it-IT" sz="2400" dirty="0" err="1"/>
+                        <a:t>always</a:t>
+                      </a:r>
+                      <a:r>
+                        <a:rPr lang="it-IT" sz="2400" dirty="0"/>
+                        <a:t> </a:t>
+                      </a:r>
+                      <a:r>
+                        <a:rPr lang="it-IT" sz="2400" dirty="0" err="1"/>
+                        <a:t>filled</a:t>
+                      </a:r>
+                      <a:endParaRPr lang="it-IT" sz="2400" dirty="0"/>
+                    </a:p>
+                  </a:txBody>
+                  <a:tcPr/>
+                </a:tc>
+                <a:tc>
+                  <a:txBody>
+                    <a:bodyPr/>
+                    <a:lstStyle/>
+                    <a:p>
+                      <a:pPr marL="0" marR="0" lvl="0" indent="0" algn="ctr" defTabSz="914400" rtl="0" eaLnBrk="1" fontAlgn="auto" latinLnBrk="0" hangingPunct="1">
+                        <a:lnSpc>
+                          <a:spcPct val="100000"/>
+                        </a:lnSpc>
+                        <a:spcBef>
+                          <a:spcPts val="0"/>
+                        </a:spcBef>
+                        <a:spcAft>
+                          <a:spcPts val="0"/>
+                        </a:spcAft>
+                        <a:buClrTx/>
+                        <a:buSzTx/>
+                        <a:buFontTx/>
+                        <a:buNone/>
+                        <a:tabLst/>
+                        <a:defRPr/>
+                      </a:pPr>
+                      <a:r>
+                        <a:rPr lang="it-IT" sz="2400" dirty="0"/>
+                        <a:t>ARP </a:t>
+                      </a:r>
+                      <a:r>
+                        <a:rPr lang="it-IT" sz="2400" dirty="0" err="1"/>
+                        <a:t>tables</a:t>
+                      </a:r>
+                      <a:r>
+                        <a:rPr lang="it-IT" sz="2400" dirty="0"/>
+                        <a:t> </a:t>
+                      </a:r>
+                      <a:r>
+                        <a:rPr lang="it-IT" sz="2400" dirty="0" err="1"/>
+                        <a:t>may</a:t>
+                      </a:r>
+                      <a:r>
+                        <a:rPr lang="it-IT" sz="2400" dirty="0"/>
+                        <a:t> be </a:t>
+                      </a:r>
+                      <a:r>
+                        <a:rPr lang="it-IT" sz="2400" dirty="0" err="1"/>
+                        <a:t>empty</a:t>
+                      </a:r>
+                      <a:endParaRPr lang="it-IT" sz="2400" dirty="0"/>
+                    </a:p>
+                  </a:txBody>
+                  <a:tcPr/>
+                </a:tc>
+                <a:extLst>
+                  <a:ext uri="{0D108BD9-81ED-4DB2-BD59-A6C34878D82A}">
+                    <a16:rowId xmlns:a16="http://schemas.microsoft.com/office/drawing/2014/main" val="35228536"/>
+                  </a:ext>
+                </a:extLst>
+              </a:tr>
+              <a:tr h="370840">
+                <a:tc>
+                  <a:txBody>
+                    <a:bodyPr/>
+                    <a:lstStyle/>
+                    <a:p>
+                      <a:pPr algn="ctr"/>
+                      <a:r>
+                        <a:rPr lang="it-IT" sz="2400" dirty="0"/>
+                        <a:t>Matching on MPLS label</a:t>
+                      </a:r>
+                    </a:p>
+                  </a:txBody>
+                  <a:tcPr/>
+                </a:tc>
+                <a:tc>
+                  <a:txBody>
+                    <a:bodyPr/>
+                    <a:lstStyle/>
+                    <a:p>
+                      <a:pPr algn="ctr"/>
+                      <a:r>
+                        <a:rPr lang="it-IT" sz="2400" dirty="0" err="1"/>
+                        <a:t>Doesn’t</a:t>
+                      </a:r>
+                      <a:r>
+                        <a:rPr lang="it-IT" sz="2400" dirty="0"/>
+                        <a:t> match on label field </a:t>
+                      </a:r>
+                    </a:p>
+                  </a:txBody>
+                  <a:tcPr/>
+                </a:tc>
+                <a:extLst>
+                  <a:ext uri="{0D108BD9-81ED-4DB2-BD59-A6C34878D82A}">
+                    <a16:rowId xmlns:a16="http://schemas.microsoft.com/office/drawing/2014/main" val="2654538014"/>
+                  </a:ext>
+                </a:extLst>
+              </a:tr>
+              <a:tr h="370840">
+                <a:tc>
+                  <a:txBody>
+                    <a:bodyPr/>
+                    <a:lstStyle/>
+                    <a:p>
+                      <a:pPr algn="ctr"/>
+                      <a:r>
+                        <a:rPr lang="it-IT" sz="2400" dirty="0" err="1"/>
+                        <a:t>Topology</a:t>
+                      </a:r>
+                      <a:r>
+                        <a:rPr lang="it-IT" sz="2400" dirty="0"/>
+                        <a:t> </a:t>
+                      </a:r>
+                      <a:r>
+                        <a:rPr lang="it-IT" sz="2400" dirty="0" err="1"/>
+                        <a:t>is</a:t>
+                      </a:r>
+                      <a:r>
+                        <a:rPr lang="it-IT" sz="2400" dirty="0"/>
+                        <a:t> </a:t>
+                      </a:r>
+                      <a:r>
+                        <a:rPr lang="it-IT" sz="2400" dirty="0" err="1"/>
+                        <a:t>completely</a:t>
+                      </a:r>
+                      <a:r>
+                        <a:rPr lang="it-IT" sz="2400" dirty="0"/>
+                        <a:t> </a:t>
+                      </a:r>
+                      <a:r>
+                        <a:rPr lang="it-IT" sz="2400" dirty="0" err="1"/>
+                        <a:t>reliable</a:t>
+                      </a:r>
+                      <a:endParaRPr lang="it-IT" sz="2400" dirty="0"/>
+                    </a:p>
+                  </a:txBody>
+                  <a:tcPr/>
+                </a:tc>
+                <a:tc>
+                  <a:txBody>
+                    <a:bodyPr/>
+                    <a:lstStyle/>
+                    <a:p>
+                      <a:pPr algn="ctr"/>
+                      <a:r>
+                        <a:rPr lang="it-IT" sz="2400" dirty="0" err="1"/>
+                        <a:t>Topology</a:t>
+                      </a:r>
+                      <a:r>
+                        <a:rPr lang="it-IT" sz="2400" dirty="0"/>
+                        <a:t> </a:t>
+                      </a:r>
+                      <a:r>
+                        <a:rPr lang="it-IT" sz="2400" dirty="0" err="1"/>
+                        <a:t>is</a:t>
+                      </a:r>
+                      <a:r>
+                        <a:rPr lang="it-IT" sz="2400" dirty="0"/>
+                        <a:t> </a:t>
+                      </a:r>
+                      <a:r>
+                        <a:rPr lang="it-IT" sz="2400" dirty="0" err="1"/>
+                        <a:t>instable</a:t>
+                      </a:r>
+                      <a:endParaRPr lang="it-IT" sz="2400" dirty="0"/>
+                    </a:p>
+                  </a:txBody>
+                  <a:tcPr/>
+                </a:tc>
+                <a:extLst>
+                  <a:ext uri="{0D108BD9-81ED-4DB2-BD59-A6C34878D82A}">
+                    <a16:rowId xmlns:a16="http://schemas.microsoft.com/office/drawing/2014/main" val="3377674478"/>
+                  </a:ext>
+                </a:extLst>
+              </a:tr>
+              <a:tr h="370840">
+                <a:tc>
+                  <a:txBody>
+                    <a:bodyPr/>
+                    <a:lstStyle/>
+                    <a:p>
+                      <a:pPr algn="ctr"/>
+                      <a:r>
+                        <a:rPr lang="it-IT" sz="2400" dirty="0"/>
+                        <a:t>No broadcast IP msg.</a:t>
+                      </a:r>
+                    </a:p>
+                  </a:txBody>
+                  <a:tcPr/>
+                </a:tc>
+                <a:tc>
+                  <a:txBody>
+                    <a:bodyPr/>
+                    <a:lstStyle/>
+                    <a:p>
+                      <a:pPr algn="ctr"/>
+                      <a:r>
+                        <a:rPr lang="it-IT" sz="2400" dirty="0"/>
+                        <a:t>Switches </a:t>
+                      </a:r>
+                      <a:r>
+                        <a:rPr lang="it-IT" sz="2400" dirty="0" err="1"/>
+                        <a:t>periodically</a:t>
+                      </a:r>
+                      <a:r>
+                        <a:rPr lang="it-IT" sz="2400" dirty="0"/>
+                        <a:t> </a:t>
+                      </a:r>
+                      <a:r>
+                        <a:rPr lang="it-IT" sz="2400" dirty="0" err="1"/>
+                        <a:t>send</a:t>
+                      </a:r>
+                      <a:r>
+                        <a:rPr lang="it-IT" sz="2400" dirty="0"/>
+                        <a:t> broadcast IP msg.</a:t>
+                      </a:r>
+                    </a:p>
+                  </a:txBody>
+                  <a:tcPr/>
+                </a:tc>
+                <a:extLst>
+                  <a:ext uri="{0D108BD9-81ED-4DB2-BD59-A6C34878D82A}">
+                    <a16:rowId xmlns:a16="http://schemas.microsoft.com/office/drawing/2014/main" val="2475517983"/>
+                  </a:ext>
+                </a:extLst>
+              </a:tr>
+              <a:tr h="370840">
+                <a:tc>
+                  <a:txBody>
+                    <a:bodyPr/>
+                    <a:lstStyle/>
+                    <a:p>
+                      <a:pPr algn="ctr"/>
+                      <a:r>
+                        <a:rPr lang="it-IT" sz="2400" dirty="0"/>
+                        <a:t>No </a:t>
+                      </a:r>
+                      <a:r>
+                        <a:rPr lang="it-IT" sz="2400" dirty="0" err="1"/>
+                        <a:t>specific</a:t>
+                      </a:r>
+                      <a:r>
+                        <a:rPr lang="it-IT" sz="2400" dirty="0"/>
+                        <a:t> event </a:t>
+                      </a:r>
+                      <a:r>
+                        <a:rPr lang="it-IT" sz="2400" dirty="0" err="1"/>
+                        <a:t>is</a:t>
+                      </a:r>
+                      <a:r>
+                        <a:rPr lang="it-IT" sz="2400" dirty="0"/>
+                        <a:t> </a:t>
+                      </a:r>
+                      <a:r>
+                        <a:rPr lang="it-IT" sz="2400" dirty="0" err="1"/>
+                        <a:t>triggered</a:t>
+                      </a:r>
+                      <a:r>
+                        <a:rPr lang="it-IT" sz="2400" dirty="0"/>
+                        <a:t> </a:t>
+                      </a:r>
+                      <a:r>
+                        <a:rPr lang="it-IT" sz="2400" dirty="0" err="1"/>
+                        <a:t>when</a:t>
+                      </a:r>
+                      <a:r>
+                        <a:rPr lang="it-IT" sz="2400" dirty="0"/>
+                        <a:t> a port </a:t>
+                      </a:r>
+                      <a:r>
+                        <a:rPr lang="it-IT" sz="2400" dirty="0" err="1"/>
+                        <a:t>becomes</a:t>
+                      </a:r>
+                      <a:r>
+                        <a:rPr lang="it-IT" sz="2400" dirty="0"/>
+                        <a:t> </a:t>
+                      </a:r>
+                      <a:r>
+                        <a:rPr lang="it-IT" sz="2400" dirty="0" err="1"/>
+                        <a:t>active</a:t>
+                      </a:r>
+                      <a:endParaRPr lang="it-IT" sz="2400" dirty="0"/>
+                    </a:p>
+                  </a:txBody>
+                  <a:tcPr/>
+                </a:tc>
+                <a:tc>
+                  <a:txBody>
+                    <a:bodyPr/>
+                    <a:lstStyle/>
+                    <a:p>
+                      <a:pPr algn="ctr"/>
+                      <a:r>
+                        <a:rPr lang="it-IT" sz="2400" dirty="0"/>
+                        <a:t>Switches </a:t>
+                      </a:r>
+                      <a:r>
+                        <a:rPr lang="it-IT" sz="2400" dirty="0" err="1"/>
+                        <a:t>notify</a:t>
+                      </a:r>
+                      <a:r>
+                        <a:rPr lang="it-IT" sz="2400" dirty="0"/>
+                        <a:t> OFPPS_LIVE event </a:t>
+                      </a:r>
+                      <a:r>
+                        <a:rPr lang="it-IT" sz="2400" dirty="0" err="1"/>
+                        <a:t>when</a:t>
+                      </a:r>
+                      <a:r>
+                        <a:rPr lang="it-IT" sz="2400" dirty="0"/>
+                        <a:t> a port </a:t>
+                      </a:r>
+                      <a:r>
+                        <a:rPr lang="it-IT" sz="2400" dirty="0" err="1"/>
+                        <a:t>becomes</a:t>
+                      </a:r>
+                      <a:r>
+                        <a:rPr lang="it-IT" sz="2400" dirty="0"/>
+                        <a:t> </a:t>
+                      </a:r>
+                      <a:r>
+                        <a:rPr lang="it-IT" sz="2400" dirty="0" err="1"/>
+                        <a:t>active</a:t>
+                      </a:r>
+                      <a:endParaRPr lang="it-IT" sz="2400" dirty="0"/>
+                    </a:p>
+                  </a:txBody>
+                  <a:tcPr/>
+                </a:tc>
+                <a:extLst>
+                  <a:ext uri="{0D108BD9-81ED-4DB2-BD59-A6C34878D82A}">
+                    <a16:rowId xmlns:a16="http://schemas.microsoft.com/office/drawing/2014/main" val="813652406"/>
+                  </a:ext>
+                </a:extLst>
+              </a:tr>
+            </a:tbl>
+          </a:graphicData>
+        </a:graphic>
+      </p:graphicFrame>
+    </p:spTree>
+    <p:extLst>
+      <p:ext uri="{BB962C8B-B14F-4D97-AF65-F5344CB8AC3E}">
+        <p14:creationId xmlns:p14="http://schemas.microsoft.com/office/powerpoint/2010/main" val="693075301"/>
+      </p:ext>
+    </p:extLst>
+  </p:cSld>
+  <p:clrMapOvr>
+    <a:masterClrMapping/>
+  </p:clrMapOvr>
+</p:sld>
+</file>
+
+<file path=ppt/slides/slide11.xml><?xml version="1.0" encoding="utf-8"?>
+<p:sld xmlns:a="http://schemas.openxmlformats.org/drawingml/2006/main" xmlns:r="http://schemas.openxmlformats.org/officeDocument/2006/relationships" xmlns:p="http://schemas.openxmlformats.org/presentationml/2006/main">
+  <p:cSld>
+    <p:spTree>
+      <p:nvGrpSpPr>
+        <p:cNvPr id="1" name=""/>
+        <p:cNvGrpSpPr/>
+        <p:nvPr/>
+      </p:nvGrpSpPr>
+      <p:grpSpPr>
+        <a:xfrm>
+          <a:off x="0" y="0"/>
+          <a:ext cx="0" cy="0"/>
+          <a:chOff x="0" y="0"/>
+          <a:chExt cx="0" cy="0"/>
+        </a:xfrm>
+      </p:grpSpPr>
+      <p:sp>
+        <p:nvSpPr>
+          <p:cNvPr id="2" name="Titolo 1">
+            <a:extLst>
+              <a:ext uri="{FF2B5EF4-FFF2-40B4-BE49-F238E27FC236}">
+                <a16:creationId xmlns:a16="http://schemas.microsoft.com/office/drawing/2014/main" id="{E35B018F-CAFD-44A6-90EA-0AF98D44DB7D}"/>
+              </a:ext>
+            </a:extLst>
+          </p:cNvPr>
+          <p:cNvSpPr>
+            <a:spLocks noGrp="1"/>
+          </p:cNvSpPr>
+          <p:nvPr>
+            <p:ph type="title"/>
+          </p:nvPr>
+        </p:nvSpPr>
+        <p:spPr/>
+        <p:txBody>
+          <a:bodyPr/>
+          <a:lstStyle/>
+          <a:p>
+            <a:r>
+              <a:rPr lang="it-IT" dirty="0" err="1"/>
+              <a:t>Statistics</a:t>
+            </a:r>
+            <a:r>
+              <a:rPr lang="it-IT" dirty="0"/>
+              <a:t> </a:t>
+            </a:r>
+            <a:r>
+              <a:rPr lang="it-IT" dirty="0" err="1"/>
+              <a:t>collection</a:t>
+            </a:r>
+            <a:r>
+              <a:rPr lang="it-IT" dirty="0"/>
+              <a:t>: </a:t>
+            </a:r>
+            <a:r>
+              <a:rPr lang="it-IT" dirty="0" err="1"/>
+              <a:t>experiment</a:t>
+            </a:r>
+            <a:r>
+              <a:rPr lang="it-IT" dirty="0"/>
+              <a:t> procedure</a:t>
+            </a:r>
+          </a:p>
+        </p:txBody>
+      </p:sp>
+      <p:sp>
+        <p:nvSpPr>
+          <p:cNvPr id="3" name="Segnaposto numero diapositiva 2">
+            <a:extLst>
+              <a:ext uri="{FF2B5EF4-FFF2-40B4-BE49-F238E27FC236}">
+                <a16:creationId xmlns:a16="http://schemas.microsoft.com/office/drawing/2014/main" id="{9DCA7246-1769-4B12-91F5-55D06F435123}"/>
+              </a:ext>
+            </a:extLst>
+          </p:cNvPr>
+          <p:cNvSpPr>
+            <a:spLocks noGrp="1"/>
+          </p:cNvSpPr>
+          <p:nvPr>
+            <p:ph type="sldNum" sz="quarter" idx="12"/>
+          </p:nvPr>
+        </p:nvSpPr>
+        <p:spPr/>
+        <p:txBody>
+          <a:bodyPr/>
+          <a:lstStyle/>
+          <a:p>
+            <a:fld id="{07C31548-3396-48E6-A4F0-B6B6C960F6EE}" type="slidenum">
+              <a:rPr lang="it-IT" smtClean="0"/>
+              <a:t>11</a:t>
+            </a:fld>
+            <a:endParaRPr lang="it-IT" dirty="0"/>
+          </a:p>
+        </p:txBody>
+      </p:sp>
       <p:sp>
         <p:nvSpPr>
           <p:cNvPr id="4" name="Segnaposto contenuto 3">
             <a:extLst>
               <a:ext uri="{FF2B5EF4-FFF2-40B4-BE49-F238E27FC236}">
-                <a16:creationId xmlns:a16="http://schemas.microsoft.com/office/drawing/2014/main" id="{29F61544-57CF-4EED-86CF-2239CD5ADC1F}"/>
+                <a16:creationId xmlns:a16="http://schemas.microsoft.com/office/drawing/2014/main" id="{F3090D4D-53B9-4AD6-A5AC-A0DAD05822E4}"/>
               </a:ext>
             </a:extLst>
           </p:cNvPr>
@@ -7059,136 +9362,281 @@
         </p:nvSpPr>
         <p:spPr>
           <a:xfrm>
-            <a:off x="239152" y="1022847"/>
-            <a:ext cx="8721968" cy="4322876"/>
+            <a:off x="628649" y="1350396"/>
+            <a:ext cx="7886700" cy="4351338"/>
           </a:xfrm>
         </p:spPr>
         <p:txBody>
-          <a:bodyPr>
-            <a:noAutofit/>
-          </a:bodyPr>
+          <a:bodyPr/>
           <a:lstStyle/>
           <a:p>
-            <a:pPr algn="ctr"/>
-            <a:endParaRPr lang="it-IT" sz="4000" dirty="0"/>
-          </a:p>
-          <a:p>
-            <a:pPr marL="0" indent="0" algn="ctr">
+            <a:pPr marL="457200" indent="-457200">
+              <a:buFont typeface="+mj-lt"/>
+              <a:buAutoNum type="arabicPeriod"/>
+            </a:pPr>
+            <a:r>
+              <a:rPr lang="it-IT" dirty="0" err="1"/>
+              <a:t>Run</a:t>
+            </a:r>
+            <a:r>
+              <a:rPr lang="it-IT" dirty="0"/>
+              <a:t> the controller and </a:t>
+            </a:r>
+            <a:r>
+              <a:rPr lang="it-IT" dirty="0" err="1"/>
+              <a:t>then</a:t>
+            </a:r>
+            <a:r>
+              <a:rPr lang="it-IT" dirty="0"/>
+              <a:t> </a:t>
+            </a:r>
+            <a:r>
+              <a:rPr lang="it-IT" dirty="0" err="1"/>
+              <a:t>activate</a:t>
+            </a:r>
+            <a:r>
+              <a:rPr lang="it-IT" dirty="0"/>
+              <a:t> the </a:t>
+            </a:r>
+            <a:r>
+              <a:rPr lang="it-IT" dirty="0" err="1"/>
+              <a:t>topology</a:t>
+            </a:r>
+            <a:r>
+              <a:rPr lang="it-IT" dirty="0"/>
+              <a:t> </a:t>
+            </a:r>
+          </a:p>
+          <a:p>
+            <a:pPr marL="457200" indent="-457200">
+              <a:buFont typeface="+mj-lt"/>
+              <a:buAutoNum type="arabicPeriod"/>
+            </a:pPr>
+            <a:r>
+              <a:rPr lang="it-IT" dirty="0" err="1"/>
+              <a:t>Verify</a:t>
+            </a:r>
+            <a:r>
+              <a:rPr lang="it-IT" dirty="0"/>
+              <a:t> </a:t>
+            </a:r>
+            <a:r>
+              <a:rPr lang="it-IT" dirty="0" err="1"/>
+              <a:t>whether</a:t>
+            </a:r>
+            <a:r>
+              <a:rPr lang="it-IT" dirty="0"/>
+              <a:t> ARP </a:t>
+            </a:r>
+            <a:r>
+              <a:rPr lang="it-IT" dirty="0" err="1"/>
+              <a:t>tables</a:t>
+            </a:r>
+            <a:r>
+              <a:rPr lang="it-IT" dirty="0"/>
+              <a:t> are full</a:t>
+            </a:r>
+          </a:p>
+          <a:p>
+            <a:pPr marL="457200" indent="-457200">
+              <a:buFont typeface="+mj-lt"/>
+              <a:buAutoNum type="arabicPeriod"/>
+            </a:pPr>
+            <a:r>
+              <a:rPr lang="it-IT" dirty="0" err="1"/>
+              <a:t>Establish</a:t>
+            </a:r>
+            <a:r>
+              <a:rPr lang="it-IT" dirty="0"/>
+              <a:t> an IP connection </a:t>
+            </a:r>
+            <a:r>
+              <a:rPr lang="it-IT" dirty="0" err="1"/>
+              <a:t>between</a:t>
+            </a:r>
+            <a:r>
+              <a:rPr lang="it-IT" dirty="0"/>
+              <a:t> 2 </a:t>
+            </a:r>
+            <a:r>
+              <a:rPr lang="it-IT" dirty="0" err="1"/>
+              <a:t>hosts</a:t>
+            </a:r>
+            <a:endParaRPr lang="it-IT" dirty="0"/>
+          </a:p>
+          <a:p>
+            <a:pPr marL="457200" indent="-457200">
+              <a:buFont typeface="+mj-lt"/>
+              <a:buAutoNum type="arabicPeriod"/>
+            </a:pPr>
+            <a:r>
+              <a:rPr lang="it-IT" dirty="0"/>
+              <a:t>Once MPLS rules </a:t>
+            </a:r>
+            <a:r>
+              <a:rPr lang="it-IT" dirty="0" err="1"/>
+              <a:t>have</a:t>
+            </a:r>
+            <a:r>
+              <a:rPr lang="it-IT" dirty="0"/>
+              <a:t> </a:t>
+            </a:r>
+            <a:r>
+              <a:rPr lang="it-IT" dirty="0" err="1"/>
+              <a:t>been</a:t>
+            </a:r>
+            <a:r>
+              <a:rPr lang="it-IT" dirty="0"/>
+              <a:t> </a:t>
+            </a:r>
+            <a:r>
+              <a:rPr lang="it-IT" dirty="0" err="1"/>
+              <a:t>installed</a:t>
+            </a:r>
+            <a:r>
+              <a:rPr lang="it-IT" dirty="0"/>
+              <a:t>, </a:t>
+            </a:r>
+            <a:r>
+              <a:rPr lang="it-IT" dirty="0" err="1"/>
+              <a:t>collect</a:t>
+            </a:r>
+            <a:r>
+              <a:rPr lang="it-IT" dirty="0"/>
+              <a:t> </a:t>
+            </a:r>
+            <a:r>
+              <a:rPr lang="it-IT" dirty="0" err="1"/>
+              <a:t>statistics</a:t>
+            </a:r>
+            <a:r>
+              <a:rPr lang="it-IT" dirty="0"/>
+              <a:t> </a:t>
+            </a:r>
+            <a:r>
+              <a:rPr lang="it-IT" dirty="0" err="1"/>
+              <a:t>about</a:t>
+            </a:r>
+            <a:r>
+              <a:rPr lang="it-IT" dirty="0"/>
+              <a:t> RULE INSTALLATION TIME</a:t>
+            </a:r>
+          </a:p>
+          <a:p>
+            <a:pPr marL="457200" indent="-457200">
+              <a:buFont typeface="+mj-lt"/>
+              <a:buAutoNum type="arabicPeriod"/>
+            </a:pPr>
+            <a:r>
+              <a:rPr lang="it-IT" dirty="0"/>
+              <a:t>Simulate a link </a:t>
+            </a:r>
+            <a:r>
+              <a:rPr lang="it-IT" dirty="0" err="1"/>
+              <a:t>failure</a:t>
+            </a:r>
+            <a:endParaRPr lang="it-IT" dirty="0"/>
+          </a:p>
+          <a:p>
+            <a:pPr marL="457200" indent="-457200">
+              <a:buFont typeface="+mj-lt"/>
+              <a:buAutoNum type="arabicPeriod"/>
+            </a:pPr>
+            <a:r>
+              <a:rPr lang="it-IT" dirty="0" err="1"/>
+              <a:t>Collect</a:t>
+            </a:r>
+            <a:r>
+              <a:rPr lang="it-IT" dirty="0"/>
+              <a:t> </a:t>
+            </a:r>
+            <a:r>
+              <a:rPr lang="it-IT" dirty="0" err="1"/>
+              <a:t>statistics</a:t>
+            </a:r>
+            <a:r>
+              <a:rPr lang="it-IT" dirty="0"/>
+              <a:t> </a:t>
+            </a:r>
+            <a:r>
+              <a:rPr lang="it-IT" dirty="0" err="1"/>
+              <a:t>about</a:t>
+            </a:r>
+            <a:r>
+              <a:rPr lang="it-IT" dirty="0"/>
+              <a:t> PATH MODIFICATION TIME </a:t>
+            </a:r>
+          </a:p>
+          <a:p>
+            <a:pPr marL="457200" indent="-457200">
+              <a:buFont typeface="+mj-lt"/>
+              <a:buAutoNum type="arabicPeriod"/>
+            </a:pPr>
+            <a:r>
+              <a:rPr lang="it-IT" dirty="0" err="1"/>
+              <a:t>Restore</a:t>
+            </a:r>
+            <a:r>
+              <a:rPr lang="it-IT" dirty="0"/>
+              <a:t> the link </a:t>
+            </a:r>
+          </a:p>
+          <a:p>
+            <a:pPr marL="457200" indent="-457200">
+              <a:buFont typeface="+mj-lt"/>
+              <a:buAutoNum type="arabicPeriod"/>
+            </a:pPr>
+            <a:r>
+              <a:rPr lang="it-IT" dirty="0" err="1"/>
+              <a:t>Collect</a:t>
+            </a:r>
+            <a:r>
+              <a:rPr lang="it-IT" dirty="0"/>
+              <a:t> </a:t>
+            </a:r>
+            <a:r>
+              <a:rPr lang="it-IT" dirty="0" err="1"/>
+              <a:t>statistics</a:t>
+            </a:r>
+            <a:r>
+              <a:rPr lang="it-IT" dirty="0"/>
+              <a:t> </a:t>
+            </a:r>
+            <a:r>
+              <a:rPr lang="it-IT" dirty="0" err="1"/>
+              <a:t>about</a:t>
+            </a:r>
+            <a:r>
+              <a:rPr lang="it-IT" dirty="0"/>
+              <a:t> PATH MODIFICATION TIME </a:t>
+            </a:r>
+          </a:p>
+          <a:p>
+            <a:pPr marL="457200" indent="-457200">
+              <a:buFont typeface="+mj-lt"/>
+              <a:buAutoNum type="arabicPeriod"/>
+            </a:pPr>
+            <a:endParaRPr lang="it-IT" dirty="0"/>
+          </a:p>
+          <a:p>
+            <a:pPr marL="0" indent="0">
               <a:buNone/>
             </a:pPr>
-            <a:endParaRPr lang="it-IT" sz="4000" dirty="0"/>
-          </a:p>
-          <a:p>
-            <a:pPr marL="0" indent="0" algn="ctr">
-              <a:buNone/>
+            <a:endParaRPr lang="it-IT" dirty="0"/>
+          </a:p>
+          <a:p>
+            <a:pPr marL="457200" indent="-457200">
+              <a:buFont typeface="+mj-lt"/>
+              <a:buAutoNum type="arabicPeriod"/>
             </a:pPr>
-            <a:endParaRPr lang="it-IT" sz="4000" dirty="0"/>
-          </a:p>
-          <a:p>
-            <a:pPr marL="0" indent="0" algn="ctr">
-              <a:buNone/>
-            </a:pPr>
-            <a:r>
-              <a:rPr lang="it-IT" sz="4000" dirty="0"/>
-              <a:t>In the </a:t>
-            </a:r>
-            <a:r>
-              <a:rPr lang="it-IT" sz="4000" dirty="0" err="1"/>
-              <a:t>testbed</a:t>
-            </a:r>
-            <a:r>
-              <a:rPr lang="it-IT" sz="4000" dirty="0"/>
-              <a:t> </a:t>
-            </a:r>
-            <a:r>
-              <a:rPr lang="it-IT" sz="4000" dirty="0" err="1"/>
-              <a:t>version</a:t>
-            </a:r>
-            <a:r>
-              <a:rPr lang="it-IT" sz="4000" dirty="0"/>
-              <a:t> of the code, MPLS rules </a:t>
-            </a:r>
-            <a:r>
-              <a:rPr lang="it-IT" sz="4000" dirty="0" err="1"/>
-              <a:t>don’t</a:t>
-            </a:r>
-            <a:r>
-              <a:rPr lang="it-IT" sz="4000" dirty="0"/>
-              <a:t> match on </a:t>
-            </a:r>
-            <a:r>
-              <a:rPr lang="it-IT" sz="4000" u="sng" dirty="0">
-                <a:solidFill>
-                  <a:srgbClr val="FF0000"/>
-                </a:solidFill>
-              </a:rPr>
-              <a:t>label field</a:t>
-            </a:r>
-          </a:p>
-          <a:p>
-            <a:pPr marL="0" indent="0" algn="ctr">
-              <a:buNone/>
-            </a:pPr>
-            <a:r>
-              <a:rPr lang="it-IT" sz="4000" u="sng" dirty="0">
-                <a:solidFill>
-                  <a:srgbClr val="FF0000"/>
-                </a:solidFill>
-              </a:rPr>
-              <a:t>Scrivere differenze </a:t>
-            </a:r>
-            <a:r>
-              <a:rPr lang="it-IT" sz="4000" u="sng" dirty="0" err="1">
-                <a:solidFill>
-                  <a:srgbClr val="FF0000"/>
-                </a:solidFill>
-              </a:rPr>
-              <a:t>mininet</a:t>
-            </a:r>
-            <a:r>
-              <a:rPr lang="it-IT" sz="4000" u="sng" dirty="0">
-                <a:solidFill>
-                  <a:srgbClr val="FF0000"/>
-                </a:solidFill>
-              </a:rPr>
-              <a:t> </a:t>
-            </a:r>
-            <a:r>
-              <a:rPr lang="it-IT" sz="4000" u="sng" dirty="0" err="1">
-                <a:solidFill>
-                  <a:srgbClr val="FF0000"/>
-                </a:solidFill>
-              </a:rPr>
-              <a:t>testbed</a:t>
-            </a:r>
-            <a:r>
-              <a:rPr lang="it-IT" sz="4000" u="sng" dirty="0">
-                <a:solidFill>
-                  <a:srgbClr val="FF0000"/>
-                </a:solidFill>
-              </a:rPr>
-              <a:t>, le prossime slide incentrate più sul </a:t>
-            </a:r>
-            <a:r>
-              <a:rPr lang="it-IT" sz="4000" u="sng" dirty="0" err="1">
-                <a:solidFill>
-                  <a:srgbClr val="FF0000"/>
-                </a:solidFill>
-              </a:rPr>
-              <a:t>testbed</a:t>
-            </a:r>
-            <a:endParaRPr lang="it-IT" sz="4000" u="sng" dirty="0">
-              <a:solidFill>
-                <a:srgbClr val="FF0000"/>
-              </a:solidFill>
-            </a:endParaRPr>
+            <a:endParaRPr lang="it-IT" dirty="0"/>
           </a:p>
         </p:txBody>
       </p:sp>
     </p:spTree>
     <p:extLst>
       <p:ext uri="{BB962C8B-B14F-4D97-AF65-F5344CB8AC3E}">
-        <p14:creationId xmlns:p14="http://schemas.microsoft.com/office/powerpoint/2010/main" val="1809674643"/>
+        <p14:creationId xmlns:p14="http://schemas.microsoft.com/office/powerpoint/2010/main" val="2172424353"/>
       </p:ext>
     </p:extLst>
   </p:cSld>
@@ -7198,7 +9646,7 @@
 </p:sld>
 </file>
 
-<file path=ppt/slides/slide11.xml><?xml version="1.0" encoding="utf-8"?>
+<file path=ppt/slides/slide12.xml><?xml version="1.0" encoding="utf-8"?>
 <p:sld xmlns:a="http://schemas.openxmlformats.org/drawingml/2006/main" xmlns:r="http://schemas.openxmlformats.org/officeDocument/2006/relationships" xmlns:p="http://schemas.openxmlformats.org/presentationml/2006/main">
   <p:cSld>
     <p:spTree>
@@ -7294,7 +9742,7 @@
           <a:p>
             <a:fld id="{07C31548-3396-48E6-A4F0-B6B6C960F6EE}" type="slidenum">
               <a:rPr lang="it-IT" smtClean="0"/>
-              <a:t>11</a:t>
+              <a:t>12</a:t>
             </a:fld>
             <a:endParaRPr lang="it-IT" dirty="0"/>
           </a:p>
@@ -7302,7 +9750,37 @@
       </p:sp>
       <p:graphicFrame>
         <p:nvGraphicFramePr>
-          <p:cNvPr id="5" name="Grafico 4">
+          <p:cNvPr id="6" name="Grafico 5">
+            <a:extLst>
+              <a:ext uri="{FF2B5EF4-FFF2-40B4-BE49-F238E27FC236}">
+                <a16:creationId xmlns:a16="http://schemas.microsoft.com/office/drawing/2014/main" id="{CA4C168F-B732-473C-BE14-7ED6191F0356}"/>
+              </a:ext>
+            </a:extLst>
+          </p:cNvPr>
+          <p:cNvGraphicFramePr>
+            <a:graphicFrameLocks/>
+          </p:cNvGraphicFramePr>
+          <p:nvPr>
+            <p:extLst>
+              <p:ext uri="{D42A27DB-BD31-4B8C-83A1-F6EECF244321}">
+                <p14:modId xmlns:p14="http://schemas.microsoft.com/office/powerpoint/2010/main" val="1427206363"/>
+              </p:ext>
+            </p:extLst>
+          </p:nvPr>
+        </p:nvGraphicFramePr>
+        <p:xfrm>
+          <a:off x="420414" y="776872"/>
+          <a:ext cx="8010855" cy="2810391"/>
+        </p:xfrm>
+        <a:graphic>
+          <a:graphicData uri="http://schemas.openxmlformats.org/drawingml/2006/chart">
+            <c:chart xmlns:c="http://schemas.openxmlformats.org/drawingml/2006/chart" xmlns:r="http://schemas.openxmlformats.org/officeDocument/2006/relationships" r:id="rId2"/>
+          </a:graphicData>
+        </a:graphic>
+      </p:graphicFrame>
+      <p:graphicFrame>
+        <p:nvGraphicFramePr>
+          <p:cNvPr id="8" name="Grafico 7">
             <a:extLst>
               <a:ext uri="{FF2B5EF4-FFF2-40B4-BE49-F238E27FC236}">
                 <a16:creationId xmlns:a16="http://schemas.microsoft.com/office/drawing/2014/main" id="{6E0D3F69-ADD9-4B9A-A1DC-C37262C557F4}"/>
@@ -7315,44 +9793,14 @@
           <p:nvPr>
             <p:extLst>
               <p:ext uri="{D42A27DB-BD31-4B8C-83A1-F6EECF244321}">
-                <p14:modId xmlns:p14="http://schemas.microsoft.com/office/powerpoint/2010/main" val="902506372"/>
+                <p14:modId xmlns:p14="http://schemas.microsoft.com/office/powerpoint/2010/main" val="3556914083"/>
               </p:ext>
             </p:extLst>
           </p:nvPr>
         </p:nvGraphicFramePr>
         <p:xfrm>
-          <a:off x="963637" y="3587263"/>
-          <a:ext cx="7216726" cy="3136904"/>
-        </p:xfrm>
-        <a:graphic>
-          <a:graphicData uri="http://schemas.openxmlformats.org/drawingml/2006/chart">
-            <c:chart xmlns:c="http://schemas.openxmlformats.org/drawingml/2006/chart" xmlns:r="http://schemas.openxmlformats.org/officeDocument/2006/relationships" r:id="rId2"/>
-          </a:graphicData>
-        </a:graphic>
-      </p:graphicFrame>
-      <p:graphicFrame>
-        <p:nvGraphicFramePr>
-          <p:cNvPr id="7" name="Grafico 6">
-            <a:extLst>
-              <a:ext uri="{FF2B5EF4-FFF2-40B4-BE49-F238E27FC236}">
-                <a16:creationId xmlns:a16="http://schemas.microsoft.com/office/drawing/2014/main" id="{1CB035B6-E430-4001-84E3-AC86048426EC}"/>
-              </a:ext>
-            </a:extLst>
-          </p:cNvPr>
-          <p:cNvGraphicFramePr>
-            <a:graphicFrameLocks/>
-          </p:cNvGraphicFramePr>
-          <p:nvPr>
-            <p:extLst>
-              <p:ext uri="{D42A27DB-BD31-4B8C-83A1-F6EECF244321}">
-                <p14:modId xmlns:p14="http://schemas.microsoft.com/office/powerpoint/2010/main" val="2844582573"/>
-              </p:ext>
-            </p:extLst>
-          </p:nvPr>
-        </p:nvGraphicFramePr>
-        <p:xfrm>
-          <a:off x="963637" y="858130"/>
-          <a:ext cx="7012745" cy="2729133"/>
+          <a:off x="712731" y="3587263"/>
+          <a:ext cx="7812143" cy="2983961"/>
         </p:xfrm>
         <a:graphic>
           <a:graphicData uri="http://schemas.openxmlformats.org/drawingml/2006/chart">
@@ -7360,6 +9808,94 @@
           </a:graphicData>
         </a:graphic>
       </p:graphicFrame>
+      <p:sp>
+        <p:nvSpPr>
+          <p:cNvPr id="4" name="Fumetto: rettangolo con angoli arrotondati 3">
+            <a:extLst>
+              <a:ext uri="{FF2B5EF4-FFF2-40B4-BE49-F238E27FC236}">
+                <a16:creationId xmlns:a16="http://schemas.microsoft.com/office/drawing/2014/main" id="{FEF0B86C-85FC-4DEA-88F3-1FBFB9C29E55}"/>
+              </a:ext>
+            </a:extLst>
+          </p:cNvPr>
+          <p:cNvSpPr/>
+          <p:nvPr/>
+        </p:nvSpPr>
+        <p:spPr>
+          <a:xfrm>
+            <a:off x="1678673" y="4026090"/>
+            <a:ext cx="3057099" cy="887104"/>
+          </a:xfrm>
+          <a:prstGeom prst="wedgeRoundRectCallout">
+            <a:avLst>
+              <a:gd name="adj1" fmla="val -14583"/>
+              <a:gd name="adj2" fmla="val 50192"/>
+              <a:gd name="adj3" fmla="val 16667"/>
+            </a:avLst>
+          </a:prstGeom>
+          <a:ln>
+            <a:solidFill>
+              <a:schemeClr val="tx1"/>
+            </a:solidFill>
+          </a:ln>
+        </p:spPr>
+        <p:style>
+          <a:lnRef idx="2">
+            <a:schemeClr val="accent6"/>
+          </a:lnRef>
+          <a:fillRef idx="1">
+            <a:schemeClr val="lt1"/>
+          </a:fillRef>
+          <a:effectRef idx="0">
+            <a:schemeClr val="accent6"/>
+          </a:effectRef>
+          <a:fontRef idx="minor">
+            <a:schemeClr val="dk1"/>
+          </a:fontRef>
+        </p:style>
+        <p:txBody>
+          <a:bodyPr rtlCol="0" anchor="ctr"/>
+          <a:lstStyle/>
+          <a:p>
+            <a:pPr algn="ctr"/>
+            <a:r>
+              <a:rPr lang="it-IT" sz="1600" dirty="0"/>
+              <a:t>In case of </a:t>
+            </a:r>
+            <a:r>
+              <a:rPr lang="it-IT" sz="1600" dirty="0" err="1"/>
+              <a:t>empty</a:t>
+            </a:r>
+            <a:r>
+              <a:rPr lang="it-IT" sz="1600" dirty="0"/>
+              <a:t> ARP </a:t>
+            </a:r>
+            <a:r>
+              <a:rPr lang="it-IT" sz="1600" dirty="0" err="1"/>
+              <a:t>table</a:t>
+            </a:r>
+            <a:r>
+              <a:rPr lang="it-IT" sz="1600" dirty="0"/>
+              <a:t>, rule </a:t>
+            </a:r>
+            <a:r>
+              <a:rPr lang="it-IT" sz="1600" dirty="0" err="1"/>
+              <a:t>installation</a:t>
+            </a:r>
+            <a:r>
+              <a:rPr lang="it-IT" sz="1600" dirty="0"/>
+              <a:t> takes </a:t>
+            </a:r>
+            <a:r>
+              <a:rPr lang="it-IT" sz="1600" dirty="0" err="1"/>
+              <a:t>several</a:t>
+            </a:r>
+            <a:r>
+              <a:rPr lang="it-IT" sz="1600" dirty="0"/>
+              <a:t> seconds</a:t>
+            </a:r>
+          </a:p>
+        </p:txBody>
+      </p:sp>
     </p:spTree>
     <p:extLst>
       <p:ext uri="{BB962C8B-B14F-4D97-AF65-F5344CB8AC3E}">
@@ -7370,10 +9906,88 @@
   <p:clrMapOvr>
     <a:masterClrMapping/>
   </p:clrMapOvr>
+  <p:timing>
+    <p:tnLst>
+      <p:par>
+        <p:cTn id="1" dur="indefinite" restart="never" nodeType="tmRoot">
+          <p:childTnLst>
+            <p:seq concurrent="1" nextAc="seek">
+              <p:cTn id="2" dur="indefinite" nodeType="mainSeq">
+                <p:childTnLst>
+                  <p:par>
+                    <p:cTn id="3" fill="hold">
+                      <p:stCondLst>
+                        <p:cond delay="indefinite"/>
+                      </p:stCondLst>
+                      <p:childTnLst>
+                        <p:par>
+                          <p:cTn id="4" fill="hold">
+                            <p:stCondLst>
+                              <p:cond delay="0"/>
+                            </p:stCondLst>
+                            <p:childTnLst>
+                              <p:par>
+                                <p:cTn id="5" presetID="1" presetClass="entr" presetSubtype="0" fill="hold" grpId="0" nodeType="clickEffect">
+                                  <p:stCondLst>
+                                    <p:cond delay="0"/>
+                                  </p:stCondLst>
+                                  <p:childTnLst>
+                                    <p:set>
+                                      <p:cBhvr>
+                                        <p:cTn id="6" dur="1" fill="hold">
+                                          <p:stCondLst>
+                                            <p:cond delay="0"/>
+                                          </p:stCondLst>
+                                        </p:cTn>
+                                        <p:tgtEl>
+                                          <p:spTgt spid="4"/>
+                                        </p:tgtEl>
+                                        <p:attrNameLst>
+                                          <p:attrName>style.visibility</p:attrName>
+                                        </p:attrNameLst>
+                                      </p:cBhvr>
+                                      <p:to>
+                                        <p:strVal val="visible"/>
+                                      </p:to>
+                                    </p:set>
+                                  </p:childTnLst>
+                                </p:cTn>
+                              </p:par>
+                            </p:childTnLst>
+                          </p:cTn>
+                        </p:par>
+                      </p:childTnLst>
+                    </p:cTn>
+                  </p:par>
+                </p:childTnLst>
+              </p:cTn>
+              <p:prevCondLst>
+                <p:cond evt="onPrev" delay="0">
+                  <p:tgtEl>
+                    <p:sldTgt/>
+                  </p:tgtEl>
+                </p:cond>
+              </p:prevCondLst>
+              <p:nextCondLst>
+                <p:cond evt="onNext" delay="0">
+                  <p:tgtEl>
+                    <p:sldTgt/>
+                  </p:tgtEl>
+                </p:cond>
+              </p:nextCondLst>
+            </p:seq>
+          </p:childTnLst>
+        </p:cTn>
+      </p:par>
+    </p:tnLst>
+    <p:bldLst>
+      <p:bldP spid="4" grpId="0" animBg="1"/>
+    </p:bldLst>
+  </p:timing>
 </p:sld>
 </file>
 
-<file path=ppt/slides/slide12.xml><?xml version="1.0" encoding="utf-8"?>
+<file path=ppt/slides/slide13.xml><?xml version="1.0" encoding="utf-8"?>
 <p:sld xmlns:a="http://schemas.openxmlformats.org/drawingml/2006/main" xmlns:r="http://schemas.openxmlformats.org/officeDocument/2006/relationships" xmlns:p="http://schemas.openxmlformats.org/presentationml/2006/main">
   <p:cSld>
     <p:spTree>
@@ -7477,7 +10091,7 @@
           <a:p>
             <a:fld id="{07C31548-3396-48E6-A4F0-B6B6C960F6EE}" type="slidenum">
               <a:rPr lang="it-IT" smtClean="0"/>
-              <a:t>12</a:t>
+              <a:t>13</a:t>
             </a:fld>
             <a:endParaRPr lang="it-IT" dirty="0"/>
           </a:p>
@@ -7485,10 +10099,10 @@
       </p:sp>
       <p:graphicFrame>
         <p:nvGraphicFramePr>
-          <p:cNvPr id="10" name="Grafico 9">
+          <p:cNvPr id="7" name="Grafico 6">
             <a:extLst>
               <a:ext uri="{FF2B5EF4-FFF2-40B4-BE49-F238E27FC236}">
-                <a16:creationId xmlns:a16="http://schemas.microsoft.com/office/drawing/2014/main" id="{9445B5C8-9517-46C4-94AA-317865C0F2B5}"/>
+                <a16:creationId xmlns:a16="http://schemas.microsoft.com/office/drawing/2014/main" id="{8DBC3F73-F143-46B7-8E8E-3D786AE79B90}"/>
               </a:ext>
             </a:extLst>
           </p:cNvPr>
@@ -7498,14 +10112,14 @@
           <p:nvPr>
             <p:extLst>
               <p:ext uri="{D42A27DB-BD31-4B8C-83A1-F6EECF244321}">
-                <p14:modId xmlns:p14="http://schemas.microsoft.com/office/powerpoint/2010/main" val="251298395"/>
+                <p14:modId xmlns:p14="http://schemas.microsoft.com/office/powerpoint/2010/main" val="3922172385"/>
               </p:ext>
             </p:extLst>
           </p:nvPr>
         </p:nvGraphicFramePr>
         <p:xfrm>
-          <a:off x="1106543" y="721759"/>
-          <a:ext cx="7010515" cy="2844382"/>
+          <a:off x="982661" y="3794079"/>
+          <a:ext cx="7010515" cy="2680079"/>
         </p:xfrm>
         <a:graphic>
           <a:graphicData uri="http://schemas.openxmlformats.org/drawingml/2006/chart">
@@ -7515,10 +10129,10 @@
       </p:graphicFrame>
       <p:graphicFrame>
         <p:nvGraphicFramePr>
-          <p:cNvPr id="11" name="Grafico 10">
+          <p:cNvPr id="12" name="Grafico 11">
             <a:extLst>
               <a:ext uri="{FF2B5EF4-FFF2-40B4-BE49-F238E27FC236}">
-                <a16:creationId xmlns:a16="http://schemas.microsoft.com/office/drawing/2014/main" id="{07821879-267B-4D26-A9D1-AEA8CD903E65}"/>
+                <a16:creationId xmlns:a16="http://schemas.microsoft.com/office/drawing/2014/main" id="{E5D23CEA-34C2-48C1-8800-924F2AB29836}"/>
               </a:ext>
             </a:extLst>
           </p:cNvPr>
@@ -7528,14 +10142,14 @@
           <p:nvPr>
             <p:extLst>
               <p:ext uri="{D42A27DB-BD31-4B8C-83A1-F6EECF244321}">
-                <p14:modId xmlns:p14="http://schemas.microsoft.com/office/powerpoint/2010/main" val="1162902177"/>
+                <p14:modId xmlns:p14="http://schemas.microsoft.com/office/powerpoint/2010/main" val="3561339476"/>
               </p:ext>
             </p:extLst>
           </p:nvPr>
         </p:nvGraphicFramePr>
         <p:xfrm>
-          <a:off x="1150824" y="3663478"/>
-          <a:ext cx="7010515" cy="2844382"/>
+          <a:off x="982661" y="736979"/>
+          <a:ext cx="7010515" cy="3166281"/>
         </p:xfrm>
         <a:graphic>
           <a:graphicData uri="http://schemas.openxmlformats.org/drawingml/2006/chart">
@@ -7556,7 +10170,7 @@
 </p:sld>
 </file>
 
-<file path=ppt/slides/slide13.xml><?xml version="1.0" encoding="utf-8"?>
+<file path=ppt/slides/slide14.xml><?xml version="1.0" encoding="utf-8"?>
 <p:sld xmlns:a="http://schemas.openxmlformats.org/drawingml/2006/main" xmlns:r="http://schemas.openxmlformats.org/officeDocument/2006/relationships" xmlns:p="http://schemas.openxmlformats.org/presentationml/2006/main">
   <p:cSld>
     <p:spTree>
@@ -7660,7 +10274,7 @@
           <a:p>
             <a:fld id="{07C31548-3396-48E6-A4F0-B6B6C960F6EE}" type="slidenum">
               <a:rPr lang="it-IT" smtClean="0"/>
-              <a:t>13</a:t>
+              <a:t>14</a:t>
             </a:fld>
             <a:endParaRPr lang="it-IT" dirty="0"/>
           </a:p>
@@ -7709,7 +10323,7 @@
 </p:sld>
 </file>
 
-<file path=ppt/slides/slide14.xml><?xml version="1.0" encoding="utf-8"?>
+<file path=ppt/slides/slide15.xml><?xml version="1.0" encoding="utf-8"?>
 <p:sld xmlns:a="http://schemas.openxmlformats.org/drawingml/2006/main" xmlns:r="http://schemas.openxmlformats.org/officeDocument/2006/relationships" xmlns:p="http://schemas.openxmlformats.org/presentationml/2006/main">
   <p:cSld>
     <p:spTree>
@@ -7803,7 +10417,7 @@
           <a:p>
             <a:fld id="{07C31548-3396-48E6-A4F0-B6B6C960F6EE}" type="slidenum">
               <a:rPr lang="it-IT" smtClean="0"/>
-              <a:t>14</a:t>
+              <a:t>15</a:t>
             </a:fld>
             <a:endParaRPr lang="it-IT" dirty="0"/>
           </a:p>
@@ -7927,7 +10541,11 @@
             <a:pPr algn="just"/>
             <a:r>
               <a:rPr lang="it-IT" dirty="0"/>
-              <a:t>MPLS connection setup</a:t>
+              <a:t>Flow chart of the </a:t>
+            </a:r>
+            <a:r>
+              <a:rPr lang="it-IT" dirty="0" err="1"/>
+              <a:t>algorithm</a:t>
             </a:r>
             <a:endParaRPr lang="en-GB" dirty="0"/>
           </a:p>
@@ -7935,47 +10553,17 @@
             <a:pPr algn="just"/>
             <a:r>
               <a:rPr lang="it-IT" dirty="0" err="1"/>
-              <a:t>Packet</a:t>
-            </a:r>
-            <a:r>
-              <a:rPr lang="it-IT" dirty="0"/>
-              <a:t> in </a:t>
-            </a:r>
-            <a:r>
-              <a:rPr lang="it-IT" dirty="0" err="1"/>
-              <a:t>handler</a:t>
+              <a:t>Mininet</a:t>
             </a:r>
             <a:r>
               <a:rPr lang="it-IT" dirty="0"/>
               <a:t> </a:t>
             </a:r>
+            <a:r>
+              <a:rPr lang="it-IT" dirty="0" err="1"/>
+              <a:t>example</a:t>
+            </a:r>
             <a:endParaRPr lang="en-GB" dirty="0"/>
-          </a:p>
-          <a:p>
-            <a:pPr algn="just"/>
-            <a:r>
-              <a:rPr lang="it-IT" dirty="0"/>
-              <a:t>Rule </a:t>
-            </a:r>
-            <a:r>
-              <a:rPr lang="it-IT" dirty="0" err="1"/>
-              <a:t>installation</a:t>
-            </a:r>
-            <a:endParaRPr lang="en-GB" dirty="0"/>
-          </a:p>
-          <a:p>
-            <a:pPr algn="just"/>
-            <a:r>
-              <a:rPr lang="en-GB" dirty="0"/>
-              <a:t>Port detection</a:t>
-            </a:r>
-          </a:p>
-          <a:p>
-            <a:pPr algn="just"/>
-            <a:r>
-              <a:rPr lang="en-GB" dirty="0"/>
-              <a:t>Link down/up</a:t>
-            </a:r>
           </a:p>
           <a:p>
             <a:pPr algn="just"/>
@@ -7988,7 +10576,7 @@
               <a:t> </a:t>
             </a:r>
             <a:r>
-              <a:rPr lang="it-IT"/>
+              <a:rPr lang="it-IT" dirty="0" err="1"/>
               <a:t>testbed-mininet</a:t>
             </a:r>
             <a:r>
@@ -8108,19 +10696,27 @@
         </p:nvSpPr>
         <p:spPr>
           <a:xfrm>
-            <a:off x="628650" y="1253331"/>
-            <a:ext cx="7886700" cy="4351338"/>
+            <a:off x="272955" y="1253331"/>
+            <a:ext cx="8242395" cy="4351338"/>
           </a:xfrm>
         </p:spPr>
         <p:txBody>
-          <a:bodyPr/>
+          <a:bodyPr>
+            <a:normAutofit/>
+          </a:bodyPr>
           <a:lstStyle/>
           <a:p>
             <a:pPr algn="just"/>
             <a:r>
               <a:rPr lang="en-US" dirty="0"/>
-              <a:t>Starting from a multipath network with multiple disjoint paths from a source and a destination, a Ryu application has been implemented to set up a pair of MPLS link‐disjoint tunnels to connect the source with the destination.</a:t>
-            </a:r>
+              <a:t>Implement a Ryu application to set up a pair of MPLS link‐disjoint tunnels to connect the source with the destination.</a:t>
+            </a:r>
+          </a:p>
+          <a:p>
+            <a:pPr marL="0" indent="0" algn="just">
+              <a:buNone/>
+            </a:pPr>
+            <a:endParaRPr lang="en-US" dirty="0"/>
           </a:p>
           <a:p>
             <a:pPr algn="just"/>
@@ -8130,6 +10726,12 @@
             </a:r>
           </a:p>
           <a:p>
+            <a:pPr marL="0" indent="0" algn="just">
+              <a:buNone/>
+            </a:pPr>
+            <a:endParaRPr lang="en-US" dirty="0"/>
+          </a:p>
+          <a:p>
             <a:pPr algn="just"/>
             <a:r>
               <a:rPr lang="en-US" dirty="0"/>
@@ -8137,10 +10739,16 @@
             </a:r>
           </a:p>
           <a:p>
+            <a:pPr marL="0" indent="0" algn="just">
+              <a:buNone/>
+            </a:pPr>
+            <a:endParaRPr lang="en-US" dirty="0"/>
+          </a:p>
+          <a:p>
             <a:pPr algn="just"/>
             <a:r>
               <a:rPr lang="en-US" dirty="0"/>
-              <a:t>The application is able to re‐route traffic on the back‐up path in case of a failure of a link of the default path and to restore the original ruleset when the default path returns to  a working state.</a:t>
+              <a:t>The application is able to re‐route traffic on the back‐up path in case of a failure of a link of the default path</a:t>
             </a:r>
             <a:endParaRPr lang="en-GB" dirty="0"/>
           </a:p>
@@ -8627,7 +11235,7 @@
             </a:r>
             <a:r>
               <a:rPr lang="it-IT" sz="2400" dirty="0"/>
-              <a:t> an IP connection with host2</a:t>
+              <a:t> an TCP connection with host2</a:t>
             </a:r>
           </a:p>
           <a:p>
@@ -8747,8 +11355,16 @@
 </file>
 
 <file path=ppt/slides/slide5.xml><?xml version="1.0" encoding="utf-8"?>
-<p:sld xmlns:a="http://schemas.openxmlformats.org/drawingml/2006/main" xmlns:r="http://schemas.openxmlformats.org/officeDocument/2006/relationships" xmlns:p="http://schemas.openxmlformats.org/presentationml/2006/main">
+<p:sld xmlns:a="http://schemas.openxmlformats.org/drawingml/2006/main" xmlns:r="http://schemas.openxmlformats.org/officeDocument/2006/relationships" xmlns:p="http://schemas.openxmlformats.org/presentationml/2006/main" showMasterSp="0">
   <p:cSld>
+    <p:bg>
+      <p:bgPr>
+        <a:solidFill>
+          <a:schemeClr val="bg1"/>
+        </a:solidFill>
+        <a:effectLst/>
+      </p:bgPr>
+    </p:bg>
     <p:spTree>
       <p:nvGrpSpPr>
         <p:cNvPr id="1" name=""/>
@@ -8763,43 +11379,6 @@
           <a:chExt cx="0" cy="0"/>
         </a:xfrm>
       </p:grpSpPr>
-      <p:sp>
-        <p:nvSpPr>
-          <p:cNvPr id="2" name="Titolo 1">
-            <a:extLst>
-              <a:ext uri="{FF2B5EF4-FFF2-40B4-BE49-F238E27FC236}">
-                <a16:creationId xmlns:a16="http://schemas.microsoft.com/office/drawing/2014/main" id="{3B69C199-147F-498D-ACF8-B91CD20E1224}"/>
-              </a:ext>
-            </a:extLst>
-          </p:cNvPr>
-          <p:cNvSpPr>
-            <a:spLocks noGrp="1"/>
-          </p:cNvSpPr>
-          <p:nvPr>
-            <p:ph type="title"/>
-          </p:nvPr>
-        </p:nvSpPr>
-        <p:spPr/>
-        <p:txBody>
-          <a:bodyPr/>
-          <a:lstStyle/>
-          <a:p>
-            <a:r>
-              <a:rPr lang="it-IT" dirty="0" err="1"/>
-              <a:t>Packet</a:t>
-            </a:r>
-            <a:r>
-              <a:rPr lang="it-IT" dirty="0"/>
-              <a:t> in </a:t>
-            </a:r>
-            <a:r>
-              <a:rPr lang="it-IT" dirty="0" err="1"/>
-              <a:t>handler</a:t>
-            </a:r>
-            <a:endParaRPr lang="it-IT" dirty="0"/>
-          </a:p>
-        </p:txBody>
-      </p:sp>
       <p:sp>
         <p:nvSpPr>
           <p:cNvPr id="3" name="Segnaposto numero diapositiva 2">
@@ -8831,10 +11410,10 @@
       </p:sp>
       <p:pic>
         <p:nvPicPr>
-          <p:cNvPr id="22" name="Segnaposto contenuto 21" descr="Immagine che contiene testo, mappa&#10;&#10;Descrizione generata automaticamente">
+          <p:cNvPr id="15" name="Segnaposto contenuto 21" descr="Immagine che contiene testo, mappa&#10;&#10;Descrizione generata automaticamente">
             <a:extLst>
               <a:ext uri="{FF2B5EF4-FFF2-40B4-BE49-F238E27FC236}">
-                <a16:creationId xmlns:a16="http://schemas.microsoft.com/office/drawing/2014/main" id="{6598F5BE-C31C-476F-845E-9A460849DD29}"/>
+                <a16:creationId xmlns:a16="http://schemas.microsoft.com/office/drawing/2014/main" id="{A6D1C026-00A1-4EF0-B761-4E127E00655E}"/>
               </a:ext>
             </a:extLst>
           </p:cNvPr>
@@ -8859,11 +11438,46 @@
         </p:blipFill>
         <p:spPr>
           <a:xfrm>
-            <a:off x="2507387" y="764584"/>
-            <a:ext cx="3527653" cy="5806641"/>
+            <a:off x="2300590" y="101785"/>
+            <a:ext cx="4042701" cy="6654429"/>
           </a:xfrm>
         </p:spPr>
       </p:pic>
+      <p:sp>
+        <p:nvSpPr>
+          <p:cNvPr id="5" name="CasellaDiTesto 4">
+            <a:extLst>
+              <a:ext uri="{FF2B5EF4-FFF2-40B4-BE49-F238E27FC236}">
+                <a16:creationId xmlns:a16="http://schemas.microsoft.com/office/drawing/2014/main" id="{BC47CFD0-FA55-4E90-9920-8E73E9A9F579}"/>
+              </a:ext>
+            </a:extLst>
+          </p:cNvPr>
+          <p:cNvSpPr txBox="1"/>
+          <p:nvPr/>
+        </p:nvSpPr>
+        <p:spPr>
+          <a:xfrm>
+            <a:off x="5540991" y="764275"/>
+            <a:ext cx="398835" cy="215444"/>
+          </a:xfrm>
+          <a:prstGeom prst="rect">
+            <a:avLst/>
+          </a:prstGeom>
+          <a:noFill/>
+        </p:spPr>
+        <p:txBody>
+          <a:bodyPr wrap="square" rtlCol="0">
+            <a:spAutoFit/>
+          </a:bodyPr>
+          <a:lstStyle/>
+          <a:p>
+            <a:r>
+              <a:rPr lang="it-IT" sz="800" dirty="0"/>
+              <a:t>Yes</a:t>
+            </a:r>
+          </a:p>
+        </p:txBody>
+      </p:sp>
       <p:sp>
         <p:nvSpPr>
           <p:cNvPr id="4" name="CasellaDiTesto 3">
@@ -8878,8 +11492,8 @@
         </p:nvSpPr>
         <p:spPr>
           <a:xfrm>
-            <a:off x="4060769" y="2019300"/>
-            <a:ext cx="1190625" cy="307777"/>
+            <a:off x="3875964" y="1473957"/>
+            <a:ext cx="1815153" cy="504000"/>
           </a:xfrm>
           <a:prstGeom prst="rect">
             <a:avLst/>
@@ -8887,35 +11501,40 @@
           <a:solidFill>
             <a:schemeClr val="bg1"/>
           </a:solidFill>
+          <a:ln>
+            <a:solidFill>
+              <a:schemeClr val="tx1"/>
+            </a:solidFill>
+          </a:ln>
         </p:spPr>
         <p:txBody>
           <a:bodyPr wrap="square" rtlCol="0">
-            <a:spAutoFit/>
+            <a:noAutofit/>
           </a:bodyPr>
           <a:lstStyle/>
           <a:p>
             <a:r>
-              <a:rPr lang="it-IT" sz="700" dirty="0" err="1"/>
+              <a:rPr lang="it-IT" sz="1100" dirty="0" err="1"/>
               <a:t>add</a:t>
             </a:r>
             <a:r>
-              <a:rPr lang="it-IT" sz="700" dirty="0"/>
+              <a:rPr lang="it-IT" sz="1100" dirty="0"/>
               <a:t> </a:t>
             </a:r>
             <a:r>
-              <a:rPr lang="it-IT" sz="700" dirty="0" err="1"/>
+              <a:rPr lang="it-IT" sz="1100" dirty="0" err="1"/>
               <a:t>hash</a:t>
             </a:r>
             <a:r>
-              <a:rPr lang="it-IT" sz="700" dirty="0"/>
+              <a:rPr lang="it-IT" sz="1100" dirty="0"/>
               <a:t> (</a:t>
             </a:r>
             <a:r>
-              <a:rPr lang="it-IT" sz="700" dirty="0" err="1"/>
+              <a:rPr lang="it-IT" sz="1100" dirty="0" err="1"/>
               <a:t>srcMAC,dstMAC</a:t>
             </a:r>
             <a:r>
-              <a:rPr lang="it-IT" sz="700" dirty="0"/>
+              <a:rPr lang="it-IT" sz="1100" dirty="0"/>
               <a:t>) in the list</a:t>
             </a:r>
           </a:p>
@@ -8923,10 +11542,10 @@
       </p:sp>
       <p:sp>
         <p:nvSpPr>
-          <p:cNvPr id="5" name="CasellaDiTesto 4">
+          <p:cNvPr id="7" name="CasellaDiTesto 6">
             <a:extLst>
               <a:ext uri="{FF2B5EF4-FFF2-40B4-BE49-F238E27FC236}">
-                <a16:creationId xmlns:a16="http://schemas.microsoft.com/office/drawing/2014/main" id="{BC47CFD0-FA55-4E90-9920-8E73E9A9F579}"/>
+                <a16:creationId xmlns:a16="http://schemas.microsoft.com/office/drawing/2014/main" id="{52A95BA4-FA82-46EE-BBEE-2EBEA6A7EC32}"/>
               </a:ext>
             </a:extLst>
           </p:cNvPr>
@@ -8935,24 +11554,69 @@
         </p:nvSpPr>
         <p:spPr>
           <a:xfrm>
-            <a:off x="5267325" y="1284220"/>
-            <a:ext cx="361950" cy="215444"/>
+            <a:off x="3475916" y="3883674"/>
+            <a:ext cx="2065763" cy="540000"/>
           </a:xfrm>
           <a:prstGeom prst="rect">
             <a:avLst/>
           </a:prstGeom>
-          <a:noFill/>
+          <a:solidFill>
+            <a:schemeClr val="bg1"/>
+          </a:solidFill>
+          <a:ln>
+            <a:solidFill>
+              <a:schemeClr val="tx1"/>
+            </a:solidFill>
+          </a:ln>
         </p:spPr>
         <p:txBody>
           <a:bodyPr wrap="square" rtlCol="0">
-            <a:spAutoFit/>
+            <a:noAutofit/>
           </a:bodyPr>
           <a:lstStyle/>
           <a:p>
             <a:r>
-              <a:rPr lang="it-IT" sz="800" dirty="0"/>
-              <a:t>Yes</a:t>
-            </a:r>
+              <a:rPr lang="it-IT" sz="900" dirty="0"/>
+              <a:t>Compute </a:t>
+            </a:r>
+            <a:r>
+              <a:rPr lang="it-IT" sz="900" dirty="0" err="1"/>
+              <a:t>path_list</a:t>
+            </a:r>
+            <a:r>
+              <a:rPr lang="it-IT" sz="900" dirty="0"/>
+              <a:t>=</a:t>
+            </a:r>
+            <a:r>
+              <a:rPr lang="it-IT" sz="900" dirty="0" err="1"/>
+              <a:t>edge_disjoint_paths</a:t>
+            </a:r>
+            <a:endParaRPr lang="it-IT" sz="900" dirty="0"/>
+          </a:p>
+          <a:p>
+            <a:r>
+              <a:rPr lang="it-IT" sz="900" dirty="0" err="1"/>
+              <a:t>between</a:t>
+            </a:r>
+            <a:r>
+              <a:rPr lang="it-IT" sz="900" dirty="0"/>
+              <a:t> </a:t>
+            </a:r>
+            <a:r>
+              <a:rPr lang="it-IT" sz="900" dirty="0" err="1"/>
+              <a:t>switchSRC</a:t>
+            </a:r>
+            <a:r>
+              <a:rPr lang="it-IT" sz="900" dirty="0"/>
+              <a:t> and</a:t>
+            </a:r>
+          </a:p>
+          <a:p>
+            <a:r>
+              <a:rPr lang="it-IT" sz="900" dirty="0" err="1"/>
+              <a:t>switchDST</a:t>
+            </a:r>
+            <a:endParaRPr lang="it-IT" sz="900" dirty="0"/>
           </a:p>
         </p:txBody>
       </p:sp>
@@ -8970,8 +11634,8 @@
         </p:nvSpPr>
         <p:spPr>
           <a:xfrm>
-            <a:off x="4329112" y="1803856"/>
-            <a:ext cx="485775" cy="215444"/>
+            <a:off x="4783540" y="1285810"/>
+            <a:ext cx="389013" cy="215444"/>
           </a:xfrm>
           <a:prstGeom prst="rect">
             <a:avLst/>
@@ -8987,6 +11651,61 @@
             <a:r>
               <a:rPr lang="it-IT" sz="800" dirty="0"/>
               <a:t>No</a:t>
+            </a:r>
+          </a:p>
+        </p:txBody>
+      </p:sp>
+      <p:sp>
+        <p:nvSpPr>
+          <p:cNvPr id="14" name="CasellaDiTesto 13">
+            <a:extLst>
+              <a:ext uri="{FF2B5EF4-FFF2-40B4-BE49-F238E27FC236}">
+                <a16:creationId xmlns:a16="http://schemas.microsoft.com/office/drawing/2014/main" id="{7D961909-AC79-49BD-AE52-43DA89EE371F}"/>
+              </a:ext>
+            </a:extLst>
+          </p:cNvPr>
+          <p:cNvSpPr txBox="1"/>
+          <p:nvPr/>
+        </p:nvSpPr>
+        <p:spPr>
+          <a:xfrm>
+            <a:off x="1" y="0"/>
+            <a:ext cx="2756848" cy="954107"/>
+          </a:xfrm>
+          <a:prstGeom prst="rect">
+            <a:avLst/>
+          </a:prstGeom>
+          <a:noFill/>
+        </p:spPr>
+        <p:txBody>
+          <a:bodyPr wrap="square" rtlCol="0">
+            <a:spAutoFit/>
+          </a:bodyPr>
+          <a:lstStyle/>
+          <a:p>
+            <a:r>
+              <a:rPr lang="it-IT" sz="2800" dirty="0">
+                <a:latin typeface="+mj-lt"/>
+                <a:ea typeface="+mj-ea"/>
+                <a:cs typeface="+mj-cs"/>
+              </a:rPr>
+              <a:t>Flow chart of the </a:t>
+            </a:r>
+            <a:r>
+              <a:rPr lang="it-IT" sz="2800" dirty="0" err="1">
+                <a:latin typeface="+mj-lt"/>
+                <a:ea typeface="+mj-ea"/>
+                <a:cs typeface="+mj-cs"/>
+              </a:rPr>
+              <a:t>algorithm</a:t>
+            </a:r>
+            <a:r>
+              <a:rPr lang="it-IT" sz="2800" dirty="0">
+                <a:latin typeface="+mj-lt"/>
+                <a:ea typeface="+mj-ea"/>
+                <a:cs typeface="+mj-cs"/>
+              </a:rPr>
+              <a:t>(1)</a:t>
             </a:r>
           </a:p>
         </p:txBody>
@@ -9005,7 +11724,7 @@
 </file>
 
 <file path=ppt/slides/slide6.xml><?xml version="1.0" encoding="utf-8"?>
-<p:sld xmlns:a="http://schemas.openxmlformats.org/drawingml/2006/main" xmlns:r="http://schemas.openxmlformats.org/officeDocument/2006/relationships" xmlns:p="http://schemas.openxmlformats.org/presentationml/2006/main">
+<p:sld xmlns:a="http://schemas.openxmlformats.org/drawingml/2006/main" xmlns:r="http://schemas.openxmlformats.org/officeDocument/2006/relationships" xmlns:p="http://schemas.openxmlformats.org/presentationml/2006/main" showMasterSp="0">
   <p:cSld>
     <p:spTree>
       <p:nvGrpSpPr>
@@ -9021,39 +11740,6 @@
           <a:chExt cx="0" cy="0"/>
         </a:xfrm>
       </p:grpSpPr>
-      <p:sp>
-        <p:nvSpPr>
-          <p:cNvPr id="2" name="Titolo 1">
-            <a:extLst>
-              <a:ext uri="{FF2B5EF4-FFF2-40B4-BE49-F238E27FC236}">
-                <a16:creationId xmlns:a16="http://schemas.microsoft.com/office/drawing/2014/main" id="{7B936DAC-8E45-4C60-A23A-694979725F1D}"/>
-              </a:ext>
-            </a:extLst>
-          </p:cNvPr>
-          <p:cNvSpPr>
-            <a:spLocks noGrp="1"/>
-          </p:cNvSpPr>
-          <p:nvPr>
-            <p:ph type="title"/>
-          </p:nvPr>
-        </p:nvSpPr>
-        <p:spPr/>
-        <p:txBody>
-          <a:bodyPr/>
-          <a:lstStyle/>
-          <a:p>
-            <a:r>
-              <a:rPr lang="it-IT" dirty="0"/>
-              <a:t>Rule </a:t>
-            </a:r>
-            <a:r>
-              <a:rPr lang="it-IT" dirty="0" err="1"/>
-              <a:t>installation</a:t>
-            </a:r>
-            <a:endParaRPr lang="it-IT" dirty="0"/>
-          </a:p>
-        </p:txBody>
-      </p:sp>
       <p:sp>
         <p:nvSpPr>
           <p:cNvPr id="3" name="Segnaposto numero diapositiva 2">
@@ -9113,11 +11799,66 @@
         </p:blipFill>
         <p:spPr>
           <a:xfrm>
-            <a:off x="2335237" y="766573"/>
-            <a:ext cx="5339882" cy="5804651"/>
+            <a:off x="2493107" y="293513"/>
+            <a:ext cx="5768866" cy="6270973"/>
           </a:xfrm>
         </p:spPr>
       </p:pic>
+      <p:sp>
+        <p:nvSpPr>
+          <p:cNvPr id="7" name="CasellaDiTesto 6">
+            <a:extLst>
+              <a:ext uri="{FF2B5EF4-FFF2-40B4-BE49-F238E27FC236}">
+                <a16:creationId xmlns:a16="http://schemas.microsoft.com/office/drawing/2014/main" id="{B642038A-936E-4C20-AF8C-B12B712C3B5B}"/>
+              </a:ext>
+            </a:extLst>
+          </p:cNvPr>
+          <p:cNvSpPr txBox="1"/>
+          <p:nvPr/>
+        </p:nvSpPr>
+        <p:spPr>
+          <a:xfrm>
+            <a:off x="0" y="0"/>
+            <a:ext cx="2628527" cy="954107"/>
+          </a:xfrm>
+          <a:prstGeom prst="rect">
+            <a:avLst/>
+          </a:prstGeom>
+          <a:noFill/>
+        </p:spPr>
+        <p:txBody>
+          <a:bodyPr wrap="square" rtlCol="0">
+            <a:spAutoFit/>
+          </a:bodyPr>
+          <a:lstStyle/>
+          <a:p>
+            <a:r>
+              <a:rPr lang="it-IT" sz="2800" dirty="0">
+                <a:latin typeface="+mj-lt"/>
+                <a:ea typeface="+mj-ea"/>
+                <a:cs typeface="+mj-cs"/>
+              </a:rPr>
+              <a:t>Flow chart of the </a:t>
+            </a:r>
+            <a:r>
+              <a:rPr lang="it-IT" sz="2800" dirty="0" err="1">
+                <a:latin typeface="+mj-lt"/>
+                <a:ea typeface="+mj-ea"/>
+                <a:cs typeface="+mj-cs"/>
+              </a:rPr>
+              <a:t>algorithm</a:t>
+            </a:r>
+            <a:r>
+              <a:rPr lang="it-IT" sz="2800" dirty="0">
+                <a:latin typeface="+mj-lt"/>
+                <a:ea typeface="+mj-ea"/>
+                <a:cs typeface="+mj-cs"/>
+              </a:rPr>
+              <a:t>(2)</a:t>
+            </a:r>
+          </a:p>
+        </p:txBody>
+      </p:sp>
     </p:spTree>
     <p:extLst>
       <p:ext uri="{BB962C8B-B14F-4D97-AF65-F5344CB8AC3E}">
@@ -15939,4 +18680,862 @@
     </a:ext>
   </a:extLst>
 </a:theme>
+</file>
+
+<file path=ppt/theme/themeOverride1.xml><?xml version="1.0" encoding="utf-8"?>
+<a:themeOverride xmlns:a="http://schemas.openxmlformats.org/drawingml/2006/main">
+  <a:clrScheme name="Office">
+    <a:dk1>
+      <a:sysClr val="windowText" lastClr="000000"/>
+    </a:dk1>
+    <a:lt1>
+      <a:sysClr val="window" lastClr="FFFFFF"/>
+    </a:lt1>
+    <a:dk2>
+      <a:srgbClr val="44546A"/>
+    </a:dk2>
+    <a:lt2>
+      <a:srgbClr val="E7E6E6"/>
+    </a:lt2>
+    <a:accent1>
+      <a:srgbClr val="4472C4"/>
+    </a:accent1>
+    <a:accent2>
+      <a:srgbClr val="ED7D31"/>
+    </a:accent2>
+    <a:accent3>
+      <a:srgbClr val="A5A5A5"/>
+    </a:accent3>
+    <a:accent4>
+      <a:srgbClr val="FFC000"/>
+    </a:accent4>
+    <a:accent5>
+      <a:srgbClr val="5B9BD5"/>
+    </a:accent5>
+    <a:accent6>
+      <a:srgbClr val="70AD47"/>
+    </a:accent6>
+    <a:hlink>
+      <a:srgbClr val="0563C1"/>
+    </a:hlink>
+    <a:folHlink>
+      <a:srgbClr val="954F72"/>
+    </a:folHlink>
+  </a:clrScheme>
+  <a:fontScheme name="Office">
+    <a:majorFont>
+      <a:latin typeface="Calibri Light" panose="020F0302020204030204"/>
+      <a:ea typeface=""/>
+      <a:cs typeface=""/>
+      <a:font script="Jpan" typeface="游ゴシック Light"/>
+      <a:font script="Hang" typeface="맑은 고딕"/>
+      <a:font script="Hans" typeface="等线 Light"/>
+      <a:font script="Hant" typeface="新細明體"/>
+      <a:font script="Arab" typeface="Times New Roman"/>
+      <a:font script="Hebr" typeface="Times New Roman"/>
+      <a:font script="Thai" typeface="Tahoma"/>
+      <a:font script="Ethi" typeface="Nyala"/>
+      <a:font script="Beng" typeface="Vrinda"/>
+      <a:font script="Gujr" typeface="Shruti"/>
+      <a:font script="Khmr" typeface="MoolBoran"/>
+      <a:font script="Knda" typeface="Tunga"/>
+      <a:font script="Guru" typeface="Raavi"/>
+      <a:font script="Cans" typeface="Euphemia"/>
+      <a:font script="Cher" typeface="Plantagenet Cherokee"/>
+      <a:font script="Yiii" typeface="Microsoft Yi Baiti"/>
+      <a:font script="Tibt" typeface="Microsoft Himalaya"/>
+      <a:font script="Thaa" typeface="MV Boli"/>
+      <a:font script="Deva" typeface="Mangal"/>
+      <a:font script="Telu" typeface="Gautami"/>
+      <a:font script="Taml" typeface="Latha"/>
+      <a:font script="Syrc" typeface="Estrangelo Edessa"/>
+      <a:font script="Orya" typeface="Kalinga"/>
+      <a:font script="Mlym" typeface="Kartika"/>
+      <a:font script="Laoo" typeface="DokChampa"/>
+      <a:font script="Sinh" typeface="Iskoola Pota"/>
+      <a:font script="Mong" typeface="Mongolian Baiti"/>
+      <a:font script="Viet" typeface="Times New Roman"/>
+      <a:font script="Uigh" typeface="Microsoft Uighur"/>
+      <a:font script="Geor" typeface="Sylfaen"/>
+      <a:font script="Armn" typeface="Arial"/>
+      <a:font script="Bugi" typeface="Leelawadee UI"/>
+      <a:font script="Bopo" typeface="Microsoft JhengHei"/>
+      <a:font script="Java" typeface="Javanese Text"/>
+      <a:font script="Lisu" typeface="Segoe UI"/>
+      <a:font script="Mymr" typeface="Myanmar Text"/>
+      <a:font script="Nkoo" typeface="Ebrima"/>
+      <a:font script="Olck" typeface="Nirmala UI"/>
+      <a:font script="Osma" typeface="Ebrima"/>
+      <a:font script="Phag" typeface="Phagspa"/>
+      <a:font script="Syrn" typeface="Estrangelo Edessa"/>
+      <a:font script="Syrj" typeface="Estrangelo Edessa"/>
+      <a:font script="Syre" typeface="Estrangelo Edessa"/>
+      <a:font script="Sora" typeface="Nirmala UI"/>
+      <a:font script="Tale" typeface="Microsoft Tai Le"/>
+      <a:font script="Talu" typeface="Microsoft New Tai Lue"/>
+      <a:font script="Tfng" typeface="Ebrima"/>
+    </a:majorFont>
+    <a:minorFont>
+      <a:latin typeface="Calibri" panose="020F0502020204030204"/>
+      <a:ea typeface=""/>
+      <a:cs typeface=""/>
+      <a:font script="Jpan" typeface="游ゴシック"/>
+      <a:font script="Hang" typeface="맑은 고딕"/>
+      <a:font script="Hans" typeface="等线"/>
+      <a:font script="Hant" typeface="新細明體"/>
+      <a:font script="Arab" typeface="Arial"/>
+      <a:font script="Hebr" typeface="Arial"/>
+      <a:font script="Thai" typeface="Tahoma"/>
+      <a:font script="Ethi" typeface="Nyala"/>
+      <a:font script="Beng" typeface="Vrinda"/>
+      <a:font script="Gujr" typeface="Shruti"/>
+      <a:font script="Khmr" typeface="DaunPenh"/>
+      <a:font script="Knda" typeface="Tunga"/>
+      <a:font script="Guru" typeface="Raavi"/>
+      <a:font script="Cans" typeface="Euphemia"/>
+      <a:font script="Cher" typeface="Plantagenet Cherokee"/>
+      <a:font script="Yiii" typeface="Microsoft Yi Baiti"/>
+      <a:font script="Tibt" typeface="Microsoft Himalaya"/>
+      <a:font script="Thaa" typeface="MV Boli"/>
+      <a:font script="Deva" typeface="Mangal"/>
+      <a:font script="Telu" typeface="Gautami"/>
+      <a:font script="Taml" typeface="Latha"/>
+      <a:font script="Syrc" typeface="Estrangelo Edessa"/>
+      <a:font script="Orya" typeface="Kalinga"/>
+      <a:font script="Mlym" typeface="Kartika"/>
+      <a:font script="Laoo" typeface="DokChampa"/>
+      <a:font script="Sinh" typeface="Iskoola Pota"/>
+      <a:font script="Mong" typeface="Mongolian Baiti"/>
+      <a:font script="Viet" typeface="Arial"/>
+      <a:font script="Uigh" typeface="Microsoft Uighur"/>
+      <a:font script="Geor" typeface="Sylfaen"/>
+      <a:font script="Armn" typeface="Arial"/>
+      <a:font script="Bugi" typeface="Leelawadee UI"/>
+      <a:font script="Bopo" typeface="Microsoft JhengHei"/>
+      <a:font script="Java" typeface="Javanese Text"/>
+      <a:font script="Lisu" typeface="Segoe UI"/>
+      <a:font script="Mymr" typeface="Myanmar Text"/>
+      <a:font script="Nkoo" typeface="Ebrima"/>
+      <a:font script="Olck" typeface="Nirmala UI"/>
+      <a:font script="Osma" typeface="Ebrima"/>
+      <a:font script="Phag" typeface="Phagspa"/>
+      <a:font script="Syrn" typeface="Estrangelo Edessa"/>
+      <a:font script="Syrj" typeface="Estrangelo Edessa"/>
+      <a:font script="Syre" typeface="Estrangelo Edessa"/>
+      <a:font script="Sora" typeface="Nirmala UI"/>
+      <a:font script="Tale" typeface="Microsoft Tai Le"/>
+      <a:font script="Talu" typeface="Microsoft New Tai Lue"/>
+      <a:font script="Tfng" typeface="Ebrima"/>
+    </a:minorFont>
+  </a:fontScheme>
+  <a:fmtScheme name="Office">
+    <a:fillStyleLst>
+      <a:solidFill>
+        <a:schemeClr val="phClr"/>
+      </a:solidFill>
+      <a:gradFill rotWithShape="1">
+        <a:gsLst>
+          <a:gs pos="0">
+            <a:schemeClr val="phClr">
+              <a:lumMod val="110000"/>
+              <a:satMod val="105000"/>
+              <a:tint val="67000"/>
+            </a:schemeClr>
+          </a:gs>
+          <a:gs pos="50000">
+            <a:schemeClr val="phClr">
+              <a:lumMod val="105000"/>
+              <a:satMod val="103000"/>
+              <a:tint val="73000"/>
+            </a:schemeClr>
+          </a:gs>
+          <a:gs pos="100000">
+            <a:schemeClr val="phClr">
+              <a:lumMod val="105000"/>
+              <a:satMod val="109000"/>
+              <a:tint val="81000"/>
+            </a:schemeClr>
+          </a:gs>
+        </a:gsLst>
+        <a:lin ang="5400000" scaled="0"/>
+      </a:gradFill>
+      <a:gradFill rotWithShape="1">
+        <a:gsLst>
+          <a:gs pos="0">
+            <a:schemeClr val="phClr">
+              <a:satMod val="103000"/>
+              <a:lumMod val="102000"/>
+              <a:tint val="94000"/>
+            </a:schemeClr>
+          </a:gs>
+          <a:gs pos="50000">
+            <a:schemeClr val="phClr">
+              <a:satMod val="110000"/>
+              <a:lumMod val="100000"/>
+              <a:shade val="100000"/>
+            </a:schemeClr>
+          </a:gs>
+          <a:gs pos="100000">
+            <a:schemeClr val="phClr">
+              <a:lumMod val="99000"/>
+              <a:satMod val="120000"/>
+              <a:shade val="78000"/>
+            </a:schemeClr>
+          </a:gs>
+        </a:gsLst>
+        <a:lin ang="5400000" scaled="0"/>
+      </a:gradFill>
+    </a:fillStyleLst>
+    <a:lnStyleLst>
+      <a:ln w="6350" cap="flat" cmpd="sng" algn="ctr">
+        <a:solidFill>
+          <a:schemeClr val="phClr"/>
+        </a:solidFill>
+        <a:prstDash val="solid"/>
+        <a:miter lim="800000"/>
+      </a:ln>
+      <a:ln w="12700" cap="flat" cmpd="sng" algn="ctr">
+        <a:solidFill>
+          <a:schemeClr val="phClr"/>
+        </a:solidFill>
+        <a:prstDash val="solid"/>
+        <a:miter lim="800000"/>
+      </a:ln>
+      <a:ln w="19050" cap="flat" cmpd="sng" algn="ctr">
+        <a:solidFill>
+          <a:schemeClr val="phClr"/>
+        </a:solidFill>
+        <a:prstDash val="solid"/>
+        <a:miter lim="800000"/>
+      </a:ln>
+    </a:lnStyleLst>
+    <a:effectStyleLst>
+      <a:effectStyle>
+        <a:effectLst/>
+      </a:effectStyle>
+      <a:effectStyle>
+        <a:effectLst/>
+      </a:effectStyle>
+      <a:effectStyle>
+        <a:effectLst>
+          <a:outerShdw blurRad="57150" dist="19050" dir="5400000" algn="ctr" rotWithShape="0">
+            <a:srgbClr val="000000">
+              <a:alpha val="63000"/>
+            </a:srgbClr>
+          </a:outerShdw>
+        </a:effectLst>
+      </a:effectStyle>
+    </a:effectStyleLst>
+    <a:bgFillStyleLst>
+      <a:solidFill>
+        <a:schemeClr val="phClr"/>
+      </a:solidFill>
+      <a:solidFill>
+        <a:schemeClr val="phClr">
+          <a:tint val="95000"/>
+          <a:satMod val="170000"/>
+        </a:schemeClr>
+      </a:solidFill>
+      <a:gradFill rotWithShape="1">
+        <a:gsLst>
+          <a:gs pos="0">
+            <a:schemeClr val="phClr">
+              <a:tint val="93000"/>
+              <a:satMod val="150000"/>
+              <a:shade val="98000"/>
+              <a:lumMod val="102000"/>
+            </a:schemeClr>
+          </a:gs>
+          <a:gs pos="50000">
+            <a:schemeClr val="phClr">
+              <a:tint val="98000"/>
+              <a:satMod val="130000"/>
+              <a:shade val="90000"/>
+              <a:lumMod val="103000"/>
+            </a:schemeClr>
+          </a:gs>
+          <a:gs pos="100000">
+            <a:schemeClr val="phClr">
+              <a:shade val="63000"/>
+              <a:satMod val="120000"/>
+            </a:schemeClr>
+          </a:gs>
+        </a:gsLst>
+        <a:lin ang="5400000" scaled="0"/>
+      </a:gradFill>
+    </a:bgFillStyleLst>
+  </a:fmtScheme>
+</a:themeOverride>
+</file>
+
+<file path=ppt/theme/themeOverride2.xml><?xml version="1.0" encoding="utf-8"?>
+<a:themeOverride xmlns:a="http://schemas.openxmlformats.org/drawingml/2006/main">
+  <a:clrScheme name="Office">
+    <a:dk1>
+      <a:sysClr val="windowText" lastClr="000000"/>
+    </a:dk1>
+    <a:lt1>
+      <a:sysClr val="window" lastClr="FFFFFF"/>
+    </a:lt1>
+    <a:dk2>
+      <a:srgbClr val="44546A"/>
+    </a:dk2>
+    <a:lt2>
+      <a:srgbClr val="E7E6E6"/>
+    </a:lt2>
+    <a:accent1>
+      <a:srgbClr val="4472C4"/>
+    </a:accent1>
+    <a:accent2>
+      <a:srgbClr val="ED7D31"/>
+    </a:accent2>
+    <a:accent3>
+      <a:srgbClr val="A5A5A5"/>
+    </a:accent3>
+    <a:accent4>
+      <a:srgbClr val="FFC000"/>
+    </a:accent4>
+    <a:accent5>
+      <a:srgbClr val="5B9BD5"/>
+    </a:accent5>
+    <a:accent6>
+      <a:srgbClr val="70AD47"/>
+    </a:accent6>
+    <a:hlink>
+      <a:srgbClr val="0563C1"/>
+    </a:hlink>
+    <a:folHlink>
+      <a:srgbClr val="954F72"/>
+    </a:folHlink>
+  </a:clrScheme>
+  <a:fontScheme name="Office">
+    <a:majorFont>
+      <a:latin typeface="Calibri Light" panose="020F0302020204030204"/>
+      <a:ea typeface=""/>
+      <a:cs typeface=""/>
+      <a:font script="Jpan" typeface="游ゴシック Light"/>
+      <a:font script="Hang" typeface="맑은 고딕"/>
+      <a:font script="Hans" typeface="等线 Light"/>
+      <a:font script="Hant" typeface="新細明體"/>
+      <a:font script="Arab" typeface="Times New Roman"/>
+      <a:font script="Hebr" typeface="Times New Roman"/>
+      <a:font script="Thai" typeface="Tahoma"/>
+      <a:font script="Ethi" typeface="Nyala"/>
+      <a:font script="Beng" typeface="Vrinda"/>
+      <a:font script="Gujr" typeface="Shruti"/>
+      <a:font script="Khmr" typeface="MoolBoran"/>
+      <a:font script="Knda" typeface="Tunga"/>
+      <a:font script="Guru" typeface="Raavi"/>
+      <a:font script="Cans" typeface="Euphemia"/>
+      <a:font script="Cher" typeface="Plantagenet Cherokee"/>
+      <a:font script="Yiii" typeface="Microsoft Yi Baiti"/>
+      <a:font script="Tibt" typeface="Microsoft Himalaya"/>
+      <a:font script="Thaa" typeface="MV Boli"/>
+      <a:font script="Deva" typeface="Mangal"/>
+      <a:font script="Telu" typeface="Gautami"/>
+      <a:font script="Taml" typeface="Latha"/>
+      <a:font script="Syrc" typeface="Estrangelo Edessa"/>
+      <a:font script="Orya" typeface="Kalinga"/>
+      <a:font script="Mlym" typeface="Kartika"/>
+      <a:font script="Laoo" typeface="DokChampa"/>
+      <a:font script="Sinh" typeface="Iskoola Pota"/>
+      <a:font script="Mong" typeface="Mongolian Baiti"/>
+      <a:font script="Viet" typeface="Times New Roman"/>
+      <a:font script="Uigh" typeface="Microsoft Uighur"/>
+      <a:font script="Geor" typeface="Sylfaen"/>
+      <a:font script="Armn" typeface="Arial"/>
+      <a:font script="Bugi" typeface="Leelawadee UI"/>
+      <a:font script="Bopo" typeface="Microsoft JhengHei"/>
+      <a:font script="Java" typeface="Javanese Text"/>
+      <a:font script="Lisu" typeface="Segoe UI"/>
+      <a:font script="Mymr" typeface="Myanmar Text"/>
+      <a:font script="Nkoo" typeface="Ebrima"/>
+      <a:font script="Olck" typeface="Nirmala UI"/>
+      <a:font script="Osma" typeface="Ebrima"/>
+      <a:font script="Phag" typeface="Phagspa"/>
+      <a:font script="Syrn" typeface="Estrangelo Edessa"/>
+      <a:font script="Syrj" typeface="Estrangelo Edessa"/>
+      <a:font script="Syre" typeface="Estrangelo Edessa"/>
+      <a:font script="Sora" typeface="Nirmala UI"/>
+      <a:font script="Tale" typeface="Microsoft Tai Le"/>
+      <a:font script="Talu" typeface="Microsoft New Tai Lue"/>
+      <a:font script="Tfng" typeface="Ebrima"/>
+    </a:majorFont>
+    <a:minorFont>
+      <a:latin typeface="Calibri" panose="020F0502020204030204"/>
+      <a:ea typeface=""/>
+      <a:cs typeface=""/>
+      <a:font script="Jpan" typeface="游ゴシック"/>
+      <a:font script="Hang" typeface="맑은 고딕"/>
+      <a:font script="Hans" typeface="等线"/>
+      <a:font script="Hant" typeface="新細明體"/>
+      <a:font script="Arab" typeface="Arial"/>
+      <a:font script="Hebr" typeface="Arial"/>
+      <a:font script="Thai" typeface="Tahoma"/>
+      <a:font script="Ethi" typeface="Nyala"/>
+      <a:font script="Beng" typeface="Vrinda"/>
+      <a:font script="Gujr" typeface="Shruti"/>
+      <a:font script="Khmr" typeface="DaunPenh"/>
+      <a:font script="Knda" typeface="Tunga"/>
+      <a:font script="Guru" typeface="Raavi"/>
+      <a:font script="Cans" typeface="Euphemia"/>
+      <a:font script="Cher" typeface="Plantagenet Cherokee"/>
+      <a:font script="Yiii" typeface="Microsoft Yi Baiti"/>
+      <a:font script="Tibt" typeface="Microsoft Himalaya"/>
+      <a:font script="Thaa" typeface="MV Boli"/>
+      <a:font script="Deva" typeface="Mangal"/>
+      <a:font script="Telu" typeface="Gautami"/>
+      <a:font script="Taml" typeface="Latha"/>
+      <a:font script="Syrc" typeface="Estrangelo Edessa"/>
+      <a:font script="Orya" typeface="Kalinga"/>
+      <a:font script="Mlym" typeface="Kartika"/>
+      <a:font script="Laoo" typeface="DokChampa"/>
+      <a:font script="Sinh" typeface="Iskoola Pota"/>
+      <a:font script="Mong" typeface="Mongolian Baiti"/>
+      <a:font script="Viet" typeface="Arial"/>
+      <a:font script="Uigh" typeface="Microsoft Uighur"/>
+      <a:font script="Geor" typeface="Sylfaen"/>
+      <a:font script="Armn" typeface="Arial"/>
+      <a:font script="Bugi" typeface="Leelawadee UI"/>
+      <a:font script="Bopo" typeface="Microsoft JhengHei"/>
+      <a:font script="Java" typeface="Javanese Text"/>
+      <a:font script="Lisu" typeface="Segoe UI"/>
+      <a:font script="Mymr" typeface="Myanmar Text"/>
+      <a:font script="Nkoo" typeface="Ebrima"/>
+      <a:font script="Olck" typeface="Nirmala UI"/>
+      <a:font script="Osma" typeface="Ebrima"/>
+      <a:font script="Phag" typeface="Phagspa"/>
+      <a:font script="Syrn" typeface="Estrangelo Edessa"/>
+      <a:font script="Syrj" typeface="Estrangelo Edessa"/>
+      <a:font script="Syre" typeface="Estrangelo Edessa"/>
+      <a:font script="Sora" typeface="Nirmala UI"/>
+      <a:font script="Tale" typeface="Microsoft Tai Le"/>
+      <a:font script="Talu" typeface="Microsoft New Tai Lue"/>
+      <a:font script="Tfng" typeface="Ebrima"/>
+    </a:minorFont>
+  </a:fontScheme>
+  <a:fmtScheme name="Office">
+    <a:fillStyleLst>
+      <a:solidFill>
+        <a:schemeClr val="phClr"/>
+      </a:solidFill>
+      <a:gradFill rotWithShape="1">
+        <a:gsLst>
+          <a:gs pos="0">
+            <a:schemeClr val="phClr">
+              <a:lumMod val="110000"/>
+              <a:satMod val="105000"/>
+              <a:tint val="67000"/>
+            </a:schemeClr>
+          </a:gs>
+          <a:gs pos="50000">
+            <a:schemeClr val="phClr">
+              <a:lumMod val="105000"/>
+              <a:satMod val="103000"/>
+              <a:tint val="73000"/>
+            </a:schemeClr>
+          </a:gs>
+          <a:gs pos="100000">
+            <a:schemeClr val="phClr">
+              <a:lumMod val="105000"/>
+              <a:satMod val="109000"/>
+              <a:tint val="81000"/>
+            </a:schemeClr>
+          </a:gs>
+        </a:gsLst>
+        <a:lin ang="5400000" scaled="0"/>
+      </a:gradFill>
+      <a:gradFill rotWithShape="1">
+        <a:gsLst>
+          <a:gs pos="0">
+            <a:schemeClr val="phClr">
+              <a:satMod val="103000"/>
+              <a:lumMod val="102000"/>
+              <a:tint val="94000"/>
+            </a:schemeClr>
+          </a:gs>
+          <a:gs pos="50000">
+            <a:schemeClr val="phClr">
+              <a:satMod val="110000"/>
+              <a:lumMod val="100000"/>
+              <a:shade val="100000"/>
+            </a:schemeClr>
+          </a:gs>
+          <a:gs pos="100000">
+            <a:schemeClr val="phClr">
+              <a:lumMod val="99000"/>
+              <a:satMod val="120000"/>
+              <a:shade val="78000"/>
+            </a:schemeClr>
+          </a:gs>
+        </a:gsLst>
+        <a:lin ang="5400000" scaled="0"/>
+      </a:gradFill>
+    </a:fillStyleLst>
+    <a:lnStyleLst>
+      <a:ln w="6350" cap="flat" cmpd="sng" algn="ctr">
+        <a:solidFill>
+          <a:schemeClr val="phClr"/>
+        </a:solidFill>
+        <a:prstDash val="solid"/>
+        <a:miter lim="800000"/>
+      </a:ln>
+      <a:ln w="12700" cap="flat" cmpd="sng" algn="ctr">
+        <a:solidFill>
+          <a:schemeClr val="phClr"/>
+        </a:solidFill>
+        <a:prstDash val="solid"/>
+        <a:miter lim="800000"/>
+      </a:ln>
+      <a:ln w="19050" cap="flat" cmpd="sng" algn="ctr">
+        <a:solidFill>
+          <a:schemeClr val="phClr"/>
+        </a:solidFill>
+        <a:prstDash val="solid"/>
+        <a:miter lim="800000"/>
+      </a:ln>
+    </a:lnStyleLst>
+    <a:effectStyleLst>
+      <a:effectStyle>
+        <a:effectLst/>
+      </a:effectStyle>
+      <a:effectStyle>
+        <a:effectLst/>
+      </a:effectStyle>
+      <a:effectStyle>
+        <a:effectLst>
+          <a:outerShdw blurRad="57150" dist="19050" dir="5400000" algn="ctr" rotWithShape="0">
+            <a:srgbClr val="000000">
+              <a:alpha val="63000"/>
+            </a:srgbClr>
+          </a:outerShdw>
+        </a:effectLst>
+      </a:effectStyle>
+    </a:effectStyleLst>
+    <a:bgFillStyleLst>
+      <a:solidFill>
+        <a:schemeClr val="phClr"/>
+      </a:solidFill>
+      <a:solidFill>
+        <a:schemeClr val="phClr">
+          <a:tint val="95000"/>
+          <a:satMod val="170000"/>
+        </a:schemeClr>
+      </a:solidFill>
+      <a:gradFill rotWithShape="1">
+        <a:gsLst>
+          <a:gs pos="0">
+            <a:schemeClr val="phClr">
+              <a:tint val="93000"/>
+              <a:satMod val="150000"/>
+              <a:shade val="98000"/>
+              <a:lumMod val="102000"/>
+            </a:schemeClr>
+          </a:gs>
+          <a:gs pos="50000">
+            <a:schemeClr val="phClr">
+              <a:tint val="98000"/>
+              <a:satMod val="130000"/>
+              <a:shade val="90000"/>
+              <a:lumMod val="103000"/>
+            </a:schemeClr>
+          </a:gs>
+          <a:gs pos="100000">
+            <a:schemeClr val="phClr">
+              <a:shade val="63000"/>
+              <a:satMod val="120000"/>
+            </a:schemeClr>
+          </a:gs>
+        </a:gsLst>
+        <a:lin ang="5400000" scaled="0"/>
+      </a:gradFill>
+    </a:bgFillStyleLst>
+  </a:fmtScheme>
+</a:themeOverride>
+</file>
+
+<file path=ppt/theme/themeOverride3.xml><?xml version="1.0" encoding="utf-8"?>
+<a:themeOverride xmlns:a="http://schemas.openxmlformats.org/drawingml/2006/main">
+  <a:clrScheme name="Office">
+    <a:dk1>
+      <a:sysClr val="windowText" lastClr="000000"/>
+    </a:dk1>
+    <a:lt1>
+      <a:sysClr val="window" lastClr="FFFFFF"/>
+    </a:lt1>
+    <a:dk2>
+      <a:srgbClr val="44546A"/>
+    </a:dk2>
+    <a:lt2>
+      <a:srgbClr val="E7E6E6"/>
+    </a:lt2>
+    <a:accent1>
+      <a:srgbClr val="4472C4"/>
+    </a:accent1>
+    <a:accent2>
+      <a:srgbClr val="ED7D31"/>
+    </a:accent2>
+    <a:accent3>
+      <a:srgbClr val="A5A5A5"/>
+    </a:accent3>
+    <a:accent4>
+      <a:srgbClr val="FFC000"/>
+    </a:accent4>
+    <a:accent5>
+      <a:srgbClr val="5B9BD5"/>
+    </a:accent5>
+    <a:accent6>
+      <a:srgbClr val="70AD47"/>
+    </a:accent6>
+    <a:hlink>
+      <a:srgbClr val="0563C1"/>
+    </a:hlink>
+    <a:folHlink>
+      <a:srgbClr val="954F72"/>
+    </a:folHlink>
+  </a:clrScheme>
+  <a:fontScheme name="Office">
+    <a:majorFont>
+      <a:latin typeface="Calibri Light" panose="020F0302020204030204"/>
+      <a:ea typeface=""/>
+      <a:cs typeface=""/>
+      <a:font script="Jpan" typeface="游ゴシック Light"/>
+      <a:font script="Hang" typeface="맑은 고딕"/>
+      <a:font script="Hans" typeface="等线 Light"/>
+      <a:font script="Hant" typeface="新細明體"/>
+      <a:font script="Arab" typeface="Times New Roman"/>
+      <a:font script="Hebr" typeface="Times New Roman"/>
+      <a:font script="Thai" typeface="Tahoma"/>
+      <a:font script="Ethi" typeface="Nyala"/>
+      <a:font script="Beng" typeface="Vrinda"/>
+      <a:font script="Gujr" typeface="Shruti"/>
+      <a:font script="Khmr" typeface="MoolBoran"/>
+      <a:font script="Knda" typeface="Tunga"/>
+      <a:font script="Guru" typeface="Raavi"/>
+      <a:font script="Cans" typeface="Euphemia"/>
+      <a:font script="Cher" typeface="Plantagenet Cherokee"/>
+      <a:font script="Yiii" typeface="Microsoft Yi Baiti"/>
+      <a:font script="Tibt" typeface="Microsoft Himalaya"/>
+      <a:font script="Thaa" typeface="MV Boli"/>
+      <a:font script="Deva" typeface="Mangal"/>
+      <a:font script="Telu" typeface="Gautami"/>
+      <a:font script="Taml" typeface="Latha"/>
+      <a:font script="Syrc" typeface="Estrangelo Edessa"/>
+      <a:font script="Orya" typeface="Kalinga"/>
+      <a:font script="Mlym" typeface="Kartika"/>
+      <a:font script="Laoo" typeface="DokChampa"/>
+      <a:font script="Sinh" typeface="Iskoola Pota"/>
+      <a:font script="Mong" typeface="Mongolian Baiti"/>
+      <a:font script="Viet" typeface="Times New Roman"/>
+      <a:font script="Uigh" typeface="Microsoft Uighur"/>
+      <a:font script="Geor" typeface="Sylfaen"/>
+      <a:font script="Armn" typeface="Arial"/>
+      <a:font script="Bugi" typeface="Leelawadee UI"/>
+      <a:font script="Bopo" typeface="Microsoft JhengHei"/>
+      <a:font script="Java" typeface="Javanese Text"/>
+      <a:font script="Lisu" typeface="Segoe UI"/>
+      <a:font script="Mymr" typeface="Myanmar Text"/>
+      <a:font script="Nkoo" typeface="Ebrima"/>
+      <a:font script="Olck" typeface="Nirmala UI"/>
+      <a:font script="Osma" typeface="Ebrima"/>
+      <a:font script="Phag" typeface="Phagspa"/>
+      <a:font script="Syrn" typeface="Estrangelo Edessa"/>
+      <a:font script="Syrj" typeface="Estrangelo Edessa"/>
+      <a:font script="Syre" typeface="Estrangelo Edessa"/>
+      <a:font script="Sora" typeface="Nirmala UI"/>
+      <a:font script="Tale" typeface="Microsoft Tai Le"/>
+      <a:font script="Talu" typeface="Microsoft New Tai Lue"/>
+      <a:font script="Tfng" typeface="Ebrima"/>
+    </a:majorFont>
+    <a:minorFont>
+      <a:latin typeface="Calibri" panose="020F0502020204030204"/>
+      <a:ea typeface=""/>
+      <a:cs typeface=""/>
+      <a:font script="Jpan" typeface="游ゴシック"/>
+      <a:font script="Hang" typeface="맑은 고딕"/>
+      <a:font script="Hans" typeface="等线"/>
+      <a:font script="Hant" typeface="新細明體"/>
+      <a:font script="Arab" typeface="Arial"/>
+      <a:font script="Hebr" typeface="Arial"/>
+      <a:font script="Thai" typeface="Tahoma"/>
+      <a:font script="Ethi" typeface="Nyala"/>
+      <a:font script="Beng" typeface="Vrinda"/>
+      <a:font script="Gujr" typeface="Shruti"/>
+      <a:font script="Khmr" typeface="DaunPenh"/>
+      <a:font script="Knda" typeface="Tunga"/>
+      <a:font script="Guru" typeface="Raavi"/>
+      <a:font script="Cans" typeface="Euphemia"/>
+      <a:font script="Cher" typeface="Plantagenet Cherokee"/>
+      <a:font script="Yiii" typeface="Microsoft Yi Baiti"/>
+      <a:font script="Tibt" typeface="Microsoft Himalaya"/>
+      <a:font script="Thaa" typeface="MV Boli"/>
+      <a:font script="Deva" typeface="Mangal"/>
+      <a:font script="Telu" typeface="Gautami"/>
+      <a:font script="Taml" typeface="Latha"/>
+      <a:font script="Syrc" typeface="Estrangelo Edessa"/>
+      <a:font script="Orya" typeface="Kalinga"/>
+      <a:font script="Mlym" typeface="Kartika"/>
+      <a:font script="Laoo" typeface="DokChampa"/>
+      <a:font script="Sinh" typeface="Iskoola Pota"/>
+      <a:font script="Mong" typeface="Mongolian Baiti"/>
+      <a:font script="Viet" typeface="Arial"/>
+      <a:font script="Uigh" typeface="Microsoft Uighur"/>
+      <a:font script="Geor" typeface="Sylfaen"/>
+      <a:font script="Armn" typeface="Arial"/>
+      <a:font script="Bugi" typeface="Leelawadee UI"/>
+      <a:font script="Bopo" typeface="Microsoft JhengHei"/>
+      <a:font script="Java" typeface="Javanese Text"/>
+      <a:font script="Lisu" typeface="Segoe UI"/>
+      <a:font script="Mymr" typeface="Myanmar Text"/>
+      <a:font script="Nkoo" typeface="Ebrima"/>
+      <a:font script="Olck" typeface="Nirmala UI"/>
+      <a:font script="Osma" typeface="Ebrima"/>
+      <a:font script="Phag" typeface="Phagspa"/>
+      <a:font script="Syrn" typeface="Estrangelo Edessa"/>
+      <a:font script="Syrj" typeface="Estrangelo Edessa"/>
+      <a:font script="Syre" typeface="Estrangelo Edessa"/>
+      <a:font script="Sora" typeface="Nirmala UI"/>
+      <a:font script="Tale" typeface="Microsoft Tai Le"/>
+      <a:font script="Talu" typeface="Microsoft New Tai Lue"/>
+      <a:font script="Tfng" typeface="Ebrima"/>
+    </a:minorFont>
+  </a:fontScheme>
+  <a:fmtScheme name="Office">
+    <a:fillStyleLst>
+      <a:solidFill>
+        <a:schemeClr val="phClr"/>
+      </a:solidFill>
+      <a:gradFill rotWithShape="1">
+        <a:gsLst>
+          <a:gs pos="0">
+            <a:schemeClr val="phClr">
+              <a:lumMod val="110000"/>
+              <a:satMod val="105000"/>
+              <a:tint val="67000"/>
+            </a:schemeClr>
+          </a:gs>
+          <a:gs pos="50000">
+            <a:schemeClr val="phClr">
+              <a:lumMod val="105000"/>
+              <a:satMod val="103000"/>
+              <a:tint val="73000"/>
+            </a:schemeClr>
+          </a:gs>
+          <a:gs pos="100000">
+            <a:schemeClr val="phClr">
+              <a:lumMod val="105000"/>
+              <a:satMod val="109000"/>
+              <a:tint val="81000"/>
+            </a:schemeClr>
+          </a:gs>
+        </a:gsLst>
+        <a:lin ang="5400000" scaled="0"/>
+      </a:gradFill>
+      <a:gradFill rotWithShape="1">
+        <a:gsLst>
+          <a:gs pos="0">
+            <a:schemeClr val="phClr">
+              <a:satMod val="103000"/>
+              <a:lumMod val="102000"/>
+              <a:tint val="94000"/>
+            </a:schemeClr>
+          </a:gs>
+          <a:gs pos="50000">
+            <a:schemeClr val="phClr">
+              <a:satMod val="110000"/>
+              <a:lumMod val="100000"/>
+              <a:shade val="100000"/>
+            </a:schemeClr>
+          </a:gs>
+          <a:gs pos="100000">
+            <a:schemeClr val="phClr">
+              <a:lumMod val="99000"/>
+              <a:satMod val="120000"/>
+              <a:shade val="78000"/>
+            </a:schemeClr>
+          </a:gs>
+        </a:gsLst>
+        <a:lin ang="5400000" scaled="0"/>
+      </a:gradFill>
+    </a:fillStyleLst>
+    <a:lnStyleLst>
+      <a:ln w="6350" cap="flat" cmpd="sng" algn="ctr">
+        <a:solidFill>
+          <a:schemeClr val="phClr"/>
+        </a:solidFill>
+        <a:prstDash val="solid"/>
+        <a:miter lim="800000"/>
+      </a:ln>
+      <a:ln w="12700" cap="flat" cmpd="sng" algn="ctr">
+        <a:solidFill>
+          <a:schemeClr val="phClr"/>
+        </a:solidFill>
+        <a:prstDash val="solid"/>
+        <a:miter lim="800000"/>
+      </a:ln>
+      <a:ln w="19050" cap="flat" cmpd="sng" algn="ctr">
+        <a:solidFill>
+          <a:schemeClr val="phClr"/>
+        </a:solidFill>
+        <a:prstDash val="solid"/>
+        <a:miter lim="800000"/>
+      </a:ln>
+    </a:lnStyleLst>
+    <a:effectStyleLst>
+      <a:effectStyle>
+        <a:effectLst/>
+      </a:effectStyle>
+      <a:effectStyle>
+        <a:effectLst/>
+      </a:effectStyle>
+      <a:effectStyle>
+        <a:effectLst>
+          <a:outerShdw blurRad="57150" dist="19050" dir="5400000" algn="ctr" rotWithShape="0">
+            <a:srgbClr val="000000">
+              <a:alpha val="63000"/>
+            </a:srgbClr>
+          </a:outerShdw>
+        </a:effectLst>
+      </a:effectStyle>
+    </a:effectStyleLst>
+    <a:bgFillStyleLst>
+      <a:solidFill>
+        <a:schemeClr val="phClr"/>
+      </a:solidFill>
+      <a:solidFill>
+        <a:schemeClr val="phClr">
+          <a:tint val="95000"/>
+          <a:satMod val="170000"/>
+        </a:schemeClr>
+      </a:solidFill>
+      <a:gradFill rotWithShape="1">
+        <a:gsLst>
+          <a:gs pos="0">
+            <a:schemeClr val="phClr">
+              <a:tint val="93000"/>
+              <a:satMod val="150000"/>
+              <a:shade val="98000"/>
+              <a:lumMod val="102000"/>
+            </a:schemeClr>
+          </a:gs>
+          <a:gs pos="50000">
+            <a:schemeClr val="phClr">
+              <a:tint val="98000"/>
+              <a:satMod val="130000"/>
+              <a:shade val="90000"/>
+              <a:lumMod val="103000"/>
+            </a:schemeClr>
+          </a:gs>
+          <a:gs pos="100000">
+            <a:schemeClr val="phClr">
+              <a:shade val="63000"/>
+              <a:satMod val="120000"/>
+            </a:schemeClr>
+          </a:gs>
+        </a:gsLst>
+        <a:lin ang="5400000" scaled="0"/>
+      </a:gradFill>
+    </a:bgFillStyleLst>
+  </a:fmtScheme>
+</a:themeOverride>
 </file>
--- a/template_project_exam__1_.pptx
+++ b/template_project_exam__1_.pptx
@@ -5,7 +5,7 @@
     <p:sldMasterId id="2147483660" r:id="rId1"/>
   </p:sldMasterIdLst>
   <p:notesMasterIdLst>
-    <p:notesMasterId r:id="rId17"/>
+    <p:notesMasterId r:id="rId18"/>
   </p:notesMasterIdLst>
   <p:sldIdLst>
     <p:sldId id="256" r:id="rId2"/>
@@ -22,7 +22,8 @@
     <p:sldId id="272" r:id="rId13"/>
     <p:sldId id="274" r:id="rId14"/>
     <p:sldId id="276" r:id="rId15"/>
-    <p:sldId id="259" r:id="rId16"/>
+    <p:sldId id="280" r:id="rId16"/>
+    <p:sldId id="259" r:id="rId17"/>
   </p:sldIdLst>
   <p:sldSz cx="9144000" cy="6858000" type="screen4x3"/>
   <p:notesSz cx="6858000" cy="9144000"/>
@@ -3721,6 +3722,458 @@
 </c:chartSpace>
 </file>
 
+<file path=ppt/charts/chart6.xml><?xml version="1.0" encoding="utf-8"?>
+<c:chartSpace xmlns:c="http://schemas.openxmlformats.org/drawingml/2006/chart" xmlns:a="http://schemas.openxmlformats.org/drawingml/2006/main" xmlns:r="http://schemas.openxmlformats.org/officeDocument/2006/relationships" xmlns:c16r2="http://schemas.microsoft.com/office/drawing/2015/06/chart">
+  <c:date1904 val="0"/>
+  <c:lang val="it-IT"/>
+  <c:roundedCorners val="0"/>
+  <mc:AlternateContent xmlns:mc="http://schemas.openxmlformats.org/markup-compatibility/2006">
+    <mc:Choice xmlns:c14="http://schemas.microsoft.com/office/drawing/2007/8/2/chart" Requires="c14">
+      <c14:style val="102"/>
+    </mc:Choice>
+    <mc:Fallback>
+      <c:style val="2"/>
+    </mc:Fallback>
+  </mc:AlternateContent>
+  <c:chart>
+    <c:autoTitleDeleted val="1"/>
+    <c:plotArea>
+      <c:layout/>
+      <c:lineChart>
+        <c:grouping val="standard"/>
+        <c:varyColors val="0"/>
+        <c:ser>
+          <c:idx val="0"/>
+          <c:order val="0"/>
+          <c:spPr>
+            <a:ln w="28575" cap="rnd">
+              <a:solidFill>
+                <a:schemeClr val="accent1"/>
+              </a:solidFill>
+              <a:round/>
+            </a:ln>
+            <a:effectLst/>
+          </c:spPr>
+          <c:marker>
+            <c:symbol val="none"/>
+          </c:marker>
+          <c:cat>
+            <c:numRef>
+              <c:f>Foglio5!$B$1:$B$21</c:f>
+              <c:numCache>
+                <c:formatCode>General</c:formatCode>
+                <c:ptCount val="21"/>
+                <c:pt idx="0">
+                  <c:v>0</c:v>
+                </c:pt>
+                <c:pt idx="1">
+                  <c:v>0.5</c:v>
+                </c:pt>
+                <c:pt idx="2">
+                  <c:v>1</c:v>
+                </c:pt>
+                <c:pt idx="3">
+                  <c:v>1.5</c:v>
+                </c:pt>
+                <c:pt idx="4">
+                  <c:v>2</c:v>
+                </c:pt>
+                <c:pt idx="5">
+                  <c:v>2.5</c:v>
+                </c:pt>
+                <c:pt idx="6">
+                  <c:v>3</c:v>
+                </c:pt>
+                <c:pt idx="7">
+                  <c:v>3.5</c:v>
+                </c:pt>
+                <c:pt idx="8">
+                  <c:v>4</c:v>
+                </c:pt>
+                <c:pt idx="9">
+                  <c:v>4.5</c:v>
+                </c:pt>
+                <c:pt idx="10">
+                  <c:v>5</c:v>
+                </c:pt>
+                <c:pt idx="11">
+                  <c:v>5.5</c:v>
+                </c:pt>
+                <c:pt idx="12">
+                  <c:v>6</c:v>
+                </c:pt>
+                <c:pt idx="13">
+                  <c:v>6.5</c:v>
+                </c:pt>
+                <c:pt idx="14">
+                  <c:v>7</c:v>
+                </c:pt>
+                <c:pt idx="15">
+                  <c:v>7.5</c:v>
+                </c:pt>
+                <c:pt idx="16">
+                  <c:v>8</c:v>
+                </c:pt>
+                <c:pt idx="17">
+                  <c:v>8.5</c:v>
+                </c:pt>
+                <c:pt idx="18">
+                  <c:v>9</c:v>
+                </c:pt>
+                <c:pt idx="19">
+                  <c:v>9.5</c:v>
+                </c:pt>
+                <c:pt idx="20">
+                  <c:v>10</c:v>
+                </c:pt>
+              </c:numCache>
+            </c:numRef>
+          </c:cat>
+          <c:val>
+            <c:numRef>
+              <c:f>Foglio5!$C$1:$C$21</c:f>
+              <c:numCache>
+                <c:formatCode>General</c:formatCode>
+                <c:ptCount val="21"/>
+                <c:pt idx="0">
+                  <c:v>0</c:v>
+                </c:pt>
+                <c:pt idx="1">
+                  <c:v>0</c:v>
+                </c:pt>
+                <c:pt idx="2">
+                  <c:v>0</c:v>
+                </c:pt>
+                <c:pt idx="3">
+                  <c:v>0</c:v>
+                </c:pt>
+                <c:pt idx="4">
+                  <c:v>0</c:v>
+                </c:pt>
+                <c:pt idx="5">
+                  <c:v>0</c:v>
+                </c:pt>
+                <c:pt idx="6">
+                  <c:v>0</c:v>
+                </c:pt>
+                <c:pt idx="7">
+                  <c:v>0</c:v>
+                </c:pt>
+                <c:pt idx="8">
+                  <c:v>1</c:v>
+                </c:pt>
+                <c:pt idx="9">
+                  <c:v>1</c:v>
+                </c:pt>
+                <c:pt idx="10">
+                  <c:v>1</c:v>
+                </c:pt>
+                <c:pt idx="11">
+                  <c:v>1</c:v>
+                </c:pt>
+                <c:pt idx="12">
+                  <c:v>1</c:v>
+                </c:pt>
+                <c:pt idx="13">
+                  <c:v>1</c:v>
+                </c:pt>
+                <c:pt idx="14">
+                  <c:v>0</c:v>
+                </c:pt>
+                <c:pt idx="15">
+                  <c:v>0</c:v>
+                </c:pt>
+                <c:pt idx="16">
+                  <c:v>0</c:v>
+                </c:pt>
+                <c:pt idx="17">
+                  <c:v>0</c:v>
+                </c:pt>
+                <c:pt idx="18">
+                  <c:v>0</c:v>
+                </c:pt>
+                <c:pt idx="19">
+                  <c:v>0</c:v>
+                </c:pt>
+                <c:pt idx="20">
+                  <c:v>0</c:v>
+                </c:pt>
+              </c:numCache>
+            </c:numRef>
+          </c:val>
+          <c:smooth val="0"/>
+          <c:extLst>
+            <c:ext xmlns:c16="http://schemas.microsoft.com/office/drawing/2014/chart" uri="{C3380CC4-5D6E-409C-BE32-E72D297353CC}">
+              <c16:uniqueId val="{00000000-9D7C-4ECD-9203-FF1A6607503D}"/>
+            </c:ext>
+          </c:extLst>
+        </c:ser>
+        <c:dLbls>
+          <c:showLegendKey val="0"/>
+          <c:showVal val="0"/>
+          <c:showCatName val="0"/>
+          <c:showSerName val="0"/>
+          <c:showPercent val="0"/>
+          <c:showBubbleSize val="0"/>
+        </c:dLbls>
+        <c:smooth val="0"/>
+        <c:axId val="558726096"/>
+        <c:axId val="558733776"/>
+      </c:lineChart>
+      <c:catAx>
+        <c:axId val="558726096"/>
+        <c:scaling>
+          <c:orientation val="minMax"/>
+        </c:scaling>
+        <c:delete val="0"/>
+        <c:axPos val="b"/>
+        <c:title>
+          <c:tx>
+            <c:rich>
+              <a:bodyPr rot="0" spcFirstLastPara="1" vertOverflow="ellipsis" vert="horz" wrap="square" anchor="ctr" anchorCtr="1"/>
+              <a:lstStyle/>
+              <a:p>
+                <a:pPr>
+                  <a:defRPr sz="1000" b="0" i="0" u="sng" strike="noStrike" kern="1200" baseline="0">
+                    <a:solidFill>
+                      <a:schemeClr val="tx1">
+                        <a:lumMod val="65000"/>
+                        <a:lumOff val="35000"/>
+                      </a:schemeClr>
+                    </a:solidFill>
+                    <a:latin typeface="+mn-lt"/>
+                    <a:ea typeface="+mn-ea"/>
+                    <a:cs typeface="+mn-cs"/>
+                  </a:defRPr>
+                </a:pPr>
+                <a:r>
+                  <a:rPr lang="en-US"/>
+                  <a:t>Time(s)</a:t>
+                </a:r>
+              </a:p>
+            </c:rich>
+          </c:tx>
+          <c:overlay val="0"/>
+          <c:spPr>
+            <a:noFill/>
+            <a:ln>
+              <a:noFill/>
+            </a:ln>
+            <a:effectLst/>
+          </c:spPr>
+          <c:txPr>
+            <a:bodyPr rot="0" spcFirstLastPara="1" vertOverflow="ellipsis" vert="horz" wrap="square" anchor="ctr" anchorCtr="1"/>
+            <a:lstStyle/>
+            <a:p>
+              <a:pPr>
+                <a:defRPr sz="1000" b="0" i="0" u="sng" strike="noStrike" kern="1200" baseline="0">
+                  <a:solidFill>
+                    <a:schemeClr val="tx1">
+                      <a:lumMod val="65000"/>
+                      <a:lumOff val="35000"/>
+                    </a:schemeClr>
+                  </a:solidFill>
+                  <a:latin typeface="+mn-lt"/>
+                  <a:ea typeface="+mn-ea"/>
+                  <a:cs typeface="+mn-cs"/>
+                </a:defRPr>
+              </a:pPr>
+              <a:endParaRPr lang="it-IT"/>
+            </a:p>
+          </c:txPr>
+        </c:title>
+        <c:numFmt formatCode="General" sourceLinked="1"/>
+        <c:majorTickMark val="none"/>
+        <c:minorTickMark val="none"/>
+        <c:tickLblPos val="nextTo"/>
+        <c:spPr>
+          <a:noFill/>
+          <a:ln w="9525" cap="flat" cmpd="sng" algn="ctr">
+            <a:solidFill>
+              <a:schemeClr val="tx1">
+                <a:lumMod val="15000"/>
+                <a:lumOff val="85000"/>
+              </a:schemeClr>
+            </a:solidFill>
+            <a:round/>
+          </a:ln>
+          <a:effectLst/>
+        </c:spPr>
+        <c:txPr>
+          <a:bodyPr rot="-60000000" spcFirstLastPara="1" vertOverflow="ellipsis" vert="horz" wrap="square" anchor="ctr" anchorCtr="1"/>
+          <a:lstStyle/>
+          <a:p>
+            <a:pPr>
+              <a:defRPr sz="900" b="0" i="0" u="sng" strike="noStrike" kern="1200" baseline="0">
+                <a:solidFill>
+                  <a:schemeClr val="tx1">
+                    <a:lumMod val="65000"/>
+                    <a:lumOff val="35000"/>
+                  </a:schemeClr>
+                </a:solidFill>
+                <a:latin typeface="+mn-lt"/>
+                <a:ea typeface="+mn-ea"/>
+                <a:cs typeface="+mn-cs"/>
+              </a:defRPr>
+            </a:pPr>
+            <a:endParaRPr lang="it-IT"/>
+          </a:p>
+        </c:txPr>
+        <c:crossAx val="558733776"/>
+        <c:crosses val="autoZero"/>
+        <c:auto val="1"/>
+        <c:lblAlgn val="ctr"/>
+        <c:lblOffset val="100"/>
+        <c:noMultiLvlLbl val="0"/>
+      </c:catAx>
+      <c:valAx>
+        <c:axId val="558733776"/>
+        <c:scaling>
+          <c:orientation val="minMax"/>
+          <c:max val="1"/>
+        </c:scaling>
+        <c:delete val="0"/>
+        <c:axPos val="l"/>
+        <c:majorGridlines>
+          <c:spPr>
+            <a:ln w="9525" cap="flat" cmpd="sng" algn="ctr">
+              <a:solidFill>
+                <a:schemeClr val="tx1">
+                  <a:lumMod val="15000"/>
+                  <a:lumOff val="85000"/>
+                </a:schemeClr>
+              </a:solidFill>
+              <a:round/>
+            </a:ln>
+            <a:effectLst/>
+          </c:spPr>
+        </c:majorGridlines>
+        <c:title>
+          <c:tx>
+            <c:rich>
+              <a:bodyPr rot="-5400000" spcFirstLastPara="1" vertOverflow="ellipsis" vert="horz" wrap="square" anchor="ctr" anchorCtr="1"/>
+              <a:lstStyle/>
+              <a:p>
+                <a:pPr>
+                  <a:defRPr sz="1000" b="0" i="0" u="sng" strike="noStrike" kern="1200" baseline="0">
+                    <a:solidFill>
+                      <a:schemeClr val="tx1">
+                        <a:lumMod val="65000"/>
+                        <a:lumOff val="35000"/>
+                      </a:schemeClr>
+                    </a:solidFill>
+                    <a:latin typeface="+mn-lt"/>
+                    <a:ea typeface="+mn-ea"/>
+                    <a:cs typeface="+mn-cs"/>
+                  </a:defRPr>
+                </a:pPr>
+                <a:r>
+                  <a:rPr lang="en-US"/>
+                  <a:t>Path</a:t>
+                </a:r>
+              </a:p>
+            </c:rich>
+          </c:tx>
+          <c:overlay val="0"/>
+          <c:spPr>
+            <a:noFill/>
+            <a:ln>
+              <a:noFill/>
+            </a:ln>
+            <a:effectLst/>
+          </c:spPr>
+          <c:txPr>
+            <a:bodyPr rot="-5400000" spcFirstLastPara="1" vertOverflow="ellipsis" vert="horz" wrap="square" anchor="ctr" anchorCtr="1"/>
+            <a:lstStyle/>
+            <a:p>
+              <a:pPr>
+                <a:defRPr sz="1000" b="0" i="0" u="sng" strike="noStrike" kern="1200" baseline="0">
+                  <a:solidFill>
+                    <a:schemeClr val="tx1">
+                      <a:lumMod val="65000"/>
+                      <a:lumOff val="35000"/>
+                    </a:schemeClr>
+                  </a:solidFill>
+                  <a:latin typeface="+mn-lt"/>
+                  <a:ea typeface="+mn-ea"/>
+                  <a:cs typeface="+mn-cs"/>
+                </a:defRPr>
+              </a:pPr>
+              <a:endParaRPr lang="it-IT"/>
+            </a:p>
+          </c:txPr>
+        </c:title>
+        <c:numFmt formatCode="General" sourceLinked="1"/>
+        <c:majorTickMark val="none"/>
+        <c:minorTickMark val="none"/>
+        <c:tickLblPos val="nextTo"/>
+        <c:spPr>
+          <a:noFill/>
+          <a:ln>
+            <a:noFill/>
+          </a:ln>
+          <a:effectLst/>
+        </c:spPr>
+        <c:txPr>
+          <a:bodyPr rot="-60000000" spcFirstLastPara="1" vertOverflow="ellipsis" vert="horz" wrap="square" anchor="ctr" anchorCtr="1"/>
+          <a:lstStyle/>
+          <a:p>
+            <a:pPr>
+              <a:defRPr sz="900" b="0" i="0" u="sng" strike="noStrike" kern="1200" baseline="0">
+                <a:solidFill>
+                  <a:schemeClr val="tx1">
+                    <a:lumMod val="65000"/>
+                    <a:lumOff val="35000"/>
+                  </a:schemeClr>
+                </a:solidFill>
+                <a:latin typeface="+mn-lt"/>
+                <a:ea typeface="+mn-ea"/>
+                <a:cs typeface="+mn-cs"/>
+              </a:defRPr>
+            </a:pPr>
+            <a:endParaRPr lang="it-IT"/>
+          </a:p>
+        </c:txPr>
+        <c:crossAx val="558726096"/>
+        <c:crosses val="autoZero"/>
+        <c:crossBetween val="between"/>
+        <c:majorUnit val="1"/>
+      </c:valAx>
+      <c:spPr>
+        <a:noFill/>
+        <a:ln w="25400">
+          <a:noFill/>
+        </a:ln>
+        <a:effectLst/>
+      </c:spPr>
+    </c:plotArea>
+    <c:plotVisOnly val="1"/>
+    <c:dispBlanksAs val="gap"/>
+    <c:showDLblsOverMax val="0"/>
+  </c:chart>
+  <c:spPr>
+    <a:noFill/>
+    <a:ln>
+      <a:noFill/>
+    </a:ln>
+    <a:effectLst/>
+  </c:spPr>
+  <c:txPr>
+    <a:bodyPr/>
+    <a:lstStyle/>
+    <a:p>
+      <a:pPr>
+        <a:defRPr u="sng"/>
+      </a:pPr>
+      <a:endParaRPr lang="it-IT"/>
+    </a:p>
+  </c:txPr>
+  <c:externalData r:id="rId3">
+    <c:autoUpdate val="0"/>
+  </c:externalData>
+</c:chartSpace>
+</file>
+
 <file path=ppt/charts/colors1.xml><?xml version="1.0" encoding="utf-8"?>
 <cs:colorStyle xmlns:cs="http://schemas.microsoft.com/office/drawing/2012/chartStyle" xmlns:a="http://schemas.openxmlformats.org/drawingml/2006/main" meth="cycle" id="10">
   <a:schemeClr val="accent1"/>
@@ -3882,6 +4335,46 @@
 </file>
 
 <file path=ppt/charts/colors5.xml><?xml version="1.0" encoding="utf-8"?>
+<cs:colorStyle xmlns:cs="http://schemas.microsoft.com/office/drawing/2012/chartStyle" xmlns:a="http://schemas.openxmlformats.org/drawingml/2006/main" meth="cycle" id="10">
+  <a:schemeClr val="accent1"/>
+  <a:schemeClr val="accent2"/>
+  <a:schemeClr val="accent3"/>
+  <a:schemeClr val="accent4"/>
+  <a:schemeClr val="accent5"/>
+  <a:schemeClr val="accent6"/>
+  <cs:variation/>
+  <cs:variation>
+    <a:lumMod val="60000"/>
+  </cs:variation>
+  <cs:variation>
+    <a:lumMod val="80000"/>
+    <a:lumOff val="20000"/>
+  </cs:variation>
+  <cs:variation>
+    <a:lumMod val="80000"/>
+  </cs:variation>
+  <cs:variation>
+    <a:lumMod val="60000"/>
+    <a:lumOff val="40000"/>
+  </cs:variation>
+  <cs:variation>
+    <a:lumMod val="50000"/>
+  </cs:variation>
+  <cs:variation>
+    <a:lumMod val="70000"/>
+    <a:lumOff val="30000"/>
+  </cs:variation>
+  <cs:variation>
+    <a:lumMod val="70000"/>
+  </cs:variation>
+  <cs:variation>
+    <a:lumMod val="50000"/>
+    <a:lumOff val="50000"/>
+  </cs:variation>
+</cs:colorStyle>
+</file>
+
+<file path=ppt/charts/colors6.xml><?xml version="1.0" encoding="utf-8"?>
 <cs:colorStyle xmlns:cs="http://schemas.microsoft.com/office/drawing/2012/chartStyle" xmlns:a="http://schemas.openxmlformats.org/drawingml/2006/main" meth="cycle" id="10">
   <a:schemeClr val="accent1"/>
   <a:schemeClr val="accent2"/>
@@ -6432,6 +6925,522 @@
 </cs:chartStyle>
 </file>
 
+<file path=ppt/charts/style6.xml><?xml version="1.0" encoding="utf-8"?>
+<cs:chartStyle xmlns:cs="http://schemas.microsoft.com/office/drawing/2012/chartStyle" xmlns:a="http://schemas.openxmlformats.org/drawingml/2006/main" id="227">
+  <cs:axisTitle>
+    <cs:lnRef idx="0"/>
+    <cs:fillRef idx="0"/>
+    <cs:effectRef idx="0"/>
+    <cs:fontRef idx="minor">
+      <a:schemeClr val="tx1">
+        <a:lumMod val="65000"/>
+        <a:lumOff val="35000"/>
+      </a:schemeClr>
+    </cs:fontRef>
+    <cs:defRPr sz="1000" kern="1200"/>
+  </cs:axisTitle>
+  <cs:categoryAxis>
+    <cs:lnRef idx="0"/>
+    <cs:fillRef idx="0"/>
+    <cs:effectRef idx="0"/>
+    <cs:fontRef idx="minor">
+      <a:schemeClr val="tx1">
+        <a:lumMod val="65000"/>
+        <a:lumOff val="35000"/>
+      </a:schemeClr>
+    </cs:fontRef>
+    <cs:spPr>
+      <a:ln w="9525" cap="flat" cmpd="sng" algn="ctr">
+        <a:solidFill>
+          <a:schemeClr val="tx1">
+            <a:lumMod val="15000"/>
+            <a:lumOff val="85000"/>
+          </a:schemeClr>
+        </a:solidFill>
+        <a:round/>
+      </a:ln>
+    </cs:spPr>
+    <cs:defRPr sz="900" kern="1200"/>
+  </cs:categoryAxis>
+  <cs:chartArea mods="allowNoFillOverride allowNoLineOverride">
+    <cs:lnRef idx="0"/>
+    <cs:fillRef idx="0"/>
+    <cs:effectRef idx="0"/>
+    <cs:fontRef idx="minor">
+      <a:schemeClr val="tx1"/>
+    </cs:fontRef>
+    <cs:spPr>
+      <a:solidFill>
+        <a:schemeClr val="bg1"/>
+      </a:solidFill>
+      <a:ln w="9525" cap="flat" cmpd="sng" algn="ctr">
+        <a:solidFill>
+          <a:schemeClr val="tx1">
+            <a:lumMod val="15000"/>
+            <a:lumOff val="85000"/>
+          </a:schemeClr>
+        </a:solidFill>
+        <a:round/>
+      </a:ln>
+    </cs:spPr>
+    <cs:defRPr sz="1000" kern="1200"/>
+  </cs:chartArea>
+  <cs:dataLabel>
+    <cs:lnRef idx="0"/>
+    <cs:fillRef idx="0"/>
+    <cs:effectRef idx="0"/>
+    <cs:fontRef idx="minor">
+      <a:schemeClr val="tx1">
+        <a:lumMod val="75000"/>
+        <a:lumOff val="25000"/>
+      </a:schemeClr>
+    </cs:fontRef>
+    <cs:defRPr sz="900" kern="1200"/>
+  </cs:dataLabel>
+  <cs:dataLabelCallout>
+    <cs:lnRef idx="0"/>
+    <cs:fillRef idx="0"/>
+    <cs:effectRef idx="0"/>
+    <cs:fontRef idx="minor">
+      <a:schemeClr val="dk1">
+        <a:lumMod val="65000"/>
+        <a:lumOff val="35000"/>
+      </a:schemeClr>
+    </cs:fontRef>
+    <cs:spPr>
+      <a:solidFill>
+        <a:schemeClr val="lt1"/>
+      </a:solidFill>
+      <a:ln>
+        <a:solidFill>
+          <a:schemeClr val="dk1">
+            <a:lumMod val="25000"/>
+            <a:lumOff val="75000"/>
+          </a:schemeClr>
+        </a:solidFill>
+      </a:ln>
+    </cs:spPr>
+    <cs:defRPr sz="900" kern="1200"/>
+    <cs:bodyPr rot="0" spcFirstLastPara="1" vertOverflow="clip" horzOverflow="clip" vert="horz" wrap="square" lIns="36576" tIns="18288" rIns="36576" bIns="18288" anchor="ctr" anchorCtr="1">
+      <a:spAutoFit/>
+    </cs:bodyPr>
+  </cs:dataLabelCallout>
+  <cs:dataPoint>
+    <cs:lnRef idx="0"/>
+    <cs:fillRef idx="1">
+      <cs:styleClr val="auto"/>
+    </cs:fillRef>
+    <cs:effectRef idx="0"/>
+    <cs:fontRef idx="minor">
+      <a:schemeClr val="tx1"/>
+    </cs:fontRef>
+    <cs:spPr>
+      <a:solidFill>
+        <a:schemeClr val="phClr"/>
+      </a:solidFill>
+    </cs:spPr>
+  </cs:dataPoint>
+  <cs:dataPoint3D>
+    <cs:lnRef idx="0"/>
+    <cs:fillRef idx="1">
+      <cs:styleClr val="auto"/>
+    </cs:fillRef>
+    <cs:effectRef idx="0"/>
+    <cs:fontRef idx="minor">
+      <a:schemeClr val="tx1"/>
+    </cs:fontRef>
+    <cs:spPr>
+      <a:solidFill>
+        <a:schemeClr val="phClr"/>
+      </a:solidFill>
+    </cs:spPr>
+  </cs:dataPoint3D>
+  <cs:dataPointLine>
+    <cs:lnRef idx="0">
+      <cs:styleClr val="auto"/>
+    </cs:lnRef>
+    <cs:fillRef idx="1"/>
+    <cs:effectRef idx="0"/>
+    <cs:fontRef idx="minor">
+      <a:schemeClr val="tx1"/>
+    </cs:fontRef>
+    <cs:spPr>
+      <a:ln w="28575" cap="rnd">
+        <a:solidFill>
+          <a:schemeClr val="phClr"/>
+        </a:solidFill>
+        <a:round/>
+      </a:ln>
+    </cs:spPr>
+  </cs:dataPointLine>
+  <cs:dataPointMarker>
+    <cs:lnRef idx="0">
+      <cs:styleClr val="auto"/>
+    </cs:lnRef>
+    <cs:fillRef idx="1">
+      <cs:styleClr val="auto"/>
+    </cs:fillRef>
+    <cs:effectRef idx="0"/>
+    <cs:fontRef idx="minor">
+      <a:schemeClr val="tx1"/>
+    </cs:fontRef>
+    <cs:spPr>
+      <a:solidFill>
+        <a:schemeClr val="phClr"/>
+      </a:solidFill>
+      <a:ln w="9525">
+        <a:solidFill>
+          <a:schemeClr val="phClr"/>
+        </a:solidFill>
+      </a:ln>
+    </cs:spPr>
+  </cs:dataPointMarker>
+  <cs:dataPointMarkerLayout symbol="circle" size="5"/>
+  <cs:dataPointWireframe>
+    <cs:lnRef idx="0">
+      <cs:styleClr val="auto"/>
+    </cs:lnRef>
+    <cs:fillRef idx="1"/>
+    <cs:effectRef idx="0"/>
+    <cs:fontRef idx="minor">
+      <a:schemeClr val="tx1"/>
+    </cs:fontRef>
+    <cs:spPr>
+      <a:ln w="9525" cap="rnd">
+        <a:solidFill>
+          <a:schemeClr val="phClr"/>
+        </a:solidFill>
+        <a:round/>
+      </a:ln>
+    </cs:spPr>
+  </cs:dataPointWireframe>
+  <cs:dataTable>
+    <cs:lnRef idx="0"/>
+    <cs:fillRef idx="0"/>
+    <cs:effectRef idx="0"/>
+    <cs:fontRef idx="minor">
+      <a:schemeClr val="tx1">
+        <a:lumMod val="65000"/>
+        <a:lumOff val="35000"/>
+      </a:schemeClr>
+    </cs:fontRef>
+    <cs:spPr>
+      <a:noFill/>
+      <a:ln w="9525" cap="flat" cmpd="sng" algn="ctr">
+        <a:solidFill>
+          <a:schemeClr val="tx1">
+            <a:lumMod val="15000"/>
+            <a:lumOff val="85000"/>
+          </a:schemeClr>
+        </a:solidFill>
+        <a:round/>
+      </a:ln>
+    </cs:spPr>
+    <cs:defRPr sz="900" kern="1200"/>
+  </cs:dataTable>
+  <cs:downBar>
+    <cs:lnRef idx="0"/>
+    <cs:fillRef idx="0"/>
+    <cs:effectRef idx="0"/>
+    <cs:fontRef idx="minor">
+      <a:schemeClr val="dk1"/>
+    </cs:fontRef>
+    <cs:spPr>
+      <a:solidFill>
+        <a:schemeClr val="dk1">
+          <a:lumMod val="65000"/>
+          <a:lumOff val="35000"/>
+        </a:schemeClr>
+      </a:solidFill>
+      <a:ln w="9525">
+        <a:solidFill>
+          <a:schemeClr val="tx1">
+            <a:lumMod val="65000"/>
+            <a:lumOff val="35000"/>
+          </a:schemeClr>
+        </a:solidFill>
+      </a:ln>
+    </cs:spPr>
+  </cs:downBar>
+  <cs:dropLine>
+    <cs:lnRef idx="0"/>
+    <cs:fillRef idx="0"/>
+    <cs:effectRef idx="0"/>
+    <cs:fontRef idx="minor">
+      <a:schemeClr val="tx1"/>
+    </cs:fontRef>
+    <cs:spPr>
+      <a:ln w="9525" cap="flat" cmpd="sng" algn="ctr">
+        <a:solidFill>
+          <a:schemeClr val="tx1">
+            <a:lumMod val="35000"/>
+            <a:lumOff val="65000"/>
+          </a:schemeClr>
+        </a:solidFill>
+        <a:round/>
+      </a:ln>
+    </cs:spPr>
+  </cs:dropLine>
+  <cs:errorBar>
+    <cs:lnRef idx="0"/>
+    <cs:fillRef idx="0"/>
+    <cs:effectRef idx="0"/>
+    <cs:fontRef idx="minor">
+      <a:schemeClr val="tx1"/>
+    </cs:fontRef>
+    <cs:spPr>
+      <a:ln w="9525" cap="flat" cmpd="sng" algn="ctr">
+        <a:solidFill>
+          <a:schemeClr val="tx1">
+            <a:lumMod val="65000"/>
+            <a:lumOff val="35000"/>
+          </a:schemeClr>
+        </a:solidFill>
+        <a:round/>
+      </a:ln>
+    </cs:spPr>
+  </cs:errorBar>
+  <cs:floor>
+    <cs:lnRef idx="0"/>
+    <cs:fillRef idx="0"/>
+    <cs:effectRef idx="0"/>
+    <cs:fontRef idx="minor">
+      <a:schemeClr val="tx1"/>
+    </cs:fontRef>
+    <cs:spPr>
+      <a:noFill/>
+      <a:ln>
+        <a:noFill/>
+      </a:ln>
+    </cs:spPr>
+  </cs:floor>
+  <cs:gridlineMajor>
+    <cs:lnRef idx="0"/>
+    <cs:fillRef idx="0"/>
+    <cs:effectRef idx="0"/>
+    <cs:fontRef idx="minor">
+      <a:schemeClr val="tx1"/>
+    </cs:fontRef>
+    <cs:spPr>
+      <a:ln w="9525" cap="flat" cmpd="sng" algn="ctr">
+        <a:solidFill>
+          <a:schemeClr val="tx1">
+            <a:lumMod val="15000"/>
+            <a:lumOff val="85000"/>
+          </a:schemeClr>
+        </a:solidFill>
+        <a:round/>
+      </a:ln>
+    </cs:spPr>
+  </cs:gridlineMajor>
+  <cs:gridlineMinor>
+    <cs:lnRef idx="0"/>
+    <cs:fillRef idx="0"/>
+    <cs:effectRef idx="0"/>
+    <cs:fontRef idx="minor">
+      <a:schemeClr val="tx1"/>
+    </cs:fontRef>
+    <cs:spPr>
+      <a:ln w="9525" cap="flat" cmpd="sng" algn="ctr">
+        <a:solidFill>
+          <a:schemeClr val="tx1">
+            <a:lumMod val="5000"/>
+            <a:lumOff val="95000"/>
+          </a:schemeClr>
+        </a:solidFill>
+        <a:round/>
+      </a:ln>
+    </cs:spPr>
+  </cs:gridlineMinor>
+  <cs:hiLoLine>
+    <cs:lnRef idx="0"/>
+    <cs:fillRef idx="0"/>
+    <cs:effectRef idx="0"/>
+    <cs:fontRef idx="minor">
+      <a:schemeClr val="tx1"/>
+    </cs:fontRef>
+    <cs:spPr>
+      <a:ln w="9525" cap="flat" cmpd="sng" algn="ctr">
+        <a:solidFill>
+          <a:schemeClr val="tx1">
+            <a:lumMod val="75000"/>
+            <a:lumOff val="25000"/>
+          </a:schemeClr>
+        </a:solidFill>
+        <a:round/>
+      </a:ln>
+    </cs:spPr>
+  </cs:hiLoLine>
+  <cs:leaderLine>
+    <cs:lnRef idx="0"/>
+    <cs:fillRef idx="0"/>
+    <cs:effectRef idx="0"/>
+    <cs:fontRef idx="minor">
+      <a:schemeClr val="tx1"/>
+    </cs:fontRef>
+    <cs:spPr>
+      <a:ln w="9525" cap="flat" cmpd="sng" algn="ctr">
+        <a:solidFill>
+          <a:schemeClr val="tx1">
+            <a:lumMod val="35000"/>
+            <a:lumOff val="65000"/>
+          </a:schemeClr>
+        </a:solidFill>
+        <a:round/>
+      </a:ln>
+    </cs:spPr>
+  </cs:leaderLine>
+  <cs:legend>
+    <cs:lnRef idx="0"/>
+    <cs:fillRef idx="0"/>
+    <cs:effectRef idx="0"/>
+    <cs:fontRef idx="minor">
+      <a:schemeClr val="tx1">
+        <a:lumMod val="65000"/>
+        <a:lumOff val="35000"/>
+      </a:schemeClr>
+    </cs:fontRef>
+    <cs:defRPr sz="900" kern="1200"/>
+  </cs:legend>
+  <cs:plotArea mods="allowNoFillOverride allowNoLineOverride">
+    <cs:lnRef idx="0"/>
+    <cs:fillRef idx="0"/>
+    <cs:effectRef idx="0"/>
+    <cs:fontRef idx="minor">
+      <a:schemeClr val="tx1"/>
+    </cs:fontRef>
+  </cs:plotArea>
+  <cs:plotArea3D mods="allowNoFillOverride allowNoLineOverride">
+    <cs:lnRef idx="0"/>
+    <cs:fillRef idx="0"/>
+    <cs:effectRef idx="0"/>
+    <cs:fontRef idx="minor">
+      <a:schemeClr val="tx1"/>
+    </cs:fontRef>
+  </cs:plotArea3D>
+  <cs:seriesAxis>
+    <cs:lnRef idx="0"/>
+    <cs:fillRef idx="0"/>
+    <cs:effectRef idx="0"/>
+    <cs:fontRef idx="minor">
+      <a:schemeClr val="tx1">
+        <a:lumMod val="65000"/>
+        <a:lumOff val="35000"/>
+      </a:schemeClr>
+    </cs:fontRef>
+    <cs:defRPr sz="900" kern="1200"/>
+  </cs:seriesAxis>
+  <cs:seriesLine>
+    <cs:lnRef idx="0"/>
+    <cs:fillRef idx="0"/>
+    <cs:effectRef idx="0"/>
+    <cs:fontRef idx="minor">
+      <a:schemeClr val="tx1"/>
+    </cs:fontRef>
+    <cs:spPr>
+      <a:ln w="9525" cap="flat" cmpd="sng" algn="ctr">
+        <a:solidFill>
+          <a:schemeClr val="tx1">
+            <a:lumMod val="35000"/>
+            <a:lumOff val="65000"/>
+          </a:schemeClr>
+        </a:solidFill>
+        <a:round/>
+      </a:ln>
+    </cs:spPr>
+  </cs:seriesLine>
+  <cs:title>
+    <cs:lnRef idx="0"/>
+    <cs:fillRef idx="0"/>
+    <cs:effectRef idx="0"/>
+    <cs:fontRef idx="minor">
+      <a:schemeClr val="tx1">
+        <a:lumMod val="65000"/>
+        <a:lumOff val="35000"/>
+      </a:schemeClr>
+    </cs:fontRef>
+    <cs:defRPr sz="1400" b="0" kern="1200" spc="0" baseline="0"/>
+  </cs:title>
+  <cs:trendline>
+    <cs:lnRef idx="0">
+      <cs:styleClr val="auto"/>
+    </cs:lnRef>
+    <cs:fillRef idx="0"/>
+    <cs:effectRef idx="0"/>
+    <cs:fontRef idx="minor">
+      <a:schemeClr val="tx1"/>
+    </cs:fontRef>
+    <cs:spPr>
+      <a:ln w="19050" cap="rnd">
+        <a:solidFill>
+          <a:schemeClr val="phClr"/>
+        </a:solidFill>
+        <a:prstDash val="sysDot"/>
+      </a:ln>
+    </cs:spPr>
+  </cs:trendline>
+  <cs:trendlineLabel>
+    <cs:lnRef idx="0"/>
+    <cs:fillRef idx="0"/>
+    <cs:effectRef idx="0"/>
+    <cs:fontRef idx="minor">
+      <a:schemeClr val="tx1">
+        <a:lumMod val="65000"/>
+        <a:lumOff val="35000"/>
+      </a:schemeClr>
+    </cs:fontRef>
+    <cs:defRPr sz="900" kern="1200"/>
+  </cs:trendlineLabel>
+  <cs:upBar>
+    <cs:lnRef idx="0"/>
+    <cs:fillRef idx="0"/>
+    <cs:effectRef idx="0"/>
+    <cs:fontRef idx="minor">
+      <a:schemeClr val="dk1"/>
+    </cs:fontRef>
+    <cs:spPr>
+      <a:solidFill>
+        <a:schemeClr val="lt1"/>
+      </a:solidFill>
+      <a:ln w="9525">
+        <a:solidFill>
+          <a:schemeClr val="tx1">
+            <a:lumMod val="15000"/>
+            <a:lumOff val="85000"/>
+          </a:schemeClr>
+        </a:solidFill>
+      </a:ln>
+    </cs:spPr>
+  </cs:upBar>
+  <cs:valueAxis>
+    <cs:lnRef idx="0"/>
+    <cs:fillRef idx="0"/>
+    <cs:effectRef idx="0"/>
+    <cs:fontRef idx="minor">
+      <a:schemeClr val="tx1">
+        <a:lumMod val="65000"/>
+        <a:lumOff val="35000"/>
+      </a:schemeClr>
+    </cs:fontRef>
+    <cs:defRPr sz="900" kern="1200"/>
+  </cs:valueAxis>
+  <cs:wall>
+    <cs:lnRef idx="0"/>
+    <cs:fillRef idx="0"/>
+    <cs:effectRef idx="0"/>
+    <cs:fontRef idx="minor">
+      <a:schemeClr val="tx1"/>
+    </cs:fontRef>
+    <cs:spPr>
+      <a:noFill/>
+      <a:ln>
+        <a:noFill/>
+      </a:ln>
+    </cs:spPr>
+  </cs:wall>
+</cs:chartStyle>
+</file>
+
 <file path=ppt/drawings/drawing1.xml><?xml version="1.0" encoding="utf-8"?>
 <c:userShapes xmlns:c="http://schemas.openxmlformats.org/drawingml/2006/chart">
   <cdr:relSizeAnchor xmlns:cdr="http://schemas.openxmlformats.org/drawingml/2006/chartDrawing">
@@ -7335,7 +8344,39 @@
           <a:p>
             <a:r>
               <a:rPr lang="it-IT" dirty="0" err="1"/>
-              <a:t>Topology</a:t>
+              <a:t>Testbed</a:t>
+            </a:r>
+            <a:r>
+              <a:rPr lang="it-IT" dirty="0"/>
+              <a:t> matching: ETH_TYPE_MPLS, </a:t>
+            </a:r>
+            <a:r>
+              <a:rPr lang="it-IT" dirty="0" err="1"/>
+              <a:t>src_MAC</a:t>
+            </a:r>
+            <a:r>
+              <a:rPr lang="it-IT" dirty="0"/>
+              <a:t>, </a:t>
+            </a:r>
+            <a:r>
+              <a:rPr lang="it-IT" dirty="0" err="1"/>
+              <a:t>dst_MAC</a:t>
+            </a:r>
+            <a:r>
+              <a:rPr lang="it-IT" dirty="0"/>
+              <a:t>, </a:t>
+            </a:r>
+            <a:r>
+              <a:rPr lang="it-IT" dirty="0" err="1"/>
+              <a:t>in_port</a:t>
+            </a:r>
+            <a:r>
+              <a:rPr lang="it-IT" dirty="0"/>
+              <a:t> (in intermediate switches, label </a:t>
+            </a:r>
+            <a:r>
+              <a:rPr lang="it-IT" dirty="0" err="1"/>
+              <a:t>still</a:t>
             </a:r>
             <a:r>
               <a:rPr lang="it-IT" dirty="0"/>
@@ -7343,6 +8384,24 @@
             </a:r>
             <a:r>
               <a:rPr lang="it-IT" dirty="0" err="1"/>
+              <a:t>present</a:t>
+            </a:r>
+            <a:r>
+              <a:rPr lang="it-IT" dirty="0"/>
+              <a:t>)</a:t>
+            </a:r>
+          </a:p>
+          <a:p>
+            <a:r>
+              <a:rPr lang="it-IT" dirty="0" err="1"/>
+              <a:t>Topology</a:t>
+            </a:r>
+            <a:r>
+              <a:rPr lang="it-IT" dirty="0"/>
+              <a:t> </a:t>
+            </a:r>
+            <a:r>
+              <a:rPr lang="it-IT" dirty="0" err="1"/>
               <a:t>instable</a:t>
             </a:r>
             <a:r>
@@ -7405,6 +8464,45 @@
               <a:rPr lang="it-IT" dirty="0"/>
               <a:t>…</a:t>
             </a:r>
+          </a:p>
+          <a:p>
+            <a:r>
+              <a:rPr lang="it-IT" sz="1200" dirty="0"/>
+              <a:t>OFPPS_LIVE </a:t>
+            </a:r>
+            <a:r>
+              <a:rPr lang="it-IT" sz="1200" dirty="0" err="1"/>
+              <a:t>triggered</a:t>
+            </a:r>
+            <a:r>
+              <a:rPr lang="it-IT" sz="1200" dirty="0"/>
+              <a:t> </a:t>
+            </a:r>
+            <a:r>
+              <a:rPr lang="it-IT" sz="1200" dirty="0" err="1"/>
+              <a:t>when</a:t>
+            </a:r>
+            <a:r>
+              <a:rPr lang="it-IT" sz="1200" dirty="0"/>
+              <a:t> a port </a:t>
+            </a:r>
+            <a:r>
+              <a:rPr lang="it-IT" sz="1200" dirty="0" err="1"/>
+              <a:t>is</a:t>
+            </a:r>
+            <a:r>
+              <a:rPr lang="it-IT" sz="1200" dirty="0"/>
+              <a:t> </a:t>
+            </a:r>
+            <a:r>
+              <a:rPr lang="it-IT" sz="1200" dirty="0" err="1"/>
+              <a:t>active</a:t>
+            </a:r>
+            <a:r>
+              <a:rPr lang="it-IT" sz="1200" dirty="0"/>
+              <a:t> </a:t>
+            </a:r>
+            <a:endParaRPr lang="it-IT" dirty="0"/>
           </a:p>
         </p:txBody>
       </p:sp>
@@ -7445,6 +8543,315 @@
 </file>
 
 <file path=ppt/notesSlides/notesSlide4.xml><?xml version="1.0" encoding="utf-8"?>
+<p:notes xmlns:a="http://schemas.openxmlformats.org/drawingml/2006/main" xmlns:r="http://schemas.openxmlformats.org/officeDocument/2006/relationships" xmlns:p="http://schemas.openxmlformats.org/presentationml/2006/main">
+  <p:cSld>
+    <p:spTree>
+      <p:nvGrpSpPr>
+        <p:cNvPr id="1" name=""/>
+        <p:cNvGrpSpPr/>
+        <p:nvPr/>
+      </p:nvGrpSpPr>
+      <p:grpSpPr>
+        <a:xfrm>
+          <a:off x="0" y="0"/>
+          <a:ext cx="0" cy="0"/>
+          <a:chOff x="0" y="0"/>
+          <a:chExt cx="0" cy="0"/>
+        </a:xfrm>
+      </p:grpSpPr>
+      <p:sp>
+        <p:nvSpPr>
+          <p:cNvPr id="2" name="Segnaposto immagine diapositiva 1"/>
+          <p:cNvSpPr>
+            <a:spLocks noGrp="1" noRot="1" noChangeAspect="1"/>
+          </p:cNvSpPr>
+          <p:nvPr>
+            <p:ph type="sldImg"/>
+          </p:nvPr>
+        </p:nvSpPr>
+        <p:spPr/>
+      </p:sp>
+      <p:sp>
+        <p:nvSpPr>
+          <p:cNvPr id="3" name="Segnaposto note 2"/>
+          <p:cNvSpPr>
+            <a:spLocks noGrp="1"/>
+          </p:cNvSpPr>
+          <p:nvPr>
+            <p:ph type="body" idx="1"/>
+          </p:nvPr>
+        </p:nvSpPr>
+        <p:spPr/>
+        <p:txBody>
+          <a:bodyPr/>
+          <a:lstStyle/>
+          <a:p>
+            <a:r>
+              <a:rPr lang="it-IT" dirty="0"/>
+              <a:t>For </a:t>
+            </a:r>
+            <a:r>
+              <a:rPr lang="it-IT" dirty="0" err="1"/>
+              <a:t>both</a:t>
+            </a:r>
+            <a:r>
+              <a:rPr lang="it-IT" dirty="0"/>
+              <a:t> mininet7testbed</a:t>
+            </a:r>
+          </a:p>
+        </p:txBody>
+      </p:sp>
+      <p:sp>
+        <p:nvSpPr>
+          <p:cNvPr id="4" name="Segnaposto numero diapositiva 3"/>
+          <p:cNvSpPr>
+            <a:spLocks noGrp="1"/>
+          </p:cNvSpPr>
+          <p:nvPr>
+            <p:ph type="sldNum" sz="quarter" idx="5"/>
+          </p:nvPr>
+        </p:nvSpPr>
+        <p:spPr/>
+        <p:txBody>
+          <a:bodyPr/>
+          <a:lstStyle/>
+          <a:p>
+            <a:fld id="{E2A6B88F-49BB-49DF-9CD9-134570298B2C}" type="slidenum">
+              <a:rPr lang="it-IT" smtClean="0"/>
+              <a:t>11</a:t>
+            </a:fld>
+            <a:endParaRPr lang="it-IT"/>
+          </a:p>
+        </p:txBody>
+      </p:sp>
+    </p:spTree>
+    <p:extLst>
+      <p:ext uri="{BB962C8B-B14F-4D97-AF65-F5344CB8AC3E}">
+        <p14:creationId xmlns:p14="http://schemas.microsoft.com/office/powerpoint/2010/main" val="2983962563"/>
+      </p:ext>
+    </p:extLst>
+  </p:cSld>
+  <p:clrMapOvr>
+    <a:masterClrMapping/>
+  </p:clrMapOvr>
+</p:notes>
+</file>
+
+<file path=ppt/notesSlides/notesSlide5.xml><?xml version="1.0" encoding="utf-8"?>
+<p:notes xmlns:a="http://schemas.openxmlformats.org/drawingml/2006/main" xmlns:r="http://schemas.openxmlformats.org/officeDocument/2006/relationships" xmlns:p="http://schemas.openxmlformats.org/presentationml/2006/main">
+  <p:cSld>
+    <p:spTree>
+      <p:nvGrpSpPr>
+        <p:cNvPr id="1" name=""/>
+        <p:cNvGrpSpPr/>
+        <p:nvPr/>
+      </p:nvGrpSpPr>
+      <p:grpSpPr>
+        <a:xfrm>
+          <a:off x="0" y="0"/>
+          <a:ext cx="0" cy="0"/>
+          <a:chOff x="0" y="0"/>
+          <a:chExt cx="0" cy="0"/>
+        </a:xfrm>
+      </p:grpSpPr>
+      <p:sp>
+        <p:nvSpPr>
+          <p:cNvPr id="2" name="Segnaposto immagine diapositiva 1"/>
+          <p:cNvSpPr>
+            <a:spLocks noGrp="1" noRot="1" noChangeAspect="1"/>
+          </p:cNvSpPr>
+          <p:nvPr>
+            <p:ph type="sldImg"/>
+          </p:nvPr>
+        </p:nvSpPr>
+        <p:spPr/>
+      </p:sp>
+      <p:sp>
+        <p:nvSpPr>
+          <p:cNvPr id="3" name="Segnaposto note 2"/>
+          <p:cNvSpPr>
+            <a:spLocks noGrp="1"/>
+          </p:cNvSpPr>
+          <p:nvPr>
+            <p:ph type="body" idx="1"/>
+          </p:nvPr>
+        </p:nvSpPr>
+        <p:spPr/>
+        <p:txBody>
+          <a:bodyPr/>
+          <a:lstStyle/>
+          <a:p>
+            <a:r>
+              <a:rPr lang="it-IT" dirty="0"/>
+              <a:t>Rule </a:t>
+            </a:r>
+            <a:r>
+              <a:rPr lang="it-IT" dirty="0" err="1"/>
+              <a:t>installation</a:t>
+            </a:r>
+            <a:r>
+              <a:rPr lang="it-IT" dirty="0"/>
+              <a:t> </a:t>
+            </a:r>
+            <a:r>
+              <a:rPr lang="it-IT" dirty="0" err="1"/>
+              <a:t>delayed</a:t>
+            </a:r>
+            <a:r>
+              <a:rPr lang="it-IT" dirty="0"/>
+              <a:t> by </a:t>
+            </a:r>
+            <a:r>
+              <a:rPr lang="it-IT" dirty="0" err="1"/>
+              <a:t>arp</a:t>
+            </a:r>
+            <a:r>
+              <a:rPr lang="it-IT" dirty="0"/>
+              <a:t> procedure</a:t>
+            </a:r>
+          </a:p>
+        </p:txBody>
+      </p:sp>
+      <p:sp>
+        <p:nvSpPr>
+          <p:cNvPr id="4" name="Segnaposto numero diapositiva 3"/>
+          <p:cNvSpPr>
+            <a:spLocks noGrp="1"/>
+          </p:cNvSpPr>
+          <p:nvPr>
+            <p:ph type="sldNum" sz="quarter" idx="5"/>
+          </p:nvPr>
+        </p:nvSpPr>
+        <p:spPr/>
+        <p:txBody>
+          <a:bodyPr/>
+          <a:lstStyle/>
+          <a:p>
+            <a:fld id="{E2A6B88F-49BB-49DF-9CD9-134570298B2C}" type="slidenum">
+              <a:rPr lang="it-IT" smtClean="0"/>
+              <a:t>12</a:t>
+            </a:fld>
+            <a:endParaRPr lang="it-IT"/>
+          </a:p>
+        </p:txBody>
+      </p:sp>
+    </p:spTree>
+    <p:extLst>
+      <p:ext uri="{BB962C8B-B14F-4D97-AF65-F5344CB8AC3E}">
+        <p14:creationId xmlns:p14="http://schemas.microsoft.com/office/powerpoint/2010/main" val="3993961896"/>
+      </p:ext>
+    </p:extLst>
+  </p:cSld>
+  <p:clrMapOvr>
+    <a:masterClrMapping/>
+  </p:clrMapOvr>
+</p:notes>
+</file>
+
+<file path=ppt/notesSlides/notesSlide6.xml><?xml version="1.0" encoding="utf-8"?>
+<p:notes xmlns:a="http://schemas.openxmlformats.org/drawingml/2006/main" xmlns:r="http://schemas.openxmlformats.org/officeDocument/2006/relationships" xmlns:p="http://schemas.openxmlformats.org/presentationml/2006/main">
+  <p:cSld>
+    <p:spTree>
+      <p:nvGrpSpPr>
+        <p:cNvPr id="1" name=""/>
+        <p:cNvGrpSpPr/>
+        <p:nvPr/>
+      </p:nvGrpSpPr>
+      <p:grpSpPr>
+        <a:xfrm>
+          <a:off x="0" y="0"/>
+          <a:ext cx="0" cy="0"/>
+          <a:chOff x="0" y="0"/>
+          <a:chExt cx="0" cy="0"/>
+        </a:xfrm>
+      </p:grpSpPr>
+      <p:sp>
+        <p:nvSpPr>
+          <p:cNvPr id="2" name="Segnaposto immagine diapositiva 1"/>
+          <p:cNvSpPr>
+            <a:spLocks noGrp="1" noRot="1" noChangeAspect="1"/>
+          </p:cNvSpPr>
+          <p:nvPr>
+            <p:ph type="sldImg"/>
+          </p:nvPr>
+        </p:nvSpPr>
+        <p:spPr/>
+      </p:sp>
+      <p:sp>
+        <p:nvSpPr>
+          <p:cNvPr id="3" name="Segnaposto note 2"/>
+          <p:cNvSpPr>
+            <a:spLocks noGrp="1"/>
+          </p:cNvSpPr>
+          <p:nvPr>
+            <p:ph type="body" idx="1"/>
+          </p:nvPr>
+        </p:nvSpPr>
+        <p:spPr/>
+        <p:txBody>
+          <a:bodyPr/>
+          <a:lstStyle/>
+          <a:p>
+            <a:r>
+              <a:rPr lang="it-IT" dirty="0"/>
+              <a:t>Plug </a:t>
+            </a:r>
+            <a:r>
+              <a:rPr lang="it-IT" dirty="0" err="1"/>
+              <a:t>followed</a:t>
+            </a:r>
+            <a:r>
+              <a:rPr lang="it-IT" dirty="0"/>
+              <a:t> by </a:t>
+            </a:r>
+            <a:r>
+              <a:rPr lang="it-IT" dirty="0" err="1"/>
+              <a:t>unplug</a:t>
+            </a:r>
+            <a:r>
+              <a:rPr lang="it-IT" dirty="0"/>
+              <a:t>…?</a:t>
+            </a:r>
+          </a:p>
+        </p:txBody>
+      </p:sp>
+      <p:sp>
+        <p:nvSpPr>
+          <p:cNvPr id="4" name="Segnaposto numero diapositiva 3"/>
+          <p:cNvSpPr>
+            <a:spLocks noGrp="1"/>
+          </p:cNvSpPr>
+          <p:nvPr>
+            <p:ph type="sldNum" sz="quarter" idx="5"/>
+          </p:nvPr>
+        </p:nvSpPr>
+        <p:spPr/>
+        <p:txBody>
+          <a:bodyPr/>
+          <a:lstStyle/>
+          <a:p>
+            <a:fld id="{E2A6B88F-49BB-49DF-9CD9-134570298B2C}" type="slidenum">
+              <a:rPr lang="it-IT" smtClean="0"/>
+              <a:t>13</a:t>
+            </a:fld>
+            <a:endParaRPr lang="it-IT"/>
+          </a:p>
+        </p:txBody>
+      </p:sp>
+    </p:spTree>
+    <p:extLst>
+      <p:ext uri="{BB962C8B-B14F-4D97-AF65-F5344CB8AC3E}">
+        <p14:creationId xmlns:p14="http://schemas.microsoft.com/office/powerpoint/2010/main" val="219612409"/>
+      </p:ext>
+    </p:extLst>
+  </p:cSld>
+  <p:clrMapOvr>
+    <a:masterClrMapping/>
+  </p:clrMapOvr>
+</p:notes>
+</file>
+
+<file path=ppt/notesSlides/notesSlide7.xml><?xml version="1.0" encoding="utf-8"?>
 <p:notes xmlns:a="http://schemas.openxmlformats.org/drawingml/2006/main" xmlns:r="http://schemas.openxmlformats.org/officeDocument/2006/relationships" xmlns:p="http://schemas.openxmlformats.org/presentationml/2006/main">
   <p:cSld>
     <p:spTree>
@@ -8690,14 +10097,14 @@
             <p:ph idx="1"/>
             <p:extLst>
               <p:ext uri="{D42A27DB-BD31-4B8C-83A1-F6EECF244321}">
-                <p14:modId xmlns:p14="http://schemas.microsoft.com/office/powerpoint/2010/main" val="3839412832"/>
+                <p14:modId xmlns:p14="http://schemas.microsoft.com/office/powerpoint/2010/main" val="3895460187"/>
               </p:ext>
             </p:extLst>
           </p:nvPr>
         </p:nvGraphicFramePr>
         <p:xfrm>
-          <a:off x="204716" y="1046745"/>
-          <a:ext cx="8734568" cy="5120640"/>
+          <a:off x="204716" y="855021"/>
+          <a:ext cx="8734568" cy="5577840"/>
         </p:xfrm>
         <a:graphic>
           <a:graphicData uri="http://schemas.openxmlformats.org/drawingml/2006/table">
@@ -8764,12 +10171,16 @@
                     <a:p>
                       <a:pPr algn="ctr"/>
                       <a:r>
-                        <a:rPr lang="it-IT" sz="2400" dirty="0"/>
+                        <a:rPr lang="en-US" sz="2400" dirty="0"/>
                         <a:t>Open </a:t>
                       </a:r>
                       <a:r>
-                        <a:rPr lang="it-IT" sz="2400" dirty="0" err="1"/>
+                        <a:rPr lang="en-US" sz="2400" dirty="0" err="1"/>
                         <a:t>vSwitch</a:t>
+                      </a:r>
+                      <a:r>
+                        <a:rPr lang="en-US" sz="2400" dirty="0"/>
+                        <a:t> switches </a:t>
                       </a:r>
                       <a:endParaRPr lang="it-IT" sz="2400" dirty="0"/>
                     </a:p>
@@ -8788,15 +10199,7 @@
                       </a:r>
                       <a:r>
                         <a:rPr lang="it-IT" sz="2400" dirty="0"/>
-                        <a:t> FX switches with </a:t>
-                      </a:r>
-                      <a:r>
-                        <a:rPr lang="it-IT" sz="2400" dirty="0" err="1"/>
-                        <a:t>OpenFlow</a:t>
-                      </a:r>
-                      <a:r>
-                        <a:rPr lang="it-IT" sz="2400" dirty="0"/>
-                        <a:t> prot.</a:t>
+                        <a:t> FX switches</a:t>
                       </a:r>
                     </a:p>
                   </a:txBody>
@@ -9079,6 +10482,102 @@
                     <a:bodyPr/>
                     <a:lstStyle/>
                     <a:p>
+                      <a:pPr marL="0" marR="0" lvl="0" indent="0" algn="ctr" defTabSz="914400" rtl="0" eaLnBrk="1" fontAlgn="auto" latinLnBrk="0" hangingPunct="1">
+                        <a:lnSpc>
+                          <a:spcPct val="100000"/>
+                        </a:lnSpc>
+                        <a:spcBef>
+                          <a:spcPts val="0"/>
+                        </a:spcBef>
+                        <a:spcAft>
+                          <a:spcPts val="0"/>
+                        </a:spcAft>
+                        <a:buClrTx/>
+                        <a:buSzTx/>
+                        <a:buFontTx/>
+                        <a:buNone/>
+                        <a:tabLst/>
+                        <a:defRPr/>
+                      </a:pPr>
+                      <a:r>
+                        <a:rPr lang="it-IT" sz="2400" dirty="0"/>
+                        <a:t>Virtual </a:t>
+                      </a:r>
+                      <a:r>
+                        <a:rPr lang="it-IT" sz="2400" dirty="0" err="1"/>
+                        <a:t>topology</a:t>
+                      </a:r>
+                      <a:endParaRPr lang="it-IT" sz="2400" dirty="0"/>
+                    </a:p>
+                  </a:txBody>
+                  <a:tcPr/>
+                </a:tc>
+                <a:tc>
+                  <a:txBody>
+                    <a:bodyPr/>
+                    <a:lstStyle/>
+                    <a:p>
+                      <a:pPr marL="0" marR="0" lvl="0" indent="0" algn="ctr" defTabSz="914400" rtl="0" eaLnBrk="1" fontAlgn="auto" latinLnBrk="0" hangingPunct="1">
+                        <a:lnSpc>
+                          <a:spcPct val="100000"/>
+                        </a:lnSpc>
+                        <a:spcBef>
+                          <a:spcPts val="0"/>
+                        </a:spcBef>
+                        <a:spcAft>
+                          <a:spcPts val="0"/>
+                        </a:spcAft>
+                        <a:buClrTx/>
+                        <a:buSzTx/>
+                        <a:buFontTx/>
+                        <a:buNone/>
+                        <a:tabLst/>
+                        <a:defRPr/>
+                      </a:pPr>
+                      <a:r>
+                        <a:rPr lang="it-IT" sz="2400" dirty="0"/>
+                        <a:t>Real </a:t>
+                      </a:r>
+                      <a:r>
+                        <a:rPr lang="it-IT" sz="2400" dirty="0" err="1"/>
+                        <a:t>topology</a:t>
+                      </a:r>
+                      <a:r>
+                        <a:rPr lang="it-IT" sz="2400" dirty="0"/>
+                        <a:t> with </a:t>
+                      </a:r>
+                      <a:r>
+                        <a:rPr lang="it-IT" sz="2400" dirty="0" err="1"/>
+                        <a:t>physical</a:t>
+                      </a:r>
+                      <a:r>
+                        <a:rPr lang="it-IT" sz="2400" dirty="0"/>
+                        <a:t> links </a:t>
+                      </a:r>
+                      <a:r>
+                        <a:rPr lang="it-IT" sz="2400" dirty="0" err="1"/>
+                        <a:t>among</a:t>
+                      </a:r>
+                      <a:r>
+                        <a:rPr lang="it-IT" sz="2400" dirty="0"/>
+                        <a:t> switches</a:t>
+                      </a:r>
+                    </a:p>
+                  </a:txBody>
+                  <a:tcPr/>
+                </a:tc>
+                <a:extLst>
+                  <a:ext uri="{0D108BD9-81ED-4DB2-BD59-A6C34878D82A}">
+                    <a16:rowId xmlns:a16="http://schemas.microsoft.com/office/drawing/2014/main" val="3323376451"/>
+                  </a:ext>
+                </a:extLst>
+              </a:tr>
+              <a:tr h="370840">
+                <a:tc>
+                  <a:txBody>
+                    <a:bodyPr/>
+                    <a:lstStyle/>
+                    <a:p>
                       <a:pPr algn="ctr"/>
                       <a:r>
                         <a:rPr lang="it-IT" sz="2400" dirty="0"/>
@@ -9200,7 +10699,7 @@
                       </a:r>
                       <a:r>
                         <a:rPr lang="it-IT" sz="2400" dirty="0"/>
-                        <a:t> OFPPS_LIVE event </a:t>
+                        <a:t> with an OFPPS_LIVE event </a:t>
                       </a:r>
                       <a:r>
                         <a:rPr lang="it-IT" sz="2400" dirty="0" err="1"/>
@@ -9774,7 +11273,7 @@
         </p:xfrm>
         <a:graphic>
           <a:graphicData uri="http://schemas.openxmlformats.org/drawingml/2006/chart">
-            <c:chart xmlns:c="http://schemas.openxmlformats.org/drawingml/2006/chart" xmlns:r="http://schemas.openxmlformats.org/officeDocument/2006/relationships" r:id="rId2"/>
+            <c:chart xmlns:c="http://schemas.openxmlformats.org/drawingml/2006/chart" xmlns:r="http://schemas.openxmlformats.org/officeDocument/2006/relationships" r:id="rId3"/>
           </a:graphicData>
         </a:graphic>
       </p:graphicFrame>
@@ -9804,7 +11303,7 @@
         </p:xfrm>
         <a:graphic>
           <a:graphicData uri="http://schemas.openxmlformats.org/drawingml/2006/chart">
-            <c:chart xmlns:c="http://schemas.openxmlformats.org/drawingml/2006/chart" xmlns:r="http://schemas.openxmlformats.org/officeDocument/2006/relationships" r:id="rId3"/>
+            <c:chart xmlns:c="http://schemas.openxmlformats.org/drawingml/2006/chart" xmlns:r="http://schemas.openxmlformats.org/officeDocument/2006/relationships" r:id="rId4"/>
           </a:graphicData>
         </a:graphic>
       </p:graphicFrame>
@@ -10123,7 +11622,7 @@
         </p:xfrm>
         <a:graphic>
           <a:graphicData uri="http://schemas.openxmlformats.org/drawingml/2006/chart">
-            <c:chart xmlns:c="http://schemas.openxmlformats.org/drawingml/2006/chart" xmlns:r="http://schemas.openxmlformats.org/officeDocument/2006/relationships" r:id="rId2"/>
+            <c:chart xmlns:c="http://schemas.openxmlformats.org/drawingml/2006/chart" xmlns:r="http://schemas.openxmlformats.org/officeDocument/2006/relationships" r:id="rId3"/>
           </a:graphicData>
         </a:graphic>
       </p:graphicFrame>
@@ -10153,7 +11652,7 @@
         </p:xfrm>
         <a:graphic>
           <a:graphicData uri="http://schemas.openxmlformats.org/drawingml/2006/chart">
-            <c:chart xmlns:c="http://schemas.openxmlformats.org/drawingml/2006/chart" xmlns:r="http://schemas.openxmlformats.org/officeDocument/2006/relationships" r:id="rId3"/>
+            <c:chart xmlns:c="http://schemas.openxmlformats.org/drawingml/2006/chart" xmlns:r="http://schemas.openxmlformats.org/officeDocument/2006/relationships" r:id="rId4"/>
           </a:graphicData>
         </a:graphic>
       </p:graphicFrame>
@@ -10342,6 +11841,293 @@
       </p:grpSpPr>
       <p:sp>
         <p:nvSpPr>
+          <p:cNvPr id="2" name="Titolo 1">
+            <a:extLst>
+              <a:ext uri="{FF2B5EF4-FFF2-40B4-BE49-F238E27FC236}">
+                <a16:creationId xmlns:a16="http://schemas.microsoft.com/office/drawing/2014/main" id="{6FCEFDC1-7932-4F62-BE1A-F69B5F73690D}"/>
+              </a:ext>
+            </a:extLst>
+          </p:cNvPr>
+          <p:cNvSpPr>
+            <a:spLocks noGrp="1"/>
+          </p:cNvSpPr>
+          <p:nvPr>
+            <p:ph type="title"/>
+          </p:nvPr>
+        </p:nvSpPr>
+        <p:spPr/>
+        <p:txBody>
+          <a:bodyPr/>
+          <a:lstStyle/>
+          <a:p>
+            <a:endParaRPr lang="it-IT"/>
+          </a:p>
+        </p:txBody>
+      </p:sp>
+      <p:sp>
+        <p:nvSpPr>
+          <p:cNvPr id="3" name="Segnaposto numero diapositiva 2">
+            <a:extLst>
+              <a:ext uri="{FF2B5EF4-FFF2-40B4-BE49-F238E27FC236}">
+                <a16:creationId xmlns:a16="http://schemas.microsoft.com/office/drawing/2014/main" id="{807AF970-80B6-4F3B-8F40-361F58895D4F}"/>
+              </a:ext>
+            </a:extLst>
+          </p:cNvPr>
+          <p:cNvSpPr>
+            <a:spLocks noGrp="1"/>
+          </p:cNvSpPr>
+          <p:nvPr>
+            <p:ph type="sldNum" sz="quarter" idx="12"/>
+          </p:nvPr>
+        </p:nvSpPr>
+        <p:spPr/>
+        <p:txBody>
+          <a:bodyPr/>
+          <a:lstStyle/>
+          <a:p>
+            <a:fld id="{07C31548-3396-48E6-A4F0-B6B6C960F6EE}" type="slidenum">
+              <a:rPr lang="it-IT" smtClean="0"/>
+              <a:t>15</a:t>
+            </a:fld>
+            <a:endParaRPr lang="it-IT" dirty="0"/>
+          </a:p>
+        </p:txBody>
+      </p:sp>
+      <p:graphicFrame>
+        <p:nvGraphicFramePr>
+          <p:cNvPr id="6" name="Grafico 5">
+            <a:extLst>
+              <a:ext uri="{FF2B5EF4-FFF2-40B4-BE49-F238E27FC236}">
+                <a16:creationId xmlns:a16="http://schemas.microsoft.com/office/drawing/2014/main" id="{D0B4BC44-7AC1-4E5A-A5EC-3F2F75ACCF48}"/>
+              </a:ext>
+            </a:extLst>
+          </p:cNvPr>
+          <p:cNvGraphicFramePr>
+            <a:graphicFrameLocks/>
+          </p:cNvGraphicFramePr>
+          <p:nvPr>
+            <p:extLst>
+              <p:ext uri="{D42A27DB-BD31-4B8C-83A1-F6EECF244321}">
+                <p14:modId xmlns:p14="http://schemas.microsoft.com/office/powerpoint/2010/main" val="250945608"/>
+              </p:ext>
+            </p:extLst>
+          </p:nvPr>
+        </p:nvGraphicFramePr>
+        <p:xfrm>
+          <a:off x="420413" y="1456267"/>
+          <a:ext cx="6319053" cy="1710265"/>
+        </p:xfrm>
+        <a:graphic>
+          <a:graphicData uri="http://schemas.openxmlformats.org/drawingml/2006/chart">
+            <c:chart xmlns:c="http://schemas.openxmlformats.org/drawingml/2006/chart" xmlns:r="http://schemas.openxmlformats.org/officeDocument/2006/relationships" r:id="rId2"/>
+          </a:graphicData>
+        </a:graphic>
+      </p:graphicFrame>
+      <p:sp>
+        <p:nvSpPr>
+          <p:cNvPr id="7" name="CasellaDiTesto 6">
+            <a:extLst>
+              <a:ext uri="{FF2B5EF4-FFF2-40B4-BE49-F238E27FC236}">
+                <a16:creationId xmlns:a16="http://schemas.microsoft.com/office/drawing/2014/main" id="{79FD98FD-17B1-4A81-821D-825E97D29373}"/>
+              </a:ext>
+            </a:extLst>
+          </p:cNvPr>
+          <p:cNvSpPr txBox="1"/>
+          <p:nvPr/>
+        </p:nvSpPr>
+        <p:spPr>
+          <a:xfrm>
+            <a:off x="6739466" y="2334780"/>
+            <a:ext cx="1374928" cy="369332"/>
+          </a:xfrm>
+          <a:prstGeom prst="rect">
+            <a:avLst/>
+          </a:prstGeom>
+          <a:noFill/>
+        </p:spPr>
+        <p:txBody>
+          <a:bodyPr wrap="none" rtlCol="0">
+            <a:spAutoFit/>
+          </a:bodyPr>
+          <a:lstStyle/>
+          <a:p>
+            <a:r>
+              <a:rPr lang="it-IT" b="1" dirty="0"/>
+              <a:t>Default </a:t>
+            </a:r>
+            <a:r>
+              <a:rPr lang="it-IT" b="1" dirty="0" err="1"/>
+              <a:t>Path</a:t>
+            </a:r>
+            <a:endParaRPr lang="it-IT" b="1" dirty="0"/>
+          </a:p>
+        </p:txBody>
+      </p:sp>
+      <p:sp>
+        <p:nvSpPr>
+          <p:cNvPr id="8" name="CasellaDiTesto 7">
+            <a:extLst>
+              <a:ext uri="{FF2B5EF4-FFF2-40B4-BE49-F238E27FC236}">
+                <a16:creationId xmlns:a16="http://schemas.microsoft.com/office/drawing/2014/main" id="{FA0A4FB9-806D-4190-8323-219380720B8E}"/>
+              </a:ext>
+            </a:extLst>
+          </p:cNvPr>
+          <p:cNvSpPr txBox="1"/>
+          <p:nvPr/>
+        </p:nvSpPr>
+        <p:spPr>
+          <a:xfrm>
+            <a:off x="6676372" y="1456267"/>
+            <a:ext cx="1438022" cy="369332"/>
+          </a:xfrm>
+          <a:prstGeom prst="rect">
+            <a:avLst/>
+          </a:prstGeom>
+          <a:noFill/>
+        </p:spPr>
+        <p:txBody>
+          <a:bodyPr wrap="none" rtlCol="0">
+            <a:spAutoFit/>
+          </a:bodyPr>
+          <a:lstStyle/>
+          <a:p>
+            <a:r>
+              <a:rPr lang="it-IT" b="1" dirty="0"/>
+              <a:t>Back-up </a:t>
+            </a:r>
+            <a:r>
+              <a:rPr lang="it-IT" b="1" dirty="0" err="1"/>
+              <a:t>Path</a:t>
+            </a:r>
+            <a:endParaRPr lang="it-IT" b="1" dirty="0"/>
+          </a:p>
+        </p:txBody>
+      </p:sp>
+      <p:cxnSp>
+        <p:nvCxnSpPr>
+          <p:cNvPr id="12" name="Connettore diritto 11">
+            <a:extLst>
+              <a:ext uri="{FF2B5EF4-FFF2-40B4-BE49-F238E27FC236}">
+                <a16:creationId xmlns:a16="http://schemas.microsoft.com/office/drawing/2014/main" id="{F823421C-7FDA-44A1-BB54-D03D12FC62CD}"/>
+              </a:ext>
+            </a:extLst>
+          </p:cNvPr>
+          <p:cNvCxnSpPr>
+            <a:cxnSpLocks/>
+          </p:cNvCxnSpPr>
+          <p:nvPr/>
+        </p:nvCxnSpPr>
+        <p:spPr>
+          <a:xfrm>
+            <a:off x="5960534" y="4141412"/>
+            <a:ext cx="0" cy="936000"/>
+          </a:xfrm>
+          <a:prstGeom prst="line">
+            <a:avLst/>
+          </a:prstGeom>
+          <a:ln>
+            <a:prstDash val="dashDot"/>
+          </a:ln>
+        </p:spPr>
+        <p:style>
+          <a:lnRef idx="1">
+            <a:schemeClr val="accent1"/>
+          </a:lnRef>
+          <a:fillRef idx="0">
+            <a:schemeClr val="accent1"/>
+          </a:fillRef>
+          <a:effectRef idx="0">
+            <a:schemeClr val="accent1"/>
+          </a:effectRef>
+          <a:fontRef idx="minor">
+            <a:schemeClr val="tx1"/>
+          </a:fontRef>
+        </p:style>
+      </p:cxnSp>
+      <p:sp>
+        <p:nvSpPr>
+          <p:cNvPr id="16" name="Ovale 15">
+            <a:extLst>
+              <a:ext uri="{FF2B5EF4-FFF2-40B4-BE49-F238E27FC236}">
+                <a16:creationId xmlns:a16="http://schemas.microsoft.com/office/drawing/2014/main" id="{01F39021-472F-4039-AB46-9C84C06F4D33}"/>
+              </a:ext>
+            </a:extLst>
+          </p:cNvPr>
+          <p:cNvSpPr/>
+          <p:nvPr/>
+        </p:nvSpPr>
+        <p:spPr>
+          <a:xfrm>
+            <a:off x="3055007" y="3818215"/>
+            <a:ext cx="524932" cy="323197"/>
+          </a:xfrm>
+          <a:prstGeom prst="ellipse">
+            <a:avLst/>
+          </a:prstGeom>
+          <a:noFill/>
+          <a:ln>
+            <a:solidFill>
+              <a:srgbClr val="FF0000"/>
+            </a:solidFill>
+          </a:ln>
+        </p:spPr>
+        <p:style>
+          <a:lnRef idx="2">
+            <a:schemeClr val="accent1">
+              <a:shade val="50000"/>
+            </a:schemeClr>
+          </a:lnRef>
+          <a:fillRef idx="1">
+            <a:schemeClr val="accent1"/>
+          </a:fillRef>
+          <a:effectRef idx="0">
+            <a:schemeClr val="accent1"/>
+          </a:effectRef>
+          <a:fontRef idx="minor">
+            <a:schemeClr val="lt1"/>
+          </a:fontRef>
+        </p:style>
+        <p:txBody>
+          <a:bodyPr rtlCol="0" anchor="ctr"/>
+          <a:lstStyle/>
+          <a:p>
+            <a:pPr algn="ctr"/>
+            <a:endParaRPr lang="it-IT"/>
+          </a:p>
+        </p:txBody>
+      </p:sp>
+    </p:spTree>
+    <p:extLst>
+      <p:ext uri="{BB962C8B-B14F-4D97-AF65-F5344CB8AC3E}">
+        <p14:creationId xmlns:p14="http://schemas.microsoft.com/office/powerpoint/2010/main" val="3310826875"/>
+      </p:ext>
+    </p:extLst>
+  </p:cSld>
+  <p:clrMapOvr>
+    <a:masterClrMapping/>
+  </p:clrMapOvr>
+</p:sld>
+</file>
+
+<file path=ppt/slides/slide16.xml><?xml version="1.0" encoding="utf-8"?>
+<p:sld xmlns:a="http://schemas.openxmlformats.org/drawingml/2006/main" xmlns:r="http://schemas.openxmlformats.org/officeDocument/2006/relationships" xmlns:p="http://schemas.openxmlformats.org/presentationml/2006/main">
+  <p:cSld>
+    <p:spTree>
+      <p:nvGrpSpPr>
+        <p:cNvPr id="1" name=""/>
+        <p:cNvGrpSpPr/>
+        <p:nvPr/>
+      </p:nvGrpSpPr>
+      <p:grpSpPr>
+        <a:xfrm>
+          <a:off x="0" y="0"/>
+          <a:ext cx="0" cy="0"/>
+          <a:chOff x="0" y="0"/>
+          <a:chExt cx="0" cy="0"/>
+        </a:xfrm>
+      </p:grpSpPr>
+      <p:sp>
+        <p:nvSpPr>
           <p:cNvPr id="2" name="Titolo 1"/>
           <p:cNvSpPr>
             <a:spLocks noGrp="1"/>
@@ -10389,15 +12175,6 @@
               <a:t>END</a:t>
             </a:r>
           </a:p>
-          <a:p>
-            <a:pPr marL="0" indent="0" algn="ctr">
-              <a:buNone/>
-            </a:pPr>
-            <a:r>
-              <a:rPr lang="en-GB" sz="3000" dirty="0"/>
-              <a:t>Do you have any questions?</a:t>
-            </a:r>
-          </a:p>
         </p:txBody>
       </p:sp>
       <p:sp>
@@ -10417,7 +12194,7 @@
           <a:p>
             <a:fld id="{07C31548-3396-48E6-A4F0-B6B6C960F6EE}" type="slidenum">
               <a:rPr lang="it-IT" smtClean="0"/>
-              <a:t>15</a:t>
+              <a:t>16</a:t>
             </a:fld>
             <a:endParaRPr lang="it-IT" dirty="0"/>
           </a:p>
@@ -10722,7 +12499,7 @@
             <a:pPr algn="just"/>
             <a:r>
               <a:rPr lang="en-US" dirty="0"/>
-              <a:t>One tunnel is the default path, the other is the back‐up path.</a:t>
+              <a:t>MPLS connection is based on source and destination MACs</a:t>
             </a:r>
           </a:p>
           <a:p>
@@ -10735,20 +12512,26 @@
             <a:pPr algn="just"/>
             <a:r>
               <a:rPr lang="en-US" dirty="0"/>
-              <a:t>MPLS connection is based on source and destination MACs</a:t>
-            </a:r>
-          </a:p>
-          <a:p>
-            <a:pPr marL="0" indent="0" algn="just">
-              <a:buNone/>
-            </a:pPr>
+              <a:t>The application is able to re‐route traffic on the back‐up path in case of a failure of a link of the default path</a:t>
+            </a:r>
+          </a:p>
+          <a:p>
+            <a:pPr algn="just"/>
             <a:endParaRPr lang="en-US" dirty="0"/>
           </a:p>
           <a:p>
             <a:pPr algn="just"/>
             <a:r>
               <a:rPr lang="en-US" dirty="0"/>
-              <a:t>The application is able to re‐route traffic on the back‐up path in case of a failure of a link of the default path</a:t>
+              <a:t>Project has been developed both on </a:t>
+            </a:r>
+            <a:r>
+              <a:rPr lang="en-US" dirty="0" err="1"/>
+              <a:t>mininet</a:t>
+            </a:r>
+            <a:r>
+              <a:rPr lang="en-US" dirty="0"/>
+              <a:t> and testbed</a:t>
             </a:r>
             <a:endParaRPr lang="en-GB" dirty="0"/>
           </a:p>

--- a/template_project_exam__1_.pptx
+++ b/template_project_exam__1_.pptx
@@ -5,7 +5,7 @@
     <p:sldMasterId id="2147483660" r:id="rId1"/>
   </p:sldMasterIdLst>
   <p:notesMasterIdLst>
-    <p:notesMasterId r:id="rId18"/>
+    <p:notesMasterId r:id="rId17"/>
   </p:notesMasterIdLst>
   <p:sldIdLst>
     <p:sldId id="256" r:id="rId2"/>
@@ -21,9 +21,8 @@
     <p:sldId id="279" r:id="rId12"/>
     <p:sldId id="272" r:id="rId13"/>
     <p:sldId id="274" r:id="rId14"/>
-    <p:sldId id="276" r:id="rId15"/>
-    <p:sldId id="280" r:id="rId16"/>
-    <p:sldId id="259" r:id="rId17"/>
+    <p:sldId id="280" r:id="rId15"/>
+    <p:sldId id="259" r:id="rId16"/>
   </p:sldIdLst>
   <p:sldSz cx="9144000" cy="6858000" type="screen4x3"/>
   <p:notesSz cx="6858000" cy="9144000"/>
@@ -199,8 +198,8 @@
         <c:manualLayout>
           <c:xMode val="edge"/>
           <c:yMode val="edge"/>
-          <c:x val="0.18551571945604575"/>
-          <c:y val="3.3269055848644716E-2"/>
+          <c:x val="0.31868508417640812"/>
+          <c:y val="9.2015310325146926E-2"/>
         </c:manualLayout>
       </c:layout>
       <c:overlay val="0"/>
@@ -253,8 +252,8 @@
           <c:layoutTarget val="inner"/>
           <c:xMode val="edge"/>
           <c:yMode val="edge"/>
-          <c:x val="0.13962169034458691"/>
-          <c:y val="0.17139343692687922"/>
+          <c:x val="0.13962167583859647"/>
+          <c:y val="0.11716625907213625"/>
           <c:w val="0.84270764147651156"/>
           <c:h val="0.71952606405960606"/>
         </c:manualLayout>
@@ -939,12 +938,28 @@
               </a:defRPr>
             </a:pPr>
             <a:r>
-              <a:rPr lang="it-IT"/>
-              <a:t>Rules installation time - TESTBED</a:t>
+              <a:rPr lang="it-IT" dirty="0"/>
+              <a:t>Rules </a:t>
+            </a:r>
+            <a:r>
+              <a:rPr lang="it-IT" dirty="0" err="1"/>
+              <a:t>installation</a:t>
+            </a:r>
+            <a:r>
+              <a:rPr lang="it-IT" dirty="0"/>
+              <a:t> time - TESTBED</a:t>
             </a:r>
           </a:p>
         </c:rich>
       </c:tx>
+      <c:layout>
+        <c:manualLayout>
+          <c:xMode val="edge"/>
+          <c:yMode val="edge"/>
+          <c:x val="0.33262870380124893"/>
+          <c:y val="0"/>
+        </c:manualLayout>
+      </c:layout>
       <c:overlay val="0"/>
       <c:spPr>
         <a:noFill/>
@@ -1629,6 +1644,14 @@
           </a:p>
         </c:rich>
       </c:tx>
+      <c:layout>
+        <c:manualLayout>
+          <c:xMode val="edge"/>
+          <c:yMode val="edge"/>
+          <c:x val="0.30445965809929798"/>
+          <c:y val="2.3693331427916863E-2"/>
+        </c:manualLayout>
+      </c:layout>
       <c:overlay val="0"/>
       <c:spPr>
         <a:noFill/>
@@ -2365,8 +2388,8 @@
         <c:manualLayout>
           <c:xMode val="edge"/>
           <c:yMode val="edge"/>
-          <c:x val="0.12940026075619296"/>
-          <c:y val="2.5445292620865138E-2"/>
+          <c:x val="0.22360154710459931"/>
+          <c:y val="2.5445309497167182E-2"/>
         </c:manualLayout>
       </c:layout>
       <c:overlay val="0"/>
@@ -3087,655 +3110,6 @@
     </mc:Fallback>
   </mc:AlternateContent>
   <c:chart>
-    <c:autoTitleDeleted val="0"/>
-    <c:plotArea>
-      <c:layout/>
-      <c:lineChart>
-        <c:grouping val="standard"/>
-        <c:varyColors val="0"/>
-        <c:ser>
-          <c:idx val="0"/>
-          <c:order val="0"/>
-          <c:tx>
-            <c:v>Mininet Simulator</c:v>
-          </c:tx>
-          <c:spPr>
-            <a:ln w="28575" cap="rnd">
-              <a:solidFill>
-                <a:schemeClr val="accent1"/>
-              </a:solidFill>
-              <a:round/>
-            </a:ln>
-            <a:effectLst/>
-          </c:spPr>
-          <c:marker>
-            <c:symbol val="circle"/>
-            <c:size val="5"/>
-            <c:spPr>
-              <a:solidFill>
-                <a:schemeClr val="accent1"/>
-              </a:solidFill>
-              <a:ln w="9525">
-                <a:solidFill>
-                  <a:schemeClr val="accent1"/>
-                </a:solidFill>
-              </a:ln>
-              <a:effectLst/>
-            </c:spPr>
-          </c:marker>
-          <c:dPt>
-            <c:idx val="1"/>
-            <c:marker>
-              <c:symbol val="circle"/>
-              <c:size val="5"/>
-              <c:spPr>
-                <a:solidFill>
-                  <a:schemeClr val="accent1"/>
-                </a:solidFill>
-                <a:ln w="9525">
-                  <a:solidFill>
-                    <a:schemeClr val="accent1"/>
-                  </a:solidFill>
-                </a:ln>
-                <a:effectLst/>
-              </c:spPr>
-            </c:marker>
-            <c:bubble3D val="0"/>
-            <c:extLst>
-              <c:ext xmlns:c16="http://schemas.microsoft.com/office/drawing/2014/chart" uri="{C3380CC4-5D6E-409C-BE32-E72D297353CC}">
-                <c16:uniqueId val="{00000000-5D68-45F4-97DA-DF9D66F69A30}"/>
-              </c:ext>
-            </c:extLst>
-          </c:dPt>
-          <c:dPt>
-            <c:idx val="2"/>
-            <c:marker>
-              <c:symbol val="circle"/>
-              <c:size val="5"/>
-              <c:spPr>
-                <a:solidFill>
-                  <a:schemeClr val="accent1"/>
-                </a:solidFill>
-                <a:ln w="9525">
-                  <a:solidFill>
-                    <a:schemeClr val="accent1"/>
-                  </a:solidFill>
-                </a:ln>
-                <a:effectLst/>
-              </c:spPr>
-            </c:marker>
-            <c:bubble3D val="0"/>
-            <c:extLst>
-              <c:ext xmlns:c16="http://schemas.microsoft.com/office/drawing/2014/chart" uri="{C3380CC4-5D6E-409C-BE32-E72D297353CC}">
-                <c16:uniqueId val="{00000001-5D68-45F4-97DA-DF9D66F69A30}"/>
-              </c:ext>
-            </c:extLst>
-          </c:dPt>
-          <c:dPt>
-            <c:idx val="3"/>
-            <c:marker>
-              <c:symbol val="circle"/>
-              <c:size val="5"/>
-              <c:spPr>
-                <a:solidFill>
-                  <a:schemeClr val="accent1"/>
-                </a:solidFill>
-                <a:ln w="9525">
-                  <a:solidFill>
-                    <a:schemeClr val="accent1"/>
-                  </a:solidFill>
-                </a:ln>
-                <a:effectLst/>
-              </c:spPr>
-            </c:marker>
-            <c:bubble3D val="0"/>
-            <c:extLst>
-              <c:ext xmlns:c16="http://schemas.microsoft.com/office/drawing/2014/chart" uri="{C3380CC4-5D6E-409C-BE32-E72D297353CC}">
-                <c16:uniqueId val="{00000002-5D68-45F4-97DA-DF9D66F69A30}"/>
-              </c:ext>
-            </c:extLst>
-          </c:dPt>
-          <c:cat>
-            <c:numRef>
-              <c:f>Foglio5!$A$8:$D$8</c:f>
-              <c:numCache>
-                <c:formatCode>General</c:formatCode>
-                <c:ptCount val="4"/>
-                <c:pt idx="0">
-                  <c:v>1</c:v>
-                </c:pt>
-                <c:pt idx="1">
-                  <c:v>100</c:v>
-                </c:pt>
-                <c:pt idx="2">
-                  <c:v>1000</c:v>
-                </c:pt>
-                <c:pt idx="3">
-                  <c:v>10000</c:v>
-                </c:pt>
-              </c:numCache>
-            </c:numRef>
-          </c:cat>
-          <c:val>
-            <c:numRef>
-              <c:f>Foglio5!$A$1:$A$4</c:f>
-              <c:numCache>
-                <c:formatCode>General</c:formatCode>
-                <c:ptCount val="4"/>
-                <c:pt idx="0">
-                  <c:v>0</c:v>
-                </c:pt>
-                <c:pt idx="1">
-                  <c:v>0</c:v>
-                </c:pt>
-                <c:pt idx="2">
-                  <c:v>0</c:v>
-                </c:pt>
-                <c:pt idx="3">
-                  <c:v>0</c:v>
-                </c:pt>
-              </c:numCache>
-            </c:numRef>
-          </c:val>
-          <c:smooth val="0"/>
-          <c:extLst>
-            <c:ext xmlns:c16="http://schemas.microsoft.com/office/drawing/2014/chart" uri="{C3380CC4-5D6E-409C-BE32-E72D297353CC}">
-              <c16:uniqueId val="{00000003-5D68-45F4-97DA-DF9D66F69A30}"/>
-            </c:ext>
-          </c:extLst>
-        </c:ser>
-        <c:ser>
-          <c:idx val="1"/>
-          <c:order val="1"/>
-          <c:tx>
-            <c:v>Testbed</c:v>
-          </c:tx>
-          <c:spPr>
-            <a:ln w="28575" cap="rnd">
-              <a:solidFill>
-                <a:schemeClr val="accent2"/>
-              </a:solidFill>
-              <a:round/>
-            </a:ln>
-            <a:effectLst/>
-          </c:spPr>
-          <c:marker>
-            <c:symbol val="circle"/>
-            <c:size val="5"/>
-            <c:spPr>
-              <a:solidFill>
-                <a:schemeClr val="accent2"/>
-              </a:solidFill>
-              <a:ln w="9525">
-                <a:solidFill>
-                  <a:schemeClr val="accent2"/>
-                </a:solidFill>
-              </a:ln>
-              <a:effectLst/>
-            </c:spPr>
-          </c:marker>
-          <c:dPt>
-            <c:idx val="0"/>
-            <c:marker>
-              <c:symbol val="circle"/>
-              <c:size val="5"/>
-              <c:spPr>
-                <a:solidFill>
-                  <a:schemeClr val="accent2"/>
-                </a:solidFill>
-                <a:ln w="9525">
-                  <a:solidFill>
-                    <a:schemeClr val="accent2"/>
-                  </a:solidFill>
-                </a:ln>
-                <a:effectLst/>
-              </c:spPr>
-            </c:marker>
-            <c:bubble3D val="0"/>
-            <c:extLst>
-              <c:ext xmlns:c16="http://schemas.microsoft.com/office/drawing/2014/chart" uri="{C3380CC4-5D6E-409C-BE32-E72D297353CC}">
-                <c16:uniqueId val="{00000004-5D68-45F4-97DA-DF9D66F69A30}"/>
-              </c:ext>
-            </c:extLst>
-          </c:dPt>
-          <c:dPt>
-            <c:idx val="1"/>
-            <c:marker>
-              <c:symbol val="circle"/>
-              <c:size val="5"/>
-              <c:spPr>
-                <a:solidFill>
-                  <a:schemeClr val="accent2"/>
-                </a:solidFill>
-                <a:ln w="9525">
-                  <a:solidFill>
-                    <a:schemeClr val="accent2"/>
-                  </a:solidFill>
-                </a:ln>
-                <a:effectLst/>
-              </c:spPr>
-            </c:marker>
-            <c:bubble3D val="0"/>
-            <c:extLst>
-              <c:ext xmlns:c16="http://schemas.microsoft.com/office/drawing/2014/chart" uri="{C3380CC4-5D6E-409C-BE32-E72D297353CC}">
-                <c16:uniqueId val="{00000005-5D68-45F4-97DA-DF9D66F69A30}"/>
-              </c:ext>
-            </c:extLst>
-          </c:dPt>
-          <c:dPt>
-            <c:idx val="2"/>
-            <c:marker>
-              <c:symbol val="circle"/>
-              <c:size val="5"/>
-              <c:spPr>
-                <a:solidFill>
-                  <a:schemeClr val="accent2"/>
-                </a:solidFill>
-                <a:ln w="9525">
-                  <a:solidFill>
-                    <a:schemeClr val="accent2"/>
-                  </a:solidFill>
-                </a:ln>
-                <a:effectLst/>
-              </c:spPr>
-            </c:marker>
-            <c:bubble3D val="0"/>
-            <c:extLst>
-              <c:ext xmlns:c16="http://schemas.microsoft.com/office/drawing/2014/chart" uri="{C3380CC4-5D6E-409C-BE32-E72D297353CC}">
-                <c16:uniqueId val="{00000006-5D68-45F4-97DA-DF9D66F69A30}"/>
-              </c:ext>
-            </c:extLst>
-          </c:dPt>
-          <c:dPt>
-            <c:idx val="3"/>
-            <c:marker>
-              <c:symbol val="circle"/>
-              <c:size val="5"/>
-              <c:spPr>
-                <a:solidFill>
-                  <a:schemeClr val="accent2"/>
-                </a:solidFill>
-                <a:ln w="9525">
-                  <a:solidFill>
-                    <a:schemeClr val="accent2"/>
-                  </a:solidFill>
-                </a:ln>
-                <a:effectLst/>
-              </c:spPr>
-            </c:marker>
-            <c:bubble3D val="0"/>
-            <c:extLst>
-              <c:ext xmlns:c16="http://schemas.microsoft.com/office/drawing/2014/chart" uri="{C3380CC4-5D6E-409C-BE32-E72D297353CC}">
-                <c16:uniqueId val="{00000007-5D68-45F4-97DA-DF9D66F69A30}"/>
-              </c:ext>
-            </c:extLst>
-          </c:dPt>
-          <c:cat>
-            <c:numRef>
-              <c:f>Foglio5!$A$8:$D$8</c:f>
-              <c:numCache>
-                <c:formatCode>General</c:formatCode>
-                <c:ptCount val="4"/>
-                <c:pt idx="0">
-                  <c:v>1</c:v>
-                </c:pt>
-                <c:pt idx="1">
-                  <c:v>100</c:v>
-                </c:pt>
-                <c:pt idx="2">
-                  <c:v>1000</c:v>
-                </c:pt>
-                <c:pt idx="3">
-                  <c:v>10000</c:v>
-                </c:pt>
-              </c:numCache>
-            </c:numRef>
-          </c:cat>
-          <c:val>
-            <c:numRef>
-              <c:f>Foglio5!$C$1:$C$4</c:f>
-              <c:numCache>
-                <c:formatCode>General</c:formatCode>
-                <c:ptCount val="4"/>
-                <c:pt idx="0">
-                  <c:v>0</c:v>
-                </c:pt>
-                <c:pt idx="1">
-                  <c:v>0</c:v>
-                </c:pt>
-                <c:pt idx="2">
-                  <c:v>1.3</c:v>
-                </c:pt>
-                <c:pt idx="3">
-                  <c:v>2.1</c:v>
-                </c:pt>
-              </c:numCache>
-            </c:numRef>
-          </c:val>
-          <c:smooth val="0"/>
-          <c:extLst>
-            <c:ext xmlns:c16="http://schemas.microsoft.com/office/drawing/2014/chart" uri="{C3380CC4-5D6E-409C-BE32-E72D297353CC}">
-              <c16:uniqueId val="{00000008-5D68-45F4-97DA-DF9D66F69A30}"/>
-            </c:ext>
-          </c:extLst>
-        </c:ser>
-        <c:dLbls>
-          <c:showLegendKey val="0"/>
-          <c:showVal val="0"/>
-          <c:showCatName val="0"/>
-          <c:showSerName val="0"/>
-          <c:showPercent val="0"/>
-          <c:showBubbleSize val="0"/>
-        </c:dLbls>
-        <c:marker val="1"/>
-        <c:smooth val="0"/>
-        <c:axId val="443020040"/>
-        <c:axId val="443020696"/>
-      </c:lineChart>
-      <c:catAx>
-        <c:axId val="443020040"/>
-        <c:scaling>
-          <c:orientation val="minMax"/>
-        </c:scaling>
-        <c:delete val="0"/>
-        <c:axPos val="b"/>
-        <c:title>
-          <c:tx>
-            <c:rich>
-              <a:bodyPr rot="0" spcFirstLastPara="1" vertOverflow="ellipsis" vert="horz" wrap="square" anchor="ctr" anchorCtr="1"/>
-              <a:lstStyle/>
-              <a:p>
-                <a:pPr>
-                  <a:defRPr sz="1000" b="0" i="0" u="none" strike="noStrike" kern="1200" baseline="0">
-                    <a:solidFill>
-                      <a:schemeClr val="tx1">
-                        <a:lumMod val="65000"/>
-                        <a:lumOff val="35000"/>
-                      </a:schemeClr>
-                    </a:solidFill>
-                    <a:latin typeface="+mn-lt"/>
-                    <a:ea typeface="+mn-ea"/>
-                    <a:cs typeface="+mn-cs"/>
-                  </a:defRPr>
-                </a:pPr>
-                <a:r>
-                  <a:rPr lang="it-IT"/>
-                  <a:t>SPEED (KBIT/S)</a:t>
-                </a:r>
-              </a:p>
-            </c:rich>
-          </c:tx>
-          <c:overlay val="0"/>
-          <c:spPr>
-            <a:noFill/>
-            <a:ln>
-              <a:noFill/>
-            </a:ln>
-            <a:effectLst/>
-          </c:spPr>
-          <c:txPr>
-            <a:bodyPr rot="0" spcFirstLastPara="1" vertOverflow="ellipsis" vert="horz" wrap="square" anchor="ctr" anchorCtr="1"/>
-            <a:lstStyle/>
-            <a:p>
-              <a:pPr>
-                <a:defRPr sz="1000" b="0" i="0" u="none" strike="noStrike" kern="1200" baseline="0">
-                  <a:solidFill>
-                    <a:schemeClr val="tx1">
-                      <a:lumMod val="65000"/>
-                      <a:lumOff val="35000"/>
-                    </a:schemeClr>
-                  </a:solidFill>
-                  <a:latin typeface="+mn-lt"/>
-                  <a:ea typeface="+mn-ea"/>
-                  <a:cs typeface="+mn-cs"/>
-                </a:defRPr>
-              </a:pPr>
-              <a:endParaRPr lang="it-IT"/>
-            </a:p>
-          </c:txPr>
-        </c:title>
-        <c:numFmt formatCode="General" sourceLinked="1"/>
-        <c:majorTickMark val="none"/>
-        <c:minorTickMark val="none"/>
-        <c:tickLblPos val="nextTo"/>
-        <c:spPr>
-          <a:noFill/>
-          <a:ln w="9525" cap="flat" cmpd="sng" algn="ctr">
-            <a:solidFill>
-              <a:schemeClr val="tx1">
-                <a:lumMod val="15000"/>
-                <a:lumOff val="85000"/>
-              </a:schemeClr>
-            </a:solidFill>
-            <a:round/>
-          </a:ln>
-          <a:effectLst/>
-        </c:spPr>
-        <c:txPr>
-          <a:bodyPr rot="-60000000" spcFirstLastPara="1" vertOverflow="ellipsis" vert="horz" wrap="square" anchor="ctr" anchorCtr="1"/>
-          <a:lstStyle/>
-          <a:p>
-            <a:pPr>
-              <a:defRPr sz="900" b="0" i="0" u="none" strike="noStrike" kern="1200" baseline="0">
-                <a:solidFill>
-                  <a:schemeClr val="tx1">
-                    <a:lumMod val="65000"/>
-                    <a:lumOff val="35000"/>
-                  </a:schemeClr>
-                </a:solidFill>
-                <a:latin typeface="+mn-lt"/>
-                <a:ea typeface="+mn-ea"/>
-                <a:cs typeface="+mn-cs"/>
-              </a:defRPr>
-            </a:pPr>
-            <a:endParaRPr lang="it-IT"/>
-          </a:p>
-        </c:txPr>
-        <c:crossAx val="443020696"/>
-        <c:crosses val="autoZero"/>
-        <c:auto val="1"/>
-        <c:lblAlgn val="ctr"/>
-        <c:lblOffset val="100"/>
-        <c:noMultiLvlLbl val="0"/>
-      </c:catAx>
-      <c:valAx>
-        <c:axId val="443020696"/>
-        <c:scaling>
-          <c:orientation val="minMax"/>
-        </c:scaling>
-        <c:delete val="0"/>
-        <c:axPos val="l"/>
-        <c:majorGridlines>
-          <c:spPr>
-            <a:ln w="9525" cap="flat" cmpd="sng" algn="ctr">
-              <a:solidFill>
-                <a:schemeClr val="tx1">
-                  <a:lumMod val="15000"/>
-                  <a:lumOff val="85000"/>
-                </a:schemeClr>
-              </a:solidFill>
-              <a:round/>
-            </a:ln>
-            <a:effectLst/>
-          </c:spPr>
-        </c:majorGridlines>
-        <c:title>
-          <c:tx>
-            <c:rich>
-              <a:bodyPr rot="-5400000" spcFirstLastPara="1" vertOverflow="ellipsis" vert="horz" wrap="square" anchor="ctr" anchorCtr="1"/>
-              <a:lstStyle/>
-              <a:p>
-                <a:pPr>
-                  <a:defRPr sz="1000" b="0" i="0" u="none" strike="noStrike" kern="1200" baseline="0">
-                    <a:solidFill>
-                      <a:schemeClr val="tx1">
-                        <a:lumMod val="65000"/>
-                        <a:lumOff val="35000"/>
-                      </a:schemeClr>
-                    </a:solidFill>
-                    <a:latin typeface="+mn-lt"/>
-                    <a:ea typeface="+mn-ea"/>
-                    <a:cs typeface="+mn-cs"/>
-                  </a:defRPr>
-                </a:pPr>
-                <a:r>
-                  <a:rPr lang="it-IT"/>
-                  <a:t>LOST DATAGRAMS (%)</a:t>
-                </a:r>
-              </a:p>
-            </c:rich>
-          </c:tx>
-          <c:overlay val="0"/>
-          <c:spPr>
-            <a:noFill/>
-            <a:ln>
-              <a:noFill/>
-            </a:ln>
-            <a:effectLst/>
-          </c:spPr>
-          <c:txPr>
-            <a:bodyPr rot="-5400000" spcFirstLastPara="1" vertOverflow="ellipsis" vert="horz" wrap="square" anchor="ctr" anchorCtr="1"/>
-            <a:lstStyle/>
-            <a:p>
-              <a:pPr>
-                <a:defRPr sz="1000" b="0" i="0" u="none" strike="noStrike" kern="1200" baseline="0">
-                  <a:solidFill>
-                    <a:schemeClr val="tx1">
-                      <a:lumMod val="65000"/>
-                      <a:lumOff val="35000"/>
-                    </a:schemeClr>
-                  </a:solidFill>
-                  <a:latin typeface="+mn-lt"/>
-                  <a:ea typeface="+mn-ea"/>
-                  <a:cs typeface="+mn-cs"/>
-                </a:defRPr>
-              </a:pPr>
-              <a:endParaRPr lang="it-IT"/>
-            </a:p>
-          </c:txPr>
-        </c:title>
-        <c:numFmt formatCode="General" sourceLinked="1"/>
-        <c:majorTickMark val="none"/>
-        <c:minorTickMark val="none"/>
-        <c:tickLblPos val="nextTo"/>
-        <c:spPr>
-          <a:noFill/>
-          <a:ln>
-            <a:noFill/>
-          </a:ln>
-          <a:effectLst/>
-        </c:spPr>
-        <c:txPr>
-          <a:bodyPr rot="-60000000" spcFirstLastPara="1" vertOverflow="ellipsis" vert="horz" wrap="square" anchor="ctr" anchorCtr="1"/>
-          <a:lstStyle/>
-          <a:p>
-            <a:pPr>
-              <a:defRPr sz="900" b="0" i="0" u="none" strike="noStrike" kern="1200" baseline="0">
-                <a:solidFill>
-                  <a:schemeClr val="tx1">
-                    <a:lumMod val="65000"/>
-                    <a:lumOff val="35000"/>
-                  </a:schemeClr>
-                </a:solidFill>
-                <a:latin typeface="+mn-lt"/>
-                <a:ea typeface="+mn-ea"/>
-                <a:cs typeface="+mn-cs"/>
-              </a:defRPr>
-            </a:pPr>
-            <a:endParaRPr lang="it-IT"/>
-          </a:p>
-        </c:txPr>
-        <c:crossAx val="443020040"/>
-        <c:crosses val="autoZero"/>
-        <c:crossBetween val="between"/>
-      </c:valAx>
-      <c:spPr>
-        <a:noFill/>
-        <a:ln>
-          <a:noFill/>
-        </a:ln>
-        <a:effectLst/>
-      </c:spPr>
-    </c:plotArea>
-    <c:legend>
-      <c:legendPos val="b"/>
-      <c:overlay val="0"/>
-      <c:spPr>
-        <a:noFill/>
-        <a:ln>
-          <a:noFill/>
-        </a:ln>
-        <a:effectLst/>
-      </c:spPr>
-      <c:txPr>
-        <a:bodyPr rot="0" spcFirstLastPara="1" vertOverflow="ellipsis" vert="horz" wrap="square" anchor="ctr" anchorCtr="1"/>
-        <a:lstStyle/>
-        <a:p>
-          <a:pPr>
-            <a:defRPr sz="900" b="0" i="0" u="none" strike="noStrike" kern="1200" baseline="0">
-              <a:solidFill>
-                <a:schemeClr val="tx1">
-                  <a:lumMod val="65000"/>
-                  <a:lumOff val="35000"/>
-                </a:schemeClr>
-              </a:solidFill>
-              <a:latin typeface="+mn-lt"/>
-              <a:ea typeface="+mn-ea"/>
-              <a:cs typeface="+mn-cs"/>
-            </a:defRPr>
-          </a:pPr>
-          <a:endParaRPr lang="it-IT"/>
-        </a:p>
-      </c:txPr>
-    </c:legend>
-    <c:plotVisOnly val="1"/>
-    <c:dispBlanksAs val="gap"/>
-    <c:extLst>
-      <c:ext xmlns:c16r3="http://schemas.microsoft.com/office/drawing/2017/03/chart" uri="{56B9EC1D-385E-4148-901F-78D8002777C0}">
-        <c16r3:dataDisplayOptions16>
-          <c16r3:dispNaAsBlank val="1"/>
-        </c16r3:dataDisplayOptions16>
-      </c:ext>
-    </c:extLst>
-    <c:showDLblsOverMax val="0"/>
-  </c:chart>
-  <c:spPr>
-    <a:noFill/>
-    <a:ln>
-      <a:noFill/>
-    </a:ln>
-    <a:effectLst/>
-  </c:spPr>
-  <c:txPr>
-    <a:bodyPr/>
-    <a:lstStyle/>
-    <a:p>
-      <a:pPr>
-        <a:defRPr/>
-      </a:pPr>
-      <a:endParaRPr lang="it-IT"/>
-    </a:p>
-  </c:txPr>
-  <c:externalData r:id="rId3">
-    <c:autoUpdate val="0"/>
-  </c:externalData>
-</c:chartSpace>
-</file>
-
-<file path=ppt/charts/chart6.xml><?xml version="1.0" encoding="utf-8"?>
-<c:chartSpace xmlns:c="http://schemas.openxmlformats.org/drawingml/2006/chart" xmlns:a="http://schemas.openxmlformats.org/drawingml/2006/main" xmlns:r="http://schemas.openxmlformats.org/officeDocument/2006/relationships" xmlns:c16r2="http://schemas.microsoft.com/office/drawing/2015/06/chart">
-  <c:date1904 val="0"/>
-  <c:lang val="it-IT"/>
-  <c:roundedCorners val="0"/>
-  <mc:AlternateContent xmlns:mc="http://schemas.openxmlformats.org/markup-compatibility/2006">
-    <mc:Choice xmlns:c14="http://schemas.microsoft.com/office/drawing/2007/8/2/chart" Requires="c14">
-      <c14:style val="102"/>
-    </mc:Choice>
-    <mc:Fallback>
-      <c:style val="2"/>
-    </mc:Fallback>
-  </mc:AlternateContent>
-  <c:chart>
     <c:autoTitleDeleted val="1"/>
     <c:plotArea>
       <c:layout/>
@@ -3947,8 +3321,8 @@
                   </a:defRPr>
                 </a:pPr>
                 <a:r>
-                  <a:rPr lang="en-US"/>
-                  <a:t>Time(s)</a:t>
+                  <a:rPr lang="en-US" dirty="0"/>
+                  <a:t>Time</a:t>
                 </a:r>
               </a:p>
             </c:rich>
@@ -4171,6 +3545,7 @@
   <c:externalData r:id="rId3">
     <c:autoUpdate val="0"/>
   </c:externalData>
+  <c:userShapes r:id="rId4"/>
 </c:chartSpace>
 </file>
 
@@ -4335,46 +3710,6 @@
 </file>
 
 <file path=ppt/charts/colors5.xml><?xml version="1.0" encoding="utf-8"?>
-<cs:colorStyle xmlns:cs="http://schemas.microsoft.com/office/drawing/2012/chartStyle" xmlns:a="http://schemas.openxmlformats.org/drawingml/2006/main" meth="cycle" id="10">
-  <a:schemeClr val="accent1"/>
-  <a:schemeClr val="accent2"/>
-  <a:schemeClr val="accent3"/>
-  <a:schemeClr val="accent4"/>
-  <a:schemeClr val="accent5"/>
-  <a:schemeClr val="accent6"/>
-  <cs:variation/>
-  <cs:variation>
-    <a:lumMod val="60000"/>
-  </cs:variation>
-  <cs:variation>
-    <a:lumMod val="80000"/>
-    <a:lumOff val="20000"/>
-  </cs:variation>
-  <cs:variation>
-    <a:lumMod val="80000"/>
-  </cs:variation>
-  <cs:variation>
-    <a:lumMod val="60000"/>
-    <a:lumOff val="40000"/>
-  </cs:variation>
-  <cs:variation>
-    <a:lumMod val="50000"/>
-  </cs:variation>
-  <cs:variation>
-    <a:lumMod val="70000"/>
-    <a:lumOff val="30000"/>
-  </cs:variation>
-  <cs:variation>
-    <a:lumMod val="70000"/>
-  </cs:variation>
-  <cs:variation>
-    <a:lumMod val="50000"/>
-    <a:lumOff val="50000"/>
-  </cs:variation>
-</cs:colorStyle>
-</file>
-
-<file path=ppt/charts/colors6.xml><?xml version="1.0" encoding="utf-8"?>
 <cs:colorStyle xmlns:cs="http://schemas.microsoft.com/office/drawing/2012/chartStyle" xmlns:a="http://schemas.openxmlformats.org/drawingml/2006/main" meth="cycle" id="10">
   <a:schemeClr val="accent1"/>
   <a:schemeClr val="accent2"/>
@@ -6423,509 +5758,6 @@
 </file>
 
 <file path=ppt/charts/style5.xml><?xml version="1.0" encoding="utf-8"?>
-<cs:chartStyle xmlns:cs="http://schemas.microsoft.com/office/drawing/2012/chartStyle" xmlns:a="http://schemas.openxmlformats.org/drawingml/2006/main" id="332">
-  <cs:axisTitle>
-    <cs:lnRef idx="0"/>
-    <cs:fillRef idx="0"/>
-    <cs:effectRef idx="0"/>
-    <cs:fontRef idx="minor">
-      <a:schemeClr val="tx1">
-        <a:lumMod val="65000"/>
-        <a:lumOff val="35000"/>
-      </a:schemeClr>
-    </cs:fontRef>
-    <cs:defRPr sz="1000" kern="1200"/>
-  </cs:axisTitle>
-  <cs:categoryAxis>
-    <cs:lnRef idx="0"/>
-    <cs:fillRef idx="0"/>
-    <cs:effectRef idx="0"/>
-    <cs:fontRef idx="minor">
-      <a:schemeClr val="tx1">
-        <a:lumMod val="65000"/>
-        <a:lumOff val="35000"/>
-      </a:schemeClr>
-    </cs:fontRef>
-    <cs:spPr>
-      <a:ln w="9525" cap="flat" cmpd="sng" algn="ctr">
-        <a:solidFill>
-          <a:schemeClr val="tx1">
-            <a:lumMod val="15000"/>
-            <a:lumOff val="85000"/>
-          </a:schemeClr>
-        </a:solidFill>
-        <a:round/>
-      </a:ln>
-    </cs:spPr>
-    <cs:defRPr sz="900" kern="1200"/>
-  </cs:categoryAxis>
-  <cs:chartArea mods="allowNoFillOverride allowNoLineOverride">
-    <cs:lnRef idx="0"/>
-    <cs:fillRef idx="0"/>
-    <cs:effectRef idx="0"/>
-    <cs:fontRef idx="minor">
-      <a:schemeClr val="tx1"/>
-    </cs:fontRef>
-    <cs:spPr>
-      <a:solidFill>
-        <a:schemeClr val="bg1"/>
-      </a:solidFill>
-      <a:ln w="9525" cap="flat" cmpd="sng" algn="ctr">
-        <a:solidFill>
-          <a:schemeClr val="tx1">
-            <a:lumMod val="15000"/>
-            <a:lumOff val="85000"/>
-          </a:schemeClr>
-        </a:solidFill>
-        <a:round/>
-      </a:ln>
-    </cs:spPr>
-    <cs:defRPr sz="1000" kern="1200"/>
-  </cs:chartArea>
-  <cs:dataLabel>
-    <cs:lnRef idx="0"/>
-    <cs:fillRef idx="0"/>
-    <cs:effectRef idx="0"/>
-    <cs:fontRef idx="minor">
-      <a:schemeClr val="tx1">
-        <a:lumMod val="75000"/>
-        <a:lumOff val="25000"/>
-      </a:schemeClr>
-    </cs:fontRef>
-    <cs:defRPr sz="900" kern="1200"/>
-  </cs:dataLabel>
-  <cs:dataLabelCallout>
-    <cs:lnRef idx="0"/>
-    <cs:fillRef idx="0"/>
-    <cs:effectRef idx="0"/>
-    <cs:fontRef idx="minor">
-      <a:schemeClr val="dk1">
-        <a:lumMod val="65000"/>
-        <a:lumOff val="35000"/>
-      </a:schemeClr>
-    </cs:fontRef>
-    <cs:spPr>
-      <a:solidFill>
-        <a:schemeClr val="lt1"/>
-      </a:solidFill>
-      <a:ln>
-        <a:solidFill>
-          <a:schemeClr val="dk1">
-            <a:lumMod val="25000"/>
-            <a:lumOff val="75000"/>
-          </a:schemeClr>
-        </a:solidFill>
-      </a:ln>
-    </cs:spPr>
-    <cs:defRPr sz="900" kern="1200"/>
-    <cs:bodyPr rot="0" spcFirstLastPara="1" vertOverflow="clip" horzOverflow="clip" vert="horz" wrap="square" lIns="36576" tIns="18288" rIns="36576" bIns="18288" anchor="ctr" anchorCtr="1">
-      <a:spAutoFit/>
-    </cs:bodyPr>
-  </cs:dataLabelCallout>
-  <cs:dataPoint>
-    <cs:lnRef idx="0"/>
-    <cs:fillRef idx="1">
-      <cs:styleClr val="auto"/>
-    </cs:fillRef>
-    <cs:effectRef idx="0"/>
-    <cs:fontRef idx="minor">
-      <a:schemeClr val="tx1"/>
-    </cs:fontRef>
-  </cs:dataPoint>
-  <cs:dataPoint3D>
-    <cs:lnRef idx="0"/>
-    <cs:fillRef idx="1">
-      <cs:styleClr val="auto"/>
-    </cs:fillRef>
-    <cs:effectRef idx="0"/>
-    <cs:fontRef idx="minor">
-      <a:schemeClr val="tx1"/>
-    </cs:fontRef>
-  </cs:dataPoint3D>
-  <cs:dataPointLine>
-    <cs:lnRef idx="0">
-      <cs:styleClr val="auto"/>
-    </cs:lnRef>
-    <cs:fillRef idx="1"/>
-    <cs:effectRef idx="0"/>
-    <cs:fontRef idx="minor">
-      <a:schemeClr val="tx1"/>
-    </cs:fontRef>
-    <cs:spPr>
-      <a:ln w="28575" cap="rnd">
-        <a:solidFill>
-          <a:schemeClr val="phClr"/>
-        </a:solidFill>
-        <a:round/>
-      </a:ln>
-    </cs:spPr>
-  </cs:dataPointLine>
-  <cs:dataPointMarker>
-    <cs:lnRef idx="0">
-      <cs:styleClr val="auto"/>
-    </cs:lnRef>
-    <cs:fillRef idx="1">
-      <cs:styleClr val="auto"/>
-    </cs:fillRef>
-    <cs:effectRef idx="0"/>
-    <cs:fontRef idx="minor">
-      <a:schemeClr val="tx1"/>
-    </cs:fontRef>
-    <cs:spPr>
-      <a:ln w="9525">
-        <a:solidFill>
-          <a:schemeClr val="phClr"/>
-        </a:solidFill>
-      </a:ln>
-    </cs:spPr>
-  </cs:dataPointMarker>
-  <cs:dataPointMarkerLayout symbol="circle" size="5"/>
-  <cs:dataPointWireframe>
-    <cs:lnRef idx="0">
-      <cs:styleClr val="auto"/>
-    </cs:lnRef>
-    <cs:fillRef idx="1"/>
-    <cs:effectRef idx="0"/>
-    <cs:fontRef idx="minor">
-      <a:schemeClr val="tx1"/>
-    </cs:fontRef>
-    <cs:spPr>
-      <a:ln w="9525" cap="rnd">
-        <a:solidFill>
-          <a:schemeClr val="phClr"/>
-        </a:solidFill>
-        <a:round/>
-      </a:ln>
-    </cs:spPr>
-  </cs:dataPointWireframe>
-  <cs:dataTable>
-    <cs:lnRef idx="0"/>
-    <cs:fillRef idx="0"/>
-    <cs:effectRef idx="0"/>
-    <cs:fontRef idx="minor">
-      <a:schemeClr val="tx1">
-        <a:lumMod val="65000"/>
-        <a:lumOff val="35000"/>
-      </a:schemeClr>
-    </cs:fontRef>
-    <cs:spPr>
-      <a:noFill/>
-      <a:ln w="9525" cap="flat" cmpd="sng" algn="ctr">
-        <a:solidFill>
-          <a:schemeClr val="tx1">
-            <a:lumMod val="15000"/>
-            <a:lumOff val="85000"/>
-          </a:schemeClr>
-        </a:solidFill>
-        <a:round/>
-      </a:ln>
-    </cs:spPr>
-    <cs:defRPr sz="900" kern="1200"/>
-  </cs:dataTable>
-  <cs:downBar>
-    <cs:lnRef idx="0"/>
-    <cs:fillRef idx="0"/>
-    <cs:effectRef idx="0"/>
-    <cs:fontRef idx="minor">
-      <a:schemeClr val="dk1"/>
-    </cs:fontRef>
-    <cs:spPr>
-      <a:solidFill>
-        <a:schemeClr val="dk1">
-          <a:lumMod val="65000"/>
-          <a:lumOff val="35000"/>
-        </a:schemeClr>
-      </a:solidFill>
-      <a:ln w="9525">
-        <a:solidFill>
-          <a:schemeClr val="tx1">
-            <a:lumMod val="65000"/>
-            <a:lumOff val="35000"/>
-          </a:schemeClr>
-        </a:solidFill>
-      </a:ln>
-    </cs:spPr>
-  </cs:downBar>
-  <cs:dropLine>
-    <cs:lnRef idx="0"/>
-    <cs:fillRef idx="0"/>
-    <cs:effectRef idx="0"/>
-    <cs:fontRef idx="minor">
-      <a:schemeClr val="tx1"/>
-    </cs:fontRef>
-    <cs:spPr>
-      <a:ln w="9525" cap="flat" cmpd="sng" algn="ctr">
-        <a:solidFill>
-          <a:schemeClr val="tx1">
-            <a:lumMod val="35000"/>
-            <a:lumOff val="65000"/>
-          </a:schemeClr>
-        </a:solidFill>
-        <a:round/>
-      </a:ln>
-    </cs:spPr>
-  </cs:dropLine>
-  <cs:errorBar>
-    <cs:lnRef idx="0"/>
-    <cs:fillRef idx="0"/>
-    <cs:effectRef idx="0"/>
-    <cs:fontRef idx="minor">
-      <a:schemeClr val="tx1"/>
-    </cs:fontRef>
-    <cs:spPr>
-      <a:ln w="9525" cap="flat" cmpd="sng" algn="ctr">
-        <a:solidFill>
-          <a:schemeClr val="tx1">
-            <a:lumMod val="65000"/>
-            <a:lumOff val="35000"/>
-          </a:schemeClr>
-        </a:solidFill>
-        <a:round/>
-      </a:ln>
-    </cs:spPr>
-  </cs:errorBar>
-  <cs:floor>
-    <cs:lnRef idx="0"/>
-    <cs:fillRef idx="0"/>
-    <cs:effectRef idx="0"/>
-    <cs:fontRef idx="minor">
-      <a:schemeClr val="tx1"/>
-    </cs:fontRef>
-    <cs:spPr>
-      <a:noFill/>
-      <a:ln>
-        <a:noFill/>
-      </a:ln>
-    </cs:spPr>
-  </cs:floor>
-  <cs:gridlineMajor>
-    <cs:lnRef idx="0"/>
-    <cs:fillRef idx="0"/>
-    <cs:effectRef idx="0"/>
-    <cs:fontRef idx="minor">
-      <a:schemeClr val="tx1"/>
-    </cs:fontRef>
-    <cs:spPr>
-      <a:ln w="9525" cap="flat" cmpd="sng" algn="ctr">
-        <a:solidFill>
-          <a:schemeClr val="tx1">
-            <a:lumMod val="15000"/>
-            <a:lumOff val="85000"/>
-          </a:schemeClr>
-        </a:solidFill>
-        <a:round/>
-      </a:ln>
-    </cs:spPr>
-  </cs:gridlineMajor>
-  <cs:gridlineMinor>
-    <cs:lnRef idx="0"/>
-    <cs:fillRef idx="0"/>
-    <cs:effectRef idx="0"/>
-    <cs:fontRef idx="minor">
-      <a:schemeClr val="tx1"/>
-    </cs:fontRef>
-    <cs:spPr>
-      <a:ln w="9525" cap="flat" cmpd="sng" algn="ctr">
-        <a:solidFill>
-          <a:schemeClr val="tx1">
-            <a:lumMod val="5000"/>
-            <a:lumOff val="95000"/>
-          </a:schemeClr>
-        </a:solidFill>
-        <a:round/>
-      </a:ln>
-    </cs:spPr>
-  </cs:gridlineMinor>
-  <cs:hiLoLine>
-    <cs:lnRef idx="0"/>
-    <cs:fillRef idx="0"/>
-    <cs:effectRef idx="0"/>
-    <cs:fontRef idx="minor">
-      <a:schemeClr val="tx1"/>
-    </cs:fontRef>
-    <cs:spPr>
-      <a:ln w="9525" cap="flat" cmpd="sng" algn="ctr">
-        <a:solidFill>
-          <a:schemeClr val="tx1">
-            <a:lumMod val="75000"/>
-            <a:lumOff val="25000"/>
-          </a:schemeClr>
-        </a:solidFill>
-        <a:round/>
-      </a:ln>
-    </cs:spPr>
-  </cs:hiLoLine>
-  <cs:leaderLine>
-    <cs:lnRef idx="0"/>
-    <cs:fillRef idx="0"/>
-    <cs:effectRef idx="0"/>
-    <cs:fontRef idx="minor">
-      <a:schemeClr val="tx1"/>
-    </cs:fontRef>
-    <cs:spPr>
-      <a:ln w="9525" cap="flat" cmpd="sng" algn="ctr">
-        <a:solidFill>
-          <a:schemeClr val="tx1">
-            <a:lumMod val="35000"/>
-            <a:lumOff val="65000"/>
-          </a:schemeClr>
-        </a:solidFill>
-        <a:round/>
-      </a:ln>
-    </cs:spPr>
-  </cs:leaderLine>
-  <cs:legend>
-    <cs:lnRef idx="0"/>
-    <cs:fillRef idx="0"/>
-    <cs:effectRef idx="0"/>
-    <cs:fontRef idx="minor">
-      <a:schemeClr val="tx1">
-        <a:lumMod val="65000"/>
-        <a:lumOff val="35000"/>
-      </a:schemeClr>
-    </cs:fontRef>
-    <cs:defRPr sz="900" kern="1200"/>
-  </cs:legend>
-  <cs:plotArea mods="allowNoFillOverride allowNoLineOverride">
-    <cs:lnRef idx="0"/>
-    <cs:fillRef idx="0"/>
-    <cs:effectRef idx="0"/>
-    <cs:fontRef idx="minor">
-      <a:schemeClr val="tx1"/>
-    </cs:fontRef>
-  </cs:plotArea>
-  <cs:plotArea3D mods="allowNoFillOverride allowNoLineOverride">
-    <cs:lnRef idx="0"/>
-    <cs:fillRef idx="0"/>
-    <cs:effectRef idx="0"/>
-    <cs:fontRef idx="minor">
-      <a:schemeClr val="tx1"/>
-    </cs:fontRef>
-  </cs:plotArea3D>
-  <cs:seriesAxis>
-    <cs:lnRef idx="0"/>
-    <cs:fillRef idx="0"/>
-    <cs:effectRef idx="0"/>
-    <cs:fontRef idx="minor">
-      <a:schemeClr val="tx1">
-        <a:lumMod val="65000"/>
-        <a:lumOff val="35000"/>
-      </a:schemeClr>
-    </cs:fontRef>
-    <cs:defRPr sz="900" kern="1200"/>
-  </cs:seriesAxis>
-  <cs:seriesLine>
-    <cs:lnRef idx="0"/>
-    <cs:fillRef idx="0"/>
-    <cs:effectRef idx="0"/>
-    <cs:fontRef idx="minor">
-      <a:schemeClr val="tx1"/>
-    </cs:fontRef>
-    <cs:spPr>
-      <a:ln w="9525" cap="flat" cmpd="sng" algn="ctr">
-        <a:solidFill>
-          <a:schemeClr val="tx1">
-            <a:lumMod val="35000"/>
-            <a:lumOff val="65000"/>
-          </a:schemeClr>
-        </a:solidFill>
-        <a:round/>
-      </a:ln>
-    </cs:spPr>
-  </cs:seriesLine>
-  <cs:title>
-    <cs:lnRef idx="0"/>
-    <cs:fillRef idx="0"/>
-    <cs:effectRef idx="0"/>
-    <cs:fontRef idx="minor">
-      <a:schemeClr val="tx1">
-        <a:lumMod val="65000"/>
-        <a:lumOff val="35000"/>
-      </a:schemeClr>
-    </cs:fontRef>
-    <cs:defRPr sz="1400" b="0" kern="1200" spc="0" baseline="0"/>
-  </cs:title>
-  <cs:trendline>
-    <cs:lnRef idx="0">
-      <cs:styleClr val="auto"/>
-    </cs:lnRef>
-    <cs:fillRef idx="0"/>
-    <cs:effectRef idx="0"/>
-    <cs:fontRef idx="minor">
-      <a:schemeClr val="tx1"/>
-    </cs:fontRef>
-    <cs:spPr>
-      <a:ln w="19050" cap="rnd">
-        <a:solidFill>
-          <a:schemeClr val="phClr"/>
-        </a:solidFill>
-        <a:prstDash val="sysDot"/>
-      </a:ln>
-    </cs:spPr>
-  </cs:trendline>
-  <cs:trendlineLabel>
-    <cs:lnRef idx="0"/>
-    <cs:fillRef idx="0"/>
-    <cs:effectRef idx="0"/>
-    <cs:fontRef idx="minor">
-      <a:schemeClr val="tx1">
-        <a:lumMod val="65000"/>
-        <a:lumOff val="35000"/>
-      </a:schemeClr>
-    </cs:fontRef>
-    <cs:defRPr sz="900" kern="1200"/>
-  </cs:trendlineLabel>
-  <cs:upBar>
-    <cs:lnRef idx="0"/>
-    <cs:fillRef idx="0"/>
-    <cs:effectRef idx="0"/>
-    <cs:fontRef idx="minor">
-      <a:schemeClr val="dk1"/>
-    </cs:fontRef>
-    <cs:spPr>
-      <a:solidFill>
-        <a:schemeClr val="lt1"/>
-      </a:solidFill>
-      <a:ln w="9525">
-        <a:solidFill>
-          <a:schemeClr val="tx1">
-            <a:lumMod val="15000"/>
-            <a:lumOff val="85000"/>
-          </a:schemeClr>
-        </a:solidFill>
-      </a:ln>
-    </cs:spPr>
-  </cs:upBar>
-  <cs:valueAxis>
-    <cs:lnRef idx="0"/>
-    <cs:fillRef idx="0"/>
-    <cs:effectRef idx="0"/>
-    <cs:fontRef idx="minor">
-      <a:schemeClr val="tx1">
-        <a:lumMod val="65000"/>
-        <a:lumOff val="35000"/>
-      </a:schemeClr>
-    </cs:fontRef>
-    <cs:defRPr sz="900" kern="1200"/>
-  </cs:valueAxis>
-  <cs:wall>
-    <cs:lnRef idx="0"/>
-    <cs:fillRef idx="0"/>
-    <cs:effectRef idx="0"/>
-    <cs:fontRef idx="minor">
-      <a:schemeClr val="tx1"/>
-    </cs:fontRef>
-    <cs:spPr>
-      <a:noFill/>
-      <a:ln>
-        <a:noFill/>
-      </a:ln>
-    </cs:spPr>
-  </cs:wall>
-</cs:chartStyle>
-</file>
-
-<file path=ppt/charts/style6.xml><?xml version="1.0" encoding="utf-8"?>
 <cs:chartStyle xmlns:cs="http://schemas.microsoft.com/office/drawing/2012/chartStyle" xmlns:a="http://schemas.openxmlformats.org/drawingml/2006/main" id="227">
   <cs:axisTitle>
     <cs:lnRef idx="0"/>
@@ -7765,6 +6597,49 @@
 </c:userShapes>
 </file>
 
+<file path=ppt/drawings/drawing5.xml><?xml version="1.0" encoding="utf-8"?>
+<c:userShapes xmlns:c="http://schemas.openxmlformats.org/drawingml/2006/chart">
+  <cdr:relSizeAnchor xmlns:cdr="http://schemas.openxmlformats.org/drawingml/2006/chartDrawing">
+    <cdr:from>
+      <cdr:x>0.5274</cdr:x>
+      <cdr:y>0.46535</cdr:y>
+    </cdr:from>
+    <cdr:to>
+      <cdr:x>0.6721</cdr:x>
+      <cdr:y>1</cdr:y>
+    </cdr:to>
+    <cdr:sp macro="" textlink="">
+      <cdr:nvSpPr>
+        <cdr:cNvPr id="2" name="CasellaDiTesto 1">
+          <a:extLst xmlns:a="http://schemas.openxmlformats.org/drawingml/2006/main">
+            <a:ext uri="{FF2B5EF4-FFF2-40B4-BE49-F238E27FC236}">
+              <a16:creationId xmlns:a16="http://schemas.microsoft.com/office/drawing/2014/main" id="{65C2006D-2AC4-4EF6-951D-F3840E2327D8}"/>
+            </a:ext>
+          </a:extLst>
+        </cdr:cNvPr>
+        <cdr:cNvSpPr txBox="1"/>
+      </cdr:nvSpPr>
+      <cdr:spPr>
+        <a:xfrm xmlns:a="http://schemas.openxmlformats.org/drawingml/2006/main">
+          <a:off x="3332646" y="834757"/>
+          <a:ext cx="914400" cy="914400"/>
+        </a:xfrm>
+        <a:prstGeom xmlns:a="http://schemas.openxmlformats.org/drawingml/2006/main" prst="rect">
+          <a:avLst/>
+        </a:prstGeom>
+      </cdr:spPr>
+      <cdr:txBody>
+        <a:bodyPr xmlns:a="http://schemas.openxmlformats.org/drawingml/2006/main" vertOverflow="clip" wrap="none" rtlCol="0"/>
+        <a:lstStyle xmlns:a="http://schemas.openxmlformats.org/drawingml/2006/main"/>
+        <a:p xmlns:a="http://schemas.openxmlformats.org/drawingml/2006/main">
+          <a:endParaRPr lang="it-IT" sz="1100" dirty="0"/>
+        </a:p>
+      </cdr:txBody>
+    </cdr:sp>
+  </cdr:relSizeAnchor>
+</c:userShapes>
+</file>
+
 <file path=ppt/notesMasters/notesMaster1.xml><?xml version="1.0" encoding="utf-8"?>
 <p:notesMaster xmlns:a="http://schemas.openxmlformats.org/drawingml/2006/main" xmlns:r="http://schemas.openxmlformats.org/officeDocument/2006/relationships" xmlns:p="http://schemas.openxmlformats.org/presentationml/2006/main">
   <p:cSld>
@@ -7847,7 +6722,7 @@
           <a:p>
             <a:fld id="{7821C63B-7147-40DC-9DD1-A22900D398CA}" type="datetimeFigureOut">
               <a:rPr lang="it-IT" smtClean="0"/>
-              <a:t>17/09/2019</a:t>
+              <a:t>18/09/2019</a:t>
             </a:fld>
             <a:endParaRPr lang="it-IT"/>
           </a:p>
@@ -8842,130 +7717,6 @@
     <p:extLst>
       <p:ext uri="{BB962C8B-B14F-4D97-AF65-F5344CB8AC3E}">
         <p14:creationId xmlns:p14="http://schemas.microsoft.com/office/powerpoint/2010/main" val="219612409"/>
-      </p:ext>
-    </p:extLst>
-  </p:cSld>
-  <p:clrMapOvr>
-    <a:masterClrMapping/>
-  </p:clrMapOvr>
-</p:notes>
-</file>
-
-<file path=ppt/notesSlides/notesSlide7.xml><?xml version="1.0" encoding="utf-8"?>
-<p:notes xmlns:a="http://schemas.openxmlformats.org/drawingml/2006/main" xmlns:r="http://schemas.openxmlformats.org/officeDocument/2006/relationships" xmlns:p="http://schemas.openxmlformats.org/presentationml/2006/main">
-  <p:cSld>
-    <p:spTree>
-      <p:nvGrpSpPr>
-        <p:cNvPr id="1" name=""/>
-        <p:cNvGrpSpPr/>
-        <p:nvPr/>
-      </p:nvGrpSpPr>
-      <p:grpSpPr>
-        <a:xfrm>
-          <a:off x="0" y="0"/>
-          <a:ext cx="0" cy="0"/>
-          <a:chOff x="0" y="0"/>
-          <a:chExt cx="0" cy="0"/>
-        </a:xfrm>
-      </p:grpSpPr>
-      <p:sp>
-        <p:nvSpPr>
-          <p:cNvPr id="2" name="Segnaposto immagine diapositiva 1"/>
-          <p:cNvSpPr>
-            <a:spLocks noGrp="1" noRot="1" noChangeAspect="1"/>
-          </p:cNvSpPr>
-          <p:nvPr>
-            <p:ph type="sldImg"/>
-          </p:nvPr>
-        </p:nvSpPr>
-        <p:spPr/>
-      </p:sp>
-      <p:sp>
-        <p:nvSpPr>
-          <p:cNvPr id="3" name="Segnaposto note 2"/>
-          <p:cNvSpPr>
-            <a:spLocks noGrp="1"/>
-          </p:cNvSpPr>
-          <p:nvPr>
-            <p:ph type="body" idx="1"/>
-          </p:nvPr>
-        </p:nvSpPr>
-        <p:spPr/>
-        <p:txBody>
-          <a:bodyPr/>
-          <a:lstStyle/>
-          <a:p>
-            <a:r>
-              <a:rPr lang="it-IT" dirty="0"/>
-              <a:t>Solo un grafico con </a:t>
-            </a:r>
-            <a:r>
-              <a:rPr lang="it-IT" dirty="0" err="1"/>
-              <a:t>bw</a:t>
-            </a:r>
-            <a:r>
-              <a:rPr lang="it-IT" dirty="0"/>
-              <a:t>/</a:t>
-            </a:r>
-            <a:r>
-              <a:rPr lang="it-IT" dirty="0" err="1"/>
-              <a:t>pkt</a:t>
-            </a:r>
-            <a:r>
-              <a:rPr lang="it-IT" dirty="0"/>
-              <a:t> </a:t>
-            </a:r>
-            <a:r>
-              <a:rPr lang="it-IT" dirty="0" err="1"/>
-              <a:t>loss</a:t>
-            </a:r>
-            <a:r>
-              <a:rPr lang="it-IT" dirty="0"/>
-              <a:t> per </a:t>
-            </a:r>
-            <a:r>
-              <a:rPr lang="it-IT" dirty="0" err="1"/>
-              <a:t>testbed</a:t>
-            </a:r>
-            <a:r>
-              <a:rPr lang="it-IT" dirty="0"/>
-              <a:t> e </a:t>
-            </a:r>
-            <a:r>
-              <a:rPr lang="it-IT" dirty="0" err="1"/>
-              <a:t>mininet</a:t>
-            </a:r>
-            <a:endParaRPr lang="it-IT" dirty="0"/>
-          </a:p>
-        </p:txBody>
-      </p:sp>
-      <p:sp>
-        <p:nvSpPr>
-          <p:cNvPr id="4" name="Segnaposto numero diapositiva 3"/>
-          <p:cNvSpPr>
-            <a:spLocks noGrp="1"/>
-          </p:cNvSpPr>
-          <p:nvPr>
-            <p:ph type="sldNum" sz="quarter" idx="5"/>
-          </p:nvPr>
-        </p:nvSpPr>
-        <p:spPr/>
-        <p:txBody>
-          <a:bodyPr/>
-          <a:lstStyle/>
-          <a:p>
-            <a:fld id="{E2A6B88F-49BB-49DF-9CD9-134570298B2C}" type="slidenum">
-              <a:rPr lang="it-IT" smtClean="0"/>
-              <a:t>14</a:t>
-            </a:fld>
-            <a:endParaRPr lang="it-IT"/>
-          </a:p>
-        </p:txBody>
-      </p:sp>
-    </p:spTree>
-    <p:extLst>
-      <p:ext uri="{BB962C8B-B14F-4D97-AF65-F5344CB8AC3E}">
-        <p14:creationId xmlns:p14="http://schemas.microsoft.com/office/powerpoint/2010/main" val="570464284"/>
       </p:ext>
     </p:extLst>
   </p:cSld>
@@ -11262,7 +10013,7 @@
           <p:nvPr>
             <p:extLst>
               <p:ext uri="{D42A27DB-BD31-4B8C-83A1-F6EECF244321}">
-                <p14:modId xmlns:p14="http://schemas.microsoft.com/office/powerpoint/2010/main" val="1427206363"/>
+                <p14:modId xmlns:p14="http://schemas.microsoft.com/office/powerpoint/2010/main" val="2673199445"/>
               </p:ext>
             </p:extLst>
           </p:nvPr>
@@ -11292,7 +10043,7 @@
           <p:nvPr>
             <p:extLst>
               <p:ext uri="{D42A27DB-BD31-4B8C-83A1-F6EECF244321}">
-                <p14:modId xmlns:p14="http://schemas.microsoft.com/office/powerpoint/2010/main" val="3556914083"/>
+                <p14:modId xmlns:p14="http://schemas.microsoft.com/office/powerpoint/2010/main" val="3152664696"/>
               </p:ext>
             </p:extLst>
           </p:nvPr>
@@ -11611,7 +10362,7 @@
           <p:nvPr>
             <p:extLst>
               <p:ext uri="{D42A27DB-BD31-4B8C-83A1-F6EECF244321}">
-                <p14:modId xmlns:p14="http://schemas.microsoft.com/office/powerpoint/2010/main" val="3922172385"/>
+                <p14:modId xmlns:p14="http://schemas.microsoft.com/office/powerpoint/2010/main" val="1994994335"/>
               </p:ext>
             </p:extLst>
           </p:nvPr>
@@ -11641,13 +10392,13 @@
           <p:nvPr>
             <p:extLst>
               <p:ext uri="{D42A27DB-BD31-4B8C-83A1-F6EECF244321}">
-                <p14:modId xmlns:p14="http://schemas.microsoft.com/office/powerpoint/2010/main" val="3561339476"/>
+                <p14:modId xmlns:p14="http://schemas.microsoft.com/office/powerpoint/2010/main" val="2425548501"/>
               </p:ext>
             </p:extLst>
           </p:nvPr>
         </p:nvGraphicFramePr>
         <p:xfrm>
-          <a:off x="982661" y="736979"/>
+          <a:off x="712732" y="736979"/>
           <a:ext cx="7010515" cy="3166281"/>
         </p:xfrm>
         <a:graphic>
@@ -11686,105 +10437,12 @@
           <a:chExt cx="0" cy="0"/>
         </a:xfrm>
       </p:grpSpPr>
-      <p:sp>
-        <p:nvSpPr>
-          <p:cNvPr id="2" name="Titolo 1">
+      <p:graphicFrame>
+        <p:nvGraphicFramePr>
+          <p:cNvPr id="6" name="Grafico 5">
             <a:extLst>
               <a:ext uri="{FF2B5EF4-FFF2-40B4-BE49-F238E27FC236}">
-                <a16:creationId xmlns:a16="http://schemas.microsoft.com/office/drawing/2014/main" id="{20367EE2-498F-41BC-9C22-4256737E52BC}"/>
-              </a:ext>
-            </a:extLst>
-          </p:cNvPr>
-          <p:cNvSpPr>
-            <a:spLocks noGrp="1"/>
-          </p:cNvSpPr>
-          <p:nvPr>
-            <p:ph type="title"/>
-          </p:nvPr>
-        </p:nvSpPr>
-        <p:spPr/>
-        <p:txBody>
-          <a:bodyPr/>
-          <a:lstStyle/>
-          <a:p>
-            <a:r>
-              <a:rPr lang="it-IT" sz="2800" dirty="0" err="1"/>
-              <a:t>Testbed</a:t>
-            </a:r>
-            <a:r>
-              <a:rPr lang="it-IT" sz="2800" dirty="0"/>
-              <a:t> </a:t>
-            </a:r>
-            <a:r>
-              <a:rPr lang="it-IT" sz="2800" dirty="0" err="1"/>
-              <a:t>statistics</a:t>
-            </a:r>
-            <a:r>
-              <a:rPr lang="it-IT" sz="2800" dirty="0"/>
-              <a:t>: </a:t>
-            </a:r>
-            <a:r>
-              <a:rPr lang="it-IT" sz="2800" dirty="0" err="1"/>
-              <a:t>packet</a:t>
-            </a:r>
-            <a:r>
-              <a:rPr lang="it-IT" sz="2800" dirty="0"/>
-              <a:t> </a:t>
-            </a:r>
-            <a:r>
-              <a:rPr lang="it-IT" sz="2800" dirty="0" err="1"/>
-              <a:t>loss</a:t>
-            </a:r>
-            <a:r>
-              <a:rPr lang="it-IT" sz="2800" dirty="0"/>
-              <a:t> </a:t>
-            </a:r>
-            <a:r>
-              <a:rPr lang="it-IT" sz="2800" dirty="0" err="1"/>
-              <a:t>during</a:t>
-            </a:r>
-            <a:r>
-              <a:rPr lang="it-IT" sz="2800" dirty="0"/>
-              <a:t> switching events</a:t>
-            </a:r>
-          </a:p>
-        </p:txBody>
-      </p:sp>
-      <p:sp>
-        <p:nvSpPr>
-          <p:cNvPr id="3" name="Segnaposto numero diapositiva 2">
-            <a:extLst>
-              <a:ext uri="{FF2B5EF4-FFF2-40B4-BE49-F238E27FC236}">
-                <a16:creationId xmlns:a16="http://schemas.microsoft.com/office/drawing/2014/main" id="{8EC1188D-CF74-4791-B482-4F902C21EBFC}"/>
-              </a:ext>
-            </a:extLst>
-          </p:cNvPr>
-          <p:cNvSpPr>
-            <a:spLocks noGrp="1"/>
-          </p:cNvSpPr>
-          <p:nvPr>
-            <p:ph type="sldNum" sz="quarter" idx="12"/>
-          </p:nvPr>
-        </p:nvSpPr>
-        <p:spPr/>
-        <p:txBody>
-          <a:bodyPr/>
-          <a:lstStyle/>
-          <a:p>
-            <a:fld id="{07C31548-3396-48E6-A4F0-B6B6C960F6EE}" type="slidenum">
-              <a:rPr lang="it-IT" smtClean="0"/>
-              <a:t>14</a:t>
-            </a:fld>
-            <a:endParaRPr lang="it-IT" dirty="0"/>
-          </a:p>
-        </p:txBody>
-      </p:sp>
-      <p:graphicFrame>
-        <p:nvGraphicFramePr>
-          <p:cNvPr id="5" name="Grafico 4">
-            <a:extLst>
-              <a:ext uri="{FF2B5EF4-FFF2-40B4-BE49-F238E27FC236}">
-                <a16:creationId xmlns:a16="http://schemas.microsoft.com/office/drawing/2014/main" id="{C4DA6524-B32E-4E34-88E6-F46426983030}"/>
+                <a16:creationId xmlns:a16="http://schemas.microsoft.com/office/drawing/2014/main" id="{D0B4BC44-7AC1-4E5A-A5EC-3F2F75ACCF48}"/>
               </a:ext>
             </a:extLst>
           </p:cNvPr>
@@ -11794,51 +10452,73 @@
           <p:nvPr>
             <p:extLst>
               <p:ext uri="{D42A27DB-BD31-4B8C-83A1-F6EECF244321}">
-                <p14:modId xmlns:p14="http://schemas.microsoft.com/office/powerpoint/2010/main" val="3450333742"/>
+                <p14:modId xmlns:p14="http://schemas.microsoft.com/office/powerpoint/2010/main" val="4151730067"/>
               </p:ext>
             </p:extLst>
           </p:nvPr>
         </p:nvGraphicFramePr>
         <p:xfrm>
-          <a:off x="989412" y="1232680"/>
-          <a:ext cx="7165175" cy="4689817"/>
+          <a:off x="420413" y="1456267"/>
+          <a:ext cx="6319053" cy="1710265"/>
         </p:xfrm>
         <a:graphic>
           <a:graphicData uri="http://schemas.openxmlformats.org/drawingml/2006/chart">
-            <c:chart xmlns:c="http://schemas.openxmlformats.org/drawingml/2006/chart" xmlns:r="http://schemas.openxmlformats.org/officeDocument/2006/relationships" r:id="rId3"/>
+            <c:chart xmlns:c="http://schemas.openxmlformats.org/drawingml/2006/chart" xmlns:r="http://schemas.openxmlformats.org/officeDocument/2006/relationships" r:id="rId2"/>
           </a:graphicData>
         </a:graphic>
       </p:graphicFrame>
-    </p:spTree>
-    <p:extLst>
-      <p:ext uri="{BB962C8B-B14F-4D97-AF65-F5344CB8AC3E}">
-        <p14:creationId xmlns:p14="http://schemas.microsoft.com/office/powerpoint/2010/main" val="885299283"/>
-      </p:ext>
-    </p:extLst>
-  </p:cSld>
-  <p:clrMapOvr>
-    <a:masterClrMapping/>
-  </p:clrMapOvr>
-</p:sld>
-</file>
-
-<file path=ppt/slides/slide15.xml><?xml version="1.0" encoding="utf-8"?>
-<p:sld xmlns:a="http://schemas.openxmlformats.org/drawingml/2006/main" xmlns:r="http://schemas.openxmlformats.org/officeDocument/2006/relationships" xmlns:p="http://schemas.openxmlformats.org/presentationml/2006/main">
-  <p:cSld>
-    <p:spTree>
-      <p:nvGrpSpPr>
-        <p:cNvPr id="1" name=""/>
-        <p:cNvGrpSpPr/>
-        <p:nvPr/>
-      </p:nvGrpSpPr>
-      <p:grpSpPr>
-        <a:xfrm>
-          <a:off x="0" y="0"/>
-          <a:ext cx="0" cy="0"/>
-          <a:chOff x="0" y="0"/>
-          <a:chExt cx="0" cy="0"/>
-        </a:xfrm>
-      </p:grpSpPr>
+      <p:sp>
+        <p:nvSpPr>
+          <p:cNvPr id="10" name="Rettangolo 9">
+            <a:extLst>
+              <a:ext uri="{FF2B5EF4-FFF2-40B4-BE49-F238E27FC236}">
+                <a16:creationId xmlns:a16="http://schemas.microsoft.com/office/drawing/2014/main" id="{C15BD5E1-31C1-4B19-AC20-1B25686A226B}"/>
+              </a:ext>
+            </a:extLst>
+          </p:cNvPr>
+          <p:cNvSpPr/>
+          <p:nvPr/>
+        </p:nvSpPr>
+        <p:spPr>
+          <a:xfrm>
+            <a:off x="953737" y="2630101"/>
+            <a:ext cx="5785729" cy="207733"/>
+          </a:xfrm>
+          <a:prstGeom prst="rect">
+            <a:avLst/>
+          </a:prstGeom>
+          <a:solidFill>
+            <a:schemeClr val="bg1"/>
+          </a:solidFill>
+          <a:ln>
+            <a:noFill/>
+          </a:ln>
+        </p:spPr>
+        <p:style>
+          <a:lnRef idx="2">
+            <a:schemeClr val="accent1">
+              <a:shade val="50000"/>
+            </a:schemeClr>
+          </a:lnRef>
+          <a:fillRef idx="1">
+            <a:schemeClr val="accent1"/>
+          </a:fillRef>
+          <a:effectRef idx="0">
+            <a:schemeClr val="accent1"/>
+          </a:effectRef>
+          <a:fontRef idx="minor">
+            <a:schemeClr val="lt1"/>
+          </a:fontRef>
+        </p:style>
+        <p:txBody>
+          <a:bodyPr rtlCol="0" anchor="ctr"/>
+          <a:lstStyle/>
+          <a:p>
+            <a:pPr algn="ctr"/>
+            <a:endParaRPr lang="it-IT"/>
+          </a:p>
+        </p:txBody>
+      </p:sp>
       <p:sp>
         <p:nvSpPr>
           <p:cNvPr id="2" name="Titolo 1">
@@ -11855,12 +10535,69 @@
             <p:ph type="title"/>
           </p:nvPr>
         </p:nvSpPr>
-        <p:spPr/>
+        <p:spPr>
+          <a:xfrm>
+            <a:off x="712732" y="133833"/>
+            <a:ext cx="8267982" cy="362884"/>
+          </a:xfrm>
+        </p:spPr>
         <p:txBody>
           <a:bodyPr/>
           <a:lstStyle/>
           <a:p>
-            <a:endParaRPr lang="it-IT"/>
+            <a:r>
+              <a:rPr lang="it-IT" dirty="0" err="1"/>
+              <a:t>Testbed</a:t>
+            </a:r>
+            <a:r>
+              <a:rPr lang="it-IT" dirty="0"/>
+              <a:t> </a:t>
+            </a:r>
+            <a:r>
+              <a:rPr lang="it-IT" dirty="0" err="1"/>
+              <a:t>statistics</a:t>
+            </a:r>
+            <a:r>
+              <a:rPr lang="it-IT" dirty="0"/>
+              <a:t>: </a:t>
+            </a:r>
+            <a:r>
+              <a:rPr lang="it-IT" dirty="0" err="1"/>
+              <a:t>packet</a:t>
+            </a:r>
+            <a:r>
+              <a:rPr lang="it-IT" dirty="0"/>
+              <a:t> </a:t>
+            </a:r>
+            <a:r>
+              <a:rPr lang="it-IT" dirty="0" err="1"/>
+              <a:t>loss</a:t>
+            </a:r>
+            <a:r>
+              <a:rPr lang="it-IT" dirty="0"/>
+              <a:t> </a:t>
+            </a:r>
+            <a:r>
+              <a:rPr lang="it-IT" dirty="0" err="1"/>
+              <a:t>during</a:t>
+            </a:r>
+            <a:r>
+              <a:rPr lang="it-IT" dirty="0"/>
+              <a:t> </a:t>
+            </a:r>
+            <a:r>
+              <a:rPr lang="it-IT" dirty="0" err="1"/>
+              <a:t>path</a:t>
+            </a:r>
+            <a:r>
+              <a:rPr lang="it-IT" dirty="0"/>
+              <a:t> </a:t>
+            </a:r>
+            <a:r>
+              <a:rPr lang="it-IT" dirty="0" err="1"/>
+              <a:t>change</a:t>
+            </a:r>
+            <a:endParaRPr lang="it-IT" dirty="0"/>
           </a:p>
         </p:txBody>
       </p:sp>
@@ -11887,42 +10624,12 @@
           <a:p>
             <a:fld id="{07C31548-3396-48E6-A4F0-B6B6C960F6EE}" type="slidenum">
               <a:rPr lang="it-IT" smtClean="0"/>
-              <a:t>15</a:t>
+              <a:t>14</a:t>
             </a:fld>
             <a:endParaRPr lang="it-IT" dirty="0"/>
           </a:p>
         </p:txBody>
       </p:sp>
-      <p:graphicFrame>
-        <p:nvGraphicFramePr>
-          <p:cNvPr id="6" name="Grafico 5">
-            <a:extLst>
-              <a:ext uri="{FF2B5EF4-FFF2-40B4-BE49-F238E27FC236}">
-                <a16:creationId xmlns:a16="http://schemas.microsoft.com/office/drawing/2014/main" id="{D0B4BC44-7AC1-4E5A-A5EC-3F2F75ACCF48}"/>
-              </a:ext>
-            </a:extLst>
-          </p:cNvPr>
-          <p:cNvGraphicFramePr>
-            <a:graphicFrameLocks/>
-          </p:cNvGraphicFramePr>
-          <p:nvPr>
-            <p:extLst>
-              <p:ext uri="{D42A27DB-BD31-4B8C-83A1-F6EECF244321}">
-                <p14:modId xmlns:p14="http://schemas.microsoft.com/office/powerpoint/2010/main" val="250945608"/>
-              </p:ext>
-            </p:extLst>
-          </p:nvPr>
-        </p:nvGraphicFramePr>
-        <p:xfrm>
-          <a:off x="420413" y="1456267"/>
-          <a:ext cx="6319053" cy="1710265"/>
-        </p:xfrm>
-        <a:graphic>
-          <a:graphicData uri="http://schemas.openxmlformats.org/drawingml/2006/chart">
-            <c:chart xmlns:c="http://schemas.openxmlformats.org/drawingml/2006/chart" xmlns:r="http://schemas.openxmlformats.org/officeDocument/2006/relationships" r:id="rId2"/>
-          </a:graphicData>
-        </a:graphic>
-      </p:graphicFrame>
       <p:sp>
         <p:nvSpPr>
           <p:cNvPr id="7" name="CasellaDiTesto 6">
@@ -12019,7 +10726,7 @@
         </p:nvCxnSpPr>
         <p:spPr>
           <a:xfrm>
-            <a:off x="5960534" y="4141412"/>
+            <a:off x="3236998" y="1673515"/>
             <a:ext cx="0" cy="936000"/>
           </a:xfrm>
           <a:prstGeom prst="line">
@@ -12058,8 +10765,8 @@
         </p:nvSpPr>
         <p:spPr>
           <a:xfrm>
-            <a:off x="3055007" y="3818215"/>
-            <a:ext cx="524932" cy="323197"/>
+            <a:off x="2855049" y="2447917"/>
+            <a:ext cx="497269" cy="323197"/>
           </a:xfrm>
           <a:prstGeom prst="ellipse">
             <a:avLst/>
@@ -12096,6 +10803,697 @@
           </a:p>
         </p:txBody>
       </p:sp>
+      <p:cxnSp>
+        <p:nvCxnSpPr>
+          <p:cNvPr id="13" name="Connettore diritto 12">
+            <a:extLst>
+              <a:ext uri="{FF2B5EF4-FFF2-40B4-BE49-F238E27FC236}">
+                <a16:creationId xmlns:a16="http://schemas.microsoft.com/office/drawing/2014/main" id="{805518D1-19D2-46B8-8E24-06B048F5D252}"/>
+              </a:ext>
+            </a:extLst>
+          </p:cNvPr>
+          <p:cNvCxnSpPr>
+            <a:cxnSpLocks/>
+          </p:cNvCxnSpPr>
+          <p:nvPr/>
+        </p:nvCxnSpPr>
+        <p:spPr>
+          <a:xfrm>
+            <a:off x="4569269" y="1673515"/>
+            <a:ext cx="0" cy="936000"/>
+          </a:xfrm>
+          <a:prstGeom prst="line">
+            <a:avLst/>
+          </a:prstGeom>
+          <a:ln>
+            <a:prstDash val="dashDot"/>
+          </a:ln>
+        </p:spPr>
+        <p:style>
+          <a:lnRef idx="1">
+            <a:schemeClr val="accent1"/>
+          </a:lnRef>
+          <a:fillRef idx="0">
+            <a:schemeClr val="accent1"/>
+          </a:fillRef>
+          <a:effectRef idx="0">
+            <a:schemeClr val="accent1"/>
+          </a:effectRef>
+          <a:fontRef idx="minor">
+            <a:schemeClr val="tx1"/>
+          </a:fontRef>
+        </p:style>
+      </p:cxnSp>
+      <p:sp>
+        <p:nvSpPr>
+          <p:cNvPr id="11" name="CasellaDiTesto 10">
+            <a:extLst>
+              <a:ext uri="{FF2B5EF4-FFF2-40B4-BE49-F238E27FC236}">
+                <a16:creationId xmlns:a16="http://schemas.microsoft.com/office/drawing/2014/main" id="{8ABBC019-2DA1-4800-BF33-2688929135DD}"/>
+              </a:ext>
+            </a:extLst>
+          </p:cNvPr>
+          <p:cNvSpPr txBox="1"/>
+          <p:nvPr/>
+        </p:nvSpPr>
+        <p:spPr>
+          <a:xfrm>
+            <a:off x="2690749" y="2742956"/>
+            <a:ext cx="825867" cy="307777"/>
+          </a:xfrm>
+          <a:prstGeom prst="rect">
+            <a:avLst/>
+          </a:prstGeom>
+          <a:noFill/>
+        </p:spPr>
+        <p:txBody>
+          <a:bodyPr wrap="none" rtlCol="0">
+            <a:spAutoFit/>
+          </a:bodyPr>
+          <a:lstStyle/>
+          <a:p>
+            <a:r>
+              <a:rPr lang="it-IT" sz="1400" dirty="0"/>
+              <a:t>∆t=0.08s</a:t>
+            </a:r>
+          </a:p>
+        </p:txBody>
+      </p:sp>
+      <p:cxnSp>
+        <p:nvCxnSpPr>
+          <p:cNvPr id="15" name="Connettore 2 14">
+            <a:extLst>
+              <a:ext uri="{FF2B5EF4-FFF2-40B4-BE49-F238E27FC236}">
+                <a16:creationId xmlns:a16="http://schemas.microsoft.com/office/drawing/2014/main" id="{2F108141-AC10-44AE-834B-A3211E7E50C9}"/>
+              </a:ext>
+            </a:extLst>
+          </p:cNvPr>
+          <p:cNvCxnSpPr>
+            <a:cxnSpLocks/>
+          </p:cNvCxnSpPr>
+          <p:nvPr/>
+        </p:nvCxnSpPr>
+        <p:spPr>
+          <a:xfrm>
+            <a:off x="2946676" y="2601895"/>
+            <a:ext cx="314011" cy="0"/>
+          </a:xfrm>
+          <a:prstGeom prst="straightConnector1">
+            <a:avLst/>
+          </a:prstGeom>
+          <a:ln>
+            <a:solidFill>
+              <a:schemeClr val="tx1"/>
+            </a:solidFill>
+            <a:headEnd type="triangle"/>
+            <a:tailEnd type="triangle"/>
+          </a:ln>
+        </p:spPr>
+        <p:style>
+          <a:lnRef idx="1">
+            <a:schemeClr val="accent1"/>
+          </a:lnRef>
+          <a:fillRef idx="0">
+            <a:schemeClr val="accent1"/>
+          </a:fillRef>
+          <a:effectRef idx="0">
+            <a:schemeClr val="accent1"/>
+          </a:effectRef>
+          <a:fontRef idx="minor">
+            <a:schemeClr val="tx1"/>
+          </a:fontRef>
+        </p:style>
+      </p:cxnSp>
+      <p:graphicFrame>
+        <p:nvGraphicFramePr>
+          <p:cNvPr id="24" name="Tabella 24">
+            <a:extLst>
+              <a:ext uri="{FF2B5EF4-FFF2-40B4-BE49-F238E27FC236}">
+                <a16:creationId xmlns:a16="http://schemas.microsoft.com/office/drawing/2014/main" id="{EB9AB516-BE8F-4550-BAD0-4A2540A3D86F}"/>
+              </a:ext>
+            </a:extLst>
+          </p:cNvPr>
+          <p:cNvGraphicFramePr>
+            <a:graphicFrameLocks noGrp="1"/>
+          </p:cNvGraphicFramePr>
+          <p:nvPr>
+            <p:extLst>
+              <p:ext uri="{D42A27DB-BD31-4B8C-83A1-F6EECF244321}">
+                <p14:modId xmlns:p14="http://schemas.microsoft.com/office/powerpoint/2010/main" val="1022593002"/>
+              </p:ext>
+            </p:extLst>
+          </p:nvPr>
+        </p:nvGraphicFramePr>
+        <p:xfrm>
+          <a:off x="1678980" y="5090626"/>
+          <a:ext cx="6096000" cy="1112520"/>
+        </p:xfrm>
+        <a:graphic>
+          <a:graphicData uri="http://schemas.openxmlformats.org/drawingml/2006/table">
+            <a:tbl>
+              <a:tblPr firstRow="1" bandRow="1">
+                <a:tableStyleId>{D7AC3CCA-C797-4891-BE02-D94E43425B78}</a:tableStyleId>
+              </a:tblPr>
+              <a:tblGrid>
+                <a:gridCol w="1219200">
+                  <a:extLst>
+                    <a:ext uri="{9D8B030D-6E8A-4147-A177-3AD203B41FA5}">
+                      <a16:colId xmlns:a16="http://schemas.microsoft.com/office/drawing/2014/main" val="3387062132"/>
+                    </a:ext>
+                  </a:extLst>
+                </a:gridCol>
+                <a:gridCol w="1219200">
+                  <a:extLst>
+                    <a:ext uri="{9D8B030D-6E8A-4147-A177-3AD203B41FA5}">
+                      <a16:colId xmlns:a16="http://schemas.microsoft.com/office/drawing/2014/main" val="218084292"/>
+                    </a:ext>
+                  </a:extLst>
+                </a:gridCol>
+                <a:gridCol w="1219200">
+                  <a:extLst>
+                    <a:ext uri="{9D8B030D-6E8A-4147-A177-3AD203B41FA5}">
+                      <a16:colId xmlns:a16="http://schemas.microsoft.com/office/drawing/2014/main" val="1041886961"/>
+                    </a:ext>
+                  </a:extLst>
+                </a:gridCol>
+                <a:gridCol w="1219200">
+                  <a:extLst>
+                    <a:ext uri="{9D8B030D-6E8A-4147-A177-3AD203B41FA5}">
+                      <a16:colId xmlns:a16="http://schemas.microsoft.com/office/drawing/2014/main" val="3205901552"/>
+                    </a:ext>
+                  </a:extLst>
+                </a:gridCol>
+                <a:gridCol w="1219200">
+                  <a:extLst>
+                    <a:ext uri="{9D8B030D-6E8A-4147-A177-3AD203B41FA5}">
+                      <a16:colId xmlns:a16="http://schemas.microsoft.com/office/drawing/2014/main" val="4129921281"/>
+                    </a:ext>
+                  </a:extLst>
+                </a:gridCol>
+              </a:tblGrid>
+              <a:tr h="370840">
+                <a:tc>
+                  <a:txBody>
+                    <a:bodyPr/>
+                    <a:lstStyle/>
+                    <a:p>
+                      <a:r>
+                        <a:rPr lang="it-IT" dirty="0" err="1">
+                          <a:solidFill>
+                            <a:schemeClr val="bg1"/>
+                          </a:solidFill>
+                        </a:rPr>
+                        <a:t>Bandwidth</a:t>
+                      </a:r>
+                      <a:endParaRPr lang="it-IT" dirty="0">
+                        <a:solidFill>
+                          <a:schemeClr val="bg1"/>
+                        </a:solidFill>
+                      </a:endParaRPr>
+                    </a:p>
+                  </a:txBody>
+                  <a:tcPr>
+                    <a:solidFill>
+                      <a:schemeClr val="accent2">
+                        <a:lumMod val="75000"/>
+                      </a:schemeClr>
+                    </a:solidFill>
+                  </a:tcPr>
+                </a:tc>
+                <a:tc>
+                  <a:txBody>
+                    <a:bodyPr/>
+                    <a:lstStyle/>
+                    <a:p>
+                      <a:r>
+                        <a:rPr lang="it-IT" dirty="0"/>
+                        <a:t>10 kbit/s</a:t>
+                      </a:r>
+                    </a:p>
+                  </a:txBody>
+                  <a:tcPr>
+                    <a:solidFill>
+                      <a:schemeClr val="bg1"/>
+                    </a:solidFill>
+                  </a:tcPr>
+                </a:tc>
+                <a:tc>
+                  <a:txBody>
+                    <a:bodyPr/>
+                    <a:lstStyle/>
+                    <a:p>
+                      <a:r>
+                        <a:rPr lang="it-IT" dirty="0"/>
+                        <a:t>100 kbit/s</a:t>
+                      </a:r>
+                    </a:p>
+                  </a:txBody>
+                  <a:tcPr>
+                    <a:solidFill>
+                      <a:schemeClr val="bg1"/>
+                    </a:solidFill>
+                  </a:tcPr>
+                </a:tc>
+                <a:tc>
+                  <a:txBody>
+                    <a:bodyPr/>
+                    <a:lstStyle/>
+                    <a:p>
+                      <a:r>
+                        <a:rPr lang="it-IT" dirty="0"/>
+                        <a:t>1 Mbit/s</a:t>
+                      </a:r>
+                    </a:p>
+                  </a:txBody>
+                  <a:tcPr>
+                    <a:solidFill>
+                      <a:schemeClr val="bg1"/>
+                    </a:solidFill>
+                  </a:tcPr>
+                </a:tc>
+                <a:tc>
+                  <a:txBody>
+                    <a:bodyPr/>
+                    <a:lstStyle/>
+                    <a:p>
+                      <a:r>
+                        <a:rPr lang="it-IT" dirty="0"/>
+                        <a:t>10 Mbit/s</a:t>
+                      </a:r>
+                    </a:p>
+                  </a:txBody>
+                  <a:tcPr>
+                    <a:solidFill>
+                      <a:schemeClr val="bg1"/>
+                    </a:solidFill>
+                  </a:tcPr>
+                </a:tc>
+                <a:extLst>
+                  <a:ext uri="{0D108BD9-81ED-4DB2-BD59-A6C34878D82A}">
+                    <a16:rowId xmlns:a16="http://schemas.microsoft.com/office/drawing/2014/main" val="1743074580"/>
+                  </a:ext>
+                </a:extLst>
+              </a:tr>
+              <a:tr h="370840">
+                <a:tc>
+                  <a:txBody>
+                    <a:bodyPr/>
+                    <a:lstStyle/>
+                    <a:p>
+                      <a:r>
+                        <a:rPr lang="it-IT" b="1" dirty="0" err="1">
+                          <a:solidFill>
+                            <a:schemeClr val="bg1"/>
+                          </a:solidFill>
+                        </a:rPr>
+                        <a:t>Mininet</a:t>
+                      </a:r>
+                      <a:endParaRPr lang="it-IT" b="1" dirty="0">
+                        <a:solidFill>
+                          <a:schemeClr val="bg1"/>
+                        </a:solidFill>
+                      </a:endParaRPr>
+                    </a:p>
+                  </a:txBody>
+                  <a:tcPr>
+                    <a:solidFill>
+                      <a:schemeClr val="accent1">
+                        <a:lumMod val="75000"/>
+                      </a:schemeClr>
+                    </a:solidFill>
+                  </a:tcPr>
+                </a:tc>
+                <a:tc>
+                  <a:txBody>
+                    <a:bodyPr/>
+                    <a:lstStyle/>
+                    <a:p>
+                      <a:r>
+                        <a:rPr lang="it-IT" dirty="0"/>
+                        <a:t>0.19%</a:t>
+                      </a:r>
+                    </a:p>
+                  </a:txBody>
+                  <a:tcPr>
+                    <a:solidFill>
+                      <a:schemeClr val="bg1"/>
+                    </a:solidFill>
+                  </a:tcPr>
+                </a:tc>
+                <a:tc>
+                  <a:txBody>
+                    <a:bodyPr/>
+                    <a:lstStyle/>
+                    <a:p>
+                      <a:r>
+                        <a:rPr lang="it-IT" dirty="0"/>
+                        <a:t>0.27%</a:t>
+                      </a:r>
+                    </a:p>
+                  </a:txBody>
+                  <a:tcPr>
+                    <a:solidFill>
+                      <a:schemeClr val="bg1"/>
+                    </a:solidFill>
+                  </a:tcPr>
+                </a:tc>
+                <a:tc>
+                  <a:txBody>
+                    <a:bodyPr/>
+                    <a:lstStyle/>
+                    <a:p>
+                      <a:r>
+                        <a:rPr lang="it-IT" dirty="0"/>
+                        <a:t>0.50%</a:t>
+                      </a:r>
+                    </a:p>
+                  </a:txBody>
+                  <a:tcPr>
+                    <a:solidFill>
+                      <a:schemeClr val="bg1"/>
+                    </a:solidFill>
+                  </a:tcPr>
+                </a:tc>
+                <a:tc>
+                  <a:txBody>
+                    <a:bodyPr/>
+                    <a:lstStyle/>
+                    <a:p>
+                      <a:r>
+                        <a:rPr lang="it-IT" dirty="0"/>
+                        <a:t>1,71%</a:t>
+                      </a:r>
+                    </a:p>
+                  </a:txBody>
+                  <a:tcPr>
+                    <a:solidFill>
+                      <a:schemeClr val="bg1"/>
+                    </a:solidFill>
+                  </a:tcPr>
+                </a:tc>
+                <a:extLst>
+                  <a:ext uri="{0D108BD9-81ED-4DB2-BD59-A6C34878D82A}">
+                    <a16:rowId xmlns:a16="http://schemas.microsoft.com/office/drawing/2014/main" val="3319101871"/>
+                  </a:ext>
+                </a:extLst>
+              </a:tr>
+              <a:tr h="370840">
+                <a:tc>
+                  <a:txBody>
+                    <a:bodyPr/>
+                    <a:lstStyle/>
+                    <a:p>
+                      <a:r>
+                        <a:rPr lang="it-IT" b="1" dirty="0" err="1">
+                          <a:solidFill>
+                            <a:schemeClr val="bg1"/>
+                          </a:solidFill>
+                        </a:rPr>
+                        <a:t>Testbed</a:t>
+                      </a:r>
+                      <a:endParaRPr lang="it-IT" b="1" dirty="0">
+                        <a:solidFill>
+                          <a:schemeClr val="bg1"/>
+                        </a:solidFill>
+                      </a:endParaRPr>
+                    </a:p>
+                  </a:txBody>
+                  <a:tcPr>
+                    <a:solidFill>
+                      <a:schemeClr val="accent1">
+                        <a:lumMod val="75000"/>
+                      </a:schemeClr>
+                    </a:solidFill>
+                  </a:tcPr>
+                </a:tc>
+                <a:tc>
+                  <a:txBody>
+                    <a:bodyPr/>
+                    <a:lstStyle/>
+                    <a:p>
+                      <a:r>
+                        <a:rPr lang="it-IT" dirty="0"/>
+                        <a:t>0,42%</a:t>
+                      </a:r>
+                    </a:p>
+                  </a:txBody>
+                  <a:tcPr>
+                    <a:solidFill>
+                      <a:schemeClr val="bg1"/>
+                    </a:solidFill>
+                  </a:tcPr>
+                </a:tc>
+                <a:tc>
+                  <a:txBody>
+                    <a:bodyPr/>
+                    <a:lstStyle/>
+                    <a:p>
+                      <a:r>
+                        <a:rPr lang="it-IT" dirty="0"/>
+                        <a:t>0,78%</a:t>
+                      </a:r>
+                    </a:p>
+                  </a:txBody>
+                  <a:tcPr>
+                    <a:solidFill>
+                      <a:schemeClr val="bg1"/>
+                    </a:solidFill>
+                  </a:tcPr>
+                </a:tc>
+                <a:tc>
+                  <a:txBody>
+                    <a:bodyPr/>
+                    <a:lstStyle/>
+                    <a:p>
+                      <a:r>
+                        <a:rPr lang="it-IT" dirty="0"/>
+                        <a:t>1,39%</a:t>
+                      </a:r>
+                    </a:p>
+                  </a:txBody>
+                  <a:tcPr>
+                    <a:solidFill>
+                      <a:schemeClr val="bg1"/>
+                    </a:solidFill>
+                  </a:tcPr>
+                </a:tc>
+                <a:tc>
+                  <a:txBody>
+                    <a:bodyPr/>
+                    <a:lstStyle/>
+                    <a:p>
+                      <a:r>
+                        <a:rPr lang="it-IT" dirty="0"/>
+                        <a:t>3,28%</a:t>
+                      </a:r>
+                    </a:p>
+                  </a:txBody>
+                  <a:tcPr>
+                    <a:solidFill>
+                      <a:schemeClr val="bg1"/>
+                    </a:solidFill>
+                  </a:tcPr>
+                </a:tc>
+                <a:extLst>
+                  <a:ext uri="{0D108BD9-81ED-4DB2-BD59-A6C34878D82A}">
+                    <a16:rowId xmlns:a16="http://schemas.microsoft.com/office/drawing/2014/main" val="1644402421"/>
+                  </a:ext>
+                </a:extLst>
+              </a:tr>
+            </a:tbl>
+          </a:graphicData>
+        </a:graphic>
+      </p:graphicFrame>
+      <p:sp>
+        <p:nvSpPr>
+          <p:cNvPr id="26" name="CasellaDiTesto 25">
+            <a:extLst>
+              <a:ext uri="{FF2B5EF4-FFF2-40B4-BE49-F238E27FC236}">
+                <a16:creationId xmlns:a16="http://schemas.microsoft.com/office/drawing/2014/main" id="{FED8F0A8-89DE-4C69-B87A-A5204FE00CBE}"/>
+              </a:ext>
+            </a:extLst>
+          </p:cNvPr>
+          <p:cNvSpPr txBox="1"/>
+          <p:nvPr/>
+        </p:nvSpPr>
+        <p:spPr>
+          <a:xfrm>
+            <a:off x="1678980" y="4577243"/>
+            <a:ext cx="6096000" cy="461665"/>
+          </a:xfrm>
+          <a:prstGeom prst="rect">
+            <a:avLst/>
+          </a:prstGeom>
+          <a:noFill/>
+        </p:spPr>
+        <p:txBody>
+          <a:bodyPr wrap="square" rtlCol="0">
+            <a:spAutoFit/>
+          </a:bodyPr>
+          <a:lstStyle/>
+          <a:p>
+            <a:pPr algn="ctr"/>
+            <a:r>
+              <a:rPr lang="it-IT" sz="2400" b="1" dirty="0" err="1"/>
+              <a:t>Packet</a:t>
+            </a:r>
+            <a:r>
+              <a:rPr lang="it-IT" sz="2400" b="1" dirty="0"/>
+              <a:t> </a:t>
+            </a:r>
+            <a:r>
+              <a:rPr lang="it-IT" sz="2400" b="1" dirty="0" err="1"/>
+              <a:t>loss</a:t>
+            </a:r>
+            <a:r>
+              <a:rPr lang="it-IT" sz="2400" b="1" dirty="0"/>
+              <a:t> (%)</a:t>
+            </a:r>
+          </a:p>
+        </p:txBody>
+      </p:sp>
+      <p:sp>
+        <p:nvSpPr>
+          <p:cNvPr id="27" name="CasellaDiTesto 26">
+            <a:extLst>
+              <a:ext uri="{FF2B5EF4-FFF2-40B4-BE49-F238E27FC236}">
+                <a16:creationId xmlns:a16="http://schemas.microsoft.com/office/drawing/2014/main" id="{F645A9CF-056B-4C46-A477-FDE185DA1D5D}"/>
+              </a:ext>
+            </a:extLst>
+          </p:cNvPr>
+          <p:cNvSpPr txBox="1"/>
+          <p:nvPr/>
+        </p:nvSpPr>
+        <p:spPr>
+          <a:xfrm>
+            <a:off x="286047" y="3279387"/>
+            <a:ext cx="8694667" cy="1477328"/>
+          </a:xfrm>
+          <a:prstGeom prst="rect">
+            <a:avLst/>
+          </a:prstGeom>
+          <a:noFill/>
+        </p:spPr>
+        <p:txBody>
+          <a:bodyPr wrap="square" rtlCol="0">
+            <a:spAutoFit/>
+          </a:bodyPr>
+          <a:lstStyle/>
+          <a:p>
+            <a:pPr marL="285750" indent="-285750">
+              <a:buFont typeface="Arial" panose="020B0604020202020204" pitchFamily="34" charset="0"/>
+              <a:buChar char="•"/>
+            </a:pPr>
+            <a:r>
+              <a:rPr lang="it-IT" sz="2400" dirty="0" err="1"/>
+              <a:t>Transitions</a:t>
+            </a:r>
+            <a:r>
+              <a:rPr lang="it-IT" sz="2400" dirty="0"/>
+              <a:t> </a:t>
+            </a:r>
+            <a:r>
+              <a:rPr lang="it-IT" sz="2400" dirty="0" err="1"/>
+              <a:t>between</a:t>
+            </a:r>
+            <a:r>
+              <a:rPr lang="it-IT" sz="2400" dirty="0"/>
+              <a:t> </a:t>
+            </a:r>
+            <a:r>
+              <a:rPr lang="it-IT" sz="2400" dirty="0" err="1"/>
+              <a:t>paths</a:t>
+            </a:r>
+            <a:r>
+              <a:rPr lang="it-IT" sz="2400" dirty="0"/>
+              <a:t> generate </a:t>
+            </a:r>
+            <a:r>
+              <a:rPr lang="it-IT" sz="2400" dirty="0" err="1"/>
+              <a:t>packet</a:t>
+            </a:r>
+            <a:r>
+              <a:rPr lang="it-IT" sz="2400" dirty="0"/>
+              <a:t> </a:t>
+            </a:r>
+            <a:r>
+              <a:rPr lang="it-IT" sz="2400" dirty="0" err="1"/>
+              <a:t>losses</a:t>
+            </a:r>
+            <a:r>
+              <a:rPr lang="it-IT" sz="2400" dirty="0"/>
+              <a:t>. The </a:t>
+            </a:r>
+            <a:r>
+              <a:rPr lang="it-IT" sz="2400" dirty="0" err="1"/>
+              <a:t>tests</a:t>
+            </a:r>
+            <a:r>
+              <a:rPr lang="it-IT" sz="2400" dirty="0"/>
+              <a:t> </a:t>
+            </a:r>
+            <a:r>
+              <a:rPr lang="it-IT" sz="2400" dirty="0" err="1"/>
+              <a:t>were</a:t>
+            </a:r>
+            <a:r>
+              <a:rPr lang="it-IT" sz="2400" dirty="0"/>
+              <a:t> </a:t>
+            </a:r>
+            <a:r>
+              <a:rPr lang="it-IT" sz="2400" dirty="0" err="1"/>
+              <a:t>performed</a:t>
+            </a:r>
+            <a:r>
+              <a:rPr lang="it-IT" sz="2400" dirty="0"/>
+              <a:t> with </a:t>
+            </a:r>
+            <a:r>
+              <a:rPr lang="it-IT" sz="2400" dirty="0" err="1"/>
+              <a:t>iperf</a:t>
+            </a:r>
+            <a:r>
+              <a:rPr lang="it-IT" sz="2400" dirty="0"/>
+              <a:t> (UDP): the </a:t>
+            </a:r>
+            <a:r>
+              <a:rPr lang="it-IT" sz="2400" dirty="0" err="1"/>
+              <a:t>results</a:t>
+            </a:r>
+            <a:r>
+              <a:rPr lang="it-IT" sz="2400" dirty="0"/>
+              <a:t> in the </a:t>
+            </a:r>
+            <a:r>
+              <a:rPr lang="it-IT" sz="2400" dirty="0" err="1"/>
+              <a:t>table</a:t>
+            </a:r>
+            <a:r>
+              <a:rPr lang="it-IT" sz="2400" dirty="0"/>
+              <a:t> are an </a:t>
+            </a:r>
+            <a:r>
+              <a:rPr lang="it-IT" sz="2400" dirty="0" err="1"/>
+              <a:t>average</a:t>
+            </a:r>
+            <a:r>
+              <a:rPr lang="it-IT" sz="2400" dirty="0"/>
+              <a:t> over multiple </a:t>
+            </a:r>
+            <a:r>
+              <a:rPr lang="it-IT" sz="2400" dirty="0" err="1"/>
+              <a:t>experiments</a:t>
+            </a:r>
+            <a:r>
+              <a:rPr lang="it-IT" dirty="0"/>
+              <a:t>.</a:t>
+            </a:r>
+          </a:p>
+          <a:p>
+            <a:endParaRPr lang="it-IT" dirty="0"/>
+          </a:p>
+        </p:txBody>
+      </p:sp>
     </p:spTree>
     <p:extLst>
       <p:ext uri="{BB962C8B-B14F-4D97-AF65-F5344CB8AC3E}">
@@ -12106,10 +11504,225 @@
   <p:clrMapOvr>
     <a:masterClrMapping/>
   </p:clrMapOvr>
+  <p:timing>
+    <p:tnLst>
+      <p:par>
+        <p:cTn id="1" dur="indefinite" restart="never" nodeType="tmRoot">
+          <p:childTnLst>
+            <p:seq concurrent="1" nextAc="seek">
+              <p:cTn id="2" dur="indefinite" nodeType="mainSeq">
+                <p:childTnLst>
+                  <p:par>
+                    <p:cTn id="3" fill="hold">
+                      <p:stCondLst>
+                        <p:cond delay="indefinite"/>
+                      </p:stCondLst>
+                      <p:childTnLst>
+                        <p:par>
+                          <p:cTn id="4" fill="hold">
+                            <p:stCondLst>
+                              <p:cond delay="0"/>
+                            </p:stCondLst>
+                            <p:childTnLst>
+                              <p:par>
+                                <p:cTn id="5" presetID="10" presetClass="entr" presetSubtype="0" fill="hold" grpId="0" nodeType="clickEffect">
+                                  <p:stCondLst>
+                                    <p:cond delay="0"/>
+                                  </p:stCondLst>
+                                  <p:childTnLst>
+                                    <p:set>
+                                      <p:cBhvr>
+                                        <p:cTn id="6" dur="1" fill="hold">
+                                          <p:stCondLst>
+                                            <p:cond delay="0"/>
+                                          </p:stCondLst>
+                                        </p:cTn>
+                                        <p:tgtEl>
+                                          <p:spTgt spid="16"/>
+                                        </p:tgtEl>
+                                        <p:attrNameLst>
+                                          <p:attrName>style.visibility</p:attrName>
+                                        </p:attrNameLst>
+                                      </p:cBhvr>
+                                      <p:to>
+                                        <p:strVal val="visible"/>
+                                      </p:to>
+                                    </p:set>
+                                    <p:animEffect transition="in" filter="fade">
+                                      <p:cBhvr>
+                                        <p:cTn id="7" dur="500"/>
+                                        <p:tgtEl>
+                                          <p:spTgt spid="16"/>
+                                        </p:tgtEl>
+                                      </p:cBhvr>
+                                    </p:animEffect>
+                                  </p:childTnLst>
+                                </p:cTn>
+                              </p:par>
+                              <p:par>
+                                <p:cTn id="8" presetID="1" presetClass="entr" presetSubtype="0" fill="hold" grpId="0" nodeType="withEffect">
+                                  <p:stCondLst>
+                                    <p:cond delay="0"/>
+                                  </p:stCondLst>
+                                  <p:childTnLst>
+                                    <p:set>
+                                      <p:cBhvr>
+                                        <p:cTn id="9" dur="1" fill="hold">
+                                          <p:stCondLst>
+                                            <p:cond delay="0"/>
+                                          </p:stCondLst>
+                                        </p:cTn>
+                                        <p:tgtEl>
+                                          <p:spTgt spid="11"/>
+                                        </p:tgtEl>
+                                        <p:attrNameLst>
+                                          <p:attrName>style.visibility</p:attrName>
+                                        </p:attrNameLst>
+                                      </p:cBhvr>
+                                      <p:to>
+                                        <p:strVal val="visible"/>
+                                      </p:to>
+                                    </p:set>
+                                  </p:childTnLst>
+                                </p:cTn>
+                              </p:par>
+                            </p:childTnLst>
+                          </p:cTn>
+                        </p:par>
+                      </p:childTnLst>
+                    </p:cTn>
+                  </p:par>
+                  <p:par>
+                    <p:cTn id="10" fill="hold">
+                      <p:stCondLst>
+                        <p:cond delay="indefinite"/>
+                      </p:stCondLst>
+                      <p:childTnLst>
+                        <p:par>
+                          <p:cTn id="11" fill="hold">
+                            <p:stCondLst>
+                              <p:cond delay="0"/>
+                            </p:stCondLst>
+                            <p:childTnLst>
+                              <p:par>
+                                <p:cTn id="12" presetID="1" presetClass="entr" presetSubtype="0" fill="hold" nodeType="clickEffect">
+                                  <p:stCondLst>
+                                    <p:cond delay="0"/>
+                                  </p:stCondLst>
+                                  <p:childTnLst>
+                                    <p:set>
+                                      <p:cBhvr>
+                                        <p:cTn id="13" dur="1" fill="hold">
+                                          <p:stCondLst>
+                                            <p:cond delay="0"/>
+                                          </p:stCondLst>
+                                        </p:cTn>
+                                        <p:tgtEl>
+                                          <p:spTgt spid="24"/>
+                                        </p:tgtEl>
+                                        <p:attrNameLst>
+                                          <p:attrName>style.visibility</p:attrName>
+                                        </p:attrNameLst>
+                                      </p:cBhvr>
+                                      <p:to>
+                                        <p:strVal val="visible"/>
+                                      </p:to>
+                                    </p:set>
+                                  </p:childTnLst>
+                                </p:cTn>
+                              </p:par>
+                              <p:par>
+                                <p:cTn id="14" presetID="1" presetClass="entr" presetSubtype="0" fill="hold" grpId="0" nodeType="withEffect">
+                                  <p:stCondLst>
+                                    <p:cond delay="0"/>
+                                  </p:stCondLst>
+                                  <p:childTnLst>
+                                    <p:set>
+                                      <p:cBhvr>
+                                        <p:cTn id="15" dur="1" fill="hold">
+                                          <p:stCondLst>
+                                            <p:cond delay="0"/>
+                                          </p:stCondLst>
+                                        </p:cTn>
+                                        <p:tgtEl>
+                                          <p:spTgt spid="26"/>
+                                        </p:tgtEl>
+                                        <p:attrNameLst>
+                                          <p:attrName>style.visibility</p:attrName>
+                                        </p:attrNameLst>
+                                      </p:cBhvr>
+                                      <p:to>
+                                        <p:strVal val="visible"/>
+                                      </p:to>
+                                    </p:set>
+                                  </p:childTnLst>
+                                </p:cTn>
+                              </p:par>
+                              <p:par>
+                                <p:cTn id="16" presetID="1" presetClass="entr" presetSubtype="0" fill="hold" grpId="0" nodeType="withEffect">
+                                  <p:stCondLst>
+                                    <p:cond delay="0"/>
+                                  </p:stCondLst>
+                                  <p:childTnLst>
+                                    <p:set>
+                                      <p:cBhvr>
+                                        <p:cTn id="17" dur="1" fill="hold">
+                                          <p:stCondLst>
+                                            <p:cond delay="0"/>
+                                          </p:stCondLst>
+                                        </p:cTn>
+                                        <p:tgtEl>
+                                          <p:spTgt spid="27"/>
+                                        </p:tgtEl>
+                                        <p:attrNameLst>
+                                          <p:attrName>style.visibility</p:attrName>
+                                        </p:attrNameLst>
+                                      </p:cBhvr>
+                                      <p:to>
+                                        <p:strVal val="visible"/>
+                                      </p:to>
+                                    </p:set>
+                                  </p:childTnLst>
+                                </p:cTn>
+                              </p:par>
+                            </p:childTnLst>
+                          </p:cTn>
+                        </p:par>
+                      </p:childTnLst>
+                    </p:cTn>
+                  </p:par>
+                </p:childTnLst>
+              </p:cTn>
+              <p:prevCondLst>
+                <p:cond evt="onPrev" delay="0">
+                  <p:tgtEl>
+                    <p:sldTgt/>
+                  </p:tgtEl>
+                </p:cond>
+              </p:prevCondLst>
+              <p:nextCondLst>
+                <p:cond evt="onNext" delay="0">
+                  <p:tgtEl>
+                    <p:sldTgt/>
+                  </p:tgtEl>
+                </p:cond>
+              </p:nextCondLst>
+            </p:seq>
+          </p:childTnLst>
+        </p:cTn>
+      </p:par>
+    </p:tnLst>
+    <p:bldLst>
+      <p:bldP spid="16" grpId="0" animBg="1"/>
+      <p:bldP spid="11" grpId="0"/>
+      <p:bldP spid="26" grpId="0"/>
+      <p:bldP spid="27" grpId="0"/>
+    </p:bldLst>
+  </p:timing>
 </p:sld>
 </file>
 
-<file path=ppt/slides/slide16.xml><?xml version="1.0" encoding="utf-8"?>
+<file path=ppt/slides/slide15.xml><?xml version="1.0" encoding="utf-8"?>
 <p:sld xmlns:a="http://schemas.openxmlformats.org/drawingml/2006/main" xmlns:r="http://schemas.openxmlformats.org/officeDocument/2006/relationships" xmlns:p="http://schemas.openxmlformats.org/presentationml/2006/main">
   <p:cSld>
     <p:spTree>
@@ -12194,7 +11807,7 @@
           <a:p>
             <a:fld id="{07C31548-3396-48E6-A4F0-B6B6C960F6EE}" type="slidenum">
               <a:rPr lang="it-IT" smtClean="0"/>
-              <a:t>16</a:t>
+              <a:t>15</a:t>
             </a:fld>
             <a:endParaRPr lang="it-IT" dirty="0"/>
           </a:p>
@@ -12308,66 +11921,81 @@
           <a:bodyPr/>
           <a:lstStyle/>
           <a:p>
-            <a:pPr algn="just"/>
-            <a:r>
-              <a:rPr lang="en-GB" dirty="0"/>
+            <a:pPr marL="457200" indent="-457200">
+              <a:buFont typeface="+mj-lt"/>
+              <a:buAutoNum type="arabicPeriod"/>
+            </a:pPr>
+            <a:r>
+              <a:rPr lang="en-GB" sz="3200" dirty="0"/>
               <a:t>Introduction</a:t>
             </a:r>
           </a:p>
           <a:p>
-            <a:pPr algn="just"/>
-            <a:r>
-              <a:rPr lang="it-IT" dirty="0"/>
+            <a:pPr marL="457200" indent="-457200">
+              <a:buFont typeface="+mj-lt"/>
+              <a:buAutoNum type="arabicPeriod"/>
+            </a:pPr>
+            <a:r>
+              <a:rPr lang="it-IT" sz="3200" dirty="0"/>
               <a:t>Flow chart of the </a:t>
             </a:r>
             <a:r>
-              <a:rPr lang="it-IT" dirty="0" err="1"/>
+              <a:rPr lang="it-IT" sz="3200" dirty="0" err="1"/>
               <a:t>algorithm</a:t>
             </a:r>
-            <a:endParaRPr lang="en-GB" dirty="0"/>
-          </a:p>
-          <a:p>
-            <a:pPr algn="just"/>
-            <a:r>
-              <a:rPr lang="it-IT" dirty="0" err="1"/>
+            <a:endParaRPr lang="en-GB" sz="3200" dirty="0"/>
+          </a:p>
+          <a:p>
+            <a:pPr marL="457200" indent="-457200">
+              <a:buFont typeface="+mj-lt"/>
+              <a:buAutoNum type="arabicPeriod"/>
+            </a:pPr>
+            <a:r>
+              <a:rPr lang="it-IT" sz="3200" dirty="0" err="1"/>
               <a:t>Mininet</a:t>
             </a:r>
             <a:r>
-              <a:rPr lang="it-IT" dirty="0"/>
+              <a:rPr lang="it-IT" sz="3200" dirty="0"/>
               <a:t> </a:t>
             </a:r>
             <a:r>
-              <a:rPr lang="it-IT" dirty="0" err="1"/>
+              <a:rPr lang="it-IT" sz="3200" dirty="0" err="1"/>
               <a:t>example</a:t>
             </a:r>
-            <a:endParaRPr lang="en-GB" dirty="0"/>
-          </a:p>
-          <a:p>
-            <a:pPr algn="just"/>
-            <a:r>
-              <a:rPr lang="it-IT" dirty="0" err="1"/>
+            <a:endParaRPr lang="en-GB" sz="3200" dirty="0"/>
+          </a:p>
+          <a:p>
+            <a:pPr marL="457200" indent="-457200">
+              <a:buFont typeface="+mj-lt"/>
+              <a:buAutoNum type="arabicPeriod"/>
+            </a:pPr>
+            <a:r>
+              <a:rPr lang="it-IT" sz="3200" dirty="0" err="1"/>
               <a:t>Differences</a:t>
             </a:r>
             <a:r>
-              <a:rPr lang="it-IT" dirty="0"/>
+              <a:rPr lang="it-IT" sz="3200" dirty="0"/>
               <a:t> </a:t>
             </a:r>
             <a:r>
-              <a:rPr lang="it-IT" dirty="0" err="1"/>
+              <a:rPr lang="it-IT" sz="3200" dirty="0" err="1"/>
               <a:t>testbed-mininet</a:t>
             </a:r>
             <a:r>
-              <a:rPr lang="it-IT" dirty="0"/>
+              <a:rPr lang="it-IT" sz="3200" dirty="0"/>
               <a:t> simulator</a:t>
             </a:r>
           </a:p>
           <a:p>
-            <a:pPr algn="just"/>
-            <a:r>
-              <a:rPr lang="it-IT" dirty="0" err="1"/>
+            <a:pPr marL="457200" indent="-457200">
+              <a:buFont typeface="+mj-lt"/>
+              <a:buAutoNum type="arabicPeriod"/>
+            </a:pPr>
+            <a:r>
+              <a:rPr lang="it-IT" sz="3200" dirty="0" err="1"/>
               <a:t>Statistics</a:t>
             </a:r>
-            <a:endParaRPr lang="it-IT" dirty="0"/>
+            <a:endParaRPr lang="it-IT" sz="3200" dirty="0"/>
           </a:p>
           <a:p>
             <a:endParaRPr lang="en-GB" dirty="0"/>
@@ -12474,19 +12102,29 @@
         <p:spPr>
           <a:xfrm>
             <a:off x="272955" y="1253331"/>
-            <a:ext cx="8242395" cy="4351338"/>
+            <a:ext cx="8620674" cy="4351338"/>
           </a:xfrm>
         </p:spPr>
         <p:txBody>
           <a:bodyPr>
-            <a:normAutofit/>
+            <a:normAutofit lnSpcReduction="10000"/>
           </a:bodyPr>
           <a:lstStyle/>
           <a:p>
             <a:pPr algn="just"/>
             <a:r>
+              <a:rPr lang="en-US" b="1" dirty="0"/>
+              <a:t>GOAL</a:t>
+            </a:r>
+            <a:endParaRPr lang="en-US" dirty="0"/>
+          </a:p>
+          <a:p>
+            <a:pPr marL="0" indent="0" algn="just">
+              <a:buNone/>
+            </a:pPr>
+            <a:r>
               <a:rPr lang="en-US" dirty="0"/>
-              <a:t>Implement a Ryu application to set up a pair of MPLS link‐disjoint tunnels to connect the source with the destination.</a:t>
+              <a:t>The goal is to implement a Ryu application to set up a pair of MPLS link‐disjoint tunnels to connect two hosts in a network.</a:t>
             </a:r>
           </a:p>
           <a:p>
@@ -12498,42 +12136,58 @@
           <a:p>
             <a:pPr algn="just"/>
             <a:r>
-              <a:rPr lang="en-US" dirty="0"/>
-              <a:t>MPLS connection is based on source and destination MACs</a:t>
-            </a:r>
+              <a:rPr lang="en-US" b="1" dirty="0"/>
+              <a:t>ASSUMPTIONS</a:t>
+            </a:r>
+            <a:endParaRPr lang="en-US" dirty="0"/>
+          </a:p>
+          <a:p>
+            <a:pPr marL="914400" lvl="1" indent="-457200" algn="just">
+              <a:buFont typeface="+mj-lt"/>
+              <a:buAutoNum type="arabicPeriod"/>
+            </a:pPr>
+            <a:r>
+              <a:rPr lang="en-US" sz="2400" dirty="0"/>
+              <a:t>The MPLS connection is based on source and destination MACs</a:t>
+            </a:r>
+          </a:p>
+          <a:p>
+            <a:pPr marL="914400" lvl="1" indent="-457200" algn="just">
+              <a:buFont typeface="+mj-lt"/>
+              <a:buAutoNum type="arabicPeriod"/>
+            </a:pPr>
+            <a:r>
+              <a:rPr lang="en-US" sz="2400" dirty="0"/>
+              <a:t>The application is able to re‐route traffic on the back‐up path in case of a failure of a link of the default path</a:t>
+            </a:r>
+          </a:p>
+          <a:p>
+            <a:pPr marL="457200" lvl="1" indent="0" algn="just">
+              <a:buNone/>
+            </a:pPr>
+            <a:endParaRPr lang="en-US" sz="2800" dirty="0"/>
+          </a:p>
+          <a:p>
+            <a:pPr algn="just"/>
+            <a:r>
+              <a:rPr lang="en-US" sz="2800" b="1" dirty="0"/>
+              <a:t>The project works both on </a:t>
+            </a:r>
+            <a:r>
+              <a:rPr lang="en-US" sz="2800" b="1" dirty="0" err="1"/>
+              <a:t>mininet</a:t>
+            </a:r>
+            <a:r>
+              <a:rPr lang="en-US" sz="2800" b="1" dirty="0"/>
+              <a:t> and the testbed</a:t>
+            </a:r>
+            <a:endParaRPr lang="en-GB" sz="2800" b="1" dirty="0"/>
           </a:p>
           <a:p>
             <a:pPr marL="0" indent="0" algn="just">
               <a:buNone/>
             </a:pPr>
-            <a:endParaRPr lang="en-US" dirty="0"/>
-          </a:p>
-          <a:p>
-            <a:pPr algn="just"/>
-            <a:r>
-              <a:rPr lang="en-US" dirty="0"/>
-              <a:t>The application is able to re‐route traffic on the back‐up path in case of a failure of a link of the default path</a:t>
-            </a:r>
-          </a:p>
-          <a:p>
-            <a:pPr algn="just"/>
-            <a:endParaRPr lang="en-US" dirty="0"/>
-          </a:p>
-          <a:p>
-            <a:pPr algn="just"/>
-            <a:r>
-              <a:rPr lang="en-US" dirty="0"/>
-              <a:t>Project has been developed both on </a:t>
-            </a:r>
-            <a:r>
-              <a:rPr lang="en-US" dirty="0" err="1"/>
-              <a:t>mininet</a:t>
-            </a:r>
-            <a:r>
-              <a:rPr lang="en-US" dirty="0"/>
-              <a:t> and testbed</a:t>
-            </a:r>
-            <a:endParaRPr lang="en-GB" dirty="0"/>
+            <a:endParaRPr lang="en-US" sz="2800" dirty="0"/>
           </a:p>
         </p:txBody>
       </p:sp>
@@ -13018,7 +12672,7 @@
             </a:r>
             <a:r>
               <a:rPr lang="it-IT" sz="2400" dirty="0"/>
-              <a:t> an TCP connection with host2</a:t>
+              <a:t> an IP connection with host2</a:t>
             </a:r>
           </a:p>
           <a:p>
@@ -13056,15 +12710,15 @@
             </a:r>
             <a:r>
               <a:rPr lang="it-IT" sz="2400" dirty="0"/>
-              <a:t> the default rule </a:t>
+              <a:t> </a:t>
             </a:r>
             <a:r>
               <a:rPr lang="it-IT" sz="2400" dirty="0" err="1"/>
-              <a:t>is</a:t>
+              <a:t>table</a:t>
             </a:r>
             <a:r>
               <a:rPr lang="it-IT" sz="2400" dirty="0"/>
-              <a:t> </a:t>
+              <a:t>-miss rules are </a:t>
             </a:r>
             <a:r>
               <a:rPr lang="it-IT" sz="2400" dirty="0" err="1"/>
@@ -13358,9 +13012,10 @@
           </a:bodyPr>
           <a:lstStyle/>
           <a:p>
+            <a:pPr algn="ctr"/>
             <a:r>
               <a:rPr lang="it-IT" sz="900" dirty="0"/>
-              <a:t>Compute </a:t>
+              <a:t>Compute the </a:t>
             </a:r>
             <a:r>
               <a:rPr lang="it-IT" sz="900" dirty="0" err="1"/>
@@ -13368,36 +13023,30 @@
             </a:r>
             <a:r>
               <a:rPr lang="it-IT" sz="900" dirty="0"/>
-              <a:t>=</a:t>
+              <a:t> (</a:t>
             </a:r>
             <a:r>
               <a:rPr lang="it-IT" sz="900" dirty="0" err="1"/>
               <a:t>edge_disjoint_paths</a:t>
             </a:r>
-            <a:endParaRPr lang="it-IT" sz="900" dirty="0"/>
-          </a:p>
-          <a:p>
+            <a:r>
+              <a:rPr lang="it-IT" sz="900" dirty="0"/>
+              <a:t>)</a:t>
+            </a:r>
+          </a:p>
+          <a:p>
+            <a:pPr algn="ctr"/>
             <a:r>
               <a:rPr lang="it-IT" sz="900" dirty="0" err="1"/>
               <a:t>between</a:t>
             </a:r>
             <a:r>
               <a:rPr lang="it-IT" sz="900" dirty="0"/>
-              <a:t> </a:t>
+              <a:t> source and </a:t>
             </a:r>
             <a:r>
               <a:rPr lang="it-IT" sz="900" dirty="0" err="1"/>
-              <a:t>switchSRC</a:t>
-            </a:r>
-            <a:r>
-              <a:rPr lang="it-IT" sz="900" dirty="0"/>
-              <a:t> and</a:t>
-            </a:r>
-          </a:p>
-          <a:p>
-            <a:r>
-              <a:rPr lang="it-IT" sz="900" dirty="0" err="1"/>
-              <a:t>switchDST</a:t>
+              <a:t>destination</a:t>
             </a:r>
             <a:endParaRPr lang="it-IT" sz="900" dirty="0"/>
           </a:p>

--- a/template_project_exam__1_.pptx
+++ b/template_project_exam__1_.pptx
@@ -6722,7 +6722,7 @@
           <a:p>
             <a:fld id="{7821C63B-7147-40DC-9DD1-A22900D398CA}" type="datetimeFigureOut">
               <a:rPr lang="it-IT" smtClean="0"/>
-              <a:t>18/09/2019</a:t>
+              <a:t>19/09/2019</a:t>
             </a:fld>
             <a:endParaRPr lang="it-IT"/>
           </a:p>
@@ -12282,12 +12282,17 @@
           <a:p>
             <a:r>
               <a:rPr lang="it-IT" dirty="0" err="1"/>
-              <a:t>Objective</a:t>
+              <a:t>Initial</a:t>
             </a:r>
             <a:r>
               <a:rPr lang="it-IT" dirty="0"/>
-              <a:t> of the project</a:t>
-            </a:r>
+              <a:t> </a:t>
+            </a:r>
+            <a:r>
+              <a:rPr lang="it-IT" dirty="0" err="1"/>
+              <a:t>conditions</a:t>
+            </a:r>
+            <a:endParaRPr lang="it-IT" dirty="0"/>
           </a:p>
         </p:txBody>
       </p:sp>
@@ -12637,7 +12642,7 @@
         <p:spPr>
           <a:xfrm>
             <a:off x="210207" y="4533149"/>
-            <a:ext cx="8679976" cy="1200329"/>
+            <a:ext cx="8679976" cy="1569660"/>
           </a:xfrm>
           <a:prstGeom prst="rect">
             <a:avLst/>
@@ -12649,6 +12654,28 @@
             <a:spAutoFit/>
           </a:bodyPr>
           <a:lstStyle/>
+          <a:p>
+            <a:pPr marL="285750" indent="-285750" algn="just">
+              <a:buFont typeface="Arial" panose="020B0604020202020204" pitchFamily="34" charset="0"/>
+              <a:buChar char="•"/>
+            </a:pPr>
+            <a:r>
+              <a:rPr lang="it-IT" sz="2400" dirty="0" err="1"/>
+              <a:t>Arbitrary</a:t>
+            </a:r>
+            <a:r>
+              <a:rPr lang="it-IT" sz="2400" dirty="0"/>
+              <a:t> network </a:t>
+            </a:r>
+            <a:r>
+              <a:rPr lang="it-IT" sz="2400" dirty="0" err="1"/>
+              <a:t>composed</a:t>
+            </a:r>
+            <a:r>
+              <a:rPr lang="it-IT" sz="2400" dirty="0"/>
+              <a:t> of rings</a:t>
+            </a:r>
+          </a:p>
           <a:p>
             <a:pPr marL="285750" indent="-285750" algn="just">
               <a:buFont typeface="Arial" panose="020B0604020202020204" pitchFamily="34" charset="0"/>
